--- a/PPTs/bak/UMU SDC TODO.pptx
+++ b/PPTs/bak/UMU SDC TODO.pptx
@@ -5,13 +5,14 @@
     <p:sldMasterId id="2147483648" r:id="rId4"/>
   </p:sldMasterIdLst>
   <p:notesMasterIdLst>
-    <p:notesMasterId r:id="rId9"/>
+    <p:notesMasterId r:id="rId10"/>
   </p:notesMasterIdLst>
   <p:sldIdLst>
     <p:sldId id="256" r:id="rId5"/>
     <p:sldId id="258" r:id="rId6"/>
     <p:sldId id="894" r:id="rId7"/>
     <p:sldId id="257" r:id="rId8"/>
+    <p:sldId id="389" r:id="rId9"/>
   </p:sldIdLst>
   <p:sldSz cx="9144000" cy="6858000" type="screen4x3"/>
   <p:notesSz cx="6858000" cy="9144000"/>
@@ -265,7 +266,7 @@
             <a:fld id="{7C0CEB4B-0D62-444C-A05C-70565453F06B}" type="datetimeFigureOut">
               <a:rPr lang="en-US" smtClean="0"/>
               <a:pPr/>
-              <a:t>5/9/2021</a:t>
+              <a:t>5/16/2021</a:t>
             </a:fld>
             <a:endParaRPr lang="en-US"/>
           </a:p>
@@ -794,7 +795,7 @@
             <a:fld id="{CE1938E7-FCD4-418C-87D0-DD707A52F1FF}" type="datetimeFigureOut">
               <a:rPr lang="en-US" smtClean="0"/>
               <a:pPr/>
-              <a:t>5/9/2021</a:t>
+              <a:t>5/16/2021</a:t>
             </a:fld>
             <a:endParaRPr lang="en-US"/>
           </a:p>
@@ -1334,7 +1335,7 @@
             <a:fld id="{CE1938E7-FCD4-418C-87D0-DD707A52F1FF}" type="datetimeFigureOut">
               <a:rPr lang="en-US" smtClean="0"/>
               <a:pPr/>
-              <a:t>5/9/2021</a:t>
+              <a:t>5/16/2021</a:t>
             </a:fld>
             <a:endParaRPr lang="en-US"/>
           </a:p>
@@ -2471,6 +2472,1265 @@
     <p:extLst>
       <p:ext uri="{BB962C8B-B14F-4D97-AF65-F5344CB8AC3E}">
         <p14:creationId xmlns:p14="http://schemas.microsoft.com/office/powerpoint/2010/main" val="1939888640"/>
+      </p:ext>
+    </p:extLst>
+  </p:cSld>
+  <p:clrMapOvr>
+    <a:masterClrMapping/>
+  </p:clrMapOvr>
+</p:sld>
+</file>
+
+<file path=ppt/slides/slide5.xml><?xml version="1.0" encoding="utf-8"?>
+<p:sld xmlns:a="http://schemas.openxmlformats.org/drawingml/2006/main" xmlns:r="http://schemas.openxmlformats.org/officeDocument/2006/relationships" xmlns:p="http://schemas.openxmlformats.org/presentationml/2006/main">
+  <p:cSld>
+    <p:spTree>
+      <p:nvGrpSpPr>
+        <p:cNvPr id="1" name=""/>
+        <p:cNvGrpSpPr/>
+        <p:nvPr/>
+      </p:nvGrpSpPr>
+      <p:grpSpPr>
+        <a:xfrm>
+          <a:off x="0" y="0"/>
+          <a:ext cx="0" cy="0"/>
+          <a:chOff x="0" y="0"/>
+          <a:chExt cx="0" cy="0"/>
+        </a:xfrm>
+      </p:grpSpPr>
+      <p:sp>
+        <p:nvSpPr>
+          <p:cNvPr id="2" name="Title 1">
+            <a:extLst>
+              <a:ext uri="{FF2B5EF4-FFF2-40B4-BE49-F238E27FC236}">
+                <a16:creationId xmlns:a16="http://schemas.microsoft.com/office/drawing/2014/main" id="{94C9E8D7-A778-4507-8BF4-EF22DE767F55}"/>
+              </a:ext>
+            </a:extLst>
+          </p:cNvPr>
+          <p:cNvSpPr>
+            <a:spLocks noGrp="1"/>
+          </p:cNvSpPr>
+          <p:nvPr>
+            <p:ph type="title"/>
+          </p:nvPr>
+        </p:nvSpPr>
+        <p:spPr/>
+        <p:txBody>
+          <a:bodyPr/>
+          <a:lstStyle/>
+          <a:p>
+            <a:endParaRPr lang="en-SE"/>
+          </a:p>
+        </p:txBody>
+      </p:sp>
+      <p:sp>
+        <p:nvSpPr>
+          <p:cNvPr id="4" name="Slide Number Placeholder 3">
+            <a:extLst>
+              <a:ext uri="{FF2B5EF4-FFF2-40B4-BE49-F238E27FC236}">
+                <a16:creationId xmlns:a16="http://schemas.microsoft.com/office/drawing/2014/main" id="{F802A3B7-AAE0-451B-8509-95A756E63C69}"/>
+              </a:ext>
+            </a:extLst>
+          </p:cNvPr>
+          <p:cNvSpPr>
+            <a:spLocks noGrp="1"/>
+          </p:cNvSpPr>
+          <p:nvPr>
+            <p:ph type="sldNum" sz="quarter" idx="12"/>
+          </p:nvPr>
+        </p:nvSpPr>
+        <p:spPr bwMode="auto">
+          <a:xfrm>
+            <a:off x="6934200" y="6530035"/>
+            <a:ext cx="2133600" cy="244475"/>
+          </a:xfrm>
+          <a:prstGeom prst="rect">
+            <a:avLst/>
+          </a:prstGeom>
+          <a:noFill/>
+          <a:ln w="9525">
+            <a:noFill/>
+            <a:miter lim="800000"/>
+            <a:headEnd/>
+            <a:tailEnd/>
+          </a:ln>
+          <a:effectLst/>
+        </p:spPr>
+        <p:txBody>
+          <a:bodyPr vert="horz" wrap="square" lIns="91440" tIns="45720" rIns="91440" bIns="45720" numCol="1" anchor="t" anchorCtr="0" compatLnSpc="1">
+            <a:prstTxWarp prst="textNoShape">
+              <a:avLst/>
+            </a:prstTxWarp>
+          </a:bodyPr>
+          <a:lstStyle>
+            <a:defPPr>
+              <a:defRPr lang="en-US"/>
+            </a:defPPr>
+            <a:lvl1pPr algn="r" rtl="0" fontAlgn="base">
+              <a:spcBef>
+                <a:spcPct val="0"/>
+              </a:spcBef>
+              <a:spcAft>
+                <a:spcPct val="0"/>
+              </a:spcAft>
+              <a:defRPr sz="1200" kern="1200">
+                <a:solidFill>
+                  <a:schemeClr val="tx1"/>
+                </a:solidFill>
+                <a:latin typeface="Arial" charset="0"/>
+                <a:ea typeface="宋体" charset="-122"/>
+                <a:cs typeface="+mn-cs"/>
+              </a:defRPr>
+            </a:lvl1pPr>
+            <a:lvl2pPr marL="457200" algn="l" rtl="0" fontAlgn="base">
+              <a:spcBef>
+                <a:spcPct val="0"/>
+              </a:spcBef>
+              <a:spcAft>
+                <a:spcPct val="0"/>
+              </a:spcAft>
+              <a:defRPr kern="1200">
+                <a:solidFill>
+                  <a:schemeClr val="tx1"/>
+                </a:solidFill>
+                <a:latin typeface="Arial" charset="0"/>
+                <a:ea typeface="+mn-ea"/>
+                <a:cs typeface="+mn-cs"/>
+              </a:defRPr>
+            </a:lvl2pPr>
+            <a:lvl3pPr marL="914400" algn="l" rtl="0" fontAlgn="base">
+              <a:spcBef>
+                <a:spcPct val="0"/>
+              </a:spcBef>
+              <a:spcAft>
+                <a:spcPct val="0"/>
+              </a:spcAft>
+              <a:defRPr kern="1200">
+                <a:solidFill>
+                  <a:schemeClr val="tx1"/>
+                </a:solidFill>
+                <a:latin typeface="Arial" charset="0"/>
+                <a:ea typeface="+mn-ea"/>
+                <a:cs typeface="+mn-cs"/>
+              </a:defRPr>
+            </a:lvl3pPr>
+            <a:lvl4pPr marL="1371600" algn="l" rtl="0" fontAlgn="base">
+              <a:spcBef>
+                <a:spcPct val="0"/>
+              </a:spcBef>
+              <a:spcAft>
+                <a:spcPct val="0"/>
+              </a:spcAft>
+              <a:defRPr kern="1200">
+                <a:solidFill>
+                  <a:schemeClr val="tx1"/>
+                </a:solidFill>
+                <a:latin typeface="Arial" charset="0"/>
+                <a:ea typeface="+mn-ea"/>
+                <a:cs typeface="+mn-cs"/>
+              </a:defRPr>
+            </a:lvl4pPr>
+            <a:lvl5pPr marL="1828800" algn="l" rtl="0" fontAlgn="base">
+              <a:spcBef>
+                <a:spcPct val="0"/>
+              </a:spcBef>
+              <a:spcAft>
+                <a:spcPct val="0"/>
+              </a:spcAft>
+              <a:defRPr kern="1200">
+                <a:solidFill>
+                  <a:schemeClr val="tx1"/>
+                </a:solidFill>
+                <a:latin typeface="Arial" charset="0"/>
+                <a:ea typeface="+mn-ea"/>
+                <a:cs typeface="+mn-cs"/>
+              </a:defRPr>
+            </a:lvl5pPr>
+            <a:lvl6pPr marL="2286000" algn="l" defTabSz="914400" rtl="0" eaLnBrk="1" latinLnBrk="0" hangingPunct="1">
+              <a:defRPr kern="1200">
+                <a:solidFill>
+                  <a:schemeClr val="tx1"/>
+                </a:solidFill>
+                <a:latin typeface="Arial" charset="0"/>
+                <a:ea typeface="+mn-ea"/>
+                <a:cs typeface="+mn-cs"/>
+              </a:defRPr>
+            </a:lvl6pPr>
+            <a:lvl7pPr marL="2743200" algn="l" defTabSz="914400" rtl="0" eaLnBrk="1" latinLnBrk="0" hangingPunct="1">
+              <a:defRPr kern="1200">
+                <a:solidFill>
+                  <a:schemeClr val="tx1"/>
+                </a:solidFill>
+                <a:latin typeface="Arial" charset="0"/>
+                <a:ea typeface="+mn-ea"/>
+                <a:cs typeface="+mn-cs"/>
+              </a:defRPr>
+            </a:lvl7pPr>
+            <a:lvl8pPr marL="3200400" algn="l" defTabSz="914400" rtl="0" eaLnBrk="1" latinLnBrk="0" hangingPunct="1">
+              <a:defRPr kern="1200">
+                <a:solidFill>
+                  <a:schemeClr val="tx1"/>
+                </a:solidFill>
+                <a:latin typeface="Arial" charset="0"/>
+                <a:ea typeface="+mn-ea"/>
+                <a:cs typeface="+mn-cs"/>
+              </a:defRPr>
+            </a:lvl8pPr>
+            <a:lvl9pPr marL="3657600" algn="l" defTabSz="914400" rtl="0" eaLnBrk="1" latinLnBrk="0" hangingPunct="1">
+              <a:defRPr kern="1200">
+                <a:solidFill>
+                  <a:schemeClr val="tx1"/>
+                </a:solidFill>
+                <a:latin typeface="Arial" charset="0"/>
+                <a:ea typeface="+mn-ea"/>
+                <a:cs typeface="+mn-cs"/>
+              </a:defRPr>
+            </a:lvl9pPr>
+          </a:lstStyle>
+          <a:p>
+            <a:pPr>
+              <a:defRPr/>
+            </a:pPr>
+            <a:fld id="{F57F456A-00AF-44E6-8D70-638C0D0130FF}" type="slidenum">
+              <a:rPr lang="en-US" altLang="zh-CN" smtClean="0"/>
+              <a:pPr>
+                <a:defRPr/>
+              </a:pPr>
+              <a:t>5</a:t>
+            </a:fld>
+            <a:endParaRPr lang="en-US" altLang="zh-CN"/>
+          </a:p>
+        </p:txBody>
+      </p:sp>
+      <p:pic>
+        <p:nvPicPr>
+          <p:cNvPr id="6" name="Picture 5">
+            <a:extLst>
+              <a:ext uri="{FF2B5EF4-FFF2-40B4-BE49-F238E27FC236}">
+                <a16:creationId xmlns:a16="http://schemas.microsoft.com/office/drawing/2014/main" id="{9F0E4B7F-051D-46E2-BE1A-418AFD1C7272}"/>
+              </a:ext>
+            </a:extLst>
+          </p:cNvPr>
+          <p:cNvPicPr>
+            <a:picLocks noChangeAspect="1"/>
+          </p:cNvPicPr>
+          <p:nvPr/>
+        </p:nvPicPr>
+        <p:blipFill>
+          <a:blip r:embed="rId2"/>
+          <a:stretch>
+            <a:fillRect/>
+          </a:stretch>
+        </p:blipFill>
+        <p:spPr>
+          <a:xfrm>
+            <a:off x="7894" y="110027"/>
+            <a:ext cx="2916486" cy="3312781"/>
+          </a:xfrm>
+          <a:prstGeom prst="rect">
+            <a:avLst/>
+          </a:prstGeom>
+        </p:spPr>
+      </p:pic>
+      <p:pic>
+        <p:nvPicPr>
+          <p:cNvPr id="8" name="Picture 7">
+            <a:extLst>
+              <a:ext uri="{FF2B5EF4-FFF2-40B4-BE49-F238E27FC236}">
+                <a16:creationId xmlns:a16="http://schemas.microsoft.com/office/drawing/2014/main" id="{500A0F5D-4C4D-41E3-93B5-03B279910A5C}"/>
+              </a:ext>
+            </a:extLst>
+          </p:cNvPr>
+          <p:cNvPicPr>
+            <a:picLocks noChangeAspect="1"/>
+          </p:cNvPicPr>
+          <p:nvPr/>
+        </p:nvPicPr>
+        <p:blipFill>
+          <a:blip r:embed="rId3"/>
+          <a:stretch>
+            <a:fillRect/>
+          </a:stretch>
+        </p:blipFill>
+        <p:spPr>
+          <a:xfrm>
+            <a:off x="2992226" y="110027"/>
+            <a:ext cx="2904102" cy="3306589"/>
+          </a:xfrm>
+          <a:prstGeom prst="rect">
+            <a:avLst/>
+          </a:prstGeom>
+        </p:spPr>
+      </p:pic>
+      <p:pic>
+        <p:nvPicPr>
+          <p:cNvPr id="10" name="Picture 9">
+            <a:extLst>
+              <a:ext uri="{FF2B5EF4-FFF2-40B4-BE49-F238E27FC236}">
+                <a16:creationId xmlns:a16="http://schemas.microsoft.com/office/drawing/2014/main" id="{96EC5944-14BD-4B00-95BA-DA457A9D2C94}"/>
+              </a:ext>
+            </a:extLst>
+          </p:cNvPr>
+          <p:cNvPicPr>
+            <a:picLocks noChangeAspect="1"/>
+          </p:cNvPicPr>
+          <p:nvPr/>
+        </p:nvPicPr>
+        <p:blipFill>
+          <a:blip r:embed="rId4"/>
+          <a:stretch>
+            <a:fillRect/>
+          </a:stretch>
+        </p:blipFill>
+        <p:spPr>
+          <a:xfrm>
+            <a:off x="5964174" y="110027"/>
+            <a:ext cx="2910294" cy="3318973"/>
+          </a:xfrm>
+          <a:prstGeom prst="rect">
+            <a:avLst/>
+          </a:prstGeom>
+        </p:spPr>
+      </p:pic>
+      <p:pic>
+        <p:nvPicPr>
+          <p:cNvPr id="12" name="Picture 11">
+            <a:extLst>
+              <a:ext uri="{FF2B5EF4-FFF2-40B4-BE49-F238E27FC236}">
+                <a16:creationId xmlns:a16="http://schemas.microsoft.com/office/drawing/2014/main" id="{43D97608-5EE2-4DE2-8CDF-48A70F590AD3}"/>
+              </a:ext>
+            </a:extLst>
+          </p:cNvPr>
+          <p:cNvPicPr>
+            <a:picLocks noChangeAspect="1"/>
+          </p:cNvPicPr>
+          <p:nvPr/>
+        </p:nvPicPr>
+        <p:blipFill>
+          <a:blip r:embed="rId5"/>
+          <a:stretch>
+            <a:fillRect/>
+          </a:stretch>
+        </p:blipFill>
+        <p:spPr>
+          <a:xfrm>
+            <a:off x="20278" y="3481016"/>
+            <a:ext cx="2891717" cy="3325165"/>
+          </a:xfrm>
+          <a:prstGeom prst="rect">
+            <a:avLst/>
+          </a:prstGeom>
+        </p:spPr>
+      </p:pic>
+      <p:pic>
+        <p:nvPicPr>
+          <p:cNvPr id="14" name="Picture 13">
+            <a:extLst>
+              <a:ext uri="{FF2B5EF4-FFF2-40B4-BE49-F238E27FC236}">
+                <a16:creationId xmlns:a16="http://schemas.microsoft.com/office/drawing/2014/main" id="{3FBAA84C-B0D0-4A4A-89A2-3633E47E0AE6}"/>
+              </a:ext>
+            </a:extLst>
+          </p:cNvPr>
+          <p:cNvPicPr>
+            <a:picLocks noChangeAspect="1"/>
+          </p:cNvPicPr>
+          <p:nvPr/>
+        </p:nvPicPr>
+        <p:blipFill>
+          <a:blip r:embed="rId6"/>
+          <a:stretch>
+            <a:fillRect/>
+          </a:stretch>
+        </p:blipFill>
+        <p:spPr>
+          <a:xfrm>
+            <a:off x="3126141" y="3481016"/>
+            <a:ext cx="2891717" cy="3318973"/>
+          </a:xfrm>
+          <a:prstGeom prst="rect">
+            <a:avLst/>
+          </a:prstGeom>
+        </p:spPr>
+      </p:pic>
+      <p:pic>
+        <p:nvPicPr>
+          <p:cNvPr id="15" name="Picture 14">
+            <a:extLst>
+              <a:ext uri="{FF2B5EF4-FFF2-40B4-BE49-F238E27FC236}">
+                <a16:creationId xmlns:a16="http://schemas.microsoft.com/office/drawing/2014/main" id="{E0FAD037-EBEE-4DC1-AFF1-4B1010DCACA0}"/>
+              </a:ext>
+            </a:extLst>
+          </p:cNvPr>
+          <p:cNvPicPr>
+            <a:picLocks noChangeAspect="1"/>
+          </p:cNvPicPr>
+          <p:nvPr/>
+        </p:nvPicPr>
+        <p:blipFill>
+          <a:blip r:embed="rId7"/>
+          <a:stretch>
+            <a:fillRect/>
+          </a:stretch>
+        </p:blipFill>
+        <p:spPr>
+          <a:xfrm>
+            <a:off x="6046053" y="3519129"/>
+            <a:ext cx="3049942" cy="1786395"/>
+          </a:xfrm>
+          <a:prstGeom prst="rect">
+            <a:avLst/>
+          </a:prstGeom>
+        </p:spPr>
+      </p:pic>
+      <p:graphicFrame>
+        <p:nvGraphicFramePr>
+          <p:cNvPr id="16" name="Table 16">
+            <a:extLst>
+              <a:ext uri="{FF2B5EF4-FFF2-40B4-BE49-F238E27FC236}">
+                <a16:creationId xmlns:a16="http://schemas.microsoft.com/office/drawing/2014/main" id="{D8B2732C-7822-4984-9522-5F5B178168A3}"/>
+              </a:ext>
+            </a:extLst>
+          </p:cNvPr>
+          <p:cNvGraphicFramePr>
+            <a:graphicFrameLocks noGrp="1"/>
+          </p:cNvGraphicFramePr>
+          <p:nvPr>
+            <p:ph idx="1"/>
+          </p:nvPr>
+        </p:nvGraphicFramePr>
+        <p:xfrm>
+          <a:off x="1331640" y="2313935"/>
+          <a:ext cx="1152128" cy="683018"/>
+        </p:xfrm>
+        <a:graphic>
+          <a:graphicData uri="http://schemas.openxmlformats.org/drawingml/2006/table">
+            <a:tbl>
+              <a:tblPr firstRow="1" bandRow="1">
+                <a:tableStyleId>{5940675A-B579-460E-94D1-54222C63F5DA}</a:tableStyleId>
+              </a:tblPr>
+              <a:tblGrid>
+                <a:gridCol w="576064">
+                  <a:extLst>
+                    <a:ext uri="{9D8B030D-6E8A-4147-A177-3AD203B41FA5}">
+                      <a16:colId xmlns:a16="http://schemas.microsoft.com/office/drawing/2014/main" val="1682187565"/>
+                    </a:ext>
+                  </a:extLst>
+                </a:gridCol>
+                <a:gridCol w="576064">
+                  <a:extLst>
+                    <a:ext uri="{9D8B030D-6E8A-4147-A177-3AD203B41FA5}">
+                      <a16:colId xmlns:a16="http://schemas.microsoft.com/office/drawing/2014/main" val="1083604852"/>
+                    </a:ext>
+                  </a:extLst>
+                </a:gridCol>
+              </a:tblGrid>
+              <a:tr h="341509">
+                <a:tc>
+                  <a:txBody>
+                    <a:bodyPr/>
+                    <a:lstStyle/>
+                    <a:p>
+                      <a:r>
+                        <a:rPr lang="en-US" sz="1200" dirty="0"/>
+                        <a:t>FN=2</a:t>
+                      </a:r>
+                      <a:endParaRPr lang="en-SE" sz="1200" dirty="0"/>
+                    </a:p>
+                  </a:txBody>
+                  <a:tcPr/>
+                </a:tc>
+                <a:tc>
+                  <a:txBody>
+                    <a:bodyPr/>
+                    <a:lstStyle/>
+                    <a:p>
+                      <a:r>
+                        <a:rPr lang="en-US" sz="1200" dirty="0"/>
+                        <a:t>TN=0</a:t>
+                      </a:r>
+                      <a:endParaRPr lang="en-SE" sz="1200" dirty="0"/>
+                    </a:p>
+                  </a:txBody>
+                  <a:tcPr/>
+                </a:tc>
+                <a:extLst>
+                  <a:ext uri="{0D108BD9-81ED-4DB2-BD59-A6C34878D82A}">
+                    <a16:rowId xmlns:a16="http://schemas.microsoft.com/office/drawing/2014/main" val="4241156382"/>
+                  </a:ext>
+                </a:extLst>
+              </a:tr>
+              <a:tr h="341509">
+                <a:tc>
+                  <a:txBody>
+                    <a:bodyPr/>
+                    <a:lstStyle/>
+                    <a:p>
+                      <a:r>
+                        <a:rPr lang="en-US" sz="1200" dirty="0"/>
+                        <a:t>TP=1</a:t>
+                      </a:r>
+                      <a:endParaRPr lang="en-SE" sz="1200" dirty="0"/>
+                    </a:p>
+                  </a:txBody>
+                  <a:tcPr/>
+                </a:tc>
+                <a:tc>
+                  <a:txBody>
+                    <a:bodyPr/>
+                    <a:lstStyle/>
+                    <a:p>
+                      <a:r>
+                        <a:rPr lang="en-US" sz="1200" dirty="0"/>
+                        <a:t>FP=0</a:t>
+                      </a:r>
+                      <a:endParaRPr lang="en-SE" sz="1200" dirty="0"/>
+                    </a:p>
+                  </a:txBody>
+                  <a:tcPr/>
+                </a:tc>
+                <a:extLst>
+                  <a:ext uri="{0D108BD9-81ED-4DB2-BD59-A6C34878D82A}">
+                    <a16:rowId xmlns:a16="http://schemas.microsoft.com/office/drawing/2014/main" val="2395611723"/>
+                  </a:ext>
+                </a:extLst>
+              </a:tr>
+            </a:tbl>
+          </a:graphicData>
+        </a:graphic>
+      </p:graphicFrame>
+      <p:graphicFrame>
+        <p:nvGraphicFramePr>
+          <p:cNvPr id="17" name="Table 16">
+            <a:extLst>
+              <a:ext uri="{FF2B5EF4-FFF2-40B4-BE49-F238E27FC236}">
+                <a16:creationId xmlns:a16="http://schemas.microsoft.com/office/drawing/2014/main" id="{045FE403-80DE-4442-A557-CCF5880F5424}"/>
+              </a:ext>
+            </a:extLst>
+          </p:cNvPr>
+          <p:cNvGraphicFramePr>
+            <a:graphicFrameLocks/>
+          </p:cNvGraphicFramePr>
+          <p:nvPr/>
+        </p:nvGraphicFramePr>
+        <p:xfrm>
+          <a:off x="4545579" y="2313935"/>
+          <a:ext cx="1152128" cy="683018"/>
+        </p:xfrm>
+        <a:graphic>
+          <a:graphicData uri="http://schemas.openxmlformats.org/drawingml/2006/table">
+            <a:tbl>
+              <a:tblPr firstRow="1" bandRow="1">
+                <a:tableStyleId>{5940675A-B579-460E-94D1-54222C63F5DA}</a:tableStyleId>
+              </a:tblPr>
+              <a:tblGrid>
+                <a:gridCol w="576064">
+                  <a:extLst>
+                    <a:ext uri="{9D8B030D-6E8A-4147-A177-3AD203B41FA5}">
+                      <a16:colId xmlns:a16="http://schemas.microsoft.com/office/drawing/2014/main" val="1682187565"/>
+                    </a:ext>
+                  </a:extLst>
+                </a:gridCol>
+                <a:gridCol w="576064">
+                  <a:extLst>
+                    <a:ext uri="{9D8B030D-6E8A-4147-A177-3AD203B41FA5}">
+                      <a16:colId xmlns:a16="http://schemas.microsoft.com/office/drawing/2014/main" val="1083604852"/>
+                    </a:ext>
+                  </a:extLst>
+                </a:gridCol>
+              </a:tblGrid>
+              <a:tr h="341509">
+                <a:tc>
+                  <a:txBody>
+                    <a:bodyPr/>
+                    <a:lstStyle/>
+                    <a:p>
+                      <a:r>
+                        <a:rPr lang="en-US" sz="1200" dirty="0"/>
+                        <a:t>FN=1</a:t>
+                      </a:r>
+                      <a:endParaRPr lang="en-SE" sz="1200" dirty="0"/>
+                    </a:p>
+                  </a:txBody>
+                  <a:tcPr/>
+                </a:tc>
+                <a:tc>
+                  <a:txBody>
+                    <a:bodyPr/>
+                    <a:lstStyle/>
+                    <a:p>
+                      <a:r>
+                        <a:rPr lang="en-US" sz="1200" dirty="0"/>
+                        <a:t>TN=0</a:t>
+                      </a:r>
+                      <a:endParaRPr lang="en-SE" sz="1200" dirty="0"/>
+                    </a:p>
+                  </a:txBody>
+                  <a:tcPr/>
+                </a:tc>
+                <a:extLst>
+                  <a:ext uri="{0D108BD9-81ED-4DB2-BD59-A6C34878D82A}">
+                    <a16:rowId xmlns:a16="http://schemas.microsoft.com/office/drawing/2014/main" val="4241156382"/>
+                  </a:ext>
+                </a:extLst>
+              </a:tr>
+              <a:tr h="341509">
+                <a:tc>
+                  <a:txBody>
+                    <a:bodyPr/>
+                    <a:lstStyle/>
+                    <a:p>
+                      <a:r>
+                        <a:rPr lang="en-US" sz="1200" dirty="0"/>
+                        <a:t>TP=2</a:t>
+                      </a:r>
+                      <a:endParaRPr lang="en-SE" sz="1200" dirty="0"/>
+                    </a:p>
+                  </a:txBody>
+                  <a:tcPr/>
+                </a:tc>
+                <a:tc>
+                  <a:txBody>
+                    <a:bodyPr/>
+                    <a:lstStyle/>
+                    <a:p>
+                      <a:r>
+                        <a:rPr lang="en-US" sz="1200" dirty="0"/>
+                        <a:t>FP=0</a:t>
+                      </a:r>
+                      <a:endParaRPr lang="en-SE" sz="1200" dirty="0"/>
+                    </a:p>
+                  </a:txBody>
+                  <a:tcPr/>
+                </a:tc>
+                <a:extLst>
+                  <a:ext uri="{0D108BD9-81ED-4DB2-BD59-A6C34878D82A}">
+                    <a16:rowId xmlns:a16="http://schemas.microsoft.com/office/drawing/2014/main" val="2395611723"/>
+                  </a:ext>
+                </a:extLst>
+              </a:tr>
+            </a:tbl>
+          </a:graphicData>
+        </a:graphic>
+      </p:graphicFrame>
+      <p:graphicFrame>
+        <p:nvGraphicFramePr>
+          <p:cNvPr id="18" name="Table 17">
+            <a:extLst>
+              <a:ext uri="{FF2B5EF4-FFF2-40B4-BE49-F238E27FC236}">
+                <a16:creationId xmlns:a16="http://schemas.microsoft.com/office/drawing/2014/main" id="{07662B7A-2972-4C4A-82B2-0AFA1AD60AEA}"/>
+              </a:ext>
+            </a:extLst>
+          </p:cNvPr>
+          <p:cNvGraphicFramePr>
+            <a:graphicFrameLocks/>
+          </p:cNvGraphicFramePr>
+          <p:nvPr/>
+        </p:nvGraphicFramePr>
+        <p:xfrm>
+          <a:off x="7597513" y="2313935"/>
+          <a:ext cx="1152128" cy="683018"/>
+        </p:xfrm>
+        <a:graphic>
+          <a:graphicData uri="http://schemas.openxmlformats.org/drawingml/2006/table">
+            <a:tbl>
+              <a:tblPr firstRow="1" bandRow="1">
+                <a:tableStyleId>{5940675A-B579-460E-94D1-54222C63F5DA}</a:tableStyleId>
+              </a:tblPr>
+              <a:tblGrid>
+                <a:gridCol w="576064">
+                  <a:extLst>
+                    <a:ext uri="{9D8B030D-6E8A-4147-A177-3AD203B41FA5}">
+                      <a16:colId xmlns:a16="http://schemas.microsoft.com/office/drawing/2014/main" val="1682187565"/>
+                    </a:ext>
+                  </a:extLst>
+                </a:gridCol>
+                <a:gridCol w="576064">
+                  <a:extLst>
+                    <a:ext uri="{9D8B030D-6E8A-4147-A177-3AD203B41FA5}">
+                      <a16:colId xmlns:a16="http://schemas.microsoft.com/office/drawing/2014/main" val="1083604852"/>
+                    </a:ext>
+                  </a:extLst>
+                </a:gridCol>
+              </a:tblGrid>
+              <a:tr h="341509">
+                <a:tc>
+                  <a:txBody>
+                    <a:bodyPr/>
+                    <a:lstStyle/>
+                    <a:p>
+                      <a:r>
+                        <a:rPr lang="en-US" sz="1200" dirty="0"/>
+                        <a:t>FN=1</a:t>
+                      </a:r>
+                      <a:endParaRPr lang="en-SE" sz="1200" dirty="0"/>
+                    </a:p>
+                  </a:txBody>
+                  <a:tcPr/>
+                </a:tc>
+                <a:tc>
+                  <a:txBody>
+                    <a:bodyPr/>
+                    <a:lstStyle/>
+                    <a:p>
+                      <a:r>
+                        <a:rPr lang="en-US" sz="1200" dirty="0"/>
+                        <a:t>TN=0</a:t>
+                      </a:r>
+                      <a:endParaRPr lang="en-SE" sz="1200" dirty="0"/>
+                    </a:p>
+                  </a:txBody>
+                  <a:tcPr/>
+                </a:tc>
+                <a:extLst>
+                  <a:ext uri="{0D108BD9-81ED-4DB2-BD59-A6C34878D82A}">
+                    <a16:rowId xmlns:a16="http://schemas.microsoft.com/office/drawing/2014/main" val="4241156382"/>
+                  </a:ext>
+                </a:extLst>
+              </a:tr>
+              <a:tr h="341509">
+                <a:tc>
+                  <a:txBody>
+                    <a:bodyPr/>
+                    <a:lstStyle/>
+                    <a:p>
+                      <a:r>
+                        <a:rPr lang="en-US" sz="1200" dirty="0"/>
+                        <a:t>TP=2</a:t>
+                      </a:r>
+                      <a:endParaRPr lang="en-SE" sz="1200" dirty="0"/>
+                    </a:p>
+                  </a:txBody>
+                  <a:tcPr/>
+                </a:tc>
+                <a:tc>
+                  <a:txBody>
+                    <a:bodyPr/>
+                    <a:lstStyle/>
+                    <a:p>
+                      <a:r>
+                        <a:rPr lang="en-US" sz="1200" dirty="0"/>
+                        <a:t>FP=1</a:t>
+                      </a:r>
+                      <a:endParaRPr lang="en-SE" sz="1200" dirty="0"/>
+                    </a:p>
+                  </a:txBody>
+                  <a:tcPr/>
+                </a:tc>
+                <a:extLst>
+                  <a:ext uri="{0D108BD9-81ED-4DB2-BD59-A6C34878D82A}">
+                    <a16:rowId xmlns:a16="http://schemas.microsoft.com/office/drawing/2014/main" val="2395611723"/>
+                  </a:ext>
+                </a:extLst>
+              </a:tr>
+            </a:tbl>
+          </a:graphicData>
+        </a:graphic>
+      </p:graphicFrame>
+      <p:graphicFrame>
+        <p:nvGraphicFramePr>
+          <p:cNvPr id="19" name="Table 18">
+            <a:extLst>
+              <a:ext uri="{FF2B5EF4-FFF2-40B4-BE49-F238E27FC236}">
+                <a16:creationId xmlns:a16="http://schemas.microsoft.com/office/drawing/2014/main" id="{C1088A73-0157-44AB-8C3C-C7BA3C7329D8}"/>
+              </a:ext>
+            </a:extLst>
+          </p:cNvPr>
+          <p:cNvGraphicFramePr>
+            <a:graphicFrameLocks/>
+          </p:cNvGraphicFramePr>
+          <p:nvPr/>
+        </p:nvGraphicFramePr>
+        <p:xfrm>
+          <a:off x="1611549" y="5661248"/>
+          <a:ext cx="1152128" cy="683018"/>
+        </p:xfrm>
+        <a:graphic>
+          <a:graphicData uri="http://schemas.openxmlformats.org/drawingml/2006/table">
+            <a:tbl>
+              <a:tblPr firstRow="1" bandRow="1">
+                <a:tableStyleId>{5940675A-B579-460E-94D1-54222C63F5DA}</a:tableStyleId>
+              </a:tblPr>
+              <a:tblGrid>
+                <a:gridCol w="576064">
+                  <a:extLst>
+                    <a:ext uri="{9D8B030D-6E8A-4147-A177-3AD203B41FA5}">
+                      <a16:colId xmlns:a16="http://schemas.microsoft.com/office/drawing/2014/main" val="1682187565"/>
+                    </a:ext>
+                  </a:extLst>
+                </a:gridCol>
+                <a:gridCol w="576064">
+                  <a:extLst>
+                    <a:ext uri="{9D8B030D-6E8A-4147-A177-3AD203B41FA5}">
+                      <a16:colId xmlns:a16="http://schemas.microsoft.com/office/drawing/2014/main" val="1083604852"/>
+                    </a:ext>
+                  </a:extLst>
+                </a:gridCol>
+              </a:tblGrid>
+              <a:tr h="341509">
+                <a:tc>
+                  <a:txBody>
+                    <a:bodyPr/>
+                    <a:lstStyle/>
+                    <a:p>
+                      <a:r>
+                        <a:rPr lang="en-US" sz="1200" dirty="0"/>
+                        <a:t>FN=1</a:t>
+                      </a:r>
+                      <a:endParaRPr lang="en-SE" sz="1200" dirty="0"/>
+                    </a:p>
+                  </a:txBody>
+                  <a:tcPr/>
+                </a:tc>
+                <a:tc>
+                  <a:txBody>
+                    <a:bodyPr/>
+                    <a:lstStyle/>
+                    <a:p>
+                      <a:r>
+                        <a:rPr lang="en-US" sz="1200" dirty="0"/>
+                        <a:t>TN=0</a:t>
+                      </a:r>
+                      <a:endParaRPr lang="en-SE" sz="1200" dirty="0"/>
+                    </a:p>
+                  </a:txBody>
+                  <a:tcPr/>
+                </a:tc>
+                <a:extLst>
+                  <a:ext uri="{0D108BD9-81ED-4DB2-BD59-A6C34878D82A}">
+                    <a16:rowId xmlns:a16="http://schemas.microsoft.com/office/drawing/2014/main" val="4241156382"/>
+                  </a:ext>
+                </a:extLst>
+              </a:tr>
+              <a:tr h="341509">
+                <a:tc>
+                  <a:txBody>
+                    <a:bodyPr/>
+                    <a:lstStyle/>
+                    <a:p>
+                      <a:r>
+                        <a:rPr lang="en-US" sz="1200" dirty="0"/>
+                        <a:t>TP=2</a:t>
+                      </a:r>
+                      <a:endParaRPr lang="en-SE" sz="1200" dirty="0"/>
+                    </a:p>
+                  </a:txBody>
+                  <a:tcPr/>
+                </a:tc>
+                <a:tc>
+                  <a:txBody>
+                    <a:bodyPr/>
+                    <a:lstStyle/>
+                    <a:p>
+                      <a:r>
+                        <a:rPr lang="en-US" sz="1200" dirty="0"/>
+                        <a:t>FP=2</a:t>
+                      </a:r>
+                      <a:endParaRPr lang="en-SE" sz="1200" dirty="0"/>
+                    </a:p>
+                  </a:txBody>
+                  <a:tcPr/>
+                </a:tc>
+                <a:extLst>
+                  <a:ext uri="{0D108BD9-81ED-4DB2-BD59-A6C34878D82A}">
+                    <a16:rowId xmlns:a16="http://schemas.microsoft.com/office/drawing/2014/main" val="2395611723"/>
+                  </a:ext>
+                </a:extLst>
+              </a:tr>
+            </a:tbl>
+          </a:graphicData>
+        </a:graphic>
+      </p:graphicFrame>
+      <p:graphicFrame>
+        <p:nvGraphicFramePr>
+          <p:cNvPr id="20" name="Table 19">
+            <a:extLst>
+              <a:ext uri="{FF2B5EF4-FFF2-40B4-BE49-F238E27FC236}">
+                <a16:creationId xmlns:a16="http://schemas.microsoft.com/office/drawing/2014/main" id="{55F0BC10-1C00-4B8B-86DB-B1B18D34490E}"/>
+              </a:ext>
+            </a:extLst>
+          </p:cNvPr>
+          <p:cNvGraphicFramePr>
+            <a:graphicFrameLocks/>
+          </p:cNvGraphicFramePr>
+          <p:nvPr/>
+        </p:nvGraphicFramePr>
+        <p:xfrm>
+          <a:off x="5320264" y="5858579"/>
+          <a:ext cx="1152128" cy="683018"/>
+        </p:xfrm>
+        <a:graphic>
+          <a:graphicData uri="http://schemas.openxmlformats.org/drawingml/2006/table">
+            <a:tbl>
+              <a:tblPr firstRow="1" bandRow="1">
+                <a:tableStyleId>{5940675A-B579-460E-94D1-54222C63F5DA}</a:tableStyleId>
+              </a:tblPr>
+              <a:tblGrid>
+                <a:gridCol w="576064">
+                  <a:extLst>
+                    <a:ext uri="{9D8B030D-6E8A-4147-A177-3AD203B41FA5}">
+                      <a16:colId xmlns:a16="http://schemas.microsoft.com/office/drawing/2014/main" val="1682187565"/>
+                    </a:ext>
+                  </a:extLst>
+                </a:gridCol>
+                <a:gridCol w="576064">
+                  <a:extLst>
+                    <a:ext uri="{9D8B030D-6E8A-4147-A177-3AD203B41FA5}">
+                      <a16:colId xmlns:a16="http://schemas.microsoft.com/office/drawing/2014/main" val="1083604852"/>
+                    </a:ext>
+                  </a:extLst>
+                </a:gridCol>
+              </a:tblGrid>
+              <a:tr h="341509">
+                <a:tc>
+                  <a:txBody>
+                    <a:bodyPr/>
+                    <a:lstStyle/>
+                    <a:p>
+                      <a:r>
+                        <a:rPr lang="en-US" sz="1200" dirty="0"/>
+                        <a:t>FN=0</a:t>
+                      </a:r>
+                      <a:endParaRPr lang="en-SE" sz="1200" dirty="0"/>
+                    </a:p>
+                  </a:txBody>
+                  <a:tcPr/>
+                </a:tc>
+                <a:tc>
+                  <a:txBody>
+                    <a:bodyPr/>
+                    <a:lstStyle/>
+                    <a:p>
+                      <a:r>
+                        <a:rPr lang="en-US" sz="1200" dirty="0"/>
+                        <a:t>TN=0</a:t>
+                      </a:r>
+                      <a:endParaRPr lang="en-SE" sz="1200" dirty="0"/>
+                    </a:p>
+                  </a:txBody>
+                  <a:tcPr/>
+                </a:tc>
+                <a:extLst>
+                  <a:ext uri="{0D108BD9-81ED-4DB2-BD59-A6C34878D82A}">
+                    <a16:rowId xmlns:a16="http://schemas.microsoft.com/office/drawing/2014/main" val="4241156382"/>
+                  </a:ext>
+                </a:extLst>
+              </a:tr>
+              <a:tr h="341509">
+                <a:tc>
+                  <a:txBody>
+                    <a:bodyPr/>
+                    <a:lstStyle/>
+                    <a:p>
+                      <a:r>
+                        <a:rPr lang="en-US" sz="1200" dirty="0"/>
+                        <a:t>TP=3</a:t>
+                      </a:r>
+                      <a:endParaRPr lang="en-SE" sz="1200" dirty="0"/>
+                    </a:p>
+                  </a:txBody>
+                  <a:tcPr/>
+                </a:tc>
+                <a:tc>
+                  <a:txBody>
+                    <a:bodyPr/>
+                    <a:lstStyle/>
+                    <a:p>
+                      <a:r>
+                        <a:rPr lang="en-US" sz="1200" dirty="0"/>
+                        <a:t>FP=2</a:t>
+                      </a:r>
+                      <a:endParaRPr lang="en-SE" sz="1200" dirty="0"/>
+                    </a:p>
+                  </a:txBody>
+                  <a:tcPr/>
+                </a:tc>
+                <a:extLst>
+                  <a:ext uri="{0D108BD9-81ED-4DB2-BD59-A6C34878D82A}">
+                    <a16:rowId xmlns:a16="http://schemas.microsoft.com/office/drawing/2014/main" val="2395611723"/>
+                  </a:ext>
+                </a:extLst>
+              </a:tr>
+            </a:tbl>
+          </a:graphicData>
+        </a:graphic>
+      </p:graphicFrame>
+      <mc:AlternateContent xmlns:mc="http://schemas.openxmlformats.org/markup-compatibility/2006" xmlns:a14="http://schemas.microsoft.com/office/drawing/2010/main">
+        <mc:Choice Requires="a14">
+          <p:sp>
+            <p:nvSpPr>
+              <p:cNvPr id="22" name="TextBox 21">
+                <a:extLst>
+                  <a:ext uri="{FF2B5EF4-FFF2-40B4-BE49-F238E27FC236}">
+                    <a16:creationId xmlns:a16="http://schemas.microsoft.com/office/drawing/2014/main" id="{889E39DC-B86E-4BD6-A263-561C1C0DD861}"/>
+                  </a:ext>
+                </a:extLst>
+              </p:cNvPr>
+              <p:cNvSpPr txBox="1"/>
+              <p:nvPr/>
+            </p:nvSpPr>
+            <p:spPr>
+              <a:xfrm>
+                <a:off x="7123384" y="5867407"/>
+                <a:ext cx="1944416" cy="878830"/>
+              </a:xfrm>
+              <a:prstGeom prst="rect">
+                <a:avLst/>
+              </a:prstGeom>
+            </p:spPr>
+            <p:style>
+              <a:lnRef idx="1">
+                <a:schemeClr val="accent2"/>
+              </a:lnRef>
+              <a:fillRef idx="2">
+                <a:schemeClr val="accent2"/>
+              </a:fillRef>
+              <a:effectRef idx="1">
+                <a:schemeClr val="accent2"/>
+              </a:effectRef>
+              <a:fontRef idx="minor">
+                <a:schemeClr val="dk1"/>
+              </a:fontRef>
+            </p:style>
+            <p:txBody>
+              <a:bodyPr wrap="square">
+                <a:spAutoFit/>
+              </a:bodyPr>
+              <a:lstStyle/>
+              <a:p>
+                <a:r>
+                  <a:rPr lang="en-US" dirty="0"/>
+                  <a:t>Precision = </a:t>
+                </a:r>
+                <a14:m>
+                  <m:oMath xmlns:m="http://schemas.openxmlformats.org/officeDocument/2006/math">
+                    <m:f>
+                      <m:fPr>
+                        <m:ctrlPr>
+                          <a:rPr lang="en-US" b="0" i="1" smtClean="0">
+                            <a:latin typeface="Cambria Math" panose="02040503050406030204" pitchFamily="18" charset="0"/>
+                          </a:rPr>
+                        </m:ctrlPr>
+                      </m:fPr>
+                      <m:num>
+                        <m:r>
+                          <a:rPr lang="en-US" i="1">
+                            <a:latin typeface="Cambria Math" panose="02040503050406030204" pitchFamily="18" charset="0"/>
+                          </a:rPr>
+                          <m:t>𝑇𝑃</m:t>
+                        </m:r>
+                      </m:num>
+                      <m:den>
+                        <m:r>
+                          <a:rPr lang="en-US" i="1">
+                            <a:latin typeface="Cambria Math" panose="02040503050406030204" pitchFamily="18" charset="0"/>
+                          </a:rPr>
+                          <m:t>𝑇𝑃</m:t>
+                        </m:r>
+                        <m:r>
+                          <a:rPr lang="en-US" i="1">
+                            <a:latin typeface="Cambria Math" panose="02040503050406030204" pitchFamily="18" charset="0"/>
+                          </a:rPr>
+                          <m:t>+</m:t>
+                        </m:r>
+                        <m:r>
+                          <a:rPr lang="en-US" b="0" i="1" smtClean="0">
+                            <a:latin typeface="Cambria Math" panose="02040503050406030204" pitchFamily="18" charset="0"/>
+                          </a:rPr>
+                          <m:t>𝐹𝑃</m:t>
+                        </m:r>
+                      </m:den>
+                    </m:f>
+                  </m:oMath>
+                </a14:m>
+                <a:endParaRPr lang="en-US" dirty="0"/>
+              </a:p>
+              <a:p>
+                <a:r>
+                  <a:rPr lang="en-US" dirty="0"/>
+                  <a:t>Recall = </a:t>
+                </a:r>
+                <a14:m>
+                  <m:oMath xmlns:m="http://schemas.openxmlformats.org/officeDocument/2006/math">
+                    <m:f>
+                      <m:fPr>
+                        <m:ctrlPr>
+                          <a:rPr lang="en-US" b="0" i="1" smtClean="0">
+                            <a:latin typeface="Cambria Math" panose="02040503050406030204" pitchFamily="18" charset="0"/>
+                          </a:rPr>
+                        </m:ctrlPr>
+                      </m:fPr>
+                      <m:num>
+                        <m:r>
+                          <a:rPr lang="en-US" i="1">
+                            <a:latin typeface="Cambria Math" panose="02040503050406030204" pitchFamily="18" charset="0"/>
+                          </a:rPr>
+                          <m:t>𝑇𝑃</m:t>
+                        </m:r>
+                      </m:num>
+                      <m:den>
+                        <m:r>
+                          <a:rPr lang="en-US" i="1">
+                            <a:latin typeface="Cambria Math" panose="02040503050406030204" pitchFamily="18" charset="0"/>
+                          </a:rPr>
+                          <m:t>𝑇𝑃</m:t>
+                        </m:r>
+                        <m:r>
+                          <a:rPr lang="en-US" i="1">
+                            <a:latin typeface="Cambria Math" panose="02040503050406030204" pitchFamily="18" charset="0"/>
+                          </a:rPr>
+                          <m:t>+</m:t>
+                        </m:r>
+                        <m:r>
+                          <a:rPr lang="en-US" b="0" i="1" smtClean="0">
+                            <a:latin typeface="Cambria Math" panose="02040503050406030204" pitchFamily="18" charset="0"/>
+                          </a:rPr>
+                          <m:t>𝐹𝑁</m:t>
+                        </m:r>
+                      </m:den>
+                    </m:f>
+                  </m:oMath>
+                </a14:m>
+                <a:endParaRPr lang="en-SE" dirty="0"/>
+              </a:p>
+            </p:txBody>
+          </p:sp>
+        </mc:Choice>
+        <mc:Fallback xmlns="">
+          <p:sp>
+            <p:nvSpPr>
+              <p:cNvPr id="22" name="TextBox 21">
+                <a:extLst>
+                  <a:ext uri="{FF2B5EF4-FFF2-40B4-BE49-F238E27FC236}">
+                    <a16:creationId xmlns:a16="http://schemas.microsoft.com/office/drawing/2014/main" id="{889E39DC-B86E-4BD6-A263-561C1C0DD861}"/>
+                  </a:ext>
+                </a:extLst>
+              </p:cNvPr>
+              <p:cNvSpPr txBox="1">
+                <a:spLocks noRot="1" noChangeAspect="1" noMove="1" noResize="1" noEditPoints="1" noAdjustHandles="1" noChangeArrowheads="1" noChangeShapeType="1" noTextEdit="1"/>
+              </p:cNvSpPr>
+              <p:nvPr/>
+            </p:nvSpPr>
+            <p:spPr>
+              <a:xfrm>
+                <a:off x="7123384" y="5867407"/>
+                <a:ext cx="1944416" cy="878830"/>
+              </a:xfrm>
+              <a:prstGeom prst="rect">
+                <a:avLst/>
+              </a:prstGeom>
+              <a:blipFill>
+                <a:blip r:embed="rId8"/>
+                <a:stretch>
+                  <a:fillRect/>
+                </a:stretch>
+              </a:blipFill>
+            </p:spPr>
+            <p:txBody>
+              <a:bodyPr/>
+              <a:lstStyle/>
+              <a:p>
+                <a:r>
+                  <a:rPr lang="en-SE">
+                    <a:noFill/>
+                  </a:rPr>
+                  <a:t> </a:t>
+                </a:r>
+              </a:p>
+            </p:txBody>
+          </p:sp>
+        </mc:Fallback>
+      </mc:AlternateContent>
+      <p:pic>
+        <p:nvPicPr>
+          <p:cNvPr id="7" name="Picture 6">
+            <a:extLst>
+              <a:ext uri="{FF2B5EF4-FFF2-40B4-BE49-F238E27FC236}">
+                <a16:creationId xmlns:a16="http://schemas.microsoft.com/office/drawing/2014/main" id="{541728B1-86C6-4CCF-AF87-AAEAC234E45C}"/>
+              </a:ext>
+            </a:extLst>
+          </p:cNvPr>
+          <p:cNvPicPr>
+            <a:picLocks noChangeAspect="1"/>
+          </p:cNvPicPr>
+          <p:nvPr/>
+        </p:nvPicPr>
+        <p:blipFill>
+          <a:blip r:embed="rId9"/>
+          <a:stretch>
+            <a:fillRect/>
+          </a:stretch>
+        </p:blipFill>
+        <p:spPr>
+          <a:xfrm>
+            <a:off x="2131294" y="846619"/>
+            <a:ext cx="704948" cy="447737"/>
+          </a:xfrm>
+          <a:prstGeom prst="rect">
+            <a:avLst/>
+          </a:prstGeom>
+        </p:spPr>
+      </p:pic>
+      <p:sp>
+        <p:nvSpPr>
+          <p:cNvPr id="9" name="TextBox 8">
+            <a:extLst>
+              <a:ext uri="{FF2B5EF4-FFF2-40B4-BE49-F238E27FC236}">
+                <a16:creationId xmlns:a16="http://schemas.microsoft.com/office/drawing/2014/main" id="{AA86A2F0-D230-40F3-A40F-1843273BE40D}"/>
+              </a:ext>
+            </a:extLst>
+          </p:cNvPr>
+          <p:cNvSpPr txBox="1"/>
+          <p:nvPr/>
+        </p:nvSpPr>
+        <p:spPr>
+          <a:xfrm>
+            <a:off x="2483769" y="1340768"/>
+            <a:ext cx="4752528" cy="923330"/>
+          </a:xfrm>
+          <a:prstGeom prst="rect">
+            <a:avLst/>
+          </a:prstGeom>
+        </p:spPr>
+        <p:style>
+          <a:lnRef idx="2">
+            <a:schemeClr val="dk1"/>
+          </a:lnRef>
+          <a:fillRef idx="1">
+            <a:schemeClr val="lt1"/>
+          </a:fillRef>
+          <a:effectRef idx="0">
+            <a:schemeClr val="dk1"/>
+          </a:effectRef>
+          <a:fontRef idx="minor">
+            <a:schemeClr val="dk1"/>
+          </a:fontRef>
+        </p:style>
+        <p:txBody>
+          <a:bodyPr wrap="square" rtlCol="0">
+            <a:spAutoFit/>
+          </a:bodyPr>
+          <a:lstStyle/>
+          <a:p>
+            <a:r>
+              <a:rPr lang="en-US" dirty="0"/>
+              <a:t>If you have  a 3rd GT box that is not matched by any detection, then </a:t>
+            </a:r>
+            <a:r>
+              <a:rPr lang="en-US"/>
+              <a:t>it is FN</a:t>
+            </a:r>
+            <a:r>
+              <a:rPr lang="en-US" dirty="0"/>
+              <a:t>. But I don’t see any possible TN</a:t>
+            </a:r>
+            <a:endParaRPr lang="en-SE" dirty="0"/>
+          </a:p>
+        </p:txBody>
+      </p:sp>
+    </p:spTree>
+    <p:extLst>
+      <p:ext uri="{BB962C8B-B14F-4D97-AF65-F5344CB8AC3E}">
+        <p14:creationId xmlns:p14="http://schemas.microsoft.com/office/powerpoint/2010/main" val="3235543008"/>
       </p:ext>
     </p:extLst>
   </p:cSld>
@@ -3052,6 +4312,21 @@
 </file>
 
 <file path=customXml/item1.xml><?xml version="1.0" encoding="utf-8"?>
+<?mso-contentType ?>
+<FormTemplates xmlns="http://schemas.microsoft.com/sharepoint/v3/contenttype/forms">
+  <Display>DocumentLibraryForm</Display>
+  <Edit>DocumentLibraryForm</Edit>
+  <New>DocumentLibraryForm</New>
+</FormTemplates>
+</file>
+
+<file path=customXml/item2.xml><?xml version="1.0" encoding="utf-8"?>
+<p:properties xmlns:p="http://schemas.microsoft.com/office/2006/metadata/properties" xmlns:xsi="http://www.w3.org/2001/XMLSchema-instance" xmlns:pc="http://schemas.microsoft.com/office/infopath/2007/PartnerControls">
+  <documentManagement/>
+</p:properties>
+</file>
+
+<file path=customXml/item3.xml><?xml version="1.0" encoding="utf-8"?>
 <ct:contentTypeSchema xmlns:ct="http://schemas.microsoft.com/office/2006/metadata/contentType" xmlns:ma="http://schemas.microsoft.com/office/2006/metadata/properties/metaAttributes" ct:_="" ma:_="" ma:contentTypeName="Document" ma:contentTypeID="0x01010004C9F4636FD8CF4DBA576E51CE9A9557" ma:contentTypeVersion="12" ma:contentTypeDescription="Create a new document." ma:contentTypeScope="" ma:versionID="c335fd21f2fe76e29ebd247bba84ba96">
   <xsd:schema xmlns:xsd="http://www.w3.org/2001/XMLSchema" xmlns:xs="http://www.w3.org/2001/XMLSchema" xmlns:p="http://schemas.microsoft.com/office/2006/metadata/properties" xmlns:ns3="221e1496-d443-4306-ad63-a100e0046a13" xmlns:ns4="60aad371-894b-4a9b-aa6a-3fd9336d4f3f" targetNamespace="http://schemas.microsoft.com/office/2006/metadata/properties" ma:root="true" ma:fieldsID="4cb030868c90a59dc09b4c74f925c173" ns3:_="" ns4:_="">
     <xsd:import namespace="221e1496-d443-4306-ad63-a100e0046a13"/>
@@ -3268,36 +4543,10 @@
 </ct:contentTypeSchema>
 </file>
 
-<file path=customXml/item2.xml><?xml version="1.0" encoding="utf-8"?>
-<p:properties xmlns:p="http://schemas.microsoft.com/office/2006/metadata/properties" xmlns:xsi="http://www.w3.org/2001/XMLSchema-instance" xmlns:pc="http://schemas.microsoft.com/office/infopath/2007/PartnerControls">
-  <documentManagement/>
-</p:properties>
-</file>
-
-<file path=customXml/item3.xml><?xml version="1.0" encoding="utf-8"?>
-<?mso-contentType ?>
-<FormTemplates xmlns="http://schemas.microsoft.com/sharepoint/v3/contenttype/forms">
-  <Display>DocumentLibraryForm</Display>
-  <Edit>DocumentLibraryForm</Edit>
-  <New>DocumentLibraryForm</New>
-</FormTemplates>
-</file>
-
 <file path=customXml/itemProps1.xml><?xml version="1.0" encoding="utf-8"?>
-<ds:datastoreItem xmlns:ds="http://schemas.openxmlformats.org/officeDocument/2006/customXml" ds:itemID="{6F97E12F-14DB-4E96-B5EF-03E9057A64B5}">
+<ds:datastoreItem xmlns:ds="http://schemas.openxmlformats.org/officeDocument/2006/customXml" ds:itemID="{C57B2AAA-3E84-49CC-BE6D-CB4399E554EF}">
   <ds:schemaRefs>
-    <ds:schemaRef ds:uri="http://schemas.microsoft.com/office/2006/metadata/contentType"/>
-    <ds:schemaRef ds:uri="http://schemas.microsoft.com/office/2006/metadata/properties/metaAttributes"/>
-    <ds:schemaRef ds:uri="http://www.w3.org/2001/XMLSchema"/>
-    <ds:schemaRef ds:uri="http://schemas.microsoft.com/office/2006/metadata/properties"/>
-    <ds:schemaRef ds:uri="221e1496-d443-4306-ad63-a100e0046a13"/>
-    <ds:schemaRef ds:uri="60aad371-894b-4a9b-aa6a-3fd9336d4f3f"/>
-    <ds:schemaRef ds:uri="http://schemas.microsoft.com/office/2006/documentManagement/types"/>
-    <ds:schemaRef ds:uri="http://schemas.microsoft.com/office/infopath/2007/PartnerControls"/>
-    <ds:schemaRef ds:uri="http://schemas.openxmlformats.org/package/2006/metadata/core-properties"/>
-    <ds:schemaRef ds:uri="http://purl.org/dc/elements/1.1/"/>
-    <ds:schemaRef ds:uri="http://purl.org/dc/terms/"/>
-    <ds:schemaRef ds:uri="http://schemas.microsoft.com/internal/obd"/>
+    <ds:schemaRef ds:uri="http://schemas.microsoft.com/sharepoint/v3/contenttype/forms"/>
   </ds:schemaRefs>
 </ds:datastoreItem>
 </file>
@@ -3320,9 +4569,20 @@
 </file>
 
 <file path=customXml/itemProps3.xml><?xml version="1.0" encoding="utf-8"?>
-<ds:datastoreItem xmlns:ds="http://schemas.openxmlformats.org/officeDocument/2006/customXml" ds:itemID="{C57B2AAA-3E84-49CC-BE6D-CB4399E554EF}">
+<ds:datastoreItem xmlns:ds="http://schemas.openxmlformats.org/officeDocument/2006/customXml" ds:itemID="{6F97E12F-14DB-4E96-B5EF-03E9057A64B5}">
   <ds:schemaRefs>
-    <ds:schemaRef ds:uri="http://schemas.microsoft.com/sharepoint/v3/contenttype/forms"/>
+    <ds:schemaRef ds:uri="http://schemas.microsoft.com/office/2006/metadata/contentType"/>
+    <ds:schemaRef ds:uri="http://schemas.microsoft.com/office/2006/metadata/properties/metaAttributes"/>
+    <ds:schemaRef ds:uri="http://www.w3.org/2001/XMLSchema"/>
+    <ds:schemaRef ds:uri="http://schemas.microsoft.com/office/2006/metadata/properties"/>
+    <ds:schemaRef ds:uri="221e1496-d443-4306-ad63-a100e0046a13"/>
+    <ds:schemaRef ds:uri="60aad371-894b-4a9b-aa6a-3fd9336d4f3f"/>
+    <ds:schemaRef ds:uri="http://schemas.microsoft.com/office/2006/documentManagement/types"/>
+    <ds:schemaRef ds:uri="http://schemas.microsoft.com/office/infopath/2007/PartnerControls"/>
+    <ds:schemaRef ds:uri="http://schemas.openxmlformats.org/package/2006/metadata/core-properties"/>
+    <ds:schemaRef ds:uri="http://purl.org/dc/elements/1.1/"/>
+    <ds:schemaRef ds:uri="http://purl.org/dc/terms/"/>
+    <ds:schemaRef ds:uri="http://schemas.microsoft.com/internal/obd"/>
   </ds:schemaRefs>
 </ds:datastoreItem>
 </file>
--- a/PPTs/bak/UMU SDC TODO.pptx
+++ b/PPTs/bak/UMU SDC TODO.pptx
@@ -5,7 +5,7 @@
     <p:sldMasterId id="2147483648" r:id="rId4"/>
   </p:sldMasterIdLst>
   <p:notesMasterIdLst>
-    <p:notesMasterId r:id="rId10"/>
+    <p:notesMasterId r:id="rId11"/>
   </p:notesMasterIdLst>
   <p:sldIdLst>
     <p:sldId id="256" r:id="rId5"/>
@@ -13,6 +13,7 @@
     <p:sldId id="894" r:id="rId7"/>
     <p:sldId id="257" r:id="rId8"/>
     <p:sldId id="389" r:id="rId9"/>
+    <p:sldId id="1047" r:id="rId10"/>
   </p:sldIdLst>
   <p:sldSz cx="9144000" cy="6858000" type="screen4x3"/>
   <p:notesSz cx="6858000" cy="9144000"/>
@@ -266,7 +267,7 @@
             <a:fld id="{7C0CEB4B-0D62-444C-A05C-70565453F06B}" type="datetimeFigureOut">
               <a:rPr lang="en-US" smtClean="0"/>
               <a:pPr/>
-              <a:t>5/16/2021</a:t>
+              <a:t>5/17/2021</a:t>
             </a:fld>
             <a:endParaRPr lang="en-US"/>
           </a:p>
@@ -613,6 +614,117 @@
 </p:notes>
 </file>
 
+<file path=ppt/notesSlides/notesSlide2.xml><?xml version="1.0" encoding="utf-8"?>
+<p:notes xmlns:a="http://schemas.openxmlformats.org/drawingml/2006/main" xmlns:r="http://schemas.openxmlformats.org/officeDocument/2006/relationships" xmlns:p="http://schemas.openxmlformats.org/presentationml/2006/main">
+  <p:cSld>
+    <p:spTree>
+      <p:nvGrpSpPr>
+        <p:cNvPr id="1" name=""/>
+        <p:cNvGrpSpPr/>
+        <p:nvPr/>
+      </p:nvGrpSpPr>
+      <p:grpSpPr>
+        <a:xfrm>
+          <a:off x="0" y="0"/>
+          <a:ext cx="0" cy="0"/>
+          <a:chOff x="0" y="0"/>
+          <a:chExt cx="0" cy="0"/>
+        </a:xfrm>
+      </p:grpSpPr>
+      <p:sp>
+        <p:nvSpPr>
+          <p:cNvPr id="2" name="Slide Image Placeholder 1"/>
+          <p:cNvSpPr>
+            <a:spLocks noGrp="1" noRot="1" noChangeAspect="1"/>
+          </p:cNvSpPr>
+          <p:nvPr>
+            <p:ph type="sldImg"/>
+          </p:nvPr>
+        </p:nvSpPr>
+        <p:spPr/>
+      </p:sp>
+      <p:sp>
+        <p:nvSpPr>
+          <p:cNvPr id="3" name="Notes Placeholder 2"/>
+          <p:cNvSpPr>
+            <a:spLocks noGrp="1"/>
+          </p:cNvSpPr>
+          <p:nvPr>
+            <p:ph type="body" idx="1"/>
+          </p:nvPr>
+        </p:nvSpPr>
+        <p:spPr/>
+        <p:txBody>
+          <a:bodyPr/>
+          <a:lstStyle/>
+          <a:p>
+            <a:pPr marL="0" marR="0" lvl="0" indent="0" algn="l" defTabSz="914400" rtl="0" eaLnBrk="0" fontAlgn="base" latinLnBrk="0" hangingPunct="0">
+              <a:lnSpc>
+                <a:spcPct val="100000"/>
+              </a:lnSpc>
+              <a:spcBef>
+                <a:spcPct val="30000"/>
+              </a:spcBef>
+              <a:spcAft>
+                <a:spcPct val="0"/>
+              </a:spcAft>
+              <a:buClrTx/>
+              <a:buSzTx/>
+              <a:buFontTx/>
+              <a:buNone/>
+              <a:tabLst/>
+              <a:defRPr/>
+            </a:pPr>
+            <a:r>
+              <a:rPr lang="en-US" dirty="0"/>
+              <a:t>, and the numbers shown are rounded to two significant digits</a:t>
+            </a:r>
+            <a:endParaRPr lang="en-SE" dirty="0"/>
+          </a:p>
+        </p:txBody>
+      </p:sp>
+      <p:sp>
+        <p:nvSpPr>
+          <p:cNvPr id="4" name="Slide Number Placeholder 3"/>
+          <p:cNvSpPr>
+            <a:spLocks noGrp="1"/>
+          </p:cNvSpPr>
+          <p:nvPr>
+            <p:ph type="sldNum" sz="quarter" idx="5"/>
+          </p:nvPr>
+        </p:nvSpPr>
+        <p:spPr/>
+        <p:txBody>
+          <a:bodyPr/>
+          <a:lstStyle/>
+          <a:p>
+            <a:pPr>
+              <a:defRPr/>
+            </a:pPr>
+            <a:fld id="{6FA21340-DBF0-4FAC-9DE2-FD6DB24B56C8}" type="slidenum">
+              <a:rPr lang="en-US" altLang="zh-CN" smtClean="0"/>
+              <a:pPr>
+                <a:defRPr/>
+              </a:pPr>
+              <a:t>6</a:t>
+            </a:fld>
+            <a:endParaRPr lang="en-US" altLang="zh-CN"/>
+          </a:p>
+        </p:txBody>
+      </p:sp>
+    </p:spTree>
+    <p:extLst>
+      <p:ext uri="{BB962C8B-B14F-4D97-AF65-F5344CB8AC3E}">
+        <p14:creationId xmlns:p14="http://schemas.microsoft.com/office/powerpoint/2010/main" val="1654494051"/>
+      </p:ext>
+    </p:extLst>
+  </p:cSld>
+  <p:clrMapOvr>
+    <a:masterClrMapping/>
+  </p:clrMapOvr>
+</p:notes>
+</file>
+
 <file path=ppt/slideLayouts/slideLayout1.xml><?xml version="1.0" encoding="utf-8"?>
 <p:sldLayout xmlns:a="http://schemas.openxmlformats.org/drawingml/2006/main" xmlns:r="http://schemas.openxmlformats.org/officeDocument/2006/relationships" xmlns:p="http://schemas.openxmlformats.org/presentationml/2006/main" type="title" preserve="1">
   <p:cSld name="标题幻灯片">
@@ -795,7 +907,7 @@
             <a:fld id="{CE1938E7-FCD4-418C-87D0-DD707A52F1FF}" type="datetimeFigureOut">
               <a:rPr lang="en-US" smtClean="0"/>
               <a:pPr/>
-              <a:t>5/16/2021</a:t>
+              <a:t>5/17/2021</a:t>
             </a:fld>
             <a:endParaRPr lang="en-US"/>
           </a:p>
@@ -1335,7 +1447,7 @@
             <a:fld id="{CE1938E7-FCD4-418C-87D0-DD707A52F1FF}" type="datetimeFigureOut">
               <a:rPr lang="en-US" smtClean="0"/>
               <a:pPr/>
-              <a:t>5/16/2021</a:t>
+              <a:t>5/17/2021</a:t>
             </a:fld>
             <a:endParaRPr lang="en-US"/>
           </a:p>
@@ -3740,6 +3852,540 @@
 </p:sld>
 </file>
 
+<file path=ppt/slides/slide6.xml><?xml version="1.0" encoding="utf-8"?>
+<p:sld xmlns:a="http://schemas.openxmlformats.org/drawingml/2006/main" xmlns:r="http://schemas.openxmlformats.org/officeDocument/2006/relationships" xmlns:p="http://schemas.openxmlformats.org/presentationml/2006/main">
+  <p:cSld>
+    <p:spTree>
+      <p:nvGrpSpPr>
+        <p:cNvPr id="1" name=""/>
+        <p:cNvGrpSpPr/>
+        <p:nvPr/>
+      </p:nvGrpSpPr>
+      <p:grpSpPr>
+        <a:xfrm>
+          <a:off x="0" y="0"/>
+          <a:ext cx="0" cy="0"/>
+          <a:chOff x="0" y="0"/>
+          <a:chExt cx="0" cy="0"/>
+        </a:xfrm>
+      </p:grpSpPr>
+      <p:sp>
+        <p:nvSpPr>
+          <p:cNvPr id="2" name="Title 1">
+            <a:extLst>
+              <a:ext uri="{FF2B5EF4-FFF2-40B4-BE49-F238E27FC236}">
+                <a16:creationId xmlns:a16="http://schemas.microsoft.com/office/drawing/2014/main" id="{A9723153-C315-4CF3-A05A-9EBF6769FCDE}"/>
+              </a:ext>
+            </a:extLst>
+          </p:cNvPr>
+          <p:cNvSpPr>
+            <a:spLocks noGrp="1"/>
+          </p:cNvSpPr>
+          <p:nvPr>
+            <p:ph type="title"/>
+          </p:nvPr>
+        </p:nvSpPr>
+        <p:spPr/>
+        <p:txBody>
+          <a:bodyPr/>
+          <a:lstStyle/>
+          <a:p>
+            <a:r>
+              <a:rPr lang="en-US" dirty="0"/>
+              <a:t>Iterative Policy Evaluation Results</a:t>
+            </a:r>
+            <a:endParaRPr lang="en-SE" dirty="0"/>
+          </a:p>
+        </p:txBody>
+      </p:sp>
+      <mc:AlternateContent xmlns:mc="http://schemas.openxmlformats.org/markup-compatibility/2006">
+        <mc:Choice xmlns:a14="http://schemas.microsoft.com/office/drawing/2010/main" Requires="a14">
+          <p:sp>
+            <p:nvSpPr>
+              <p:cNvPr id="3" name="Content Placeholder 2">
+                <a:extLst>
+                  <a:ext uri="{FF2B5EF4-FFF2-40B4-BE49-F238E27FC236}">
+                    <a16:creationId xmlns:a16="http://schemas.microsoft.com/office/drawing/2014/main" id="{C2C067C1-C130-4AEA-A0FB-D03CE13B49E5}"/>
+                  </a:ext>
+                </a:extLst>
+              </p:cNvPr>
+              <p:cNvSpPr>
+                <a:spLocks noGrp="1"/>
+              </p:cNvSpPr>
+              <p:nvPr>
+                <p:ph idx="1"/>
+              </p:nvPr>
+            </p:nvSpPr>
+            <p:spPr>
+              <a:xfrm>
+                <a:off x="457200" y="980729"/>
+                <a:ext cx="8229600" cy="2143472"/>
+              </a:xfrm>
+            </p:spPr>
+            <p:txBody>
+              <a:bodyPr>
+                <a:normAutofit fontScale="47500" lnSpcReduction="20000"/>
+              </a:bodyPr>
+              <a:lstStyle/>
+              <a:p>
+                <a:r>
+                  <a:rPr lang="en-US" dirty="0"/>
+                  <a:t>Figure 4.1: Convergence of iterative policy evaluation on a small </a:t>
+                </a:r>
+                <a:r>
+                  <a:rPr lang="en-US" dirty="0" err="1"/>
+                  <a:t>gridworld</a:t>
+                </a:r>
+                <a:r>
+                  <a:rPr lang="en-US" dirty="0"/>
+                  <a:t> with the random policy (all actions equally likely). The left column is the sequence of approximations of the state-value function. The right column is the sequence of greedy policies corresponding to the value function </a:t>
+                </a:r>
+                <a14:m>
+                  <m:oMath xmlns:m="http://schemas.openxmlformats.org/officeDocument/2006/math">
+                    <m:sSub>
+                      <m:sSubPr>
+                        <m:ctrlPr>
+                          <a:rPr lang="en-US" b="0" i="1" smtClean="0">
+                            <a:latin typeface="Cambria Math" panose="02040503050406030204" pitchFamily="18" charset="0"/>
+                          </a:rPr>
+                        </m:ctrlPr>
+                      </m:sSubPr>
+                      <m:e>
+                        <m:r>
+                          <a:rPr lang="en-US" i="1">
+                            <a:latin typeface="Cambria Math" panose="02040503050406030204" pitchFamily="18" charset="0"/>
+                          </a:rPr>
+                          <m:t>𝑣</m:t>
+                        </m:r>
+                      </m:e>
+                      <m:sub>
+                        <m:r>
+                          <a:rPr lang="en-US" b="0" i="1" smtClean="0">
+                            <a:latin typeface="Cambria Math" panose="02040503050406030204" pitchFamily="18" charset="0"/>
+                          </a:rPr>
+                          <m:t>𝜋</m:t>
+                        </m:r>
+                      </m:sub>
+                    </m:sSub>
+                    <m:r>
+                      <a:rPr lang="en-US" i="1">
+                        <a:latin typeface="Cambria Math" panose="02040503050406030204" pitchFamily="18" charset="0"/>
+                      </a:rPr>
+                      <m:t>(</m:t>
+                    </m:r>
+                    <m:r>
+                      <a:rPr lang="en-US" i="1">
+                        <a:latin typeface="Cambria Math" panose="02040503050406030204" pitchFamily="18" charset="0"/>
+                      </a:rPr>
+                      <m:t>𝑠</m:t>
+                    </m:r>
+                    <m:r>
+                      <a:rPr lang="en-US" i="1">
+                        <a:latin typeface="Cambria Math" panose="02040503050406030204" pitchFamily="18" charset="0"/>
+                      </a:rPr>
+                      <m:t>)</m:t>
+                    </m:r>
+                  </m:oMath>
+                </a14:m>
+                <a:r>
+                  <a:rPr lang="en-US" dirty="0"/>
+                  <a:t> estimates (arrows are shown for all actions achieving the max </a:t>
+                </a:r>
+                <a14:m>
+                  <m:oMath xmlns:m="http://schemas.openxmlformats.org/officeDocument/2006/math">
+                    <m:sSub>
+                      <m:sSubPr>
+                        <m:ctrlPr>
+                          <a:rPr lang="en-US" i="1">
+                            <a:latin typeface="Cambria Math" panose="02040503050406030204" pitchFamily="18" charset="0"/>
+                          </a:rPr>
+                        </m:ctrlPr>
+                      </m:sSubPr>
+                      <m:e>
+                        <m:r>
+                          <a:rPr lang="en-US" i="1">
+                            <a:latin typeface="Cambria Math" panose="02040503050406030204" pitchFamily="18" charset="0"/>
+                          </a:rPr>
+                          <m:t>𝑣</m:t>
+                        </m:r>
+                      </m:e>
+                      <m:sub>
+                        <m:r>
+                          <a:rPr lang="en-US" i="1">
+                            <a:latin typeface="Cambria Math" panose="02040503050406030204" pitchFamily="18" charset="0"/>
+                          </a:rPr>
+                          <m:t>𝜋</m:t>
+                        </m:r>
+                      </m:sub>
+                    </m:sSub>
+                    <m:r>
+                      <a:rPr lang="en-US" i="1">
+                        <a:latin typeface="Cambria Math" panose="02040503050406030204" pitchFamily="18" charset="0"/>
+                      </a:rPr>
+                      <m:t>(</m:t>
+                    </m:r>
+                    <m:r>
+                      <a:rPr lang="en-US" i="1">
+                        <a:latin typeface="Cambria Math" panose="02040503050406030204" pitchFamily="18" charset="0"/>
+                      </a:rPr>
+                      <m:t>𝑠</m:t>
+                    </m:r>
+                    <m:r>
+                      <a:rPr lang="en-US" i="1">
+                        <a:latin typeface="Cambria Math" panose="02040503050406030204" pitchFamily="18" charset="0"/>
+                      </a:rPr>
+                      <m:t>)</m:t>
+                    </m:r>
+                  </m:oMath>
+                </a14:m>
+                <a:r>
+                  <a:rPr lang="en-US" dirty="0"/>
+                  <a:t>). All policies after </a:t>
+                </a:r>
+                <a14:m>
+                  <m:oMath xmlns:m="http://schemas.openxmlformats.org/officeDocument/2006/math">
+                    <m:r>
+                      <a:rPr lang="en-US" b="0" i="1" dirty="0" smtClean="0">
+                        <a:latin typeface="Cambria Math" panose="02040503050406030204" pitchFamily="18" charset="0"/>
+                      </a:rPr>
+                      <m:t>𝑘</m:t>
+                    </m:r>
+                    <m:r>
+                      <a:rPr lang="en-US" b="0" i="1" dirty="0" smtClean="0">
+                        <a:latin typeface="Cambria Math" panose="02040503050406030204" pitchFamily="18" charset="0"/>
+                      </a:rPr>
+                      <m:t>=3</m:t>
+                    </m:r>
+                  </m:oMath>
+                </a14:m>
+                <a:r>
+                  <a:rPr lang="en-US" dirty="0"/>
+                  <a:t> iterations are optimal. </a:t>
+                </a:r>
+              </a:p>
+              <a:p>
+                <a:r>
+                  <a:rPr lang="en-US" dirty="0"/>
+                  <a:t>Note that we are not updating the policy (always the random policy) across iterations. If you follow the greedy action at the current step, then follow the random policy in the future, then it is better than following the random policy from the current step. </a:t>
+                </a:r>
+              </a:p>
+              <a:p>
+                <a:r>
+                  <a:rPr lang="en-US" dirty="0" err="1">
+                    <a:solidFill>
+                      <a:srgbClr val="C00000"/>
+                    </a:solidFill>
+                  </a:rPr>
+                  <a:t>Zgu</a:t>
+                </a:r>
+                <a:r>
+                  <a:rPr lang="en-US" dirty="0">
+                    <a:solidFill>
+                      <a:srgbClr val="C00000"/>
+                    </a:solidFill>
+                  </a:rPr>
+                  <a:t>: so this is different from p. 31 PI example, where policy is updated at each iteration. Here policy is always random, but how can you get optimal policy without updating the policy for PE?</a:t>
+                </a:r>
+              </a:p>
+            </p:txBody>
+          </p:sp>
+        </mc:Choice>
+        <mc:Fallback>
+          <p:sp>
+            <p:nvSpPr>
+              <p:cNvPr id="3" name="Content Placeholder 2">
+                <a:extLst>
+                  <a:ext uri="{FF2B5EF4-FFF2-40B4-BE49-F238E27FC236}">
+                    <a16:creationId xmlns:a16="http://schemas.microsoft.com/office/drawing/2014/main" id="{C2C067C1-C130-4AEA-A0FB-D03CE13B49E5}"/>
+                  </a:ext>
+                </a:extLst>
+              </p:cNvPr>
+              <p:cNvSpPr>
+                <a:spLocks noGrp="1" noRot="1" noChangeAspect="1" noMove="1" noResize="1" noEditPoints="1" noAdjustHandles="1" noChangeArrowheads="1" noChangeShapeType="1" noTextEdit="1"/>
+              </p:cNvSpPr>
+              <p:nvPr>
+                <p:ph idx="1"/>
+              </p:nvPr>
+            </p:nvSpPr>
+            <p:spPr>
+              <a:xfrm>
+                <a:off x="457200" y="980729"/>
+                <a:ext cx="8229600" cy="2143472"/>
+              </a:xfrm>
+              <a:blipFill>
+                <a:blip r:embed="rId3"/>
+                <a:stretch>
+                  <a:fillRect l="-222" t="-2273" r="-519"/>
+                </a:stretch>
+              </a:blipFill>
+            </p:spPr>
+            <p:txBody>
+              <a:bodyPr/>
+              <a:lstStyle/>
+              <a:p>
+                <a:r>
+                  <a:rPr lang="en-SE">
+                    <a:noFill/>
+                  </a:rPr>
+                  <a:t> </a:t>
+                </a:r>
+              </a:p>
+            </p:txBody>
+          </p:sp>
+        </mc:Fallback>
+      </mc:AlternateContent>
+      <p:sp>
+        <p:nvSpPr>
+          <p:cNvPr id="4" name="Slide Number Placeholder 3">
+            <a:extLst>
+              <a:ext uri="{FF2B5EF4-FFF2-40B4-BE49-F238E27FC236}">
+                <a16:creationId xmlns:a16="http://schemas.microsoft.com/office/drawing/2014/main" id="{43663906-32AF-4120-8C5E-8BBBF44E83F2}"/>
+              </a:ext>
+            </a:extLst>
+          </p:cNvPr>
+          <p:cNvSpPr>
+            <a:spLocks noGrp="1"/>
+          </p:cNvSpPr>
+          <p:nvPr>
+            <p:ph type="sldNum" sz="quarter" idx="12"/>
+          </p:nvPr>
+        </p:nvSpPr>
+        <p:spPr bwMode="auto">
+          <a:xfrm>
+            <a:off x="6934200" y="6530035"/>
+            <a:ext cx="2133600" cy="244475"/>
+          </a:xfrm>
+          <a:prstGeom prst="rect">
+            <a:avLst/>
+          </a:prstGeom>
+          <a:noFill/>
+          <a:ln w="9525">
+            <a:noFill/>
+            <a:miter lim="800000"/>
+            <a:headEnd/>
+            <a:tailEnd/>
+          </a:ln>
+          <a:effectLst/>
+        </p:spPr>
+        <p:txBody>
+          <a:bodyPr vert="horz" wrap="square" lIns="91440" tIns="45720" rIns="91440" bIns="45720" numCol="1" anchor="t" anchorCtr="0" compatLnSpc="1">
+            <a:prstTxWarp prst="textNoShape">
+              <a:avLst/>
+            </a:prstTxWarp>
+          </a:bodyPr>
+          <a:lstStyle>
+            <a:defPPr>
+              <a:defRPr lang="en-US"/>
+            </a:defPPr>
+            <a:lvl1pPr algn="r" rtl="0" fontAlgn="base">
+              <a:spcBef>
+                <a:spcPct val="0"/>
+              </a:spcBef>
+              <a:spcAft>
+                <a:spcPct val="0"/>
+              </a:spcAft>
+              <a:defRPr sz="1200" kern="1200">
+                <a:solidFill>
+                  <a:schemeClr val="tx1"/>
+                </a:solidFill>
+                <a:latin typeface="Arial" charset="0"/>
+                <a:ea typeface="宋体" charset="-122"/>
+                <a:cs typeface="+mn-cs"/>
+              </a:defRPr>
+            </a:lvl1pPr>
+            <a:lvl2pPr marL="457200" algn="l" rtl="0" fontAlgn="base">
+              <a:spcBef>
+                <a:spcPct val="0"/>
+              </a:spcBef>
+              <a:spcAft>
+                <a:spcPct val="0"/>
+              </a:spcAft>
+              <a:defRPr kern="1200">
+                <a:solidFill>
+                  <a:schemeClr val="tx1"/>
+                </a:solidFill>
+                <a:latin typeface="Arial" charset="0"/>
+                <a:ea typeface="+mn-ea"/>
+                <a:cs typeface="+mn-cs"/>
+              </a:defRPr>
+            </a:lvl2pPr>
+            <a:lvl3pPr marL="914400" algn="l" rtl="0" fontAlgn="base">
+              <a:spcBef>
+                <a:spcPct val="0"/>
+              </a:spcBef>
+              <a:spcAft>
+                <a:spcPct val="0"/>
+              </a:spcAft>
+              <a:defRPr kern="1200">
+                <a:solidFill>
+                  <a:schemeClr val="tx1"/>
+                </a:solidFill>
+                <a:latin typeface="Arial" charset="0"/>
+                <a:ea typeface="+mn-ea"/>
+                <a:cs typeface="+mn-cs"/>
+              </a:defRPr>
+            </a:lvl3pPr>
+            <a:lvl4pPr marL="1371600" algn="l" rtl="0" fontAlgn="base">
+              <a:spcBef>
+                <a:spcPct val="0"/>
+              </a:spcBef>
+              <a:spcAft>
+                <a:spcPct val="0"/>
+              </a:spcAft>
+              <a:defRPr kern="1200">
+                <a:solidFill>
+                  <a:schemeClr val="tx1"/>
+                </a:solidFill>
+                <a:latin typeface="Arial" charset="0"/>
+                <a:ea typeface="+mn-ea"/>
+                <a:cs typeface="+mn-cs"/>
+              </a:defRPr>
+            </a:lvl4pPr>
+            <a:lvl5pPr marL="1828800" algn="l" rtl="0" fontAlgn="base">
+              <a:spcBef>
+                <a:spcPct val="0"/>
+              </a:spcBef>
+              <a:spcAft>
+                <a:spcPct val="0"/>
+              </a:spcAft>
+              <a:defRPr kern="1200">
+                <a:solidFill>
+                  <a:schemeClr val="tx1"/>
+                </a:solidFill>
+                <a:latin typeface="Arial" charset="0"/>
+                <a:ea typeface="+mn-ea"/>
+                <a:cs typeface="+mn-cs"/>
+              </a:defRPr>
+            </a:lvl5pPr>
+            <a:lvl6pPr marL="2286000" algn="l" defTabSz="914400" rtl="0" eaLnBrk="1" latinLnBrk="0" hangingPunct="1">
+              <a:defRPr kern="1200">
+                <a:solidFill>
+                  <a:schemeClr val="tx1"/>
+                </a:solidFill>
+                <a:latin typeface="Arial" charset="0"/>
+                <a:ea typeface="+mn-ea"/>
+                <a:cs typeface="+mn-cs"/>
+              </a:defRPr>
+            </a:lvl6pPr>
+            <a:lvl7pPr marL="2743200" algn="l" defTabSz="914400" rtl="0" eaLnBrk="1" latinLnBrk="0" hangingPunct="1">
+              <a:defRPr kern="1200">
+                <a:solidFill>
+                  <a:schemeClr val="tx1"/>
+                </a:solidFill>
+                <a:latin typeface="Arial" charset="0"/>
+                <a:ea typeface="+mn-ea"/>
+                <a:cs typeface="+mn-cs"/>
+              </a:defRPr>
+            </a:lvl7pPr>
+            <a:lvl8pPr marL="3200400" algn="l" defTabSz="914400" rtl="0" eaLnBrk="1" latinLnBrk="0" hangingPunct="1">
+              <a:defRPr kern="1200">
+                <a:solidFill>
+                  <a:schemeClr val="tx1"/>
+                </a:solidFill>
+                <a:latin typeface="Arial" charset="0"/>
+                <a:ea typeface="+mn-ea"/>
+                <a:cs typeface="+mn-cs"/>
+              </a:defRPr>
+            </a:lvl8pPr>
+            <a:lvl9pPr marL="3657600" algn="l" defTabSz="914400" rtl="0" eaLnBrk="1" latinLnBrk="0" hangingPunct="1">
+              <a:defRPr kern="1200">
+                <a:solidFill>
+                  <a:schemeClr val="tx1"/>
+                </a:solidFill>
+                <a:latin typeface="Arial" charset="0"/>
+                <a:ea typeface="+mn-ea"/>
+                <a:cs typeface="+mn-cs"/>
+              </a:defRPr>
+            </a:lvl9pPr>
+          </a:lstStyle>
+          <a:p>
+            <a:pPr>
+              <a:defRPr/>
+            </a:pPr>
+            <a:fld id="{F57F456A-00AF-44E6-8D70-638C0D0130FF}" type="slidenum">
+              <a:rPr lang="en-US" altLang="zh-CN" smtClean="0"/>
+              <a:pPr>
+                <a:defRPr/>
+              </a:pPr>
+              <a:t>6</a:t>
+            </a:fld>
+            <a:endParaRPr lang="en-US" altLang="zh-CN"/>
+          </a:p>
+        </p:txBody>
+      </p:sp>
+      <p:pic>
+        <p:nvPicPr>
+          <p:cNvPr id="5" name="Picture 4">
+            <a:extLst>
+              <a:ext uri="{FF2B5EF4-FFF2-40B4-BE49-F238E27FC236}">
+                <a16:creationId xmlns:a16="http://schemas.microsoft.com/office/drawing/2014/main" id="{5ADE55B3-4D68-44EE-8BF0-F1EB3FC2C524}"/>
+              </a:ext>
+            </a:extLst>
+          </p:cNvPr>
+          <p:cNvPicPr>
+            <a:picLocks noChangeAspect="1"/>
+          </p:cNvPicPr>
+          <p:nvPr/>
+        </p:nvPicPr>
+        <p:blipFill>
+          <a:blip r:embed="rId4"/>
+          <a:stretch>
+            <a:fillRect/>
+          </a:stretch>
+        </p:blipFill>
+        <p:spPr>
+          <a:xfrm>
+            <a:off x="-31102" y="3048000"/>
+            <a:ext cx="4469390" cy="3563329"/>
+          </a:xfrm>
+          <a:prstGeom prst="rect">
+            <a:avLst/>
+          </a:prstGeom>
+        </p:spPr>
+      </p:pic>
+      <p:pic>
+        <p:nvPicPr>
+          <p:cNvPr id="6" name="Picture 5">
+            <a:extLst>
+              <a:ext uri="{FF2B5EF4-FFF2-40B4-BE49-F238E27FC236}">
+                <a16:creationId xmlns:a16="http://schemas.microsoft.com/office/drawing/2014/main" id="{24E9037D-16F2-46D4-8F9F-C961FDAD1D35}"/>
+              </a:ext>
+            </a:extLst>
+          </p:cNvPr>
+          <p:cNvPicPr>
+            <a:picLocks noChangeAspect="1"/>
+          </p:cNvPicPr>
+          <p:nvPr/>
+        </p:nvPicPr>
+        <p:blipFill>
+          <a:blip r:embed="rId5"/>
+          <a:stretch>
+            <a:fillRect/>
+          </a:stretch>
+        </p:blipFill>
+        <p:spPr>
+          <a:xfrm>
+            <a:off x="4438288" y="3562903"/>
+            <a:ext cx="4427838" cy="3048426"/>
+          </a:xfrm>
+          <a:prstGeom prst="rect">
+            <a:avLst/>
+          </a:prstGeom>
+        </p:spPr>
+      </p:pic>
+    </p:spTree>
+    <p:extLst>
+      <p:ext uri="{BB962C8B-B14F-4D97-AF65-F5344CB8AC3E}">
+        <p14:creationId xmlns:p14="http://schemas.microsoft.com/office/powerpoint/2010/main" val="152459133"/>
+      </p:ext>
+    </p:extLst>
+  </p:cSld>
+  <p:clrMapOvr>
+    <a:masterClrMapping/>
+  </p:clrMapOvr>
+</p:sld>
+</file>
+
 <file path=ppt/theme/theme1.xml><?xml version="1.0" encoding="utf-8"?>
 <a:theme xmlns:a="http://schemas.openxmlformats.org/drawingml/2006/main" name="_Template">
   <a:themeElements>
@@ -4312,21 +4958,6 @@
 </file>
 
 <file path=customXml/item1.xml><?xml version="1.0" encoding="utf-8"?>
-<?mso-contentType ?>
-<FormTemplates xmlns="http://schemas.microsoft.com/sharepoint/v3/contenttype/forms">
-  <Display>DocumentLibraryForm</Display>
-  <Edit>DocumentLibraryForm</Edit>
-  <New>DocumentLibraryForm</New>
-</FormTemplates>
-</file>
-
-<file path=customXml/item2.xml><?xml version="1.0" encoding="utf-8"?>
-<p:properties xmlns:p="http://schemas.microsoft.com/office/2006/metadata/properties" xmlns:xsi="http://www.w3.org/2001/XMLSchema-instance" xmlns:pc="http://schemas.microsoft.com/office/infopath/2007/PartnerControls">
-  <documentManagement/>
-</p:properties>
-</file>
-
-<file path=customXml/item3.xml><?xml version="1.0" encoding="utf-8"?>
 <ct:contentTypeSchema xmlns:ct="http://schemas.microsoft.com/office/2006/metadata/contentType" xmlns:ma="http://schemas.microsoft.com/office/2006/metadata/properties/metaAttributes" ct:_="" ma:_="" ma:contentTypeName="Document" ma:contentTypeID="0x01010004C9F4636FD8CF4DBA576E51CE9A9557" ma:contentTypeVersion="12" ma:contentTypeDescription="Create a new document." ma:contentTypeScope="" ma:versionID="c335fd21f2fe76e29ebd247bba84ba96">
   <xsd:schema xmlns:xsd="http://www.w3.org/2001/XMLSchema" xmlns:xs="http://www.w3.org/2001/XMLSchema" xmlns:p="http://schemas.microsoft.com/office/2006/metadata/properties" xmlns:ns3="221e1496-d443-4306-ad63-a100e0046a13" xmlns:ns4="60aad371-894b-4a9b-aa6a-3fd9336d4f3f" targetNamespace="http://schemas.microsoft.com/office/2006/metadata/properties" ma:root="true" ma:fieldsID="4cb030868c90a59dc09b4c74f925c173" ns3:_="" ns4:_="">
     <xsd:import namespace="221e1496-d443-4306-ad63-a100e0046a13"/>
@@ -4543,10 +5174,36 @@
 </ct:contentTypeSchema>
 </file>
 
+<file path=customXml/item2.xml><?xml version="1.0" encoding="utf-8"?>
+<p:properties xmlns:p="http://schemas.microsoft.com/office/2006/metadata/properties" xmlns:xsi="http://www.w3.org/2001/XMLSchema-instance" xmlns:pc="http://schemas.microsoft.com/office/infopath/2007/PartnerControls">
+  <documentManagement/>
+</p:properties>
+</file>
+
+<file path=customXml/item3.xml><?xml version="1.0" encoding="utf-8"?>
+<?mso-contentType ?>
+<FormTemplates xmlns="http://schemas.microsoft.com/sharepoint/v3/contenttype/forms">
+  <Display>DocumentLibraryForm</Display>
+  <Edit>DocumentLibraryForm</Edit>
+  <New>DocumentLibraryForm</New>
+</FormTemplates>
+</file>
+
 <file path=customXml/itemProps1.xml><?xml version="1.0" encoding="utf-8"?>
-<ds:datastoreItem xmlns:ds="http://schemas.openxmlformats.org/officeDocument/2006/customXml" ds:itemID="{C57B2AAA-3E84-49CC-BE6D-CB4399E554EF}">
+<ds:datastoreItem xmlns:ds="http://schemas.openxmlformats.org/officeDocument/2006/customXml" ds:itemID="{6F97E12F-14DB-4E96-B5EF-03E9057A64B5}">
   <ds:schemaRefs>
-    <ds:schemaRef ds:uri="http://schemas.microsoft.com/sharepoint/v3/contenttype/forms"/>
+    <ds:schemaRef ds:uri="http://schemas.microsoft.com/office/2006/metadata/contentType"/>
+    <ds:schemaRef ds:uri="http://schemas.microsoft.com/office/2006/metadata/properties/metaAttributes"/>
+    <ds:schemaRef ds:uri="http://www.w3.org/2001/XMLSchema"/>
+    <ds:schemaRef ds:uri="http://schemas.microsoft.com/office/2006/metadata/properties"/>
+    <ds:schemaRef ds:uri="221e1496-d443-4306-ad63-a100e0046a13"/>
+    <ds:schemaRef ds:uri="60aad371-894b-4a9b-aa6a-3fd9336d4f3f"/>
+    <ds:schemaRef ds:uri="http://schemas.microsoft.com/office/2006/documentManagement/types"/>
+    <ds:schemaRef ds:uri="http://schemas.microsoft.com/office/infopath/2007/PartnerControls"/>
+    <ds:schemaRef ds:uri="http://schemas.openxmlformats.org/package/2006/metadata/core-properties"/>
+    <ds:schemaRef ds:uri="http://purl.org/dc/elements/1.1/"/>
+    <ds:schemaRef ds:uri="http://purl.org/dc/terms/"/>
+    <ds:schemaRef ds:uri="http://schemas.microsoft.com/internal/obd"/>
   </ds:schemaRefs>
 </ds:datastoreItem>
 </file>
@@ -4569,20 +5226,9 @@
 </file>
 
 <file path=customXml/itemProps3.xml><?xml version="1.0" encoding="utf-8"?>
-<ds:datastoreItem xmlns:ds="http://schemas.openxmlformats.org/officeDocument/2006/customXml" ds:itemID="{6F97E12F-14DB-4E96-B5EF-03E9057A64B5}">
+<ds:datastoreItem xmlns:ds="http://schemas.openxmlformats.org/officeDocument/2006/customXml" ds:itemID="{C57B2AAA-3E84-49CC-BE6D-CB4399E554EF}">
   <ds:schemaRefs>
-    <ds:schemaRef ds:uri="http://schemas.microsoft.com/office/2006/metadata/contentType"/>
-    <ds:schemaRef ds:uri="http://schemas.microsoft.com/office/2006/metadata/properties/metaAttributes"/>
-    <ds:schemaRef ds:uri="http://www.w3.org/2001/XMLSchema"/>
-    <ds:schemaRef ds:uri="http://schemas.microsoft.com/office/2006/metadata/properties"/>
-    <ds:schemaRef ds:uri="221e1496-d443-4306-ad63-a100e0046a13"/>
-    <ds:schemaRef ds:uri="60aad371-894b-4a9b-aa6a-3fd9336d4f3f"/>
-    <ds:schemaRef ds:uri="http://schemas.microsoft.com/office/2006/documentManagement/types"/>
-    <ds:schemaRef ds:uri="http://schemas.microsoft.com/office/infopath/2007/PartnerControls"/>
-    <ds:schemaRef ds:uri="http://schemas.openxmlformats.org/package/2006/metadata/core-properties"/>
-    <ds:schemaRef ds:uri="http://purl.org/dc/elements/1.1/"/>
-    <ds:schemaRef ds:uri="http://purl.org/dc/terms/"/>
-    <ds:schemaRef ds:uri="http://schemas.microsoft.com/internal/obd"/>
+    <ds:schemaRef ds:uri="http://schemas.microsoft.com/sharepoint/v3/contenttype/forms"/>
   </ds:schemaRefs>
 </ds:datastoreItem>
 </file>
--- a/PPTs/bak/UMU SDC TODO.pptx
+++ b/PPTs/bak/UMU SDC TODO.pptx
@@ -5,15 +5,18 @@
     <p:sldMasterId id="2147483648" r:id="rId4"/>
   </p:sldMasterIdLst>
   <p:notesMasterIdLst>
-    <p:notesMasterId r:id="rId11"/>
+    <p:notesMasterId r:id="rId14"/>
   </p:notesMasterIdLst>
   <p:sldIdLst>
     <p:sldId id="256" r:id="rId5"/>
     <p:sldId id="258" r:id="rId6"/>
-    <p:sldId id="894" r:id="rId7"/>
-    <p:sldId id="257" r:id="rId8"/>
-    <p:sldId id="389" r:id="rId9"/>
-    <p:sldId id="1047" r:id="rId10"/>
+    <p:sldId id="1113" r:id="rId7"/>
+    <p:sldId id="1165" r:id="rId8"/>
+    <p:sldId id="1163" r:id="rId9"/>
+    <p:sldId id="894" r:id="rId10"/>
+    <p:sldId id="257" r:id="rId11"/>
+    <p:sldId id="389" r:id="rId12"/>
+    <p:sldId id="1047" r:id="rId13"/>
   </p:sldIdLst>
   <p:sldSz cx="9144000" cy="6858000" type="screen4x3"/>
   <p:notesSz cx="6858000" cy="9144000"/>
@@ -267,7 +270,7 @@
             <a:fld id="{7C0CEB4B-0D62-444C-A05C-70565453F06B}" type="datetimeFigureOut">
               <a:rPr lang="en-US" smtClean="0"/>
               <a:pPr/>
-              <a:t>5/17/2021</a:t>
+              <a:t>5/21/2021</a:t>
             </a:fld>
             <a:endParaRPr lang="en-US"/>
           </a:p>
@@ -643,6 +646,254 @@
         </p:nvSpPr>
         <p:spPr/>
       </p:sp>
+      <mc:AlternateContent xmlns:mc="http://schemas.openxmlformats.org/markup-compatibility/2006" xmlns:a14="http://schemas.microsoft.com/office/drawing/2010/main">
+        <mc:Choice Requires="a14">
+          <p:sp>
+            <p:nvSpPr>
+              <p:cNvPr id="3" name="Notes Placeholder 2"/>
+              <p:cNvSpPr>
+                <a:spLocks noGrp="1"/>
+              </p:cNvSpPr>
+              <p:nvPr>
+                <p:ph type="body" idx="1"/>
+              </p:nvPr>
+            </p:nvSpPr>
+            <p:spPr/>
+            <p:txBody>
+              <a:bodyPr/>
+              <a:lstStyle/>
+              <a:p>
+                <a:pPr marL="0" marR="0" lvl="0" indent="0" algn="l" defTabSz="914400" rtl="0" eaLnBrk="0" fontAlgn="base" latinLnBrk="0" hangingPunct="0">
+                  <a:lnSpc>
+                    <a:spcPct val="100000"/>
+                  </a:lnSpc>
+                  <a:spcBef>
+                    <a:spcPct val="30000"/>
+                  </a:spcBef>
+                  <a:spcAft>
+                    <a:spcPct val="0"/>
+                  </a:spcAft>
+                  <a:buClrTx/>
+                  <a:buSzTx/>
+                  <a:buFontTx/>
+                  <a:buNone/>
+                  <a:tabLst/>
+                  <a:defRPr/>
+                </a:pPr>
+                <a:r>
+                  <a:rPr lang="en-US" dirty="0">
+                    <a:solidFill>
+                      <a:schemeClr val="tx1"/>
+                    </a:solidFill>
+                  </a:rPr>
+                  <a:t>Assume greedy policy, i.e., </a:t>
+                </a:r>
+                <a14:m>
+                  <m:oMath xmlns:m="http://schemas.openxmlformats.org/officeDocument/2006/math">
+                    <m:r>
+                      <a:rPr lang="en-US" b="0" i="1" smtClean="0">
+                        <a:solidFill>
+                          <a:schemeClr val="tx1"/>
+                        </a:solidFill>
+                        <a:latin typeface="Cambria Math" panose="02040503050406030204" pitchFamily="18" charset="0"/>
+                      </a:rPr>
+                      <m:t>𝜖</m:t>
+                    </m:r>
+                    <m:r>
+                      <a:rPr lang="en-US" b="0" i="1" smtClean="0">
+                        <a:solidFill>
+                          <a:schemeClr val="tx1"/>
+                        </a:solidFill>
+                        <a:latin typeface="Cambria Math" panose="02040503050406030204" pitchFamily="18" charset="0"/>
+                      </a:rPr>
+                      <m:t>=0</m:t>
+                    </m:r>
+                  </m:oMath>
+                </a14:m>
+                <a:r>
+                  <a:rPr lang="en-US" dirty="0">
+                    <a:solidFill>
+                      <a:schemeClr val="tx1"/>
+                    </a:solidFill>
+                  </a:rPr>
+                  <a:t> in </a:t>
+                </a:r>
+                <a14:m>
+                  <m:oMath xmlns:m="http://schemas.openxmlformats.org/officeDocument/2006/math">
+                    <m:r>
+                      <a:rPr lang="en-US" i="1">
+                        <a:latin typeface="Cambria Math" panose="02040503050406030204" pitchFamily="18" charset="0"/>
+                      </a:rPr>
+                      <m:t>𝜖</m:t>
+                    </m:r>
+                  </m:oMath>
+                </a14:m>
+                <a:r>
+                  <a:rPr lang="en-US" dirty="0">
+                    <a:solidFill>
+                      <a:schemeClr val="tx1"/>
+                    </a:solidFill>
+                  </a:rPr>
+                  <a:t>-greedy action selection. so agent selects random actions in each state. </a:t>
+                </a:r>
+              </a:p>
+              <a:p>
+                <a:endParaRPr lang="en-SE" dirty="0"/>
+              </a:p>
+            </p:txBody>
+          </p:sp>
+        </mc:Choice>
+        <mc:Fallback xmlns="">
+          <p:sp>
+            <p:nvSpPr>
+              <p:cNvPr id="3" name="Notes Placeholder 2"/>
+              <p:cNvSpPr>
+                <a:spLocks noGrp="1"/>
+              </p:cNvSpPr>
+              <p:nvPr>
+                <p:ph type="body" idx="1"/>
+              </p:nvPr>
+            </p:nvSpPr>
+            <p:spPr/>
+            <p:txBody>
+              <a:bodyPr/>
+              <a:lstStyle/>
+              <a:p>
+                <a:pPr marL="0" marR="0" lvl="0" indent="0" algn="l" defTabSz="914400" rtl="0" eaLnBrk="0" fontAlgn="base" latinLnBrk="0" hangingPunct="0">
+                  <a:lnSpc>
+                    <a:spcPct val="100000"/>
+                  </a:lnSpc>
+                  <a:spcBef>
+                    <a:spcPct val="30000"/>
+                  </a:spcBef>
+                  <a:spcAft>
+                    <a:spcPct val="0"/>
+                  </a:spcAft>
+                  <a:buClrTx/>
+                  <a:buSzTx/>
+                  <a:buFontTx/>
+                  <a:buNone/>
+                  <a:tabLst/>
+                  <a:defRPr/>
+                </a:pPr>
+                <a:r>
+                  <a:rPr lang="en-US" dirty="0">
+                    <a:solidFill>
+                      <a:schemeClr val="tx1"/>
+                    </a:solidFill>
+                  </a:rPr>
+                  <a:t>Assume greedy policy, i.e., </a:t>
+                </a:r>
+                <a:r>
+                  <a:rPr lang="en-US" b="0" i="0">
+                    <a:solidFill>
+                      <a:schemeClr val="tx1"/>
+                    </a:solidFill>
+                    <a:latin typeface="Cambria Math" panose="02040503050406030204" pitchFamily="18" charset="0"/>
+                  </a:rPr>
+                  <a:t>𝜖=0</a:t>
+                </a:r>
+                <a:r>
+                  <a:rPr lang="en-US" dirty="0">
+                    <a:solidFill>
+                      <a:schemeClr val="tx1"/>
+                    </a:solidFill>
+                  </a:rPr>
+                  <a:t> in </a:t>
+                </a:r>
+                <a:r>
+                  <a:rPr lang="en-US" i="0">
+                    <a:latin typeface="Cambria Math" panose="02040503050406030204" pitchFamily="18" charset="0"/>
+                  </a:rPr>
+                  <a:t>𝜖</a:t>
+                </a:r>
+                <a:r>
+                  <a:rPr lang="en-US" dirty="0">
+                    <a:solidFill>
+                      <a:schemeClr val="tx1"/>
+                    </a:solidFill>
+                  </a:rPr>
+                  <a:t>-greedy action selection. so agent selects random actions in each state. </a:t>
+                </a:r>
+              </a:p>
+              <a:p>
+                <a:endParaRPr lang="en-SE" dirty="0"/>
+              </a:p>
+            </p:txBody>
+          </p:sp>
+        </mc:Fallback>
+      </mc:AlternateContent>
+      <p:sp>
+        <p:nvSpPr>
+          <p:cNvPr id="4" name="Slide Number Placeholder 3"/>
+          <p:cNvSpPr>
+            <a:spLocks noGrp="1"/>
+          </p:cNvSpPr>
+          <p:nvPr>
+            <p:ph type="sldNum" sz="quarter" idx="5"/>
+          </p:nvPr>
+        </p:nvSpPr>
+        <p:spPr/>
+        <p:txBody>
+          <a:bodyPr/>
+          <a:lstStyle/>
+          <a:p>
+            <a:pPr>
+              <a:defRPr/>
+            </a:pPr>
+            <a:fld id="{6FA21340-DBF0-4FAC-9DE2-FD6DB24B56C8}" type="slidenum">
+              <a:rPr lang="en-US" altLang="zh-CN" smtClean="0"/>
+              <a:pPr>
+                <a:defRPr/>
+              </a:pPr>
+              <a:t>3</a:t>
+            </a:fld>
+            <a:endParaRPr lang="en-US" altLang="zh-CN"/>
+          </a:p>
+        </p:txBody>
+      </p:sp>
+    </p:spTree>
+    <p:extLst>
+      <p:ext uri="{BB962C8B-B14F-4D97-AF65-F5344CB8AC3E}">
+        <p14:creationId xmlns:p14="http://schemas.microsoft.com/office/powerpoint/2010/main" val="1481946789"/>
+      </p:ext>
+    </p:extLst>
+  </p:cSld>
+  <p:clrMapOvr>
+    <a:masterClrMapping/>
+  </p:clrMapOvr>
+</p:notes>
+</file>
+
+<file path=ppt/notesSlides/notesSlide3.xml><?xml version="1.0" encoding="utf-8"?>
+<p:notes xmlns:a="http://schemas.openxmlformats.org/drawingml/2006/main" xmlns:r="http://schemas.openxmlformats.org/officeDocument/2006/relationships" xmlns:p="http://schemas.openxmlformats.org/presentationml/2006/main">
+  <p:cSld>
+    <p:spTree>
+      <p:nvGrpSpPr>
+        <p:cNvPr id="1" name=""/>
+        <p:cNvGrpSpPr/>
+        <p:nvPr/>
+      </p:nvGrpSpPr>
+      <p:grpSpPr>
+        <a:xfrm>
+          <a:off x="0" y="0"/>
+          <a:ext cx="0" cy="0"/>
+          <a:chOff x="0" y="0"/>
+          <a:chExt cx="0" cy="0"/>
+        </a:xfrm>
+      </p:grpSpPr>
+      <p:sp>
+        <p:nvSpPr>
+          <p:cNvPr id="2" name="Slide Image Placeholder 1"/>
+          <p:cNvSpPr>
+            <a:spLocks noGrp="1" noRot="1" noChangeAspect="1"/>
+          </p:cNvSpPr>
+          <p:nvPr>
+            <p:ph type="sldImg"/>
+          </p:nvPr>
+        </p:nvSpPr>
+        <p:spPr/>
+      </p:sp>
       <p:sp>
         <p:nvSpPr>
           <p:cNvPr id="3" name="Notes Placeholder 2"/>
@@ -706,7 +957,7 @@
               <a:pPr>
                 <a:defRPr/>
               </a:pPr>
-              <a:t>6</a:t>
+              <a:t>9</a:t>
             </a:fld>
             <a:endParaRPr lang="en-US" altLang="zh-CN"/>
           </a:p>
@@ -907,7 +1158,7 @@
             <a:fld id="{CE1938E7-FCD4-418C-87D0-DD707A52F1FF}" type="datetimeFigureOut">
               <a:rPr lang="en-US" smtClean="0"/>
               <a:pPr/>
-              <a:t>5/17/2021</a:t>
+              <a:t>5/21/2021</a:t>
             </a:fld>
             <a:endParaRPr lang="en-US"/>
           </a:p>
@@ -1447,7 +1698,7 @@
             <a:fld id="{CE1938E7-FCD4-418C-87D0-DD707A52F1FF}" type="datetimeFigureOut">
               <a:rPr lang="en-US" smtClean="0"/>
               <a:pPr/>
-              <a:t>5/17/2021</a:t>
+              <a:t>5/21/2021</a:t>
             </a:fld>
             <a:endParaRPr lang="en-US"/>
           </a:p>
@@ -1894,7 +2145,11 @@
           <a:bodyPr/>
           <a:lstStyle/>
           <a:p>
-            <a:endParaRPr lang="en-SE"/>
+            <a:r>
+              <a:rPr lang="en-US"/>
+              <a:t>Lab 3 Comments</a:t>
+            </a:r>
+            <a:endParaRPr lang="en-SE" dirty="0"/>
           </a:p>
         </p:txBody>
       </p:sp>
@@ -1919,7 +2174,11 @@
           <a:bodyPr/>
           <a:lstStyle/>
           <a:p>
-            <a:endParaRPr lang="en-SE"/>
+            <a:r>
+              <a:rPr lang="en-US" dirty="0"/>
+              <a:t>It depends on the complexity of your configuration, and that is why I said "do not make your environment more complex than necessary". I guess you just need to do trial and error, and try to make it work with the minimum number of vehicles possible. If you have too many vehicles, then training time may be too long. But if you have too few vehicles, then you are less likely to get into collisions.</a:t>
+            </a:r>
+            <a:endParaRPr lang="en-SE" dirty="0"/>
           </a:p>
         </p:txBody>
       </p:sp>
@@ -1937,6 +2196,8480 @@
 </file>
 
 <file path=ppt/slides/slide3.xml><?xml version="1.0" encoding="utf-8"?>
+<p:sld xmlns:a="http://schemas.openxmlformats.org/drawingml/2006/main" xmlns:r="http://schemas.openxmlformats.org/officeDocument/2006/relationships" xmlns:p="http://schemas.openxmlformats.org/presentationml/2006/main">
+  <p:cSld>
+    <p:spTree>
+      <p:nvGrpSpPr>
+        <p:cNvPr id="1" name=""/>
+        <p:cNvGrpSpPr/>
+        <p:nvPr/>
+      </p:nvGrpSpPr>
+      <p:grpSpPr>
+        <a:xfrm>
+          <a:off x="0" y="0"/>
+          <a:ext cx="0" cy="0"/>
+          <a:chOff x="0" y="0"/>
+          <a:chExt cx="0" cy="0"/>
+        </a:xfrm>
+      </p:grpSpPr>
+      <mc:AlternateContent xmlns:mc="http://schemas.openxmlformats.org/markup-compatibility/2006" xmlns:a14="http://schemas.microsoft.com/office/drawing/2010/main">
+        <mc:Choice Requires="a14">
+          <p:sp>
+            <p:nvSpPr>
+              <p:cNvPr id="2" name="Title 1">
+                <a:extLst>
+                  <a:ext uri="{FF2B5EF4-FFF2-40B4-BE49-F238E27FC236}">
+                    <a16:creationId xmlns:a16="http://schemas.microsoft.com/office/drawing/2014/main" id="{C1CD80D1-8972-49E0-AB30-50C641BFF675}"/>
+                  </a:ext>
+                </a:extLst>
+              </p:cNvPr>
+              <p:cNvSpPr>
+                <a:spLocks noGrp="1"/>
+              </p:cNvSpPr>
+              <p:nvPr>
+                <p:ph type="title"/>
+              </p:nvPr>
+            </p:nvSpPr>
+            <p:spPr>
+              <a:xfrm>
+                <a:off x="226337" y="274638"/>
+                <a:ext cx="8727540" cy="868362"/>
+              </a:xfrm>
+            </p:spPr>
+            <p:txBody>
+              <a:bodyPr/>
+              <a:lstStyle/>
+              <a:p>
+                <a:r>
+                  <a:rPr lang="en-US" sz="3200" dirty="0" err="1"/>
+                  <a:t>Sarsa</a:t>
+                </a:r>
+                <a:r>
+                  <a:rPr lang="en-US" sz="3200" dirty="0"/>
+                  <a:t>, , Episodes </a:t>
+                </a:r>
+                <a14:m>
+                  <m:oMath xmlns:m="http://schemas.openxmlformats.org/officeDocument/2006/math">
+                    <m:r>
+                      <a:rPr lang="en-US" sz="3200" b="0" i="1" smtClean="0">
+                        <a:latin typeface="Cambria Math" panose="02040503050406030204" pitchFamily="18" charset="0"/>
+                      </a:rPr>
+                      <m:t>𝑛</m:t>
+                    </m:r>
+                    <m:r>
+                      <a:rPr lang="en-US" sz="3200" b="0" i="1" smtClean="0">
+                        <a:latin typeface="Cambria Math" panose="02040503050406030204" pitchFamily="18" charset="0"/>
+                      </a:rPr>
+                      <m:t>×(</m:t>
+                    </m:r>
+                    <m:r>
+                      <a:rPr lang="en-US" sz="3200" i="1">
+                        <a:latin typeface="Cambria Math" panose="02040503050406030204" pitchFamily="18" charset="0"/>
+                      </a:rPr>
+                      <m:t>𝐵</m:t>
+                    </m:r>
+                    <m:r>
+                      <a:rPr lang="en-US" sz="3200" i="1">
+                        <a:latin typeface="Cambria Math" panose="02040503050406030204" pitchFamily="18" charset="0"/>
+                      </a:rPr>
+                      <m:t>,</m:t>
+                    </m:r>
+                    <m:r>
+                      <a:rPr lang="en-US" sz="3200" b="0" i="1" smtClean="0">
+                        <a:latin typeface="Cambria Math" panose="02040503050406030204" pitchFamily="18" charset="0"/>
+                      </a:rPr>
+                      <m:t>𝑎</m:t>
+                    </m:r>
+                    <m:r>
+                      <a:rPr lang="en-US" sz="3200" i="1">
+                        <a:latin typeface="Cambria Math" panose="02040503050406030204" pitchFamily="18" charset="0"/>
+                      </a:rPr>
+                      <m:t>2,</m:t>
+                    </m:r>
+                    <m:r>
+                      <a:rPr lang="en-US" sz="3200" b="0" i="1" smtClean="0">
+                        <a:latin typeface="Cambria Math" panose="02040503050406030204" pitchFamily="18" charset="0"/>
+                      </a:rPr>
+                      <m:t> </m:t>
+                    </m:r>
+                    <m:r>
+                      <a:rPr lang="en-US" sz="3200" i="1">
+                        <a:latin typeface="Cambria Math" panose="02040503050406030204" pitchFamily="18" charset="0"/>
+                      </a:rPr>
+                      <m:t>0,</m:t>
+                    </m:r>
+                    <m:r>
+                      <a:rPr lang="en-US" sz="3200" b="0" i="1" smtClean="0">
+                        <a:latin typeface="Cambria Math" panose="02040503050406030204" pitchFamily="18" charset="0"/>
+                      </a:rPr>
+                      <m:t> </m:t>
+                    </m:r>
+                    <m:r>
+                      <a:rPr lang="en-US" sz="3200" i="1">
+                        <a:latin typeface="Cambria Math" panose="02040503050406030204" pitchFamily="18" charset="0"/>
+                      </a:rPr>
+                      <m:t>𝐷</m:t>
+                    </m:r>
+                    <m:r>
+                      <a:rPr lang="en-US" sz="3200" i="1">
+                        <a:latin typeface="Cambria Math" panose="02040503050406030204" pitchFamily="18" charset="0"/>
+                      </a:rPr>
+                      <m:t>,</m:t>
+                    </m:r>
+                    <m:r>
+                      <a:rPr lang="en-US" sz="3200" b="0" i="1" smtClean="0">
+                        <a:latin typeface="Cambria Math" panose="02040503050406030204" pitchFamily="18" charset="0"/>
+                      </a:rPr>
+                      <m:t>𝑎</m:t>
+                    </m:r>
+                    <m:r>
+                      <a:rPr lang="en-US" sz="3200" i="1">
+                        <a:latin typeface="Cambria Math" panose="02040503050406030204" pitchFamily="18" charset="0"/>
+                      </a:rPr>
+                      <m:t>1,−100</m:t>
+                    </m:r>
+                    <m:r>
+                      <a:rPr lang="en-US" sz="3200" b="0" i="1" smtClean="0">
+                        <a:latin typeface="Cambria Math" panose="02040503050406030204" pitchFamily="18" charset="0"/>
+                      </a:rPr>
+                      <m:t>, </m:t>
+                    </m:r>
+                    <m:r>
+                      <a:rPr lang="en-US" sz="3200" b="0" i="1" smtClean="0">
+                        <a:latin typeface="Cambria Math" panose="02040503050406030204" pitchFamily="18" charset="0"/>
+                      </a:rPr>
+                      <m:t>𝑇</m:t>
+                    </m:r>
+                    <m:r>
+                      <a:rPr lang="en-US" sz="3200" i="1">
+                        <a:latin typeface="Cambria Math" panose="02040503050406030204" pitchFamily="18" charset="0"/>
+                      </a:rPr>
+                      <m:t>)</m:t>
+                    </m:r>
+                  </m:oMath>
+                </a14:m>
+                <a:endParaRPr lang="en-SE" sz="3200" dirty="0"/>
+              </a:p>
+            </p:txBody>
+          </p:sp>
+        </mc:Choice>
+        <mc:Fallback xmlns="">
+          <p:sp>
+            <p:nvSpPr>
+              <p:cNvPr id="2" name="Title 1">
+                <a:extLst>
+                  <a:ext uri="{FF2B5EF4-FFF2-40B4-BE49-F238E27FC236}">
+                    <a16:creationId xmlns:a16="http://schemas.microsoft.com/office/drawing/2014/main" id="{C1CD80D1-8972-49E0-AB30-50C641BFF675}"/>
+                  </a:ext>
+                </a:extLst>
+              </p:cNvPr>
+              <p:cNvSpPr>
+                <a:spLocks noGrp="1" noRot="1" noChangeAspect="1" noMove="1" noResize="1" noEditPoints="1" noAdjustHandles="1" noChangeArrowheads="1" noChangeShapeType="1" noTextEdit="1"/>
+              </p:cNvSpPr>
+              <p:nvPr>
+                <p:ph type="title"/>
+              </p:nvPr>
+            </p:nvSpPr>
+            <p:spPr>
+              <a:xfrm>
+                <a:off x="226337" y="274638"/>
+                <a:ext cx="8727540" cy="868362"/>
+              </a:xfrm>
+              <a:blipFill>
+                <a:blip r:embed="rId3"/>
+                <a:stretch>
+                  <a:fillRect b="-6993"/>
+                </a:stretch>
+              </a:blipFill>
+            </p:spPr>
+            <p:txBody>
+              <a:bodyPr/>
+              <a:lstStyle/>
+              <a:p>
+                <a:r>
+                  <a:rPr lang="en-SE">
+                    <a:noFill/>
+                  </a:rPr>
+                  <a:t> </a:t>
+                </a:r>
+              </a:p>
+            </p:txBody>
+          </p:sp>
+        </mc:Fallback>
+      </mc:AlternateContent>
+      <mc:AlternateContent xmlns:mc="http://schemas.openxmlformats.org/markup-compatibility/2006" xmlns:a14="http://schemas.microsoft.com/office/drawing/2010/main">
+        <mc:Choice Requires="a14">
+          <p:sp>
+            <p:nvSpPr>
+              <p:cNvPr id="3" name="Content Placeholder 2">
+                <a:extLst>
+                  <a:ext uri="{FF2B5EF4-FFF2-40B4-BE49-F238E27FC236}">
+                    <a16:creationId xmlns:a16="http://schemas.microsoft.com/office/drawing/2014/main" id="{E34BD7F2-6D27-437A-87F5-E823F3651B1A}"/>
+                  </a:ext>
+                </a:extLst>
+              </p:cNvPr>
+              <p:cNvSpPr>
+                <a:spLocks noGrp="1"/>
+              </p:cNvSpPr>
+              <p:nvPr>
+                <p:ph idx="1"/>
+              </p:nvPr>
+            </p:nvSpPr>
+            <p:spPr>
+              <a:xfrm>
+                <a:off x="305045" y="1143000"/>
+                <a:ext cx="8533910" cy="3657600"/>
+              </a:xfrm>
+            </p:spPr>
+            <p:txBody>
+              <a:bodyPr>
+                <a:normAutofit fontScale="40000" lnSpcReduction="20000"/>
+              </a:bodyPr>
+              <a:lstStyle/>
+              <a:p>
+                <a:r>
+                  <a:rPr lang="en-US" dirty="0"/>
+                  <a:t>Sarsa update equation: </a:t>
+                </a:r>
+                <a14:m>
+                  <m:oMath xmlns:m="http://schemas.openxmlformats.org/officeDocument/2006/math">
+                    <m:r>
+                      <a:rPr lang="en-US" b="0" i="1" smtClean="0">
+                        <a:solidFill>
+                          <a:schemeClr val="tx1"/>
+                        </a:solidFill>
+                        <a:latin typeface="Cambria Math" panose="02040503050406030204" pitchFamily="18" charset="0"/>
+                      </a:rPr>
+                      <m:t>𝑄</m:t>
+                    </m:r>
+                    <m:d>
+                      <m:dPr>
+                        <m:ctrlPr>
+                          <a:rPr lang="en-US" i="1">
+                            <a:solidFill>
+                              <a:schemeClr val="tx1"/>
+                            </a:solidFill>
+                            <a:latin typeface="Cambria Math" panose="02040503050406030204" pitchFamily="18" charset="0"/>
+                          </a:rPr>
+                        </m:ctrlPr>
+                      </m:dPr>
+                      <m:e>
+                        <m:sSub>
+                          <m:sSubPr>
+                            <m:ctrlPr>
+                              <a:rPr lang="en-US" i="1">
+                                <a:solidFill>
+                                  <a:schemeClr val="tx1"/>
+                                </a:solidFill>
+                                <a:latin typeface="Cambria Math" panose="02040503050406030204" pitchFamily="18" charset="0"/>
+                              </a:rPr>
+                            </m:ctrlPr>
+                          </m:sSubPr>
+                          <m:e>
+                            <m:r>
+                              <a:rPr lang="en-US" i="1">
+                                <a:solidFill>
+                                  <a:schemeClr val="tx1"/>
+                                </a:solidFill>
+                                <a:latin typeface="Cambria Math" panose="02040503050406030204" pitchFamily="18" charset="0"/>
+                              </a:rPr>
+                              <m:t>𝑆</m:t>
+                            </m:r>
+                          </m:e>
+                          <m:sub>
+                            <m:r>
+                              <a:rPr lang="en-US" i="1">
+                                <a:solidFill>
+                                  <a:schemeClr val="tx1"/>
+                                </a:solidFill>
+                                <a:latin typeface="Cambria Math" panose="02040503050406030204" pitchFamily="18" charset="0"/>
+                              </a:rPr>
+                              <m:t>𝑡</m:t>
+                            </m:r>
+                          </m:sub>
+                        </m:sSub>
+                        <m:r>
+                          <a:rPr lang="en-US" b="0" i="1" smtClean="0">
+                            <a:solidFill>
+                              <a:schemeClr val="tx1"/>
+                            </a:solidFill>
+                            <a:latin typeface="Cambria Math" panose="02040503050406030204" pitchFamily="18" charset="0"/>
+                          </a:rPr>
+                          <m:t>,</m:t>
+                        </m:r>
+                        <m:sSub>
+                          <m:sSubPr>
+                            <m:ctrlPr>
+                              <a:rPr lang="en-US" b="0" i="1" smtClean="0">
+                                <a:solidFill>
+                                  <a:schemeClr val="tx1"/>
+                                </a:solidFill>
+                                <a:latin typeface="Cambria Math" panose="02040503050406030204" pitchFamily="18" charset="0"/>
+                              </a:rPr>
+                            </m:ctrlPr>
+                          </m:sSubPr>
+                          <m:e>
+                            <m:r>
+                              <a:rPr lang="en-US" b="0" i="1" smtClean="0">
+                                <a:solidFill>
+                                  <a:schemeClr val="tx1"/>
+                                </a:solidFill>
+                                <a:latin typeface="Cambria Math" panose="02040503050406030204" pitchFamily="18" charset="0"/>
+                              </a:rPr>
+                              <m:t>𝐴</m:t>
+                            </m:r>
+                          </m:e>
+                          <m:sub>
+                            <m:r>
+                              <a:rPr lang="en-US" b="0" i="1" smtClean="0">
+                                <a:solidFill>
+                                  <a:schemeClr val="tx1"/>
+                                </a:solidFill>
+                                <a:latin typeface="Cambria Math" panose="02040503050406030204" pitchFamily="18" charset="0"/>
+                              </a:rPr>
+                              <m:t>𝑡</m:t>
+                            </m:r>
+                          </m:sub>
+                        </m:sSub>
+                      </m:e>
+                    </m:d>
+                    <m:r>
+                      <a:rPr lang="en-US" i="1">
+                        <a:solidFill>
+                          <a:schemeClr val="tx1"/>
+                        </a:solidFill>
+                        <a:latin typeface="Cambria Math" panose="02040503050406030204" pitchFamily="18" charset="0"/>
+                      </a:rPr>
+                      <m:t>←</m:t>
+                    </m:r>
+                    <m:r>
+                      <a:rPr lang="en-US" i="1">
+                        <a:solidFill>
+                          <a:schemeClr val="tx1"/>
+                        </a:solidFill>
+                        <a:latin typeface="Cambria Math" panose="02040503050406030204" pitchFamily="18" charset="0"/>
+                      </a:rPr>
+                      <m:t>𝑄</m:t>
+                    </m:r>
+                    <m:d>
+                      <m:dPr>
+                        <m:ctrlPr>
+                          <a:rPr lang="en-US" i="1">
+                            <a:solidFill>
+                              <a:schemeClr val="tx1"/>
+                            </a:solidFill>
+                            <a:latin typeface="Cambria Math" panose="02040503050406030204" pitchFamily="18" charset="0"/>
+                          </a:rPr>
+                        </m:ctrlPr>
+                      </m:dPr>
+                      <m:e>
+                        <m:sSub>
+                          <m:sSubPr>
+                            <m:ctrlPr>
+                              <a:rPr lang="en-US" i="1">
+                                <a:solidFill>
+                                  <a:schemeClr val="tx1"/>
+                                </a:solidFill>
+                                <a:latin typeface="Cambria Math" panose="02040503050406030204" pitchFamily="18" charset="0"/>
+                              </a:rPr>
+                            </m:ctrlPr>
+                          </m:sSubPr>
+                          <m:e>
+                            <m:r>
+                              <a:rPr lang="en-US" i="1">
+                                <a:solidFill>
+                                  <a:schemeClr val="tx1"/>
+                                </a:solidFill>
+                                <a:latin typeface="Cambria Math" panose="02040503050406030204" pitchFamily="18" charset="0"/>
+                              </a:rPr>
+                              <m:t>𝑆</m:t>
+                            </m:r>
+                          </m:e>
+                          <m:sub>
+                            <m:r>
+                              <a:rPr lang="en-US" i="1">
+                                <a:solidFill>
+                                  <a:schemeClr val="tx1"/>
+                                </a:solidFill>
+                                <a:latin typeface="Cambria Math" panose="02040503050406030204" pitchFamily="18" charset="0"/>
+                              </a:rPr>
+                              <m:t>𝑡</m:t>
+                            </m:r>
+                          </m:sub>
+                        </m:sSub>
+                        <m:r>
+                          <a:rPr lang="en-US" i="1">
+                            <a:solidFill>
+                              <a:schemeClr val="tx1"/>
+                            </a:solidFill>
+                            <a:latin typeface="Cambria Math" panose="02040503050406030204" pitchFamily="18" charset="0"/>
+                          </a:rPr>
+                          <m:t>,</m:t>
+                        </m:r>
+                        <m:sSub>
+                          <m:sSubPr>
+                            <m:ctrlPr>
+                              <a:rPr lang="en-US" i="1">
+                                <a:solidFill>
+                                  <a:schemeClr val="tx1"/>
+                                </a:solidFill>
+                                <a:latin typeface="Cambria Math" panose="02040503050406030204" pitchFamily="18" charset="0"/>
+                              </a:rPr>
+                            </m:ctrlPr>
+                          </m:sSubPr>
+                          <m:e>
+                            <m:r>
+                              <a:rPr lang="en-US" i="1">
+                                <a:solidFill>
+                                  <a:schemeClr val="tx1"/>
+                                </a:solidFill>
+                                <a:latin typeface="Cambria Math" panose="02040503050406030204" pitchFamily="18" charset="0"/>
+                              </a:rPr>
+                              <m:t>𝐴</m:t>
+                            </m:r>
+                          </m:e>
+                          <m:sub>
+                            <m:r>
+                              <a:rPr lang="en-US" i="1">
+                                <a:solidFill>
+                                  <a:schemeClr val="tx1"/>
+                                </a:solidFill>
+                                <a:latin typeface="Cambria Math" panose="02040503050406030204" pitchFamily="18" charset="0"/>
+                              </a:rPr>
+                              <m:t>𝑡</m:t>
+                            </m:r>
+                          </m:sub>
+                        </m:sSub>
+                      </m:e>
+                    </m:d>
+                    <m:r>
+                      <a:rPr lang="en-US" i="1">
+                        <a:solidFill>
+                          <a:schemeClr val="tx1"/>
+                        </a:solidFill>
+                        <a:latin typeface="Cambria Math" panose="02040503050406030204" pitchFamily="18" charset="0"/>
+                      </a:rPr>
+                      <m:t>+</m:t>
+                    </m:r>
+                    <m:r>
+                      <a:rPr lang="en-US" i="1">
+                        <a:solidFill>
+                          <a:schemeClr val="tx1"/>
+                        </a:solidFill>
+                        <a:latin typeface="Cambria Math" panose="02040503050406030204" pitchFamily="18" charset="0"/>
+                      </a:rPr>
+                      <m:t>𝛼</m:t>
+                    </m:r>
+                    <m:d>
+                      <m:dPr>
+                        <m:ctrlPr>
+                          <a:rPr lang="en-US" i="1">
+                            <a:solidFill>
+                              <a:schemeClr val="tx1"/>
+                            </a:solidFill>
+                            <a:latin typeface="Cambria Math" panose="02040503050406030204" pitchFamily="18" charset="0"/>
+                          </a:rPr>
+                        </m:ctrlPr>
+                      </m:dPr>
+                      <m:e>
+                        <m:sSub>
+                          <m:sSubPr>
+                            <m:ctrlPr>
+                              <a:rPr lang="en-US" i="1">
+                                <a:solidFill>
+                                  <a:schemeClr val="tx1"/>
+                                </a:solidFill>
+                                <a:latin typeface="Cambria Math" panose="02040503050406030204" pitchFamily="18" charset="0"/>
+                              </a:rPr>
+                            </m:ctrlPr>
+                          </m:sSubPr>
+                          <m:e>
+                            <m:r>
+                              <a:rPr lang="en-US" i="1">
+                                <a:solidFill>
+                                  <a:schemeClr val="tx1"/>
+                                </a:solidFill>
+                                <a:latin typeface="Cambria Math" panose="02040503050406030204" pitchFamily="18" charset="0"/>
+                              </a:rPr>
+                              <m:t>𝑅</m:t>
+                            </m:r>
+                          </m:e>
+                          <m:sub>
+                            <m:r>
+                              <a:rPr lang="en-US" i="1">
+                                <a:solidFill>
+                                  <a:schemeClr val="tx1"/>
+                                </a:solidFill>
+                                <a:latin typeface="Cambria Math" panose="02040503050406030204" pitchFamily="18" charset="0"/>
+                              </a:rPr>
+                              <m:t>𝑡</m:t>
+                            </m:r>
+                            <m:r>
+                              <a:rPr lang="en-US" i="1">
+                                <a:solidFill>
+                                  <a:schemeClr val="tx1"/>
+                                </a:solidFill>
+                                <a:latin typeface="Cambria Math" panose="02040503050406030204" pitchFamily="18" charset="0"/>
+                              </a:rPr>
+                              <m:t>+1</m:t>
+                            </m:r>
+                          </m:sub>
+                        </m:sSub>
+                        <m:r>
+                          <a:rPr lang="en-US" i="1">
+                            <a:solidFill>
+                              <a:schemeClr val="tx1"/>
+                            </a:solidFill>
+                            <a:latin typeface="Cambria Math" panose="02040503050406030204" pitchFamily="18" charset="0"/>
+                          </a:rPr>
+                          <m:t>+</m:t>
+                        </m:r>
+                        <m:r>
+                          <a:rPr lang="en-US" i="1">
+                            <a:solidFill>
+                              <a:schemeClr val="tx1"/>
+                            </a:solidFill>
+                            <a:latin typeface="Cambria Math" panose="02040503050406030204" pitchFamily="18" charset="0"/>
+                          </a:rPr>
+                          <m:t>𝛾</m:t>
+                        </m:r>
+                        <m:r>
+                          <a:rPr lang="en-US" i="1" smtClean="0">
+                            <a:solidFill>
+                              <a:schemeClr val="tx1"/>
+                            </a:solidFill>
+                            <a:latin typeface="Cambria Math" panose="02040503050406030204" pitchFamily="18" charset="0"/>
+                          </a:rPr>
+                          <m:t>𝑄</m:t>
+                        </m:r>
+                        <m:d>
+                          <m:dPr>
+                            <m:ctrlPr>
+                              <a:rPr lang="en-US" i="1">
+                                <a:solidFill>
+                                  <a:schemeClr val="tx1"/>
+                                </a:solidFill>
+                                <a:latin typeface="Cambria Math" panose="02040503050406030204" pitchFamily="18" charset="0"/>
+                              </a:rPr>
+                            </m:ctrlPr>
+                          </m:dPr>
+                          <m:e>
+                            <m:sSub>
+                              <m:sSubPr>
+                                <m:ctrlPr>
+                                  <a:rPr lang="en-US" i="1">
+                                    <a:solidFill>
+                                      <a:schemeClr val="tx1"/>
+                                    </a:solidFill>
+                                    <a:latin typeface="Cambria Math" panose="02040503050406030204" pitchFamily="18" charset="0"/>
+                                  </a:rPr>
+                                </m:ctrlPr>
+                              </m:sSubPr>
+                              <m:e>
+                                <m:r>
+                                  <a:rPr lang="en-US" i="1">
+                                    <a:solidFill>
+                                      <a:schemeClr val="tx1"/>
+                                    </a:solidFill>
+                                    <a:latin typeface="Cambria Math" panose="02040503050406030204" pitchFamily="18" charset="0"/>
+                                  </a:rPr>
+                                  <m:t>𝑆</m:t>
+                                </m:r>
+                              </m:e>
+                              <m:sub>
+                                <m:r>
+                                  <a:rPr lang="en-US" i="1">
+                                    <a:solidFill>
+                                      <a:schemeClr val="tx1"/>
+                                    </a:solidFill>
+                                    <a:latin typeface="Cambria Math" panose="02040503050406030204" pitchFamily="18" charset="0"/>
+                                  </a:rPr>
+                                  <m:t>𝑡</m:t>
+                                </m:r>
+                                <m:r>
+                                  <a:rPr lang="en-US" b="0" i="1" smtClean="0">
+                                    <a:solidFill>
+                                      <a:schemeClr val="tx1"/>
+                                    </a:solidFill>
+                                    <a:latin typeface="Cambria Math" panose="02040503050406030204" pitchFamily="18" charset="0"/>
+                                  </a:rPr>
+                                  <m:t>+1</m:t>
+                                </m:r>
+                              </m:sub>
+                            </m:sSub>
+                            <m:r>
+                              <a:rPr lang="en-US" i="1">
+                                <a:solidFill>
+                                  <a:schemeClr val="tx1"/>
+                                </a:solidFill>
+                                <a:latin typeface="Cambria Math" panose="02040503050406030204" pitchFamily="18" charset="0"/>
+                              </a:rPr>
+                              <m:t>,</m:t>
+                            </m:r>
+                            <m:sSub>
+                              <m:sSubPr>
+                                <m:ctrlPr>
+                                  <a:rPr lang="en-US" i="1">
+                                    <a:solidFill>
+                                      <a:schemeClr val="tx1"/>
+                                    </a:solidFill>
+                                    <a:latin typeface="Cambria Math" panose="02040503050406030204" pitchFamily="18" charset="0"/>
+                                  </a:rPr>
+                                </m:ctrlPr>
+                              </m:sSubPr>
+                              <m:e>
+                                <m:r>
+                                  <a:rPr lang="en-US" i="1">
+                                    <a:solidFill>
+                                      <a:schemeClr val="tx1"/>
+                                    </a:solidFill>
+                                    <a:latin typeface="Cambria Math" panose="02040503050406030204" pitchFamily="18" charset="0"/>
+                                  </a:rPr>
+                                  <m:t>𝐴</m:t>
+                                </m:r>
+                              </m:e>
+                              <m:sub>
+                                <m:r>
+                                  <a:rPr lang="en-US" i="1">
+                                    <a:solidFill>
+                                      <a:schemeClr val="tx1"/>
+                                    </a:solidFill>
+                                    <a:latin typeface="Cambria Math" panose="02040503050406030204" pitchFamily="18" charset="0"/>
+                                  </a:rPr>
+                                  <m:t>𝑡</m:t>
+                                </m:r>
+                                <m:r>
+                                  <a:rPr lang="en-US" b="0" i="1" smtClean="0">
+                                    <a:solidFill>
+                                      <a:schemeClr val="tx1"/>
+                                    </a:solidFill>
+                                    <a:latin typeface="Cambria Math" panose="02040503050406030204" pitchFamily="18" charset="0"/>
+                                  </a:rPr>
+                                  <m:t>+1</m:t>
+                                </m:r>
+                              </m:sub>
+                            </m:sSub>
+                          </m:e>
+                        </m:d>
+                        <m:r>
+                          <a:rPr lang="en-US" i="1">
+                            <a:solidFill>
+                              <a:schemeClr val="tx1"/>
+                            </a:solidFill>
+                            <a:latin typeface="Cambria Math" panose="02040503050406030204" pitchFamily="18" charset="0"/>
+                          </a:rPr>
+                          <m:t>−</m:t>
+                        </m:r>
+                        <m:r>
+                          <a:rPr lang="en-US" i="1">
+                            <a:solidFill>
+                              <a:schemeClr val="tx1"/>
+                            </a:solidFill>
+                            <a:latin typeface="Cambria Math" panose="02040503050406030204" pitchFamily="18" charset="0"/>
+                          </a:rPr>
+                          <m:t>𝑄</m:t>
+                        </m:r>
+                        <m:d>
+                          <m:dPr>
+                            <m:ctrlPr>
+                              <a:rPr lang="en-US" i="1">
+                                <a:solidFill>
+                                  <a:schemeClr val="tx1"/>
+                                </a:solidFill>
+                                <a:latin typeface="Cambria Math" panose="02040503050406030204" pitchFamily="18" charset="0"/>
+                              </a:rPr>
+                            </m:ctrlPr>
+                          </m:dPr>
+                          <m:e>
+                            <m:sSub>
+                              <m:sSubPr>
+                                <m:ctrlPr>
+                                  <a:rPr lang="en-US" i="1">
+                                    <a:solidFill>
+                                      <a:schemeClr val="tx1"/>
+                                    </a:solidFill>
+                                    <a:latin typeface="Cambria Math" panose="02040503050406030204" pitchFamily="18" charset="0"/>
+                                  </a:rPr>
+                                </m:ctrlPr>
+                              </m:sSubPr>
+                              <m:e>
+                                <m:r>
+                                  <a:rPr lang="en-US" i="1">
+                                    <a:solidFill>
+                                      <a:schemeClr val="tx1"/>
+                                    </a:solidFill>
+                                    <a:latin typeface="Cambria Math" panose="02040503050406030204" pitchFamily="18" charset="0"/>
+                                  </a:rPr>
+                                  <m:t>𝑆</m:t>
+                                </m:r>
+                              </m:e>
+                              <m:sub>
+                                <m:r>
+                                  <a:rPr lang="en-US" i="1">
+                                    <a:solidFill>
+                                      <a:schemeClr val="tx1"/>
+                                    </a:solidFill>
+                                    <a:latin typeface="Cambria Math" panose="02040503050406030204" pitchFamily="18" charset="0"/>
+                                  </a:rPr>
+                                  <m:t>𝑡</m:t>
+                                </m:r>
+                              </m:sub>
+                            </m:sSub>
+                            <m:r>
+                              <a:rPr lang="en-US" i="1">
+                                <a:solidFill>
+                                  <a:schemeClr val="tx1"/>
+                                </a:solidFill>
+                                <a:latin typeface="Cambria Math" panose="02040503050406030204" pitchFamily="18" charset="0"/>
+                              </a:rPr>
+                              <m:t>,</m:t>
+                            </m:r>
+                            <m:sSub>
+                              <m:sSubPr>
+                                <m:ctrlPr>
+                                  <a:rPr lang="en-US" i="1">
+                                    <a:solidFill>
+                                      <a:schemeClr val="tx1"/>
+                                    </a:solidFill>
+                                    <a:latin typeface="Cambria Math" panose="02040503050406030204" pitchFamily="18" charset="0"/>
+                                  </a:rPr>
+                                </m:ctrlPr>
+                              </m:sSubPr>
+                              <m:e>
+                                <m:r>
+                                  <a:rPr lang="en-US" i="1">
+                                    <a:solidFill>
+                                      <a:schemeClr val="tx1"/>
+                                    </a:solidFill>
+                                    <a:latin typeface="Cambria Math" panose="02040503050406030204" pitchFamily="18" charset="0"/>
+                                  </a:rPr>
+                                  <m:t>𝐴</m:t>
+                                </m:r>
+                              </m:e>
+                              <m:sub>
+                                <m:r>
+                                  <a:rPr lang="en-US" i="1">
+                                    <a:solidFill>
+                                      <a:schemeClr val="tx1"/>
+                                    </a:solidFill>
+                                    <a:latin typeface="Cambria Math" panose="02040503050406030204" pitchFamily="18" charset="0"/>
+                                  </a:rPr>
+                                  <m:t>𝑡</m:t>
+                                </m:r>
+                              </m:sub>
+                            </m:sSub>
+                          </m:e>
+                        </m:d>
+                      </m:e>
+                    </m:d>
+                    <m:r>
+                      <a:rPr lang="en-US" b="0" i="1" smtClean="0">
+                        <a:solidFill>
+                          <a:schemeClr val="tx1"/>
+                        </a:solidFill>
+                        <a:latin typeface="Cambria Math" panose="02040503050406030204" pitchFamily="18" charset="0"/>
+                      </a:rPr>
+                      <m:t>=</m:t>
+                    </m:r>
+                    <m:sSub>
+                      <m:sSubPr>
+                        <m:ctrlPr>
+                          <a:rPr lang="en-US" i="1">
+                            <a:solidFill>
+                              <a:schemeClr val="tx1"/>
+                            </a:solidFill>
+                            <a:latin typeface="Cambria Math" panose="02040503050406030204" pitchFamily="18" charset="0"/>
+                          </a:rPr>
+                        </m:ctrlPr>
+                      </m:sSubPr>
+                      <m:e>
+                        <m:r>
+                          <a:rPr lang="en-US" i="1">
+                            <a:solidFill>
+                              <a:schemeClr val="tx1"/>
+                            </a:solidFill>
+                            <a:latin typeface="Cambria Math" panose="02040503050406030204" pitchFamily="18" charset="0"/>
+                          </a:rPr>
+                          <m:t>𝑅</m:t>
+                        </m:r>
+                      </m:e>
+                      <m:sub>
+                        <m:r>
+                          <a:rPr lang="en-US" i="1">
+                            <a:solidFill>
+                              <a:schemeClr val="tx1"/>
+                            </a:solidFill>
+                            <a:latin typeface="Cambria Math" panose="02040503050406030204" pitchFamily="18" charset="0"/>
+                          </a:rPr>
+                          <m:t>𝑡</m:t>
+                        </m:r>
+                        <m:r>
+                          <a:rPr lang="en-US" i="1">
+                            <a:solidFill>
+                              <a:schemeClr val="tx1"/>
+                            </a:solidFill>
+                            <a:latin typeface="Cambria Math" panose="02040503050406030204" pitchFamily="18" charset="0"/>
+                          </a:rPr>
+                          <m:t>+1</m:t>
+                        </m:r>
+                      </m:sub>
+                    </m:sSub>
+                    <m:r>
+                      <a:rPr lang="en-US" i="1">
+                        <a:solidFill>
+                          <a:schemeClr val="tx1"/>
+                        </a:solidFill>
+                        <a:latin typeface="Cambria Math" panose="02040503050406030204" pitchFamily="18" charset="0"/>
+                      </a:rPr>
+                      <m:t>+</m:t>
+                    </m:r>
+                    <m:r>
+                      <a:rPr lang="en-US" i="1">
+                        <a:solidFill>
+                          <a:schemeClr val="tx1"/>
+                        </a:solidFill>
+                        <a:latin typeface="Cambria Math" panose="02040503050406030204" pitchFamily="18" charset="0"/>
+                      </a:rPr>
+                      <m:t>𝛾</m:t>
+                    </m:r>
+                    <m:r>
+                      <a:rPr lang="en-US" i="1">
+                        <a:solidFill>
+                          <a:schemeClr val="tx1"/>
+                        </a:solidFill>
+                        <a:latin typeface="Cambria Math" panose="02040503050406030204" pitchFamily="18" charset="0"/>
+                      </a:rPr>
+                      <m:t>𝑄</m:t>
+                    </m:r>
+                    <m:d>
+                      <m:dPr>
+                        <m:ctrlPr>
+                          <a:rPr lang="en-US" i="1">
+                            <a:solidFill>
+                              <a:schemeClr val="tx1"/>
+                            </a:solidFill>
+                            <a:latin typeface="Cambria Math" panose="02040503050406030204" pitchFamily="18" charset="0"/>
+                          </a:rPr>
+                        </m:ctrlPr>
+                      </m:dPr>
+                      <m:e>
+                        <m:sSub>
+                          <m:sSubPr>
+                            <m:ctrlPr>
+                              <a:rPr lang="en-US" i="1">
+                                <a:solidFill>
+                                  <a:schemeClr val="tx1"/>
+                                </a:solidFill>
+                                <a:latin typeface="Cambria Math" panose="02040503050406030204" pitchFamily="18" charset="0"/>
+                              </a:rPr>
+                            </m:ctrlPr>
+                          </m:sSubPr>
+                          <m:e>
+                            <m:r>
+                              <a:rPr lang="en-US" i="1">
+                                <a:solidFill>
+                                  <a:schemeClr val="tx1"/>
+                                </a:solidFill>
+                                <a:latin typeface="Cambria Math" panose="02040503050406030204" pitchFamily="18" charset="0"/>
+                              </a:rPr>
+                              <m:t>𝑆</m:t>
+                            </m:r>
+                          </m:e>
+                          <m:sub>
+                            <m:r>
+                              <a:rPr lang="en-US" i="1">
+                                <a:solidFill>
+                                  <a:schemeClr val="tx1"/>
+                                </a:solidFill>
+                                <a:latin typeface="Cambria Math" panose="02040503050406030204" pitchFamily="18" charset="0"/>
+                              </a:rPr>
+                              <m:t>𝑡</m:t>
+                            </m:r>
+                            <m:r>
+                              <a:rPr lang="en-US" i="1">
+                                <a:solidFill>
+                                  <a:schemeClr val="tx1"/>
+                                </a:solidFill>
+                                <a:latin typeface="Cambria Math" panose="02040503050406030204" pitchFamily="18" charset="0"/>
+                              </a:rPr>
+                              <m:t>+1</m:t>
+                            </m:r>
+                          </m:sub>
+                        </m:sSub>
+                        <m:r>
+                          <a:rPr lang="en-US" i="1">
+                            <a:solidFill>
+                              <a:schemeClr val="tx1"/>
+                            </a:solidFill>
+                            <a:latin typeface="Cambria Math" panose="02040503050406030204" pitchFamily="18" charset="0"/>
+                          </a:rPr>
+                          <m:t>,</m:t>
+                        </m:r>
+                        <m:sSub>
+                          <m:sSubPr>
+                            <m:ctrlPr>
+                              <a:rPr lang="en-US" i="1">
+                                <a:solidFill>
+                                  <a:schemeClr val="tx1"/>
+                                </a:solidFill>
+                                <a:latin typeface="Cambria Math" panose="02040503050406030204" pitchFamily="18" charset="0"/>
+                              </a:rPr>
+                            </m:ctrlPr>
+                          </m:sSubPr>
+                          <m:e>
+                            <m:r>
+                              <a:rPr lang="en-US" i="1">
+                                <a:solidFill>
+                                  <a:schemeClr val="tx1"/>
+                                </a:solidFill>
+                                <a:latin typeface="Cambria Math" panose="02040503050406030204" pitchFamily="18" charset="0"/>
+                              </a:rPr>
+                              <m:t>𝐴</m:t>
+                            </m:r>
+                          </m:e>
+                          <m:sub>
+                            <m:r>
+                              <a:rPr lang="en-US" i="1">
+                                <a:solidFill>
+                                  <a:schemeClr val="tx1"/>
+                                </a:solidFill>
+                                <a:latin typeface="Cambria Math" panose="02040503050406030204" pitchFamily="18" charset="0"/>
+                              </a:rPr>
+                              <m:t>𝑡</m:t>
+                            </m:r>
+                            <m:r>
+                              <a:rPr lang="en-US" i="1">
+                                <a:solidFill>
+                                  <a:schemeClr val="tx1"/>
+                                </a:solidFill>
+                                <a:latin typeface="Cambria Math" panose="02040503050406030204" pitchFamily="18" charset="0"/>
+                              </a:rPr>
+                              <m:t>+1</m:t>
+                            </m:r>
+                          </m:sub>
+                        </m:sSub>
+                      </m:e>
+                    </m:d>
+                  </m:oMath>
+                </a14:m>
+                <a:endParaRPr lang="en-US" dirty="0"/>
+              </a:p>
+              <a:p>
+                <a:r>
+                  <a:rPr lang="en-US" dirty="0">
+                    <a:solidFill>
+                      <a:schemeClr val="tx1"/>
+                    </a:solidFill>
+                  </a:rPr>
+                  <a:t>All Q values are initialized to 0.</a:t>
+                </a:r>
+              </a:p>
+              <a:p>
+                <a:r>
+                  <a:rPr lang="en-US" dirty="0">
+                    <a:solidFill>
+                      <a:schemeClr val="tx1"/>
+                    </a:solidFill>
+                  </a:rPr>
+                  <a:t>Suppose 1</a:t>
+                </a:r>
+                <a:r>
+                  <a:rPr lang="en-US" baseline="30000" dirty="0">
+                    <a:solidFill>
+                      <a:schemeClr val="tx1"/>
+                    </a:solidFill>
+                  </a:rPr>
+                  <a:t>st</a:t>
+                </a:r>
+                <a:r>
+                  <a:rPr lang="en-US" dirty="0">
+                    <a:solidFill>
+                      <a:schemeClr val="tx1"/>
+                    </a:solidFill>
+                  </a:rPr>
+                  <a:t>  episode EP1 is </a:t>
+                </a:r>
+                <a14:m>
+                  <m:oMath xmlns:m="http://schemas.openxmlformats.org/officeDocument/2006/math">
+                    <m:r>
+                      <a:rPr lang="en-US" i="1">
+                        <a:latin typeface="Cambria Math" panose="02040503050406030204" pitchFamily="18" charset="0"/>
+                      </a:rPr>
+                      <m:t>(</m:t>
+                    </m:r>
+                    <m:r>
+                      <a:rPr lang="en-US" i="1">
+                        <a:latin typeface="Cambria Math" panose="02040503050406030204" pitchFamily="18" charset="0"/>
+                      </a:rPr>
+                      <m:t>𝐵</m:t>
+                    </m:r>
+                    <m:r>
+                      <a:rPr lang="en-US" i="1">
+                        <a:latin typeface="Cambria Math" panose="02040503050406030204" pitchFamily="18" charset="0"/>
+                      </a:rPr>
+                      <m:t>,</m:t>
+                    </m:r>
+                    <m:r>
+                      <a:rPr lang="en-US" b="0" i="1" smtClean="0">
+                        <a:latin typeface="Cambria Math" panose="02040503050406030204" pitchFamily="18" charset="0"/>
+                      </a:rPr>
+                      <m:t>𝑎</m:t>
+                    </m:r>
+                    <m:r>
+                      <a:rPr lang="en-US" i="1">
+                        <a:latin typeface="Cambria Math" panose="02040503050406030204" pitchFamily="18" charset="0"/>
+                      </a:rPr>
+                      <m:t>2,</m:t>
+                    </m:r>
+                    <m:r>
+                      <a:rPr lang="en-US" b="0" i="1" smtClean="0">
+                        <a:latin typeface="Cambria Math" panose="02040503050406030204" pitchFamily="18" charset="0"/>
+                      </a:rPr>
+                      <m:t> </m:t>
+                    </m:r>
+                    <m:r>
+                      <a:rPr lang="en-US" i="1">
+                        <a:latin typeface="Cambria Math" panose="02040503050406030204" pitchFamily="18" charset="0"/>
+                      </a:rPr>
+                      <m:t>0,</m:t>
+                    </m:r>
+                    <m:r>
+                      <a:rPr lang="en-US" i="1">
+                        <a:latin typeface="Cambria Math" panose="02040503050406030204" pitchFamily="18" charset="0"/>
+                      </a:rPr>
+                      <m:t>𝐷</m:t>
+                    </m:r>
+                    <m:r>
+                      <a:rPr lang="en-US" i="1">
+                        <a:latin typeface="Cambria Math" panose="02040503050406030204" pitchFamily="18" charset="0"/>
+                      </a:rPr>
+                      <m:t>,</m:t>
+                    </m:r>
+                    <m:r>
+                      <a:rPr lang="en-US" b="0" i="1" smtClean="0">
+                        <a:latin typeface="Cambria Math" panose="02040503050406030204" pitchFamily="18" charset="0"/>
+                      </a:rPr>
+                      <m:t>𝑎</m:t>
+                    </m:r>
+                    <m:r>
+                      <a:rPr lang="en-US" i="1">
+                        <a:latin typeface="Cambria Math" panose="02040503050406030204" pitchFamily="18" charset="0"/>
+                      </a:rPr>
+                      <m:t>1,−100)</m:t>
+                    </m:r>
+                  </m:oMath>
+                </a14:m>
+                <a:r>
+                  <a:rPr lang="en-US" dirty="0">
+                    <a:solidFill>
+                      <a:schemeClr val="tx1"/>
+                    </a:solidFill>
+                  </a:rPr>
+                  <a:t>. After EP1:</a:t>
+                </a:r>
+              </a:p>
+              <a:p>
+                <a14:m>
+                  <m:oMath xmlns:m="http://schemas.openxmlformats.org/officeDocument/2006/math">
+                    <m:r>
+                      <a:rPr lang="en-US" i="1" smtClean="0">
+                        <a:solidFill>
+                          <a:schemeClr val="tx1"/>
+                        </a:solidFill>
+                        <a:latin typeface="Cambria Math" panose="02040503050406030204" pitchFamily="18" charset="0"/>
+                      </a:rPr>
+                      <m:t>𝑄</m:t>
+                    </m:r>
+                    <m:d>
+                      <m:dPr>
+                        <m:ctrlPr>
+                          <a:rPr lang="en-US" i="1">
+                            <a:solidFill>
+                              <a:schemeClr val="tx1"/>
+                            </a:solidFill>
+                            <a:latin typeface="Cambria Math" panose="02040503050406030204" pitchFamily="18" charset="0"/>
+                          </a:rPr>
+                        </m:ctrlPr>
+                      </m:dPr>
+                      <m:e>
+                        <m:r>
+                          <a:rPr lang="en-US" b="0" i="1" smtClean="0">
+                            <a:solidFill>
+                              <a:schemeClr val="tx1"/>
+                            </a:solidFill>
+                            <a:latin typeface="Cambria Math" panose="02040503050406030204" pitchFamily="18" charset="0"/>
+                          </a:rPr>
+                          <m:t>𝐵</m:t>
+                        </m:r>
+                        <m:r>
+                          <a:rPr lang="en-US" i="1">
+                            <a:solidFill>
+                              <a:schemeClr val="tx1"/>
+                            </a:solidFill>
+                            <a:latin typeface="Cambria Math" panose="02040503050406030204" pitchFamily="18" charset="0"/>
+                          </a:rPr>
+                          <m:t>,</m:t>
+                        </m:r>
+                        <m:r>
+                          <a:rPr lang="en-US" b="0" i="1" smtClean="0">
+                            <a:solidFill>
+                              <a:schemeClr val="tx1"/>
+                            </a:solidFill>
+                            <a:latin typeface="Cambria Math" panose="02040503050406030204" pitchFamily="18" charset="0"/>
+                          </a:rPr>
+                          <m:t>𝑎</m:t>
+                        </m:r>
+                        <m:r>
+                          <a:rPr lang="en-US" b="0" i="1" smtClean="0">
+                            <a:solidFill>
+                              <a:schemeClr val="tx1"/>
+                            </a:solidFill>
+                            <a:latin typeface="Cambria Math" panose="02040503050406030204" pitchFamily="18" charset="0"/>
+                          </a:rPr>
+                          <m:t>2</m:t>
+                        </m:r>
+                      </m:e>
+                    </m:d>
+                    <m:r>
+                      <a:rPr lang="en-US" i="1">
+                        <a:solidFill>
+                          <a:schemeClr val="tx1"/>
+                        </a:solidFill>
+                        <a:latin typeface="Cambria Math" panose="02040503050406030204" pitchFamily="18" charset="0"/>
+                      </a:rPr>
+                      <m:t>←</m:t>
+                    </m:r>
+                    <m:r>
+                      <a:rPr lang="en-US" i="1">
+                        <a:solidFill>
+                          <a:schemeClr val="tx1"/>
+                        </a:solidFill>
+                        <a:latin typeface="Cambria Math" panose="02040503050406030204" pitchFamily="18" charset="0"/>
+                      </a:rPr>
+                      <m:t>𝑄</m:t>
+                    </m:r>
+                    <m:d>
+                      <m:dPr>
+                        <m:ctrlPr>
+                          <a:rPr lang="en-US" i="1">
+                            <a:solidFill>
+                              <a:schemeClr val="tx1"/>
+                            </a:solidFill>
+                            <a:latin typeface="Cambria Math" panose="02040503050406030204" pitchFamily="18" charset="0"/>
+                          </a:rPr>
+                        </m:ctrlPr>
+                      </m:dPr>
+                      <m:e>
+                        <m:r>
+                          <a:rPr lang="en-US" b="0" i="1" smtClean="0">
+                            <a:solidFill>
+                              <a:schemeClr val="tx1"/>
+                            </a:solidFill>
+                            <a:latin typeface="Cambria Math" panose="02040503050406030204" pitchFamily="18" charset="0"/>
+                          </a:rPr>
+                          <m:t>𝐵</m:t>
+                        </m:r>
+                        <m:r>
+                          <a:rPr lang="en-US" i="1">
+                            <a:solidFill>
+                              <a:schemeClr val="tx1"/>
+                            </a:solidFill>
+                            <a:latin typeface="Cambria Math" panose="02040503050406030204" pitchFamily="18" charset="0"/>
+                          </a:rPr>
+                          <m:t>,</m:t>
+                        </m:r>
+                        <m:r>
+                          <a:rPr lang="en-US" i="1">
+                            <a:solidFill>
+                              <a:schemeClr val="tx1"/>
+                            </a:solidFill>
+                            <a:latin typeface="Cambria Math" panose="02040503050406030204" pitchFamily="18" charset="0"/>
+                          </a:rPr>
+                          <m:t>𝑎</m:t>
+                        </m:r>
+                        <m:r>
+                          <a:rPr lang="en-US" i="1">
+                            <a:solidFill>
+                              <a:schemeClr val="tx1"/>
+                            </a:solidFill>
+                            <a:latin typeface="Cambria Math" panose="02040503050406030204" pitchFamily="18" charset="0"/>
+                          </a:rPr>
+                          <m:t>2</m:t>
+                        </m:r>
+                      </m:e>
+                    </m:d>
+                    <m:r>
+                      <a:rPr lang="en-US" i="1">
+                        <a:solidFill>
+                          <a:schemeClr val="tx1"/>
+                        </a:solidFill>
+                        <a:latin typeface="Cambria Math" panose="02040503050406030204" pitchFamily="18" charset="0"/>
+                      </a:rPr>
+                      <m:t>+</m:t>
+                    </m:r>
+                    <m:r>
+                      <a:rPr lang="en-US" i="1">
+                        <a:solidFill>
+                          <a:schemeClr val="tx1"/>
+                        </a:solidFill>
+                        <a:latin typeface="Cambria Math" panose="02040503050406030204" pitchFamily="18" charset="0"/>
+                      </a:rPr>
+                      <m:t>𝛼</m:t>
+                    </m:r>
+                    <m:d>
+                      <m:dPr>
+                        <m:ctrlPr>
+                          <a:rPr lang="en-US" i="1">
+                            <a:solidFill>
+                              <a:schemeClr val="tx1"/>
+                            </a:solidFill>
+                            <a:latin typeface="Cambria Math" panose="02040503050406030204" pitchFamily="18" charset="0"/>
+                          </a:rPr>
+                        </m:ctrlPr>
+                      </m:dPr>
+                      <m:e>
+                        <m:sSub>
+                          <m:sSubPr>
+                            <m:ctrlPr>
+                              <a:rPr lang="en-US" i="1">
+                                <a:solidFill>
+                                  <a:schemeClr val="tx1"/>
+                                </a:solidFill>
+                                <a:latin typeface="Cambria Math" panose="02040503050406030204" pitchFamily="18" charset="0"/>
+                              </a:rPr>
+                            </m:ctrlPr>
+                          </m:sSubPr>
+                          <m:e>
+                            <m:r>
+                              <a:rPr lang="en-US" i="1">
+                                <a:solidFill>
+                                  <a:schemeClr val="tx1"/>
+                                </a:solidFill>
+                                <a:latin typeface="Cambria Math" panose="02040503050406030204" pitchFamily="18" charset="0"/>
+                              </a:rPr>
+                              <m:t>𝑅</m:t>
+                            </m:r>
+                          </m:e>
+                          <m:sub>
+                            <m:r>
+                              <a:rPr lang="en-US" i="1">
+                                <a:solidFill>
+                                  <a:schemeClr val="tx1"/>
+                                </a:solidFill>
+                                <a:latin typeface="Cambria Math" panose="02040503050406030204" pitchFamily="18" charset="0"/>
+                              </a:rPr>
+                              <m:t>𝑡</m:t>
+                            </m:r>
+                            <m:r>
+                              <a:rPr lang="en-US" i="1">
+                                <a:solidFill>
+                                  <a:schemeClr val="tx1"/>
+                                </a:solidFill>
+                                <a:latin typeface="Cambria Math" panose="02040503050406030204" pitchFamily="18" charset="0"/>
+                              </a:rPr>
+                              <m:t>+1</m:t>
+                            </m:r>
+                          </m:sub>
+                        </m:sSub>
+                        <m:r>
+                          <a:rPr lang="en-US" i="1">
+                            <a:solidFill>
+                              <a:schemeClr val="tx1"/>
+                            </a:solidFill>
+                            <a:latin typeface="Cambria Math" panose="02040503050406030204" pitchFamily="18" charset="0"/>
+                          </a:rPr>
+                          <m:t>+</m:t>
+                        </m:r>
+                        <m:r>
+                          <a:rPr lang="en-US" i="1">
+                            <a:solidFill>
+                              <a:schemeClr val="tx1"/>
+                            </a:solidFill>
+                            <a:latin typeface="Cambria Math" panose="02040503050406030204" pitchFamily="18" charset="0"/>
+                          </a:rPr>
+                          <m:t>𝛾</m:t>
+                        </m:r>
+                        <m:r>
+                          <a:rPr lang="en-US" i="1">
+                            <a:solidFill>
+                              <a:schemeClr val="tx1"/>
+                            </a:solidFill>
+                            <a:latin typeface="Cambria Math" panose="02040503050406030204" pitchFamily="18" charset="0"/>
+                          </a:rPr>
+                          <m:t>𝑄</m:t>
+                        </m:r>
+                        <m:d>
+                          <m:dPr>
+                            <m:ctrlPr>
+                              <a:rPr lang="en-US" i="1">
+                                <a:solidFill>
+                                  <a:schemeClr val="tx1"/>
+                                </a:solidFill>
+                                <a:latin typeface="Cambria Math" panose="02040503050406030204" pitchFamily="18" charset="0"/>
+                              </a:rPr>
+                            </m:ctrlPr>
+                          </m:dPr>
+                          <m:e>
+                            <m:r>
+                              <a:rPr lang="en-US" b="0" i="1" smtClean="0">
+                                <a:solidFill>
+                                  <a:schemeClr val="tx1"/>
+                                </a:solidFill>
+                                <a:latin typeface="Cambria Math" panose="02040503050406030204" pitchFamily="18" charset="0"/>
+                              </a:rPr>
+                              <m:t>𝐷</m:t>
+                            </m:r>
+                            <m:r>
+                              <a:rPr lang="en-US" i="1">
+                                <a:solidFill>
+                                  <a:schemeClr val="tx1"/>
+                                </a:solidFill>
+                                <a:latin typeface="Cambria Math" panose="02040503050406030204" pitchFamily="18" charset="0"/>
+                              </a:rPr>
+                              <m:t>,</m:t>
+                            </m:r>
+                            <m:r>
+                              <a:rPr lang="en-US" b="0" i="1" smtClean="0">
+                                <a:solidFill>
+                                  <a:schemeClr val="tx1"/>
+                                </a:solidFill>
+                                <a:latin typeface="Cambria Math" panose="02040503050406030204" pitchFamily="18" charset="0"/>
+                              </a:rPr>
+                              <m:t>𝑎</m:t>
+                            </m:r>
+                            <m:r>
+                              <a:rPr lang="en-US" b="0" i="1" smtClean="0">
+                                <a:solidFill>
+                                  <a:schemeClr val="tx1"/>
+                                </a:solidFill>
+                                <a:latin typeface="Cambria Math" panose="02040503050406030204" pitchFamily="18" charset="0"/>
+                              </a:rPr>
+                              <m:t>1</m:t>
+                            </m:r>
+                          </m:e>
+                        </m:d>
+                        <m:r>
+                          <a:rPr lang="en-US" i="1">
+                            <a:solidFill>
+                              <a:schemeClr val="tx1"/>
+                            </a:solidFill>
+                            <a:latin typeface="Cambria Math" panose="02040503050406030204" pitchFamily="18" charset="0"/>
+                          </a:rPr>
+                          <m:t>−</m:t>
+                        </m:r>
+                        <m:r>
+                          <a:rPr lang="en-US" i="1">
+                            <a:solidFill>
+                              <a:schemeClr val="tx1"/>
+                            </a:solidFill>
+                            <a:latin typeface="Cambria Math" panose="02040503050406030204" pitchFamily="18" charset="0"/>
+                          </a:rPr>
+                          <m:t>𝑄</m:t>
+                        </m:r>
+                        <m:d>
+                          <m:dPr>
+                            <m:ctrlPr>
+                              <a:rPr lang="en-US" i="1">
+                                <a:solidFill>
+                                  <a:schemeClr val="tx1"/>
+                                </a:solidFill>
+                                <a:latin typeface="Cambria Math" panose="02040503050406030204" pitchFamily="18" charset="0"/>
+                              </a:rPr>
+                            </m:ctrlPr>
+                          </m:dPr>
+                          <m:e>
+                            <m:r>
+                              <a:rPr lang="en-US" i="1">
+                                <a:solidFill>
+                                  <a:schemeClr val="tx1"/>
+                                </a:solidFill>
+                                <a:latin typeface="Cambria Math" panose="02040503050406030204" pitchFamily="18" charset="0"/>
+                              </a:rPr>
+                              <m:t>𝐵</m:t>
+                            </m:r>
+                            <m:r>
+                              <a:rPr lang="en-US" i="1">
+                                <a:solidFill>
+                                  <a:schemeClr val="tx1"/>
+                                </a:solidFill>
+                                <a:latin typeface="Cambria Math" panose="02040503050406030204" pitchFamily="18" charset="0"/>
+                              </a:rPr>
+                              <m:t>,</m:t>
+                            </m:r>
+                            <m:r>
+                              <a:rPr lang="en-US" i="1">
+                                <a:solidFill>
+                                  <a:schemeClr val="tx1"/>
+                                </a:solidFill>
+                                <a:latin typeface="Cambria Math" panose="02040503050406030204" pitchFamily="18" charset="0"/>
+                              </a:rPr>
+                              <m:t>𝑎</m:t>
+                            </m:r>
+                            <m:r>
+                              <a:rPr lang="en-US" i="1">
+                                <a:solidFill>
+                                  <a:schemeClr val="tx1"/>
+                                </a:solidFill>
+                                <a:latin typeface="Cambria Math" panose="02040503050406030204" pitchFamily="18" charset="0"/>
+                              </a:rPr>
+                              <m:t>2</m:t>
+                            </m:r>
+                          </m:e>
+                        </m:d>
+                      </m:e>
+                    </m:d>
+                    <m:r>
+                      <a:rPr lang="en-US" b="0" i="1" smtClean="0">
+                        <a:solidFill>
+                          <a:schemeClr val="tx1"/>
+                        </a:solidFill>
+                        <a:latin typeface="Cambria Math" panose="02040503050406030204" pitchFamily="18" charset="0"/>
+                      </a:rPr>
+                      <m:t>=</m:t>
+                    </m:r>
+                    <m:r>
+                      <a:rPr lang="en-US" b="0" i="1" smtClean="0">
+                        <a:latin typeface="Cambria Math" panose="02040503050406030204" pitchFamily="18" charset="0"/>
+                      </a:rPr>
+                      <m:t>0</m:t>
+                    </m:r>
+                    <m:r>
+                      <a:rPr lang="en-US" b="0" i="1" smtClean="0">
+                        <a:solidFill>
+                          <a:schemeClr val="tx1"/>
+                        </a:solidFill>
+                        <a:latin typeface="Cambria Math" panose="02040503050406030204" pitchFamily="18" charset="0"/>
+                      </a:rPr>
+                      <m:t>+</m:t>
+                    </m:r>
+                    <m:d>
+                      <m:dPr>
+                        <m:ctrlPr>
+                          <a:rPr lang="en-US" b="0" i="1" smtClean="0">
+                            <a:solidFill>
+                              <a:schemeClr val="tx1"/>
+                            </a:solidFill>
+                            <a:latin typeface="Cambria Math" panose="02040503050406030204" pitchFamily="18" charset="0"/>
+                          </a:rPr>
+                        </m:ctrlPr>
+                      </m:dPr>
+                      <m:e>
+                        <m:r>
+                          <a:rPr lang="en-US" b="0" i="1" smtClean="0">
+                            <a:solidFill>
+                              <a:schemeClr val="tx1"/>
+                            </a:solidFill>
+                            <a:latin typeface="Cambria Math" panose="02040503050406030204" pitchFamily="18" charset="0"/>
+                          </a:rPr>
+                          <m:t>0+0</m:t>
+                        </m:r>
+                        <m:r>
+                          <a:rPr lang="en-US" b="0" i="1" smtClean="0">
+                            <a:latin typeface="Cambria Math" panose="02040503050406030204" pitchFamily="18" charset="0"/>
+                          </a:rPr>
+                          <m:t>−0</m:t>
+                        </m:r>
+                      </m:e>
+                    </m:d>
+                    <m:r>
+                      <a:rPr lang="en-US" b="0" i="1" smtClean="0">
+                        <a:latin typeface="Cambria Math" panose="02040503050406030204" pitchFamily="18" charset="0"/>
+                      </a:rPr>
+                      <m:t>=0</m:t>
+                    </m:r>
+                  </m:oMath>
+                </a14:m>
+                <a:endParaRPr lang="en-US" dirty="0">
+                  <a:solidFill>
+                    <a:schemeClr val="tx1"/>
+                  </a:solidFill>
+                </a:endParaRPr>
+              </a:p>
+              <a:p>
+                <a14:m>
+                  <m:oMath xmlns:m="http://schemas.openxmlformats.org/officeDocument/2006/math">
+                    <m:r>
+                      <a:rPr lang="en-US" i="1">
+                        <a:solidFill>
+                          <a:schemeClr val="tx1"/>
+                        </a:solidFill>
+                        <a:latin typeface="Cambria Math" panose="02040503050406030204" pitchFamily="18" charset="0"/>
+                      </a:rPr>
+                      <m:t>𝑄</m:t>
+                    </m:r>
+                    <m:d>
+                      <m:dPr>
+                        <m:ctrlPr>
+                          <a:rPr lang="en-US" i="1">
+                            <a:solidFill>
+                              <a:schemeClr val="tx1"/>
+                            </a:solidFill>
+                            <a:latin typeface="Cambria Math" panose="02040503050406030204" pitchFamily="18" charset="0"/>
+                          </a:rPr>
+                        </m:ctrlPr>
+                      </m:dPr>
+                      <m:e>
+                        <m:r>
+                          <a:rPr lang="en-US" b="0" i="1" smtClean="0">
+                            <a:solidFill>
+                              <a:schemeClr val="tx1"/>
+                            </a:solidFill>
+                            <a:latin typeface="Cambria Math" panose="02040503050406030204" pitchFamily="18" charset="0"/>
+                          </a:rPr>
+                          <m:t>𝐷</m:t>
+                        </m:r>
+                        <m:r>
+                          <a:rPr lang="en-US" i="1">
+                            <a:solidFill>
+                              <a:schemeClr val="tx1"/>
+                            </a:solidFill>
+                            <a:latin typeface="Cambria Math" panose="02040503050406030204" pitchFamily="18" charset="0"/>
+                          </a:rPr>
+                          <m:t>,</m:t>
+                        </m:r>
+                        <m:r>
+                          <a:rPr lang="en-US" i="1">
+                            <a:solidFill>
+                              <a:schemeClr val="tx1"/>
+                            </a:solidFill>
+                            <a:latin typeface="Cambria Math" panose="02040503050406030204" pitchFamily="18" charset="0"/>
+                          </a:rPr>
+                          <m:t>𝑎</m:t>
+                        </m:r>
+                        <m:r>
+                          <a:rPr lang="en-US" i="1">
+                            <a:solidFill>
+                              <a:schemeClr val="tx1"/>
+                            </a:solidFill>
+                            <a:latin typeface="Cambria Math" panose="02040503050406030204" pitchFamily="18" charset="0"/>
+                          </a:rPr>
+                          <m:t>1</m:t>
+                        </m:r>
+                      </m:e>
+                    </m:d>
+                    <m:r>
+                      <a:rPr lang="en-US" i="1">
+                        <a:solidFill>
+                          <a:schemeClr val="tx1"/>
+                        </a:solidFill>
+                        <a:latin typeface="Cambria Math" panose="02040503050406030204" pitchFamily="18" charset="0"/>
+                      </a:rPr>
+                      <m:t>←</m:t>
+                    </m:r>
+                    <m:r>
+                      <a:rPr lang="en-US" i="1" smtClean="0">
+                        <a:solidFill>
+                          <a:schemeClr val="tx1"/>
+                        </a:solidFill>
+                        <a:latin typeface="Cambria Math" panose="02040503050406030204" pitchFamily="18" charset="0"/>
+                      </a:rPr>
+                      <m:t>𝑄</m:t>
+                    </m:r>
+                    <m:d>
+                      <m:dPr>
+                        <m:ctrlPr>
+                          <a:rPr lang="en-US" i="1">
+                            <a:solidFill>
+                              <a:schemeClr val="tx1"/>
+                            </a:solidFill>
+                            <a:latin typeface="Cambria Math" panose="02040503050406030204" pitchFamily="18" charset="0"/>
+                          </a:rPr>
+                        </m:ctrlPr>
+                      </m:dPr>
+                      <m:e>
+                        <m:r>
+                          <a:rPr lang="en-US" i="1">
+                            <a:solidFill>
+                              <a:schemeClr val="tx1"/>
+                            </a:solidFill>
+                            <a:latin typeface="Cambria Math" panose="02040503050406030204" pitchFamily="18" charset="0"/>
+                          </a:rPr>
+                          <m:t>𝐷</m:t>
+                        </m:r>
+                        <m:r>
+                          <a:rPr lang="en-US" i="1">
+                            <a:solidFill>
+                              <a:schemeClr val="tx1"/>
+                            </a:solidFill>
+                            <a:latin typeface="Cambria Math" panose="02040503050406030204" pitchFamily="18" charset="0"/>
+                          </a:rPr>
+                          <m:t>,</m:t>
+                        </m:r>
+                        <m:r>
+                          <a:rPr lang="en-US" i="1">
+                            <a:solidFill>
+                              <a:schemeClr val="tx1"/>
+                            </a:solidFill>
+                            <a:latin typeface="Cambria Math" panose="02040503050406030204" pitchFamily="18" charset="0"/>
+                          </a:rPr>
+                          <m:t>𝑎</m:t>
+                        </m:r>
+                        <m:r>
+                          <a:rPr lang="en-US" i="1">
+                            <a:solidFill>
+                              <a:schemeClr val="tx1"/>
+                            </a:solidFill>
+                            <a:latin typeface="Cambria Math" panose="02040503050406030204" pitchFamily="18" charset="0"/>
+                          </a:rPr>
+                          <m:t>1</m:t>
+                        </m:r>
+                      </m:e>
+                    </m:d>
+                    <m:r>
+                      <a:rPr lang="en-US" i="1">
+                        <a:solidFill>
+                          <a:schemeClr val="tx1"/>
+                        </a:solidFill>
+                        <a:latin typeface="Cambria Math" panose="02040503050406030204" pitchFamily="18" charset="0"/>
+                      </a:rPr>
+                      <m:t>+</m:t>
+                    </m:r>
+                    <m:r>
+                      <a:rPr lang="en-US" i="1">
+                        <a:solidFill>
+                          <a:schemeClr val="tx1"/>
+                        </a:solidFill>
+                        <a:latin typeface="Cambria Math" panose="02040503050406030204" pitchFamily="18" charset="0"/>
+                      </a:rPr>
+                      <m:t>𝛼</m:t>
+                    </m:r>
+                    <m:d>
+                      <m:dPr>
+                        <m:ctrlPr>
+                          <a:rPr lang="en-US" i="1">
+                            <a:solidFill>
+                              <a:schemeClr val="tx1"/>
+                            </a:solidFill>
+                            <a:latin typeface="Cambria Math" panose="02040503050406030204" pitchFamily="18" charset="0"/>
+                          </a:rPr>
+                        </m:ctrlPr>
+                      </m:dPr>
+                      <m:e>
+                        <m:sSub>
+                          <m:sSubPr>
+                            <m:ctrlPr>
+                              <a:rPr lang="en-US" i="1">
+                                <a:solidFill>
+                                  <a:schemeClr val="tx1"/>
+                                </a:solidFill>
+                                <a:latin typeface="Cambria Math" panose="02040503050406030204" pitchFamily="18" charset="0"/>
+                              </a:rPr>
+                            </m:ctrlPr>
+                          </m:sSubPr>
+                          <m:e>
+                            <m:r>
+                              <a:rPr lang="en-US" i="1">
+                                <a:solidFill>
+                                  <a:schemeClr val="tx1"/>
+                                </a:solidFill>
+                                <a:latin typeface="Cambria Math" panose="02040503050406030204" pitchFamily="18" charset="0"/>
+                              </a:rPr>
+                              <m:t>𝑅</m:t>
+                            </m:r>
+                          </m:e>
+                          <m:sub>
+                            <m:r>
+                              <a:rPr lang="en-US" i="1">
+                                <a:solidFill>
+                                  <a:schemeClr val="tx1"/>
+                                </a:solidFill>
+                                <a:latin typeface="Cambria Math" panose="02040503050406030204" pitchFamily="18" charset="0"/>
+                              </a:rPr>
+                              <m:t>𝑡</m:t>
+                            </m:r>
+                            <m:r>
+                              <a:rPr lang="en-US" i="1">
+                                <a:solidFill>
+                                  <a:schemeClr val="tx1"/>
+                                </a:solidFill>
+                                <a:latin typeface="Cambria Math" panose="02040503050406030204" pitchFamily="18" charset="0"/>
+                              </a:rPr>
+                              <m:t>+1</m:t>
+                            </m:r>
+                          </m:sub>
+                        </m:sSub>
+                        <m:r>
+                          <a:rPr lang="en-US" i="1">
+                            <a:solidFill>
+                              <a:schemeClr val="tx1"/>
+                            </a:solidFill>
+                            <a:latin typeface="Cambria Math" panose="02040503050406030204" pitchFamily="18" charset="0"/>
+                          </a:rPr>
+                          <m:t>+</m:t>
+                        </m:r>
+                        <m:r>
+                          <a:rPr lang="en-US" i="1">
+                            <a:solidFill>
+                              <a:schemeClr val="tx1"/>
+                            </a:solidFill>
+                            <a:latin typeface="Cambria Math" panose="02040503050406030204" pitchFamily="18" charset="0"/>
+                          </a:rPr>
+                          <m:t>𝛾</m:t>
+                        </m:r>
+                        <m:r>
+                          <a:rPr lang="en-US" i="1">
+                            <a:solidFill>
+                              <a:schemeClr val="tx1"/>
+                            </a:solidFill>
+                            <a:latin typeface="Cambria Math" panose="02040503050406030204" pitchFamily="18" charset="0"/>
+                          </a:rPr>
+                          <m:t>𝑄</m:t>
+                        </m:r>
+                        <m:d>
+                          <m:dPr>
+                            <m:ctrlPr>
+                              <a:rPr lang="en-US" i="1">
+                                <a:solidFill>
+                                  <a:schemeClr val="tx1"/>
+                                </a:solidFill>
+                                <a:latin typeface="Cambria Math" panose="02040503050406030204" pitchFamily="18" charset="0"/>
+                              </a:rPr>
+                            </m:ctrlPr>
+                          </m:dPr>
+                          <m:e>
+                            <m:r>
+                              <a:rPr lang="en-US" b="0" i="1" smtClean="0">
+                                <a:solidFill>
+                                  <a:schemeClr val="tx1"/>
+                                </a:solidFill>
+                                <a:latin typeface="Cambria Math" panose="02040503050406030204" pitchFamily="18" charset="0"/>
+                              </a:rPr>
+                              <m:t>𝑇</m:t>
+                            </m:r>
+                            <m:r>
+                              <a:rPr lang="en-US" i="1">
+                                <a:solidFill>
+                                  <a:schemeClr val="tx1"/>
+                                </a:solidFill>
+                                <a:latin typeface="Cambria Math" panose="02040503050406030204" pitchFamily="18" charset="0"/>
+                              </a:rPr>
+                              <m:t>,</m:t>
+                            </m:r>
+                            <m:r>
+                              <a:rPr lang="en-US" b="0" i="1" smtClean="0">
+                                <a:solidFill>
+                                  <a:schemeClr val="tx1"/>
+                                </a:solidFill>
+                                <a:latin typeface="Cambria Math" panose="02040503050406030204" pitchFamily="18" charset="0"/>
+                              </a:rPr>
+                              <m:t>−</m:t>
+                            </m:r>
+                          </m:e>
+                        </m:d>
+                        <m:r>
+                          <a:rPr lang="en-US" i="1">
+                            <a:solidFill>
+                              <a:schemeClr val="tx1"/>
+                            </a:solidFill>
+                            <a:latin typeface="Cambria Math" panose="02040503050406030204" pitchFamily="18" charset="0"/>
+                          </a:rPr>
+                          <m:t>−</m:t>
+                        </m:r>
+                        <m:r>
+                          <a:rPr lang="en-US" i="1">
+                            <a:solidFill>
+                              <a:schemeClr val="tx1"/>
+                            </a:solidFill>
+                            <a:latin typeface="Cambria Math" panose="02040503050406030204" pitchFamily="18" charset="0"/>
+                          </a:rPr>
+                          <m:t>𝑄</m:t>
+                        </m:r>
+                        <m:d>
+                          <m:dPr>
+                            <m:ctrlPr>
+                              <a:rPr lang="en-US" i="1">
+                                <a:solidFill>
+                                  <a:schemeClr val="tx1"/>
+                                </a:solidFill>
+                                <a:latin typeface="Cambria Math" panose="02040503050406030204" pitchFamily="18" charset="0"/>
+                              </a:rPr>
+                            </m:ctrlPr>
+                          </m:dPr>
+                          <m:e>
+                            <m:r>
+                              <a:rPr lang="en-US" i="1">
+                                <a:solidFill>
+                                  <a:schemeClr val="tx1"/>
+                                </a:solidFill>
+                                <a:latin typeface="Cambria Math" panose="02040503050406030204" pitchFamily="18" charset="0"/>
+                              </a:rPr>
+                              <m:t>𝐷</m:t>
+                            </m:r>
+                            <m:r>
+                              <a:rPr lang="en-US" i="1">
+                                <a:solidFill>
+                                  <a:schemeClr val="tx1"/>
+                                </a:solidFill>
+                                <a:latin typeface="Cambria Math" panose="02040503050406030204" pitchFamily="18" charset="0"/>
+                              </a:rPr>
+                              <m:t>,</m:t>
+                            </m:r>
+                            <m:r>
+                              <a:rPr lang="en-US" i="1">
+                                <a:solidFill>
+                                  <a:schemeClr val="tx1"/>
+                                </a:solidFill>
+                                <a:latin typeface="Cambria Math" panose="02040503050406030204" pitchFamily="18" charset="0"/>
+                              </a:rPr>
+                              <m:t>𝑎</m:t>
+                            </m:r>
+                            <m:r>
+                              <a:rPr lang="en-US" i="1">
+                                <a:solidFill>
+                                  <a:schemeClr val="tx1"/>
+                                </a:solidFill>
+                                <a:latin typeface="Cambria Math" panose="02040503050406030204" pitchFamily="18" charset="0"/>
+                              </a:rPr>
+                              <m:t>1</m:t>
+                            </m:r>
+                          </m:e>
+                        </m:d>
+                      </m:e>
+                    </m:d>
+                    <m:r>
+                      <a:rPr lang="en-US" i="1">
+                        <a:latin typeface="Cambria Math" panose="02040503050406030204" pitchFamily="18" charset="0"/>
+                      </a:rPr>
+                      <m:t>=</m:t>
+                    </m:r>
+                    <m:r>
+                      <a:rPr lang="en-US" b="0" i="1" smtClean="0">
+                        <a:solidFill>
+                          <a:schemeClr val="tx1"/>
+                        </a:solidFill>
+                        <a:latin typeface="Cambria Math" panose="02040503050406030204" pitchFamily="18" charset="0"/>
+                      </a:rPr>
+                      <m:t>0</m:t>
+                    </m:r>
+                    <m:r>
+                      <a:rPr lang="en-US" i="1">
+                        <a:solidFill>
+                          <a:schemeClr val="tx1"/>
+                        </a:solidFill>
+                        <a:latin typeface="Cambria Math" panose="02040503050406030204" pitchFamily="18" charset="0"/>
+                      </a:rPr>
+                      <m:t>+</m:t>
+                    </m:r>
+                    <m:d>
+                      <m:dPr>
+                        <m:ctrlPr>
+                          <a:rPr lang="en-US" i="1">
+                            <a:solidFill>
+                              <a:schemeClr val="tx1"/>
+                            </a:solidFill>
+                            <a:latin typeface="Cambria Math" panose="02040503050406030204" pitchFamily="18" charset="0"/>
+                          </a:rPr>
+                        </m:ctrlPr>
+                      </m:dPr>
+                      <m:e>
+                        <m:r>
+                          <a:rPr lang="en-US" b="0" i="1" smtClean="0">
+                            <a:solidFill>
+                              <a:schemeClr val="tx1"/>
+                            </a:solidFill>
+                            <a:latin typeface="Cambria Math" panose="02040503050406030204" pitchFamily="18" charset="0"/>
+                          </a:rPr>
+                          <m:t>−100</m:t>
+                        </m:r>
+                        <m:r>
+                          <a:rPr lang="en-US" i="1">
+                            <a:solidFill>
+                              <a:schemeClr val="tx1"/>
+                            </a:solidFill>
+                            <a:latin typeface="Cambria Math" panose="02040503050406030204" pitchFamily="18" charset="0"/>
+                          </a:rPr>
+                          <m:t>+0</m:t>
+                        </m:r>
+                        <m:r>
+                          <a:rPr lang="en-US" b="0" i="1" smtClean="0">
+                            <a:solidFill>
+                              <a:schemeClr val="tx1"/>
+                            </a:solidFill>
+                            <a:latin typeface="Cambria Math" panose="02040503050406030204" pitchFamily="18" charset="0"/>
+                          </a:rPr>
+                          <m:t>−0</m:t>
+                        </m:r>
+                      </m:e>
+                    </m:d>
+                    <m:r>
+                      <a:rPr lang="en-US" i="1">
+                        <a:solidFill>
+                          <a:schemeClr val="tx1"/>
+                        </a:solidFill>
+                        <a:latin typeface="Cambria Math" panose="02040503050406030204" pitchFamily="18" charset="0"/>
+                      </a:rPr>
+                      <m:t>=</m:t>
+                    </m:r>
+                    <m:r>
+                      <a:rPr lang="en-US" b="0" i="1" smtClean="0">
+                        <a:solidFill>
+                          <a:srgbClr val="C00000"/>
+                        </a:solidFill>
+                        <a:latin typeface="Cambria Math" panose="02040503050406030204" pitchFamily="18" charset="0"/>
+                      </a:rPr>
+                      <m:t>−100</m:t>
+                    </m:r>
+                  </m:oMath>
+                </a14:m>
+                <a:endParaRPr lang="en-US" dirty="0">
+                  <a:solidFill>
+                    <a:schemeClr val="tx1"/>
+                  </a:solidFill>
+                </a:endParaRPr>
+              </a:p>
+              <a:p>
+                <a:r>
+                  <a:rPr lang="en-US" dirty="0">
+                    <a:solidFill>
+                      <a:schemeClr val="tx1"/>
+                    </a:solidFill>
+                  </a:rPr>
+                  <a:t>Suppose 2</a:t>
+                </a:r>
+                <a:r>
+                  <a:rPr lang="en-US" baseline="30000" dirty="0">
+                    <a:solidFill>
+                      <a:schemeClr val="tx1"/>
+                    </a:solidFill>
+                  </a:rPr>
+                  <a:t>nd</a:t>
+                </a:r>
+                <a:r>
+                  <a:rPr lang="en-US" dirty="0">
+                    <a:solidFill>
+                      <a:schemeClr val="tx1"/>
+                    </a:solidFill>
+                  </a:rPr>
+                  <a:t> episode EP2 is </a:t>
+                </a:r>
+                <a14:m>
+                  <m:oMath xmlns:m="http://schemas.openxmlformats.org/officeDocument/2006/math">
+                    <m:r>
+                      <a:rPr lang="en-US" i="1">
+                        <a:latin typeface="Cambria Math" panose="02040503050406030204" pitchFamily="18" charset="0"/>
+                      </a:rPr>
+                      <m:t>(</m:t>
+                    </m:r>
+                    <m:r>
+                      <a:rPr lang="en-US" i="1">
+                        <a:latin typeface="Cambria Math" panose="02040503050406030204" pitchFamily="18" charset="0"/>
+                      </a:rPr>
+                      <m:t>𝐵</m:t>
+                    </m:r>
+                    <m:r>
+                      <a:rPr lang="en-US" i="1">
+                        <a:latin typeface="Cambria Math" panose="02040503050406030204" pitchFamily="18" charset="0"/>
+                      </a:rPr>
+                      <m:t>,</m:t>
+                    </m:r>
+                    <m:r>
+                      <a:rPr lang="en-US" b="0" i="1" smtClean="0">
+                        <a:latin typeface="Cambria Math" panose="02040503050406030204" pitchFamily="18" charset="0"/>
+                      </a:rPr>
+                      <m:t>𝑎</m:t>
+                    </m:r>
+                    <m:r>
+                      <a:rPr lang="en-US" b="0" i="1" smtClean="0">
+                        <a:latin typeface="Cambria Math" panose="02040503050406030204" pitchFamily="18" charset="0"/>
+                      </a:rPr>
+                      <m:t>1, 1,</m:t>
+                    </m:r>
+                    <m:r>
+                      <a:rPr lang="en-US" b="0" i="1" smtClean="0">
+                        <a:latin typeface="Cambria Math" panose="02040503050406030204" pitchFamily="18" charset="0"/>
+                      </a:rPr>
+                      <m:t>𝐶</m:t>
+                    </m:r>
+                    <m:r>
+                      <a:rPr lang="en-US" i="1">
+                        <a:latin typeface="Cambria Math" panose="02040503050406030204" pitchFamily="18" charset="0"/>
+                      </a:rPr>
+                      <m:t>,</m:t>
+                    </m:r>
+                    <m:r>
+                      <a:rPr lang="en-US" b="0" i="1" smtClean="0">
+                        <a:latin typeface="Cambria Math" panose="02040503050406030204" pitchFamily="18" charset="0"/>
+                      </a:rPr>
+                      <m:t>𝑎</m:t>
+                    </m:r>
+                    <m:r>
+                      <a:rPr lang="en-US" i="1">
+                        <a:latin typeface="Cambria Math" panose="02040503050406030204" pitchFamily="18" charset="0"/>
+                      </a:rPr>
+                      <m:t>1,</m:t>
+                    </m:r>
+                    <m:r>
+                      <a:rPr lang="en-US" b="0" i="1" smtClean="0">
+                        <a:latin typeface="Cambria Math" panose="02040503050406030204" pitchFamily="18" charset="0"/>
+                      </a:rPr>
+                      <m:t> 1, </m:t>
+                    </m:r>
+                    <m:r>
+                      <a:rPr lang="en-US" b="0" i="1" smtClean="0">
+                        <a:latin typeface="Cambria Math" panose="02040503050406030204" pitchFamily="18" charset="0"/>
+                      </a:rPr>
+                      <m:t>𝑇</m:t>
+                    </m:r>
+                    <m:r>
+                      <a:rPr lang="en-US" i="1">
+                        <a:latin typeface="Cambria Math" panose="02040503050406030204" pitchFamily="18" charset="0"/>
+                      </a:rPr>
+                      <m:t>)</m:t>
+                    </m:r>
+                  </m:oMath>
+                </a14:m>
+                <a:r>
+                  <a:rPr lang="en-US" dirty="0">
+                    <a:solidFill>
+                      <a:schemeClr val="tx1"/>
+                    </a:solidFill>
+                  </a:rPr>
+                  <a:t>. After EP2:</a:t>
+                </a:r>
+                <a:endParaRPr lang="en-US" i="1" dirty="0">
+                  <a:latin typeface="Cambria Math" panose="02040503050406030204" pitchFamily="18" charset="0"/>
+                </a:endParaRPr>
+              </a:p>
+              <a:p>
+                <a14:m>
+                  <m:oMath xmlns:m="http://schemas.openxmlformats.org/officeDocument/2006/math">
+                    <m:r>
+                      <a:rPr lang="en-US" i="1">
+                        <a:latin typeface="Cambria Math" panose="02040503050406030204" pitchFamily="18" charset="0"/>
+                      </a:rPr>
+                      <m:t>𝑄</m:t>
+                    </m:r>
+                    <m:d>
+                      <m:dPr>
+                        <m:ctrlPr>
+                          <a:rPr lang="en-US" i="1">
+                            <a:latin typeface="Cambria Math" panose="02040503050406030204" pitchFamily="18" charset="0"/>
+                          </a:rPr>
+                        </m:ctrlPr>
+                      </m:dPr>
+                      <m:e>
+                        <m:r>
+                          <a:rPr lang="en-US" i="1">
+                            <a:latin typeface="Cambria Math" panose="02040503050406030204" pitchFamily="18" charset="0"/>
+                          </a:rPr>
+                          <m:t>𝐵</m:t>
+                        </m:r>
+                        <m:r>
+                          <a:rPr lang="en-US" i="1">
+                            <a:latin typeface="Cambria Math" panose="02040503050406030204" pitchFamily="18" charset="0"/>
+                          </a:rPr>
+                          <m:t>,</m:t>
+                        </m:r>
+                        <m:r>
+                          <a:rPr lang="en-US" i="1">
+                            <a:latin typeface="Cambria Math" panose="02040503050406030204" pitchFamily="18" charset="0"/>
+                          </a:rPr>
+                          <m:t>𝑎</m:t>
+                        </m:r>
+                        <m:r>
+                          <a:rPr lang="en-US" b="0" i="1" smtClean="0">
+                            <a:latin typeface="Cambria Math" panose="02040503050406030204" pitchFamily="18" charset="0"/>
+                          </a:rPr>
+                          <m:t>1</m:t>
+                        </m:r>
+                      </m:e>
+                    </m:d>
+                    <m:r>
+                      <a:rPr lang="en-US" i="1">
+                        <a:latin typeface="Cambria Math" panose="02040503050406030204" pitchFamily="18" charset="0"/>
+                      </a:rPr>
+                      <m:t>←</m:t>
+                    </m:r>
+                    <m:r>
+                      <a:rPr lang="en-US" i="1">
+                        <a:latin typeface="Cambria Math" panose="02040503050406030204" pitchFamily="18" charset="0"/>
+                      </a:rPr>
+                      <m:t>𝑄</m:t>
+                    </m:r>
+                    <m:d>
+                      <m:dPr>
+                        <m:ctrlPr>
+                          <a:rPr lang="en-US" i="1">
+                            <a:latin typeface="Cambria Math" panose="02040503050406030204" pitchFamily="18" charset="0"/>
+                          </a:rPr>
+                        </m:ctrlPr>
+                      </m:dPr>
+                      <m:e>
+                        <m:r>
+                          <a:rPr lang="en-US" i="1">
+                            <a:latin typeface="Cambria Math" panose="02040503050406030204" pitchFamily="18" charset="0"/>
+                          </a:rPr>
+                          <m:t>𝐵</m:t>
+                        </m:r>
+                        <m:r>
+                          <a:rPr lang="en-US" i="1">
+                            <a:latin typeface="Cambria Math" panose="02040503050406030204" pitchFamily="18" charset="0"/>
+                          </a:rPr>
+                          <m:t>,</m:t>
+                        </m:r>
+                        <m:r>
+                          <a:rPr lang="en-US" i="1">
+                            <a:latin typeface="Cambria Math" panose="02040503050406030204" pitchFamily="18" charset="0"/>
+                          </a:rPr>
+                          <m:t>𝑎</m:t>
+                        </m:r>
+                        <m:r>
+                          <a:rPr lang="en-US" b="0" i="1" smtClean="0">
+                            <a:latin typeface="Cambria Math" panose="02040503050406030204" pitchFamily="18" charset="0"/>
+                          </a:rPr>
+                          <m:t>1</m:t>
+                        </m:r>
+                      </m:e>
+                    </m:d>
+                    <m:r>
+                      <a:rPr lang="en-US" i="1">
+                        <a:latin typeface="Cambria Math" panose="02040503050406030204" pitchFamily="18" charset="0"/>
+                      </a:rPr>
+                      <m:t>+</m:t>
+                    </m:r>
+                    <m:r>
+                      <a:rPr lang="en-US" i="1">
+                        <a:latin typeface="Cambria Math" panose="02040503050406030204" pitchFamily="18" charset="0"/>
+                      </a:rPr>
+                      <m:t>𝛼</m:t>
+                    </m:r>
+                    <m:d>
+                      <m:dPr>
+                        <m:ctrlPr>
+                          <a:rPr lang="en-US" i="1">
+                            <a:latin typeface="Cambria Math" panose="02040503050406030204" pitchFamily="18" charset="0"/>
+                          </a:rPr>
+                        </m:ctrlPr>
+                      </m:dPr>
+                      <m:e>
+                        <m:sSub>
+                          <m:sSubPr>
+                            <m:ctrlPr>
+                              <a:rPr lang="en-US" i="1">
+                                <a:latin typeface="Cambria Math" panose="02040503050406030204" pitchFamily="18" charset="0"/>
+                              </a:rPr>
+                            </m:ctrlPr>
+                          </m:sSubPr>
+                          <m:e>
+                            <m:r>
+                              <a:rPr lang="en-US" i="1">
+                                <a:latin typeface="Cambria Math" panose="02040503050406030204" pitchFamily="18" charset="0"/>
+                              </a:rPr>
+                              <m:t>𝑅</m:t>
+                            </m:r>
+                          </m:e>
+                          <m:sub>
+                            <m:r>
+                              <a:rPr lang="en-US" i="1">
+                                <a:latin typeface="Cambria Math" panose="02040503050406030204" pitchFamily="18" charset="0"/>
+                              </a:rPr>
+                              <m:t>𝑡</m:t>
+                            </m:r>
+                            <m:r>
+                              <a:rPr lang="en-US" i="1">
+                                <a:latin typeface="Cambria Math" panose="02040503050406030204" pitchFamily="18" charset="0"/>
+                              </a:rPr>
+                              <m:t>+1</m:t>
+                            </m:r>
+                          </m:sub>
+                        </m:sSub>
+                        <m:r>
+                          <a:rPr lang="en-US" i="1">
+                            <a:latin typeface="Cambria Math" panose="02040503050406030204" pitchFamily="18" charset="0"/>
+                          </a:rPr>
+                          <m:t>+</m:t>
+                        </m:r>
+                        <m:r>
+                          <a:rPr lang="en-US" i="1">
+                            <a:latin typeface="Cambria Math" panose="02040503050406030204" pitchFamily="18" charset="0"/>
+                          </a:rPr>
+                          <m:t>𝛾</m:t>
+                        </m:r>
+                        <m:r>
+                          <a:rPr lang="en-US" i="1">
+                            <a:latin typeface="Cambria Math" panose="02040503050406030204" pitchFamily="18" charset="0"/>
+                          </a:rPr>
+                          <m:t>𝑄</m:t>
+                        </m:r>
+                        <m:d>
+                          <m:dPr>
+                            <m:ctrlPr>
+                              <a:rPr lang="en-US" i="1">
+                                <a:latin typeface="Cambria Math" panose="02040503050406030204" pitchFamily="18" charset="0"/>
+                              </a:rPr>
+                            </m:ctrlPr>
+                          </m:dPr>
+                          <m:e>
+                            <m:r>
+                              <a:rPr lang="en-US" i="1">
+                                <a:latin typeface="Cambria Math" panose="02040503050406030204" pitchFamily="18" charset="0"/>
+                              </a:rPr>
+                              <m:t>𝐷</m:t>
+                            </m:r>
+                            <m:r>
+                              <a:rPr lang="en-US" i="1">
+                                <a:latin typeface="Cambria Math" panose="02040503050406030204" pitchFamily="18" charset="0"/>
+                              </a:rPr>
+                              <m:t>,</m:t>
+                            </m:r>
+                            <m:r>
+                              <a:rPr lang="en-US" b="0" i="1" smtClean="0">
+                                <a:latin typeface="Cambria Math" panose="02040503050406030204" pitchFamily="18" charset="0"/>
+                              </a:rPr>
+                              <m:t>𝑎</m:t>
+                            </m:r>
+                            <m:r>
+                              <a:rPr lang="en-US" b="0" i="1" smtClean="0">
+                                <a:latin typeface="Cambria Math" panose="02040503050406030204" pitchFamily="18" charset="0"/>
+                              </a:rPr>
+                              <m:t>1</m:t>
+                            </m:r>
+                          </m:e>
+                        </m:d>
+                        <m:r>
+                          <a:rPr lang="en-US" i="1">
+                            <a:latin typeface="Cambria Math" panose="02040503050406030204" pitchFamily="18" charset="0"/>
+                          </a:rPr>
+                          <m:t>−</m:t>
+                        </m:r>
+                        <m:r>
+                          <a:rPr lang="en-US" i="1">
+                            <a:latin typeface="Cambria Math" panose="02040503050406030204" pitchFamily="18" charset="0"/>
+                          </a:rPr>
+                          <m:t>𝑄</m:t>
+                        </m:r>
+                        <m:d>
+                          <m:dPr>
+                            <m:ctrlPr>
+                              <a:rPr lang="en-US" i="1">
+                                <a:latin typeface="Cambria Math" panose="02040503050406030204" pitchFamily="18" charset="0"/>
+                              </a:rPr>
+                            </m:ctrlPr>
+                          </m:dPr>
+                          <m:e>
+                            <m:r>
+                              <a:rPr lang="en-US" i="1">
+                                <a:latin typeface="Cambria Math" panose="02040503050406030204" pitchFamily="18" charset="0"/>
+                              </a:rPr>
+                              <m:t>𝐵</m:t>
+                            </m:r>
+                            <m:r>
+                              <a:rPr lang="en-US" i="1">
+                                <a:latin typeface="Cambria Math" panose="02040503050406030204" pitchFamily="18" charset="0"/>
+                              </a:rPr>
+                              <m:t>,</m:t>
+                            </m:r>
+                            <m:r>
+                              <a:rPr lang="en-US" i="1">
+                                <a:latin typeface="Cambria Math" panose="02040503050406030204" pitchFamily="18" charset="0"/>
+                              </a:rPr>
+                              <m:t>𝑎</m:t>
+                            </m:r>
+                            <m:r>
+                              <a:rPr lang="en-US" b="0" i="1" smtClean="0">
+                                <a:latin typeface="Cambria Math" panose="02040503050406030204" pitchFamily="18" charset="0"/>
+                              </a:rPr>
+                              <m:t>1</m:t>
+                            </m:r>
+                          </m:e>
+                        </m:d>
+                      </m:e>
+                    </m:d>
+                    <m:r>
+                      <a:rPr lang="en-US" i="1">
+                        <a:latin typeface="Cambria Math" panose="02040503050406030204" pitchFamily="18" charset="0"/>
+                      </a:rPr>
+                      <m:t>=</m:t>
+                    </m:r>
+                    <m:r>
+                      <a:rPr lang="en-US" b="0" i="1" smtClean="0">
+                        <a:latin typeface="Cambria Math" panose="02040503050406030204" pitchFamily="18" charset="0"/>
+                      </a:rPr>
+                      <m:t>0</m:t>
+                    </m:r>
+                    <m:r>
+                      <a:rPr lang="en-US" i="1">
+                        <a:latin typeface="Cambria Math" panose="02040503050406030204" pitchFamily="18" charset="0"/>
+                      </a:rPr>
+                      <m:t>+</m:t>
+                    </m:r>
+                    <m:d>
+                      <m:dPr>
+                        <m:ctrlPr>
+                          <a:rPr lang="en-US" i="1">
+                            <a:latin typeface="Cambria Math" panose="02040503050406030204" pitchFamily="18" charset="0"/>
+                          </a:rPr>
+                        </m:ctrlPr>
+                      </m:dPr>
+                      <m:e>
+                        <m:r>
+                          <a:rPr lang="en-US" b="0" i="1" smtClean="0">
+                            <a:latin typeface="Cambria Math" panose="02040503050406030204" pitchFamily="18" charset="0"/>
+                          </a:rPr>
+                          <m:t>1</m:t>
+                        </m:r>
+                        <m:r>
+                          <a:rPr lang="en-US" b="0" i="1" smtClean="0">
+                            <a:solidFill>
+                              <a:schemeClr val="tx1"/>
+                            </a:solidFill>
+                            <a:latin typeface="Cambria Math" panose="02040503050406030204" pitchFamily="18" charset="0"/>
+                          </a:rPr>
+                          <m:t>+0</m:t>
+                        </m:r>
+                        <m:r>
+                          <a:rPr lang="en-US" b="0" i="1" smtClean="0">
+                            <a:latin typeface="Cambria Math" panose="02040503050406030204" pitchFamily="18" charset="0"/>
+                          </a:rPr>
+                          <m:t>−0</m:t>
+                        </m:r>
+                      </m:e>
+                    </m:d>
+                    <m:r>
+                      <a:rPr lang="en-US" b="0" i="1" smtClean="0">
+                        <a:latin typeface="Cambria Math" panose="02040503050406030204" pitchFamily="18" charset="0"/>
+                      </a:rPr>
+                      <m:t>=</m:t>
+                    </m:r>
+                    <m:r>
+                      <a:rPr lang="en-US" b="0" i="1" smtClean="0">
+                        <a:solidFill>
+                          <a:srgbClr val="C00000"/>
+                        </a:solidFill>
+                        <a:latin typeface="Cambria Math" panose="02040503050406030204" pitchFamily="18" charset="0"/>
+                      </a:rPr>
+                      <m:t>1</m:t>
+                    </m:r>
+                  </m:oMath>
+                </a14:m>
+                <a:endParaRPr lang="en-US" dirty="0"/>
+              </a:p>
+              <a:p>
+                <a14:m>
+                  <m:oMath xmlns:m="http://schemas.openxmlformats.org/officeDocument/2006/math">
+                    <m:r>
+                      <a:rPr lang="en-US" i="1">
+                        <a:latin typeface="Cambria Math" panose="02040503050406030204" pitchFamily="18" charset="0"/>
+                      </a:rPr>
+                      <m:t>𝑄</m:t>
+                    </m:r>
+                    <m:d>
+                      <m:dPr>
+                        <m:ctrlPr>
+                          <a:rPr lang="en-US" i="1">
+                            <a:latin typeface="Cambria Math" panose="02040503050406030204" pitchFamily="18" charset="0"/>
+                          </a:rPr>
+                        </m:ctrlPr>
+                      </m:dPr>
+                      <m:e>
+                        <m:r>
+                          <a:rPr lang="en-US" b="0" i="1" smtClean="0">
+                            <a:latin typeface="Cambria Math" panose="02040503050406030204" pitchFamily="18" charset="0"/>
+                          </a:rPr>
+                          <m:t>𝐶</m:t>
+                        </m:r>
+                        <m:r>
+                          <a:rPr lang="en-US" i="1">
+                            <a:latin typeface="Cambria Math" panose="02040503050406030204" pitchFamily="18" charset="0"/>
+                          </a:rPr>
+                          <m:t>,</m:t>
+                        </m:r>
+                        <m:r>
+                          <a:rPr lang="en-US" i="1">
+                            <a:latin typeface="Cambria Math" panose="02040503050406030204" pitchFamily="18" charset="0"/>
+                          </a:rPr>
+                          <m:t>𝑎</m:t>
+                        </m:r>
+                        <m:r>
+                          <a:rPr lang="en-US" b="0" i="1" smtClean="0">
+                            <a:latin typeface="Cambria Math" panose="02040503050406030204" pitchFamily="18" charset="0"/>
+                          </a:rPr>
+                          <m:t>1</m:t>
+                        </m:r>
+                      </m:e>
+                    </m:d>
+                    <m:r>
+                      <a:rPr lang="en-US" i="1">
+                        <a:latin typeface="Cambria Math" panose="02040503050406030204" pitchFamily="18" charset="0"/>
+                      </a:rPr>
+                      <m:t>←</m:t>
+                    </m:r>
+                    <m:r>
+                      <a:rPr lang="en-US" i="1">
+                        <a:latin typeface="Cambria Math" panose="02040503050406030204" pitchFamily="18" charset="0"/>
+                      </a:rPr>
+                      <m:t>𝑄</m:t>
+                    </m:r>
+                    <m:d>
+                      <m:dPr>
+                        <m:ctrlPr>
+                          <a:rPr lang="en-US" i="1">
+                            <a:latin typeface="Cambria Math" panose="02040503050406030204" pitchFamily="18" charset="0"/>
+                          </a:rPr>
+                        </m:ctrlPr>
+                      </m:dPr>
+                      <m:e>
+                        <m:r>
+                          <a:rPr lang="en-US" b="0" i="1" smtClean="0">
+                            <a:latin typeface="Cambria Math" panose="02040503050406030204" pitchFamily="18" charset="0"/>
+                          </a:rPr>
+                          <m:t>𝐶</m:t>
+                        </m:r>
+                        <m:r>
+                          <a:rPr lang="en-US" i="1">
+                            <a:latin typeface="Cambria Math" panose="02040503050406030204" pitchFamily="18" charset="0"/>
+                          </a:rPr>
+                          <m:t>,</m:t>
+                        </m:r>
+                        <m:r>
+                          <a:rPr lang="en-US" i="1">
+                            <a:latin typeface="Cambria Math" panose="02040503050406030204" pitchFamily="18" charset="0"/>
+                          </a:rPr>
+                          <m:t>𝑎</m:t>
+                        </m:r>
+                        <m:r>
+                          <a:rPr lang="en-US" i="1">
+                            <a:latin typeface="Cambria Math" panose="02040503050406030204" pitchFamily="18" charset="0"/>
+                          </a:rPr>
+                          <m:t>1</m:t>
+                        </m:r>
+                      </m:e>
+                    </m:d>
+                    <m:r>
+                      <a:rPr lang="en-US" i="1">
+                        <a:latin typeface="Cambria Math" panose="02040503050406030204" pitchFamily="18" charset="0"/>
+                      </a:rPr>
+                      <m:t>+</m:t>
+                    </m:r>
+                    <m:r>
+                      <a:rPr lang="en-US" i="1">
+                        <a:latin typeface="Cambria Math" panose="02040503050406030204" pitchFamily="18" charset="0"/>
+                      </a:rPr>
+                      <m:t>𝛼</m:t>
+                    </m:r>
+                    <m:d>
+                      <m:dPr>
+                        <m:ctrlPr>
+                          <a:rPr lang="en-US" i="1">
+                            <a:latin typeface="Cambria Math" panose="02040503050406030204" pitchFamily="18" charset="0"/>
+                          </a:rPr>
+                        </m:ctrlPr>
+                      </m:dPr>
+                      <m:e>
+                        <m:sSub>
+                          <m:sSubPr>
+                            <m:ctrlPr>
+                              <a:rPr lang="en-US" i="1">
+                                <a:latin typeface="Cambria Math" panose="02040503050406030204" pitchFamily="18" charset="0"/>
+                              </a:rPr>
+                            </m:ctrlPr>
+                          </m:sSubPr>
+                          <m:e>
+                            <m:r>
+                              <a:rPr lang="en-US" i="1">
+                                <a:latin typeface="Cambria Math" panose="02040503050406030204" pitchFamily="18" charset="0"/>
+                              </a:rPr>
+                              <m:t>𝑅</m:t>
+                            </m:r>
+                          </m:e>
+                          <m:sub>
+                            <m:r>
+                              <a:rPr lang="en-US" i="1">
+                                <a:latin typeface="Cambria Math" panose="02040503050406030204" pitchFamily="18" charset="0"/>
+                              </a:rPr>
+                              <m:t>𝑡</m:t>
+                            </m:r>
+                            <m:r>
+                              <a:rPr lang="en-US" i="1">
+                                <a:latin typeface="Cambria Math" panose="02040503050406030204" pitchFamily="18" charset="0"/>
+                              </a:rPr>
+                              <m:t>+1</m:t>
+                            </m:r>
+                          </m:sub>
+                        </m:sSub>
+                        <m:r>
+                          <a:rPr lang="en-US" i="1">
+                            <a:latin typeface="Cambria Math" panose="02040503050406030204" pitchFamily="18" charset="0"/>
+                          </a:rPr>
+                          <m:t>+</m:t>
+                        </m:r>
+                        <m:r>
+                          <a:rPr lang="en-US" i="1">
+                            <a:latin typeface="Cambria Math" panose="02040503050406030204" pitchFamily="18" charset="0"/>
+                          </a:rPr>
+                          <m:t>𝛾</m:t>
+                        </m:r>
+                        <m:r>
+                          <a:rPr lang="en-US" i="1">
+                            <a:latin typeface="Cambria Math" panose="02040503050406030204" pitchFamily="18" charset="0"/>
+                          </a:rPr>
+                          <m:t>𝑄</m:t>
+                        </m:r>
+                        <m:d>
+                          <m:dPr>
+                            <m:ctrlPr>
+                              <a:rPr lang="en-US" i="1">
+                                <a:latin typeface="Cambria Math" panose="02040503050406030204" pitchFamily="18" charset="0"/>
+                              </a:rPr>
+                            </m:ctrlPr>
+                          </m:dPr>
+                          <m:e>
+                            <m:r>
+                              <a:rPr lang="en-US" i="1">
+                                <a:latin typeface="Cambria Math" panose="02040503050406030204" pitchFamily="18" charset="0"/>
+                              </a:rPr>
+                              <m:t>𝑇</m:t>
+                            </m:r>
+                            <m:r>
+                              <a:rPr lang="en-US" i="1">
+                                <a:latin typeface="Cambria Math" panose="02040503050406030204" pitchFamily="18" charset="0"/>
+                              </a:rPr>
+                              <m:t>,−</m:t>
+                            </m:r>
+                          </m:e>
+                        </m:d>
+                        <m:r>
+                          <a:rPr lang="en-US" i="1">
+                            <a:latin typeface="Cambria Math" panose="02040503050406030204" pitchFamily="18" charset="0"/>
+                          </a:rPr>
+                          <m:t>−</m:t>
+                        </m:r>
+                        <m:r>
+                          <a:rPr lang="en-US" i="1">
+                            <a:latin typeface="Cambria Math" panose="02040503050406030204" pitchFamily="18" charset="0"/>
+                          </a:rPr>
+                          <m:t>𝑄</m:t>
+                        </m:r>
+                        <m:d>
+                          <m:dPr>
+                            <m:ctrlPr>
+                              <a:rPr lang="en-US" i="1">
+                                <a:latin typeface="Cambria Math" panose="02040503050406030204" pitchFamily="18" charset="0"/>
+                              </a:rPr>
+                            </m:ctrlPr>
+                          </m:dPr>
+                          <m:e>
+                            <m:r>
+                              <a:rPr lang="en-US" b="0" i="1" smtClean="0">
+                                <a:latin typeface="Cambria Math" panose="02040503050406030204" pitchFamily="18" charset="0"/>
+                              </a:rPr>
+                              <m:t>𝐶</m:t>
+                            </m:r>
+                            <m:r>
+                              <a:rPr lang="en-US" i="1">
+                                <a:latin typeface="Cambria Math" panose="02040503050406030204" pitchFamily="18" charset="0"/>
+                              </a:rPr>
+                              <m:t>,</m:t>
+                            </m:r>
+                            <m:r>
+                              <a:rPr lang="en-US" i="1">
+                                <a:latin typeface="Cambria Math" panose="02040503050406030204" pitchFamily="18" charset="0"/>
+                              </a:rPr>
+                              <m:t>𝑎</m:t>
+                            </m:r>
+                            <m:r>
+                              <a:rPr lang="en-US" i="1">
+                                <a:latin typeface="Cambria Math" panose="02040503050406030204" pitchFamily="18" charset="0"/>
+                              </a:rPr>
+                              <m:t>1</m:t>
+                            </m:r>
+                          </m:e>
+                        </m:d>
+                      </m:e>
+                    </m:d>
+                    <m:r>
+                      <a:rPr lang="en-US" i="1">
+                        <a:latin typeface="Cambria Math" panose="02040503050406030204" pitchFamily="18" charset="0"/>
+                      </a:rPr>
+                      <m:t>=</m:t>
+                    </m:r>
+                    <m:r>
+                      <a:rPr lang="en-US" b="0" i="1" smtClean="0">
+                        <a:latin typeface="Cambria Math" panose="02040503050406030204" pitchFamily="18" charset="0"/>
+                      </a:rPr>
+                      <m:t>0</m:t>
+                    </m:r>
+                    <m:r>
+                      <a:rPr lang="en-US" i="1">
+                        <a:latin typeface="Cambria Math" panose="02040503050406030204" pitchFamily="18" charset="0"/>
+                      </a:rPr>
+                      <m:t>+</m:t>
+                    </m:r>
+                    <m:d>
+                      <m:dPr>
+                        <m:ctrlPr>
+                          <a:rPr lang="en-US" i="1">
+                            <a:latin typeface="Cambria Math" panose="02040503050406030204" pitchFamily="18" charset="0"/>
+                          </a:rPr>
+                        </m:ctrlPr>
+                      </m:dPr>
+                      <m:e>
+                        <m:r>
+                          <a:rPr lang="en-US" b="0" i="1" smtClean="0">
+                            <a:latin typeface="Cambria Math" panose="02040503050406030204" pitchFamily="18" charset="0"/>
+                          </a:rPr>
+                          <m:t>1</m:t>
+                        </m:r>
+                        <m:r>
+                          <a:rPr lang="en-US" i="1">
+                            <a:latin typeface="Cambria Math" panose="02040503050406030204" pitchFamily="18" charset="0"/>
+                          </a:rPr>
+                          <m:t>+0</m:t>
+                        </m:r>
+                        <m:r>
+                          <a:rPr lang="en-US" b="0" i="1" smtClean="0">
+                            <a:latin typeface="Cambria Math" panose="02040503050406030204" pitchFamily="18" charset="0"/>
+                          </a:rPr>
+                          <m:t>−0</m:t>
+                        </m:r>
+                      </m:e>
+                    </m:d>
+                    <m:r>
+                      <a:rPr lang="en-US" i="1">
+                        <a:latin typeface="Cambria Math" panose="02040503050406030204" pitchFamily="18" charset="0"/>
+                      </a:rPr>
+                      <m:t>=</m:t>
+                    </m:r>
+                    <m:r>
+                      <a:rPr lang="en-US" b="0" i="1" smtClean="0">
+                        <a:solidFill>
+                          <a:srgbClr val="C00000"/>
+                        </a:solidFill>
+                        <a:latin typeface="Cambria Math" panose="02040503050406030204" pitchFamily="18" charset="0"/>
+                      </a:rPr>
+                      <m:t>1</m:t>
+                    </m:r>
+                  </m:oMath>
+                </a14:m>
+                <a:endParaRPr lang="en-US" dirty="0"/>
+              </a:p>
+              <a:p>
+                <a:r>
+                  <a:rPr lang="en-US" dirty="0"/>
+                  <a:t>In 3</a:t>
+                </a:r>
+                <a:r>
+                  <a:rPr lang="en-US" baseline="30000" dirty="0"/>
+                  <a:t>rd</a:t>
+                </a:r>
+                <a:r>
+                  <a:rPr lang="en-US" dirty="0"/>
+                  <a:t> episode, greedy policy </a:t>
+                </a:r>
+                <a14:m>
+                  <m:oMath xmlns:m="http://schemas.openxmlformats.org/officeDocument/2006/math">
+                    <m:r>
+                      <a:rPr lang="en-US" b="0" i="1" smtClean="0">
+                        <a:latin typeface="Cambria Math" panose="02040503050406030204" pitchFamily="18" charset="0"/>
+                      </a:rPr>
+                      <m:t>𝜋</m:t>
+                    </m:r>
+                    <m:d>
+                      <m:dPr>
+                        <m:ctrlPr>
+                          <a:rPr lang="en-US" b="0" i="1" smtClean="0">
+                            <a:latin typeface="Cambria Math" panose="02040503050406030204" pitchFamily="18" charset="0"/>
+                          </a:rPr>
+                        </m:ctrlPr>
+                      </m:dPr>
+                      <m:e>
+                        <m:r>
+                          <a:rPr lang="en-US" b="0" i="1" smtClean="0">
+                            <a:latin typeface="Cambria Math" panose="02040503050406030204" pitchFamily="18" charset="0"/>
+                          </a:rPr>
+                          <m:t>𝐵</m:t>
+                        </m:r>
+                      </m:e>
+                    </m:d>
+                    <m:r>
+                      <a:rPr lang="en-US" b="0" i="1" smtClean="0">
+                        <a:latin typeface="Cambria Math" panose="02040503050406030204" pitchFamily="18" charset="0"/>
+                      </a:rPr>
+                      <m:t>=</m:t>
+                    </m:r>
+                    <m:func>
+                      <m:funcPr>
+                        <m:ctrlPr>
+                          <a:rPr lang="en-US" b="0" i="1" smtClean="0">
+                            <a:latin typeface="Cambria Math" panose="02040503050406030204" pitchFamily="18" charset="0"/>
+                          </a:rPr>
+                        </m:ctrlPr>
+                      </m:funcPr>
+                      <m:fName>
+                        <m:sSub>
+                          <m:sSubPr>
+                            <m:ctrlPr>
+                              <a:rPr lang="en-US" b="0" i="1" smtClean="0">
+                                <a:latin typeface="Cambria Math" panose="02040503050406030204" pitchFamily="18" charset="0"/>
+                              </a:rPr>
+                            </m:ctrlPr>
+                          </m:sSubPr>
+                          <m:e>
+                            <m:r>
+                              <m:rPr>
+                                <m:sty m:val="p"/>
+                              </m:rPr>
+                              <a:rPr lang="en-US" b="0" i="0" smtClean="0">
+                                <a:latin typeface="Cambria Math" panose="02040503050406030204" pitchFamily="18" charset="0"/>
+                              </a:rPr>
+                              <m:t>argmax</m:t>
+                            </m:r>
+                          </m:e>
+                          <m:sub>
+                            <m:r>
+                              <m:rPr>
+                                <m:sty m:val="p"/>
+                              </m:rPr>
+                              <a:rPr lang="en-US" b="0" i="0" smtClean="0">
+                                <a:latin typeface="Cambria Math" panose="02040503050406030204" pitchFamily="18" charset="0"/>
+                              </a:rPr>
+                              <m:t>a</m:t>
+                            </m:r>
+                          </m:sub>
+                        </m:sSub>
+                      </m:fName>
+                      <m:e>
+                        <m:r>
+                          <a:rPr lang="en-US" b="0" i="1" smtClean="0">
+                            <a:latin typeface="Cambria Math" panose="02040503050406030204" pitchFamily="18" charset="0"/>
+                          </a:rPr>
+                          <m:t>𝑄</m:t>
+                        </m:r>
+                        <m:r>
+                          <a:rPr lang="en-US" b="0" i="1" smtClean="0">
+                            <a:latin typeface="Cambria Math" panose="02040503050406030204" pitchFamily="18" charset="0"/>
+                          </a:rPr>
+                          <m:t>(</m:t>
+                        </m:r>
+                        <m:r>
+                          <a:rPr lang="en-US" b="0" i="1" smtClean="0">
+                            <a:latin typeface="Cambria Math" panose="02040503050406030204" pitchFamily="18" charset="0"/>
+                          </a:rPr>
+                          <m:t>𝐵</m:t>
+                        </m:r>
+                        <m:r>
+                          <a:rPr lang="en-US" b="0" i="1" smtClean="0">
+                            <a:latin typeface="Cambria Math" panose="02040503050406030204" pitchFamily="18" charset="0"/>
+                          </a:rPr>
+                          <m:t>,</m:t>
+                        </m:r>
+                        <m:r>
+                          <a:rPr lang="en-US" b="0" i="1" smtClean="0">
+                            <a:latin typeface="Cambria Math" panose="02040503050406030204" pitchFamily="18" charset="0"/>
+                          </a:rPr>
+                          <m:t>𝑎</m:t>
+                        </m:r>
+                        <m:r>
+                          <a:rPr lang="en-US" b="0" i="1" smtClean="0">
+                            <a:latin typeface="Cambria Math" panose="02040503050406030204" pitchFamily="18" charset="0"/>
+                          </a:rPr>
+                          <m:t>)</m:t>
+                        </m:r>
+                      </m:e>
+                    </m:func>
+                    <m:r>
+                      <a:rPr lang="en-US" i="1">
+                        <a:latin typeface="Cambria Math" panose="02040503050406030204" pitchFamily="18" charset="0"/>
+                      </a:rPr>
+                      <m:t>=</m:t>
+                    </m:r>
+                    <m:r>
+                      <a:rPr lang="en-US" i="1">
+                        <a:latin typeface="Cambria Math" panose="02040503050406030204" pitchFamily="18" charset="0"/>
+                      </a:rPr>
+                      <m:t>𝑎</m:t>
+                    </m:r>
+                    <m:r>
+                      <a:rPr lang="en-US" i="1">
+                        <a:latin typeface="Cambria Math" panose="02040503050406030204" pitchFamily="18" charset="0"/>
+                      </a:rPr>
+                      <m:t>1,</m:t>
+                    </m:r>
+                    <m:r>
+                      <a:rPr lang="en-US" i="1">
+                        <a:latin typeface="Cambria Math" panose="02040503050406030204" pitchFamily="18" charset="0"/>
+                      </a:rPr>
+                      <m:t>𝜋</m:t>
+                    </m:r>
+                    <m:d>
+                      <m:dPr>
+                        <m:ctrlPr>
+                          <a:rPr lang="en-US" i="1">
+                            <a:latin typeface="Cambria Math" panose="02040503050406030204" pitchFamily="18" charset="0"/>
+                          </a:rPr>
+                        </m:ctrlPr>
+                      </m:dPr>
+                      <m:e>
+                        <m:r>
+                          <a:rPr lang="en-US" b="0" i="1" smtClean="0">
+                            <a:latin typeface="Cambria Math" panose="02040503050406030204" pitchFamily="18" charset="0"/>
+                          </a:rPr>
+                          <m:t>𝐶</m:t>
+                        </m:r>
+                      </m:e>
+                    </m:d>
+                    <m:r>
+                      <a:rPr lang="en-US" i="1">
+                        <a:latin typeface="Cambria Math" panose="02040503050406030204" pitchFamily="18" charset="0"/>
+                      </a:rPr>
+                      <m:t>=</m:t>
+                    </m:r>
+                    <m:func>
+                      <m:funcPr>
+                        <m:ctrlPr>
+                          <a:rPr lang="en-US" i="1">
+                            <a:latin typeface="Cambria Math" panose="02040503050406030204" pitchFamily="18" charset="0"/>
+                          </a:rPr>
+                        </m:ctrlPr>
+                      </m:funcPr>
+                      <m:fName>
+                        <m:sSub>
+                          <m:sSubPr>
+                            <m:ctrlPr>
+                              <a:rPr lang="en-US" i="1">
+                                <a:latin typeface="Cambria Math" panose="02040503050406030204" pitchFamily="18" charset="0"/>
+                              </a:rPr>
+                            </m:ctrlPr>
+                          </m:sSubPr>
+                          <m:e>
+                            <m:r>
+                              <m:rPr>
+                                <m:sty m:val="p"/>
+                              </m:rPr>
+                              <a:rPr lang="en-US">
+                                <a:latin typeface="Cambria Math" panose="02040503050406030204" pitchFamily="18" charset="0"/>
+                              </a:rPr>
+                              <m:t>argmax</m:t>
+                            </m:r>
+                          </m:e>
+                          <m:sub>
+                            <m:r>
+                              <m:rPr>
+                                <m:sty m:val="p"/>
+                              </m:rPr>
+                              <a:rPr lang="en-US">
+                                <a:latin typeface="Cambria Math" panose="02040503050406030204" pitchFamily="18" charset="0"/>
+                              </a:rPr>
+                              <m:t>a</m:t>
+                            </m:r>
+                          </m:sub>
+                        </m:sSub>
+                      </m:fName>
+                      <m:e>
+                        <m:r>
+                          <a:rPr lang="en-US" i="1">
+                            <a:latin typeface="Cambria Math" panose="02040503050406030204" pitchFamily="18" charset="0"/>
+                          </a:rPr>
+                          <m:t>𝑄</m:t>
+                        </m:r>
+                        <m:r>
+                          <a:rPr lang="en-US" i="1">
+                            <a:latin typeface="Cambria Math" panose="02040503050406030204" pitchFamily="18" charset="0"/>
+                          </a:rPr>
+                          <m:t>(</m:t>
+                        </m:r>
+                        <m:r>
+                          <a:rPr lang="en-US" i="1">
+                            <a:latin typeface="Cambria Math" panose="02040503050406030204" pitchFamily="18" charset="0"/>
+                          </a:rPr>
+                          <m:t>𝐵</m:t>
+                        </m:r>
+                        <m:r>
+                          <a:rPr lang="en-US" i="1">
+                            <a:latin typeface="Cambria Math" panose="02040503050406030204" pitchFamily="18" charset="0"/>
+                          </a:rPr>
+                          <m:t>,</m:t>
+                        </m:r>
+                        <m:r>
+                          <a:rPr lang="en-US" i="1">
+                            <a:latin typeface="Cambria Math" panose="02040503050406030204" pitchFamily="18" charset="0"/>
+                          </a:rPr>
+                          <m:t>𝑎</m:t>
+                        </m:r>
+                        <m:r>
+                          <a:rPr lang="en-US" i="1">
+                            <a:latin typeface="Cambria Math" panose="02040503050406030204" pitchFamily="18" charset="0"/>
+                          </a:rPr>
+                          <m:t>)</m:t>
+                        </m:r>
+                      </m:e>
+                    </m:func>
+                    <m:r>
+                      <a:rPr lang="en-US" i="1">
+                        <a:latin typeface="Cambria Math" panose="02040503050406030204" pitchFamily="18" charset="0"/>
+                      </a:rPr>
+                      <m:t>=</m:t>
+                    </m:r>
+                    <m:r>
+                      <a:rPr lang="en-US" i="1">
+                        <a:latin typeface="Cambria Math" panose="02040503050406030204" pitchFamily="18" charset="0"/>
+                      </a:rPr>
+                      <m:t>𝑎</m:t>
+                    </m:r>
+                    <m:r>
+                      <a:rPr lang="en-US" i="1">
+                        <a:latin typeface="Cambria Math" panose="02040503050406030204" pitchFamily="18" charset="0"/>
+                      </a:rPr>
+                      <m:t>1</m:t>
+                    </m:r>
+                  </m:oMath>
+                </a14:m>
+                <a:endParaRPr lang="en-US" i="1" dirty="0">
+                  <a:latin typeface="Cambria Math" panose="02040503050406030204" pitchFamily="18" charset="0"/>
+                </a:endParaRPr>
+              </a:p>
+              <a:p>
+                <a14:m>
+                  <m:oMath xmlns:m="http://schemas.openxmlformats.org/officeDocument/2006/math">
+                    <m:r>
+                      <a:rPr lang="en-US" i="1">
+                        <a:latin typeface="Cambria Math" panose="02040503050406030204" pitchFamily="18" charset="0"/>
+                      </a:rPr>
+                      <m:t>𝑄</m:t>
+                    </m:r>
+                    <m:d>
+                      <m:dPr>
+                        <m:ctrlPr>
+                          <a:rPr lang="en-US" i="1">
+                            <a:latin typeface="Cambria Math" panose="02040503050406030204" pitchFamily="18" charset="0"/>
+                          </a:rPr>
+                        </m:ctrlPr>
+                      </m:dPr>
+                      <m:e>
+                        <m:r>
+                          <a:rPr lang="en-US" i="1">
+                            <a:latin typeface="Cambria Math" panose="02040503050406030204" pitchFamily="18" charset="0"/>
+                          </a:rPr>
+                          <m:t>𝐵</m:t>
+                        </m:r>
+                        <m:r>
+                          <a:rPr lang="en-US" i="1">
+                            <a:latin typeface="Cambria Math" panose="02040503050406030204" pitchFamily="18" charset="0"/>
+                          </a:rPr>
+                          <m:t>,</m:t>
+                        </m:r>
+                        <m:r>
+                          <a:rPr lang="en-US" i="1">
+                            <a:latin typeface="Cambria Math" panose="02040503050406030204" pitchFamily="18" charset="0"/>
+                          </a:rPr>
+                          <m:t>𝑎</m:t>
+                        </m:r>
+                        <m:r>
+                          <a:rPr lang="en-US" b="0" i="1" smtClean="0">
+                            <a:latin typeface="Cambria Math" panose="02040503050406030204" pitchFamily="18" charset="0"/>
+                          </a:rPr>
+                          <m:t>1</m:t>
+                        </m:r>
+                      </m:e>
+                    </m:d>
+                    <m:r>
+                      <a:rPr lang="en-US" i="1">
+                        <a:latin typeface="Cambria Math" panose="02040503050406030204" pitchFamily="18" charset="0"/>
+                      </a:rPr>
+                      <m:t>←</m:t>
+                    </m:r>
+                    <m:r>
+                      <a:rPr lang="en-US" i="1">
+                        <a:latin typeface="Cambria Math" panose="02040503050406030204" pitchFamily="18" charset="0"/>
+                      </a:rPr>
+                      <m:t>𝑄</m:t>
+                    </m:r>
+                    <m:d>
+                      <m:dPr>
+                        <m:ctrlPr>
+                          <a:rPr lang="en-US" i="1">
+                            <a:latin typeface="Cambria Math" panose="02040503050406030204" pitchFamily="18" charset="0"/>
+                          </a:rPr>
+                        </m:ctrlPr>
+                      </m:dPr>
+                      <m:e>
+                        <m:r>
+                          <a:rPr lang="en-US" i="1">
+                            <a:latin typeface="Cambria Math" panose="02040503050406030204" pitchFamily="18" charset="0"/>
+                          </a:rPr>
+                          <m:t>𝐵</m:t>
+                        </m:r>
+                        <m:r>
+                          <a:rPr lang="en-US" i="1">
+                            <a:latin typeface="Cambria Math" panose="02040503050406030204" pitchFamily="18" charset="0"/>
+                          </a:rPr>
+                          <m:t>,</m:t>
+                        </m:r>
+                        <m:r>
+                          <a:rPr lang="en-US" i="1">
+                            <a:latin typeface="Cambria Math" panose="02040503050406030204" pitchFamily="18" charset="0"/>
+                          </a:rPr>
+                          <m:t>𝑎</m:t>
+                        </m:r>
+                        <m:r>
+                          <a:rPr lang="en-US" b="0" i="1" smtClean="0">
+                            <a:latin typeface="Cambria Math" panose="02040503050406030204" pitchFamily="18" charset="0"/>
+                          </a:rPr>
+                          <m:t>1</m:t>
+                        </m:r>
+                      </m:e>
+                    </m:d>
+                    <m:r>
+                      <a:rPr lang="en-US" i="1">
+                        <a:latin typeface="Cambria Math" panose="02040503050406030204" pitchFamily="18" charset="0"/>
+                      </a:rPr>
+                      <m:t>+</m:t>
+                    </m:r>
+                    <m:r>
+                      <a:rPr lang="en-US" i="1">
+                        <a:latin typeface="Cambria Math" panose="02040503050406030204" pitchFamily="18" charset="0"/>
+                      </a:rPr>
+                      <m:t>𝛼</m:t>
+                    </m:r>
+                    <m:d>
+                      <m:dPr>
+                        <m:ctrlPr>
+                          <a:rPr lang="en-US" i="1">
+                            <a:latin typeface="Cambria Math" panose="02040503050406030204" pitchFamily="18" charset="0"/>
+                          </a:rPr>
+                        </m:ctrlPr>
+                      </m:dPr>
+                      <m:e>
+                        <m:sSub>
+                          <m:sSubPr>
+                            <m:ctrlPr>
+                              <a:rPr lang="en-US" i="1">
+                                <a:latin typeface="Cambria Math" panose="02040503050406030204" pitchFamily="18" charset="0"/>
+                              </a:rPr>
+                            </m:ctrlPr>
+                          </m:sSubPr>
+                          <m:e>
+                            <m:r>
+                              <a:rPr lang="en-US" i="1">
+                                <a:latin typeface="Cambria Math" panose="02040503050406030204" pitchFamily="18" charset="0"/>
+                              </a:rPr>
+                              <m:t>𝑅</m:t>
+                            </m:r>
+                          </m:e>
+                          <m:sub>
+                            <m:r>
+                              <a:rPr lang="en-US" i="1">
+                                <a:latin typeface="Cambria Math" panose="02040503050406030204" pitchFamily="18" charset="0"/>
+                              </a:rPr>
+                              <m:t>𝑡</m:t>
+                            </m:r>
+                            <m:r>
+                              <a:rPr lang="en-US" i="1">
+                                <a:latin typeface="Cambria Math" panose="02040503050406030204" pitchFamily="18" charset="0"/>
+                              </a:rPr>
+                              <m:t>+1</m:t>
+                            </m:r>
+                          </m:sub>
+                        </m:sSub>
+                        <m:r>
+                          <a:rPr lang="en-US" i="1">
+                            <a:latin typeface="Cambria Math" panose="02040503050406030204" pitchFamily="18" charset="0"/>
+                          </a:rPr>
+                          <m:t>+</m:t>
+                        </m:r>
+                        <m:r>
+                          <a:rPr lang="en-US" i="1">
+                            <a:latin typeface="Cambria Math" panose="02040503050406030204" pitchFamily="18" charset="0"/>
+                          </a:rPr>
+                          <m:t>𝛾</m:t>
+                        </m:r>
+                        <m:r>
+                          <a:rPr lang="en-US" i="1">
+                            <a:latin typeface="Cambria Math" panose="02040503050406030204" pitchFamily="18" charset="0"/>
+                          </a:rPr>
+                          <m:t>𝑄</m:t>
+                        </m:r>
+                        <m:d>
+                          <m:dPr>
+                            <m:ctrlPr>
+                              <a:rPr lang="en-US" i="1">
+                                <a:latin typeface="Cambria Math" panose="02040503050406030204" pitchFamily="18" charset="0"/>
+                              </a:rPr>
+                            </m:ctrlPr>
+                          </m:dPr>
+                          <m:e>
+                            <m:r>
+                              <a:rPr lang="en-US" i="1">
+                                <a:latin typeface="Cambria Math" panose="02040503050406030204" pitchFamily="18" charset="0"/>
+                              </a:rPr>
+                              <m:t>𝐷</m:t>
+                            </m:r>
+                            <m:r>
+                              <a:rPr lang="en-US" i="1">
+                                <a:latin typeface="Cambria Math" panose="02040503050406030204" pitchFamily="18" charset="0"/>
+                              </a:rPr>
+                              <m:t>,</m:t>
+                            </m:r>
+                            <m:r>
+                              <a:rPr lang="en-US" b="0" i="1" smtClean="0">
+                                <a:latin typeface="Cambria Math" panose="02040503050406030204" pitchFamily="18" charset="0"/>
+                              </a:rPr>
+                              <m:t>𝑎</m:t>
+                            </m:r>
+                            <m:r>
+                              <a:rPr lang="en-US" b="0" i="1" smtClean="0">
+                                <a:latin typeface="Cambria Math" panose="02040503050406030204" pitchFamily="18" charset="0"/>
+                              </a:rPr>
+                              <m:t>1</m:t>
+                            </m:r>
+                          </m:e>
+                        </m:d>
+                        <m:r>
+                          <a:rPr lang="en-US" i="1">
+                            <a:latin typeface="Cambria Math" panose="02040503050406030204" pitchFamily="18" charset="0"/>
+                          </a:rPr>
+                          <m:t>−</m:t>
+                        </m:r>
+                        <m:r>
+                          <a:rPr lang="en-US" i="1">
+                            <a:latin typeface="Cambria Math" panose="02040503050406030204" pitchFamily="18" charset="0"/>
+                          </a:rPr>
+                          <m:t>𝑄</m:t>
+                        </m:r>
+                        <m:d>
+                          <m:dPr>
+                            <m:ctrlPr>
+                              <a:rPr lang="en-US" i="1">
+                                <a:latin typeface="Cambria Math" panose="02040503050406030204" pitchFamily="18" charset="0"/>
+                              </a:rPr>
+                            </m:ctrlPr>
+                          </m:dPr>
+                          <m:e>
+                            <m:r>
+                              <a:rPr lang="en-US" i="1">
+                                <a:latin typeface="Cambria Math" panose="02040503050406030204" pitchFamily="18" charset="0"/>
+                              </a:rPr>
+                              <m:t>𝐵</m:t>
+                            </m:r>
+                            <m:r>
+                              <a:rPr lang="en-US" i="1">
+                                <a:latin typeface="Cambria Math" panose="02040503050406030204" pitchFamily="18" charset="0"/>
+                              </a:rPr>
+                              <m:t>,</m:t>
+                            </m:r>
+                            <m:r>
+                              <a:rPr lang="en-US" i="1">
+                                <a:latin typeface="Cambria Math" panose="02040503050406030204" pitchFamily="18" charset="0"/>
+                              </a:rPr>
+                              <m:t>𝑎</m:t>
+                            </m:r>
+                            <m:r>
+                              <a:rPr lang="en-US" b="0" i="1" smtClean="0">
+                                <a:latin typeface="Cambria Math" panose="02040503050406030204" pitchFamily="18" charset="0"/>
+                              </a:rPr>
+                              <m:t>1</m:t>
+                            </m:r>
+                          </m:e>
+                        </m:d>
+                      </m:e>
+                    </m:d>
+                    <m:r>
+                      <a:rPr lang="en-US" i="1">
+                        <a:latin typeface="Cambria Math" panose="02040503050406030204" pitchFamily="18" charset="0"/>
+                      </a:rPr>
+                      <m:t>=</m:t>
+                    </m:r>
+                    <m:r>
+                      <a:rPr lang="en-US" b="0" i="1" smtClean="0">
+                        <a:latin typeface="Cambria Math" panose="02040503050406030204" pitchFamily="18" charset="0"/>
+                      </a:rPr>
+                      <m:t>1</m:t>
+                    </m:r>
+                    <m:r>
+                      <a:rPr lang="en-US" i="1">
+                        <a:latin typeface="Cambria Math" panose="02040503050406030204" pitchFamily="18" charset="0"/>
+                      </a:rPr>
+                      <m:t>+</m:t>
+                    </m:r>
+                    <m:d>
+                      <m:dPr>
+                        <m:ctrlPr>
+                          <a:rPr lang="en-US" i="1">
+                            <a:latin typeface="Cambria Math" panose="02040503050406030204" pitchFamily="18" charset="0"/>
+                          </a:rPr>
+                        </m:ctrlPr>
+                      </m:dPr>
+                      <m:e>
+                        <m:r>
+                          <a:rPr lang="en-US" b="0" i="1" smtClean="0">
+                            <a:latin typeface="Cambria Math" panose="02040503050406030204" pitchFamily="18" charset="0"/>
+                          </a:rPr>
+                          <m:t>1</m:t>
+                        </m:r>
+                        <m:r>
+                          <a:rPr lang="en-US" b="0" i="1" smtClean="0">
+                            <a:solidFill>
+                              <a:srgbClr val="C00000"/>
+                            </a:solidFill>
+                            <a:latin typeface="Cambria Math" panose="02040503050406030204" pitchFamily="18" charset="0"/>
+                          </a:rPr>
+                          <m:t>+1</m:t>
+                        </m:r>
+                        <m:r>
+                          <a:rPr lang="en-US" b="0" i="1" smtClean="0">
+                            <a:latin typeface="Cambria Math" panose="02040503050406030204" pitchFamily="18" charset="0"/>
+                          </a:rPr>
+                          <m:t>−1</m:t>
+                        </m:r>
+                      </m:e>
+                    </m:d>
+                    <m:r>
+                      <a:rPr lang="en-US" b="0" i="1" smtClean="0">
+                        <a:latin typeface="Cambria Math" panose="02040503050406030204" pitchFamily="18" charset="0"/>
+                      </a:rPr>
+                      <m:t>=</m:t>
+                    </m:r>
+                    <m:r>
+                      <a:rPr lang="en-US" b="0" i="1" smtClean="0">
+                        <a:solidFill>
+                          <a:srgbClr val="C00000"/>
+                        </a:solidFill>
+                        <a:latin typeface="Cambria Math" panose="02040503050406030204" pitchFamily="18" charset="0"/>
+                      </a:rPr>
+                      <m:t>2</m:t>
+                    </m:r>
+                  </m:oMath>
+                </a14:m>
+                <a:endParaRPr lang="en-US" dirty="0"/>
+              </a:p>
+              <a:p>
+                <a14:m>
+                  <m:oMath xmlns:m="http://schemas.openxmlformats.org/officeDocument/2006/math">
+                    <m:r>
+                      <a:rPr lang="en-US" i="1" smtClean="0">
+                        <a:latin typeface="Cambria Math" panose="02040503050406030204" pitchFamily="18" charset="0"/>
+                      </a:rPr>
+                      <m:t>𝑄</m:t>
+                    </m:r>
+                    <m:d>
+                      <m:dPr>
+                        <m:ctrlPr>
+                          <a:rPr lang="en-US" i="1">
+                            <a:latin typeface="Cambria Math" panose="02040503050406030204" pitchFamily="18" charset="0"/>
+                          </a:rPr>
+                        </m:ctrlPr>
+                      </m:dPr>
+                      <m:e>
+                        <m:r>
+                          <a:rPr lang="en-US" b="0" i="1" smtClean="0">
+                            <a:latin typeface="Cambria Math" panose="02040503050406030204" pitchFamily="18" charset="0"/>
+                          </a:rPr>
+                          <m:t>𝐶</m:t>
+                        </m:r>
+                        <m:r>
+                          <a:rPr lang="en-US" i="1">
+                            <a:latin typeface="Cambria Math" panose="02040503050406030204" pitchFamily="18" charset="0"/>
+                          </a:rPr>
+                          <m:t>,</m:t>
+                        </m:r>
+                        <m:r>
+                          <a:rPr lang="en-US" i="1">
+                            <a:latin typeface="Cambria Math" panose="02040503050406030204" pitchFamily="18" charset="0"/>
+                          </a:rPr>
+                          <m:t>𝑎</m:t>
+                        </m:r>
+                        <m:r>
+                          <a:rPr lang="en-US" b="0" i="1" smtClean="0">
+                            <a:latin typeface="Cambria Math" panose="02040503050406030204" pitchFamily="18" charset="0"/>
+                          </a:rPr>
+                          <m:t>1</m:t>
+                        </m:r>
+                      </m:e>
+                    </m:d>
+                    <m:r>
+                      <a:rPr lang="en-US" i="1">
+                        <a:latin typeface="Cambria Math" panose="02040503050406030204" pitchFamily="18" charset="0"/>
+                      </a:rPr>
+                      <m:t>←</m:t>
+                    </m:r>
+                    <m:r>
+                      <a:rPr lang="en-US" i="1">
+                        <a:latin typeface="Cambria Math" panose="02040503050406030204" pitchFamily="18" charset="0"/>
+                      </a:rPr>
+                      <m:t>𝑄</m:t>
+                    </m:r>
+                    <m:d>
+                      <m:dPr>
+                        <m:ctrlPr>
+                          <a:rPr lang="en-US" i="1">
+                            <a:latin typeface="Cambria Math" panose="02040503050406030204" pitchFamily="18" charset="0"/>
+                          </a:rPr>
+                        </m:ctrlPr>
+                      </m:dPr>
+                      <m:e>
+                        <m:r>
+                          <a:rPr lang="en-US" b="0" i="1" smtClean="0">
+                            <a:latin typeface="Cambria Math" panose="02040503050406030204" pitchFamily="18" charset="0"/>
+                          </a:rPr>
+                          <m:t>𝐶</m:t>
+                        </m:r>
+                        <m:r>
+                          <a:rPr lang="en-US" i="1">
+                            <a:latin typeface="Cambria Math" panose="02040503050406030204" pitchFamily="18" charset="0"/>
+                          </a:rPr>
+                          <m:t>,</m:t>
+                        </m:r>
+                        <m:r>
+                          <a:rPr lang="en-US" i="1">
+                            <a:latin typeface="Cambria Math" panose="02040503050406030204" pitchFamily="18" charset="0"/>
+                          </a:rPr>
+                          <m:t>𝑎</m:t>
+                        </m:r>
+                        <m:r>
+                          <a:rPr lang="en-US" i="1">
+                            <a:latin typeface="Cambria Math" panose="02040503050406030204" pitchFamily="18" charset="0"/>
+                          </a:rPr>
+                          <m:t>1</m:t>
+                        </m:r>
+                      </m:e>
+                    </m:d>
+                    <m:r>
+                      <a:rPr lang="en-US" i="1">
+                        <a:latin typeface="Cambria Math" panose="02040503050406030204" pitchFamily="18" charset="0"/>
+                      </a:rPr>
+                      <m:t>+</m:t>
+                    </m:r>
+                    <m:r>
+                      <a:rPr lang="en-US" i="1">
+                        <a:latin typeface="Cambria Math" panose="02040503050406030204" pitchFamily="18" charset="0"/>
+                      </a:rPr>
+                      <m:t>𝛼</m:t>
+                    </m:r>
+                    <m:d>
+                      <m:dPr>
+                        <m:ctrlPr>
+                          <a:rPr lang="en-US" i="1">
+                            <a:latin typeface="Cambria Math" panose="02040503050406030204" pitchFamily="18" charset="0"/>
+                          </a:rPr>
+                        </m:ctrlPr>
+                      </m:dPr>
+                      <m:e>
+                        <m:sSub>
+                          <m:sSubPr>
+                            <m:ctrlPr>
+                              <a:rPr lang="en-US" i="1">
+                                <a:latin typeface="Cambria Math" panose="02040503050406030204" pitchFamily="18" charset="0"/>
+                              </a:rPr>
+                            </m:ctrlPr>
+                          </m:sSubPr>
+                          <m:e>
+                            <m:r>
+                              <a:rPr lang="en-US" i="1">
+                                <a:latin typeface="Cambria Math" panose="02040503050406030204" pitchFamily="18" charset="0"/>
+                              </a:rPr>
+                              <m:t>𝑅</m:t>
+                            </m:r>
+                          </m:e>
+                          <m:sub>
+                            <m:r>
+                              <a:rPr lang="en-US" i="1">
+                                <a:latin typeface="Cambria Math" panose="02040503050406030204" pitchFamily="18" charset="0"/>
+                              </a:rPr>
+                              <m:t>𝑡</m:t>
+                            </m:r>
+                            <m:r>
+                              <a:rPr lang="en-US" i="1">
+                                <a:latin typeface="Cambria Math" panose="02040503050406030204" pitchFamily="18" charset="0"/>
+                              </a:rPr>
+                              <m:t>+1</m:t>
+                            </m:r>
+                          </m:sub>
+                        </m:sSub>
+                        <m:r>
+                          <a:rPr lang="en-US" i="1">
+                            <a:latin typeface="Cambria Math" panose="02040503050406030204" pitchFamily="18" charset="0"/>
+                          </a:rPr>
+                          <m:t>+</m:t>
+                        </m:r>
+                        <m:r>
+                          <a:rPr lang="en-US" i="1">
+                            <a:latin typeface="Cambria Math" panose="02040503050406030204" pitchFamily="18" charset="0"/>
+                          </a:rPr>
+                          <m:t>𝛾</m:t>
+                        </m:r>
+                        <m:r>
+                          <a:rPr lang="en-US" i="1">
+                            <a:latin typeface="Cambria Math" panose="02040503050406030204" pitchFamily="18" charset="0"/>
+                          </a:rPr>
+                          <m:t>𝑄</m:t>
+                        </m:r>
+                        <m:d>
+                          <m:dPr>
+                            <m:ctrlPr>
+                              <a:rPr lang="en-US" i="1">
+                                <a:latin typeface="Cambria Math" panose="02040503050406030204" pitchFamily="18" charset="0"/>
+                              </a:rPr>
+                            </m:ctrlPr>
+                          </m:dPr>
+                          <m:e>
+                            <m:r>
+                              <a:rPr lang="en-US" i="1">
+                                <a:latin typeface="Cambria Math" panose="02040503050406030204" pitchFamily="18" charset="0"/>
+                              </a:rPr>
+                              <m:t>𝑇</m:t>
+                            </m:r>
+                            <m:r>
+                              <a:rPr lang="en-US" i="1">
+                                <a:latin typeface="Cambria Math" panose="02040503050406030204" pitchFamily="18" charset="0"/>
+                              </a:rPr>
+                              <m:t>,−</m:t>
+                            </m:r>
+                          </m:e>
+                        </m:d>
+                        <m:r>
+                          <a:rPr lang="en-US" i="1">
+                            <a:latin typeface="Cambria Math" panose="02040503050406030204" pitchFamily="18" charset="0"/>
+                          </a:rPr>
+                          <m:t>−</m:t>
+                        </m:r>
+                        <m:r>
+                          <a:rPr lang="en-US" i="1">
+                            <a:latin typeface="Cambria Math" panose="02040503050406030204" pitchFamily="18" charset="0"/>
+                          </a:rPr>
+                          <m:t>𝑄</m:t>
+                        </m:r>
+                        <m:d>
+                          <m:dPr>
+                            <m:ctrlPr>
+                              <a:rPr lang="en-US" i="1">
+                                <a:latin typeface="Cambria Math" panose="02040503050406030204" pitchFamily="18" charset="0"/>
+                              </a:rPr>
+                            </m:ctrlPr>
+                          </m:dPr>
+                          <m:e>
+                            <m:r>
+                              <a:rPr lang="en-US" b="0" i="1" smtClean="0">
+                                <a:latin typeface="Cambria Math" panose="02040503050406030204" pitchFamily="18" charset="0"/>
+                              </a:rPr>
+                              <m:t>𝐶</m:t>
+                            </m:r>
+                            <m:r>
+                              <a:rPr lang="en-US" i="1">
+                                <a:latin typeface="Cambria Math" panose="02040503050406030204" pitchFamily="18" charset="0"/>
+                              </a:rPr>
+                              <m:t>,</m:t>
+                            </m:r>
+                            <m:r>
+                              <a:rPr lang="en-US" i="1">
+                                <a:latin typeface="Cambria Math" panose="02040503050406030204" pitchFamily="18" charset="0"/>
+                              </a:rPr>
+                              <m:t>𝑎</m:t>
+                            </m:r>
+                            <m:r>
+                              <a:rPr lang="en-US" i="1">
+                                <a:latin typeface="Cambria Math" panose="02040503050406030204" pitchFamily="18" charset="0"/>
+                              </a:rPr>
+                              <m:t>1</m:t>
+                            </m:r>
+                          </m:e>
+                        </m:d>
+                      </m:e>
+                    </m:d>
+                    <m:r>
+                      <a:rPr lang="en-US" i="1">
+                        <a:latin typeface="Cambria Math" panose="02040503050406030204" pitchFamily="18" charset="0"/>
+                      </a:rPr>
+                      <m:t>=</m:t>
+                    </m:r>
+                    <m:r>
+                      <a:rPr lang="en-US" b="0" i="1" smtClean="0">
+                        <a:latin typeface="Cambria Math" panose="02040503050406030204" pitchFamily="18" charset="0"/>
+                      </a:rPr>
+                      <m:t>1</m:t>
+                    </m:r>
+                    <m:r>
+                      <a:rPr lang="en-US" i="1">
+                        <a:latin typeface="Cambria Math" panose="02040503050406030204" pitchFamily="18" charset="0"/>
+                      </a:rPr>
+                      <m:t>+</m:t>
+                    </m:r>
+                    <m:d>
+                      <m:dPr>
+                        <m:ctrlPr>
+                          <a:rPr lang="en-US" i="1">
+                            <a:latin typeface="Cambria Math" panose="02040503050406030204" pitchFamily="18" charset="0"/>
+                          </a:rPr>
+                        </m:ctrlPr>
+                      </m:dPr>
+                      <m:e>
+                        <m:r>
+                          <a:rPr lang="en-US" b="0" i="1" smtClean="0">
+                            <a:latin typeface="Cambria Math" panose="02040503050406030204" pitchFamily="18" charset="0"/>
+                          </a:rPr>
+                          <m:t>1</m:t>
+                        </m:r>
+                        <m:r>
+                          <a:rPr lang="en-US" i="1">
+                            <a:latin typeface="Cambria Math" panose="02040503050406030204" pitchFamily="18" charset="0"/>
+                          </a:rPr>
+                          <m:t>+0</m:t>
+                        </m:r>
+                        <m:r>
+                          <a:rPr lang="en-US" b="0" i="1" smtClean="0">
+                            <a:latin typeface="Cambria Math" panose="02040503050406030204" pitchFamily="18" charset="0"/>
+                          </a:rPr>
+                          <m:t>−0</m:t>
+                        </m:r>
+                      </m:e>
+                    </m:d>
+                    <m:r>
+                      <a:rPr lang="en-US" i="1">
+                        <a:latin typeface="Cambria Math" panose="02040503050406030204" pitchFamily="18" charset="0"/>
+                      </a:rPr>
+                      <m:t>=</m:t>
+                    </m:r>
+                    <m:r>
+                      <a:rPr lang="en-US" b="0" i="1" smtClean="0">
+                        <a:solidFill>
+                          <a:srgbClr val="C00000"/>
+                        </a:solidFill>
+                        <a:latin typeface="Cambria Math" panose="02040503050406030204" pitchFamily="18" charset="0"/>
+                      </a:rPr>
+                      <m:t>1</m:t>
+                    </m:r>
+                  </m:oMath>
+                </a14:m>
+                <a:endParaRPr lang="en-US" dirty="0"/>
+              </a:p>
+              <a:p>
+                <a:endParaRPr lang="en-US" i="1" dirty="0">
+                  <a:latin typeface="Cambria Math" panose="02040503050406030204" pitchFamily="18" charset="0"/>
+                </a:endParaRPr>
+              </a:p>
+              <a:p>
+                <a14:m>
+                  <m:oMath xmlns:m="http://schemas.openxmlformats.org/officeDocument/2006/math">
+                    <m:r>
+                      <a:rPr lang="en-US" i="1">
+                        <a:latin typeface="Cambria Math" panose="02040503050406030204" pitchFamily="18" charset="0"/>
+                      </a:rPr>
+                      <m:t>𝑄</m:t>
+                    </m:r>
+                    <m:d>
+                      <m:dPr>
+                        <m:ctrlPr>
+                          <a:rPr lang="en-US" i="1">
+                            <a:latin typeface="Cambria Math" panose="02040503050406030204" pitchFamily="18" charset="0"/>
+                          </a:rPr>
+                        </m:ctrlPr>
+                      </m:dPr>
+                      <m:e>
+                        <m:r>
+                          <a:rPr lang="en-US" i="1">
+                            <a:latin typeface="Cambria Math" panose="02040503050406030204" pitchFamily="18" charset="0"/>
+                          </a:rPr>
+                          <m:t>𝐷</m:t>
+                        </m:r>
+                        <m:r>
+                          <a:rPr lang="en-US" i="1">
+                            <a:latin typeface="Cambria Math" panose="02040503050406030204" pitchFamily="18" charset="0"/>
+                          </a:rPr>
+                          <m:t>,</m:t>
+                        </m:r>
+                        <m:r>
+                          <a:rPr lang="en-US" i="1">
+                            <a:latin typeface="Cambria Math" panose="02040503050406030204" pitchFamily="18" charset="0"/>
+                          </a:rPr>
+                          <m:t>𝑎</m:t>
+                        </m:r>
+                        <m:r>
+                          <a:rPr lang="en-US" i="1">
+                            <a:latin typeface="Cambria Math" panose="02040503050406030204" pitchFamily="18" charset="0"/>
+                          </a:rPr>
+                          <m:t>=1</m:t>
+                        </m:r>
+                      </m:e>
+                    </m:d>
+                    <m:r>
+                      <a:rPr lang="en-US" i="1">
+                        <a:latin typeface="Cambria Math" panose="02040503050406030204" pitchFamily="18" charset="0"/>
+                      </a:rPr>
+                      <m:t>←</m:t>
+                    </m:r>
+                    <m:r>
+                      <a:rPr lang="en-US" i="1">
+                        <a:latin typeface="Cambria Math" panose="02040503050406030204" pitchFamily="18" charset="0"/>
+                      </a:rPr>
+                      <m:t>𝑄</m:t>
+                    </m:r>
+                    <m:d>
+                      <m:dPr>
+                        <m:ctrlPr>
+                          <a:rPr lang="en-US" i="1">
+                            <a:latin typeface="Cambria Math" panose="02040503050406030204" pitchFamily="18" charset="0"/>
+                          </a:rPr>
+                        </m:ctrlPr>
+                      </m:dPr>
+                      <m:e>
+                        <m:r>
+                          <a:rPr lang="en-US" i="1">
+                            <a:latin typeface="Cambria Math" panose="02040503050406030204" pitchFamily="18" charset="0"/>
+                          </a:rPr>
+                          <m:t>𝐷</m:t>
+                        </m:r>
+                        <m:r>
+                          <a:rPr lang="en-US" i="1">
+                            <a:latin typeface="Cambria Math" panose="02040503050406030204" pitchFamily="18" charset="0"/>
+                          </a:rPr>
+                          <m:t>,</m:t>
+                        </m:r>
+                        <m:r>
+                          <a:rPr lang="en-US" i="1">
+                            <a:latin typeface="Cambria Math" panose="02040503050406030204" pitchFamily="18" charset="0"/>
+                          </a:rPr>
+                          <m:t>𝑎</m:t>
+                        </m:r>
+                        <m:r>
+                          <a:rPr lang="en-US" i="1">
+                            <a:latin typeface="Cambria Math" panose="02040503050406030204" pitchFamily="18" charset="0"/>
+                          </a:rPr>
+                          <m:t>=1</m:t>
+                        </m:r>
+                      </m:e>
+                    </m:d>
+                    <m:r>
+                      <a:rPr lang="en-US" i="1">
+                        <a:latin typeface="Cambria Math" panose="02040503050406030204" pitchFamily="18" charset="0"/>
+                      </a:rPr>
+                      <m:t>+</m:t>
+                    </m:r>
+                    <m:r>
+                      <a:rPr lang="en-US" i="1">
+                        <a:latin typeface="Cambria Math" panose="02040503050406030204" pitchFamily="18" charset="0"/>
+                      </a:rPr>
+                      <m:t>𝛼</m:t>
+                    </m:r>
+                    <m:d>
+                      <m:dPr>
+                        <m:ctrlPr>
+                          <a:rPr lang="en-US" i="1">
+                            <a:latin typeface="Cambria Math" panose="02040503050406030204" pitchFamily="18" charset="0"/>
+                          </a:rPr>
+                        </m:ctrlPr>
+                      </m:dPr>
+                      <m:e>
+                        <m:sSub>
+                          <m:sSubPr>
+                            <m:ctrlPr>
+                              <a:rPr lang="en-US" i="1">
+                                <a:latin typeface="Cambria Math" panose="02040503050406030204" pitchFamily="18" charset="0"/>
+                              </a:rPr>
+                            </m:ctrlPr>
+                          </m:sSubPr>
+                          <m:e>
+                            <m:r>
+                              <a:rPr lang="en-US" i="1">
+                                <a:latin typeface="Cambria Math" panose="02040503050406030204" pitchFamily="18" charset="0"/>
+                              </a:rPr>
+                              <m:t>𝑅</m:t>
+                            </m:r>
+                          </m:e>
+                          <m:sub>
+                            <m:r>
+                              <a:rPr lang="en-US" i="1">
+                                <a:latin typeface="Cambria Math" panose="02040503050406030204" pitchFamily="18" charset="0"/>
+                              </a:rPr>
+                              <m:t>𝑡</m:t>
+                            </m:r>
+                            <m:r>
+                              <a:rPr lang="en-US" i="1">
+                                <a:latin typeface="Cambria Math" panose="02040503050406030204" pitchFamily="18" charset="0"/>
+                              </a:rPr>
+                              <m:t>+1</m:t>
+                            </m:r>
+                          </m:sub>
+                        </m:sSub>
+                        <m:r>
+                          <a:rPr lang="en-US" i="1">
+                            <a:latin typeface="Cambria Math" panose="02040503050406030204" pitchFamily="18" charset="0"/>
+                          </a:rPr>
+                          <m:t>+</m:t>
+                        </m:r>
+                        <m:r>
+                          <a:rPr lang="en-US" i="1">
+                            <a:latin typeface="Cambria Math" panose="02040503050406030204" pitchFamily="18" charset="0"/>
+                          </a:rPr>
+                          <m:t>𝛾</m:t>
+                        </m:r>
+                        <m:r>
+                          <a:rPr lang="en-US" i="1">
+                            <a:latin typeface="Cambria Math" panose="02040503050406030204" pitchFamily="18" charset="0"/>
+                          </a:rPr>
+                          <m:t>𝑄</m:t>
+                        </m:r>
+                        <m:d>
+                          <m:dPr>
+                            <m:ctrlPr>
+                              <a:rPr lang="en-US" i="1">
+                                <a:latin typeface="Cambria Math" panose="02040503050406030204" pitchFamily="18" charset="0"/>
+                              </a:rPr>
+                            </m:ctrlPr>
+                          </m:dPr>
+                          <m:e>
+                            <m:r>
+                              <a:rPr lang="en-US" i="1">
+                                <a:latin typeface="Cambria Math" panose="02040503050406030204" pitchFamily="18" charset="0"/>
+                              </a:rPr>
+                              <m:t>𝑇</m:t>
+                            </m:r>
+                            <m:r>
+                              <a:rPr lang="en-US" i="1">
+                                <a:latin typeface="Cambria Math" panose="02040503050406030204" pitchFamily="18" charset="0"/>
+                              </a:rPr>
+                              <m:t>,−</m:t>
+                            </m:r>
+                          </m:e>
+                        </m:d>
+                        <m:r>
+                          <a:rPr lang="en-US" i="1">
+                            <a:latin typeface="Cambria Math" panose="02040503050406030204" pitchFamily="18" charset="0"/>
+                          </a:rPr>
+                          <m:t>−</m:t>
+                        </m:r>
+                        <m:r>
+                          <a:rPr lang="en-US" i="1">
+                            <a:latin typeface="Cambria Math" panose="02040503050406030204" pitchFamily="18" charset="0"/>
+                          </a:rPr>
+                          <m:t>𝑄</m:t>
+                        </m:r>
+                        <m:d>
+                          <m:dPr>
+                            <m:ctrlPr>
+                              <a:rPr lang="en-US" i="1">
+                                <a:latin typeface="Cambria Math" panose="02040503050406030204" pitchFamily="18" charset="0"/>
+                              </a:rPr>
+                            </m:ctrlPr>
+                          </m:dPr>
+                          <m:e>
+                            <m:r>
+                              <a:rPr lang="en-US" i="1">
+                                <a:latin typeface="Cambria Math" panose="02040503050406030204" pitchFamily="18" charset="0"/>
+                              </a:rPr>
+                              <m:t>𝐷</m:t>
+                            </m:r>
+                            <m:r>
+                              <a:rPr lang="en-US" i="1">
+                                <a:latin typeface="Cambria Math" panose="02040503050406030204" pitchFamily="18" charset="0"/>
+                              </a:rPr>
+                              <m:t>,</m:t>
+                            </m:r>
+                            <m:r>
+                              <a:rPr lang="en-US" i="1">
+                                <a:latin typeface="Cambria Math" panose="02040503050406030204" pitchFamily="18" charset="0"/>
+                              </a:rPr>
+                              <m:t>𝑎</m:t>
+                            </m:r>
+                            <m:r>
+                              <a:rPr lang="en-US" i="1">
+                                <a:latin typeface="Cambria Math" panose="02040503050406030204" pitchFamily="18" charset="0"/>
+                              </a:rPr>
+                              <m:t>=1</m:t>
+                            </m:r>
+                          </m:e>
+                        </m:d>
+                      </m:e>
+                    </m:d>
+                    <m:r>
+                      <a:rPr lang="en-US" i="1">
+                        <a:latin typeface="Cambria Math" panose="02040503050406030204" pitchFamily="18" charset="0"/>
+                      </a:rPr>
+                      <m:t>=−19+.1</m:t>
+                    </m:r>
+                    <m:d>
+                      <m:dPr>
+                        <m:ctrlPr>
+                          <a:rPr lang="en-US" i="1">
+                            <a:latin typeface="Cambria Math" panose="02040503050406030204" pitchFamily="18" charset="0"/>
+                          </a:rPr>
+                        </m:ctrlPr>
+                      </m:dPr>
+                      <m:e>
+                        <m:r>
+                          <a:rPr lang="en-US" i="1">
+                            <a:latin typeface="Cambria Math" panose="02040503050406030204" pitchFamily="18" charset="0"/>
+                          </a:rPr>
+                          <m:t>0−100+19</m:t>
+                        </m:r>
+                      </m:e>
+                    </m:d>
+                    <m:r>
+                      <a:rPr lang="en-US" i="1">
+                        <a:latin typeface="Cambria Math" panose="02040503050406030204" pitchFamily="18" charset="0"/>
+                      </a:rPr>
+                      <m:t>≈</m:t>
+                    </m:r>
+                    <m:r>
+                      <a:rPr lang="en-US" i="1" smtClean="0">
+                        <a:solidFill>
+                          <a:srgbClr val="C00000"/>
+                        </a:solidFill>
+                        <a:latin typeface="Cambria Math" panose="02040503050406030204" pitchFamily="18" charset="0"/>
+                      </a:rPr>
+                      <m:t>−27.1</m:t>
+                    </m:r>
+                  </m:oMath>
+                </a14:m>
+                <a:endParaRPr lang="en-US" dirty="0"/>
+              </a:p>
+            </p:txBody>
+          </p:sp>
+        </mc:Choice>
+        <mc:Fallback xmlns="">
+          <p:sp>
+            <p:nvSpPr>
+              <p:cNvPr id="3" name="Content Placeholder 2">
+                <a:extLst>
+                  <a:ext uri="{FF2B5EF4-FFF2-40B4-BE49-F238E27FC236}">
+                    <a16:creationId xmlns:a16="http://schemas.microsoft.com/office/drawing/2014/main" id="{E34BD7F2-6D27-437A-87F5-E823F3651B1A}"/>
+                  </a:ext>
+                </a:extLst>
+              </p:cNvPr>
+              <p:cNvSpPr>
+                <a:spLocks noGrp="1" noRot="1" noChangeAspect="1" noMove="1" noResize="1" noEditPoints="1" noAdjustHandles="1" noChangeArrowheads="1" noChangeShapeType="1" noTextEdit="1"/>
+              </p:cNvSpPr>
+              <p:nvPr>
+                <p:ph idx="1"/>
+              </p:nvPr>
+            </p:nvSpPr>
+            <p:spPr>
+              <a:xfrm>
+                <a:off x="305045" y="1143000"/>
+                <a:ext cx="8533910" cy="3657600"/>
+              </a:xfrm>
+              <a:blipFill>
+                <a:blip r:embed="rId4"/>
+                <a:stretch>
+                  <a:fillRect t="-667"/>
+                </a:stretch>
+              </a:blipFill>
+            </p:spPr>
+            <p:txBody>
+              <a:bodyPr/>
+              <a:lstStyle/>
+              <a:p>
+                <a:r>
+                  <a:rPr lang="en-SE">
+                    <a:noFill/>
+                  </a:rPr>
+                  <a:t> </a:t>
+                </a:r>
+              </a:p>
+            </p:txBody>
+          </p:sp>
+        </mc:Fallback>
+      </mc:AlternateContent>
+      <p:sp>
+        <p:nvSpPr>
+          <p:cNvPr id="4" name="Slide Number Placeholder 3">
+            <a:extLst>
+              <a:ext uri="{FF2B5EF4-FFF2-40B4-BE49-F238E27FC236}">
+                <a16:creationId xmlns:a16="http://schemas.microsoft.com/office/drawing/2014/main" id="{ADA5DC08-0881-422E-B2D8-2C5191A0513E}"/>
+              </a:ext>
+            </a:extLst>
+          </p:cNvPr>
+          <p:cNvSpPr>
+            <a:spLocks noGrp="1"/>
+          </p:cNvSpPr>
+          <p:nvPr>
+            <p:ph type="sldNum" sz="quarter" idx="12"/>
+          </p:nvPr>
+        </p:nvSpPr>
+        <p:spPr bwMode="auto">
+          <a:xfrm>
+            <a:off x="6934200" y="6530035"/>
+            <a:ext cx="2133600" cy="244475"/>
+          </a:xfrm>
+          <a:prstGeom prst="rect">
+            <a:avLst/>
+          </a:prstGeom>
+          <a:noFill/>
+          <a:ln w="9525">
+            <a:noFill/>
+            <a:miter lim="800000"/>
+            <a:headEnd/>
+            <a:tailEnd/>
+          </a:ln>
+          <a:effectLst/>
+        </p:spPr>
+        <p:txBody>
+          <a:bodyPr vert="horz" wrap="square" lIns="91440" tIns="45720" rIns="91440" bIns="45720" numCol="1" anchor="t" anchorCtr="0" compatLnSpc="1">
+            <a:prstTxWarp prst="textNoShape">
+              <a:avLst/>
+            </a:prstTxWarp>
+          </a:bodyPr>
+          <a:lstStyle>
+            <a:defPPr>
+              <a:defRPr lang="en-US"/>
+            </a:defPPr>
+            <a:lvl1pPr algn="r" rtl="0" fontAlgn="base">
+              <a:spcBef>
+                <a:spcPct val="0"/>
+              </a:spcBef>
+              <a:spcAft>
+                <a:spcPct val="0"/>
+              </a:spcAft>
+              <a:defRPr sz="1200" kern="1200">
+                <a:solidFill>
+                  <a:schemeClr val="tx1"/>
+                </a:solidFill>
+                <a:latin typeface="Arial" charset="0"/>
+                <a:ea typeface="宋体" charset="-122"/>
+                <a:cs typeface="+mn-cs"/>
+              </a:defRPr>
+            </a:lvl1pPr>
+            <a:lvl2pPr marL="457200" algn="l" rtl="0" fontAlgn="base">
+              <a:spcBef>
+                <a:spcPct val="0"/>
+              </a:spcBef>
+              <a:spcAft>
+                <a:spcPct val="0"/>
+              </a:spcAft>
+              <a:defRPr kern="1200">
+                <a:solidFill>
+                  <a:schemeClr val="tx1"/>
+                </a:solidFill>
+                <a:latin typeface="Arial" charset="0"/>
+                <a:ea typeface="+mn-ea"/>
+                <a:cs typeface="+mn-cs"/>
+              </a:defRPr>
+            </a:lvl2pPr>
+            <a:lvl3pPr marL="914400" algn="l" rtl="0" fontAlgn="base">
+              <a:spcBef>
+                <a:spcPct val="0"/>
+              </a:spcBef>
+              <a:spcAft>
+                <a:spcPct val="0"/>
+              </a:spcAft>
+              <a:defRPr kern="1200">
+                <a:solidFill>
+                  <a:schemeClr val="tx1"/>
+                </a:solidFill>
+                <a:latin typeface="Arial" charset="0"/>
+                <a:ea typeface="+mn-ea"/>
+                <a:cs typeface="+mn-cs"/>
+              </a:defRPr>
+            </a:lvl3pPr>
+            <a:lvl4pPr marL="1371600" algn="l" rtl="0" fontAlgn="base">
+              <a:spcBef>
+                <a:spcPct val="0"/>
+              </a:spcBef>
+              <a:spcAft>
+                <a:spcPct val="0"/>
+              </a:spcAft>
+              <a:defRPr kern="1200">
+                <a:solidFill>
+                  <a:schemeClr val="tx1"/>
+                </a:solidFill>
+                <a:latin typeface="Arial" charset="0"/>
+                <a:ea typeface="+mn-ea"/>
+                <a:cs typeface="+mn-cs"/>
+              </a:defRPr>
+            </a:lvl4pPr>
+            <a:lvl5pPr marL="1828800" algn="l" rtl="0" fontAlgn="base">
+              <a:spcBef>
+                <a:spcPct val="0"/>
+              </a:spcBef>
+              <a:spcAft>
+                <a:spcPct val="0"/>
+              </a:spcAft>
+              <a:defRPr kern="1200">
+                <a:solidFill>
+                  <a:schemeClr val="tx1"/>
+                </a:solidFill>
+                <a:latin typeface="Arial" charset="0"/>
+                <a:ea typeface="+mn-ea"/>
+                <a:cs typeface="+mn-cs"/>
+              </a:defRPr>
+            </a:lvl5pPr>
+            <a:lvl6pPr marL="2286000" algn="l" defTabSz="914400" rtl="0" eaLnBrk="1" latinLnBrk="0" hangingPunct="1">
+              <a:defRPr kern="1200">
+                <a:solidFill>
+                  <a:schemeClr val="tx1"/>
+                </a:solidFill>
+                <a:latin typeface="Arial" charset="0"/>
+                <a:ea typeface="+mn-ea"/>
+                <a:cs typeface="+mn-cs"/>
+              </a:defRPr>
+            </a:lvl6pPr>
+            <a:lvl7pPr marL="2743200" algn="l" defTabSz="914400" rtl="0" eaLnBrk="1" latinLnBrk="0" hangingPunct="1">
+              <a:defRPr kern="1200">
+                <a:solidFill>
+                  <a:schemeClr val="tx1"/>
+                </a:solidFill>
+                <a:latin typeface="Arial" charset="0"/>
+                <a:ea typeface="+mn-ea"/>
+                <a:cs typeface="+mn-cs"/>
+              </a:defRPr>
+            </a:lvl7pPr>
+            <a:lvl8pPr marL="3200400" algn="l" defTabSz="914400" rtl="0" eaLnBrk="1" latinLnBrk="0" hangingPunct="1">
+              <a:defRPr kern="1200">
+                <a:solidFill>
+                  <a:schemeClr val="tx1"/>
+                </a:solidFill>
+                <a:latin typeface="Arial" charset="0"/>
+                <a:ea typeface="+mn-ea"/>
+                <a:cs typeface="+mn-cs"/>
+              </a:defRPr>
+            </a:lvl8pPr>
+            <a:lvl9pPr marL="3657600" algn="l" defTabSz="914400" rtl="0" eaLnBrk="1" latinLnBrk="0" hangingPunct="1">
+              <a:defRPr kern="1200">
+                <a:solidFill>
+                  <a:schemeClr val="tx1"/>
+                </a:solidFill>
+                <a:latin typeface="Arial" charset="0"/>
+                <a:ea typeface="+mn-ea"/>
+                <a:cs typeface="+mn-cs"/>
+              </a:defRPr>
+            </a:lvl9pPr>
+          </a:lstStyle>
+          <a:p>
+            <a:pPr>
+              <a:defRPr/>
+            </a:pPr>
+            <a:fld id="{F57F456A-00AF-44E6-8D70-638C0D0130FF}" type="slidenum">
+              <a:rPr lang="en-US" altLang="zh-CN" smtClean="0"/>
+              <a:pPr>
+                <a:defRPr/>
+              </a:pPr>
+              <a:t>3</a:t>
+            </a:fld>
+            <a:endParaRPr lang="en-US" altLang="zh-CN"/>
+          </a:p>
+        </p:txBody>
+      </p:sp>
+      <mc:AlternateContent xmlns:mc="http://schemas.openxmlformats.org/markup-compatibility/2006" xmlns:a14="http://schemas.microsoft.com/office/drawing/2010/main">
+        <mc:Choice Requires="a14">
+          <p:graphicFrame>
+            <p:nvGraphicFramePr>
+              <p:cNvPr id="7" name="Table 7">
+                <a:extLst>
+                  <a:ext uri="{FF2B5EF4-FFF2-40B4-BE49-F238E27FC236}">
+                    <a16:creationId xmlns:a16="http://schemas.microsoft.com/office/drawing/2014/main" id="{27C8D0D8-14E5-4F3F-B1E8-DC0BC2A62E8D}"/>
+                  </a:ext>
+                </a:extLst>
+              </p:cNvPr>
+              <p:cNvGraphicFramePr>
+                <a:graphicFrameLocks noGrp="1"/>
+              </p:cNvGraphicFramePr>
+              <p:nvPr/>
+            </p:nvGraphicFramePr>
+            <p:xfrm>
+              <a:off x="3180871" y="4632960"/>
+              <a:ext cx="5875695" cy="2225040"/>
+            </p:xfrm>
+            <a:graphic>
+              <a:graphicData uri="http://schemas.openxmlformats.org/drawingml/2006/table">
+                <a:tbl>
+                  <a:tblPr firstRow="1" bandRow="1">
+                    <a:tableStyleId>{5C22544A-7EE6-4342-B048-85BDC9FD1C3A}</a:tableStyleId>
+                  </a:tblPr>
+                  <a:tblGrid>
+                    <a:gridCol w="839385">
+                      <a:extLst>
+                        <a:ext uri="{9D8B030D-6E8A-4147-A177-3AD203B41FA5}">
+                          <a16:colId xmlns:a16="http://schemas.microsoft.com/office/drawing/2014/main" val="737800809"/>
+                        </a:ext>
+                      </a:extLst>
+                    </a:gridCol>
+                    <a:gridCol w="839385">
+                      <a:extLst>
+                        <a:ext uri="{9D8B030D-6E8A-4147-A177-3AD203B41FA5}">
+                          <a16:colId xmlns:a16="http://schemas.microsoft.com/office/drawing/2014/main" val="253111052"/>
+                        </a:ext>
+                      </a:extLst>
+                    </a:gridCol>
+                    <a:gridCol w="839385">
+                      <a:extLst>
+                        <a:ext uri="{9D8B030D-6E8A-4147-A177-3AD203B41FA5}">
+                          <a16:colId xmlns:a16="http://schemas.microsoft.com/office/drawing/2014/main" val="2707824466"/>
+                        </a:ext>
+                      </a:extLst>
+                    </a:gridCol>
+                    <a:gridCol w="839385">
+                      <a:extLst>
+                        <a:ext uri="{9D8B030D-6E8A-4147-A177-3AD203B41FA5}">
+                          <a16:colId xmlns:a16="http://schemas.microsoft.com/office/drawing/2014/main" val="1950743582"/>
+                        </a:ext>
+                      </a:extLst>
+                    </a:gridCol>
+                    <a:gridCol w="839385">
+                      <a:extLst>
+                        <a:ext uri="{9D8B030D-6E8A-4147-A177-3AD203B41FA5}">
+                          <a16:colId xmlns:a16="http://schemas.microsoft.com/office/drawing/2014/main" val="4269554689"/>
+                        </a:ext>
+                      </a:extLst>
+                    </a:gridCol>
+                    <a:gridCol w="839385">
+                      <a:extLst>
+                        <a:ext uri="{9D8B030D-6E8A-4147-A177-3AD203B41FA5}">
+                          <a16:colId xmlns:a16="http://schemas.microsoft.com/office/drawing/2014/main" val="496056467"/>
+                        </a:ext>
+                      </a:extLst>
+                    </a:gridCol>
+                    <a:gridCol w="839385">
+                      <a:extLst>
+                        <a:ext uri="{9D8B030D-6E8A-4147-A177-3AD203B41FA5}">
+                          <a16:colId xmlns:a16="http://schemas.microsoft.com/office/drawing/2014/main" val="764317652"/>
+                        </a:ext>
+                      </a:extLst>
+                    </a:gridCol>
+                  </a:tblGrid>
+                  <a:tr h="370840">
+                    <a:tc>
+                      <a:txBody>
+                        <a:bodyPr/>
+                        <a:lstStyle/>
+                        <a:p>
+                          <a:endParaRPr lang="en-SE" sz="1600" dirty="0"/>
+                        </a:p>
+                      </a:txBody>
+                      <a:tcPr/>
+                    </a:tc>
+                    <a:tc>
+                      <a:txBody>
+                        <a:bodyPr/>
+                        <a:lstStyle/>
+                        <a:p>
+                          <a:pPr/>
+                          <a14:m>
+                            <m:oMathPara xmlns:m="http://schemas.openxmlformats.org/officeDocument/2006/math">
+                              <m:oMathParaPr>
+                                <m:jc m:val="centerGroup"/>
+                              </m:oMathParaPr>
+                              <m:oMath xmlns:m="http://schemas.openxmlformats.org/officeDocument/2006/math">
+                                <m:r>
+                                  <a:rPr lang="en-US" sz="1600" i="1" smtClean="0">
+                                    <a:solidFill>
+                                      <a:schemeClr val="tx1"/>
+                                    </a:solidFill>
+                                    <a:latin typeface="Cambria Math" panose="02040503050406030204" pitchFamily="18" charset="0"/>
+                                  </a:rPr>
+                                  <m:t>𝑄</m:t>
+                                </m:r>
+                                <m:d>
+                                  <m:dPr>
+                                    <m:ctrlPr>
+                                      <a:rPr lang="en-US" sz="1600" i="1">
+                                        <a:solidFill>
+                                          <a:schemeClr val="tx1"/>
+                                        </a:solidFill>
+                                        <a:latin typeface="Cambria Math" panose="02040503050406030204" pitchFamily="18" charset="0"/>
+                                      </a:rPr>
+                                    </m:ctrlPr>
+                                  </m:dPr>
+                                  <m:e>
+                                    <m:r>
+                                      <a:rPr lang="en-US" sz="1600" b="0" i="1" smtClean="0">
+                                        <a:solidFill>
+                                          <a:schemeClr val="tx1"/>
+                                        </a:solidFill>
+                                        <a:latin typeface="Cambria Math" panose="02040503050406030204" pitchFamily="18" charset="0"/>
+                                      </a:rPr>
+                                      <m:t>𝐵</m:t>
+                                    </m:r>
+                                    <m:r>
+                                      <a:rPr lang="en-US" sz="1600" i="1">
+                                        <a:solidFill>
+                                          <a:schemeClr val="tx1"/>
+                                        </a:solidFill>
+                                        <a:latin typeface="Cambria Math" panose="02040503050406030204" pitchFamily="18" charset="0"/>
+                                      </a:rPr>
+                                      <m:t>,</m:t>
+                                    </m:r>
+                                    <m:r>
+                                      <a:rPr lang="en-US" sz="1600" b="0" i="1" smtClean="0">
+                                        <a:solidFill>
+                                          <a:schemeClr val="tx1"/>
+                                        </a:solidFill>
+                                        <a:latin typeface="Cambria Math" panose="02040503050406030204" pitchFamily="18" charset="0"/>
+                                      </a:rPr>
+                                      <m:t> </m:t>
+                                    </m:r>
+                                    <m:r>
+                                      <a:rPr lang="en-US" sz="1600" b="0" i="1" smtClean="0">
+                                        <a:solidFill>
+                                          <a:schemeClr val="tx1"/>
+                                        </a:solidFill>
+                                        <a:latin typeface="Cambria Math" panose="02040503050406030204" pitchFamily="18" charset="0"/>
+                                      </a:rPr>
+                                      <m:t>𝑎</m:t>
+                                    </m:r>
+                                    <m:r>
+                                      <a:rPr lang="en-US" sz="1600" b="0" i="1" smtClean="0">
+                                        <a:solidFill>
+                                          <a:schemeClr val="tx1"/>
+                                        </a:solidFill>
+                                        <a:latin typeface="Cambria Math" panose="02040503050406030204" pitchFamily="18" charset="0"/>
+                                      </a:rPr>
+                                      <m:t>1</m:t>
+                                    </m:r>
+                                  </m:e>
+                                </m:d>
+                              </m:oMath>
+                            </m:oMathPara>
+                          </a14:m>
+                          <a:endParaRPr lang="en-SE" sz="1600" dirty="0">
+                            <a:solidFill>
+                              <a:schemeClr val="tx1"/>
+                            </a:solidFill>
+                          </a:endParaRPr>
+                        </a:p>
+                      </a:txBody>
+                      <a:tcPr/>
+                    </a:tc>
+                    <a:tc>
+                      <a:txBody>
+                        <a:bodyPr/>
+                        <a:lstStyle/>
+                        <a:p>
+                          <a:pPr marL="0" marR="0" lvl="0" indent="0" algn="l" defTabSz="914400" rtl="0" eaLnBrk="1" fontAlgn="auto" latinLnBrk="0" hangingPunct="1">
+                            <a:lnSpc>
+                              <a:spcPct val="100000"/>
+                            </a:lnSpc>
+                            <a:spcBef>
+                              <a:spcPts val="0"/>
+                            </a:spcBef>
+                            <a:spcAft>
+                              <a:spcPts val="0"/>
+                            </a:spcAft>
+                            <a:buClrTx/>
+                            <a:buSzTx/>
+                            <a:buFontTx/>
+                            <a:buNone/>
+                            <a:tabLst/>
+                            <a:defRPr/>
+                          </a:pPr>
+                          <a14:m>
+                            <m:oMathPara xmlns:m="http://schemas.openxmlformats.org/officeDocument/2006/math">
+                              <m:oMathParaPr>
+                                <m:jc m:val="centerGroup"/>
+                              </m:oMathParaPr>
+                              <m:oMath xmlns:m="http://schemas.openxmlformats.org/officeDocument/2006/math">
+                                <m:r>
+                                  <a:rPr lang="en-US" sz="1600" i="1" smtClean="0">
+                                    <a:solidFill>
+                                      <a:schemeClr val="tx1"/>
+                                    </a:solidFill>
+                                    <a:latin typeface="Cambria Math" panose="02040503050406030204" pitchFamily="18" charset="0"/>
+                                  </a:rPr>
+                                  <m:t>𝑄</m:t>
+                                </m:r>
+                                <m:d>
+                                  <m:dPr>
+                                    <m:ctrlPr>
+                                      <a:rPr lang="en-US" sz="1600" i="1">
+                                        <a:solidFill>
+                                          <a:schemeClr val="tx1"/>
+                                        </a:solidFill>
+                                        <a:latin typeface="Cambria Math" panose="02040503050406030204" pitchFamily="18" charset="0"/>
+                                      </a:rPr>
+                                    </m:ctrlPr>
+                                  </m:dPr>
+                                  <m:e>
+                                    <m:r>
+                                      <a:rPr lang="en-US" sz="1600" b="0" i="1" smtClean="0">
+                                        <a:solidFill>
+                                          <a:schemeClr val="tx1"/>
+                                        </a:solidFill>
+                                        <a:latin typeface="Cambria Math" panose="02040503050406030204" pitchFamily="18" charset="0"/>
+                                      </a:rPr>
+                                      <m:t>𝐵</m:t>
+                                    </m:r>
+                                    <m:r>
+                                      <a:rPr lang="en-US" sz="1600" i="1">
+                                        <a:solidFill>
+                                          <a:schemeClr val="tx1"/>
+                                        </a:solidFill>
+                                        <a:latin typeface="Cambria Math" panose="02040503050406030204" pitchFamily="18" charset="0"/>
+                                      </a:rPr>
+                                      <m:t>,</m:t>
+                                    </m:r>
+                                    <m:r>
+                                      <a:rPr lang="en-US" sz="1600" b="0" i="1" smtClean="0">
+                                        <a:solidFill>
+                                          <a:schemeClr val="tx1"/>
+                                        </a:solidFill>
+                                        <a:latin typeface="Cambria Math" panose="02040503050406030204" pitchFamily="18" charset="0"/>
+                                      </a:rPr>
+                                      <m:t> </m:t>
+                                    </m:r>
+                                    <m:r>
+                                      <a:rPr lang="en-US" sz="1600" b="0" i="1" smtClean="0">
+                                        <a:solidFill>
+                                          <a:schemeClr val="tx1"/>
+                                        </a:solidFill>
+                                        <a:latin typeface="Cambria Math" panose="02040503050406030204" pitchFamily="18" charset="0"/>
+                                      </a:rPr>
+                                      <m:t>𝑎</m:t>
+                                    </m:r>
+                                    <m:r>
+                                      <a:rPr lang="en-US" sz="1600" b="0" i="1" smtClean="0">
+                                        <a:solidFill>
+                                          <a:schemeClr val="tx1"/>
+                                        </a:solidFill>
+                                        <a:latin typeface="Cambria Math" panose="02040503050406030204" pitchFamily="18" charset="0"/>
+                                      </a:rPr>
+                                      <m:t>2</m:t>
+                                    </m:r>
+                                  </m:e>
+                                </m:d>
+                              </m:oMath>
+                            </m:oMathPara>
+                          </a14:m>
+                          <a:endParaRPr lang="en-SE" sz="1600" dirty="0">
+                            <a:solidFill>
+                              <a:schemeClr val="tx1"/>
+                            </a:solidFill>
+                          </a:endParaRPr>
+                        </a:p>
+                      </a:txBody>
+                      <a:tcPr/>
+                    </a:tc>
+                    <a:tc>
+                      <a:txBody>
+                        <a:bodyPr/>
+                        <a:lstStyle/>
+                        <a:p>
+                          <a:pPr marL="0" marR="0" lvl="0" indent="0" algn="l" defTabSz="914400" rtl="0" eaLnBrk="1" fontAlgn="auto" latinLnBrk="0" hangingPunct="1">
+                            <a:lnSpc>
+                              <a:spcPct val="100000"/>
+                            </a:lnSpc>
+                            <a:spcBef>
+                              <a:spcPts val="0"/>
+                            </a:spcBef>
+                            <a:spcAft>
+                              <a:spcPts val="0"/>
+                            </a:spcAft>
+                            <a:buClrTx/>
+                            <a:buSzTx/>
+                            <a:buFontTx/>
+                            <a:buNone/>
+                            <a:tabLst/>
+                            <a:defRPr/>
+                          </a:pPr>
+                          <a14:m>
+                            <m:oMathPara xmlns:m="http://schemas.openxmlformats.org/officeDocument/2006/math">
+                              <m:oMathParaPr>
+                                <m:jc m:val="centerGroup"/>
+                              </m:oMathParaPr>
+                              <m:oMath xmlns:m="http://schemas.openxmlformats.org/officeDocument/2006/math">
+                                <m:r>
+                                  <a:rPr lang="en-US" sz="1600" i="1" smtClean="0">
+                                    <a:solidFill>
+                                      <a:schemeClr val="tx1"/>
+                                    </a:solidFill>
+                                    <a:latin typeface="Cambria Math" panose="02040503050406030204" pitchFamily="18" charset="0"/>
+                                  </a:rPr>
+                                  <m:t>𝑄</m:t>
+                                </m:r>
+                                <m:d>
+                                  <m:dPr>
+                                    <m:ctrlPr>
+                                      <a:rPr lang="en-US" sz="1600" i="1">
+                                        <a:solidFill>
+                                          <a:schemeClr val="tx1"/>
+                                        </a:solidFill>
+                                        <a:latin typeface="Cambria Math" panose="02040503050406030204" pitchFamily="18" charset="0"/>
+                                      </a:rPr>
+                                    </m:ctrlPr>
+                                  </m:dPr>
+                                  <m:e>
+                                    <m:r>
+                                      <a:rPr lang="en-US" sz="1600" b="0" i="1" smtClean="0">
+                                        <a:solidFill>
+                                          <a:schemeClr val="tx1"/>
+                                        </a:solidFill>
+                                        <a:latin typeface="Cambria Math" panose="02040503050406030204" pitchFamily="18" charset="0"/>
+                                      </a:rPr>
+                                      <m:t>𝐶</m:t>
+                                    </m:r>
+                                    <m:r>
+                                      <a:rPr lang="en-US" sz="1600" i="1" smtClean="0">
+                                        <a:solidFill>
+                                          <a:schemeClr val="tx1"/>
+                                        </a:solidFill>
+                                        <a:latin typeface="Cambria Math" panose="02040503050406030204" pitchFamily="18" charset="0"/>
+                                      </a:rPr>
+                                      <m:t>,</m:t>
+                                    </m:r>
+                                    <m:r>
+                                      <a:rPr lang="en-US" sz="1600" b="0" i="1" smtClean="0">
+                                        <a:solidFill>
+                                          <a:schemeClr val="tx1"/>
+                                        </a:solidFill>
+                                        <a:latin typeface="Cambria Math" panose="02040503050406030204" pitchFamily="18" charset="0"/>
+                                      </a:rPr>
+                                      <m:t> </m:t>
+                                    </m:r>
+                                    <m:r>
+                                      <a:rPr lang="en-US" sz="1600" b="0" i="1" smtClean="0">
+                                        <a:solidFill>
+                                          <a:schemeClr val="tx1"/>
+                                        </a:solidFill>
+                                        <a:latin typeface="Cambria Math" panose="02040503050406030204" pitchFamily="18" charset="0"/>
+                                      </a:rPr>
+                                      <m:t>𝑎</m:t>
+                                    </m:r>
+                                    <m:r>
+                                      <a:rPr lang="en-US" sz="1600" b="0" i="1" smtClean="0">
+                                        <a:solidFill>
+                                          <a:schemeClr val="tx1"/>
+                                        </a:solidFill>
+                                        <a:latin typeface="Cambria Math" panose="02040503050406030204" pitchFamily="18" charset="0"/>
+                                      </a:rPr>
+                                      <m:t>1</m:t>
+                                    </m:r>
+                                  </m:e>
+                                </m:d>
+                              </m:oMath>
+                            </m:oMathPara>
+                          </a14:m>
+                          <a:endParaRPr lang="en-SE" sz="1600" dirty="0">
+                            <a:solidFill>
+                              <a:schemeClr val="tx1"/>
+                            </a:solidFill>
+                          </a:endParaRPr>
+                        </a:p>
+                      </a:txBody>
+                      <a:tcPr/>
+                    </a:tc>
+                    <a:tc>
+                      <a:txBody>
+                        <a:bodyPr/>
+                        <a:lstStyle/>
+                        <a:p>
+                          <a:pPr marL="0" marR="0" lvl="0" indent="0" algn="l" defTabSz="914400" rtl="0" eaLnBrk="1" fontAlgn="auto" latinLnBrk="0" hangingPunct="1">
+                            <a:lnSpc>
+                              <a:spcPct val="100000"/>
+                            </a:lnSpc>
+                            <a:spcBef>
+                              <a:spcPts val="0"/>
+                            </a:spcBef>
+                            <a:spcAft>
+                              <a:spcPts val="0"/>
+                            </a:spcAft>
+                            <a:buClrTx/>
+                            <a:buSzTx/>
+                            <a:buFontTx/>
+                            <a:buNone/>
+                            <a:tabLst/>
+                            <a:defRPr/>
+                          </a:pPr>
+                          <a14:m>
+                            <m:oMathPara xmlns:m="http://schemas.openxmlformats.org/officeDocument/2006/math">
+                              <m:oMathParaPr>
+                                <m:jc m:val="centerGroup"/>
+                              </m:oMathParaPr>
+                              <m:oMath xmlns:m="http://schemas.openxmlformats.org/officeDocument/2006/math">
+                                <m:r>
+                                  <a:rPr lang="en-US" sz="1600" i="1" smtClean="0">
+                                    <a:solidFill>
+                                      <a:schemeClr val="tx1"/>
+                                    </a:solidFill>
+                                    <a:latin typeface="Cambria Math" panose="02040503050406030204" pitchFamily="18" charset="0"/>
+                                  </a:rPr>
+                                  <m:t>𝑄</m:t>
+                                </m:r>
+                                <m:d>
+                                  <m:dPr>
+                                    <m:ctrlPr>
+                                      <a:rPr lang="en-US" sz="1600" i="1">
+                                        <a:solidFill>
+                                          <a:schemeClr val="tx1"/>
+                                        </a:solidFill>
+                                        <a:latin typeface="Cambria Math" panose="02040503050406030204" pitchFamily="18" charset="0"/>
+                                      </a:rPr>
+                                    </m:ctrlPr>
+                                  </m:dPr>
+                                  <m:e>
+                                    <m:r>
+                                      <a:rPr lang="en-US" sz="1600" b="0" i="1" smtClean="0">
+                                        <a:solidFill>
+                                          <a:schemeClr val="tx1"/>
+                                        </a:solidFill>
+                                        <a:latin typeface="Cambria Math" panose="02040503050406030204" pitchFamily="18" charset="0"/>
+                                      </a:rPr>
+                                      <m:t>𝐶</m:t>
+                                    </m:r>
+                                    <m:r>
+                                      <a:rPr lang="en-US" sz="1600" i="1">
+                                        <a:solidFill>
+                                          <a:schemeClr val="tx1"/>
+                                        </a:solidFill>
+                                        <a:latin typeface="Cambria Math" panose="02040503050406030204" pitchFamily="18" charset="0"/>
+                                      </a:rPr>
+                                      <m:t>,</m:t>
+                                    </m:r>
+                                    <m:r>
+                                      <a:rPr lang="en-US" sz="1600" b="0" i="1" smtClean="0">
+                                        <a:solidFill>
+                                          <a:schemeClr val="tx1"/>
+                                        </a:solidFill>
+                                        <a:latin typeface="Cambria Math" panose="02040503050406030204" pitchFamily="18" charset="0"/>
+                                      </a:rPr>
+                                      <m:t> </m:t>
+                                    </m:r>
+                                    <m:r>
+                                      <a:rPr lang="en-US" sz="1600" b="0" i="1" smtClean="0">
+                                        <a:solidFill>
+                                          <a:schemeClr val="tx1"/>
+                                        </a:solidFill>
+                                        <a:latin typeface="Cambria Math" panose="02040503050406030204" pitchFamily="18" charset="0"/>
+                                      </a:rPr>
+                                      <m:t>𝑎</m:t>
+                                    </m:r>
+                                    <m:r>
+                                      <a:rPr lang="en-US" sz="1600" b="0" i="1" smtClean="0">
+                                        <a:solidFill>
+                                          <a:schemeClr val="tx1"/>
+                                        </a:solidFill>
+                                        <a:latin typeface="Cambria Math" panose="02040503050406030204" pitchFamily="18" charset="0"/>
+                                      </a:rPr>
+                                      <m:t>2</m:t>
+                                    </m:r>
+                                  </m:e>
+                                </m:d>
+                              </m:oMath>
+                            </m:oMathPara>
+                          </a14:m>
+                          <a:endParaRPr lang="en-SE" sz="1600" dirty="0">
+                            <a:solidFill>
+                              <a:schemeClr val="tx1"/>
+                            </a:solidFill>
+                          </a:endParaRPr>
+                        </a:p>
+                      </a:txBody>
+                      <a:tcPr/>
+                    </a:tc>
+                    <a:tc>
+                      <a:txBody>
+                        <a:bodyPr/>
+                        <a:lstStyle/>
+                        <a:p>
+                          <a:pPr marL="0" marR="0" lvl="0" indent="0" algn="l" defTabSz="914400" rtl="0" eaLnBrk="1" fontAlgn="auto" latinLnBrk="0" hangingPunct="1">
+                            <a:lnSpc>
+                              <a:spcPct val="100000"/>
+                            </a:lnSpc>
+                            <a:spcBef>
+                              <a:spcPts val="0"/>
+                            </a:spcBef>
+                            <a:spcAft>
+                              <a:spcPts val="0"/>
+                            </a:spcAft>
+                            <a:buClrTx/>
+                            <a:buSzTx/>
+                            <a:buFontTx/>
+                            <a:buNone/>
+                            <a:tabLst/>
+                            <a:defRPr/>
+                          </a:pPr>
+                          <a14:m>
+                            <m:oMathPara xmlns:m="http://schemas.openxmlformats.org/officeDocument/2006/math">
+                              <m:oMathParaPr>
+                                <m:jc m:val="centerGroup"/>
+                              </m:oMathParaPr>
+                              <m:oMath xmlns:m="http://schemas.openxmlformats.org/officeDocument/2006/math">
+                                <m:r>
+                                  <a:rPr lang="en-US" sz="1600" i="1" smtClean="0">
+                                    <a:solidFill>
+                                      <a:schemeClr val="tx1"/>
+                                    </a:solidFill>
+                                    <a:latin typeface="Cambria Math" panose="02040503050406030204" pitchFamily="18" charset="0"/>
+                                  </a:rPr>
+                                  <m:t>𝑄</m:t>
+                                </m:r>
+                                <m:d>
+                                  <m:dPr>
+                                    <m:ctrlPr>
+                                      <a:rPr lang="en-US" sz="1600" i="1">
+                                        <a:solidFill>
+                                          <a:schemeClr val="tx1"/>
+                                        </a:solidFill>
+                                        <a:latin typeface="Cambria Math" panose="02040503050406030204" pitchFamily="18" charset="0"/>
+                                      </a:rPr>
+                                    </m:ctrlPr>
+                                  </m:dPr>
+                                  <m:e>
+                                    <m:r>
+                                      <a:rPr lang="en-US" sz="1600" b="0" i="1" smtClean="0">
+                                        <a:solidFill>
+                                          <a:schemeClr val="tx1"/>
+                                        </a:solidFill>
+                                        <a:latin typeface="Cambria Math" panose="02040503050406030204" pitchFamily="18" charset="0"/>
+                                      </a:rPr>
+                                      <m:t>𝐷</m:t>
+                                    </m:r>
+                                    <m:r>
+                                      <a:rPr lang="en-US" sz="1600" i="1" smtClean="0">
+                                        <a:solidFill>
+                                          <a:schemeClr val="tx1"/>
+                                        </a:solidFill>
+                                        <a:latin typeface="Cambria Math" panose="02040503050406030204" pitchFamily="18" charset="0"/>
+                                      </a:rPr>
+                                      <m:t>,</m:t>
+                                    </m:r>
+                                    <m:r>
+                                      <a:rPr lang="en-US" sz="1600" b="0" i="1" smtClean="0">
+                                        <a:solidFill>
+                                          <a:schemeClr val="tx1"/>
+                                        </a:solidFill>
+                                        <a:latin typeface="Cambria Math" panose="02040503050406030204" pitchFamily="18" charset="0"/>
+                                      </a:rPr>
+                                      <m:t> </m:t>
+                                    </m:r>
+                                    <m:r>
+                                      <a:rPr lang="en-US" sz="1600" b="0" i="1" smtClean="0">
+                                        <a:solidFill>
+                                          <a:schemeClr val="tx1"/>
+                                        </a:solidFill>
+                                        <a:latin typeface="Cambria Math" panose="02040503050406030204" pitchFamily="18" charset="0"/>
+                                      </a:rPr>
+                                      <m:t>𝑎</m:t>
+                                    </m:r>
+                                    <m:r>
+                                      <a:rPr lang="en-US" sz="1600" b="0" i="1" smtClean="0">
+                                        <a:solidFill>
+                                          <a:schemeClr val="tx1"/>
+                                        </a:solidFill>
+                                        <a:latin typeface="Cambria Math" panose="02040503050406030204" pitchFamily="18" charset="0"/>
+                                      </a:rPr>
+                                      <m:t>1</m:t>
+                                    </m:r>
+                                  </m:e>
+                                </m:d>
+                              </m:oMath>
+                            </m:oMathPara>
+                          </a14:m>
+                          <a:endParaRPr lang="en-SE" sz="1600" dirty="0">
+                            <a:solidFill>
+                              <a:schemeClr val="tx1"/>
+                            </a:solidFill>
+                          </a:endParaRPr>
+                        </a:p>
+                      </a:txBody>
+                      <a:tcPr/>
+                    </a:tc>
+                    <a:tc>
+                      <a:txBody>
+                        <a:bodyPr/>
+                        <a:lstStyle/>
+                        <a:p>
+                          <a:pPr marL="0" marR="0" lvl="0" indent="0" algn="l" defTabSz="914400" rtl="0" eaLnBrk="1" fontAlgn="auto" latinLnBrk="0" hangingPunct="1">
+                            <a:lnSpc>
+                              <a:spcPct val="100000"/>
+                            </a:lnSpc>
+                            <a:spcBef>
+                              <a:spcPts val="0"/>
+                            </a:spcBef>
+                            <a:spcAft>
+                              <a:spcPts val="0"/>
+                            </a:spcAft>
+                            <a:buClrTx/>
+                            <a:buSzTx/>
+                            <a:buFontTx/>
+                            <a:buNone/>
+                            <a:tabLst/>
+                            <a:defRPr/>
+                          </a:pPr>
+                          <a14:m>
+                            <m:oMathPara xmlns:m="http://schemas.openxmlformats.org/officeDocument/2006/math">
+                              <m:oMathParaPr>
+                                <m:jc m:val="centerGroup"/>
+                              </m:oMathParaPr>
+                              <m:oMath xmlns:m="http://schemas.openxmlformats.org/officeDocument/2006/math">
+                                <m:r>
+                                  <a:rPr lang="en-US" sz="1600" i="1" smtClean="0">
+                                    <a:solidFill>
+                                      <a:schemeClr val="tx1"/>
+                                    </a:solidFill>
+                                    <a:latin typeface="Cambria Math" panose="02040503050406030204" pitchFamily="18" charset="0"/>
+                                  </a:rPr>
+                                  <m:t>𝑄</m:t>
+                                </m:r>
+                                <m:d>
+                                  <m:dPr>
+                                    <m:ctrlPr>
+                                      <a:rPr lang="en-US" sz="1600" i="1">
+                                        <a:solidFill>
+                                          <a:schemeClr val="tx1"/>
+                                        </a:solidFill>
+                                        <a:latin typeface="Cambria Math" panose="02040503050406030204" pitchFamily="18" charset="0"/>
+                                      </a:rPr>
+                                    </m:ctrlPr>
+                                  </m:dPr>
+                                  <m:e>
+                                    <m:r>
+                                      <a:rPr lang="en-US" sz="1600" b="0" i="1" smtClean="0">
+                                        <a:solidFill>
+                                          <a:schemeClr val="tx1"/>
+                                        </a:solidFill>
+                                        <a:latin typeface="Cambria Math" panose="02040503050406030204" pitchFamily="18" charset="0"/>
+                                      </a:rPr>
+                                      <m:t>𝐷</m:t>
+                                    </m:r>
+                                    <m:r>
+                                      <a:rPr lang="en-US" sz="1600" i="1">
+                                        <a:solidFill>
+                                          <a:schemeClr val="tx1"/>
+                                        </a:solidFill>
+                                        <a:latin typeface="Cambria Math" panose="02040503050406030204" pitchFamily="18" charset="0"/>
+                                      </a:rPr>
+                                      <m:t>,</m:t>
+                                    </m:r>
+                                    <m:r>
+                                      <a:rPr lang="en-US" sz="1600" b="0" i="1" smtClean="0">
+                                        <a:solidFill>
+                                          <a:schemeClr val="tx1"/>
+                                        </a:solidFill>
+                                        <a:latin typeface="Cambria Math" panose="02040503050406030204" pitchFamily="18" charset="0"/>
+                                      </a:rPr>
+                                      <m:t> </m:t>
+                                    </m:r>
+                                    <m:r>
+                                      <a:rPr lang="en-US" sz="1600" b="0" i="1" smtClean="0">
+                                        <a:solidFill>
+                                          <a:schemeClr val="tx1"/>
+                                        </a:solidFill>
+                                        <a:latin typeface="Cambria Math" panose="02040503050406030204" pitchFamily="18" charset="0"/>
+                                      </a:rPr>
+                                      <m:t>𝑎</m:t>
+                                    </m:r>
+                                    <m:r>
+                                      <a:rPr lang="en-US" sz="1600" b="0" i="1" smtClean="0">
+                                        <a:solidFill>
+                                          <a:schemeClr val="tx1"/>
+                                        </a:solidFill>
+                                        <a:latin typeface="Cambria Math" panose="02040503050406030204" pitchFamily="18" charset="0"/>
+                                      </a:rPr>
+                                      <m:t>2</m:t>
+                                    </m:r>
+                                  </m:e>
+                                </m:d>
+                              </m:oMath>
+                            </m:oMathPara>
+                          </a14:m>
+                          <a:endParaRPr lang="en-SE" sz="1600" dirty="0">
+                            <a:solidFill>
+                              <a:schemeClr val="tx1"/>
+                            </a:solidFill>
+                          </a:endParaRPr>
+                        </a:p>
+                      </a:txBody>
+                      <a:tcPr/>
+                    </a:tc>
+                    <a:extLst>
+                      <a:ext uri="{0D108BD9-81ED-4DB2-BD59-A6C34878D82A}">
+                        <a16:rowId xmlns:a16="http://schemas.microsoft.com/office/drawing/2014/main" val="944821834"/>
+                      </a:ext>
+                    </a:extLst>
+                  </a:tr>
+                  <a:tr h="370840">
+                    <a:tc>
+                      <a:txBody>
+                        <a:bodyPr/>
+                        <a:lstStyle/>
+                        <a:p>
+                          <a:pPr algn="ctr"/>
+                          <a:r>
+                            <a:rPr lang="en-US" dirty="0"/>
+                            <a:t>Init</a:t>
+                          </a:r>
+                          <a:endParaRPr lang="en-SE" dirty="0"/>
+                        </a:p>
+                      </a:txBody>
+                      <a:tcPr/>
+                    </a:tc>
+                    <a:tc>
+                      <a:txBody>
+                        <a:bodyPr/>
+                        <a:lstStyle/>
+                        <a:p>
+                          <a:pPr/>
+                          <a14:m>
+                            <m:oMathPara xmlns:m="http://schemas.openxmlformats.org/officeDocument/2006/math">
+                              <m:oMathParaPr>
+                                <m:jc m:val="centerGroup"/>
+                              </m:oMathParaPr>
+                              <m:oMath xmlns:m="http://schemas.openxmlformats.org/officeDocument/2006/math">
+                                <m:r>
+                                  <a:rPr lang="en-US" i="1" dirty="0" smtClean="0">
+                                    <a:solidFill>
+                                      <a:schemeClr val="tx1"/>
+                                    </a:solidFill>
+                                    <a:latin typeface="Cambria Math" panose="02040503050406030204" pitchFamily="18" charset="0"/>
+                                  </a:rPr>
+                                  <m:t>0</m:t>
+                                </m:r>
+                              </m:oMath>
+                            </m:oMathPara>
+                          </a14:m>
+                          <a:endParaRPr lang="en-SE" dirty="0">
+                            <a:solidFill>
+                              <a:schemeClr val="tx1"/>
+                            </a:solidFill>
+                          </a:endParaRPr>
+                        </a:p>
+                      </a:txBody>
+                      <a:tcPr/>
+                    </a:tc>
+                    <a:tc>
+                      <a:txBody>
+                        <a:bodyPr/>
+                        <a:lstStyle/>
+                        <a:p>
+                          <a:pPr marL="0" marR="0" lvl="0" indent="0" algn="l" defTabSz="914400" rtl="0" eaLnBrk="1" fontAlgn="auto" latinLnBrk="0" hangingPunct="1">
+                            <a:lnSpc>
+                              <a:spcPct val="100000"/>
+                            </a:lnSpc>
+                            <a:spcBef>
+                              <a:spcPts val="0"/>
+                            </a:spcBef>
+                            <a:spcAft>
+                              <a:spcPts val="0"/>
+                            </a:spcAft>
+                            <a:buClrTx/>
+                            <a:buSzTx/>
+                            <a:buFontTx/>
+                            <a:buNone/>
+                            <a:tabLst/>
+                            <a:defRPr/>
+                          </a:pPr>
+                          <a14:m>
+                            <m:oMathPara xmlns:m="http://schemas.openxmlformats.org/officeDocument/2006/math">
+                              <m:oMathParaPr>
+                                <m:jc m:val="centerGroup"/>
+                              </m:oMathParaPr>
+                              <m:oMath xmlns:m="http://schemas.openxmlformats.org/officeDocument/2006/math">
+                                <m:r>
+                                  <a:rPr lang="en-US" b="0" i="1" smtClean="0">
+                                    <a:solidFill>
+                                      <a:schemeClr val="tx1"/>
+                                    </a:solidFill>
+                                    <a:latin typeface="Cambria Math" panose="02040503050406030204" pitchFamily="18" charset="0"/>
+                                  </a:rPr>
+                                  <m:t>0</m:t>
+                                </m:r>
+                              </m:oMath>
+                            </m:oMathPara>
+                          </a14:m>
+                          <a:endParaRPr lang="en-US" dirty="0">
+                            <a:solidFill>
+                              <a:schemeClr val="tx1"/>
+                            </a:solidFill>
+                          </a:endParaRPr>
+                        </a:p>
+                      </a:txBody>
+                      <a:tcPr/>
+                    </a:tc>
+                    <a:tc>
+                      <a:txBody>
+                        <a:bodyPr/>
+                        <a:lstStyle/>
+                        <a:p>
+                          <a:pPr/>
+                          <a14:m>
+                            <m:oMathPara xmlns:m="http://schemas.openxmlformats.org/officeDocument/2006/math">
+                              <m:oMathParaPr>
+                                <m:jc m:val="centerGroup"/>
+                              </m:oMathParaPr>
+                              <m:oMath xmlns:m="http://schemas.openxmlformats.org/officeDocument/2006/math">
+                                <m:r>
+                                  <a:rPr lang="en-US" b="0" i="1" dirty="0" smtClean="0">
+                                    <a:solidFill>
+                                      <a:schemeClr val="tx1"/>
+                                    </a:solidFill>
+                                    <a:latin typeface="Cambria Math" panose="02040503050406030204" pitchFamily="18" charset="0"/>
+                                  </a:rPr>
+                                  <m:t>0</m:t>
+                                </m:r>
+                              </m:oMath>
+                            </m:oMathPara>
+                          </a14:m>
+                          <a:endParaRPr lang="en-SE" dirty="0">
+                            <a:solidFill>
+                              <a:schemeClr val="tx1"/>
+                            </a:solidFill>
+                          </a:endParaRPr>
+                        </a:p>
+                      </a:txBody>
+                      <a:tcPr/>
+                    </a:tc>
+                    <a:tc>
+                      <a:txBody>
+                        <a:bodyPr/>
+                        <a:lstStyle/>
+                        <a:p>
+                          <a:pPr/>
+                          <a14:m>
+                            <m:oMathPara xmlns:m="http://schemas.openxmlformats.org/officeDocument/2006/math">
+                              <m:oMathParaPr>
+                                <m:jc m:val="centerGroup"/>
+                              </m:oMathParaPr>
+                              <m:oMath xmlns:m="http://schemas.openxmlformats.org/officeDocument/2006/math">
+                                <m:r>
+                                  <a:rPr lang="en-US" b="0" i="1" dirty="0" smtClean="0">
+                                    <a:solidFill>
+                                      <a:schemeClr val="tx1"/>
+                                    </a:solidFill>
+                                    <a:latin typeface="Cambria Math" panose="02040503050406030204" pitchFamily="18" charset="0"/>
+                                  </a:rPr>
+                                  <m:t>0</m:t>
+                                </m:r>
+                              </m:oMath>
+                            </m:oMathPara>
+                          </a14:m>
+                          <a:endParaRPr lang="en-SE" dirty="0">
+                            <a:solidFill>
+                              <a:schemeClr val="tx1"/>
+                            </a:solidFill>
+                          </a:endParaRPr>
+                        </a:p>
+                      </a:txBody>
+                      <a:tcPr/>
+                    </a:tc>
+                    <a:tc>
+                      <a:txBody>
+                        <a:bodyPr/>
+                        <a:lstStyle/>
+                        <a:p>
+                          <a:pPr/>
+                          <a14:m>
+                            <m:oMathPara xmlns:m="http://schemas.openxmlformats.org/officeDocument/2006/math">
+                              <m:oMathParaPr>
+                                <m:jc m:val="centerGroup"/>
+                              </m:oMathParaPr>
+                              <m:oMath xmlns:m="http://schemas.openxmlformats.org/officeDocument/2006/math">
+                                <m:r>
+                                  <a:rPr lang="en-US" b="0" i="1" dirty="0" smtClean="0">
+                                    <a:solidFill>
+                                      <a:schemeClr val="tx1"/>
+                                    </a:solidFill>
+                                    <a:latin typeface="Cambria Math" panose="02040503050406030204" pitchFamily="18" charset="0"/>
+                                  </a:rPr>
+                                  <m:t>0</m:t>
+                                </m:r>
+                              </m:oMath>
+                            </m:oMathPara>
+                          </a14:m>
+                          <a:endParaRPr lang="en-SE" dirty="0">
+                            <a:solidFill>
+                              <a:schemeClr val="tx1"/>
+                            </a:solidFill>
+                          </a:endParaRPr>
+                        </a:p>
+                      </a:txBody>
+                      <a:tcPr/>
+                    </a:tc>
+                    <a:tc>
+                      <a:txBody>
+                        <a:bodyPr/>
+                        <a:lstStyle/>
+                        <a:p>
+                          <a:pPr/>
+                          <a14:m>
+                            <m:oMathPara xmlns:m="http://schemas.openxmlformats.org/officeDocument/2006/math">
+                              <m:oMathParaPr>
+                                <m:jc m:val="centerGroup"/>
+                              </m:oMathParaPr>
+                              <m:oMath xmlns:m="http://schemas.openxmlformats.org/officeDocument/2006/math">
+                                <m:r>
+                                  <a:rPr lang="en-US" b="0" i="1" dirty="0" smtClean="0">
+                                    <a:solidFill>
+                                      <a:schemeClr val="tx1"/>
+                                    </a:solidFill>
+                                    <a:latin typeface="Cambria Math" panose="02040503050406030204" pitchFamily="18" charset="0"/>
+                                  </a:rPr>
+                                  <m:t>0</m:t>
+                                </m:r>
+                              </m:oMath>
+                            </m:oMathPara>
+                          </a14:m>
+                          <a:endParaRPr lang="en-SE" dirty="0">
+                            <a:solidFill>
+                              <a:schemeClr val="tx1"/>
+                            </a:solidFill>
+                          </a:endParaRPr>
+                        </a:p>
+                      </a:txBody>
+                      <a:tcPr/>
+                    </a:tc>
+                    <a:extLst>
+                      <a:ext uri="{0D108BD9-81ED-4DB2-BD59-A6C34878D82A}">
+                        <a16:rowId xmlns:a16="http://schemas.microsoft.com/office/drawing/2014/main" val="1107430533"/>
+                      </a:ext>
+                    </a:extLst>
+                  </a:tr>
+                  <a:tr h="370840">
+                    <a:tc>
+                      <a:txBody>
+                        <a:bodyPr/>
+                        <a:lstStyle/>
+                        <a:p>
+                          <a:pPr algn="ctr"/>
+                          <a:r>
+                            <a:rPr lang="en-US" dirty="0"/>
+                            <a:t>EP1</a:t>
+                          </a:r>
+                          <a:endParaRPr lang="en-SE" dirty="0"/>
+                        </a:p>
+                      </a:txBody>
+                      <a:tcPr/>
+                    </a:tc>
+                    <a:tc>
+                      <a:txBody>
+                        <a:bodyPr/>
+                        <a:lstStyle/>
+                        <a:p>
+                          <a:pPr/>
+                          <a14:m>
+                            <m:oMathPara xmlns:m="http://schemas.openxmlformats.org/officeDocument/2006/math">
+                              <m:oMathParaPr>
+                                <m:jc m:val="centerGroup"/>
+                              </m:oMathParaPr>
+                              <m:oMath xmlns:m="http://schemas.openxmlformats.org/officeDocument/2006/math">
+                                <m:r>
+                                  <a:rPr lang="en-US" i="1" dirty="0" smtClean="0">
+                                    <a:solidFill>
+                                      <a:schemeClr val="tx1"/>
+                                    </a:solidFill>
+                                    <a:latin typeface="Cambria Math" panose="02040503050406030204" pitchFamily="18" charset="0"/>
+                                  </a:rPr>
+                                  <m:t>0</m:t>
+                                </m:r>
+                              </m:oMath>
+                            </m:oMathPara>
+                          </a14:m>
+                          <a:endParaRPr lang="en-SE" dirty="0">
+                            <a:solidFill>
+                              <a:schemeClr val="tx1"/>
+                            </a:solidFill>
+                          </a:endParaRPr>
+                        </a:p>
+                      </a:txBody>
+                      <a:tcPr/>
+                    </a:tc>
+                    <a:tc>
+                      <a:txBody>
+                        <a:bodyPr/>
+                        <a:lstStyle/>
+                        <a:p>
+                          <a:pPr marL="0" marR="0" lvl="0" indent="0" algn="l" defTabSz="914400" rtl="0" eaLnBrk="1" fontAlgn="auto" latinLnBrk="0" hangingPunct="1">
+                            <a:lnSpc>
+                              <a:spcPct val="100000"/>
+                            </a:lnSpc>
+                            <a:spcBef>
+                              <a:spcPts val="0"/>
+                            </a:spcBef>
+                            <a:spcAft>
+                              <a:spcPts val="0"/>
+                            </a:spcAft>
+                            <a:buClrTx/>
+                            <a:buSzTx/>
+                            <a:buFontTx/>
+                            <a:buNone/>
+                            <a:tabLst/>
+                            <a:defRPr/>
+                          </a:pPr>
+                          <a14:m>
+                            <m:oMathPara xmlns:m="http://schemas.openxmlformats.org/officeDocument/2006/math">
+                              <m:oMathParaPr>
+                                <m:jc m:val="centerGroup"/>
+                              </m:oMathParaPr>
+                              <m:oMath xmlns:m="http://schemas.openxmlformats.org/officeDocument/2006/math">
+                                <m:r>
+                                  <a:rPr lang="en-US" b="0" i="1" smtClean="0">
+                                    <a:solidFill>
+                                      <a:schemeClr val="tx1"/>
+                                    </a:solidFill>
+                                    <a:latin typeface="Cambria Math" panose="02040503050406030204" pitchFamily="18" charset="0"/>
+                                  </a:rPr>
+                                  <m:t>0</m:t>
+                                </m:r>
+                              </m:oMath>
+                            </m:oMathPara>
+                          </a14:m>
+                          <a:endParaRPr lang="en-US" dirty="0">
+                            <a:solidFill>
+                              <a:schemeClr val="tx1"/>
+                            </a:solidFill>
+                          </a:endParaRPr>
+                        </a:p>
+                      </a:txBody>
+                      <a:tcPr/>
+                    </a:tc>
+                    <a:tc>
+                      <a:txBody>
+                        <a:bodyPr/>
+                        <a:lstStyle/>
+                        <a:p>
+                          <a:pPr/>
+                          <a14:m>
+                            <m:oMathPara xmlns:m="http://schemas.openxmlformats.org/officeDocument/2006/math">
+                              <m:oMathParaPr>
+                                <m:jc m:val="centerGroup"/>
+                              </m:oMathParaPr>
+                              <m:oMath xmlns:m="http://schemas.openxmlformats.org/officeDocument/2006/math">
+                                <m:r>
+                                  <a:rPr lang="en-US" b="0" i="1" smtClean="0">
+                                    <a:solidFill>
+                                      <a:schemeClr val="tx1"/>
+                                    </a:solidFill>
+                                    <a:latin typeface="Cambria Math" panose="02040503050406030204" pitchFamily="18" charset="0"/>
+                                  </a:rPr>
+                                  <m:t>0</m:t>
+                                </m:r>
+                              </m:oMath>
+                            </m:oMathPara>
+                          </a14:m>
+                          <a:endParaRPr lang="en-SE" dirty="0">
+                            <a:solidFill>
+                              <a:schemeClr val="tx1"/>
+                            </a:solidFill>
+                          </a:endParaRPr>
+                        </a:p>
+                      </a:txBody>
+                      <a:tcPr/>
+                    </a:tc>
+                    <a:tc>
+                      <a:txBody>
+                        <a:bodyPr/>
+                        <a:lstStyle/>
+                        <a:p>
+                          <a:pPr/>
+                          <a14:m>
+                            <m:oMathPara xmlns:m="http://schemas.openxmlformats.org/officeDocument/2006/math">
+                              <m:oMathParaPr>
+                                <m:jc m:val="centerGroup"/>
+                              </m:oMathParaPr>
+                              <m:oMath xmlns:m="http://schemas.openxmlformats.org/officeDocument/2006/math">
+                                <m:r>
+                                  <a:rPr lang="en-US" b="0" i="1" dirty="0" smtClean="0">
+                                    <a:solidFill>
+                                      <a:schemeClr val="tx1"/>
+                                    </a:solidFill>
+                                    <a:latin typeface="Cambria Math" panose="02040503050406030204" pitchFamily="18" charset="0"/>
+                                  </a:rPr>
+                                  <m:t>0</m:t>
+                                </m:r>
+                              </m:oMath>
+                            </m:oMathPara>
+                          </a14:m>
+                          <a:endParaRPr lang="en-SE" dirty="0">
+                            <a:solidFill>
+                              <a:schemeClr val="tx1"/>
+                            </a:solidFill>
+                          </a:endParaRPr>
+                        </a:p>
+                      </a:txBody>
+                      <a:tcPr/>
+                    </a:tc>
+                    <a:tc>
+                      <a:txBody>
+                        <a:bodyPr/>
+                        <a:lstStyle/>
+                        <a:p>
+                          <a14:m>
+                            <m:oMath xmlns:m="http://schemas.openxmlformats.org/officeDocument/2006/math">
+                              <m:r>
+                                <a:rPr lang="en-US" b="0" i="1" dirty="0" smtClean="0">
+                                  <a:solidFill>
+                                    <a:schemeClr val="tx1"/>
+                                  </a:solidFill>
+                                  <a:latin typeface="Cambria Math" panose="02040503050406030204" pitchFamily="18" charset="0"/>
+                                </a:rPr>
+                                <m:t>−10</m:t>
+                              </m:r>
+                            </m:oMath>
+                          </a14:m>
+                          <a:r>
+                            <a:rPr lang="en-US" dirty="0">
+                              <a:solidFill>
+                                <a:schemeClr val="tx1"/>
+                              </a:solidFill>
+                            </a:rPr>
+                            <a:t>0</a:t>
+                          </a:r>
+                          <a:endParaRPr lang="en-SE" dirty="0">
+                            <a:solidFill>
+                              <a:schemeClr val="tx1"/>
+                            </a:solidFill>
+                          </a:endParaRPr>
+                        </a:p>
+                      </a:txBody>
+                      <a:tcPr/>
+                    </a:tc>
+                    <a:tc>
+                      <a:txBody>
+                        <a:bodyPr/>
+                        <a:lstStyle/>
+                        <a:p>
+                          <a:pPr/>
+                          <a14:m>
+                            <m:oMathPara xmlns:m="http://schemas.openxmlformats.org/officeDocument/2006/math">
+                              <m:oMathParaPr>
+                                <m:jc m:val="centerGroup"/>
+                              </m:oMathParaPr>
+                              <m:oMath xmlns:m="http://schemas.openxmlformats.org/officeDocument/2006/math">
+                                <m:r>
+                                  <a:rPr lang="en-US" b="0" i="1" dirty="0" smtClean="0">
+                                    <a:solidFill>
+                                      <a:schemeClr val="tx1"/>
+                                    </a:solidFill>
+                                    <a:latin typeface="Cambria Math" panose="02040503050406030204" pitchFamily="18" charset="0"/>
+                                  </a:rPr>
+                                  <m:t>0</m:t>
+                                </m:r>
+                              </m:oMath>
+                            </m:oMathPara>
+                          </a14:m>
+                          <a:endParaRPr lang="en-SE" dirty="0">
+                            <a:solidFill>
+                              <a:schemeClr val="tx1"/>
+                            </a:solidFill>
+                          </a:endParaRPr>
+                        </a:p>
+                      </a:txBody>
+                      <a:tcPr/>
+                    </a:tc>
+                    <a:extLst>
+                      <a:ext uri="{0D108BD9-81ED-4DB2-BD59-A6C34878D82A}">
+                        <a16:rowId xmlns:a16="http://schemas.microsoft.com/office/drawing/2014/main" val="784496005"/>
+                      </a:ext>
+                    </a:extLst>
+                  </a:tr>
+                  <a:tr h="370840">
+                    <a:tc>
+                      <a:txBody>
+                        <a:bodyPr/>
+                        <a:lstStyle/>
+                        <a:p>
+                          <a:pPr algn="ctr"/>
+                          <a:r>
+                            <a:rPr lang="en-US" dirty="0"/>
+                            <a:t>EP2</a:t>
+                          </a:r>
+                          <a:endParaRPr lang="en-SE" dirty="0"/>
+                        </a:p>
+                      </a:txBody>
+                      <a:tcPr/>
+                    </a:tc>
+                    <a:tc>
+                      <a:txBody>
+                        <a:bodyPr/>
+                        <a:lstStyle/>
+                        <a:p>
+                          <a:pPr/>
+                          <a14:m>
+                            <m:oMathPara xmlns:m="http://schemas.openxmlformats.org/officeDocument/2006/math">
+                              <m:oMathParaPr>
+                                <m:jc m:val="centerGroup"/>
+                              </m:oMathParaPr>
+                              <m:oMath xmlns:m="http://schemas.openxmlformats.org/officeDocument/2006/math">
+                                <m:r>
+                                  <a:rPr lang="en-US" b="0" i="1" dirty="0" smtClean="0">
+                                    <a:solidFill>
+                                      <a:schemeClr val="tx1"/>
+                                    </a:solidFill>
+                                    <a:latin typeface="Cambria Math" panose="02040503050406030204" pitchFamily="18" charset="0"/>
+                                  </a:rPr>
+                                  <m:t>1</m:t>
+                                </m:r>
+                              </m:oMath>
+                            </m:oMathPara>
+                          </a14:m>
+                          <a:endParaRPr lang="en-SE" dirty="0">
+                            <a:solidFill>
+                              <a:schemeClr val="tx1"/>
+                            </a:solidFill>
+                          </a:endParaRPr>
+                        </a:p>
+                      </a:txBody>
+                      <a:tcPr/>
+                    </a:tc>
+                    <a:tc>
+                      <a:txBody>
+                        <a:bodyPr/>
+                        <a:lstStyle/>
+                        <a:p>
+                          <a:pPr marL="0" marR="0" lvl="0" indent="0" algn="l" defTabSz="914400" rtl="0" eaLnBrk="1" fontAlgn="auto" latinLnBrk="0" hangingPunct="1">
+                            <a:lnSpc>
+                              <a:spcPct val="100000"/>
+                            </a:lnSpc>
+                            <a:spcBef>
+                              <a:spcPts val="0"/>
+                            </a:spcBef>
+                            <a:spcAft>
+                              <a:spcPts val="0"/>
+                            </a:spcAft>
+                            <a:buClrTx/>
+                            <a:buSzTx/>
+                            <a:buFontTx/>
+                            <a:buNone/>
+                            <a:tabLst/>
+                            <a:defRPr/>
+                          </a:pPr>
+                          <a14:m>
+                            <m:oMathPara xmlns:m="http://schemas.openxmlformats.org/officeDocument/2006/math">
+                              <m:oMathParaPr>
+                                <m:jc m:val="centerGroup"/>
+                              </m:oMathParaPr>
+                              <m:oMath xmlns:m="http://schemas.openxmlformats.org/officeDocument/2006/math">
+                                <m:r>
+                                  <a:rPr lang="en-US" b="0" i="1" smtClean="0">
+                                    <a:solidFill>
+                                      <a:schemeClr val="tx1"/>
+                                    </a:solidFill>
+                                    <a:latin typeface="Cambria Math" panose="02040503050406030204" pitchFamily="18" charset="0"/>
+                                  </a:rPr>
+                                  <m:t>0</m:t>
+                                </m:r>
+                              </m:oMath>
+                            </m:oMathPara>
+                          </a14:m>
+                          <a:endParaRPr lang="en-US" dirty="0">
+                            <a:solidFill>
+                              <a:schemeClr val="tx1"/>
+                            </a:solidFill>
+                          </a:endParaRPr>
+                        </a:p>
+                      </a:txBody>
+                      <a:tcPr/>
+                    </a:tc>
+                    <a:tc>
+                      <a:txBody>
+                        <a:bodyPr/>
+                        <a:lstStyle/>
+                        <a:p>
+                          <a:pPr/>
+                          <a14:m>
+                            <m:oMathPara xmlns:m="http://schemas.openxmlformats.org/officeDocument/2006/math">
+                              <m:oMathParaPr>
+                                <m:jc m:val="centerGroup"/>
+                              </m:oMathParaPr>
+                              <m:oMath xmlns:m="http://schemas.openxmlformats.org/officeDocument/2006/math">
+                                <m:r>
+                                  <a:rPr lang="en-US" b="0" i="1" smtClean="0">
+                                    <a:solidFill>
+                                      <a:schemeClr val="tx1"/>
+                                    </a:solidFill>
+                                    <a:latin typeface="Cambria Math" panose="02040503050406030204" pitchFamily="18" charset="0"/>
+                                  </a:rPr>
+                                  <m:t>1</m:t>
+                                </m:r>
+                              </m:oMath>
+                            </m:oMathPara>
+                          </a14:m>
+                          <a:endParaRPr lang="en-SE" dirty="0">
+                            <a:solidFill>
+                              <a:schemeClr val="tx1"/>
+                            </a:solidFill>
+                          </a:endParaRPr>
+                        </a:p>
+                      </a:txBody>
+                      <a:tcPr/>
+                    </a:tc>
+                    <a:tc>
+                      <a:txBody>
+                        <a:bodyPr/>
+                        <a:lstStyle/>
+                        <a:p>
+                          <a:pPr/>
+                          <a14:m>
+                            <m:oMathPara xmlns:m="http://schemas.openxmlformats.org/officeDocument/2006/math">
+                              <m:oMathParaPr>
+                                <m:jc m:val="centerGroup"/>
+                              </m:oMathParaPr>
+                              <m:oMath xmlns:m="http://schemas.openxmlformats.org/officeDocument/2006/math">
+                                <m:r>
+                                  <a:rPr lang="en-US" b="0" i="1" dirty="0" smtClean="0">
+                                    <a:solidFill>
+                                      <a:schemeClr val="tx1"/>
+                                    </a:solidFill>
+                                    <a:latin typeface="Cambria Math" panose="02040503050406030204" pitchFamily="18" charset="0"/>
+                                  </a:rPr>
+                                  <m:t>0</m:t>
+                                </m:r>
+                              </m:oMath>
+                            </m:oMathPara>
+                          </a14:m>
+                          <a:endParaRPr lang="en-SE" dirty="0">
+                            <a:solidFill>
+                              <a:schemeClr val="tx1"/>
+                            </a:solidFill>
+                          </a:endParaRPr>
+                        </a:p>
+                      </a:txBody>
+                      <a:tcPr/>
+                    </a:tc>
+                    <a:tc>
+                      <a:txBody>
+                        <a:bodyPr/>
+                        <a:lstStyle/>
+                        <a:p>
+                          <a14:m>
+                            <m:oMath xmlns:m="http://schemas.openxmlformats.org/officeDocument/2006/math">
+                              <m:r>
+                                <a:rPr lang="en-US" b="0" i="1" dirty="0" smtClean="0">
+                                  <a:solidFill>
+                                    <a:schemeClr val="tx1"/>
+                                  </a:solidFill>
+                                  <a:latin typeface="Cambria Math" panose="02040503050406030204" pitchFamily="18" charset="0"/>
+                                </a:rPr>
+                                <m:t>−10</m:t>
+                              </m:r>
+                            </m:oMath>
+                          </a14:m>
+                          <a:r>
+                            <a:rPr lang="en-US" dirty="0">
+                              <a:solidFill>
+                                <a:schemeClr val="tx1"/>
+                              </a:solidFill>
+                            </a:rPr>
+                            <a:t>0</a:t>
+                          </a:r>
+                          <a:endParaRPr lang="en-SE" dirty="0">
+                            <a:solidFill>
+                              <a:schemeClr val="tx1"/>
+                            </a:solidFill>
+                          </a:endParaRPr>
+                        </a:p>
+                      </a:txBody>
+                      <a:tcPr/>
+                    </a:tc>
+                    <a:tc>
+                      <a:txBody>
+                        <a:bodyPr/>
+                        <a:lstStyle/>
+                        <a:p>
+                          <a:pPr/>
+                          <a14:m>
+                            <m:oMathPara xmlns:m="http://schemas.openxmlformats.org/officeDocument/2006/math">
+                              <m:oMathParaPr>
+                                <m:jc m:val="centerGroup"/>
+                              </m:oMathParaPr>
+                              <m:oMath xmlns:m="http://schemas.openxmlformats.org/officeDocument/2006/math">
+                                <m:r>
+                                  <a:rPr lang="en-US" b="0" i="1" dirty="0" smtClean="0">
+                                    <a:solidFill>
+                                      <a:schemeClr val="tx1"/>
+                                    </a:solidFill>
+                                    <a:latin typeface="Cambria Math" panose="02040503050406030204" pitchFamily="18" charset="0"/>
+                                  </a:rPr>
+                                  <m:t>0</m:t>
+                                </m:r>
+                              </m:oMath>
+                            </m:oMathPara>
+                          </a14:m>
+                          <a:endParaRPr lang="en-SE" dirty="0">
+                            <a:solidFill>
+                              <a:schemeClr val="tx1"/>
+                            </a:solidFill>
+                          </a:endParaRPr>
+                        </a:p>
+                      </a:txBody>
+                      <a:tcPr/>
+                    </a:tc>
+                    <a:extLst>
+                      <a:ext uri="{0D108BD9-81ED-4DB2-BD59-A6C34878D82A}">
+                        <a16:rowId xmlns:a16="http://schemas.microsoft.com/office/drawing/2014/main" val="3747149032"/>
+                      </a:ext>
+                    </a:extLst>
+                  </a:tr>
+                  <a:tr h="370840">
+                    <a:tc>
+                      <a:txBody>
+                        <a:bodyPr/>
+                        <a:lstStyle/>
+                        <a:p>
+                          <a:pPr algn="ctr"/>
+                          <a:r>
+                            <a:rPr lang="en-US" dirty="0"/>
+                            <a:t>EP3</a:t>
+                          </a:r>
+                          <a:endParaRPr lang="en-SE" dirty="0"/>
+                        </a:p>
+                      </a:txBody>
+                      <a:tcPr/>
+                    </a:tc>
+                    <a:tc>
+                      <a:txBody>
+                        <a:bodyPr/>
+                        <a:lstStyle/>
+                        <a:p>
+                          <a:pPr/>
+                          <a14:m>
+                            <m:oMathPara xmlns:m="http://schemas.openxmlformats.org/officeDocument/2006/math">
+                              <m:oMathParaPr>
+                                <m:jc m:val="centerGroup"/>
+                              </m:oMathParaPr>
+                              <m:oMath xmlns:m="http://schemas.openxmlformats.org/officeDocument/2006/math">
+                                <m:r>
+                                  <a:rPr lang="en-US" b="0" i="1" dirty="0" smtClean="0">
+                                    <a:solidFill>
+                                      <a:schemeClr val="tx1"/>
+                                    </a:solidFill>
+                                    <a:latin typeface="Cambria Math" panose="02040503050406030204" pitchFamily="18" charset="0"/>
+                                  </a:rPr>
+                                  <m:t>2</m:t>
+                                </m:r>
+                              </m:oMath>
+                            </m:oMathPara>
+                          </a14:m>
+                          <a:endParaRPr lang="en-SE" dirty="0">
+                            <a:solidFill>
+                              <a:schemeClr val="tx1"/>
+                            </a:solidFill>
+                          </a:endParaRPr>
+                        </a:p>
+                      </a:txBody>
+                      <a:tcPr/>
+                    </a:tc>
+                    <a:tc>
+                      <a:txBody>
+                        <a:bodyPr/>
+                        <a:lstStyle/>
+                        <a:p>
+                          <a:pPr marL="0" marR="0" lvl="0" indent="0" algn="l" defTabSz="914400" rtl="0" eaLnBrk="1" fontAlgn="auto" latinLnBrk="0" hangingPunct="1">
+                            <a:lnSpc>
+                              <a:spcPct val="100000"/>
+                            </a:lnSpc>
+                            <a:spcBef>
+                              <a:spcPts val="0"/>
+                            </a:spcBef>
+                            <a:spcAft>
+                              <a:spcPts val="0"/>
+                            </a:spcAft>
+                            <a:buClrTx/>
+                            <a:buSzTx/>
+                            <a:buFontTx/>
+                            <a:buNone/>
+                            <a:tabLst/>
+                            <a:defRPr/>
+                          </a:pPr>
+                          <a14:m>
+                            <m:oMathPara xmlns:m="http://schemas.openxmlformats.org/officeDocument/2006/math">
+                              <m:oMathParaPr>
+                                <m:jc m:val="centerGroup"/>
+                              </m:oMathParaPr>
+                              <m:oMath xmlns:m="http://schemas.openxmlformats.org/officeDocument/2006/math">
+                                <m:r>
+                                  <a:rPr lang="en-US" b="0" i="1" smtClean="0">
+                                    <a:solidFill>
+                                      <a:schemeClr val="tx1"/>
+                                    </a:solidFill>
+                                    <a:latin typeface="Cambria Math" panose="02040503050406030204" pitchFamily="18" charset="0"/>
+                                  </a:rPr>
+                                  <m:t>0</m:t>
+                                </m:r>
+                              </m:oMath>
+                            </m:oMathPara>
+                          </a14:m>
+                          <a:endParaRPr lang="en-US" dirty="0">
+                            <a:solidFill>
+                              <a:schemeClr val="tx1"/>
+                            </a:solidFill>
+                          </a:endParaRPr>
+                        </a:p>
+                      </a:txBody>
+                      <a:tcPr/>
+                    </a:tc>
+                    <a:tc>
+                      <a:txBody>
+                        <a:bodyPr/>
+                        <a:lstStyle/>
+                        <a:p>
+                          <a:pPr/>
+                          <a14:m>
+                            <m:oMathPara xmlns:m="http://schemas.openxmlformats.org/officeDocument/2006/math">
+                              <m:oMathParaPr>
+                                <m:jc m:val="centerGroup"/>
+                              </m:oMathParaPr>
+                              <m:oMath xmlns:m="http://schemas.openxmlformats.org/officeDocument/2006/math">
+                                <m:r>
+                                  <a:rPr lang="en-US" b="0" i="1" smtClean="0">
+                                    <a:solidFill>
+                                      <a:schemeClr val="tx1"/>
+                                    </a:solidFill>
+                                    <a:latin typeface="Cambria Math" panose="02040503050406030204" pitchFamily="18" charset="0"/>
+                                  </a:rPr>
+                                  <m:t>1</m:t>
+                                </m:r>
+                              </m:oMath>
+                            </m:oMathPara>
+                          </a14:m>
+                          <a:endParaRPr lang="en-SE" dirty="0">
+                            <a:solidFill>
+                              <a:schemeClr val="tx1"/>
+                            </a:solidFill>
+                          </a:endParaRPr>
+                        </a:p>
+                      </a:txBody>
+                      <a:tcPr/>
+                    </a:tc>
+                    <a:tc>
+                      <a:txBody>
+                        <a:bodyPr/>
+                        <a:lstStyle/>
+                        <a:p>
+                          <a:pPr/>
+                          <a14:m>
+                            <m:oMathPara xmlns:m="http://schemas.openxmlformats.org/officeDocument/2006/math">
+                              <m:oMathParaPr>
+                                <m:jc m:val="centerGroup"/>
+                              </m:oMathParaPr>
+                              <m:oMath xmlns:m="http://schemas.openxmlformats.org/officeDocument/2006/math">
+                                <m:r>
+                                  <a:rPr lang="en-US" b="0" i="1" dirty="0" smtClean="0">
+                                    <a:solidFill>
+                                      <a:schemeClr val="tx1"/>
+                                    </a:solidFill>
+                                    <a:latin typeface="Cambria Math" panose="02040503050406030204" pitchFamily="18" charset="0"/>
+                                  </a:rPr>
+                                  <m:t>0</m:t>
+                                </m:r>
+                              </m:oMath>
+                            </m:oMathPara>
+                          </a14:m>
+                          <a:endParaRPr lang="en-SE" dirty="0">
+                            <a:solidFill>
+                              <a:schemeClr val="tx1"/>
+                            </a:solidFill>
+                          </a:endParaRPr>
+                        </a:p>
+                      </a:txBody>
+                      <a:tcPr/>
+                    </a:tc>
+                    <a:tc>
+                      <a:txBody>
+                        <a:bodyPr/>
+                        <a:lstStyle/>
+                        <a:p>
+                          <a14:m>
+                            <m:oMath xmlns:m="http://schemas.openxmlformats.org/officeDocument/2006/math">
+                              <m:r>
+                                <a:rPr lang="en-US" b="0" i="1" dirty="0" smtClean="0">
+                                  <a:solidFill>
+                                    <a:schemeClr val="tx1"/>
+                                  </a:solidFill>
+                                  <a:latin typeface="Cambria Math" panose="02040503050406030204" pitchFamily="18" charset="0"/>
+                                </a:rPr>
+                                <m:t>−10</m:t>
+                              </m:r>
+                            </m:oMath>
+                          </a14:m>
+                          <a:r>
+                            <a:rPr lang="en-US" dirty="0">
+                              <a:solidFill>
+                                <a:schemeClr val="tx1"/>
+                              </a:solidFill>
+                            </a:rPr>
+                            <a:t>0</a:t>
+                          </a:r>
+                          <a:endParaRPr lang="en-SE" dirty="0">
+                            <a:solidFill>
+                              <a:schemeClr val="tx1"/>
+                            </a:solidFill>
+                          </a:endParaRPr>
+                        </a:p>
+                      </a:txBody>
+                      <a:tcPr/>
+                    </a:tc>
+                    <a:tc>
+                      <a:txBody>
+                        <a:bodyPr/>
+                        <a:lstStyle/>
+                        <a:p>
+                          <a:pPr/>
+                          <a14:m>
+                            <m:oMathPara xmlns:m="http://schemas.openxmlformats.org/officeDocument/2006/math">
+                              <m:oMathParaPr>
+                                <m:jc m:val="centerGroup"/>
+                              </m:oMathParaPr>
+                              <m:oMath xmlns:m="http://schemas.openxmlformats.org/officeDocument/2006/math">
+                                <m:r>
+                                  <a:rPr lang="en-US" b="0" i="1" dirty="0" smtClean="0">
+                                    <a:solidFill>
+                                      <a:schemeClr val="tx1"/>
+                                    </a:solidFill>
+                                    <a:latin typeface="Cambria Math" panose="02040503050406030204" pitchFamily="18" charset="0"/>
+                                  </a:rPr>
+                                  <m:t>0</m:t>
+                                </m:r>
+                              </m:oMath>
+                            </m:oMathPara>
+                          </a14:m>
+                          <a:endParaRPr lang="en-SE" dirty="0">
+                            <a:solidFill>
+                              <a:schemeClr val="tx1"/>
+                            </a:solidFill>
+                          </a:endParaRPr>
+                        </a:p>
+                      </a:txBody>
+                      <a:tcPr/>
+                    </a:tc>
+                    <a:extLst>
+                      <a:ext uri="{0D108BD9-81ED-4DB2-BD59-A6C34878D82A}">
+                        <a16:rowId xmlns:a16="http://schemas.microsoft.com/office/drawing/2014/main" val="3440996876"/>
+                      </a:ext>
+                    </a:extLst>
+                  </a:tr>
+                  <a:tr h="370840">
+                    <a:tc>
+                      <a:txBody>
+                        <a:bodyPr/>
+                        <a:lstStyle/>
+                        <a:p>
+                          <a:pPr/>
+                          <a14:m>
+                            <m:oMathPara xmlns:m="http://schemas.openxmlformats.org/officeDocument/2006/math">
+                              <m:oMathParaPr>
+                                <m:jc m:val="centerGroup"/>
+                              </m:oMathParaPr>
+                              <m:oMath xmlns:m="http://schemas.openxmlformats.org/officeDocument/2006/math">
+                                <m:r>
+                                  <a:rPr lang="en-US" b="0" i="1" smtClean="0">
+                                    <a:latin typeface="Cambria Math" panose="02040503050406030204" pitchFamily="18" charset="0"/>
+                                  </a:rPr>
+                                  <m:t>∞</m:t>
+                                </m:r>
+                              </m:oMath>
+                            </m:oMathPara>
+                          </a14:m>
+                          <a:endParaRPr lang="en-SE" dirty="0"/>
+                        </a:p>
+                      </a:txBody>
+                      <a:tcPr/>
+                    </a:tc>
+                    <a:tc>
+                      <a:txBody>
+                        <a:bodyPr/>
+                        <a:lstStyle/>
+                        <a:p>
+                          <a:pPr/>
+                          <a14:m>
+                            <m:oMathPara xmlns:m="http://schemas.openxmlformats.org/officeDocument/2006/math">
+                              <m:oMathParaPr>
+                                <m:jc m:val="centerGroup"/>
+                              </m:oMathParaPr>
+                              <m:oMath xmlns:m="http://schemas.openxmlformats.org/officeDocument/2006/math">
+                                <m:r>
+                                  <a:rPr lang="en-US" b="0" i="1" dirty="0" smtClean="0">
+                                    <a:solidFill>
+                                      <a:schemeClr val="tx1"/>
+                                    </a:solidFill>
+                                    <a:latin typeface="Cambria Math" panose="02040503050406030204" pitchFamily="18" charset="0"/>
+                                  </a:rPr>
+                                  <m:t>1</m:t>
+                                </m:r>
+                              </m:oMath>
+                            </m:oMathPara>
+                          </a14:m>
+                          <a:endParaRPr lang="en-SE" dirty="0">
+                            <a:solidFill>
+                              <a:schemeClr val="tx1"/>
+                            </a:solidFill>
+                          </a:endParaRPr>
+                        </a:p>
+                      </a:txBody>
+                      <a:tcPr/>
+                    </a:tc>
+                    <a:tc>
+                      <a:txBody>
+                        <a:bodyPr/>
+                        <a:lstStyle/>
+                        <a:p>
+                          <a:pPr marL="0" marR="0" lvl="0" indent="0" algn="l" defTabSz="914400" rtl="0" eaLnBrk="1" fontAlgn="auto" latinLnBrk="0" hangingPunct="1">
+                            <a:lnSpc>
+                              <a:spcPct val="100000"/>
+                            </a:lnSpc>
+                            <a:spcBef>
+                              <a:spcPts val="0"/>
+                            </a:spcBef>
+                            <a:spcAft>
+                              <a:spcPts val="0"/>
+                            </a:spcAft>
+                            <a:buClrTx/>
+                            <a:buSzTx/>
+                            <a:buFontTx/>
+                            <a:buNone/>
+                            <a:tabLst/>
+                            <a:defRPr/>
+                          </a:pPr>
+                          <a14:m>
+                            <m:oMathPara xmlns:m="http://schemas.openxmlformats.org/officeDocument/2006/math">
+                              <m:oMathParaPr>
+                                <m:jc m:val="centerGroup"/>
+                              </m:oMathParaPr>
+                              <m:oMath xmlns:m="http://schemas.openxmlformats.org/officeDocument/2006/math">
+                                <m:r>
+                                  <a:rPr lang="en-US" b="0" i="1" smtClean="0">
+                                    <a:solidFill>
+                                      <a:schemeClr val="tx1"/>
+                                    </a:solidFill>
+                                    <a:latin typeface="Cambria Math" panose="02040503050406030204" pitchFamily="18" charset="0"/>
+                                  </a:rPr>
+                                  <m:t>0</m:t>
+                                </m:r>
+                              </m:oMath>
+                            </m:oMathPara>
+                          </a14:m>
+                          <a:endParaRPr lang="en-US" dirty="0">
+                            <a:solidFill>
+                              <a:schemeClr val="tx1"/>
+                            </a:solidFill>
+                          </a:endParaRPr>
+                        </a:p>
+                      </a:txBody>
+                      <a:tcPr/>
+                    </a:tc>
+                    <a:tc>
+                      <a:txBody>
+                        <a:bodyPr/>
+                        <a:lstStyle/>
+                        <a:p>
+                          <a:pPr/>
+                          <a14:m>
+                            <m:oMathPara xmlns:m="http://schemas.openxmlformats.org/officeDocument/2006/math">
+                              <m:oMathParaPr>
+                                <m:jc m:val="centerGroup"/>
+                              </m:oMathParaPr>
+                              <m:oMath xmlns:m="http://schemas.openxmlformats.org/officeDocument/2006/math">
+                                <m:r>
+                                  <a:rPr lang="en-US" b="0" i="1" smtClean="0">
+                                    <a:solidFill>
+                                      <a:schemeClr val="tx1"/>
+                                    </a:solidFill>
+                                    <a:latin typeface="Cambria Math" panose="02040503050406030204" pitchFamily="18" charset="0"/>
+                                  </a:rPr>
+                                  <m:t>1</m:t>
+                                </m:r>
+                              </m:oMath>
+                            </m:oMathPara>
+                          </a14:m>
+                          <a:endParaRPr lang="en-SE" dirty="0">
+                            <a:solidFill>
+                              <a:schemeClr val="tx1"/>
+                            </a:solidFill>
+                          </a:endParaRPr>
+                        </a:p>
+                      </a:txBody>
+                      <a:tcPr/>
+                    </a:tc>
+                    <a:tc>
+                      <a:txBody>
+                        <a:bodyPr/>
+                        <a:lstStyle/>
+                        <a:p>
+                          <a:pPr/>
+                          <a14:m>
+                            <m:oMathPara xmlns:m="http://schemas.openxmlformats.org/officeDocument/2006/math">
+                              <m:oMathParaPr>
+                                <m:jc m:val="centerGroup"/>
+                              </m:oMathParaPr>
+                              <m:oMath xmlns:m="http://schemas.openxmlformats.org/officeDocument/2006/math">
+                                <m:r>
+                                  <a:rPr lang="en-US" b="0" i="1" dirty="0" smtClean="0">
+                                    <a:solidFill>
+                                      <a:schemeClr val="tx1"/>
+                                    </a:solidFill>
+                                    <a:latin typeface="Cambria Math" panose="02040503050406030204" pitchFamily="18" charset="0"/>
+                                  </a:rPr>
+                                  <m:t>0</m:t>
+                                </m:r>
+                              </m:oMath>
+                            </m:oMathPara>
+                          </a14:m>
+                          <a:endParaRPr lang="en-SE" dirty="0">
+                            <a:solidFill>
+                              <a:schemeClr val="tx1"/>
+                            </a:solidFill>
+                          </a:endParaRPr>
+                        </a:p>
+                      </a:txBody>
+                      <a:tcPr/>
+                    </a:tc>
+                    <a:tc>
+                      <a:txBody>
+                        <a:bodyPr/>
+                        <a:lstStyle/>
+                        <a:p>
+                          <a14:m>
+                            <m:oMath xmlns:m="http://schemas.openxmlformats.org/officeDocument/2006/math">
+                              <m:r>
+                                <a:rPr lang="en-US" b="0" i="1" dirty="0" smtClean="0">
+                                  <a:solidFill>
+                                    <a:schemeClr val="tx1"/>
+                                  </a:solidFill>
+                                  <a:latin typeface="Cambria Math" panose="02040503050406030204" pitchFamily="18" charset="0"/>
+                                </a:rPr>
+                                <m:t>−10</m:t>
+                              </m:r>
+                            </m:oMath>
+                          </a14:m>
+                          <a:r>
+                            <a:rPr lang="en-US" dirty="0">
+                              <a:solidFill>
+                                <a:schemeClr val="tx1"/>
+                              </a:solidFill>
+                            </a:rPr>
+                            <a:t>0</a:t>
+                          </a:r>
+                          <a:endParaRPr lang="en-SE" dirty="0">
+                            <a:solidFill>
+                              <a:schemeClr val="tx1"/>
+                            </a:solidFill>
+                          </a:endParaRPr>
+                        </a:p>
+                      </a:txBody>
+                      <a:tcPr/>
+                    </a:tc>
+                    <a:tc>
+                      <a:txBody>
+                        <a:bodyPr/>
+                        <a:lstStyle/>
+                        <a:p>
+                          <a:pPr/>
+                          <a14:m>
+                            <m:oMathPara xmlns:m="http://schemas.openxmlformats.org/officeDocument/2006/math">
+                              <m:oMathParaPr>
+                                <m:jc m:val="centerGroup"/>
+                              </m:oMathParaPr>
+                              <m:oMath xmlns:m="http://schemas.openxmlformats.org/officeDocument/2006/math">
+                                <m:r>
+                                  <a:rPr lang="en-US" b="0" i="1" dirty="0" smtClean="0">
+                                    <a:solidFill>
+                                      <a:schemeClr val="tx1"/>
+                                    </a:solidFill>
+                                    <a:latin typeface="Cambria Math" panose="02040503050406030204" pitchFamily="18" charset="0"/>
+                                  </a:rPr>
+                                  <m:t>0</m:t>
+                                </m:r>
+                              </m:oMath>
+                            </m:oMathPara>
+                          </a14:m>
+                          <a:endParaRPr lang="en-SE" dirty="0">
+                            <a:solidFill>
+                              <a:schemeClr val="tx1"/>
+                            </a:solidFill>
+                          </a:endParaRPr>
+                        </a:p>
+                      </a:txBody>
+                      <a:tcPr/>
+                    </a:tc>
+                    <a:extLst>
+                      <a:ext uri="{0D108BD9-81ED-4DB2-BD59-A6C34878D82A}">
+                        <a16:rowId xmlns:a16="http://schemas.microsoft.com/office/drawing/2014/main" val="1653040171"/>
+                      </a:ext>
+                    </a:extLst>
+                  </a:tr>
+                </a:tbl>
+              </a:graphicData>
+            </a:graphic>
+          </p:graphicFrame>
+        </mc:Choice>
+        <mc:Fallback xmlns="">
+          <p:graphicFrame>
+            <p:nvGraphicFramePr>
+              <p:cNvPr id="7" name="Table 7">
+                <a:extLst>
+                  <a:ext uri="{FF2B5EF4-FFF2-40B4-BE49-F238E27FC236}">
+                    <a16:creationId xmlns:a16="http://schemas.microsoft.com/office/drawing/2014/main" id="{27C8D0D8-14E5-4F3F-B1E8-DC0BC2A62E8D}"/>
+                  </a:ext>
+                </a:extLst>
+              </p:cNvPr>
+              <p:cNvGraphicFramePr>
+                <a:graphicFrameLocks noGrp="1"/>
+              </p:cNvGraphicFramePr>
+              <p:nvPr/>
+            </p:nvGraphicFramePr>
+            <p:xfrm>
+              <a:off x="3180871" y="4632960"/>
+              <a:ext cx="5875695" cy="2225040"/>
+            </p:xfrm>
+            <a:graphic>
+              <a:graphicData uri="http://schemas.openxmlformats.org/drawingml/2006/table">
+                <a:tbl>
+                  <a:tblPr firstRow="1" bandRow="1">
+                    <a:tableStyleId>{5C22544A-7EE6-4342-B048-85BDC9FD1C3A}</a:tableStyleId>
+                  </a:tblPr>
+                  <a:tblGrid>
+                    <a:gridCol w="839385">
+                      <a:extLst>
+                        <a:ext uri="{9D8B030D-6E8A-4147-A177-3AD203B41FA5}">
+                          <a16:colId xmlns:a16="http://schemas.microsoft.com/office/drawing/2014/main" val="737800809"/>
+                        </a:ext>
+                      </a:extLst>
+                    </a:gridCol>
+                    <a:gridCol w="839385">
+                      <a:extLst>
+                        <a:ext uri="{9D8B030D-6E8A-4147-A177-3AD203B41FA5}">
+                          <a16:colId xmlns:a16="http://schemas.microsoft.com/office/drawing/2014/main" val="253111052"/>
+                        </a:ext>
+                      </a:extLst>
+                    </a:gridCol>
+                    <a:gridCol w="839385">
+                      <a:extLst>
+                        <a:ext uri="{9D8B030D-6E8A-4147-A177-3AD203B41FA5}">
+                          <a16:colId xmlns:a16="http://schemas.microsoft.com/office/drawing/2014/main" val="2707824466"/>
+                        </a:ext>
+                      </a:extLst>
+                    </a:gridCol>
+                    <a:gridCol w="839385">
+                      <a:extLst>
+                        <a:ext uri="{9D8B030D-6E8A-4147-A177-3AD203B41FA5}">
+                          <a16:colId xmlns:a16="http://schemas.microsoft.com/office/drawing/2014/main" val="1950743582"/>
+                        </a:ext>
+                      </a:extLst>
+                    </a:gridCol>
+                    <a:gridCol w="839385">
+                      <a:extLst>
+                        <a:ext uri="{9D8B030D-6E8A-4147-A177-3AD203B41FA5}">
+                          <a16:colId xmlns:a16="http://schemas.microsoft.com/office/drawing/2014/main" val="4269554689"/>
+                        </a:ext>
+                      </a:extLst>
+                    </a:gridCol>
+                    <a:gridCol w="839385">
+                      <a:extLst>
+                        <a:ext uri="{9D8B030D-6E8A-4147-A177-3AD203B41FA5}">
+                          <a16:colId xmlns:a16="http://schemas.microsoft.com/office/drawing/2014/main" val="496056467"/>
+                        </a:ext>
+                      </a:extLst>
+                    </a:gridCol>
+                    <a:gridCol w="839385">
+                      <a:extLst>
+                        <a:ext uri="{9D8B030D-6E8A-4147-A177-3AD203B41FA5}">
+                          <a16:colId xmlns:a16="http://schemas.microsoft.com/office/drawing/2014/main" val="764317652"/>
+                        </a:ext>
+                      </a:extLst>
+                    </a:gridCol>
+                  </a:tblGrid>
+                  <a:tr h="370840">
+                    <a:tc>
+                      <a:txBody>
+                        <a:bodyPr/>
+                        <a:lstStyle/>
+                        <a:p>
+                          <a:endParaRPr lang="en-SE" sz="1600" dirty="0"/>
+                        </a:p>
+                      </a:txBody>
+                      <a:tcPr/>
+                    </a:tc>
+                    <a:tc>
+                      <a:txBody>
+                        <a:bodyPr/>
+                        <a:lstStyle/>
+                        <a:p>
+                          <a:endParaRPr lang="en-SE"/>
+                        </a:p>
+                      </a:txBody>
+                      <a:tcPr>
+                        <a:blipFill>
+                          <a:blip r:embed="rId5"/>
+                          <a:stretch>
+                            <a:fillRect l="-100725" t="-3279" r="-502174" b="-522951"/>
+                          </a:stretch>
+                        </a:blipFill>
+                      </a:tcPr>
+                    </a:tc>
+                    <a:tc>
+                      <a:txBody>
+                        <a:bodyPr/>
+                        <a:lstStyle/>
+                        <a:p>
+                          <a:endParaRPr lang="en-SE"/>
+                        </a:p>
+                      </a:txBody>
+                      <a:tcPr>
+                        <a:blipFill>
+                          <a:blip r:embed="rId5"/>
+                          <a:stretch>
+                            <a:fillRect l="-200725" t="-3279" r="-402174" b="-522951"/>
+                          </a:stretch>
+                        </a:blipFill>
+                      </a:tcPr>
+                    </a:tc>
+                    <a:tc>
+                      <a:txBody>
+                        <a:bodyPr/>
+                        <a:lstStyle/>
+                        <a:p>
+                          <a:endParaRPr lang="en-SE"/>
+                        </a:p>
+                      </a:txBody>
+                      <a:tcPr>
+                        <a:blipFill>
+                          <a:blip r:embed="rId5"/>
+                          <a:stretch>
+                            <a:fillRect l="-302920" t="-3279" r="-305109" b="-522951"/>
+                          </a:stretch>
+                        </a:blipFill>
+                      </a:tcPr>
+                    </a:tc>
+                    <a:tc>
+                      <a:txBody>
+                        <a:bodyPr/>
+                        <a:lstStyle/>
+                        <a:p>
+                          <a:endParaRPr lang="en-SE"/>
+                        </a:p>
+                      </a:txBody>
+                      <a:tcPr>
+                        <a:blipFill>
+                          <a:blip r:embed="rId5"/>
+                          <a:stretch>
+                            <a:fillRect l="-400000" t="-3279" r="-202899" b="-522951"/>
+                          </a:stretch>
+                        </a:blipFill>
+                      </a:tcPr>
+                    </a:tc>
+                    <a:tc>
+                      <a:txBody>
+                        <a:bodyPr/>
+                        <a:lstStyle/>
+                        <a:p>
+                          <a:endParaRPr lang="en-SE"/>
+                        </a:p>
+                      </a:txBody>
+                      <a:tcPr>
+                        <a:blipFill>
+                          <a:blip r:embed="rId5"/>
+                          <a:stretch>
+                            <a:fillRect l="-500000" t="-3279" r="-102899" b="-522951"/>
+                          </a:stretch>
+                        </a:blipFill>
+                      </a:tcPr>
+                    </a:tc>
+                    <a:tc>
+                      <a:txBody>
+                        <a:bodyPr/>
+                        <a:lstStyle/>
+                        <a:p>
+                          <a:endParaRPr lang="en-SE"/>
+                        </a:p>
+                      </a:txBody>
+                      <a:tcPr>
+                        <a:blipFill>
+                          <a:blip r:embed="rId5"/>
+                          <a:stretch>
+                            <a:fillRect l="-600000" t="-3279" r="-2899" b="-522951"/>
+                          </a:stretch>
+                        </a:blipFill>
+                      </a:tcPr>
+                    </a:tc>
+                    <a:extLst>
+                      <a:ext uri="{0D108BD9-81ED-4DB2-BD59-A6C34878D82A}">
+                        <a16:rowId xmlns:a16="http://schemas.microsoft.com/office/drawing/2014/main" val="944821834"/>
+                      </a:ext>
+                    </a:extLst>
+                  </a:tr>
+                  <a:tr h="370840">
+                    <a:tc>
+                      <a:txBody>
+                        <a:bodyPr/>
+                        <a:lstStyle/>
+                        <a:p>
+                          <a:pPr algn="ctr"/>
+                          <a:r>
+                            <a:rPr lang="en-US" dirty="0"/>
+                            <a:t>Init</a:t>
+                          </a:r>
+                          <a:endParaRPr lang="en-SE" dirty="0"/>
+                        </a:p>
+                      </a:txBody>
+                      <a:tcPr/>
+                    </a:tc>
+                    <a:tc>
+                      <a:txBody>
+                        <a:bodyPr/>
+                        <a:lstStyle/>
+                        <a:p>
+                          <a:endParaRPr lang="en-SE"/>
+                        </a:p>
+                      </a:txBody>
+                      <a:tcPr>
+                        <a:blipFill>
+                          <a:blip r:embed="rId5"/>
+                          <a:stretch>
+                            <a:fillRect l="-100725" t="-103279" r="-502174" b="-422951"/>
+                          </a:stretch>
+                        </a:blipFill>
+                      </a:tcPr>
+                    </a:tc>
+                    <a:tc>
+                      <a:txBody>
+                        <a:bodyPr/>
+                        <a:lstStyle/>
+                        <a:p>
+                          <a:endParaRPr lang="en-SE"/>
+                        </a:p>
+                      </a:txBody>
+                      <a:tcPr>
+                        <a:blipFill>
+                          <a:blip r:embed="rId5"/>
+                          <a:stretch>
+                            <a:fillRect l="-200725" t="-103279" r="-402174" b="-422951"/>
+                          </a:stretch>
+                        </a:blipFill>
+                      </a:tcPr>
+                    </a:tc>
+                    <a:tc>
+                      <a:txBody>
+                        <a:bodyPr/>
+                        <a:lstStyle/>
+                        <a:p>
+                          <a:endParaRPr lang="en-SE"/>
+                        </a:p>
+                      </a:txBody>
+                      <a:tcPr>
+                        <a:blipFill>
+                          <a:blip r:embed="rId5"/>
+                          <a:stretch>
+                            <a:fillRect l="-302920" t="-103279" r="-305109" b="-422951"/>
+                          </a:stretch>
+                        </a:blipFill>
+                      </a:tcPr>
+                    </a:tc>
+                    <a:tc>
+                      <a:txBody>
+                        <a:bodyPr/>
+                        <a:lstStyle/>
+                        <a:p>
+                          <a:endParaRPr lang="en-SE"/>
+                        </a:p>
+                      </a:txBody>
+                      <a:tcPr>
+                        <a:blipFill>
+                          <a:blip r:embed="rId5"/>
+                          <a:stretch>
+                            <a:fillRect l="-400000" t="-103279" r="-202899" b="-422951"/>
+                          </a:stretch>
+                        </a:blipFill>
+                      </a:tcPr>
+                    </a:tc>
+                    <a:tc>
+                      <a:txBody>
+                        <a:bodyPr/>
+                        <a:lstStyle/>
+                        <a:p>
+                          <a:endParaRPr lang="en-SE"/>
+                        </a:p>
+                      </a:txBody>
+                      <a:tcPr>
+                        <a:blipFill>
+                          <a:blip r:embed="rId5"/>
+                          <a:stretch>
+                            <a:fillRect l="-500000" t="-103279" r="-102899" b="-422951"/>
+                          </a:stretch>
+                        </a:blipFill>
+                      </a:tcPr>
+                    </a:tc>
+                    <a:tc>
+                      <a:txBody>
+                        <a:bodyPr/>
+                        <a:lstStyle/>
+                        <a:p>
+                          <a:endParaRPr lang="en-SE"/>
+                        </a:p>
+                      </a:txBody>
+                      <a:tcPr>
+                        <a:blipFill>
+                          <a:blip r:embed="rId5"/>
+                          <a:stretch>
+                            <a:fillRect l="-600000" t="-103279" r="-2899" b="-422951"/>
+                          </a:stretch>
+                        </a:blipFill>
+                      </a:tcPr>
+                    </a:tc>
+                    <a:extLst>
+                      <a:ext uri="{0D108BD9-81ED-4DB2-BD59-A6C34878D82A}">
+                        <a16:rowId xmlns:a16="http://schemas.microsoft.com/office/drawing/2014/main" val="1107430533"/>
+                      </a:ext>
+                    </a:extLst>
+                  </a:tr>
+                  <a:tr h="370840">
+                    <a:tc>
+                      <a:txBody>
+                        <a:bodyPr/>
+                        <a:lstStyle/>
+                        <a:p>
+                          <a:pPr algn="ctr"/>
+                          <a:r>
+                            <a:rPr lang="en-US" dirty="0"/>
+                            <a:t>EP1</a:t>
+                          </a:r>
+                          <a:endParaRPr lang="en-SE" dirty="0"/>
+                        </a:p>
+                      </a:txBody>
+                      <a:tcPr/>
+                    </a:tc>
+                    <a:tc>
+                      <a:txBody>
+                        <a:bodyPr/>
+                        <a:lstStyle/>
+                        <a:p>
+                          <a:endParaRPr lang="en-SE"/>
+                        </a:p>
+                      </a:txBody>
+                      <a:tcPr>
+                        <a:blipFill>
+                          <a:blip r:embed="rId5"/>
+                          <a:stretch>
+                            <a:fillRect l="-100725" t="-203279" r="-502174" b="-322951"/>
+                          </a:stretch>
+                        </a:blipFill>
+                      </a:tcPr>
+                    </a:tc>
+                    <a:tc>
+                      <a:txBody>
+                        <a:bodyPr/>
+                        <a:lstStyle/>
+                        <a:p>
+                          <a:endParaRPr lang="en-SE"/>
+                        </a:p>
+                      </a:txBody>
+                      <a:tcPr>
+                        <a:blipFill>
+                          <a:blip r:embed="rId5"/>
+                          <a:stretch>
+                            <a:fillRect l="-200725" t="-203279" r="-402174" b="-322951"/>
+                          </a:stretch>
+                        </a:blipFill>
+                      </a:tcPr>
+                    </a:tc>
+                    <a:tc>
+                      <a:txBody>
+                        <a:bodyPr/>
+                        <a:lstStyle/>
+                        <a:p>
+                          <a:endParaRPr lang="en-SE"/>
+                        </a:p>
+                      </a:txBody>
+                      <a:tcPr>
+                        <a:blipFill>
+                          <a:blip r:embed="rId5"/>
+                          <a:stretch>
+                            <a:fillRect l="-302920" t="-203279" r="-305109" b="-322951"/>
+                          </a:stretch>
+                        </a:blipFill>
+                      </a:tcPr>
+                    </a:tc>
+                    <a:tc>
+                      <a:txBody>
+                        <a:bodyPr/>
+                        <a:lstStyle/>
+                        <a:p>
+                          <a:endParaRPr lang="en-SE"/>
+                        </a:p>
+                      </a:txBody>
+                      <a:tcPr>
+                        <a:blipFill>
+                          <a:blip r:embed="rId5"/>
+                          <a:stretch>
+                            <a:fillRect l="-400000" t="-203279" r="-202899" b="-322951"/>
+                          </a:stretch>
+                        </a:blipFill>
+                      </a:tcPr>
+                    </a:tc>
+                    <a:tc>
+                      <a:txBody>
+                        <a:bodyPr/>
+                        <a:lstStyle/>
+                        <a:p>
+                          <a:endParaRPr lang="en-SE"/>
+                        </a:p>
+                      </a:txBody>
+                      <a:tcPr>
+                        <a:blipFill>
+                          <a:blip r:embed="rId5"/>
+                          <a:stretch>
+                            <a:fillRect l="-500000" t="-203279" r="-102899" b="-322951"/>
+                          </a:stretch>
+                        </a:blipFill>
+                      </a:tcPr>
+                    </a:tc>
+                    <a:tc>
+                      <a:txBody>
+                        <a:bodyPr/>
+                        <a:lstStyle/>
+                        <a:p>
+                          <a:endParaRPr lang="en-SE"/>
+                        </a:p>
+                      </a:txBody>
+                      <a:tcPr>
+                        <a:blipFill>
+                          <a:blip r:embed="rId5"/>
+                          <a:stretch>
+                            <a:fillRect l="-600000" t="-203279" r="-2899" b="-322951"/>
+                          </a:stretch>
+                        </a:blipFill>
+                      </a:tcPr>
+                    </a:tc>
+                    <a:extLst>
+                      <a:ext uri="{0D108BD9-81ED-4DB2-BD59-A6C34878D82A}">
+                        <a16:rowId xmlns:a16="http://schemas.microsoft.com/office/drawing/2014/main" val="784496005"/>
+                      </a:ext>
+                    </a:extLst>
+                  </a:tr>
+                  <a:tr h="370840">
+                    <a:tc>
+                      <a:txBody>
+                        <a:bodyPr/>
+                        <a:lstStyle/>
+                        <a:p>
+                          <a:pPr algn="ctr"/>
+                          <a:r>
+                            <a:rPr lang="en-US" dirty="0"/>
+                            <a:t>EP2</a:t>
+                          </a:r>
+                          <a:endParaRPr lang="en-SE" dirty="0"/>
+                        </a:p>
+                      </a:txBody>
+                      <a:tcPr/>
+                    </a:tc>
+                    <a:tc>
+                      <a:txBody>
+                        <a:bodyPr/>
+                        <a:lstStyle/>
+                        <a:p>
+                          <a:endParaRPr lang="en-SE"/>
+                        </a:p>
+                      </a:txBody>
+                      <a:tcPr>
+                        <a:blipFill>
+                          <a:blip r:embed="rId5"/>
+                          <a:stretch>
+                            <a:fillRect l="-100725" t="-308333" r="-502174" b="-228333"/>
+                          </a:stretch>
+                        </a:blipFill>
+                      </a:tcPr>
+                    </a:tc>
+                    <a:tc>
+                      <a:txBody>
+                        <a:bodyPr/>
+                        <a:lstStyle/>
+                        <a:p>
+                          <a:endParaRPr lang="en-SE"/>
+                        </a:p>
+                      </a:txBody>
+                      <a:tcPr>
+                        <a:blipFill>
+                          <a:blip r:embed="rId5"/>
+                          <a:stretch>
+                            <a:fillRect l="-200725" t="-308333" r="-402174" b="-228333"/>
+                          </a:stretch>
+                        </a:blipFill>
+                      </a:tcPr>
+                    </a:tc>
+                    <a:tc>
+                      <a:txBody>
+                        <a:bodyPr/>
+                        <a:lstStyle/>
+                        <a:p>
+                          <a:endParaRPr lang="en-SE"/>
+                        </a:p>
+                      </a:txBody>
+                      <a:tcPr>
+                        <a:blipFill>
+                          <a:blip r:embed="rId5"/>
+                          <a:stretch>
+                            <a:fillRect l="-302920" t="-308333" r="-305109" b="-228333"/>
+                          </a:stretch>
+                        </a:blipFill>
+                      </a:tcPr>
+                    </a:tc>
+                    <a:tc>
+                      <a:txBody>
+                        <a:bodyPr/>
+                        <a:lstStyle/>
+                        <a:p>
+                          <a:endParaRPr lang="en-SE"/>
+                        </a:p>
+                      </a:txBody>
+                      <a:tcPr>
+                        <a:blipFill>
+                          <a:blip r:embed="rId5"/>
+                          <a:stretch>
+                            <a:fillRect l="-400000" t="-308333" r="-202899" b="-228333"/>
+                          </a:stretch>
+                        </a:blipFill>
+                      </a:tcPr>
+                    </a:tc>
+                    <a:tc>
+                      <a:txBody>
+                        <a:bodyPr/>
+                        <a:lstStyle/>
+                        <a:p>
+                          <a:endParaRPr lang="en-SE"/>
+                        </a:p>
+                      </a:txBody>
+                      <a:tcPr>
+                        <a:blipFill>
+                          <a:blip r:embed="rId5"/>
+                          <a:stretch>
+                            <a:fillRect l="-500000" t="-308333" r="-102899" b="-228333"/>
+                          </a:stretch>
+                        </a:blipFill>
+                      </a:tcPr>
+                    </a:tc>
+                    <a:tc>
+                      <a:txBody>
+                        <a:bodyPr/>
+                        <a:lstStyle/>
+                        <a:p>
+                          <a:endParaRPr lang="en-SE"/>
+                        </a:p>
+                      </a:txBody>
+                      <a:tcPr>
+                        <a:blipFill>
+                          <a:blip r:embed="rId5"/>
+                          <a:stretch>
+                            <a:fillRect l="-600000" t="-308333" r="-2899" b="-228333"/>
+                          </a:stretch>
+                        </a:blipFill>
+                      </a:tcPr>
+                    </a:tc>
+                    <a:extLst>
+                      <a:ext uri="{0D108BD9-81ED-4DB2-BD59-A6C34878D82A}">
+                        <a16:rowId xmlns:a16="http://schemas.microsoft.com/office/drawing/2014/main" val="3747149032"/>
+                      </a:ext>
+                    </a:extLst>
+                  </a:tr>
+                  <a:tr h="370840">
+                    <a:tc>
+                      <a:txBody>
+                        <a:bodyPr/>
+                        <a:lstStyle/>
+                        <a:p>
+                          <a:pPr algn="ctr"/>
+                          <a:r>
+                            <a:rPr lang="en-US" dirty="0"/>
+                            <a:t>EP3</a:t>
+                          </a:r>
+                          <a:endParaRPr lang="en-SE" dirty="0"/>
+                        </a:p>
+                      </a:txBody>
+                      <a:tcPr/>
+                    </a:tc>
+                    <a:tc>
+                      <a:txBody>
+                        <a:bodyPr/>
+                        <a:lstStyle/>
+                        <a:p>
+                          <a:endParaRPr lang="en-SE"/>
+                        </a:p>
+                      </a:txBody>
+                      <a:tcPr>
+                        <a:blipFill>
+                          <a:blip r:embed="rId5"/>
+                          <a:stretch>
+                            <a:fillRect l="-100725" t="-401639" r="-502174" b="-124590"/>
+                          </a:stretch>
+                        </a:blipFill>
+                      </a:tcPr>
+                    </a:tc>
+                    <a:tc>
+                      <a:txBody>
+                        <a:bodyPr/>
+                        <a:lstStyle/>
+                        <a:p>
+                          <a:endParaRPr lang="en-SE"/>
+                        </a:p>
+                      </a:txBody>
+                      <a:tcPr>
+                        <a:blipFill>
+                          <a:blip r:embed="rId5"/>
+                          <a:stretch>
+                            <a:fillRect l="-200725" t="-401639" r="-402174" b="-124590"/>
+                          </a:stretch>
+                        </a:blipFill>
+                      </a:tcPr>
+                    </a:tc>
+                    <a:tc>
+                      <a:txBody>
+                        <a:bodyPr/>
+                        <a:lstStyle/>
+                        <a:p>
+                          <a:endParaRPr lang="en-SE"/>
+                        </a:p>
+                      </a:txBody>
+                      <a:tcPr>
+                        <a:blipFill>
+                          <a:blip r:embed="rId5"/>
+                          <a:stretch>
+                            <a:fillRect l="-302920" t="-401639" r="-305109" b="-124590"/>
+                          </a:stretch>
+                        </a:blipFill>
+                      </a:tcPr>
+                    </a:tc>
+                    <a:tc>
+                      <a:txBody>
+                        <a:bodyPr/>
+                        <a:lstStyle/>
+                        <a:p>
+                          <a:endParaRPr lang="en-SE"/>
+                        </a:p>
+                      </a:txBody>
+                      <a:tcPr>
+                        <a:blipFill>
+                          <a:blip r:embed="rId5"/>
+                          <a:stretch>
+                            <a:fillRect l="-400000" t="-401639" r="-202899" b="-124590"/>
+                          </a:stretch>
+                        </a:blipFill>
+                      </a:tcPr>
+                    </a:tc>
+                    <a:tc>
+                      <a:txBody>
+                        <a:bodyPr/>
+                        <a:lstStyle/>
+                        <a:p>
+                          <a:endParaRPr lang="en-SE"/>
+                        </a:p>
+                      </a:txBody>
+                      <a:tcPr>
+                        <a:blipFill>
+                          <a:blip r:embed="rId5"/>
+                          <a:stretch>
+                            <a:fillRect l="-500000" t="-401639" r="-102899" b="-124590"/>
+                          </a:stretch>
+                        </a:blipFill>
+                      </a:tcPr>
+                    </a:tc>
+                    <a:tc>
+                      <a:txBody>
+                        <a:bodyPr/>
+                        <a:lstStyle/>
+                        <a:p>
+                          <a:endParaRPr lang="en-SE"/>
+                        </a:p>
+                      </a:txBody>
+                      <a:tcPr>
+                        <a:blipFill>
+                          <a:blip r:embed="rId5"/>
+                          <a:stretch>
+                            <a:fillRect l="-600000" t="-401639" r="-2899" b="-124590"/>
+                          </a:stretch>
+                        </a:blipFill>
+                      </a:tcPr>
+                    </a:tc>
+                    <a:extLst>
+                      <a:ext uri="{0D108BD9-81ED-4DB2-BD59-A6C34878D82A}">
+                        <a16:rowId xmlns:a16="http://schemas.microsoft.com/office/drawing/2014/main" val="3440996876"/>
+                      </a:ext>
+                    </a:extLst>
+                  </a:tr>
+                  <a:tr h="370840">
+                    <a:tc>
+                      <a:txBody>
+                        <a:bodyPr/>
+                        <a:lstStyle/>
+                        <a:p>
+                          <a:endParaRPr lang="en-SE"/>
+                        </a:p>
+                      </a:txBody>
+                      <a:tcPr>
+                        <a:blipFill>
+                          <a:blip r:embed="rId5"/>
+                          <a:stretch>
+                            <a:fillRect l="-725" t="-501639" r="-602174" b="-24590"/>
+                          </a:stretch>
+                        </a:blipFill>
+                      </a:tcPr>
+                    </a:tc>
+                    <a:tc>
+                      <a:txBody>
+                        <a:bodyPr/>
+                        <a:lstStyle/>
+                        <a:p>
+                          <a:endParaRPr lang="en-SE"/>
+                        </a:p>
+                      </a:txBody>
+                      <a:tcPr>
+                        <a:blipFill>
+                          <a:blip r:embed="rId5"/>
+                          <a:stretch>
+                            <a:fillRect l="-100725" t="-501639" r="-502174" b="-24590"/>
+                          </a:stretch>
+                        </a:blipFill>
+                      </a:tcPr>
+                    </a:tc>
+                    <a:tc>
+                      <a:txBody>
+                        <a:bodyPr/>
+                        <a:lstStyle/>
+                        <a:p>
+                          <a:endParaRPr lang="en-SE"/>
+                        </a:p>
+                      </a:txBody>
+                      <a:tcPr>
+                        <a:blipFill>
+                          <a:blip r:embed="rId5"/>
+                          <a:stretch>
+                            <a:fillRect l="-200725" t="-501639" r="-402174" b="-24590"/>
+                          </a:stretch>
+                        </a:blipFill>
+                      </a:tcPr>
+                    </a:tc>
+                    <a:tc>
+                      <a:txBody>
+                        <a:bodyPr/>
+                        <a:lstStyle/>
+                        <a:p>
+                          <a:endParaRPr lang="en-SE"/>
+                        </a:p>
+                      </a:txBody>
+                      <a:tcPr>
+                        <a:blipFill>
+                          <a:blip r:embed="rId5"/>
+                          <a:stretch>
+                            <a:fillRect l="-302920" t="-501639" r="-305109" b="-24590"/>
+                          </a:stretch>
+                        </a:blipFill>
+                      </a:tcPr>
+                    </a:tc>
+                    <a:tc>
+                      <a:txBody>
+                        <a:bodyPr/>
+                        <a:lstStyle/>
+                        <a:p>
+                          <a:endParaRPr lang="en-SE"/>
+                        </a:p>
+                      </a:txBody>
+                      <a:tcPr>
+                        <a:blipFill>
+                          <a:blip r:embed="rId5"/>
+                          <a:stretch>
+                            <a:fillRect l="-400000" t="-501639" r="-202899" b="-24590"/>
+                          </a:stretch>
+                        </a:blipFill>
+                      </a:tcPr>
+                    </a:tc>
+                    <a:tc>
+                      <a:txBody>
+                        <a:bodyPr/>
+                        <a:lstStyle/>
+                        <a:p>
+                          <a:endParaRPr lang="en-SE"/>
+                        </a:p>
+                      </a:txBody>
+                      <a:tcPr>
+                        <a:blipFill>
+                          <a:blip r:embed="rId5"/>
+                          <a:stretch>
+                            <a:fillRect l="-500000" t="-501639" r="-102899" b="-24590"/>
+                          </a:stretch>
+                        </a:blipFill>
+                      </a:tcPr>
+                    </a:tc>
+                    <a:tc>
+                      <a:txBody>
+                        <a:bodyPr/>
+                        <a:lstStyle/>
+                        <a:p>
+                          <a:endParaRPr lang="en-SE"/>
+                        </a:p>
+                      </a:txBody>
+                      <a:tcPr>
+                        <a:blipFill>
+                          <a:blip r:embed="rId5"/>
+                          <a:stretch>
+                            <a:fillRect l="-600000" t="-501639" r="-2899" b="-24590"/>
+                          </a:stretch>
+                        </a:blipFill>
+                      </a:tcPr>
+                    </a:tc>
+                    <a:extLst>
+                      <a:ext uri="{0D108BD9-81ED-4DB2-BD59-A6C34878D82A}">
+                        <a16:rowId xmlns:a16="http://schemas.microsoft.com/office/drawing/2014/main" val="1653040171"/>
+                      </a:ext>
+                    </a:extLst>
+                  </a:tr>
+                </a:tbl>
+              </a:graphicData>
+            </a:graphic>
+          </p:graphicFrame>
+        </mc:Fallback>
+      </mc:AlternateContent>
+      <p:pic>
+        <p:nvPicPr>
+          <p:cNvPr id="8" name="Picture 7">
+            <a:extLst>
+              <a:ext uri="{FF2B5EF4-FFF2-40B4-BE49-F238E27FC236}">
+                <a16:creationId xmlns:a16="http://schemas.microsoft.com/office/drawing/2014/main" id="{1D88E1A6-F1D2-4677-AE3C-7C8EB3BD2741}"/>
+              </a:ext>
+            </a:extLst>
+          </p:cNvPr>
+          <p:cNvPicPr>
+            <a:picLocks noChangeAspect="1"/>
+          </p:cNvPicPr>
+          <p:nvPr/>
+        </p:nvPicPr>
+        <p:blipFill>
+          <a:blip r:embed="rId6"/>
+          <a:stretch>
+            <a:fillRect/>
+          </a:stretch>
+        </p:blipFill>
+        <p:spPr>
+          <a:xfrm>
+            <a:off x="76200" y="5004693"/>
+            <a:ext cx="2875826" cy="1742688"/>
+          </a:xfrm>
+          <a:prstGeom prst="rect">
+            <a:avLst/>
+          </a:prstGeom>
+        </p:spPr>
+      </p:pic>
+      <mc:AlternateContent xmlns:mc="http://schemas.openxmlformats.org/markup-compatibility/2006" xmlns:a14="http://schemas.microsoft.com/office/drawing/2010/main">
+        <mc:Choice Requires="a14">
+          <p:sp>
+            <p:nvSpPr>
+              <p:cNvPr id="9" name="TextBox 8">
+                <a:extLst>
+                  <a:ext uri="{FF2B5EF4-FFF2-40B4-BE49-F238E27FC236}">
+                    <a16:creationId xmlns:a16="http://schemas.microsoft.com/office/drawing/2014/main" id="{259BE790-4CB7-4ED4-838A-E71F567C5CE9}"/>
+                  </a:ext>
+                </a:extLst>
+              </p:cNvPr>
+              <p:cNvSpPr txBox="1"/>
+              <p:nvPr/>
+            </p:nvSpPr>
+            <p:spPr>
+              <a:xfrm>
+                <a:off x="305045" y="4549095"/>
+                <a:ext cx="505138" cy="523220"/>
+              </a:xfrm>
+              <a:prstGeom prst="rect">
+                <a:avLst/>
+              </a:prstGeom>
+              <a:noFill/>
+            </p:spPr>
+            <p:txBody>
+              <a:bodyPr wrap="none" rtlCol="0">
+                <a:spAutoFit/>
+              </a:bodyPr>
+              <a:lstStyle/>
+              <a:p>
+                <a:pPr/>
+                <a14:m>
+                  <m:oMathPara xmlns:m="http://schemas.openxmlformats.org/officeDocument/2006/math">
+                    <m:oMathParaPr>
+                      <m:jc m:val="centerGroup"/>
+                    </m:oMathParaPr>
+                    <m:oMath xmlns:m="http://schemas.openxmlformats.org/officeDocument/2006/math">
+                      <m:r>
+                        <a:rPr lang="en-US" sz="2800" i="1" dirty="0" smtClean="0">
+                          <a:latin typeface="Cambria Math" panose="02040503050406030204" pitchFamily="18" charset="0"/>
+                        </a:rPr>
+                        <m:t>𝑇</m:t>
+                      </m:r>
+                    </m:oMath>
+                  </m:oMathPara>
+                </a14:m>
+                <a:endParaRPr lang="en-SE" dirty="0"/>
+              </a:p>
+            </p:txBody>
+          </p:sp>
+        </mc:Choice>
+        <mc:Fallback xmlns="">
+          <p:sp>
+            <p:nvSpPr>
+              <p:cNvPr id="9" name="TextBox 8">
+                <a:extLst>
+                  <a:ext uri="{FF2B5EF4-FFF2-40B4-BE49-F238E27FC236}">
+                    <a16:creationId xmlns:a16="http://schemas.microsoft.com/office/drawing/2014/main" id="{259BE790-4CB7-4ED4-838A-E71F567C5CE9}"/>
+                  </a:ext>
+                </a:extLst>
+              </p:cNvPr>
+              <p:cNvSpPr txBox="1">
+                <a:spLocks noRot="1" noChangeAspect="1" noMove="1" noResize="1" noEditPoints="1" noAdjustHandles="1" noChangeArrowheads="1" noChangeShapeType="1" noTextEdit="1"/>
+              </p:cNvSpPr>
+              <p:nvPr/>
+            </p:nvSpPr>
+            <p:spPr>
+              <a:xfrm>
+                <a:off x="305045" y="4549095"/>
+                <a:ext cx="505138" cy="523220"/>
+              </a:xfrm>
+              <a:prstGeom prst="rect">
+                <a:avLst/>
+              </a:prstGeom>
+              <a:blipFill>
+                <a:blip r:embed="rId7"/>
+                <a:stretch>
+                  <a:fillRect/>
+                </a:stretch>
+              </a:blipFill>
+            </p:spPr>
+            <p:txBody>
+              <a:bodyPr/>
+              <a:lstStyle/>
+              <a:p>
+                <a:r>
+                  <a:rPr lang="en-SE">
+                    <a:noFill/>
+                  </a:rPr>
+                  <a:t> </a:t>
+                </a:r>
+              </a:p>
+            </p:txBody>
+          </p:sp>
+        </mc:Fallback>
+      </mc:AlternateContent>
+    </p:spTree>
+    <p:extLst>
+      <p:ext uri="{BB962C8B-B14F-4D97-AF65-F5344CB8AC3E}">
+        <p14:creationId xmlns:p14="http://schemas.microsoft.com/office/powerpoint/2010/main" val="1635031430"/>
+      </p:ext>
+    </p:extLst>
+  </p:cSld>
+  <p:clrMapOvr>
+    <a:masterClrMapping/>
+  </p:clrMapOvr>
+</p:sld>
+</file>
+
+<file path=ppt/slides/slide4.xml><?xml version="1.0" encoding="utf-8"?>
+<p:sld xmlns:a="http://schemas.openxmlformats.org/drawingml/2006/main" xmlns:r="http://schemas.openxmlformats.org/officeDocument/2006/relationships" xmlns:p="http://schemas.openxmlformats.org/presentationml/2006/main">
+  <p:cSld>
+    <p:spTree>
+      <p:nvGrpSpPr>
+        <p:cNvPr id="1" name=""/>
+        <p:cNvGrpSpPr/>
+        <p:nvPr/>
+      </p:nvGrpSpPr>
+      <p:grpSpPr>
+        <a:xfrm>
+          <a:off x="0" y="0"/>
+          <a:ext cx="0" cy="0"/>
+          <a:chOff x="0" y="0"/>
+          <a:chExt cx="0" cy="0"/>
+        </a:xfrm>
+      </p:grpSpPr>
+      <p:sp>
+        <p:nvSpPr>
+          <p:cNvPr id="2" name="Title 1">
+            <a:extLst>
+              <a:ext uri="{FF2B5EF4-FFF2-40B4-BE49-F238E27FC236}">
+                <a16:creationId xmlns:a16="http://schemas.microsoft.com/office/drawing/2014/main" id="{5682A130-F060-46EE-9E63-6EDFB74A551E}"/>
+              </a:ext>
+            </a:extLst>
+          </p:cNvPr>
+          <p:cNvSpPr>
+            <a:spLocks noGrp="1"/>
+          </p:cNvSpPr>
+          <p:nvPr>
+            <p:ph type="title"/>
+          </p:nvPr>
+        </p:nvSpPr>
+        <p:spPr/>
+        <p:txBody>
+          <a:bodyPr/>
+          <a:lstStyle/>
+          <a:p>
+            <a:r>
+              <a:rPr lang="en-US" dirty="0"/>
+              <a:t>Example 6.1: Driving Home</a:t>
+            </a:r>
+            <a:endParaRPr lang="en-SE" dirty="0"/>
+          </a:p>
+        </p:txBody>
+      </p:sp>
+      <mc:AlternateContent xmlns:mc="http://schemas.openxmlformats.org/markup-compatibility/2006" xmlns:a14="http://schemas.microsoft.com/office/drawing/2010/main">
+        <mc:Choice Requires="a14">
+          <p:sp>
+            <p:nvSpPr>
+              <p:cNvPr id="3" name="Content Placeholder 2">
+                <a:extLst>
+                  <a:ext uri="{FF2B5EF4-FFF2-40B4-BE49-F238E27FC236}">
+                    <a16:creationId xmlns:a16="http://schemas.microsoft.com/office/drawing/2014/main" id="{6D65234F-6AA0-481F-9D98-1963DF5DCAB1}"/>
+                  </a:ext>
+                </a:extLst>
+              </p:cNvPr>
+              <p:cNvSpPr>
+                <a:spLocks noGrp="1"/>
+              </p:cNvSpPr>
+              <p:nvPr>
+                <p:ph idx="1"/>
+              </p:nvPr>
+            </p:nvSpPr>
+            <p:spPr>
+              <a:xfrm>
+                <a:off x="0" y="1181700"/>
+                <a:ext cx="4302000" cy="5105400"/>
+              </a:xfrm>
+            </p:spPr>
+            <p:txBody>
+              <a:bodyPr>
+                <a:normAutofit fontScale="85000" lnSpcReduction="10000"/>
+              </a:bodyPr>
+              <a:lstStyle/>
+              <a:p>
+                <a:r>
+                  <a:rPr lang="en-US" dirty="0"/>
+                  <a:t>The rewards are the elapsed times on each leg of the journey. Discount factor </a:t>
+                </a:r>
+                <a14:m>
+                  <m:oMath xmlns:m="http://schemas.openxmlformats.org/officeDocument/2006/math">
+                    <m:r>
+                      <a:rPr lang="en-US" b="0" i="1" smtClean="0">
+                        <a:latin typeface="Cambria Math" panose="02040503050406030204" pitchFamily="18" charset="0"/>
+                      </a:rPr>
+                      <m:t>𝛾</m:t>
+                    </m:r>
+                    <m:r>
+                      <a:rPr lang="en-US" b="0" i="1" smtClean="0">
+                        <a:latin typeface="Cambria Math" panose="02040503050406030204" pitchFamily="18" charset="0"/>
+                      </a:rPr>
+                      <m:t>=1</m:t>
+                    </m:r>
+                  </m:oMath>
+                </a14:m>
+                <a:r>
+                  <a:rPr lang="en-US" dirty="0"/>
+                  <a:t>, thus the return for each state </a:t>
+                </a:r>
+                <a14:m>
+                  <m:oMath xmlns:m="http://schemas.openxmlformats.org/officeDocument/2006/math">
+                    <m:r>
+                      <a:rPr lang="en-US" b="0" i="1" smtClean="0">
+                        <a:latin typeface="Cambria Math" panose="02040503050406030204" pitchFamily="18" charset="0"/>
+                      </a:rPr>
+                      <m:t>𝑅</m:t>
+                    </m:r>
+                    <m:r>
+                      <a:rPr lang="en-US" b="0" i="1" smtClean="0">
+                        <a:latin typeface="Cambria Math" panose="02040503050406030204" pitchFamily="18" charset="0"/>
+                      </a:rPr>
+                      <m:t>(</m:t>
+                    </m:r>
+                    <m:r>
+                      <a:rPr lang="en-US" b="0" i="1" smtClean="0">
+                        <a:latin typeface="Cambria Math" panose="02040503050406030204" pitchFamily="18" charset="0"/>
+                      </a:rPr>
+                      <m:t>𝑠</m:t>
+                    </m:r>
+                    <m:r>
+                      <a:rPr lang="en-US" b="0" i="1" smtClean="0">
+                        <a:latin typeface="Cambria Math" panose="02040503050406030204" pitchFamily="18" charset="0"/>
+                      </a:rPr>
+                      <m:t>)</m:t>
+                    </m:r>
+                  </m:oMath>
+                </a14:m>
+                <a:r>
+                  <a:rPr lang="en-US" dirty="0"/>
+                  <a:t> is the actual time to go home from that state. The value </a:t>
+                </a:r>
+                <a14:m>
+                  <m:oMath xmlns:m="http://schemas.openxmlformats.org/officeDocument/2006/math">
+                    <m:r>
+                      <a:rPr lang="en-US" b="0" i="1" smtClean="0">
+                        <a:latin typeface="Cambria Math" panose="02040503050406030204" pitchFamily="18" charset="0"/>
+                      </a:rPr>
+                      <m:t>𝑉</m:t>
+                    </m:r>
+                    <m:d>
+                      <m:dPr>
+                        <m:ctrlPr>
+                          <a:rPr lang="en-US" b="0" i="1" smtClean="0">
+                            <a:latin typeface="Cambria Math" panose="02040503050406030204" pitchFamily="18" charset="0"/>
+                          </a:rPr>
+                        </m:ctrlPr>
+                      </m:dPr>
+                      <m:e>
+                        <m:r>
+                          <a:rPr lang="en-US" b="0" i="1" smtClean="0">
+                            <a:latin typeface="Cambria Math" panose="02040503050406030204" pitchFamily="18" charset="0"/>
+                          </a:rPr>
+                          <m:t>𝑠</m:t>
+                        </m:r>
+                      </m:e>
+                    </m:d>
+                    <m:r>
+                      <a:rPr lang="en-US" b="0" i="1" smtClean="0">
+                        <a:latin typeface="Cambria Math" panose="02040503050406030204" pitchFamily="18" charset="0"/>
+                      </a:rPr>
+                      <m:t>=</m:t>
+                    </m:r>
+                    <m:sSub>
+                      <m:sSubPr>
+                        <m:ctrlPr>
+                          <a:rPr lang="en-US" b="0" i="1" smtClean="0">
+                            <a:latin typeface="Cambria Math" panose="02040503050406030204" pitchFamily="18" charset="0"/>
+                          </a:rPr>
+                        </m:ctrlPr>
+                      </m:sSubPr>
+                      <m:e>
+                        <m:r>
+                          <a:rPr lang="en-US" b="0" i="1" smtClean="0">
+                            <a:latin typeface="Cambria Math" panose="02040503050406030204" pitchFamily="18" charset="0"/>
+                          </a:rPr>
+                          <m:t>𝐸</m:t>
+                        </m:r>
+                      </m:e>
+                      <m:sub>
+                        <m:r>
+                          <a:rPr lang="en-US" b="0" i="1" smtClean="0">
+                            <a:latin typeface="Cambria Math" panose="02040503050406030204" pitchFamily="18" charset="0"/>
+                          </a:rPr>
+                          <m:t>𝜋</m:t>
+                        </m:r>
+                      </m:sub>
+                    </m:sSub>
+                    <m:r>
+                      <a:rPr lang="en-US" b="0" i="1" smtClean="0">
+                        <a:latin typeface="Cambria Math" panose="02040503050406030204" pitchFamily="18" charset="0"/>
+                      </a:rPr>
+                      <m:t>(</m:t>
+                    </m:r>
+                    <m:r>
+                      <a:rPr lang="en-US" b="0" i="1" smtClean="0">
+                        <a:latin typeface="Cambria Math" panose="02040503050406030204" pitchFamily="18" charset="0"/>
+                      </a:rPr>
+                      <m:t>𝑅</m:t>
+                    </m:r>
+                    <m:r>
+                      <a:rPr lang="en-US" b="0" i="1" smtClean="0">
+                        <a:latin typeface="Cambria Math" panose="02040503050406030204" pitchFamily="18" charset="0"/>
+                      </a:rPr>
+                      <m:t>(</m:t>
+                    </m:r>
+                    <m:r>
+                      <a:rPr lang="en-US" b="0" i="1" smtClean="0">
+                        <a:latin typeface="Cambria Math" panose="02040503050406030204" pitchFamily="18" charset="0"/>
+                      </a:rPr>
+                      <m:t>𝑠</m:t>
+                    </m:r>
+                    <m:r>
+                      <a:rPr lang="en-US" b="0" i="1" smtClean="0">
+                        <a:latin typeface="Cambria Math" panose="02040503050406030204" pitchFamily="18" charset="0"/>
+                      </a:rPr>
+                      <m:t>))</m:t>
+                    </m:r>
+                  </m:oMath>
+                </a14:m>
+                <a:r>
+                  <a:rPr lang="en-US" dirty="0"/>
+                  <a:t> of each state </a:t>
+                </a:r>
+                <a14:m>
+                  <m:oMath xmlns:m="http://schemas.openxmlformats.org/officeDocument/2006/math">
+                    <m:r>
+                      <a:rPr lang="en-US" i="1" dirty="0" smtClean="0">
+                        <a:latin typeface="Cambria Math" panose="02040503050406030204" pitchFamily="18" charset="0"/>
+                      </a:rPr>
+                      <m:t>𝑠</m:t>
+                    </m:r>
+                  </m:oMath>
+                </a14:m>
+                <a:r>
+                  <a:rPr lang="en-US" dirty="0"/>
+                  <a:t> (number in circle) is the expected time to go. </a:t>
+                </a:r>
+              </a:p>
+              <a:p>
+                <a:r>
+                  <a:rPr lang="en-US" dirty="0"/>
+                  <a:t>MC: update all </a:t>
+                </a:r>
+                <a14:m>
+                  <m:oMath xmlns:m="http://schemas.openxmlformats.org/officeDocument/2006/math">
+                    <m:r>
+                      <a:rPr lang="en-US" b="0" i="1" smtClean="0">
+                        <a:latin typeface="Cambria Math" panose="02040503050406030204" pitchFamily="18" charset="0"/>
+                      </a:rPr>
+                      <m:t>𝑉</m:t>
+                    </m:r>
+                    <m:d>
+                      <m:dPr>
+                        <m:ctrlPr>
+                          <a:rPr lang="en-US" b="0" i="1" smtClean="0">
+                            <a:latin typeface="Cambria Math" panose="02040503050406030204" pitchFamily="18" charset="0"/>
+                          </a:rPr>
+                        </m:ctrlPr>
+                      </m:dPr>
+                      <m:e>
+                        <m:r>
+                          <a:rPr lang="en-US" b="0" i="1" smtClean="0">
+                            <a:latin typeface="Cambria Math" panose="02040503050406030204" pitchFamily="18" charset="0"/>
+                          </a:rPr>
+                          <m:t>𝑠</m:t>
+                        </m:r>
+                      </m:e>
+                    </m:d>
+                  </m:oMath>
+                </a14:m>
+                <a:r>
+                  <a:rPr lang="en-US" dirty="0"/>
+                  <a:t> towhen you get </a:t>
+                </a:r>
+                <a:r>
+                  <a:rPr lang="en-US" dirty="0" err="1"/>
+                  <a:t>hom</a:t>
+                </a:r>
+                <a:r>
+                  <a:rPr lang="en-US" dirty="0"/>
+                  <a:t>.</a:t>
+                </a:r>
+                <a:endParaRPr lang="en-SE" dirty="0"/>
+              </a:p>
+            </p:txBody>
+          </p:sp>
+        </mc:Choice>
+        <mc:Fallback xmlns="">
+          <p:sp>
+            <p:nvSpPr>
+              <p:cNvPr id="3" name="Content Placeholder 2">
+                <a:extLst>
+                  <a:ext uri="{FF2B5EF4-FFF2-40B4-BE49-F238E27FC236}">
+                    <a16:creationId xmlns:a16="http://schemas.microsoft.com/office/drawing/2014/main" id="{6D65234F-6AA0-481F-9D98-1963DF5DCAB1}"/>
+                  </a:ext>
+                </a:extLst>
+              </p:cNvPr>
+              <p:cNvSpPr>
+                <a:spLocks noGrp="1" noRot="1" noChangeAspect="1" noMove="1" noResize="1" noEditPoints="1" noAdjustHandles="1" noChangeArrowheads="1" noChangeShapeType="1" noTextEdit="1"/>
+              </p:cNvSpPr>
+              <p:nvPr>
+                <p:ph idx="1"/>
+              </p:nvPr>
+            </p:nvSpPr>
+            <p:spPr>
+              <a:xfrm>
+                <a:off x="0" y="1181700"/>
+                <a:ext cx="4302000" cy="5105400"/>
+              </a:xfrm>
+              <a:blipFill>
+                <a:blip r:embed="rId2"/>
+                <a:stretch>
+                  <a:fillRect l="-2408" t="-1912" r="-3258" b="-836"/>
+                </a:stretch>
+              </a:blipFill>
+            </p:spPr>
+            <p:txBody>
+              <a:bodyPr/>
+              <a:lstStyle/>
+              <a:p>
+                <a:r>
+                  <a:rPr lang="en-SE">
+                    <a:noFill/>
+                  </a:rPr>
+                  <a:t> </a:t>
+                </a:r>
+              </a:p>
+            </p:txBody>
+          </p:sp>
+        </mc:Fallback>
+      </mc:AlternateContent>
+      <p:sp>
+        <p:nvSpPr>
+          <p:cNvPr id="4" name="Slide Number Placeholder 3">
+            <a:extLst>
+              <a:ext uri="{FF2B5EF4-FFF2-40B4-BE49-F238E27FC236}">
+                <a16:creationId xmlns:a16="http://schemas.microsoft.com/office/drawing/2014/main" id="{B284AEBE-4505-4787-9E1B-CBE77E02B1B4}"/>
+              </a:ext>
+            </a:extLst>
+          </p:cNvPr>
+          <p:cNvSpPr>
+            <a:spLocks noGrp="1"/>
+          </p:cNvSpPr>
+          <p:nvPr>
+            <p:ph type="sldNum" sz="quarter" idx="12"/>
+          </p:nvPr>
+        </p:nvSpPr>
+        <p:spPr bwMode="auto">
+          <a:xfrm>
+            <a:off x="6934200" y="6530035"/>
+            <a:ext cx="2133600" cy="244475"/>
+          </a:xfrm>
+          <a:prstGeom prst="rect">
+            <a:avLst/>
+          </a:prstGeom>
+          <a:noFill/>
+          <a:ln w="9525">
+            <a:noFill/>
+            <a:miter lim="800000"/>
+            <a:headEnd/>
+            <a:tailEnd/>
+          </a:ln>
+          <a:effectLst/>
+        </p:spPr>
+        <p:txBody>
+          <a:bodyPr vert="horz" wrap="square" lIns="91440" tIns="45720" rIns="91440" bIns="45720" numCol="1" anchor="t" anchorCtr="0" compatLnSpc="1">
+            <a:prstTxWarp prst="textNoShape">
+              <a:avLst/>
+            </a:prstTxWarp>
+          </a:bodyPr>
+          <a:lstStyle>
+            <a:defPPr>
+              <a:defRPr lang="en-US"/>
+            </a:defPPr>
+            <a:lvl1pPr algn="r" rtl="0" fontAlgn="base">
+              <a:spcBef>
+                <a:spcPct val="0"/>
+              </a:spcBef>
+              <a:spcAft>
+                <a:spcPct val="0"/>
+              </a:spcAft>
+              <a:defRPr sz="1200" kern="1200">
+                <a:solidFill>
+                  <a:schemeClr val="tx1"/>
+                </a:solidFill>
+                <a:latin typeface="Arial" charset="0"/>
+                <a:ea typeface="宋体" charset="-122"/>
+                <a:cs typeface="+mn-cs"/>
+              </a:defRPr>
+            </a:lvl1pPr>
+            <a:lvl2pPr marL="457200" algn="l" rtl="0" fontAlgn="base">
+              <a:spcBef>
+                <a:spcPct val="0"/>
+              </a:spcBef>
+              <a:spcAft>
+                <a:spcPct val="0"/>
+              </a:spcAft>
+              <a:defRPr kern="1200">
+                <a:solidFill>
+                  <a:schemeClr val="tx1"/>
+                </a:solidFill>
+                <a:latin typeface="Arial" charset="0"/>
+                <a:ea typeface="+mn-ea"/>
+                <a:cs typeface="+mn-cs"/>
+              </a:defRPr>
+            </a:lvl2pPr>
+            <a:lvl3pPr marL="914400" algn="l" rtl="0" fontAlgn="base">
+              <a:spcBef>
+                <a:spcPct val="0"/>
+              </a:spcBef>
+              <a:spcAft>
+                <a:spcPct val="0"/>
+              </a:spcAft>
+              <a:defRPr kern="1200">
+                <a:solidFill>
+                  <a:schemeClr val="tx1"/>
+                </a:solidFill>
+                <a:latin typeface="Arial" charset="0"/>
+                <a:ea typeface="+mn-ea"/>
+                <a:cs typeface="+mn-cs"/>
+              </a:defRPr>
+            </a:lvl3pPr>
+            <a:lvl4pPr marL="1371600" algn="l" rtl="0" fontAlgn="base">
+              <a:spcBef>
+                <a:spcPct val="0"/>
+              </a:spcBef>
+              <a:spcAft>
+                <a:spcPct val="0"/>
+              </a:spcAft>
+              <a:defRPr kern="1200">
+                <a:solidFill>
+                  <a:schemeClr val="tx1"/>
+                </a:solidFill>
+                <a:latin typeface="Arial" charset="0"/>
+                <a:ea typeface="+mn-ea"/>
+                <a:cs typeface="+mn-cs"/>
+              </a:defRPr>
+            </a:lvl4pPr>
+            <a:lvl5pPr marL="1828800" algn="l" rtl="0" fontAlgn="base">
+              <a:spcBef>
+                <a:spcPct val="0"/>
+              </a:spcBef>
+              <a:spcAft>
+                <a:spcPct val="0"/>
+              </a:spcAft>
+              <a:defRPr kern="1200">
+                <a:solidFill>
+                  <a:schemeClr val="tx1"/>
+                </a:solidFill>
+                <a:latin typeface="Arial" charset="0"/>
+                <a:ea typeface="+mn-ea"/>
+                <a:cs typeface="+mn-cs"/>
+              </a:defRPr>
+            </a:lvl5pPr>
+            <a:lvl6pPr marL="2286000" algn="l" defTabSz="914400" rtl="0" eaLnBrk="1" latinLnBrk="0" hangingPunct="1">
+              <a:defRPr kern="1200">
+                <a:solidFill>
+                  <a:schemeClr val="tx1"/>
+                </a:solidFill>
+                <a:latin typeface="Arial" charset="0"/>
+                <a:ea typeface="+mn-ea"/>
+                <a:cs typeface="+mn-cs"/>
+              </a:defRPr>
+            </a:lvl6pPr>
+            <a:lvl7pPr marL="2743200" algn="l" defTabSz="914400" rtl="0" eaLnBrk="1" latinLnBrk="0" hangingPunct="1">
+              <a:defRPr kern="1200">
+                <a:solidFill>
+                  <a:schemeClr val="tx1"/>
+                </a:solidFill>
+                <a:latin typeface="Arial" charset="0"/>
+                <a:ea typeface="+mn-ea"/>
+                <a:cs typeface="+mn-cs"/>
+              </a:defRPr>
+            </a:lvl7pPr>
+            <a:lvl8pPr marL="3200400" algn="l" defTabSz="914400" rtl="0" eaLnBrk="1" latinLnBrk="0" hangingPunct="1">
+              <a:defRPr kern="1200">
+                <a:solidFill>
+                  <a:schemeClr val="tx1"/>
+                </a:solidFill>
+                <a:latin typeface="Arial" charset="0"/>
+                <a:ea typeface="+mn-ea"/>
+                <a:cs typeface="+mn-cs"/>
+              </a:defRPr>
+            </a:lvl8pPr>
+            <a:lvl9pPr marL="3657600" algn="l" defTabSz="914400" rtl="0" eaLnBrk="1" latinLnBrk="0" hangingPunct="1">
+              <a:defRPr kern="1200">
+                <a:solidFill>
+                  <a:schemeClr val="tx1"/>
+                </a:solidFill>
+                <a:latin typeface="Arial" charset="0"/>
+                <a:ea typeface="+mn-ea"/>
+                <a:cs typeface="+mn-cs"/>
+              </a:defRPr>
+            </a:lvl9pPr>
+          </a:lstStyle>
+          <a:p>
+            <a:pPr>
+              <a:defRPr/>
+            </a:pPr>
+            <a:fld id="{F57F456A-00AF-44E6-8D70-638C0D0130FF}" type="slidenum">
+              <a:rPr lang="en-US" altLang="zh-CN" smtClean="0"/>
+              <a:pPr>
+                <a:defRPr/>
+              </a:pPr>
+              <a:t>4</a:t>
+            </a:fld>
+            <a:endParaRPr lang="en-US" altLang="zh-CN"/>
+          </a:p>
+        </p:txBody>
+      </p:sp>
+      <p:pic>
+        <p:nvPicPr>
+          <p:cNvPr id="6" name="Picture 5">
+            <a:extLst>
+              <a:ext uri="{FF2B5EF4-FFF2-40B4-BE49-F238E27FC236}">
+                <a16:creationId xmlns:a16="http://schemas.microsoft.com/office/drawing/2014/main" id="{65A5597A-E0D0-4F8C-853A-DE834BEC6367}"/>
+              </a:ext>
+            </a:extLst>
+          </p:cNvPr>
+          <p:cNvPicPr>
+            <a:picLocks noChangeAspect="1"/>
+          </p:cNvPicPr>
+          <p:nvPr/>
+        </p:nvPicPr>
+        <p:blipFill>
+          <a:blip r:embed="rId3"/>
+          <a:stretch>
+            <a:fillRect/>
+          </a:stretch>
+        </p:blipFill>
+        <p:spPr>
+          <a:xfrm>
+            <a:off x="4286959" y="3429001"/>
+            <a:ext cx="4780841" cy="2247300"/>
+          </a:xfrm>
+          <a:prstGeom prst="rect">
+            <a:avLst/>
+          </a:prstGeom>
+        </p:spPr>
+      </p:pic>
+      <p:pic>
+        <p:nvPicPr>
+          <p:cNvPr id="7" name="Picture 6">
+            <a:extLst>
+              <a:ext uri="{FF2B5EF4-FFF2-40B4-BE49-F238E27FC236}">
+                <a16:creationId xmlns:a16="http://schemas.microsoft.com/office/drawing/2014/main" id="{450F5511-A947-4100-8001-3F2CC0BA3DDA}"/>
+              </a:ext>
+            </a:extLst>
+          </p:cNvPr>
+          <p:cNvPicPr>
+            <a:picLocks noChangeAspect="1"/>
+          </p:cNvPicPr>
+          <p:nvPr/>
+        </p:nvPicPr>
+        <p:blipFill>
+          <a:blip r:embed="rId4"/>
+          <a:stretch>
+            <a:fillRect/>
+          </a:stretch>
+        </p:blipFill>
+        <p:spPr>
+          <a:xfrm>
+            <a:off x="4464962" y="1324292"/>
+            <a:ext cx="4602838" cy="2056007"/>
+          </a:xfrm>
+          <a:prstGeom prst="rect">
+            <a:avLst/>
+          </a:prstGeom>
+        </p:spPr>
+      </p:pic>
+    </p:spTree>
+    <p:extLst>
+      <p:ext uri="{BB962C8B-B14F-4D97-AF65-F5344CB8AC3E}">
+        <p14:creationId xmlns:p14="http://schemas.microsoft.com/office/powerpoint/2010/main" val="2025952131"/>
+      </p:ext>
+    </p:extLst>
+  </p:cSld>
+  <p:clrMapOvr>
+    <a:masterClrMapping/>
+  </p:clrMapOvr>
+</p:sld>
+</file>
+
+<file path=ppt/slides/slide5.xml><?xml version="1.0" encoding="utf-8"?>
+<p:sld xmlns:a="http://schemas.openxmlformats.org/drawingml/2006/main" xmlns:r="http://schemas.openxmlformats.org/officeDocument/2006/relationships" xmlns:p="http://schemas.openxmlformats.org/presentationml/2006/main">
+  <p:cSld>
+    <p:spTree>
+      <p:nvGrpSpPr>
+        <p:cNvPr id="1" name=""/>
+        <p:cNvGrpSpPr/>
+        <p:nvPr/>
+      </p:nvGrpSpPr>
+      <p:grpSpPr>
+        <a:xfrm>
+          <a:off x="0" y="0"/>
+          <a:ext cx="0" cy="0"/>
+          <a:chOff x="0" y="0"/>
+          <a:chExt cx="0" cy="0"/>
+        </a:xfrm>
+      </p:grpSpPr>
+      <p:sp>
+        <p:nvSpPr>
+          <p:cNvPr id="2" name="Title 1">
+            <a:extLst>
+              <a:ext uri="{FF2B5EF4-FFF2-40B4-BE49-F238E27FC236}">
+                <a16:creationId xmlns:a16="http://schemas.microsoft.com/office/drawing/2014/main" id="{C4CC5A1E-1764-4E4A-B5F2-D07AB4707533}"/>
+              </a:ext>
+            </a:extLst>
+          </p:cNvPr>
+          <p:cNvSpPr>
+            <a:spLocks noGrp="1"/>
+          </p:cNvSpPr>
+          <p:nvPr>
+            <p:ph type="title"/>
+          </p:nvPr>
+        </p:nvSpPr>
+        <p:spPr/>
+        <p:txBody>
+          <a:bodyPr/>
+          <a:lstStyle/>
+          <a:p>
+            <a:r>
+              <a:rPr lang="en-US" dirty="0"/>
+              <a:t>Return and Value Functions</a:t>
+            </a:r>
+            <a:endParaRPr lang="en-SE" dirty="0"/>
+          </a:p>
+        </p:txBody>
+      </p:sp>
+      <mc:AlternateContent xmlns:mc="http://schemas.openxmlformats.org/markup-compatibility/2006" xmlns:a14="http://schemas.microsoft.com/office/drawing/2010/main">
+        <mc:Choice Requires="a14">
+          <p:sp>
+            <p:nvSpPr>
+              <p:cNvPr id="3" name="Content Placeholder 2">
+                <a:extLst>
+                  <a:ext uri="{FF2B5EF4-FFF2-40B4-BE49-F238E27FC236}">
+                    <a16:creationId xmlns:a16="http://schemas.microsoft.com/office/drawing/2014/main" id="{E21F40FA-75F9-4936-976E-2883595213F9}"/>
+                  </a:ext>
+                </a:extLst>
+              </p:cNvPr>
+              <p:cNvSpPr>
+                <a:spLocks noGrp="1"/>
+              </p:cNvSpPr>
+              <p:nvPr>
+                <p:ph idx="1"/>
+              </p:nvPr>
+            </p:nvSpPr>
+            <p:spPr/>
+            <p:txBody>
+              <a:bodyPr/>
+              <a:lstStyle/>
+              <a:p>
+                <a:r>
+                  <a:rPr lang="en-US" dirty="0"/>
+                  <a:t>Consider episodic tasks with episode length </a:t>
+                </a:r>
+                <a14:m>
+                  <m:oMath xmlns:m="http://schemas.openxmlformats.org/officeDocument/2006/math">
+                    <m:r>
+                      <a:rPr lang="en-US" b="0" i="1" smtClean="0">
+                        <a:latin typeface="Cambria Math" panose="02040503050406030204" pitchFamily="18" charset="0"/>
+                      </a:rPr>
+                      <m:t>𝑇</m:t>
+                    </m:r>
+                  </m:oMath>
+                </a14:m>
+                <a:r>
+                  <a:rPr lang="en-US" dirty="0"/>
+                  <a:t>: </a:t>
+                </a:r>
+              </a:p>
+              <a:p>
+                <a:pPr lvl="1"/>
+                <a:r>
+                  <a:rPr lang="en-US" sz="2900" dirty="0">
+                    <a:solidFill>
+                      <a:srgbClr val="C00000"/>
+                    </a:solidFill>
+                  </a:rPr>
+                  <a:t>Return</a:t>
+                </a:r>
+                <a:r>
+                  <a:rPr lang="en-US" sz="2900" dirty="0"/>
+                  <a:t> (cumulative discounted reward) at time </a:t>
+                </a:r>
+                <a14:m>
+                  <m:oMath xmlns:m="http://schemas.openxmlformats.org/officeDocument/2006/math">
+                    <m:r>
+                      <a:rPr lang="en-US" sz="2900" b="0" i="1" smtClean="0">
+                        <a:latin typeface="Cambria Math" panose="02040503050406030204" pitchFamily="18" charset="0"/>
+                      </a:rPr>
+                      <m:t>𝑡</m:t>
+                    </m:r>
+                  </m:oMath>
+                </a14:m>
+                <a:r>
+                  <a:rPr lang="en-US" sz="2900" dirty="0"/>
+                  <a:t>: </a:t>
+                </a:r>
+                <a14:m>
+                  <m:oMath xmlns:m="http://schemas.openxmlformats.org/officeDocument/2006/math">
+                    <m:sSub>
+                      <m:sSubPr>
+                        <m:ctrlPr>
+                          <a:rPr lang="en-US" sz="2900" i="1">
+                            <a:latin typeface="Cambria Math" panose="02040503050406030204" pitchFamily="18" charset="0"/>
+                          </a:rPr>
+                        </m:ctrlPr>
+                      </m:sSubPr>
+                      <m:e>
+                        <m:r>
+                          <a:rPr lang="en-US" sz="2900" i="1">
+                            <a:latin typeface="Cambria Math" panose="02040503050406030204" pitchFamily="18" charset="0"/>
+                          </a:rPr>
+                          <m:t>𝐺</m:t>
+                        </m:r>
+                      </m:e>
+                      <m:sub>
+                        <m:r>
+                          <a:rPr lang="en-US" sz="2900" i="1">
+                            <a:latin typeface="Cambria Math" panose="02040503050406030204" pitchFamily="18" charset="0"/>
+                          </a:rPr>
+                          <m:t>𝑡</m:t>
+                        </m:r>
+                      </m:sub>
+                    </m:sSub>
+                    <m:r>
+                      <a:rPr lang="en-US" sz="2900" i="1">
+                        <a:latin typeface="Cambria Math" panose="02040503050406030204" pitchFamily="18" charset="0"/>
+                      </a:rPr>
+                      <m:t>≐</m:t>
+                    </m:r>
+                    <m:nary>
+                      <m:naryPr>
+                        <m:chr m:val="∑"/>
+                        <m:ctrlPr>
+                          <a:rPr lang="en-US" sz="2900" i="1">
+                            <a:latin typeface="Cambria Math" panose="02040503050406030204" pitchFamily="18" charset="0"/>
+                          </a:rPr>
+                        </m:ctrlPr>
+                      </m:naryPr>
+                      <m:sub>
+                        <m:r>
+                          <m:rPr>
+                            <m:brk m:alnAt="23"/>
+                          </m:rPr>
+                          <a:rPr lang="en-US" sz="2900" i="1">
+                            <a:latin typeface="Cambria Math" panose="02040503050406030204" pitchFamily="18" charset="0"/>
+                          </a:rPr>
+                          <m:t>𝑘</m:t>
+                        </m:r>
+                        <m:r>
+                          <a:rPr lang="en-US" sz="2900" i="1">
+                            <a:latin typeface="Cambria Math" panose="02040503050406030204" pitchFamily="18" charset="0"/>
+                          </a:rPr>
+                          <m:t>=0</m:t>
+                        </m:r>
+                      </m:sub>
+                      <m:sup>
+                        <m:r>
+                          <a:rPr lang="en-US" sz="2900" i="1">
+                            <a:latin typeface="Cambria Math" panose="02040503050406030204" pitchFamily="18" charset="0"/>
+                          </a:rPr>
+                          <m:t>𝑇</m:t>
+                        </m:r>
+                        <m:r>
+                          <a:rPr lang="en-US" sz="2900" i="1">
+                            <a:latin typeface="Cambria Math" panose="02040503050406030204" pitchFamily="18" charset="0"/>
+                          </a:rPr>
+                          <m:t>−1</m:t>
+                        </m:r>
+                      </m:sup>
+                      <m:e>
+                        <m:sSup>
+                          <m:sSupPr>
+                            <m:ctrlPr>
+                              <a:rPr lang="en-US" sz="2900" i="1">
+                                <a:latin typeface="Cambria Math" panose="02040503050406030204" pitchFamily="18" charset="0"/>
+                              </a:rPr>
+                            </m:ctrlPr>
+                          </m:sSupPr>
+                          <m:e>
+                            <m:r>
+                              <a:rPr lang="en-US" sz="2900" i="1">
+                                <a:latin typeface="Cambria Math" panose="02040503050406030204" pitchFamily="18" charset="0"/>
+                              </a:rPr>
+                              <m:t>𝛾</m:t>
+                            </m:r>
+                          </m:e>
+                          <m:sup>
+                            <m:r>
+                              <a:rPr lang="en-US" sz="2900" i="1">
+                                <a:latin typeface="Cambria Math" panose="02040503050406030204" pitchFamily="18" charset="0"/>
+                              </a:rPr>
+                              <m:t>𝑘</m:t>
+                            </m:r>
+                          </m:sup>
+                        </m:sSup>
+                      </m:e>
+                    </m:nary>
+                    <m:sSub>
+                      <m:sSubPr>
+                        <m:ctrlPr>
+                          <a:rPr lang="en-US" sz="2900" i="1">
+                            <a:latin typeface="Cambria Math" panose="02040503050406030204" pitchFamily="18" charset="0"/>
+                          </a:rPr>
+                        </m:ctrlPr>
+                      </m:sSubPr>
+                      <m:e>
+                        <m:r>
+                          <a:rPr lang="en-US" sz="2900" i="1">
+                            <a:latin typeface="Cambria Math" panose="02040503050406030204" pitchFamily="18" charset="0"/>
+                          </a:rPr>
+                          <m:t>𝑅</m:t>
+                        </m:r>
+                      </m:e>
+                      <m:sub>
+                        <m:r>
+                          <a:rPr lang="en-US" sz="2900" i="1">
+                            <a:latin typeface="Cambria Math" panose="02040503050406030204" pitchFamily="18" charset="0"/>
+                          </a:rPr>
+                          <m:t>𝑡</m:t>
+                        </m:r>
+                        <m:r>
+                          <a:rPr lang="en-US" sz="2900" i="1">
+                            <a:latin typeface="Cambria Math" panose="02040503050406030204" pitchFamily="18" charset="0"/>
+                          </a:rPr>
+                          <m:t>+</m:t>
+                        </m:r>
+                        <m:r>
+                          <a:rPr lang="en-US" sz="2900" i="1">
+                            <a:latin typeface="Cambria Math" panose="02040503050406030204" pitchFamily="18" charset="0"/>
+                          </a:rPr>
+                          <m:t>𝑘</m:t>
+                        </m:r>
+                        <m:r>
+                          <a:rPr lang="en-US" sz="2900" i="1">
+                            <a:latin typeface="Cambria Math" panose="02040503050406030204" pitchFamily="18" charset="0"/>
+                          </a:rPr>
+                          <m:t>+1</m:t>
+                        </m:r>
+                      </m:sub>
+                    </m:sSub>
+                  </m:oMath>
+                </a14:m>
+                <a:endParaRPr lang="en-US" sz="2900" dirty="0"/>
+              </a:p>
+              <a:p>
+                <a:pPr lvl="1"/>
+                <a:r>
+                  <a:rPr lang="en-US" sz="2900" b="0" dirty="0">
+                    <a:solidFill>
+                      <a:srgbClr val="C00000"/>
+                    </a:solidFill>
+                  </a:rPr>
+                  <a:t>State Value Function </a:t>
+                </a:r>
+                <a:r>
+                  <a:rPr lang="en-US" sz="2900" b="0" dirty="0"/>
+                  <a:t>is expected return under policy </a:t>
+                </a:r>
+                <a14:m>
+                  <m:oMath xmlns:m="http://schemas.openxmlformats.org/officeDocument/2006/math">
+                    <m:r>
+                      <a:rPr lang="en-US" sz="2900" b="0" i="1" smtClean="0">
+                        <a:latin typeface="Cambria Math" panose="02040503050406030204" pitchFamily="18" charset="0"/>
+                      </a:rPr>
+                      <m:t>𝜋</m:t>
+                    </m:r>
+                  </m:oMath>
+                </a14:m>
+                <a:r>
+                  <a:rPr lang="en-US" sz="2900" b="0" dirty="0"/>
+                  <a:t>: </a:t>
+                </a:r>
+                <a14:m>
+                  <m:oMath xmlns:m="http://schemas.openxmlformats.org/officeDocument/2006/math">
+                    <m:sSub>
+                      <m:sSubPr>
+                        <m:ctrlPr>
+                          <a:rPr lang="en-US" sz="2900" b="0" i="1" smtClean="0">
+                            <a:latin typeface="Cambria Math" panose="02040503050406030204" pitchFamily="18" charset="0"/>
+                          </a:rPr>
+                        </m:ctrlPr>
+                      </m:sSubPr>
+                      <m:e>
+                        <m:r>
+                          <a:rPr lang="en-US" sz="2900" b="0" i="1" smtClean="0">
+                            <a:latin typeface="Cambria Math" panose="02040503050406030204" pitchFamily="18" charset="0"/>
+                          </a:rPr>
+                          <m:t>𝑣</m:t>
+                        </m:r>
+                      </m:e>
+                      <m:sub>
+                        <m:r>
+                          <a:rPr lang="en-US" sz="2900" b="0" i="1" smtClean="0">
+                            <a:latin typeface="Cambria Math" panose="02040503050406030204" pitchFamily="18" charset="0"/>
+                          </a:rPr>
+                          <m:t>𝜋</m:t>
+                        </m:r>
+                      </m:sub>
+                    </m:sSub>
+                    <m:d>
+                      <m:dPr>
+                        <m:ctrlPr>
+                          <a:rPr lang="en-US" sz="2900" b="0" i="1" smtClean="0">
+                            <a:latin typeface="Cambria Math" panose="02040503050406030204" pitchFamily="18" charset="0"/>
+                          </a:rPr>
+                        </m:ctrlPr>
+                      </m:dPr>
+                      <m:e>
+                        <m:r>
+                          <a:rPr lang="en-US" sz="2900" b="0" i="1" smtClean="0">
+                            <a:latin typeface="Cambria Math" panose="02040503050406030204" pitchFamily="18" charset="0"/>
+                          </a:rPr>
+                          <m:t>𝑠</m:t>
+                        </m:r>
+                      </m:e>
+                    </m:d>
+                    <m:r>
+                      <a:rPr lang="en-US" sz="2900" b="0" i="1" smtClean="0">
+                        <a:latin typeface="Cambria Math" panose="02040503050406030204" pitchFamily="18" charset="0"/>
+                      </a:rPr>
+                      <m:t>≐</m:t>
+                    </m:r>
+                    <m:sSub>
+                      <m:sSubPr>
+                        <m:ctrlPr>
+                          <a:rPr lang="en-US" sz="2900" b="0" i="1" smtClean="0">
+                            <a:latin typeface="Cambria Math" panose="02040503050406030204" pitchFamily="18" charset="0"/>
+                          </a:rPr>
+                        </m:ctrlPr>
+                      </m:sSubPr>
+                      <m:e>
+                        <m:r>
+                          <a:rPr lang="en-US" sz="2900" b="0" i="1" smtClean="0">
+                            <a:latin typeface="Cambria Math" panose="02040503050406030204" pitchFamily="18" charset="0"/>
+                          </a:rPr>
+                          <m:t>𝔼</m:t>
+                        </m:r>
+                      </m:e>
+                      <m:sub>
+                        <m:r>
+                          <a:rPr lang="en-US" sz="2900" b="0" i="1" smtClean="0">
+                            <a:latin typeface="Cambria Math" panose="02040503050406030204" pitchFamily="18" charset="0"/>
+                          </a:rPr>
+                          <m:t>𝜋</m:t>
+                        </m:r>
+                      </m:sub>
+                    </m:sSub>
+                    <m:d>
+                      <m:dPr>
+                        <m:begChr m:val="["/>
+                        <m:endChr m:val="]"/>
+                        <m:ctrlPr>
+                          <a:rPr lang="en-US" sz="2900" b="0" i="1" smtClean="0">
+                            <a:latin typeface="Cambria Math" panose="02040503050406030204" pitchFamily="18" charset="0"/>
+                          </a:rPr>
+                        </m:ctrlPr>
+                      </m:dPr>
+                      <m:e>
+                        <m:sSub>
+                          <m:sSubPr>
+                            <m:ctrlPr>
+                              <a:rPr lang="en-US" sz="2900" b="0" i="1" smtClean="0">
+                                <a:latin typeface="Cambria Math" panose="02040503050406030204" pitchFamily="18" charset="0"/>
+                              </a:rPr>
+                            </m:ctrlPr>
+                          </m:sSubPr>
+                          <m:e>
+                            <m:r>
+                              <a:rPr lang="en-US" sz="2900" b="0" i="1" smtClean="0">
+                                <a:latin typeface="Cambria Math" panose="02040503050406030204" pitchFamily="18" charset="0"/>
+                              </a:rPr>
+                              <m:t>𝐺</m:t>
+                            </m:r>
+                          </m:e>
+                          <m:sub>
+                            <m:r>
+                              <a:rPr lang="en-US" sz="2900" b="0" i="1" smtClean="0">
+                                <a:latin typeface="Cambria Math" panose="02040503050406030204" pitchFamily="18" charset="0"/>
+                              </a:rPr>
+                              <m:t>𝑡</m:t>
+                            </m:r>
+                          </m:sub>
+                        </m:sSub>
+                      </m:e>
+                      <m:e>
+                        <m:sSub>
+                          <m:sSubPr>
+                            <m:ctrlPr>
+                              <a:rPr lang="en-US" sz="2900" b="0" i="1" smtClean="0">
+                                <a:latin typeface="Cambria Math" panose="02040503050406030204" pitchFamily="18" charset="0"/>
+                              </a:rPr>
+                            </m:ctrlPr>
+                          </m:sSubPr>
+                          <m:e>
+                            <m:r>
+                              <a:rPr lang="en-US" sz="2900" b="0" i="1" smtClean="0">
+                                <a:latin typeface="Cambria Math" panose="02040503050406030204" pitchFamily="18" charset="0"/>
+                              </a:rPr>
+                              <m:t>𝑆</m:t>
+                            </m:r>
+                          </m:e>
+                          <m:sub>
+                            <m:r>
+                              <a:rPr lang="en-US" sz="2900" b="0" i="1" smtClean="0">
+                                <a:latin typeface="Cambria Math" panose="02040503050406030204" pitchFamily="18" charset="0"/>
+                              </a:rPr>
+                              <m:t>𝑡</m:t>
+                            </m:r>
+                          </m:sub>
+                        </m:sSub>
+                        <m:r>
+                          <a:rPr lang="en-US" sz="2900" b="0" i="1" smtClean="0">
+                            <a:latin typeface="Cambria Math" panose="02040503050406030204" pitchFamily="18" charset="0"/>
+                          </a:rPr>
+                          <m:t>=</m:t>
+                        </m:r>
+                        <m:r>
+                          <a:rPr lang="en-US" sz="2900" b="0" i="1" smtClean="0">
+                            <a:latin typeface="Cambria Math" panose="02040503050406030204" pitchFamily="18" charset="0"/>
+                          </a:rPr>
+                          <m:t>𝑠</m:t>
+                        </m:r>
+                      </m:e>
+                    </m:d>
+                  </m:oMath>
+                </a14:m>
+                <a:endParaRPr lang="en-US" sz="2900" dirty="0"/>
+              </a:p>
+              <a:p>
+                <a:pPr lvl="1"/>
+                <a:r>
+                  <a:rPr lang="en-US" sz="2900" b="0" dirty="0">
+                    <a:solidFill>
+                      <a:srgbClr val="C00000"/>
+                    </a:solidFill>
+                  </a:rPr>
+                  <a:t>State </a:t>
+                </a:r>
+                <a:r>
+                  <a:rPr lang="en-US" altLang="zh-CN" sz="2900" b="0" dirty="0">
+                    <a:solidFill>
+                      <a:srgbClr val="C00000"/>
+                    </a:solidFill>
+                  </a:rPr>
+                  <a:t>Action</a:t>
+                </a:r>
+                <a:r>
+                  <a:rPr lang="en-US" sz="2900" b="0" dirty="0">
+                    <a:solidFill>
+                      <a:srgbClr val="C00000"/>
+                    </a:solidFill>
+                  </a:rPr>
+                  <a:t> Value Function </a:t>
+                </a:r>
+                <a:r>
+                  <a:rPr lang="en-US" sz="2900" b="0" dirty="0"/>
+                  <a:t>is expected return from taking action </a:t>
+                </a:r>
+                <a14:m>
+                  <m:oMath xmlns:m="http://schemas.openxmlformats.org/officeDocument/2006/math">
+                    <m:r>
+                      <a:rPr lang="en-US" sz="2900" i="1">
+                        <a:latin typeface="Cambria Math" panose="02040503050406030204" pitchFamily="18" charset="0"/>
+                      </a:rPr>
+                      <m:t>𝑎</m:t>
+                    </m:r>
+                  </m:oMath>
+                </a14:m>
+                <a:r>
+                  <a:rPr lang="en-US" sz="2900" b="0" dirty="0"/>
+                  <a:t>, then follow policy </a:t>
+                </a:r>
+                <a14:m>
+                  <m:oMath xmlns:m="http://schemas.openxmlformats.org/officeDocument/2006/math">
+                    <m:r>
+                      <a:rPr lang="en-US" sz="2900" b="0" i="1" smtClean="0">
+                        <a:latin typeface="Cambria Math" panose="02040503050406030204" pitchFamily="18" charset="0"/>
+                      </a:rPr>
+                      <m:t>𝜋</m:t>
+                    </m:r>
+                  </m:oMath>
+                </a14:m>
+                <a:r>
+                  <a:rPr lang="en-US" sz="2900" b="0" dirty="0"/>
+                  <a:t>:</a:t>
+                </a:r>
+                <a:r>
+                  <a:rPr lang="en-US" sz="2900" dirty="0"/>
+                  <a:t> </a:t>
+                </a:r>
+                <a14:m>
+                  <m:oMath xmlns:m="http://schemas.openxmlformats.org/officeDocument/2006/math">
+                    <m:sSub>
+                      <m:sSubPr>
+                        <m:ctrlPr>
+                          <a:rPr lang="en-US" sz="2900" i="1">
+                            <a:latin typeface="Cambria Math" panose="02040503050406030204" pitchFamily="18" charset="0"/>
+                          </a:rPr>
+                        </m:ctrlPr>
+                      </m:sSubPr>
+                      <m:e>
+                        <m:r>
+                          <a:rPr lang="en-US" sz="2900" i="1">
+                            <a:latin typeface="Cambria Math" panose="02040503050406030204" pitchFamily="18" charset="0"/>
+                          </a:rPr>
+                          <m:t>𝑞</m:t>
+                        </m:r>
+                      </m:e>
+                      <m:sub>
+                        <m:r>
+                          <a:rPr lang="en-US" sz="2900" i="1">
+                            <a:latin typeface="Cambria Math" panose="02040503050406030204" pitchFamily="18" charset="0"/>
+                          </a:rPr>
+                          <m:t>𝜋</m:t>
+                        </m:r>
+                      </m:sub>
+                    </m:sSub>
+                    <m:d>
+                      <m:dPr>
+                        <m:ctrlPr>
+                          <a:rPr lang="en-US" sz="2900" i="1">
+                            <a:latin typeface="Cambria Math" panose="02040503050406030204" pitchFamily="18" charset="0"/>
+                          </a:rPr>
+                        </m:ctrlPr>
+                      </m:dPr>
+                      <m:e>
+                        <m:r>
+                          <a:rPr lang="en-US" sz="2900" i="1">
+                            <a:latin typeface="Cambria Math" panose="02040503050406030204" pitchFamily="18" charset="0"/>
+                          </a:rPr>
+                          <m:t>𝑠</m:t>
+                        </m:r>
+                        <m:r>
+                          <a:rPr lang="en-US" sz="2900" i="1">
+                            <a:latin typeface="Cambria Math" panose="02040503050406030204" pitchFamily="18" charset="0"/>
+                          </a:rPr>
+                          <m:t>,</m:t>
+                        </m:r>
+                        <m:r>
+                          <a:rPr lang="en-US" sz="2900" i="1">
+                            <a:latin typeface="Cambria Math" panose="02040503050406030204" pitchFamily="18" charset="0"/>
+                          </a:rPr>
+                          <m:t>𝑎</m:t>
+                        </m:r>
+                      </m:e>
+                    </m:d>
+                    <m:r>
+                      <a:rPr lang="en-US" sz="2900" i="1">
+                        <a:latin typeface="Cambria Math" panose="02040503050406030204" pitchFamily="18" charset="0"/>
+                      </a:rPr>
+                      <m:t>≐</m:t>
+                    </m:r>
+                    <m:sSub>
+                      <m:sSubPr>
+                        <m:ctrlPr>
+                          <a:rPr lang="en-US" sz="2900" i="1">
+                            <a:latin typeface="Cambria Math" panose="02040503050406030204" pitchFamily="18" charset="0"/>
+                          </a:rPr>
+                        </m:ctrlPr>
+                      </m:sSubPr>
+                      <m:e>
+                        <m:r>
+                          <a:rPr lang="en-US" sz="2900" i="1">
+                            <a:latin typeface="Cambria Math" panose="02040503050406030204" pitchFamily="18" charset="0"/>
+                          </a:rPr>
+                          <m:t>𝔼</m:t>
+                        </m:r>
+                      </m:e>
+                      <m:sub>
+                        <m:r>
+                          <a:rPr lang="en-US" sz="2900" i="1">
+                            <a:latin typeface="Cambria Math" panose="02040503050406030204" pitchFamily="18" charset="0"/>
+                          </a:rPr>
+                          <m:t>𝜋</m:t>
+                        </m:r>
+                      </m:sub>
+                    </m:sSub>
+                    <m:d>
+                      <m:dPr>
+                        <m:begChr m:val="["/>
+                        <m:endChr m:val="]"/>
+                        <m:ctrlPr>
+                          <a:rPr lang="en-US" sz="2900" i="1">
+                            <a:latin typeface="Cambria Math" panose="02040503050406030204" pitchFamily="18" charset="0"/>
+                          </a:rPr>
+                        </m:ctrlPr>
+                      </m:dPr>
+                      <m:e>
+                        <m:sSub>
+                          <m:sSubPr>
+                            <m:ctrlPr>
+                              <a:rPr lang="en-US" sz="2900" i="1">
+                                <a:latin typeface="Cambria Math" panose="02040503050406030204" pitchFamily="18" charset="0"/>
+                              </a:rPr>
+                            </m:ctrlPr>
+                          </m:sSubPr>
+                          <m:e>
+                            <m:r>
+                              <a:rPr lang="en-US" sz="2900" i="1">
+                                <a:latin typeface="Cambria Math" panose="02040503050406030204" pitchFamily="18" charset="0"/>
+                              </a:rPr>
+                              <m:t>𝐺</m:t>
+                            </m:r>
+                          </m:e>
+                          <m:sub>
+                            <m:r>
+                              <a:rPr lang="en-US" sz="2900" i="1">
+                                <a:latin typeface="Cambria Math" panose="02040503050406030204" pitchFamily="18" charset="0"/>
+                              </a:rPr>
+                              <m:t>𝑡</m:t>
+                            </m:r>
+                          </m:sub>
+                        </m:sSub>
+                      </m:e>
+                      <m:e>
+                        <m:sSub>
+                          <m:sSubPr>
+                            <m:ctrlPr>
+                              <a:rPr lang="en-US" sz="2900" i="1">
+                                <a:latin typeface="Cambria Math" panose="02040503050406030204" pitchFamily="18" charset="0"/>
+                              </a:rPr>
+                            </m:ctrlPr>
+                          </m:sSubPr>
+                          <m:e>
+                            <m:r>
+                              <a:rPr lang="en-US" sz="2900" i="1">
+                                <a:latin typeface="Cambria Math" panose="02040503050406030204" pitchFamily="18" charset="0"/>
+                              </a:rPr>
+                              <m:t>𝑆</m:t>
+                            </m:r>
+                          </m:e>
+                          <m:sub>
+                            <m:r>
+                              <a:rPr lang="en-US" sz="2900" i="1">
+                                <a:latin typeface="Cambria Math" panose="02040503050406030204" pitchFamily="18" charset="0"/>
+                              </a:rPr>
+                              <m:t>𝑡</m:t>
+                            </m:r>
+                          </m:sub>
+                        </m:sSub>
+                        <m:r>
+                          <a:rPr lang="en-US" sz="2900" i="1">
+                            <a:latin typeface="Cambria Math" panose="02040503050406030204" pitchFamily="18" charset="0"/>
+                          </a:rPr>
+                          <m:t>=</m:t>
+                        </m:r>
+                        <m:r>
+                          <a:rPr lang="en-US" sz="2900" i="1">
+                            <a:latin typeface="Cambria Math" panose="02040503050406030204" pitchFamily="18" charset="0"/>
+                          </a:rPr>
+                          <m:t>𝑠</m:t>
+                        </m:r>
+                        <m:r>
+                          <a:rPr lang="en-US" sz="2900" i="1">
+                            <a:latin typeface="Cambria Math" panose="02040503050406030204" pitchFamily="18" charset="0"/>
+                          </a:rPr>
+                          <m:t>,</m:t>
+                        </m:r>
+                        <m:sSub>
+                          <m:sSubPr>
+                            <m:ctrlPr>
+                              <a:rPr lang="en-US" sz="2900" i="1">
+                                <a:latin typeface="Cambria Math" panose="02040503050406030204" pitchFamily="18" charset="0"/>
+                              </a:rPr>
+                            </m:ctrlPr>
+                          </m:sSubPr>
+                          <m:e>
+                            <m:r>
+                              <a:rPr lang="en-US" sz="2900" i="1">
+                                <a:latin typeface="Cambria Math" panose="02040503050406030204" pitchFamily="18" charset="0"/>
+                              </a:rPr>
+                              <m:t>𝐴</m:t>
+                            </m:r>
+                          </m:e>
+                          <m:sub>
+                            <m:r>
+                              <a:rPr lang="en-US" sz="2900" i="1">
+                                <a:latin typeface="Cambria Math" panose="02040503050406030204" pitchFamily="18" charset="0"/>
+                              </a:rPr>
+                              <m:t>𝑡</m:t>
+                            </m:r>
+                          </m:sub>
+                        </m:sSub>
+                        <m:r>
+                          <a:rPr lang="en-US" sz="2900" i="1">
+                            <a:latin typeface="Cambria Math" panose="02040503050406030204" pitchFamily="18" charset="0"/>
+                          </a:rPr>
+                          <m:t>=</m:t>
+                        </m:r>
+                        <m:r>
+                          <a:rPr lang="en-US" sz="2900" i="1">
+                            <a:latin typeface="Cambria Math" panose="02040503050406030204" pitchFamily="18" charset="0"/>
+                          </a:rPr>
+                          <m:t>𝑎</m:t>
+                        </m:r>
+                      </m:e>
+                    </m:d>
+                  </m:oMath>
+                </a14:m>
+                <a:endParaRPr lang="en-SE" dirty="0"/>
+              </a:p>
+            </p:txBody>
+          </p:sp>
+        </mc:Choice>
+        <mc:Fallback xmlns="">
+          <p:sp>
+            <p:nvSpPr>
+              <p:cNvPr id="3" name="Content Placeholder 2">
+                <a:extLst>
+                  <a:ext uri="{FF2B5EF4-FFF2-40B4-BE49-F238E27FC236}">
+                    <a16:creationId xmlns:a16="http://schemas.microsoft.com/office/drawing/2014/main" id="{E21F40FA-75F9-4936-976E-2883595213F9}"/>
+                  </a:ext>
+                </a:extLst>
+              </p:cNvPr>
+              <p:cNvSpPr>
+                <a:spLocks noGrp="1" noRot="1" noChangeAspect="1" noMove="1" noResize="1" noEditPoints="1" noAdjustHandles="1" noChangeArrowheads="1" noChangeShapeType="1" noTextEdit="1"/>
+              </p:cNvSpPr>
+              <p:nvPr>
+                <p:ph idx="1"/>
+              </p:nvPr>
+            </p:nvSpPr>
+            <p:spPr>
+              <a:blipFill>
+                <a:blip r:embed="rId2"/>
+                <a:stretch>
+                  <a:fillRect l="-1586" t="-1405" r="-897"/>
+                </a:stretch>
+              </a:blipFill>
+            </p:spPr>
+            <p:txBody>
+              <a:bodyPr/>
+              <a:lstStyle/>
+              <a:p>
+                <a:r>
+                  <a:rPr lang="en-SE">
+                    <a:noFill/>
+                  </a:rPr>
+                  <a:t> </a:t>
+                </a:r>
+              </a:p>
+            </p:txBody>
+          </p:sp>
+        </mc:Fallback>
+      </mc:AlternateContent>
+      <p:sp>
+        <p:nvSpPr>
+          <p:cNvPr id="4" name="Slide Number Placeholder 3">
+            <a:extLst>
+              <a:ext uri="{FF2B5EF4-FFF2-40B4-BE49-F238E27FC236}">
+                <a16:creationId xmlns:a16="http://schemas.microsoft.com/office/drawing/2014/main" id="{E6E27496-D3A3-485A-9530-3DE5CE9474BC}"/>
+              </a:ext>
+            </a:extLst>
+          </p:cNvPr>
+          <p:cNvSpPr>
+            <a:spLocks noGrp="1"/>
+          </p:cNvSpPr>
+          <p:nvPr>
+            <p:ph type="sldNum" sz="quarter" idx="12"/>
+          </p:nvPr>
+        </p:nvSpPr>
+        <p:spPr bwMode="auto">
+          <a:xfrm>
+            <a:off x="6934200" y="6530035"/>
+            <a:ext cx="2133600" cy="244475"/>
+          </a:xfrm>
+          <a:prstGeom prst="rect">
+            <a:avLst/>
+          </a:prstGeom>
+          <a:noFill/>
+          <a:ln w="9525">
+            <a:noFill/>
+            <a:miter lim="800000"/>
+            <a:headEnd/>
+            <a:tailEnd/>
+          </a:ln>
+          <a:effectLst/>
+        </p:spPr>
+        <p:txBody>
+          <a:bodyPr vert="horz" wrap="square" lIns="91440" tIns="45720" rIns="91440" bIns="45720" numCol="1" anchor="t" anchorCtr="0" compatLnSpc="1">
+            <a:prstTxWarp prst="textNoShape">
+              <a:avLst/>
+            </a:prstTxWarp>
+          </a:bodyPr>
+          <a:lstStyle>
+            <a:defPPr>
+              <a:defRPr lang="en-US"/>
+            </a:defPPr>
+            <a:lvl1pPr algn="r" rtl="0" fontAlgn="base">
+              <a:spcBef>
+                <a:spcPct val="0"/>
+              </a:spcBef>
+              <a:spcAft>
+                <a:spcPct val="0"/>
+              </a:spcAft>
+              <a:defRPr sz="1200" kern="1200">
+                <a:solidFill>
+                  <a:schemeClr val="tx1"/>
+                </a:solidFill>
+                <a:latin typeface="Arial" charset="0"/>
+                <a:ea typeface="宋体" charset="-122"/>
+                <a:cs typeface="+mn-cs"/>
+              </a:defRPr>
+            </a:lvl1pPr>
+            <a:lvl2pPr marL="457200" algn="l" rtl="0" fontAlgn="base">
+              <a:spcBef>
+                <a:spcPct val="0"/>
+              </a:spcBef>
+              <a:spcAft>
+                <a:spcPct val="0"/>
+              </a:spcAft>
+              <a:defRPr kern="1200">
+                <a:solidFill>
+                  <a:schemeClr val="tx1"/>
+                </a:solidFill>
+                <a:latin typeface="Arial" charset="0"/>
+                <a:ea typeface="+mn-ea"/>
+                <a:cs typeface="+mn-cs"/>
+              </a:defRPr>
+            </a:lvl2pPr>
+            <a:lvl3pPr marL="914400" algn="l" rtl="0" fontAlgn="base">
+              <a:spcBef>
+                <a:spcPct val="0"/>
+              </a:spcBef>
+              <a:spcAft>
+                <a:spcPct val="0"/>
+              </a:spcAft>
+              <a:defRPr kern="1200">
+                <a:solidFill>
+                  <a:schemeClr val="tx1"/>
+                </a:solidFill>
+                <a:latin typeface="Arial" charset="0"/>
+                <a:ea typeface="+mn-ea"/>
+                <a:cs typeface="+mn-cs"/>
+              </a:defRPr>
+            </a:lvl3pPr>
+            <a:lvl4pPr marL="1371600" algn="l" rtl="0" fontAlgn="base">
+              <a:spcBef>
+                <a:spcPct val="0"/>
+              </a:spcBef>
+              <a:spcAft>
+                <a:spcPct val="0"/>
+              </a:spcAft>
+              <a:defRPr kern="1200">
+                <a:solidFill>
+                  <a:schemeClr val="tx1"/>
+                </a:solidFill>
+                <a:latin typeface="Arial" charset="0"/>
+                <a:ea typeface="+mn-ea"/>
+                <a:cs typeface="+mn-cs"/>
+              </a:defRPr>
+            </a:lvl4pPr>
+            <a:lvl5pPr marL="1828800" algn="l" rtl="0" fontAlgn="base">
+              <a:spcBef>
+                <a:spcPct val="0"/>
+              </a:spcBef>
+              <a:spcAft>
+                <a:spcPct val="0"/>
+              </a:spcAft>
+              <a:defRPr kern="1200">
+                <a:solidFill>
+                  <a:schemeClr val="tx1"/>
+                </a:solidFill>
+                <a:latin typeface="Arial" charset="0"/>
+                <a:ea typeface="+mn-ea"/>
+                <a:cs typeface="+mn-cs"/>
+              </a:defRPr>
+            </a:lvl5pPr>
+            <a:lvl6pPr marL="2286000" algn="l" defTabSz="914400" rtl="0" eaLnBrk="1" latinLnBrk="0" hangingPunct="1">
+              <a:defRPr kern="1200">
+                <a:solidFill>
+                  <a:schemeClr val="tx1"/>
+                </a:solidFill>
+                <a:latin typeface="Arial" charset="0"/>
+                <a:ea typeface="+mn-ea"/>
+                <a:cs typeface="+mn-cs"/>
+              </a:defRPr>
+            </a:lvl6pPr>
+            <a:lvl7pPr marL="2743200" algn="l" defTabSz="914400" rtl="0" eaLnBrk="1" latinLnBrk="0" hangingPunct="1">
+              <a:defRPr kern="1200">
+                <a:solidFill>
+                  <a:schemeClr val="tx1"/>
+                </a:solidFill>
+                <a:latin typeface="Arial" charset="0"/>
+                <a:ea typeface="+mn-ea"/>
+                <a:cs typeface="+mn-cs"/>
+              </a:defRPr>
+            </a:lvl7pPr>
+            <a:lvl8pPr marL="3200400" algn="l" defTabSz="914400" rtl="0" eaLnBrk="1" latinLnBrk="0" hangingPunct="1">
+              <a:defRPr kern="1200">
+                <a:solidFill>
+                  <a:schemeClr val="tx1"/>
+                </a:solidFill>
+                <a:latin typeface="Arial" charset="0"/>
+                <a:ea typeface="+mn-ea"/>
+                <a:cs typeface="+mn-cs"/>
+              </a:defRPr>
+            </a:lvl8pPr>
+            <a:lvl9pPr marL="3657600" algn="l" defTabSz="914400" rtl="0" eaLnBrk="1" latinLnBrk="0" hangingPunct="1">
+              <a:defRPr kern="1200">
+                <a:solidFill>
+                  <a:schemeClr val="tx1"/>
+                </a:solidFill>
+                <a:latin typeface="Arial" charset="0"/>
+                <a:ea typeface="+mn-ea"/>
+                <a:cs typeface="+mn-cs"/>
+              </a:defRPr>
+            </a:lvl9pPr>
+          </a:lstStyle>
+          <a:p>
+            <a:pPr>
+              <a:defRPr/>
+            </a:pPr>
+            <a:fld id="{F57F456A-00AF-44E6-8D70-638C0D0130FF}" type="slidenum">
+              <a:rPr lang="en-US" altLang="zh-CN" smtClean="0"/>
+              <a:pPr>
+                <a:defRPr/>
+              </a:pPr>
+              <a:t>5</a:t>
+            </a:fld>
+            <a:endParaRPr lang="en-US" altLang="zh-CN"/>
+          </a:p>
+        </p:txBody>
+      </p:sp>
+    </p:spTree>
+    <p:extLst>
+      <p:ext uri="{BB962C8B-B14F-4D97-AF65-F5344CB8AC3E}">
+        <p14:creationId xmlns:p14="http://schemas.microsoft.com/office/powerpoint/2010/main" val="1310460648"/>
+      </p:ext>
+    </p:extLst>
+  </p:cSld>
+  <p:clrMapOvr>
+    <a:masterClrMapping/>
+  </p:clrMapOvr>
+</p:sld>
+</file>
+
+<file path=ppt/slides/slide6.xml><?xml version="1.0" encoding="utf-8"?>
 <p:sld xmlns:a="http://schemas.openxmlformats.org/drawingml/2006/main" xmlns:r="http://schemas.openxmlformats.org/officeDocument/2006/relationships" xmlns:p="http://schemas.openxmlformats.org/presentationml/2006/main">
   <p:cSld>
     <p:spTree>
@@ -2204,7 +10937,7 @@
               <a:pPr>
                 <a:defRPr/>
               </a:pPr>
-              <a:t>3</a:t>
+              <a:t>6</a:t>
             </a:fld>
             <a:endParaRPr lang="en-US" altLang="zh-CN"/>
           </a:p>
@@ -2431,7 +11164,7 @@
 </p:sld>
 </file>
 
-<file path=ppt/slides/slide4.xml><?xml version="1.0" encoding="utf-8"?>
+<file path=ppt/slides/slide7.xml><?xml version="1.0" encoding="utf-8"?>
 <p:sld xmlns:a="http://schemas.openxmlformats.org/drawingml/2006/main" xmlns:r="http://schemas.openxmlformats.org/officeDocument/2006/relationships" xmlns:p="http://schemas.openxmlformats.org/presentationml/2006/main">
   <p:cSld>
     <p:spTree>
@@ -2593,7 +11326,7 @@
 </p:sld>
 </file>
 
-<file path=ppt/slides/slide5.xml><?xml version="1.0" encoding="utf-8"?>
+<file path=ppt/slides/slide8.xml><?xml version="1.0" encoding="utf-8"?>
 <p:sld xmlns:a="http://schemas.openxmlformats.org/drawingml/2006/main" xmlns:r="http://schemas.openxmlformats.org/officeDocument/2006/relationships" xmlns:p="http://schemas.openxmlformats.org/presentationml/2006/main">
   <p:cSld>
     <p:spTree>
@@ -2808,7 +11541,7 @@
               <a:pPr>
                 <a:defRPr/>
               </a:pPr>
-              <a:t>5</a:t>
+              <a:t>8</a:t>
             </a:fld>
             <a:endParaRPr lang="en-US" altLang="zh-CN"/>
           </a:p>
@@ -3852,7 +12585,7 @@
 </p:sld>
 </file>
 
-<file path=ppt/slides/slide6.xml><?xml version="1.0" encoding="utf-8"?>
+<file path=ppt/slides/slide9.xml><?xml version="1.0" encoding="utf-8"?>
 <p:sld xmlns:a="http://schemas.openxmlformats.org/drawingml/2006/main" xmlns:r="http://schemas.openxmlformats.org/officeDocument/2006/relationships" xmlns:p="http://schemas.openxmlformats.org/presentationml/2006/main">
   <p:cSld>
     <p:spTree>
@@ -3898,8 +12631,8 @@
           </a:p>
         </p:txBody>
       </p:sp>
-      <mc:AlternateContent xmlns:mc="http://schemas.openxmlformats.org/markup-compatibility/2006">
-        <mc:Choice xmlns:a14="http://schemas.microsoft.com/office/drawing/2010/main" Requires="a14">
+      <mc:AlternateContent xmlns:mc="http://schemas.openxmlformats.org/markup-compatibility/2006" xmlns:a14="http://schemas.microsoft.com/office/drawing/2010/main">
+        <mc:Choice Requires="a14">
           <p:sp>
             <p:nvSpPr>
               <p:cNvPr id="3" name="Content Placeholder 2">
@@ -4090,7 +12823,7 @@
             </p:txBody>
           </p:sp>
         </mc:Choice>
-        <mc:Fallback>
+        <mc:Fallback xmlns="">
           <p:sp>
             <p:nvSpPr>
               <p:cNvPr id="3" name="Content Placeholder 2">
@@ -4307,7 +13040,7 @@
               <a:pPr>
                 <a:defRPr/>
               </a:pPr>
-              <a:t>6</a:t>
+              <a:t>9</a:t>
             </a:fld>
             <a:endParaRPr lang="en-US" altLang="zh-CN"/>
           </a:p>

--- a/PPTs/bak/UMU SDC TODO.pptx
+++ b/PPTs/bak/UMU SDC TODO.pptx
@@ -5,18 +5,19 @@
     <p:sldMasterId id="2147483648" r:id="rId4"/>
   </p:sldMasterIdLst>
   <p:notesMasterIdLst>
-    <p:notesMasterId r:id="rId14"/>
+    <p:notesMasterId r:id="rId15"/>
   </p:notesMasterIdLst>
   <p:sldIdLst>
     <p:sldId id="256" r:id="rId5"/>
-    <p:sldId id="258" r:id="rId6"/>
-    <p:sldId id="1113" r:id="rId7"/>
-    <p:sldId id="1165" r:id="rId8"/>
-    <p:sldId id="1163" r:id="rId9"/>
-    <p:sldId id="894" r:id="rId10"/>
-    <p:sldId id="257" r:id="rId11"/>
-    <p:sldId id="389" r:id="rId12"/>
-    <p:sldId id="1047" r:id="rId13"/>
+    <p:sldId id="1166" r:id="rId6"/>
+    <p:sldId id="258" r:id="rId7"/>
+    <p:sldId id="1113" r:id="rId8"/>
+    <p:sldId id="1165" r:id="rId9"/>
+    <p:sldId id="1163" r:id="rId10"/>
+    <p:sldId id="894" r:id="rId11"/>
+    <p:sldId id="257" r:id="rId12"/>
+    <p:sldId id="389" r:id="rId13"/>
+    <p:sldId id="1047" r:id="rId14"/>
   </p:sldIdLst>
   <p:sldSz cx="9144000" cy="6858000" type="screen4x3"/>
   <p:notesSz cx="6858000" cy="9144000"/>
@@ -270,7 +271,7 @@
             <a:fld id="{7C0CEB4B-0D62-444C-A05C-70565453F06B}" type="datetimeFigureOut">
               <a:rPr lang="en-US" smtClean="0"/>
               <a:pPr/>
-              <a:t>5/21/2021</a:t>
+              <a:t>5/22/2021</a:t>
             </a:fld>
             <a:endParaRPr lang="en-US"/>
           </a:p>
@@ -846,7 +847,7 @@
               <a:pPr>
                 <a:defRPr/>
               </a:pPr>
-              <a:t>3</a:t>
+              <a:t>4</a:t>
             </a:fld>
             <a:endParaRPr lang="en-US" altLang="zh-CN"/>
           </a:p>
@@ -957,7 +958,7 @@
               <a:pPr>
                 <a:defRPr/>
               </a:pPr>
-              <a:t>9</a:t>
+              <a:t>10</a:t>
             </a:fld>
             <a:endParaRPr lang="en-US" altLang="zh-CN"/>
           </a:p>
@@ -1158,7 +1159,7 @@
             <a:fld id="{CE1938E7-FCD4-418C-87D0-DD707A52F1FF}" type="datetimeFigureOut">
               <a:rPr lang="en-US" smtClean="0"/>
               <a:pPr/>
-              <a:t>5/21/2021</a:t>
+              <a:t>5/22/2021</a:t>
             </a:fld>
             <a:endParaRPr lang="en-US"/>
           </a:p>
@@ -1698,7 +1699,7 @@
             <a:fld id="{CE1938E7-FCD4-418C-87D0-DD707A52F1FF}" type="datetimeFigureOut">
               <a:rPr lang="en-US" smtClean="0"/>
               <a:pPr/>
-              <a:t>5/21/2021</a:t>
+              <a:t>5/22/2021</a:t>
             </a:fld>
             <a:endParaRPr lang="en-US"/>
           </a:p>
@@ -2107,7 +2108,651 @@
 </p:sld>
 </file>
 
+<file path=ppt/slides/slide10.xml><?xml version="1.0" encoding="utf-8"?>
+<p:sld xmlns:a="http://schemas.openxmlformats.org/drawingml/2006/main" xmlns:r="http://schemas.openxmlformats.org/officeDocument/2006/relationships" xmlns:p="http://schemas.openxmlformats.org/presentationml/2006/main">
+  <p:cSld>
+    <p:spTree>
+      <p:nvGrpSpPr>
+        <p:cNvPr id="1" name=""/>
+        <p:cNvGrpSpPr/>
+        <p:nvPr/>
+      </p:nvGrpSpPr>
+      <p:grpSpPr>
+        <a:xfrm>
+          <a:off x="0" y="0"/>
+          <a:ext cx="0" cy="0"/>
+          <a:chOff x="0" y="0"/>
+          <a:chExt cx="0" cy="0"/>
+        </a:xfrm>
+      </p:grpSpPr>
+      <p:sp>
+        <p:nvSpPr>
+          <p:cNvPr id="2" name="Title 1">
+            <a:extLst>
+              <a:ext uri="{FF2B5EF4-FFF2-40B4-BE49-F238E27FC236}">
+                <a16:creationId xmlns:a16="http://schemas.microsoft.com/office/drawing/2014/main" id="{A9723153-C315-4CF3-A05A-9EBF6769FCDE}"/>
+              </a:ext>
+            </a:extLst>
+          </p:cNvPr>
+          <p:cNvSpPr>
+            <a:spLocks noGrp="1"/>
+          </p:cNvSpPr>
+          <p:nvPr>
+            <p:ph type="title"/>
+          </p:nvPr>
+        </p:nvSpPr>
+        <p:spPr/>
+        <p:txBody>
+          <a:bodyPr/>
+          <a:lstStyle/>
+          <a:p>
+            <a:r>
+              <a:rPr lang="en-US" dirty="0"/>
+              <a:t>Iterative Policy Evaluation Results</a:t>
+            </a:r>
+            <a:endParaRPr lang="en-SE" dirty="0"/>
+          </a:p>
+        </p:txBody>
+      </p:sp>
+      <mc:AlternateContent xmlns:mc="http://schemas.openxmlformats.org/markup-compatibility/2006" xmlns:a14="http://schemas.microsoft.com/office/drawing/2010/main">
+        <mc:Choice Requires="a14">
+          <p:sp>
+            <p:nvSpPr>
+              <p:cNvPr id="3" name="Content Placeholder 2">
+                <a:extLst>
+                  <a:ext uri="{FF2B5EF4-FFF2-40B4-BE49-F238E27FC236}">
+                    <a16:creationId xmlns:a16="http://schemas.microsoft.com/office/drawing/2014/main" id="{C2C067C1-C130-4AEA-A0FB-D03CE13B49E5}"/>
+                  </a:ext>
+                </a:extLst>
+              </p:cNvPr>
+              <p:cNvSpPr>
+                <a:spLocks noGrp="1"/>
+              </p:cNvSpPr>
+              <p:nvPr>
+                <p:ph idx="1"/>
+              </p:nvPr>
+            </p:nvSpPr>
+            <p:spPr>
+              <a:xfrm>
+                <a:off x="457200" y="980729"/>
+                <a:ext cx="8229600" cy="2143472"/>
+              </a:xfrm>
+            </p:spPr>
+            <p:txBody>
+              <a:bodyPr>
+                <a:normAutofit fontScale="47500" lnSpcReduction="20000"/>
+              </a:bodyPr>
+              <a:lstStyle/>
+              <a:p>
+                <a:r>
+                  <a:rPr lang="en-US" dirty="0"/>
+                  <a:t>Figure 4.1: Convergence of iterative policy evaluation on a small </a:t>
+                </a:r>
+                <a:r>
+                  <a:rPr lang="en-US" dirty="0" err="1"/>
+                  <a:t>gridworld</a:t>
+                </a:r>
+                <a:r>
+                  <a:rPr lang="en-US" dirty="0"/>
+                  <a:t> with the random policy (all actions equally likely). The left column is the sequence of approximations of the state-value function. The right column is the sequence of greedy policies corresponding to the value function </a:t>
+                </a:r>
+                <a14:m>
+                  <m:oMath xmlns:m="http://schemas.openxmlformats.org/officeDocument/2006/math">
+                    <m:sSub>
+                      <m:sSubPr>
+                        <m:ctrlPr>
+                          <a:rPr lang="en-US" b="0" i="1" smtClean="0">
+                            <a:latin typeface="Cambria Math" panose="02040503050406030204" pitchFamily="18" charset="0"/>
+                          </a:rPr>
+                        </m:ctrlPr>
+                      </m:sSubPr>
+                      <m:e>
+                        <m:r>
+                          <a:rPr lang="en-US" i="1">
+                            <a:latin typeface="Cambria Math" panose="02040503050406030204" pitchFamily="18" charset="0"/>
+                          </a:rPr>
+                          <m:t>𝑣</m:t>
+                        </m:r>
+                      </m:e>
+                      <m:sub>
+                        <m:r>
+                          <a:rPr lang="en-US" b="0" i="1" smtClean="0">
+                            <a:latin typeface="Cambria Math" panose="02040503050406030204" pitchFamily="18" charset="0"/>
+                          </a:rPr>
+                          <m:t>𝜋</m:t>
+                        </m:r>
+                      </m:sub>
+                    </m:sSub>
+                    <m:r>
+                      <a:rPr lang="en-US" i="1">
+                        <a:latin typeface="Cambria Math" panose="02040503050406030204" pitchFamily="18" charset="0"/>
+                      </a:rPr>
+                      <m:t>(</m:t>
+                    </m:r>
+                    <m:r>
+                      <a:rPr lang="en-US" i="1">
+                        <a:latin typeface="Cambria Math" panose="02040503050406030204" pitchFamily="18" charset="0"/>
+                      </a:rPr>
+                      <m:t>𝑠</m:t>
+                    </m:r>
+                    <m:r>
+                      <a:rPr lang="en-US" i="1">
+                        <a:latin typeface="Cambria Math" panose="02040503050406030204" pitchFamily="18" charset="0"/>
+                      </a:rPr>
+                      <m:t>)</m:t>
+                    </m:r>
+                  </m:oMath>
+                </a14:m>
+                <a:r>
+                  <a:rPr lang="en-US" dirty="0"/>
+                  <a:t> estimates (arrows are shown for all actions achieving the max </a:t>
+                </a:r>
+                <a14:m>
+                  <m:oMath xmlns:m="http://schemas.openxmlformats.org/officeDocument/2006/math">
+                    <m:sSub>
+                      <m:sSubPr>
+                        <m:ctrlPr>
+                          <a:rPr lang="en-US" i="1">
+                            <a:latin typeface="Cambria Math" panose="02040503050406030204" pitchFamily="18" charset="0"/>
+                          </a:rPr>
+                        </m:ctrlPr>
+                      </m:sSubPr>
+                      <m:e>
+                        <m:r>
+                          <a:rPr lang="en-US" i="1">
+                            <a:latin typeface="Cambria Math" panose="02040503050406030204" pitchFamily="18" charset="0"/>
+                          </a:rPr>
+                          <m:t>𝑣</m:t>
+                        </m:r>
+                      </m:e>
+                      <m:sub>
+                        <m:r>
+                          <a:rPr lang="en-US" i="1">
+                            <a:latin typeface="Cambria Math" panose="02040503050406030204" pitchFamily="18" charset="0"/>
+                          </a:rPr>
+                          <m:t>𝜋</m:t>
+                        </m:r>
+                      </m:sub>
+                    </m:sSub>
+                    <m:r>
+                      <a:rPr lang="en-US" i="1">
+                        <a:latin typeface="Cambria Math" panose="02040503050406030204" pitchFamily="18" charset="0"/>
+                      </a:rPr>
+                      <m:t>(</m:t>
+                    </m:r>
+                    <m:r>
+                      <a:rPr lang="en-US" i="1">
+                        <a:latin typeface="Cambria Math" panose="02040503050406030204" pitchFamily="18" charset="0"/>
+                      </a:rPr>
+                      <m:t>𝑠</m:t>
+                    </m:r>
+                    <m:r>
+                      <a:rPr lang="en-US" i="1">
+                        <a:latin typeface="Cambria Math" panose="02040503050406030204" pitchFamily="18" charset="0"/>
+                      </a:rPr>
+                      <m:t>)</m:t>
+                    </m:r>
+                  </m:oMath>
+                </a14:m>
+                <a:r>
+                  <a:rPr lang="en-US" dirty="0"/>
+                  <a:t>). All policies after </a:t>
+                </a:r>
+                <a14:m>
+                  <m:oMath xmlns:m="http://schemas.openxmlformats.org/officeDocument/2006/math">
+                    <m:r>
+                      <a:rPr lang="en-US" b="0" i="1" dirty="0" smtClean="0">
+                        <a:latin typeface="Cambria Math" panose="02040503050406030204" pitchFamily="18" charset="0"/>
+                      </a:rPr>
+                      <m:t>𝑘</m:t>
+                    </m:r>
+                    <m:r>
+                      <a:rPr lang="en-US" b="0" i="1" dirty="0" smtClean="0">
+                        <a:latin typeface="Cambria Math" panose="02040503050406030204" pitchFamily="18" charset="0"/>
+                      </a:rPr>
+                      <m:t>=3</m:t>
+                    </m:r>
+                  </m:oMath>
+                </a14:m>
+                <a:r>
+                  <a:rPr lang="en-US" dirty="0"/>
+                  <a:t> iterations are optimal. </a:t>
+                </a:r>
+              </a:p>
+              <a:p>
+                <a:r>
+                  <a:rPr lang="en-US" dirty="0"/>
+                  <a:t>Note that we are not updating the policy (always the random policy) across iterations. If you follow the greedy action at the current step, then follow the random policy in the future, then it is better than following the random policy from the current step. </a:t>
+                </a:r>
+              </a:p>
+              <a:p>
+                <a:r>
+                  <a:rPr lang="en-US" dirty="0" err="1">
+                    <a:solidFill>
+                      <a:srgbClr val="C00000"/>
+                    </a:solidFill>
+                  </a:rPr>
+                  <a:t>Zgu</a:t>
+                </a:r>
+                <a:r>
+                  <a:rPr lang="en-US" dirty="0">
+                    <a:solidFill>
+                      <a:srgbClr val="C00000"/>
+                    </a:solidFill>
+                  </a:rPr>
+                  <a:t>: so this is different from p. 31 PI example, where policy is updated at each iteration. Here policy is always random, but how can you get optimal policy without updating the policy for PE?</a:t>
+                </a:r>
+              </a:p>
+            </p:txBody>
+          </p:sp>
+        </mc:Choice>
+        <mc:Fallback xmlns="">
+          <p:sp>
+            <p:nvSpPr>
+              <p:cNvPr id="3" name="Content Placeholder 2">
+                <a:extLst>
+                  <a:ext uri="{FF2B5EF4-FFF2-40B4-BE49-F238E27FC236}">
+                    <a16:creationId xmlns:a16="http://schemas.microsoft.com/office/drawing/2014/main" id="{C2C067C1-C130-4AEA-A0FB-D03CE13B49E5}"/>
+                  </a:ext>
+                </a:extLst>
+              </p:cNvPr>
+              <p:cNvSpPr>
+                <a:spLocks noGrp="1" noRot="1" noChangeAspect="1" noMove="1" noResize="1" noEditPoints="1" noAdjustHandles="1" noChangeArrowheads="1" noChangeShapeType="1" noTextEdit="1"/>
+              </p:cNvSpPr>
+              <p:nvPr>
+                <p:ph idx="1"/>
+              </p:nvPr>
+            </p:nvSpPr>
+            <p:spPr>
+              <a:xfrm>
+                <a:off x="457200" y="980729"/>
+                <a:ext cx="8229600" cy="2143472"/>
+              </a:xfrm>
+              <a:blipFill>
+                <a:blip r:embed="rId3"/>
+                <a:stretch>
+                  <a:fillRect l="-222" t="-2273" r="-519"/>
+                </a:stretch>
+              </a:blipFill>
+            </p:spPr>
+            <p:txBody>
+              <a:bodyPr/>
+              <a:lstStyle/>
+              <a:p>
+                <a:r>
+                  <a:rPr lang="en-SE">
+                    <a:noFill/>
+                  </a:rPr>
+                  <a:t> </a:t>
+                </a:r>
+              </a:p>
+            </p:txBody>
+          </p:sp>
+        </mc:Fallback>
+      </mc:AlternateContent>
+      <p:sp>
+        <p:nvSpPr>
+          <p:cNvPr id="4" name="Slide Number Placeholder 3">
+            <a:extLst>
+              <a:ext uri="{FF2B5EF4-FFF2-40B4-BE49-F238E27FC236}">
+                <a16:creationId xmlns:a16="http://schemas.microsoft.com/office/drawing/2014/main" id="{43663906-32AF-4120-8C5E-8BBBF44E83F2}"/>
+              </a:ext>
+            </a:extLst>
+          </p:cNvPr>
+          <p:cNvSpPr>
+            <a:spLocks noGrp="1"/>
+          </p:cNvSpPr>
+          <p:nvPr>
+            <p:ph type="sldNum" sz="quarter" idx="12"/>
+          </p:nvPr>
+        </p:nvSpPr>
+        <p:spPr bwMode="auto">
+          <a:xfrm>
+            <a:off x="6934200" y="6530035"/>
+            <a:ext cx="2133600" cy="244475"/>
+          </a:xfrm>
+          <a:prstGeom prst="rect">
+            <a:avLst/>
+          </a:prstGeom>
+          <a:noFill/>
+          <a:ln w="9525">
+            <a:noFill/>
+            <a:miter lim="800000"/>
+            <a:headEnd/>
+            <a:tailEnd/>
+          </a:ln>
+          <a:effectLst/>
+        </p:spPr>
+        <p:txBody>
+          <a:bodyPr vert="horz" wrap="square" lIns="91440" tIns="45720" rIns="91440" bIns="45720" numCol="1" anchor="t" anchorCtr="0" compatLnSpc="1">
+            <a:prstTxWarp prst="textNoShape">
+              <a:avLst/>
+            </a:prstTxWarp>
+          </a:bodyPr>
+          <a:lstStyle>
+            <a:defPPr>
+              <a:defRPr lang="en-US"/>
+            </a:defPPr>
+            <a:lvl1pPr algn="r" rtl="0" fontAlgn="base">
+              <a:spcBef>
+                <a:spcPct val="0"/>
+              </a:spcBef>
+              <a:spcAft>
+                <a:spcPct val="0"/>
+              </a:spcAft>
+              <a:defRPr sz="1200" kern="1200">
+                <a:solidFill>
+                  <a:schemeClr val="tx1"/>
+                </a:solidFill>
+                <a:latin typeface="Arial" charset="0"/>
+                <a:ea typeface="宋体" charset="-122"/>
+                <a:cs typeface="+mn-cs"/>
+              </a:defRPr>
+            </a:lvl1pPr>
+            <a:lvl2pPr marL="457200" algn="l" rtl="0" fontAlgn="base">
+              <a:spcBef>
+                <a:spcPct val="0"/>
+              </a:spcBef>
+              <a:spcAft>
+                <a:spcPct val="0"/>
+              </a:spcAft>
+              <a:defRPr kern="1200">
+                <a:solidFill>
+                  <a:schemeClr val="tx1"/>
+                </a:solidFill>
+                <a:latin typeface="Arial" charset="0"/>
+                <a:ea typeface="+mn-ea"/>
+                <a:cs typeface="+mn-cs"/>
+              </a:defRPr>
+            </a:lvl2pPr>
+            <a:lvl3pPr marL="914400" algn="l" rtl="0" fontAlgn="base">
+              <a:spcBef>
+                <a:spcPct val="0"/>
+              </a:spcBef>
+              <a:spcAft>
+                <a:spcPct val="0"/>
+              </a:spcAft>
+              <a:defRPr kern="1200">
+                <a:solidFill>
+                  <a:schemeClr val="tx1"/>
+                </a:solidFill>
+                <a:latin typeface="Arial" charset="0"/>
+                <a:ea typeface="+mn-ea"/>
+                <a:cs typeface="+mn-cs"/>
+              </a:defRPr>
+            </a:lvl3pPr>
+            <a:lvl4pPr marL="1371600" algn="l" rtl="0" fontAlgn="base">
+              <a:spcBef>
+                <a:spcPct val="0"/>
+              </a:spcBef>
+              <a:spcAft>
+                <a:spcPct val="0"/>
+              </a:spcAft>
+              <a:defRPr kern="1200">
+                <a:solidFill>
+                  <a:schemeClr val="tx1"/>
+                </a:solidFill>
+                <a:latin typeface="Arial" charset="0"/>
+                <a:ea typeface="+mn-ea"/>
+                <a:cs typeface="+mn-cs"/>
+              </a:defRPr>
+            </a:lvl4pPr>
+            <a:lvl5pPr marL="1828800" algn="l" rtl="0" fontAlgn="base">
+              <a:spcBef>
+                <a:spcPct val="0"/>
+              </a:spcBef>
+              <a:spcAft>
+                <a:spcPct val="0"/>
+              </a:spcAft>
+              <a:defRPr kern="1200">
+                <a:solidFill>
+                  <a:schemeClr val="tx1"/>
+                </a:solidFill>
+                <a:latin typeface="Arial" charset="0"/>
+                <a:ea typeface="+mn-ea"/>
+                <a:cs typeface="+mn-cs"/>
+              </a:defRPr>
+            </a:lvl5pPr>
+            <a:lvl6pPr marL="2286000" algn="l" defTabSz="914400" rtl="0" eaLnBrk="1" latinLnBrk="0" hangingPunct="1">
+              <a:defRPr kern="1200">
+                <a:solidFill>
+                  <a:schemeClr val="tx1"/>
+                </a:solidFill>
+                <a:latin typeface="Arial" charset="0"/>
+                <a:ea typeface="+mn-ea"/>
+                <a:cs typeface="+mn-cs"/>
+              </a:defRPr>
+            </a:lvl6pPr>
+            <a:lvl7pPr marL="2743200" algn="l" defTabSz="914400" rtl="0" eaLnBrk="1" latinLnBrk="0" hangingPunct="1">
+              <a:defRPr kern="1200">
+                <a:solidFill>
+                  <a:schemeClr val="tx1"/>
+                </a:solidFill>
+                <a:latin typeface="Arial" charset="0"/>
+                <a:ea typeface="+mn-ea"/>
+                <a:cs typeface="+mn-cs"/>
+              </a:defRPr>
+            </a:lvl7pPr>
+            <a:lvl8pPr marL="3200400" algn="l" defTabSz="914400" rtl="0" eaLnBrk="1" latinLnBrk="0" hangingPunct="1">
+              <a:defRPr kern="1200">
+                <a:solidFill>
+                  <a:schemeClr val="tx1"/>
+                </a:solidFill>
+                <a:latin typeface="Arial" charset="0"/>
+                <a:ea typeface="+mn-ea"/>
+                <a:cs typeface="+mn-cs"/>
+              </a:defRPr>
+            </a:lvl8pPr>
+            <a:lvl9pPr marL="3657600" algn="l" defTabSz="914400" rtl="0" eaLnBrk="1" latinLnBrk="0" hangingPunct="1">
+              <a:defRPr kern="1200">
+                <a:solidFill>
+                  <a:schemeClr val="tx1"/>
+                </a:solidFill>
+                <a:latin typeface="Arial" charset="0"/>
+                <a:ea typeface="+mn-ea"/>
+                <a:cs typeface="+mn-cs"/>
+              </a:defRPr>
+            </a:lvl9pPr>
+          </a:lstStyle>
+          <a:p>
+            <a:pPr>
+              <a:defRPr/>
+            </a:pPr>
+            <a:fld id="{F57F456A-00AF-44E6-8D70-638C0D0130FF}" type="slidenum">
+              <a:rPr lang="en-US" altLang="zh-CN" smtClean="0"/>
+              <a:pPr>
+                <a:defRPr/>
+              </a:pPr>
+              <a:t>10</a:t>
+            </a:fld>
+            <a:endParaRPr lang="en-US" altLang="zh-CN"/>
+          </a:p>
+        </p:txBody>
+      </p:sp>
+      <p:pic>
+        <p:nvPicPr>
+          <p:cNvPr id="5" name="Picture 4">
+            <a:extLst>
+              <a:ext uri="{FF2B5EF4-FFF2-40B4-BE49-F238E27FC236}">
+                <a16:creationId xmlns:a16="http://schemas.microsoft.com/office/drawing/2014/main" id="{5ADE55B3-4D68-44EE-8BF0-F1EB3FC2C524}"/>
+              </a:ext>
+            </a:extLst>
+          </p:cNvPr>
+          <p:cNvPicPr>
+            <a:picLocks noChangeAspect="1"/>
+          </p:cNvPicPr>
+          <p:nvPr/>
+        </p:nvPicPr>
+        <p:blipFill>
+          <a:blip r:embed="rId4"/>
+          <a:stretch>
+            <a:fillRect/>
+          </a:stretch>
+        </p:blipFill>
+        <p:spPr>
+          <a:xfrm>
+            <a:off x="-31102" y="3048000"/>
+            <a:ext cx="4469390" cy="3563329"/>
+          </a:xfrm>
+          <a:prstGeom prst="rect">
+            <a:avLst/>
+          </a:prstGeom>
+        </p:spPr>
+      </p:pic>
+      <p:pic>
+        <p:nvPicPr>
+          <p:cNvPr id="6" name="Picture 5">
+            <a:extLst>
+              <a:ext uri="{FF2B5EF4-FFF2-40B4-BE49-F238E27FC236}">
+                <a16:creationId xmlns:a16="http://schemas.microsoft.com/office/drawing/2014/main" id="{24E9037D-16F2-46D4-8F9F-C961FDAD1D35}"/>
+              </a:ext>
+            </a:extLst>
+          </p:cNvPr>
+          <p:cNvPicPr>
+            <a:picLocks noChangeAspect="1"/>
+          </p:cNvPicPr>
+          <p:nvPr/>
+        </p:nvPicPr>
+        <p:blipFill>
+          <a:blip r:embed="rId5"/>
+          <a:stretch>
+            <a:fillRect/>
+          </a:stretch>
+        </p:blipFill>
+        <p:spPr>
+          <a:xfrm>
+            <a:off x="4438288" y="3562903"/>
+            <a:ext cx="4427838" cy="3048426"/>
+          </a:xfrm>
+          <a:prstGeom prst="rect">
+            <a:avLst/>
+          </a:prstGeom>
+        </p:spPr>
+      </p:pic>
+    </p:spTree>
+    <p:extLst>
+      <p:ext uri="{BB962C8B-B14F-4D97-AF65-F5344CB8AC3E}">
+        <p14:creationId xmlns:p14="http://schemas.microsoft.com/office/powerpoint/2010/main" val="152459133"/>
+      </p:ext>
+    </p:extLst>
+  </p:cSld>
+  <p:clrMapOvr>
+    <a:masterClrMapping/>
+  </p:clrMapOvr>
+</p:sld>
+</file>
+
 <file path=ppt/slides/slide2.xml><?xml version="1.0" encoding="utf-8"?>
+<p:sld xmlns:a="http://schemas.openxmlformats.org/drawingml/2006/main" xmlns:r="http://schemas.openxmlformats.org/officeDocument/2006/relationships" xmlns:p="http://schemas.openxmlformats.org/presentationml/2006/main">
+  <p:cSld>
+    <p:spTree>
+      <p:nvGrpSpPr>
+        <p:cNvPr id="1" name=""/>
+        <p:cNvGrpSpPr/>
+        <p:nvPr/>
+      </p:nvGrpSpPr>
+      <p:grpSpPr>
+        <a:xfrm>
+          <a:off x="0" y="0"/>
+          <a:ext cx="0" cy="0"/>
+          <a:chOff x="0" y="0"/>
+          <a:chExt cx="0" cy="0"/>
+        </a:xfrm>
+      </p:grpSpPr>
+      <p:sp>
+        <p:nvSpPr>
+          <p:cNvPr id="2" name="Title 1">
+            <a:extLst>
+              <a:ext uri="{FF2B5EF4-FFF2-40B4-BE49-F238E27FC236}">
+                <a16:creationId xmlns:a16="http://schemas.microsoft.com/office/drawing/2014/main" id="{21FB5266-4590-468C-9077-C7F2C285665C}"/>
+              </a:ext>
+            </a:extLst>
+          </p:cNvPr>
+          <p:cNvSpPr>
+            <a:spLocks noGrp="1"/>
+          </p:cNvSpPr>
+          <p:nvPr>
+            <p:ph type="title"/>
+          </p:nvPr>
+        </p:nvSpPr>
+        <p:spPr/>
+        <p:txBody>
+          <a:bodyPr/>
+          <a:lstStyle/>
+          <a:p>
+            <a:endParaRPr lang="en-SE"/>
+          </a:p>
+        </p:txBody>
+      </p:sp>
+      <p:sp>
+        <p:nvSpPr>
+          <p:cNvPr id="3" name="Content Placeholder 2">
+            <a:extLst>
+              <a:ext uri="{FF2B5EF4-FFF2-40B4-BE49-F238E27FC236}">
+                <a16:creationId xmlns:a16="http://schemas.microsoft.com/office/drawing/2014/main" id="{DF4EADC7-FB9B-4918-A71C-F7C48B44CC1F}"/>
+              </a:ext>
+            </a:extLst>
+          </p:cNvPr>
+          <p:cNvSpPr>
+            <a:spLocks noGrp="1"/>
+          </p:cNvSpPr>
+          <p:nvPr>
+            <p:ph idx="1"/>
+          </p:nvPr>
+        </p:nvSpPr>
+        <p:spPr/>
+        <p:txBody>
+          <a:bodyPr/>
+          <a:lstStyle/>
+          <a:p>
+            <a:endParaRPr lang="en-SE"/>
+          </a:p>
+        </p:txBody>
+      </p:sp>
+      <p:pic>
+        <p:nvPicPr>
+          <p:cNvPr id="5" name="Picture 4">
+            <a:extLst>
+              <a:ext uri="{FF2B5EF4-FFF2-40B4-BE49-F238E27FC236}">
+                <a16:creationId xmlns:a16="http://schemas.microsoft.com/office/drawing/2014/main" id="{E3264125-6DB7-4B73-9EEE-6D51B2AFF992}"/>
+              </a:ext>
+            </a:extLst>
+          </p:cNvPr>
+          <p:cNvPicPr>
+            <a:picLocks noChangeAspect="1"/>
+          </p:cNvPicPr>
+          <p:nvPr/>
+        </p:nvPicPr>
+        <p:blipFill>
+          <a:blip r:embed="rId2"/>
+          <a:stretch>
+            <a:fillRect/>
+          </a:stretch>
+        </p:blipFill>
+        <p:spPr>
+          <a:xfrm>
+            <a:off x="1809364" y="1333207"/>
+            <a:ext cx="5525271" cy="4191585"/>
+          </a:xfrm>
+          <a:prstGeom prst="rect">
+            <a:avLst/>
+          </a:prstGeom>
+        </p:spPr>
+      </p:pic>
+    </p:spTree>
+    <p:extLst>
+      <p:ext uri="{BB962C8B-B14F-4D97-AF65-F5344CB8AC3E}">
+        <p14:creationId xmlns:p14="http://schemas.microsoft.com/office/powerpoint/2010/main" val="2412958184"/>
+      </p:ext>
+    </p:extLst>
+  </p:cSld>
+  <p:clrMapOvr>
+    <a:masterClrMapping/>
+  </p:clrMapOvr>
+</p:sld>
+</file>
+
+<file path=ppt/slides/slide3.xml><?xml version="1.0" encoding="utf-8"?>
 <p:sld xmlns:a="http://schemas.openxmlformats.org/drawingml/2006/main" xmlns:r="http://schemas.openxmlformats.org/officeDocument/2006/relationships" xmlns:p="http://schemas.openxmlformats.org/presentationml/2006/main">
   <p:cSld>
     <p:spTree>
@@ -2195,7 +2840,7 @@
 </p:sld>
 </file>
 
-<file path=ppt/slides/slide3.xml><?xml version="1.0" encoding="utf-8"?>
+<file path=ppt/slides/slide4.xml><?xml version="1.0" encoding="utf-8"?>
 <p:sld xmlns:a="http://schemas.openxmlformats.org/drawingml/2006/main" xmlns:r="http://schemas.openxmlformats.org/officeDocument/2006/relationships" xmlns:p="http://schemas.openxmlformats.org/presentationml/2006/main">
   <p:cSld>
     <p:spTree>
@@ -6231,7 +6876,7 @@
               <a:pPr>
                 <a:defRPr/>
               </a:pPr>
-              <a:t>3</a:t>
+              <a:t>4</a:t>
             </a:fld>
             <a:endParaRPr lang="en-US" altLang="zh-CN"/>
           </a:p>
@@ -9129,7 +9774,7 @@
 </p:sld>
 </file>
 
-<file path=ppt/slides/slide4.xml><?xml version="1.0" encoding="utf-8"?>
+<file path=ppt/slides/slide5.xml><?xml version="1.0" encoding="utf-8"?>
 <p:sld xmlns:a="http://schemas.openxmlformats.org/drawingml/2006/main" xmlns:r="http://schemas.openxmlformats.org/officeDocument/2006/relationships" xmlns:p="http://schemas.openxmlformats.org/presentationml/2006/main">
   <p:cSld>
     <p:spTree>
@@ -9634,7 +10279,7 @@
               <a:pPr>
                 <a:defRPr/>
               </a:pPr>
-              <a:t>4</a:t>
+              <a:t>5</a:t>
             </a:fld>
             <a:endParaRPr lang="en-US" altLang="zh-CN"/>
           </a:p>
@@ -9713,7 +10358,7 @@
 </p:sld>
 </file>
 
-<file path=ppt/slides/slide5.xml><?xml version="1.0" encoding="utf-8"?>
+<file path=ppt/slides/slide6.xml><?xml version="1.0" encoding="utf-8"?>
 <p:sld xmlns:a="http://schemas.openxmlformats.org/drawingml/2006/main" xmlns:r="http://schemas.openxmlformats.org/officeDocument/2006/relationships" xmlns:p="http://schemas.openxmlformats.org/presentationml/2006/main">
   <p:cSld>
     <p:spTree>
@@ -10650,7 +11295,7 @@
               <a:pPr>
                 <a:defRPr/>
               </a:pPr>
-              <a:t>5</a:t>
+              <a:t>6</a:t>
             </a:fld>
             <a:endParaRPr lang="en-US" altLang="zh-CN"/>
           </a:p>
@@ -10669,7 +11314,7 @@
 </p:sld>
 </file>
 
-<file path=ppt/slides/slide6.xml><?xml version="1.0" encoding="utf-8"?>
+<file path=ppt/slides/slide7.xml><?xml version="1.0" encoding="utf-8"?>
 <p:sld xmlns:a="http://schemas.openxmlformats.org/drawingml/2006/main" xmlns:r="http://schemas.openxmlformats.org/officeDocument/2006/relationships" xmlns:p="http://schemas.openxmlformats.org/presentationml/2006/main">
   <p:cSld>
     <p:spTree>
@@ -10937,7 +11582,7 @@
               <a:pPr>
                 <a:defRPr/>
               </a:pPr>
-              <a:t>6</a:t>
+              <a:t>7</a:t>
             </a:fld>
             <a:endParaRPr lang="en-US" altLang="zh-CN"/>
           </a:p>
@@ -11164,7 +11809,7 @@
 </p:sld>
 </file>
 
-<file path=ppt/slides/slide7.xml><?xml version="1.0" encoding="utf-8"?>
+<file path=ppt/slides/slide8.xml><?xml version="1.0" encoding="utf-8"?>
 <p:sld xmlns:a="http://schemas.openxmlformats.org/drawingml/2006/main" xmlns:r="http://schemas.openxmlformats.org/officeDocument/2006/relationships" xmlns:p="http://schemas.openxmlformats.org/presentationml/2006/main">
   <p:cSld>
     <p:spTree>
@@ -11326,7 +11971,7 @@
 </p:sld>
 </file>
 
-<file path=ppt/slides/slide8.xml><?xml version="1.0" encoding="utf-8"?>
+<file path=ppt/slides/slide9.xml><?xml version="1.0" encoding="utf-8"?>
 <p:sld xmlns:a="http://schemas.openxmlformats.org/drawingml/2006/main" xmlns:r="http://schemas.openxmlformats.org/officeDocument/2006/relationships" xmlns:p="http://schemas.openxmlformats.org/presentationml/2006/main">
   <p:cSld>
     <p:spTree>
@@ -11541,7 +12186,7 @@
               <a:pPr>
                 <a:defRPr/>
               </a:pPr>
-              <a:t>8</a:t>
+              <a:t>9</a:t>
             </a:fld>
             <a:endParaRPr lang="en-US" altLang="zh-CN"/>
           </a:p>
@@ -12585,540 +13230,6 @@
 </p:sld>
 </file>
 
-<file path=ppt/slides/slide9.xml><?xml version="1.0" encoding="utf-8"?>
-<p:sld xmlns:a="http://schemas.openxmlformats.org/drawingml/2006/main" xmlns:r="http://schemas.openxmlformats.org/officeDocument/2006/relationships" xmlns:p="http://schemas.openxmlformats.org/presentationml/2006/main">
-  <p:cSld>
-    <p:spTree>
-      <p:nvGrpSpPr>
-        <p:cNvPr id="1" name=""/>
-        <p:cNvGrpSpPr/>
-        <p:nvPr/>
-      </p:nvGrpSpPr>
-      <p:grpSpPr>
-        <a:xfrm>
-          <a:off x="0" y="0"/>
-          <a:ext cx="0" cy="0"/>
-          <a:chOff x="0" y="0"/>
-          <a:chExt cx="0" cy="0"/>
-        </a:xfrm>
-      </p:grpSpPr>
-      <p:sp>
-        <p:nvSpPr>
-          <p:cNvPr id="2" name="Title 1">
-            <a:extLst>
-              <a:ext uri="{FF2B5EF4-FFF2-40B4-BE49-F238E27FC236}">
-                <a16:creationId xmlns:a16="http://schemas.microsoft.com/office/drawing/2014/main" id="{A9723153-C315-4CF3-A05A-9EBF6769FCDE}"/>
-              </a:ext>
-            </a:extLst>
-          </p:cNvPr>
-          <p:cNvSpPr>
-            <a:spLocks noGrp="1"/>
-          </p:cNvSpPr>
-          <p:nvPr>
-            <p:ph type="title"/>
-          </p:nvPr>
-        </p:nvSpPr>
-        <p:spPr/>
-        <p:txBody>
-          <a:bodyPr/>
-          <a:lstStyle/>
-          <a:p>
-            <a:r>
-              <a:rPr lang="en-US" dirty="0"/>
-              <a:t>Iterative Policy Evaluation Results</a:t>
-            </a:r>
-            <a:endParaRPr lang="en-SE" dirty="0"/>
-          </a:p>
-        </p:txBody>
-      </p:sp>
-      <mc:AlternateContent xmlns:mc="http://schemas.openxmlformats.org/markup-compatibility/2006" xmlns:a14="http://schemas.microsoft.com/office/drawing/2010/main">
-        <mc:Choice Requires="a14">
-          <p:sp>
-            <p:nvSpPr>
-              <p:cNvPr id="3" name="Content Placeholder 2">
-                <a:extLst>
-                  <a:ext uri="{FF2B5EF4-FFF2-40B4-BE49-F238E27FC236}">
-                    <a16:creationId xmlns:a16="http://schemas.microsoft.com/office/drawing/2014/main" id="{C2C067C1-C130-4AEA-A0FB-D03CE13B49E5}"/>
-                  </a:ext>
-                </a:extLst>
-              </p:cNvPr>
-              <p:cNvSpPr>
-                <a:spLocks noGrp="1"/>
-              </p:cNvSpPr>
-              <p:nvPr>
-                <p:ph idx="1"/>
-              </p:nvPr>
-            </p:nvSpPr>
-            <p:spPr>
-              <a:xfrm>
-                <a:off x="457200" y="980729"/>
-                <a:ext cx="8229600" cy="2143472"/>
-              </a:xfrm>
-            </p:spPr>
-            <p:txBody>
-              <a:bodyPr>
-                <a:normAutofit fontScale="47500" lnSpcReduction="20000"/>
-              </a:bodyPr>
-              <a:lstStyle/>
-              <a:p>
-                <a:r>
-                  <a:rPr lang="en-US" dirty="0"/>
-                  <a:t>Figure 4.1: Convergence of iterative policy evaluation on a small </a:t>
-                </a:r>
-                <a:r>
-                  <a:rPr lang="en-US" dirty="0" err="1"/>
-                  <a:t>gridworld</a:t>
-                </a:r>
-                <a:r>
-                  <a:rPr lang="en-US" dirty="0"/>
-                  <a:t> with the random policy (all actions equally likely). The left column is the sequence of approximations of the state-value function. The right column is the sequence of greedy policies corresponding to the value function </a:t>
-                </a:r>
-                <a14:m>
-                  <m:oMath xmlns:m="http://schemas.openxmlformats.org/officeDocument/2006/math">
-                    <m:sSub>
-                      <m:sSubPr>
-                        <m:ctrlPr>
-                          <a:rPr lang="en-US" b="0" i="1" smtClean="0">
-                            <a:latin typeface="Cambria Math" panose="02040503050406030204" pitchFamily="18" charset="0"/>
-                          </a:rPr>
-                        </m:ctrlPr>
-                      </m:sSubPr>
-                      <m:e>
-                        <m:r>
-                          <a:rPr lang="en-US" i="1">
-                            <a:latin typeface="Cambria Math" panose="02040503050406030204" pitchFamily="18" charset="0"/>
-                          </a:rPr>
-                          <m:t>𝑣</m:t>
-                        </m:r>
-                      </m:e>
-                      <m:sub>
-                        <m:r>
-                          <a:rPr lang="en-US" b="0" i="1" smtClean="0">
-                            <a:latin typeface="Cambria Math" panose="02040503050406030204" pitchFamily="18" charset="0"/>
-                          </a:rPr>
-                          <m:t>𝜋</m:t>
-                        </m:r>
-                      </m:sub>
-                    </m:sSub>
-                    <m:r>
-                      <a:rPr lang="en-US" i="1">
-                        <a:latin typeface="Cambria Math" panose="02040503050406030204" pitchFamily="18" charset="0"/>
-                      </a:rPr>
-                      <m:t>(</m:t>
-                    </m:r>
-                    <m:r>
-                      <a:rPr lang="en-US" i="1">
-                        <a:latin typeface="Cambria Math" panose="02040503050406030204" pitchFamily="18" charset="0"/>
-                      </a:rPr>
-                      <m:t>𝑠</m:t>
-                    </m:r>
-                    <m:r>
-                      <a:rPr lang="en-US" i="1">
-                        <a:latin typeface="Cambria Math" panose="02040503050406030204" pitchFamily="18" charset="0"/>
-                      </a:rPr>
-                      <m:t>)</m:t>
-                    </m:r>
-                  </m:oMath>
-                </a14:m>
-                <a:r>
-                  <a:rPr lang="en-US" dirty="0"/>
-                  <a:t> estimates (arrows are shown for all actions achieving the max </a:t>
-                </a:r>
-                <a14:m>
-                  <m:oMath xmlns:m="http://schemas.openxmlformats.org/officeDocument/2006/math">
-                    <m:sSub>
-                      <m:sSubPr>
-                        <m:ctrlPr>
-                          <a:rPr lang="en-US" i="1">
-                            <a:latin typeface="Cambria Math" panose="02040503050406030204" pitchFamily="18" charset="0"/>
-                          </a:rPr>
-                        </m:ctrlPr>
-                      </m:sSubPr>
-                      <m:e>
-                        <m:r>
-                          <a:rPr lang="en-US" i="1">
-                            <a:latin typeface="Cambria Math" panose="02040503050406030204" pitchFamily="18" charset="0"/>
-                          </a:rPr>
-                          <m:t>𝑣</m:t>
-                        </m:r>
-                      </m:e>
-                      <m:sub>
-                        <m:r>
-                          <a:rPr lang="en-US" i="1">
-                            <a:latin typeface="Cambria Math" panose="02040503050406030204" pitchFamily="18" charset="0"/>
-                          </a:rPr>
-                          <m:t>𝜋</m:t>
-                        </m:r>
-                      </m:sub>
-                    </m:sSub>
-                    <m:r>
-                      <a:rPr lang="en-US" i="1">
-                        <a:latin typeface="Cambria Math" panose="02040503050406030204" pitchFamily="18" charset="0"/>
-                      </a:rPr>
-                      <m:t>(</m:t>
-                    </m:r>
-                    <m:r>
-                      <a:rPr lang="en-US" i="1">
-                        <a:latin typeface="Cambria Math" panose="02040503050406030204" pitchFamily="18" charset="0"/>
-                      </a:rPr>
-                      <m:t>𝑠</m:t>
-                    </m:r>
-                    <m:r>
-                      <a:rPr lang="en-US" i="1">
-                        <a:latin typeface="Cambria Math" panose="02040503050406030204" pitchFamily="18" charset="0"/>
-                      </a:rPr>
-                      <m:t>)</m:t>
-                    </m:r>
-                  </m:oMath>
-                </a14:m>
-                <a:r>
-                  <a:rPr lang="en-US" dirty="0"/>
-                  <a:t>). All policies after </a:t>
-                </a:r>
-                <a14:m>
-                  <m:oMath xmlns:m="http://schemas.openxmlformats.org/officeDocument/2006/math">
-                    <m:r>
-                      <a:rPr lang="en-US" b="0" i="1" dirty="0" smtClean="0">
-                        <a:latin typeface="Cambria Math" panose="02040503050406030204" pitchFamily="18" charset="0"/>
-                      </a:rPr>
-                      <m:t>𝑘</m:t>
-                    </m:r>
-                    <m:r>
-                      <a:rPr lang="en-US" b="0" i="1" dirty="0" smtClean="0">
-                        <a:latin typeface="Cambria Math" panose="02040503050406030204" pitchFamily="18" charset="0"/>
-                      </a:rPr>
-                      <m:t>=3</m:t>
-                    </m:r>
-                  </m:oMath>
-                </a14:m>
-                <a:r>
-                  <a:rPr lang="en-US" dirty="0"/>
-                  <a:t> iterations are optimal. </a:t>
-                </a:r>
-              </a:p>
-              <a:p>
-                <a:r>
-                  <a:rPr lang="en-US" dirty="0"/>
-                  <a:t>Note that we are not updating the policy (always the random policy) across iterations. If you follow the greedy action at the current step, then follow the random policy in the future, then it is better than following the random policy from the current step. </a:t>
-                </a:r>
-              </a:p>
-              <a:p>
-                <a:r>
-                  <a:rPr lang="en-US" dirty="0" err="1">
-                    <a:solidFill>
-                      <a:srgbClr val="C00000"/>
-                    </a:solidFill>
-                  </a:rPr>
-                  <a:t>Zgu</a:t>
-                </a:r>
-                <a:r>
-                  <a:rPr lang="en-US" dirty="0">
-                    <a:solidFill>
-                      <a:srgbClr val="C00000"/>
-                    </a:solidFill>
-                  </a:rPr>
-                  <a:t>: so this is different from p. 31 PI example, where policy is updated at each iteration. Here policy is always random, but how can you get optimal policy without updating the policy for PE?</a:t>
-                </a:r>
-              </a:p>
-            </p:txBody>
-          </p:sp>
-        </mc:Choice>
-        <mc:Fallback xmlns="">
-          <p:sp>
-            <p:nvSpPr>
-              <p:cNvPr id="3" name="Content Placeholder 2">
-                <a:extLst>
-                  <a:ext uri="{FF2B5EF4-FFF2-40B4-BE49-F238E27FC236}">
-                    <a16:creationId xmlns:a16="http://schemas.microsoft.com/office/drawing/2014/main" id="{C2C067C1-C130-4AEA-A0FB-D03CE13B49E5}"/>
-                  </a:ext>
-                </a:extLst>
-              </p:cNvPr>
-              <p:cNvSpPr>
-                <a:spLocks noGrp="1" noRot="1" noChangeAspect="1" noMove="1" noResize="1" noEditPoints="1" noAdjustHandles="1" noChangeArrowheads="1" noChangeShapeType="1" noTextEdit="1"/>
-              </p:cNvSpPr>
-              <p:nvPr>
-                <p:ph idx="1"/>
-              </p:nvPr>
-            </p:nvSpPr>
-            <p:spPr>
-              <a:xfrm>
-                <a:off x="457200" y="980729"/>
-                <a:ext cx="8229600" cy="2143472"/>
-              </a:xfrm>
-              <a:blipFill>
-                <a:blip r:embed="rId3"/>
-                <a:stretch>
-                  <a:fillRect l="-222" t="-2273" r="-519"/>
-                </a:stretch>
-              </a:blipFill>
-            </p:spPr>
-            <p:txBody>
-              <a:bodyPr/>
-              <a:lstStyle/>
-              <a:p>
-                <a:r>
-                  <a:rPr lang="en-SE">
-                    <a:noFill/>
-                  </a:rPr>
-                  <a:t> </a:t>
-                </a:r>
-              </a:p>
-            </p:txBody>
-          </p:sp>
-        </mc:Fallback>
-      </mc:AlternateContent>
-      <p:sp>
-        <p:nvSpPr>
-          <p:cNvPr id="4" name="Slide Number Placeholder 3">
-            <a:extLst>
-              <a:ext uri="{FF2B5EF4-FFF2-40B4-BE49-F238E27FC236}">
-                <a16:creationId xmlns:a16="http://schemas.microsoft.com/office/drawing/2014/main" id="{43663906-32AF-4120-8C5E-8BBBF44E83F2}"/>
-              </a:ext>
-            </a:extLst>
-          </p:cNvPr>
-          <p:cNvSpPr>
-            <a:spLocks noGrp="1"/>
-          </p:cNvSpPr>
-          <p:nvPr>
-            <p:ph type="sldNum" sz="quarter" idx="12"/>
-          </p:nvPr>
-        </p:nvSpPr>
-        <p:spPr bwMode="auto">
-          <a:xfrm>
-            <a:off x="6934200" y="6530035"/>
-            <a:ext cx="2133600" cy="244475"/>
-          </a:xfrm>
-          <a:prstGeom prst="rect">
-            <a:avLst/>
-          </a:prstGeom>
-          <a:noFill/>
-          <a:ln w="9525">
-            <a:noFill/>
-            <a:miter lim="800000"/>
-            <a:headEnd/>
-            <a:tailEnd/>
-          </a:ln>
-          <a:effectLst/>
-        </p:spPr>
-        <p:txBody>
-          <a:bodyPr vert="horz" wrap="square" lIns="91440" tIns="45720" rIns="91440" bIns="45720" numCol="1" anchor="t" anchorCtr="0" compatLnSpc="1">
-            <a:prstTxWarp prst="textNoShape">
-              <a:avLst/>
-            </a:prstTxWarp>
-          </a:bodyPr>
-          <a:lstStyle>
-            <a:defPPr>
-              <a:defRPr lang="en-US"/>
-            </a:defPPr>
-            <a:lvl1pPr algn="r" rtl="0" fontAlgn="base">
-              <a:spcBef>
-                <a:spcPct val="0"/>
-              </a:spcBef>
-              <a:spcAft>
-                <a:spcPct val="0"/>
-              </a:spcAft>
-              <a:defRPr sz="1200" kern="1200">
-                <a:solidFill>
-                  <a:schemeClr val="tx1"/>
-                </a:solidFill>
-                <a:latin typeface="Arial" charset="0"/>
-                <a:ea typeface="宋体" charset="-122"/>
-                <a:cs typeface="+mn-cs"/>
-              </a:defRPr>
-            </a:lvl1pPr>
-            <a:lvl2pPr marL="457200" algn="l" rtl="0" fontAlgn="base">
-              <a:spcBef>
-                <a:spcPct val="0"/>
-              </a:spcBef>
-              <a:spcAft>
-                <a:spcPct val="0"/>
-              </a:spcAft>
-              <a:defRPr kern="1200">
-                <a:solidFill>
-                  <a:schemeClr val="tx1"/>
-                </a:solidFill>
-                <a:latin typeface="Arial" charset="0"/>
-                <a:ea typeface="+mn-ea"/>
-                <a:cs typeface="+mn-cs"/>
-              </a:defRPr>
-            </a:lvl2pPr>
-            <a:lvl3pPr marL="914400" algn="l" rtl="0" fontAlgn="base">
-              <a:spcBef>
-                <a:spcPct val="0"/>
-              </a:spcBef>
-              <a:spcAft>
-                <a:spcPct val="0"/>
-              </a:spcAft>
-              <a:defRPr kern="1200">
-                <a:solidFill>
-                  <a:schemeClr val="tx1"/>
-                </a:solidFill>
-                <a:latin typeface="Arial" charset="0"/>
-                <a:ea typeface="+mn-ea"/>
-                <a:cs typeface="+mn-cs"/>
-              </a:defRPr>
-            </a:lvl3pPr>
-            <a:lvl4pPr marL="1371600" algn="l" rtl="0" fontAlgn="base">
-              <a:spcBef>
-                <a:spcPct val="0"/>
-              </a:spcBef>
-              <a:spcAft>
-                <a:spcPct val="0"/>
-              </a:spcAft>
-              <a:defRPr kern="1200">
-                <a:solidFill>
-                  <a:schemeClr val="tx1"/>
-                </a:solidFill>
-                <a:latin typeface="Arial" charset="0"/>
-                <a:ea typeface="+mn-ea"/>
-                <a:cs typeface="+mn-cs"/>
-              </a:defRPr>
-            </a:lvl4pPr>
-            <a:lvl5pPr marL="1828800" algn="l" rtl="0" fontAlgn="base">
-              <a:spcBef>
-                <a:spcPct val="0"/>
-              </a:spcBef>
-              <a:spcAft>
-                <a:spcPct val="0"/>
-              </a:spcAft>
-              <a:defRPr kern="1200">
-                <a:solidFill>
-                  <a:schemeClr val="tx1"/>
-                </a:solidFill>
-                <a:latin typeface="Arial" charset="0"/>
-                <a:ea typeface="+mn-ea"/>
-                <a:cs typeface="+mn-cs"/>
-              </a:defRPr>
-            </a:lvl5pPr>
-            <a:lvl6pPr marL="2286000" algn="l" defTabSz="914400" rtl="0" eaLnBrk="1" latinLnBrk="0" hangingPunct="1">
-              <a:defRPr kern="1200">
-                <a:solidFill>
-                  <a:schemeClr val="tx1"/>
-                </a:solidFill>
-                <a:latin typeface="Arial" charset="0"/>
-                <a:ea typeface="+mn-ea"/>
-                <a:cs typeface="+mn-cs"/>
-              </a:defRPr>
-            </a:lvl6pPr>
-            <a:lvl7pPr marL="2743200" algn="l" defTabSz="914400" rtl="0" eaLnBrk="1" latinLnBrk="0" hangingPunct="1">
-              <a:defRPr kern="1200">
-                <a:solidFill>
-                  <a:schemeClr val="tx1"/>
-                </a:solidFill>
-                <a:latin typeface="Arial" charset="0"/>
-                <a:ea typeface="+mn-ea"/>
-                <a:cs typeface="+mn-cs"/>
-              </a:defRPr>
-            </a:lvl7pPr>
-            <a:lvl8pPr marL="3200400" algn="l" defTabSz="914400" rtl="0" eaLnBrk="1" latinLnBrk="0" hangingPunct="1">
-              <a:defRPr kern="1200">
-                <a:solidFill>
-                  <a:schemeClr val="tx1"/>
-                </a:solidFill>
-                <a:latin typeface="Arial" charset="0"/>
-                <a:ea typeface="+mn-ea"/>
-                <a:cs typeface="+mn-cs"/>
-              </a:defRPr>
-            </a:lvl8pPr>
-            <a:lvl9pPr marL="3657600" algn="l" defTabSz="914400" rtl="0" eaLnBrk="1" latinLnBrk="0" hangingPunct="1">
-              <a:defRPr kern="1200">
-                <a:solidFill>
-                  <a:schemeClr val="tx1"/>
-                </a:solidFill>
-                <a:latin typeface="Arial" charset="0"/>
-                <a:ea typeface="+mn-ea"/>
-                <a:cs typeface="+mn-cs"/>
-              </a:defRPr>
-            </a:lvl9pPr>
-          </a:lstStyle>
-          <a:p>
-            <a:pPr>
-              <a:defRPr/>
-            </a:pPr>
-            <a:fld id="{F57F456A-00AF-44E6-8D70-638C0D0130FF}" type="slidenum">
-              <a:rPr lang="en-US" altLang="zh-CN" smtClean="0"/>
-              <a:pPr>
-                <a:defRPr/>
-              </a:pPr>
-              <a:t>9</a:t>
-            </a:fld>
-            <a:endParaRPr lang="en-US" altLang="zh-CN"/>
-          </a:p>
-        </p:txBody>
-      </p:sp>
-      <p:pic>
-        <p:nvPicPr>
-          <p:cNvPr id="5" name="Picture 4">
-            <a:extLst>
-              <a:ext uri="{FF2B5EF4-FFF2-40B4-BE49-F238E27FC236}">
-                <a16:creationId xmlns:a16="http://schemas.microsoft.com/office/drawing/2014/main" id="{5ADE55B3-4D68-44EE-8BF0-F1EB3FC2C524}"/>
-              </a:ext>
-            </a:extLst>
-          </p:cNvPr>
-          <p:cNvPicPr>
-            <a:picLocks noChangeAspect="1"/>
-          </p:cNvPicPr>
-          <p:nvPr/>
-        </p:nvPicPr>
-        <p:blipFill>
-          <a:blip r:embed="rId4"/>
-          <a:stretch>
-            <a:fillRect/>
-          </a:stretch>
-        </p:blipFill>
-        <p:spPr>
-          <a:xfrm>
-            <a:off x="-31102" y="3048000"/>
-            <a:ext cx="4469390" cy="3563329"/>
-          </a:xfrm>
-          <a:prstGeom prst="rect">
-            <a:avLst/>
-          </a:prstGeom>
-        </p:spPr>
-      </p:pic>
-      <p:pic>
-        <p:nvPicPr>
-          <p:cNvPr id="6" name="Picture 5">
-            <a:extLst>
-              <a:ext uri="{FF2B5EF4-FFF2-40B4-BE49-F238E27FC236}">
-                <a16:creationId xmlns:a16="http://schemas.microsoft.com/office/drawing/2014/main" id="{24E9037D-16F2-46D4-8F9F-C961FDAD1D35}"/>
-              </a:ext>
-            </a:extLst>
-          </p:cNvPr>
-          <p:cNvPicPr>
-            <a:picLocks noChangeAspect="1"/>
-          </p:cNvPicPr>
-          <p:nvPr/>
-        </p:nvPicPr>
-        <p:blipFill>
-          <a:blip r:embed="rId5"/>
-          <a:stretch>
-            <a:fillRect/>
-          </a:stretch>
-        </p:blipFill>
-        <p:spPr>
-          <a:xfrm>
-            <a:off x="4438288" y="3562903"/>
-            <a:ext cx="4427838" cy="3048426"/>
-          </a:xfrm>
-          <a:prstGeom prst="rect">
-            <a:avLst/>
-          </a:prstGeom>
-        </p:spPr>
-      </p:pic>
-    </p:spTree>
-    <p:extLst>
-      <p:ext uri="{BB962C8B-B14F-4D97-AF65-F5344CB8AC3E}">
-        <p14:creationId xmlns:p14="http://schemas.microsoft.com/office/powerpoint/2010/main" val="152459133"/>
-      </p:ext>
-    </p:extLst>
-  </p:cSld>
-  <p:clrMapOvr>
-    <a:masterClrMapping/>
-  </p:clrMapOvr>
-</p:sld>
-</file>
-
 <file path=ppt/theme/theme1.xml><?xml version="1.0" encoding="utf-8"?>
 <a:theme xmlns:a="http://schemas.openxmlformats.org/drawingml/2006/main" name="_Template">
   <a:themeElements>
@@ -13908,18 +14019,18 @@
 </file>
 
 <file path=customXml/item2.xml><?xml version="1.0" encoding="utf-8"?>
-<p:properties xmlns:p="http://schemas.microsoft.com/office/2006/metadata/properties" xmlns:xsi="http://www.w3.org/2001/XMLSchema-instance" xmlns:pc="http://schemas.microsoft.com/office/infopath/2007/PartnerControls">
-  <documentManagement/>
-</p:properties>
-</file>
-
-<file path=customXml/item3.xml><?xml version="1.0" encoding="utf-8"?>
 <?mso-contentType ?>
 <FormTemplates xmlns="http://schemas.microsoft.com/sharepoint/v3/contenttype/forms">
   <Display>DocumentLibraryForm</Display>
   <Edit>DocumentLibraryForm</Edit>
   <New>DocumentLibraryForm</New>
 </FormTemplates>
+</file>
+
+<file path=customXml/item3.xml><?xml version="1.0" encoding="utf-8"?>
+<p:properties xmlns:p="http://schemas.microsoft.com/office/2006/metadata/properties" xmlns:xsi="http://www.w3.org/2001/XMLSchema-instance" xmlns:pc="http://schemas.microsoft.com/office/infopath/2007/PartnerControls">
+  <documentManagement/>
+</p:properties>
 </file>
 
 <file path=customXml/itemProps1.xml><?xml version="1.0" encoding="utf-8"?>
@@ -13942,6 +14053,14 @@
 </file>
 
 <file path=customXml/itemProps2.xml><?xml version="1.0" encoding="utf-8"?>
+<ds:datastoreItem xmlns:ds="http://schemas.openxmlformats.org/officeDocument/2006/customXml" ds:itemID="{C57B2AAA-3E84-49CC-BE6D-CB4399E554EF}">
+  <ds:schemaRefs>
+    <ds:schemaRef ds:uri="http://schemas.microsoft.com/sharepoint/v3/contenttype/forms"/>
+  </ds:schemaRefs>
+</ds:datastoreItem>
+</file>
+
+<file path=customXml/itemProps3.xml><?xml version="1.0" encoding="utf-8"?>
 <ds:datastoreItem xmlns:ds="http://schemas.openxmlformats.org/officeDocument/2006/customXml" ds:itemID="{6B8D1CD2-3289-4F40-8C3A-CFDE35750563}">
   <ds:schemaRefs>
     <ds:schemaRef ds:uri="http://schemas.microsoft.com/office/2006/documentManagement/types"/>
@@ -13956,12 +14075,4 @@
     <ds:schemaRef ds:uri="221e1496-d443-4306-ad63-a100e0046a13"/>
   </ds:schemaRefs>
 </ds:datastoreItem>
-</file>
-
-<file path=customXml/itemProps3.xml><?xml version="1.0" encoding="utf-8"?>
-<ds:datastoreItem xmlns:ds="http://schemas.openxmlformats.org/officeDocument/2006/customXml" ds:itemID="{C57B2AAA-3E84-49CC-BE6D-CB4399E554EF}">
-  <ds:schemaRefs>
-    <ds:schemaRef ds:uri="http://schemas.microsoft.com/sharepoint/v3/contenttype/forms"/>
-  </ds:schemaRefs>
-</ds:datastoreItem>
 </file>
--- a/PPTs/bak/UMU SDC TODO.pptx
+++ b/PPTs/bak/UMU SDC TODO.pptx
@@ -5,19 +5,20 @@
     <p:sldMasterId id="2147483648" r:id="rId4"/>
   </p:sldMasterIdLst>
   <p:notesMasterIdLst>
-    <p:notesMasterId r:id="rId15"/>
+    <p:notesMasterId r:id="rId16"/>
   </p:notesMasterIdLst>
   <p:sldIdLst>
     <p:sldId id="256" r:id="rId5"/>
     <p:sldId id="1166" r:id="rId6"/>
-    <p:sldId id="258" r:id="rId7"/>
-    <p:sldId id="1113" r:id="rId8"/>
-    <p:sldId id="1165" r:id="rId9"/>
-    <p:sldId id="1163" r:id="rId10"/>
-    <p:sldId id="894" r:id="rId11"/>
-    <p:sldId id="257" r:id="rId12"/>
-    <p:sldId id="389" r:id="rId13"/>
-    <p:sldId id="1047" r:id="rId14"/>
+    <p:sldId id="1167" r:id="rId7"/>
+    <p:sldId id="258" r:id="rId8"/>
+    <p:sldId id="1113" r:id="rId9"/>
+    <p:sldId id="1165" r:id="rId10"/>
+    <p:sldId id="1163" r:id="rId11"/>
+    <p:sldId id="894" r:id="rId12"/>
+    <p:sldId id="257" r:id="rId13"/>
+    <p:sldId id="389" r:id="rId14"/>
+    <p:sldId id="1047" r:id="rId15"/>
   </p:sldIdLst>
   <p:sldSz cx="9144000" cy="6858000" type="screen4x3"/>
   <p:notesSz cx="6858000" cy="9144000"/>
@@ -847,7 +848,7 @@
               <a:pPr>
                 <a:defRPr/>
               </a:pPr>
-              <a:t>4</a:t>
+              <a:t>5</a:t>
             </a:fld>
             <a:endParaRPr lang="en-US" altLang="zh-CN"/>
           </a:p>
@@ -958,7 +959,7 @@
               <a:pPr>
                 <a:defRPr/>
               </a:pPr>
-              <a:t>10</a:t>
+              <a:t>11</a:t>
             </a:fld>
             <a:endParaRPr lang="en-US" altLang="zh-CN"/>
           </a:p>
@@ -2130,6 +2131,1265 @@
           <p:cNvPr id="2" name="Title 1">
             <a:extLst>
               <a:ext uri="{FF2B5EF4-FFF2-40B4-BE49-F238E27FC236}">
+                <a16:creationId xmlns:a16="http://schemas.microsoft.com/office/drawing/2014/main" id="{94C9E8D7-A778-4507-8BF4-EF22DE767F55}"/>
+              </a:ext>
+            </a:extLst>
+          </p:cNvPr>
+          <p:cNvSpPr>
+            <a:spLocks noGrp="1"/>
+          </p:cNvSpPr>
+          <p:nvPr>
+            <p:ph type="title"/>
+          </p:nvPr>
+        </p:nvSpPr>
+        <p:spPr/>
+        <p:txBody>
+          <a:bodyPr/>
+          <a:lstStyle/>
+          <a:p>
+            <a:endParaRPr lang="en-SE"/>
+          </a:p>
+        </p:txBody>
+      </p:sp>
+      <p:sp>
+        <p:nvSpPr>
+          <p:cNvPr id="4" name="Slide Number Placeholder 3">
+            <a:extLst>
+              <a:ext uri="{FF2B5EF4-FFF2-40B4-BE49-F238E27FC236}">
+                <a16:creationId xmlns:a16="http://schemas.microsoft.com/office/drawing/2014/main" id="{F802A3B7-AAE0-451B-8509-95A756E63C69}"/>
+              </a:ext>
+            </a:extLst>
+          </p:cNvPr>
+          <p:cNvSpPr>
+            <a:spLocks noGrp="1"/>
+          </p:cNvSpPr>
+          <p:nvPr>
+            <p:ph type="sldNum" sz="quarter" idx="12"/>
+          </p:nvPr>
+        </p:nvSpPr>
+        <p:spPr bwMode="auto">
+          <a:xfrm>
+            <a:off x="6934200" y="6530035"/>
+            <a:ext cx="2133600" cy="244475"/>
+          </a:xfrm>
+          <a:prstGeom prst="rect">
+            <a:avLst/>
+          </a:prstGeom>
+          <a:noFill/>
+          <a:ln w="9525">
+            <a:noFill/>
+            <a:miter lim="800000"/>
+            <a:headEnd/>
+            <a:tailEnd/>
+          </a:ln>
+          <a:effectLst/>
+        </p:spPr>
+        <p:txBody>
+          <a:bodyPr vert="horz" wrap="square" lIns="91440" tIns="45720" rIns="91440" bIns="45720" numCol="1" anchor="t" anchorCtr="0" compatLnSpc="1">
+            <a:prstTxWarp prst="textNoShape">
+              <a:avLst/>
+            </a:prstTxWarp>
+          </a:bodyPr>
+          <a:lstStyle>
+            <a:defPPr>
+              <a:defRPr lang="en-US"/>
+            </a:defPPr>
+            <a:lvl1pPr algn="r" rtl="0" fontAlgn="base">
+              <a:spcBef>
+                <a:spcPct val="0"/>
+              </a:spcBef>
+              <a:spcAft>
+                <a:spcPct val="0"/>
+              </a:spcAft>
+              <a:defRPr sz="1200" kern="1200">
+                <a:solidFill>
+                  <a:schemeClr val="tx1"/>
+                </a:solidFill>
+                <a:latin typeface="Arial" charset="0"/>
+                <a:ea typeface="宋体" charset="-122"/>
+                <a:cs typeface="+mn-cs"/>
+              </a:defRPr>
+            </a:lvl1pPr>
+            <a:lvl2pPr marL="457200" algn="l" rtl="0" fontAlgn="base">
+              <a:spcBef>
+                <a:spcPct val="0"/>
+              </a:spcBef>
+              <a:spcAft>
+                <a:spcPct val="0"/>
+              </a:spcAft>
+              <a:defRPr kern="1200">
+                <a:solidFill>
+                  <a:schemeClr val="tx1"/>
+                </a:solidFill>
+                <a:latin typeface="Arial" charset="0"/>
+                <a:ea typeface="+mn-ea"/>
+                <a:cs typeface="+mn-cs"/>
+              </a:defRPr>
+            </a:lvl2pPr>
+            <a:lvl3pPr marL="914400" algn="l" rtl="0" fontAlgn="base">
+              <a:spcBef>
+                <a:spcPct val="0"/>
+              </a:spcBef>
+              <a:spcAft>
+                <a:spcPct val="0"/>
+              </a:spcAft>
+              <a:defRPr kern="1200">
+                <a:solidFill>
+                  <a:schemeClr val="tx1"/>
+                </a:solidFill>
+                <a:latin typeface="Arial" charset="0"/>
+                <a:ea typeface="+mn-ea"/>
+                <a:cs typeface="+mn-cs"/>
+              </a:defRPr>
+            </a:lvl3pPr>
+            <a:lvl4pPr marL="1371600" algn="l" rtl="0" fontAlgn="base">
+              <a:spcBef>
+                <a:spcPct val="0"/>
+              </a:spcBef>
+              <a:spcAft>
+                <a:spcPct val="0"/>
+              </a:spcAft>
+              <a:defRPr kern="1200">
+                <a:solidFill>
+                  <a:schemeClr val="tx1"/>
+                </a:solidFill>
+                <a:latin typeface="Arial" charset="0"/>
+                <a:ea typeface="+mn-ea"/>
+                <a:cs typeface="+mn-cs"/>
+              </a:defRPr>
+            </a:lvl4pPr>
+            <a:lvl5pPr marL="1828800" algn="l" rtl="0" fontAlgn="base">
+              <a:spcBef>
+                <a:spcPct val="0"/>
+              </a:spcBef>
+              <a:spcAft>
+                <a:spcPct val="0"/>
+              </a:spcAft>
+              <a:defRPr kern="1200">
+                <a:solidFill>
+                  <a:schemeClr val="tx1"/>
+                </a:solidFill>
+                <a:latin typeface="Arial" charset="0"/>
+                <a:ea typeface="+mn-ea"/>
+                <a:cs typeface="+mn-cs"/>
+              </a:defRPr>
+            </a:lvl5pPr>
+            <a:lvl6pPr marL="2286000" algn="l" defTabSz="914400" rtl="0" eaLnBrk="1" latinLnBrk="0" hangingPunct="1">
+              <a:defRPr kern="1200">
+                <a:solidFill>
+                  <a:schemeClr val="tx1"/>
+                </a:solidFill>
+                <a:latin typeface="Arial" charset="0"/>
+                <a:ea typeface="+mn-ea"/>
+                <a:cs typeface="+mn-cs"/>
+              </a:defRPr>
+            </a:lvl6pPr>
+            <a:lvl7pPr marL="2743200" algn="l" defTabSz="914400" rtl="0" eaLnBrk="1" latinLnBrk="0" hangingPunct="1">
+              <a:defRPr kern="1200">
+                <a:solidFill>
+                  <a:schemeClr val="tx1"/>
+                </a:solidFill>
+                <a:latin typeface="Arial" charset="0"/>
+                <a:ea typeface="+mn-ea"/>
+                <a:cs typeface="+mn-cs"/>
+              </a:defRPr>
+            </a:lvl7pPr>
+            <a:lvl8pPr marL="3200400" algn="l" defTabSz="914400" rtl="0" eaLnBrk="1" latinLnBrk="0" hangingPunct="1">
+              <a:defRPr kern="1200">
+                <a:solidFill>
+                  <a:schemeClr val="tx1"/>
+                </a:solidFill>
+                <a:latin typeface="Arial" charset="0"/>
+                <a:ea typeface="+mn-ea"/>
+                <a:cs typeface="+mn-cs"/>
+              </a:defRPr>
+            </a:lvl8pPr>
+            <a:lvl9pPr marL="3657600" algn="l" defTabSz="914400" rtl="0" eaLnBrk="1" latinLnBrk="0" hangingPunct="1">
+              <a:defRPr kern="1200">
+                <a:solidFill>
+                  <a:schemeClr val="tx1"/>
+                </a:solidFill>
+                <a:latin typeface="Arial" charset="0"/>
+                <a:ea typeface="+mn-ea"/>
+                <a:cs typeface="+mn-cs"/>
+              </a:defRPr>
+            </a:lvl9pPr>
+          </a:lstStyle>
+          <a:p>
+            <a:pPr>
+              <a:defRPr/>
+            </a:pPr>
+            <a:fld id="{F57F456A-00AF-44E6-8D70-638C0D0130FF}" type="slidenum">
+              <a:rPr lang="en-US" altLang="zh-CN" smtClean="0"/>
+              <a:pPr>
+                <a:defRPr/>
+              </a:pPr>
+              <a:t>10</a:t>
+            </a:fld>
+            <a:endParaRPr lang="en-US" altLang="zh-CN"/>
+          </a:p>
+        </p:txBody>
+      </p:sp>
+      <p:pic>
+        <p:nvPicPr>
+          <p:cNvPr id="6" name="Picture 5">
+            <a:extLst>
+              <a:ext uri="{FF2B5EF4-FFF2-40B4-BE49-F238E27FC236}">
+                <a16:creationId xmlns:a16="http://schemas.microsoft.com/office/drawing/2014/main" id="{9F0E4B7F-051D-46E2-BE1A-418AFD1C7272}"/>
+              </a:ext>
+            </a:extLst>
+          </p:cNvPr>
+          <p:cNvPicPr>
+            <a:picLocks noChangeAspect="1"/>
+          </p:cNvPicPr>
+          <p:nvPr/>
+        </p:nvPicPr>
+        <p:blipFill>
+          <a:blip r:embed="rId2"/>
+          <a:stretch>
+            <a:fillRect/>
+          </a:stretch>
+        </p:blipFill>
+        <p:spPr>
+          <a:xfrm>
+            <a:off x="7894" y="110027"/>
+            <a:ext cx="2916486" cy="3312781"/>
+          </a:xfrm>
+          <a:prstGeom prst="rect">
+            <a:avLst/>
+          </a:prstGeom>
+        </p:spPr>
+      </p:pic>
+      <p:pic>
+        <p:nvPicPr>
+          <p:cNvPr id="8" name="Picture 7">
+            <a:extLst>
+              <a:ext uri="{FF2B5EF4-FFF2-40B4-BE49-F238E27FC236}">
+                <a16:creationId xmlns:a16="http://schemas.microsoft.com/office/drawing/2014/main" id="{500A0F5D-4C4D-41E3-93B5-03B279910A5C}"/>
+              </a:ext>
+            </a:extLst>
+          </p:cNvPr>
+          <p:cNvPicPr>
+            <a:picLocks noChangeAspect="1"/>
+          </p:cNvPicPr>
+          <p:nvPr/>
+        </p:nvPicPr>
+        <p:blipFill>
+          <a:blip r:embed="rId3"/>
+          <a:stretch>
+            <a:fillRect/>
+          </a:stretch>
+        </p:blipFill>
+        <p:spPr>
+          <a:xfrm>
+            <a:off x="2992226" y="110027"/>
+            <a:ext cx="2904102" cy="3306589"/>
+          </a:xfrm>
+          <a:prstGeom prst="rect">
+            <a:avLst/>
+          </a:prstGeom>
+        </p:spPr>
+      </p:pic>
+      <p:pic>
+        <p:nvPicPr>
+          <p:cNvPr id="10" name="Picture 9">
+            <a:extLst>
+              <a:ext uri="{FF2B5EF4-FFF2-40B4-BE49-F238E27FC236}">
+                <a16:creationId xmlns:a16="http://schemas.microsoft.com/office/drawing/2014/main" id="{96EC5944-14BD-4B00-95BA-DA457A9D2C94}"/>
+              </a:ext>
+            </a:extLst>
+          </p:cNvPr>
+          <p:cNvPicPr>
+            <a:picLocks noChangeAspect="1"/>
+          </p:cNvPicPr>
+          <p:nvPr/>
+        </p:nvPicPr>
+        <p:blipFill>
+          <a:blip r:embed="rId4"/>
+          <a:stretch>
+            <a:fillRect/>
+          </a:stretch>
+        </p:blipFill>
+        <p:spPr>
+          <a:xfrm>
+            <a:off x="5964174" y="110027"/>
+            <a:ext cx="2910294" cy="3318973"/>
+          </a:xfrm>
+          <a:prstGeom prst="rect">
+            <a:avLst/>
+          </a:prstGeom>
+        </p:spPr>
+      </p:pic>
+      <p:pic>
+        <p:nvPicPr>
+          <p:cNvPr id="12" name="Picture 11">
+            <a:extLst>
+              <a:ext uri="{FF2B5EF4-FFF2-40B4-BE49-F238E27FC236}">
+                <a16:creationId xmlns:a16="http://schemas.microsoft.com/office/drawing/2014/main" id="{43D97608-5EE2-4DE2-8CDF-48A70F590AD3}"/>
+              </a:ext>
+            </a:extLst>
+          </p:cNvPr>
+          <p:cNvPicPr>
+            <a:picLocks noChangeAspect="1"/>
+          </p:cNvPicPr>
+          <p:nvPr/>
+        </p:nvPicPr>
+        <p:blipFill>
+          <a:blip r:embed="rId5"/>
+          <a:stretch>
+            <a:fillRect/>
+          </a:stretch>
+        </p:blipFill>
+        <p:spPr>
+          <a:xfrm>
+            <a:off x="20278" y="3481016"/>
+            <a:ext cx="2891717" cy="3325165"/>
+          </a:xfrm>
+          <a:prstGeom prst="rect">
+            <a:avLst/>
+          </a:prstGeom>
+        </p:spPr>
+      </p:pic>
+      <p:pic>
+        <p:nvPicPr>
+          <p:cNvPr id="14" name="Picture 13">
+            <a:extLst>
+              <a:ext uri="{FF2B5EF4-FFF2-40B4-BE49-F238E27FC236}">
+                <a16:creationId xmlns:a16="http://schemas.microsoft.com/office/drawing/2014/main" id="{3FBAA84C-B0D0-4A4A-89A2-3633E47E0AE6}"/>
+              </a:ext>
+            </a:extLst>
+          </p:cNvPr>
+          <p:cNvPicPr>
+            <a:picLocks noChangeAspect="1"/>
+          </p:cNvPicPr>
+          <p:nvPr/>
+        </p:nvPicPr>
+        <p:blipFill>
+          <a:blip r:embed="rId6"/>
+          <a:stretch>
+            <a:fillRect/>
+          </a:stretch>
+        </p:blipFill>
+        <p:spPr>
+          <a:xfrm>
+            <a:off x="3126141" y="3481016"/>
+            <a:ext cx="2891717" cy="3318973"/>
+          </a:xfrm>
+          <a:prstGeom prst="rect">
+            <a:avLst/>
+          </a:prstGeom>
+        </p:spPr>
+      </p:pic>
+      <p:pic>
+        <p:nvPicPr>
+          <p:cNvPr id="15" name="Picture 14">
+            <a:extLst>
+              <a:ext uri="{FF2B5EF4-FFF2-40B4-BE49-F238E27FC236}">
+                <a16:creationId xmlns:a16="http://schemas.microsoft.com/office/drawing/2014/main" id="{E0FAD037-EBEE-4DC1-AFF1-4B1010DCACA0}"/>
+              </a:ext>
+            </a:extLst>
+          </p:cNvPr>
+          <p:cNvPicPr>
+            <a:picLocks noChangeAspect="1"/>
+          </p:cNvPicPr>
+          <p:nvPr/>
+        </p:nvPicPr>
+        <p:blipFill>
+          <a:blip r:embed="rId7"/>
+          <a:stretch>
+            <a:fillRect/>
+          </a:stretch>
+        </p:blipFill>
+        <p:spPr>
+          <a:xfrm>
+            <a:off x="6046053" y="3519129"/>
+            <a:ext cx="3049942" cy="1786395"/>
+          </a:xfrm>
+          <a:prstGeom prst="rect">
+            <a:avLst/>
+          </a:prstGeom>
+        </p:spPr>
+      </p:pic>
+      <p:graphicFrame>
+        <p:nvGraphicFramePr>
+          <p:cNvPr id="16" name="Table 16">
+            <a:extLst>
+              <a:ext uri="{FF2B5EF4-FFF2-40B4-BE49-F238E27FC236}">
+                <a16:creationId xmlns:a16="http://schemas.microsoft.com/office/drawing/2014/main" id="{D8B2732C-7822-4984-9522-5F5B178168A3}"/>
+              </a:ext>
+            </a:extLst>
+          </p:cNvPr>
+          <p:cNvGraphicFramePr>
+            <a:graphicFrameLocks noGrp="1"/>
+          </p:cNvGraphicFramePr>
+          <p:nvPr>
+            <p:ph idx="1"/>
+          </p:nvPr>
+        </p:nvGraphicFramePr>
+        <p:xfrm>
+          <a:off x="1331640" y="2313935"/>
+          <a:ext cx="1152128" cy="683018"/>
+        </p:xfrm>
+        <a:graphic>
+          <a:graphicData uri="http://schemas.openxmlformats.org/drawingml/2006/table">
+            <a:tbl>
+              <a:tblPr firstRow="1" bandRow="1">
+                <a:tableStyleId>{5940675A-B579-460E-94D1-54222C63F5DA}</a:tableStyleId>
+              </a:tblPr>
+              <a:tblGrid>
+                <a:gridCol w="576064">
+                  <a:extLst>
+                    <a:ext uri="{9D8B030D-6E8A-4147-A177-3AD203B41FA5}">
+                      <a16:colId xmlns:a16="http://schemas.microsoft.com/office/drawing/2014/main" val="1682187565"/>
+                    </a:ext>
+                  </a:extLst>
+                </a:gridCol>
+                <a:gridCol w="576064">
+                  <a:extLst>
+                    <a:ext uri="{9D8B030D-6E8A-4147-A177-3AD203B41FA5}">
+                      <a16:colId xmlns:a16="http://schemas.microsoft.com/office/drawing/2014/main" val="1083604852"/>
+                    </a:ext>
+                  </a:extLst>
+                </a:gridCol>
+              </a:tblGrid>
+              <a:tr h="341509">
+                <a:tc>
+                  <a:txBody>
+                    <a:bodyPr/>
+                    <a:lstStyle/>
+                    <a:p>
+                      <a:r>
+                        <a:rPr lang="en-US" sz="1200" dirty="0"/>
+                        <a:t>FN=2</a:t>
+                      </a:r>
+                      <a:endParaRPr lang="en-SE" sz="1200" dirty="0"/>
+                    </a:p>
+                  </a:txBody>
+                  <a:tcPr/>
+                </a:tc>
+                <a:tc>
+                  <a:txBody>
+                    <a:bodyPr/>
+                    <a:lstStyle/>
+                    <a:p>
+                      <a:r>
+                        <a:rPr lang="en-US" sz="1200" dirty="0"/>
+                        <a:t>TN=0</a:t>
+                      </a:r>
+                      <a:endParaRPr lang="en-SE" sz="1200" dirty="0"/>
+                    </a:p>
+                  </a:txBody>
+                  <a:tcPr/>
+                </a:tc>
+                <a:extLst>
+                  <a:ext uri="{0D108BD9-81ED-4DB2-BD59-A6C34878D82A}">
+                    <a16:rowId xmlns:a16="http://schemas.microsoft.com/office/drawing/2014/main" val="4241156382"/>
+                  </a:ext>
+                </a:extLst>
+              </a:tr>
+              <a:tr h="341509">
+                <a:tc>
+                  <a:txBody>
+                    <a:bodyPr/>
+                    <a:lstStyle/>
+                    <a:p>
+                      <a:r>
+                        <a:rPr lang="en-US" sz="1200" dirty="0"/>
+                        <a:t>TP=1</a:t>
+                      </a:r>
+                      <a:endParaRPr lang="en-SE" sz="1200" dirty="0"/>
+                    </a:p>
+                  </a:txBody>
+                  <a:tcPr/>
+                </a:tc>
+                <a:tc>
+                  <a:txBody>
+                    <a:bodyPr/>
+                    <a:lstStyle/>
+                    <a:p>
+                      <a:r>
+                        <a:rPr lang="en-US" sz="1200" dirty="0"/>
+                        <a:t>FP=0</a:t>
+                      </a:r>
+                      <a:endParaRPr lang="en-SE" sz="1200" dirty="0"/>
+                    </a:p>
+                  </a:txBody>
+                  <a:tcPr/>
+                </a:tc>
+                <a:extLst>
+                  <a:ext uri="{0D108BD9-81ED-4DB2-BD59-A6C34878D82A}">
+                    <a16:rowId xmlns:a16="http://schemas.microsoft.com/office/drawing/2014/main" val="2395611723"/>
+                  </a:ext>
+                </a:extLst>
+              </a:tr>
+            </a:tbl>
+          </a:graphicData>
+        </a:graphic>
+      </p:graphicFrame>
+      <p:graphicFrame>
+        <p:nvGraphicFramePr>
+          <p:cNvPr id="17" name="Table 16">
+            <a:extLst>
+              <a:ext uri="{FF2B5EF4-FFF2-40B4-BE49-F238E27FC236}">
+                <a16:creationId xmlns:a16="http://schemas.microsoft.com/office/drawing/2014/main" id="{045FE403-80DE-4442-A557-CCF5880F5424}"/>
+              </a:ext>
+            </a:extLst>
+          </p:cNvPr>
+          <p:cNvGraphicFramePr>
+            <a:graphicFrameLocks/>
+          </p:cNvGraphicFramePr>
+          <p:nvPr/>
+        </p:nvGraphicFramePr>
+        <p:xfrm>
+          <a:off x="4545579" y="2313935"/>
+          <a:ext cx="1152128" cy="683018"/>
+        </p:xfrm>
+        <a:graphic>
+          <a:graphicData uri="http://schemas.openxmlformats.org/drawingml/2006/table">
+            <a:tbl>
+              <a:tblPr firstRow="1" bandRow="1">
+                <a:tableStyleId>{5940675A-B579-460E-94D1-54222C63F5DA}</a:tableStyleId>
+              </a:tblPr>
+              <a:tblGrid>
+                <a:gridCol w="576064">
+                  <a:extLst>
+                    <a:ext uri="{9D8B030D-6E8A-4147-A177-3AD203B41FA5}">
+                      <a16:colId xmlns:a16="http://schemas.microsoft.com/office/drawing/2014/main" val="1682187565"/>
+                    </a:ext>
+                  </a:extLst>
+                </a:gridCol>
+                <a:gridCol w="576064">
+                  <a:extLst>
+                    <a:ext uri="{9D8B030D-6E8A-4147-A177-3AD203B41FA5}">
+                      <a16:colId xmlns:a16="http://schemas.microsoft.com/office/drawing/2014/main" val="1083604852"/>
+                    </a:ext>
+                  </a:extLst>
+                </a:gridCol>
+              </a:tblGrid>
+              <a:tr h="341509">
+                <a:tc>
+                  <a:txBody>
+                    <a:bodyPr/>
+                    <a:lstStyle/>
+                    <a:p>
+                      <a:r>
+                        <a:rPr lang="en-US" sz="1200" dirty="0"/>
+                        <a:t>FN=1</a:t>
+                      </a:r>
+                      <a:endParaRPr lang="en-SE" sz="1200" dirty="0"/>
+                    </a:p>
+                  </a:txBody>
+                  <a:tcPr/>
+                </a:tc>
+                <a:tc>
+                  <a:txBody>
+                    <a:bodyPr/>
+                    <a:lstStyle/>
+                    <a:p>
+                      <a:r>
+                        <a:rPr lang="en-US" sz="1200" dirty="0"/>
+                        <a:t>TN=0</a:t>
+                      </a:r>
+                      <a:endParaRPr lang="en-SE" sz="1200" dirty="0"/>
+                    </a:p>
+                  </a:txBody>
+                  <a:tcPr/>
+                </a:tc>
+                <a:extLst>
+                  <a:ext uri="{0D108BD9-81ED-4DB2-BD59-A6C34878D82A}">
+                    <a16:rowId xmlns:a16="http://schemas.microsoft.com/office/drawing/2014/main" val="4241156382"/>
+                  </a:ext>
+                </a:extLst>
+              </a:tr>
+              <a:tr h="341509">
+                <a:tc>
+                  <a:txBody>
+                    <a:bodyPr/>
+                    <a:lstStyle/>
+                    <a:p>
+                      <a:r>
+                        <a:rPr lang="en-US" sz="1200" dirty="0"/>
+                        <a:t>TP=2</a:t>
+                      </a:r>
+                      <a:endParaRPr lang="en-SE" sz="1200" dirty="0"/>
+                    </a:p>
+                  </a:txBody>
+                  <a:tcPr/>
+                </a:tc>
+                <a:tc>
+                  <a:txBody>
+                    <a:bodyPr/>
+                    <a:lstStyle/>
+                    <a:p>
+                      <a:r>
+                        <a:rPr lang="en-US" sz="1200" dirty="0"/>
+                        <a:t>FP=0</a:t>
+                      </a:r>
+                      <a:endParaRPr lang="en-SE" sz="1200" dirty="0"/>
+                    </a:p>
+                  </a:txBody>
+                  <a:tcPr/>
+                </a:tc>
+                <a:extLst>
+                  <a:ext uri="{0D108BD9-81ED-4DB2-BD59-A6C34878D82A}">
+                    <a16:rowId xmlns:a16="http://schemas.microsoft.com/office/drawing/2014/main" val="2395611723"/>
+                  </a:ext>
+                </a:extLst>
+              </a:tr>
+            </a:tbl>
+          </a:graphicData>
+        </a:graphic>
+      </p:graphicFrame>
+      <p:graphicFrame>
+        <p:nvGraphicFramePr>
+          <p:cNvPr id="18" name="Table 17">
+            <a:extLst>
+              <a:ext uri="{FF2B5EF4-FFF2-40B4-BE49-F238E27FC236}">
+                <a16:creationId xmlns:a16="http://schemas.microsoft.com/office/drawing/2014/main" id="{07662B7A-2972-4C4A-82B2-0AFA1AD60AEA}"/>
+              </a:ext>
+            </a:extLst>
+          </p:cNvPr>
+          <p:cNvGraphicFramePr>
+            <a:graphicFrameLocks/>
+          </p:cNvGraphicFramePr>
+          <p:nvPr/>
+        </p:nvGraphicFramePr>
+        <p:xfrm>
+          <a:off x="7597513" y="2313935"/>
+          <a:ext cx="1152128" cy="683018"/>
+        </p:xfrm>
+        <a:graphic>
+          <a:graphicData uri="http://schemas.openxmlformats.org/drawingml/2006/table">
+            <a:tbl>
+              <a:tblPr firstRow="1" bandRow="1">
+                <a:tableStyleId>{5940675A-B579-460E-94D1-54222C63F5DA}</a:tableStyleId>
+              </a:tblPr>
+              <a:tblGrid>
+                <a:gridCol w="576064">
+                  <a:extLst>
+                    <a:ext uri="{9D8B030D-6E8A-4147-A177-3AD203B41FA5}">
+                      <a16:colId xmlns:a16="http://schemas.microsoft.com/office/drawing/2014/main" val="1682187565"/>
+                    </a:ext>
+                  </a:extLst>
+                </a:gridCol>
+                <a:gridCol w="576064">
+                  <a:extLst>
+                    <a:ext uri="{9D8B030D-6E8A-4147-A177-3AD203B41FA5}">
+                      <a16:colId xmlns:a16="http://schemas.microsoft.com/office/drawing/2014/main" val="1083604852"/>
+                    </a:ext>
+                  </a:extLst>
+                </a:gridCol>
+              </a:tblGrid>
+              <a:tr h="341509">
+                <a:tc>
+                  <a:txBody>
+                    <a:bodyPr/>
+                    <a:lstStyle/>
+                    <a:p>
+                      <a:r>
+                        <a:rPr lang="en-US" sz="1200" dirty="0"/>
+                        <a:t>FN=1</a:t>
+                      </a:r>
+                      <a:endParaRPr lang="en-SE" sz="1200" dirty="0"/>
+                    </a:p>
+                  </a:txBody>
+                  <a:tcPr/>
+                </a:tc>
+                <a:tc>
+                  <a:txBody>
+                    <a:bodyPr/>
+                    <a:lstStyle/>
+                    <a:p>
+                      <a:r>
+                        <a:rPr lang="en-US" sz="1200" dirty="0"/>
+                        <a:t>TN=0</a:t>
+                      </a:r>
+                      <a:endParaRPr lang="en-SE" sz="1200" dirty="0"/>
+                    </a:p>
+                  </a:txBody>
+                  <a:tcPr/>
+                </a:tc>
+                <a:extLst>
+                  <a:ext uri="{0D108BD9-81ED-4DB2-BD59-A6C34878D82A}">
+                    <a16:rowId xmlns:a16="http://schemas.microsoft.com/office/drawing/2014/main" val="4241156382"/>
+                  </a:ext>
+                </a:extLst>
+              </a:tr>
+              <a:tr h="341509">
+                <a:tc>
+                  <a:txBody>
+                    <a:bodyPr/>
+                    <a:lstStyle/>
+                    <a:p>
+                      <a:r>
+                        <a:rPr lang="en-US" sz="1200" dirty="0"/>
+                        <a:t>TP=2</a:t>
+                      </a:r>
+                      <a:endParaRPr lang="en-SE" sz="1200" dirty="0"/>
+                    </a:p>
+                  </a:txBody>
+                  <a:tcPr/>
+                </a:tc>
+                <a:tc>
+                  <a:txBody>
+                    <a:bodyPr/>
+                    <a:lstStyle/>
+                    <a:p>
+                      <a:r>
+                        <a:rPr lang="en-US" sz="1200" dirty="0"/>
+                        <a:t>FP=1</a:t>
+                      </a:r>
+                      <a:endParaRPr lang="en-SE" sz="1200" dirty="0"/>
+                    </a:p>
+                  </a:txBody>
+                  <a:tcPr/>
+                </a:tc>
+                <a:extLst>
+                  <a:ext uri="{0D108BD9-81ED-4DB2-BD59-A6C34878D82A}">
+                    <a16:rowId xmlns:a16="http://schemas.microsoft.com/office/drawing/2014/main" val="2395611723"/>
+                  </a:ext>
+                </a:extLst>
+              </a:tr>
+            </a:tbl>
+          </a:graphicData>
+        </a:graphic>
+      </p:graphicFrame>
+      <p:graphicFrame>
+        <p:nvGraphicFramePr>
+          <p:cNvPr id="19" name="Table 18">
+            <a:extLst>
+              <a:ext uri="{FF2B5EF4-FFF2-40B4-BE49-F238E27FC236}">
+                <a16:creationId xmlns:a16="http://schemas.microsoft.com/office/drawing/2014/main" id="{C1088A73-0157-44AB-8C3C-C7BA3C7329D8}"/>
+              </a:ext>
+            </a:extLst>
+          </p:cNvPr>
+          <p:cNvGraphicFramePr>
+            <a:graphicFrameLocks/>
+          </p:cNvGraphicFramePr>
+          <p:nvPr/>
+        </p:nvGraphicFramePr>
+        <p:xfrm>
+          <a:off x="1611549" y="5661248"/>
+          <a:ext cx="1152128" cy="683018"/>
+        </p:xfrm>
+        <a:graphic>
+          <a:graphicData uri="http://schemas.openxmlformats.org/drawingml/2006/table">
+            <a:tbl>
+              <a:tblPr firstRow="1" bandRow="1">
+                <a:tableStyleId>{5940675A-B579-460E-94D1-54222C63F5DA}</a:tableStyleId>
+              </a:tblPr>
+              <a:tblGrid>
+                <a:gridCol w="576064">
+                  <a:extLst>
+                    <a:ext uri="{9D8B030D-6E8A-4147-A177-3AD203B41FA5}">
+                      <a16:colId xmlns:a16="http://schemas.microsoft.com/office/drawing/2014/main" val="1682187565"/>
+                    </a:ext>
+                  </a:extLst>
+                </a:gridCol>
+                <a:gridCol w="576064">
+                  <a:extLst>
+                    <a:ext uri="{9D8B030D-6E8A-4147-A177-3AD203B41FA5}">
+                      <a16:colId xmlns:a16="http://schemas.microsoft.com/office/drawing/2014/main" val="1083604852"/>
+                    </a:ext>
+                  </a:extLst>
+                </a:gridCol>
+              </a:tblGrid>
+              <a:tr h="341509">
+                <a:tc>
+                  <a:txBody>
+                    <a:bodyPr/>
+                    <a:lstStyle/>
+                    <a:p>
+                      <a:r>
+                        <a:rPr lang="en-US" sz="1200" dirty="0"/>
+                        <a:t>FN=1</a:t>
+                      </a:r>
+                      <a:endParaRPr lang="en-SE" sz="1200" dirty="0"/>
+                    </a:p>
+                  </a:txBody>
+                  <a:tcPr/>
+                </a:tc>
+                <a:tc>
+                  <a:txBody>
+                    <a:bodyPr/>
+                    <a:lstStyle/>
+                    <a:p>
+                      <a:r>
+                        <a:rPr lang="en-US" sz="1200" dirty="0"/>
+                        <a:t>TN=0</a:t>
+                      </a:r>
+                      <a:endParaRPr lang="en-SE" sz="1200" dirty="0"/>
+                    </a:p>
+                  </a:txBody>
+                  <a:tcPr/>
+                </a:tc>
+                <a:extLst>
+                  <a:ext uri="{0D108BD9-81ED-4DB2-BD59-A6C34878D82A}">
+                    <a16:rowId xmlns:a16="http://schemas.microsoft.com/office/drawing/2014/main" val="4241156382"/>
+                  </a:ext>
+                </a:extLst>
+              </a:tr>
+              <a:tr h="341509">
+                <a:tc>
+                  <a:txBody>
+                    <a:bodyPr/>
+                    <a:lstStyle/>
+                    <a:p>
+                      <a:r>
+                        <a:rPr lang="en-US" sz="1200" dirty="0"/>
+                        <a:t>TP=2</a:t>
+                      </a:r>
+                      <a:endParaRPr lang="en-SE" sz="1200" dirty="0"/>
+                    </a:p>
+                  </a:txBody>
+                  <a:tcPr/>
+                </a:tc>
+                <a:tc>
+                  <a:txBody>
+                    <a:bodyPr/>
+                    <a:lstStyle/>
+                    <a:p>
+                      <a:r>
+                        <a:rPr lang="en-US" sz="1200" dirty="0"/>
+                        <a:t>FP=2</a:t>
+                      </a:r>
+                      <a:endParaRPr lang="en-SE" sz="1200" dirty="0"/>
+                    </a:p>
+                  </a:txBody>
+                  <a:tcPr/>
+                </a:tc>
+                <a:extLst>
+                  <a:ext uri="{0D108BD9-81ED-4DB2-BD59-A6C34878D82A}">
+                    <a16:rowId xmlns:a16="http://schemas.microsoft.com/office/drawing/2014/main" val="2395611723"/>
+                  </a:ext>
+                </a:extLst>
+              </a:tr>
+            </a:tbl>
+          </a:graphicData>
+        </a:graphic>
+      </p:graphicFrame>
+      <p:graphicFrame>
+        <p:nvGraphicFramePr>
+          <p:cNvPr id="20" name="Table 19">
+            <a:extLst>
+              <a:ext uri="{FF2B5EF4-FFF2-40B4-BE49-F238E27FC236}">
+                <a16:creationId xmlns:a16="http://schemas.microsoft.com/office/drawing/2014/main" id="{55F0BC10-1C00-4B8B-86DB-B1B18D34490E}"/>
+              </a:ext>
+            </a:extLst>
+          </p:cNvPr>
+          <p:cNvGraphicFramePr>
+            <a:graphicFrameLocks/>
+          </p:cNvGraphicFramePr>
+          <p:nvPr/>
+        </p:nvGraphicFramePr>
+        <p:xfrm>
+          <a:off x="5320264" y="5858579"/>
+          <a:ext cx="1152128" cy="683018"/>
+        </p:xfrm>
+        <a:graphic>
+          <a:graphicData uri="http://schemas.openxmlformats.org/drawingml/2006/table">
+            <a:tbl>
+              <a:tblPr firstRow="1" bandRow="1">
+                <a:tableStyleId>{5940675A-B579-460E-94D1-54222C63F5DA}</a:tableStyleId>
+              </a:tblPr>
+              <a:tblGrid>
+                <a:gridCol w="576064">
+                  <a:extLst>
+                    <a:ext uri="{9D8B030D-6E8A-4147-A177-3AD203B41FA5}">
+                      <a16:colId xmlns:a16="http://schemas.microsoft.com/office/drawing/2014/main" val="1682187565"/>
+                    </a:ext>
+                  </a:extLst>
+                </a:gridCol>
+                <a:gridCol w="576064">
+                  <a:extLst>
+                    <a:ext uri="{9D8B030D-6E8A-4147-A177-3AD203B41FA5}">
+                      <a16:colId xmlns:a16="http://schemas.microsoft.com/office/drawing/2014/main" val="1083604852"/>
+                    </a:ext>
+                  </a:extLst>
+                </a:gridCol>
+              </a:tblGrid>
+              <a:tr h="341509">
+                <a:tc>
+                  <a:txBody>
+                    <a:bodyPr/>
+                    <a:lstStyle/>
+                    <a:p>
+                      <a:r>
+                        <a:rPr lang="en-US" sz="1200" dirty="0"/>
+                        <a:t>FN=0</a:t>
+                      </a:r>
+                      <a:endParaRPr lang="en-SE" sz="1200" dirty="0"/>
+                    </a:p>
+                  </a:txBody>
+                  <a:tcPr/>
+                </a:tc>
+                <a:tc>
+                  <a:txBody>
+                    <a:bodyPr/>
+                    <a:lstStyle/>
+                    <a:p>
+                      <a:r>
+                        <a:rPr lang="en-US" sz="1200" dirty="0"/>
+                        <a:t>TN=0</a:t>
+                      </a:r>
+                      <a:endParaRPr lang="en-SE" sz="1200" dirty="0"/>
+                    </a:p>
+                  </a:txBody>
+                  <a:tcPr/>
+                </a:tc>
+                <a:extLst>
+                  <a:ext uri="{0D108BD9-81ED-4DB2-BD59-A6C34878D82A}">
+                    <a16:rowId xmlns:a16="http://schemas.microsoft.com/office/drawing/2014/main" val="4241156382"/>
+                  </a:ext>
+                </a:extLst>
+              </a:tr>
+              <a:tr h="341509">
+                <a:tc>
+                  <a:txBody>
+                    <a:bodyPr/>
+                    <a:lstStyle/>
+                    <a:p>
+                      <a:r>
+                        <a:rPr lang="en-US" sz="1200" dirty="0"/>
+                        <a:t>TP=3</a:t>
+                      </a:r>
+                      <a:endParaRPr lang="en-SE" sz="1200" dirty="0"/>
+                    </a:p>
+                  </a:txBody>
+                  <a:tcPr/>
+                </a:tc>
+                <a:tc>
+                  <a:txBody>
+                    <a:bodyPr/>
+                    <a:lstStyle/>
+                    <a:p>
+                      <a:r>
+                        <a:rPr lang="en-US" sz="1200" dirty="0"/>
+                        <a:t>FP=2</a:t>
+                      </a:r>
+                      <a:endParaRPr lang="en-SE" sz="1200" dirty="0"/>
+                    </a:p>
+                  </a:txBody>
+                  <a:tcPr/>
+                </a:tc>
+                <a:extLst>
+                  <a:ext uri="{0D108BD9-81ED-4DB2-BD59-A6C34878D82A}">
+                    <a16:rowId xmlns:a16="http://schemas.microsoft.com/office/drawing/2014/main" val="2395611723"/>
+                  </a:ext>
+                </a:extLst>
+              </a:tr>
+            </a:tbl>
+          </a:graphicData>
+        </a:graphic>
+      </p:graphicFrame>
+      <mc:AlternateContent xmlns:mc="http://schemas.openxmlformats.org/markup-compatibility/2006" xmlns:a14="http://schemas.microsoft.com/office/drawing/2010/main">
+        <mc:Choice Requires="a14">
+          <p:sp>
+            <p:nvSpPr>
+              <p:cNvPr id="22" name="TextBox 21">
+                <a:extLst>
+                  <a:ext uri="{FF2B5EF4-FFF2-40B4-BE49-F238E27FC236}">
+                    <a16:creationId xmlns:a16="http://schemas.microsoft.com/office/drawing/2014/main" id="{889E39DC-B86E-4BD6-A263-561C1C0DD861}"/>
+                  </a:ext>
+                </a:extLst>
+              </p:cNvPr>
+              <p:cNvSpPr txBox="1"/>
+              <p:nvPr/>
+            </p:nvSpPr>
+            <p:spPr>
+              <a:xfrm>
+                <a:off x="7123384" y="5867407"/>
+                <a:ext cx="1944416" cy="878830"/>
+              </a:xfrm>
+              <a:prstGeom prst="rect">
+                <a:avLst/>
+              </a:prstGeom>
+            </p:spPr>
+            <p:style>
+              <a:lnRef idx="1">
+                <a:schemeClr val="accent2"/>
+              </a:lnRef>
+              <a:fillRef idx="2">
+                <a:schemeClr val="accent2"/>
+              </a:fillRef>
+              <a:effectRef idx="1">
+                <a:schemeClr val="accent2"/>
+              </a:effectRef>
+              <a:fontRef idx="minor">
+                <a:schemeClr val="dk1"/>
+              </a:fontRef>
+            </p:style>
+            <p:txBody>
+              <a:bodyPr wrap="square">
+                <a:spAutoFit/>
+              </a:bodyPr>
+              <a:lstStyle/>
+              <a:p>
+                <a:r>
+                  <a:rPr lang="en-US" dirty="0"/>
+                  <a:t>Precision = </a:t>
+                </a:r>
+                <a14:m>
+                  <m:oMath xmlns:m="http://schemas.openxmlformats.org/officeDocument/2006/math">
+                    <m:f>
+                      <m:fPr>
+                        <m:ctrlPr>
+                          <a:rPr lang="en-US" b="0" i="1" smtClean="0">
+                            <a:latin typeface="Cambria Math" panose="02040503050406030204" pitchFamily="18" charset="0"/>
+                          </a:rPr>
+                        </m:ctrlPr>
+                      </m:fPr>
+                      <m:num>
+                        <m:r>
+                          <a:rPr lang="en-US" i="1">
+                            <a:latin typeface="Cambria Math" panose="02040503050406030204" pitchFamily="18" charset="0"/>
+                          </a:rPr>
+                          <m:t>𝑇𝑃</m:t>
+                        </m:r>
+                      </m:num>
+                      <m:den>
+                        <m:r>
+                          <a:rPr lang="en-US" i="1">
+                            <a:latin typeface="Cambria Math" panose="02040503050406030204" pitchFamily="18" charset="0"/>
+                          </a:rPr>
+                          <m:t>𝑇𝑃</m:t>
+                        </m:r>
+                        <m:r>
+                          <a:rPr lang="en-US" i="1">
+                            <a:latin typeface="Cambria Math" panose="02040503050406030204" pitchFamily="18" charset="0"/>
+                          </a:rPr>
+                          <m:t>+</m:t>
+                        </m:r>
+                        <m:r>
+                          <a:rPr lang="en-US" b="0" i="1" smtClean="0">
+                            <a:latin typeface="Cambria Math" panose="02040503050406030204" pitchFamily="18" charset="0"/>
+                          </a:rPr>
+                          <m:t>𝐹𝑃</m:t>
+                        </m:r>
+                      </m:den>
+                    </m:f>
+                  </m:oMath>
+                </a14:m>
+                <a:endParaRPr lang="en-US" dirty="0"/>
+              </a:p>
+              <a:p>
+                <a:r>
+                  <a:rPr lang="en-US" dirty="0"/>
+                  <a:t>Recall = </a:t>
+                </a:r>
+                <a14:m>
+                  <m:oMath xmlns:m="http://schemas.openxmlformats.org/officeDocument/2006/math">
+                    <m:f>
+                      <m:fPr>
+                        <m:ctrlPr>
+                          <a:rPr lang="en-US" b="0" i="1" smtClean="0">
+                            <a:latin typeface="Cambria Math" panose="02040503050406030204" pitchFamily="18" charset="0"/>
+                          </a:rPr>
+                        </m:ctrlPr>
+                      </m:fPr>
+                      <m:num>
+                        <m:r>
+                          <a:rPr lang="en-US" i="1">
+                            <a:latin typeface="Cambria Math" panose="02040503050406030204" pitchFamily="18" charset="0"/>
+                          </a:rPr>
+                          <m:t>𝑇𝑃</m:t>
+                        </m:r>
+                      </m:num>
+                      <m:den>
+                        <m:r>
+                          <a:rPr lang="en-US" i="1">
+                            <a:latin typeface="Cambria Math" panose="02040503050406030204" pitchFamily="18" charset="0"/>
+                          </a:rPr>
+                          <m:t>𝑇𝑃</m:t>
+                        </m:r>
+                        <m:r>
+                          <a:rPr lang="en-US" i="1">
+                            <a:latin typeface="Cambria Math" panose="02040503050406030204" pitchFamily="18" charset="0"/>
+                          </a:rPr>
+                          <m:t>+</m:t>
+                        </m:r>
+                        <m:r>
+                          <a:rPr lang="en-US" b="0" i="1" smtClean="0">
+                            <a:latin typeface="Cambria Math" panose="02040503050406030204" pitchFamily="18" charset="0"/>
+                          </a:rPr>
+                          <m:t>𝐹𝑁</m:t>
+                        </m:r>
+                      </m:den>
+                    </m:f>
+                  </m:oMath>
+                </a14:m>
+                <a:endParaRPr lang="en-SE" dirty="0"/>
+              </a:p>
+            </p:txBody>
+          </p:sp>
+        </mc:Choice>
+        <mc:Fallback xmlns="">
+          <p:sp>
+            <p:nvSpPr>
+              <p:cNvPr id="22" name="TextBox 21">
+                <a:extLst>
+                  <a:ext uri="{FF2B5EF4-FFF2-40B4-BE49-F238E27FC236}">
+                    <a16:creationId xmlns:a16="http://schemas.microsoft.com/office/drawing/2014/main" id="{889E39DC-B86E-4BD6-A263-561C1C0DD861}"/>
+                  </a:ext>
+                </a:extLst>
+              </p:cNvPr>
+              <p:cNvSpPr txBox="1">
+                <a:spLocks noRot="1" noChangeAspect="1" noMove="1" noResize="1" noEditPoints="1" noAdjustHandles="1" noChangeArrowheads="1" noChangeShapeType="1" noTextEdit="1"/>
+              </p:cNvSpPr>
+              <p:nvPr/>
+            </p:nvSpPr>
+            <p:spPr>
+              <a:xfrm>
+                <a:off x="7123384" y="5867407"/>
+                <a:ext cx="1944416" cy="878830"/>
+              </a:xfrm>
+              <a:prstGeom prst="rect">
+                <a:avLst/>
+              </a:prstGeom>
+              <a:blipFill>
+                <a:blip r:embed="rId8"/>
+                <a:stretch>
+                  <a:fillRect/>
+                </a:stretch>
+              </a:blipFill>
+            </p:spPr>
+            <p:txBody>
+              <a:bodyPr/>
+              <a:lstStyle/>
+              <a:p>
+                <a:r>
+                  <a:rPr lang="en-SE">
+                    <a:noFill/>
+                  </a:rPr>
+                  <a:t> </a:t>
+                </a:r>
+              </a:p>
+            </p:txBody>
+          </p:sp>
+        </mc:Fallback>
+      </mc:AlternateContent>
+      <p:pic>
+        <p:nvPicPr>
+          <p:cNvPr id="7" name="Picture 6">
+            <a:extLst>
+              <a:ext uri="{FF2B5EF4-FFF2-40B4-BE49-F238E27FC236}">
+                <a16:creationId xmlns:a16="http://schemas.microsoft.com/office/drawing/2014/main" id="{541728B1-86C6-4CCF-AF87-AAEAC234E45C}"/>
+              </a:ext>
+            </a:extLst>
+          </p:cNvPr>
+          <p:cNvPicPr>
+            <a:picLocks noChangeAspect="1"/>
+          </p:cNvPicPr>
+          <p:nvPr/>
+        </p:nvPicPr>
+        <p:blipFill>
+          <a:blip r:embed="rId9"/>
+          <a:stretch>
+            <a:fillRect/>
+          </a:stretch>
+        </p:blipFill>
+        <p:spPr>
+          <a:xfrm>
+            <a:off x="2131294" y="846619"/>
+            <a:ext cx="704948" cy="447737"/>
+          </a:xfrm>
+          <a:prstGeom prst="rect">
+            <a:avLst/>
+          </a:prstGeom>
+        </p:spPr>
+      </p:pic>
+      <p:sp>
+        <p:nvSpPr>
+          <p:cNvPr id="9" name="TextBox 8">
+            <a:extLst>
+              <a:ext uri="{FF2B5EF4-FFF2-40B4-BE49-F238E27FC236}">
+                <a16:creationId xmlns:a16="http://schemas.microsoft.com/office/drawing/2014/main" id="{AA86A2F0-D230-40F3-A40F-1843273BE40D}"/>
+              </a:ext>
+            </a:extLst>
+          </p:cNvPr>
+          <p:cNvSpPr txBox="1"/>
+          <p:nvPr/>
+        </p:nvSpPr>
+        <p:spPr>
+          <a:xfrm>
+            <a:off x="2483769" y="1340768"/>
+            <a:ext cx="4752528" cy="923330"/>
+          </a:xfrm>
+          <a:prstGeom prst="rect">
+            <a:avLst/>
+          </a:prstGeom>
+        </p:spPr>
+        <p:style>
+          <a:lnRef idx="2">
+            <a:schemeClr val="dk1"/>
+          </a:lnRef>
+          <a:fillRef idx="1">
+            <a:schemeClr val="lt1"/>
+          </a:fillRef>
+          <a:effectRef idx="0">
+            <a:schemeClr val="dk1"/>
+          </a:effectRef>
+          <a:fontRef idx="minor">
+            <a:schemeClr val="dk1"/>
+          </a:fontRef>
+        </p:style>
+        <p:txBody>
+          <a:bodyPr wrap="square" rtlCol="0">
+            <a:spAutoFit/>
+          </a:bodyPr>
+          <a:lstStyle/>
+          <a:p>
+            <a:r>
+              <a:rPr lang="en-US" dirty="0"/>
+              <a:t>If you have  a 3rd GT box that is not matched by any detection, then </a:t>
+            </a:r>
+            <a:r>
+              <a:rPr lang="en-US"/>
+              <a:t>it is FN</a:t>
+            </a:r>
+            <a:r>
+              <a:rPr lang="en-US" dirty="0"/>
+              <a:t>. But I don’t see any possible TN</a:t>
+            </a:r>
+            <a:endParaRPr lang="en-SE" dirty="0"/>
+          </a:p>
+        </p:txBody>
+      </p:sp>
+    </p:spTree>
+    <p:extLst>
+      <p:ext uri="{BB962C8B-B14F-4D97-AF65-F5344CB8AC3E}">
+        <p14:creationId xmlns:p14="http://schemas.microsoft.com/office/powerpoint/2010/main" val="3235543008"/>
+      </p:ext>
+    </p:extLst>
+  </p:cSld>
+  <p:clrMapOvr>
+    <a:masterClrMapping/>
+  </p:clrMapOvr>
+</p:sld>
+</file>
+
+<file path=ppt/slides/slide11.xml><?xml version="1.0" encoding="utf-8"?>
+<p:sld xmlns:a="http://schemas.openxmlformats.org/drawingml/2006/main" xmlns:r="http://schemas.openxmlformats.org/officeDocument/2006/relationships" xmlns:p="http://schemas.openxmlformats.org/presentationml/2006/main">
+  <p:cSld>
+    <p:spTree>
+      <p:nvGrpSpPr>
+        <p:cNvPr id="1" name=""/>
+        <p:cNvGrpSpPr/>
+        <p:nvPr/>
+      </p:nvGrpSpPr>
+      <p:grpSpPr>
+        <a:xfrm>
+          <a:off x="0" y="0"/>
+          <a:ext cx="0" cy="0"/>
+          <a:chOff x="0" y="0"/>
+          <a:chExt cx="0" cy="0"/>
+        </a:xfrm>
+      </p:grpSpPr>
+      <p:sp>
+        <p:nvSpPr>
+          <p:cNvPr id="2" name="Title 1">
+            <a:extLst>
+              <a:ext uri="{FF2B5EF4-FFF2-40B4-BE49-F238E27FC236}">
                 <a16:creationId xmlns:a16="http://schemas.microsoft.com/office/drawing/2014/main" id="{A9723153-C315-4CF3-A05A-9EBF6769FCDE}"/>
               </a:ext>
             </a:extLst>
@@ -2563,7 +3823,7 @@
               <a:pPr>
                 <a:defRPr/>
               </a:pPr>
-              <a:t>10</a:t>
+              <a:t>11</a:t>
             </a:fld>
             <a:endParaRPr lang="en-US" altLang="zh-CN"/>
           </a:p>
@@ -2731,7 +3991,7 @@
         </p:blipFill>
         <p:spPr>
           <a:xfrm>
-            <a:off x="1809364" y="1333207"/>
+            <a:off x="1809364" y="2060848"/>
             <a:ext cx="5525271" cy="4191585"/>
           </a:xfrm>
           <a:prstGeom prst="rect">
@@ -2753,6 +4013,168 @@
 </file>
 
 <file path=ppt/slides/slide3.xml><?xml version="1.0" encoding="utf-8"?>
+<p:sld xmlns:a="http://schemas.openxmlformats.org/drawingml/2006/main" xmlns:r="http://schemas.openxmlformats.org/officeDocument/2006/relationships" xmlns:p="http://schemas.openxmlformats.org/presentationml/2006/main">
+  <p:cSld>
+    <p:spTree>
+      <p:nvGrpSpPr>
+        <p:cNvPr id="1" name=""/>
+        <p:cNvGrpSpPr/>
+        <p:nvPr/>
+      </p:nvGrpSpPr>
+      <p:grpSpPr>
+        <a:xfrm>
+          <a:off x="0" y="0"/>
+          <a:ext cx="0" cy="0"/>
+          <a:chOff x="0" y="0"/>
+          <a:chExt cx="0" cy="0"/>
+        </a:xfrm>
+      </p:grpSpPr>
+      <p:sp>
+        <p:nvSpPr>
+          <p:cNvPr id="2" name="Title 1">
+            <a:extLst>
+              <a:ext uri="{FF2B5EF4-FFF2-40B4-BE49-F238E27FC236}">
+                <a16:creationId xmlns:a16="http://schemas.microsoft.com/office/drawing/2014/main" id="{A2D725FE-676A-433D-AA67-733FF45EAC01}"/>
+              </a:ext>
+            </a:extLst>
+          </p:cNvPr>
+          <p:cNvSpPr>
+            <a:spLocks noGrp="1"/>
+          </p:cNvSpPr>
+          <p:nvPr>
+            <p:ph type="title"/>
+          </p:nvPr>
+        </p:nvSpPr>
+        <p:spPr/>
+        <p:txBody>
+          <a:bodyPr/>
+          <a:lstStyle/>
+          <a:p>
+            <a:r>
+              <a:rPr lang="en-US" dirty="0"/>
+              <a:t>Lab2</a:t>
+            </a:r>
+            <a:endParaRPr lang="en-SE" dirty="0"/>
+          </a:p>
+        </p:txBody>
+      </p:sp>
+      <p:sp>
+        <p:nvSpPr>
+          <p:cNvPr id="3" name="Content Placeholder 2">
+            <a:extLst>
+              <a:ext uri="{FF2B5EF4-FFF2-40B4-BE49-F238E27FC236}">
+                <a16:creationId xmlns:a16="http://schemas.microsoft.com/office/drawing/2014/main" id="{03D2D1B3-896C-4AAA-861C-F5F66575A603}"/>
+              </a:ext>
+            </a:extLst>
+          </p:cNvPr>
+          <p:cNvSpPr>
+            <a:spLocks noGrp="1"/>
+          </p:cNvSpPr>
+          <p:nvPr>
+            <p:ph idx="1"/>
+          </p:nvPr>
+        </p:nvSpPr>
+        <p:spPr/>
+        <p:txBody>
+          <a:bodyPr>
+            <a:normAutofit fontScale="85000" lnSpcReduction="10000"/>
+          </a:bodyPr>
+          <a:lstStyle/>
+          <a:p>
+            <a:r>
+              <a:rPr lang="en-US" dirty="0"/>
+              <a:t>Lab2: The </a:t>
+            </a:r>
+            <a:r>
+              <a:rPr lang="en-US" dirty="0" err="1"/>
+              <a:t>cte</a:t>
+            </a:r>
+            <a:r>
+              <a:rPr lang="en-US" dirty="0"/>
+              <a:t>() function should be changed to make it a round track shape. It is normal to have persistent large tracking errors at high speeds.</a:t>
+            </a:r>
+          </a:p>
+          <a:p>
+            <a:r>
+              <a:rPr lang="en-US" dirty="0"/>
+              <a:t>You did not change the track shape by modifying the </a:t>
+            </a:r>
+            <a:r>
+              <a:rPr lang="en-US" dirty="0" err="1"/>
+              <a:t>cte</a:t>
+            </a:r>
+            <a:r>
+              <a:rPr lang="en-US" dirty="0"/>
+              <a:t>() function.</a:t>
+            </a:r>
+          </a:p>
+          <a:p>
+            <a:r>
+              <a:rPr lang="en-US" dirty="0"/>
+              <a:t>Emphasize that the track shape must be a perfect circle.</a:t>
+            </a:r>
+          </a:p>
+          <a:p>
+            <a:r>
+              <a:rPr lang="en-US" dirty="0"/>
+              <a:t>It is an interesting idea to twiddle dt, but dt is supposed to stay constant during controller tuning, and frequent updates to dt during execution may not be a good idea.</a:t>
+            </a:r>
+          </a:p>
+          <a:p>
+            <a:r>
+              <a:rPr lang="en-US" dirty="0"/>
+              <a:t>Good report: Ellen Lindgren, </a:t>
+            </a:r>
+            <a:r>
+              <a:rPr lang="en-US" b="0" i="0" dirty="0">
+                <a:solidFill>
+                  <a:srgbClr val="2D3B45"/>
+                </a:solidFill>
+                <a:effectLst/>
+                <a:latin typeface="Lato Extended"/>
+              </a:rPr>
+              <a:t>Maurice Gerardus, Leila </a:t>
+            </a:r>
+            <a:r>
+              <a:rPr lang="en-US" b="0" i="0" dirty="0" err="1">
+                <a:solidFill>
+                  <a:srgbClr val="2D3B45"/>
+                </a:solidFill>
+                <a:effectLst/>
+                <a:latin typeface="Lato Extended"/>
+              </a:rPr>
+              <a:t>Methnani</a:t>
+            </a:r>
+            <a:r>
+              <a:rPr lang="en-US" b="0" i="0" dirty="0">
+                <a:solidFill>
+                  <a:srgbClr val="2D3B45"/>
+                </a:solidFill>
+                <a:effectLst/>
+                <a:latin typeface="Lato Extended"/>
+              </a:rPr>
+              <a:t>, </a:t>
+            </a:r>
+          </a:p>
+          <a:p>
+            <a:endParaRPr lang="en-SE" dirty="0"/>
+          </a:p>
+        </p:txBody>
+      </p:sp>
+    </p:spTree>
+    <p:extLst>
+      <p:ext uri="{BB962C8B-B14F-4D97-AF65-F5344CB8AC3E}">
+        <p14:creationId xmlns:p14="http://schemas.microsoft.com/office/powerpoint/2010/main" val="1793737622"/>
+      </p:ext>
+    </p:extLst>
+  </p:cSld>
+  <p:clrMapOvr>
+    <a:masterClrMapping/>
+  </p:clrMapOvr>
+</p:sld>
+</file>
+
+<file path=ppt/slides/slide4.xml><?xml version="1.0" encoding="utf-8"?>
 <p:sld xmlns:a="http://schemas.openxmlformats.org/drawingml/2006/main" xmlns:r="http://schemas.openxmlformats.org/officeDocument/2006/relationships" xmlns:p="http://schemas.openxmlformats.org/presentationml/2006/main">
   <p:cSld>
     <p:spTree>
@@ -2816,14 +4238,15 @@
         </p:nvSpPr>
         <p:spPr/>
         <p:txBody>
-          <a:bodyPr/>
+          <a:bodyPr>
+            <a:normAutofit/>
+          </a:bodyPr>
           <a:lstStyle/>
           <a:p>
             <a:r>
               <a:rPr lang="en-US" dirty="0"/>
               <a:t>It depends on the complexity of your configuration, and that is why I said "do not make your environment more complex than necessary". I guess you just need to do trial and error, and try to make it work with the minimum number of vehicles possible. If you have too many vehicles, then training time may be too long. But if you have too few vehicles, then you are less likely to get into collisions.</a:t>
             </a:r>
-            <a:endParaRPr lang="en-SE" dirty="0"/>
           </a:p>
         </p:txBody>
       </p:sp>
@@ -2840,7 +4263,7 @@
 </p:sld>
 </file>
 
-<file path=ppt/slides/slide4.xml><?xml version="1.0" encoding="utf-8"?>
+<file path=ppt/slides/slide5.xml><?xml version="1.0" encoding="utf-8"?>
 <p:sld xmlns:a="http://schemas.openxmlformats.org/drawingml/2006/main" xmlns:r="http://schemas.openxmlformats.org/officeDocument/2006/relationships" xmlns:p="http://schemas.openxmlformats.org/presentationml/2006/main">
   <p:cSld>
     <p:spTree>
@@ -6876,7 +8299,7 @@
               <a:pPr>
                 <a:defRPr/>
               </a:pPr>
-              <a:t>4</a:t>
+              <a:t>5</a:t>
             </a:fld>
             <a:endParaRPr lang="en-US" altLang="zh-CN"/>
           </a:p>
@@ -9774,7 +11197,7 @@
 </p:sld>
 </file>
 
-<file path=ppt/slides/slide5.xml><?xml version="1.0" encoding="utf-8"?>
+<file path=ppt/slides/slide6.xml><?xml version="1.0" encoding="utf-8"?>
 <p:sld xmlns:a="http://schemas.openxmlformats.org/drawingml/2006/main" xmlns:r="http://schemas.openxmlformats.org/officeDocument/2006/relationships" xmlns:p="http://schemas.openxmlformats.org/presentationml/2006/main">
   <p:cSld>
     <p:spTree>
@@ -10279,7 +11702,7 @@
               <a:pPr>
                 <a:defRPr/>
               </a:pPr>
-              <a:t>5</a:t>
+              <a:t>6</a:t>
             </a:fld>
             <a:endParaRPr lang="en-US" altLang="zh-CN"/>
           </a:p>
@@ -10358,7 +11781,7 @@
 </p:sld>
 </file>
 
-<file path=ppt/slides/slide6.xml><?xml version="1.0" encoding="utf-8"?>
+<file path=ppt/slides/slide7.xml><?xml version="1.0" encoding="utf-8"?>
 <p:sld xmlns:a="http://schemas.openxmlformats.org/drawingml/2006/main" xmlns:r="http://schemas.openxmlformats.org/officeDocument/2006/relationships" xmlns:p="http://schemas.openxmlformats.org/presentationml/2006/main">
   <p:cSld>
     <p:spTree>
@@ -11295,7 +12718,7 @@
               <a:pPr>
                 <a:defRPr/>
               </a:pPr>
-              <a:t>6</a:t>
+              <a:t>7</a:t>
             </a:fld>
             <a:endParaRPr lang="en-US" altLang="zh-CN"/>
           </a:p>
@@ -11314,7 +12737,7 @@
 </p:sld>
 </file>
 
-<file path=ppt/slides/slide7.xml><?xml version="1.0" encoding="utf-8"?>
+<file path=ppt/slides/slide8.xml><?xml version="1.0" encoding="utf-8"?>
 <p:sld xmlns:a="http://schemas.openxmlformats.org/drawingml/2006/main" xmlns:r="http://schemas.openxmlformats.org/officeDocument/2006/relationships" xmlns:p="http://schemas.openxmlformats.org/presentationml/2006/main">
   <p:cSld>
     <p:spTree>
@@ -11582,7 +13005,7 @@
               <a:pPr>
                 <a:defRPr/>
               </a:pPr>
-              <a:t>7</a:t>
+              <a:t>8</a:t>
             </a:fld>
             <a:endParaRPr lang="en-US" altLang="zh-CN"/>
           </a:p>
@@ -11809,7 +13232,7 @@
 </p:sld>
 </file>
 
-<file path=ppt/slides/slide8.xml><?xml version="1.0" encoding="utf-8"?>
+<file path=ppt/slides/slide9.xml><?xml version="1.0" encoding="utf-8"?>
 <p:sld xmlns:a="http://schemas.openxmlformats.org/drawingml/2006/main" xmlns:r="http://schemas.openxmlformats.org/officeDocument/2006/relationships" xmlns:p="http://schemas.openxmlformats.org/presentationml/2006/main">
   <p:cSld>
     <p:spTree>
@@ -11962,1265 +13385,6 @@
     <p:extLst>
       <p:ext uri="{BB962C8B-B14F-4D97-AF65-F5344CB8AC3E}">
         <p14:creationId xmlns:p14="http://schemas.microsoft.com/office/powerpoint/2010/main" val="1939888640"/>
-      </p:ext>
-    </p:extLst>
-  </p:cSld>
-  <p:clrMapOvr>
-    <a:masterClrMapping/>
-  </p:clrMapOvr>
-</p:sld>
-</file>
-
-<file path=ppt/slides/slide9.xml><?xml version="1.0" encoding="utf-8"?>
-<p:sld xmlns:a="http://schemas.openxmlformats.org/drawingml/2006/main" xmlns:r="http://schemas.openxmlformats.org/officeDocument/2006/relationships" xmlns:p="http://schemas.openxmlformats.org/presentationml/2006/main">
-  <p:cSld>
-    <p:spTree>
-      <p:nvGrpSpPr>
-        <p:cNvPr id="1" name=""/>
-        <p:cNvGrpSpPr/>
-        <p:nvPr/>
-      </p:nvGrpSpPr>
-      <p:grpSpPr>
-        <a:xfrm>
-          <a:off x="0" y="0"/>
-          <a:ext cx="0" cy="0"/>
-          <a:chOff x="0" y="0"/>
-          <a:chExt cx="0" cy="0"/>
-        </a:xfrm>
-      </p:grpSpPr>
-      <p:sp>
-        <p:nvSpPr>
-          <p:cNvPr id="2" name="Title 1">
-            <a:extLst>
-              <a:ext uri="{FF2B5EF4-FFF2-40B4-BE49-F238E27FC236}">
-                <a16:creationId xmlns:a16="http://schemas.microsoft.com/office/drawing/2014/main" id="{94C9E8D7-A778-4507-8BF4-EF22DE767F55}"/>
-              </a:ext>
-            </a:extLst>
-          </p:cNvPr>
-          <p:cNvSpPr>
-            <a:spLocks noGrp="1"/>
-          </p:cNvSpPr>
-          <p:nvPr>
-            <p:ph type="title"/>
-          </p:nvPr>
-        </p:nvSpPr>
-        <p:spPr/>
-        <p:txBody>
-          <a:bodyPr/>
-          <a:lstStyle/>
-          <a:p>
-            <a:endParaRPr lang="en-SE"/>
-          </a:p>
-        </p:txBody>
-      </p:sp>
-      <p:sp>
-        <p:nvSpPr>
-          <p:cNvPr id="4" name="Slide Number Placeholder 3">
-            <a:extLst>
-              <a:ext uri="{FF2B5EF4-FFF2-40B4-BE49-F238E27FC236}">
-                <a16:creationId xmlns:a16="http://schemas.microsoft.com/office/drawing/2014/main" id="{F802A3B7-AAE0-451B-8509-95A756E63C69}"/>
-              </a:ext>
-            </a:extLst>
-          </p:cNvPr>
-          <p:cNvSpPr>
-            <a:spLocks noGrp="1"/>
-          </p:cNvSpPr>
-          <p:nvPr>
-            <p:ph type="sldNum" sz="quarter" idx="12"/>
-          </p:nvPr>
-        </p:nvSpPr>
-        <p:spPr bwMode="auto">
-          <a:xfrm>
-            <a:off x="6934200" y="6530035"/>
-            <a:ext cx="2133600" cy="244475"/>
-          </a:xfrm>
-          <a:prstGeom prst="rect">
-            <a:avLst/>
-          </a:prstGeom>
-          <a:noFill/>
-          <a:ln w="9525">
-            <a:noFill/>
-            <a:miter lim="800000"/>
-            <a:headEnd/>
-            <a:tailEnd/>
-          </a:ln>
-          <a:effectLst/>
-        </p:spPr>
-        <p:txBody>
-          <a:bodyPr vert="horz" wrap="square" lIns="91440" tIns="45720" rIns="91440" bIns="45720" numCol="1" anchor="t" anchorCtr="0" compatLnSpc="1">
-            <a:prstTxWarp prst="textNoShape">
-              <a:avLst/>
-            </a:prstTxWarp>
-          </a:bodyPr>
-          <a:lstStyle>
-            <a:defPPr>
-              <a:defRPr lang="en-US"/>
-            </a:defPPr>
-            <a:lvl1pPr algn="r" rtl="0" fontAlgn="base">
-              <a:spcBef>
-                <a:spcPct val="0"/>
-              </a:spcBef>
-              <a:spcAft>
-                <a:spcPct val="0"/>
-              </a:spcAft>
-              <a:defRPr sz="1200" kern="1200">
-                <a:solidFill>
-                  <a:schemeClr val="tx1"/>
-                </a:solidFill>
-                <a:latin typeface="Arial" charset="0"/>
-                <a:ea typeface="宋体" charset="-122"/>
-                <a:cs typeface="+mn-cs"/>
-              </a:defRPr>
-            </a:lvl1pPr>
-            <a:lvl2pPr marL="457200" algn="l" rtl="0" fontAlgn="base">
-              <a:spcBef>
-                <a:spcPct val="0"/>
-              </a:spcBef>
-              <a:spcAft>
-                <a:spcPct val="0"/>
-              </a:spcAft>
-              <a:defRPr kern="1200">
-                <a:solidFill>
-                  <a:schemeClr val="tx1"/>
-                </a:solidFill>
-                <a:latin typeface="Arial" charset="0"/>
-                <a:ea typeface="+mn-ea"/>
-                <a:cs typeface="+mn-cs"/>
-              </a:defRPr>
-            </a:lvl2pPr>
-            <a:lvl3pPr marL="914400" algn="l" rtl="0" fontAlgn="base">
-              <a:spcBef>
-                <a:spcPct val="0"/>
-              </a:spcBef>
-              <a:spcAft>
-                <a:spcPct val="0"/>
-              </a:spcAft>
-              <a:defRPr kern="1200">
-                <a:solidFill>
-                  <a:schemeClr val="tx1"/>
-                </a:solidFill>
-                <a:latin typeface="Arial" charset="0"/>
-                <a:ea typeface="+mn-ea"/>
-                <a:cs typeface="+mn-cs"/>
-              </a:defRPr>
-            </a:lvl3pPr>
-            <a:lvl4pPr marL="1371600" algn="l" rtl="0" fontAlgn="base">
-              <a:spcBef>
-                <a:spcPct val="0"/>
-              </a:spcBef>
-              <a:spcAft>
-                <a:spcPct val="0"/>
-              </a:spcAft>
-              <a:defRPr kern="1200">
-                <a:solidFill>
-                  <a:schemeClr val="tx1"/>
-                </a:solidFill>
-                <a:latin typeface="Arial" charset="0"/>
-                <a:ea typeface="+mn-ea"/>
-                <a:cs typeface="+mn-cs"/>
-              </a:defRPr>
-            </a:lvl4pPr>
-            <a:lvl5pPr marL="1828800" algn="l" rtl="0" fontAlgn="base">
-              <a:spcBef>
-                <a:spcPct val="0"/>
-              </a:spcBef>
-              <a:spcAft>
-                <a:spcPct val="0"/>
-              </a:spcAft>
-              <a:defRPr kern="1200">
-                <a:solidFill>
-                  <a:schemeClr val="tx1"/>
-                </a:solidFill>
-                <a:latin typeface="Arial" charset="0"/>
-                <a:ea typeface="+mn-ea"/>
-                <a:cs typeface="+mn-cs"/>
-              </a:defRPr>
-            </a:lvl5pPr>
-            <a:lvl6pPr marL="2286000" algn="l" defTabSz="914400" rtl="0" eaLnBrk="1" latinLnBrk="0" hangingPunct="1">
-              <a:defRPr kern="1200">
-                <a:solidFill>
-                  <a:schemeClr val="tx1"/>
-                </a:solidFill>
-                <a:latin typeface="Arial" charset="0"/>
-                <a:ea typeface="+mn-ea"/>
-                <a:cs typeface="+mn-cs"/>
-              </a:defRPr>
-            </a:lvl6pPr>
-            <a:lvl7pPr marL="2743200" algn="l" defTabSz="914400" rtl="0" eaLnBrk="1" latinLnBrk="0" hangingPunct="1">
-              <a:defRPr kern="1200">
-                <a:solidFill>
-                  <a:schemeClr val="tx1"/>
-                </a:solidFill>
-                <a:latin typeface="Arial" charset="0"/>
-                <a:ea typeface="+mn-ea"/>
-                <a:cs typeface="+mn-cs"/>
-              </a:defRPr>
-            </a:lvl7pPr>
-            <a:lvl8pPr marL="3200400" algn="l" defTabSz="914400" rtl="0" eaLnBrk="1" latinLnBrk="0" hangingPunct="1">
-              <a:defRPr kern="1200">
-                <a:solidFill>
-                  <a:schemeClr val="tx1"/>
-                </a:solidFill>
-                <a:latin typeface="Arial" charset="0"/>
-                <a:ea typeface="+mn-ea"/>
-                <a:cs typeface="+mn-cs"/>
-              </a:defRPr>
-            </a:lvl8pPr>
-            <a:lvl9pPr marL="3657600" algn="l" defTabSz="914400" rtl="0" eaLnBrk="1" latinLnBrk="0" hangingPunct="1">
-              <a:defRPr kern="1200">
-                <a:solidFill>
-                  <a:schemeClr val="tx1"/>
-                </a:solidFill>
-                <a:latin typeface="Arial" charset="0"/>
-                <a:ea typeface="+mn-ea"/>
-                <a:cs typeface="+mn-cs"/>
-              </a:defRPr>
-            </a:lvl9pPr>
-          </a:lstStyle>
-          <a:p>
-            <a:pPr>
-              <a:defRPr/>
-            </a:pPr>
-            <a:fld id="{F57F456A-00AF-44E6-8D70-638C0D0130FF}" type="slidenum">
-              <a:rPr lang="en-US" altLang="zh-CN" smtClean="0"/>
-              <a:pPr>
-                <a:defRPr/>
-              </a:pPr>
-              <a:t>9</a:t>
-            </a:fld>
-            <a:endParaRPr lang="en-US" altLang="zh-CN"/>
-          </a:p>
-        </p:txBody>
-      </p:sp>
-      <p:pic>
-        <p:nvPicPr>
-          <p:cNvPr id="6" name="Picture 5">
-            <a:extLst>
-              <a:ext uri="{FF2B5EF4-FFF2-40B4-BE49-F238E27FC236}">
-                <a16:creationId xmlns:a16="http://schemas.microsoft.com/office/drawing/2014/main" id="{9F0E4B7F-051D-46E2-BE1A-418AFD1C7272}"/>
-              </a:ext>
-            </a:extLst>
-          </p:cNvPr>
-          <p:cNvPicPr>
-            <a:picLocks noChangeAspect="1"/>
-          </p:cNvPicPr>
-          <p:nvPr/>
-        </p:nvPicPr>
-        <p:blipFill>
-          <a:blip r:embed="rId2"/>
-          <a:stretch>
-            <a:fillRect/>
-          </a:stretch>
-        </p:blipFill>
-        <p:spPr>
-          <a:xfrm>
-            <a:off x="7894" y="110027"/>
-            <a:ext cx="2916486" cy="3312781"/>
-          </a:xfrm>
-          <a:prstGeom prst="rect">
-            <a:avLst/>
-          </a:prstGeom>
-        </p:spPr>
-      </p:pic>
-      <p:pic>
-        <p:nvPicPr>
-          <p:cNvPr id="8" name="Picture 7">
-            <a:extLst>
-              <a:ext uri="{FF2B5EF4-FFF2-40B4-BE49-F238E27FC236}">
-                <a16:creationId xmlns:a16="http://schemas.microsoft.com/office/drawing/2014/main" id="{500A0F5D-4C4D-41E3-93B5-03B279910A5C}"/>
-              </a:ext>
-            </a:extLst>
-          </p:cNvPr>
-          <p:cNvPicPr>
-            <a:picLocks noChangeAspect="1"/>
-          </p:cNvPicPr>
-          <p:nvPr/>
-        </p:nvPicPr>
-        <p:blipFill>
-          <a:blip r:embed="rId3"/>
-          <a:stretch>
-            <a:fillRect/>
-          </a:stretch>
-        </p:blipFill>
-        <p:spPr>
-          <a:xfrm>
-            <a:off x="2992226" y="110027"/>
-            <a:ext cx="2904102" cy="3306589"/>
-          </a:xfrm>
-          <a:prstGeom prst="rect">
-            <a:avLst/>
-          </a:prstGeom>
-        </p:spPr>
-      </p:pic>
-      <p:pic>
-        <p:nvPicPr>
-          <p:cNvPr id="10" name="Picture 9">
-            <a:extLst>
-              <a:ext uri="{FF2B5EF4-FFF2-40B4-BE49-F238E27FC236}">
-                <a16:creationId xmlns:a16="http://schemas.microsoft.com/office/drawing/2014/main" id="{96EC5944-14BD-4B00-95BA-DA457A9D2C94}"/>
-              </a:ext>
-            </a:extLst>
-          </p:cNvPr>
-          <p:cNvPicPr>
-            <a:picLocks noChangeAspect="1"/>
-          </p:cNvPicPr>
-          <p:nvPr/>
-        </p:nvPicPr>
-        <p:blipFill>
-          <a:blip r:embed="rId4"/>
-          <a:stretch>
-            <a:fillRect/>
-          </a:stretch>
-        </p:blipFill>
-        <p:spPr>
-          <a:xfrm>
-            <a:off x="5964174" y="110027"/>
-            <a:ext cx="2910294" cy="3318973"/>
-          </a:xfrm>
-          <a:prstGeom prst="rect">
-            <a:avLst/>
-          </a:prstGeom>
-        </p:spPr>
-      </p:pic>
-      <p:pic>
-        <p:nvPicPr>
-          <p:cNvPr id="12" name="Picture 11">
-            <a:extLst>
-              <a:ext uri="{FF2B5EF4-FFF2-40B4-BE49-F238E27FC236}">
-                <a16:creationId xmlns:a16="http://schemas.microsoft.com/office/drawing/2014/main" id="{43D97608-5EE2-4DE2-8CDF-48A70F590AD3}"/>
-              </a:ext>
-            </a:extLst>
-          </p:cNvPr>
-          <p:cNvPicPr>
-            <a:picLocks noChangeAspect="1"/>
-          </p:cNvPicPr>
-          <p:nvPr/>
-        </p:nvPicPr>
-        <p:blipFill>
-          <a:blip r:embed="rId5"/>
-          <a:stretch>
-            <a:fillRect/>
-          </a:stretch>
-        </p:blipFill>
-        <p:spPr>
-          <a:xfrm>
-            <a:off x="20278" y="3481016"/>
-            <a:ext cx="2891717" cy="3325165"/>
-          </a:xfrm>
-          <a:prstGeom prst="rect">
-            <a:avLst/>
-          </a:prstGeom>
-        </p:spPr>
-      </p:pic>
-      <p:pic>
-        <p:nvPicPr>
-          <p:cNvPr id="14" name="Picture 13">
-            <a:extLst>
-              <a:ext uri="{FF2B5EF4-FFF2-40B4-BE49-F238E27FC236}">
-                <a16:creationId xmlns:a16="http://schemas.microsoft.com/office/drawing/2014/main" id="{3FBAA84C-B0D0-4A4A-89A2-3633E47E0AE6}"/>
-              </a:ext>
-            </a:extLst>
-          </p:cNvPr>
-          <p:cNvPicPr>
-            <a:picLocks noChangeAspect="1"/>
-          </p:cNvPicPr>
-          <p:nvPr/>
-        </p:nvPicPr>
-        <p:blipFill>
-          <a:blip r:embed="rId6"/>
-          <a:stretch>
-            <a:fillRect/>
-          </a:stretch>
-        </p:blipFill>
-        <p:spPr>
-          <a:xfrm>
-            <a:off x="3126141" y="3481016"/>
-            <a:ext cx="2891717" cy="3318973"/>
-          </a:xfrm>
-          <a:prstGeom prst="rect">
-            <a:avLst/>
-          </a:prstGeom>
-        </p:spPr>
-      </p:pic>
-      <p:pic>
-        <p:nvPicPr>
-          <p:cNvPr id="15" name="Picture 14">
-            <a:extLst>
-              <a:ext uri="{FF2B5EF4-FFF2-40B4-BE49-F238E27FC236}">
-                <a16:creationId xmlns:a16="http://schemas.microsoft.com/office/drawing/2014/main" id="{E0FAD037-EBEE-4DC1-AFF1-4B1010DCACA0}"/>
-              </a:ext>
-            </a:extLst>
-          </p:cNvPr>
-          <p:cNvPicPr>
-            <a:picLocks noChangeAspect="1"/>
-          </p:cNvPicPr>
-          <p:nvPr/>
-        </p:nvPicPr>
-        <p:blipFill>
-          <a:blip r:embed="rId7"/>
-          <a:stretch>
-            <a:fillRect/>
-          </a:stretch>
-        </p:blipFill>
-        <p:spPr>
-          <a:xfrm>
-            <a:off x="6046053" y="3519129"/>
-            <a:ext cx="3049942" cy="1786395"/>
-          </a:xfrm>
-          <a:prstGeom prst="rect">
-            <a:avLst/>
-          </a:prstGeom>
-        </p:spPr>
-      </p:pic>
-      <p:graphicFrame>
-        <p:nvGraphicFramePr>
-          <p:cNvPr id="16" name="Table 16">
-            <a:extLst>
-              <a:ext uri="{FF2B5EF4-FFF2-40B4-BE49-F238E27FC236}">
-                <a16:creationId xmlns:a16="http://schemas.microsoft.com/office/drawing/2014/main" id="{D8B2732C-7822-4984-9522-5F5B178168A3}"/>
-              </a:ext>
-            </a:extLst>
-          </p:cNvPr>
-          <p:cNvGraphicFramePr>
-            <a:graphicFrameLocks noGrp="1"/>
-          </p:cNvGraphicFramePr>
-          <p:nvPr>
-            <p:ph idx="1"/>
-          </p:nvPr>
-        </p:nvGraphicFramePr>
-        <p:xfrm>
-          <a:off x="1331640" y="2313935"/>
-          <a:ext cx="1152128" cy="683018"/>
-        </p:xfrm>
-        <a:graphic>
-          <a:graphicData uri="http://schemas.openxmlformats.org/drawingml/2006/table">
-            <a:tbl>
-              <a:tblPr firstRow="1" bandRow="1">
-                <a:tableStyleId>{5940675A-B579-460E-94D1-54222C63F5DA}</a:tableStyleId>
-              </a:tblPr>
-              <a:tblGrid>
-                <a:gridCol w="576064">
-                  <a:extLst>
-                    <a:ext uri="{9D8B030D-6E8A-4147-A177-3AD203B41FA5}">
-                      <a16:colId xmlns:a16="http://schemas.microsoft.com/office/drawing/2014/main" val="1682187565"/>
-                    </a:ext>
-                  </a:extLst>
-                </a:gridCol>
-                <a:gridCol w="576064">
-                  <a:extLst>
-                    <a:ext uri="{9D8B030D-6E8A-4147-A177-3AD203B41FA5}">
-                      <a16:colId xmlns:a16="http://schemas.microsoft.com/office/drawing/2014/main" val="1083604852"/>
-                    </a:ext>
-                  </a:extLst>
-                </a:gridCol>
-              </a:tblGrid>
-              <a:tr h="341509">
-                <a:tc>
-                  <a:txBody>
-                    <a:bodyPr/>
-                    <a:lstStyle/>
-                    <a:p>
-                      <a:r>
-                        <a:rPr lang="en-US" sz="1200" dirty="0"/>
-                        <a:t>FN=2</a:t>
-                      </a:r>
-                      <a:endParaRPr lang="en-SE" sz="1200" dirty="0"/>
-                    </a:p>
-                  </a:txBody>
-                  <a:tcPr/>
-                </a:tc>
-                <a:tc>
-                  <a:txBody>
-                    <a:bodyPr/>
-                    <a:lstStyle/>
-                    <a:p>
-                      <a:r>
-                        <a:rPr lang="en-US" sz="1200" dirty="0"/>
-                        <a:t>TN=0</a:t>
-                      </a:r>
-                      <a:endParaRPr lang="en-SE" sz="1200" dirty="0"/>
-                    </a:p>
-                  </a:txBody>
-                  <a:tcPr/>
-                </a:tc>
-                <a:extLst>
-                  <a:ext uri="{0D108BD9-81ED-4DB2-BD59-A6C34878D82A}">
-                    <a16:rowId xmlns:a16="http://schemas.microsoft.com/office/drawing/2014/main" val="4241156382"/>
-                  </a:ext>
-                </a:extLst>
-              </a:tr>
-              <a:tr h="341509">
-                <a:tc>
-                  <a:txBody>
-                    <a:bodyPr/>
-                    <a:lstStyle/>
-                    <a:p>
-                      <a:r>
-                        <a:rPr lang="en-US" sz="1200" dirty="0"/>
-                        <a:t>TP=1</a:t>
-                      </a:r>
-                      <a:endParaRPr lang="en-SE" sz="1200" dirty="0"/>
-                    </a:p>
-                  </a:txBody>
-                  <a:tcPr/>
-                </a:tc>
-                <a:tc>
-                  <a:txBody>
-                    <a:bodyPr/>
-                    <a:lstStyle/>
-                    <a:p>
-                      <a:r>
-                        <a:rPr lang="en-US" sz="1200" dirty="0"/>
-                        <a:t>FP=0</a:t>
-                      </a:r>
-                      <a:endParaRPr lang="en-SE" sz="1200" dirty="0"/>
-                    </a:p>
-                  </a:txBody>
-                  <a:tcPr/>
-                </a:tc>
-                <a:extLst>
-                  <a:ext uri="{0D108BD9-81ED-4DB2-BD59-A6C34878D82A}">
-                    <a16:rowId xmlns:a16="http://schemas.microsoft.com/office/drawing/2014/main" val="2395611723"/>
-                  </a:ext>
-                </a:extLst>
-              </a:tr>
-            </a:tbl>
-          </a:graphicData>
-        </a:graphic>
-      </p:graphicFrame>
-      <p:graphicFrame>
-        <p:nvGraphicFramePr>
-          <p:cNvPr id="17" name="Table 16">
-            <a:extLst>
-              <a:ext uri="{FF2B5EF4-FFF2-40B4-BE49-F238E27FC236}">
-                <a16:creationId xmlns:a16="http://schemas.microsoft.com/office/drawing/2014/main" id="{045FE403-80DE-4442-A557-CCF5880F5424}"/>
-              </a:ext>
-            </a:extLst>
-          </p:cNvPr>
-          <p:cNvGraphicFramePr>
-            <a:graphicFrameLocks/>
-          </p:cNvGraphicFramePr>
-          <p:nvPr/>
-        </p:nvGraphicFramePr>
-        <p:xfrm>
-          <a:off x="4545579" y="2313935"/>
-          <a:ext cx="1152128" cy="683018"/>
-        </p:xfrm>
-        <a:graphic>
-          <a:graphicData uri="http://schemas.openxmlformats.org/drawingml/2006/table">
-            <a:tbl>
-              <a:tblPr firstRow="1" bandRow="1">
-                <a:tableStyleId>{5940675A-B579-460E-94D1-54222C63F5DA}</a:tableStyleId>
-              </a:tblPr>
-              <a:tblGrid>
-                <a:gridCol w="576064">
-                  <a:extLst>
-                    <a:ext uri="{9D8B030D-6E8A-4147-A177-3AD203B41FA5}">
-                      <a16:colId xmlns:a16="http://schemas.microsoft.com/office/drawing/2014/main" val="1682187565"/>
-                    </a:ext>
-                  </a:extLst>
-                </a:gridCol>
-                <a:gridCol w="576064">
-                  <a:extLst>
-                    <a:ext uri="{9D8B030D-6E8A-4147-A177-3AD203B41FA5}">
-                      <a16:colId xmlns:a16="http://schemas.microsoft.com/office/drawing/2014/main" val="1083604852"/>
-                    </a:ext>
-                  </a:extLst>
-                </a:gridCol>
-              </a:tblGrid>
-              <a:tr h="341509">
-                <a:tc>
-                  <a:txBody>
-                    <a:bodyPr/>
-                    <a:lstStyle/>
-                    <a:p>
-                      <a:r>
-                        <a:rPr lang="en-US" sz="1200" dirty="0"/>
-                        <a:t>FN=1</a:t>
-                      </a:r>
-                      <a:endParaRPr lang="en-SE" sz="1200" dirty="0"/>
-                    </a:p>
-                  </a:txBody>
-                  <a:tcPr/>
-                </a:tc>
-                <a:tc>
-                  <a:txBody>
-                    <a:bodyPr/>
-                    <a:lstStyle/>
-                    <a:p>
-                      <a:r>
-                        <a:rPr lang="en-US" sz="1200" dirty="0"/>
-                        <a:t>TN=0</a:t>
-                      </a:r>
-                      <a:endParaRPr lang="en-SE" sz="1200" dirty="0"/>
-                    </a:p>
-                  </a:txBody>
-                  <a:tcPr/>
-                </a:tc>
-                <a:extLst>
-                  <a:ext uri="{0D108BD9-81ED-4DB2-BD59-A6C34878D82A}">
-                    <a16:rowId xmlns:a16="http://schemas.microsoft.com/office/drawing/2014/main" val="4241156382"/>
-                  </a:ext>
-                </a:extLst>
-              </a:tr>
-              <a:tr h="341509">
-                <a:tc>
-                  <a:txBody>
-                    <a:bodyPr/>
-                    <a:lstStyle/>
-                    <a:p>
-                      <a:r>
-                        <a:rPr lang="en-US" sz="1200" dirty="0"/>
-                        <a:t>TP=2</a:t>
-                      </a:r>
-                      <a:endParaRPr lang="en-SE" sz="1200" dirty="0"/>
-                    </a:p>
-                  </a:txBody>
-                  <a:tcPr/>
-                </a:tc>
-                <a:tc>
-                  <a:txBody>
-                    <a:bodyPr/>
-                    <a:lstStyle/>
-                    <a:p>
-                      <a:r>
-                        <a:rPr lang="en-US" sz="1200" dirty="0"/>
-                        <a:t>FP=0</a:t>
-                      </a:r>
-                      <a:endParaRPr lang="en-SE" sz="1200" dirty="0"/>
-                    </a:p>
-                  </a:txBody>
-                  <a:tcPr/>
-                </a:tc>
-                <a:extLst>
-                  <a:ext uri="{0D108BD9-81ED-4DB2-BD59-A6C34878D82A}">
-                    <a16:rowId xmlns:a16="http://schemas.microsoft.com/office/drawing/2014/main" val="2395611723"/>
-                  </a:ext>
-                </a:extLst>
-              </a:tr>
-            </a:tbl>
-          </a:graphicData>
-        </a:graphic>
-      </p:graphicFrame>
-      <p:graphicFrame>
-        <p:nvGraphicFramePr>
-          <p:cNvPr id="18" name="Table 17">
-            <a:extLst>
-              <a:ext uri="{FF2B5EF4-FFF2-40B4-BE49-F238E27FC236}">
-                <a16:creationId xmlns:a16="http://schemas.microsoft.com/office/drawing/2014/main" id="{07662B7A-2972-4C4A-82B2-0AFA1AD60AEA}"/>
-              </a:ext>
-            </a:extLst>
-          </p:cNvPr>
-          <p:cNvGraphicFramePr>
-            <a:graphicFrameLocks/>
-          </p:cNvGraphicFramePr>
-          <p:nvPr/>
-        </p:nvGraphicFramePr>
-        <p:xfrm>
-          <a:off x="7597513" y="2313935"/>
-          <a:ext cx="1152128" cy="683018"/>
-        </p:xfrm>
-        <a:graphic>
-          <a:graphicData uri="http://schemas.openxmlformats.org/drawingml/2006/table">
-            <a:tbl>
-              <a:tblPr firstRow="1" bandRow="1">
-                <a:tableStyleId>{5940675A-B579-460E-94D1-54222C63F5DA}</a:tableStyleId>
-              </a:tblPr>
-              <a:tblGrid>
-                <a:gridCol w="576064">
-                  <a:extLst>
-                    <a:ext uri="{9D8B030D-6E8A-4147-A177-3AD203B41FA5}">
-                      <a16:colId xmlns:a16="http://schemas.microsoft.com/office/drawing/2014/main" val="1682187565"/>
-                    </a:ext>
-                  </a:extLst>
-                </a:gridCol>
-                <a:gridCol w="576064">
-                  <a:extLst>
-                    <a:ext uri="{9D8B030D-6E8A-4147-A177-3AD203B41FA5}">
-                      <a16:colId xmlns:a16="http://schemas.microsoft.com/office/drawing/2014/main" val="1083604852"/>
-                    </a:ext>
-                  </a:extLst>
-                </a:gridCol>
-              </a:tblGrid>
-              <a:tr h="341509">
-                <a:tc>
-                  <a:txBody>
-                    <a:bodyPr/>
-                    <a:lstStyle/>
-                    <a:p>
-                      <a:r>
-                        <a:rPr lang="en-US" sz="1200" dirty="0"/>
-                        <a:t>FN=1</a:t>
-                      </a:r>
-                      <a:endParaRPr lang="en-SE" sz="1200" dirty="0"/>
-                    </a:p>
-                  </a:txBody>
-                  <a:tcPr/>
-                </a:tc>
-                <a:tc>
-                  <a:txBody>
-                    <a:bodyPr/>
-                    <a:lstStyle/>
-                    <a:p>
-                      <a:r>
-                        <a:rPr lang="en-US" sz="1200" dirty="0"/>
-                        <a:t>TN=0</a:t>
-                      </a:r>
-                      <a:endParaRPr lang="en-SE" sz="1200" dirty="0"/>
-                    </a:p>
-                  </a:txBody>
-                  <a:tcPr/>
-                </a:tc>
-                <a:extLst>
-                  <a:ext uri="{0D108BD9-81ED-4DB2-BD59-A6C34878D82A}">
-                    <a16:rowId xmlns:a16="http://schemas.microsoft.com/office/drawing/2014/main" val="4241156382"/>
-                  </a:ext>
-                </a:extLst>
-              </a:tr>
-              <a:tr h="341509">
-                <a:tc>
-                  <a:txBody>
-                    <a:bodyPr/>
-                    <a:lstStyle/>
-                    <a:p>
-                      <a:r>
-                        <a:rPr lang="en-US" sz="1200" dirty="0"/>
-                        <a:t>TP=2</a:t>
-                      </a:r>
-                      <a:endParaRPr lang="en-SE" sz="1200" dirty="0"/>
-                    </a:p>
-                  </a:txBody>
-                  <a:tcPr/>
-                </a:tc>
-                <a:tc>
-                  <a:txBody>
-                    <a:bodyPr/>
-                    <a:lstStyle/>
-                    <a:p>
-                      <a:r>
-                        <a:rPr lang="en-US" sz="1200" dirty="0"/>
-                        <a:t>FP=1</a:t>
-                      </a:r>
-                      <a:endParaRPr lang="en-SE" sz="1200" dirty="0"/>
-                    </a:p>
-                  </a:txBody>
-                  <a:tcPr/>
-                </a:tc>
-                <a:extLst>
-                  <a:ext uri="{0D108BD9-81ED-4DB2-BD59-A6C34878D82A}">
-                    <a16:rowId xmlns:a16="http://schemas.microsoft.com/office/drawing/2014/main" val="2395611723"/>
-                  </a:ext>
-                </a:extLst>
-              </a:tr>
-            </a:tbl>
-          </a:graphicData>
-        </a:graphic>
-      </p:graphicFrame>
-      <p:graphicFrame>
-        <p:nvGraphicFramePr>
-          <p:cNvPr id="19" name="Table 18">
-            <a:extLst>
-              <a:ext uri="{FF2B5EF4-FFF2-40B4-BE49-F238E27FC236}">
-                <a16:creationId xmlns:a16="http://schemas.microsoft.com/office/drawing/2014/main" id="{C1088A73-0157-44AB-8C3C-C7BA3C7329D8}"/>
-              </a:ext>
-            </a:extLst>
-          </p:cNvPr>
-          <p:cNvGraphicFramePr>
-            <a:graphicFrameLocks/>
-          </p:cNvGraphicFramePr>
-          <p:nvPr/>
-        </p:nvGraphicFramePr>
-        <p:xfrm>
-          <a:off x="1611549" y="5661248"/>
-          <a:ext cx="1152128" cy="683018"/>
-        </p:xfrm>
-        <a:graphic>
-          <a:graphicData uri="http://schemas.openxmlformats.org/drawingml/2006/table">
-            <a:tbl>
-              <a:tblPr firstRow="1" bandRow="1">
-                <a:tableStyleId>{5940675A-B579-460E-94D1-54222C63F5DA}</a:tableStyleId>
-              </a:tblPr>
-              <a:tblGrid>
-                <a:gridCol w="576064">
-                  <a:extLst>
-                    <a:ext uri="{9D8B030D-6E8A-4147-A177-3AD203B41FA5}">
-                      <a16:colId xmlns:a16="http://schemas.microsoft.com/office/drawing/2014/main" val="1682187565"/>
-                    </a:ext>
-                  </a:extLst>
-                </a:gridCol>
-                <a:gridCol w="576064">
-                  <a:extLst>
-                    <a:ext uri="{9D8B030D-6E8A-4147-A177-3AD203B41FA5}">
-                      <a16:colId xmlns:a16="http://schemas.microsoft.com/office/drawing/2014/main" val="1083604852"/>
-                    </a:ext>
-                  </a:extLst>
-                </a:gridCol>
-              </a:tblGrid>
-              <a:tr h="341509">
-                <a:tc>
-                  <a:txBody>
-                    <a:bodyPr/>
-                    <a:lstStyle/>
-                    <a:p>
-                      <a:r>
-                        <a:rPr lang="en-US" sz="1200" dirty="0"/>
-                        <a:t>FN=1</a:t>
-                      </a:r>
-                      <a:endParaRPr lang="en-SE" sz="1200" dirty="0"/>
-                    </a:p>
-                  </a:txBody>
-                  <a:tcPr/>
-                </a:tc>
-                <a:tc>
-                  <a:txBody>
-                    <a:bodyPr/>
-                    <a:lstStyle/>
-                    <a:p>
-                      <a:r>
-                        <a:rPr lang="en-US" sz="1200" dirty="0"/>
-                        <a:t>TN=0</a:t>
-                      </a:r>
-                      <a:endParaRPr lang="en-SE" sz="1200" dirty="0"/>
-                    </a:p>
-                  </a:txBody>
-                  <a:tcPr/>
-                </a:tc>
-                <a:extLst>
-                  <a:ext uri="{0D108BD9-81ED-4DB2-BD59-A6C34878D82A}">
-                    <a16:rowId xmlns:a16="http://schemas.microsoft.com/office/drawing/2014/main" val="4241156382"/>
-                  </a:ext>
-                </a:extLst>
-              </a:tr>
-              <a:tr h="341509">
-                <a:tc>
-                  <a:txBody>
-                    <a:bodyPr/>
-                    <a:lstStyle/>
-                    <a:p>
-                      <a:r>
-                        <a:rPr lang="en-US" sz="1200" dirty="0"/>
-                        <a:t>TP=2</a:t>
-                      </a:r>
-                      <a:endParaRPr lang="en-SE" sz="1200" dirty="0"/>
-                    </a:p>
-                  </a:txBody>
-                  <a:tcPr/>
-                </a:tc>
-                <a:tc>
-                  <a:txBody>
-                    <a:bodyPr/>
-                    <a:lstStyle/>
-                    <a:p>
-                      <a:r>
-                        <a:rPr lang="en-US" sz="1200" dirty="0"/>
-                        <a:t>FP=2</a:t>
-                      </a:r>
-                      <a:endParaRPr lang="en-SE" sz="1200" dirty="0"/>
-                    </a:p>
-                  </a:txBody>
-                  <a:tcPr/>
-                </a:tc>
-                <a:extLst>
-                  <a:ext uri="{0D108BD9-81ED-4DB2-BD59-A6C34878D82A}">
-                    <a16:rowId xmlns:a16="http://schemas.microsoft.com/office/drawing/2014/main" val="2395611723"/>
-                  </a:ext>
-                </a:extLst>
-              </a:tr>
-            </a:tbl>
-          </a:graphicData>
-        </a:graphic>
-      </p:graphicFrame>
-      <p:graphicFrame>
-        <p:nvGraphicFramePr>
-          <p:cNvPr id="20" name="Table 19">
-            <a:extLst>
-              <a:ext uri="{FF2B5EF4-FFF2-40B4-BE49-F238E27FC236}">
-                <a16:creationId xmlns:a16="http://schemas.microsoft.com/office/drawing/2014/main" id="{55F0BC10-1C00-4B8B-86DB-B1B18D34490E}"/>
-              </a:ext>
-            </a:extLst>
-          </p:cNvPr>
-          <p:cNvGraphicFramePr>
-            <a:graphicFrameLocks/>
-          </p:cNvGraphicFramePr>
-          <p:nvPr/>
-        </p:nvGraphicFramePr>
-        <p:xfrm>
-          <a:off x="5320264" y="5858579"/>
-          <a:ext cx="1152128" cy="683018"/>
-        </p:xfrm>
-        <a:graphic>
-          <a:graphicData uri="http://schemas.openxmlformats.org/drawingml/2006/table">
-            <a:tbl>
-              <a:tblPr firstRow="1" bandRow="1">
-                <a:tableStyleId>{5940675A-B579-460E-94D1-54222C63F5DA}</a:tableStyleId>
-              </a:tblPr>
-              <a:tblGrid>
-                <a:gridCol w="576064">
-                  <a:extLst>
-                    <a:ext uri="{9D8B030D-6E8A-4147-A177-3AD203B41FA5}">
-                      <a16:colId xmlns:a16="http://schemas.microsoft.com/office/drawing/2014/main" val="1682187565"/>
-                    </a:ext>
-                  </a:extLst>
-                </a:gridCol>
-                <a:gridCol w="576064">
-                  <a:extLst>
-                    <a:ext uri="{9D8B030D-6E8A-4147-A177-3AD203B41FA5}">
-                      <a16:colId xmlns:a16="http://schemas.microsoft.com/office/drawing/2014/main" val="1083604852"/>
-                    </a:ext>
-                  </a:extLst>
-                </a:gridCol>
-              </a:tblGrid>
-              <a:tr h="341509">
-                <a:tc>
-                  <a:txBody>
-                    <a:bodyPr/>
-                    <a:lstStyle/>
-                    <a:p>
-                      <a:r>
-                        <a:rPr lang="en-US" sz="1200" dirty="0"/>
-                        <a:t>FN=0</a:t>
-                      </a:r>
-                      <a:endParaRPr lang="en-SE" sz="1200" dirty="0"/>
-                    </a:p>
-                  </a:txBody>
-                  <a:tcPr/>
-                </a:tc>
-                <a:tc>
-                  <a:txBody>
-                    <a:bodyPr/>
-                    <a:lstStyle/>
-                    <a:p>
-                      <a:r>
-                        <a:rPr lang="en-US" sz="1200" dirty="0"/>
-                        <a:t>TN=0</a:t>
-                      </a:r>
-                      <a:endParaRPr lang="en-SE" sz="1200" dirty="0"/>
-                    </a:p>
-                  </a:txBody>
-                  <a:tcPr/>
-                </a:tc>
-                <a:extLst>
-                  <a:ext uri="{0D108BD9-81ED-4DB2-BD59-A6C34878D82A}">
-                    <a16:rowId xmlns:a16="http://schemas.microsoft.com/office/drawing/2014/main" val="4241156382"/>
-                  </a:ext>
-                </a:extLst>
-              </a:tr>
-              <a:tr h="341509">
-                <a:tc>
-                  <a:txBody>
-                    <a:bodyPr/>
-                    <a:lstStyle/>
-                    <a:p>
-                      <a:r>
-                        <a:rPr lang="en-US" sz="1200" dirty="0"/>
-                        <a:t>TP=3</a:t>
-                      </a:r>
-                      <a:endParaRPr lang="en-SE" sz="1200" dirty="0"/>
-                    </a:p>
-                  </a:txBody>
-                  <a:tcPr/>
-                </a:tc>
-                <a:tc>
-                  <a:txBody>
-                    <a:bodyPr/>
-                    <a:lstStyle/>
-                    <a:p>
-                      <a:r>
-                        <a:rPr lang="en-US" sz="1200" dirty="0"/>
-                        <a:t>FP=2</a:t>
-                      </a:r>
-                      <a:endParaRPr lang="en-SE" sz="1200" dirty="0"/>
-                    </a:p>
-                  </a:txBody>
-                  <a:tcPr/>
-                </a:tc>
-                <a:extLst>
-                  <a:ext uri="{0D108BD9-81ED-4DB2-BD59-A6C34878D82A}">
-                    <a16:rowId xmlns:a16="http://schemas.microsoft.com/office/drawing/2014/main" val="2395611723"/>
-                  </a:ext>
-                </a:extLst>
-              </a:tr>
-            </a:tbl>
-          </a:graphicData>
-        </a:graphic>
-      </p:graphicFrame>
-      <mc:AlternateContent xmlns:mc="http://schemas.openxmlformats.org/markup-compatibility/2006" xmlns:a14="http://schemas.microsoft.com/office/drawing/2010/main">
-        <mc:Choice Requires="a14">
-          <p:sp>
-            <p:nvSpPr>
-              <p:cNvPr id="22" name="TextBox 21">
-                <a:extLst>
-                  <a:ext uri="{FF2B5EF4-FFF2-40B4-BE49-F238E27FC236}">
-                    <a16:creationId xmlns:a16="http://schemas.microsoft.com/office/drawing/2014/main" id="{889E39DC-B86E-4BD6-A263-561C1C0DD861}"/>
-                  </a:ext>
-                </a:extLst>
-              </p:cNvPr>
-              <p:cNvSpPr txBox="1"/>
-              <p:nvPr/>
-            </p:nvSpPr>
-            <p:spPr>
-              <a:xfrm>
-                <a:off x="7123384" y="5867407"/>
-                <a:ext cx="1944416" cy="878830"/>
-              </a:xfrm>
-              <a:prstGeom prst="rect">
-                <a:avLst/>
-              </a:prstGeom>
-            </p:spPr>
-            <p:style>
-              <a:lnRef idx="1">
-                <a:schemeClr val="accent2"/>
-              </a:lnRef>
-              <a:fillRef idx="2">
-                <a:schemeClr val="accent2"/>
-              </a:fillRef>
-              <a:effectRef idx="1">
-                <a:schemeClr val="accent2"/>
-              </a:effectRef>
-              <a:fontRef idx="minor">
-                <a:schemeClr val="dk1"/>
-              </a:fontRef>
-            </p:style>
-            <p:txBody>
-              <a:bodyPr wrap="square">
-                <a:spAutoFit/>
-              </a:bodyPr>
-              <a:lstStyle/>
-              <a:p>
-                <a:r>
-                  <a:rPr lang="en-US" dirty="0"/>
-                  <a:t>Precision = </a:t>
-                </a:r>
-                <a14:m>
-                  <m:oMath xmlns:m="http://schemas.openxmlformats.org/officeDocument/2006/math">
-                    <m:f>
-                      <m:fPr>
-                        <m:ctrlPr>
-                          <a:rPr lang="en-US" b="0" i="1" smtClean="0">
-                            <a:latin typeface="Cambria Math" panose="02040503050406030204" pitchFamily="18" charset="0"/>
-                          </a:rPr>
-                        </m:ctrlPr>
-                      </m:fPr>
-                      <m:num>
-                        <m:r>
-                          <a:rPr lang="en-US" i="1">
-                            <a:latin typeface="Cambria Math" panose="02040503050406030204" pitchFamily="18" charset="0"/>
-                          </a:rPr>
-                          <m:t>𝑇𝑃</m:t>
-                        </m:r>
-                      </m:num>
-                      <m:den>
-                        <m:r>
-                          <a:rPr lang="en-US" i="1">
-                            <a:latin typeface="Cambria Math" panose="02040503050406030204" pitchFamily="18" charset="0"/>
-                          </a:rPr>
-                          <m:t>𝑇𝑃</m:t>
-                        </m:r>
-                        <m:r>
-                          <a:rPr lang="en-US" i="1">
-                            <a:latin typeface="Cambria Math" panose="02040503050406030204" pitchFamily="18" charset="0"/>
-                          </a:rPr>
-                          <m:t>+</m:t>
-                        </m:r>
-                        <m:r>
-                          <a:rPr lang="en-US" b="0" i="1" smtClean="0">
-                            <a:latin typeface="Cambria Math" panose="02040503050406030204" pitchFamily="18" charset="0"/>
-                          </a:rPr>
-                          <m:t>𝐹𝑃</m:t>
-                        </m:r>
-                      </m:den>
-                    </m:f>
-                  </m:oMath>
-                </a14:m>
-                <a:endParaRPr lang="en-US" dirty="0"/>
-              </a:p>
-              <a:p>
-                <a:r>
-                  <a:rPr lang="en-US" dirty="0"/>
-                  <a:t>Recall = </a:t>
-                </a:r>
-                <a14:m>
-                  <m:oMath xmlns:m="http://schemas.openxmlformats.org/officeDocument/2006/math">
-                    <m:f>
-                      <m:fPr>
-                        <m:ctrlPr>
-                          <a:rPr lang="en-US" b="0" i="1" smtClean="0">
-                            <a:latin typeface="Cambria Math" panose="02040503050406030204" pitchFamily="18" charset="0"/>
-                          </a:rPr>
-                        </m:ctrlPr>
-                      </m:fPr>
-                      <m:num>
-                        <m:r>
-                          <a:rPr lang="en-US" i="1">
-                            <a:latin typeface="Cambria Math" panose="02040503050406030204" pitchFamily="18" charset="0"/>
-                          </a:rPr>
-                          <m:t>𝑇𝑃</m:t>
-                        </m:r>
-                      </m:num>
-                      <m:den>
-                        <m:r>
-                          <a:rPr lang="en-US" i="1">
-                            <a:latin typeface="Cambria Math" panose="02040503050406030204" pitchFamily="18" charset="0"/>
-                          </a:rPr>
-                          <m:t>𝑇𝑃</m:t>
-                        </m:r>
-                        <m:r>
-                          <a:rPr lang="en-US" i="1">
-                            <a:latin typeface="Cambria Math" panose="02040503050406030204" pitchFamily="18" charset="0"/>
-                          </a:rPr>
-                          <m:t>+</m:t>
-                        </m:r>
-                        <m:r>
-                          <a:rPr lang="en-US" b="0" i="1" smtClean="0">
-                            <a:latin typeface="Cambria Math" panose="02040503050406030204" pitchFamily="18" charset="0"/>
-                          </a:rPr>
-                          <m:t>𝐹𝑁</m:t>
-                        </m:r>
-                      </m:den>
-                    </m:f>
-                  </m:oMath>
-                </a14:m>
-                <a:endParaRPr lang="en-SE" dirty="0"/>
-              </a:p>
-            </p:txBody>
-          </p:sp>
-        </mc:Choice>
-        <mc:Fallback xmlns="">
-          <p:sp>
-            <p:nvSpPr>
-              <p:cNvPr id="22" name="TextBox 21">
-                <a:extLst>
-                  <a:ext uri="{FF2B5EF4-FFF2-40B4-BE49-F238E27FC236}">
-                    <a16:creationId xmlns:a16="http://schemas.microsoft.com/office/drawing/2014/main" id="{889E39DC-B86E-4BD6-A263-561C1C0DD861}"/>
-                  </a:ext>
-                </a:extLst>
-              </p:cNvPr>
-              <p:cNvSpPr txBox="1">
-                <a:spLocks noRot="1" noChangeAspect="1" noMove="1" noResize="1" noEditPoints="1" noAdjustHandles="1" noChangeArrowheads="1" noChangeShapeType="1" noTextEdit="1"/>
-              </p:cNvSpPr>
-              <p:nvPr/>
-            </p:nvSpPr>
-            <p:spPr>
-              <a:xfrm>
-                <a:off x="7123384" y="5867407"/>
-                <a:ext cx="1944416" cy="878830"/>
-              </a:xfrm>
-              <a:prstGeom prst="rect">
-                <a:avLst/>
-              </a:prstGeom>
-              <a:blipFill>
-                <a:blip r:embed="rId8"/>
-                <a:stretch>
-                  <a:fillRect/>
-                </a:stretch>
-              </a:blipFill>
-            </p:spPr>
-            <p:txBody>
-              <a:bodyPr/>
-              <a:lstStyle/>
-              <a:p>
-                <a:r>
-                  <a:rPr lang="en-SE">
-                    <a:noFill/>
-                  </a:rPr>
-                  <a:t> </a:t>
-                </a:r>
-              </a:p>
-            </p:txBody>
-          </p:sp>
-        </mc:Fallback>
-      </mc:AlternateContent>
-      <p:pic>
-        <p:nvPicPr>
-          <p:cNvPr id="7" name="Picture 6">
-            <a:extLst>
-              <a:ext uri="{FF2B5EF4-FFF2-40B4-BE49-F238E27FC236}">
-                <a16:creationId xmlns:a16="http://schemas.microsoft.com/office/drawing/2014/main" id="{541728B1-86C6-4CCF-AF87-AAEAC234E45C}"/>
-              </a:ext>
-            </a:extLst>
-          </p:cNvPr>
-          <p:cNvPicPr>
-            <a:picLocks noChangeAspect="1"/>
-          </p:cNvPicPr>
-          <p:nvPr/>
-        </p:nvPicPr>
-        <p:blipFill>
-          <a:blip r:embed="rId9"/>
-          <a:stretch>
-            <a:fillRect/>
-          </a:stretch>
-        </p:blipFill>
-        <p:spPr>
-          <a:xfrm>
-            <a:off x="2131294" y="846619"/>
-            <a:ext cx="704948" cy="447737"/>
-          </a:xfrm>
-          <a:prstGeom prst="rect">
-            <a:avLst/>
-          </a:prstGeom>
-        </p:spPr>
-      </p:pic>
-      <p:sp>
-        <p:nvSpPr>
-          <p:cNvPr id="9" name="TextBox 8">
-            <a:extLst>
-              <a:ext uri="{FF2B5EF4-FFF2-40B4-BE49-F238E27FC236}">
-                <a16:creationId xmlns:a16="http://schemas.microsoft.com/office/drawing/2014/main" id="{AA86A2F0-D230-40F3-A40F-1843273BE40D}"/>
-              </a:ext>
-            </a:extLst>
-          </p:cNvPr>
-          <p:cNvSpPr txBox="1"/>
-          <p:nvPr/>
-        </p:nvSpPr>
-        <p:spPr>
-          <a:xfrm>
-            <a:off x="2483769" y="1340768"/>
-            <a:ext cx="4752528" cy="923330"/>
-          </a:xfrm>
-          <a:prstGeom prst="rect">
-            <a:avLst/>
-          </a:prstGeom>
-        </p:spPr>
-        <p:style>
-          <a:lnRef idx="2">
-            <a:schemeClr val="dk1"/>
-          </a:lnRef>
-          <a:fillRef idx="1">
-            <a:schemeClr val="lt1"/>
-          </a:fillRef>
-          <a:effectRef idx="0">
-            <a:schemeClr val="dk1"/>
-          </a:effectRef>
-          <a:fontRef idx="minor">
-            <a:schemeClr val="dk1"/>
-          </a:fontRef>
-        </p:style>
-        <p:txBody>
-          <a:bodyPr wrap="square" rtlCol="0">
-            <a:spAutoFit/>
-          </a:bodyPr>
-          <a:lstStyle/>
-          <a:p>
-            <a:r>
-              <a:rPr lang="en-US" dirty="0"/>
-              <a:t>If you have  a 3rd GT box that is not matched by any detection, then </a:t>
-            </a:r>
-            <a:r>
-              <a:rPr lang="en-US"/>
-              <a:t>it is FN</a:t>
-            </a:r>
-            <a:r>
-              <a:rPr lang="en-US" dirty="0"/>
-              <a:t>. But I don’t see any possible TN</a:t>
-            </a:r>
-            <a:endParaRPr lang="en-SE" dirty="0"/>
-          </a:p>
-        </p:txBody>
-      </p:sp>
-    </p:spTree>
-    <p:extLst>
-      <p:ext uri="{BB962C8B-B14F-4D97-AF65-F5344CB8AC3E}">
-        <p14:creationId xmlns:p14="http://schemas.microsoft.com/office/powerpoint/2010/main" val="3235543008"/>
       </p:ext>
     </p:extLst>
   </p:cSld>
@@ -13802,6 +13966,21 @@
 </file>
 
 <file path=customXml/item1.xml><?xml version="1.0" encoding="utf-8"?>
+<p:properties xmlns:p="http://schemas.microsoft.com/office/2006/metadata/properties" xmlns:xsi="http://www.w3.org/2001/XMLSchema-instance" xmlns:pc="http://schemas.microsoft.com/office/infopath/2007/PartnerControls">
+  <documentManagement/>
+</p:properties>
+</file>
+
+<file path=customXml/item2.xml><?xml version="1.0" encoding="utf-8"?>
+<?mso-contentType ?>
+<FormTemplates xmlns="http://schemas.microsoft.com/sharepoint/v3/contenttype/forms">
+  <Display>DocumentLibraryForm</Display>
+  <Edit>DocumentLibraryForm</Edit>
+  <New>DocumentLibraryForm</New>
+</FormTemplates>
+</file>
+
+<file path=customXml/item3.xml><?xml version="1.0" encoding="utf-8"?>
 <ct:contentTypeSchema xmlns:ct="http://schemas.microsoft.com/office/2006/metadata/contentType" xmlns:ma="http://schemas.microsoft.com/office/2006/metadata/properties/metaAttributes" ct:_="" ma:_="" ma:contentTypeName="Document" ma:contentTypeID="0x01010004C9F4636FD8CF4DBA576E51CE9A9557" ma:contentTypeVersion="12" ma:contentTypeDescription="Create a new document." ma:contentTypeScope="" ma:versionID="c335fd21f2fe76e29ebd247bba84ba96">
   <xsd:schema xmlns:xsd="http://www.w3.org/2001/XMLSchema" xmlns:xs="http://www.w3.org/2001/XMLSchema" xmlns:p="http://schemas.microsoft.com/office/2006/metadata/properties" xmlns:ns3="221e1496-d443-4306-ad63-a100e0046a13" xmlns:ns4="60aad371-894b-4a9b-aa6a-3fd9336d4f3f" targetNamespace="http://schemas.microsoft.com/office/2006/metadata/properties" ma:root="true" ma:fieldsID="4cb030868c90a59dc09b4c74f925c173" ns3:_="" ns4:_="">
     <xsd:import namespace="221e1496-d443-4306-ad63-a100e0046a13"/>
@@ -14018,22 +14197,32 @@
 </ct:contentTypeSchema>
 </file>
 
-<file path=customXml/item2.xml><?xml version="1.0" encoding="utf-8"?>
-<?mso-contentType ?>
-<FormTemplates xmlns="http://schemas.microsoft.com/sharepoint/v3/contenttype/forms">
-  <Display>DocumentLibraryForm</Display>
-  <Edit>DocumentLibraryForm</Edit>
-  <New>DocumentLibraryForm</New>
-</FormTemplates>
+<file path=customXml/itemProps1.xml><?xml version="1.0" encoding="utf-8"?>
+<ds:datastoreItem xmlns:ds="http://schemas.openxmlformats.org/officeDocument/2006/customXml" ds:itemID="{6B8D1CD2-3289-4F40-8C3A-CFDE35750563}">
+  <ds:schemaRefs>
+    <ds:schemaRef ds:uri="http://schemas.microsoft.com/office/2006/documentManagement/types"/>
+    <ds:schemaRef ds:uri="http://purl.org/dc/elements/1.1/"/>
+    <ds:schemaRef ds:uri="http://schemas.microsoft.com/office/2006/metadata/properties"/>
+    <ds:schemaRef ds:uri="http://schemas.openxmlformats.org/package/2006/metadata/core-properties"/>
+    <ds:schemaRef ds:uri="http://purl.org/dc/dcmitype/"/>
+    <ds:schemaRef ds:uri="http://purl.org/dc/terms/"/>
+    <ds:schemaRef ds:uri="http://www.w3.org/XML/1998/namespace"/>
+    <ds:schemaRef ds:uri="http://schemas.microsoft.com/office/infopath/2007/PartnerControls"/>
+    <ds:schemaRef ds:uri="60aad371-894b-4a9b-aa6a-3fd9336d4f3f"/>
+    <ds:schemaRef ds:uri="221e1496-d443-4306-ad63-a100e0046a13"/>
+  </ds:schemaRefs>
+</ds:datastoreItem>
 </file>
 
-<file path=customXml/item3.xml><?xml version="1.0" encoding="utf-8"?>
-<p:properties xmlns:p="http://schemas.microsoft.com/office/2006/metadata/properties" xmlns:xsi="http://www.w3.org/2001/XMLSchema-instance" xmlns:pc="http://schemas.microsoft.com/office/infopath/2007/PartnerControls">
-  <documentManagement/>
-</p:properties>
+<file path=customXml/itemProps2.xml><?xml version="1.0" encoding="utf-8"?>
+<ds:datastoreItem xmlns:ds="http://schemas.openxmlformats.org/officeDocument/2006/customXml" ds:itemID="{C57B2AAA-3E84-49CC-BE6D-CB4399E554EF}">
+  <ds:schemaRefs>
+    <ds:schemaRef ds:uri="http://schemas.microsoft.com/sharepoint/v3/contenttype/forms"/>
+  </ds:schemaRefs>
+</ds:datastoreItem>
 </file>
 
-<file path=customXml/itemProps1.xml><?xml version="1.0" encoding="utf-8"?>
+<file path=customXml/itemProps3.xml><?xml version="1.0" encoding="utf-8"?>
 <ds:datastoreItem xmlns:ds="http://schemas.openxmlformats.org/officeDocument/2006/customXml" ds:itemID="{6F97E12F-14DB-4E96-B5EF-03E9057A64B5}">
   <ds:schemaRefs>
     <ds:schemaRef ds:uri="http://schemas.microsoft.com/office/2006/metadata/contentType"/>
@@ -14050,29 +14239,4 @@
     <ds:schemaRef ds:uri="http://schemas.microsoft.com/internal/obd"/>
   </ds:schemaRefs>
 </ds:datastoreItem>
-</file>
-
-<file path=customXml/itemProps2.xml><?xml version="1.0" encoding="utf-8"?>
-<ds:datastoreItem xmlns:ds="http://schemas.openxmlformats.org/officeDocument/2006/customXml" ds:itemID="{C57B2AAA-3E84-49CC-BE6D-CB4399E554EF}">
-  <ds:schemaRefs>
-    <ds:schemaRef ds:uri="http://schemas.microsoft.com/sharepoint/v3/contenttype/forms"/>
-  </ds:schemaRefs>
-</ds:datastoreItem>
-</file>
-
-<file path=customXml/itemProps3.xml><?xml version="1.0" encoding="utf-8"?>
-<ds:datastoreItem xmlns:ds="http://schemas.openxmlformats.org/officeDocument/2006/customXml" ds:itemID="{6B8D1CD2-3289-4F40-8C3A-CFDE35750563}">
-  <ds:schemaRefs>
-    <ds:schemaRef ds:uri="http://schemas.microsoft.com/office/2006/documentManagement/types"/>
-    <ds:schemaRef ds:uri="http://purl.org/dc/elements/1.1/"/>
-    <ds:schemaRef ds:uri="http://schemas.microsoft.com/office/2006/metadata/properties"/>
-    <ds:schemaRef ds:uri="http://schemas.openxmlformats.org/package/2006/metadata/core-properties"/>
-    <ds:schemaRef ds:uri="http://purl.org/dc/dcmitype/"/>
-    <ds:schemaRef ds:uri="http://purl.org/dc/terms/"/>
-    <ds:schemaRef ds:uri="http://www.w3.org/XML/1998/namespace"/>
-    <ds:schemaRef ds:uri="http://schemas.microsoft.com/office/infopath/2007/PartnerControls"/>
-    <ds:schemaRef ds:uri="60aad371-894b-4a9b-aa6a-3fd9336d4f3f"/>
-    <ds:schemaRef ds:uri="221e1496-d443-4306-ad63-a100e0046a13"/>
-  </ds:schemaRefs>
-</ds:datastoreItem>
 </file>
--- a/PPTs/bak/UMU SDC TODO.pptx
+++ b/PPTs/bak/UMU SDC TODO.pptx
@@ -5,20 +5,23 @@
     <p:sldMasterId id="2147483648" r:id="rId4"/>
   </p:sldMasterIdLst>
   <p:notesMasterIdLst>
-    <p:notesMasterId r:id="rId16"/>
+    <p:notesMasterId r:id="rId19"/>
   </p:notesMasterIdLst>
   <p:sldIdLst>
     <p:sldId id="256" r:id="rId5"/>
-    <p:sldId id="1166" r:id="rId6"/>
-    <p:sldId id="1167" r:id="rId7"/>
-    <p:sldId id="258" r:id="rId8"/>
-    <p:sldId id="1113" r:id="rId9"/>
-    <p:sldId id="1165" r:id="rId10"/>
-    <p:sldId id="1163" r:id="rId11"/>
-    <p:sldId id="894" r:id="rId12"/>
-    <p:sldId id="257" r:id="rId13"/>
-    <p:sldId id="389" r:id="rId14"/>
-    <p:sldId id="1047" r:id="rId15"/>
+    <p:sldId id="824" r:id="rId6"/>
+    <p:sldId id="909" r:id="rId7"/>
+    <p:sldId id="1166" r:id="rId8"/>
+    <p:sldId id="1167" r:id="rId9"/>
+    <p:sldId id="258" r:id="rId10"/>
+    <p:sldId id="1113" r:id="rId11"/>
+    <p:sldId id="1165" r:id="rId12"/>
+    <p:sldId id="1163" r:id="rId13"/>
+    <p:sldId id="894" r:id="rId14"/>
+    <p:sldId id="257" r:id="rId15"/>
+    <p:sldId id="389" r:id="rId16"/>
+    <p:sldId id="1047" r:id="rId17"/>
+    <p:sldId id="1168" r:id="rId18"/>
   </p:sldIdLst>
   <p:sldSz cx="9144000" cy="6858000" type="screen4x3"/>
   <p:notesSz cx="6858000" cy="9144000"/>
@@ -272,7 +275,7 @@
             <a:fld id="{7C0CEB4B-0D62-444C-A05C-70565453F06B}" type="datetimeFigureOut">
               <a:rPr lang="en-US" smtClean="0"/>
               <a:pPr/>
-              <a:t>5/22/2021</a:t>
+              <a:t>5/23/2021</a:t>
             </a:fld>
             <a:endParaRPr lang="en-US"/>
           </a:p>
@@ -648,6 +651,163 @@
         </p:nvSpPr>
         <p:spPr/>
       </p:sp>
+      <p:sp>
+        <p:nvSpPr>
+          <p:cNvPr id="3" name="Notes Placeholder 2"/>
+          <p:cNvSpPr>
+            <a:spLocks noGrp="1"/>
+          </p:cNvSpPr>
+          <p:nvPr>
+            <p:ph type="body" idx="1"/>
+          </p:nvPr>
+        </p:nvSpPr>
+        <p:spPr/>
+        <p:txBody>
+          <a:bodyPr/>
+          <a:lstStyle/>
+          <a:p>
+            <a:pPr marL="0" marR="0" lvl="0" indent="0" algn="l" defTabSz="914400" rtl="0" eaLnBrk="0" fontAlgn="base" latinLnBrk="0" hangingPunct="0">
+              <a:lnSpc>
+                <a:spcPct val="100000"/>
+              </a:lnSpc>
+              <a:spcBef>
+                <a:spcPct val="30000"/>
+              </a:spcBef>
+              <a:spcAft>
+                <a:spcPct val="0"/>
+              </a:spcAft>
+              <a:buClrTx/>
+              <a:buSzTx/>
+              <a:buFontTx/>
+              <a:buNone/>
+              <a:tabLst/>
+              <a:defRPr/>
+            </a:pPr>
+            <a:r>
+              <a:rPr lang="en-US" dirty="0"/>
+              <a:t>Policy: State to action</a:t>
+            </a:r>
+            <a:endParaRPr lang="en-SE" dirty="0"/>
+          </a:p>
+          <a:p>
+            <a:pPr marL="0" marR="0" lvl="0" indent="0" algn="l" defTabSz="914400" rtl="0" eaLnBrk="0" fontAlgn="base" latinLnBrk="0" hangingPunct="0">
+              <a:lnSpc>
+                <a:spcPct val="100000"/>
+              </a:lnSpc>
+              <a:spcBef>
+                <a:spcPct val="30000"/>
+              </a:spcBef>
+              <a:spcAft>
+                <a:spcPct val="0"/>
+              </a:spcAft>
+              <a:buClrTx/>
+              <a:buSzTx/>
+              <a:buFontTx/>
+              <a:buNone/>
+              <a:tabLst/>
+              <a:defRPr/>
+            </a:pPr>
+            <a:r>
+              <a:rPr lang="en-US" dirty="0"/>
+              <a:t>Sometimes loss function is used, defined as negative of reward function, so minimizing loss is equivalent to maximizing reward. The RL problem: find the optimal policy given the reward function.</a:t>
+            </a:r>
+          </a:p>
+          <a:p>
+            <a:pPr marL="0" marR="0" lvl="0" indent="0" algn="l" defTabSz="914400" rtl="0" eaLnBrk="0" fontAlgn="base" latinLnBrk="0" hangingPunct="0">
+              <a:lnSpc>
+                <a:spcPct val="100000"/>
+              </a:lnSpc>
+              <a:spcBef>
+                <a:spcPct val="30000"/>
+              </a:spcBef>
+              <a:spcAft>
+                <a:spcPct val="0"/>
+              </a:spcAft>
+              <a:buClrTx/>
+              <a:buSzTx/>
+              <a:buFontTx/>
+              <a:buNone/>
+              <a:tabLst/>
+              <a:defRPr/>
+            </a:pPr>
+            <a:endParaRPr lang="en-US" dirty="0"/>
+          </a:p>
+          <a:p>
+            <a:endParaRPr lang="en-SE" dirty="0"/>
+          </a:p>
+        </p:txBody>
+      </p:sp>
+      <p:sp>
+        <p:nvSpPr>
+          <p:cNvPr id="4" name="Slide Number Placeholder 3"/>
+          <p:cNvSpPr>
+            <a:spLocks noGrp="1"/>
+          </p:cNvSpPr>
+          <p:nvPr>
+            <p:ph type="sldNum" sz="quarter" idx="5"/>
+          </p:nvPr>
+        </p:nvSpPr>
+        <p:spPr/>
+        <p:txBody>
+          <a:bodyPr/>
+          <a:lstStyle/>
+          <a:p>
+            <a:pPr>
+              <a:defRPr/>
+            </a:pPr>
+            <a:fld id="{6FA21340-DBF0-4FAC-9DE2-FD6DB24B56C8}" type="slidenum">
+              <a:rPr lang="en-US" altLang="zh-CN" smtClean="0"/>
+              <a:pPr>
+                <a:defRPr/>
+              </a:pPr>
+              <a:t>2</a:t>
+            </a:fld>
+            <a:endParaRPr lang="en-US" altLang="zh-CN"/>
+          </a:p>
+        </p:txBody>
+      </p:sp>
+    </p:spTree>
+    <p:extLst>
+      <p:ext uri="{BB962C8B-B14F-4D97-AF65-F5344CB8AC3E}">
+        <p14:creationId xmlns:p14="http://schemas.microsoft.com/office/powerpoint/2010/main" val="4115329599"/>
+      </p:ext>
+    </p:extLst>
+  </p:cSld>
+  <p:clrMapOvr>
+    <a:masterClrMapping/>
+  </p:clrMapOvr>
+</p:notes>
+</file>
+
+<file path=ppt/notesSlides/notesSlide3.xml><?xml version="1.0" encoding="utf-8"?>
+<p:notes xmlns:a="http://schemas.openxmlformats.org/drawingml/2006/main" xmlns:r="http://schemas.openxmlformats.org/officeDocument/2006/relationships" xmlns:p="http://schemas.openxmlformats.org/presentationml/2006/main">
+  <p:cSld>
+    <p:spTree>
+      <p:nvGrpSpPr>
+        <p:cNvPr id="1" name=""/>
+        <p:cNvGrpSpPr/>
+        <p:nvPr/>
+      </p:nvGrpSpPr>
+      <p:grpSpPr>
+        <a:xfrm>
+          <a:off x="0" y="0"/>
+          <a:ext cx="0" cy="0"/>
+          <a:chOff x="0" y="0"/>
+          <a:chExt cx="0" cy="0"/>
+        </a:xfrm>
+      </p:grpSpPr>
+      <p:sp>
+        <p:nvSpPr>
+          <p:cNvPr id="2" name="Slide Image Placeholder 1"/>
+          <p:cNvSpPr>
+            <a:spLocks noGrp="1" noRot="1" noChangeAspect="1"/>
+          </p:cNvSpPr>
+          <p:nvPr>
+            <p:ph type="sldImg"/>
+          </p:nvPr>
+        </p:nvSpPr>
+        <p:spPr/>
+      </p:sp>
       <mc:AlternateContent xmlns:mc="http://schemas.openxmlformats.org/markup-compatibility/2006" xmlns:a14="http://schemas.microsoft.com/office/drawing/2010/main">
         <mc:Choice Requires="a14">
           <p:sp>
@@ -848,7 +1008,7 @@
               <a:pPr>
                 <a:defRPr/>
               </a:pPr>
-              <a:t>5</a:t>
+              <a:t>7</a:t>
             </a:fld>
             <a:endParaRPr lang="en-US" altLang="zh-CN"/>
           </a:p>
@@ -867,7 +1027,7 @@
 </p:notes>
 </file>
 
-<file path=ppt/notesSlides/notesSlide3.xml><?xml version="1.0" encoding="utf-8"?>
+<file path=ppt/notesSlides/notesSlide4.xml><?xml version="1.0" encoding="utf-8"?>
 <p:notes xmlns:a="http://schemas.openxmlformats.org/drawingml/2006/main" xmlns:r="http://schemas.openxmlformats.org/officeDocument/2006/relationships" xmlns:p="http://schemas.openxmlformats.org/presentationml/2006/main">
   <p:cSld>
     <p:spTree>
@@ -959,7 +1119,7 @@
               <a:pPr>
                 <a:defRPr/>
               </a:pPr>
-              <a:t>11</a:t>
+              <a:t>13</a:t>
             </a:fld>
             <a:endParaRPr lang="en-US" altLang="zh-CN"/>
           </a:p>
@@ -1160,7 +1320,7 @@
             <a:fld id="{CE1938E7-FCD4-418C-87D0-DD707A52F1FF}" type="datetimeFigureOut">
               <a:rPr lang="en-US" smtClean="0"/>
               <a:pPr/>
-              <a:t>5/22/2021</a:t>
+              <a:t>5/23/2021</a:t>
             </a:fld>
             <a:endParaRPr lang="en-US"/>
           </a:p>
@@ -1700,7 +1860,7 @@
             <a:fld id="{CE1938E7-FCD4-418C-87D0-DD707A52F1FF}" type="datetimeFigureOut">
               <a:rPr lang="en-US" smtClean="0"/>
               <a:pPr/>
-              <a:t>5/22/2021</a:t>
+              <a:t>5/23/2021</a:t>
             </a:fld>
             <a:endParaRPr lang="en-US"/>
           </a:p>
@@ -2131,6 +2291,663 @@
           <p:cNvPr id="2" name="Title 1">
             <a:extLst>
               <a:ext uri="{FF2B5EF4-FFF2-40B4-BE49-F238E27FC236}">
+                <a16:creationId xmlns:a16="http://schemas.microsoft.com/office/drawing/2014/main" id="{D224606C-00B7-414B-809E-9BE123FFABB0}"/>
+              </a:ext>
+            </a:extLst>
+          </p:cNvPr>
+          <p:cNvSpPr>
+            <a:spLocks noGrp="1"/>
+          </p:cNvSpPr>
+          <p:nvPr>
+            <p:ph type="title"/>
+          </p:nvPr>
+        </p:nvSpPr>
+        <p:spPr/>
+        <p:txBody>
+          <a:bodyPr/>
+          <a:lstStyle/>
+          <a:p>
+            <a:r>
+              <a:rPr lang="en-US" sz="3200"/>
+              <a:t>DELETE Handling </a:t>
+            </a:r>
+            <a:r>
+              <a:rPr lang="en-US" sz="3200" dirty="0"/>
+              <a:t>Multiple Scenarios </a:t>
+            </a:r>
+            <a:r>
+              <a:rPr lang="en-US" altLang="zh-CN" sz="3200" dirty="0"/>
+              <a:t>with Hierarchical FSM</a:t>
+            </a:r>
+            <a:endParaRPr lang="en-SE" sz="3200" dirty="0"/>
+          </a:p>
+        </p:txBody>
+      </p:sp>
+      <p:sp>
+        <p:nvSpPr>
+          <p:cNvPr id="3" name="Content Placeholder 2">
+            <a:extLst>
+              <a:ext uri="{FF2B5EF4-FFF2-40B4-BE49-F238E27FC236}">
+                <a16:creationId xmlns:a16="http://schemas.microsoft.com/office/drawing/2014/main" id="{0C5A3A02-EB03-4181-A618-0BD2478EA446}"/>
+              </a:ext>
+            </a:extLst>
+          </p:cNvPr>
+          <p:cNvSpPr>
+            <a:spLocks noGrp="1"/>
+          </p:cNvSpPr>
+          <p:nvPr>
+            <p:ph idx="1"/>
+          </p:nvPr>
+        </p:nvSpPr>
+        <p:spPr>
+          <a:xfrm>
+            <a:off x="228600" y="1102006"/>
+            <a:ext cx="8458200" cy="1199428"/>
+          </a:xfrm>
+        </p:spPr>
+        <p:txBody>
+          <a:bodyPr>
+            <a:normAutofit lnSpcReduction="10000"/>
+          </a:bodyPr>
+          <a:lstStyle/>
+          <a:p>
+            <a:r>
+              <a:rPr lang="en-US" sz="1800" dirty="0"/>
+              <a:t>Each driving scenario is modeled as a super-state, which contains a low-level FSM for the scenario.</a:t>
+            </a:r>
+          </a:p>
+          <a:p>
+            <a:r>
+              <a:rPr lang="en-US" sz="1800" dirty="0"/>
+              <a:t>(Each low-level FSM is specific for the scenario, e.g., the two FSMs in the figure have different trigger conditions not shown)</a:t>
+            </a:r>
+          </a:p>
+        </p:txBody>
+      </p:sp>
+      <p:sp>
+        <p:nvSpPr>
+          <p:cNvPr id="4" name="Slide Number Placeholder 3">
+            <a:extLst>
+              <a:ext uri="{FF2B5EF4-FFF2-40B4-BE49-F238E27FC236}">
+                <a16:creationId xmlns:a16="http://schemas.microsoft.com/office/drawing/2014/main" id="{987B8C8C-25C4-4AD3-9357-1C2F9E2790F8}"/>
+              </a:ext>
+            </a:extLst>
+          </p:cNvPr>
+          <p:cNvSpPr>
+            <a:spLocks noGrp="1"/>
+          </p:cNvSpPr>
+          <p:nvPr>
+            <p:ph type="sldNum" sz="quarter" idx="12"/>
+          </p:nvPr>
+        </p:nvSpPr>
+        <p:spPr bwMode="auto">
+          <a:xfrm>
+            <a:off x="6934200" y="6530035"/>
+            <a:ext cx="2133600" cy="244475"/>
+          </a:xfrm>
+          <a:prstGeom prst="rect">
+            <a:avLst/>
+          </a:prstGeom>
+          <a:noFill/>
+          <a:ln w="9525">
+            <a:noFill/>
+            <a:miter lim="800000"/>
+            <a:headEnd/>
+            <a:tailEnd/>
+          </a:ln>
+          <a:effectLst/>
+        </p:spPr>
+        <p:txBody>
+          <a:bodyPr vert="horz" wrap="square" lIns="91440" tIns="45720" rIns="91440" bIns="45720" numCol="1" anchor="t" anchorCtr="0" compatLnSpc="1">
+            <a:prstTxWarp prst="textNoShape">
+              <a:avLst/>
+            </a:prstTxWarp>
+          </a:bodyPr>
+          <a:lstStyle>
+            <a:defPPr>
+              <a:defRPr lang="en-US"/>
+            </a:defPPr>
+            <a:lvl1pPr algn="r" rtl="0" fontAlgn="base">
+              <a:spcBef>
+                <a:spcPct val="0"/>
+              </a:spcBef>
+              <a:spcAft>
+                <a:spcPct val="0"/>
+              </a:spcAft>
+              <a:defRPr sz="1200" kern="1200">
+                <a:solidFill>
+                  <a:schemeClr val="tx1"/>
+                </a:solidFill>
+                <a:latin typeface="Arial" charset="0"/>
+                <a:ea typeface="宋体" charset="-122"/>
+                <a:cs typeface="+mn-cs"/>
+              </a:defRPr>
+            </a:lvl1pPr>
+            <a:lvl2pPr marL="457200" algn="l" rtl="0" fontAlgn="base">
+              <a:spcBef>
+                <a:spcPct val="0"/>
+              </a:spcBef>
+              <a:spcAft>
+                <a:spcPct val="0"/>
+              </a:spcAft>
+              <a:defRPr kern="1200">
+                <a:solidFill>
+                  <a:schemeClr val="tx1"/>
+                </a:solidFill>
+                <a:latin typeface="Arial" charset="0"/>
+                <a:ea typeface="+mn-ea"/>
+                <a:cs typeface="+mn-cs"/>
+              </a:defRPr>
+            </a:lvl2pPr>
+            <a:lvl3pPr marL="914400" algn="l" rtl="0" fontAlgn="base">
+              <a:spcBef>
+                <a:spcPct val="0"/>
+              </a:spcBef>
+              <a:spcAft>
+                <a:spcPct val="0"/>
+              </a:spcAft>
+              <a:defRPr kern="1200">
+                <a:solidFill>
+                  <a:schemeClr val="tx1"/>
+                </a:solidFill>
+                <a:latin typeface="Arial" charset="0"/>
+                <a:ea typeface="+mn-ea"/>
+                <a:cs typeface="+mn-cs"/>
+              </a:defRPr>
+            </a:lvl3pPr>
+            <a:lvl4pPr marL="1371600" algn="l" rtl="0" fontAlgn="base">
+              <a:spcBef>
+                <a:spcPct val="0"/>
+              </a:spcBef>
+              <a:spcAft>
+                <a:spcPct val="0"/>
+              </a:spcAft>
+              <a:defRPr kern="1200">
+                <a:solidFill>
+                  <a:schemeClr val="tx1"/>
+                </a:solidFill>
+                <a:latin typeface="Arial" charset="0"/>
+                <a:ea typeface="+mn-ea"/>
+                <a:cs typeface="+mn-cs"/>
+              </a:defRPr>
+            </a:lvl4pPr>
+            <a:lvl5pPr marL="1828800" algn="l" rtl="0" fontAlgn="base">
+              <a:spcBef>
+                <a:spcPct val="0"/>
+              </a:spcBef>
+              <a:spcAft>
+                <a:spcPct val="0"/>
+              </a:spcAft>
+              <a:defRPr kern="1200">
+                <a:solidFill>
+                  <a:schemeClr val="tx1"/>
+                </a:solidFill>
+                <a:latin typeface="Arial" charset="0"/>
+                <a:ea typeface="+mn-ea"/>
+                <a:cs typeface="+mn-cs"/>
+              </a:defRPr>
+            </a:lvl5pPr>
+            <a:lvl6pPr marL="2286000" algn="l" defTabSz="914400" rtl="0" eaLnBrk="1" latinLnBrk="0" hangingPunct="1">
+              <a:defRPr kern="1200">
+                <a:solidFill>
+                  <a:schemeClr val="tx1"/>
+                </a:solidFill>
+                <a:latin typeface="Arial" charset="0"/>
+                <a:ea typeface="+mn-ea"/>
+                <a:cs typeface="+mn-cs"/>
+              </a:defRPr>
+            </a:lvl6pPr>
+            <a:lvl7pPr marL="2743200" algn="l" defTabSz="914400" rtl="0" eaLnBrk="1" latinLnBrk="0" hangingPunct="1">
+              <a:defRPr kern="1200">
+                <a:solidFill>
+                  <a:schemeClr val="tx1"/>
+                </a:solidFill>
+                <a:latin typeface="Arial" charset="0"/>
+                <a:ea typeface="+mn-ea"/>
+                <a:cs typeface="+mn-cs"/>
+              </a:defRPr>
+            </a:lvl7pPr>
+            <a:lvl8pPr marL="3200400" algn="l" defTabSz="914400" rtl="0" eaLnBrk="1" latinLnBrk="0" hangingPunct="1">
+              <a:defRPr kern="1200">
+                <a:solidFill>
+                  <a:schemeClr val="tx1"/>
+                </a:solidFill>
+                <a:latin typeface="Arial" charset="0"/>
+                <a:ea typeface="+mn-ea"/>
+                <a:cs typeface="+mn-cs"/>
+              </a:defRPr>
+            </a:lvl8pPr>
+            <a:lvl9pPr marL="3657600" algn="l" defTabSz="914400" rtl="0" eaLnBrk="1" latinLnBrk="0" hangingPunct="1">
+              <a:defRPr kern="1200">
+                <a:solidFill>
+                  <a:schemeClr val="tx1"/>
+                </a:solidFill>
+                <a:latin typeface="Arial" charset="0"/>
+                <a:ea typeface="+mn-ea"/>
+                <a:cs typeface="+mn-cs"/>
+              </a:defRPr>
+            </a:lvl9pPr>
+          </a:lstStyle>
+          <a:p>
+            <a:pPr>
+              <a:defRPr/>
+            </a:pPr>
+            <a:fld id="{F57F456A-00AF-44E6-8D70-638C0D0130FF}" type="slidenum">
+              <a:rPr lang="en-US" altLang="zh-CN" smtClean="0"/>
+              <a:pPr>
+                <a:defRPr/>
+              </a:pPr>
+              <a:t>10</a:t>
+            </a:fld>
+            <a:endParaRPr lang="en-US" altLang="zh-CN"/>
+          </a:p>
+        </p:txBody>
+      </p:sp>
+      <p:pic>
+        <p:nvPicPr>
+          <p:cNvPr id="7" name="Picture 6">
+            <a:extLst>
+              <a:ext uri="{FF2B5EF4-FFF2-40B4-BE49-F238E27FC236}">
+                <a16:creationId xmlns:a16="http://schemas.microsoft.com/office/drawing/2014/main" id="{C1DB7CEA-C8B7-42D2-91DC-DA5424DC9C09}"/>
+              </a:ext>
+            </a:extLst>
+          </p:cNvPr>
+          <p:cNvPicPr>
+            <a:picLocks noChangeAspect="1"/>
+          </p:cNvPicPr>
+          <p:nvPr/>
+        </p:nvPicPr>
+        <p:blipFill>
+          <a:blip r:embed="rId2"/>
+          <a:stretch>
+            <a:fillRect/>
+          </a:stretch>
+        </p:blipFill>
+        <p:spPr>
+          <a:xfrm>
+            <a:off x="5788109" y="3875146"/>
+            <a:ext cx="3186991" cy="2668178"/>
+          </a:xfrm>
+          <a:prstGeom prst="rect">
+            <a:avLst/>
+          </a:prstGeom>
+        </p:spPr>
+      </p:pic>
+      <p:pic>
+        <p:nvPicPr>
+          <p:cNvPr id="9" name="Picture 8">
+            <a:extLst>
+              <a:ext uri="{FF2B5EF4-FFF2-40B4-BE49-F238E27FC236}">
+                <a16:creationId xmlns:a16="http://schemas.microsoft.com/office/drawing/2014/main" id="{953F13A8-8E00-4063-97AB-174F747AF38E}"/>
+              </a:ext>
+            </a:extLst>
+          </p:cNvPr>
+          <p:cNvPicPr>
+            <a:picLocks noChangeAspect="1"/>
+          </p:cNvPicPr>
+          <p:nvPr/>
+        </p:nvPicPr>
+        <p:blipFill>
+          <a:blip r:embed="rId3"/>
+          <a:stretch>
+            <a:fillRect/>
+          </a:stretch>
+        </p:blipFill>
+        <p:spPr>
+          <a:xfrm>
+            <a:off x="98648" y="2143039"/>
+            <a:ext cx="5829891" cy="2836163"/>
+          </a:xfrm>
+          <a:prstGeom prst="rect">
+            <a:avLst/>
+          </a:prstGeom>
+        </p:spPr>
+      </p:pic>
+      <p:cxnSp>
+        <p:nvCxnSpPr>
+          <p:cNvPr id="11" name="Straight Connector 10">
+            <a:extLst>
+              <a:ext uri="{FF2B5EF4-FFF2-40B4-BE49-F238E27FC236}">
+                <a16:creationId xmlns:a16="http://schemas.microsoft.com/office/drawing/2014/main" id="{B5A86181-1EC8-4CA5-BAAF-FEB3C08A8995}"/>
+              </a:ext>
+            </a:extLst>
+          </p:cNvPr>
+          <p:cNvCxnSpPr>
+            <a:cxnSpLocks/>
+          </p:cNvCxnSpPr>
+          <p:nvPr/>
+        </p:nvCxnSpPr>
+        <p:spPr bwMode="auto">
+          <a:xfrm>
+            <a:off x="4953000" y="4893563"/>
+            <a:ext cx="1143000" cy="1758709"/>
+          </a:xfrm>
+          <a:prstGeom prst="line">
+            <a:avLst/>
+          </a:prstGeom>
+          <a:noFill/>
+          <a:ln w="25400" cap="flat" cmpd="sng" algn="ctr">
+            <a:solidFill>
+              <a:schemeClr val="tx1"/>
+            </a:solidFill>
+            <a:prstDash val="dash"/>
+            <a:round/>
+            <a:headEnd type="none" w="med" len="med"/>
+            <a:tailEnd type="none" w="med" len="med"/>
+          </a:ln>
+          <a:effectLst/>
+        </p:spPr>
+      </p:cxnSp>
+      <p:cxnSp>
+        <p:nvCxnSpPr>
+          <p:cNvPr id="12" name="Straight Connector 11">
+            <a:extLst>
+              <a:ext uri="{FF2B5EF4-FFF2-40B4-BE49-F238E27FC236}">
+                <a16:creationId xmlns:a16="http://schemas.microsoft.com/office/drawing/2014/main" id="{327998C6-32F4-49F3-9ED5-2CF3B28F3F7E}"/>
+              </a:ext>
+            </a:extLst>
+          </p:cNvPr>
+          <p:cNvCxnSpPr>
+            <a:cxnSpLocks/>
+          </p:cNvCxnSpPr>
+          <p:nvPr/>
+        </p:nvCxnSpPr>
+        <p:spPr bwMode="auto">
+          <a:xfrm>
+            <a:off x="5715000" y="2590800"/>
+            <a:ext cx="3124200" cy="1271056"/>
+          </a:xfrm>
+          <a:prstGeom prst="line">
+            <a:avLst/>
+          </a:prstGeom>
+          <a:noFill/>
+          <a:ln w="25400" cap="flat" cmpd="sng" algn="ctr">
+            <a:solidFill>
+              <a:schemeClr val="tx1"/>
+            </a:solidFill>
+            <a:prstDash val="dash"/>
+            <a:round/>
+            <a:headEnd type="none" w="med" len="med"/>
+            <a:tailEnd type="none" w="med" len="med"/>
+          </a:ln>
+          <a:effectLst/>
+        </p:spPr>
+      </p:cxnSp>
+      <p:sp>
+        <p:nvSpPr>
+          <p:cNvPr id="20" name="TextBox 19">
+            <a:extLst>
+              <a:ext uri="{FF2B5EF4-FFF2-40B4-BE49-F238E27FC236}">
+                <a16:creationId xmlns:a16="http://schemas.microsoft.com/office/drawing/2014/main" id="{67C9C3D7-1EFF-4570-AEA1-BC44FC5F4F47}"/>
+              </a:ext>
+            </a:extLst>
+          </p:cNvPr>
+          <p:cNvSpPr txBox="1"/>
+          <p:nvPr/>
+        </p:nvSpPr>
+        <p:spPr>
+          <a:xfrm>
+            <a:off x="6400800" y="6553200"/>
+            <a:ext cx="1838965" cy="369332"/>
+          </a:xfrm>
+          <a:prstGeom prst="rect">
+            <a:avLst/>
+          </a:prstGeom>
+          <a:noFill/>
+        </p:spPr>
+        <p:txBody>
+          <a:bodyPr wrap="none" rtlCol="0">
+            <a:spAutoFit/>
+          </a:bodyPr>
+          <a:lstStyle/>
+          <a:p>
+            <a:r>
+              <a:rPr lang="en-US" altLang="zh-CN" dirty="0"/>
+              <a:t>Entry transitions</a:t>
+            </a:r>
+            <a:endParaRPr lang="en-SE" dirty="0"/>
+          </a:p>
+        </p:txBody>
+      </p:sp>
+      <p:sp>
+        <p:nvSpPr>
+          <p:cNvPr id="21" name="TextBox 20">
+            <a:extLst>
+              <a:ext uri="{FF2B5EF4-FFF2-40B4-BE49-F238E27FC236}">
+                <a16:creationId xmlns:a16="http://schemas.microsoft.com/office/drawing/2014/main" id="{6BFFCF9C-B41D-4A68-A12D-55317FBFB528}"/>
+              </a:ext>
+            </a:extLst>
+          </p:cNvPr>
+          <p:cNvSpPr txBox="1"/>
+          <p:nvPr/>
+        </p:nvSpPr>
+        <p:spPr>
+          <a:xfrm>
+            <a:off x="8052233" y="4986490"/>
+            <a:ext cx="1236236" cy="646331"/>
+          </a:xfrm>
+          <a:prstGeom prst="rect">
+            <a:avLst/>
+          </a:prstGeom>
+          <a:noFill/>
+        </p:spPr>
+        <p:txBody>
+          <a:bodyPr wrap="none" rtlCol="0">
+            <a:spAutoFit/>
+          </a:bodyPr>
+          <a:lstStyle/>
+          <a:p>
+            <a:r>
+              <a:rPr lang="en-US" altLang="zh-CN" dirty="0"/>
+              <a:t>Exit </a:t>
+            </a:r>
+          </a:p>
+          <a:p>
+            <a:r>
+              <a:rPr lang="en-US" altLang="zh-CN" dirty="0"/>
+              <a:t>transitions</a:t>
+            </a:r>
+            <a:endParaRPr lang="en-SE" dirty="0"/>
+          </a:p>
+        </p:txBody>
+      </p:sp>
+    </p:spTree>
+    <p:extLst>
+      <p:ext uri="{BB962C8B-B14F-4D97-AF65-F5344CB8AC3E}">
+        <p14:creationId xmlns:p14="http://schemas.microsoft.com/office/powerpoint/2010/main" val="1442048809"/>
+      </p:ext>
+    </p:extLst>
+  </p:cSld>
+  <p:clrMapOvr>
+    <a:masterClrMapping/>
+  </p:clrMapOvr>
+</p:sld>
+</file>
+
+<file path=ppt/slides/slide11.xml><?xml version="1.0" encoding="utf-8"?>
+<p:sld xmlns:a="http://schemas.openxmlformats.org/drawingml/2006/main" xmlns:r="http://schemas.openxmlformats.org/officeDocument/2006/relationships" xmlns:p="http://schemas.openxmlformats.org/presentationml/2006/main">
+  <p:cSld>
+    <p:spTree>
+      <p:nvGrpSpPr>
+        <p:cNvPr id="1" name=""/>
+        <p:cNvGrpSpPr/>
+        <p:nvPr/>
+      </p:nvGrpSpPr>
+      <p:grpSpPr>
+        <a:xfrm>
+          <a:off x="0" y="0"/>
+          <a:ext cx="0" cy="0"/>
+          <a:chOff x="0" y="0"/>
+          <a:chExt cx="0" cy="0"/>
+        </a:xfrm>
+      </p:grpSpPr>
+      <p:sp>
+        <p:nvSpPr>
+          <p:cNvPr id="2" name="标题 1">
+            <a:extLst>
+              <a:ext uri="{FF2B5EF4-FFF2-40B4-BE49-F238E27FC236}">
+                <a16:creationId xmlns:a16="http://schemas.microsoft.com/office/drawing/2014/main" id="{BF6A4B5C-223D-48A6-A3AC-8BDF6FD01D23}"/>
+              </a:ext>
+            </a:extLst>
+          </p:cNvPr>
+          <p:cNvSpPr>
+            <a:spLocks noGrp="1"/>
+          </p:cNvSpPr>
+          <p:nvPr>
+            <p:ph type="title"/>
+          </p:nvPr>
+        </p:nvSpPr>
+        <p:spPr>
+          <a:xfrm>
+            <a:off x="152400" y="71422"/>
+            <a:ext cx="8839200" cy="837298"/>
+          </a:xfrm>
+        </p:spPr>
+        <p:txBody>
+          <a:bodyPr/>
+          <a:lstStyle/>
+          <a:p>
+            <a:r>
+              <a:rPr lang="en-US" altLang="zh-CN" dirty="0"/>
+              <a:t>Defense Against the Dark Arts</a:t>
+            </a:r>
+            <a:endParaRPr lang="zh-CN" altLang="en-US" dirty="0"/>
+          </a:p>
+        </p:txBody>
+      </p:sp>
+      <p:sp>
+        <p:nvSpPr>
+          <p:cNvPr id="3" name="内容占位符 2">
+            <a:extLst>
+              <a:ext uri="{FF2B5EF4-FFF2-40B4-BE49-F238E27FC236}">
+                <a16:creationId xmlns:a16="http://schemas.microsoft.com/office/drawing/2014/main" id="{98C6DB25-1B67-4051-A509-B54478BDAA71}"/>
+              </a:ext>
+            </a:extLst>
+          </p:cNvPr>
+          <p:cNvSpPr>
+            <a:spLocks noGrp="1"/>
+          </p:cNvSpPr>
+          <p:nvPr>
+            <p:ph idx="1"/>
+          </p:nvPr>
+        </p:nvSpPr>
+        <p:spPr>
+          <a:xfrm>
+            <a:off x="152400" y="980729"/>
+            <a:ext cx="8839200" cy="3528392"/>
+          </a:xfrm>
+        </p:spPr>
+        <p:txBody>
+          <a:bodyPr>
+            <a:normAutofit fontScale="77500" lnSpcReduction="20000"/>
+          </a:bodyPr>
+          <a:lstStyle/>
+          <a:p>
+            <a:r>
+              <a:rPr lang="en-US" altLang="zh-CN" dirty="0">
+                <a:hlinkClick r:id="rId2"/>
+              </a:rPr>
+              <a:t>https://www.youtube.com/watch?v=KNDkaVZwmg4&amp;list=PL0pRF4xvoD0liEIWyJ6kmXqGT7nbr2L3u&amp;index=11</a:t>
+            </a:r>
+            <a:endParaRPr lang="en-US" altLang="zh-CN" dirty="0"/>
+          </a:p>
+          <a:p>
+            <a:r>
+              <a:rPr lang="en-US" dirty="0"/>
+              <a:t>Diagonal is minimum norm. Ideally, we want norm distance to be large for class-changing perturbations, small for random noise, like </a:t>
+            </a:r>
+            <a:r>
+              <a:rPr lang="en-US" dirty="0" err="1"/>
+              <a:t>Linfty</a:t>
+            </a:r>
+            <a:r>
+              <a:rPr lang="en-US" dirty="0"/>
+              <a:t>. But adding random noise leads to L2 norm 4.8, bigger than many class-changing perturbations. NG.</a:t>
+            </a:r>
+          </a:p>
+          <a:p>
+            <a:r>
+              <a:rPr lang="en-US" dirty="0"/>
+              <a:t>L2 norm cannot detect/permits change of a few pixels largely, which is likely to change the class.</a:t>
+            </a:r>
+          </a:p>
+          <a:p>
+            <a:r>
+              <a:rPr lang="en-US" dirty="0"/>
+              <a:t>We can make L2 distance big while still preserving the class</a:t>
+            </a:r>
+            <a:endParaRPr lang="en-SE" dirty="0"/>
+          </a:p>
+          <a:p>
+            <a:endParaRPr lang="zh-CN" altLang="en-US" dirty="0"/>
+          </a:p>
+        </p:txBody>
+      </p:sp>
+      <p:pic>
+        <p:nvPicPr>
+          <p:cNvPr id="4" name="Picture 3">
+            <a:extLst>
+              <a:ext uri="{FF2B5EF4-FFF2-40B4-BE49-F238E27FC236}">
+                <a16:creationId xmlns:a16="http://schemas.microsoft.com/office/drawing/2014/main" id="{AA461B0E-D172-4094-810E-DBACE9202271}"/>
+              </a:ext>
+            </a:extLst>
+          </p:cNvPr>
+          <p:cNvPicPr>
+            <a:picLocks noChangeAspect="1"/>
+          </p:cNvPicPr>
+          <p:nvPr/>
+        </p:nvPicPr>
+        <p:blipFill>
+          <a:blip r:embed="rId3"/>
+          <a:stretch>
+            <a:fillRect/>
+          </a:stretch>
+        </p:blipFill>
+        <p:spPr>
+          <a:xfrm>
+            <a:off x="611560" y="3339342"/>
+            <a:ext cx="4907418" cy="3429000"/>
+          </a:xfrm>
+          <a:prstGeom prst="rect">
+            <a:avLst/>
+          </a:prstGeom>
+        </p:spPr>
+      </p:pic>
+    </p:spTree>
+    <p:extLst>
+      <p:ext uri="{BB962C8B-B14F-4D97-AF65-F5344CB8AC3E}">
+        <p14:creationId xmlns:p14="http://schemas.microsoft.com/office/powerpoint/2010/main" val="1939888640"/>
+      </p:ext>
+    </p:extLst>
+  </p:cSld>
+  <p:clrMapOvr>
+    <a:masterClrMapping/>
+  </p:clrMapOvr>
+</p:sld>
+</file>
+
+<file path=ppt/slides/slide12.xml><?xml version="1.0" encoding="utf-8"?>
+<p:sld xmlns:a="http://schemas.openxmlformats.org/drawingml/2006/main" xmlns:r="http://schemas.openxmlformats.org/officeDocument/2006/relationships" xmlns:p="http://schemas.openxmlformats.org/presentationml/2006/main">
+  <p:cSld>
+    <p:spTree>
+      <p:nvGrpSpPr>
+        <p:cNvPr id="1" name=""/>
+        <p:cNvGrpSpPr/>
+        <p:nvPr/>
+      </p:nvGrpSpPr>
+      <p:grpSpPr>
+        <a:xfrm>
+          <a:off x="0" y="0"/>
+          <a:ext cx="0" cy="0"/>
+          <a:chOff x="0" y="0"/>
+          <a:chExt cx="0" cy="0"/>
+        </a:xfrm>
+      </p:grpSpPr>
+      <p:sp>
+        <p:nvSpPr>
+          <p:cNvPr id="2" name="Title 1">
+            <a:extLst>
+              <a:ext uri="{FF2B5EF4-FFF2-40B4-BE49-F238E27FC236}">
                 <a16:creationId xmlns:a16="http://schemas.microsoft.com/office/drawing/2014/main" id="{94C9E8D7-A778-4507-8BF4-EF22DE767F55}"/>
               </a:ext>
             </a:extLst>
@@ -2324,7 +3141,7 @@
               <a:pPr>
                 <a:defRPr/>
               </a:pPr>
-              <a:t>10</a:t>
+              <a:t>12</a:t>
             </a:fld>
             <a:endParaRPr lang="en-US" altLang="zh-CN"/>
           </a:p>
@@ -3368,7 +4185,7 @@
 </p:sld>
 </file>
 
-<file path=ppt/slides/slide11.xml><?xml version="1.0" encoding="utf-8"?>
+<file path=ppt/slides/slide13.xml><?xml version="1.0" encoding="utf-8"?>
 <p:sld xmlns:a="http://schemas.openxmlformats.org/drawingml/2006/main" xmlns:r="http://schemas.openxmlformats.org/officeDocument/2006/relationships" xmlns:p="http://schemas.openxmlformats.org/presentationml/2006/main">
   <p:cSld>
     <p:spTree>
@@ -3823,7 +4640,7 @@
               <a:pPr>
                 <a:defRPr/>
               </a:pPr>
-              <a:t>11</a:t>
+              <a:t>13</a:t>
             </a:fld>
             <a:endParaRPr lang="en-US" altLang="zh-CN"/>
           </a:p>
@@ -3902,7 +4719,3978 @@
 </p:sld>
 </file>
 
+<file path=ppt/slides/slide14.xml><?xml version="1.0" encoding="utf-8"?>
+<p:sld xmlns:a="http://schemas.openxmlformats.org/drawingml/2006/main" xmlns:r="http://schemas.openxmlformats.org/officeDocument/2006/relationships" xmlns:p="http://schemas.openxmlformats.org/presentationml/2006/main">
+  <p:cSld>
+    <p:spTree>
+      <p:nvGrpSpPr>
+        <p:cNvPr id="1" name=""/>
+        <p:cNvGrpSpPr/>
+        <p:nvPr/>
+      </p:nvGrpSpPr>
+      <p:grpSpPr>
+        <a:xfrm>
+          <a:off x="0" y="0"/>
+          <a:ext cx="0" cy="0"/>
+          <a:chOff x="0" y="0"/>
+          <a:chExt cx="0" cy="0"/>
+        </a:xfrm>
+      </p:grpSpPr>
+      <p:cxnSp>
+        <p:nvCxnSpPr>
+          <p:cNvPr id="71" name="Shape 457">
+            <a:extLst>
+              <a:ext uri="{FF2B5EF4-FFF2-40B4-BE49-F238E27FC236}">
+                <a16:creationId xmlns:a16="http://schemas.microsoft.com/office/drawing/2014/main" id="{D5BCC86E-4D8C-494A-8B6F-64F48FC893CA}"/>
+              </a:ext>
+            </a:extLst>
+          </p:cNvPr>
+          <p:cNvCxnSpPr>
+            <a:cxnSpLocks/>
+            <a:endCxn id="72" idx="0"/>
+          </p:cNvCxnSpPr>
+          <p:nvPr/>
+        </p:nvCxnSpPr>
+        <p:spPr>
+          <a:xfrm>
+            <a:off x="1988239" y="4854082"/>
+            <a:ext cx="0" cy="602428"/>
+          </a:xfrm>
+          <a:prstGeom prst="straightConnector1">
+            <a:avLst/>
+          </a:prstGeom>
+          <a:noFill/>
+          <a:ln w="25400" cap="flat" cmpd="sng">
+            <a:solidFill>
+              <a:srgbClr val="52ADC8"/>
+            </a:solidFill>
+            <a:prstDash val="solid"/>
+            <a:round/>
+            <a:headEnd type="none" w="lg" len="lg"/>
+            <a:tailEnd type="none" w="lg" len="lg"/>
+          </a:ln>
+        </p:spPr>
+      </p:cxnSp>
+      <p:cxnSp>
+        <p:nvCxnSpPr>
+          <p:cNvPr id="73" name="Shape 457">
+            <a:extLst>
+              <a:ext uri="{FF2B5EF4-FFF2-40B4-BE49-F238E27FC236}">
+                <a16:creationId xmlns:a16="http://schemas.microsoft.com/office/drawing/2014/main" id="{F4A585DD-F444-4260-886E-115C477BF043}"/>
+              </a:ext>
+            </a:extLst>
+          </p:cNvPr>
+          <p:cNvCxnSpPr>
+            <a:cxnSpLocks/>
+            <a:endCxn id="74" idx="0"/>
+          </p:cNvCxnSpPr>
+          <p:nvPr/>
+        </p:nvCxnSpPr>
+        <p:spPr>
+          <a:xfrm>
+            <a:off x="2380740" y="4854082"/>
+            <a:ext cx="0" cy="602428"/>
+          </a:xfrm>
+          <a:prstGeom prst="straightConnector1">
+            <a:avLst/>
+          </a:prstGeom>
+          <a:noFill/>
+          <a:ln w="25400" cap="flat" cmpd="sng">
+            <a:solidFill>
+              <a:srgbClr val="52ADC8"/>
+            </a:solidFill>
+            <a:prstDash val="solid"/>
+            <a:round/>
+            <a:headEnd type="none" w="lg" len="lg"/>
+            <a:tailEnd type="none" w="lg" len="lg"/>
+          </a:ln>
+        </p:spPr>
+      </p:cxnSp>
+      <p:cxnSp>
+        <p:nvCxnSpPr>
+          <p:cNvPr id="69" name="Shape 457">
+            <a:extLst>
+              <a:ext uri="{FF2B5EF4-FFF2-40B4-BE49-F238E27FC236}">
+                <a16:creationId xmlns:a16="http://schemas.microsoft.com/office/drawing/2014/main" id="{7C6FAD01-A53D-4274-BEE1-40974EE1722A}"/>
+              </a:ext>
+            </a:extLst>
+          </p:cNvPr>
+          <p:cNvCxnSpPr>
+            <a:cxnSpLocks/>
+            <a:endCxn id="70" idx="0"/>
+          </p:cNvCxnSpPr>
+          <p:nvPr/>
+        </p:nvCxnSpPr>
+        <p:spPr>
+          <a:xfrm>
+            <a:off x="2739877" y="4869160"/>
+            <a:ext cx="0" cy="602428"/>
+          </a:xfrm>
+          <a:prstGeom prst="straightConnector1">
+            <a:avLst/>
+          </a:prstGeom>
+          <a:noFill/>
+          <a:ln w="25400" cap="flat" cmpd="sng">
+            <a:solidFill>
+              <a:srgbClr val="52ADC8"/>
+            </a:solidFill>
+            <a:prstDash val="solid"/>
+            <a:round/>
+            <a:headEnd type="none" w="lg" len="lg"/>
+            <a:tailEnd type="none" w="lg" len="lg"/>
+          </a:ln>
+        </p:spPr>
+      </p:cxnSp>
+      <p:sp>
+        <p:nvSpPr>
+          <p:cNvPr id="2" name="Title 1">
+            <a:extLst>
+              <a:ext uri="{FF2B5EF4-FFF2-40B4-BE49-F238E27FC236}">
+                <a16:creationId xmlns:a16="http://schemas.microsoft.com/office/drawing/2014/main" id="{45E9DE83-486C-4C4A-935D-E6C2939940DD}"/>
+              </a:ext>
+            </a:extLst>
+          </p:cNvPr>
+          <p:cNvSpPr>
+            <a:spLocks noGrp="1"/>
+          </p:cNvSpPr>
+          <p:nvPr>
+            <p:ph type="title"/>
+          </p:nvPr>
+        </p:nvSpPr>
+        <p:spPr/>
+        <p:txBody>
+          <a:bodyPr/>
+          <a:lstStyle/>
+          <a:p>
+            <a:endParaRPr lang="en-SE"/>
+          </a:p>
+        </p:txBody>
+      </p:sp>
+      <p:sp>
+        <p:nvSpPr>
+          <p:cNvPr id="3" name="Content Placeholder 2">
+            <a:extLst>
+              <a:ext uri="{FF2B5EF4-FFF2-40B4-BE49-F238E27FC236}">
+                <a16:creationId xmlns:a16="http://schemas.microsoft.com/office/drawing/2014/main" id="{05CFDD98-0235-496B-A28C-53D8E5164A52}"/>
+              </a:ext>
+            </a:extLst>
+          </p:cNvPr>
+          <p:cNvSpPr>
+            <a:spLocks noGrp="1"/>
+          </p:cNvSpPr>
+          <p:nvPr>
+            <p:ph idx="1"/>
+          </p:nvPr>
+        </p:nvSpPr>
+        <p:spPr>
+          <a:xfrm>
+            <a:off x="152400" y="1285860"/>
+            <a:ext cx="8839200" cy="111275"/>
+          </a:xfrm>
+        </p:spPr>
+        <p:txBody>
+          <a:bodyPr>
+            <a:normAutofit fontScale="25000" lnSpcReduction="20000"/>
+          </a:bodyPr>
+          <a:lstStyle/>
+          <a:p>
+            <a:endParaRPr lang="en-SE"/>
+          </a:p>
+        </p:txBody>
+      </p:sp>
+      <mc:AlternateContent xmlns:mc="http://schemas.openxmlformats.org/markup-compatibility/2006" xmlns:a14="http://schemas.microsoft.com/office/drawing/2010/main">
+        <mc:Choice Requires="a14">
+          <p:sp>
+            <p:nvSpPr>
+              <p:cNvPr id="4" name="TextBox 3">
+                <a:extLst>
+                  <a:ext uri="{FF2B5EF4-FFF2-40B4-BE49-F238E27FC236}">
+                    <a16:creationId xmlns:a16="http://schemas.microsoft.com/office/drawing/2014/main" id="{622894F2-DD17-47AD-B91F-01403619D223}"/>
+                  </a:ext>
+                </a:extLst>
+              </p:cNvPr>
+              <p:cNvSpPr txBox="1"/>
+              <p:nvPr/>
+            </p:nvSpPr>
+            <p:spPr>
+              <a:xfrm>
+                <a:off x="7047444" y="522179"/>
+                <a:ext cx="2169387" cy="707886"/>
+              </a:xfrm>
+              <a:prstGeom prst="rect">
+                <a:avLst/>
+              </a:prstGeom>
+              <a:noFill/>
+            </p:spPr>
+            <p:txBody>
+              <a:bodyPr wrap="square" rtlCol="0">
+                <a:spAutoFit/>
+              </a:bodyPr>
+              <a:lstStyle/>
+              <a:p>
+                <a14:m>
+                  <m:oMath xmlns:m="http://schemas.openxmlformats.org/officeDocument/2006/math">
+                    <m:r>
+                      <a:rPr lang="en-US" sz="2000" b="0" i="1" smtClean="0">
+                        <a:latin typeface="Cambria Math" panose="02040503050406030204" pitchFamily="18" charset="0"/>
+                      </a:rPr>
+                      <m:t>𝜋</m:t>
+                    </m:r>
+                    <m:d>
+                      <m:dPr>
+                        <m:ctrlPr>
+                          <a:rPr lang="en-US" sz="2000" b="0" i="1" smtClean="0">
+                            <a:latin typeface="Cambria Math" panose="02040503050406030204" pitchFamily="18" charset="0"/>
+                          </a:rPr>
+                        </m:ctrlPr>
+                      </m:dPr>
+                      <m:e>
+                        <m:r>
+                          <a:rPr lang="en-US" sz="2000" b="0" i="1" smtClean="0">
+                            <a:latin typeface="Cambria Math" panose="02040503050406030204" pitchFamily="18" charset="0"/>
+                          </a:rPr>
+                          <m:t>𝑎</m:t>
+                        </m:r>
+                      </m:e>
+                      <m:e>
+                        <m:r>
+                          <a:rPr lang="en-US" sz="2000" b="0" i="1" smtClean="0">
+                            <a:latin typeface="Cambria Math" panose="02040503050406030204" pitchFamily="18" charset="0"/>
+                          </a:rPr>
+                          <m:t>𝑠</m:t>
+                        </m:r>
+                      </m:e>
+                    </m:d>
+                  </m:oMath>
+                </a14:m>
+                <a:r>
+                  <a:rPr lang="en-US" sz="2000" dirty="0"/>
+                  <a:t>: agent takes action </a:t>
+                </a:r>
+                <a14:m>
+                  <m:oMath xmlns:m="http://schemas.openxmlformats.org/officeDocument/2006/math">
+                    <m:r>
+                      <a:rPr lang="en-US" sz="2000" b="0" i="1" smtClean="0">
+                        <a:latin typeface="Cambria Math" panose="02040503050406030204" pitchFamily="18" charset="0"/>
+                      </a:rPr>
+                      <m:t>𝑎</m:t>
+                    </m:r>
+                  </m:oMath>
+                </a14:m>
+                <a:r>
+                  <a:rPr lang="en-US" sz="2000" dirty="0"/>
+                  <a:t> </a:t>
+                </a:r>
+                <a:endParaRPr lang="en-SE" sz="2000" dirty="0"/>
+              </a:p>
+            </p:txBody>
+          </p:sp>
+        </mc:Choice>
+        <mc:Fallback xmlns="">
+          <p:sp>
+            <p:nvSpPr>
+              <p:cNvPr id="4" name="TextBox 3">
+                <a:extLst>
+                  <a:ext uri="{FF2B5EF4-FFF2-40B4-BE49-F238E27FC236}">
+                    <a16:creationId xmlns:a16="http://schemas.microsoft.com/office/drawing/2014/main" id="{622894F2-DD17-47AD-B91F-01403619D223}"/>
+                  </a:ext>
+                </a:extLst>
+              </p:cNvPr>
+              <p:cNvSpPr txBox="1">
+                <a:spLocks noRot="1" noChangeAspect="1" noMove="1" noResize="1" noEditPoints="1" noAdjustHandles="1" noChangeArrowheads="1" noChangeShapeType="1" noTextEdit="1"/>
+              </p:cNvSpPr>
+              <p:nvPr/>
+            </p:nvSpPr>
+            <p:spPr>
+              <a:xfrm>
+                <a:off x="7047444" y="522179"/>
+                <a:ext cx="2169387" cy="707886"/>
+              </a:xfrm>
+              <a:prstGeom prst="rect">
+                <a:avLst/>
+              </a:prstGeom>
+              <a:blipFill>
+                <a:blip r:embed="rId2"/>
+                <a:stretch>
+                  <a:fillRect l="-2809" t="-5172" b="-14655"/>
+                </a:stretch>
+              </a:blipFill>
+            </p:spPr>
+            <p:txBody>
+              <a:bodyPr/>
+              <a:lstStyle/>
+              <a:p>
+                <a:r>
+                  <a:rPr lang="en-SE">
+                    <a:noFill/>
+                  </a:rPr>
+                  <a:t> </a:t>
+                </a:r>
+              </a:p>
+            </p:txBody>
+          </p:sp>
+        </mc:Fallback>
+      </mc:AlternateContent>
+      <mc:AlternateContent xmlns:mc="http://schemas.openxmlformats.org/markup-compatibility/2006" xmlns:a14="http://schemas.microsoft.com/office/drawing/2010/main">
+        <mc:Choice Requires="a14">
+          <p:sp>
+            <p:nvSpPr>
+              <p:cNvPr id="5" name="TextBox 4">
+                <a:extLst>
+                  <a:ext uri="{FF2B5EF4-FFF2-40B4-BE49-F238E27FC236}">
+                    <a16:creationId xmlns:a16="http://schemas.microsoft.com/office/drawing/2014/main" id="{B359A87C-E62C-431F-99BD-6EEDF680A458}"/>
+                  </a:ext>
+                </a:extLst>
+              </p:cNvPr>
+              <p:cNvSpPr txBox="1"/>
+              <p:nvPr/>
+            </p:nvSpPr>
+            <p:spPr>
+              <a:xfrm>
+                <a:off x="7065338" y="1239024"/>
+                <a:ext cx="2133601" cy="1323439"/>
+              </a:xfrm>
+              <a:prstGeom prst="rect">
+                <a:avLst/>
+              </a:prstGeom>
+              <a:noFill/>
+            </p:spPr>
+            <p:txBody>
+              <a:bodyPr wrap="square" rtlCol="0">
+                <a:spAutoFit/>
+              </a:bodyPr>
+              <a:lstStyle/>
+              <a:p>
+                <a14:m>
+                  <m:oMath xmlns:m="http://schemas.openxmlformats.org/officeDocument/2006/math">
+                    <m:r>
+                      <a:rPr lang="en-US" sz="2000" i="1" smtClean="0">
+                        <a:latin typeface="Cambria Math" panose="02040503050406030204" pitchFamily="18" charset="0"/>
+                      </a:rPr>
+                      <m:t>𝑝</m:t>
+                    </m:r>
+                    <m:d>
+                      <m:dPr>
+                        <m:ctrlPr>
+                          <a:rPr lang="en-US" sz="2000" i="1">
+                            <a:latin typeface="Cambria Math" panose="02040503050406030204" pitchFamily="18" charset="0"/>
+                          </a:rPr>
+                        </m:ctrlPr>
+                      </m:dPr>
+                      <m:e>
+                        <m:r>
+                          <a:rPr lang="en-US" sz="2000" i="1">
+                            <a:latin typeface="Cambria Math" panose="02040503050406030204" pitchFamily="18" charset="0"/>
+                          </a:rPr>
+                          <m:t>𝑟</m:t>
+                        </m:r>
+                        <m:r>
+                          <a:rPr lang="en-US" sz="2000" i="1">
+                            <a:latin typeface="Cambria Math" panose="02040503050406030204" pitchFamily="18" charset="0"/>
+                          </a:rPr>
+                          <m:t>,</m:t>
+                        </m:r>
+                        <m:r>
+                          <a:rPr lang="en-US" sz="2000" i="1">
+                            <a:latin typeface="Cambria Math" panose="02040503050406030204" pitchFamily="18" charset="0"/>
+                          </a:rPr>
+                          <m:t>𝑠</m:t>
+                        </m:r>
+                        <m:r>
+                          <a:rPr lang="en-US" sz="2000" i="1">
+                            <a:latin typeface="Cambria Math" panose="02040503050406030204" pitchFamily="18" charset="0"/>
+                          </a:rPr>
+                          <m:t>′</m:t>
+                        </m:r>
+                      </m:e>
+                      <m:e>
+                        <m:r>
+                          <a:rPr lang="en-US" sz="2000" i="1">
+                            <a:latin typeface="Cambria Math" panose="02040503050406030204" pitchFamily="18" charset="0"/>
+                          </a:rPr>
+                          <m:t>𝑠</m:t>
+                        </m:r>
+                        <m:r>
+                          <a:rPr lang="en-US" sz="2000" i="1">
+                            <a:latin typeface="Cambria Math" panose="02040503050406030204" pitchFamily="18" charset="0"/>
+                          </a:rPr>
+                          <m:t>,</m:t>
+                        </m:r>
+                        <m:r>
+                          <a:rPr lang="en-US" sz="2000" i="1">
+                            <a:latin typeface="Cambria Math" panose="02040503050406030204" pitchFamily="18" charset="0"/>
+                          </a:rPr>
+                          <m:t>𝑎</m:t>
+                        </m:r>
+                      </m:e>
+                    </m:d>
+                  </m:oMath>
+                </a14:m>
+                <a:r>
+                  <a:rPr lang="en-US" sz="2000" dirty="0"/>
+                  <a:t>: env gives reward </a:t>
+                </a:r>
+                <a14:m>
+                  <m:oMath xmlns:m="http://schemas.openxmlformats.org/officeDocument/2006/math">
+                    <m:r>
+                      <a:rPr lang="en-US" sz="2000" b="0" i="1" smtClean="0">
+                        <a:latin typeface="Cambria Math" panose="02040503050406030204" pitchFamily="18" charset="0"/>
+                      </a:rPr>
+                      <m:t>𝑟</m:t>
+                    </m:r>
+                  </m:oMath>
+                </a14:m>
+                <a:r>
+                  <a:rPr lang="en-US" sz="2000" dirty="0"/>
+                  <a:t> and moves agent to </a:t>
+                </a:r>
+                <a14:m>
+                  <m:oMath xmlns:m="http://schemas.openxmlformats.org/officeDocument/2006/math">
+                    <m:r>
+                      <a:rPr lang="en-US" sz="2000" b="0" i="1" smtClean="0">
+                        <a:latin typeface="Cambria Math" panose="02040503050406030204" pitchFamily="18" charset="0"/>
+                      </a:rPr>
+                      <m:t>𝑠</m:t>
+                    </m:r>
+                    <m:r>
+                      <a:rPr lang="en-US" sz="2000" b="0" i="1" smtClean="0">
+                        <a:latin typeface="Cambria Math" panose="02040503050406030204" pitchFamily="18" charset="0"/>
+                      </a:rPr>
+                      <m:t>′</m:t>
+                    </m:r>
+                  </m:oMath>
+                </a14:m>
+                <a:endParaRPr lang="en-SE" sz="2000" dirty="0"/>
+              </a:p>
+            </p:txBody>
+          </p:sp>
+        </mc:Choice>
+        <mc:Fallback xmlns="">
+          <p:sp>
+            <p:nvSpPr>
+              <p:cNvPr id="5" name="TextBox 4">
+                <a:extLst>
+                  <a:ext uri="{FF2B5EF4-FFF2-40B4-BE49-F238E27FC236}">
+                    <a16:creationId xmlns:a16="http://schemas.microsoft.com/office/drawing/2014/main" id="{B359A87C-E62C-431F-99BD-6EEDF680A458}"/>
+                  </a:ext>
+                </a:extLst>
+              </p:cNvPr>
+              <p:cNvSpPr txBox="1">
+                <a:spLocks noRot="1" noChangeAspect="1" noMove="1" noResize="1" noEditPoints="1" noAdjustHandles="1" noChangeArrowheads="1" noChangeShapeType="1" noTextEdit="1"/>
+              </p:cNvSpPr>
+              <p:nvPr/>
+            </p:nvSpPr>
+            <p:spPr>
+              <a:xfrm>
+                <a:off x="7065338" y="1239024"/>
+                <a:ext cx="2133601" cy="1323439"/>
+              </a:xfrm>
+              <a:prstGeom prst="rect">
+                <a:avLst/>
+              </a:prstGeom>
+              <a:blipFill>
+                <a:blip r:embed="rId3"/>
+                <a:stretch>
+                  <a:fillRect l="-2857" t="-2304" r="-5143"/>
+                </a:stretch>
+              </a:blipFill>
+            </p:spPr>
+            <p:txBody>
+              <a:bodyPr/>
+              <a:lstStyle/>
+              <a:p>
+                <a:r>
+                  <a:rPr lang="en-SE">
+                    <a:noFill/>
+                  </a:rPr>
+                  <a:t> </a:t>
+                </a:r>
+              </a:p>
+            </p:txBody>
+          </p:sp>
+        </mc:Fallback>
+      </mc:AlternateContent>
+      <p:cxnSp>
+        <p:nvCxnSpPr>
+          <p:cNvPr id="6" name="Straight Arrow Connector 5">
+            <a:extLst>
+              <a:ext uri="{FF2B5EF4-FFF2-40B4-BE49-F238E27FC236}">
+                <a16:creationId xmlns:a16="http://schemas.microsoft.com/office/drawing/2014/main" id="{71EA4102-8030-4373-9FF2-8B083B660BDD}"/>
+              </a:ext>
+            </a:extLst>
+          </p:cNvPr>
+          <p:cNvCxnSpPr>
+            <a:cxnSpLocks/>
+          </p:cNvCxnSpPr>
+          <p:nvPr/>
+        </p:nvCxnSpPr>
+        <p:spPr bwMode="auto">
+          <a:xfrm flipH="1">
+            <a:off x="6299668" y="1123096"/>
+            <a:ext cx="674945" cy="408125"/>
+          </a:xfrm>
+          <a:prstGeom prst="straightConnector1">
+            <a:avLst/>
+          </a:prstGeom>
+          <a:noFill/>
+          <a:ln w="25400" cap="flat" cmpd="sng" algn="ctr">
+            <a:solidFill>
+              <a:srgbClr val="C00000"/>
+            </a:solidFill>
+            <a:prstDash val="solid"/>
+            <a:round/>
+            <a:headEnd type="none" w="med" len="med"/>
+            <a:tailEnd type="triangle"/>
+          </a:ln>
+          <a:effectLst/>
+        </p:spPr>
+      </p:cxnSp>
+      <p:cxnSp>
+        <p:nvCxnSpPr>
+          <p:cNvPr id="7" name="Straight Arrow Connector 6">
+            <a:extLst>
+              <a:ext uri="{FF2B5EF4-FFF2-40B4-BE49-F238E27FC236}">
+                <a16:creationId xmlns:a16="http://schemas.microsoft.com/office/drawing/2014/main" id="{645AEE30-E8AB-41F1-B178-B0EC30AD7154}"/>
+              </a:ext>
+            </a:extLst>
+          </p:cNvPr>
+          <p:cNvCxnSpPr>
+            <a:cxnSpLocks/>
+          </p:cNvCxnSpPr>
+          <p:nvPr/>
+        </p:nvCxnSpPr>
+        <p:spPr bwMode="auto">
+          <a:xfrm flipH="1">
+            <a:off x="6713303" y="1900743"/>
+            <a:ext cx="379190" cy="254944"/>
+          </a:xfrm>
+          <a:prstGeom prst="straightConnector1">
+            <a:avLst/>
+          </a:prstGeom>
+          <a:noFill/>
+          <a:ln w="25400" cap="flat" cmpd="sng" algn="ctr">
+            <a:solidFill>
+              <a:srgbClr val="C00000"/>
+            </a:solidFill>
+            <a:prstDash val="solid"/>
+            <a:round/>
+            <a:headEnd type="none" w="med" len="med"/>
+            <a:tailEnd type="triangle"/>
+          </a:ln>
+          <a:effectLst/>
+        </p:spPr>
+      </p:cxnSp>
+      <p:grpSp>
+        <p:nvGrpSpPr>
+          <p:cNvPr id="8" name="Group 7">
+            <a:extLst>
+              <a:ext uri="{FF2B5EF4-FFF2-40B4-BE49-F238E27FC236}">
+                <a16:creationId xmlns:a16="http://schemas.microsoft.com/office/drawing/2014/main" id="{1383A769-240A-4B9D-82D2-84C0681BC30F}"/>
+              </a:ext>
+            </a:extLst>
+          </p:cNvPr>
+          <p:cNvGrpSpPr/>
+          <p:nvPr/>
+        </p:nvGrpSpPr>
+        <p:grpSpPr>
+          <a:xfrm>
+            <a:off x="4343400" y="864158"/>
+            <a:ext cx="2683156" cy="2190541"/>
+            <a:chOff x="3112689" y="3534139"/>
+            <a:chExt cx="2683156" cy="2190541"/>
+          </a:xfrm>
+        </p:grpSpPr>
+        <p:grpSp>
+          <p:nvGrpSpPr>
+            <p:cNvPr id="9" name="Group 8">
+              <a:extLst>
+                <a:ext uri="{FF2B5EF4-FFF2-40B4-BE49-F238E27FC236}">
+                  <a16:creationId xmlns:a16="http://schemas.microsoft.com/office/drawing/2014/main" id="{E038452C-1961-4BB9-A50A-9908F579030F}"/>
+                </a:ext>
+              </a:extLst>
+            </p:cNvPr>
+            <p:cNvGrpSpPr/>
+            <p:nvPr/>
+          </p:nvGrpSpPr>
+          <p:grpSpPr>
+            <a:xfrm>
+              <a:off x="3590310" y="3782139"/>
+              <a:ext cx="2205535" cy="1637740"/>
+              <a:chOff x="1383845" y="2000896"/>
+              <a:chExt cx="1729274" cy="1284088"/>
+            </a:xfrm>
+          </p:grpSpPr>
+          <p:cxnSp>
+            <p:nvCxnSpPr>
+              <p:cNvPr id="14" name="Shape 457">
+                <a:extLst>
+                  <a:ext uri="{FF2B5EF4-FFF2-40B4-BE49-F238E27FC236}">
+                    <a16:creationId xmlns:a16="http://schemas.microsoft.com/office/drawing/2014/main" id="{7A53D041-F5DB-49BE-8C8D-D68DD2138A1D}"/>
+                  </a:ext>
+                </a:extLst>
+              </p:cNvPr>
+              <p:cNvCxnSpPr/>
+              <p:nvPr/>
+            </p:nvCxnSpPr>
+            <p:spPr>
+              <a:xfrm flipH="1">
+                <a:off x="2482560" y="2623064"/>
+                <a:ext cx="207976" cy="661920"/>
+              </a:xfrm>
+              <a:prstGeom prst="straightConnector1">
+                <a:avLst/>
+              </a:prstGeom>
+              <a:noFill/>
+              <a:ln w="25400" cap="flat" cmpd="sng">
+                <a:solidFill>
+                  <a:srgbClr val="52ADC8"/>
+                </a:solidFill>
+                <a:prstDash val="solid"/>
+                <a:round/>
+                <a:headEnd type="none" w="lg" len="lg"/>
+                <a:tailEnd type="none" w="lg" len="lg"/>
+              </a:ln>
+            </p:spPr>
+          </p:cxnSp>
+          <p:cxnSp>
+            <p:nvCxnSpPr>
+              <p:cNvPr id="15" name="Shape 457">
+                <a:extLst>
+                  <a:ext uri="{FF2B5EF4-FFF2-40B4-BE49-F238E27FC236}">
+                    <a16:creationId xmlns:a16="http://schemas.microsoft.com/office/drawing/2014/main" id="{4A780DDC-EFED-4569-9DB0-86B7696DC5A3}"/>
+                  </a:ext>
+                </a:extLst>
+              </p:cNvPr>
+              <p:cNvCxnSpPr/>
+              <p:nvPr/>
+            </p:nvCxnSpPr>
+            <p:spPr>
+              <a:xfrm>
+                <a:off x="2353072" y="2000896"/>
+                <a:ext cx="760047" cy="1284088"/>
+              </a:xfrm>
+              <a:prstGeom prst="straightConnector1">
+                <a:avLst/>
+              </a:prstGeom>
+              <a:noFill/>
+              <a:ln w="25400" cap="flat" cmpd="sng">
+                <a:solidFill>
+                  <a:srgbClr val="52ADC8"/>
+                </a:solidFill>
+                <a:prstDash val="solid"/>
+                <a:round/>
+                <a:headEnd type="none" w="lg" len="lg"/>
+                <a:tailEnd type="none" w="lg" len="lg"/>
+              </a:ln>
+            </p:spPr>
+          </p:cxnSp>
+          <p:cxnSp>
+            <p:nvCxnSpPr>
+              <p:cNvPr id="16" name="Shape 457">
+                <a:extLst>
+                  <a:ext uri="{FF2B5EF4-FFF2-40B4-BE49-F238E27FC236}">
+                    <a16:creationId xmlns:a16="http://schemas.microsoft.com/office/drawing/2014/main" id="{8979DAE3-49F2-4CD4-AC73-65DECBB06A89}"/>
+                  </a:ext>
+                </a:extLst>
+              </p:cNvPr>
+              <p:cNvCxnSpPr/>
+              <p:nvPr/>
+            </p:nvCxnSpPr>
+            <p:spPr>
+              <a:xfrm flipH="1">
+                <a:off x="1383845" y="2000896"/>
+                <a:ext cx="778706" cy="1284088"/>
+              </a:xfrm>
+              <a:prstGeom prst="straightConnector1">
+                <a:avLst/>
+              </a:prstGeom>
+              <a:noFill/>
+              <a:ln w="25400" cap="flat" cmpd="sng">
+                <a:solidFill>
+                  <a:srgbClr val="52ADC8"/>
+                </a:solidFill>
+                <a:prstDash val="solid"/>
+                <a:round/>
+                <a:headEnd type="none" w="lg" len="lg"/>
+                <a:tailEnd type="none" w="lg" len="lg"/>
+              </a:ln>
+            </p:spPr>
+          </p:cxnSp>
+          <p:cxnSp>
+            <p:nvCxnSpPr>
+              <p:cNvPr id="17" name="Shape 457">
+                <a:extLst>
+                  <a:ext uri="{FF2B5EF4-FFF2-40B4-BE49-F238E27FC236}">
+                    <a16:creationId xmlns:a16="http://schemas.microsoft.com/office/drawing/2014/main" id="{1C017FF4-5BB2-4E4E-A5FE-7496946F8167}"/>
+                  </a:ext>
+                </a:extLst>
+              </p:cNvPr>
+              <p:cNvCxnSpPr/>
+              <p:nvPr/>
+            </p:nvCxnSpPr>
+            <p:spPr>
+              <a:xfrm>
+                <a:off x="1787729" y="2623064"/>
+                <a:ext cx="244188" cy="661920"/>
+              </a:xfrm>
+              <a:prstGeom prst="straightConnector1">
+                <a:avLst/>
+              </a:prstGeom>
+              <a:noFill/>
+              <a:ln w="25400" cap="flat" cmpd="sng">
+                <a:solidFill>
+                  <a:srgbClr val="52ADC8"/>
+                </a:solidFill>
+                <a:prstDash val="solid"/>
+                <a:round/>
+                <a:headEnd type="none" w="lg" len="lg"/>
+                <a:tailEnd type="none" w="lg" len="lg"/>
+              </a:ln>
+            </p:spPr>
+          </p:cxnSp>
+        </p:grpSp>
+        <p:pic>
+          <p:nvPicPr>
+            <p:cNvPr id="10" name="Picture 9">
+              <a:extLst>
+                <a:ext uri="{FF2B5EF4-FFF2-40B4-BE49-F238E27FC236}">
+                  <a16:creationId xmlns:a16="http://schemas.microsoft.com/office/drawing/2014/main" id="{84627B7C-D82E-4D0C-A7C3-01079A1E94C5}"/>
+                </a:ext>
+              </a:extLst>
+            </p:cNvPr>
+            <p:cNvPicPr>
+              <a:picLocks noChangeAspect="1"/>
+            </p:cNvPicPr>
+            <p:nvPr/>
+          </p:nvPicPr>
+          <p:blipFill>
+            <a:blip r:embed="rId4"/>
+            <a:stretch>
+              <a:fillRect/>
+            </a:stretch>
+          </p:blipFill>
+          <p:spPr>
+            <a:xfrm>
+              <a:off x="3568605" y="4993687"/>
+              <a:ext cx="165100" cy="165100"/>
+            </a:xfrm>
+            <a:prstGeom prst="rect">
+              <a:avLst/>
+            </a:prstGeom>
+          </p:spPr>
+        </p:pic>
+        <p:pic>
+          <p:nvPicPr>
+            <p:cNvPr id="11" name="Picture 10">
+              <a:extLst>
+                <a:ext uri="{FF2B5EF4-FFF2-40B4-BE49-F238E27FC236}">
+                  <a16:creationId xmlns:a16="http://schemas.microsoft.com/office/drawing/2014/main" id="{41822FEE-8202-4BA7-AF84-0E4117F42F8B}"/>
+                </a:ext>
+              </a:extLst>
+            </p:cNvPr>
+            <p:cNvPicPr>
+              <a:picLocks noChangeAspect="1"/>
+            </p:cNvPicPr>
+            <p:nvPr/>
+          </p:nvPicPr>
+          <p:blipFill>
+            <a:blip r:embed="rId5"/>
+            <a:stretch>
+              <a:fillRect/>
+            </a:stretch>
+          </p:blipFill>
+          <p:spPr>
+            <a:xfrm>
+              <a:off x="3112689" y="5419880"/>
+              <a:ext cx="241300" cy="304800"/>
+            </a:xfrm>
+            <a:prstGeom prst="rect">
+              <a:avLst/>
+            </a:prstGeom>
+          </p:spPr>
+        </p:pic>
+        <p:pic>
+          <p:nvPicPr>
+            <p:cNvPr id="12" name="Picture 11">
+              <a:extLst>
+                <a:ext uri="{FF2B5EF4-FFF2-40B4-BE49-F238E27FC236}">
+                  <a16:creationId xmlns:a16="http://schemas.microsoft.com/office/drawing/2014/main" id="{0AC02871-82D3-4B46-816C-B252BA17FA3F}"/>
+                </a:ext>
+              </a:extLst>
+            </p:cNvPr>
+            <p:cNvPicPr>
+              <a:picLocks noChangeAspect="1"/>
+            </p:cNvPicPr>
+            <p:nvPr/>
+          </p:nvPicPr>
+          <p:blipFill>
+            <a:blip r:embed="rId6"/>
+            <a:stretch>
+              <a:fillRect/>
+            </a:stretch>
+          </p:blipFill>
+          <p:spPr>
+            <a:xfrm>
+              <a:off x="3621490" y="4496911"/>
+              <a:ext cx="177800" cy="165100"/>
+            </a:xfrm>
+            <a:prstGeom prst="rect">
+              <a:avLst/>
+            </a:prstGeom>
+          </p:spPr>
+        </p:pic>
+        <p:pic>
+          <p:nvPicPr>
+            <p:cNvPr id="13" name="Picture 12">
+              <a:extLst>
+                <a:ext uri="{FF2B5EF4-FFF2-40B4-BE49-F238E27FC236}">
+                  <a16:creationId xmlns:a16="http://schemas.microsoft.com/office/drawing/2014/main" id="{5D1EB529-87F9-40AD-8BAD-568325CA46B8}"/>
+                </a:ext>
+              </a:extLst>
+            </p:cNvPr>
+            <p:cNvPicPr>
+              <a:picLocks noChangeAspect="1"/>
+            </p:cNvPicPr>
+            <p:nvPr/>
+          </p:nvPicPr>
+          <p:blipFill>
+            <a:blip r:embed="rId7"/>
+            <a:stretch>
+              <a:fillRect/>
+            </a:stretch>
+          </p:blipFill>
+          <p:spPr>
+            <a:xfrm>
+              <a:off x="4312561" y="3534139"/>
+              <a:ext cx="139700" cy="165100"/>
+            </a:xfrm>
+            <a:prstGeom prst="rect">
+              <a:avLst/>
+            </a:prstGeom>
+          </p:spPr>
+        </p:pic>
+      </p:grpSp>
+      <p:pic>
+        <p:nvPicPr>
+          <p:cNvPr id="18" name="Picture 17">
+            <a:extLst>
+              <a:ext uri="{FF2B5EF4-FFF2-40B4-BE49-F238E27FC236}">
+                <a16:creationId xmlns:a16="http://schemas.microsoft.com/office/drawing/2014/main" id="{1A178584-8832-408B-8209-B9DFF89078E7}"/>
+              </a:ext>
+            </a:extLst>
+          </p:cNvPr>
+          <p:cNvPicPr>
+            <a:picLocks noChangeAspect="1"/>
+          </p:cNvPicPr>
+          <p:nvPr/>
+        </p:nvPicPr>
+        <p:blipFill>
+          <a:blip r:embed="rId8"/>
+          <a:stretch>
+            <a:fillRect/>
+          </a:stretch>
+        </p:blipFill>
+        <p:spPr>
+          <a:xfrm>
+            <a:off x="7418127" y="2694822"/>
+            <a:ext cx="850900" cy="381000"/>
+          </a:xfrm>
+          <a:prstGeom prst="rect">
+            <a:avLst/>
+          </a:prstGeom>
+        </p:spPr>
+      </p:pic>
+      <p:pic>
+        <p:nvPicPr>
+          <p:cNvPr id="19" name="Picture 18">
+            <a:extLst>
+              <a:ext uri="{FF2B5EF4-FFF2-40B4-BE49-F238E27FC236}">
+                <a16:creationId xmlns:a16="http://schemas.microsoft.com/office/drawing/2014/main" id="{92E03769-52EB-415B-A474-C032EB65329D}"/>
+              </a:ext>
+            </a:extLst>
+          </p:cNvPr>
+          <p:cNvPicPr>
+            <a:picLocks noChangeAspect="1"/>
+          </p:cNvPicPr>
+          <p:nvPr/>
+        </p:nvPicPr>
+        <p:blipFill>
+          <a:blip r:embed="rId9"/>
+          <a:stretch>
+            <a:fillRect/>
+          </a:stretch>
+        </p:blipFill>
+        <p:spPr>
+          <a:xfrm>
+            <a:off x="6214091" y="760222"/>
+            <a:ext cx="749300" cy="368300"/>
+          </a:xfrm>
+          <a:prstGeom prst="rect">
+            <a:avLst/>
+          </a:prstGeom>
+        </p:spPr>
+      </p:pic>
+      <p:sp>
+        <p:nvSpPr>
+          <p:cNvPr id="20" name="Shape 452">
+            <a:extLst>
+              <a:ext uri="{FF2B5EF4-FFF2-40B4-BE49-F238E27FC236}">
+                <a16:creationId xmlns:a16="http://schemas.microsoft.com/office/drawing/2014/main" id="{E6BC161A-3D33-4921-9EF0-20132E058D6B}"/>
+              </a:ext>
+            </a:extLst>
+          </p:cNvPr>
+          <p:cNvSpPr/>
+          <p:nvPr/>
+        </p:nvSpPr>
+        <p:spPr>
+          <a:xfrm>
+            <a:off x="6344326" y="1699582"/>
+            <a:ext cx="343643" cy="343643"/>
+          </a:xfrm>
+          <a:prstGeom prst="ellipse">
+            <a:avLst/>
+          </a:prstGeom>
+          <a:solidFill>
+            <a:srgbClr val="306C8D"/>
+          </a:solidFill>
+          <a:ln w="9525" cap="flat" cmpd="sng">
+            <a:noFill/>
+            <a:prstDash val="solid"/>
+            <a:round/>
+            <a:headEnd type="none" w="med" len="med"/>
+            <a:tailEnd type="none" w="med" len="med"/>
+          </a:ln>
+        </p:spPr>
+        <p:txBody>
+          <a:bodyPr wrap="square" lIns="91425" tIns="91425" rIns="91425" bIns="91425" anchor="ctr" anchorCtr="0">
+            <a:noAutofit/>
+          </a:bodyPr>
+          <a:lstStyle/>
+          <a:p>
+            <a:pPr lvl="0">
+              <a:spcBef>
+                <a:spcPts val="0"/>
+              </a:spcBef>
+              <a:buNone/>
+            </a:pPr>
+            <a:endParaRPr/>
+          </a:p>
+        </p:txBody>
+      </p:sp>
+      <p:sp>
+        <p:nvSpPr>
+          <p:cNvPr id="21" name="Circle">
+            <a:extLst>
+              <a:ext uri="{FF2B5EF4-FFF2-40B4-BE49-F238E27FC236}">
+                <a16:creationId xmlns:a16="http://schemas.microsoft.com/office/drawing/2014/main" id="{909AEFD6-A254-4D0B-B5E6-CB301EF0882A}"/>
+              </a:ext>
+            </a:extLst>
+          </p:cNvPr>
+          <p:cNvSpPr/>
+          <p:nvPr/>
+        </p:nvSpPr>
+        <p:spPr>
+          <a:xfrm>
+            <a:off x="5732335" y="703075"/>
+            <a:ext cx="456301" cy="456301"/>
+          </a:xfrm>
+          <a:prstGeom prst="ellipse">
+            <a:avLst/>
+          </a:prstGeom>
+          <a:solidFill>
+            <a:srgbClr val="42997E"/>
+          </a:solidFill>
+          <a:ln w="12700">
+            <a:miter lim="400000"/>
+          </a:ln>
+        </p:spPr>
+        <p:txBody>
+          <a:bodyPr lIns="50800" tIns="50800" rIns="50800" bIns="50800" anchor="ctr"/>
+          <a:lstStyle/>
+          <a:p>
+            <a:pPr>
+              <a:defRPr sz="2200" b="0">
+                <a:solidFill>
+                  <a:srgbClr val="FFFFFF"/>
+                </a:solidFill>
+                <a:latin typeface="+mn-lt"/>
+                <a:ea typeface="+mn-ea"/>
+                <a:cs typeface="+mn-cs"/>
+                <a:sym typeface="Helvetica Neue Medium"/>
+              </a:defRPr>
+            </a:pPr>
+            <a:endParaRPr/>
+          </a:p>
+        </p:txBody>
+      </p:sp>
+      <p:sp>
+        <p:nvSpPr>
+          <p:cNvPr id="22" name="Circle">
+            <a:extLst>
+              <a:ext uri="{FF2B5EF4-FFF2-40B4-BE49-F238E27FC236}">
+                <a16:creationId xmlns:a16="http://schemas.microsoft.com/office/drawing/2014/main" id="{9E12CF94-1CC3-40A5-8B74-423244AB32AB}"/>
+              </a:ext>
+            </a:extLst>
+          </p:cNvPr>
+          <p:cNvSpPr/>
+          <p:nvPr/>
+        </p:nvSpPr>
+        <p:spPr>
+          <a:xfrm>
+            <a:off x="6802484" y="2659295"/>
+            <a:ext cx="456301" cy="456301"/>
+          </a:xfrm>
+          <a:prstGeom prst="ellipse">
+            <a:avLst/>
+          </a:prstGeom>
+          <a:solidFill>
+            <a:srgbClr val="42997E"/>
+          </a:solidFill>
+          <a:ln w="12700">
+            <a:miter lim="400000"/>
+          </a:ln>
+        </p:spPr>
+        <p:txBody>
+          <a:bodyPr lIns="50800" tIns="50800" rIns="50800" bIns="50800" anchor="ctr"/>
+          <a:lstStyle/>
+          <a:p>
+            <a:pPr>
+              <a:defRPr sz="2200" b="0">
+                <a:solidFill>
+                  <a:srgbClr val="FFFFFF"/>
+                </a:solidFill>
+                <a:latin typeface="+mn-lt"/>
+                <a:ea typeface="+mn-ea"/>
+                <a:cs typeface="+mn-cs"/>
+                <a:sym typeface="Helvetica Neue Medium"/>
+              </a:defRPr>
+            </a:pPr>
+            <a:endParaRPr/>
+          </a:p>
+        </p:txBody>
+      </p:sp>
+      <p:sp>
+        <p:nvSpPr>
+          <p:cNvPr id="23" name="Circle">
+            <a:extLst>
+              <a:ext uri="{FF2B5EF4-FFF2-40B4-BE49-F238E27FC236}">
+                <a16:creationId xmlns:a16="http://schemas.microsoft.com/office/drawing/2014/main" id="{EAEC7DFF-4747-4565-A934-B5CA5C3922B4}"/>
+              </a:ext>
+            </a:extLst>
+          </p:cNvPr>
+          <p:cNvSpPr/>
+          <p:nvPr/>
+        </p:nvSpPr>
+        <p:spPr>
+          <a:xfrm>
+            <a:off x="6013005" y="2662984"/>
+            <a:ext cx="456301" cy="456301"/>
+          </a:xfrm>
+          <a:prstGeom prst="ellipse">
+            <a:avLst/>
+          </a:prstGeom>
+          <a:solidFill>
+            <a:srgbClr val="42997E"/>
+          </a:solidFill>
+          <a:ln w="12700">
+            <a:miter lim="400000"/>
+          </a:ln>
+        </p:spPr>
+        <p:txBody>
+          <a:bodyPr lIns="50800" tIns="50800" rIns="50800" bIns="50800" anchor="ctr"/>
+          <a:lstStyle/>
+          <a:p>
+            <a:pPr>
+              <a:defRPr sz="2200" b="0">
+                <a:solidFill>
+                  <a:srgbClr val="FFFFFF"/>
+                </a:solidFill>
+                <a:latin typeface="+mn-lt"/>
+                <a:ea typeface="+mn-ea"/>
+                <a:cs typeface="+mn-cs"/>
+                <a:sym typeface="Helvetica Neue Medium"/>
+              </a:defRPr>
+            </a:pPr>
+            <a:endParaRPr/>
+          </a:p>
+        </p:txBody>
+      </p:sp>
+      <p:sp>
+        <p:nvSpPr>
+          <p:cNvPr id="24" name="Circle">
+            <a:extLst>
+              <a:ext uri="{FF2B5EF4-FFF2-40B4-BE49-F238E27FC236}">
+                <a16:creationId xmlns:a16="http://schemas.microsoft.com/office/drawing/2014/main" id="{55FF744C-C860-4FCD-AE6C-A8B6461F4DD6}"/>
+              </a:ext>
+            </a:extLst>
+          </p:cNvPr>
+          <p:cNvSpPr/>
+          <p:nvPr/>
+        </p:nvSpPr>
+        <p:spPr>
+          <a:xfrm>
+            <a:off x="5440174" y="2653737"/>
+            <a:ext cx="456301" cy="456301"/>
+          </a:xfrm>
+          <a:prstGeom prst="ellipse">
+            <a:avLst/>
+          </a:prstGeom>
+          <a:solidFill>
+            <a:srgbClr val="42997E"/>
+          </a:solidFill>
+          <a:ln w="12700">
+            <a:miter lim="400000"/>
+          </a:ln>
+        </p:spPr>
+        <p:txBody>
+          <a:bodyPr lIns="50800" tIns="50800" rIns="50800" bIns="50800" anchor="ctr"/>
+          <a:lstStyle/>
+          <a:p>
+            <a:pPr>
+              <a:defRPr sz="2200" b="0">
+                <a:solidFill>
+                  <a:srgbClr val="FFFFFF"/>
+                </a:solidFill>
+                <a:latin typeface="+mn-lt"/>
+                <a:ea typeface="+mn-ea"/>
+                <a:cs typeface="+mn-cs"/>
+                <a:sym typeface="Helvetica Neue Medium"/>
+              </a:defRPr>
+            </a:pPr>
+            <a:endParaRPr/>
+          </a:p>
+        </p:txBody>
+      </p:sp>
+      <p:sp>
+        <p:nvSpPr>
+          <p:cNvPr id="25" name="Circle">
+            <a:extLst>
+              <a:ext uri="{FF2B5EF4-FFF2-40B4-BE49-F238E27FC236}">
+                <a16:creationId xmlns:a16="http://schemas.microsoft.com/office/drawing/2014/main" id="{DD897DD2-F6B4-4E13-933D-9C255E7FCEC0}"/>
+              </a:ext>
+            </a:extLst>
+          </p:cNvPr>
+          <p:cNvSpPr/>
+          <p:nvPr/>
+        </p:nvSpPr>
+        <p:spPr>
+          <a:xfrm>
+            <a:off x="4606001" y="2661994"/>
+            <a:ext cx="456301" cy="456301"/>
+          </a:xfrm>
+          <a:prstGeom prst="ellipse">
+            <a:avLst/>
+          </a:prstGeom>
+          <a:solidFill>
+            <a:srgbClr val="42997E"/>
+          </a:solidFill>
+          <a:ln w="12700">
+            <a:miter lim="400000"/>
+          </a:ln>
+        </p:spPr>
+        <p:txBody>
+          <a:bodyPr lIns="50800" tIns="50800" rIns="50800" bIns="50800" anchor="ctr"/>
+          <a:lstStyle/>
+          <a:p>
+            <a:pPr>
+              <a:defRPr sz="2200" b="0">
+                <a:solidFill>
+                  <a:srgbClr val="FFFFFF"/>
+                </a:solidFill>
+                <a:latin typeface="+mn-lt"/>
+                <a:ea typeface="+mn-ea"/>
+                <a:cs typeface="+mn-cs"/>
+                <a:sym typeface="Helvetica Neue Medium"/>
+              </a:defRPr>
+            </a:pPr>
+            <a:endParaRPr/>
+          </a:p>
+        </p:txBody>
+      </p:sp>
+      <p:sp>
+        <p:nvSpPr>
+          <p:cNvPr id="26" name="Shape 452">
+            <a:extLst>
+              <a:ext uri="{FF2B5EF4-FFF2-40B4-BE49-F238E27FC236}">
+                <a16:creationId xmlns:a16="http://schemas.microsoft.com/office/drawing/2014/main" id="{133D497A-FA6A-46EB-BC90-875BEA2715B5}"/>
+              </a:ext>
+            </a:extLst>
+          </p:cNvPr>
+          <p:cNvSpPr/>
+          <p:nvPr/>
+        </p:nvSpPr>
+        <p:spPr>
+          <a:xfrm>
+            <a:off x="5190332" y="1715923"/>
+            <a:ext cx="343643" cy="343643"/>
+          </a:xfrm>
+          <a:prstGeom prst="ellipse">
+            <a:avLst/>
+          </a:prstGeom>
+          <a:solidFill>
+            <a:srgbClr val="306C8D"/>
+          </a:solidFill>
+          <a:ln w="9525" cap="flat" cmpd="sng">
+            <a:noFill/>
+            <a:prstDash val="solid"/>
+            <a:round/>
+            <a:headEnd type="none" w="med" len="med"/>
+            <a:tailEnd type="none" w="med" len="med"/>
+          </a:ln>
+        </p:spPr>
+        <p:txBody>
+          <a:bodyPr wrap="square" lIns="91425" tIns="91425" rIns="91425" bIns="91425" anchor="ctr" anchorCtr="0">
+            <a:noAutofit/>
+          </a:bodyPr>
+          <a:lstStyle/>
+          <a:p>
+            <a:pPr lvl="0">
+              <a:spcBef>
+                <a:spcPts val="0"/>
+              </a:spcBef>
+              <a:buNone/>
+            </a:pPr>
+            <a:endParaRPr/>
+          </a:p>
+        </p:txBody>
+      </p:sp>
+      <p:cxnSp>
+        <p:nvCxnSpPr>
+          <p:cNvPr id="38" name="Shape 457">
+            <a:extLst>
+              <a:ext uri="{FF2B5EF4-FFF2-40B4-BE49-F238E27FC236}">
+                <a16:creationId xmlns:a16="http://schemas.microsoft.com/office/drawing/2014/main" id="{E4846FBE-D645-43FF-9928-E9DC08CD022F}"/>
+              </a:ext>
+            </a:extLst>
+          </p:cNvPr>
+          <p:cNvCxnSpPr>
+            <a:cxnSpLocks/>
+            <a:endCxn id="42" idx="1"/>
+          </p:cNvCxnSpPr>
+          <p:nvPr/>
+        </p:nvCxnSpPr>
+        <p:spPr>
+          <a:xfrm>
+            <a:off x="2304563" y="3982099"/>
+            <a:ext cx="337465" cy="637749"/>
+          </a:xfrm>
+          <a:prstGeom prst="straightConnector1">
+            <a:avLst/>
+          </a:prstGeom>
+          <a:noFill/>
+          <a:ln w="25400" cap="flat" cmpd="sng">
+            <a:solidFill>
+              <a:srgbClr val="52ADC8"/>
+            </a:solidFill>
+            <a:prstDash val="solid"/>
+            <a:round/>
+            <a:headEnd type="none" w="lg" len="lg"/>
+            <a:tailEnd type="none" w="lg" len="lg"/>
+          </a:ln>
+        </p:spPr>
+      </p:cxnSp>
+      <p:cxnSp>
+        <p:nvCxnSpPr>
+          <p:cNvPr id="39" name="Shape 457">
+            <a:extLst>
+              <a:ext uri="{FF2B5EF4-FFF2-40B4-BE49-F238E27FC236}">
+                <a16:creationId xmlns:a16="http://schemas.microsoft.com/office/drawing/2014/main" id="{45C56D4A-70F9-4FB8-93AE-26A409FEA929}"/>
+              </a:ext>
+            </a:extLst>
+          </p:cNvPr>
+          <p:cNvCxnSpPr>
+            <a:cxnSpLocks/>
+            <a:endCxn id="48" idx="7"/>
+          </p:cNvCxnSpPr>
+          <p:nvPr/>
+        </p:nvCxnSpPr>
+        <p:spPr>
+          <a:xfrm flipH="1">
+            <a:off x="1729042" y="3982099"/>
+            <a:ext cx="332530" cy="654090"/>
+          </a:xfrm>
+          <a:prstGeom prst="straightConnector1">
+            <a:avLst/>
+          </a:prstGeom>
+          <a:noFill/>
+          <a:ln w="25400" cap="flat" cmpd="sng">
+            <a:solidFill>
+              <a:srgbClr val="52ADC8"/>
+            </a:solidFill>
+            <a:prstDash val="solid"/>
+            <a:round/>
+            <a:headEnd type="none" w="lg" len="lg"/>
+            <a:tailEnd type="none" w="lg" len="lg"/>
+          </a:ln>
+        </p:spPr>
+      </p:cxnSp>
+      <p:cxnSp>
+        <p:nvCxnSpPr>
+          <p:cNvPr id="40" name="Shape 457">
+            <a:extLst>
+              <a:ext uri="{FF2B5EF4-FFF2-40B4-BE49-F238E27FC236}">
+                <a16:creationId xmlns:a16="http://schemas.microsoft.com/office/drawing/2014/main" id="{9DCB60B9-74ED-47D7-AF4E-C8748CB60FB0}"/>
+              </a:ext>
+            </a:extLst>
+          </p:cNvPr>
+          <p:cNvCxnSpPr>
+            <a:cxnSpLocks/>
+            <a:endCxn id="47" idx="0"/>
+          </p:cNvCxnSpPr>
+          <p:nvPr/>
+        </p:nvCxnSpPr>
+        <p:spPr>
+          <a:xfrm>
+            <a:off x="1607548" y="4869160"/>
+            <a:ext cx="0" cy="602428"/>
+          </a:xfrm>
+          <a:prstGeom prst="straightConnector1">
+            <a:avLst/>
+          </a:prstGeom>
+          <a:noFill/>
+          <a:ln w="25400" cap="flat" cmpd="sng">
+            <a:solidFill>
+              <a:srgbClr val="52ADC8"/>
+            </a:solidFill>
+            <a:prstDash val="solid"/>
+            <a:round/>
+            <a:headEnd type="none" w="lg" len="lg"/>
+            <a:tailEnd type="none" w="lg" len="lg"/>
+          </a:ln>
+        </p:spPr>
+      </p:cxnSp>
+      <p:cxnSp>
+        <p:nvCxnSpPr>
+          <p:cNvPr id="51" name="Shape 457">
+            <a:extLst>
+              <a:ext uri="{FF2B5EF4-FFF2-40B4-BE49-F238E27FC236}">
+                <a16:creationId xmlns:a16="http://schemas.microsoft.com/office/drawing/2014/main" id="{AEB062E2-9670-4908-A8B7-8C47C29DC978}"/>
+              </a:ext>
+            </a:extLst>
+          </p:cNvPr>
+          <p:cNvCxnSpPr>
+            <a:cxnSpLocks/>
+            <a:stCxn id="43" idx="4"/>
+            <a:endCxn id="49" idx="0"/>
+          </p:cNvCxnSpPr>
+          <p:nvPr/>
+        </p:nvCxnSpPr>
+        <p:spPr>
+          <a:xfrm flipH="1">
+            <a:off x="1994198" y="4029317"/>
+            <a:ext cx="213667" cy="548308"/>
+          </a:xfrm>
+          <a:prstGeom prst="straightConnector1">
+            <a:avLst/>
+          </a:prstGeom>
+          <a:noFill/>
+          <a:ln w="25400" cap="flat" cmpd="sng">
+            <a:solidFill>
+              <a:srgbClr val="52ADC8"/>
+            </a:solidFill>
+            <a:prstDash val="solid"/>
+            <a:round/>
+            <a:headEnd type="none" w="lg" len="lg"/>
+            <a:tailEnd type="none" w="lg" len="lg"/>
+          </a:ln>
+        </p:spPr>
+      </p:cxnSp>
+      <p:cxnSp>
+        <p:nvCxnSpPr>
+          <p:cNvPr id="53" name="Shape 457">
+            <a:extLst>
+              <a:ext uri="{FF2B5EF4-FFF2-40B4-BE49-F238E27FC236}">
+                <a16:creationId xmlns:a16="http://schemas.microsoft.com/office/drawing/2014/main" id="{6816A774-69DF-46FB-98B6-B24DBF660D77}"/>
+              </a:ext>
+            </a:extLst>
+          </p:cNvPr>
+          <p:cNvCxnSpPr>
+            <a:cxnSpLocks/>
+            <a:stCxn id="43" idx="4"/>
+            <a:endCxn id="50" idx="0"/>
+          </p:cNvCxnSpPr>
+          <p:nvPr/>
+        </p:nvCxnSpPr>
+        <p:spPr>
+          <a:xfrm>
+            <a:off x="2207865" y="4029317"/>
+            <a:ext cx="170998" cy="541423"/>
+          </a:xfrm>
+          <a:prstGeom prst="straightConnector1">
+            <a:avLst/>
+          </a:prstGeom>
+          <a:noFill/>
+          <a:ln w="25400" cap="flat" cmpd="sng">
+            <a:solidFill>
+              <a:srgbClr val="52ADC8"/>
+            </a:solidFill>
+            <a:prstDash val="solid"/>
+            <a:round/>
+            <a:headEnd type="none" w="lg" len="lg"/>
+            <a:tailEnd type="none" w="lg" len="lg"/>
+          </a:ln>
+        </p:spPr>
+      </p:cxnSp>
+      <p:pic>
+        <p:nvPicPr>
+          <p:cNvPr id="33" name="Picture 32">
+            <a:extLst>
+              <a:ext uri="{FF2B5EF4-FFF2-40B4-BE49-F238E27FC236}">
+                <a16:creationId xmlns:a16="http://schemas.microsoft.com/office/drawing/2014/main" id="{9B85B987-2BD5-40CF-927B-00CF8185E19D}"/>
+              </a:ext>
+            </a:extLst>
+          </p:cNvPr>
+          <p:cNvPicPr>
+            <a:picLocks noChangeAspect="1"/>
+          </p:cNvPicPr>
+          <p:nvPr/>
+        </p:nvPicPr>
+        <p:blipFill>
+          <a:blip r:embed="rId4"/>
+          <a:stretch>
+            <a:fillRect/>
+          </a:stretch>
+        </p:blipFill>
+        <p:spPr>
+          <a:xfrm>
+            <a:off x="1403648" y="5085184"/>
+            <a:ext cx="165100" cy="165100"/>
+          </a:xfrm>
+          <a:prstGeom prst="rect">
+            <a:avLst/>
+          </a:prstGeom>
+        </p:spPr>
+      </p:pic>
+      <p:pic>
+        <p:nvPicPr>
+          <p:cNvPr id="34" name="Picture 33">
+            <a:extLst>
+              <a:ext uri="{FF2B5EF4-FFF2-40B4-BE49-F238E27FC236}">
+                <a16:creationId xmlns:a16="http://schemas.microsoft.com/office/drawing/2014/main" id="{D72EB78E-9083-4083-8831-B130CA5F4BAE}"/>
+              </a:ext>
+            </a:extLst>
+          </p:cNvPr>
+          <p:cNvPicPr>
+            <a:picLocks noChangeAspect="1"/>
+          </p:cNvPicPr>
+          <p:nvPr/>
+        </p:nvPicPr>
+        <p:blipFill>
+          <a:blip r:embed="rId5"/>
+          <a:stretch>
+            <a:fillRect/>
+          </a:stretch>
+        </p:blipFill>
+        <p:spPr>
+          <a:xfrm>
+            <a:off x="1115616" y="5517232"/>
+            <a:ext cx="241300" cy="304800"/>
+          </a:xfrm>
+          <a:prstGeom prst="rect">
+            <a:avLst/>
+          </a:prstGeom>
+        </p:spPr>
+      </p:pic>
+      <p:pic>
+        <p:nvPicPr>
+          <p:cNvPr id="35" name="Picture 34">
+            <a:extLst>
+              <a:ext uri="{FF2B5EF4-FFF2-40B4-BE49-F238E27FC236}">
+                <a16:creationId xmlns:a16="http://schemas.microsoft.com/office/drawing/2014/main" id="{10F0BB29-8B9E-431C-9254-3590B5416692}"/>
+              </a:ext>
+            </a:extLst>
+          </p:cNvPr>
+          <p:cNvPicPr>
+            <a:picLocks noChangeAspect="1"/>
+          </p:cNvPicPr>
+          <p:nvPr/>
+        </p:nvPicPr>
+        <p:blipFill>
+          <a:blip r:embed="rId6"/>
+          <a:stretch>
+            <a:fillRect/>
+          </a:stretch>
+        </p:blipFill>
+        <p:spPr>
+          <a:xfrm>
+            <a:off x="1225848" y="4653136"/>
+            <a:ext cx="177800" cy="165100"/>
+          </a:xfrm>
+          <a:prstGeom prst="rect">
+            <a:avLst/>
+          </a:prstGeom>
+        </p:spPr>
+      </p:pic>
+      <p:pic>
+        <p:nvPicPr>
+          <p:cNvPr id="36" name="Picture 35">
+            <a:extLst>
+              <a:ext uri="{FF2B5EF4-FFF2-40B4-BE49-F238E27FC236}">
+                <a16:creationId xmlns:a16="http://schemas.microsoft.com/office/drawing/2014/main" id="{431CE1EA-F2BD-4CA2-A594-9FDE50B239D4}"/>
+              </a:ext>
+            </a:extLst>
+          </p:cNvPr>
+          <p:cNvPicPr>
+            <a:picLocks noChangeAspect="1"/>
+          </p:cNvPicPr>
+          <p:nvPr/>
+        </p:nvPicPr>
+        <p:blipFill>
+          <a:blip r:embed="rId7"/>
+          <a:stretch>
+            <a:fillRect/>
+          </a:stretch>
+        </p:blipFill>
+        <p:spPr>
+          <a:xfrm>
+            <a:off x="1790649" y="3734099"/>
+            <a:ext cx="139700" cy="165100"/>
+          </a:xfrm>
+          <a:prstGeom prst="rect">
+            <a:avLst/>
+          </a:prstGeom>
+        </p:spPr>
+      </p:pic>
+      <p:sp>
+        <p:nvSpPr>
+          <p:cNvPr id="42" name="Shape 452">
+            <a:extLst>
+              <a:ext uri="{FF2B5EF4-FFF2-40B4-BE49-F238E27FC236}">
+                <a16:creationId xmlns:a16="http://schemas.microsoft.com/office/drawing/2014/main" id="{7F2C4CC0-C259-40AE-99A1-AEC03E03EF61}"/>
+              </a:ext>
+            </a:extLst>
+          </p:cNvPr>
+          <p:cNvSpPr/>
+          <p:nvPr/>
+        </p:nvSpPr>
+        <p:spPr>
+          <a:xfrm>
+            <a:off x="2591703" y="4569523"/>
+            <a:ext cx="343643" cy="343643"/>
+          </a:xfrm>
+          <a:prstGeom prst="ellipse">
+            <a:avLst/>
+          </a:prstGeom>
+          <a:solidFill>
+            <a:srgbClr val="306C8D"/>
+          </a:solidFill>
+          <a:ln w="9525" cap="flat" cmpd="sng">
+            <a:noFill/>
+            <a:prstDash val="solid"/>
+            <a:round/>
+            <a:headEnd type="none" w="med" len="med"/>
+            <a:tailEnd type="none" w="med" len="med"/>
+          </a:ln>
+        </p:spPr>
+        <p:txBody>
+          <a:bodyPr wrap="square" lIns="91425" tIns="91425" rIns="91425" bIns="91425" anchor="ctr" anchorCtr="0">
+            <a:noAutofit/>
+          </a:bodyPr>
+          <a:lstStyle/>
+          <a:p>
+            <a:pPr lvl="0">
+              <a:spcBef>
+                <a:spcPts val="0"/>
+              </a:spcBef>
+              <a:buNone/>
+            </a:pPr>
+            <a:endParaRPr/>
+          </a:p>
+        </p:txBody>
+      </p:sp>
+      <p:sp>
+        <p:nvSpPr>
+          <p:cNvPr id="43" name="Circle">
+            <a:extLst>
+              <a:ext uri="{FF2B5EF4-FFF2-40B4-BE49-F238E27FC236}">
+                <a16:creationId xmlns:a16="http://schemas.microsoft.com/office/drawing/2014/main" id="{CDF17D06-F301-483E-8B3C-3D22FA3DAB4B}"/>
+              </a:ext>
+            </a:extLst>
+          </p:cNvPr>
+          <p:cNvSpPr/>
+          <p:nvPr/>
+        </p:nvSpPr>
+        <p:spPr>
+          <a:xfrm>
+            <a:off x="1979712" y="3573016"/>
+            <a:ext cx="456301" cy="456301"/>
+          </a:xfrm>
+          <a:prstGeom prst="ellipse">
+            <a:avLst/>
+          </a:prstGeom>
+          <a:solidFill>
+            <a:srgbClr val="42997E"/>
+          </a:solidFill>
+          <a:ln w="12700">
+            <a:miter lim="400000"/>
+          </a:ln>
+        </p:spPr>
+        <p:txBody>
+          <a:bodyPr lIns="50800" tIns="50800" rIns="50800" bIns="50800" anchor="ctr"/>
+          <a:lstStyle/>
+          <a:p>
+            <a:pPr>
+              <a:defRPr sz="2200" b="0">
+                <a:solidFill>
+                  <a:srgbClr val="FFFFFF"/>
+                </a:solidFill>
+                <a:latin typeface="+mn-lt"/>
+                <a:ea typeface="+mn-ea"/>
+                <a:cs typeface="+mn-cs"/>
+                <a:sym typeface="Helvetica Neue Medium"/>
+              </a:defRPr>
+            </a:pPr>
+            <a:endParaRPr/>
+          </a:p>
+        </p:txBody>
+      </p:sp>
+      <p:sp>
+        <p:nvSpPr>
+          <p:cNvPr id="47" name="Circle">
+            <a:extLst>
+              <a:ext uri="{FF2B5EF4-FFF2-40B4-BE49-F238E27FC236}">
+                <a16:creationId xmlns:a16="http://schemas.microsoft.com/office/drawing/2014/main" id="{323FF6F3-EE67-471E-BDC1-A7972E60D4B6}"/>
+              </a:ext>
+            </a:extLst>
+          </p:cNvPr>
+          <p:cNvSpPr/>
+          <p:nvPr/>
+        </p:nvSpPr>
+        <p:spPr>
+          <a:xfrm>
+            <a:off x="1379395" y="5471588"/>
+            <a:ext cx="456301" cy="456301"/>
+          </a:xfrm>
+          <a:prstGeom prst="ellipse">
+            <a:avLst/>
+          </a:prstGeom>
+          <a:solidFill>
+            <a:srgbClr val="42997E"/>
+          </a:solidFill>
+          <a:ln w="12700">
+            <a:miter lim="400000"/>
+          </a:ln>
+        </p:spPr>
+        <p:txBody>
+          <a:bodyPr lIns="50800" tIns="50800" rIns="50800" bIns="50800" anchor="ctr"/>
+          <a:lstStyle/>
+          <a:p>
+            <a:pPr>
+              <a:defRPr sz="2200" b="0">
+                <a:solidFill>
+                  <a:srgbClr val="FFFFFF"/>
+                </a:solidFill>
+                <a:latin typeface="+mn-lt"/>
+                <a:ea typeface="+mn-ea"/>
+                <a:cs typeface="+mn-cs"/>
+                <a:sym typeface="Helvetica Neue Medium"/>
+              </a:defRPr>
+            </a:pPr>
+            <a:endParaRPr/>
+          </a:p>
+        </p:txBody>
+      </p:sp>
+      <p:sp>
+        <p:nvSpPr>
+          <p:cNvPr id="48" name="Shape 452">
+            <a:extLst>
+              <a:ext uri="{FF2B5EF4-FFF2-40B4-BE49-F238E27FC236}">
+                <a16:creationId xmlns:a16="http://schemas.microsoft.com/office/drawing/2014/main" id="{67581630-5C29-4545-9165-076E51D726A0}"/>
+              </a:ext>
+            </a:extLst>
+          </p:cNvPr>
+          <p:cNvSpPr/>
+          <p:nvPr/>
+        </p:nvSpPr>
+        <p:spPr>
+          <a:xfrm>
+            <a:off x="1435724" y="4585864"/>
+            <a:ext cx="343643" cy="343643"/>
+          </a:xfrm>
+          <a:prstGeom prst="ellipse">
+            <a:avLst/>
+          </a:prstGeom>
+          <a:solidFill>
+            <a:srgbClr val="306C8D"/>
+          </a:solidFill>
+          <a:ln w="9525" cap="flat" cmpd="sng">
+            <a:noFill/>
+            <a:prstDash val="solid"/>
+            <a:round/>
+            <a:headEnd type="none" w="med" len="med"/>
+            <a:tailEnd type="none" w="med" len="med"/>
+          </a:ln>
+        </p:spPr>
+        <p:txBody>
+          <a:bodyPr wrap="square" lIns="91425" tIns="91425" rIns="91425" bIns="91425" anchor="ctr" anchorCtr="0">
+            <a:noAutofit/>
+          </a:bodyPr>
+          <a:lstStyle/>
+          <a:p>
+            <a:pPr lvl="0">
+              <a:spcBef>
+                <a:spcPts val="0"/>
+              </a:spcBef>
+              <a:buNone/>
+            </a:pPr>
+            <a:endParaRPr/>
+          </a:p>
+        </p:txBody>
+      </p:sp>
+      <p:sp>
+        <p:nvSpPr>
+          <p:cNvPr id="49" name="Shape 452">
+            <a:extLst>
+              <a:ext uri="{FF2B5EF4-FFF2-40B4-BE49-F238E27FC236}">
+                <a16:creationId xmlns:a16="http://schemas.microsoft.com/office/drawing/2014/main" id="{2CFD7D52-50C1-4D92-A39A-BF2EA08E0D00}"/>
+              </a:ext>
+            </a:extLst>
+          </p:cNvPr>
+          <p:cNvSpPr/>
+          <p:nvPr/>
+        </p:nvSpPr>
+        <p:spPr>
+          <a:xfrm>
+            <a:off x="1822374" y="4577625"/>
+            <a:ext cx="343643" cy="343643"/>
+          </a:xfrm>
+          <a:prstGeom prst="ellipse">
+            <a:avLst/>
+          </a:prstGeom>
+          <a:solidFill>
+            <a:srgbClr val="306C8D"/>
+          </a:solidFill>
+          <a:ln w="9525" cap="flat" cmpd="sng">
+            <a:noFill/>
+            <a:prstDash val="solid"/>
+            <a:round/>
+            <a:headEnd type="none" w="med" len="med"/>
+            <a:tailEnd type="none" w="med" len="med"/>
+          </a:ln>
+        </p:spPr>
+        <p:txBody>
+          <a:bodyPr wrap="square" lIns="91425" tIns="91425" rIns="91425" bIns="91425" anchor="ctr" anchorCtr="0">
+            <a:noAutofit/>
+          </a:bodyPr>
+          <a:lstStyle/>
+          <a:p>
+            <a:pPr lvl="0">
+              <a:spcBef>
+                <a:spcPts val="0"/>
+              </a:spcBef>
+              <a:buNone/>
+            </a:pPr>
+            <a:endParaRPr/>
+          </a:p>
+        </p:txBody>
+      </p:sp>
+      <p:sp>
+        <p:nvSpPr>
+          <p:cNvPr id="50" name="Shape 452">
+            <a:extLst>
+              <a:ext uri="{FF2B5EF4-FFF2-40B4-BE49-F238E27FC236}">
+                <a16:creationId xmlns:a16="http://schemas.microsoft.com/office/drawing/2014/main" id="{D0AAF2B1-8349-4B9F-AD75-14A0A551FD8C}"/>
+              </a:ext>
+            </a:extLst>
+          </p:cNvPr>
+          <p:cNvSpPr/>
+          <p:nvPr/>
+        </p:nvSpPr>
+        <p:spPr>
+          <a:xfrm>
+            <a:off x="2207039" y="4570740"/>
+            <a:ext cx="343643" cy="343643"/>
+          </a:xfrm>
+          <a:prstGeom prst="ellipse">
+            <a:avLst/>
+          </a:prstGeom>
+          <a:solidFill>
+            <a:srgbClr val="306C8D"/>
+          </a:solidFill>
+          <a:ln w="9525" cap="flat" cmpd="sng">
+            <a:noFill/>
+            <a:prstDash val="solid"/>
+            <a:round/>
+            <a:headEnd type="none" w="med" len="med"/>
+            <a:tailEnd type="none" w="med" len="med"/>
+          </a:ln>
+        </p:spPr>
+        <p:txBody>
+          <a:bodyPr wrap="square" lIns="91425" tIns="91425" rIns="91425" bIns="91425" anchor="ctr" anchorCtr="0">
+            <a:noAutofit/>
+          </a:bodyPr>
+          <a:lstStyle/>
+          <a:p>
+            <a:pPr lvl="0">
+              <a:spcBef>
+                <a:spcPts val="0"/>
+              </a:spcBef>
+              <a:buNone/>
+            </a:pPr>
+            <a:endParaRPr/>
+          </a:p>
+        </p:txBody>
+      </p:sp>
+      <p:sp>
+        <p:nvSpPr>
+          <p:cNvPr id="70" name="Circle">
+            <a:extLst>
+              <a:ext uri="{FF2B5EF4-FFF2-40B4-BE49-F238E27FC236}">
+                <a16:creationId xmlns:a16="http://schemas.microsoft.com/office/drawing/2014/main" id="{51DA2018-3D09-4558-862E-0683C968AAB9}"/>
+              </a:ext>
+            </a:extLst>
+          </p:cNvPr>
+          <p:cNvSpPr/>
+          <p:nvPr/>
+        </p:nvSpPr>
+        <p:spPr>
+          <a:xfrm>
+            <a:off x="2511724" y="5471588"/>
+            <a:ext cx="456301" cy="456301"/>
+          </a:xfrm>
+          <a:prstGeom prst="ellipse">
+            <a:avLst/>
+          </a:prstGeom>
+          <a:solidFill>
+            <a:srgbClr val="42997E"/>
+          </a:solidFill>
+          <a:ln w="12700">
+            <a:miter lim="400000"/>
+          </a:ln>
+        </p:spPr>
+        <p:txBody>
+          <a:bodyPr lIns="50800" tIns="50800" rIns="50800" bIns="50800" anchor="ctr"/>
+          <a:lstStyle/>
+          <a:p>
+            <a:pPr>
+              <a:defRPr sz="2200" b="0">
+                <a:solidFill>
+                  <a:srgbClr val="FFFFFF"/>
+                </a:solidFill>
+                <a:latin typeface="+mn-lt"/>
+                <a:ea typeface="+mn-ea"/>
+                <a:cs typeface="+mn-cs"/>
+                <a:sym typeface="Helvetica Neue Medium"/>
+              </a:defRPr>
+            </a:pPr>
+            <a:endParaRPr/>
+          </a:p>
+        </p:txBody>
+      </p:sp>
+      <p:sp>
+        <p:nvSpPr>
+          <p:cNvPr id="72" name="Circle">
+            <a:extLst>
+              <a:ext uri="{FF2B5EF4-FFF2-40B4-BE49-F238E27FC236}">
+                <a16:creationId xmlns:a16="http://schemas.microsoft.com/office/drawing/2014/main" id="{8AFC0560-7E50-464D-A040-0AFA62C9B428}"/>
+              </a:ext>
+            </a:extLst>
+          </p:cNvPr>
+          <p:cNvSpPr/>
+          <p:nvPr/>
+        </p:nvSpPr>
+        <p:spPr>
+          <a:xfrm>
+            <a:off x="1760086" y="5456510"/>
+            <a:ext cx="456301" cy="456301"/>
+          </a:xfrm>
+          <a:prstGeom prst="ellipse">
+            <a:avLst/>
+          </a:prstGeom>
+          <a:solidFill>
+            <a:srgbClr val="42997E"/>
+          </a:solidFill>
+          <a:ln w="12700">
+            <a:miter lim="400000"/>
+          </a:ln>
+        </p:spPr>
+        <p:txBody>
+          <a:bodyPr lIns="50800" tIns="50800" rIns="50800" bIns="50800" anchor="ctr"/>
+          <a:lstStyle/>
+          <a:p>
+            <a:pPr>
+              <a:defRPr sz="2200" b="0">
+                <a:solidFill>
+                  <a:srgbClr val="FFFFFF"/>
+                </a:solidFill>
+                <a:latin typeface="+mn-lt"/>
+                <a:ea typeface="+mn-ea"/>
+                <a:cs typeface="+mn-cs"/>
+                <a:sym typeface="Helvetica Neue Medium"/>
+              </a:defRPr>
+            </a:pPr>
+            <a:endParaRPr/>
+          </a:p>
+        </p:txBody>
+      </p:sp>
+      <p:sp>
+        <p:nvSpPr>
+          <p:cNvPr id="74" name="Circle">
+            <a:extLst>
+              <a:ext uri="{FF2B5EF4-FFF2-40B4-BE49-F238E27FC236}">
+                <a16:creationId xmlns:a16="http://schemas.microsoft.com/office/drawing/2014/main" id="{12BDB691-82EF-4BDB-AC74-F079C1C5E1DE}"/>
+              </a:ext>
+            </a:extLst>
+          </p:cNvPr>
+          <p:cNvSpPr/>
+          <p:nvPr/>
+        </p:nvSpPr>
+        <p:spPr>
+          <a:xfrm>
+            <a:off x="2152587" y="5456510"/>
+            <a:ext cx="456301" cy="456301"/>
+          </a:xfrm>
+          <a:prstGeom prst="ellipse">
+            <a:avLst/>
+          </a:prstGeom>
+          <a:solidFill>
+            <a:srgbClr val="42997E"/>
+          </a:solidFill>
+          <a:ln w="12700">
+            <a:miter lim="400000"/>
+          </a:ln>
+        </p:spPr>
+        <p:txBody>
+          <a:bodyPr lIns="50800" tIns="50800" rIns="50800" bIns="50800" anchor="ctr"/>
+          <a:lstStyle/>
+          <a:p>
+            <a:pPr>
+              <a:defRPr sz="2200" b="0">
+                <a:solidFill>
+                  <a:srgbClr val="FFFFFF"/>
+                </a:solidFill>
+                <a:latin typeface="+mn-lt"/>
+                <a:ea typeface="+mn-ea"/>
+                <a:cs typeface="+mn-cs"/>
+                <a:sym typeface="Helvetica Neue Medium"/>
+              </a:defRPr>
+            </a:pPr>
+            <a:endParaRPr/>
+          </a:p>
+        </p:txBody>
+      </p:sp>
+    </p:spTree>
+    <p:extLst>
+      <p:ext uri="{BB962C8B-B14F-4D97-AF65-F5344CB8AC3E}">
+        <p14:creationId xmlns:p14="http://schemas.microsoft.com/office/powerpoint/2010/main" val="2606696415"/>
+      </p:ext>
+    </p:extLst>
+  </p:cSld>
+  <p:clrMapOvr>
+    <a:masterClrMapping/>
+  </p:clrMapOvr>
+</p:sld>
+</file>
+
 <file path=ppt/slides/slide2.xml><?xml version="1.0" encoding="utf-8"?>
+<p:sld xmlns:a="http://schemas.openxmlformats.org/drawingml/2006/main" xmlns:r="http://schemas.openxmlformats.org/officeDocument/2006/relationships" xmlns:p="http://schemas.openxmlformats.org/presentationml/2006/main">
+  <p:cSld>
+    <p:spTree>
+      <p:nvGrpSpPr>
+        <p:cNvPr id="1" name=""/>
+        <p:cNvGrpSpPr/>
+        <p:nvPr/>
+      </p:nvGrpSpPr>
+      <p:grpSpPr>
+        <a:xfrm>
+          <a:off x="0" y="0"/>
+          <a:ext cx="0" cy="0"/>
+          <a:chOff x="0" y="0"/>
+          <a:chExt cx="0" cy="0"/>
+        </a:xfrm>
+      </p:grpSpPr>
+      <p:sp>
+        <p:nvSpPr>
+          <p:cNvPr id="2" name="Title 1">
+            <a:extLst>
+              <a:ext uri="{FF2B5EF4-FFF2-40B4-BE49-F238E27FC236}">
+                <a16:creationId xmlns:a16="http://schemas.microsoft.com/office/drawing/2014/main" id="{0E32CE0D-6E84-4119-B96A-66477D7FD572}"/>
+              </a:ext>
+            </a:extLst>
+          </p:cNvPr>
+          <p:cNvSpPr>
+            <a:spLocks noGrp="1"/>
+          </p:cNvSpPr>
+          <p:nvPr>
+            <p:ph type="title"/>
+          </p:nvPr>
+        </p:nvSpPr>
+        <p:spPr/>
+        <p:txBody>
+          <a:bodyPr/>
+          <a:lstStyle/>
+          <a:p>
+            <a:r>
+              <a:rPr lang="en-US" dirty="0"/>
+              <a:t>Reinforcement Learning (RL)</a:t>
+            </a:r>
+            <a:endParaRPr lang="en-SE" dirty="0"/>
+          </a:p>
+        </p:txBody>
+      </p:sp>
+      <mc:AlternateContent xmlns:mc="http://schemas.openxmlformats.org/markup-compatibility/2006">
+        <mc:Choice xmlns:a14="http://schemas.microsoft.com/office/drawing/2010/main" Requires="a14">
+          <p:sp>
+            <p:nvSpPr>
+              <p:cNvPr id="3" name="Content Placeholder 2">
+                <a:extLst>
+                  <a:ext uri="{FF2B5EF4-FFF2-40B4-BE49-F238E27FC236}">
+                    <a16:creationId xmlns:a16="http://schemas.microsoft.com/office/drawing/2014/main" id="{0A10FDC6-3779-402E-A23A-D8B0A7301F95}"/>
+                  </a:ext>
+                </a:extLst>
+              </p:cNvPr>
+              <p:cNvSpPr>
+                <a:spLocks noGrp="1"/>
+              </p:cNvSpPr>
+              <p:nvPr>
+                <p:ph idx="1"/>
+              </p:nvPr>
+            </p:nvSpPr>
+            <p:spPr>
+              <a:xfrm>
+                <a:off x="457200" y="1295399"/>
+                <a:ext cx="8382000" cy="3151934"/>
+              </a:xfrm>
+            </p:spPr>
+            <p:txBody>
+              <a:bodyPr>
+                <a:normAutofit fontScale="92500" lnSpcReduction="20000"/>
+              </a:bodyPr>
+              <a:lstStyle/>
+              <a:p>
+                <a:r>
+                  <a:rPr lang="en-US" dirty="0"/>
+                  <a:t>Definition: the expected return (cumulative reward) from state </a:t>
+                </a:r>
+                <a14:m>
+                  <m:oMath xmlns:m="http://schemas.openxmlformats.org/officeDocument/2006/math">
+                    <m:sSub>
+                      <m:sSubPr>
+                        <m:ctrlPr>
+                          <a:rPr lang="en-US" b="0" i="1" smtClean="0">
+                            <a:latin typeface="Cambria Math" panose="02040503050406030204" pitchFamily="18" charset="0"/>
+                          </a:rPr>
+                        </m:ctrlPr>
+                      </m:sSubPr>
+                      <m:e>
+                        <m:r>
+                          <a:rPr lang="en-US" b="0" i="1" smtClean="0">
+                            <a:latin typeface="Cambria Math" panose="02040503050406030204" pitchFamily="18" charset="0"/>
+                          </a:rPr>
+                          <m:t>𝑆</m:t>
+                        </m:r>
+                      </m:e>
+                      <m:sub>
+                        <m:r>
+                          <a:rPr lang="en-US" b="0" i="1" smtClean="0">
+                            <a:latin typeface="Cambria Math" panose="02040503050406030204" pitchFamily="18" charset="0"/>
+                          </a:rPr>
+                          <m:t>𝑡</m:t>
+                        </m:r>
+                      </m:sub>
+                    </m:sSub>
+                  </m:oMath>
+                </a14:m>
+                <a:r>
+                  <a:rPr lang="en-US" dirty="0"/>
+                  <a:t>: </a:t>
+                </a:r>
+                <a14:m>
+                  <m:oMath xmlns:m="http://schemas.openxmlformats.org/officeDocument/2006/math">
+                    <m:sSub>
+                      <m:sSubPr>
+                        <m:ctrlPr>
+                          <a:rPr lang="en-US" altLang="zh-CN" b="0" i="1" smtClean="0">
+                            <a:latin typeface="Cambria Math" panose="02040503050406030204" pitchFamily="18" charset="0"/>
+                          </a:rPr>
+                        </m:ctrlPr>
+                      </m:sSubPr>
+                      <m:e>
+                        <m:r>
+                          <a:rPr lang="en-US" altLang="zh-CN" b="0" i="1" smtClean="0">
+                            <a:latin typeface="Cambria Math" panose="02040503050406030204" pitchFamily="18" charset="0"/>
+                          </a:rPr>
+                          <m:t>𝐺</m:t>
+                        </m:r>
+                      </m:e>
+                      <m:sub>
+                        <m:r>
+                          <a:rPr lang="en-US" altLang="zh-CN" b="0" i="1" smtClean="0">
+                            <a:latin typeface="Cambria Math" panose="02040503050406030204" pitchFamily="18" charset="0"/>
+                          </a:rPr>
+                          <m:t>𝑡</m:t>
+                        </m:r>
+                      </m:sub>
+                    </m:sSub>
+                    <m:r>
+                      <a:rPr lang="en-US" altLang="zh-CN" i="1">
+                        <a:latin typeface="Cambria Math" panose="02040503050406030204" pitchFamily="18" charset="0"/>
+                      </a:rPr>
+                      <m:t>=</m:t>
+                    </m:r>
+                    <m:r>
+                      <a:rPr lang="en-US" altLang="zh-CN" i="1">
+                        <a:latin typeface="Cambria Math" panose="02040503050406030204" pitchFamily="18" charset="0"/>
+                      </a:rPr>
+                      <m:t>𝔼</m:t>
+                    </m:r>
+                    <m:r>
+                      <a:rPr lang="en-US" altLang="zh-CN" i="1">
+                        <a:latin typeface="Cambria Math" panose="02040503050406030204" pitchFamily="18" charset="0"/>
+                      </a:rPr>
+                      <m:t>(</m:t>
+                    </m:r>
+                    <m:nary>
+                      <m:naryPr>
+                        <m:chr m:val="∑"/>
+                        <m:ctrlPr>
+                          <a:rPr lang="en-SE" altLang="zh-CN" i="1">
+                            <a:latin typeface="Cambria Math" panose="02040503050406030204" pitchFamily="18" charset="0"/>
+                          </a:rPr>
+                        </m:ctrlPr>
+                      </m:naryPr>
+                      <m:sub>
+                        <m:r>
+                          <m:rPr>
+                            <m:brk m:alnAt="23"/>
+                          </m:rPr>
+                          <a:rPr lang="en-US" altLang="zh-CN" i="1">
+                            <a:latin typeface="Cambria Math" panose="02040503050406030204" pitchFamily="18" charset="0"/>
+                          </a:rPr>
+                          <m:t>𝑡</m:t>
+                        </m:r>
+                        <m:r>
+                          <a:rPr lang="en-US" altLang="zh-CN" i="1">
+                            <a:latin typeface="Cambria Math" panose="02040503050406030204" pitchFamily="18" charset="0"/>
+                          </a:rPr>
+                          <m:t>=0</m:t>
+                        </m:r>
+                      </m:sub>
+                      <m:sup>
+                        <m:r>
+                          <a:rPr lang="en-US" altLang="zh-CN" i="1">
+                            <a:latin typeface="Cambria Math" panose="02040503050406030204" pitchFamily="18" charset="0"/>
+                          </a:rPr>
+                          <m:t>𝑇</m:t>
+                        </m:r>
+                      </m:sup>
+                      <m:e>
+                        <m:sSup>
+                          <m:sSupPr>
+                            <m:ctrlPr>
+                              <a:rPr lang="en-US" altLang="zh-CN" i="1">
+                                <a:latin typeface="Cambria Math" panose="02040503050406030204" pitchFamily="18" charset="0"/>
+                              </a:rPr>
+                            </m:ctrlPr>
+                          </m:sSupPr>
+                          <m:e>
+                            <m:r>
+                              <a:rPr lang="en-US" altLang="zh-CN" i="1">
+                                <a:latin typeface="Cambria Math" panose="02040503050406030204" pitchFamily="18" charset="0"/>
+                              </a:rPr>
+                              <m:t>𝛾</m:t>
+                            </m:r>
+                          </m:e>
+                          <m:sup>
+                            <m:r>
+                              <a:rPr lang="en-US" altLang="zh-CN" i="1">
+                                <a:latin typeface="Cambria Math" panose="02040503050406030204" pitchFamily="18" charset="0"/>
+                              </a:rPr>
+                              <m:t>𝑡</m:t>
+                            </m:r>
+                          </m:sup>
+                        </m:sSup>
+                        <m:r>
+                          <a:rPr lang="en-US" altLang="zh-CN" i="1">
+                            <a:latin typeface="Cambria Math" panose="02040503050406030204" pitchFamily="18" charset="0"/>
+                          </a:rPr>
+                          <m:t>𝑟</m:t>
+                        </m:r>
+                        <m:r>
+                          <a:rPr lang="en-US" altLang="zh-CN" i="1">
+                            <a:latin typeface="Cambria Math" panose="02040503050406030204" pitchFamily="18" charset="0"/>
+                          </a:rPr>
+                          <m:t>(</m:t>
+                        </m:r>
+                        <m:sSub>
+                          <m:sSubPr>
+                            <m:ctrlPr>
+                              <a:rPr lang="en-US" altLang="zh-CN" i="1">
+                                <a:latin typeface="Cambria Math" panose="02040503050406030204" pitchFamily="18" charset="0"/>
+                              </a:rPr>
+                            </m:ctrlPr>
+                          </m:sSubPr>
+                          <m:e>
+                            <m:r>
+                              <a:rPr lang="en-US" altLang="zh-CN" b="0" i="1" smtClean="0">
+                                <a:latin typeface="Cambria Math" panose="02040503050406030204" pitchFamily="18" charset="0"/>
+                              </a:rPr>
+                              <m:t>𝑆</m:t>
+                            </m:r>
+                          </m:e>
+                          <m:sub>
+                            <m:r>
+                              <a:rPr lang="en-US" altLang="zh-CN" i="1">
+                                <a:latin typeface="Cambria Math" panose="02040503050406030204" pitchFamily="18" charset="0"/>
+                              </a:rPr>
+                              <m:t>𝑡</m:t>
+                            </m:r>
+                          </m:sub>
+                        </m:sSub>
+                        <m:r>
+                          <a:rPr lang="en-US" altLang="zh-CN" i="1">
+                            <a:latin typeface="Cambria Math" panose="02040503050406030204" pitchFamily="18" charset="0"/>
+                          </a:rPr>
+                          <m:t>,</m:t>
+                        </m:r>
+                        <m:sSub>
+                          <m:sSubPr>
+                            <m:ctrlPr>
+                              <a:rPr lang="en-US" altLang="zh-CN" i="1">
+                                <a:latin typeface="Cambria Math" panose="02040503050406030204" pitchFamily="18" charset="0"/>
+                              </a:rPr>
+                            </m:ctrlPr>
+                          </m:sSubPr>
+                          <m:e>
+                            <m:r>
+                              <a:rPr lang="en-US" altLang="zh-CN" b="0" i="1" smtClean="0">
+                                <a:latin typeface="Cambria Math" panose="02040503050406030204" pitchFamily="18" charset="0"/>
+                              </a:rPr>
+                              <m:t>𝐴</m:t>
+                            </m:r>
+                          </m:e>
+                          <m:sub>
+                            <m:r>
+                              <a:rPr lang="en-US" altLang="zh-CN" i="1">
+                                <a:latin typeface="Cambria Math" panose="02040503050406030204" pitchFamily="18" charset="0"/>
+                              </a:rPr>
+                              <m:t>𝑡</m:t>
+                            </m:r>
+                          </m:sub>
+                        </m:sSub>
+                        <m:r>
+                          <a:rPr lang="en-US" altLang="zh-CN" i="1">
+                            <a:latin typeface="Cambria Math" panose="02040503050406030204" pitchFamily="18" charset="0"/>
+                          </a:rPr>
+                          <m:t>)</m:t>
+                        </m:r>
+                      </m:e>
+                    </m:nary>
+                    <m:r>
+                      <a:rPr lang="en-US" altLang="zh-CN" i="1">
+                        <a:latin typeface="Cambria Math" panose="02040503050406030204" pitchFamily="18" charset="0"/>
+                      </a:rPr>
+                      <m:t>)</m:t>
+                    </m:r>
+                  </m:oMath>
+                </a14:m>
+                <a:endParaRPr lang="en-US" dirty="0"/>
+              </a:p>
+              <a:p>
+                <a:pPr lvl="1"/>
+                <a14:m>
+                  <m:oMath xmlns:m="http://schemas.openxmlformats.org/officeDocument/2006/math">
+                    <m:r>
+                      <a:rPr lang="en-US" altLang="zh-CN" b="0" i="1" smtClean="0">
+                        <a:latin typeface="Cambria Math" panose="02040503050406030204" pitchFamily="18" charset="0"/>
+                      </a:rPr>
+                      <m:t>0≤</m:t>
+                    </m:r>
+                    <m:r>
+                      <a:rPr lang="en-US" altLang="zh-CN" i="1" smtClean="0">
+                        <a:latin typeface="Cambria Math" panose="02040503050406030204" pitchFamily="18" charset="0"/>
+                      </a:rPr>
+                      <m:t>𝛾</m:t>
+                    </m:r>
+                    <m:r>
+                      <a:rPr lang="en-US" altLang="zh-CN" b="0" i="1" smtClean="0">
+                        <a:latin typeface="Cambria Math" panose="02040503050406030204" pitchFamily="18" charset="0"/>
+                      </a:rPr>
+                      <m:t>≤1</m:t>
+                    </m:r>
+                  </m:oMath>
+                </a14:m>
+                <a:r>
+                  <a:rPr lang="en-US" dirty="0"/>
+                  <a:t> is discount factor; horizon </a:t>
+                </a:r>
+                <a14:m>
+                  <m:oMath xmlns:m="http://schemas.openxmlformats.org/officeDocument/2006/math">
+                    <m:r>
+                      <a:rPr lang="en-US" altLang="zh-CN" i="1">
+                        <a:latin typeface="Cambria Math" panose="02040503050406030204" pitchFamily="18" charset="0"/>
+                      </a:rPr>
+                      <m:t>𝑇</m:t>
+                    </m:r>
+                  </m:oMath>
+                </a14:m>
+                <a:r>
+                  <a:rPr lang="en-US" dirty="0"/>
+                  <a:t> may be finite or infinite</a:t>
+                </a:r>
+              </a:p>
+              <a:p>
+                <a:r>
+                  <a:rPr lang="en-US" dirty="0"/>
+                  <a:t>Goal: learn optimal policy </a:t>
+                </a:r>
+                <a14:m>
+                  <m:oMath xmlns:m="http://schemas.openxmlformats.org/officeDocument/2006/math">
+                    <m:sSub>
+                      <m:sSubPr>
+                        <m:ctrlPr>
+                          <a:rPr lang="en-US" b="0" i="1" smtClean="0">
+                            <a:latin typeface="Cambria Math" panose="02040503050406030204" pitchFamily="18" charset="0"/>
+                          </a:rPr>
+                        </m:ctrlPr>
+                      </m:sSubPr>
+                      <m:e>
+                        <m:r>
+                          <a:rPr lang="en-US" b="0" i="1" smtClean="0">
+                            <a:latin typeface="Cambria Math" panose="02040503050406030204" pitchFamily="18" charset="0"/>
+                          </a:rPr>
+                          <m:t>𝜋</m:t>
+                        </m:r>
+                      </m:e>
+                      <m:sub>
+                        <m:r>
+                          <a:rPr lang="en-US" b="0" i="1" smtClean="0">
+                            <a:latin typeface="Cambria Math" panose="02040503050406030204" pitchFamily="18" charset="0"/>
+                          </a:rPr>
+                          <m:t>𝜃</m:t>
+                        </m:r>
+                      </m:sub>
+                    </m:sSub>
+                    <m:r>
+                      <a:rPr lang="en-US" b="0" i="1" smtClean="0">
+                        <a:latin typeface="Cambria Math" panose="02040503050406030204" pitchFamily="18" charset="0"/>
+                      </a:rPr>
+                      <m:t>(</m:t>
+                    </m:r>
+                    <m:sSub>
+                      <m:sSubPr>
+                        <m:ctrlPr>
+                          <a:rPr lang="en-US" b="0" i="1" smtClean="0">
+                            <a:latin typeface="Cambria Math" panose="02040503050406030204" pitchFamily="18" charset="0"/>
+                          </a:rPr>
+                        </m:ctrlPr>
+                      </m:sSubPr>
+                      <m:e>
+                        <m:r>
+                          <a:rPr lang="en-US" b="0" i="1" smtClean="0">
+                            <a:latin typeface="Cambria Math" panose="02040503050406030204" pitchFamily="18" charset="0"/>
+                          </a:rPr>
+                          <m:t>𝑎</m:t>
+                        </m:r>
+                      </m:e>
+                      <m:sub>
+                        <m:r>
+                          <a:rPr lang="en-US" b="0" i="1" smtClean="0">
+                            <a:latin typeface="Cambria Math" panose="02040503050406030204" pitchFamily="18" charset="0"/>
+                          </a:rPr>
+                          <m:t>𝑡</m:t>
+                        </m:r>
+                      </m:sub>
+                    </m:sSub>
+                    <m:r>
+                      <a:rPr lang="en-US" b="0" i="1" smtClean="0">
+                        <a:latin typeface="Cambria Math" panose="02040503050406030204" pitchFamily="18" charset="0"/>
+                      </a:rPr>
+                      <m:t>|</m:t>
+                    </m:r>
+                    <m:sSub>
+                      <m:sSubPr>
+                        <m:ctrlPr>
+                          <a:rPr lang="en-US" b="0" i="1" smtClean="0">
+                            <a:latin typeface="Cambria Math" panose="02040503050406030204" pitchFamily="18" charset="0"/>
+                          </a:rPr>
+                        </m:ctrlPr>
+                      </m:sSubPr>
+                      <m:e>
+                        <m:r>
+                          <a:rPr lang="en-US" b="0" i="1" smtClean="0">
+                            <a:latin typeface="Cambria Math" panose="02040503050406030204" pitchFamily="18" charset="0"/>
+                          </a:rPr>
+                          <m:t>𝑠</m:t>
+                        </m:r>
+                      </m:e>
+                      <m:sub>
+                        <m:r>
+                          <a:rPr lang="en-US" b="0" i="1" smtClean="0">
+                            <a:latin typeface="Cambria Math" panose="02040503050406030204" pitchFamily="18" charset="0"/>
+                          </a:rPr>
+                          <m:t>𝑡</m:t>
+                        </m:r>
+                      </m:sub>
+                    </m:sSub>
+                    <m:r>
+                      <a:rPr lang="en-US" b="0" i="1" smtClean="0">
+                        <a:latin typeface="Cambria Math" panose="02040503050406030204" pitchFamily="18" charset="0"/>
+                      </a:rPr>
+                      <m:t>)</m:t>
+                    </m:r>
+                  </m:oMath>
+                </a14:m>
+                <a:r>
+                  <a:rPr lang="en-US" dirty="0"/>
+                  <a:t> that maximizes,</a:t>
+                </a:r>
+              </a:p>
+              <a:p>
+                <a14:m>
+                  <m:oMath xmlns:m="http://schemas.openxmlformats.org/officeDocument/2006/math">
+                    <m:func>
+                      <m:funcPr>
+                        <m:ctrlPr>
+                          <a:rPr lang="en-US" altLang="zh-CN" b="0" i="1" smtClean="0">
+                            <a:latin typeface="Cambria Math" panose="02040503050406030204" pitchFamily="18" charset="0"/>
+                          </a:rPr>
+                        </m:ctrlPr>
+                      </m:funcPr>
+                      <m:fName>
+                        <m:limLow>
+                          <m:limLowPr>
+                            <m:ctrlPr>
+                              <a:rPr lang="en-US" altLang="zh-CN" b="0" i="1" smtClean="0">
+                                <a:latin typeface="Cambria Math" panose="02040503050406030204" pitchFamily="18" charset="0"/>
+                              </a:rPr>
+                            </m:ctrlPr>
+                          </m:limLowPr>
+                          <m:e>
+                            <m:r>
+                              <m:rPr>
+                                <m:sty m:val="p"/>
+                              </m:rPr>
+                              <a:rPr lang="en-US" altLang="zh-CN" b="0" i="0" smtClean="0">
+                                <a:latin typeface="Cambria Math" panose="02040503050406030204" pitchFamily="18" charset="0"/>
+                              </a:rPr>
+                              <m:t>max</m:t>
+                            </m:r>
+                          </m:e>
+                          <m:lim>
+                            <m:r>
+                              <a:rPr lang="en-US" altLang="zh-CN" b="0" i="1" smtClean="0">
+                                <a:latin typeface="Cambria Math" panose="02040503050406030204" pitchFamily="18" charset="0"/>
+                              </a:rPr>
+                              <m:t>𝜋</m:t>
+                            </m:r>
+                          </m:lim>
+                        </m:limLow>
+                      </m:fName>
+                      <m:e/>
+                    </m:func>
+                  </m:oMath>
+                </a14:m>
+                <a:endParaRPr lang="en-US" dirty="0"/>
+              </a:p>
+            </p:txBody>
+          </p:sp>
+        </mc:Choice>
+        <mc:Fallback>
+          <p:sp>
+            <p:nvSpPr>
+              <p:cNvPr id="3" name="Content Placeholder 2">
+                <a:extLst>
+                  <a:ext uri="{FF2B5EF4-FFF2-40B4-BE49-F238E27FC236}">
+                    <a16:creationId xmlns:a16="http://schemas.microsoft.com/office/drawing/2014/main" id="{0A10FDC6-3779-402E-A23A-D8B0A7301F95}"/>
+                  </a:ext>
+                </a:extLst>
+              </p:cNvPr>
+              <p:cNvSpPr>
+                <a:spLocks noGrp="1" noRot="1" noChangeAspect="1" noMove="1" noResize="1" noEditPoints="1" noAdjustHandles="1" noChangeArrowheads="1" noChangeShapeType="1" noTextEdit="1"/>
+              </p:cNvSpPr>
+              <p:nvPr>
+                <p:ph idx="1"/>
+              </p:nvPr>
+            </p:nvSpPr>
+            <p:spPr>
+              <a:xfrm>
+                <a:off x="457200" y="1295399"/>
+                <a:ext cx="8382000" cy="3151934"/>
+              </a:xfrm>
+              <a:blipFill>
+                <a:blip r:embed="rId3"/>
+                <a:stretch>
+                  <a:fillRect l="-1455" t="-4826" r="-1600"/>
+                </a:stretch>
+              </a:blipFill>
+            </p:spPr>
+            <p:txBody>
+              <a:bodyPr/>
+              <a:lstStyle/>
+              <a:p>
+                <a:r>
+                  <a:rPr lang="en-SE">
+                    <a:noFill/>
+                  </a:rPr>
+                  <a:t> </a:t>
+                </a:r>
+              </a:p>
+            </p:txBody>
+          </p:sp>
+        </mc:Fallback>
+      </mc:AlternateContent>
+      <p:sp>
+        <p:nvSpPr>
+          <p:cNvPr id="4" name="Slide Number Placeholder 3">
+            <a:extLst>
+              <a:ext uri="{FF2B5EF4-FFF2-40B4-BE49-F238E27FC236}">
+                <a16:creationId xmlns:a16="http://schemas.microsoft.com/office/drawing/2014/main" id="{B4D83823-CACC-465B-A796-51C7E08B514B}"/>
+              </a:ext>
+            </a:extLst>
+          </p:cNvPr>
+          <p:cNvSpPr>
+            <a:spLocks noGrp="1"/>
+          </p:cNvSpPr>
+          <p:nvPr>
+            <p:ph type="sldNum" sz="quarter" idx="12"/>
+          </p:nvPr>
+        </p:nvSpPr>
+        <p:spPr bwMode="auto">
+          <a:xfrm>
+            <a:off x="6934200" y="6530035"/>
+            <a:ext cx="2133600" cy="244475"/>
+          </a:xfrm>
+          <a:prstGeom prst="rect">
+            <a:avLst/>
+          </a:prstGeom>
+          <a:noFill/>
+          <a:ln w="9525">
+            <a:noFill/>
+            <a:miter lim="800000"/>
+            <a:headEnd/>
+            <a:tailEnd/>
+          </a:ln>
+          <a:effectLst/>
+        </p:spPr>
+        <p:txBody>
+          <a:bodyPr vert="horz" wrap="square" lIns="91440" tIns="45720" rIns="91440" bIns="45720" numCol="1" anchor="t" anchorCtr="0" compatLnSpc="1">
+            <a:prstTxWarp prst="textNoShape">
+              <a:avLst/>
+            </a:prstTxWarp>
+          </a:bodyPr>
+          <a:lstStyle>
+            <a:defPPr>
+              <a:defRPr lang="en-US"/>
+            </a:defPPr>
+            <a:lvl1pPr algn="r" rtl="0" fontAlgn="base">
+              <a:spcBef>
+                <a:spcPct val="0"/>
+              </a:spcBef>
+              <a:spcAft>
+                <a:spcPct val="0"/>
+              </a:spcAft>
+              <a:defRPr sz="1200" kern="1200">
+                <a:solidFill>
+                  <a:schemeClr val="tx1"/>
+                </a:solidFill>
+                <a:latin typeface="Arial" charset="0"/>
+                <a:ea typeface="宋体" charset="-122"/>
+                <a:cs typeface="+mn-cs"/>
+              </a:defRPr>
+            </a:lvl1pPr>
+            <a:lvl2pPr marL="457200" algn="l" rtl="0" fontAlgn="base">
+              <a:spcBef>
+                <a:spcPct val="0"/>
+              </a:spcBef>
+              <a:spcAft>
+                <a:spcPct val="0"/>
+              </a:spcAft>
+              <a:defRPr kern="1200">
+                <a:solidFill>
+                  <a:schemeClr val="tx1"/>
+                </a:solidFill>
+                <a:latin typeface="Arial" charset="0"/>
+                <a:ea typeface="+mn-ea"/>
+                <a:cs typeface="+mn-cs"/>
+              </a:defRPr>
+            </a:lvl2pPr>
+            <a:lvl3pPr marL="914400" algn="l" rtl="0" fontAlgn="base">
+              <a:spcBef>
+                <a:spcPct val="0"/>
+              </a:spcBef>
+              <a:spcAft>
+                <a:spcPct val="0"/>
+              </a:spcAft>
+              <a:defRPr kern="1200">
+                <a:solidFill>
+                  <a:schemeClr val="tx1"/>
+                </a:solidFill>
+                <a:latin typeface="Arial" charset="0"/>
+                <a:ea typeface="+mn-ea"/>
+                <a:cs typeface="+mn-cs"/>
+              </a:defRPr>
+            </a:lvl3pPr>
+            <a:lvl4pPr marL="1371600" algn="l" rtl="0" fontAlgn="base">
+              <a:spcBef>
+                <a:spcPct val="0"/>
+              </a:spcBef>
+              <a:spcAft>
+                <a:spcPct val="0"/>
+              </a:spcAft>
+              <a:defRPr kern="1200">
+                <a:solidFill>
+                  <a:schemeClr val="tx1"/>
+                </a:solidFill>
+                <a:latin typeface="Arial" charset="0"/>
+                <a:ea typeface="+mn-ea"/>
+                <a:cs typeface="+mn-cs"/>
+              </a:defRPr>
+            </a:lvl4pPr>
+            <a:lvl5pPr marL="1828800" algn="l" rtl="0" fontAlgn="base">
+              <a:spcBef>
+                <a:spcPct val="0"/>
+              </a:spcBef>
+              <a:spcAft>
+                <a:spcPct val="0"/>
+              </a:spcAft>
+              <a:defRPr kern="1200">
+                <a:solidFill>
+                  <a:schemeClr val="tx1"/>
+                </a:solidFill>
+                <a:latin typeface="Arial" charset="0"/>
+                <a:ea typeface="+mn-ea"/>
+                <a:cs typeface="+mn-cs"/>
+              </a:defRPr>
+            </a:lvl5pPr>
+            <a:lvl6pPr marL="2286000" algn="l" defTabSz="914400" rtl="0" eaLnBrk="1" latinLnBrk="0" hangingPunct="1">
+              <a:defRPr kern="1200">
+                <a:solidFill>
+                  <a:schemeClr val="tx1"/>
+                </a:solidFill>
+                <a:latin typeface="Arial" charset="0"/>
+                <a:ea typeface="+mn-ea"/>
+                <a:cs typeface="+mn-cs"/>
+              </a:defRPr>
+            </a:lvl6pPr>
+            <a:lvl7pPr marL="2743200" algn="l" defTabSz="914400" rtl="0" eaLnBrk="1" latinLnBrk="0" hangingPunct="1">
+              <a:defRPr kern="1200">
+                <a:solidFill>
+                  <a:schemeClr val="tx1"/>
+                </a:solidFill>
+                <a:latin typeface="Arial" charset="0"/>
+                <a:ea typeface="+mn-ea"/>
+                <a:cs typeface="+mn-cs"/>
+              </a:defRPr>
+            </a:lvl7pPr>
+            <a:lvl8pPr marL="3200400" algn="l" defTabSz="914400" rtl="0" eaLnBrk="1" latinLnBrk="0" hangingPunct="1">
+              <a:defRPr kern="1200">
+                <a:solidFill>
+                  <a:schemeClr val="tx1"/>
+                </a:solidFill>
+                <a:latin typeface="Arial" charset="0"/>
+                <a:ea typeface="+mn-ea"/>
+                <a:cs typeface="+mn-cs"/>
+              </a:defRPr>
+            </a:lvl8pPr>
+            <a:lvl9pPr marL="3657600" algn="l" defTabSz="914400" rtl="0" eaLnBrk="1" latinLnBrk="0" hangingPunct="1">
+              <a:defRPr kern="1200">
+                <a:solidFill>
+                  <a:schemeClr val="tx1"/>
+                </a:solidFill>
+                <a:latin typeface="Arial" charset="0"/>
+                <a:ea typeface="+mn-ea"/>
+                <a:cs typeface="+mn-cs"/>
+              </a:defRPr>
+            </a:lvl9pPr>
+          </a:lstStyle>
+          <a:p>
+            <a:pPr>
+              <a:defRPr/>
+            </a:pPr>
+            <a:fld id="{F57F456A-00AF-44E6-8D70-638C0D0130FF}" type="slidenum">
+              <a:rPr lang="en-US" altLang="zh-CN" smtClean="0"/>
+              <a:pPr>
+                <a:defRPr/>
+              </a:pPr>
+              <a:t>2</a:t>
+            </a:fld>
+            <a:endParaRPr lang="en-US" altLang="zh-CN"/>
+          </a:p>
+        </p:txBody>
+      </p:sp>
+      <mc:AlternateContent xmlns:mc="http://schemas.openxmlformats.org/markup-compatibility/2006">
+        <mc:Choice xmlns:a14="http://schemas.microsoft.com/office/drawing/2010/main" Requires="a14">
+          <p:sp>
+            <p:nvSpPr>
+              <p:cNvPr id="13" name="内容占位符 2">
+                <a:extLst>
+                  <a:ext uri="{FF2B5EF4-FFF2-40B4-BE49-F238E27FC236}">
+                    <a16:creationId xmlns:a16="http://schemas.microsoft.com/office/drawing/2014/main" id="{DBB5514F-088F-4174-BA00-0FC468EBD3F1}"/>
+                  </a:ext>
+                </a:extLst>
+              </p:cNvPr>
+              <p:cNvSpPr txBox="1">
+                <a:spLocks/>
+              </p:cNvSpPr>
+              <p:nvPr/>
+            </p:nvSpPr>
+            <p:spPr>
+              <a:xfrm>
+                <a:off x="3385070" y="4469954"/>
+                <a:ext cx="2232248" cy="575348"/>
+              </a:xfrm>
+              <a:prstGeom prst="rect">
+                <a:avLst/>
+              </a:prstGeom>
+            </p:spPr>
+            <p:txBody>
+              <a:bodyPr vert="horz" lIns="0" tIns="0" rIns="0" bIns="0" rtlCol="0">
+                <a:normAutofit/>
+              </a:bodyPr>
+              <a:lstStyle>
+                <a:lvl1pPr marL="228600" indent="-228600" algn="l" defTabSz="914400" rtl="0" eaLnBrk="1" latinLnBrk="0" hangingPunct="1">
+                  <a:lnSpc>
+                    <a:spcPct val="100000"/>
+                  </a:lnSpc>
+                  <a:spcBef>
+                    <a:spcPts val="1000"/>
+                  </a:spcBef>
+                  <a:buFont typeface="Arial" panose="020B0604020202020204" pitchFamily="34" charset="0"/>
+                  <a:buChar char="•"/>
+                  <a:defRPr sz="3200" kern="1200">
+                    <a:solidFill>
+                      <a:schemeClr val="tx1"/>
+                    </a:solidFill>
+                    <a:latin typeface="+mn-lt"/>
+                    <a:ea typeface="+mn-ea"/>
+                    <a:cs typeface="+mn-cs"/>
+                  </a:defRPr>
+                </a:lvl1pPr>
+                <a:lvl2pPr marL="685800" indent="-228600" algn="l" defTabSz="914400" rtl="0" eaLnBrk="1" latinLnBrk="0" hangingPunct="1">
+                  <a:lnSpc>
+                    <a:spcPct val="100000"/>
+                  </a:lnSpc>
+                  <a:spcBef>
+                    <a:spcPts val="500"/>
+                  </a:spcBef>
+                  <a:buFont typeface="Courier New"/>
+                  <a:buChar char="o"/>
+                  <a:defRPr sz="2800" kern="1200">
+                    <a:solidFill>
+                      <a:schemeClr val="tx1"/>
+                    </a:solidFill>
+                    <a:latin typeface="+mn-lt"/>
+                    <a:ea typeface="+mn-ea"/>
+                    <a:cs typeface="+mn-cs"/>
+                  </a:defRPr>
+                </a:lvl2pPr>
+                <a:lvl3pPr marL="1143000" indent="-228600" algn="l" defTabSz="914400" rtl="0" eaLnBrk="1" latinLnBrk="0" hangingPunct="1">
+                  <a:lnSpc>
+                    <a:spcPct val="100000"/>
+                  </a:lnSpc>
+                  <a:spcBef>
+                    <a:spcPts val="500"/>
+                  </a:spcBef>
+                  <a:buFont typeface="Wingdings" charset="2"/>
+                  <a:buChar char="§"/>
+                  <a:defRPr sz="2400" kern="1200">
+                    <a:solidFill>
+                      <a:schemeClr val="tx1"/>
+                    </a:solidFill>
+                    <a:latin typeface="+mn-lt"/>
+                    <a:ea typeface="+mn-ea"/>
+                    <a:cs typeface="+mn-cs"/>
+                  </a:defRPr>
+                </a:lvl3pPr>
+                <a:lvl4pPr marL="1600200" indent="-228600" algn="l" defTabSz="914400" rtl="0" eaLnBrk="1" latinLnBrk="0" hangingPunct="1">
+                  <a:lnSpc>
+                    <a:spcPct val="100000"/>
+                  </a:lnSpc>
+                  <a:spcBef>
+                    <a:spcPts val="500"/>
+                  </a:spcBef>
+                  <a:buFont typeface="Arial" panose="020B0604020202020204" pitchFamily="34" charset="0"/>
+                  <a:buChar char="•"/>
+                  <a:defRPr sz="2400" kern="1200">
+                    <a:solidFill>
+                      <a:schemeClr val="tx1"/>
+                    </a:solidFill>
+                    <a:latin typeface="+mn-lt"/>
+                    <a:ea typeface="+mn-ea"/>
+                    <a:cs typeface="+mn-cs"/>
+                  </a:defRPr>
+                </a:lvl4pPr>
+                <a:lvl5pPr marL="2057400" indent="-228600" algn="l" defTabSz="914400" rtl="0" eaLnBrk="1" latinLnBrk="0" hangingPunct="1">
+                  <a:lnSpc>
+                    <a:spcPct val="100000"/>
+                  </a:lnSpc>
+                  <a:spcBef>
+                    <a:spcPts val="500"/>
+                  </a:spcBef>
+                  <a:buSzPct val="80000"/>
+                  <a:buFont typeface="Lucida Grande"/>
+                  <a:buChar char="-"/>
+                  <a:defRPr sz="1800" kern="1200">
+                    <a:solidFill>
+                      <a:schemeClr val="tx1"/>
+                    </a:solidFill>
+                    <a:latin typeface="+mn-lt"/>
+                    <a:ea typeface="+mn-ea"/>
+                    <a:cs typeface="+mn-cs"/>
+                  </a:defRPr>
+                </a:lvl5pPr>
+                <a:lvl6pPr marL="2514600" indent="-228600" algn="l" defTabSz="914400" rtl="0" eaLnBrk="1" latinLnBrk="0" hangingPunct="1">
+                  <a:lnSpc>
+                    <a:spcPct val="90000"/>
+                  </a:lnSpc>
+                  <a:spcBef>
+                    <a:spcPts val="500"/>
+                  </a:spcBef>
+                  <a:buFont typeface="Arial" panose="020B0604020202020204" pitchFamily="34" charset="0"/>
+                  <a:buChar char="•"/>
+                  <a:defRPr sz="1800" kern="1200">
+                    <a:solidFill>
+                      <a:schemeClr val="tx1"/>
+                    </a:solidFill>
+                    <a:latin typeface="+mn-lt"/>
+                    <a:ea typeface="+mn-ea"/>
+                    <a:cs typeface="+mn-cs"/>
+                  </a:defRPr>
+                </a:lvl6pPr>
+                <a:lvl7pPr marL="2971800" indent="-228600" algn="l" defTabSz="914400" rtl="0" eaLnBrk="1" latinLnBrk="0" hangingPunct="1">
+                  <a:lnSpc>
+                    <a:spcPct val="90000"/>
+                  </a:lnSpc>
+                  <a:spcBef>
+                    <a:spcPts val="500"/>
+                  </a:spcBef>
+                  <a:buFont typeface="Arial" panose="020B0604020202020204" pitchFamily="34" charset="0"/>
+                  <a:buChar char="•"/>
+                  <a:defRPr sz="1800" kern="1200">
+                    <a:solidFill>
+                      <a:schemeClr val="tx1"/>
+                    </a:solidFill>
+                    <a:latin typeface="+mn-lt"/>
+                    <a:ea typeface="+mn-ea"/>
+                    <a:cs typeface="+mn-cs"/>
+                  </a:defRPr>
+                </a:lvl7pPr>
+                <a:lvl8pPr marL="3429000" indent="-228600" algn="l" defTabSz="914400" rtl="0" eaLnBrk="1" latinLnBrk="0" hangingPunct="1">
+                  <a:lnSpc>
+                    <a:spcPct val="90000"/>
+                  </a:lnSpc>
+                  <a:spcBef>
+                    <a:spcPts val="500"/>
+                  </a:spcBef>
+                  <a:buFont typeface="Arial" panose="020B0604020202020204" pitchFamily="34" charset="0"/>
+                  <a:buChar char="•"/>
+                  <a:defRPr sz="1800" kern="1200">
+                    <a:solidFill>
+                      <a:schemeClr val="tx1"/>
+                    </a:solidFill>
+                    <a:latin typeface="+mn-lt"/>
+                    <a:ea typeface="+mn-ea"/>
+                    <a:cs typeface="+mn-cs"/>
+                  </a:defRPr>
+                </a:lvl8pPr>
+                <a:lvl9pPr marL="3886200" indent="-228600" algn="l" defTabSz="914400" rtl="0" eaLnBrk="1" latinLnBrk="0" hangingPunct="1">
+                  <a:lnSpc>
+                    <a:spcPct val="90000"/>
+                  </a:lnSpc>
+                  <a:spcBef>
+                    <a:spcPts val="500"/>
+                  </a:spcBef>
+                  <a:buFont typeface="Arial" panose="020B0604020202020204" pitchFamily="34" charset="0"/>
+                  <a:buChar char="•"/>
+                  <a:defRPr sz="1800" kern="1200">
+                    <a:solidFill>
+                      <a:schemeClr val="tx1"/>
+                    </a:solidFill>
+                    <a:latin typeface="+mn-lt"/>
+                    <a:ea typeface="+mn-ea"/>
+                    <a:cs typeface="+mn-cs"/>
+                  </a:defRPr>
+                </a:lvl9pPr>
+              </a:lstStyle>
+              <a:p>
+                <a:pPr marL="0" indent="0">
+                  <a:buFont typeface="Arial" panose="020B0604020202020204" pitchFamily="34" charset="0"/>
+                  <a:buNone/>
+                </a:pPr>
+                <a14:m>
+                  <m:oMathPara xmlns:m="http://schemas.openxmlformats.org/officeDocument/2006/math">
+                    <m:oMathParaPr>
+                      <m:jc m:val="centerGroup"/>
+                    </m:oMathParaPr>
+                    <m:oMath xmlns:m="http://schemas.openxmlformats.org/officeDocument/2006/math">
+                      <m:sSub>
+                        <m:sSubPr>
+                          <m:ctrlPr>
+                            <a:rPr lang="en-US" altLang="zh-CN" sz="2000" i="1" smtClean="0">
+                              <a:latin typeface="Cambria Math" panose="02040503050406030204" pitchFamily="18" charset="0"/>
+                            </a:rPr>
+                          </m:ctrlPr>
+                        </m:sSubPr>
+                        <m:e>
+                          <m:r>
+                            <a:rPr lang="en-US" altLang="zh-CN" sz="2000" i="1" smtClean="0">
+                              <a:latin typeface="Cambria Math" panose="02040503050406030204" pitchFamily="18" charset="0"/>
+                            </a:rPr>
+                            <m:t>𝑝</m:t>
+                          </m:r>
+                          <m:r>
+                            <a:rPr lang="en-US" altLang="zh-CN" sz="2000" i="1" smtClean="0">
+                              <a:latin typeface="Cambria Math" panose="02040503050406030204" pitchFamily="18" charset="0"/>
+                            </a:rPr>
+                            <m:t>(</m:t>
+                          </m:r>
+                          <m:r>
+                            <a:rPr lang="en-US" altLang="zh-CN" sz="2000" i="1" smtClean="0">
+                              <a:latin typeface="Cambria Math" panose="02040503050406030204" pitchFamily="18" charset="0"/>
+                            </a:rPr>
+                            <m:t>𝑠</m:t>
+                          </m:r>
+                        </m:e>
+                        <m:sub>
+                          <m:r>
+                            <a:rPr lang="en-US" altLang="zh-CN" sz="2000" i="1" smtClean="0">
+                              <a:latin typeface="Cambria Math" panose="02040503050406030204" pitchFamily="18" charset="0"/>
+                            </a:rPr>
+                            <m:t>𝑡</m:t>
+                          </m:r>
+                          <m:r>
+                            <a:rPr lang="en-US" altLang="zh-CN" sz="2000" i="1" smtClean="0">
+                              <a:latin typeface="Cambria Math" panose="02040503050406030204" pitchFamily="18" charset="0"/>
+                            </a:rPr>
+                            <m:t>+1</m:t>
+                          </m:r>
+                        </m:sub>
+                      </m:sSub>
+                      <m:r>
+                        <a:rPr lang="en-US" altLang="zh-CN" sz="2000" i="1" smtClean="0">
+                          <a:latin typeface="Cambria Math" panose="02040503050406030204" pitchFamily="18" charset="0"/>
+                        </a:rPr>
+                        <m:t>|</m:t>
+                      </m:r>
+                      <m:sSub>
+                        <m:sSubPr>
+                          <m:ctrlPr>
+                            <a:rPr lang="en-US" altLang="zh-CN" sz="2000" i="1" smtClean="0">
+                              <a:latin typeface="Cambria Math" panose="02040503050406030204" pitchFamily="18" charset="0"/>
+                            </a:rPr>
+                          </m:ctrlPr>
+                        </m:sSubPr>
+                        <m:e>
+                          <m:r>
+                            <a:rPr lang="en-US" altLang="zh-CN" sz="2000" i="1" smtClean="0">
+                              <a:latin typeface="Cambria Math" panose="02040503050406030204" pitchFamily="18" charset="0"/>
+                            </a:rPr>
+                            <m:t>𝑠</m:t>
+                          </m:r>
+                        </m:e>
+                        <m:sub>
+                          <m:r>
+                            <a:rPr lang="en-US" altLang="zh-CN" sz="2000" i="1" smtClean="0">
+                              <a:latin typeface="Cambria Math" panose="02040503050406030204" pitchFamily="18" charset="0"/>
+                            </a:rPr>
+                            <m:t>𝑡</m:t>
+                          </m:r>
+                        </m:sub>
+                      </m:sSub>
+                      <m:r>
+                        <a:rPr lang="en-US" altLang="zh-CN" sz="2000" i="1" smtClean="0">
+                          <a:latin typeface="Cambria Math" panose="02040503050406030204" pitchFamily="18" charset="0"/>
+                        </a:rPr>
+                        <m:t>,</m:t>
+                      </m:r>
+                      <m:sSub>
+                        <m:sSubPr>
+                          <m:ctrlPr>
+                            <a:rPr lang="en-US" altLang="zh-CN" sz="2000" i="1" smtClean="0">
+                              <a:latin typeface="Cambria Math" panose="02040503050406030204" pitchFamily="18" charset="0"/>
+                            </a:rPr>
+                          </m:ctrlPr>
+                        </m:sSubPr>
+                        <m:e>
+                          <m:r>
+                            <a:rPr lang="en-US" altLang="zh-CN" sz="2000" i="1" smtClean="0">
+                              <a:latin typeface="Cambria Math" panose="02040503050406030204" pitchFamily="18" charset="0"/>
+                            </a:rPr>
+                            <m:t>𝑎</m:t>
+                          </m:r>
+                        </m:e>
+                        <m:sub>
+                          <m:r>
+                            <a:rPr lang="en-US" altLang="zh-CN" sz="2000" i="1" smtClean="0">
+                              <a:latin typeface="Cambria Math" panose="02040503050406030204" pitchFamily="18" charset="0"/>
+                            </a:rPr>
+                            <m:t>𝑡</m:t>
+                          </m:r>
+                        </m:sub>
+                      </m:sSub>
+                      <m:r>
+                        <a:rPr lang="en-US" altLang="zh-CN" sz="2000" i="1" smtClean="0">
+                          <a:latin typeface="Cambria Math" panose="02040503050406030204" pitchFamily="18" charset="0"/>
+                        </a:rPr>
+                        <m:t>)</m:t>
+                      </m:r>
+                    </m:oMath>
+                  </m:oMathPara>
+                </a14:m>
+                <a:endParaRPr lang="zh-CN" altLang="en-US" sz="2000" dirty="0"/>
+              </a:p>
+            </p:txBody>
+          </p:sp>
+        </mc:Choice>
+        <mc:Fallback>
+          <p:sp>
+            <p:nvSpPr>
+              <p:cNvPr id="13" name="内容占位符 2">
+                <a:extLst>
+                  <a:ext uri="{FF2B5EF4-FFF2-40B4-BE49-F238E27FC236}">
+                    <a16:creationId xmlns:a16="http://schemas.microsoft.com/office/drawing/2014/main" id="{DBB5514F-088F-4174-BA00-0FC468EBD3F1}"/>
+                  </a:ext>
+                </a:extLst>
+              </p:cNvPr>
+              <p:cNvSpPr txBox="1">
+                <a:spLocks noRot="1" noChangeAspect="1" noMove="1" noResize="1" noEditPoints="1" noAdjustHandles="1" noChangeArrowheads="1" noChangeShapeType="1" noTextEdit="1"/>
+              </p:cNvSpPr>
+              <p:nvPr/>
+            </p:nvSpPr>
+            <p:spPr>
+              <a:xfrm>
+                <a:off x="3385070" y="4469954"/>
+                <a:ext cx="2232248" cy="575348"/>
+              </a:xfrm>
+              <a:prstGeom prst="rect">
+                <a:avLst/>
+              </a:prstGeom>
+              <a:blipFill>
+                <a:blip r:embed="rId4"/>
+                <a:stretch>
+                  <a:fillRect t="-1053"/>
+                </a:stretch>
+              </a:blipFill>
+            </p:spPr>
+            <p:txBody>
+              <a:bodyPr/>
+              <a:lstStyle/>
+              <a:p>
+                <a:r>
+                  <a:rPr lang="en-SE">
+                    <a:noFill/>
+                  </a:rPr>
+                  <a:t> </a:t>
+                </a:r>
+              </a:p>
+            </p:txBody>
+          </p:sp>
+        </mc:Fallback>
+      </mc:AlternateContent>
+      <p:sp>
+        <p:nvSpPr>
+          <p:cNvPr id="14" name="TextBox 13">
+            <a:extLst>
+              <a:ext uri="{FF2B5EF4-FFF2-40B4-BE49-F238E27FC236}">
+                <a16:creationId xmlns:a16="http://schemas.microsoft.com/office/drawing/2014/main" id="{9955E9A0-2EF5-4310-9298-9C91A3AA5B78}"/>
+              </a:ext>
+            </a:extLst>
+          </p:cNvPr>
+          <p:cNvSpPr txBox="1"/>
+          <p:nvPr/>
+        </p:nvSpPr>
+        <p:spPr>
+          <a:xfrm>
+            <a:off x="880755" y="5659058"/>
+            <a:ext cx="7440744" cy="369332"/>
+          </a:xfrm>
+          <a:prstGeom prst="rect">
+            <a:avLst/>
+          </a:prstGeom>
+          <a:ln>
+            <a:noFill/>
+          </a:ln>
+        </p:spPr>
+        <p:style>
+          <a:lnRef idx="2">
+            <a:schemeClr val="accent3"/>
+          </a:lnRef>
+          <a:fillRef idx="1">
+            <a:schemeClr val="lt1"/>
+          </a:fillRef>
+          <a:effectRef idx="0">
+            <a:schemeClr val="accent3"/>
+          </a:effectRef>
+          <a:fontRef idx="minor">
+            <a:schemeClr val="dk1"/>
+          </a:fontRef>
+        </p:style>
+        <p:txBody>
+          <a:bodyPr wrap="square" rtlCol="0">
+            <a:spAutoFit/>
+          </a:bodyPr>
+          <a:lstStyle/>
+          <a:p>
+            <a:endParaRPr lang="en-US" dirty="0"/>
+          </a:p>
+        </p:txBody>
+      </p:sp>
+      <mc:AlternateContent xmlns:mc="http://schemas.openxmlformats.org/markup-compatibility/2006">
+        <mc:Choice xmlns:a14="http://schemas.microsoft.com/office/drawing/2010/main" Requires="a14">
+          <p:sp>
+            <p:nvSpPr>
+              <p:cNvPr id="15" name="TextBox 14">
+                <a:extLst>
+                  <a:ext uri="{FF2B5EF4-FFF2-40B4-BE49-F238E27FC236}">
+                    <a16:creationId xmlns:a16="http://schemas.microsoft.com/office/drawing/2014/main" id="{1D69C449-82FF-4C40-824D-633AFF1A4DE4}"/>
+                  </a:ext>
+                </a:extLst>
+              </p:cNvPr>
+              <p:cNvSpPr txBox="1"/>
+              <p:nvPr/>
+            </p:nvSpPr>
+            <p:spPr>
+              <a:xfrm>
+                <a:off x="5513735" y="5158178"/>
+                <a:ext cx="1953865" cy="707886"/>
+              </a:xfrm>
+              <a:prstGeom prst="rect">
+                <a:avLst/>
+              </a:prstGeom>
+              <a:noFill/>
+            </p:spPr>
+            <p:txBody>
+              <a:bodyPr wrap="square" rtlCol="0">
+                <a:spAutoFit/>
+              </a:bodyPr>
+              <a:lstStyle/>
+              <a:p>
+                <a:r>
+                  <a:rPr lang="en-US" sz="2000" dirty="0"/>
+                  <a:t>Observation </a:t>
+                </a:r>
+                <a14:m>
+                  <m:oMath xmlns:m="http://schemas.openxmlformats.org/officeDocument/2006/math">
+                    <m:sSub>
+                      <m:sSubPr>
+                        <m:ctrlPr>
+                          <a:rPr lang="en-US" altLang="zh-CN" sz="2000" i="1">
+                            <a:latin typeface="Cambria Math" panose="02040503050406030204" pitchFamily="18" charset="0"/>
+                          </a:rPr>
+                        </m:ctrlPr>
+                      </m:sSubPr>
+                      <m:e>
+                        <m:r>
+                          <a:rPr lang="en-US" altLang="zh-CN" sz="2000" i="1">
+                            <a:latin typeface="Cambria Math" panose="02040503050406030204" pitchFamily="18" charset="0"/>
+                          </a:rPr>
+                          <m:t>𝑠</m:t>
+                        </m:r>
+                      </m:e>
+                      <m:sub>
+                        <m:r>
+                          <a:rPr lang="en-US" altLang="zh-CN" sz="2000" i="1">
+                            <a:latin typeface="Cambria Math" panose="02040503050406030204" pitchFamily="18" charset="0"/>
+                          </a:rPr>
+                          <m:t>𝑡</m:t>
+                        </m:r>
+                        <m:r>
+                          <a:rPr lang="en-US" altLang="zh-CN" sz="2000" b="0" i="1" smtClean="0">
+                            <a:latin typeface="Cambria Math" panose="02040503050406030204" pitchFamily="18" charset="0"/>
+                          </a:rPr>
+                          <m:t>+1</m:t>
+                        </m:r>
+                      </m:sub>
+                    </m:sSub>
+                  </m:oMath>
+                </a14:m>
+                <a:r>
+                  <a:rPr lang="en-US" sz="2000" dirty="0"/>
+                  <a:t>; Reward </a:t>
+                </a:r>
+                <a14:m>
+                  <m:oMath xmlns:m="http://schemas.openxmlformats.org/officeDocument/2006/math">
+                    <m:sSub>
+                      <m:sSubPr>
+                        <m:ctrlPr>
+                          <a:rPr lang="en-US" altLang="zh-CN" sz="2000" i="1">
+                            <a:latin typeface="Cambria Math" panose="02040503050406030204" pitchFamily="18" charset="0"/>
+                          </a:rPr>
+                        </m:ctrlPr>
+                      </m:sSubPr>
+                      <m:e>
+                        <m:r>
+                          <a:rPr lang="en-US" altLang="zh-CN" sz="2000" b="0" i="1" smtClean="0">
+                            <a:latin typeface="Cambria Math" panose="02040503050406030204" pitchFamily="18" charset="0"/>
+                          </a:rPr>
+                          <m:t>𝑟</m:t>
+                        </m:r>
+                      </m:e>
+                      <m:sub>
+                        <m:r>
+                          <a:rPr lang="en-US" altLang="zh-CN" sz="2000" i="1">
+                            <a:latin typeface="Cambria Math" panose="02040503050406030204" pitchFamily="18" charset="0"/>
+                          </a:rPr>
+                          <m:t>𝑡</m:t>
+                        </m:r>
+                      </m:sub>
+                    </m:sSub>
+                  </m:oMath>
+                </a14:m>
+                <a:endParaRPr lang="en-US" sz="2000" dirty="0"/>
+              </a:p>
+            </p:txBody>
+          </p:sp>
+        </mc:Choice>
+        <mc:Fallback>
+          <p:sp>
+            <p:nvSpPr>
+              <p:cNvPr id="15" name="TextBox 14">
+                <a:extLst>
+                  <a:ext uri="{FF2B5EF4-FFF2-40B4-BE49-F238E27FC236}">
+                    <a16:creationId xmlns:a16="http://schemas.microsoft.com/office/drawing/2014/main" id="{1D69C449-82FF-4C40-824D-633AFF1A4DE4}"/>
+                  </a:ext>
+                </a:extLst>
+              </p:cNvPr>
+              <p:cNvSpPr txBox="1">
+                <a:spLocks noRot="1" noChangeAspect="1" noMove="1" noResize="1" noEditPoints="1" noAdjustHandles="1" noChangeArrowheads="1" noChangeShapeType="1" noTextEdit="1"/>
+              </p:cNvSpPr>
+              <p:nvPr/>
+            </p:nvSpPr>
+            <p:spPr>
+              <a:xfrm>
+                <a:off x="5513735" y="5158178"/>
+                <a:ext cx="1953865" cy="707886"/>
+              </a:xfrm>
+              <a:prstGeom prst="rect">
+                <a:avLst/>
+              </a:prstGeom>
+              <a:blipFill>
+                <a:blip r:embed="rId5"/>
+                <a:stretch>
+                  <a:fillRect l="-3115" t="-4310" b="-14655"/>
+                </a:stretch>
+              </a:blipFill>
+            </p:spPr>
+            <p:txBody>
+              <a:bodyPr/>
+              <a:lstStyle/>
+              <a:p>
+                <a:r>
+                  <a:rPr lang="en-SE">
+                    <a:noFill/>
+                  </a:rPr>
+                  <a:t> </a:t>
+                </a:r>
+              </a:p>
+            </p:txBody>
+          </p:sp>
+        </mc:Fallback>
+      </mc:AlternateContent>
+      <mc:AlternateContent xmlns:mc="http://schemas.openxmlformats.org/markup-compatibility/2006">
+        <mc:Choice xmlns:a14="http://schemas.microsoft.com/office/drawing/2010/main" Requires="a14">
+          <p:sp>
+            <p:nvSpPr>
+              <p:cNvPr id="16" name="TextBox 15">
+                <a:extLst>
+                  <a:ext uri="{FF2B5EF4-FFF2-40B4-BE49-F238E27FC236}">
+                    <a16:creationId xmlns:a16="http://schemas.microsoft.com/office/drawing/2014/main" id="{15880CA4-CE61-48CB-BE8E-673C6B822198}"/>
+                  </a:ext>
+                </a:extLst>
+              </p:cNvPr>
+              <p:cNvSpPr txBox="1"/>
+              <p:nvPr/>
+            </p:nvSpPr>
+            <p:spPr>
+              <a:xfrm>
+                <a:off x="2653134" y="5289676"/>
+                <a:ext cx="1005452" cy="707886"/>
+              </a:xfrm>
+              <a:prstGeom prst="rect">
+                <a:avLst/>
+              </a:prstGeom>
+              <a:noFill/>
+            </p:spPr>
+            <p:txBody>
+              <a:bodyPr wrap="square" rtlCol="0">
+                <a:spAutoFit/>
+              </a:bodyPr>
+              <a:lstStyle/>
+              <a:p>
+                <a:r>
+                  <a:rPr lang="en-US" sz="2000" dirty="0"/>
+                  <a:t>Action </a:t>
+                </a:r>
+                <a14:m>
+                  <m:oMath xmlns:m="http://schemas.openxmlformats.org/officeDocument/2006/math">
+                    <m:sSub>
+                      <m:sSubPr>
+                        <m:ctrlPr>
+                          <a:rPr lang="en-US" altLang="zh-CN" sz="2000" i="1">
+                            <a:latin typeface="Cambria Math" panose="02040503050406030204" pitchFamily="18" charset="0"/>
+                          </a:rPr>
+                        </m:ctrlPr>
+                      </m:sSubPr>
+                      <m:e>
+                        <m:r>
+                          <a:rPr lang="en-US" altLang="zh-CN" sz="2000" i="1">
+                            <a:latin typeface="Cambria Math" panose="02040503050406030204" pitchFamily="18" charset="0"/>
+                          </a:rPr>
+                          <m:t>𝑎</m:t>
+                        </m:r>
+                      </m:e>
+                      <m:sub>
+                        <m:r>
+                          <a:rPr lang="en-US" altLang="zh-CN" sz="2000" i="1">
+                            <a:latin typeface="Cambria Math" panose="02040503050406030204" pitchFamily="18" charset="0"/>
+                          </a:rPr>
+                          <m:t>𝑡</m:t>
+                        </m:r>
+                      </m:sub>
+                    </m:sSub>
+                  </m:oMath>
+                </a14:m>
+                <a:r>
+                  <a:rPr lang="en-US" sz="2000" dirty="0"/>
+                  <a:t> </a:t>
+                </a:r>
+              </a:p>
+            </p:txBody>
+          </p:sp>
+        </mc:Choice>
+        <mc:Fallback>
+          <p:sp>
+            <p:nvSpPr>
+              <p:cNvPr id="16" name="TextBox 15">
+                <a:extLst>
+                  <a:ext uri="{FF2B5EF4-FFF2-40B4-BE49-F238E27FC236}">
+                    <a16:creationId xmlns:a16="http://schemas.microsoft.com/office/drawing/2014/main" id="{15880CA4-CE61-48CB-BE8E-673C6B822198}"/>
+                  </a:ext>
+                </a:extLst>
+              </p:cNvPr>
+              <p:cNvSpPr txBox="1">
+                <a:spLocks noRot="1" noChangeAspect="1" noMove="1" noResize="1" noEditPoints="1" noAdjustHandles="1" noChangeArrowheads="1" noChangeShapeType="1" noTextEdit="1"/>
+              </p:cNvSpPr>
+              <p:nvPr/>
+            </p:nvSpPr>
+            <p:spPr>
+              <a:xfrm>
+                <a:off x="2653134" y="5289676"/>
+                <a:ext cx="1005452" cy="707886"/>
+              </a:xfrm>
+              <a:prstGeom prst="rect">
+                <a:avLst/>
+              </a:prstGeom>
+              <a:blipFill>
+                <a:blip r:embed="rId6"/>
+                <a:stretch>
+                  <a:fillRect l="-6061" t="-5172"/>
+                </a:stretch>
+              </a:blipFill>
+            </p:spPr>
+            <p:txBody>
+              <a:bodyPr/>
+              <a:lstStyle/>
+              <a:p>
+                <a:r>
+                  <a:rPr lang="en-SE">
+                    <a:noFill/>
+                  </a:rPr>
+                  <a:t> </a:t>
+                </a:r>
+              </a:p>
+            </p:txBody>
+          </p:sp>
+        </mc:Fallback>
+      </mc:AlternateContent>
+      <p:grpSp>
+        <p:nvGrpSpPr>
+          <p:cNvPr id="17" name="Group 16">
+            <a:extLst>
+              <a:ext uri="{FF2B5EF4-FFF2-40B4-BE49-F238E27FC236}">
+                <a16:creationId xmlns:a16="http://schemas.microsoft.com/office/drawing/2014/main" id="{048E5626-A930-44ED-9A24-06B451DCF0C3}"/>
+              </a:ext>
+            </a:extLst>
+          </p:cNvPr>
+          <p:cNvGrpSpPr/>
+          <p:nvPr/>
+        </p:nvGrpSpPr>
+        <p:grpSpPr>
+          <a:xfrm>
+            <a:off x="3741707" y="4914860"/>
+            <a:ext cx="1546383" cy="1181140"/>
+            <a:chOff x="4448830" y="2857315"/>
+            <a:chExt cx="1644360" cy="1122610"/>
+          </a:xfrm>
+        </p:grpSpPr>
+        <p:sp>
+          <p:nvSpPr>
+            <p:cNvPr id="18" name="Rectangle 17">
+              <a:extLst>
+                <a:ext uri="{FF2B5EF4-FFF2-40B4-BE49-F238E27FC236}">
+                  <a16:creationId xmlns:a16="http://schemas.microsoft.com/office/drawing/2014/main" id="{9A75F26C-45CD-4B37-9336-71284BE7EFBD}"/>
+                </a:ext>
+              </a:extLst>
+            </p:cNvPr>
+            <p:cNvSpPr/>
+            <p:nvPr/>
+          </p:nvSpPr>
+          <p:spPr bwMode="auto">
+            <a:xfrm>
+              <a:off x="4448830" y="2857315"/>
+              <a:ext cx="1615214" cy="495913"/>
+            </a:xfrm>
+            <a:prstGeom prst="rect">
+              <a:avLst/>
+            </a:prstGeom>
+            <a:solidFill>
+              <a:schemeClr val="tx1">
+                <a:lumMod val="20000"/>
+                <a:lumOff val="80000"/>
+              </a:schemeClr>
+            </a:solidFill>
+            <a:ln w="9525" cap="flat" cmpd="sng" algn="ctr">
+              <a:solidFill>
+                <a:schemeClr val="tx1"/>
+              </a:solidFill>
+              <a:prstDash val="solid"/>
+              <a:round/>
+              <a:headEnd type="none" w="med" len="med"/>
+              <a:tailEnd type="none" w="med" len="med"/>
+            </a:ln>
+            <a:effectLst/>
+          </p:spPr>
+          <p:txBody>
+            <a:bodyPr vert="horz" wrap="none" lIns="91440" tIns="45720" rIns="91440" bIns="45720" numCol="1" rtlCol="0" anchor="t" anchorCtr="0" compatLnSpc="1">
+              <a:prstTxWarp prst="textNoShape">
+                <a:avLst/>
+              </a:prstTxWarp>
+            </a:bodyPr>
+            <a:lstStyle/>
+            <a:p>
+              <a:pPr algn="ctr" eaLnBrk="1" hangingPunct="1"/>
+              <a:r>
+                <a:rPr lang="en-US" sz="2000" dirty="0"/>
+                <a:t>Environment</a:t>
+              </a:r>
+              <a:endParaRPr kumimoji="0" lang="en-US" sz="2000" b="0" i="0" u="none" strike="noStrike" cap="none" normalizeH="0" baseline="0" dirty="0">
+                <a:ln>
+                  <a:noFill/>
+                </a:ln>
+                <a:solidFill>
+                  <a:schemeClr val="tx1"/>
+                </a:solidFill>
+                <a:effectLst/>
+                <a:latin typeface="Tahoma" pitchFamily="34" charset="0"/>
+              </a:endParaRPr>
+            </a:p>
+          </p:txBody>
+        </p:sp>
+        <p:sp>
+          <p:nvSpPr>
+            <p:cNvPr id="19" name="Rectangle 18">
+              <a:extLst>
+                <a:ext uri="{FF2B5EF4-FFF2-40B4-BE49-F238E27FC236}">
+                  <a16:creationId xmlns:a16="http://schemas.microsoft.com/office/drawing/2014/main" id="{4C1333CE-C31D-4CFF-9EDA-227F3FE4461E}"/>
+                </a:ext>
+              </a:extLst>
+            </p:cNvPr>
+            <p:cNvSpPr/>
+            <p:nvPr/>
+          </p:nvSpPr>
+          <p:spPr bwMode="auto">
+            <a:xfrm>
+              <a:off x="4477975" y="3542841"/>
+              <a:ext cx="1615215" cy="437084"/>
+            </a:xfrm>
+            <a:prstGeom prst="rect">
+              <a:avLst/>
+            </a:prstGeom>
+            <a:solidFill>
+              <a:schemeClr val="bg1"/>
+            </a:solidFill>
+            <a:ln w="9525" cap="flat" cmpd="sng" algn="ctr">
+              <a:solidFill>
+                <a:schemeClr val="tx1"/>
+              </a:solidFill>
+              <a:prstDash val="solid"/>
+              <a:round/>
+              <a:headEnd type="none" w="med" len="med"/>
+              <a:tailEnd type="none" w="med" len="med"/>
+            </a:ln>
+            <a:effectLst/>
+          </p:spPr>
+          <p:txBody>
+            <a:bodyPr vert="horz" wrap="none" lIns="91440" tIns="45720" rIns="91440" bIns="45720" numCol="1" rtlCol="0" anchor="t" anchorCtr="0" compatLnSpc="1">
+              <a:prstTxWarp prst="textNoShape">
+                <a:avLst/>
+              </a:prstTxWarp>
+            </a:bodyPr>
+            <a:lstStyle/>
+            <a:p>
+              <a:pPr marL="0" marR="0" indent="0" algn="ctr" defTabSz="914400" rtl="0" eaLnBrk="1" fontAlgn="base" latinLnBrk="0" hangingPunct="1">
+                <a:lnSpc>
+                  <a:spcPct val="100000"/>
+                </a:lnSpc>
+                <a:spcBef>
+                  <a:spcPct val="0"/>
+                </a:spcBef>
+                <a:spcAft>
+                  <a:spcPct val="0"/>
+                </a:spcAft>
+                <a:buClrTx/>
+                <a:buSzTx/>
+                <a:buFontTx/>
+                <a:buNone/>
+                <a:tabLst/>
+              </a:pPr>
+              <a:r>
+                <a:rPr kumimoji="0" lang="en-US" sz="2000" b="0" i="0" u="none" strike="noStrike" cap="none" normalizeH="0" baseline="0" dirty="0">
+                  <a:ln>
+                    <a:noFill/>
+                  </a:ln>
+                  <a:solidFill>
+                    <a:schemeClr val="tx1"/>
+                  </a:solidFill>
+                  <a:effectLst/>
+                  <a:latin typeface="Tahoma" pitchFamily="34" charset="0"/>
+                </a:rPr>
+                <a:t>RL Agent</a:t>
+              </a:r>
+            </a:p>
+          </p:txBody>
+        </p:sp>
+        <p:cxnSp>
+          <p:nvCxnSpPr>
+            <p:cNvPr id="20" name="Elbow Connector 26">
+              <a:extLst>
+                <a:ext uri="{FF2B5EF4-FFF2-40B4-BE49-F238E27FC236}">
+                  <a16:creationId xmlns:a16="http://schemas.microsoft.com/office/drawing/2014/main" id="{07117D94-9DAA-4B07-9314-1431BF937C8F}"/>
+                </a:ext>
+              </a:extLst>
+            </p:cNvPr>
+            <p:cNvCxnSpPr>
+              <a:stCxn id="18" idx="3"/>
+              <a:endCxn id="19" idx="3"/>
+            </p:cNvCxnSpPr>
+            <p:nvPr/>
+          </p:nvCxnSpPr>
+          <p:spPr bwMode="auto">
+            <a:xfrm>
+              <a:off x="6064044" y="3105272"/>
+              <a:ext cx="29146" cy="656111"/>
+            </a:xfrm>
+            <a:prstGeom prst="bentConnector3">
+              <a:avLst>
+                <a:gd name="adj1" fmla="val 884327"/>
+              </a:avLst>
+            </a:prstGeom>
+            <a:ln>
+              <a:headEnd type="none" w="med" len="med"/>
+              <a:tailEnd type="triangle"/>
+            </a:ln>
+          </p:spPr>
+          <p:style>
+            <a:lnRef idx="2">
+              <a:schemeClr val="dk1"/>
+            </a:lnRef>
+            <a:fillRef idx="0">
+              <a:schemeClr val="dk1"/>
+            </a:fillRef>
+            <a:effectRef idx="1">
+              <a:schemeClr val="dk1"/>
+            </a:effectRef>
+            <a:fontRef idx="minor">
+              <a:schemeClr val="tx1"/>
+            </a:fontRef>
+          </p:style>
+        </p:cxnSp>
+        <p:cxnSp>
+          <p:nvCxnSpPr>
+            <p:cNvPr id="21" name="Elbow Connector 27">
+              <a:extLst>
+                <a:ext uri="{FF2B5EF4-FFF2-40B4-BE49-F238E27FC236}">
+                  <a16:creationId xmlns:a16="http://schemas.microsoft.com/office/drawing/2014/main" id="{99C7C383-141A-4B2F-96DD-69953BA81795}"/>
+                </a:ext>
+              </a:extLst>
+            </p:cNvPr>
+            <p:cNvCxnSpPr>
+              <a:stCxn id="19" idx="1"/>
+              <a:endCxn id="18" idx="1"/>
+            </p:cNvCxnSpPr>
+            <p:nvPr/>
+          </p:nvCxnSpPr>
+          <p:spPr bwMode="auto">
+            <a:xfrm rot="10800000">
+              <a:off x="4448831" y="3105273"/>
+              <a:ext cx="29145" cy="656111"/>
+            </a:xfrm>
+            <a:prstGeom prst="bentConnector3">
+              <a:avLst>
+                <a:gd name="adj1" fmla="val 884354"/>
+              </a:avLst>
+            </a:prstGeom>
+            <a:ln>
+              <a:headEnd type="none" w="med" len="med"/>
+              <a:tailEnd type="triangle"/>
+            </a:ln>
+          </p:spPr>
+          <p:style>
+            <a:lnRef idx="2">
+              <a:schemeClr val="dk1"/>
+            </a:lnRef>
+            <a:fillRef idx="0">
+              <a:schemeClr val="dk1"/>
+            </a:fillRef>
+            <a:effectRef idx="1">
+              <a:schemeClr val="dk1"/>
+            </a:effectRef>
+            <a:fontRef idx="minor">
+              <a:schemeClr val="tx1"/>
+            </a:fontRef>
+          </p:style>
+        </p:cxnSp>
+      </p:grpSp>
+    </p:spTree>
+    <p:extLst>
+      <p:ext uri="{BB962C8B-B14F-4D97-AF65-F5344CB8AC3E}">
+        <p14:creationId xmlns:p14="http://schemas.microsoft.com/office/powerpoint/2010/main" val="3241122429"/>
+      </p:ext>
+    </p:extLst>
+  </p:cSld>
+  <p:clrMapOvr>
+    <a:masterClrMapping/>
+  </p:clrMapOvr>
+</p:sld>
+</file>
+
+<file path=ppt/slides/slide3.xml><?xml version="1.0" encoding="utf-8"?>
+<p:sld xmlns:a="http://schemas.openxmlformats.org/drawingml/2006/main" xmlns:r="http://schemas.openxmlformats.org/officeDocument/2006/relationships" xmlns:p="http://schemas.openxmlformats.org/presentationml/2006/main">
+  <p:cSld>
+    <p:spTree>
+      <p:nvGrpSpPr>
+        <p:cNvPr id="1" name=""/>
+        <p:cNvGrpSpPr/>
+        <p:nvPr/>
+      </p:nvGrpSpPr>
+      <p:grpSpPr>
+        <a:xfrm>
+          <a:off x="0" y="0"/>
+          <a:ext cx="0" cy="0"/>
+          <a:chOff x="0" y="0"/>
+          <a:chExt cx="0" cy="0"/>
+        </a:xfrm>
+      </p:grpSpPr>
+      <p:sp>
+        <p:nvSpPr>
+          <p:cNvPr id="2" name="Title 1">
+            <a:extLst>
+              <a:ext uri="{FF2B5EF4-FFF2-40B4-BE49-F238E27FC236}">
+                <a16:creationId xmlns:a16="http://schemas.microsoft.com/office/drawing/2014/main" id="{A9EF1238-6854-4DB5-9CD2-855FB97E4060}"/>
+              </a:ext>
+            </a:extLst>
+          </p:cNvPr>
+          <p:cNvSpPr>
+            <a:spLocks noGrp="1"/>
+          </p:cNvSpPr>
+          <p:nvPr>
+            <p:ph type="title"/>
+          </p:nvPr>
+        </p:nvSpPr>
+        <p:spPr/>
+        <p:txBody>
+          <a:bodyPr/>
+          <a:lstStyle/>
+          <a:p>
+            <a:r>
+              <a:rPr lang="en-US" dirty="0"/>
+              <a:t>Quiz: Dijkstra’s, A*, Hybrid A*</a:t>
+            </a:r>
+            <a:endParaRPr lang="en-SE" dirty="0"/>
+          </a:p>
+        </p:txBody>
+      </p:sp>
+      <p:sp>
+        <p:nvSpPr>
+          <p:cNvPr id="3" name="Content Placeholder 2">
+            <a:extLst>
+              <a:ext uri="{FF2B5EF4-FFF2-40B4-BE49-F238E27FC236}">
+                <a16:creationId xmlns:a16="http://schemas.microsoft.com/office/drawing/2014/main" id="{2E4C4E2A-7338-4A1A-8C64-7E12C8E57E4C}"/>
+              </a:ext>
+            </a:extLst>
+          </p:cNvPr>
+          <p:cNvSpPr>
+            <a:spLocks noGrp="1"/>
+          </p:cNvSpPr>
+          <p:nvPr>
+            <p:ph idx="1"/>
+          </p:nvPr>
+        </p:nvSpPr>
+        <p:spPr/>
+        <p:txBody>
+          <a:bodyPr>
+            <a:normAutofit fontScale="92500" lnSpcReduction="20000"/>
+          </a:bodyPr>
+          <a:lstStyle/>
+          <a:p>
+            <a:r>
+              <a:rPr lang="en-US" dirty="0"/>
+              <a:t>Which of the following statements are true for Dijkstra’s algo, A*, Hybrid A*, respectively?</a:t>
+            </a:r>
+          </a:p>
+          <a:p>
+            <a:pPr lvl="1"/>
+            <a:r>
+              <a:rPr lang="en-US" dirty="0"/>
+              <a:t>A. It is a continuous method.</a:t>
+            </a:r>
+          </a:p>
+          <a:p>
+            <a:pPr lvl="1"/>
+            <a:r>
+              <a:rPr lang="en-US" dirty="0"/>
+              <a:t>B. It uses a heuristic function to guide node expansion.</a:t>
+            </a:r>
+          </a:p>
+          <a:p>
+            <a:pPr lvl="1"/>
+            <a:r>
+              <a:rPr lang="en-US" dirty="0"/>
+              <a:t>C. It always finds a path if one exists.</a:t>
+            </a:r>
+          </a:p>
+          <a:p>
+            <a:pPr lvl="1"/>
+            <a:r>
+              <a:rPr lang="en-US" dirty="0"/>
+              <a:t>D. The path it finds are guaranteed to be drivable.</a:t>
+            </a:r>
+          </a:p>
+          <a:p>
+            <a:pPr lvl="1"/>
+            <a:r>
+              <a:rPr lang="en-US" dirty="0"/>
+              <a:t>E. The path it finds are guaranteed to be optimal (shortest).</a:t>
+            </a:r>
+          </a:p>
+          <a:p>
+            <a:r>
+              <a:rPr lang="en-US" dirty="0"/>
+              <a:t>ANS:</a:t>
+            </a:r>
+          </a:p>
+          <a:p>
+            <a:pPr lvl="1"/>
+            <a:r>
+              <a:rPr lang="en-US" dirty="0"/>
+              <a:t>Dijkstra’s algo: C, E</a:t>
+            </a:r>
+          </a:p>
+          <a:p>
+            <a:pPr lvl="1"/>
+            <a:r>
+              <a:rPr lang="en-US" dirty="0"/>
+              <a:t>A*: B, C, E</a:t>
+            </a:r>
+          </a:p>
+          <a:p>
+            <a:pPr lvl="1"/>
+            <a:r>
+              <a:rPr lang="en-US" dirty="0"/>
+              <a:t>Hybrid A*: A, B, D</a:t>
+            </a:r>
+            <a:endParaRPr lang="en-SE" dirty="0"/>
+          </a:p>
+          <a:p>
+            <a:pPr lvl="1"/>
+            <a:endParaRPr lang="en-SE" dirty="0"/>
+          </a:p>
+        </p:txBody>
+      </p:sp>
+      <p:sp>
+        <p:nvSpPr>
+          <p:cNvPr id="4" name="Slide Number Placeholder 3">
+            <a:extLst>
+              <a:ext uri="{FF2B5EF4-FFF2-40B4-BE49-F238E27FC236}">
+                <a16:creationId xmlns:a16="http://schemas.microsoft.com/office/drawing/2014/main" id="{B56542D2-56C8-46C2-9BA1-AB913C3DF6DC}"/>
+              </a:ext>
+            </a:extLst>
+          </p:cNvPr>
+          <p:cNvSpPr>
+            <a:spLocks noGrp="1"/>
+          </p:cNvSpPr>
+          <p:nvPr>
+            <p:ph type="sldNum" sz="quarter" idx="12"/>
+          </p:nvPr>
+        </p:nvSpPr>
+        <p:spPr bwMode="auto">
+          <a:xfrm>
+            <a:off x="6934200" y="6530035"/>
+            <a:ext cx="2133600" cy="244475"/>
+          </a:xfrm>
+          <a:prstGeom prst="rect">
+            <a:avLst/>
+          </a:prstGeom>
+          <a:noFill/>
+          <a:ln w="9525">
+            <a:noFill/>
+            <a:miter lim="800000"/>
+            <a:headEnd/>
+            <a:tailEnd/>
+          </a:ln>
+          <a:effectLst/>
+        </p:spPr>
+        <p:txBody>
+          <a:bodyPr vert="horz" wrap="square" lIns="91440" tIns="45720" rIns="91440" bIns="45720" numCol="1" anchor="t" anchorCtr="0" compatLnSpc="1">
+            <a:prstTxWarp prst="textNoShape">
+              <a:avLst/>
+            </a:prstTxWarp>
+          </a:bodyPr>
+          <a:lstStyle>
+            <a:defPPr>
+              <a:defRPr lang="en-US"/>
+            </a:defPPr>
+            <a:lvl1pPr algn="r" rtl="0" fontAlgn="base">
+              <a:spcBef>
+                <a:spcPct val="0"/>
+              </a:spcBef>
+              <a:spcAft>
+                <a:spcPct val="0"/>
+              </a:spcAft>
+              <a:defRPr sz="1200" kern="1200">
+                <a:solidFill>
+                  <a:schemeClr val="tx1"/>
+                </a:solidFill>
+                <a:latin typeface="Arial" charset="0"/>
+                <a:ea typeface="宋体" charset="-122"/>
+                <a:cs typeface="+mn-cs"/>
+              </a:defRPr>
+            </a:lvl1pPr>
+            <a:lvl2pPr marL="457200" algn="l" rtl="0" fontAlgn="base">
+              <a:spcBef>
+                <a:spcPct val="0"/>
+              </a:spcBef>
+              <a:spcAft>
+                <a:spcPct val="0"/>
+              </a:spcAft>
+              <a:defRPr kern="1200">
+                <a:solidFill>
+                  <a:schemeClr val="tx1"/>
+                </a:solidFill>
+                <a:latin typeface="Arial" charset="0"/>
+                <a:ea typeface="+mn-ea"/>
+                <a:cs typeface="+mn-cs"/>
+              </a:defRPr>
+            </a:lvl2pPr>
+            <a:lvl3pPr marL="914400" algn="l" rtl="0" fontAlgn="base">
+              <a:spcBef>
+                <a:spcPct val="0"/>
+              </a:spcBef>
+              <a:spcAft>
+                <a:spcPct val="0"/>
+              </a:spcAft>
+              <a:defRPr kern="1200">
+                <a:solidFill>
+                  <a:schemeClr val="tx1"/>
+                </a:solidFill>
+                <a:latin typeface="Arial" charset="0"/>
+                <a:ea typeface="+mn-ea"/>
+                <a:cs typeface="+mn-cs"/>
+              </a:defRPr>
+            </a:lvl3pPr>
+            <a:lvl4pPr marL="1371600" algn="l" rtl="0" fontAlgn="base">
+              <a:spcBef>
+                <a:spcPct val="0"/>
+              </a:spcBef>
+              <a:spcAft>
+                <a:spcPct val="0"/>
+              </a:spcAft>
+              <a:defRPr kern="1200">
+                <a:solidFill>
+                  <a:schemeClr val="tx1"/>
+                </a:solidFill>
+                <a:latin typeface="Arial" charset="0"/>
+                <a:ea typeface="+mn-ea"/>
+                <a:cs typeface="+mn-cs"/>
+              </a:defRPr>
+            </a:lvl4pPr>
+            <a:lvl5pPr marL="1828800" algn="l" rtl="0" fontAlgn="base">
+              <a:spcBef>
+                <a:spcPct val="0"/>
+              </a:spcBef>
+              <a:spcAft>
+                <a:spcPct val="0"/>
+              </a:spcAft>
+              <a:defRPr kern="1200">
+                <a:solidFill>
+                  <a:schemeClr val="tx1"/>
+                </a:solidFill>
+                <a:latin typeface="Arial" charset="0"/>
+                <a:ea typeface="+mn-ea"/>
+                <a:cs typeface="+mn-cs"/>
+              </a:defRPr>
+            </a:lvl5pPr>
+            <a:lvl6pPr marL="2286000" algn="l" defTabSz="914400" rtl="0" eaLnBrk="1" latinLnBrk="0" hangingPunct="1">
+              <a:defRPr kern="1200">
+                <a:solidFill>
+                  <a:schemeClr val="tx1"/>
+                </a:solidFill>
+                <a:latin typeface="Arial" charset="0"/>
+                <a:ea typeface="+mn-ea"/>
+                <a:cs typeface="+mn-cs"/>
+              </a:defRPr>
+            </a:lvl6pPr>
+            <a:lvl7pPr marL="2743200" algn="l" defTabSz="914400" rtl="0" eaLnBrk="1" latinLnBrk="0" hangingPunct="1">
+              <a:defRPr kern="1200">
+                <a:solidFill>
+                  <a:schemeClr val="tx1"/>
+                </a:solidFill>
+                <a:latin typeface="Arial" charset="0"/>
+                <a:ea typeface="+mn-ea"/>
+                <a:cs typeface="+mn-cs"/>
+              </a:defRPr>
+            </a:lvl7pPr>
+            <a:lvl8pPr marL="3200400" algn="l" defTabSz="914400" rtl="0" eaLnBrk="1" latinLnBrk="0" hangingPunct="1">
+              <a:defRPr kern="1200">
+                <a:solidFill>
+                  <a:schemeClr val="tx1"/>
+                </a:solidFill>
+                <a:latin typeface="Arial" charset="0"/>
+                <a:ea typeface="+mn-ea"/>
+                <a:cs typeface="+mn-cs"/>
+              </a:defRPr>
+            </a:lvl8pPr>
+            <a:lvl9pPr marL="3657600" algn="l" defTabSz="914400" rtl="0" eaLnBrk="1" latinLnBrk="0" hangingPunct="1">
+              <a:defRPr kern="1200">
+                <a:solidFill>
+                  <a:schemeClr val="tx1"/>
+                </a:solidFill>
+                <a:latin typeface="Arial" charset="0"/>
+                <a:ea typeface="+mn-ea"/>
+                <a:cs typeface="+mn-cs"/>
+              </a:defRPr>
+            </a:lvl9pPr>
+          </a:lstStyle>
+          <a:p>
+            <a:pPr>
+              <a:defRPr/>
+            </a:pPr>
+            <a:fld id="{F57F456A-00AF-44E6-8D70-638C0D0130FF}" type="slidenum">
+              <a:rPr lang="en-US" altLang="zh-CN" smtClean="0"/>
+              <a:pPr>
+                <a:defRPr/>
+              </a:pPr>
+              <a:t>3</a:t>
+            </a:fld>
+            <a:endParaRPr lang="en-US" altLang="zh-CN"/>
+          </a:p>
+        </p:txBody>
+      </p:sp>
+    </p:spTree>
+    <p:extLst>
+      <p:ext uri="{BB962C8B-B14F-4D97-AF65-F5344CB8AC3E}">
+        <p14:creationId xmlns:p14="http://schemas.microsoft.com/office/powerpoint/2010/main" val="3181789017"/>
+      </p:ext>
+    </p:extLst>
+  </p:cSld>
+  <p:clrMapOvr>
+    <a:masterClrMapping/>
+  </p:clrMapOvr>
+</p:sld>
+</file>
+
+<file path=ppt/slides/slide4.xml><?xml version="1.0" encoding="utf-8"?>
 <p:sld xmlns:a="http://schemas.openxmlformats.org/drawingml/2006/main" xmlns:r="http://schemas.openxmlformats.org/officeDocument/2006/relationships" xmlns:p="http://schemas.openxmlformats.org/presentationml/2006/main">
   <p:cSld>
     <p:spTree>
@@ -4012,7 +8800,7 @@
 </p:sld>
 </file>
 
-<file path=ppt/slides/slide3.xml><?xml version="1.0" encoding="utf-8"?>
+<file path=ppt/slides/slide5.xml><?xml version="1.0" encoding="utf-8"?>
 <p:sld xmlns:a="http://schemas.openxmlformats.org/drawingml/2006/main" xmlns:r="http://schemas.openxmlformats.org/officeDocument/2006/relationships" xmlns:p="http://schemas.openxmlformats.org/presentationml/2006/main">
   <p:cSld>
     <p:spTree>
@@ -4174,7 +8962,7 @@
 </p:sld>
 </file>
 
-<file path=ppt/slides/slide4.xml><?xml version="1.0" encoding="utf-8"?>
+<file path=ppt/slides/slide6.xml><?xml version="1.0" encoding="utf-8"?>
 <p:sld xmlns:a="http://schemas.openxmlformats.org/drawingml/2006/main" xmlns:r="http://schemas.openxmlformats.org/officeDocument/2006/relationships" xmlns:p="http://schemas.openxmlformats.org/presentationml/2006/main">
   <p:cSld>
     <p:spTree>
@@ -4239,7 +9027,7 @@
         <p:spPr/>
         <p:txBody>
           <a:bodyPr>
-            <a:normAutofit/>
+            <a:normAutofit fontScale="70000" lnSpcReduction="20000"/>
           </a:bodyPr>
           <a:lstStyle/>
           <a:p>
@@ -4247,6 +9035,77 @@
               <a:rPr lang="en-US" dirty="0"/>
               <a:t>It depends on the complexity of your configuration, and that is why I said "do not make your environment more complex than necessary". I guess you just need to do trial and error, and try to make it work with the minimum number of vehicles possible. If you have too many vehicles, then training time may be too long. But if you have too few vehicles, then you are less likely to get into collisions.</a:t>
             </a:r>
+          </a:p>
+          <a:p>
+            <a:r>
+              <a:rPr lang="en-US" dirty="0">
+                <a:hlinkClick r:id="rId2"/>
+              </a:rPr>
+              <a:t>https://www.canvas.umu.se/courses/2115/discussion_topics/39147</a:t>
+            </a:r>
+            <a:endParaRPr lang="en-US" dirty="0"/>
+          </a:p>
+          <a:p>
+            <a:pPr algn="l"/>
+            <a:r>
+              <a:rPr lang="en-US" b="0" i="0" dirty="0">
+                <a:solidFill>
+                  <a:srgbClr val="2D3B45"/>
+                </a:solidFill>
+                <a:effectLst/>
+                <a:latin typeface="Lato Extended"/>
+              </a:rPr>
+              <a:t>***including two configs that differ only in the </a:t>
+            </a:r>
+            <a:r>
+              <a:rPr lang="en-US" b="0" i="0" dirty="0" err="1">
+                <a:solidFill>
+                  <a:srgbClr val="2D3B45"/>
+                </a:solidFill>
+                <a:effectLst/>
+                <a:latin typeface="Lato Extended"/>
+              </a:rPr>
+              <a:t>lane_change_reward</a:t>
+            </a:r>
+            <a:r>
+              <a:rPr lang="en-US" b="0" i="0" dirty="0">
+                <a:solidFill>
+                  <a:srgbClr val="2D3B45"/>
+                </a:solidFill>
+                <a:effectLst/>
+                <a:latin typeface="Lato Extended"/>
+              </a:rPr>
+              <a:t>, one with no or rare collisions, one with frequent collisions.*** So if you get the two configs, you only need  to show the 2 configs. You may need to try more configs, but we just want to see these two.</a:t>
+            </a:r>
+          </a:p>
+          <a:p>
+            <a:pPr algn="l"/>
+            <a:r>
+              <a:rPr lang="en-US" b="0" i="0" dirty="0">
+                <a:solidFill>
+                  <a:srgbClr val="2D3B45"/>
+                </a:solidFill>
+                <a:effectLst/>
+                <a:latin typeface="Lato Extended"/>
+              </a:rPr>
+              <a:t>The training time depends on the complexity, i.e., number of vehicles. It does not have to be perfect training, as long as the differences among the 2 configs can be seen in the videos.</a:t>
+            </a:r>
+          </a:p>
+          <a:p>
+            <a:pPr algn="l"/>
+            <a:r>
+              <a:rPr lang="en-US" b="0" i="0" dirty="0">
+                <a:solidFill>
+                  <a:srgbClr val="2D3B45"/>
+                </a:solidFill>
+                <a:effectLst/>
+                <a:latin typeface="Lato Extended"/>
+              </a:rPr>
+              <a:t> </a:t>
+            </a:r>
+          </a:p>
+          <a:p>
+            <a:endParaRPr lang="en-US" dirty="0"/>
           </a:p>
         </p:txBody>
       </p:sp>
@@ -4263,7 +9122,7 @@
 </p:sld>
 </file>
 
-<file path=ppt/slides/slide5.xml><?xml version="1.0" encoding="utf-8"?>
+<file path=ppt/slides/slide7.xml><?xml version="1.0" encoding="utf-8"?>
 <p:sld xmlns:a="http://schemas.openxmlformats.org/drawingml/2006/main" xmlns:r="http://schemas.openxmlformats.org/officeDocument/2006/relationships" xmlns:p="http://schemas.openxmlformats.org/presentationml/2006/main">
   <p:cSld>
     <p:spTree>
@@ -8299,7 +13158,7 @@
               <a:pPr>
                 <a:defRPr/>
               </a:pPr>
-              <a:t>5</a:t>
+              <a:t>7</a:t>
             </a:fld>
             <a:endParaRPr lang="en-US" altLang="zh-CN"/>
           </a:p>
@@ -11197,7 +16056,7 @@
 </p:sld>
 </file>
 
-<file path=ppt/slides/slide6.xml><?xml version="1.0" encoding="utf-8"?>
+<file path=ppt/slides/slide8.xml><?xml version="1.0" encoding="utf-8"?>
 <p:sld xmlns:a="http://schemas.openxmlformats.org/drawingml/2006/main" xmlns:r="http://schemas.openxmlformats.org/officeDocument/2006/relationships" xmlns:p="http://schemas.openxmlformats.org/presentationml/2006/main">
   <p:cSld>
     <p:spTree>
@@ -11702,7 +16561,7 @@
               <a:pPr>
                 <a:defRPr/>
               </a:pPr>
-              <a:t>6</a:t>
+              <a:t>8</a:t>
             </a:fld>
             <a:endParaRPr lang="en-US" altLang="zh-CN"/>
           </a:p>
@@ -11781,7 +16640,7 @@
 </p:sld>
 </file>
 
-<file path=ppt/slides/slide7.xml><?xml version="1.0" encoding="utf-8"?>
+<file path=ppt/slides/slide9.xml><?xml version="1.0" encoding="utf-8"?>
 <p:sld xmlns:a="http://schemas.openxmlformats.org/drawingml/2006/main" xmlns:r="http://schemas.openxmlformats.org/officeDocument/2006/relationships" xmlns:p="http://schemas.openxmlformats.org/presentationml/2006/main">
   <p:cSld>
     <p:spTree>
@@ -12718,7 +17577,7 @@
               <a:pPr>
                 <a:defRPr/>
               </a:pPr>
-              <a:t>7</a:t>
+              <a:t>9</a:t>
             </a:fld>
             <a:endParaRPr lang="en-US" altLang="zh-CN"/>
           </a:p>
@@ -12728,663 +17587,6 @@
     <p:extLst>
       <p:ext uri="{BB962C8B-B14F-4D97-AF65-F5344CB8AC3E}">
         <p14:creationId xmlns:p14="http://schemas.microsoft.com/office/powerpoint/2010/main" val="1310460648"/>
-      </p:ext>
-    </p:extLst>
-  </p:cSld>
-  <p:clrMapOvr>
-    <a:masterClrMapping/>
-  </p:clrMapOvr>
-</p:sld>
-</file>
-
-<file path=ppt/slides/slide8.xml><?xml version="1.0" encoding="utf-8"?>
-<p:sld xmlns:a="http://schemas.openxmlformats.org/drawingml/2006/main" xmlns:r="http://schemas.openxmlformats.org/officeDocument/2006/relationships" xmlns:p="http://schemas.openxmlformats.org/presentationml/2006/main">
-  <p:cSld>
-    <p:spTree>
-      <p:nvGrpSpPr>
-        <p:cNvPr id="1" name=""/>
-        <p:cNvGrpSpPr/>
-        <p:nvPr/>
-      </p:nvGrpSpPr>
-      <p:grpSpPr>
-        <a:xfrm>
-          <a:off x="0" y="0"/>
-          <a:ext cx="0" cy="0"/>
-          <a:chOff x="0" y="0"/>
-          <a:chExt cx="0" cy="0"/>
-        </a:xfrm>
-      </p:grpSpPr>
-      <p:sp>
-        <p:nvSpPr>
-          <p:cNvPr id="2" name="Title 1">
-            <a:extLst>
-              <a:ext uri="{FF2B5EF4-FFF2-40B4-BE49-F238E27FC236}">
-                <a16:creationId xmlns:a16="http://schemas.microsoft.com/office/drawing/2014/main" id="{D224606C-00B7-414B-809E-9BE123FFABB0}"/>
-              </a:ext>
-            </a:extLst>
-          </p:cNvPr>
-          <p:cNvSpPr>
-            <a:spLocks noGrp="1"/>
-          </p:cNvSpPr>
-          <p:nvPr>
-            <p:ph type="title"/>
-          </p:nvPr>
-        </p:nvSpPr>
-        <p:spPr/>
-        <p:txBody>
-          <a:bodyPr/>
-          <a:lstStyle/>
-          <a:p>
-            <a:r>
-              <a:rPr lang="en-US" sz="3200"/>
-              <a:t>DELETE Handling </a:t>
-            </a:r>
-            <a:r>
-              <a:rPr lang="en-US" sz="3200" dirty="0"/>
-              <a:t>Multiple Scenarios </a:t>
-            </a:r>
-            <a:r>
-              <a:rPr lang="en-US" altLang="zh-CN" sz="3200" dirty="0"/>
-              <a:t>with Hierarchical FSM</a:t>
-            </a:r>
-            <a:endParaRPr lang="en-SE" sz="3200" dirty="0"/>
-          </a:p>
-        </p:txBody>
-      </p:sp>
-      <p:sp>
-        <p:nvSpPr>
-          <p:cNvPr id="3" name="Content Placeholder 2">
-            <a:extLst>
-              <a:ext uri="{FF2B5EF4-FFF2-40B4-BE49-F238E27FC236}">
-                <a16:creationId xmlns:a16="http://schemas.microsoft.com/office/drawing/2014/main" id="{0C5A3A02-EB03-4181-A618-0BD2478EA446}"/>
-              </a:ext>
-            </a:extLst>
-          </p:cNvPr>
-          <p:cNvSpPr>
-            <a:spLocks noGrp="1"/>
-          </p:cNvSpPr>
-          <p:nvPr>
-            <p:ph idx="1"/>
-          </p:nvPr>
-        </p:nvSpPr>
-        <p:spPr>
-          <a:xfrm>
-            <a:off x="228600" y="1102006"/>
-            <a:ext cx="8458200" cy="1199428"/>
-          </a:xfrm>
-        </p:spPr>
-        <p:txBody>
-          <a:bodyPr>
-            <a:normAutofit lnSpcReduction="10000"/>
-          </a:bodyPr>
-          <a:lstStyle/>
-          <a:p>
-            <a:r>
-              <a:rPr lang="en-US" sz="1800" dirty="0"/>
-              <a:t>Each driving scenario is modeled as a super-state, which contains a low-level FSM for the scenario.</a:t>
-            </a:r>
-          </a:p>
-          <a:p>
-            <a:r>
-              <a:rPr lang="en-US" sz="1800" dirty="0"/>
-              <a:t>(Each low-level FSM is specific for the scenario, e.g., the two FSMs in the figure have different trigger conditions not shown)</a:t>
-            </a:r>
-          </a:p>
-        </p:txBody>
-      </p:sp>
-      <p:sp>
-        <p:nvSpPr>
-          <p:cNvPr id="4" name="Slide Number Placeholder 3">
-            <a:extLst>
-              <a:ext uri="{FF2B5EF4-FFF2-40B4-BE49-F238E27FC236}">
-                <a16:creationId xmlns:a16="http://schemas.microsoft.com/office/drawing/2014/main" id="{987B8C8C-25C4-4AD3-9357-1C2F9E2790F8}"/>
-              </a:ext>
-            </a:extLst>
-          </p:cNvPr>
-          <p:cNvSpPr>
-            <a:spLocks noGrp="1"/>
-          </p:cNvSpPr>
-          <p:nvPr>
-            <p:ph type="sldNum" sz="quarter" idx="12"/>
-          </p:nvPr>
-        </p:nvSpPr>
-        <p:spPr bwMode="auto">
-          <a:xfrm>
-            <a:off x="6934200" y="6530035"/>
-            <a:ext cx="2133600" cy="244475"/>
-          </a:xfrm>
-          <a:prstGeom prst="rect">
-            <a:avLst/>
-          </a:prstGeom>
-          <a:noFill/>
-          <a:ln w="9525">
-            <a:noFill/>
-            <a:miter lim="800000"/>
-            <a:headEnd/>
-            <a:tailEnd/>
-          </a:ln>
-          <a:effectLst/>
-        </p:spPr>
-        <p:txBody>
-          <a:bodyPr vert="horz" wrap="square" lIns="91440" tIns="45720" rIns="91440" bIns="45720" numCol="1" anchor="t" anchorCtr="0" compatLnSpc="1">
-            <a:prstTxWarp prst="textNoShape">
-              <a:avLst/>
-            </a:prstTxWarp>
-          </a:bodyPr>
-          <a:lstStyle>
-            <a:defPPr>
-              <a:defRPr lang="en-US"/>
-            </a:defPPr>
-            <a:lvl1pPr algn="r" rtl="0" fontAlgn="base">
-              <a:spcBef>
-                <a:spcPct val="0"/>
-              </a:spcBef>
-              <a:spcAft>
-                <a:spcPct val="0"/>
-              </a:spcAft>
-              <a:defRPr sz="1200" kern="1200">
-                <a:solidFill>
-                  <a:schemeClr val="tx1"/>
-                </a:solidFill>
-                <a:latin typeface="Arial" charset="0"/>
-                <a:ea typeface="宋体" charset="-122"/>
-                <a:cs typeface="+mn-cs"/>
-              </a:defRPr>
-            </a:lvl1pPr>
-            <a:lvl2pPr marL="457200" algn="l" rtl="0" fontAlgn="base">
-              <a:spcBef>
-                <a:spcPct val="0"/>
-              </a:spcBef>
-              <a:spcAft>
-                <a:spcPct val="0"/>
-              </a:spcAft>
-              <a:defRPr kern="1200">
-                <a:solidFill>
-                  <a:schemeClr val="tx1"/>
-                </a:solidFill>
-                <a:latin typeface="Arial" charset="0"/>
-                <a:ea typeface="+mn-ea"/>
-                <a:cs typeface="+mn-cs"/>
-              </a:defRPr>
-            </a:lvl2pPr>
-            <a:lvl3pPr marL="914400" algn="l" rtl="0" fontAlgn="base">
-              <a:spcBef>
-                <a:spcPct val="0"/>
-              </a:spcBef>
-              <a:spcAft>
-                <a:spcPct val="0"/>
-              </a:spcAft>
-              <a:defRPr kern="1200">
-                <a:solidFill>
-                  <a:schemeClr val="tx1"/>
-                </a:solidFill>
-                <a:latin typeface="Arial" charset="0"/>
-                <a:ea typeface="+mn-ea"/>
-                <a:cs typeface="+mn-cs"/>
-              </a:defRPr>
-            </a:lvl3pPr>
-            <a:lvl4pPr marL="1371600" algn="l" rtl="0" fontAlgn="base">
-              <a:spcBef>
-                <a:spcPct val="0"/>
-              </a:spcBef>
-              <a:spcAft>
-                <a:spcPct val="0"/>
-              </a:spcAft>
-              <a:defRPr kern="1200">
-                <a:solidFill>
-                  <a:schemeClr val="tx1"/>
-                </a:solidFill>
-                <a:latin typeface="Arial" charset="0"/>
-                <a:ea typeface="+mn-ea"/>
-                <a:cs typeface="+mn-cs"/>
-              </a:defRPr>
-            </a:lvl4pPr>
-            <a:lvl5pPr marL="1828800" algn="l" rtl="0" fontAlgn="base">
-              <a:spcBef>
-                <a:spcPct val="0"/>
-              </a:spcBef>
-              <a:spcAft>
-                <a:spcPct val="0"/>
-              </a:spcAft>
-              <a:defRPr kern="1200">
-                <a:solidFill>
-                  <a:schemeClr val="tx1"/>
-                </a:solidFill>
-                <a:latin typeface="Arial" charset="0"/>
-                <a:ea typeface="+mn-ea"/>
-                <a:cs typeface="+mn-cs"/>
-              </a:defRPr>
-            </a:lvl5pPr>
-            <a:lvl6pPr marL="2286000" algn="l" defTabSz="914400" rtl="0" eaLnBrk="1" latinLnBrk="0" hangingPunct="1">
-              <a:defRPr kern="1200">
-                <a:solidFill>
-                  <a:schemeClr val="tx1"/>
-                </a:solidFill>
-                <a:latin typeface="Arial" charset="0"/>
-                <a:ea typeface="+mn-ea"/>
-                <a:cs typeface="+mn-cs"/>
-              </a:defRPr>
-            </a:lvl6pPr>
-            <a:lvl7pPr marL="2743200" algn="l" defTabSz="914400" rtl="0" eaLnBrk="1" latinLnBrk="0" hangingPunct="1">
-              <a:defRPr kern="1200">
-                <a:solidFill>
-                  <a:schemeClr val="tx1"/>
-                </a:solidFill>
-                <a:latin typeface="Arial" charset="0"/>
-                <a:ea typeface="+mn-ea"/>
-                <a:cs typeface="+mn-cs"/>
-              </a:defRPr>
-            </a:lvl7pPr>
-            <a:lvl8pPr marL="3200400" algn="l" defTabSz="914400" rtl="0" eaLnBrk="1" latinLnBrk="0" hangingPunct="1">
-              <a:defRPr kern="1200">
-                <a:solidFill>
-                  <a:schemeClr val="tx1"/>
-                </a:solidFill>
-                <a:latin typeface="Arial" charset="0"/>
-                <a:ea typeface="+mn-ea"/>
-                <a:cs typeface="+mn-cs"/>
-              </a:defRPr>
-            </a:lvl8pPr>
-            <a:lvl9pPr marL="3657600" algn="l" defTabSz="914400" rtl="0" eaLnBrk="1" latinLnBrk="0" hangingPunct="1">
-              <a:defRPr kern="1200">
-                <a:solidFill>
-                  <a:schemeClr val="tx1"/>
-                </a:solidFill>
-                <a:latin typeface="Arial" charset="0"/>
-                <a:ea typeface="+mn-ea"/>
-                <a:cs typeface="+mn-cs"/>
-              </a:defRPr>
-            </a:lvl9pPr>
-          </a:lstStyle>
-          <a:p>
-            <a:pPr>
-              <a:defRPr/>
-            </a:pPr>
-            <a:fld id="{F57F456A-00AF-44E6-8D70-638C0D0130FF}" type="slidenum">
-              <a:rPr lang="en-US" altLang="zh-CN" smtClean="0"/>
-              <a:pPr>
-                <a:defRPr/>
-              </a:pPr>
-              <a:t>8</a:t>
-            </a:fld>
-            <a:endParaRPr lang="en-US" altLang="zh-CN"/>
-          </a:p>
-        </p:txBody>
-      </p:sp>
-      <p:pic>
-        <p:nvPicPr>
-          <p:cNvPr id="7" name="Picture 6">
-            <a:extLst>
-              <a:ext uri="{FF2B5EF4-FFF2-40B4-BE49-F238E27FC236}">
-                <a16:creationId xmlns:a16="http://schemas.microsoft.com/office/drawing/2014/main" id="{C1DB7CEA-C8B7-42D2-91DC-DA5424DC9C09}"/>
-              </a:ext>
-            </a:extLst>
-          </p:cNvPr>
-          <p:cNvPicPr>
-            <a:picLocks noChangeAspect="1"/>
-          </p:cNvPicPr>
-          <p:nvPr/>
-        </p:nvPicPr>
-        <p:blipFill>
-          <a:blip r:embed="rId2"/>
-          <a:stretch>
-            <a:fillRect/>
-          </a:stretch>
-        </p:blipFill>
-        <p:spPr>
-          <a:xfrm>
-            <a:off x="5788109" y="3875146"/>
-            <a:ext cx="3186991" cy="2668178"/>
-          </a:xfrm>
-          <a:prstGeom prst="rect">
-            <a:avLst/>
-          </a:prstGeom>
-        </p:spPr>
-      </p:pic>
-      <p:pic>
-        <p:nvPicPr>
-          <p:cNvPr id="9" name="Picture 8">
-            <a:extLst>
-              <a:ext uri="{FF2B5EF4-FFF2-40B4-BE49-F238E27FC236}">
-                <a16:creationId xmlns:a16="http://schemas.microsoft.com/office/drawing/2014/main" id="{953F13A8-8E00-4063-97AB-174F747AF38E}"/>
-              </a:ext>
-            </a:extLst>
-          </p:cNvPr>
-          <p:cNvPicPr>
-            <a:picLocks noChangeAspect="1"/>
-          </p:cNvPicPr>
-          <p:nvPr/>
-        </p:nvPicPr>
-        <p:blipFill>
-          <a:blip r:embed="rId3"/>
-          <a:stretch>
-            <a:fillRect/>
-          </a:stretch>
-        </p:blipFill>
-        <p:spPr>
-          <a:xfrm>
-            <a:off x="98648" y="2143039"/>
-            <a:ext cx="5829891" cy="2836163"/>
-          </a:xfrm>
-          <a:prstGeom prst="rect">
-            <a:avLst/>
-          </a:prstGeom>
-        </p:spPr>
-      </p:pic>
-      <p:cxnSp>
-        <p:nvCxnSpPr>
-          <p:cNvPr id="11" name="Straight Connector 10">
-            <a:extLst>
-              <a:ext uri="{FF2B5EF4-FFF2-40B4-BE49-F238E27FC236}">
-                <a16:creationId xmlns:a16="http://schemas.microsoft.com/office/drawing/2014/main" id="{B5A86181-1EC8-4CA5-BAAF-FEB3C08A8995}"/>
-              </a:ext>
-            </a:extLst>
-          </p:cNvPr>
-          <p:cNvCxnSpPr>
-            <a:cxnSpLocks/>
-          </p:cNvCxnSpPr>
-          <p:nvPr/>
-        </p:nvCxnSpPr>
-        <p:spPr bwMode="auto">
-          <a:xfrm>
-            <a:off x="4953000" y="4893563"/>
-            <a:ext cx="1143000" cy="1758709"/>
-          </a:xfrm>
-          <a:prstGeom prst="line">
-            <a:avLst/>
-          </a:prstGeom>
-          <a:noFill/>
-          <a:ln w="25400" cap="flat" cmpd="sng" algn="ctr">
-            <a:solidFill>
-              <a:schemeClr val="tx1"/>
-            </a:solidFill>
-            <a:prstDash val="dash"/>
-            <a:round/>
-            <a:headEnd type="none" w="med" len="med"/>
-            <a:tailEnd type="none" w="med" len="med"/>
-          </a:ln>
-          <a:effectLst/>
-        </p:spPr>
-      </p:cxnSp>
-      <p:cxnSp>
-        <p:nvCxnSpPr>
-          <p:cNvPr id="12" name="Straight Connector 11">
-            <a:extLst>
-              <a:ext uri="{FF2B5EF4-FFF2-40B4-BE49-F238E27FC236}">
-                <a16:creationId xmlns:a16="http://schemas.microsoft.com/office/drawing/2014/main" id="{327998C6-32F4-49F3-9ED5-2CF3B28F3F7E}"/>
-              </a:ext>
-            </a:extLst>
-          </p:cNvPr>
-          <p:cNvCxnSpPr>
-            <a:cxnSpLocks/>
-          </p:cNvCxnSpPr>
-          <p:nvPr/>
-        </p:nvCxnSpPr>
-        <p:spPr bwMode="auto">
-          <a:xfrm>
-            <a:off x="5715000" y="2590800"/>
-            <a:ext cx="3124200" cy="1271056"/>
-          </a:xfrm>
-          <a:prstGeom prst="line">
-            <a:avLst/>
-          </a:prstGeom>
-          <a:noFill/>
-          <a:ln w="25400" cap="flat" cmpd="sng" algn="ctr">
-            <a:solidFill>
-              <a:schemeClr val="tx1"/>
-            </a:solidFill>
-            <a:prstDash val="dash"/>
-            <a:round/>
-            <a:headEnd type="none" w="med" len="med"/>
-            <a:tailEnd type="none" w="med" len="med"/>
-          </a:ln>
-          <a:effectLst/>
-        </p:spPr>
-      </p:cxnSp>
-      <p:sp>
-        <p:nvSpPr>
-          <p:cNvPr id="20" name="TextBox 19">
-            <a:extLst>
-              <a:ext uri="{FF2B5EF4-FFF2-40B4-BE49-F238E27FC236}">
-                <a16:creationId xmlns:a16="http://schemas.microsoft.com/office/drawing/2014/main" id="{67C9C3D7-1EFF-4570-AEA1-BC44FC5F4F47}"/>
-              </a:ext>
-            </a:extLst>
-          </p:cNvPr>
-          <p:cNvSpPr txBox="1"/>
-          <p:nvPr/>
-        </p:nvSpPr>
-        <p:spPr>
-          <a:xfrm>
-            <a:off x="6400800" y="6553200"/>
-            <a:ext cx="1838965" cy="369332"/>
-          </a:xfrm>
-          <a:prstGeom prst="rect">
-            <a:avLst/>
-          </a:prstGeom>
-          <a:noFill/>
-        </p:spPr>
-        <p:txBody>
-          <a:bodyPr wrap="none" rtlCol="0">
-            <a:spAutoFit/>
-          </a:bodyPr>
-          <a:lstStyle/>
-          <a:p>
-            <a:r>
-              <a:rPr lang="en-US" altLang="zh-CN" dirty="0"/>
-              <a:t>Entry transitions</a:t>
-            </a:r>
-            <a:endParaRPr lang="en-SE" dirty="0"/>
-          </a:p>
-        </p:txBody>
-      </p:sp>
-      <p:sp>
-        <p:nvSpPr>
-          <p:cNvPr id="21" name="TextBox 20">
-            <a:extLst>
-              <a:ext uri="{FF2B5EF4-FFF2-40B4-BE49-F238E27FC236}">
-                <a16:creationId xmlns:a16="http://schemas.microsoft.com/office/drawing/2014/main" id="{6BFFCF9C-B41D-4A68-A12D-55317FBFB528}"/>
-              </a:ext>
-            </a:extLst>
-          </p:cNvPr>
-          <p:cNvSpPr txBox="1"/>
-          <p:nvPr/>
-        </p:nvSpPr>
-        <p:spPr>
-          <a:xfrm>
-            <a:off x="8052233" y="4986490"/>
-            <a:ext cx="1236236" cy="646331"/>
-          </a:xfrm>
-          <a:prstGeom prst="rect">
-            <a:avLst/>
-          </a:prstGeom>
-          <a:noFill/>
-        </p:spPr>
-        <p:txBody>
-          <a:bodyPr wrap="none" rtlCol="0">
-            <a:spAutoFit/>
-          </a:bodyPr>
-          <a:lstStyle/>
-          <a:p>
-            <a:r>
-              <a:rPr lang="en-US" altLang="zh-CN" dirty="0"/>
-              <a:t>Exit </a:t>
-            </a:r>
-          </a:p>
-          <a:p>
-            <a:r>
-              <a:rPr lang="en-US" altLang="zh-CN" dirty="0"/>
-              <a:t>transitions</a:t>
-            </a:r>
-            <a:endParaRPr lang="en-SE" dirty="0"/>
-          </a:p>
-        </p:txBody>
-      </p:sp>
-    </p:spTree>
-    <p:extLst>
-      <p:ext uri="{BB962C8B-B14F-4D97-AF65-F5344CB8AC3E}">
-        <p14:creationId xmlns:p14="http://schemas.microsoft.com/office/powerpoint/2010/main" val="1442048809"/>
-      </p:ext>
-    </p:extLst>
-  </p:cSld>
-  <p:clrMapOvr>
-    <a:masterClrMapping/>
-  </p:clrMapOvr>
-</p:sld>
-</file>
-
-<file path=ppt/slides/slide9.xml><?xml version="1.0" encoding="utf-8"?>
-<p:sld xmlns:a="http://schemas.openxmlformats.org/drawingml/2006/main" xmlns:r="http://schemas.openxmlformats.org/officeDocument/2006/relationships" xmlns:p="http://schemas.openxmlformats.org/presentationml/2006/main">
-  <p:cSld>
-    <p:spTree>
-      <p:nvGrpSpPr>
-        <p:cNvPr id="1" name=""/>
-        <p:cNvGrpSpPr/>
-        <p:nvPr/>
-      </p:nvGrpSpPr>
-      <p:grpSpPr>
-        <a:xfrm>
-          <a:off x="0" y="0"/>
-          <a:ext cx="0" cy="0"/>
-          <a:chOff x="0" y="0"/>
-          <a:chExt cx="0" cy="0"/>
-        </a:xfrm>
-      </p:grpSpPr>
-      <p:sp>
-        <p:nvSpPr>
-          <p:cNvPr id="2" name="标题 1">
-            <a:extLst>
-              <a:ext uri="{FF2B5EF4-FFF2-40B4-BE49-F238E27FC236}">
-                <a16:creationId xmlns:a16="http://schemas.microsoft.com/office/drawing/2014/main" id="{BF6A4B5C-223D-48A6-A3AC-8BDF6FD01D23}"/>
-              </a:ext>
-            </a:extLst>
-          </p:cNvPr>
-          <p:cNvSpPr>
-            <a:spLocks noGrp="1"/>
-          </p:cNvSpPr>
-          <p:nvPr>
-            <p:ph type="title"/>
-          </p:nvPr>
-        </p:nvSpPr>
-        <p:spPr>
-          <a:xfrm>
-            <a:off x="152400" y="71422"/>
-            <a:ext cx="8839200" cy="837298"/>
-          </a:xfrm>
-        </p:spPr>
-        <p:txBody>
-          <a:bodyPr/>
-          <a:lstStyle/>
-          <a:p>
-            <a:r>
-              <a:rPr lang="en-US" altLang="zh-CN" dirty="0"/>
-              <a:t>Defense Against the Dark Arts</a:t>
-            </a:r>
-            <a:endParaRPr lang="zh-CN" altLang="en-US" dirty="0"/>
-          </a:p>
-        </p:txBody>
-      </p:sp>
-      <p:sp>
-        <p:nvSpPr>
-          <p:cNvPr id="3" name="内容占位符 2">
-            <a:extLst>
-              <a:ext uri="{FF2B5EF4-FFF2-40B4-BE49-F238E27FC236}">
-                <a16:creationId xmlns:a16="http://schemas.microsoft.com/office/drawing/2014/main" id="{98C6DB25-1B67-4051-A509-B54478BDAA71}"/>
-              </a:ext>
-            </a:extLst>
-          </p:cNvPr>
-          <p:cNvSpPr>
-            <a:spLocks noGrp="1"/>
-          </p:cNvSpPr>
-          <p:nvPr>
-            <p:ph idx="1"/>
-          </p:nvPr>
-        </p:nvSpPr>
-        <p:spPr>
-          <a:xfrm>
-            <a:off x="152400" y="980729"/>
-            <a:ext cx="8839200" cy="3528392"/>
-          </a:xfrm>
-        </p:spPr>
-        <p:txBody>
-          <a:bodyPr>
-            <a:normAutofit fontScale="77500" lnSpcReduction="20000"/>
-          </a:bodyPr>
-          <a:lstStyle/>
-          <a:p>
-            <a:r>
-              <a:rPr lang="en-US" altLang="zh-CN" dirty="0">
-                <a:hlinkClick r:id="rId2"/>
-              </a:rPr>
-              <a:t>https://www.youtube.com/watch?v=KNDkaVZwmg4&amp;list=PL0pRF4xvoD0liEIWyJ6kmXqGT7nbr2L3u&amp;index=11</a:t>
-            </a:r>
-            <a:endParaRPr lang="en-US" altLang="zh-CN" dirty="0"/>
-          </a:p>
-          <a:p>
-            <a:r>
-              <a:rPr lang="en-US" dirty="0"/>
-              <a:t>Diagonal is minimum norm. Ideally, we want norm distance to be large for class-changing perturbations, small for random noise, like </a:t>
-            </a:r>
-            <a:r>
-              <a:rPr lang="en-US" dirty="0" err="1"/>
-              <a:t>Linfty</a:t>
-            </a:r>
-            <a:r>
-              <a:rPr lang="en-US" dirty="0"/>
-              <a:t>. But adding random noise leads to L2 norm 4.8, bigger than many class-changing perturbations. NG.</a:t>
-            </a:r>
-          </a:p>
-          <a:p>
-            <a:r>
-              <a:rPr lang="en-US" dirty="0"/>
-              <a:t>L2 norm cannot detect/permits change of a few pixels largely, which is likely to change the class.</a:t>
-            </a:r>
-          </a:p>
-          <a:p>
-            <a:r>
-              <a:rPr lang="en-US" dirty="0"/>
-              <a:t>We can make L2 distance big while still preserving the class</a:t>
-            </a:r>
-            <a:endParaRPr lang="en-SE" dirty="0"/>
-          </a:p>
-          <a:p>
-            <a:endParaRPr lang="zh-CN" altLang="en-US" dirty="0"/>
-          </a:p>
-        </p:txBody>
-      </p:sp>
-      <p:pic>
-        <p:nvPicPr>
-          <p:cNvPr id="4" name="Picture 3">
-            <a:extLst>
-              <a:ext uri="{FF2B5EF4-FFF2-40B4-BE49-F238E27FC236}">
-                <a16:creationId xmlns:a16="http://schemas.microsoft.com/office/drawing/2014/main" id="{AA461B0E-D172-4094-810E-DBACE9202271}"/>
-              </a:ext>
-            </a:extLst>
-          </p:cNvPr>
-          <p:cNvPicPr>
-            <a:picLocks noChangeAspect="1"/>
-          </p:cNvPicPr>
-          <p:nvPr/>
-        </p:nvPicPr>
-        <p:blipFill>
-          <a:blip r:embed="rId3"/>
-          <a:stretch>
-            <a:fillRect/>
-          </a:stretch>
-        </p:blipFill>
-        <p:spPr>
-          <a:xfrm>
-            <a:off x="611560" y="3339342"/>
-            <a:ext cx="4907418" cy="3429000"/>
-          </a:xfrm>
-          <a:prstGeom prst="rect">
-            <a:avLst/>
-          </a:prstGeom>
-        </p:spPr>
-      </p:pic>
-    </p:spTree>
-    <p:extLst>
-      <p:ext uri="{BB962C8B-B14F-4D97-AF65-F5344CB8AC3E}">
-        <p14:creationId xmlns:p14="http://schemas.microsoft.com/office/powerpoint/2010/main" val="1939888640"/>
       </p:ext>
     </p:extLst>
   </p:cSld>
@@ -13966,12 +18168,6 @@
 </file>
 
 <file path=customXml/item1.xml><?xml version="1.0" encoding="utf-8"?>
-<p:properties xmlns:p="http://schemas.microsoft.com/office/2006/metadata/properties" xmlns:xsi="http://www.w3.org/2001/XMLSchema-instance" xmlns:pc="http://schemas.microsoft.com/office/infopath/2007/PartnerControls">
-  <documentManagement/>
-</p:properties>
-</file>
-
-<file path=customXml/item2.xml><?xml version="1.0" encoding="utf-8"?>
 <?mso-contentType ?>
 <FormTemplates xmlns="http://schemas.microsoft.com/sharepoint/v3/contenttype/forms">
   <Display>DocumentLibraryForm</Display>
@@ -13980,7 +18176,7 @@
 </FormTemplates>
 </file>
 
-<file path=customXml/item3.xml><?xml version="1.0" encoding="utf-8"?>
+<file path=customXml/item2.xml><?xml version="1.0" encoding="utf-8"?>
 <ct:contentTypeSchema xmlns:ct="http://schemas.microsoft.com/office/2006/metadata/contentType" xmlns:ma="http://schemas.microsoft.com/office/2006/metadata/properties/metaAttributes" ct:_="" ma:_="" ma:contentTypeName="Document" ma:contentTypeID="0x01010004C9F4636FD8CF4DBA576E51CE9A9557" ma:contentTypeVersion="12" ma:contentTypeDescription="Create a new document." ma:contentTypeScope="" ma:versionID="c335fd21f2fe76e29ebd247bba84ba96">
   <xsd:schema xmlns:xsd="http://www.w3.org/2001/XMLSchema" xmlns:xs="http://www.w3.org/2001/XMLSchema" xmlns:p="http://schemas.microsoft.com/office/2006/metadata/properties" xmlns:ns3="221e1496-d443-4306-ad63-a100e0046a13" xmlns:ns4="60aad371-894b-4a9b-aa6a-3fd9336d4f3f" targetNamespace="http://schemas.microsoft.com/office/2006/metadata/properties" ma:root="true" ma:fieldsID="4cb030868c90a59dc09b4c74f925c173" ns3:_="" ns4:_="">
     <xsd:import namespace="221e1496-d443-4306-ad63-a100e0046a13"/>
@@ -14197,24 +18393,13 @@
 </ct:contentTypeSchema>
 </file>
 
-<file path=customXml/itemProps1.xml><?xml version="1.0" encoding="utf-8"?>
-<ds:datastoreItem xmlns:ds="http://schemas.openxmlformats.org/officeDocument/2006/customXml" ds:itemID="{6B8D1CD2-3289-4F40-8C3A-CFDE35750563}">
-  <ds:schemaRefs>
-    <ds:schemaRef ds:uri="http://schemas.microsoft.com/office/2006/documentManagement/types"/>
-    <ds:schemaRef ds:uri="http://purl.org/dc/elements/1.1/"/>
-    <ds:schemaRef ds:uri="http://schemas.microsoft.com/office/2006/metadata/properties"/>
-    <ds:schemaRef ds:uri="http://schemas.openxmlformats.org/package/2006/metadata/core-properties"/>
-    <ds:schemaRef ds:uri="http://purl.org/dc/dcmitype/"/>
-    <ds:schemaRef ds:uri="http://purl.org/dc/terms/"/>
-    <ds:schemaRef ds:uri="http://www.w3.org/XML/1998/namespace"/>
-    <ds:schemaRef ds:uri="http://schemas.microsoft.com/office/infopath/2007/PartnerControls"/>
-    <ds:schemaRef ds:uri="60aad371-894b-4a9b-aa6a-3fd9336d4f3f"/>
-    <ds:schemaRef ds:uri="221e1496-d443-4306-ad63-a100e0046a13"/>
-  </ds:schemaRefs>
-</ds:datastoreItem>
+<file path=customXml/item3.xml><?xml version="1.0" encoding="utf-8"?>
+<p:properties xmlns:p="http://schemas.microsoft.com/office/2006/metadata/properties" xmlns:xsi="http://www.w3.org/2001/XMLSchema-instance" xmlns:pc="http://schemas.microsoft.com/office/infopath/2007/PartnerControls">
+  <documentManagement/>
+</p:properties>
 </file>
 
-<file path=customXml/itemProps2.xml><?xml version="1.0" encoding="utf-8"?>
+<file path=customXml/itemProps1.xml><?xml version="1.0" encoding="utf-8"?>
 <ds:datastoreItem xmlns:ds="http://schemas.openxmlformats.org/officeDocument/2006/customXml" ds:itemID="{C57B2AAA-3E84-49CC-BE6D-CB4399E554EF}">
   <ds:schemaRefs>
     <ds:schemaRef ds:uri="http://schemas.microsoft.com/sharepoint/v3/contenttype/forms"/>
@@ -14222,7 +18407,7 @@
 </ds:datastoreItem>
 </file>
 
-<file path=customXml/itemProps3.xml><?xml version="1.0" encoding="utf-8"?>
+<file path=customXml/itemProps2.xml><?xml version="1.0" encoding="utf-8"?>
 <ds:datastoreItem xmlns:ds="http://schemas.openxmlformats.org/officeDocument/2006/customXml" ds:itemID="{6F97E12F-14DB-4E96-B5EF-03E9057A64B5}">
   <ds:schemaRefs>
     <ds:schemaRef ds:uri="http://schemas.microsoft.com/office/2006/metadata/contentType"/>
@@ -14239,4 +18424,21 @@
     <ds:schemaRef ds:uri="http://schemas.microsoft.com/internal/obd"/>
   </ds:schemaRefs>
 </ds:datastoreItem>
+</file>
+
+<file path=customXml/itemProps3.xml><?xml version="1.0" encoding="utf-8"?>
+<ds:datastoreItem xmlns:ds="http://schemas.openxmlformats.org/officeDocument/2006/customXml" ds:itemID="{6B8D1CD2-3289-4F40-8C3A-CFDE35750563}">
+  <ds:schemaRefs>
+    <ds:schemaRef ds:uri="http://schemas.microsoft.com/office/2006/documentManagement/types"/>
+    <ds:schemaRef ds:uri="http://purl.org/dc/elements/1.1/"/>
+    <ds:schemaRef ds:uri="http://schemas.microsoft.com/office/2006/metadata/properties"/>
+    <ds:schemaRef ds:uri="http://schemas.openxmlformats.org/package/2006/metadata/core-properties"/>
+    <ds:schemaRef ds:uri="http://purl.org/dc/dcmitype/"/>
+    <ds:schemaRef ds:uri="http://purl.org/dc/terms/"/>
+    <ds:schemaRef ds:uri="http://www.w3.org/XML/1998/namespace"/>
+    <ds:schemaRef ds:uri="http://schemas.microsoft.com/office/infopath/2007/PartnerControls"/>
+    <ds:schemaRef ds:uri="60aad371-894b-4a9b-aa6a-3fd9336d4f3f"/>
+    <ds:schemaRef ds:uri="221e1496-d443-4306-ad63-a100e0046a13"/>
+  </ds:schemaRefs>
+</ds:datastoreItem>
 </file>
--- a/PPTs/bak/UMU SDC TODO.pptx
+++ b/PPTs/bak/UMU SDC TODO.pptx
@@ -5,23 +5,24 @@
     <p:sldMasterId id="2147483648" r:id="rId4"/>
   </p:sldMasterIdLst>
   <p:notesMasterIdLst>
-    <p:notesMasterId r:id="rId19"/>
+    <p:notesMasterId r:id="rId20"/>
   </p:notesMasterIdLst>
   <p:sldIdLst>
     <p:sldId id="256" r:id="rId5"/>
-    <p:sldId id="824" r:id="rId6"/>
-    <p:sldId id="909" r:id="rId7"/>
-    <p:sldId id="1166" r:id="rId8"/>
-    <p:sldId id="1167" r:id="rId9"/>
-    <p:sldId id="258" r:id="rId10"/>
-    <p:sldId id="1113" r:id="rId11"/>
-    <p:sldId id="1165" r:id="rId12"/>
-    <p:sldId id="1163" r:id="rId13"/>
-    <p:sldId id="894" r:id="rId14"/>
-    <p:sldId id="257" r:id="rId15"/>
-    <p:sldId id="389" r:id="rId16"/>
-    <p:sldId id="1047" r:id="rId17"/>
-    <p:sldId id="1168" r:id="rId18"/>
+    <p:sldId id="1132" r:id="rId6"/>
+    <p:sldId id="824" r:id="rId7"/>
+    <p:sldId id="909" r:id="rId8"/>
+    <p:sldId id="1166" r:id="rId9"/>
+    <p:sldId id="1167" r:id="rId10"/>
+    <p:sldId id="258" r:id="rId11"/>
+    <p:sldId id="1113" r:id="rId12"/>
+    <p:sldId id="1165" r:id="rId13"/>
+    <p:sldId id="1163" r:id="rId14"/>
+    <p:sldId id="894" r:id="rId15"/>
+    <p:sldId id="257" r:id="rId16"/>
+    <p:sldId id="389" r:id="rId17"/>
+    <p:sldId id="1047" r:id="rId18"/>
+    <p:sldId id="1168" r:id="rId19"/>
   </p:sldIdLst>
   <p:sldSz cx="9144000" cy="6858000" type="screen4x3"/>
   <p:notesSz cx="6858000" cy="9144000"/>
@@ -275,7 +276,7 @@
             <a:fld id="{7C0CEB4B-0D62-444C-A05C-70565453F06B}" type="datetimeFigureOut">
               <a:rPr lang="en-US" smtClean="0"/>
               <a:pPr/>
-              <a:t>5/23/2021</a:t>
+              <a:t>5/24/2021</a:t>
             </a:fld>
             <a:endParaRPr lang="en-US"/>
           </a:p>
@@ -651,6 +652,198 @@
         </p:nvSpPr>
         <p:spPr/>
       </p:sp>
+      <mc:AlternateContent xmlns:mc="http://schemas.openxmlformats.org/markup-compatibility/2006" xmlns:a14="http://schemas.microsoft.com/office/drawing/2010/main">
+        <mc:Choice Requires="a14">
+          <p:sp>
+            <p:nvSpPr>
+              <p:cNvPr id="3" name="Notes Placeholder 2"/>
+              <p:cNvSpPr>
+                <a:spLocks noGrp="1"/>
+              </p:cNvSpPr>
+              <p:nvPr>
+                <p:ph type="body" idx="1"/>
+              </p:nvPr>
+            </p:nvSpPr>
+            <p:spPr/>
+            <p:txBody>
+              <a:bodyPr/>
+              <a:lstStyle/>
+              <a:p>
+                <a:r>
+                  <a:rPr lang="en-US" dirty="0"/>
+                  <a:t> while behavior policy </a:t>
+                </a:r>
+                <a14:m>
+                  <m:oMath xmlns:m="http://schemas.openxmlformats.org/officeDocument/2006/math">
+                    <m:r>
+                      <a:rPr lang="en-US" b="0" i="1" smtClean="0">
+                        <a:latin typeface="Cambria Math" panose="02040503050406030204" pitchFamily="18" charset="0"/>
+                      </a:rPr>
+                      <m:t>𝑏</m:t>
+                    </m:r>
+                  </m:oMath>
+                </a14:m>
+                <a:r>
+                  <a:rPr lang="en-US" dirty="0"/>
+                  <a:t> is more </a:t>
+                </a:r>
+                <a:r>
+                  <a:rPr lang="en-US" dirty="0" err="1"/>
+                  <a:t>exploratoryand</a:t>
+                </a:r>
+                <a:r>
+                  <a:rPr lang="en-US" dirty="0"/>
+                  <a:t> not necessarily equal to the a' selected to update Q</a:t>
+                </a:r>
+              </a:p>
+              <a:p>
+                <a:r>
+                  <a:rPr lang="en-US" dirty="0" err="1"/>
+                  <a:t>Sarsa</a:t>
+                </a:r>
+                <a:r>
+                  <a:rPr lang="en-US" dirty="0"/>
+                  <a:t> updates it behavior policy during training, instead of using fixed behavior policy? Not PE, but GPI?</a:t>
+                </a:r>
+              </a:p>
+              <a:p>
+                <a:r>
+                  <a:rPr lang="en-US" b="0" dirty="0"/>
+                  <a:t> based on current policy </a:t>
+                </a:r>
+                <a14:m>
+                  <m:oMath xmlns:m="http://schemas.openxmlformats.org/officeDocument/2006/math">
+                    <m:r>
+                      <a:rPr lang="en-US" b="0" i="1" smtClean="0">
+                        <a:latin typeface="Cambria Math" panose="02040503050406030204" pitchFamily="18" charset="0"/>
+                      </a:rPr>
+                      <m:t>𝜋</m:t>
+                    </m:r>
+                  </m:oMath>
+                </a14:m>
+                <a:endParaRPr lang="en-US" dirty="0"/>
+              </a:p>
+              <a:p>
+                <a:endParaRPr lang="en-SE" dirty="0"/>
+              </a:p>
+            </p:txBody>
+          </p:sp>
+        </mc:Choice>
+        <mc:Fallback xmlns="">
+          <p:sp>
+            <p:nvSpPr>
+              <p:cNvPr id="3" name="Notes Placeholder 2"/>
+              <p:cNvSpPr>
+                <a:spLocks noGrp="1"/>
+              </p:cNvSpPr>
+              <p:nvPr>
+                <p:ph type="body" idx="1"/>
+              </p:nvPr>
+            </p:nvSpPr>
+            <p:spPr/>
+            <p:txBody>
+              <a:bodyPr/>
+              <a:lstStyle/>
+              <a:p>
+                <a:r>
+                  <a:rPr lang="en-US" dirty="0"/>
+                  <a:t> while behavior policy </a:t>
+                </a:r>
+                <a:r>
+                  <a:rPr lang="en-US" b="0" i="0">
+                    <a:latin typeface="Cambria Math" panose="02040503050406030204" pitchFamily="18" charset="0"/>
+                  </a:rPr>
+                  <a:t>𝑏</a:t>
+                </a:r>
+                <a:r>
+                  <a:rPr lang="en-US" dirty="0"/>
+                  <a:t> is more </a:t>
+                </a:r>
+                <a:r>
+                  <a:rPr lang="en-US" dirty="0" err="1"/>
+                  <a:t>exploratoryand</a:t>
+                </a:r>
+                <a:r>
+                  <a:rPr lang="en-US" dirty="0"/>
+                  <a:t> not necessarily equal to the a' selected to update Q</a:t>
+                </a:r>
+                <a:endParaRPr lang="en-SE" dirty="0"/>
+              </a:p>
+            </p:txBody>
+          </p:sp>
+        </mc:Fallback>
+      </mc:AlternateContent>
+      <p:sp>
+        <p:nvSpPr>
+          <p:cNvPr id="4" name="Slide Number Placeholder 3"/>
+          <p:cNvSpPr>
+            <a:spLocks noGrp="1"/>
+          </p:cNvSpPr>
+          <p:nvPr>
+            <p:ph type="sldNum" sz="quarter" idx="5"/>
+          </p:nvPr>
+        </p:nvSpPr>
+        <p:spPr/>
+        <p:txBody>
+          <a:bodyPr/>
+          <a:lstStyle/>
+          <a:p>
+            <a:pPr>
+              <a:defRPr/>
+            </a:pPr>
+            <a:fld id="{6FA21340-DBF0-4FAC-9DE2-FD6DB24B56C8}" type="slidenum">
+              <a:rPr lang="en-US" altLang="zh-CN" smtClean="0"/>
+              <a:pPr>
+                <a:defRPr/>
+              </a:pPr>
+              <a:t>2</a:t>
+            </a:fld>
+            <a:endParaRPr lang="en-US" altLang="zh-CN"/>
+          </a:p>
+        </p:txBody>
+      </p:sp>
+    </p:spTree>
+    <p:extLst>
+      <p:ext uri="{BB962C8B-B14F-4D97-AF65-F5344CB8AC3E}">
+        <p14:creationId xmlns:p14="http://schemas.microsoft.com/office/powerpoint/2010/main" val="3929739451"/>
+      </p:ext>
+    </p:extLst>
+  </p:cSld>
+  <p:clrMapOvr>
+    <a:masterClrMapping/>
+  </p:clrMapOvr>
+</p:notes>
+</file>
+
+<file path=ppt/notesSlides/notesSlide3.xml><?xml version="1.0" encoding="utf-8"?>
+<p:notes xmlns:a="http://schemas.openxmlformats.org/drawingml/2006/main" xmlns:r="http://schemas.openxmlformats.org/officeDocument/2006/relationships" xmlns:p="http://schemas.openxmlformats.org/presentationml/2006/main">
+  <p:cSld>
+    <p:spTree>
+      <p:nvGrpSpPr>
+        <p:cNvPr id="1" name=""/>
+        <p:cNvGrpSpPr/>
+        <p:nvPr/>
+      </p:nvGrpSpPr>
+      <p:grpSpPr>
+        <a:xfrm>
+          <a:off x="0" y="0"/>
+          <a:ext cx="0" cy="0"/>
+          <a:chOff x="0" y="0"/>
+          <a:chExt cx="0" cy="0"/>
+        </a:xfrm>
+      </p:grpSpPr>
+      <p:sp>
+        <p:nvSpPr>
+          <p:cNvPr id="2" name="Slide Image Placeholder 1"/>
+          <p:cNvSpPr>
+            <a:spLocks noGrp="1" noRot="1" noChangeAspect="1"/>
+          </p:cNvSpPr>
+          <p:nvPr>
+            <p:ph type="sldImg"/>
+          </p:nvPr>
+        </p:nvSpPr>
+        <p:spPr/>
+      </p:sp>
       <p:sp>
         <p:nvSpPr>
           <p:cNvPr id="3" name="Notes Placeholder 2"/>
@@ -760,7 +953,7 @@
               <a:pPr>
                 <a:defRPr/>
               </a:pPr>
-              <a:t>2</a:t>
+              <a:t>3</a:t>
             </a:fld>
             <a:endParaRPr lang="en-US" altLang="zh-CN"/>
           </a:p>
@@ -779,7 +972,7 @@
 </p:notes>
 </file>
 
-<file path=ppt/notesSlides/notesSlide3.xml><?xml version="1.0" encoding="utf-8"?>
+<file path=ppt/notesSlides/notesSlide4.xml><?xml version="1.0" encoding="utf-8"?>
 <p:notes xmlns:a="http://schemas.openxmlformats.org/drawingml/2006/main" xmlns:r="http://schemas.openxmlformats.org/officeDocument/2006/relationships" xmlns:p="http://schemas.openxmlformats.org/presentationml/2006/main">
   <p:cSld>
     <p:spTree>
@@ -1008,7 +1201,7 @@
               <a:pPr>
                 <a:defRPr/>
               </a:pPr>
-              <a:t>7</a:t>
+              <a:t>8</a:t>
             </a:fld>
             <a:endParaRPr lang="en-US" altLang="zh-CN"/>
           </a:p>
@@ -1027,7 +1220,7 @@
 </p:notes>
 </file>
 
-<file path=ppt/notesSlides/notesSlide4.xml><?xml version="1.0" encoding="utf-8"?>
+<file path=ppt/notesSlides/notesSlide5.xml><?xml version="1.0" encoding="utf-8"?>
 <p:notes xmlns:a="http://schemas.openxmlformats.org/drawingml/2006/main" xmlns:r="http://schemas.openxmlformats.org/officeDocument/2006/relationships" xmlns:p="http://schemas.openxmlformats.org/presentationml/2006/main">
   <p:cSld>
     <p:spTree>
@@ -1119,7 +1312,7 @@
               <a:pPr>
                 <a:defRPr/>
               </a:pPr>
-              <a:t>13</a:t>
+              <a:t>14</a:t>
             </a:fld>
             <a:endParaRPr lang="en-US" altLang="zh-CN"/>
           </a:p>
@@ -1320,7 +1513,7 @@
             <a:fld id="{CE1938E7-FCD4-418C-87D0-DD707A52F1FF}" type="datetimeFigureOut">
               <a:rPr lang="en-US" smtClean="0"/>
               <a:pPr/>
-              <a:t>5/23/2021</a:t>
+              <a:t>5/24/2021</a:t>
             </a:fld>
             <a:endParaRPr lang="en-US"/>
           </a:p>
@@ -1860,7 +2053,7 @@
             <a:fld id="{CE1938E7-FCD4-418C-87D0-DD707A52F1FF}" type="datetimeFigureOut">
               <a:rPr lang="en-US" smtClean="0"/>
               <a:pPr/>
-              <a:t>5/23/2021</a:t>
+              <a:t>5/24/2021</a:t>
             </a:fld>
             <a:endParaRPr lang="en-US"/>
           </a:p>
@@ -2291,6 +2484,962 @@
           <p:cNvPr id="2" name="Title 1">
             <a:extLst>
               <a:ext uri="{FF2B5EF4-FFF2-40B4-BE49-F238E27FC236}">
+                <a16:creationId xmlns:a16="http://schemas.microsoft.com/office/drawing/2014/main" id="{C4CC5A1E-1764-4E4A-B5F2-D07AB4707533}"/>
+              </a:ext>
+            </a:extLst>
+          </p:cNvPr>
+          <p:cNvSpPr>
+            <a:spLocks noGrp="1"/>
+          </p:cNvSpPr>
+          <p:nvPr>
+            <p:ph type="title"/>
+          </p:nvPr>
+        </p:nvSpPr>
+        <p:spPr/>
+        <p:txBody>
+          <a:bodyPr/>
+          <a:lstStyle/>
+          <a:p>
+            <a:r>
+              <a:rPr lang="en-US" dirty="0"/>
+              <a:t>Return and Value Functions</a:t>
+            </a:r>
+            <a:endParaRPr lang="en-SE" dirty="0"/>
+          </a:p>
+        </p:txBody>
+      </p:sp>
+      <mc:AlternateContent xmlns:mc="http://schemas.openxmlformats.org/markup-compatibility/2006" xmlns:a14="http://schemas.microsoft.com/office/drawing/2010/main">
+        <mc:Choice Requires="a14">
+          <p:sp>
+            <p:nvSpPr>
+              <p:cNvPr id="3" name="Content Placeholder 2">
+                <a:extLst>
+                  <a:ext uri="{FF2B5EF4-FFF2-40B4-BE49-F238E27FC236}">
+                    <a16:creationId xmlns:a16="http://schemas.microsoft.com/office/drawing/2014/main" id="{E21F40FA-75F9-4936-976E-2883595213F9}"/>
+                  </a:ext>
+                </a:extLst>
+              </p:cNvPr>
+              <p:cNvSpPr>
+                <a:spLocks noGrp="1"/>
+              </p:cNvSpPr>
+              <p:nvPr>
+                <p:ph idx="1"/>
+              </p:nvPr>
+            </p:nvSpPr>
+            <p:spPr/>
+            <p:txBody>
+              <a:bodyPr/>
+              <a:lstStyle/>
+              <a:p>
+                <a:r>
+                  <a:rPr lang="en-US" dirty="0"/>
+                  <a:t>Consider episodic tasks with episode length </a:t>
+                </a:r>
+                <a14:m>
+                  <m:oMath xmlns:m="http://schemas.openxmlformats.org/officeDocument/2006/math">
+                    <m:r>
+                      <a:rPr lang="en-US" b="0" i="1" smtClean="0">
+                        <a:latin typeface="Cambria Math" panose="02040503050406030204" pitchFamily="18" charset="0"/>
+                      </a:rPr>
+                      <m:t>𝑇</m:t>
+                    </m:r>
+                  </m:oMath>
+                </a14:m>
+                <a:r>
+                  <a:rPr lang="en-US" dirty="0"/>
+                  <a:t>: </a:t>
+                </a:r>
+              </a:p>
+              <a:p>
+                <a:pPr lvl="1"/>
+                <a:r>
+                  <a:rPr lang="en-US" sz="2900" dirty="0">
+                    <a:solidFill>
+                      <a:srgbClr val="C00000"/>
+                    </a:solidFill>
+                  </a:rPr>
+                  <a:t>Return</a:t>
+                </a:r>
+                <a:r>
+                  <a:rPr lang="en-US" sz="2900" dirty="0"/>
+                  <a:t> (cumulative discounted reward) at time </a:t>
+                </a:r>
+                <a14:m>
+                  <m:oMath xmlns:m="http://schemas.openxmlformats.org/officeDocument/2006/math">
+                    <m:r>
+                      <a:rPr lang="en-US" sz="2900" b="0" i="1" smtClean="0">
+                        <a:latin typeface="Cambria Math" panose="02040503050406030204" pitchFamily="18" charset="0"/>
+                      </a:rPr>
+                      <m:t>𝑡</m:t>
+                    </m:r>
+                  </m:oMath>
+                </a14:m>
+                <a:r>
+                  <a:rPr lang="en-US" sz="2900" dirty="0"/>
+                  <a:t>: </a:t>
+                </a:r>
+                <a14:m>
+                  <m:oMath xmlns:m="http://schemas.openxmlformats.org/officeDocument/2006/math">
+                    <m:sSub>
+                      <m:sSubPr>
+                        <m:ctrlPr>
+                          <a:rPr lang="en-US" sz="2900" i="1">
+                            <a:latin typeface="Cambria Math" panose="02040503050406030204" pitchFamily="18" charset="0"/>
+                          </a:rPr>
+                        </m:ctrlPr>
+                      </m:sSubPr>
+                      <m:e>
+                        <m:r>
+                          <a:rPr lang="en-US" sz="2900" i="1">
+                            <a:latin typeface="Cambria Math" panose="02040503050406030204" pitchFamily="18" charset="0"/>
+                          </a:rPr>
+                          <m:t>𝐺</m:t>
+                        </m:r>
+                      </m:e>
+                      <m:sub>
+                        <m:r>
+                          <a:rPr lang="en-US" sz="2900" i="1">
+                            <a:latin typeface="Cambria Math" panose="02040503050406030204" pitchFamily="18" charset="0"/>
+                          </a:rPr>
+                          <m:t>𝑡</m:t>
+                        </m:r>
+                      </m:sub>
+                    </m:sSub>
+                    <m:r>
+                      <a:rPr lang="en-US" sz="2900" i="1">
+                        <a:latin typeface="Cambria Math" panose="02040503050406030204" pitchFamily="18" charset="0"/>
+                      </a:rPr>
+                      <m:t>≐</m:t>
+                    </m:r>
+                    <m:nary>
+                      <m:naryPr>
+                        <m:chr m:val="∑"/>
+                        <m:ctrlPr>
+                          <a:rPr lang="en-US" sz="2900" i="1">
+                            <a:latin typeface="Cambria Math" panose="02040503050406030204" pitchFamily="18" charset="0"/>
+                          </a:rPr>
+                        </m:ctrlPr>
+                      </m:naryPr>
+                      <m:sub>
+                        <m:r>
+                          <m:rPr>
+                            <m:brk m:alnAt="23"/>
+                          </m:rPr>
+                          <a:rPr lang="en-US" sz="2900" i="1">
+                            <a:latin typeface="Cambria Math" panose="02040503050406030204" pitchFamily="18" charset="0"/>
+                          </a:rPr>
+                          <m:t>𝑘</m:t>
+                        </m:r>
+                        <m:r>
+                          <a:rPr lang="en-US" sz="2900" i="1">
+                            <a:latin typeface="Cambria Math" panose="02040503050406030204" pitchFamily="18" charset="0"/>
+                          </a:rPr>
+                          <m:t>=0</m:t>
+                        </m:r>
+                      </m:sub>
+                      <m:sup>
+                        <m:r>
+                          <a:rPr lang="en-US" sz="2900" i="1">
+                            <a:latin typeface="Cambria Math" panose="02040503050406030204" pitchFamily="18" charset="0"/>
+                          </a:rPr>
+                          <m:t>𝑇</m:t>
+                        </m:r>
+                        <m:r>
+                          <a:rPr lang="en-US" sz="2900" i="1">
+                            <a:latin typeface="Cambria Math" panose="02040503050406030204" pitchFamily="18" charset="0"/>
+                          </a:rPr>
+                          <m:t>−1</m:t>
+                        </m:r>
+                      </m:sup>
+                      <m:e>
+                        <m:sSup>
+                          <m:sSupPr>
+                            <m:ctrlPr>
+                              <a:rPr lang="en-US" sz="2900" i="1">
+                                <a:latin typeface="Cambria Math" panose="02040503050406030204" pitchFamily="18" charset="0"/>
+                              </a:rPr>
+                            </m:ctrlPr>
+                          </m:sSupPr>
+                          <m:e>
+                            <m:r>
+                              <a:rPr lang="en-US" sz="2900" i="1">
+                                <a:latin typeface="Cambria Math" panose="02040503050406030204" pitchFamily="18" charset="0"/>
+                              </a:rPr>
+                              <m:t>𝛾</m:t>
+                            </m:r>
+                          </m:e>
+                          <m:sup>
+                            <m:r>
+                              <a:rPr lang="en-US" sz="2900" i="1">
+                                <a:latin typeface="Cambria Math" panose="02040503050406030204" pitchFamily="18" charset="0"/>
+                              </a:rPr>
+                              <m:t>𝑘</m:t>
+                            </m:r>
+                          </m:sup>
+                        </m:sSup>
+                      </m:e>
+                    </m:nary>
+                    <m:sSub>
+                      <m:sSubPr>
+                        <m:ctrlPr>
+                          <a:rPr lang="en-US" sz="2900" i="1">
+                            <a:latin typeface="Cambria Math" panose="02040503050406030204" pitchFamily="18" charset="0"/>
+                          </a:rPr>
+                        </m:ctrlPr>
+                      </m:sSubPr>
+                      <m:e>
+                        <m:r>
+                          <a:rPr lang="en-US" sz="2900" i="1">
+                            <a:latin typeface="Cambria Math" panose="02040503050406030204" pitchFamily="18" charset="0"/>
+                          </a:rPr>
+                          <m:t>𝑅</m:t>
+                        </m:r>
+                      </m:e>
+                      <m:sub>
+                        <m:r>
+                          <a:rPr lang="en-US" sz="2900" i="1">
+                            <a:latin typeface="Cambria Math" panose="02040503050406030204" pitchFamily="18" charset="0"/>
+                          </a:rPr>
+                          <m:t>𝑡</m:t>
+                        </m:r>
+                        <m:r>
+                          <a:rPr lang="en-US" sz="2900" i="1">
+                            <a:latin typeface="Cambria Math" panose="02040503050406030204" pitchFamily="18" charset="0"/>
+                          </a:rPr>
+                          <m:t>+</m:t>
+                        </m:r>
+                        <m:r>
+                          <a:rPr lang="en-US" sz="2900" i="1">
+                            <a:latin typeface="Cambria Math" panose="02040503050406030204" pitchFamily="18" charset="0"/>
+                          </a:rPr>
+                          <m:t>𝑘</m:t>
+                        </m:r>
+                        <m:r>
+                          <a:rPr lang="en-US" sz="2900" i="1">
+                            <a:latin typeface="Cambria Math" panose="02040503050406030204" pitchFamily="18" charset="0"/>
+                          </a:rPr>
+                          <m:t>+1</m:t>
+                        </m:r>
+                      </m:sub>
+                    </m:sSub>
+                  </m:oMath>
+                </a14:m>
+                <a:endParaRPr lang="en-US" sz="2900" dirty="0"/>
+              </a:p>
+              <a:p>
+                <a:pPr lvl="1"/>
+                <a:r>
+                  <a:rPr lang="en-US" sz="2900" b="0" dirty="0">
+                    <a:solidFill>
+                      <a:srgbClr val="C00000"/>
+                    </a:solidFill>
+                  </a:rPr>
+                  <a:t>State Value Function </a:t>
+                </a:r>
+                <a:r>
+                  <a:rPr lang="en-US" sz="2900" b="0" dirty="0"/>
+                  <a:t>is expected return under policy </a:t>
+                </a:r>
+                <a14:m>
+                  <m:oMath xmlns:m="http://schemas.openxmlformats.org/officeDocument/2006/math">
+                    <m:r>
+                      <a:rPr lang="en-US" sz="2900" b="0" i="1" smtClean="0">
+                        <a:latin typeface="Cambria Math" panose="02040503050406030204" pitchFamily="18" charset="0"/>
+                      </a:rPr>
+                      <m:t>𝜋</m:t>
+                    </m:r>
+                  </m:oMath>
+                </a14:m>
+                <a:r>
+                  <a:rPr lang="en-US" sz="2900" b="0" dirty="0"/>
+                  <a:t>: </a:t>
+                </a:r>
+                <a14:m>
+                  <m:oMath xmlns:m="http://schemas.openxmlformats.org/officeDocument/2006/math">
+                    <m:sSub>
+                      <m:sSubPr>
+                        <m:ctrlPr>
+                          <a:rPr lang="en-US" sz="2900" b="0" i="1" smtClean="0">
+                            <a:latin typeface="Cambria Math" panose="02040503050406030204" pitchFamily="18" charset="0"/>
+                          </a:rPr>
+                        </m:ctrlPr>
+                      </m:sSubPr>
+                      <m:e>
+                        <m:r>
+                          <a:rPr lang="en-US" sz="2900" b="0" i="1" smtClean="0">
+                            <a:latin typeface="Cambria Math" panose="02040503050406030204" pitchFamily="18" charset="0"/>
+                          </a:rPr>
+                          <m:t>𝑣</m:t>
+                        </m:r>
+                      </m:e>
+                      <m:sub>
+                        <m:r>
+                          <a:rPr lang="en-US" sz="2900" b="0" i="1" smtClean="0">
+                            <a:latin typeface="Cambria Math" panose="02040503050406030204" pitchFamily="18" charset="0"/>
+                          </a:rPr>
+                          <m:t>𝜋</m:t>
+                        </m:r>
+                      </m:sub>
+                    </m:sSub>
+                    <m:d>
+                      <m:dPr>
+                        <m:ctrlPr>
+                          <a:rPr lang="en-US" sz="2900" b="0" i="1" smtClean="0">
+                            <a:latin typeface="Cambria Math" panose="02040503050406030204" pitchFamily="18" charset="0"/>
+                          </a:rPr>
+                        </m:ctrlPr>
+                      </m:dPr>
+                      <m:e>
+                        <m:r>
+                          <a:rPr lang="en-US" sz="2900" b="0" i="1" smtClean="0">
+                            <a:latin typeface="Cambria Math" panose="02040503050406030204" pitchFamily="18" charset="0"/>
+                          </a:rPr>
+                          <m:t>𝑠</m:t>
+                        </m:r>
+                      </m:e>
+                    </m:d>
+                    <m:r>
+                      <a:rPr lang="en-US" sz="2900" b="0" i="1" smtClean="0">
+                        <a:latin typeface="Cambria Math" panose="02040503050406030204" pitchFamily="18" charset="0"/>
+                      </a:rPr>
+                      <m:t>≐</m:t>
+                    </m:r>
+                    <m:sSub>
+                      <m:sSubPr>
+                        <m:ctrlPr>
+                          <a:rPr lang="en-US" sz="2900" b="0" i="1" smtClean="0">
+                            <a:latin typeface="Cambria Math" panose="02040503050406030204" pitchFamily="18" charset="0"/>
+                          </a:rPr>
+                        </m:ctrlPr>
+                      </m:sSubPr>
+                      <m:e>
+                        <m:r>
+                          <a:rPr lang="en-US" sz="2900" b="0" i="1" smtClean="0">
+                            <a:latin typeface="Cambria Math" panose="02040503050406030204" pitchFamily="18" charset="0"/>
+                          </a:rPr>
+                          <m:t>𝔼</m:t>
+                        </m:r>
+                      </m:e>
+                      <m:sub>
+                        <m:r>
+                          <a:rPr lang="en-US" sz="2900" b="0" i="1" smtClean="0">
+                            <a:latin typeface="Cambria Math" panose="02040503050406030204" pitchFamily="18" charset="0"/>
+                          </a:rPr>
+                          <m:t>𝜋</m:t>
+                        </m:r>
+                      </m:sub>
+                    </m:sSub>
+                    <m:d>
+                      <m:dPr>
+                        <m:begChr m:val="["/>
+                        <m:endChr m:val="]"/>
+                        <m:ctrlPr>
+                          <a:rPr lang="en-US" sz="2900" b="0" i="1" smtClean="0">
+                            <a:latin typeface="Cambria Math" panose="02040503050406030204" pitchFamily="18" charset="0"/>
+                          </a:rPr>
+                        </m:ctrlPr>
+                      </m:dPr>
+                      <m:e>
+                        <m:sSub>
+                          <m:sSubPr>
+                            <m:ctrlPr>
+                              <a:rPr lang="en-US" sz="2900" b="0" i="1" smtClean="0">
+                                <a:latin typeface="Cambria Math" panose="02040503050406030204" pitchFamily="18" charset="0"/>
+                              </a:rPr>
+                            </m:ctrlPr>
+                          </m:sSubPr>
+                          <m:e>
+                            <m:r>
+                              <a:rPr lang="en-US" sz="2900" b="0" i="1" smtClean="0">
+                                <a:latin typeface="Cambria Math" panose="02040503050406030204" pitchFamily="18" charset="0"/>
+                              </a:rPr>
+                              <m:t>𝐺</m:t>
+                            </m:r>
+                          </m:e>
+                          <m:sub>
+                            <m:r>
+                              <a:rPr lang="en-US" sz="2900" b="0" i="1" smtClean="0">
+                                <a:latin typeface="Cambria Math" panose="02040503050406030204" pitchFamily="18" charset="0"/>
+                              </a:rPr>
+                              <m:t>𝑡</m:t>
+                            </m:r>
+                          </m:sub>
+                        </m:sSub>
+                      </m:e>
+                      <m:e>
+                        <m:sSub>
+                          <m:sSubPr>
+                            <m:ctrlPr>
+                              <a:rPr lang="en-US" sz="2900" b="0" i="1" smtClean="0">
+                                <a:latin typeface="Cambria Math" panose="02040503050406030204" pitchFamily="18" charset="0"/>
+                              </a:rPr>
+                            </m:ctrlPr>
+                          </m:sSubPr>
+                          <m:e>
+                            <m:r>
+                              <a:rPr lang="en-US" sz="2900" b="0" i="1" smtClean="0">
+                                <a:latin typeface="Cambria Math" panose="02040503050406030204" pitchFamily="18" charset="0"/>
+                              </a:rPr>
+                              <m:t>𝑆</m:t>
+                            </m:r>
+                          </m:e>
+                          <m:sub>
+                            <m:r>
+                              <a:rPr lang="en-US" sz="2900" b="0" i="1" smtClean="0">
+                                <a:latin typeface="Cambria Math" panose="02040503050406030204" pitchFamily="18" charset="0"/>
+                              </a:rPr>
+                              <m:t>𝑡</m:t>
+                            </m:r>
+                          </m:sub>
+                        </m:sSub>
+                        <m:r>
+                          <a:rPr lang="en-US" sz="2900" b="0" i="1" smtClean="0">
+                            <a:latin typeface="Cambria Math" panose="02040503050406030204" pitchFamily="18" charset="0"/>
+                          </a:rPr>
+                          <m:t>=</m:t>
+                        </m:r>
+                        <m:r>
+                          <a:rPr lang="en-US" sz="2900" b="0" i="1" smtClean="0">
+                            <a:latin typeface="Cambria Math" panose="02040503050406030204" pitchFamily="18" charset="0"/>
+                          </a:rPr>
+                          <m:t>𝑠</m:t>
+                        </m:r>
+                      </m:e>
+                    </m:d>
+                  </m:oMath>
+                </a14:m>
+                <a:endParaRPr lang="en-US" sz="2900" dirty="0"/>
+              </a:p>
+              <a:p>
+                <a:pPr lvl="1"/>
+                <a:r>
+                  <a:rPr lang="en-US" sz="2900" b="0" dirty="0">
+                    <a:solidFill>
+                      <a:srgbClr val="C00000"/>
+                    </a:solidFill>
+                  </a:rPr>
+                  <a:t>State </a:t>
+                </a:r>
+                <a:r>
+                  <a:rPr lang="en-US" altLang="zh-CN" sz="2900" b="0" dirty="0">
+                    <a:solidFill>
+                      <a:srgbClr val="C00000"/>
+                    </a:solidFill>
+                  </a:rPr>
+                  <a:t>Action</a:t>
+                </a:r>
+                <a:r>
+                  <a:rPr lang="en-US" sz="2900" b="0" dirty="0">
+                    <a:solidFill>
+                      <a:srgbClr val="C00000"/>
+                    </a:solidFill>
+                  </a:rPr>
+                  <a:t> Value Function </a:t>
+                </a:r>
+                <a:r>
+                  <a:rPr lang="en-US" sz="2900" b="0" dirty="0"/>
+                  <a:t>is expected return from taking action </a:t>
+                </a:r>
+                <a14:m>
+                  <m:oMath xmlns:m="http://schemas.openxmlformats.org/officeDocument/2006/math">
+                    <m:r>
+                      <a:rPr lang="en-US" sz="2900" i="1">
+                        <a:latin typeface="Cambria Math" panose="02040503050406030204" pitchFamily="18" charset="0"/>
+                      </a:rPr>
+                      <m:t>𝑎</m:t>
+                    </m:r>
+                  </m:oMath>
+                </a14:m>
+                <a:r>
+                  <a:rPr lang="en-US" sz="2900" b="0" dirty="0"/>
+                  <a:t>, then follow policy </a:t>
+                </a:r>
+                <a14:m>
+                  <m:oMath xmlns:m="http://schemas.openxmlformats.org/officeDocument/2006/math">
+                    <m:r>
+                      <a:rPr lang="en-US" sz="2900" b="0" i="1" smtClean="0">
+                        <a:latin typeface="Cambria Math" panose="02040503050406030204" pitchFamily="18" charset="0"/>
+                      </a:rPr>
+                      <m:t>𝜋</m:t>
+                    </m:r>
+                  </m:oMath>
+                </a14:m>
+                <a:r>
+                  <a:rPr lang="en-US" sz="2900" b="0" dirty="0"/>
+                  <a:t>:</a:t>
+                </a:r>
+                <a:r>
+                  <a:rPr lang="en-US" sz="2900" dirty="0"/>
+                  <a:t> </a:t>
+                </a:r>
+                <a14:m>
+                  <m:oMath xmlns:m="http://schemas.openxmlformats.org/officeDocument/2006/math">
+                    <m:sSub>
+                      <m:sSubPr>
+                        <m:ctrlPr>
+                          <a:rPr lang="en-US" sz="2900" i="1">
+                            <a:latin typeface="Cambria Math" panose="02040503050406030204" pitchFamily="18" charset="0"/>
+                          </a:rPr>
+                        </m:ctrlPr>
+                      </m:sSubPr>
+                      <m:e>
+                        <m:r>
+                          <a:rPr lang="en-US" sz="2900" i="1">
+                            <a:latin typeface="Cambria Math" panose="02040503050406030204" pitchFamily="18" charset="0"/>
+                          </a:rPr>
+                          <m:t>𝑞</m:t>
+                        </m:r>
+                      </m:e>
+                      <m:sub>
+                        <m:r>
+                          <a:rPr lang="en-US" sz="2900" i="1">
+                            <a:latin typeface="Cambria Math" panose="02040503050406030204" pitchFamily="18" charset="0"/>
+                          </a:rPr>
+                          <m:t>𝜋</m:t>
+                        </m:r>
+                      </m:sub>
+                    </m:sSub>
+                    <m:d>
+                      <m:dPr>
+                        <m:ctrlPr>
+                          <a:rPr lang="en-US" sz="2900" i="1">
+                            <a:latin typeface="Cambria Math" panose="02040503050406030204" pitchFamily="18" charset="0"/>
+                          </a:rPr>
+                        </m:ctrlPr>
+                      </m:dPr>
+                      <m:e>
+                        <m:r>
+                          <a:rPr lang="en-US" sz="2900" i="1">
+                            <a:latin typeface="Cambria Math" panose="02040503050406030204" pitchFamily="18" charset="0"/>
+                          </a:rPr>
+                          <m:t>𝑠</m:t>
+                        </m:r>
+                        <m:r>
+                          <a:rPr lang="en-US" sz="2900" i="1">
+                            <a:latin typeface="Cambria Math" panose="02040503050406030204" pitchFamily="18" charset="0"/>
+                          </a:rPr>
+                          <m:t>,</m:t>
+                        </m:r>
+                        <m:r>
+                          <a:rPr lang="en-US" sz="2900" i="1">
+                            <a:latin typeface="Cambria Math" panose="02040503050406030204" pitchFamily="18" charset="0"/>
+                          </a:rPr>
+                          <m:t>𝑎</m:t>
+                        </m:r>
+                      </m:e>
+                    </m:d>
+                    <m:r>
+                      <a:rPr lang="en-US" sz="2900" i="1">
+                        <a:latin typeface="Cambria Math" panose="02040503050406030204" pitchFamily="18" charset="0"/>
+                      </a:rPr>
+                      <m:t>≐</m:t>
+                    </m:r>
+                    <m:sSub>
+                      <m:sSubPr>
+                        <m:ctrlPr>
+                          <a:rPr lang="en-US" sz="2900" i="1">
+                            <a:latin typeface="Cambria Math" panose="02040503050406030204" pitchFamily="18" charset="0"/>
+                          </a:rPr>
+                        </m:ctrlPr>
+                      </m:sSubPr>
+                      <m:e>
+                        <m:r>
+                          <a:rPr lang="en-US" sz="2900" i="1">
+                            <a:latin typeface="Cambria Math" panose="02040503050406030204" pitchFamily="18" charset="0"/>
+                          </a:rPr>
+                          <m:t>𝔼</m:t>
+                        </m:r>
+                      </m:e>
+                      <m:sub>
+                        <m:r>
+                          <a:rPr lang="en-US" sz="2900" i="1">
+                            <a:latin typeface="Cambria Math" panose="02040503050406030204" pitchFamily="18" charset="0"/>
+                          </a:rPr>
+                          <m:t>𝜋</m:t>
+                        </m:r>
+                      </m:sub>
+                    </m:sSub>
+                    <m:d>
+                      <m:dPr>
+                        <m:begChr m:val="["/>
+                        <m:endChr m:val="]"/>
+                        <m:ctrlPr>
+                          <a:rPr lang="en-US" sz="2900" i="1">
+                            <a:latin typeface="Cambria Math" panose="02040503050406030204" pitchFamily="18" charset="0"/>
+                          </a:rPr>
+                        </m:ctrlPr>
+                      </m:dPr>
+                      <m:e>
+                        <m:sSub>
+                          <m:sSubPr>
+                            <m:ctrlPr>
+                              <a:rPr lang="en-US" sz="2900" i="1">
+                                <a:latin typeface="Cambria Math" panose="02040503050406030204" pitchFamily="18" charset="0"/>
+                              </a:rPr>
+                            </m:ctrlPr>
+                          </m:sSubPr>
+                          <m:e>
+                            <m:r>
+                              <a:rPr lang="en-US" sz="2900" i="1">
+                                <a:latin typeface="Cambria Math" panose="02040503050406030204" pitchFamily="18" charset="0"/>
+                              </a:rPr>
+                              <m:t>𝐺</m:t>
+                            </m:r>
+                          </m:e>
+                          <m:sub>
+                            <m:r>
+                              <a:rPr lang="en-US" sz="2900" i="1">
+                                <a:latin typeface="Cambria Math" panose="02040503050406030204" pitchFamily="18" charset="0"/>
+                              </a:rPr>
+                              <m:t>𝑡</m:t>
+                            </m:r>
+                          </m:sub>
+                        </m:sSub>
+                      </m:e>
+                      <m:e>
+                        <m:sSub>
+                          <m:sSubPr>
+                            <m:ctrlPr>
+                              <a:rPr lang="en-US" sz="2900" i="1">
+                                <a:latin typeface="Cambria Math" panose="02040503050406030204" pitchFamily="18" charset="0"/>
+                              </a:rPr>
+                            </m:ctrlPr>
+                          </m:sSubPr>
+                          <m:e>
+                            <m:r>
+                              <a:rPr lang="en-US" sz="2900" i="1">
+                                <a:latin typeface="Cambria Math" panose="02040503050406030204" pitchFamily="18" charset="0"/>
+                              </a:rPr>
+                              <m:t>𝑆</m:t>
+                            </m:r>
+                          </m:e>
+                          <m:sub>
+                            <m:r>
+                              <a:rPr lang="en-US" sz="2900" i="1">
+                                <a:latin typeface="Cambria Math" panose="02040503050406030204" pitchFamily="18" charset="0"/>
+                              </a:rPr>
+                              <m:t>𝑡</m:t>
+                            </m:r>
+                          </m:sub>
+                        </m:sSub>
+                        <m:r>
+                          <a:rPr lang="en-US" sz="2900" i="1">
+                            <a:latin typeface="Cambria Math" panose="02040503050406030204" pitchFamily="18" charset="0"/>
+                          </a:rPr>
+                          <m:t>=</m:t>
+                        </m:r>
+                        <m:r>
+                          <a:rPr lang="en-US" sz="2900" i="1">
+                            <a:latin typeface="Cambria Math" panose="02040503050406030204" pitchFamily="18" charset="0"/>
+                          </a:rPr>
+                          <m:t>𝑠</m:t>
+                        </m:r>
+                        <m:r>
+                          <a:rPr lang="en-US" sz="2900" i="1">
+                            <a:latin typeface="Cambria Math" panose="02040503050406030204" pitchFamily="18" charset="0"/>
+                          </a:rPr>
+                          <m:t>,</m:t>
+                        </m:r>
+                        <m:sSub>
+                          <m:sSubPr>
+                            <m:ctrlPr>
+                              <a:rPr lang="en-US" sz="2900" i="1">
+                                <a:latin typeface="Cambria Math" panose="02040503050406030204" pitchFamily="18" charset="0"/>
+                              </a:rPr>
+                            </m:ctrlPr>
+                          </m:sSubPr>
+                          <m:e>
+                            <m:r>
+                              <a:rPr lang="en-US" sz="2900" i="1">
+                                <a:latin typeface="Cambria Math" panose="02040503050406030204" pitchFamily="18" charset="0"/>
+                              </a:rPr>
+                              <m:t>𝐴</m:t>
+                            </m:r>
+                          </m:e>
+                          <m:sub>
+                            <m:r>
+                              <a:rPr lang="en-US" sz="2900" i="1">
+                                <a:latin typeface="Cambria Math" panose="02040503050406030204" pitchFamily="18" charset="0"/>
+                              </a:rPr>
+                              <m:t>𝑡</m:t>
+                            </m:r>
+                          </m:sub>
+                        </m:sSub>
+                        <m:r>
+                          <a:rPr lang="en-US" sz="2900" i="1">
+                            <a:latin typeface="Cambria Math" panose="02040503050406030204" pitchFamily="18" charset="0"/>
+                          </a:rPr>
+                          <m:t>=</m:t>
+                        </m:r>
+                        <m:r>
+                          <a:rPr lang="en-US" sz="2900" i="1">
+                            <a:latin typeface="Cambria Math" panose="02040503050406030204" pitchFamily="18" charset="0"/>
+                          </a:rPr>
+                          <m:t>𝑎</m:t>
+                        </m:r>
+                      </m:e>
+                    </m:d>
+                  </m:oMath>
+                </a14:m>
+                <a:endParaRPr lang="en-SE" dirty="0"/>
+              </a:p>
+            </p:txBody>
+          </p:sp>
+        </mc:Choice>
+        <mc:Fallback xmlns="">
+          <p:sp>
+            <p:nvSpPr>
+              <p:cNvPr id="3" name="Content Placeholder 2">
+                <a:extLst>
+                  <a:ext uri="{FF2B5EF4-FFF2-40B4-BE49-F238E27FC236}">
+                    <a16:creationId xmlns:a16="http://schemas.microsoft.com/office/drawing/2014/main" id="{E21F40FA-75F9-4936-976E-2883595213F9}"/>
+                  </a:ext>
+                </a:extLst>
+              </p:cNvPr>
+              <p:cNvSpPr>
+                <a:spLocks noGrp="1" noRot="1" noChangeAspect="1" noMove="1" noResize="1" noEditPoints="1" noAdjustHandles="1" noChangeArrowheads="1" noChangeShapeType="1" noTextEdit="1"/>
+              </p:cNvSpPr>
+              <p:nvPr>
+                <p:ph idx="1"/>
+              </p:nvPr>
+            </p:nvSpPr>
+            <p:spPr>
+              <a:blipFill>
+                <a:blip r:embed="rId2"/>
+                <a:stretch>
+                  <a:fillRect l="-1586" t="-1405" r="-897"/>
+                </a:stretch>
+              </a:blipFill>
+            </p:spPr>
+            <p:txBody>
+              <a:bodyPr/>
+              <a:lstStyle/>
+              <a:p>
+                <a:r>
+                  <a:rPr lang="en-SE">
+                    <a:noFill/>
+                  </a:rPr>
+                  <a:t> </a:t>
+                </a:r>
+              </a:p>
+            </p:txBody>
+          </p:sp>
+        </mc:Fallback>
+      </mc:AlternateContent>
+      <p:sp>
+        <p:nvSpPr>
+          <p:cNvPr id="4" name="Slide Number Placeholder 3">
+            <a:extLst>
+              <a:ext uri="{FF2B5EF4-FFF2-40B4-BE49-F238E27FC236}">
+                <a16:creationId xmlns:a16="http://schemas.microsoft.com/office/drawing/2014/main" id="{E6E27496-D3A3-485A-9530-3DE5CE9474BC}"/>
+              </a:ext>
+            </a:extLst>
+          </p:cNvPr>
+          <p:cNvSpPr>
+            <a:spLocks noGrp="1"/>
+          </p:cNvSpPr>
+          <p:nvPr>
+            <p:ph type="sldNum" sz="quarter" idx="12"/>
+          </p:nvPr>
+        </p:nvSpPr>
+        <p:spPr bwMode="auto">
+          <a:xfrm>
+            <a:off x="6934200" y="6530035"/>
+            <a:ext cx="2133600" cy="244475"/>
+          </a:xfrm>
+          <a:prstGeom prst="rect">
+            <a:avLst/>
+          </a:prstGeom>
+          <a:noFill/>
+          <a:ln w="9525">
+            <a:noFill/>
+            <a:miter lim="800000"/>
+            <a:headEnd/>
+            <a:tailEnd/>
+          </a:ln>
+          <a:effectLst/>
+        </p:spPr>
+        <p:txBody>
+          <a:bodyPr vert="horz" wrap="square" lIns="91440" tIns="45720" rIns="91440" bIns="45720" numCol="1" anchor="t" anchorCtr="0" compatLnSpc="1">
+            <a:prstTxWarp prst="textNoShape">
+              <a:avLst/>
+            </a:prstTxWarp>
+          </a:bodyPr>
+          <a:lstStyle>
+            <a:defPPr>
+              <a:defRPr lang="en-US"/>
+            </a:defPPr>
+            <a:lvl1pPr algn="r" rtl="0" fontAlgn="base">
+              <a:spcBef>
+                <a:spcPct val="0"/>
+              </a:spcBef>
+              <a:spcAft>
+                <a:spcPct val="0"/>
+              </a:spcAft>
+              <a:defRPr sz="1200" kern="1200">
+                <a:solidFill>
+                  <a:schemeClr val="tx1"/>
+                </a:solidFill>
+                <a:latin typeface="Arial" charset="0"/>
+                <a:ea typeface="宋体" charset="-122"/>
+                <a:cs typeface="+mn-cs"/>
+              </a:defRPr>
+            </a:lvl1pPr>
+            <a:lvl2pPr marL="457200" algn="l" rtl="0" fontAlgn="base">
+              <a:spcBef>
+                <a:spcPct val="0"/>
+              </a:spcBef>
+              <a:spcAft>
+                <a:spcPct val="0"/>
+              </a:spcAft>
+              <a:defRPr kern="1200">
+                <a:solidFill>
+                  <a:schemeClr val="tx1"/>
+                </a:solidFill>
+                <a:latin typeface="Arial" charset="0"/>
+                <a:ea typeface="+mn-ea"/>
+                <a:cs typeface="+mn-cs"/>
+              </a:defRPr>
+            </a:lvl2pPr>
+            <a:lvl3pPr marL="914400" algn="l" rtl="0" fontAlgn="base">
+              <a:spcBef>
+                <a:spcPct val="0"/>
+              </a:spcBef>
+              <a:spcAft>
+                <a:spcPct val="0"/>
+              </a:spcAft>
+              <a:defRPr kern="1200">
+                <a:solidFill>
+                  <a:schemeClr val="tx1"/>
+                </a:solidFill>
+                <a:latin typeface="Arial" charset="0"/>
+                <a:ea typeface="+mn-ea"/>
+                <a:cs typeface="+mn-cs"/>
+              </a:defRPr>
+            </a:lvl3pPr>
+            <a:lvl4pPr marL="1371600" algn="l" rtl="0" fontAlgn="base">
+              <a:spcBef>
+                <a:spcPct val="0"/>
+              </a:spcBef>
+              <a:spcAft>
+                <a:spcPct val="0"/>
+              </a:spcAft>
+              <a:defRPr kern="1200">
+                <a:solidFill>
+                  <a:schemeClr val="tx1"/>
+                </a:solidFill>
+                <a:latin typeface="Arial" charset="0"/>
+                <a:ea typeface="+mn-ea"/>
+                <a:cs typeface="+mn-cs"/>
+              </a:defRPr>
+            </a:lvl4pPr>
+            <a:lvl5pPr marL="1828800" algn="l" rtl="0" fontAlgn="base">
+              <a:spcBef>
+                <a:spcPct val="0"/>
+              </a:spcBef>
+              <a:spcAft>
+                <a:spcPct val="0"/>
+              </a:spcAft>
+              <a:defRPr kern="1200">
+                <a:solidFill>
+                  <a:schemeClr val="tx1"/>
+                </a:solidFill>
+                <a:latin typeface="Arial" charset="0"/>
+                <a:ea typeface="+mn-ea"/>
+                <a:cs typeface="+mn-cs"/>
+              </a:defRPr>
+            </a:lvl5pPr>
+            <a:lvl6pPr marL="2286000" algn="l" defTabSz="914400" rtl="0" eaLnBrk="1" latinLnBrk="0" hangingPunct="1">
+              <a:defRPr kern="1200">
+                <a:solidFill>
+                  <a:schemeClr val="tx1"/>
+                </a:solidFill>
+                <a:latin typeface="Arial" charset="0"/>
+                <a:ea typeface="+mn-ea"/>
+                <a:cs typeface="+mn-cs"/>
+              </a:defRPr>
+            </a:lvl6pPr>
+            <a:lvl7pPr marL="2743200" algn="l" defTabSz="914400" rtl="0" eaLnBrk="1" latinLnBrk="0" hangingPunct="1">
+              <a:defRPr kern="1200">
+                <a:solidFill>
+                  <a:schemeClr val="tx1"/>
+                </a:solidFill>
+                <a:latin typeface="Arial" charset="0"/>
+                <a:ea typeface="+mn-ea"/>
+                <a:cs typeface="+mn-cs"/>
+              </a:defRPr>
+            </a:lvl7pPr>
+            <a:lvl8pPr marL="3200400" algn="l" defTabSz="914400" rtl="0" eaLnBrk="1" latinLnBrk="0" hangingPunct="1">
+              <a:defRPr kern="1200">
+                <a:solidFill>
+                  <a:schemeClr val="tx1"/>
+                </a:solidFill>
+                <a:latin typeface="Arial" charset="0"/>
+                <a:ea typeface="+mn-ea"/>
+                <a:cs typeface="+mn-cs"/>
+              </a:defRPr>
+            </a:lvl8pPr>
+            <a:lvl9pPr marL="3657600" algn="l" defTabSz="914400" rtl="0" eaLnBrk="1" latinLnBrk="0" hangingPunct="1">
+              <a:defRPr kern="1200">
+                <a:solidFill>
+                  <a:schemeClr val="tx1"/>
+                </a:solidFill>
+                <a:latin typeface="Arial" charset="0"/>
+                <a:ea typeface="+mn-ea"/>
+                <a:cs typeface="+mn-cs"/>
+              </a:defRPr>
+            </a:lvl9pPr>
+          </a:lstStyle>
+          <a:p>
+            <a:pPr>
+              <a:defRPr/>
+            </a:pPr>
+            <a:fld id="{F57F456A-00AF-44E6-8D70-638C0D0130FF}" type="slidenum">
+              <a:rPr lang="en-US" altLang="zh-CN" smtClean="0"/>
+              <a:pPr>
+                <a:defRPr/>
+              </a:pPr>
+              <a:t>10</a:t>
+            </a:fld>
+            <a:endParaRPr lang="en-US" altLang="zh-CN"/>
+          </a:p>
+        </p:txBody>
+      </p:sp>
+    </p:spTree>
+    <p:extLst>
+      <p:ext uri="{BB962C8B-B14F-4D97-AF65-F5344CB8AC3E}">
+        <p14:creationId xmlns:p14="http://schemas.microsoft.com/office/powerpoint/2010/main" val="1310460648"/>
+      </p:ext>
+    </p:extLst>
+  </p:cSld>
+  <p:clrMapOvr>
+    <a:masterClrMapping/>
+  </p:clrMapOvr>
+</p:sld>
+</file>
+
+<file path=ppt/slides/slide11.xml><?xml version="1.0" encoding="utf-8"?>
+<p:sld xmlns:a="http://schemas.openxmlformats.org/drawingml/2006/main" xmlns:r="http://schemas.openxmlformats.org/officeDocument/2006/relationships" xmlns:p="http://schemas.openxmlformats.org/presentationml/2006/main">
+  <p:cSld>
+    <p:spTree>
+      <p:nvGrpSpPr>
+        <p:cNvPr id="1" name=""/>
+        <p:cNvGrpSpPr/>
+        <p:nvPr/>
+      </p:nvGrpSpPr>
+      <p:grpSpPr>
+        <a:xfrm>
+          <a:off x="0" y="0"/>
+          <a:ext cx="0" cy="0"/>
+          <a:chOff x="0" y="0"/>
+          <a:chExt cx="0" cy="0"/>
+        </a:xfrm>
+      </p:grpSpPr>
+      <p:sp>
+        <p:nvSpPr>
+          <p:cNvPr id="2" name="Title 1">
+            <a:extLst>
+              <a:ext uri="{FF2B5EF4-FFF2-40B4-BE49-F238E27FC236}">
                 <a16:creationId xmlns:a16="http://schemas.microsoft.com/office/drawing/2014/main" id="{D224606C-00B7-414B-809E-9BE123FFABB0}"/>
               </a:ext>
             </a:extLst>
@@ -2537,7 +3686,7 @@
               <a:pPr>
                 <a:defRPr/>
               </a:pPr>
-              <a:t>10</a:t>
+              <a:t>11</a:t>
             </a:fld>
             <a:endParaRPr lang="en-US" altLang="zh-CN"/>
           </a:p>
@@ -2764,7 +3913,7 @@
 </p:sld>
 </file>
 
-<file path=ppt/slides/slide11.xml><?xml version="1.0" encoding="utf-8"?>
+<file path=ppt/slides/slide12.xml><?xml version="1.0" encoding="utf-8"?>
 <p:sld xmlns:a="http://schemas.openxmlformats.org/drawingml/2006/main" xmlns:r="http://schemas.openxmlformats.org/officeDocument/2006/relationships" xmlns:p="http://schemas.openxmlformats.org/presentationml/2006/main">
   <p:cSld>
     <p:spTree>
@@ -2926,7 +4075,7 @@
 </p:sld>
 </file>
 
-<file path=ppt/slides/slide12.xml><?xml version="1.0" encoding="utf-8"?>
+<file path=ppt/slides/slide13.xml><?xml version="1.0" encoding="utf-8"?>
 <p:sld xmlns:a="http://schemas.openxmlformats.org/drawingml/2006/main" xmlns:r="http://schemas.openxmlformats.org/officeDocument/2006/relationships" xmlns:p="http://schemas.openxmlformats.org/presentationml/2006/main">
   <p:cSld>
     <p:spTree>
@@ -3141,7 +4290,7 @@
               <a:pPr>
                 <a:defRPr/>
               </a:pPr>
-              <a:t>12</a:t>
+              <a:t>13</a:t>
             </a:fld>
             <a:endParaRPr lang="en-US" altLang="zh-CN"/>
           </a:p>
@@ -4185,7 +5334,7 @@
 </p:sld>
 </file>
 
-<file path=ppt/slides/slide13.xml><?xml version="1.0" encoding="utf-8"?>
+<file path=ppt/slides/slide14.xml><?xml version="1.0" encoding="utf-8"?>
 <p:sld xmlns:a="http://schemas.openxmlformats.org/drawingml/2006/main" xmlns:r="http://schemas.openxmlformats.org/officeDocument/2006/relationships" xmlns:p="http://schemas.openxmlformats.org/presentationml/2006/main">
   <p:cSld>
     <p:spTree>
@@ -4640,7 +5789,7 @@
               <a:pPr>
                 <a:defRPr/>
               </a:pPr>
-              <a:t>13</a:t>
+              <a:t>14</a:t>
             </a:fld>
             <a:endParaRPr lang="en-US" altLang="zh-CN"/>
           </a:p>
@@ -4719,7 +5868,7 @@
 </p:sld>
 </file>
 
-<file path=ppt/slides/slide14.xml><?xml version="1.0" encoding="utf-8"?>
+<file path=ppt/slides/slide15.xml><?xml version="1.0" encoding="utf-8"?>
 <p:sld xmlns:a="http://schemas.openxmlformats.org/drawingml/2006/main" xmlns:r="http://schemas.openxmlformats.org/officeDocument/2006/relationships" xmlns:p="http://schemas.openxmlformats.org/presentationml/2006/main">
   <p:cSld>
     <p:spTree>
@@ -6704,6 +7853,1376 @@
           <p:cNvPr id="2" name="Title 1">
             <a:extLst>
               <a:ext uri="{FF2B5EF4-FFF2-40B4-BE49-F238E27FC236}">
+                <a16:creationId xmlns:a16="http://schemas.microsoft.com/office/drawing/2014/main" id="{7912325C-7089-4D4E-8BCF-BC30BFAED2D6}"/>
+              </a:ext>
+            </a:extLst>
+          </p:cNvPr>
+          <p:cNvSpPr>
+            <a:spLocks noGrp="1"/>
+          </p:cNvSpPr>
+          <p:nvPr>
+            <p:ph type="title"/>
+          </p:nvPr>
+        </p:nvSpPr>
+        <p:spPr/>
+        <p:txBody>
+          <a:bodyPr/>
+          <a:lstStyle/>
+          <a:p>
+            <a:r>
+              <a:rPr lang="en-US" dirty="0" err="1"/>
+              <a:t>Sarsa</a:t>
+            </a:r>
+            <a:r>
+              <a:rPr lang="en-US" dirty="0"/>
+              <a:t> and QL</a:t>
+            </a:r>
+            <a:endParaRPr lang="en-SE" dirty="0"/>
+          </a:p>
+        </p:txBody>
+      </p:sp>
+      <mc:AlternateContent xmlns:mc="http://schemas.openxmlformats.org/markup-compatibility/2006">
+        <mc:Choice xmlns:a14="http://schemas.microsoft.com/office/drawing/2010/main" Requires="a14">
+          <p:sp>
+            <p:nvSpPr>
+              <p:cNvPr id="3" name="Content Placeholder 2">
+                <a:extLst>
+                  <a:ext uri="{FF2B5EF4-FFF2-40B4-BE49-F238E27FC236}">
+                    <a16:creationId xmlns:a16="http://schemas.microsoft.com/office/drawing/2014/main" id="{691694D5-15A8-4E5E-B7D4-3F32D9EA9959}"/>
+                  </a:ext>
+                </a:extLst>
+              </p:cNvPr>
+              <p:cNvSpPr>
+                <a:spLocks noGrp="1"/>
+              </p:cNvSpPr>
+              <p:nvPr>
+                <p:ph idx="1"/>
+              </p:nvPr>
+            </p:nvSpPr>
+            <p:spPr/>
+            <p:txBody>
+              <a:bodyPr>
+                <a:normAutofit fontScale="55000" lnSpcReduction="20000"/>
+              </a:bodyPr>
+              <a:lstStyle/>
+              <a:p>
+                <a:r>
+                  <a:rPr lang="en-US" dirty="0"/>
+                  <a:t>Exercise 6.12. Suppose action selection is greedy (</a:t>
+                </a:r>
+                <a14:m>
+                  <m:oMath xmlns:m="http://schemas.openxmlformats.org/officeDocument/2006/math">
+                    <m:r>
+                      <a:rPr lang="en-US" b="0" i="1" smtClean="0">
+                        <a:latin typeface="Cambria Math" panose="02040503050406030204" pitchFamily="18" charset="0"/>
+                      </a:rPr>
+                      <m:t>𝜖</m:t>
+                    </m:r>
+                    <m:r>
+                      <a:rPr lang="en-US" b="0" i="1" smtClean="0">
+                        <a:latin typeface="Cambria Math" panose="02040503050406030204" pitchFamily="18" charset="0"/>
+                      </a:rPr>
+                      <m:t>=0</m:t>
+                    </m:r>
+                  </m:oMath>
+                </a14:m>
+                <a:r>
+                  <a:rPr lang="en-US" dirty="0"/>
+                  <a:t>). Is Q-learning then exactly the same algorithm as </a:t>
+                </a:r>
+                <a:r>
+                  <a:rPr lang="en-US" dirty="0" err="1"/>
+                  <a:t>Sarsa</a:t>
+                </a:r>
+                <a:r>
+                  <a:rPr lang="en-US" dirty="0"/>
+                  <a:t>? Will they make exactly the same action selections and weight updates?</a:t>
+                </a:r>
+              </a:p>
+              <a:p>
+                <a:r>
+                  <a:rPr lang="en-US" dirty="0">
+                    <a:solidFill>
+                      <a:schemeClr val="tx1"/>
+                    </a:solidFill>
+                  </a:rPr>
+                  <a:t>ANS: No. </a:t>
+                </a:r>
+              </a:p>
+              <a:p>
+                <a:r>
+                  <a:rPr lang="en-US" dirty="0" err="1"/>
+                  <a:t>Sarsa</a:t>
+                </a:r>
+                <a:r>
+                  <a:rPr lang="en-US" dirty="0"/>
+                  <a:t>: Repeat:</a:t>
+                </a:r>
+              </a:p>
+              <a:p>
+                <a:r>
+                  <a:rPr lang="en-US" dirty="0"/>
+                  <a:t>1. </a:t>
+                </a:r>
+              </a:p>
+              <a:p>
+                <a:r>
+                  <a:rPr lang="en-US" dirty="0"/>
+                  <a:t>1. Choose the next greedy action </a:t>
+                </a:r>
+                <a14:m>
+                  <m:oMath xmlns:m="http://schemas.openxmlformats.org/officeDocument/2006/math">
+                    <m:sSup>
+                      <m:sSupPr>
+                        <m:ctrlPr>
+                          <a:rPr lang="en-US" b="0" i="1" smtClean="0">
+                            <a:latin typeface="Cambria Math" panose="02040503050406030204" pitchFamily="18" charset="0"/>
+                          </a:rPr>
+                        </m:ctrlPr>
+                      </m:sSupPr>
+                      <m:e>
+                        <m:r>
+                          <a:rPr lang="en-US" b="0" i="1" smtClean="0">
+                            <a:latin typeface="Cambria Math" panose="02040503050406030204" pitchFamily="18" charset="0"/>
+                          </a:rPr>
+                          <m:t>𝐴</m:t>
+                        </m:r>
+                      </m:e>
+                      <m:sup>
+                        <m:r>
+                          <a:rPr lang="en-US" b="0" i="1" smtClean="0">
+                            <a:latin typeface="Cambria Math" panose="02040503050406030204" pitchFamily="18" charset="0"/>
+                          </a:rPr>
+                          <m:t>′</m:t>
+                        </m:r>
+                      </m:sup>
+                    </m:sSup>
+                  </m:oMath>
+                </a14:m>
+                <a:r>
+                  <a:rPr lang="en-US" b="0" i="1" dirty="0"/>
+                  <a:t> </a:t>
+                </a:r>
+                <a:r>
+                  <a:rPr lang="en-US" b="0" dirty="0"/>
+                  <a:t>in</a:t>
+                </a:r>
+                <a:r>
+                  <a:rPr lang="en-US" b="0" i="1" dirty="0">
+                    <a:latin typeface="Cambria Math" panose="02040503050406030204" pitchFamily="18" charset="0"/>
+                  </a:rPr>
+                  <a:t> </a:t>
+                </a:r>
+                <a14:m>
+                  <m:oMath xmlns:m="http://schemas.openxmlformats.org/officeDocument/2006/math">
+                    <m:sSup>
+                      <m:sSupPr>
+                        <m:ctrlPr>
+                          <a:rPr lang="en-US" b="0" i="1" smtClean="0">
+                            <a:latin typeface="Cambria Math" panose="02040503050406030204" pitchFamily="18" charset="0"/>
+                          </a:rPr>
+                        </m:ctrlPr>
+                      </m:sSupPr>
+                      <m:e>
+                        <m:r>
+                          <a:rPr lang="en-US" b="0" i="1" smtClean="0">
+                            <a:latin typeface="Cambria Math" panose="02040503050406030204" pitchFamily="18" charset="0"/>
+                          </a:rPr>
+                          <m:t>𝑆</m:t>
+                        </m:r>
+                      </m:e>
+                      <m:sup>
+                        <m:r>
+                          <a:rPr lang="en-US" b="0" i="1" smtClean="0">
+                            <a:latin typeface="Cambria Math" panose="02040503050406030204" pitchFamily="18" charset="0"/>
+                          </a:rPr>
+                          <m:t>′</m:t>
+                        </m:r>
+                      </m:sup>
+                    </m:sSup>
+                  </m:oMath>
+                </a14:m>
+                <a:r>
+                  <a:rPr lang="en-US" b="0" dirty="0"/>
+                  <a:t>: </a:t>
+                </a:r>
+                <a14:m>
+                  <m:oMath xmlns:m="http://schemas.openxmlformats.org/officeDocument/2006/math">
+                    <m:r>
+                      <a:rPr lang="en-US" b="0" i="1" smtClean="0">
+                        <a:latin typeface="Cambria Math" panose="02040503050406030204" pitchFamily="18" charset="0"/>
+                      </a:rPr>
+                      <m:t>𝐴</m:t>
+                    </m:r>
+                    <m:r>
+                      <a:rPr lang="en-US" b="0" i="1" smtClean="0">
+                        <a:latin typeface="Cambria Math" panose="02040503050406030204" pitchFamily="18" charset="0"/>
+                      </a:rPr>
+                      <m:t>′=</m:t>
+                    </m:r>
+                    <m:func>
+                      <m:funcPr>
+                        <m:ctrlPr>
+                          <a:rPr lang="en-US" b="0" i="1" smtClean="0">
+                            <a:latin typeface="Cambria Math" panose="02040503050406030204" pitchFamily="18" charset="0"/>
+                          </a:rPr>
+                        </m:ctrlPr>
+                      </m:funcPr>
+                      <m:fName>
+                        <m:sSub>
+                          <m:sSubPr>
+                            <m:ctrlPr>
+                              <a:rPr lang="en-US" b="0" i="1" smtClean="0">
+                                <a:latin typeface="Cambria Math" panose="02040503050406030204" pitchFamily="18" charset="0"/>
+                              </a:rPr>
+                            </m:ctrlPr>
+                          </m:sSubPr>
+                          <m:e>
+                            <m:r>
+                              <m:rPr>
+                                <m:sty m:val="p"/>
+                              </m:rPr>
+                              <a:rPr lang="en-US" b="0" i="0" smtClean="0">
+                                <a:latin typeface="Cambria Math" panose="02040503050406030204" pitchFamily="18" charset="0"/>
+                              </a:rPr>
+                              <m:t>argmax</m:t>
+                            </m:r>
+                          </m:e>
+                          <m:sub>
+                            <m:r>
+                              <m:rPr>
+                                <m:sty m:val="p"/>
+                              </m:rPr>
+                              <a:rPr lang="en-US" b="0" i="0" smtClean="0">
+                                <a:latin typeface="Cambria Math" panose="02040503050406030204" pitchFamily="18" charset="0"/>
+                              </a:rPr>
+                              <m:t>a</m:t>
+                            </m:r>
+                          </m:sub>
+                        </m:sSub>
+                      </m:fName>
+                      <m:e>
+                        <m:r>
+                          <a:rPr lang="en-US" b="0" i="1" smtClean="0">
+                            <a:latin typeface="Cambria Math" panose="02040503050406030204" pitchFamily="18" charset="0"/>
+                          </a:rPr>
+                          <m:t>𝑄</m:t>
+                        </m:r>
+                        <m:d>
+                          <m:dPr>
+                            <m:ctrlPr>
+                              <a:rPr lang="en-US" b="0" i="1" smtClean="0">
+                                <a:latin typeface="Cambria Math" panose="02040503050406030204" pitchFamily="18" charset="0"/>
+                              </a:rPr>
+                            </m:ctrlPr>
+                          </m:dPr>
+                          <m:e>
+                            <m:sSup>
+                              <m:sSupPr>
+                                <m:ctrlPr>
+                                  <a:rPr lang="en-US" b="0" i="1" smtClean="0">
+                                    <a:latin typeface="Cambria Math" panose="02040503050406030204" pitchFamily="18" charset="0"/>
+                                  </a:rPr>
+                                </m:ctrlPr>
+                              </m:sSupPr>
+                              <m:e>
+                                <m:r>
+                                  <a:rPr lang="en-US" b="0" i="1" smtClean="0">
+                                    <a:latin typeface="Cambria Math" panose="02040503050406030204" pitchFamily="18" charset="0"/>
+                                  </a:rPr>
+                                  <m:t>𝑆</m:t>
+                                </m:r>
+                              </m:e>
+                              <m:sup>
+                                <m:r>
+                                  <a:rPr lang="en-US" b="0" i="1" smtClean="0">
+                                    <a:latin typeface="Cambria Math" panose="02040503050406030204" pitchFamily="18" charset="0"/>
+                                  </a:rPr>
+                                  <m:t>′</m:t>
+                                </m:r>
+                              </m:sup>
+                            </m:sSup>
+                            <m:r>
+                              <a:rPr lang="en-US" b="0" i="1" smtClean="0">
+                                <a:latin typeface="Cambria Math" panose="02040503050406030204" pitchFamily="18" charset="0"/>
+                              </a:rPr>
+                              <m:t>,</m:t>
+                            </m:r>
+                            <m:r>
+                              <a:rPr lang="en-US" b="0" i="1" smtClean="0">
+                                <a:latin typeface="Cambria Math" panose="02040503050406030204" pitchFamily="18" charset="0"/>
+                              </a:rPr>
+                              <m:t>𝑎</m:t>
+                            </m:r>
+                          </m:e>
+                        </m:d>
+                      </m:e>
+                    </m:func>
+                    <m:r>
+                      <a:rPr lang="en-US" b="0" i="1" smtClean="0">
+                        <a:latin typeface="Cambria Math" panose="02040503050406030204" pitchFamily="18" charset="0"/>
+                      </a:rPr>
+                      <m:t> </m:t>
+                    </m:r>
+                  </m:oMath>
+                </a14:m>
+                <a:endParaRPr lang="en-US" b="0" i="1" dirty="0">
+                  <a:latin typeface="Cambria Math" panose="02040503050406030204" pitchFamily="18" charset="0"/>
+                </a:endParaRPr>
+              </a:p>
+              <a:p>
+                <a:r>
+                  <a:rPr lang="en-US" b="0" dirty="0"/>
+                  <a:t>2. Update </a:t>
+                </a:r>
+                <a14:m>
+                  <m:oMath xmlns:m="http://schemas.openxmlformats.org/officeDocument/2006/math">
+                    <m:r>
+                      <a:rPr lang="en-US" b="0" i="1" smtClean="0">
+                        <a:latin typeface="Cambria Math" panose="02040503050406030204" pitchFamily="18" charset="0"/>
+                      </a:rPr>
+                      <m:t>𝑄</m:t>
+                    </m:r>
+                    <m:r>
+                      <a:rPr lang="en-US" b="0" i="1" smtClean="0">
+                        <a:latin typeface="Cambria Math" panose="02040503050406030204" pitchFamily="18" charset="0"/>
+                      </a:rPr>
+                      <m:t>(</m:t>
+                    </m:r>
+                    <m:r>
+                      <a:rPr lang="en-US" b="0" i="1" smtClean="0">
+                        <a:latin typeface="Cambria Math" panose="02040503050406030204" pitchFamily="18" charset="0"/>
+                      </a:rPr>
+                      <m:t>𝑆</m:t>
+                    </m:r>
+                    <m:r>
+                      <a:rPr lang="en-US" b="0" i="1" smtClean="0">
+                        <a:latin typeface="Cambria Math" panose="02040503050406030204" pitchFamily="18" charset="0"/>
+                      </a:rPr>
+                      <m:t>,</m:t>
+                    </m:r>
+                    <m:r>
+                      <a:rPr lang="en-US" b="0" i="1" smtClean="0">
+                        <a:latin typeface="Cambria Math" panose="02040503050406030204" pitchFamily="18" charset="0"/>
+                      </a:rPr>
+                      <m:t>𝐴</m:t>
+                    </m:r>
+                    <m:r>
+                      <a:rPr lang="en-US" b="0" i="1" smtClean="0">
+                        <a:latin typeface="Cambria Math" panose="02040503050406030204" pitchFamily="18" charset="0"/>
+                      </a:rPr>
+                      <m:t>)</m:t>
+                    </m:r>
+                  </m:oMath>
+                </a14:m>
+                <a:r>
+                  <a:rPr lang="en-US" dirty="0"/>
+                  <a:t> by bootstrapping off </a:t>
+                </a:r>
+                <a14:m>
+                  <m:oMath xmlns:m="http://schemas.openxmlformats.org/officeDocument/2006/math">
+                    <m:r>
+                      <a:rPr lang="en-US" i="1">
+                        <a:latin typeface="Cambria Math" panose="02040503050406030204" pitchFamily="18" charset="0"/>
+                      </a:rPr>
+                      <m:t>𝑄</m:t>
+                    </m:r>
+                    <m:d>
+                      <m:dPr>
+                        <m:ctrlPr>
+                          <a:rPr lang="en-US" i="1">
+                            <a:latin typeface="Cambria Math" panose="02040503050406030204" pitchFamily="18" charset="0"/>
+                          </a:rPr>
+                        </m:ctrlPr>
+                      </m:dPr>
+                      <m:e>
+                        <m:sSup>
+                          <m:sSupPr>
+                            <m:ctrlPr>
+                              <a:rPr lang="en-US" i="1">
+                                <a:latin typeface="Cambria Math" panose="02040503050406030204" pitchFamily="18" charset="0"/>
+                              </a:rPr>
+                            </m:ctrlPr>
+                          </m:sSupPr>
+                          <m:e>
+                            <m:r>
+                              <a:rPr lang="en-US" i="1">
+                                <a:latin typeface="Cambria Math" panose="02040503050406030204" pitchFamily="18" charset="0"/>
+                              </a:rPr>
+                              <m:t>𝑆</m:t>
+                            </m:r>
+                          </m:e>
+                          <m:sup>
+                            <m:r>
+                              <a:rPr lang="en-US" i="1">
+                                <a:latin typeface="Cambria Math" panose="02040503050406030204" pitchFamily="18" charset="0"/>
+                              </a:rPr>
+                              <m:t>′</m:t>
+                            </m:r>
+                          </m:sup>
+                        </m:sSup>
+                        <m:r>
+                          <a:rPr lang="en-US" i="1">
+                            <a:latin typeface="Cambria Math" panose="02040503050406030204" pitchFamily="18" charset="0"/>
+                          </a:rPr>
+                          <m:t>,</m:t>
+                        </m:r>
+                        <m:r>
+                          <a:rPr lang="en-US" b="0" i="1" smtClean="0">
+                            <a:latin typeface="Cambria Math" panose="02040503050406030204" pitchFamily="18" charset="0"/>
+                          </a:rPr>
+                          <m:t>𝐴</m:t>
+                        </m:r>
+                        <m:r>
+                          <a:rPr lang="en-US" b="0" i="1" smtClean="0">
+                            <a:latin typeface="Cambria Math" panose="02040503050406030204" pitchFamily="18" charset="0"/>
+                          </a:rPr>
+                          <m:t>′</m:t>
+                        </m:r>
+                      </m:e>
+                    </m:d>
+                  </m:oMath>
+                </a14:m>
+                <a:endParaRPr lang="en-US" dirty="0"/>
+              </a:p>
+              <a:p>
+                <a:r>
+                  <a:rPr lang="en-US" dirty="0"/>
+                  <a:t>3. Actually take action </a:t>
+                </a:r>
+                <a14:m>
+                  <m:oMath xmlns:m="http://schemas.openxmlformats.org/officeDocument/2006/math">
+                    <m:r>
+                      <a:rPr lang="en-US" b="0" i="1" smtClean="0">
+                        <a:latin typeface="Cambria Math" panose="02040503050406030204" pitchFamily="18" charset="0"/>
+                      </a:rPr>
+                      <m:t>𝐴</m:t>
+                    </m:r>
+                    <m:r>
+                      <a:rPr lang="en-US" b="0" i="1" smtClean="0">
+                        <a:latin typeface="Cambria Math" panose="02040503050406030204" pitchFamily="18" charset="0"/>
+                      </a:rPr>
+                      <m:t>′</m:t>
+                    </m:r>
+                  </m:oMath>
+                </a14:m>
+                <a:r>
+                  <a:rPr lang="en-US" b="0" i="1" dirty="0">
+                    <a:latin typeface="Cambria Math" panose="02040503050406030204" pitchFamily="18" charset="0"/>
+                  </a:rPr>
+                  <a:t> </a:t>
+                </a:r>
+                <a:r>
+                  <a:rPr lang="en-US" dirty="0"/>
+                  <a:t>in</a:t>
+                </a:r>
+                <a:r>
+                  <a:rPr lang="en-US" i="1" dirty="0">
+                    <a:latin typeface="Cambria Math" panose="02040503050406030204" pitchFamily="18" charset="0"/>
+                  </a:rPr>
+                  <a:t> </a:t>
+                </a:r>
+                <a14:m>
+                  <m:oMath xmlns:m="http://schemas.openxmlformats.org/officeDocument/2006/math">
+                    <m:r>
+                      <a:rPr lang="en-US" b="0" i="1" smtClean="0">
+                        <a:latin typeface="Cambria Math" panose="02040503050406030204" pitchFamily="18" charset="0"/>
+                      </a:rPr>
+                      <m:t>𝑆</m:t>
+                    </m:r>
+                    <m:r>
+                      <a:rPr lang="en-US" b="0" i="1" smtClean="0">
+                        <a:latin typeface="Cambria Math" panose="02040503050406030204" pitchFamily="18" charset="0"/>
+                      </a:rPr>
+                      <m:t>′</m:t>
+                    </m:r>
+                  </m:oMath>
+                </a14:m>
+                <a:endParaRPr lang="en-US" dirty="0"/>
+              </a:p>
+              <a:p>
+                <a:r>
+                  <a:rPr lang="en-US" dirty="0"/>
+                  <a:t>QL: Repeat:</a:t>
+                </a:r>
+              </a:p>
+              <a:p>
+                <a:r>
+                  <a:rPr lang="en-US" dirty="0"/>
+                  <a:t>1. Choose and actually take the current greedy action </a:t>
+                </a:r>
+                <a14:m>
+                  <m:oMath xmlns:m="http://schemas.openxmlformats.org/officeDocument/2006/math">
+                    <m:r>
+                      <a:rPr lang="en-US" b="0" i="1" smtClean="0">
+                        <a:latin typeface="Cambria Math" panose="02040503050406030204" pitchFamily="18" charset="0"/>
+                      </a:rPr>
+                      <m:t>𝐴</m:t>
+                    </m:r>
+                  </m:oMath>
+                </a14:m>
+                <a:r>
+                  <a:rPr lang="en-US" b="0" i="1" dirty="0">
+                    <a:latin typeface="Cambria Math" panose="02040503050406030204" pitchFamily="18" charset="0"/>
+                  </a:rPr>
+                  <a:t> </a:t>
+                </a:r>
+                <a:r>
+                  <a:rPr lang="en-US" dirty="0"/>
+                  <a:t>in</a:t>
+                </a:r>
+                <a:r>
+                  <a:rPr lang="en-US" i="1" dirty="0">
+                    <a:latin typeface="Cambria Math" panose="02040503050406030204" pitchFamily="18" charset="0"/>
+                  </a:rPr>
+                  <a:t> </a:t>
+                </a:r>
+                <a14:m>
+                  <m:oMath xmlns:m="http://schemas.openxmlformats.org/officeDocument/2006/math">
+                    <m:r>
+                      <a:rPr lang="en-US" b="0" i="1" smtClean="0">
+                        <a:latin typeface="Cambria Math" panose="02040503050406030204" pitchFamily="18" charset="0"/>
+                      </a:rPr>
+                      <m:t>𝑆</m:t>
+                    </m:r>
+                  </m:oMath>
+                </a14:m>
+                <a:r>
+                  <a:rPr lang="en-US" dirty="0"/>
+                  <a:t>: </a:t>
+                </a:r>
+                <a14:m>
+                  <m:oMath xmlns:m="http://schemas.openxmlformats.org/officeDocument/2006/math">
+                    <m:r>
+                      <a:rPr lang="en-US" b="0" i="1" smtClean="0">
+                        <a:latin typeface="Cambria Math" panose="02040503050406030204" pitchFamily="18" charset="0"/>
+                      </a:rPr>
+                      <m:t>𝐴</m:t>
+                    </m:r>
+                    <m:r>
+                      <a:rPr lang="en-US" i="1">
+                        <a:latin typeface="Cambria Math" panose="02040503050406030204" pitchFamily="18" charset="0"/>
+                      </a:rPr>
+                      <m:t>=</m:t>
+                    </m:r>
+                    <m:func>
+                      <m:funcPr>
+                        <m:ctrlPr>
+                          <a:rPr lang="en-US" i="1">
+                            <a:latin typeface="Cambria Math" panose="02040503050406030204" pitchFamily="18" charset="0"/>
+                          </a:rPr>
+                        </m:ctrlPr>
+                      </m:funcPr>
+                      <m:fName>
+                        <m:sSub>
+                          <m:sSubPr>
+                            <m:ctrlPr>
+                              <a:rPr lang="en-US" i="1">
+                                <a:latin typeface="Cambria Math" panose="02040503050406030204" pitchFamily="18" charset="0"/>
+                              </a:rPr>
+                            </m:ctrlPr>
+                          </m:sSubPr>
+                          <m:e>
+                            <m:r>
+                              <m:rPr>
+                                <m:sty m:val="p"/>
+                              </m:rPr>
+                              <a:rPr lang="en-US">
+                                <a:latin typeface="Cambria Math" panose="02040503050406030204" pitchFamily="18" charset="0"/>
+                              </a:rPr>
+                              <m:t>argmax</m:t>
+                            </m:r>
+                          </m:e>
+                          <m:sub>
+                            <m:r>
+                              <m:rPr>
+                                <m:sty m:val="p"/>
+                              </m:rPr>
+                              <a:rPr lang="en-US">
+                                <a:latin typeface="Cambria Math" panose="02040503050406030204" pitchFamily="18" charset="0"/>
+                              </a:rPr>
+                              <m:t>a</m:t>
+                            </m:r>
+                          </m:sub>
+                        </m:sSub>
+                      </m:fName>
+                      <m:e>
+                        <m:r>
+                          <a:rPr lang="en-US" i="1">
+                            <a:latin typeface="Cambria Math" panose="02040503050406030204" pitchFamily="18" charset="0"/>
+                          </a:rPr>
+                          <m:t>𝑄</m:t>
+                        </m:r>
+                        <m:d>
+                          <m:dPr>
+                            <m:ctrlPr>
+                              <a:rPr lang="en-US" i="1">
+                                <a:latin typeface="Cambria Math" panose="02040503050406030204" pitchFamily="18" charset="0"/>
+                              </a:rPr>
+                            </m:ctrlPr>
+                          </m:dPr>
+                          <m:e>
+                            <m:r>
+                              <a:rPr lang="en-US" b="0" i="1" smtClean="0">
+                                <a:latin typeface="Cambria Math" panose="02040503050406030204" pitchFamily="18" charset="0"/>
+                              </a:rPr>
+                              <m:t>𝑆</m:t>
+                            </m:r>
+                            <m:r>
+                              <a:rPr lang="en-US" i="1">
+                                <a:latin typeface="Cambria Math" panose="02040503050406030204" pitchFamily="18" charset="0"/>
+                              </a:rPr>
+                              <m:t>,</m:t>
+                            </m:r>
+                            <m:r>
+                              <a:rPr lang="en-US" i="1">
+                                <a:latin typeface="Cambria Math" panose="02040503050406030204" pitchFamily="18" charset="0"/>
+                              </a:rPr>
+                              <m:t>𝑎</m:t>
+                            </m:r>
+                          </m:e>
+                        </m:d>
+                      </m:e>
+                    </m:func>
+                  </m:oMath>
+                </a14:m>
+                <a:endParaRPr lang="en-US" b="0" i="1" dirty="0">
+                  <a:latin typeface="Cambria Math" panose="02040503050406030204" pitchFamily="18" charset="0"/>
+                </a:endParaRPr>
+              </a:p>
+              <a:p>
+                <a:r>
+                  <a:rPr lang="en-US" dirty="0"/>
+                  <a:t>2. Update </a:t>
+                </a:r>
+                <a14:m>
+                  <m:oMath xmlns:m="http://schemas.openxmlformats.org/officeDocument/2006/math">
+                    <m:r>
+                      <a:rPr lang="en-US" b="0" i="1" smtClean="0">
+                        <a:latin typeface="Cambria Math" panose="02040503050406030204" pitchFamily="18" charset="0"/>
+                      </a:rPr>
+                      <m:t>𝑄</m:t>
+                    </m:r>
+                    <m:r>
+                      <a:rPr lang="en-US" b="0" i="1" smtClean="0">
+                        <a:latin typeface="Cambria Math" panose="02040503050406030204" pitchFamily="18" charset="0"/>
+                      </a:rPr>
+                      <m:t>(</m:t>
+                    </m:r>
+                    <m:r>
+                      <a:rPr lang="en-US" b="0" i="1" smtClean="0">
+                        <a:latin typeface="Cambria Math" panose="02040503050406030204" pitchFamily="18" charset="0"/>
+                      </a:rPr>
+                      <m:t>𝑆</m:t>
+                    </m:r>
+                    <m:r>
+                      <a:rPr lang="en-US" b="0" i="1" smtClean="0">
+                        <a:latin typeface="Cambria Math" panose="02040503050406030204" pitchFamily="18" charset="0"/>
+                      </a:rPr>
+                      <m:t>,</m:t>
+                    </m:r>
+                    <m:r>
+                      <a:rPr lang="en-US" b="0" i="1" smtClean="0">
+                        <a:latin typeface="Cambria Math" panose="02040503050406030204" pitchFamily="18" charset="0"/>
+                      </a:rPr>
+                      <m:t>𝐴</m:t>
+                    </m:r>
+                    <m:r>
+                      <a:rPr lang="en-US" b="0" i="1" smtClean="0">
+                        <a:latin typeface="Cambria Math" panose="02040503050406030204" pitchFamily="18" charset="0"/>
+                      </a:rPr>
+                      <m:t>)</m:t>
+                    </m:r>
+                  </m:oMath>
+                </a14:m>
+                <a:r>
+                  <a:rPr lang="en-US" dirty="0"/>
+                  <a:t> by bootstrapping off </a:t>
+                </a:r>
+                <a14:m>
+                  <m:oMath xmlns:m="http://schemas.openxmlformats.org/officeDocument/2006/math">
+                    <m:limLow>
+                      <m:limLowPr>
+                        <m:ctrlPr>
+                          <a:rPr lang="en-US" b="0" i="1" smtClean="0">
+                            <a:latin typeface="Cambria Math" panose="02040503050406030204" pitchFamily="18" charset="0"/>
+                          </a:rPr>
+                        </m:ctrlPr>
+                      </m:limLowPr>
+                      <m:e>
+                        <m:r>
+                          <m:rPr>
+                            <m:sty m:val="p"/>
+                          </m:rPr>
+                          <a:rPr lang="en-US" b="0" i="0" smtClean="0">
+                            <a:latin typeface="Cambria Math" panose="02040503050406030204" pitchFamily="18" charset="0"/>
+                          </a:rPr>
+                          <m:t>max</m:t>
+                        </m:r>
+                      </m:e>
+                      <m:lim>
+                        <m:r>
+                          <m:rPr>
+                            <m:sty m:val="p"/>
+                          </m:rPr>
+                          <a:rPr lang="en-US" b="0" i="0" smtClean="0">
+                            <a:latin typeface="Cambria Math" panose="02040503050406030204" pitchFamily="18" charset="0"/>
+                          </a:rPr>
+                          <m:t>a</m:t>
+                        </m:r>
+                      </m:lim>
+                    </m:limLow>
+                    <m:r>
+                      <a:rPr lang="en-US" b="0" i="1" smtClean="0">
+                        <a:latin typeface="Cambria Math" panose="02040503050406030204" pitchFamily="18" charset="0"/>
+                      </a:rPr>
+                      <m:t> </m:t>
+                    </m:r>
+                    <m:r>
+                      <a:rPr lang="en-US" i="1">
+                        <a:latin typeface="Cambria Math" panose="02040503050406030204" pitchFamily="18" charset="0"/>
+                      </a:rPr>
+                      <m:t>𝑄</m:t>
+                    </m:r>
+                    <m:d>
+                      <m:dPr>
+                        <m:ctrlPr>
+                          <a:rPr lang="en-US" i="1">
+                            <a:latin typeface="Cambria Math" panose="02040503050406030204" pitchFamily="18" charset="0"/>
+                          </a:rPr>
+                        </m:ctrlPr>
+                      </m:dPr>
+                      <m:e>
+                        <m:sSup>
+                          <m:sSupPr>
+                            <m:ctrlPr>
+                              <a:rPr lang="en-US" i="1">
+                                <a:latin typeface="Cambria Math" panose="02040503050406030204" pitchFamily="18" charset="0"/>
+                              </a:rPr>
+                            </m:ctrlPr>
+                          </m:sSupPr>
+                          <m:e>
+                            <m:r>
+                              <a:rPr lang="en-US" i="1">
+                                <a:latin typeface="Cambria Math" panose="02040503050406030204" pitchFamily="18" charset="0"/>
+                              </a:rPr>
+                              <m:t>𝑆</m:t>
+                            </m:r>
+                          </m:e>
+                          <m:sup>
+                            <m:r>
+                              <a:rPr lang="en-US" i="1">
+                                <a:latin typeface="Cambria Math" panose="02040503050406030204" pitchFamily="18" charset="0"/>
+                              </a:rPr>
+                              <m:t>′</m:t>
+                            </m:r>
+                          </m:sup>
+                        </m:sSup>
+                        <m:r>
+                          <a:rPr lang="en-US" i="1">
+                            <a:latin typeface="Cambria Math" panose="02040503050406030204" pitchFamily="18" charset="0"/>
+                          </a:rPr>
+                          <m:t>,</m:t>
+                        </m:r>
+                        <m:r>
+                          <a:rPr lang="en-US" b="0" i="1" smtClean="0">
+                            <a:latin typeface="Cambria Math" panose="02040503050406030204" pitchFamily="18" charset="0"/>
+                          </a:rPr>
+                          <m:t>𝑎</m:t>
+                        </m:r>
+                      </m:e>
+                    </m:d>
+                  </m:oMath>
+                </a14:m>
+                <a:endParaRPr lang="en-US" dirty="0"/>
+              </a:p>
+              <a:p>
+                <a:r>
+                  <a:rPr lang="en-US" dirty="0" err="1"/>
+                  <a:t>Sarsa</a:t>
+                </a:r>
+                <a:r>
+                  <a:rPr lang="en-US" dirty="0"/>
+                  <a:t> looks ahead one step, and chooses the next greedy action </a:t>
+                </a:r>
+                <a14:m>
+                  <m:oMath xmlns:m="http://schemas.openxmlformats.org/officeDocument/2006/math">
+                    <m:r>
+                      <a:rPr lang="en-US" b="0" i="1" dirty="0" smtClean="0">
+                        <a:latin typeface="Cambria Math" panose="02040503050406030204" pitchFamily="18" charset="0"/>
+                      </a:rPr>
+                      <m:t>𝐴</m:t>
+                    </m:r>
+                    <m:r>
+                      <a:rPr lang="en-US" i="1" dirty="0" smtClean="0">
+                        <a:latin typeface="Cambria Math" panose="02040503050406030204" pitchFamily="18" charset="0"/>
+                      </a:rPr>
+                      <m:t>′</m:t>
+                    </m:r>
+                  </m:oMath>
+                </a14:m>
+                <a:r>
+                  <a:rPr lang="en-US" dirty="0"/>
+                  <a:t> in </a:t>
+                </a:r>
+                <a14:m>
+                  <m:oMath xmlns:m="http://schemas.openxmlformats.org/officeDocument/2006/math">
+                    <m:r>
+                      <a:rPr lang="en-US" b="0" i="1" dirty="0" smtClean="0">
+                        <a:latin typeface="Cambria Math" panose="02040503050406030204" pitchFamily="18" charset="0"/>
+                      </a:rPr>
+                      <m:t>𝑆</m:t>
+                    </m:r>
+                    <m:r>
+                      <a:rPr lang="en-US" i="1" dirty="0" smtClean="0">
+                        <a:latin typeface="Cambria Math" panose="02040503050406030204" pitchFamily="18" charset="0"/>
+                      </a:rPr>
+                      <m:t>′</m:t>
+                    </m:r>
+                  </m:oMath>
+                </a14:m>
+                <a:r>
+                  <a:rPr lang="en-US" dirty="0"/>
+                  <a:t> used to bootstrap the current </a:t>
+                </a:r>
+                <a14:m>
+                  <m:oMath xmlns:m="http://schemas.openxmlformats.org/officeDocument/2006/math">
+                    <m:r>
+                      <a:rPr lang="en-US" i="1">
+                        <a:latin typeface="Cambria Math" panose="02040503050406030204" pitchFamily="18" charset="0"/>
+                      </a:rPr>
+                      <m:t>𝑄</m:t>
+                    </m:r>
+                    <m:r>
+                      <a:rPr lang="en-US" i="1">
+                        <a:latin typeface="Cambria Math" panose="02040503050406030204" pitchFamily="18" charset="0"/>
+                      </a:rPr>
+                      <m:t>(</m:t>
+                    </m:r>
+                    <m:r>
+                      <a:rPr lang="en-US" i="1">
+                        <a:latin typeface="Cambria Math" panose="02040503050406030204" pitchFamily="18" charset="0"/>
+                      </a:rPr>
+                      <m:t>𝑆</m:t>
+                    </m:r>
+                    <m:r>
+                      <a:rPr lang="en-US" i="1">
+                        <a:latin typeface="Cambria Math" panose="02040503050406030204" pitchFamily="18" charset="0"/>
+                      </a:rPr>
+                      <m:t>,</m:t>
+                    </m:r>
+                    <m:r>
+                      <a:rPr lang="en-US" i="1">
+                        <a:latin typeface="Cambria Math" panose="02040503050406030204" pitchFamily="18" charset="0"/>
+                      </a:rPr>
+                      <m:t>𝐴</m:t>
+                    </m:r>
+                    <m:r>
+                      <a:rPr lang="en-US" i="1">
+                        <a:latin typeface="Cambria Math" panose="02040503050406030204" pitchFamily="18" charset="0"/>
+                      </a:rPr>
+                      <m:t>)</m:t>
+                    </m:r>
+                  </m:oMath>
+                </a14:m>
+                <a:r>
+                  <a:rPr lang="en-US" dirty="0"/>
+                  <a:t>. QL does not need this lookahead step of choosing </a:t>
+                </a:r>
+                <a14:m>
+                  <m:oMath xmlns:m="http://schemas.openxmlformats.org/officeDocument/2006/math">
+                    <m:r>
+                      <a:rPr lang="en-US" i="1" dirty="0">
+                        <a:latin typeface="Cambria Math" panose="02040503050406030204" pitchFamily="18" charset="0"/>
+                      </a:rPr>
+                      <m:t>𝐴</m:t>
+                    </m:r>
+                    <m:r>
+                      <a:rPr lang="en-US" i="1" dirty="0">
+                        <a:latin typeface="Cambria Math" panose="02040503050406030204" pitchFamily="18" charset="0"/>
+                      </a:rPr>
+                      <m:t>′</m:t>
+                    </m:r>
+                  </m:oMath>
+                </a14:m>
+                <a:r>
+                  <a:rPr lang="en-US" dirty="0"/>
+                  <a:t> in </a:t>
+                </a:r>
+                <a14:m>
+                  <m:oMath xmlns:m="http://schemas.openxmlformats.org/officeDocument/2006/math">
+                    <m:r>
+                      <a:rPr lang="en-US" i="1" dirty="0">
+                        <a:latin typeface="Cambria Math" panose="02040503050406030204" pitchFamily="18" charset="0"/>
+                      </a:rPr>
+                      <m:t>𝑆</m:t>
+                    </m:r>
+                    <m:r>
+                      <a:rPr lang="en-US" i="1" dirty="0">
+                        <a:latin typeface="Cambria Math" panose="02040503050406030204" pitchFamily="18" charset="0"/>
+                      </a:rPr>
+                      <m:t>′</m:t>
+                    </m:r>
+                  </m:oMath>
+                </a14:m>
+                <a:r>
+                  <a:rPr lang="en-US" dirty="0"/>
+                  <a:t>, since it looks at all possible actions </a:t>
+                </a:r>
+                <a14:m>
+                  <m:oMath xmlns:m="http://schemas.openxmlformats.org/officeDocument/2006/math">
+                    <m:r>
+                      <a:rPr lang="en-US" b="0" i="1" smtClean="0">
+                        <a:latin typeface="Cambria Math" panose="02040503050406030204" pitchFamily="18" charset="0"/>
+                      </a:rPr>
+                      <m:t>𝑎</m:t>
+                    </m:r>
+                  </m:oMath>
+                </a14:m>
+                <a:r>
+                  <a:rPr lang="en-US" dirty="0"/>
+                  <a:t> in </a:t>
+                </a:r>
+                <a14:m>
+                  <m:oMath xmlns:m="http://schemas.openxmlformats.org/officeDocument/2006/math">
+                    <m:r>
+                      <a:rPr lang="en-US" i="1" dirty="0">
+                        <a:latin typeface="Cambria Math" panose="02040503050406030204" pitchFamily="18" charset="0"/>
+                      </a:rPr>
+                      <m:t>𝑆</m:t>
+                    </m:r>
+                    <m:r>
+                      <a:rPr lang="en-US" i="1" dirty="0">
+                        <a:latin typeface="Cambria Math" panose="02040503050406030204" pitchFamily="18" charset="0"/>
+                      </a:rPr>
+                      <m:t>′</m:t>
+                    </m:r>
+                  </m:oMath>
+                </a14:m>
+                <a:r>
+                  <a:rPr lang="en-US" dirty="0"/>
+                  <a:t> and bootstraps off </a:t>
+                </a:r>
+                <a14:m>
+                  <m:oMath xmlns:m="http://schemas.openxmlformats.org/officeDocument/2006/math">
+                    <m:limLow>
+                      <m:limLowPr>
+                        <m:ctrlPr>
+                          <a:rPr lang="en-US" i="1">
+                            <a:latin typeface="Cambria Math" panose="02040503050406030204" pitchFamily="18" charset="0"/>
+                          </a:rPr>
+                        </m:ctrlPr>
+                      </m:limLowPr>
+                      <m:e>
+                        <m:r>
+                          <m:rPr>
+                            <m:sty m:val="p"/>
+                          </m:rPr>
+                          <a:rPr lang="en-US">
+                            <a:latin typeface="Cambria Math" panose="02040503050406030204" pitchFamily="18" charset="0"/>
+                          </a:rPr>
+                          <m:t>max</m:t>
+                        </m:r>
+                      </m:e>
+                      <m:lim>
+                        <m:r>
+                          <m:rPr>
+                            <m:sty m:val="p"/>
+                          </m:rPr>
+                          <a:rPr lang="en-US">
+                            <a:latin typeface="Cambria Math" panose="02040503050406030204" pitchFamily="18" charset="0"/>
+                          </a:rPr>
+                          <m:t>a</m:t>
+                        </m:r>
+                      </m:lim>
+                    </m:limLow>
+                    <m:r>
+                      <a:rPr lang="en-US" i="1">
+                        <a:latin typeface="Cambria Math" panose="02040503050406030204" pitchFamily="18" charset="0"/>
+                      </a:rPr>
+                      <m:t> </m:t>
+                    </m:r>
+                    <m:r>
+                      <a:rPr lang="en-US" i="1">
+                        <a:latin typeface="Cambria Math" panose="02040503050406030204" pitchFamily="18" charset="0"/>
+                      </a:rPr>
+                      <m:t>𝑄</m:t>
+                    </m:r>
+                    <m:d>
+                      <m:dPr>
+                        <m:ctrlPr>
+                          <a:rPr lang="en-US" i="1">
+                            <a:latin typeface="Cambria Math" panose="02040503050406030204" pitchFamily="18" charset="0"/>
+                          </a:rPr>
+                        </m:ctrlPr>
+                      </m:dPr>
+                      <m:e>
+                        <m:sSup>
+                          <m:sSupPr>
+                            <m:ctrlPr>
+                              <a:rPr lang="en-US" i="1">
+                                <a:latin typeface="Cambria Math" panose="02040503050406030204" pitchFamily="18" charset="0"/>
+                              </a:rPr>
+                            </m:ctrlPr>
+                          </m:sSupPr>
+                          <m:e>
+                            <m:r>
+                              <a:rPr lang="en-US" i="1">
+                                <a:latin typeface="Cambria Math" panose="02040503050406030204" pitchFamily="18" charset="0"/>
+                              </a:rPr>
+                              <m:t>𝑆</m:t>
+                            </m:r>
+                          </m:e>
+                          <m:sup>
+                            <m:r>
+                              <a:rPr lang="en-US" i="1">
+                                <a:latin typeface="Cambria Math" panose="02040503050406030204" pitchFamily="18" charset="0"/>
+                              </a:rPr>
+                              <m:t>′</m:t>
+                            </m:r>
+                          </m:sup>
+                        </m:sSup>
+                        <m:r>
+                          <a:rPr lang="en-US" i="1">
+                            <a:latin typeface="Cambria Math" panose="02040503050406030204" pitchFamily="18" charset="0"/>
+                          </a:rPr>
+                          <m:t>,</m:t>
+                        </m:r>
+                        <m:r>
+                          <a:rPr lang="en-US" i="1">
+                            <a:latin typeface="Cambria Math" panose="02040503050406030204" pitchFamily="18" charset="0"/>
+                          </a:rPr>
+                          <m:t>𝑎</m:t>
+                        </m:r>
+                      </m:e>
+                    </m:d>
+                  </m:oMath>
+                </a14:m>
+                <a:endParaRPr lang="en-US" dirty="0"/>
+              </a:p>
+              <a:p>
+                <a:r>
+                  <a:rPr lang="en-US" dirty="0"/>
+                  <a:t>But that’s superficial difference. They still look the same to me: take a greedy action, update Q, repeat.</a:t>
+                </a:r>
+              </a:p>
+            </p:txBody>
+          </p:sp>
+        </mc:Choice>
+        <mc:Fallback>
+          <p:sp>
+            <p:nvSpPr>
+              <p:cNvPr id="3" name="Content Placeholder 2">
+                <a:extLst>
+                  <a:ext uri="{FF2B5EF4-FFF2-40B4-BE49-F238E27FC236}">
+                    <a16:creationId xmlns:a16="http://schemas.microsoft.com/office/drawing/2014/main" id="{691694D5-15A8-4E5E-B7D4-3F32D9EA9959}"/>
+                  </a:ext>
+                </a:extLst>
+              </p:cNvPr>
+              <p:cNvSpPr>
+                <a:spLocks noGrp="1" noRot="1" noChangeAspect="1" noMove="1" noResize="1" noEditPoints="1" noAdjustHandles="1" noChangeArrowheads="1" noChangeShapeType="1" noTextEdit="1"/>
+              </p:cNvSpPr>
+              <p:nvPr>
+                <p:ph idx="1"/>
+              </p:nvPr>
+            </p:nvSpPr>
+            <p:spPr>
+              <a:blipFill>
+                <a:blip r:embed="rId3"/>
+                <a:stretch>
+                  <a:fillRect l="-414" t="-1639" r="-552"/>
+                </a:stretch>
+              </a:blipFill>
+            </p:spPr>
+            <p:txBody>
+              <a:bodyPr/>
+              <a:lstStyle/>
+              <a:p>
+                <a:r>
+                  <a:rPr lang="en-SE">
+                    <a:noFill/>
+                  </a:rPr>
+                  <a:t> </a:t>
+                </a:r>
+              </a:p>
+            </p:txBody>
+          </p:sp>
+        </mc:Fallback>
+      </mc:AlternateContent>
+      <p:sp>
+        <p:nvSpPr>
+          <p:cNvPr id="4" name="Slide Number Placeholder 3">
+            <a:extLst>
+              <a:ext uri="{FF2B5EF4-FFF2-40B4-BE49-F238E27FC236}">
+                <a16:creationId xmlns:a16="http://schemas.microsoft.com/office/drawing/2014/main" id="{CAC885A4-E97E-4540-96FB-87B5B736E5C9}"/>
+              </a:ext>
+            </a:extLst>
+          </p:cNvPr>
+          <p:cNvSpPr>
+            <a:spLocks noGrp="1"/>
+          </p:cNvSpPr>
+          <p:nvPr>
+            <p:ph type="sldNum" sz="quarter" idx="12"/>
+          </p:nvPr>
+        </p:nvSpPr>
+        <p:spPr bwMode="auto">
+          <a:xfrm>
+            <a:off x="6934200" y="6530035"/>
+            <a:ext cx="2133600" cy="244475"/>
+          </a:xfrm>
+          <a:prstGeom prst="rect">
+            <a:avLst/>
+          </a:prstGeom>
+          <a:noFill/>
+          <a:ln w="9525">
+            <a:noFill/>
+            <a:miter lim="800000"/>
+            <a:headEnd/>
+            <a:tailEnd/>
+          </a:ln>
+          <a:effectLst/>
+        </p:spPr>
+        <p:txBody>
+          <a:bodyPr vert="horz" wrap="square" lIns="91440" tIns="45720" rIns="91440" bIns="45720" numCol="1" anchor="t" anchorCtr="0" compatLnSpc="1">
+            <a:prstTxWarp prst="textNoShape">
+              <a:avLst/>
+            </a:prstTxWarp>
+          </a:bodyPr>
+          <a:lstStyle>
+            <a:defPPr>
+              <a:defRPr lang="en-US"/>
+            </a:defPPr>
+            <a:lvl1pPr algn="r" rtl="0" fontAlgn="base">
+              <a:spcBef>
+                <a:spcPct val="0"/>
+              </a:spcBef>
+              <a:spcAft>
+                <a:spcPct val="0"/>
+              </a:spcAft>
+              <a:defRPr sz="1200" kern="1200">
+                <a:solidFill>
+                  <a:schemeClr val="tx1"/>
+                </a:solidFill>
+                <a:latin typeface="Arial" charset="0"/>
+                <a:ea typeface="宋体" charset="-122"/>
+                <a:cs typeface="+mn-cs"/>
+              </a:defRPr>
+            </a:lvl1pPr>
+            <a:lvl2pPr marL="457200" algn="l" rtl="0" fontAlgn="base">
+              <a:spcBef>
+                <a:spcPct val="0"/>
+              </a:spcBef>
+              <a:spcAft>
+                <a:spcPct val="0"/>
+              </a:spcAft>
+              <a:defRPr kern="1200">
+                <a:solidFill>
+                  <a:schemeClr val="tx1"/>
+                </a:solidFill>
+                <a:latin typeface="Arial" charset="0"/>
+                <a:ea typeface="+mn-ea"/>
+                <a:cs typeface="+mn-cs"/>
+              </a:defRPr>
+            </a:lvl2pPr>
+            <a:lvl3pPr marL="914400" algn="l" rtl="0" fontAlgn="base">
+              <a:spcBef>
+                <a:spcPct val="0"/>
+              </a:spcBef>
+              <a:spcAft>
+                <a:spcPct val="0"/>
+              </a:spcAft>
+              <a:defRPr kern="1200">
+                <a:solidFill>
+                  <a:schemeClr val="tx1"/>
+                </a:solidFill>
+                <a:latin typeface="Arial" charset="0"/>
+                <a:ea typeface="+mn-ea"/>
+                <a:cs typeface="+mn-cs"/>
+              </a:defRPr>
+            </a:lvl3pPr>
+            <a:lvl4pPr marL="1371600" algn="l" rtl="0" fontAlgn="base">
+              <a:spcBef>
+                <a:spcPct val="0"/>
+              </a:spcBef>
+              <a:spcAft>
+                <a:spcPct val="0"/>
+              </a:spcAft>
+              <a:defRPr kern="1200">
+                <a:solidFill>
+                  <a:schemeClr val="tx1"/>
+                </a:solidFill>
+                <a:latin typeface="Arial" charset="0"/>
+                <a:ea typeface="+mn-ea"/>
+                <a:cs typeface="+mn-cs"/>
+              </a:defRPr>
+            </a:lvl4pPr>
+            <a:lvl5pPr marL="1828800" algn="l" rtl="0" fontAlgn="base">
+              <a:spcBef>
+                <a:spcPct val="0"/>
+              </a:spcBef>
+              <a:spcAft>
+                <a:spcPct val="0"/>
+              </a:spcAft>
+              <a:defRPr kern="1200">
+                <a:solidFill>
+                  <a:schemeClr val="tx1"/>
+                </a:solidFill>
+                <a:latin typeface="Arial" charset="0"/>
+                <a:ea typeface="+mn-ea"/>
+                <a:cs typeface="+mn-cs"/>
+              </a:defRPr>
+            </a:lvl5pPr>
+            <a:lvl6pPr marL="2286000" algn="l" defTabSz="914400" rtl="0" eaLnBrk="1" latinLnBrk="0" hangingPunct="1">
+              <a:defRPr kern="1200">
+                <a:solidFill>
+                  <a:schemeClr val="tx1"/>
+                </a:solidFill>
+                <a:latin typeface="Arial" charset="0"/>
+                <a:ea typeface="+mn-ea"/>
+                <a:cs typeface="+mn-cs"/>
+              </a:defRPr>
+            </a:lvl6pPr>
+            <a:lvl7pPr marL="2743200" algn="l" defTabSz="914400" rtl="0" eaLnBrk="1" latinLnBrk="0" hangingPunct="1">
+              <a:defRPr kern="1200">
+                <a:solidFill>
+                  <a:schemeClr val="tx1"/>
+                </a:solidFill>
+                <a:latin typeface="Arial" charset="0"/>
+                <a:ea typeface="+mn-ea"/>
+                <a:cs typeface="+mn-cs"/>
+              </a:defRPr>
+            </a:lvl7pPr>
+            <a:lvl8pPr marL="3200400" algn="l" defTabSz="914400" rtl="0" eaLnBrk="1" latinLnBrk="0" hangingPunct="1">
+              <a:defRPr kern="1200">
+                <a:solidFill>
+                  <a:schemeClr val="tx1"/>
+                </a:solidFill>
+                <a:latin typeface="Arial" charset="0"/>
+                <a:ea typeface="+mn-ea"/>
+                <a:cs typeface="+mn-cs"/>
+              </a:defRPr>
+            </a:lvl8pPr>
+            <a:lvl9pPr marL="3657600" algn="l" defTabSz="914400" rtl="0" eaLnBrk="1" latinLnBrk="0" hangingPunct="1">
+              <a:defRPr kern="1200">
+                <a:solidFill>
+                  <a:schemeClr val="tx1"/>
+                </a:solidFill>
+                <a:latin typeface="Arial" charset="0"/>
+                <a:ea typeface="+mn-ea"/>
+                <a:cs typeface="+mn-cs"/>
+              </a:defRPr>
+            </a:lvl9pPr>
+          </a:lstStyle>
+          <a:p>
+            <a:pPr>
+              <a:defRPr/>
+            </a:pPr>
+            <a:fld id="{F57F456A-00AF-44E6-8D70-638C0D0130FF}" type="slidenum">
+              <a:rPr lang="en-US" altLang="zh-CN" smtClean="0"/>
+              <a:pPr>
+                <a:defRPr/>
+              </a:pPr>
+              <a:t>2</a:t>
+            </a:fld>
+            <a:endParaRPr lang="en-US" altLang="zh-CN"/>
+          </a:p>
+        </p:txBody>
+      </p:sp>
+      <p:pic>
+        <p:nvPicPr>
+          <p:cNvPr id="5" name="Picture 4">
+            <a:extLst>
+              <a:ext uri="{FF2B5EF4-FFF2-40B4-BE49-F238E27FC236}">
+                <a16:creationId xmlns:a16="http://schemas.microsoft.com/office/drawing/2014/main" id="{7EA6E0CD-6117-45B0-AF33-C22FF799E4F4}"/>
+              </a:ext>
+            </a:extLst>
+          </p:cNvPr>
+          <p:cNvPicPr>
+            <a:picLocks noChangeAspect="1"/>
+          </p:cNvPicPr>
+          <p:nvPr/>
+        </p:nvPicPr>
+        <p:blipFill>
+          <a:blip r:embed="rId4"/>
+          <a:stretch>
+            <a:fillRect/>
+          </a:stretch>
+        </p:blipFill>
+        <p:spPr>
+          <a:xfrm>
+            <a:off x="198119" y="-124691"/>
+            <a:ext cx="4913633" cy="2172496"/>
+          </a:xfrm>
+          <a:prstGeom prst="rect">
+            <a:avLst/>
+          </a:prstGeom>
+        </p:spPr>
+      </p:pic>
+      <p:pic>
+        <p:nvPicPr>
+          <p:cNvPr id="6" name="Picture 5">
+            <a:extLst>
+              <a:ext uri="{FF2B5EF4-FFF2-40B4-BE49-F238E27FC236}">
+                <a16:creationId xmlns:a16="http://schemas.microsoft.com/office/drawing/2014/main" id="{0A79FA98-908A-4C39-B668-D6ED6B07E520}"/>
+              </a:ext>
+            </a:extLst>
+          </p:cNvPr>
+          <p:cNvPicPr>
+            <a:picLocks noChangeAspect="1"/>
+          </p:cNvPicPr>
+          <p:nvPr/>
+        </p:nvPicPr>
+        <p:blipFill>
+          <a:blip r:embed="rId5"/>
+          <a:stretch>
+            <a:fillRect/>
+          </a:stretch>
+        </p:blipFill>
+        <p:spPr>
+          <a:xfrm>
+            <a:off x="4648200" y="274638"/>
+            <a:ext cx="4572000" cy="1873685"/>
+          </a:xfrm>
+          <a:prstGeom prst="rect">
+            <a:avLst/>
+          </a:prstGeom>
+        </p:spPr>
+      </p:pic>
+    </p:spTree>
+    <p:extLst>
+      <p:ext uri="{BB962C8B-B14F-4D97-AF65-F5344CB8AC3E}">
+        <p14:creationId xmlns:p14="http://schemas.microsoft.com/office/powerpoint/2010/main" val="753424685"/>
+      </p:ext>
+    </p:extLst>
+  </p:cSld>
+  <p:clrMapOvr>
+    <a:masterClrMapping/>
+  </p:clrMapOvr>
+</p:sld>
+</file>
+
+<file path=ppt/slides/slide3.xml><?xml version="1.0" encoding="utf-8"?>
+<p:sld xmlns:a="http://schemas.openxmlformats.org/drawingml/2006/main" xmlns:r="http://schemas.openxmlformats.org/officeDocument/2006/relationships" xmlns:p="http://schemas.openxmlformats.org/presentationml/2006/main">
+  <p:cSld>
+    <p:spTree>
+      <p:nvGrpSpPr>
+        <p:cNvPr id="1" name=""/>
+        <p:cNvGrpSpPr/>
+        <p:nvPr/>
+      </p:nvGrpSpPr>
+      <p:grpSpPr>
+        <a:xfrm>
+          <a:off x="0" y="0"/>
+          <a:ext cx="0" cy="0"/>
+          <a:chOff x="0" y="0"/>
+          <a:chExt cx="0" cy="0"/>
+        </a:xfrm>
+      </p:grpSpPr>
+      <p:sp>
+        <p:nvSpPr>
+          <p:cNvPr id="2" name="Title 1">
+            <a:extLst>
+              <a:ext uri="{FF2B5EF4-FFF2-40B4-BE49-F238E27FC236}">
                 <a16:creationId xmlns:a16="http://schemas.microsoft.com/office/drawing/2014/main" id="{0E32CE0D-6E84-4119-B96A-66477D7FD572}"/>
               </a:ext>
             </a:extLst>
@@ -6728,8 +9247,8 @@
           </a:p>
         </p:txBody>
       </p:sp>
-      <mc:AlternateContent xmlns:mc="http://schemas.openxmlformats.org/markup-compatibility/2006">
-        <mc:Choice xmlns:a14="http://schemas.microsoft.com/office/drawing/2010/main" Requires="a14">
+      <mc:AlternateContent xmlns:mc="http://schemas.openxmlformats.org/markup-compatibility/2006" xmlns:a14="http://schemas.microsoft.com/office/drawing/2010/main">
+        <mc:Choice Requires="a14">
           <p:sp>
             <p:nvSpPr>
               <p:cNvPr id="3" name="Content Placeholder 2">
@@ -7186,7 +9705,7 @@
             </p:txBody>
           </p:sp>
         </mc:Choice>
-        <mc:Fallback>
+        <mc:Fallback xmlns="">
           <p:sp>
             <p:nvSpPr>
               <p:cNvPr id="3" name="Content Placeholder 2">
@@ -7403,14 +9922,14 @@
               <a:pPr>
                 <a:defRPr/>
               </a:pPr>
-              <a:t>2</a:t>
+              <a:t>3</a:t>
             </a:fld>
             <a:endParaRPr lang="en-US" altLang="zh-CN"/>
           </a:p>
         </p:txBody>
       </p:sp>
-      <mc:AlternateContent xmlns:mc="http://schemas.openxmlformats.org/markup-compatibility/2006">
-        <mc:Choice xmlns:a14="http://schemas.microsoft.com/office/drawing/2010/main" Requires="a14">
+      <mc:AlternateContent xmlns:mc="http://schemas.openxmlformats.org/markup-compatibility/2006" xmlns:a14="http://schemas.microsoft.com/office/drawing/2010/main">
+        <mc:Choice Requires="a14">
           <p:sp>
             <p:nvSpPr>
               <p:cNvPr id="13" name="内容占位符 2">
@@ -7733,7 +10252,7 @@
             </p:txBody>
           </p:sp>
         </mc:Choice>
-        <mc:Fallback>
+        <mc:Fallback xmlns="">
           <p:sp>
             <p:nvSpPr>
               <p:cNvPr id="13" name="内容占位符 2">
@@ -7826,8 +10345,8 @@
           </a:p>
         </p:txBody>
       </p:sp>
-      <mc:AlternateContent xmlns:mc="http://schemas.openxmlformats.org/markup-compatibility/2006">
-        <mc:Choice xmlns:a14="http://schemas.microsoft.com/office/drawing/2010/main" Requires="a14">
+      <mc:AlternateContent xmlns:mc="http://schemas.openxmlformats.org/markup-compatibility/2006" xmlns:a14="http://schemas.microsoft.com/office/drawing/2010/main">
+        <mc:Choice Requires="a14">
           <p:sp>
             <p:nvSpPr>
               <p:cNvPr id="15" name="TextBox 14">
@@ -7933,7 +10452,7 @@
             </p:txBody>
           </p:sp>
         </mc:Choice>
-        <mc:Fallback>
+        <mc:Fallback xmlns="">
           <p:sp>
             <p:nvSpPr>
               <p:cNvPr id="15" name="TextBox 14">
@@ -7978,8 +10497,8 @@
           </p:sp>
         </mc:Fallback>
       </mc:AlternateContent>
-      <mc:AlternateContent xmlns:mc="http://schemas.openxmlformats.org/markup-compatibility/2006">
-        <mc:Choice xmlns:a14="http://schemas.microsoft.com/office/drawing/2010/main" Requires="a14">
+      <mc:AlternateContent xmlns:mc="http://schemas.openxmlformats.org/markup-compatibility/2006" xmlns:a14="http://schemas.microsoft.com/office/drawing/2010/main">
+        <mc:Choice Requires="a14">
           <p:sp>
             <p:nvSpPr>
               <p:cNvPr id="16" name="TextBox 15">
@@ -8049,7 +10568,7 @@
             </p:txBody>
           </p:sp>
         </mc:Choice>
-        <mc:Fallback>
+        <mc:Fallback xmlns="">
           <p:sp>
             <p:nvSpPr>
               <p:cNvPr id="16" name="TextBox 15">
@@ -8355,7 +10874,7 @@
 </p:sld>
 </file>
 
-<file path=ppt/slides/slide3.xml><?xml version="1.0" encoding="utf-8"?>
+<file path=ppt/slides/slide4.xml><?xml version="1.0" encoding="utf-8"?>
 <p:sld xmlns:a="http://schemas.openxmlformats.org/drawingml/2006/main" xmlns:r="http://schemas.openxmlformats.org/officeDocument/2006/relationships" xmlns:p="http://schemas.openxmlformats.org/presentationml/2006/main">
   <p:cSld>
     <p:spTree>
@@ -8671,7 +11190,7 @@
               <a:pPr>
                 <a:defRPr/>
               </a:pPr>
-              <a:t>3</a:t>
+              <a:t>4</a:t>
             </a:fld>
             <a:endParaRPr lang="en-US" altLang="zh-CN"/>
           </a:p>
@@ -8690,7 +11209,7 @@
 </p:sld>
 </file>
 
-<file path=ppt/slides/slide4.xml><?xml version="1.0" encoding="utf-8"?>
+<file path=ppt/slides/slide5.xml><?xml version="1.0" encoding="utf-8"?>
 <p:sld xmlns:a="http://schemas.openxmlformats.org/drawingml/2006/main" xmlns:r="http://schemas.openxmlformats.org/officeDocument/2006/relationships" xmlns:p="http://schemas.openxmlformats.org/presentationml/2006/main">
   <p:cSld>
     <p:spTree>
@@ -8800,7 +11319,7 @@
 </p:sld>
 </file>
 
-<file path=ppt/slides/slide5.xml><?xml version="1.0" encoding="utf-8"?>
+<file path=ppt/slides/slide6.xml><?xml version="1.0" encoding="utf-8"?>
 <p:sld xmlns:a="http://schemas.openxmlformats.org/drawingml/2006/main" xmlns:r="http://schemas.openxmlformats.org/officeDocument/2006/relationships" xmlns:p="http://schemas.openxmlformats.org/presentationml/2006/main">
   <p:cSld>
     <p:spTree>
@@ -8962,7 +11481,7 @@
 </p:sld>
 </file>
 
-<file path=ppt/slides/slide6.xml><?xml version="1.0" encoding="utf-8"?>
+<file path=ppt/slides/slide7.xml><?xml version="1.0" encoding="utf-8"?>
 <p:sld xmlns:a="http://schemas.openxmlformats.org/drawingml/2006/main" xmlns:r="http://schemas.openxmlformats.org/officeDocument/2006/relationships" xmlns:p="http://schemas.openxmlformats.org/presentationml/2006/main">
   <p:cSld>
     <p:spTree>
@@ -9122,7 +11641,7 @@
 </p:sld>
 </file>
 
-<file path=ppt/slides/slide7.xml><?xml version="1.0" encoding="utf-8"?>
+<file path=ppt/slides/slide8.xml><?xml version="1.0" encoding="utf-8"?>
 <p:sld xmlns:a="http://schemas.openxmlformats.org/drawingml/2006/main" xmlns:r="http://schemas.openxmlformats.org/officeDocument/2006/relationships" xmlns:p="http://schemas.openxmlformats.org/presentationml/2006/main">
   <p:cSld>
     <p:spTree>
@@ -13158,7 +15677,7 @@
               <a:pPr>
                 <a:defRPr/>
               </a:pPr>
-              <a:t>7</a:t>
+              <a:t>8</a:t>
             </a:fld>
             <a:endParaRPr lang="en-US" altLang="zh-CN"/>
           </a:p>
@@ -16056,7 +18575,7 @@
 </p:sld>
 </file>
 
-<file path=ppt/slides/slide8.xml><?xml version="1.0" encoding="utf-8"?>
+<file path=ppt/slides/slide9.xml><?xml version="1.0" encoding="utf-8"?>
 <p:sld xmlns:a="http://schemas.openxmlformats.org/drawingml/2006/main" xmlns:r="http://schemas.openxmlformats.org/officeDocument/2006/relationships" xmlns:p="http://schemas.openxmlformats.org/presentationml/2006/main">
   <p:cSld>
     <p:spTree>
@@ -16561,7 +19080,7 @@
               <a:pPr>
                 <a:defRPr/>
               </a:pPr>
-              <a:t>8</a:t>
+              <a:t>9</a:t>
             </a:fld>
             <a:endParaRPr lang="en-US" altLang="zh-CN"/>
           </a:p>
@@ -16631,962 +19150,6 @@
     <p:extLst>
       <p:ext uri="{BB962C8B-B14F-4D97-AF65-F5344CB8AC3E}">
         <p14:creationId xmlns:p14="http://schemas.microsoft.com/office/powerpoint/2010/main" val="2025952131"/>
-      </p:ext>
-    </p:extLst>
-  </p:cSld>
-  <p:clrMapOvr>
-    <a:masterClrMapping/>
-  </p:clrMapOvr>
-</p:sld>
-</file>
-
-<file path=ppt/slides/slide9.xml><?xml version="1.0" encoding="utf-8"?>
-<p:sld xmlns:a="http://schemas.openxmlformats.org/drawingml/2006/main" xmlns:r="http://schemas.openxmlformats.org/officeDocument/2006/relationships" xmlns:p="http://schemas.openxmlformats.org/presentationml/2006/main">
-  <p:cSld>
-    <p:spTree>
-      <p:nvGrpSpPr>
-        <p:cNvPr id="1" name=""/>
-        <p:cNvGrpSpPr/>
-        <p:nvPr/>
-      </p:nvGrpSpPr>
-      <p:grpSpPr>
-        <a:xfrm>
-          <a:off x="0" y="0"/>
-          <a:ext cx="0" cy="0"/>
-          <a:chOff x="0" y="0"/>
-          <a:chExt cx="0" cy="0"/>
-        </a:xfrm>
-      </p:grpSpPr>
-      <p:sp>
-        <p:nvSpPr>
-          <p:cNvPr id="2" name="Title 1">
-            <a:extLst>
-              <a:ext uri="{FF2B5EF4-FFF2-40B4-BE49-F238E27FC236}">
-                <a16:creationId xmlns:a16="http://schemas.microsoft.com/office/drawing/2014/main" id="{C4CC5A1E-1764-4E4A-B5F2-D07AB4707533}"/>
-              </a:ext>
-            </a:extLst>
-          </p:cNvPr>
-          <p:cNvSpPr>
-            <a:spLocks noGrp="1"/>
-          </p:cNvSpPr>
-          <p:nvPr>
-            <p:ph type="title"/>
-          </p:nvPr>
-        </p:nvSpPr>
-        <p:spPr/>
-        <p:txBody>
-          <a:bodyPr/>
-          <a:lstStyle/>
-          <a:p>
-            <a:r>
-              <a:rPr lang="en-US" dirty="0"/>
-              <a:t>Return and Value Functions</a:t>
-            </a:r>
-            <a:endParaRPr lang="en-SE" dirty="0"/>
-          </a:p>
-        </p:txBody>
-      </p:sp>
-      <mc:AlternateContent xmlns:mc="http://schemas.openxmlformats.org/markup-compatibility/2006" xmlns:a14="http://schemas.microsoft.com/office/drawing/2010/main">
-        <mc:Choice Requires="a14">
-          <p:sp>
-            <p:nvSpPr>
-              <p:cNvPr id="3" name="Content Placeholder 2">
-                <a:extLst>
-                  <a:ext uri="{FF2B5EF4-FFF2-40B4-BE49-F238E27FC236}">
-                    <a16:creationId xmlns:a16="http://schemas.microsoft.com/office/drawing/2014/main" id="{E21F40FA-75F9-4936-976E-2883595213F9}"/>
-                  </a:ext>
-                </a:extLst>
-              </p:cNvPr>
-              <p:cNvSpPr>
-                <a:spLocks noGrp="1"/>
-              </p:cNvSpPr>
-              <p:nvPr>
-                <p:ph idx="1"/>
-              </p:nvPr>
-            </p:nvSpPr>
-            <p:spPr/>
-            <p:txBody>
-              <a:bodyPr/>
-              <a:lstStyle/>
-              <a:p>
-                <a:r>
-                  <a:rPr lang="en-US" dirty="0"/>
-                  <a:t>Consider episodic tasks with episode length </a:t>
-                </a:r>
-                <a14:m>
-                  <m:oMath xmlns:m="http://schemas.openxmlformats.org/officeDocument/2006/math">
-                    <m:r>
-                      <a:rPr lang="en-US" b="0" i="1" smtClean="0">
-                        <a:latin typeface="Cambria Math" panose="02040503050406030204" pitchFamily="18" charset="0"/>
-                      </a:rPr>
-                      <m:t>𝑇</m:t>
-                    </m:r>
-                  </m:oMath>
-                </a14:m>
-                <a:r>
-                  <a:rPr lang="en-US" dirty="0"/>
-                  <a:t>: </a:t>
-                </a:r>
-              </a:p>
-              <a:p>
-                <a:pPr lvl="1"/>
-                <a:r>
-                  <a:rPr lang="en-US" sz="2900" dirty="0">
-                    <a:solidFill>
-                      <a:srgbClr val="C00000"/>
-                    </a:solidFill>
-                  </a:rPr>
-                  <a:t>Return</a:t>
-                </a:r>
-                <a:r>
-                  <a:rPr lang="en-US" sz="2900" dirty="0"/>
-                  <a:t> (cumulative discounted reward) at time </a:t>
-                </a:r>
-                <a14:m>
-                  <m:oMath xmlns:m="http://schemas.openxmlformats.org/officeDocument/2006/math">
-                    <m:r>
-                      <a:rPr lang="en-US" sz="2900" b="0" i="1" smtClean="0">
-                        <a:latin typeface="Cambria Math" panose="02040503050406030204" pitchFamily="18" charset="0"/>
-                      </a:rPr>
-                      <m:t>𝑡</m:t>
-                    </m:r>
-                  </m:oMath>
-                </a14:m>
-                <a:r>
-                  <a:rPr lang="en-US" sz="2900" dirty="0"/>
-                  <a:t>: </a:t>
-                </a:r>
-                <a14:m>
-                  <m:oMath xmlns:m="http://schemas.openxmlformats.org/officeDocument/2006/math">
-                    <m:sSub>
-                      <m:sSubPr>
-                        <m:ctrlPr>
-                          <a:rPr lang="en-US" sz="2900" i="1">
-                            <a:latin typeface="Cambria Math" panose="02040503050406030204" pitchFamily="18" charset="0"/>
-                          </a:rPr>
-                        </m:ctrlPr>
-                      </m:sSubPr>
-                      <m:e>
-                        <m:r>
-                          <a:rPr lang="en-US" sz="2900" i="1">
-                            <a:latin typeface="Cambria Math" panose="02040503050406030204" pitchFamily="18" charset="0"/>
-                          </a:rPr>
-                          <m:t>𝐺</m:t>
-                        </m:r>
-                      </m:e>
-                      <m:sub>
-                        <m:r>
-                          <a:rPr lang="en-US" sz="2900" i="1">
-                            <a:latin typeface="Cambria Math" panose="02040503050406030204" pitchFamily="18" charset="0"/>
-                          </a:rPr>
-                          <m:t>𝑡</m:t>
-                        </m:r>
-                      </m:sub>
-                    </m:sSub>
-                    <m:r>
-                      <a:rPr lang="en-US" sz="2900" i="1">
-                        <a:latin typeface="Cambria Math" panose="02040503050406030204" pitchFamily="18" charset="0"/>
-                      </a:rPr>
-                      <m:t>≐</m:t>
-                    </m:r>
-                    <m:nary>
-                      <m:naryPr>
-                        <m:chr m:val="∑"/>
-                        <m:ctrlPr>
-                          <a:rPr lang="en-US" sz="2900" i="1">
-                            <a:latin typeface="Cambria Math" panose="02040503050406030204" pitchFamily="18" charset="0"/>
-                          </a:rPr>
-                        </m:ctrlPr>
-                      </m:naryPr>
-                      <m:sub>
-                        <m:r>
-                          <m:rPr>
-                            <m:brk m:alnAt="23"/>
-                          </m:rPr>
-                          <a:rPr lang="en-US" sz="2900" i="1">
-                            <a:latin typeface="Cambria Math" panose="02040503050406030204" pitchFamily="18" charset="0"/>
-                          </a:rPr>
-                          <m:t>𝑘</m:t>
-                        </m:r>
-                        <m:r>
-                          <a:rPr lang="en-US" sz="2900" i="1">
-                            <a:latin typeface="Cambria Math" panose="02040503050406030204" pitchFamily="18" charset="0"/>
-                          </a:rPr>
-                          <m:t>=0</m:t>
-                        </m:r>
-                      </m:sub>
-                      <m:sup>
-                        <m:r>
-                          <a:rPr lang="en-US" sz="2900" i="1">
-                            <a:latin typeface="Cambria Math" panose="02040503050406030204" pitchFamily="18" charset="0"/>
-                          </a:rPr>
-                          <m:t>𝑇</m:t>
-                        </m:r>
-                        <m:r>
-                          <a:rPr lang="en-US" sz="2900" i="1">
-                            <a:latin typeface="Cambria Math" panose="02040503050406030204" pitchFamily="18" charset="0"/>
-                          </a:rPr>
-                          <m:t>−1</m:t>
-                        </m:r>
-                      </m:sup>
-                      <m:e>
-                        <m:sSup>
-                          <m:sSupPr>
-                            <m:ctrlPr>
-                              <a:rPr lang="en-US" sz="2900" i="1">
-                                <a:latin typeface="Cambria Math" panose="02040503050406030204" pitchFamily="18" charset="0"/>
-                              </a:rPr>
-                            </m:ctrlPr>
-                          </m:sSupPr>
-                          <m:e>
-                            <m:r>
-                              <a:rPr lang="en-US" sz="2900" i="1">
-                                <a:latin typeface="Cambria Math" panose="02040503050406030204" pitchFamily="18" charset="0"/>
-                              </a:rPr>
-                              <m:t>𝛾</m:t>
-                            </m:r>
-                          </m:e>
-                          <m:sup>
-                            <m:r>
-                              <a:rPr lang="en-US" sz="2900" i="1">
-                                <a:latin typeface="Cambria Math" panose="02040503050406030204" pitchFamily="18" charset="0"/>
-                              </a:rPr>
-                              <m:t>𝑘</m:t>
-                            </m:r>
-                          </m:sup>
-                        </m:sSup>
-                      </m:e>
-                    </m:nary>
-                    <m:sSub>
-                      <m:sSubPr>
-                        <m:ctrlPr>
-                          <a:rPr lang="en-US" sz="2900" i="1">
-                            <a:latin typeface="Cambria Math" panose="02040503050406030204" pitchFamily="18" charset="0"/>
-                          </a:rPr>
-                        </m:ctrlPr>
-                      </m:sSubPr>
-                      <m:e>
-                        <m:r>
-                          <a:rPr lang="en-US" sz="2900" i="1">
-                            <a:latin typeface="Cambria Math" panose="02040503050406030204" pitchFamily="18" charset="0"/>
-                          </a:rPr>
-                          <m:t>𝑅</m:t>
-                        </m:r>
-                      </m:e>
-                      <m:sub>
-                        <m:r>
-                          <a:rPr lang="en-US" sz="2900" i="1">
-                            <a:latin typeface="Cambria Math" panose="02040503050406030204" pitchFamily="18" charset="0"/>
-                          </a:rPr>
-                          <m:t>𝑡</m:t>
-                        </m:r>
-                        <m:r>
-                          <a:rPr lang="en-US" sz="2900" i="1">
-                            <a:latin typeface="Cambria Math" panose="02040503050406030204" pitchFamily="18" charset="0"/>
-                          </a:rPr>
-                          <m:t>+</m:t>
-                        </m:r>
-                        <m:r>
-                          <a:rPr lang="en-US" sz="2900" i="1">
-                            <a:latin typeface="Cambria Math" panose="02040503050406030204" pitchFamily="18" charset="0"/>
-                          </a:rPr>
-                          <m:t>𝑘</m:t>
-                        </m:r>
-                        <m:r>
-                          <a:rPr lang="en-US" sz="2900" i="1">
-                            <a:latin typeface="Cambria Math" panose="02040503050406030204" pitchFamily="18" charset="0"/>
-                          </a:rPr>
-                          <m:t>+1</m:t>
-                        </m:r>
-                      </m:sub>
-                    </m:sSub>
-                  </m:oMath>
-                </a14:m>
-                <a:endParaRPr lang="en-US" sz="2900" dirty="0"/>
-              </a:p>
-              <a:p>
-                <a:pPr lvl="1"/>
-                <a:r>
-                  <a:rPr lang="en-US" sz="2900" b="0" dirty="0">
-                    <a:solidFill>
-                      <a:srgbClr val="C00000"/>
-                    </a:solidFill>
-                  </a:rPr>
-                  <a:t>State Value Function </a:t>
-                </a:r>
-                <a:r>
-                  <a:rPr lang="en-US" sz="2900" b="0" dirty="0"/>
-                  <a:t>is expected return under policy </a:t>
-                </a:r>
-                <a14:m>
-                  <m:oMath xmlns:m="http://schemas.openxmlformats.org/officeDocument/2006/math">
-                    <m:r>
-                      <a:rPr lang="en-US" sz="2900" b="0" i="1" smtClean="0">
-                        <a:latin typeface="Cambria Math" panose="02040503050406030204" pitchFamily="18" charset="0"/>
-                      </a:rPr>
-                      <m:t>𝜋</m:t>
-                    </m:r>
-                  </m:oMath>
-                </a14:m>
-                <a:r>
-                  <a:rPr lang="en-US" sz="2900" b="0" dirty="0"/>
-                  <a:t>: </a:t>
-                </a:r>
-                <a14:m>
-                  <m:oMath xmlns:m="http://schemas.openxmlformats.org/officeDocument/2006/math">
-                    <m:sSub>
-                      <m:sSubPr>
-                        <m:ctrlPr>
-                          <a:rPr lang="en-US" sz="2900" b="0" i="1" smtClean="0">
-                            <a:latin typeface="Cambria Math" panose="02040503050406030204" pitchFamily="18" charset="0"/>
-                          </a:rPr>
-                        </m:ctrlPr>
-                      </m:sSubPr>
-                      <m:e>
-                        <m:r>
-                          <a:rPr lang="en-US" sz="2900" b="0" i="1" smtClean="0">
-                            <a:latin typeface="Cambria Math" panose="02040503050406030204" pitchFamily="18" charset="0"/>
-                          </a:rPr>
-                          <m:t>𝑣</m:t>
-                        </m:r>
-                      </m:e>
-                      <m:sub>
-                        <m:r>
-                          <a:rPr lang="en-US" sz="2900" b="0" i="1" smtClean="0">
-                            <a:latin typeface="Cambria Math" panose="02040503050406030204" pitchFamily="18" charset="0"/>
-                          </a:rPr>
-                          <m:t>𝜋</m:t>
-                        </m:r>
-                      </m:sub>
-                    </m:sSub>
-                    <m:d>
-                      <m:dPr>
-                        <m:ctrlPr>
-                          <a:rPr lang="en-US" sz="2900" b="0" i="1" smtClean="0">
-                            <a:latin typeface="Cambria Math" panose="02040503050406030204" pitchFamily="18" charset="0"/>
-                          </a:rPr>
-                        </m:ctrlPr>
-                      </m:dPr>
-                      <m:e>
-                        <m:r>
-                          <a:rPr lang="en-US" sz="2900" b="0" i="1" smtClean="0">
-                            <a:latin typeface="Cambria Math" panose="02040503050406030204" pitchFamily="18" charset="0"/>
-                          </a:rPr>
-                          <m:t>𝑠</m:t>
-                        </m:r>
-                      </m:e>
-                    </m:d>
-                    <m:r>
-                      <a:rPr lang="en-US" sz="2900" b="0" i="1" smtClean="0">
-                        <a:latin typeface="Cambria Math" panose="02040503050406030204" pitchFamily="18" charset="0"/>
-                      </a:rPr>
-                      <m:t>≐</m:t>
-                    </m:r>
-                    <m:sSub>
-                      <m:sSubPr>
-                        <m:ctrlPr>
-                          <a:rPr lang="en-US" sz="2900" b="0" i="1" smtClean="0">
-                            <a:latin typeface="Cambria Math" panose="02040503050406030204" pitchFamily="18" charset="0"/>
-                          </a:rPr>
-                        </m:ctrlPr>
-                      </m:sSubPr>
-                      <m:e>
-                        <m:r>
-                          <a:rPr lang="en-US" sz="2900" b="0" i="1" smtClean="0">
-                            <a:latin typeface="Cambria Math" panose="02040503050406030204" pitchFamily="18" charset="0"/>
-                          </a:rPr>
-                          <m:t>𝔼</m:t>
-                        </m:r>
-                      </m:e>
-                      <m:sub>
-                        <m:r>
-                          <a:rPr lang="en-US" sz="2900" b="0" i="1" smtClean="0">
-                            <a:latin typeface="Cambria Math" panose="02040503050406030204" pitchFamily="18" charset="0"/>
-                          </a:rPr>
-                          <m:t>𝜋</m:t>
-                        </m:r>
-                      </m:sub>
-                    </m:sSub>
-                    <m:d>
-                      <m:dPr>
-                        <m:begChr m:val="["/>
-                        <m:endChr m:val="]"/>
-                        <m:ctrlPr>
-                          <a:rPr lang="en-US" sz="2900" b="0" i="1" smtClean="0">
-                            <a:latin typeface="Cambria Math" panose="02040503050406030204" pitchFamily="18" charset="0"/>
-                          </a:rPr>
-                        </m:ctrlPr>
-                      </m:dPr>
-                      <m:e>
-                        <m:sSub>
-                          <m:sSubPr>
-                            <m:ctrlPr>
-                              <a:rPr lang="en-US" sz="2900" b="0" i="1" smtClean="0">
-                                <a:latin typeface="Cambria Math" panose="02040503050406030204" pitchFamily="18" charset="0"/>
-                              </a:rPr>
-                            </m:ctrlPr>
-                          </m:sSubPr>
-                          <m:e>
-                            <m:r>
-                              <a:rPr lang="en-US" sz="2900" b="0" i="1" smtClean="0">
-                                <a:latin typeface="Cambria Math" panose="02040503050406030204" pitchFamily="18" charset="0"/>
-                              </a:rPr>
-                              <m:t>𝐺</m:t>
-                            </m:r>
-                          </m:e>
-                          <m:sub>
-                            <m:r>
-                              <a:rPr lang="en-US" sz="2900" b="0" i="1" smtClean="0">
-                                <a:latin typeface="Cambria Math" panose="02040503050406030204" pitchFamily="18" charset="0"/>
-                              </a:rPr>
-                              <m:t>𝑡</m:t>
-                            </m:r>
-                          </m:sub>
-                        </m:sSub>
-                      </m:e>
-                      <m:e>
-                        <m:sSub>
-                          <m:sSubPr>
-                            <m:ctrlPr>
-                              <a:rPr lang="en-US" sz="2900" b="0" i="1" smtClean="0">
-                                <a:latin typeface="Cambria Math" panose="02040503050406030204" pitchFamily="18" charset="0"/>
-                              </a:rPr>
-                            </m:ctrlPr>
-                          </m:sSubPr>
-                          <m:e>
-                            <m:r>
-                              <a:rPr lang="en-US" sz="2900" b="0" i="1" smtClean="0">
-                                <a:latin typeface="Cambria Math" panose="02040503050406030204" pitchFamily="18" charset="0"/>
-                              </a:rPr>
-                              <m:t>𝑆</m:t>
-                            </m:r>
-                          </m:e>
-                          <m:sub>
-                            <m:r>
-                              <a:rPr lang="en-US" sz="2900" b="0" i="1" smtClean="0">
-                                <a:latin typeface="Cambria Math" panose="02040503050406030204" pitchFamily="18" charset="0"/>
-                              </a:rPr>
-                              <m:t>𝑡</m:t>
-                            </m:r>
-                          </m:sub>
-                        </m:sSub>
-                        <m:r>
-                          <a:rPr lang="en-US" sz="2900" b="0" i="1" smtClean="0">
-                            <a:latin typeface="Cambria Math" panose="02040503050406030204" pitchFamily="18" charset="0"/>
-                          </a:rPr>
-                          <m:t>=</m:t>
-                        </m:r>
-                        <m:r>
-                          <a:rPr lang="en-US" sz="2900" b="0" i="1" smtClean="0">
-                            <a:latin typeface="Cambria Math" panose="02040503050406030204" pitchFamily="18" charset="0"/>
-                          </a:rPr>
-                          <m:t>𝑠</m:t>
-                        </m:r>
-                      </m:e>
-                    </m:d>
-                  </m:oMath>
-                </a14:m>
-                <a:endParaRPr lang="en-US" sz="2900" dirty="0"/>
-              </a:p>
-              <a:p>
-                <a:pPr lvl="1"/>
-                <a:r>
-                  <a:rPr lang="en-US" sz="2900" b="0" dirty="0">
-                    <a:solidFill>
-                      <a:srgbClr val="C00000"/>
-                    </a:solidFill>
-                  </a:rPr>
-                  <a:t>State </a:t>
-                </a:r>
-                <a:r>
-                  <a:rPr lang="en-US" altLang="zh-CN" sz="2900" b="0" dirty="0">
-                    <a:solidFill>
-                      <a:srgbClr val="C00000"/>
-                    </a:solidFill>
-                  </a:rPr>
-                  <a:t>Action</a:t>
-                </a:r>
-                <a:r>
-                  <a:rPr lang="en-US" sz="2900" b="0" dirty="0">
-                    <a:solidFill>
-                      <a:srgbClr val="C00000"/>
-                    </a:solidFill>
-                  </a:rPr>
-                  <a:t> Value Function </a:t>
-                </a:r>
-                <a:r>
-                  <a:rPr lang="en-US" sz="2900" b="0" dirty="0"/>
-                  <a:t>is expected return from taking action </a:t>
-                </a:r>
-                <a14:m>
-                  <m:oMath xmlns:m="http://schemas.openxmlformats.org/officeDocument/2006/math">
-                    <m:r>
-                      <a:rPr lang="en-US" sz="2900" i="1">
-                        <a:latin typeface="Cambria Math" panose="02040503050406030204" pitchFamily="18" charset="0"/>
-                      </a:rPr>
-                      <m:t>𝑎</m:t>
-                    </m:r>
-                  </m:oMath>
-                </a14:m>
-                <a:r>
-                  <a:rPr lang="en-US" sz="2900" b="0" dirty="0"/>
-                  <a:t>, then follow policy </a:t>
-                </a:r>
-                <a14:m>
-                  <m:oMath xmlns:m="http://schemas.openxmlformats.org/officeDocument/2006/math">
-                    <m:r>
-                      <a:rPr lang="en-US" sz="2900" b="0" i="1" smtClean="0">
-                        <a:latin typeface="Cambria Math" panose="02040503050406030204" pitchFamily="18" charset="0"/>
-                      </a:rPr>
-                      <m:t>𝜋</m:t>
-                    </m:r>
-                  </m:oMath>
-                </a14:m>
-                <a:r>
-                  <a:rPr lang="en-US" sz="2900" b="0" dirty="0"/>
-                  <a:t>:</a:t>
-                </a:r>
-                <a:r>
-                  <a:rPr lang="en-US" sz="2900" dirty="0"/>
-                  <a:t> </a:t>
-                </a:r>
-                <a14:m>
-                  <m:oMath xmlns:m="http://schemas.openxmlformats.org/officeDocument/2006/math">
-                    <m:sSub>
-                      <m:sSubPr>
-                        <m:ctrlPr>
-                          <a:rPr lang="en-US" sz="2900" i="1">
-                            <a:latin typeface="Cambria Math" panose="02040503050406030204" pitchFamily="18" charset="0"/>
-                          </a:rPr>
-                        </m:ctrlPr>
-                      </m:sSubPr>
-                      <m:e>
-                        <m:r>
-                          <a:rPr lang="en-US" sz="2900" i="1">
-                            <a:latin typeface="Cambria Math" panose="02040503050406030204" pitchFamily="18" charset="0"/>
-                          </a:rPr>
-                          <m:t>𝑞</m:t>
-                        </m:r>
-                      </m:e>
-                      <m:sub>
-                        <m:r>
-                          <a:rPr lang="en-US" sz="2900" i="1">
-                            <a:latin typeface="Cambria Math" panose="02040503050406030204" pitchFamily="18" charset="0"/>
-                          </a:rPr>
-                          <m:t>𝜋</m:t>
-                        </m:r>
-                      </m:sub>
-                    </m:sSub>
-                    <m:d>
-                      <m:dPr>
-                        <m:ctrlPr>
-                          <a:rPr lang="en-US" sz="2900" i="1">
-                            <a:latin typeface="Cambria Math" panose="02040503050406030204" pitchFamily="18" charset="0"/>
-                          </a:rPr>
-                        </m:ctrlPr>
-                      </m:dPr>
-                      <m:e>
-                        <m:r>
-                          <a:rPr lang="en-US" sz="2900" i="1">
-                            <a:latin typeface="Cambria Math" panose="02040503050406030204" pitchFamily="18" charset="0"/>
-                          </a:rPr>
-                          <m:t>𝑠</m:t>
-                        </m:r>
-                        <m:r>
-                          <a:rPr lang="en-US" sz="2900" i="1">
-                            <a:latin typeface="Cambria Math" panose="02040503050406030204" pitchFamily="18" charset="0"/>
-                          </a:rPr>
-                          <m:t>,</m:t>
-                        </m:r>
-                        <m:r>
-                          <a:rPr lang="en-US" sz="2900" i="1">
-                            <a:latin typeface="Cambria Math" panose="02040503050406030204" pitchFamily="18" charset="0"/>
-                          </a:rPr>
-                          <m:t>𝑎</m:t>
-                        </m:r>
-                      </m:e>
-                    </m:d>
-                    <m:r>
-                      <a:rPr lang="en-US" sz="2900" i="1">
-                        <a:latin typeface="Cambria Math" panose="02040503050406030204" pitchFamily="18" charset="0"/>
-                      </a:rPr>
-                      <m:t>≐</m:t>
-                    </m:r>
-                    <m:sSub>
-                      <m:sSubPr>
-                        <m:ctrlPr>
-                          <a:rPr lang="en-US" sz="2900" i="1">
-                            <a:latin typeface="Cambria Math" panose="02040503050406030204" pitchFamily="18" charset="0"/>
-                          </a:rPr>
-                        </m:ctrlPr>
-                      </m:sSubPr>
-                      <m:e>
-                        <m:r>
-                          <a:rPr lang="en-US" sz="2900" i="1">
-                            <a:latin typeface="Cambria Math" panose="02040503050406030204" pitchFamily="18" charset="0"/>
-                          </a:rPr>
-                          <m:t>𝔼</m:t>
-                        </m:r>
-                      </m:e>
-                      <m:sub>
-                        <m:r>
-                          <a:rPr lang="en-US" sz="2900" i="1">
-                            <a:latin typeface="Cambria Math" panose="02040503050406030204" pitchFamily="18" charset="0"/>
-                          </a:rPr>
-                          <m:t>𝜋</m:t>
-                        </m:r>
-                      </m:sub>
-                    </m:sSub>
-                    <m:d>
-                      <m:dPr>
-                        <m:begChr m:val="["/>
-                        <m:endChr m:val="]"/>
-                        <m:ctrlPr>
-                          <a:rPr lang="en-US" sz="2900" i="1">
-                            <a:latin typeface="Cambria Math" panose="02040503050406030204" pitchFamily="18" charset="0"/>
-                          </a:rPr>
-                        </m:ctrlPr>
-                      </m:dPr>
-                      <m:e>
-                        <m:sSub>
-                          <m:sSubPr>
-                            <m:ctrlPr>
-                              <a:rPr lang="en-US" sz="2900" i="1">
-                                <a:latin typeface="Cambria Math" panose="02040503050406030204" pitchFamily="18" charset="0"/>
-                              </a:rPr>
-                            </m:ctrlPr>
-                          </m:sSubPr>
-                          <m:e>
-                            <m:r>
-                              <a:rPr lang="en-US" sz="2900" i="1">
-                                <a:latin typeface="Cambria Math" panose="02040503050406030204" pitchFamily="18" charset="0"/>
-                              </a:rPr>
-                              <m:t>𝐺</m:t>
-                            </m:r>
-                          </m:e>
-                          <m:sub>
-                            <m:r>
-                              <a:rPr lang="en-US" sz="2900" i="1">
-                                <a:latin typeface="Cambria Math" panose="02040503050406030204" pitchFamily="18" charset="0"/>
-                              </a:rPr>
-                              <m:t>𝑡</m:t>
-                            </m:r>
-                          </m:sub>
-                        </m:sSub>
-                      </m:e>
-                      <m:e>
-                        <m:sSub>
-                          <m:sSubPr>
-                            <m:ctrlPr>
-                              <a:rPr lang="en-US" sz="2900" i="1">
-                                <a:latin typeface="Cambria Math" panose="02040503050406030204" pitchFamily="18" charset="0"/>
-                              </a:rPr>
-                            </m:ctrlPr>
-                          </m:sSubPr>
-                          <m:e>
-                            <m:r>
-                              <a:rPr lang="en-US" sz="2900" i="1">
-                                <a:latin typeface="Cambria Math" panose="02040503050406030204" pitchFamily="18" charset="0"/>
-                              </a:rPr>
-                              <m:t>𝑆</m:t>
-                            </m:r>
-                          </m:e>
-                          <m:sub>
-                            <m:r>
-                              <a:rPr lang="en-US" sz="2900" i="1">
-                                <a:latin typeface="Cambria Math" panose="02040503050406030204" pitchFamily="18" charset="0"/>
-                              </a:rPr>
-                              <m:t>𝑡</m:t>
-                            </m:r>
-                          </m:sub>
-                        </m:sSub>
-                        <m:r>
-                          <a:rPr lang="en-US" sz="2900" i="1">
-                            <a:latin typeface="Cambria Math" panose="02040503050406030204" pitchFamily="18" charset="0"/>
-                          </a:rPr>
-                          <m:t>=</m:t>
-                        </m:r>
-                        <m:r>
-                          <a:rPr lang="en-US" sz="2900" i="1">
-                            <a:latin typeface="Cambria Math" panose="02040503050406030204" pitchFamily="18" charset="0"/>
-                          </a:rPr>
-                          <m:t>𝑠</m:t>
-                        </m:r>
-                        <m:r>
-                          <a:rPr lang="en-US" sz="2900" i="1">
-                            <a:latin typeface="Cambria Math" panose="02040503050406030204" pitchFamily="18" charset="0"/>
-                          </a:rPr>
-                          <m:t>,</m:t>
-                        </m:r>
-                        <m:sSub>
-                          <m:sSubPr>
-                            <m:ctrlPr>
-                              <a:rPr lang="en-US" sz="2900" i="1">
-                                <a:latin typeface="Cambria Math" panose="02040503050406030204" pitchFamily="18" charset="0"/>
-                              </a:rPr>
-                            </m:ctrlPr>
-                          </m:sSubPr>
-                          <m:e>
-                            <m:r>
-                              <a:rPr lang="en-US" sz="2900" i="1">
-                                <a:latin typeface="Cambria Math" panose="02040503050406030204" pitchFamily="18" charset="0"/>
-                              </a:rPr>
-                              <m:t>𝐴</m:t>
-                            </m:r>
-                          </m:e>
-                          <m:sub>
-                            <m:r>
-                              <a:rPr lang="en-US" sz="2900" i="1">
-                                <a:latin typeface="Cambria Math" panose="02040503050406030204" pitchFamily="18" charset="0"/>
-                              </a:rPr>
-                              <m:t>𝑡</m:t>
-                            </m:r>
-                          </m:sub>
-                        </m:sSub>
-                        <m:r>
-                          <a:rPr lang="en-US" sz="2900" i="1">
-                            <a:latin typeface="Cambria Math" panose="02040503050406030204" pitchFamily="18" charset="0"/>
-                          </a:rPr>
-                          <m:t>=</m:t>
-                        </m:r>
-                        <m:r>
-                          <a:rPr lang="en-US" sz="2900" i="1">
-                            <a:latin typeface="Cambria Math" panose="02040503050406030204" pitchFamily="18" charset="0"/>
-                          </a:rPr>
-                          <m:t>𝑎</m:t>
-                        </m:r>
-                      </m:e>
-                    </m:d>
-                  </m:oMath>
-                </a14:m>
-                <a:endParaRPr lang="en-SE" dirty="0"/>
-              </a:p>
-            </p:txBody>
-          </p:sp>
-        </mc:Choice>
-        <mc:Fallback xmlns="">
-          <p:sp>
-            <p:nvSpPr>
-              <p:cNvPr id="3" name="Content Placeholder 2">
-                <a:extLst>
-                  <a:ext uri="{FF2B5EF4-FFF2-40B4-BE49-F238E27FC236}">
-                    <a16:creationId xmlns:a16="http://schemas.microsoft.com/office/drawing/2014/main" id="{E21F40FA-75F9-4936-976E-2883595213F9}"/>
-                  </a:ext>
-                </a:extLst>
-              </p:cNvPr>
-              <p:cNvSpPr>
-                <a:spLocks noGrp="1" noRot="1" noChangeAspect="1" noMove="1" noResize="1" noEditPoints="1" noAdjustHandles="1" noChangeArrowheads="1" noChangeShapeType="1" noTextEdit="1"/>
-              </p:cNvSpPr>
-              <p:nvPr>
-                <p:ph idx="1"/>
-              </p:nvPr>
-            </p:nvSpPr>
-            <p:spPr>
-              <a:blipFill>
-                <a:blip r:embed="rId2"/>
-                <a:stretch>
-                  <a:fillRect l="-1586" t="-1405" r="-897"/>
-                </a:stretch>
-              </a:blipFill>
-            </p:spPr>
-            <p:txBody>
-              <a:bodyPr/>
-              <a:lstStyle/>
-              <a:p>
-                <a:r>
-                  <a:rPr lang="en-SE">
-                    <a:noFill/>
-                  </a:rPr>
-                  <a:t> </a:t>
-                </a:r>
-              </a:p>
-            </p:txBody>
-          </p:sp>
-        </mc:Fallback>
-      </mc:AlternateContent>
-      <p:sp>
-        <p:nvSpPr>
-          <p:cNvPr id="4" name="Slide Number Placeholder 3">
-            <a:extLst>
-              <a:ext uri="{FF2B5EF4-FFF2-40B4-BE49-F238E27FC236}">
-                <a16:creationId xmlns:a16="http://schemas.microsoft.com/office/drawing/2014/main" id="{E6E27496-D3A3-485A-9530-3DE5CE9474BC}"/>
-              </a:ext>
-            </a:extLst>
-          </p:cNvPr>
-          <p:cNvSpPr>
-            <a:spLocks noGrp="1"/>
-          </p:cNvSpPr>
-          <p:nvPr>
-            <p:ph type="sldNum" sz="quarter" idx="12"/>
-          </p:nvPr>
-        </p:nvSpPr>
-        <p:spPr bwMode="auto">
-          <a:xfrm>
-            <a:off x="6934200" y="6530035"/>
-            <a:ext cx="2133600" cy="244475"/>
-          </a:xfrm>
-          <a:prstGeom prst="rect">
-            <a:avLst/>
-          </a:prstGeom>
-          <a:noFill/>
-          <a:ln w="9525">
-            <a:noFill/>
-            <a:miter lim="800000"/>
-            <a:headEnd/>
-            <a:tailEnd/>
-          </a:ln>
-          <a:effectLst/>
-        </p:spPr>
-        <p:txBody>
-          <a:bodyPr vert="horz" wrap="square" lIns="91440" tIns="45720" rIns="91440" bIns="45720" numCol="1" anchor="t" anchorCtr="0" compatLnSpc="1">
-            <a:prstTxWarp prst="textNoShape">
-              <a:avLst/>
-            </a:prstTxWarp>
-          </a:bodyPr>
-          <a:lstStyle>
-            <a:defPPr>
-              <a:defRPr lang="en-US"/>
-            </a:defPPr>
-            <a:lvl1pPr algn="r" rtl="0" fontAlgn="base">
-              <a:spcBef>
-                <a:spcPct val="0"/>
-              </a:spcBef>
-              <a:spcAft>
-                <a:spcPct val="0"/>
-              </a:spcAft>
-              <a:defRPr sz="1200" kern="1200">
-                <a:solidFill>
-                  <a:schemeClr val="tx1"/>
-                </a:solidFill>
-                <a:latin typeface="Arial" charset="0"/>
-                <a:ea typeface="宋体" charset="-122"/>
-                <a:cs typeface="+mn-cs"/>
-              </a:defRPr>
-            </a:lvl1pPr>
-            <a:lvl2pPr marL="457200" algn="l" rtl="0" fontAlgn="base">
-              <a:spcBef>
-                <a:spcPct val="0"/>
-              </a:spcBef>
-              <a:spcAft>
-                <a:spcPct val="0"/>
-              </a:spcAft>
-              <a:defRPr kern="1200">
-                <a:solidFill>
-                  <a:schemeClr val="tx1"/>
-                </a:solidFill>
-                <a:latin typeface="Arial" charset="0"/>
-                <a:ea typeface="+mn-ea"/>
-                <a:cs typeface="+mn-cs"/>
-              </a:defRPr>
-            </a:lvl2pPr>
-            <a:lvl3pPr marL="914400" algn="l" rtl="0" fontAlgn="base">
-              <a:spcBef>
-                <a:spcPct val="0"/>
-              </a:spcBef>
-              <a:spcAft>
-                <a:spcPct val="0"/>
-              </a:spcAft>
-              <a:defRPr kern="1200">
-                <a:solidFill>
-                  <a:schemeClr val="tx1"/>
-                </a:solidFill>
-                <a:latin typeface="Arial" charset="0"/>
-                <a:ea typeface="+mn-ea"/>
-                <a:cs typeface="+mn-cs"/>
-              </a:defRPr>
-            </a:lvl3pPr>
-            <a:lvl4pPr marL="1371600" algn="l" rtl="0" fontAlgn="base">
-              <a:spcBef>
-                <a:spcPct val="0"/>
-              </a:spcBef>
-              <a:spcAft>
-                <a:spcPct val="0"/>
-              </a:spcAft>
-              <a:defRPr kern="1200">
-                <a:solidFill>
-                  <a:schemeClr val="tx1"/>
-                </a:solidFill>
-                <a:latin typeface="Arial" charset="0"/>
-                <a:ea typeface="+mn-ea"/>
-                <a:cs typeface="+mn-cs"/>
-              </a:defRPr>
-            </a:lvl4pPr>
-            <a:lvl5pPr marL="1828800" algn="l" rtl="0" fontAlgn="base">
-              <a:spcBef>
-                <a:spcPct val="0"/>
-              </a:spcBef>
-              <a:spcAft>
-                <a:spcPct val="0"/>
-              </a:spcAft>
-              <a:defRPr kern="1200">
-                <a:solidFill>
-                  <a:schemeClr val="tx1"/>
-                </a:solidFill>
-                <a:latin typeface="Arial" charset="0"/>
-                <a:ea typeface="+mn-ea"/>
-                <a:cs typeface="+mn-cs"/>
-              </a:defRPr>
-            </a:lvl5pPr>
-            <a:lvl6pPr marL="2286000" algn="l" defTabSz="914400" rtl="0" eaLnBrk="1" latinLnBrk="0" hangingPunct="1">
-              <a:defRPr kern="1200">
-                <a:solidFill>
-                  <a:schemeClr val="tx1"/>
-                </a:solidFill>
-                <a:latin typeface="Arial" charset="0"/>
-                <a:ea typeface="+mn-ea"/>
-                <a:cs typeface="+mn-cs"/>
-              </a:defRPr>
-            </a:lvl6pPr>
-            <a:lvl7pPr marL="2743200" algn="l" defTabSz="914400" rtl="0" eaLnBrk="1" latinLnBrk="0" hangingPunct="1">
-              <a:defRPr kern="1200">
-                <a:solidFill>
-                  <a:schemeClr val="tx1"/>
-                </a:solidFill>
-                <a:latin typeface="Arial" charset="0"/>
-                <a:ea typeface="+mn-ea"/>
-                <a:cs typeface="+mn-cs"/>
-              </a:defRPr>
-            </a:lvl7pPr>
-            <a:lvl8pPr marL="3200400" algn="l" defTabSz="914400" rtl="0" eaLnBrk="1" latinLnBrk="0" hangingPunct="1">
-              <a:defRPr kern="1200">
-                <a:solidFill>
-                  <a:schemeClr val="tx1"/>
-                </a:solidFill>
-                <a:latin typeface="Arial" charset="0"/>
-                <a:ea typeface="+mn-ea"/>
-                <a:cs typeface="+mn-cs"/>
-              </a:defRPr>
-            </a:lvl8pPr>
-            <a:lvl9pPr marL="3657600" algn="l" defTabSz="914400" rtl="0" eaLnBrk="1" latinLnBrk="0" hangingPunct="1">
-              <a:defRPr kern="1200">
-                <a:solidFill>
-                  <a:schemeClr val="tx1"/>
-                </a:solidFill>
-                <a:latin typeface="Arial" charset="0"/>
-                <a:ea typeface="+mn-ea"/>
-                <a:cs typeface="+mn-cs"/>
-              </a:defRPr>
-            </a:lvl9pPr>
-          </a:lstStyle>
-          <a:p>
-            <a:pPr>
-              <a:defRPr/>
-            </a:pPr>
-            <a:fld id="{F57F456A-00AF-44E6-8D70-638C0D0130FF}" type="slidenum">
-              <a:rPr lang="en-US" altLang="zh-CN" smtClean="0"/>
-              <a:pPr>
-                <a:defRPr/>
-              </a:pPr>
-              <a:t>9</a:t>
-            </a:fld>
-            <a:endParaRPr lang="en-US" altLang="zh-CN"/>
-          </a:p>
-        </p:txBody>
-      </p:sp>
-    </p:spTree>
-    <p:extLst>
-      <p:ext uri="{BB962C8B-B14F-4D97-AF65-F5344CB8AC3E}">
-        <p14:creationId xmlns:p14="http://schemas.microsoft.com/office/powerpoint/2010/main" val="1310460648"/>
       </p:ext>
     </p:extLst>
   </p:cSld>

--- a/PPTs/bak/UMU SDC TODO.pptx
+++ b/PPTs/bak/UMU SDC TODO.pptx
@@ -5,24 +5,25 @@
     <p:sldMasterId id="2147483648" r:id="rId4"/>
   </p:sldMasterIdLst>
   <p:notesMasterIdLst>
-    <p:notesMasterId r:id="rId20"/>
+    <p:notesMasterId r:id="rId21"/>
   </p:notesMasterIdLst>
   <p:sldIdLst>
     <p:sldId id="256" r:id="rId5"/>
-    <p:sldId id="1132" r:id="rId6"/>
-    <p:sldId id="824" r:id="rId7"/>
-    <p:sldId id="909" r:id="rId8"/>
-    <p:sldId id="1166" r:id="rId9"/>
-    <p:sldId id="1167" r:id="rId10"/>
-    <p:sldId id="258" r:id="rId11"/>
-    <p:sldId id="1113" r:id="rId12"/>
-    <p:sldId id="1165" r:id="rId13"/>
-    <p:sldId id="1163" r:id="rId14"/>
-    <p:sldId id="894" r:id="rId15"/>
-    <p:sldId id="257" r:id="rId16"/>
-    <p:sldId id="389" r:id="rId17"/>
-    <p:sldId id="1047" r:id="rId18"/>
-    <p:sldId id="1168" r:id="rId19"/>
+    <p:sldId id="825" r:id="rId6"/>
+    <p:sldId id="1132" r:id="rId7"/>
+    <p:sldId id="824" r:id="rId8"/>
+    <p:sldId id="909" r:id="rId9"/>
+    <p:sldId id="1166" r:id="rId10"/>
+    <p:sldId id="1167" r:id="rId11"/>
+    <p:sldId id="258" r:id="rId12"/>
+    <p:sldId id="1113" r:id="rId13"/>
+    <p:sldId id="1165" r:id="rId14"/>
+    <p:sldId id="1163" r:id="rId15"/>
+    <p:sldId id="894" r:id="rId16"/>
+    <p:sldId id="257" r:id="rId17"/>
+    <p:sldId id="389" r:id="rId18"/>
+    <p:sldId id="1047" r:id="rId19"/>
+    <p:sldId id="1168" r:id="rId20"/>
   </p:sldIdLst>
   <p:sldSz cx="9144000" cy="6858000" type="screen4x3"/>
   <p:notesSz cx="6858000" cy="9144000"/>
@@ -650,6 +651,104 @@
             <p:ph type="sldImg"/>
           </p:nvPr>
         </p:nvSpPr>
+        <p:spPr>
+          <a:xfrm>
+            <a:off x="990600" y="768350"/>
+            <a:ext cx="5118100" cy="3838575"/>
+          </a:xfrm>
+        </p:spPr>
+      </p:sp>
+      <p:sp>
+        <p:nvSpPr>
+          <p:cNvPr id="3" name="Notes Placeholder 2"/>
+          <p:cNvSpPr>
+            <a:spLocks noGrp="1"/>
+          </p:cNvSpPr>
+          <p:nvPr>
+            <p:ph type="body" idx="1"/>
+          </p:nvPr>
+        </p:nvSpPr>
+        <p:spPr/>
+        <p:txBody>
+          <a:bodyPr/>
+          <a:lstStyle/>
+          <a:p>
+            <a:r>
+              <a:rPr lang="en-US" dirty="0"/>
+              <a:t>This is called MCTS</a:t>
+            </a:r>
+          </a:p>
+        </p:txBody>
+      </p:sp>
+      <p:sp>
+        <p:nvSpPr>
+          <p:cNvPr id="4" name="Slide Number Placeholder 3"/>
+          <p:cNvSpPr>
+            <a:spLocks noGrp="1"/>
+          </p:cNvSpPr>
+          <p:nvPr>
+            <p:ph type="sldNum" sz="quarter" idx="5"/>
+          </p:nvPr>
+        </p:nvSpPr>
+        <p:spPr/>
+        <p:txBody>
+          <a:bodyPr/>
+          <a:lstStyle/>
+          <a:p>
+            <a:pPr>
+              <a:defRPr/>
+            </a:pPr>
+            <a:fld id="{E134953A-E847-4B81-A1EE-12E7BBF0FEFD}" type="slidenum">
+              <a:rPr lang="en-US" smtClean="0"/>
+              <a:pPr>
+                <a:defRPr/>
+              </a:pPr>
+              <a:t>2</a:t>
+            </a:fld>
+            <a:endParaRPr lang="en-US"/>
+          </a:p>
+        </p:txBody>
+      </p:sp>
+    </p:spTree>
+    <p:extLst>
+      <p:ext uri="{BB962C8B-B14F-4D97-AF65-F5344CB8AC3E}">
+        <p14:creationId xmlns:p14="http://schemas.microsoft.com/office/powerpoint/2010/main" val="279721378"/>
+      </p:ext>
+    </p:extLst>
+  </p:cSld>
+  <p:clrMapOvr>
+    <a:masterClrMapping/>
+  </p:clrMapOvr>
+</p:notes>
+</file>
+
+<file path=ppt/notesSlides/notesSlide3.xml><?xml version="1.0" encoding="utf-8"?>
+<p:notes xmlns:a="http://schemas.openxmlformats.org/drawingml/2006/main" xmlns:r="http://schemas.openxmlformats.org/officeDocument/2006/relationships" xmlns:p="http://schemas.openxmlformats.org/presentationml/2006/main">
+  <p:cSld>
+    <p:spTree>
+      <p:nvGrpSpPr>
+        <p:cNvPr id="1" name=""/>
+        <p:cNvGrpSpPr/>
+        <p:nvPr/>
+      </p:nvGrpSpPr>
+      <p:grpSpPr>
+        <a:xfrm>
+          <a:off x="0" y="0"/>
+          <a:ext cx="0" cy="0"/>
+          <a:chOff x="0" y="0"/>
+          <a:chExt cx="0" cy="0"/>
+        </a:xfrm>
+      </p:grpSpPr>
+      <p:sp>
+        <p:nvSpPr>
+          <p:cNvPr id="2" name="Slide Image Placeholder 1"/>
+          <p:cNvSpPr>
+            <a:spLocks noGrp="1" noRot="1" noChangeAspect="1"/>
+          </p:cNvSpPr>
+          <p:nvPr>
+            <p:ph type="sldImg"/>
+          </p:nvPr>
+        </p:nvSpPr>
         <p:spPr/>
       </p:sp>
       <mc:AlternateContent xmlns:mc="http://schemas.openxmlformats.org/markup-compatibility/2006" xmlns:a14="http://schemas.microsoft.com/office/drawing/2010/main">
@@ -796,7 +895,7 @@
               <a:pPr>
                 <a:defRPr/>
               </a:pPr>
-              <a:t>2</a:t>
+              <a:t>3</a:t>
             </a:fld>
             <a:endParaRPr lang="en-US" altLang="zh-CN"/>
           </a:p>
@@ -815,7 +914,7 @@
 </p:notes>
 </file>
 
-<file path=ppt/notesSlides/notesSlide3.xml><?xml version="1.0" encoding="utf-8"?>
+<file path=ppt/notesSlides/notesSlide4.xml><?xml version="1.0" encoding="utf-8"?>
 <p:notes xmlns:a="http://schemas.openxmlformats.org/drawingml/2006/main" xmlns:r="http://schemas.openxmlformats.org/officeDocument/2006/relationships" xmlns:p="http://schemas.openxmlformats.org/presentationml/2006/main">
   <p:cSld>
     <p:spTree>
@@ -953,7 +1052,7 @@
               <a:pPr>
                 <a:defRPr/>
               </a:pPr>
-              <a:t>3</a:t>
+              <a:t>4</a:t>
             </a:fld>
             <a:endParaRPr lang="en-US" altLang="zh-CN"/>
           </a:p>
@@ -972,7 +1071,7 @@
 </p:notes>
 </file>
 
-<file path=ppt/notesSlides/notesSlide4.xml><?xml version="1.0" encoding="utf-8"?>
+<file path=ppt/notesSlides/notesSlide5.xml><?xml version="1.0" encoding="utf-8"?>
 <p:notes xmlns:a="http://schemas.openxmlformats.org/drawingml/2006/main" xmlns:r="http://schemas.openxmlformats.org/officeDocument/2006/relationships" xmlns:p="http://schemas.openxmlformats.org/presentationml/2006/main">
   <p:cSld>
     <p:spTree>
@@ -1201,7 +1300,7 @@
               <a:pPr>
                 <a:defRPr/>
               </a:pPr>
-              <a:t>8</a:t>
+              <a:t>9</a:t>
             </a:fld>
             <a:endParaRPr lang="en-US" altLang="zh-CN"/>
           </a:p>
@@ -1220,7 +1319,7 @@
 </p:notes>
 </file>
 
-<file path=ppt/notesSlides/notesSlide5.xml><?xml version="1.0" encoding="utf-8"?>
+<file path=ppt/notesSlides/notesSlide6.xml><?xml version="1.0" encoding="utf-8"?>
 <p:notes xmlns:a="http://schemas.openxmlformats.org/drawingml/2006/main" xmlns:r="http://schemas.openxmlformats.org/officeDocument/2006/relationships" xmlns:p="http://schemas.openxmlformats.org/presentationml/2006/main">
   <p:cSld>
     <p:spTree>
@@ -1312,7 +1411,7 @@
               <a:pPr>
                 <a:defRPr/>
               </a:pPr>
-              <a:t>14</a:t>
+              <a:t>15</a:t>
             </a:fld>
             <a:endParaRPr lang="en-US" altLang="zh-CN"/>
           </a:p>
@@ -2484,6 +2583,590 @@
           <p:cNvPr id="2" name="Title 1">
             <a:extLst>
               <a:ext uri="{FF2B5EF4-FFF2-40B4-BE49-F238E27FC236}">
+                <a16:creationId xmlns:a16="http://schemas.microsoft.com/office/drawing/2014/main" id="{5682A130-F060-46EE-9E63-6EDFB74A551E}"/>
+              </a:ext>
+            </a:extLst>
+          </p:cNvPr>
+          <p:cNvSpPr>
+            <a:spLocks noGrp="1"/>
+          </p:cNvSpPr>
+          <p:nvPr>
+            <p:ph type="title"/>
+          </p:nvPr>
+        </p:nvSpPr>
+        <p:spPr/>
+        <p:txBody>
+          <a:bodyPr/>
+          <a:lstStyle/>
+          <a:p>
+            <a:r>
+              <a:rPr lang="en-US" dirty="0"/>
+              <a:t>Example 6.1: Driving Home</a:t>
+            </a:r>
+            <a:endParaRPr lang="en-SE" dirty="0"/>
+          </a:p>
+        </p:txBody>
+      </p:sp>
+      <mc:AlternateContent xmlns:mc="http://schemas.openxmlformats.org/markup-compatibility/2006" xmlns:a14="http://schemas.microsoft.com/office/drawing/2010/main">
+        <mc:Choice Requires="a14">
+          <p:sp>
+            <p:nvSpPr>
+              <p:cNvPr id="3" name="Content Placeholder 2">
+                <a:extLst>
+                  <a:ext uri="{FF2B5EF4-FFF2-40B4-BE49-F238E27FC236}">
+                    <a16:creationId xmlns:a16="http://schemas.microsoft.com/office/drawing/2014/main" id="{6D65234F-6AA0-481F-9D98-1963DF5DCAB1}"/>
+                  </a:ext>
+                </a:extLst>
+              </p:cNvPr>
+              <p:cNvSpPr>
+                <a:spLocks noGrp="1"/>
+              </p:cNvSpPr>
+              <p:nvPr>
+                <p:ph idx="1"/>
+              </p:nvPr>
+            </p:nvSpPr>
+            <p:spPr>
+              <a:xfrm>
+                <a:off x="0" y="1181700"/>
+                <a:ext cx="4302000" cy="5105400"/>
+              </a:xfrm>
+            </p:spPr>
+            <p:txBody>
+              <a:bodyPr>
+                <a:normAutofit fontScale="85000" lnSpcReduction="10000"/>
+              </a:bodyPr>
+              <a:lstStyle/>
+              <a:p>
+                <a:r>
+                  <a:rPr lang="en-US" dirty="0"/>
+                  <a:t>The rewards are the elapsed times on each leg of the journey. Discount factor </a:t>
+                </a:r>
+                <a14:m>
+                  <m:oMath xmlns:m="http://schemas.openxmlformats.org/officeDocument/2006/math">
+                    <m:r>
+                      <a:rPr lang="en-US" b="0" i="1" smtClean="0">
+                        <a:latin typeface="Cambria Math" panose="02040503050406030204" pitchFamily="18" charset="0"/>
+                      </a:rPr>
+                      <m:t>𝛾</m:t>
+                    </m:r>
+                    <m:r>
+                      <a:rPr lang="en-US" b="0" i="1" smtClean="0">
+                        <a:latin typeface="Cambria Math" panose="02040503050406030204" pitchFamily="18" charset="0"/>
+                      </a:rPr>
+                      <m:t>=1</m:t>
+                    </m:r>
+                  </m:oMath>
+                </a14:m>
+                <a:r>
+                  <a:rPr lang="en-US" dirty="0"/>
+                  <a:t>, thus the return for each state </a:t>
+                </a:r>
+                <a14:m>
+                  <m:oMath xmlns:m="http://schemas.openxmlformats.org/officeDocument/2006/math">
+                    <m:r>
+                      <a:rPr lang="en-US" b="0" i="1" smtClean="0">
+                        <a:latin typeface="Cambria Math" panose="02040503050406030204" pitchFamily="18" charset="0"/>
+                      </a:rPr>
+                      <m:t>𝑅</m:t>
+                    </m:r>
+                    <m:r>
+                      <a:rPr lang="en-US" b="0" i="1" smtClean="0">
+                        <a:latin typeface="Cambria Math" panose="02040503050406030204" pitchFamily="18" charset="0"/>
+                      </a:rPr>
+                      <m:t>(</m:t>
+                    </m:r>
+                    <m:r>
+                      <a:rPr lang="en-US" b="0" i="1" smtClean="0">
+                        <a:latin typeface="Cambria Math" panose="02040503050406030204" pitchFamily="18" charset="0"/>
+                      </a:rPr>
+                      <m:t>𝑠</m:t>
+                    </m:r>
+                    <m:r>
+                      <a:rPr lang="en-US" b="0" i="1" smtClean="0">
+                        <a:latin typeface="Cambria Math" panose="02040503050406030204" pitchFamily="18" charset="0"/>
+                      </a:rPr>
+                      <m:t>)</m:t>
+                    </m:r>
+                  </m:oMath>
+                </a14:m>
+                <a:r>
+                  <a:rPr lang="en-US" dirty="0"/>
+                  <a:t> is the actual time to go home from that state. The value </a:t>
+                </a:r>
+                <a14:m>
+                  <m:oMath xmlns:m="http://schemas.openxmlformats.org/officeDocument/2006/math">
+                    <m:r>
+                      <a:rPr lang="en-US" b="0" i="1" smtClean="0">
+                        <a:latin typeface="Cambria Math" panose="02040503050406030204" pitchFamily="18" charset="0"/>
+                      </a:rPr>
+                      <m:t>𝑉</m:t>
+                    </m:r>
+                    <m:d>
+                      <m:dPr>
+                        <m:ctrlPr>
+                          <a:rPr lang="en-US" b="0" i="1" smtClean="0">
+                            <a:latin typeface="Cambria Math" panose="02040503050406030204" pitchFamily="18" charset="0"/>
+                          </a:rPr>
+                        </m:ctrlPr>
+                      </m:dPr>
+                      <m:e>
+                        <m:r>
+                          <a:rPr lang="en-US" b="0" i="1" smtClean="0">
+                            <a:latin typeface="Cambria Math" panose="02040503050406030204" pitchFamily="18" charset="0"/>
+                          </a:rPr>
+                          <m:t>𝑠</m:t>
+                        </m:r>
+                      </m:e>
+                    </m:d>
+                    <m:r>
+                      <a:rPr lang="en-US" b="0" i="1" smtClean="0">
+                        <a:latin typeface="Cambria Math" panose="02040503050406030204" pitchFamily="18" charset="0"/>
+                      </a:rPr>
+                      <m:t>=</m:t>
+                    </m:r>
+                    <m:sSub>
+                      <m:sSubPr>
+                        <m:ctrlPr>
+                          <a:rPr lang="en-US" b="0" i="1" smtClean="0">
+                            <a:latin typeface="Cambria Math" panose="02040503050406030204" pitchFamily="18" charset="0"/>
+                          </a:rPr>
+                        </m:ctrlPr>
+                      </m:sSubPr>
+                      <m:e>
+                        <m:r>
+                          <a:rPr lang="en-US" b="0" i="1" smtClean="0">
+                            <a:latin typeface="Cambria Math" panose="02040503050406030204" pitchFamily="18" charset="0"/>
+                          </a:rPr>
+                          <m:t>𝐸</m:t>
+                        </m:r>
+                      </m:e>
+                      <m:sub>
+                        <m:r>
+                          <a:rPr lang="en-US" b="0" i="1" smtClean="0">
+                            <a:latin typeface="Cambria Math" panose="02040503050406030204" pitchFamily="18" charset="0"/>
+                          </a:rPr>
+                          <m:t>𝜋</m:t>
+                        </m:r>
+                      </m:sub>
+                    </m:sSub>
+                    <m:r>
+                      <a:rPr lang="en-US" b="0" i="1" smtClean="0">
+                        <a:latin typeface="Cambria Math" panose="02040503050406030204" pitchFamily="18" charset="0"/>
+                      </a:rPr>
+                      <m:t>(</m:t>
+                    </m:r>
+                    <m:r>
+                      <a:rPr lang="en-US" b="0" i="1" smtClean="0">
+                        <a:latin typeface="Cambria Math" panose="02040503050406030204" pitchFamily="18" charset="0"/>
+                      </a:rPr>
+                      <m:t>𝑅</m:t>
+                    </m:r>
+                    <m:r>
+                      <a:rPr lang="en-US" b="0" i="1" smtClean="0">
+                        <a:latin typeface="Cambria Math" panose="02040503050406030204" pitchFamily="18" charset="0"/>
+                      </a:rPr>
+                      <m:t>(</m:t>
+                    </m:r>
+                    <m:r>
+                      <a:rPr lang="en-US" b="0" i="1" smtClean="0">
+                        <a:latin typeface="Cambria Math" panose="02040503050406030204" pitchFamily="18" charset="0"/>
+                      </a:rPr>
+                      <m:t>𝑠</m:t>
+                    </m:r>
+                    <m:r>
+                      <a:rPr lang="en-US" b="0" i="1" smtClean="0">
+                        <a:latin typeface="Cambria Math" panose="02040503050406030204" pitchFamily="18" charset="0"/>
+                      </a:rPr>
+                      <m:t>))</m:t>
+                    </m:r>
+                  </m:oMath>
+                </a14:m>
+                <a:r>
+                  <a:rPr lang="en-US" dirty="0"/>
+                  <a:t> of each state </a:t>
+                </a:r>
+                <a14:m>
+                  <m:oMath xmlns:m="http://schemas.openxmlformats.org/officeDocument/2006/math">
+                    <m:r>
+                      <a:rPr lang="en-US" i="1" dirty="0" smtClean="0">
+                        <a:latin typeface="Cambria Math" panose="02040503050406030204" pitchFamily="18" charset="0"/>
+                      </a:rPr>
+                      <m:t>𝑠</m:t>
+                    </m:r>
+                  </m:oMath>
+                </a14:m>
+                <a:r>
+                  <a:rPr lang="en-US" dirty="0"/>
+                  <a:t> (number in circle) is the expected time to go. </a:t>
+                </a:r>
+              </a:p>
+              <a:p>
+                <a:r>
+                  <a:rPr lang="en-US" dirty="0"/>
+                  <a:t>MC: update all </a:t>
+                </a:r>
+                <a14:m>
+                  <m:oMath xmlns:m="http://schemas.openxmlformats.org/officeDocument/2006/math">
+                    <m:r>
+                      <a:rPr lang="en-US" b="0" i="1" smtClean="0">
+                        <a:latin typeface="Cambria Math" panose="02040503050406030204" pitchFamily="18" charset="0"/>
+                      </a:rPr>
+                      <m:t>𝑉</m:t>
+                    </m:r>
+                    <m:d>
+                      <m:dPr>
+                        <m:ctrlPr>
+                          <a:rPr lang="en-US" b="0" i="1" smtClean="0">
+                            <a:latin typeface="Cambria Math" panose="02040503050406030204" pitchFamily="18" charset="0"/>
+                          </a:rPr>
+                        </m:ctrlPr>
+                      </m:dPr>
+                      <m:e>
+                        <m:r>
+                          <a:rPr lang="en-US" b="0" i="1" smtClean="0">
+                            <a:latin typeface="Cambria Math" panose="02040503050406030204" pitchFamily="18" charset="0"/>
+                          </a:rPr>
+                          <m:t>𝑠</m:t>
+                        </m:r>
+                      </m:e>
+                    </m:d>
+                  </m:oMath>
+                </a14:m>
+                <a:r>
+                  <a:rPr lang="en-US" dirty="0"/>
+                  <a:t> towhen you get </a:t>
+                </a:r>
+                <a:r>
+                  <a:rPr lang="en-US" dirty="0" err="1"/>
+                  <a:t>hom</a:t>
+                </a:r>
+                <a:r>
+                  <a:rPr lang="en-US" dirty="0"/>
+                  <a:t>.</a:t>
+                </a:r>
+                <a:endParaRPr lang="en-SE" dirty="0"/>
+              </a:p>
+            </p:txBody>
+          </p:sp>
+        </mc:Choice>
+        <mc:Fallback xmlns="">
+          <p:sp>
+            <p:nvSpPr>
+              <p:cNvPr id="3" name="Content Placeholder 2">
+                <a:extLst>
+                  <a:ext uri="{FF2B5EF4-FFF2-40B4-BE49-F238E27FC236}">
+                    <a16:creationId xmlns:a16="http://schemas.microsoft.com/office/drawing/2014/main" id="{6D65234F-6AA0-481F-9D98-1963DF5DCAB1}"/>
+                  </a:ext>
+                </a:extLst>
+              </p:cNvPr>
+              <p:cNvSpPr>
+                <a:spLocks noGrp="1" noRot="1" noChangeAspect="1" noMove="1" noResize="1" noEditPoints="1" noAdjustHandles="1" noChangeArrowheads="1" noChangeShapeType="1" noTextEdit="1"/>
+              </p:cNvSpPr>
+              <p:nvPr>
+                <p:ph idx="1"/>
+              </p:nvPr>
+            </p:nvSpPr>
+            <p:spPr>
+              <a:xfrm>
+                <a:off x="0" y="1181700"/>
+                <a:ext cx="4302000" cy="5105400"/>
+              </a:xfrm>
+              <a:blipFill>
+                <a:blip r:embed="rId2"/>
+                <a:stretch>
+                  <a:fillRect l="-2408" t="-1912" r="-3258" b="-836"/>
+                </a:stretch>
+              </a:blipFill>
+            </p:spPr>
+            <p:txBody>
+              <a:bodyPr/>
+              <a:lstStyle/>
+              <a:p>
+                <a:r>
+                  <a:rPr lang="en-SE">
+                    <a:noFill/>
+                  </a:rPr>
+                  <a:t> </a:t>
+                </a:r>
+              </a:p>
+            </p:txBody>
+          </p:sp>
+        </mc:Fallback>
+      </mc:AlternateContent>
+      <p:sp>
+        <p:nvSpPr>
+          <p:cNvPr id="4" name="Slide Number Placeholder 3">
+            <a:extLst>
+              <a:ext uri="{FF2B5EF4-FFF2-40B4-BE49-F238E27FC236}">
+                <a16:creationId xmlns:a16="http://schemas.microsoft.com/office/drawing/2014/main" id="{B284AEBE-4505-4787-9E1B-CBE77E02B1B4}"/>
+              </a:ext>
+            </a:extLst>
+          </p:cNvPr>
+          <p:cNvSpPr>
+            <a:spLocks noGrp="1"/>
+          </p:cNvSpPr>
+          <p:nvPr>
+            <p:ph type="sldNum" sz="quarter" idx="12"/>
+          </p:nvPr>
+        </p:nvSpPr>
+        <p:spPr bwMode="auto">
+          <a:xfrm>
+            <a:off x="6934200" y="6530035"/>
+            <a:ext cx="2133600" cy="244475"/>
+          </a:xfrm>
+          <a:prstGeom prst="rect">
+            <a:avLst/>
+          </a:prstGeom>
+          <a:noFill/>
+          <a:ln w="9525">
+            <a:noFill/>
+            <a:miter lim="800000"/>
+            <a:headEnd/>
+            <a:tailEnd/>
+          </a:ln>
+          <a:effectLst/>
+        </p:spPr>
+        <p:txBody>
+          <a:bodyPr vert="horz" wrap="square" lIns="91440" tIns="45720" rIns="91440" bIns="45720" numCol="1" anchor="t" anchorCtr="0" compatLnSpc="1">
+            <a:prstTxWarp prst="textNoShape">
+              <a:avLst/>
+            </a:prstTxWarp>
+          </a:bodyPr>
+          <a:lstStyle>
+            <a:defPPr>
+              <a:defRPr lang="en-US"/>
+            </a:defPPr>
+            <a:lvl1pPr algn="r" rtl="0" fontAlgn="base">
+              <a:spcBef>
+                <a:spcPct val="0"/>
+              </a:spcBef>
+              <a:spcAft>
+                <a:spcPct val="0"/>
+              </a:spcAft>
+              <a:defRPr sz="1200" kern="1200">
+                <a:solidFill>
+                  <a:schemeClr val="tx1"/>
+                </a:solidFill>
+                <a:latin typeface="Arial" charset="0"/>
+                <a:ea typeface="宋体" charset="-122"/>
+                <a:cs typeface="+mn-cs"/>
+              </a:defRPr>
+            </a:lvl1pPr>
+            <a:lvl2pPr marL="457200" algn="l" rtl="0" fontAlgn="base">
+              <a:spcBef>
+                <a:spcPct val="0"/>
+              </a:spcBef>
+              <a:spcAft>
+                <a:spcPct val="0"/>
+              </a:spcAft>
+              <a:defRPr kern="1200">
+                <a:solidFill>
+                  <a:schemeClr val="tx1"/>
+                </a:solidFill>
+                <a:latin typeface="Arial" charset="0"/>
+                <a:ea typeface="+mn-ea"/>
+                <a:cs typeface="+mn-cs"/>
+              </a:defRPr>
+            </a:lvl2pPr>
+            <a:lvl3pPr marL="914400" algn="l" rtl="0" fontAlgn="base">
+              <a:spcBef>
+                <a:spcPct val="0"/>
+              </a:spcBef>
+              <a:spcAft>
+                <a:spcPct val="0"/>
+              </a:spcAft>
+              <a:defRPr kern="1200">
+                <a:solidFill>
+                  <a:schemeClr val="tx1"/>
+                </a:solidFill>
+                <a:latin typeface="Arial" charset="0"/>
+                <a:ea typeface="+mn-ea"/>
+                <a:cs typeface="+mn-cs"/>
+              </a:defRPr>
+            </a:lvl3pPr>
+            <a:lvl4pPr marL="1371600" algn="l" rtl="0" fontAlgn="base">
+              <a:spcBef>
+                <a:spcPct val="0"/>
+              </a:spcBef>
+              <a:spcAft>
+                <a:spcPct val="0"/>
+              </a:spcAft>
+              <a:defRPr kern="1200">
+                <a:solidFill>
+                  <a:schemeClr val="tx1"/>
+                </a:solidFill>
+                <a:latin typeface="Arial" charset="0"/>
+                <a:ea typeface="+mn-ea"/>
+                <a:cs typeface="+mn-cs"/>
+              </a:defRPr>
+            </a:lvl4pPr>
+            <a:lvl5pPr marL="1828800" algn="l" rtl="0" fontAlgn="base">
+              <a:spcBef>
+                <a:spcPct val="0"/>
+              </a:spcBef>
+              <a:spcAft>
+                <a:spcPct val="0"/>
+              </a:spcAft>
+              <a:defRPr kern="1200">
+                <a:solidFill>
+                  <a:schemeClr val="tx1"/>
+                </a:solidFill>
+                <a:latin typeface="Arial" charset="0"/>
+                <a:ea typeface="+mn-ea"/>
+                <a:cs typeface="+mn-cs"/>
+              </a:defRPr>
+            </a:lvl5pPr>
+            <a:lvl6pPr marL="2286000" algn="l" defTabSz="914400" rtl="0" eaLnBrk="1" latinLnBrk="0" hangingPunct="1">
+              <a:defRPr kern="1200">
+                <a:solidFill>
+                  <a:schemeClr val="tx1"/>
+                </a:solidFill>
+                <a:latin typeface="Arial" charset="0"/>
+                <a:ea typeface="+mn-ea"/>
+                <a:cs typeface="+mn-cs"/>
+              </a:defRPr>
+            </a:lvl6pPr>
+            <a:lvl7pPr marL="2743200" algn="l" defTabSz="914400" rtl="0" eaLnBrk="1" latinLnBrk="0" hangingPunct="1">
+              <a:defRPr kern="1200">
+                <a:solidFill>
+                  <a:schemeClr val="tx1"/>
+                </a:solidFill>
+                <a:latin typeface="Arial" charset="0"/>
+                <a:ea typeface="+mn-ea"/>
+                <a:cs typeface="+mn-cs"/>
+              </a:defRPr>
+            </a:lvl7pPr>
+            <a:lvl8pPr marL="3200400" algn="l" defTabSz="914400" rtl="0" eaLnBrk="1" latinLnBrk="0" hangingPunct="1">
+              <a:defRPr kern="1200">
+                <a:solidFill>
+                  <a:schemeClr val="tx1"/>
+                </a:solidFill>
+                <a:latin typeface="Arial" charset="0"/>
+                <a:ea typeface="+mn-ea"/>
+                <a:cs typeface="+mn-cs"/>
+              </a:defRPr>
+            </a:lvl8pPr>
+            <a:lvl9pPr marL="3657600" algn="l" defTabSz="914400" rtl="0" eaLnBrk="1" latinLnBrk="0" hangingPunct="1">
+              <a:defRPr kern="1200">
+                <a:solidFill>
+                  <a:schemeClr val="tx1"/>
+                </a:solidFill>
+                <a:latin typeface="Arial" charset="0"/>
+                <a:ea typeface="+mn-ea"/>
+                <a:cs typeface="+mn-cs"/>
+              </a:defRPr>
+            </a:lvl9pPr>
+          </a:lstStyle>
+          <a:p>
+            <a:pPr>
+              <a:defRPr/>
+            </a:pPr>
+            <a:fld id="{F57F456A-00AF-44E6-8D70-638C0D0130FF}" type="slidenum">
+              <a:rPr lang="en-US" altLang="zh-CN" smtClean="0"/>
+              <a:pPr>
+                <a:defRPr/>
+              </a:pPr>
+              <a:t>10</a:t>
+            </a:fld>
+            <a:endParaRPr lang="en-US" altLang="zh-CN"/>
+          </a:p>
+        </p:txBody>
+      </p:sp>
+      <p:pic>
+        <p:nvPicPr>
+          <p:cNvPr id="6" name="Picture 5">
+            <a:extLst>
+              <a:ext uri="{FF2B5EF4-FFF2-40B4-BE49-F238E27FC236}">
+                <a16:creationId xmlns:a16="http://schemas.microsoft.com/office/drawing/2014/main" id="{65A5597A-E0D0-4F8C-853A-DE834BEC6367}"/>
+              </a:ext>
+            </a:extLst>
+          </p:cNvPr>
+          <p:cNvPicPr>
+            <a:picLocks noChangeAspect="1"/>
+          </p:cNvPicPr>
+          <p:nvPr/>
+        </p:nvPicPr>
+        <p:blipFill>
+          <a:blip r:embed="rId3"/>
+          <a:stretch>
+            <a:fillRect/>
+          </a:stretch>
+        </p:blipFill>
+        <p:spPr>
+          <a:xfrm>
+            <a:off x="4286959" y="3429001"/>
+            <a:ext cx="4780841" cy="2247300"/>
+          </a:xfrm>
+          <a:prstGeom prst="rect">
+            <a:avLst/>
+          </a:prstGeom>
+        </p:spPr>
+      </p:pic>
+      <p:pic>
+        <p:nvPicPr>
+          <p:cNvPr id="7" name="Picture 6">
+            <a:extLst>
+              <a:ext uri="{FF2B5EF4-FFF2-40B4-BE49-F238E27FC236}">
+                <a16:creationId xmlns:a16="http://schemas.microsoft.com/office/drawing/2014/main" id="{450F5511-A947-4100-8001-3F2CC0BA3DDA}"/>
+              </a:ext>
+            </a:extLst>
+          </p:cNvPr>
+          <p:cNvPicPr>
+            <a:picLocks noChangeAspect="1"/>
+          </p:cNvPicPr>
+          <p:nvPr/>
+        </p:nvPicPr>
+        <p:blipFill>
+          <a:blip r:embed="rId4"/>
+          <a:stretch>
+            <a:fillRect/>
+          </a:stretch>
+        </p:blipFill>
+        <p:spPr>
+          <a:xfrm>
+            <a:off x="4464962" y="1324292"/>
+            <a:ext cx="4602838" cy="2056007"/>
+          </a:xfrm>
+          <a:prstGeom prst="rect">
+            <a:avLst/>
+          </a:prstGeom>
+        </p:spPr>
+      </p:pic>
+    </p:spTree>
+    <p:extLst>
+      <p:ext uri="{BB962C8B-B14F-4D97-AF65-F5344CB8AC3E}">
+        <p14:creationId xmlns:p14="http://schemas.microsoft.com/office/powerpoint/2010/main" val="2025952131"/>
+      </p:ext>
+    </p:extLst>
+  </p:cSld>
+  <p:clrMapOvr>
+    <a:masterClrMapping/>
+  </p:clrMapOvr>
+</p:sld>
+</file>
+
+<file path=ppt/slides/slide11.xml><?xml version="1.0" encoding="utf-8"?>
+<p:sld xmlns:a="http://schemas.openxmlformats.org/drawingml/2006/main" xmlns:r="http://schemas.openxmlformats.org/officeDocument/2006/relationships" xmlns:p="http://schemas.openxmlformats.org/presentationml/2006/main">
+  <p:cSld>
+    <p:spTree>
+      <p:nvGrpSpPr>
+        <p:cNvPr id="1" name=""/>
+        <p:cNvGrpSpPr/>
+        <p:nvPr/>
+      </p:nvGrpSpPr>
+      <p:grpSpPr>
+        <a:xfrm>
+          <a:off x="0" y="0"/>
+          <a:ext cx="0" cy="0"/>
+          <a:chOff x="0" y="0"/>
+          <a:chExt cx="0" cy="0"/>
+        </a:xfrm>
+      </p:grpSpPr>
+      <p:sp>
+        <p:nvSpPr>
+          <p:cNvPr id="2" name="Title 1">
+            <a:extLst>
+              <a:ext uri="{FF2B5EF4-FFF2-40B4-BE49-F238E27FC236}">
                 <a16:creationId xmlns:a16="http://schemas.microsoft.com/office/drawing/2014/main" id="{C4CC5A1E-1764-4E4A-B5F2-D07AB4707533}"/>
               </a:ext>
             </a:extLst>
@@ -3399,7 +4082,7 @@
               <a:pPr>
                 <a:defRPr/>
               </a:pPr>
-              <a:t>10</a:t>
+              <a:t>11</a:t>
             </a:fld>
             <a:endParaRPr lang="en-US" altLang="zh-CN"/>
           </a:p>
@@ -3418,7 +4101,7 @@
 </p:sld>
 </file>
 
-<file path=ppt/slides/slide11.xml><?xml version="1.0" encoding="utf-8"?>
+<file path=ppt/slides/slide12.xml><?xml version="1.0" encoding="utf-8"?>
 <p:sld xmlns:a="http://schemas.openxmlformats.org/drawingml/2006/main" xmlns:r="http://schemas.openxmlformats.org/officeDocument/2006/relationships" xmlns:p="http://schemas.openxmlformats.org/presentationml/2006/main">
   <p:cSld>
     <p:spTree>
@@ -3686,7 +4369,7 @@
               <a:pPr>
                 <a:defRPr/>
               </a:pPr>
-              <a:t>11</a:t>
+              <a:t>12</a:t>
             </a:fld>
             <a:endParaRPr lang="en-US" altLang="zh-CN"/>
           </a:p>
@@ -3913,7 +4596,7 @@
 </p:sld>
 </file>
 
-<file path=ppt/slides/slide12.xml><?xml version="1.0" encoding="utf-8"?>
+<file path=ppt/slides/slide13.xml><?xml version="1.0" encoding="utf-8"?>
 <p:sld xmlns:a="http://schemas.openxmlformats.org/drawingml/2006/main" xmlns:r="http://schemas.openxmlformats.org/officeDocument/2006/relationships" xmlns:p="http://schemas.openxmlformats.org/presentationml/2006/main">
   <p:cSld>
     <p:spTree>
@@ -4075,7 +4758,7 @@
 </p:sld>
 </file>
 
-<file path=ppt/slides/slide13.xml><?xml version="1.0" encoding="utf-8"?>
+<file path=ppt/slides/slide14.xml><?xml version="1.0" encoding="utf-8"?>
 <p:sld xmlns:a="http://schemas.openxmlformats.org/drawingml/2006/main" xmlns:r="http://schemas.openxmlformats.org/officeDocument/2006/relationships" xmlns:p="http://schemas.openxmlformats.org/presentationml/2006/main">
   <p:cSld>
     <p:spTree>
@@ -4290,7 +4973,7 @@
               <a:pPr>
                 <a:defRPr/>
               </a:pPr>
-              <a:t>13</a:t>
+              <a:t>14</a:t>
             </a:fld>
             <a:endParaRPr lang="en-US" altLang="zh-CN"/>
           </a:p>
@@ -5334,7 +6017,7 @@
 </p:sld>
 </file>
 
-<file path=ppt/slides/slide14.xml><?xml version="1.0" encoding="utf-8"?>
+<file path=ppt/slides/slide15.xml><?xml version="1.0" encoding="utf-8"?>
 <p:sld xmlns:a="http://schemas.openxmlformats.org/drawingml/2006/main" xmlns:r="http://schemas.openxmlformats.org/officeDocument/2006/relationships" xmlns:p="http://schemas.openxmlformats.org/presentationml/2006/main">
   <p:cSld>
     <p:spTree>
@@ -5789,7 +6472,7 @@
               <a:pPr>
                 <a:defRPr/>
               </a:pPr>
-              <a:t>14</a:t>
+              <a:t>15</a:t>
             </a:fld>
             <a:endParaRPr lang="en-US" altLang="zh-CN"/>
           </a:p>
@@ -5868,7 +6551,7 @@
 </p:sld>
 </file>
 
-<file path=ppt/slides/slide15.xml><?xml version="1.0" encoding="utf-8"?>
+<file path=ppt/slides/slide16.xml><?xml version="1.0" encoding="utf-8"?>
 <p:sld xmlns:a="http://schemas.openxmlformats.org/drawingml/2006/main" xmlns:r="http://schemas.openxmlformats.org/officeDocument/2006/relationships" xmlns:p="http://schemas.openxmlformats.org/presentationml/2006/main">
   <p:cSld>
     <p:spTree>
@@ -7850,6 +8533,4127 @@
       </p:grpSpPr>
       <p:sp>
         <p:nvSpPr>
+          <p:cNvPr id="2" name="Title 1"/>
+          <p:cNvSpPr>
+            <a:spLocks noGrp="1"/>
+          </p:cNvSpPr>
+          <p:nvPr>
+            <p:ph type="title"/>
+          </p:nvPr>
+        </p:nvSpPr>
+        <p:spPr>
+          <a:xfrm>
+            <a:off x="457200" y="-24621"/>
+            <a:ext cx="8229600" cy="868362"/>
+          </a:xfrm>
+        </p:spPr>
+        <p:txBody>
+          <a:bodyPr/>
+          <a:lstStyle/>
+          <a:p>
+            <a:r>
+              <a:rPr lang="en-US" sz="3600" dirty="0"/>
+              <a:t>MC Prediction for </a:t>
+            </a:r>
+            <a:r>
+              <a:rPr lang="en-US" sz="3600" dirty="0" err="1"/>
+              <a:t>MiniGW</a:t>
+            </a:r>
+            <a:endParaRPr lang="en-US" sz="3200" dirty="0"/>
+          </a:p>
+        </p:txBody>
+      </p:sp>
+      <p:sp>
+        <p:nvSpPr>
+          <p:cNvPr id="4" name="TextBox 3"/>
+          <p:cNvSpPr txBox="1"/>
+          <p:nvPr/>
+        </p:nvSpPr>
+        <p:spPr>
+          <a:xfrm>
+            <a:off x="400050" y="762000"/>
+            <a:ext cx="1771650" cy="369332"/>
+          </a:xfrm>
+          <a:prstGeom prst="rect">
+            <a:avLst/>
+          </a:prstGeom>
+          <a:noFill/>
+        </p:spPr>
+        <p:txBody>
+          <a:bodyPr wrap="square" rtlCol="0">
+            <a:spAutoFit/>
+          </a:bodyPr>
+          <a:lstStyle/>
+          <a:p>
+            <a:pPr algn="ctr"/>
+            <a:r>
+              <a:rPr lang="en-US" dirty="0">
+                <a:solidFill>
+                  <a:schemeClr val="accent2"/>
+                </a:solidFill>
+                <a:latin typeface="Palatino"/>
+                <a:cs typeface="Palatino"/>
+              </a:rPr>
+              <a:t>Input Policy </a:t>
+            </a:r>
+            <a:r>
+              <a:rPr lang="en-US" dirty="0">
+                <a:solidFill>
+                  <a:schemeClr val="accent2"/>
+                </a:solidFill>
+                <a:latin typeface="Palatino"/>
+                <a:cs typeface="Palatino"/>
+                <a:sym typeface="Symbol" pitchFamily="18" charset="2"/>
+              </a:rPr>
+              <a:t></a:t>
+            </a:r>
+            <a:r>
+              <a:rPr lang="en-US" sz="1200" dirty="0">
+                <a:solidFill>
+                  <a:schemeClr val="accent2"/>
+                </a:solidFill>
+                <a:latin typeface="Palatino"/>
+                <a:cs typeface="Palatino"/>
+              </a:rPr>
+              <a:t> </a:t>
+            </a:r>
+          </a:p>
+        </p:txBody>
+      </p:sp>
+      <p:sp>
+        <p:nvSpPr>
+          <p:cNvPr id="14" name="Text Box 13"/>
+          <p:cNvSpPr txBox="1">
+            <a:spLocks noChangeArrowheads="1"/>
+          </p:cNvSpPr>
+          <p:nvPr/>
+        </p:nvSpPr>
+        <p:spPr bwMode="auto">
+          <a:xfrm>
+            <a:off x="342900" y="3623030"/>
+            <a:ext cx="1828800" cy="338554"/>
+          </a:xfrm>
+          <a:prstGeom prst="rect">
+            <a:avLst/>
+          </a:prstGeom>
+          <a:noFill/>
+          <a:ln w="9525">
+            <a:noFill/>
+            <a:miter lim="800000"/>
+            <a:headEnd/>
+            <a:tailEnd/>
+          </a:ln>
+        </p:spPr>
+        <p:txBody>
+          <a:bodyPr wrap="square">
+            <a:spAutoFit/>
+          </a:bodyPr>
+          <a:lstStyle/>
+          <a:p>
+            <a:pPr algn="ctr">
+              <a:spcBef>
+                <a:spcPct val="50000"/>
+              </a:spcBef>
+            </a:pPr>
+            <a:r>
+              <a:rPr lang="en-US" sz="1600" i="1" dirty="0">
+                <a:latin typeface="Palatino"/>
+                <a:cs typeface="Palatino"/>
+                <a:sym typeface="Symbol" pitchFamily="18" charset="2"/>
+              </a:rPr>
+              <a:t>Assume: </a:t>
+            </a:r>
+            <a:r>
+              <a:rPr lang="en-US" sz="1600" dirty="0">
+                <a:latin typeface="Palatino"/>
+                <a:cs typeface="Palatino"/>
+                <a:sym typeface="Symbol" pitchFamily="18" charset="2"/>
+              </a:rPr>
+              <a:t> = 1</a:t>
+            </a:r>
+            <a:endParaRPr lang="en-US" sz="1600" dirty="0">
+              <a:latin typeface="Palatino"/>
+              <a:cs typeface="Palatino"/>
+            </a:endParaRPr>
+          </a:p>
+        </p:txBody>
+      </p:sp>
+      <p:sp>
+        <p:nvSpPr>
+          <p:cNvPr id="15" name="TextBox 14"/>
+          <p:cNvSpPr txBox="1"/>
+          <p:nvPr/>
+        </p:nvSpPr>
+        <p:spPr>
+          <a:xfrm>
+            <a:off x="2800350" y="762000"/>
+            <a:ext cx="3371850" cy="369332"/>
+          </a:xfrm>
+          <a:prstGeom prst="rect">
+            <a:avLst/>
+          </a:prstGeom>
+          <a:noFill/>
+        </p:spPr>
+        <p:txBody>
+          <a:bodyPr wrap="square" rtlCol="0">
+            <a:spAutoFit/>
+          </a:bodyPr>
+          <a:lstStyle/>
+          <a:p>
+            <a:pPr algn="ctr"/>
+            <a:r>
+              <a:rPr lang="en-US" dirty="0">
+                <a:solidFill>
+                  <a:schemeClr val="accent2"/>
+                </a:solidFill>
+                <a:latin typeface="Palatino"/>
+                <a:cs typeface="Palatino"/>
+              </a:rPr>
+              <a:t>Observed Episodes (Training)</a:t>
+            </a:r>
+            <a:endParaRPr lang="en-US" sz="1200" dirty="0">
+              <a:solidFill>
+                <a:schemeClr val="accent2"/>
+              </a:solidFill>
+              <a:latin typeface="Palatino"/>
+              <a:cs typeface="Palatino"/>
+            </a:endParaRPr>
+          </a:p>
+        </p:txBody>
+      </p:sp>
+      <p:sp>
+        <p:nvSpPr>
+          <p:cNvPr id="18" name="TextBox 17"/>
+          <p:cNvSpPr txBox="1"/>
+          <p:nvPr/>
+        </p:nvSpPr>
+        <p:spPr>
+          <a:xfrm>
+            <a:off x="6743700" y="762000"/>
+            <a:ext cx="2057400" cy="369332"/>
+          </a:xfrm>
+          <a:prstGeom prst="rect">
+            <a:avLst/>
+          </a:prstGeom>
+          <a:noFill/>
+        </p:spPr>
+        <p:txBody>
+          <a:bodyPr wrap="square" rtlCol="0">
+            <a:spAutoFit/>
+          </a:bodyPr>
+          <a:lstStyle/>
+          <a:p>
+            <a:pPr algn="ctr"/>
+            <a:r>
+              <a:rPr lang="en-US" dirty="0">
+                <a:solidFill>
+                  <a:schemeClr val="accent2"/>
+                </a:solidFill>
+                <a:latin typeface="Palatino"/>
+                <a:cs typeface="Palatino"/>
+              </a:rPr>
+              <a:t>Output Values</a:t>
+            </a:r>
+            <a:endParaRPr lang="en-US" sz="1200" dirty="0">
+              <a:solidFill>
+                <a:schemeClr val="accent2"/>
+              </a:solidFill>
+              <a:latin typeface="Palatino"/>
+              <a:cs typeface="Palatino"/>
+            </a:endParaRPr>
+          </a:p>
+        </p:txBody>
+      </p:sp>
+      <p:graphicFrame>
+        <p:nvGraphicFramePr>
+          <p:cNvPr id="19" name="Table 18"/>
+          <p:cNvGraphicFramePr>
+            <a:graphicFrameLocks noGrp="1"/>
+          </p:cNvGraphicFramePr>
+          <p:nvPr/>
+        </p:nvGraphicFramePr>
+        <p:xfrm>
+          <a:off x="285750" y="1619250"/>
+          <a:ext cx="2000250" cy="1907484"/>
+        </p:xfrm>
+        <a:graphic>
+          <a:graphicData uri="http://schemas.openxmlformats.org/drawingml/2006/table">
+            <a:tbl>
+              <a:tblPr firstRow="1" bandRow="1">
+                <a:tableStyleId>{5C22544A-7EE6-4342-B048-85BDC9FD1C3A}</a:tableStyleId>
+              </a:tblPr>
+              <a:tblGrid>
+                <a:gridCol w="666750">
+                  <a:extLst>
+                    <a:ext uri="{9D8B030D-6E8A-4147-A177-3AD203B41FA5}">
+                      <a16:colId xmlns:a16="http://schemas.microsoft.com/office/drawing/2014/main" val="20000"/>
+                    </a:ext>
+                  </a:extLst>
+                </a:gridCol>
+                <a:gridCol w="666750">
+                  <a:extLst>
+                    <a:ext uri="{9D8B030D-6E8A-4147-A177-3AD203B41FA5}">
+                      <a16:colId xmlns:a16="http://schemas.microsoft.com/office/drawing/2014/main" val="20001"/>
+                    </a:ext>
+                  </a:extLst>
+                </a:gridCol>
+                <a:gridCol w="666750">
+                  <a:extLst>
+                    <a:ext uri="{9D8B030D-6E8A-4147-A177-3AD203B41FA5}">
+                      <a16:colId xmlns:a16="http://schemas.microsoft.com/office/drawing/2014/main" val="20002"/>
+                    </a:ext>
+                  </a:extLst>
+                </a:gridCol>
+              </a:tblGrid>
+              <a:tr h="635828">
+                <a:tc>
+                  <a:txBody>
+                    <a:bodyPr/>
+                    <a:lstStyle/>
+                    <a:p>
+                      <a:pPr algn="ctr"/>
+                      <a:endParaRPr lang="en-US" sz="2400" dirty="0">
+                        <a:solidFill>
+                          <a:schemeClr val="bg2"/>
+                        </a:solidFill>
+                        <a:latin typeface="Calibri" pitchFamily="34" charset="0"/>
+                      </a:endParaRPr>
+                    </a:p>
+                  </a:txBody>
+                  <a:tcPr marL="62617" marR="62617" marT="31309" marB="31309" anchor="ctr">
+                    <a:lnL w="28575" cap="flat" cmpd="sng" algn="ctr">
+                      <a:solidFill>
+                        <a:schemeClr val="tx1"/>
+                      </a:solidFill>
+                      <a:prstDash val="solid"/>
+                      <a:round/>
+                      <a:headEnd type="none" w="med" len="med"/>
+                      <a:tailEnd type="none" w="med" len="med"/>
+                    </a:lnL>
+                    <a:lnR w="28575" cap="flat" cmpd="sng" algn="ctr">
+                      <a:solidFill>
+                        <a:schemeClr val="tx1"/>
+                      </a:solidFill>
+                      <a:prstDash val="solid"/>
+                      <a:round/>
+                      <a:headEnd type="none" w="med" len="med"/>
+                      <a:tailEnd type="none" w="med" len="med"/>
+                    </a:lnR>
+                    <a:lnT w="28575" cap="flat" cmpd="sng" algn="ctr">
+                      <a:solidFill>
+                        <a:schemeClr val="tx1"/>
+                      </a:solidFill>
+                      <a:prstDash val="solid"/>
+                      <a:round/>
+                      <a:headEnd type="none" w="med" len="med"/>
+                      <a:tailEnd type="none" w="med" len="med"/>
+                    </a:lnT>
+                    <a:lnB w="28575" cap="flat" cmpd="sng" algn="ctr">
+                      <a:solidFill>
+                        <a:schemeClr val="tx1"/>
+                      </a:solidFill>
+                      <a:prstDash val="solid"/>
+                      <a:round/>
+                      <a:headEnd type="none" w="med" len="med"/>
+                      <a:tailEnd type="none" w="med" len="med"/>
+                    </a:lnB>
+                    <a:solidFill>
+                      <a:schemeClr val="tx1">
+                        <a:lumMod val="65000"/>
+                        <a:lumOff val="35000"/>
+                      </a:schemeClr>
+                    </a:solidFill>
+                  </a:tcPr>
+                </a:tc>
+                <a:tc>
+                  <a:txBody>
+                    <a:bodyPr/>
+                    <a:lstStyle/>
+                    <a:p>
+                      <a:pPr marL="0" marR="0" lvl="0" indent="0" algn="ctr" defTabSz="914354" rtl="0" eaLnBrk="1" fontAlgn="auto" latinLnBrk="0" hangingPunct="1">
+                        <a:lnSpc>
+                          <a:spcPct val="100000"/>
+                        </a:lnSpc>
+                        <a:spcBef>
+                          <a:spcPts val="0"/>
+                        </a:spcBef>
+                        <a:spcAft>
+                          <a:spcPts val="0"/>
+                        </a:spcAft>
+                        <a:buClrTx/>
+                        <a:buSzTx/>
+                        <a:buFontTx/>
+                        <a:buNone/>
+                        <a:tabLst/>
+                        <a:defRPr/>
+                      </a:pPr>
+                      <a:r>
+                        <a:rPr kumimoji="0" lang="en-US" sz="2100" b="1" i="0" u="none" strike="noStrike" kern="1200" cap="none" spc="0" normalizeH="0" baseline="0" noProof="0" dirty="0">
+                          <a:ln>
+                            <a:noFill/>
+                          </a:ln>
+                          <a:solidFill>
+                            <a:schemeClr val="bg2"/>
+                          </a:solidFill>
+                          <a:effectLst/>
+                          <a:uLnTx/>
+                          <a:uFillTx/>
+                          <a:latin typeface="Calibri" pitchFamily="34" charset="0"/>
+                          <a:ea typeface="+mn-ea"/>
+                          <a:cs typeface="+mn-cs"/>
+                        </a:rPr>
+                        <a:t>A</a:t>
+                      </a:r>
+                      <a:endParaRPr lang="en-US" sz="2100" dirty="0">
+                        <a:solidFill>
+                          <a:schemeClr val="bg2"/>
+                        </a:solidFill>
+                        <a:latin typeface="Calibri" pitchFamily="34" charset="0"/>
+                      </a:endParaRPr>
+                    </a:p>
+                  </a:txBody>
+                  <a:tcPr marL="62617" marR="62617" marT="31309" marB="31309" anchor="ctr">
+                    <a:lnL w="28575" cap="flat" cmpd="sng" algn="ctr">
+                      <a:solidFill>
+                        <a:schemeClr val="tx1"/>
+                      </a:solidFill>
+                      <a:prstDash val="solid"/>
+                      <a:round/>
+                      <a:headEnd type="none" w="med" len="med"/>
+                      <a:tailEnd type="none" w="med" len="med"/>
+                    </a:lnL>
+                    <a:lnR w="28575" cap="flat" cmpd="sng" algn="ctr">
+                      <a:solidFill>
+                        <a:schemeClr val="tx1"/>
+                      </a:solidFill>
+                      <a:prstDash val="solid"/>
+                      <a:round/>
+                      <a:headEnd type="none" w="med" len="med"/>
+                      <a:tailEnd type="none" w="med" len="med"/>
+                    </a:lnR>
+                    <a:lnT w="28575" cap="flat" cmpd="sng" algn="ctr">
+                      <a:solidFill>
+                        <a:schemeClr val="tx1"/>
+                      </a:solidFill>
+                      <a:prstDash val="solid"/>
+                      <a:round/>
+                      <a:headEnd type="none" w="med" len="med"/>
+                      <a:tailEnd type="none" w="med" len="med"/>
+                    </a:lnT>
+                    <a:lnB w="28575" cap="flat" cmpd="sng" algn="ctr">
+                      <a:solidFill>
+                        <a:schemeClr val="tx1"/>
+                      </a:solidFill>
+                      <a:prstDash val="solid"/>
+                      <a:round/>
+                      <a:headEnd type="none" w="med" len="med"/>
+                      <a:tailEnd type="none" w="med" len="med"/>
+                    </a:lnB>
+                    <a:solidFill>
+                      <a:schemeClr val="bg1"/>
+                    </a:solidFill>
+                  </a:tcPr>
+                </a:tc>
+                <a:tc>
+                  <a:txBody>
+                    <a:bodyPr/>
+                    <a:lstStyle/>
+                    <a:p>
+                      <a:endParaRPr lang="en-US" sz="1400" dirty="0">
+                        <a:latin typeface="Calibri" pitchFamily="34" charset="0"/>
+                      </a:endParaRPr>
+                    </a:p>
+                  </a:txBody>
+                  <a:tcPr marL="62617" marR="62617" marT="31309" marB="31309">
+                    <a:lnL w="28575" cap="flat" cmpd="sng" algn="ctr">
+                      <a:solidFill>
+                        <a:schemeClr val="tx1"/>
+                      </a:solidFill>
+                      <a:prstDash val="solid"/>
+                      <a:round/>
+                      <a:headEnd type="none" w="med" len="med"/>
+                      <a:tailEnd type="none" w="med" len="med"/>
+                    </a:lnL>
+                    <a:lnR w="28575" cap="flat" cmpd="sng" algn="ctr">
+                      <a:solidFill>
+                        <a:schemeClr val="tx1"/>
+                      </a:solidFill>
+                      <a:prstDash val="solid"/>
+                      <a:round/>
+                      <a:headEnd type="none" w="med" len="med"/>
+                      <a:tailEnd type="none" w="med" len="med"/>
+                    </a:lnR>
+                    <a:lnT w="28575" cap="flat" cmpd="sng" algn="ctr">
+                      <a:solidFill>
+                        <a:schemeClr val="tx1"/>
+                      </a:solidFill>
+                      <a:prstDash val="solid"/>
+                      <a:round/>
+                      <a:headEnd type="none" w="med" len="med"/>
+                      <a:tailEnd type="none" w="med" len="med"/>
+                    </a:lnT>
+                    <a:lnB w="28575" cap="flat" cmpd="sng" algn="ctr">
+                      <a:solidFill>
+                        <a:schemeClr val="tx1"/>
+                      </a:solidFill>
+                      <a:prstDash val="solid"/>
+                      <a:round/>
+                      <a:headEnd type="none" w="med" len="med"/>
+                      <a:tailEnd type="none" w="med" len="med"/>
+                    </a:lnB>
+                    <a:solidFill>
+                      <a:schemeClr val="tx1">
+                        <a:lumMod val="65000"/>
+                        <a:lumOff val="35000"/>
+                      </a:schemeClr>
+                    </a:solidFill>
+                  </a:tcPr>
+                </a:tc>
+                <a:extLst>
+                  <a:ext uri="{0D108BD9-81ED-4DB2-BD59-A6C34878D82A}">
+                    <a16:rowId xmlns:a16="http://schemas.microsoft.com/office/drawing/2014/main" val="10000"/>
+                  </a:ext>
+                </a:extLst>
+              </a:tr>
+              <a:tr h="635828">
+                <a:tc>
+                  <a:txBody>
+                    <a:bodyPr/>
+                    <a:lstStyle/>
+                    <a:p>
+                      <a:pPr marL="0" marR="0" lvl="0" indent="0" algn="ctr" defTabSz="914354" rtl="0" eaLnBrk="1" fontAlgn="auto" latinLnBrk="0" hangingPunct="1">
+                        <a:lnSpc>
+                          <a:spcPct val="100000"/>
+                        </a:lnSpc>
+                        <a:spcBef>
+                          <a:spcPts val="0"/>
+                        </a:spcBef>
+                        <a:spcAft>
+                          <a:spcPts val="0"/>
+                        </a:spcAft>
+                        <a:buClrTx/>
+                        <a:buSzTx/>
+                        <a:buFontTx/>
+                        <a:buNone/>
+                        <a:tabLst/>
+                        <a:defRPr/>
+                      </a:pPr>
+                      <a:r>
+                        <a:rPr kumimoji="0" lang="en-US" sz="2400" b="1" i="0" u="none" strike="noStrike" kern="1200" cap="none" spc="0" normalizeH="0" baseline="0" noProof="0" dirty="0">
+                          <a:ln>
+                            <a:noFill/>
+                          </a:ln>
+                          <a:solidFill>
+                            <a:schemeClr val="bg2"/>
+                          </a:solidFill>
+                          <a:effectLst/>
+                          <a:uLnTx/>
+                          <a:uFillTx/>
+                          <a:latin typeface="Calibri" pitchFamily="34" charset="0"/>
+                          <a:ea typeface="+mn-ea"/>
+                          <a:cs typeface="+mn-cs"/>
+                        </a:rPr>
+                        <a:t>B</a:t>
+                      </a:r>
+                    </a:p>
+                  </a:txBody>
+                  <a:tcPr marL="62617" marR="62617" marT="31309" marB="31309" anchor="ctr">
+                    <a:lnL w="28575" cap="flat" cmpd="sng" algn="ctr">
+                      <a:solidFill>
+                        <a:schemeClr val="tx1"/>
+                      </a:solidFill>
+                      <a:prstDash val="solid"/>
+                      <a:round/>
+                      <a:headEnd type="none" w="med" len="med"/>
+                      <a:tailEnd type="none" w="med" len="med"/>
+                    </a:lnL>
+                    <a:lnR w="28575" cap="flat" cmpd="sng" algn="ctr">
+                      <a:solidFill>
+                        <a:schemeClr val="tx1"/>
+                      </a:solidFill>
+                      <a:prstDash val="solid"/>
+                      <a:round/>
+                      <a:headEnd type="none" w="med" len="med"/>
+                      <a:tailEnd type="none" w="med" len="med"/>
+                    </a:lnR>
+                    <a:lnT w="28575" cap="flat" cmpd="sng" algn="ctr">
+                      <a:solidFill>
+                        <a:schemeClr val="tx1"/>
+                      </a:solidFill>
+                      <a:prstDash val="solid"/>
+                      <a:round/>
+                      <a:headEnd type="none" w="med" len="med"/>
+                      <a:tailEnd type="none" w="med" len="med"/>
+                    </a:lnT>
+                    <a:lnB w="28575" cap="flat" cmpd="sng" algn="ctr">
+                      <a:solidFill>
+                        <a:schemeClr val="tx1"/>
+                      </a:solidFill>
+                      <a:prstDash val="solid"/>
+                      <a:round/>
+                      <a:headEnd type="none" w="med" len="med"/>
+                      <a:tailEnd type="none" w="med" len="med"/>
+                    </a:lnB>
+                    <a:solidFill>
+                      <a:schemeClr val="bg1"/>
+                    </a:solidFill>
+                  </a:tcPr>
+                </a:tc>
+                <a:tc>
+                  <a:txBody>
+                    <a:bodyPr/>
+                    <a:lstStyle/>
+                    <a:p>
+                      <a:pPr marL="0" marR="0" lvl="0" indent="0" algn="ctr" defTabSz="914354" rtl="0" eaLnBrk="1" fontAlgn="auto" latinLnBrk="0" hangingPunct="1">
+                        <a:lnSpc>
+                          <a:spcPct val="100000"/>
+                        </a:lnSpc>
+                        <a:spcBef>
+                          <a:spcPts val="0"/>
+                        </a:spcBef>
+                        <a:spcAft>
+                          <a:spcPts val="0"/>
+                        </a:spcAft>
+                        <a:buClrTx/>
+                        <a:buSzTx/>
+                        <a:buFontTx/>
+                        <a:buNone/>
+                        <a:tabLst/>
+                        <a:defRPr/>
+                      </a:pPr>
+                      <a:r>
+                        <a:rPr kumimoji="0" lang="en-US" sz="2400" b="1" i="0" u="none" strike="noStrike" kern="1200" cap="none" spc="0" normalizeH="0" baseline="0" noProof="0" dirty="0">
+                          <a:ln>
+                            <a:noFill/>
+                          </a:ln>
+                          <a:solidFill>
+                            <a:schemeClr val="bg2"/>
+                          </a:solidFill>
+                          <a:effectLst/>
+                          <a:uLnTx/>
+                          <a:uFillTx/>
+                          <a:latin typeface="Calibri" pitchFamily="34" charset="0"/>
+                          <a:ea typeface="+mn-ea"/>
+                          <a:cs typeface="+mn-cs"/>
+                        </a:rPr>
+                        <a:t>C</a:t>
+                      </a:r>
+                      <a:endParaRPr lang="en-US" sz="2400" dirty="0">
+                        <a:solidFill>
+                          <a:schemeClr val="bg2"/>
+                        </a:solidFill>
+                        <a:latin typeface="Calibri" pitchFamily="34" charset="0"/>
+                      </a:endParaRPr>
+                    </a:p>
+                  </a:txBody>
+                  <a:tcPr marL="62617" marR="62617" marT="31309" marB="31309" anchor="ctr">
+                    <a:lnL w="28575" cap="flat" cmpd="sng" algn="ctr">
+                      <a:solidFill>
+                        <a:schemeClr val="tx1"/>
+                      </a:solidFill>
+                      <a:prstDash val="solid"/>
+                      <a:round/>
+                      <a:headEnd type="none" w="med" len="med"/>
+                      <a:tailEnd type="none" w="med" len="med"/>
+                    </a:lnL>
+                    <a:lnR w="28575" cap="flat" cmpd="sng" algn="ctr">
+                      <a:solidFill>
+                        <a:schemeClr val="tx1"/>
+                      </a:solidFill>
+                      <a:prstDash val="solid"/>
+                      <a:round/>
+                      <a:headEnd type="none" w="med" len="med"/>
+                      <a:tailEnd type="none" w="med" len="med"/>
+                    </a:lnR>
+                    <a:lnT w="28575" cap="flat" cmpd="sng" algn="ctr">
+                      <a:solidFill>
+                        <a:schemeClr val="tx1"/>
+                      </a:solidFill>
+                      <a:prstDash val="solid"/>
+                      <a:round/>
+                      <a:headEnd type="none" w="med" len="med"/>
+                      <a:tailEnd type="none" w="med" len="med"/>
+                    </a:lnT>
+                    <a:lnB w="28575" cap="flat" cmpd="sng" algn="ctr">
+                      <a:solidFill>
+                        <a:schemeClr val="tx1"/>
+                      </a:solidFill>
+                      <a:prstDash val="solid"/>
+                      <a:round/>
+                      <a:headEnd type="none" w="med" len="med"/>
+                      <a:tailEnd type="none" w="med" len="med"/>
+                    </a:lnB>
+                    <a:solidFill>
+                      <a:schemeClr val="bg1"/>
+                    </a:solidFill>
+                  </a:tcPr>
+                </a:tc>
+                <a:tc>
+                  <a:txBody>
+                    <a:bodyPr/>
+                    <a:lstStyle/>
+                    <a:p>
+                      <a:pPr marL="0" marR="0" lvl="0" indent="0" algn="ctr" defTabSz="914354" rtl="0" eaLnBrk="1" fontAlgn="auto" latinLnBrk="0" hangingPunct="1">
+                        <a:lnSpc>
+                          <a:spcPct val="100000"/>
+                        </a:lnSpc>
+                        <a:spcBef>
+                          <a:spcPts val="0"/>
+                        </a:spcBef>
+                        <a:spcAft>
+                          <a:spcPts val="0"/>
+                        </a:spcAft>
+                        <a:buClrTx/>
+                        <a:buSzTx/>
+                        <a:buFontTx/>
+                        <a:buNone/>
+                        <a:tabLst/>
+                        <a:defRPr/>
+                      </a:pPr>
+                      <a:r>
+                        <a:rPr kumimoji="0" lang="en-US" sz="2100" b="1" i="0" u="none" strike="noStrike" kern="1200" cap="none" spc="0" normalizeH="0" baseline="0" noProof="0" dirty="0">
+                          <a:ln>
+                            <a:noFill/>
+                          </a:ln>
+                          <a:solidFill>
+                            <a:srgbClr val="808080"/>
+                          </a:solidFill>
+                          <a:effectLst/>
+                          <a:uLnTx/>
+                          <a:uFillTx/>
+                          <a:latin typeface="Calibri" pitchFamily="34" charset="0"/>
+                          <a:ea typeface="+mn-ea"/>
+                          <a:cs typeface="+mn-cs"/>
+                        </a:rPr>
+                        <a:t>D</a:t>
+                      </a:r>
+                      <a:endParaRPr kumimoji="0" lang="en-US" sz="2100" b="0" i="0" u="none" strike="noStrike" kern="1200" cap="none" spc="0" normalizeH="0" baseline="0" noProof="0" dirty="0">
+                        <a:ln>
+                          <a:noFill/>
+                        </a:ln>
+                        <a:solidFill>
+                          <a:schemeClr val="tx1"/>
+                        </a:solidFill>
+                        <a:effectLst/>
+                        <a:uLnTx/>
+                        <a:uFillTx/>
+                        <a:latin typeface="Calibri" pitchFamily="34" charset="0"/>
+                        <a:ea typeface="+mn-ea"/>
+                        <a:cs typeface="+mn-cs"/>
+                      </a:endParaRPr>
+                    </a:p>
+                  </a:txBody>
+                  <a:tcPr marL="62617" marR="62617" marT="31309" marB="31309" anchor="ctr">
+                    <a:lnL w="28575" cap="flat" cmpd="sng" algn="ctr">
+                      <a:solidFill>
+                        <a:schemeClr val="tx1"/>
+                      </a:solidFill>
+                      <a:prstDash val="solid"/>
+                      <a:round/>
+                      <a:headEnd type="none" w="med" len="med"/>
+                      <a:tailEnd type="none" w="med" len="med"/>
+                    </a:lnL>
+                    <a:lnR w="28575" cap="flat" cmpd="sng" algn="ctr">
+                      <a:solidFill>
+                        <a:schemeClr val="tx1"/>
+                      </a:solidFill>
+                      <a:prstDash val="solid"/>
+                      <a:round/>
+                      <a:headEnd type="none" w="med" len="med"/>
+                      <a:tailEnd type="none" w="med" len="med"/>
+                    </a:lnR>
+                    <a:lnT w="28575" cap="flat" cmpd="sng" algn="ctr">
+                      <a:solidFill>
+                        <a:schemeClr val="tx1"/>
+                      </a:solidFill>
+                      <a:prstDash val="solid"/>
+                      <a:round/>
+                      <a:headEnd type="none" w="med" len="med"/>
+                      <a:tailEnd type="none" w="med" len="med"/>
+                    </a:lnT>
+                    <a:lnB w="28575" cap="flat" cmpd="sng" algn="ctr">
+                      <a:solidFill>
+                        <a:schemeClr val="tx1"/>
+                      </a:solidFill>
+                      <a:prstDash val="solid"/>
+                      <a:round/>
+                      <a:headEnd type="none" w="med" len="med"/>
+                      <a:tailEnd type="none" w="med" len="med"/>
+                    </a:lnB>
+                    <a:solidFill>
+                      <a:schemeClr val="bg1"/>
+                    </a:solidFill>
+                  </a:tcPr>
+                </a:tc>
+                <a:extLst>
+                  <a:ext uri="{0D108BD9-81ED-4DB2-BD59-A6C34878D82A}">
+                    <a16:rowId xmlns:a16="http://schemas.microsoft.com/office/drawing/2014/main" val="10001"/>
+                  </a:ext>
+                </a:extLst>
+              </a:tr>
+              <a:tr h="635828">
+                <a:tc>
+                  <a:txBody>
+                    <a:bodyPr/>
+                    <a:lstStyle/>
+                    <a:p>
+                      <a:endParaRPr lang="en-US" sz="1400" dirty="0">
+                        <a:latin typeface="Calibri" pitchFamily="34" charset="0"/>
+                      </a:endParaRPr>
+                    </a:p>
+                  </a:txBody>
+                  <a:tcPr marL="62617" marR="62617" marT="31309" marB="31309">
+                    <a:lnL w="28575" cap="flat" cmpd="sng" algn="ctr">
+                      <a:solidFill>
+                        <a:schemeClr val="tx1"/>
+                      </a:solidFill>
+                      <a:prstDash val="solid"/>
+                      <a:round/>
+                      <a:headEnd type="none" w="med" len="med"/>
+                      <a:tailEnd type="none" w="med" len="med"/>
+                    </a:lnL>
+                    <a:lnR w="28575" cap="flat" cmpd="sng" algn="ctr">
+                      <a:solidFill>
+                        <a:schemeClr val="tx1"/>
+                      </a:solidFill>
+                      <a:prstDash val="solid"/>
+                      <a:round/>
+                      <a:headEnd type="none" w="med" len="med"/>
+                      <a:tailEnd type="none" w="med" len="med"/>
+                    </a:lnR>
+                    <a:lnT w="28575" cap="flat" cmpd="sng" algn="ctr">
+                      <a:solidFill>
+                        <a:schemeClr val="tx1"/>
+                      </a:solidFill>
+                      <a:prstDash val="solid"/>
+                      <a:round/>
+                      <a:headEnd type="none" w="med" len="med"/>
+                      <a:tailEnd type="none" w="med" len="med"/>
+                    </a:lnT>
+                    <a:lnB w="28575" cap="flat" cmpd="sng" algn="ctr">
+                      <a:solidFill>
+                        <a:schemeClr val="tx1"/>
+                      </a:solidFill>
+                      <a:prstDash val="solid"/>
+                      <a:round/>
+                      <a:headEnd type="none" w="med" len="med"/>
+                      <a:tailEnd type="none" w="med" len="med"/>
+                    </a:lnB>
+                    <a:solidFill>
+                      <a:schemeClr val="tx1">
+                        <a:lumMod val="65000"/>
+                        <a:lumOff val="35000"/>
+                      </a:schemeClr>
+                    </a:solidFill>
+                  </a:tcPr>
+                </a:tc>
+                <a:tc>
+                  <a:txBody>
+                    <a:bodyPr/>
+                    <a:lstStyle/>
+                    <a:p>
+                      <a:pPr marL="0" marR="0" lvl="0" indent="0" algn="ctr" defTabSz="914354" rtl="0" eaLnBrk="1" fontAlgn="auto" latinLnBrk="0" hangingPunct="1">
+                        <a:lnSpc>
+                          <a:spcPct val="100000"/>
+                        </a:lnSpc>
+                        <a:spcBef>
+                          <a:spcPts val="0"/>
+                        </a:spcBef>
+                        <a:spcAft>
+                          <a:spcPts val="0"/>
+                        </a:spcAft>
+                        <a:buClrTx/>
+                        <a:buSzTx/>
+                        <a:buFontTx/>
+                        <a:buNone/>
+                        <a:tabLst/>
+                        <a:defRPr/>
+                      </a:pPr>
+                      <a:r>
+                        <a:rPr kumimoji="0" lang="en-US" sz="2400" b="1" i="0" u="none" strike="noStrike" kern="1200" cap="none" spc="0" normalizeH="0" baseline="0" noProof="0" dirty="0">
+                          <a:ln>
+                            <a:noFill/>
+                          </a:ln>
+                          <a:solidFill>
+                            <a:srgbClr val="808080"/>
+                          </a:solidFill>
+                          <a:effectLst/>
+                          <a:uLnTx/>
+                          <a:uFillTx/>
+                          <a:latin typeface="Calibri" pitchFamily="34" charset="0"/>
+                          <a:ea typeface="+mn-ea"/>
+                          <a:cs typeface="+mn-cs"/>
+                        </a:rPr>
+                        <a:t>E</a:t>
+                      </a:r>
+                      <a:endParaRPr kumimoji="0" lang="en-US" sz="2400" b="0" i="0" u="none" strike="noStrike" kern="1200" cap="none" spc="0" normalizeH="0" baseline="0" noProof="0" dirty="0">
+                        <a:ln>
+                          <a:noFill/>
+                        </a:ln>
+                        <a:solidFill>
+                          <a:srgbClr val="808080"/>
+                        </a:solidFill>
+                        <a:effectLst/>
+                        <a:uLnTx/>
+                        <a:uFillTx/>
+                        <a:latin typeface="Calibri" pitchFamily="34" charset="0"/>
+                        <a:ea typeface="+mn-ea"/>
+                        <a:cs typeface="+mn-cs"/>
+                      </a:endParaRPr>
+                    </a:p>
+                  </a:txBody>
+                  <a:tcPr marL="62617" marR="62617" marT="31309" marB="31309" anchor="ctr">
+                    <a:lnL w="28575" cap="flat" cmpd="sng" algn="ctr">
+                      <a:solidFill>
+                        <a:schemeClr val="tx1"/>
+                      </a:solidFill>
+                      <a:prstDash val="solid"/>
+                      <a:round/>
+                      <a:headEnd type="none" w="med" len="med"/>
+                      <a:tailEnd type="none" w="med" len="med"/>
+                    </a:lnL>
+                    <a:lnR w="28575" cap="flat" cmpd="sng" algn="ctr">
+                      <a:solidFill>
+                        <a:schemeClr val="tx1"/>
+                      </a:solidFill>
+                      <a:prstDash val="solid"/>
+                      <a:round/>
+                      <a:headEnd type="none" w="med" len="med"/>
+                      <a:tailEnd type="none" w="med" len="med"/>
+                    </a:lnR>
+                    <a:lnT w="28575" cap="flat" cmpd="sng" algn="ctr">
+                      <a:solidFill>
+                        <a:schemeClr val="tx1"/>
+                      </a:solidFill>
+                      <a:prstDash val="solid"/>
+                      <a:round/>
+                      <a:headEnd type="none" w="med" len="med"/>
+                      <a:tailEnd type="none" w="med" len="med"/>
+                    </a:lnT>
+                    <a:lnB w="28575" cap="flat" cmpd="sng" algn="ctr">
+                      <a:solidFill>
+                        <a:schemeClr val="tx1"/>
+                      </a:solidFill>
+                      <a:prstDash val="solid"/>
+                      <a:round/>
+                      <a:headEnd type="none" w="med" len="med"/>
+                      <a:tailEnd type="none" w="med" len="med"/>
+                    </a:lnB>
+                    <a:solidFill>
+                      <a:schemeClr val="bg1"/>
+                    </a:solidFill>
+                  </a:tcPr>
+                </a:tc>
+                <a:tc>
+                  <a:txBody>
+                    <a:bodyPr/>
+                    <a:lstStyle/>
+                    <a:p>
+                      <a:endParaRPr lang="en-US" sz="1400" dirty="0">
+                        <a:latin typeface="Calibri" pitchFamily="34" charset="0"/>
+                      </a:endParaRPr>
+                    </a:p>
+                  </a:txBody>
+                  <a:tcPr marL="62617" marR="62617" marT="31309" marB="31309">
+                    <a:lnL w="28575" cap="flat" cmpd="sng" algn="ctr">
+                      <a:solidFill>
+                        <a:schemeClr val="tx1"/>
+                      </a:solidFill>
+                      <a:prstDash val="solid"/>
+                      <a:round/>
+                      <a:headEnd type="none" w="med" len="med"/>
+                      <a:tailEnd type="none" w="med" len="med"/>
+                    </a:lnL>
+                    <a:lnR w="28575" cap="flat" cmpd="sng" algn="ctr">
+                      <a:solidFill>
+                        <a:schemeClr val="tx1"/>
+                      </a:solidFill>
+                      <a:prstDash val="solid"/>
+                      <a:round/>
+                      <a:headEnd type="none" w="med" len="med"/>
+                      <a:tailEnd type="none" w="med" len="med"/>
+                    </a:lnR>
+                    <a:lnT w="28575" cap="flat" cmpd="sng" algn="ctr">
+                      <a:solidFill>
+                        <a:schemeClr val="tx1"/>
+                      </a:solidFill>
+                      <a:prstDash val="solid"/>
+                      <a:round/>
+                      <a:headEnd type="none" w="med" len="med"/>
+                      <a:tailEnd type="none" w="med" len="med"/>
+                    </a:lnT>
+                    <a:lnB w="28575" cap="flat" cmpd="sng" algn="ctr">
+                      <a:solidFill>
+                        <a:schemeClr val="tx1"/>
+                      </a:solidFill>
+                      <a:prstDash val="solid"/>
+                      <a:round/>
+                      <a:headEnd type="none" w="med" len="med"/>
+                      <a:tailEnd type="none" w="med" len="med"/>
+                    </a:lnB>
+                    <a:solidFill>
+                      <a:schemeClr val="tx1">
+                        <a:lumMod val="65000"/>
+                        <a:lumOff val="35000"/>
+                      </a:schemeClr>
+                    </a:solidFill>
+                  </a:tcPr>
+                </a:tc>
+                <a:extLst>
+                  <a:ext uri="{0D108BD9-81ED-4DB2-BD59-A6C34878D82A}">
+                    <a16:rowId xmlns:a16="http://schemas.microsoft.com/office/drawing/2014/main" val="10002"/>
+                  </a:ext>
+                </a:extLst>
+              </a:tr>
+            </a:tbl>
+          </a:graphicData>
+        </a:graphic>
+      </p:graphicFrame>
+      <p:sp>
+        <p:nvSpPr>
+          <p:cNvPr id="20" name="Rectangle 19"/>
+          <p:cNvSpPr/>
+          <p:nvPr/>
+        </p:nvSpPr>
+        <p:spPr>
+          <a:xfrm>
+            <a:off x="1727688" y="2342418"/>
+            <a:ext cx="457200" cy="457200"/>
+          </a:xfrm>
+          <a:prstGeom prst="rect">
+            <a:avLst/>
+          </a:prstGeom>
+          <a:noFill/>
+          <a:ln>
+            <a:solidFill>
+              <a:schemeClr val="accent2"/>
+            </a:solidFill>
+          </a:ln>
+        </p:spPr>
+        <p:style>
+          <a:lnRef idx="2">
+            <a:schemeClr val="accent1">
+              <a:shade val="50000"/>
+            </a:schemeClr>
+          </a:lnRef>
+          <a:fillRef idx="1">
+            <a:schemeClr val="accent1"/>
+          </a:fillRef>
+          <a:effectRef idx="0">
+            <a:schemeClr val="accent1"/>
+          </a:effectRef>
+          <a:fontRef idx="minor">
+            <a:schemeClr val="lt1"/>
+          </a:fontRef>
+        </p:style>
+        <p:txBody>
+          <a:bodyPr rtlCol="0" anchor="ctr"/>
+          <a:lstStyle/>
+          <a:p>
+            <a:pPr algn="ctr"/>
+            <a:endParaRPr lang="en-US" sz="1200">
+              <a:latin typeface="Palatino"/>
+              <a:cs typeface="Palatino"/>
+            </a:endParaRPr>
+          </a:p>
+        </p:txBody>
+      </p:sp>
+      <p:sp>
+        <p:nvSpPr>
+          <p:cNvPr id="21" name="Rectangle 20"/>
+          <p:cNvSpPr/>
+          <p:nvPr/>
+        </p:nvSpPr>
+        <p:spPr>
+          <a:xfrm>
+            <a:off x="1055076" y="1713768"/>
+            <a:ext cx="457200" cy="457200"/>
+          </a:xfrm>
+          <a:prstGeom prst="rect">
+            <a:avLst/>
+          </a:prstGeom>
+          <a:noFill/>
+          <a:ln>
+            <a:solidFill>
+              <a:schemeClr val="accent2"/>
+            </a:solidFill>
+          </a:ln>
+        </p:spPr>
+        <p:style>
+          <a:lnRef idx="2">
+            <a:schemeClr val="accent1">
+              <a:shade val="50000"/>
+            </a:schemeClr>
+          </a:lnRef>
+          <a:fillRef idx="1">
+            <a:schemeClr val="accent1"/>
+          </a:fillRef>
+          <a:effectRef idx="0">
+            <a:schemeClr val="accent1"/>
+          </a:effectRef>
+          <a:fontRef idx="minor">
+            <a:schemeClr val="lt1"/>
+          </a:fontRef>
+        </p:style>
+        <p:txBody>
+          <a:bodyPr rtlCol="0" anchor="ctr"/>
+          <a:lstStyle/>
+          <a:p>
+            <a:pPr algn="ctr"/>
+            <a:endParaRPr lang="en-US" sz="1200">
+              <a:latin typeface="Palatino"/>
+              <a:cs typeface="Palatino"/>
+            </a:endParaRPr>
+          </a:p>
+        </p:txBody>
+      </p:sp>
+      <p:sp>
+        <p:nvSpPr>
+          <p:cNvPr id="22" name="Isosceles Triangle 21"/>
+          <p:cNvSpPr/>
+          <p:nvPr/>
+        </p:nvSpPr>
+        <p:spPr>
+          <a:xfrm rot="5400000">
+            <a:off x="798736" y="2501512"/>
+            <a:ext cx="171450" cy="147802"/>
+          </a:xfrm>
+          <a:prstGeom prst="triangle">
+            <a:avLst/>
+          </a:prstGeom>
+          <a:solidFill>
+            <a:srgbClr val="CCECFF"/>
+          </a:solidFill>
+          <a:ln>
+            <a:solidFill>
+              <a:schemeClr val="accent2"/>
+            </a:solidFill>
+          </a:ln>
+        </p:spPr>
+        <p:style>
+          <a:lnRef idx="2">
+            <a:schemeClr val="accent1">
+              <a:shade val="50000"/>
+            </a:schemeClr>
+          </a:lnRef>
+          <a:fillRef idx="1">
+            <a:schemeClr val="accent1"/>
+          </a:fillRef>
+          <a:effectRef idx="0">
+            <a:schemeClr val="accent1"/>
+          </a:effectRef>
+          <a:fontRef idx="minor">
+            <a:schemeClr val="lt1"/>
+          </a:fontRef>
+        </p:style>
+        <p:txBody>
+          <a:bodyPr rtlCol="0" anchor="ctr"/>
+          <a:lstStyle/>
+          <a:p>
+            <a:pPr algn="ctr"/>
+            <a:endParaRPr lang="en-US" sz="1200">
+              <a:latin typeface="Palatino"/>
+              <a:cs typeface="Palatino"/>
+            </a:endParaRPr>
+          </a:p>
+        </p:txBody>
+      </p:sp>
+      <p:sp>
+        <p:nvSpPr>
+          <p:cNvPr id="23" name="Isosceles Triangle 22"/>
+          <p:cNvSpPr/>
+          <p:nvPr/>
+        </p:nvSpPr>
+        <p:spPr>
+          <a:xfrm rot="5400000">
+            <a:off x="1440574" y="2501513"/>
+            <a:ext cx="171450" cy="147802"/>
+          </a:xfrm>
+          <a:prstGeom prst="triangle">
+            <a:avLst/>
+          </a:prstGeom>
+          <a:solidFill>
+            <a:srgbClr val="CCECFF"/>
+          </a:solidFill>
+          <a:ln>
+            <a:solidFill>
+              <a:schemeClr val="accent2"/>
+            </a:solidFill>
+          </a:ln>
+        </p:spPr>
+        <p:style>
+          <a:lnRef idx="2">
+            <a:schemeClr val="accent1">
+              <a:shade val="50000"/>
+            </a:schemeClr>
+          </a:lnRef>
+          <a:fillRef idx="1">
+            <a:schemeClr val="accent1"/>
+          </a:fillRef>
+          <a:effectRef idx="0">
+            <a:schemeClr val="accent1"/>
+          </a:effectRef>
+          <a:fontRef idx="minor">
+            <a:schemeClr val="lt1"/>
+          </a:fontRef>
+        </p:style>
+        <p:txBody>
+          <a:bodyPr rtlCol="0" anchor="ctr"/>
+          <a:lstStyle/>
+          <a:p>
+            <a:pPr algn="ctr"/>
+            <a:endParaRPr lang="en-US" sz="1200">
+              <a:latin typeface="Palatino"/>
+              <a:cs typeface="Palatino"/>
+            </a:endParaRPr>
+          </a:p>
+        </p:txBody>
+      </p:sp>
+      <p:sp>
+        <p:nvSpPr>
+          <p:cNvPr id="24" name="Isosceles Triangle 23"/>
+          <p:cNvSpPr/>
+          <p:nvPr/>
+        </p:nvSpPr>
+        <p:spPr>
+          <a:xfrm>
+            <a:off x="1206744" y="2900199"/>
+            <a:ext cx="171450" cy="147802"/>
+          </a:xfrm>
+          <a:prstGeom prst="triangle">
+            <a:avLst/>
+          </a:prstGeom>
+          <a:solidFill>
+            <a:srgbClr val="CCECFF"/>
+          </a:solidFill>
+          <a:ln>
+            <a:solidFill>
+              <a:schemeClr val="accent2"/>
+            </a:solidFill>
+          </a:ln>
+        </p:spPr>
+        <p:style>
+          <a:lnRef idx="2">
+            <a:schemeClr val="accent1">
+              <a:shade val="50000"/>
+            </a:schemeClr>
+          </a:lnRef>
+          <a:fillRef idx="1">
+            <a:schemeClr val="accent1"/>
+          </a:fillRef>
+          <a:effectRef idx="0">
+            <a:schemeClr val="accent1"/>
+          </a:effectRef>
+          <a:fontRef idx="minor">
+            <a:schemeClr val="lt1"/>
+          </a:fontRef>
+        </p:style>
+        <p:txBody>
+          <a:bodyPr rtlCol="0" anchor="ctr"/>
+          <a:lstStyle/>
+          <a:p>
+            <a:pPr algn="ctr"/>
+            <a:endParaRPr lang="en-US" sz="1200">
+              <a:latin typeface="Palatino"/>
+              <a:cs typeface="Palatino"/>
+            </a:endParaRPr>
+          </a:p>
+        </p:txBody>
+      </p:sp>
+      <p:sp>
+        <p:nvSpPr>
+          <p:cNvPr id="26" name="TextBox 25"/>
+          <p:cNvSpPr txBox="1"/>
+          <p:nvPr/>
+        </p:nvSpPr>
+        <p:spPr>
+          <a:xfrm>
+            <a:off x="2846508" y="1658814"/>
+            <a:ext cx="1485900" cy="784830"/>
+          </a:xfrm>
+          <a:prstGeom prst="rect">
+            <a:avLst/>
+          </a:prstGeom>
+          <a:noFill/>
+        </p:spPr>
+        <p:txBody>
+          <a:bodyPr wrap="square" rtlCol="0">
+            <a:spAutoFit/>
+          </a:bodyPr>
+          <a:lstStyle/>
+          <a:p>
+            <a:r>
+              <a:rPr lang="en-US" sz="1500" dirty="0">
+                <a:latin typeface="Palatino"/>
+                <a:cs typeface="Palatino"/>
+              </a:rPr>
+              <a:t>B, east, C, -1</a:t>
+            </a:r>
+          </a:p>
+          <a:p>
+            <a:r>
+              <a:rPr lang="en-US" sz="1500" dirty="0">
+                <a:latin typeface="Palatino"/>
+                <a:cs typeface="Palatino"/>
+              </a:rPr>
+              <a:t>C, east, D, -1</a:t>
+            </a:r>
+          </a:p>
+          <a:p>
+            <a:r>
+              <a:rPr lang="en-US" sz="1500" dirty="0">
+                <a:latin typeface="Palatino"/>
+                <a:cs typeface="Palatino"/>
+              </a:rPr>
+              <a:t>D, exit, x, +10</a:t>
+            </a:r>
+          </a:p>
+        </p:txBody>
+      </p:sp>
+      <p:sp>
+        <p:nvSpPr>
+          <p:cNvPr id="28" name="TextBox 27"/>
+          <p:cNvSpPr txBox="1"/>
+          <p:nvPr/>
+        </p:nvSpPr>
+        <p:spPr>
+          <a:xfrm>
+            <a:off x="4789608" y="1658814"/>
+            <a:ext cx="1485900" cy="784830"/>
+          </a:xfrm>
+          <a:prstGeom prst="rect">
+            <a:avLst/>
+          </a:prstGeom>
+          <a:noFill/>
+        </p:spPr>
+        <p:txBody>
+          <a:bodyPr wrap="square" rtlCol="0">
+            <a:spAutoFit/>
+          </a:bodyPr>
+          <a:lstStyle/>
+          <a:p>
+            <a:r>
+              <a:rPr lang="en-US" sz="1500" dirty="0">
+                <a:latin typeface="Palatino"/>
+                <a:cs typeface="Palatino"/>
+              </a:rPr>
+              <a:t>B, east, C, -1</a:t>
+            </a:r>
+          </a:p>
+          <a:p>
+            <a:r>
+              <a:rPr lang="en-US" sz="1500" dirty="0">
+                <a:latin typeface="Palatino"/>
+                <a:cs typeface="Palatino"/>
+              </a:rPr>
+              <a:t>C, east, D, -1</a:t>
+            </a:r>
+          </a:p>
+          <a:p>
+            <a:r>
+              <a:rPr lang="en-US" sz="1500" dirty="0">
+                <a:latin typeface="Palatino"/>
+                <a:cs typeface="Palatino"/>
+              </a:rPr>
+              <a:t>D, exit, x, +10</a:t>
+            </a:r>
+          </a:p>
+        </p:txBody>
+      </p:sp>
+      <p:sp>
+        <p:nvSpPr>
+          <p:cNvPr id="29" name="TextBox 28"/>
+          <p:cNvSpPr txBox="1"/>
+          <p:nvPr/>
+        </p:nvSpPr>
+        <p:spPr>
+          <a:xfrm>
+            <a:off x="4756638" y="3029183"/>
+            <a:ext cx="1518870" cy="784830"/>
+          </a:xfrm>
+          <a:prstGeom prst="rect">
+            <a:avLst/>
+          </a:prstGeom>
+          <a:noFill/>
+        </p:spPr>
+        <p:txBody>
+          <a:bodyPr wrap="square" rtlCol="0">
+            <a:spAutoFit/>
+          </a:bodyPr>
+          <a:lstStyle/>
+          <a:p>
+            <a:r>
+              <a:rPr lang="en-US" sz="1500" dirty="0">
+                <a:latin typeface="Palatino"/>
+                <a:cs typeface="Palatino"/>
+              </a:rPr>
+              <a:t>E, north, C, -1</a:t>
+            </a:r>
+          </a:p>
+          <a:p>
+            <a:r>
+              <a:rPr lang="en-US" sz="1500" dirty="0">
+                <a:latin typeface="Palatino"/>
+                <a:cs typeface="Palatino"/>
+              </a:rPr>
+              <a:t>C, east, A, -1</a:t>
+            </a:r>
+          </a:p>
+          <a:p>
+            <a:r>
+              <a:rPr lang="en-US" sz="1500" dirty="0">
+                <a:latin typeface="Palatino"/>
+                <a:cs typeface="Palatino"/>
+              </a:rPr>
+              <a:t>A, exit, x, -10</a:t>
+            </a:r>
+          </a:p>
+        </p:txBody>
+      </p:sp>
+      <p:sp>
+        <p:nvSpPr>
+          <p:cNvPr id="30" name="TextBox 29"/>
+          <p:cNvSpPr txBox="1"/>
+          <p:nvPr/>
+        </p:nvSpPr>
+        <p:spPr>
+          <a:xfrm>
+            <a:off x="2914650" y="1219200"/>
+            <a:ext cx="1257300" cy="369332"/>
+          </a:xfrm>
+          <a:prstGeom prst="rect">
+            <a:avLst/>
+          </a:prstGeom>
+          <a:noFill/>
+        </p:spPr>
+        <p:txBody>
+          <a:bodyPr wrap="square" rtlCol="0">
+            <a:spAutoFit/>
+          </a:bodyPr>
+          <a:lstStyle/>
+          <a:p>
+            <a:pPr algn="ctr"/>
+            <a:r>
+              <a:rPr lang="en-US" dirty="0">
+                <a:latin typeface="Palatino"/>
+                <a:cs typeface="Palatino"/>
+              </a:rPr>
+              <a:t>Episode 1</a:t>
+            </a:r>
+          </a:p>
+        </p:txBody>
+      </p:sp>
+      <p:sp>
+        <p:nvSpPr>
+          <p:cNvPr id="31" name="Rounded Rectangle 30"/>
+          <p:cNvSpPr/>
+          <p:nvPr/>
+        </p:nvSpPr>
+        <p:spPr>
+          <a:xfrm>
+            <a:off x="2686050" y="1619250"/>
+            <a:ext cx="1714500" cy="971550"/>
+          </a:xfrm>
+          <a:prstGeom prst="roundRect">
+            <a:avLst/>
+          </a:prstGeom>
+          <a:noFill/>
+          <a:ln>
+            <a:solidFill>
+              <a:schemeClr val="accent2"/>
+            </a:solidFill>
+          </a:ln>
+        </p:spPr>
+        <p:style>
+          <a:lnRef idx="2">
+            <a:schemeClr val="accent1">
+              <a:shade val="50000"/>
+            </a:schemeClr>
+          </a:lnRef>
+          <a:fillRef idx="1">
+            <a:schemeClr val="accent1"/>
+          </a:fillRef>
+          <a:effectRef idx="0">
+            <a:schemeClr val="accent1"/>
+          </a:effectRef>
+          <a:fontRef idx="minor">
+            <a:schemeClr val="lt1"/>
+          </a:fontRef>
+        </p:style>
+        <p:txBody>
+          <a:bodyPr rtlCol="0" anchor="ctr"/>
+          <a:lstStyle/>
+          <a:p>
+            <a:pPr algn="ctr"/>
+            <a:endParaRPr lang="en-US" sz="1200">
+              <a:latin typeface="Palatino"/>
+              <a:cs typeface="Palatino"/>
+            </a:endParaRPr>
+          </a:p>
+        </p:txBody>
+      </p:sp>
+      <p:sp>
+        <p:nvSpPr>
+          <p:cNvPr id="32" name="TextBox 31"/>
+          <p:cNvSpPr txBox="1"/>
+          <p:nvPr/>
+        </p:nvSpPr>
+        <p:spPr>
+          <a:xfrm>
+            <a:off x="4857750" y="1219200"/>
+            <a:ext cx="1257300" cy="369332"/>
+          </a:xfrm>
+          <a:prstGeom prst="rect">
+            <a:avLst/>
+          </a:prstGeom>
+          <a:noFill/>
+        </p:spPr>
+        <p:txBody>
+          <a:bodyPr wrap="square" rtlCol="0">
+            <a:spAutoFit/>
+          </a:bodyPr>
+          <a:lstStyle/>
+          <a:p>
+            <a:pPr algn="ctr"/>
+            <a:r>
+              <a:rPr lang="en-US" dirty="0">
+                <a:latin typeface="Palatino"/>
+                <a:cs typeface="Palatino"/>
+              </a:rPr>
+              <a:t>Episode 2</a:t>
+            </a:r>
+          </a:p>
+        </p:txBody>
+      </p:sp>
+      <p:sp>
+        <p:nvSpPr>
+          <p:cNvPr id="33" name="Rounded Rectangle 32"/>
+          <p:cNvSpPr/>
+          <p:nvPr/>
+        </p:nvSpPr>
+        <p:spPr>
+          <a:xfrm>
+            <a:off x="4629150" y="1619250"/>
+            <a:ext cx="1714500" cy="971550"/>
+          </a:xfrm>
+          <a:prstGeom prst="roundRect">
+            <a:avLst/>
+          </a:prstGeom>
+          <a:noFill/>
+          <a:ln>
+            <a:solidFill>
+              <a:schemeClr val="accent2"/>
+            </a:solidFill>
+          </a:ln>
+        </p:spPr>
+        <p:style>
+          <a:lnRef idx="2">
+            <a:schemeClr val="accent1">
+              <a:shade val="50000"/>
+            </a:schemeClr>
+          </a:lnRef>
+          <a:fillRef idx="1">
+            <a:schemeClr val="accent1"/>
+          </a:fillRef>
+          <a:effectRef idx="0">
+            <a:schemeClr val="accent1"/>
+          </a:effectRef>
+          <a:fontRef idx="minor">
+            <a:schemeClr val="lt1"/>
+          </a:fontRef>
+        </p:style>
+        <p:txBody>
+          <a:bodyPr rtlCol="0" anchor="ctr"/>
+          <a:lstStyle/>
+          <a:p>
+            <a:pPr algn="ctr"/>
+            <a:endParaRPr lang="en-US" sz="1200">
+              <a:latin typeface="Palatino"/>
+              <a:cs typeface="Palatino"/>
+            </a:endParaRPr>
+          </a:p>
+        </p:txBody>
+      </p:sp>
+      <p:sp>
+        <p:nvSpPr>
+          <p:cNvPr id="34" name="TextBox 33"/>
+          <p:cNvSpPr txBox="1"/>
+          <p:nvPr/>
+        </p:nvSpPr>
+        <p:spPr>
+          <a:xfrm>
+            <a:off x="2914650" y="2590800"/>
+            <a:ext cx="1257300" cy="369332"/>
+          </a:xfrm>
+          <a:prstGeom prst="rect">
+            <a:avLst/>
+          </a:prstGeom>
+          <a:noFill/>
+        </p:spPr>
+        <p:txBody>
+          <a:bodyPr wrap="square" rtlCol="0">
+            <a:spAutoFit/>
+          </a:bodyPr>
+          <a:lstStyle/>
+          <a:p>
+            <a:pPr algn="ctr"/>
+            <a:r>
+              <a:rPr lang="en-US" dirty="0">
+                <a:latin typeface="Palatino"/>
+                <a:cs typeface="Palatino"/>
+              </a:rPr>
+              <a:t>Episode 3</a:t>
+            </a:r>
+          </a:p>
+        </p:txBody>
+      </p:sp>
+      <p:sp>
+        <p:nvSpPr>
+          <p:cNvPr id="35" name="Rounded Rectangle 34"/>
+          <p:cNvSpPr/>
+          <p:nvPr/>
+        </p:nvSpPr>
+        <p:spPr>
+          <a:xfrm>
+            <a:off x="2686050" y="2990850"/>
+            <a:ext cx="1714500" cy="971550"/>
+          </a:xfrm>
+          <a:prstGeom prst="roundRect">
+            <a:avLst/>
+          </a:prstGeom>
+          <a:noFill/>
+          <a:ln>
+            <a:solidFill>
+              <a:schemeClr val="accent2"/>
+            </a:solidFill>
+          </a:ln>
+        </p:spPr>
+        <p:style>
+          <a:lnRef idx="2">
+            <a:schemeClr val="accent1">
+              <a:shade val="50000"/>
+            </a:schemeClr>
+          </a:lnRef>
+          <a:fillRef idx="1">
+            <a:schemeClr val="accent1"/>
+          </a:fillRef>
+          <a:effectRef idx="0">
+            <a:schemeClr val="accent1"/>
+          </a:effectRef>
+          <a:fontRef idx="minor">
+            <a:schemeClr val="lt1"/>
+          </a:fontRef>
+        </p:style>
+        <p:txBody>
+          <a:bodyPr rtlCol="0" anchor="ctr"/>
+          <a:lstStyle/>
+          <a:p>
+            <a:pPr algn="ctr"/>
+            <a:endParaRPr lang="en-US" sz="1200">
+              <a:latin typeface="Palatino"/>
+              <a:cs typeface="Palatino"/>
+            </a:endParaRPr>
+          </a:p>
+        </p:txBody>
+      </p:sp>
+      <p:sp>
+        <p:nvSpPr>
+          <p:cNvPr id="36" name="TextBox 35"/>
+          <p:cNvSpPr txBox="1"/>
+          <p:nvPr/>
+        </p:nvSpPr>
+        <p:spPr>
+          <a:xfrm>
+            <a:off x="4857750" y="2590800"/>
+            <a:ext cx="1257300" cy="369332"/>
+          </a:xfrm>
+          <a:prstGeom prst="rect">
+            <a:avLst/>
+          </a:prstGeom>
+          <a:noFill/>
+        </p:spPr>
+        <p:txBody>
+          <a:bodyPr wrap="square" rtlCol="0">
+            <a:spAutoFit/>
+          </a:bodyPr>
+          <a:lstStyle/>
+          <a:p>
+            <a:pPr algn="ctr"/>
+            <a:r>
+              <a:rPr lang="en-US" dirty="0">
+                <a:latin typeface="Palatino"/>
+                <a:cs typeface="Palatino"/>
+              </a:rPr>
+              <a:t>Episode 4</a:t>
+            </a:r>
+          </a:p>
+        </p:txBody>
+      </p:sp>
+      <p:sp>
+        <p:nvSpPr>
+          <p:cNvPr id="37" name="Rounded Rectangle 36"/>
+          <p:cNvSpPr/>
+          <p:nvPr/>
+        </p:nvSpPr>
+        <p:spPr>
+          <a:xfrm>
+            <a:off x="4629150" y="2990850"/>
+            <a:ext cx="1714500" cy="971550"/>
+          </a:xfrm>
+          <a:prstGeom prst="roundRect">
+            <a:avLst/>
+          </a:prstGeom>
+          <a:noFill/>
+          <a:ln>
+            <a:solidFill>
+              <a:schemeClr val="accent2"/>
+            </a:solidFill>
+          </a:ln>
+        </p:spPr>
+        <p:style>
+          <a:lnRef idx="2">
+            <a:schemeClr val="accent1">
+              <a:shade val="50000"/>
+            </a:schemeClr>
+          </a:lnRef>
+          <a:fillRef idx="1">
+            <a:schemeClr val="accent1"/>
+          </a:fillRef>
+          <a:effectRef idx="0">
+            <a:schemeClr val="accent1"/>
+          </a:effectRef>
+          <a:fontRef idx="minor">
+            <a:schemeClr val="lt1"/>
+          </a:fontRef>
+        </p:style>
+        <p:txBody>
+          <a:bodyPr rtlCol="0" anchor="ctr"/>
+          <a:lstStyle/>
+          <a:p>
+            <a:pPr algn="ctr"/>
+            <a:endParaRPr lang="en-US" sz="1200">
+              <a:latin typeface="Palatino"/>
+              <a:cs typeface="Palatino"/>
+            </a:endParaRPr>
+          </a:p>
+        </p:txBody>
+      </p:sp>
+      <p:sp>
+        <p:nvSpPr>
+          <p:cNvPr id="44" name="TextBox 43"/>
+          <p:cNvSpPr txBox="1"/>
+          <p:nvPr/>
+        </p:nvSpPr>
+        <p:spPr>
+          <a:xfrm>
+            <a:off x="2800350" y="3028218"/>
+            <a:ext cx="1828800" cy="784830"/>
+          </a:xfrm>
+          <a:prstGeom prst="rect">
+            <a:avLst/>
+          </a:prstGeom>
+          <a:noFill/>
+        </p:spPr>
+        <p:txBody>
+          <a:bodyPr wrap="square" rtlCol="0">
+            <a:spAutoFit/>
+          </a:bodyPr>
+          <a:lstStyle/>
+          <a:p>
+            <a:r>
+              <a:rPr lang="en-US" sz="1500" dirty="0">
+                <a:latin typeface="Palatino"/>
+                <a:cs typeface="Palatino"/>
+              </a:rPr>
+              <a:t>E, north, C, -1</a:t>
+            </a:r>
+          </a:p>
+          <a:p>
+            <a:r>
+              <a:rPr lang="en-US" sz="1500" dirty="0">
+                <a:latin typeface="Palatino"/>
+                <a:cs typeface="Palatino"/>
+              </a:rPr>
+              <a:t>C, east, D, -1</a:t>
+            </a:r>
+          </a:p>
+          <a:p>
+            <a:r>
+              <a:rPr lang="en-US" sz="1500" dirty="0">
+                <a:latin typeface="Palatino"/>
+                <a:cs typeface="Palatino"/>
+              </a:rPr>
+              <a:t>D, exit, x, +10</a:t>
+            </a:r>
+          </a:p>
+        </p:txBody>
+      </p:sp>
+      <p:graphicFrame>
+        <p:nvGraphicFramePr>
+          <p:cNvPr id="56" name="Table 55"/>
+          <p:cNvGraphicFramePr>
+            <a:graphicFrameLocks noGrp="1"/>
+          </p:cNvGraphicFramePr>
+          <p:nvPr/>
+        </p:nvGraphicFramePr>
+        <p:xfrm>
+          <a:off x="6800850" y="1597716"/>
+          <a:ext cx="2000250" cy="1907484"/>
+        </p:xfrm>
+        <a:graphic>
+          <a:graphicData uri="http://schemas.openxmlformats.org/drawingml/2006/table">
+            <a:tbl>
+              <a:tblPr firstRow="1" bandRow="1">
+                <a:tableStyleId>{5C22544A-7EE6-4342-B048-85BDC9FD1C3A}</a:tableStyleId>
+              </a:tblPr>
+              <a:tblGrid>
+                <a:gridCol w="666750">
+                  <a:extLst>
+                    <a:ext uri="{9D8B030D-6E8A-4147-A177-3AD203B41FA5}">
+                      <a16:colId xmlns:a16="http://schemas.microsoft.com/office/drawing/2014/main" val="20000"/>
+                    </a:ext>
+                  </a:extLst>
+                </a:gridCol>
+                <a:gridCol w="666750">
+                  <a:extLst>
+                    <a:ext uri="{9D8B030D-6E8A-4147-A177-3AD203B41FA5}">
+                      <a16:colId xmlns:a16="http://schemas.microsoft.com/office/drawing/2014/main" val="20001"/>
+                    </a:ext>
+                  </a:extLst>
+                </a:gridCol>
+                <a:gridCol w="666750">
+                  <a:extLst>
+                    <a:ext uri="{9D8B030D-6E8A-4147-A177-3AD203B41FA5}">
+                      <a16:colId xmlns:a16="http://schemas.microsoft.com/office/drawing/2014/main" val="20002"/>
+                    </a:ext>
+                  </a:extLst>
+                </a:gridCol>
+              </a:tblGrid>
+              <a:tr h="635828">
+                <a:tc>
+                  <a:txBody>
+                    <a:bodyPr/>
+                    <a:lstStyle/>
+                    <a:p>
+                      <a:pPr algn="l"/>
+                      <a:endParaRPr lang="en-US" sz="2400" dirty="0">
+                        <a:solidFill>
+                          <a:schemeClr val="bg2"/>
+                        </a:solidFill>
+                        <a:latin typeface="Calibri" pitchFamily="34" charset="0"/>
+                      </a:endParaRPr>
+                    </a:p>
+                  </a:txBody>
+                  <a:tcPr marL="62617" marR="62617" marT="31309" marB="31309" anchor="b">
+                    <a:lnL w="28575" cap="flat" cmpd="sng" algn="ctr">
+                      <a:solidFill>
+                        <a:schemeClr val="tx1"/>
+                      </a:solidFill>
+                      <a:prstDash val="solid"/>
+                      <a:round/>
+                      <a:headEnd type="none" w="med" len="med"/>
+                      <a:tailEnd type="none" w="med" len="med"/>
+                    </a:lnL>
+                    <a:lnR w="28575" cap="flat" cmpd="sng" algn="ctr">
+                      <a:solidFill>
+                        <a:schemeClr val="tx1"/>
+                      </a:solidFill>
+                      <a:prstDash val="solid"/>
+                      <a:round/>
+                      <a:headEnd type="none" w="med" len="med"/>
+                      <a:tailEnd type="none" w="med" len="med"/>
+                    </a:lnR>
+                    <a:lnT w="28575" cap="flat" cmpd="sng" algn="ctr">
+                      <a:solidFill>
+                        <a:schemeClr val="tx1"/>
+                      </a:solidFill>
+                      <a:prstDash val="solid"/>
+                      <a:round/>
+                      <a:headEnd type="none" w="med" len="med"/>
+                      <a:tailEnd type="none" w="med" len="med"/>
+                    </a:lnT>
+                    <a:lnB w="28575" cap="flat" cmpd="sng" algn="ctr">
+                      <a:solidFill>
+                        <a:schemeClr val="tx1"/>
+                      </a:solidFill>
+                      <a:prstDash val="solid"/>
+                      <a:round/>
+                      <a:headEnd type="none" w="med" len="med"/>
+                      <a:tailEnd type="none" w="med" len="med"/>
+                    </a:lnB>
+                    <a:solidFill>
+                      <a:schemeClr val="tx1">
+                        <a:lumMod val="65000"/>
+                        <a:lumOff val="35000"/>
+                      </a:schemeClr>
+                    </a:solidFill>
+                  </a:tcPr>
+                </a:tc>
+                <a:tc>
+                  <a:txBody>
+                    <a:bodyPr/>
+                    <a:lstStyle/>
+                    <a:p>
+                      <a:pPr marL="0" marR="0" lvl="0" indent="0" algn="l" defTabSz="914354" rtl="0" eaLnBrk="1" fontAlgn="auto" latinLnBrk="0" hangingPunct="1">
+                        <a:lnSpc>
+                          <a:spcPct val="100000"/>
+                        </a:lnSpc>
+                        <a:spcBef>
+                          <a:spcPts val="0"/>
+                        </a:spcBef>
+                        <a:spcAft>
+                          <a:spcPts val="0"/>
+                        </a:spcAft>
+                        <a:buClrTx/>
+                        <a:buSzTx/>
+                        <a:buFontTx/>
+                        <a:buNone/>
+                        <a:tabLst/>
+                        <a:defRPr/>
+                      </a:pPr>
+                      <a:r>
+                        <a:rPr kumimoji="0" lang="en-US" sz="2100" b="1" i="0" u="none" strike="noStrike" kern="1200" cap="none" spc="0" normalizeH="0" baseline="0" noProof="0" dirty="0">
+                          <a:ln>
+                            <a:noFill/>
+                          </a:ln>
+                          <a:solidFill>
+                            <a:schemeClr val="bg2"/>
+                          </a:solidFill>
+                          <a:effectLst/>
+                          <a:uLnTx/>
+                          <a:uFillTx/>
+                          <a:latin typeface="Calibri" pitchFamily="34" charset="0"/>
+                          <a:ea typeface="+mn-ea"/>
+                          <a:cs typeface="+mn-cs"/>
+                        </a:rPr>
+                        <a:t>A</a:t>
+                      </a:r>
+                      <a:endParaRPr lang="en-US" sz="2100" dirty="0">
+                        <a:solidFill>
+                          <a:schemeClr val="bg2"/>
+                        </a:solidFill>
+                        <a:latin typeface="Calibri" pitchFamily="34" charset="0"/>
+                      </a:endParaRPr>
+                    </a:p>
+                  </a:txBody>
+                  <a:tcPr marL="62617" marR="62617" marT="31309" marB="31309" anchor="b">
+                    <a:lnL w="28575" cap="flat" cmpd="sng" algn="ctr">
+                      <a:solidFill>
+                        <a:schemeClr val="tx1"/>
+                      </a:solidFill>
+                      <a:prstDash val="solid"/>
+                      <a:round/>
+                      <a:headEnd type="none" w="med" len="med"/>
+                      <a:tailEnd type="none" w="med" len="med"/>
+                    </a:lnL>
+                    <a:lnR w="28575" cap="flat" cmpd="sng" algn="ctr">
+                      <a:solidFill>
+                        <a:schemeClr val="tx1"/>
+                      </a:solidFill>
+                      <a:prstDash val="solid"/>
+                      <a:round/>
+                      <a:headEnd type="none" w="med" len="med"/>
+                      <a:tailEnd type="none" w="med" len="med"/>
+                    </a:lnR>
+                    <a:lnT w="28575" cap="flat" cmpd="sng" algn="ctr">
+                      <a:solidFill>
+                        <a:schemeClr val="tx1"/>
+                      </a:solidFill>
+                      <a:prstDash val="solid"/>
+                      <a:round/>
+                      <a:headEnd type="none" w="med" len="med"/>
+                      <a:tailEnd type="none" w="med" len="med"/>
+                    </a:lnT>
+                    <a:lnB w="28575" cap="flat" cmpd="sng" algn="ctr">
+                      <a:solidFill>
+                        <a:schemeClr val="tx1"/>
+                      </a:solidFill>
+                      <a:prstDash val="solid"/>
+                      <a:round/>
+                      <a:headEnd type="none" w="med" len="med"/>
+                      <a:tailEnd type="none" w="med" len="med"/>
+                    </a:lnB>
+                    <a:solidFill>
+                      <a:schemeClr val="bg1"/>
+                    </a:solidFill>
+                  </a:tcPr>
+                </a:tc>
+                <a:tc>
+                  <a:txBody>
+                    <a:bodyPr/>
+                    <a:lstStyle/>
+                    <a:p>
+                      <a:pPr algn="l"/>
+                      <a:endParaRPr lang="en-US" sz="1400" dirty="0">
+                        <a:latin typeface="Calibri" pitchFamily="34" charset="0"/>
+                      </a:endParaRPr>
+                    </a:p>
+                  </a:txBody>
+                  <a:tcPr marL="62617" marR="62617" marT="31309" marB="31309" anchor="b">
+                    <a:lnL w="28575" cap="flat" cmpd="sng" algn="ctr">
+                      <a:solidFill>
+                        <a:schemeClr val="tx1"/>
+                      </a:solidFill>
+                      <a:prstDash val="solid"/>
+                      <a:round/>
+                      <a:headEnd type="none" w="med" len="med"/>
+                      <a:tailEnd type="none" w="med" len="med"/>
+                    </a:lnL>
+                    <a:lnR w="28575" cap="flat" cmpd="sng" algn="ctr">
+                      <a:solidFill>
+                        <a:schemeClr val="tx1"/>
+                      </a:solidFill>
+                      <a:prstDash val="solid"/>
+                      <a:round/>
+                      <a:headEnd type="none" w="med" len="med"/>
+                      <a:tailEnd type="none" w="med" len="med"/>
+                    </a:lnR>
+                    <a:lnT w="28575" cap="flat" cmpd="sng" algn="ctr">
+                      <a:solidFill>
+                        <a:schemeClr val="tx1"/>
+                      </a:solidFill>
+                      <a:prstDash val="solid"/>
+                      <a:round/>
+                      <a:headEnd type="none" w="med" len="med"/>
+                      <a:tailEnd type="none" w="med" len="med"/>
+                    </a:lnT>
+                    <a:lnB w="28575" cap="flat" cmpd="sng" algn="ctr">
+                      <a:solidFill>
+                        <a:schemeClr val="tx1"/>
+                      </a:solidFill>
+                      <a:prstDash val="solid"/>
+                      <a:round/>
+                      <a:headEnd type="none" w="med" len="med"/>
+                      <a:tailEnd type="none" w="med" len="med"/>
+                    </a:lnB>
+                    <a:solidFill>
+                      <a:schemeClr val="tx1">
+                        <a:lumMod val="65000"/>
+                        <a:lumOff val="35000"/>
+                      </a:schemeClr>
+                    </a:solidFill>
+                  </a:tcPr>
+                </a:tc>
+                <a:extLst>
+                  <a:ext uri="{0D108BD9-81ED-4DB2-BD59-A6C34878D82A}">
+                    <a16:rowId xmlns:a16="http://schemas.microsoft.com/office/drawing/2014/main" val="10000"/>
+                  </a:ext>
+                </a:extLst>
+              </a:tr>
+              <a:tr h="635828">
+                <a:tc>
+                  <a:txBody>
+                    <a:bodyPr/>
+                    <a:lstStyle/>
+                    <a:p>
+                      <a:pPr marL="0" marR="0" lvl="0" indent="0" algn="l" defTabSz="914354" rtl="0" eaLnBrk="1" fontAlgn="auto" latinLnBrk="0" hangingPunct="1">
+                        <a:lnSpc>
+                          <a:spcPct val="100000"/>
+                        </a:lnSpc>
+                        <a:spcBef>
+                          <a:spcPts val="0"/>
+                        </a:spcBef>
+                        <a:spcAft>
+                          <a:spcPts val="0"/>
+                        </a:spcAft>
+                        <a:buClrTx/>
+                        <a:buSzTx/>
+                        <a:buFontTx/>
+                        <a:buNone/>
+                        <a:tabLst/>
+                        <a:defRPr/>
+                      </a:pPr>
+                      <a:r>
+                        <a:rPr kumimoji="0" lang="en-US" sz="2400" b="1" i="0" u="none" strike="noStrike" kern="1200" cap="none" spc="0" normalizeH="0" baseline="0" noProof="0" dirty="0">
+                          <a:ln>
+                            <a:noFill/>
+                          </a:ln>
+                          <a:solidFill>
+                            <a:schemeClr val="bg2"/>
+                          </a:solidFill>
+                          <a:effectLst/>
+                          <a:uLnTx/>
+                          <a:uFillTx/>
+                          <a:latin typeface="Calibri" pitchFamily="34" charset="0"/>
+                          <a:ea typeface="+mn-ea"/>
+                          <a:cs typeface="+mn-cs"/>
+                        </a:rPr>
+                        <a:t>B</a:t>
+                      </a:r>
+                    </a:p>
+                  </a:txBody>
+                  <a:tcPr marL="62617" marR="62617" marT="31309" marB="31309" anchor="b">
+                    <a:lnL w="28575" cap="flat" cmpd="sng" algn="ctr">
+                      <a:solidFill>
+                        <a:schemeClr val="tx1"/>
+                      </a:solidFill>
+                      <a:prstDash val="solid"/>
+                      <a:round/>
+                      <a:headEnd type="none" w="med" len="med"/>
+                      <a:tailEnd type="none" w="med" len="med"/>
+                    </a:lnL>
+                    <a:lnR w="28575" cap="flat" cmpd="sng" algn="ctr">
+                      <a:solidFill>
+                        <a:schemeClr val="tx1"/>
+                      </a:solidFill>
+                      <a:prstDash val="solid"/>
+                      <a:round/>
+                      <a:headEnd type="none" w="med" len="med"/>
+                      <a:tailEnd type="none" w="med" len="med"/>
+                    </a:lnR>
+                    <a:lnT w="28575" cap="flat" cmpd="sng" algn="ctr">
+                      <a:solidFill>
+                        <a:schemeClr val="tx1"/>
+                      </a:solidFill>
+                      <a:prstDash val="solid"/>
+                      <a:round/>
+                      <a:headEnd type="none" w="med" len="med"/>
+                      <a:tailEnd type="none" w="med" len="med"/>
+                    </a:lnT>
+                    <a:lnB w="28575" cap="flat" cmpd="sng" algn="ctr">
+                      <a:solidFill>
+                        <a:schemeClr val="tx1"/>
+                      </a:solidFill>
+                      <a:prstDash val="solid"/>
+                      <a:round/>
+                      <a:headEnd type="none" w="med" len="med"/>
+                      <a:tailEnd type="none" w="med" len="med"/>
+                    </a:lnB>
+                    <a:solidFill>
+                      <a:schemeClr val="bg1"/>
+                    </a:solidFill>
+                  </a:tcPr>
+                </a:tc>
+                <a:tc>
+                  <a:txBody>
+                    <a:bodyPr/>
+                    <a:lstStyle/>
+                    <a:p>
+                      <a:pPr marL="0" marR="0" lvl="0" indent="0" algn="l" defTabSz="914354" rtl="0" eaLnBrk="1" fontAlgn="auto" latinLnBrk="0" hangingPunct="1">
+                        <a:lnSpc>
+                          <a:spcPct val="100000"/>
+                        </a:lnSpc>
+                        <a:spcBef>
+                          <a:spcPts val="0"/>
+                        </a:spcBef>
+                        <a:spcAft>
+                          <a:spcPts val="0"/>
+                        </a:spcAft>
+                        <a:buClrTx/>
+                        <a:buSzTx/>
+                        <a:buFontTx/>
+                        <a:buNone/>
+                        <a:tabLst/>
+                        <a:defRPr/>
+                      </a:pPr>
+                      <a:r>
+                        <a:rPr kumimoji="0" lang="en-US" sz="2400" b="1" i="0" u="none" strike="noStrike" kern="1200" cap="none" spc="0" normalizeH="0" baseline="0" noProof="0" dirty="0">
+                          <a:ln>
+                            <a:noFill/>
+                          </a:ln>
+                          <a:solidFill>
+                            <a:schemeClr val="bg2"/>
+                          </a:solidFill>
+                          <a:effectLst/>
+                          <a:uLnTx/>
+                          <a:uFillTx/>
+                          <a:latin typeface="Calibri" pitchFamily="34" charset="0"/>
+                          <a:ea typeface="+mn-ea"/>
+                          <a:cs typeface="+mn-cs"/>
+                        </a:rPr>
+                        <a:t>C</a:t>
+                      </a:r>
+                      <a:endParaRPr lang="en-US" sz="2400" dirty="0">
+                        <a:solidFill>
+                          <a:schemeClr val="bg2"/>
+                        </a:solidFill>
+                        <a:latin typeface="Calibri" pitchFamily="34" charset="0"/>
+                      </a:endParaRPr>
+                    </a:p>
+                  </a:txBody>
+                  <a:tcPr marL="62617" marR="62617" marT="31309" marB="31309" anchor="b">
+                    <a:lnL w="28575" cap="flat" cmpd="sng" algn="ctr">
+                      <a:solidFill>
+                        <a:schemeClr val="tx1"/>
+                      </a:solidFill>
+                      <a:prstDash val="solid"/>
+                      <a:round/>
+                      <a:headEnd type="none" w="med" len="med"/>
+                      <a:tailEnd type="none" w="med" len="med"/>
+                    </a:lnL>
+                    <a:lnR w="28575" cap="flat" cmpd="sng" algn="ctr">
+                      <a:solidFill>
+                        <a:schemeClr val="tx1"/>
+                      </a:solidFill>
+                      <a:prstDash val="solid"/>
+                      <a:round/>
+                      <a:headEnd type="none" w="med" len="med"/>
+                      <a:tailEnd type="none" w="med" len="med"/>
+                    </a:lnR>
+                    <a:lnT w="28575" cap="flat" cmpd="sng" algn="ctr">
+                      <a:solidFill>
+                        <a:schemeClr val="tx1"/>
+                      </a:solidFill>
+                      <a:prstDash val="solid"/>
+                      <a:round/>
+                      <a:headEnd type="none" w="med" len="med"/>
+                      <a:tailEnd type="none" w="med" len="med"/>
+                    </a:lnT>
+                    <a:lnB w="28575" cap="flat" cmpd="sng" algn="ctr">
+                      <a:solidFill>
+                        <a:schemeClr val="tx1"/>
+                      </a:solidFill>
+                      <a:prstDash val="solid"/>
+                      <a:round/>
+                      <a:headEnd type="none" w="med" len="med"/>
+                      <a:tailEnd type="none" w="med" len="med"/>
+                    </a:lnB>
+                    <a:solidFill>
+                      <a:schemeClr val="bg1"/>
+                    </a:solidFill>
+                  </a:tcPr>
+                </a:tc>
+                <a:tc>
+                  <a:txBody>
+                    <a:bodyPr/>
+                    <a:lstStyle/>
+                    <a:p>
+                      <a:pPr marL="0" marR="0" lvl="0" indent="0" algn="l" defTabSz="914354" rtl="0" eaLnBrk="1" fontAlgn="auto" latinLnBrk="0" hangingPunct="1">
+                        <a:lnSpc>
+                          <a:spcPct val="100000"/>
+                        </a:lnSpc>
+                        <a:spcBef>
+                          <a:spcPts val="0"/>
+                        </a:spcBef>
+                        <a:spcAft>
+                          <a:spcPts val="0"/>
+                        </a:spcAft>
+                        <a:buClrTx/>
+                        <a:buSzTx/>
+                        <a:buFontTx/>
+                        <a:buNone/>
+                        <a:tabLst/>
+                        <a:defRPr/>
+                      </a:pPr>
+                      <a:r>
+                        <a:rPr kumimoji="0" lang="en-US" sz="2100" b="1" i="0" u="none" strike="noStrike" kern="1200" cap="none" spc="0" normalizeH="0" baseline="0" noProof="0" dirty="0">
+                          <a:ln>
+                            <a:noFill/>
+                          </a:ln>
+                          <a:solidFill>
+                            <a:srgbClr val="808080"/>
+                          </a:solidFill>
+                          <a:effectLst/>
+                          <a:uLnTx/>
+                          <a:uFillTx/>
+                          <a:latin typeface="Calibri" pitchFamily="34" charset="0"/>
+                          <a:ea typeface="+mn-ea"/>
+                          <a:cs typeface="+mn-cs"/>
+                        </a:rPr>
+                        <a:t>D</a:t>
+                      </a:r>
+                      <a:endParaRPr kumimoji="0" lang="en-US" sz="2100" b="0" i="0" u="none" strike="noStrike" kern="1200" cap="none" spc="0" normalizeH="0" baseline="0" noProof="0" dirty="0">
+                        <a:ln>
+                          <a:noFill/>
+                        </a:ln>
+                        <a:solidFill>
+                          <a:schemeClr val="tx1"/>
+                        </a:solidFill>
+                        <a:effectLst/>
+                        <a:uLnTx/>
+                        <a:uFillTx/>
+                        <a:latin typeface="Calibri" pitchFamily="34" charset="0"/>
+                        <a:ea typeface="+mn-ea"/>
+                        <a:cs typeface="+mn-cs"/>
+                      </a:endParaRPr>
+                    </a:p>
+                  </a:txBody>
+                  <a:tcPr marL="62617" marR="62617" marT="31309" marB="31309" anchor="b">
+                    <a:lnL w="28575" cap="flat" cmpd="sng" algn="ctr">
+                      <a:solidFill>
+                        <a:schemeClr val="tx1"/>
+                      </a:solidFill>
+                      <a:prstDash val="solid"/>
+                      <a:round/>
+                      <a:headEnd type="none" w="med" len="med"/>
+                      <a:tailEnd type="none" w="med" len="med"/>
+                    </a:lnL>
+                    <a:lnR w="28575" cap="flat" cmpd="sng" algn="ctr">
+                      <a:solidFill>
+                        <a:schemeClr val="tx1"/>
+                      </a:solidFill>
+                      <a:prstDash val="solid"/>
+                      <a:round/>
+                      <a:headEnd type="none" w="med" len="med"/>
+                      <a:tailEnd type="none" w="med" len="med"/>
+                    </a:lnR>
+                    <a:lnT w="28575" cap="flat" cmpd="sng" algn="ctr">
+                      <a:solidFill>
+                        <a:schemeClr val="tx1"/>
+                      </a:solidFill>
+                      <a:prstDash val="solid"/>
+                      <a:round/>
+                      <a:headEnd type="none" w="med" len="med"/>
+                      <a:tailEnd type="none" w="med" len="med"/>
+                    </a:lnT>
+                    <a:lnB w="28575" cap="flat" cmpd="sng" algn="ctr">
+                      <a:solidFill>
+                        <a:schemeClr val="tx1"/>
+                      </a:solidFill>
+                      <a:prstDash val="solid"/>
+                      <a:round/>
+                      <a:headEnd type="none" w="med" len="med"/>
+                      <a:tailEnd type="none" w="med" len="med"/>
+                    </a:lnB>
+                    <a:solidFill>
+                      <a:schemeClr val="bg1"/>
+                    </a:solidFill>
+                  </a:tcPr>
+                </a:tc>
+                <a:extLst>
+                  <a:ext uri="{0D108BD9-81ED-4DB2-BD59-A6C34878D82A}">
+                    <a16:rowId xmlns:a16="http://schemas.microsoft.com/office/drawing/2014/main" val="10001"/>
+                  </a:ext>
+                </a:extLst>
+              </a:tr>
+              <a:tr h="635828">
+                <a:tc>
+                  <a:txBody>
+                    <a:bodyPr/>
+                    <a:lstStyle/>
+                    <a:p>
+                      <a:pPr algn="l"/>
+                      <a:endParaRPr lang="en-US" sz="1400" dirty="0">
+                        <a:latin typeface="Calibri" pitchFamily="34" charset="0"/>
+                      </a:endParaRPr>
+                    </a:p>
+                  </a:txBody>
+                  <a:tcPr marL="62617" marR="62617" marT="31309" marB="31309" anchor="b">
+                    <a:lnL w="28575" cap="flat" cmpd="sng" algn="ctr">
+                      <a:solidFill>
+                        <a:schemeClr val="tx1"/>
+                      </a:solidFill>
+                      <a:prstDash val="solid"/>
+                      <a:round/>
+                      <a:headEnd type="none" w="med" len="med"/>
+                      <a:tailEnd type="none" w="med" len="med"/>
+                    </a:lnL>
+                    <a:lnR w="28575" cap="flat" cmpd="sng" algn="ctr">
+                      <a:solidFill>
+                        <a:schemeClr val="tx1"/>
+                      </a:solidFill>
+                      <a:prstDash val="solid"/>
+                      <a:round/>
+                      <a:headEnd type="none" w="med" len="med"/>
+                      <a:tailEnd type="none" w="med" len="med"/>
+                    </a:lnR>
+                    <a:lnT w="28575" cap="flat" cmpd="sng" algn="ctr">
+                      <a:solidFill>
+                        <a:schemeClr val="tx1"/>
+                      </a:solidFill>
+                      <a:prstDash val="solid"/>
+                      <a:round/>
+                      <a:headEnd type="none" w="med" len="med"/>
+                      <a:tailEnd type="none" w="med" len="med"/>
+                    </a:lnT>
+                    <a:lnB w="28575" cap="flat" cmpd="sng" algn="ctr">
+                      <a:solidFill>
+                        <a:schemeClr val="tx1"/>
+                      </a:solidFill>
+                      <a:prstDash val="solid"/>
+                      <a:round/>
+                      <a:headEnd type="none" w="med" len="med"/>
+                      <a:tailEnd type="none" w="med" len="med"/>
+                    </a:lnB>
+                    <a:solidFill>
+                      <a:schemeClr val="tx1">
+                        <a:lumMod val="65000"/>
+                        <a:lumOff val="35000"/>
+                      </a:schemeClr>
+                    </a:solidFill>
+                  </a:tcPr>
+                </a:tc>
+                <a:tc>
+                  <a:txBody>
+                    <a:bodyPr/>
+                    <a:lstStyle/>
+                    <a:p>
+                      <a:pPr marL="0" marR="0" lvl="0" indent="0" algn="l" defTabSz="914354" rtl="0" eaLnBrk="1" fontAlgn="auto" latinLnBrk="0" hangingPunct="1">
+                        <a:lnSpc>
+                          <a:spcPct val="100000"/>
+                        </a:lnSpc>
+                        <a:spcBef>
+                          <a:spcPts val="0"/>
+                        </a:spcBef>
+                        <a:spcAft>
+                          <a:spcPts val="0"/>
+                        </a:spcAft>
+                        <a:buClrTx/>
+                        <a:buSzTx/>
+                        <a:buFontTx/>
+                        <a:buNone/>
+                        <a:tabLst/>
+                        <a:defRPr/>
+                      </a:pPr>
+                      <a:r>
+                        <a:rPr kumimoji="0" lang="en-US" sz="2400" b="1" i="0" u="none" strike="noStrike" kern="1200" cap="none" spc="0" normalizeH="0" baseline="0" noProof="0" dirty="0">
+                          <a:ln>
+                            <a:noFill/>
+                          </a:ln>
+                          <a:solidFill>
+                            <a:srgbClr val="808080"/>
+                          </a:solidFill>
+                          <a:effectLst/>
+                          <a:uLnTx/>
+                          <a:uFillTx/>
+                          <a:latin typeface="Calibri" pitchFamily="34" charset="0"/>
+                          <a:ea typeface="+mn-ea"/>
+                          <a:cs typeface="+mn-cs"/>
+                        </a:rPr>
+                        <a:t>E</a:t>
+                      </a:r>
+                      <a:endParaRPr kumimoji="0" lang="en-US" sz="2400" b="0" i="0" u="none" strike="noStrike" kern="1200" cap="none" spc="0" normalizeH="0" baseline="0" noProof="0" dirty="0">
+                        <a:ln>
+                          <a:noFill/>
+                        </a:ln>
+                        <a:solidFill>
+                          <a:srgbClr val="808080"/>
+                        </a:solidFill>
+                        <a:effectLst/>
+                        <a:uLnTx/>
+                        <a:uFillTx/>
+                        <a:latin typeface="Calibri" pitchFamily="34" charset="0"/>
+                        <a:ea typeface="+mn-ea"/>
+                        <a:cs typeface="+mn-cs"/>
+                      </a:endParaRPr>
+                    </a:p>
+                  </a:txBody>
+                  <a:tcPr marL="62617" marR="62617" marT="31309" marB="31309" anchor="b">
+                    <a:lnL w="28575" cap="flat" cmpd="sng" algn="ctr">
+                      <a:solidFill>
+                        <a:schemeClr val="tx1"/>
+                      </a:solidFill>
+                      <a:prstDash val="solid"/>
+                      <a:round/>
+                      <a:headEnd type="none" w="med" len="med"/>
+                      <a:tailEnd type="none" w="med" len="med"/>
+                    </a:lnL>
+                    <a:lnR w="28575" cap="flat" cmpd="sng" algn="ctr">
+                      <a:solidFill>
+                        <a:schemeClr val="tx1"/>
+                      </a:solidFill>
+                      <a:prstDash val="solid"/>
+                      <a:round/>
+                      <a:headEnd type="none" w="med" len="med"/>
+                      <a:tailEnd type="none" w="med" len="med"/>
+                    </a:lnR>
+                    <a:lnT w="28575" cap="flat" cmpd="sng" algn="ctr">
+                      <a:solidFill>
+                        <a:schemeClr val="tx1"/>
+                      </a:solidFill>
+                      <a:prstDash val="solid"/>
+                      <a:round/>
+                      <a:headEnd type="none" w="med" len="med"/>
+                      <a:tailEnd type="none" w="med" len="med"/>
+                    </a:lnT>
+                    <a:lnB w="28575" cap="flat" cmpd="sng" algn="ctr">
+                      <a:solidFill>
+                        <a:schemeClr val="tx1"/>
+                      </a:solidFill>
+                      <a:prstDash val="solid"/>
+                      <a:round/>
+                      <a:headEnd type="none" w="med" len="med"/>
+                      <a:tailEnd type="none" w="med" len="med"/>
+                    </a:lnB>
+                    <a:solidFill>
+                      <a:schemeClr val="bg1"/>
+                    </a:solidFill>
+                  </a:tcPr>
+                </a:tc>
+                <a:tc>
+                  <a:txBody>
+                    <a:bodyPr/>
+                    <a:lstStyle/>
+                    <a:p>
+                      <a:pPr algn="l"/>
+                      <a:endParaRPr lang="en-US" sz="1400" dirty="0">
+                        <a:latin typeface="Calibri" pitchFamily="34" charset="0"/>
+                      </a:endParaRPr>
+                    </a:p>
+                  </a:txBody>
+                  <a:tcPr marL="62617" marR="62617" marT="31309" marB="31309" anchor="b">
+                    <a:lnL w="28575" cap="flat" cmpd="sng" algn="ctr">
+                      <a:solidFill>
+                        <a:schemeClr val="tx1"/>
+                      </a:solidFill>
+                      <a:prstDash val="solid"/>
+                      <a:round/>
+                      <a:headEnd type="none" w="med" len="med"/>
+                      <a:tailEnd type="none" w="med" len="med"/>
+                    </a:lnL>
+                    <a:lnR w="28575" cap="flat" cmpd="sng" algn="ctr">
+                      <a:solidFill>
+                        <a:schemeClr val="tx1"/>
+                      </a:solidFill>
+                      <a:prstDash val="solid"/>
+                      <a:round/>
+                      <a:headEnd type="none" w="med" len="med"/>
+                      <a:tailEnd type="none" w="med" len="med"/>
+                    </a:lnR>
+                    <a:lnT w="28575" cap="flat" cmpd="sng" algn="ctr">
+                      <a:solidFill>
+                        <a:schemeClr val="tx1"/>
+                      </a:solidFill>
+                      <a:prstDash val="solid"/>
+                      <a:round/>
+                      <a:headEnd type="none" w="med" len="med"/>
+                      <a:tailEnd type="none" w="med" len="med"/>
+                    </a:lnT>
+                    <a:lnB w="28575" cap="flat" cmpd="sng" algn="ctr">
+                      <a:solidFill>
+                        <a:schemeClr val="tx1"/>
+                      </a:solidFill>
+                      <a:prstDash val="solid"/>
+                      <a:round/>
+                      <a:headEnd type="none" w="med" len="med"/>
+                      <a:tailEnd type="none" w="med" len="med"/>
+                    </a:lnB>
+                    <a:solidFill>
+                      <a:schemeClr val="tx1">
+                        <a:lumMod val="65000"/>
+                        <a:lumOff val="35000"/>
+                      </a:schemeClr>
+                    </a:solidFill>
+                  </a:tcPr>
+                </a:tc>
+                <a:extLst>
+                  <a:ext uri="{0D108BD9-81ED-4DB2-BD59-A6C34878D82A}">
+                    <a16:rowId xmlns:a16="http://schemas.microsoft.com/office/drawing/2014/main" val="10002"/>
+                  </a:ext>
+                </a:extLst>
+              </a:tr>
+            </a:tbl>
+          </a:graphicData>
+        </a:graphic>
+      </p:graphicFrame>
+      <p:sp>
+        <p:nvSpPr>
+          <p:cNvPr id="57" name="TextBox 56"/>
+          <p:cNvSpPr txBox="1"/>
+          <p:nvPr/>
+        </p:nvSpPr>
+        <p:spPr>
+          <a:xfrm>
+            <a:off x="6858000" y="2226365"/>
+            <a:ext cx="685800" cy="369332"/>
+          </a:xfrm>
+          <a:prstGeom prst="rect">
+            <a:avLst/>
+          </a:prstGeom>
+          <a:noFill/>
+        </p:spPr>
+        <p:txBody>
+          <a:bodyPr wrap="square" rtlCol="0">
+            <a:spAutoFit/>
+          </a:bodyPr>
+          <a:lstStyle/>
+          <a:p>
+            <a:pPr algn="ctr"/>
+            <a:r>
+              <a:rPr lang="en-US" dirty="0">
+                <a:solidFill>
+                  <a:srgbClr val="FF0000"/>
+                </a:solidFill>
+                <a:latin typeface="Palatino"/>
+                <a:cs typeface="Palatino"/>
+              </a:rPr>
+              <a:t>+8</a:t>
+            </a:r>
+          </a:p>
+        </p:txBody>
+      </p:sp>
+      <p:sp>
+        <p:nvSpPr>
+          <p:cNvPr id="58" name="TextBox 57"/>
+          <p:cNvSpPr txBox="1"/>
+          <p:nvPr/>
+        </p:nvSpPr>
+        <p:spPr>
+          <a:xfrm>
+            <a:off x="7513026" y="2226365"/>
+            <a:ext cx="685800" cy="369332"/>
+          </a:xfrm>
+          <a:prstGeom prst="rect">
+            <a:avLst/>
+          </a:prstGeom>
+          <a:noFill/>
+        </p:spPr>
+        <p:txBody>
+          <a:bodyPr wrap="square" rtlCol="0">
+            <a:spAutoFit/>
+          </a:bodyPr>
+          <a:lstStyle/>
+          <a:p>
+            <a:pPr algn="ctr"/>
+            <a:r>
+              <a:rPr lang="en-US" dirty="0">
+                <a:solidFill>
+                  <a:srgbClr val="FF0000"/>
+                </a:solidFill>
+                <a:latin typeface="Palatino"/>
+                <a:cs typeface="Palatino"/>
+              </a:rPr>
+              <a:t>+4</a:t>
+            </a:r>
+          </a:p>
+        </p:txBody>
+      </p:sp>
+      <p:sp>
+        <p:nvSpPr>
+          <p:cNvPr id="59" name="TextBox 58"/>
+          <p:cNvSpPr txBox="1"/>
+          <p:nvPr/>
+        </p:nvSpPr>
+        <p:spPr>
+          <a:xfrm>
+            <a:off x="8172450" y="2226365"/>
+            <a:ext cx="685800" cy="369332"/>
+          </a:xfrm>
+          <a:prstGeom prst="rect">
+            <a:avLst/>
+          </a:prstGeom>
+          <a:noFill/>
+        </p:spPr>
+        <p:txBody>
+          <a:bodyPr wrap="square" rtlCol="0">
+            <a:spAutoFit/>
+          </a:bodyPr>
+          <a:lstStyle/>
+          <a:p>
+            <a:pPr algn="ctr"/>
+            <a:r>
+              <a:rPr lang="en-US" dirty="0">
+                <a:solidFill>
+                  <a:srgbClr val="FF0000"/>
+                </a:solidFill>
+                <a:latin typeface="Palatino"/>
+                <a:cs typeface="Palatino"/>
+              </a:rPr>
+              <a:t>+10</a:t>
+            </a:r>
+          </a:p>
+        </p:txBody>
+      </p:sp>
+      <p:sp>
+        <p:nvSpPr>
+          <p:cNvPr id="60" name="TextBox 59"/>
+          <p:cNvSpPr txBox="1"/>
+          <p:nvPr/>
+        </p:nvSpPr>
+        <p:spPr>
+          <a:xfrm>
+            <a:off x="7543800" y="1597715"/>
+            <a:ext cx="685800" cy="369332"/>
+          </a:xfrm>
+          <a:prstGeom prst="rect">
+            <a:avLst/>
+          </a:prstGeom>
+          <a:noFill/>
+        </p:spPr>
+        <p:txBody>
+          <a:bodyPr wrap="square" rtlCol="0">
+            <a:spAutoFit/>
+          </a:bodyPr>
+          <a:lstStyle/>
+          <a:p>
+            <a:pPr algn="ctr"/>
+            <a:r>
+              <a:rPr lang="en-US" dirty="0">
+                <a:solidFill>
+                  <a:srgbClr val="FF0000"/>
+                </a:solidFill>
+                <a:latin typeface="Palatino"/>
+                <a:cs typeface="Palatino"/>
+              </a:rPr>
+              <a:t>-10</a:t>
+            </a:r>
+          </a:p>
+        </p:txBody>
+      </p:sp>
+      <p:sp>
+        <p:nvSpPr>
+          <p:cNvPr id="61" name="TextBox 60"/>
+          <p:cNvSpPr txBox="1"/>
+          <p:nvPr/>
+        </p:nvSpPr>
+        <p:spPr>
+          <a:xfrm>
+            <a:off x="7543800" y="2900199"/>
+            <a:ext cx="685800" cy="369332"/>
+          </a:xfrm>
+          <a:prstGeom prst="rect">
+            <a:avLst/>
+          </a:prstGeom>
+          <a:noFill/>
+        </p:spPr>
+        <p:txBody>
+          <a:bodyPr wrap="square" rtlCol="0">
+            <a:spAutoFit/>
+          </a:bodyPr>
+          <a:lstStyle/>
+          <a:p>
+            <a:pPr algn="ctr"/>
+            <a:r>
+              <a:rPr lang="en-US" dirty="0">
+                <a:solidFill>
+                  <a:srgbClr val="FF0000"/>
+                </a:solidFill>
+                <a:latin typeface="Palatino"/>
+                <a:cs typeface="Palatino"/>
+              </a:rPr>
+              <a:t>-2</a:t>
+            </a:r>
+          </a:p>
+        </p:txBody>
+      </p:sp>
+      <mc:AlternateContent xmlns:mc="http://schemas.openxmlformats.org/markup-compatibility/2006" xmlns:a14="http://schemas.microsoft.com/office/drawing/2010/main">
+        <mc:Choice Requires="a14">
+          <p:sp>
+            <p:nvSpPr>
+              <p:cNvPr id="38" name="Content Placeholder 2">
+                <a:extLst>
+                  <a:ext uri="{FF2B5EF4-FFF2-40B4-BE49-F238E27FC236}">
+                    <a16:creationId xmlns:a16="http://schemas.microsoft.com/office/drawing/2014/main" id="{0CF51EAE-27F1-4FBB-80B2-80748E64A0F9}"/>
+                  </a:ext>
+                </a:extLst>
+              </p:cNvPr>
+              <p:cNvSpPr>
+                <a:spLocks noGrp="1"/>
+              </p:cNvSpPr>
+              <p:nvPr>
+                <p:ph idx="1"/>
+              </p:nvPr>
+            </p:nvSpPr>
+            <p:spPr>
+              <a:xfrm>
+                <a:off x="0" y="4057880"/>
+                <a:ext cx="4629150" cy="2721130"/>
+              </a:xfrm>
+            </p:spPr>
+            <p:txBody>
+              <a:bodyPr>
+                <a:normAutofit fontScale="55000" lnSpcReduction="20000"/>
+              </a:bodyPr>
+              <a:lstStyle/>
+              <a:p>
+                <a:r>
+                  <a:rPr lang="en-US" dirty="0"/>
+                  <a:t>State A:</a:t>
+                </a:r>
+              </a:p>
+              <a:p>
+                <a:pPr lvl="1"/>
+                <a:r>
+                  <a:rPr lang="en-US" dirty="0"/>
+                  <a:t>Episode 4: </a:t>
+                </a:r>
+                <a14:m>
+                  <m:oMath xmlns:m="http://schemas.openxmlformats.org/officeDocument/2006/math">
+                    <m:sSub>
+                      <m:sSubPr>
+                        <m:ctrlPr>
+                          <a:rPr lang="en-US" b="0" i="1" dirty="0" smtClean="0">
+                            <a:latin typeface="Cambria Math" panose="02040503050406030204" pitchFamily="18" charset="0"/>
+                          </a:rPr>
+                        </m:ctrlPr>
+                      </m:sSubPr>
+                      <m:e>
+                        <m:r>
+                          <a:rPr lang="en-US" b="0" i="1" dirty="0" smtClean="0">
+                            <a:latin typeface="Cambria Math" panose="02040503050406030204" pitchFamily="18" charset="0"/>
+                          </a:rPr>
+                          <m:t>𝐺</m:t>
+                        </m:r>
+                      </m:e>
+                      <m:sub>
+                        <m:r>
+                          <a:rPr lang="en-US" b="0" i="1" dirty="0" smtClean="0">
+                            <a:latin typeface="Cambria Math" panose="02040503050406030204" pitchFamily="18" charset="0"/>
+                          </a:rPr>
+                          <m:t>𝑡</m:t>
+                        </m:r>
+                      </m:sub>
+                    </m:sSub>
+                    <m:d>
+                      <m:dPr>
+                        <m:ctrlPr>
+                          <a:rPr lang="en-US" b="0" i="1" dirty="0" smtClean="0">
+                            <a:latin typeface="Cambria Math" panose="02040503050406030204" pitchFamily="18" charset="0"/>
+                          </a:rPr>
+                        </m:ctrlPr>
+                      </m:dPr>
+                      <m:e>
+                        <m:r>
+                          <a:rPr lang="en-US" b="0" i="1" dirty="0" smtClean="0">
+                            <a:latin typeface="Cambria Math" panose="02040503050406030204" pitchFamily="18" charset="0"/>
+                          </a:rPr>
+                          <m:t>𝐴</m:t>
+                        </m:r>
+                      </m:e>
+                    </m:d>
+                    <m:r>
+                      <a:rPr lang="en-US" b="0" i="1" dirty="0" smtClean="0">
+                        <a:latin typeface="Cambria Math" panose="02040503050406030204" pitchFamily="18" charset="0"/>
+                      </a:rPr>
+                      <m:t>=</m:t>
+                    </m:r>
+                    <m:r>
+                      <a:rPr lang="en-US" b="0" i="1" smtClean="0">
+                        <a:latin typeface="Cambria Math" panose="02040503050406030204" pitchFamily="18" charset="0"/>
+                      </a:rPr>
+                      <m:t>−10</m:t>
+                    </m:r>
+                  </m:oMath>
+                </a14:m>
+                <a:endParaRPr lang="en-US" dirty="0"/>
+              </a:p>
+              <a:p>
+                <a:pPr lvl="1"/>
+                <a:r>
+                  <a:rPr lang="en-US" dirty="0"/>
+                  <a:t> </a:t>
+                </a:r>
+                <a14:m>
+                  <m:oMath xmlns:m="http://schemas.openxmlformats.org/officeDocument/2006/math">
+                    <m:acc>
+                      <m:accPr>
+                        <m:chr m:val="̂"/>
+                        <m:ctrlPr>
+                          <a:rPr lang="en-US" i="1">
+                            <a:latin typeface="Cambria Math" panose="02040503050406030204" pitchFamily="18" charset="0"/>
+                          </a:rPr>
+                        </m:ctrlPr>
+                      </m:accPr>
+                      <m:e>
+                        <m:r>
+                          <a:rPr lang="en-US" i="1">
+                            <a:latin typeface="Cambria Math" panose="02040503050406030204" pitchFamily="18" charset="0"/>
+                          </a:rPr>
+                          <m:t>𝑉</m:t>
+                        </m:r>
+                      </m:e>
+                    </m:acc>
+                    <m:d>
+                      <m:dPr>
+                        <m:ctrlPr>
+                          <a:rPr lang="en-US" i="1">
+                            <a:latin typeface="Cambria Math" panose="02040503050406030204" pitchFamily="18" charset="0"/>
+                          </a:rPr>
+                        </m:ctrlPr>
+                      </m:dPr>
+                      <m:e>
+                        <m:r>
+                          <a:rPr lang="en-US" i="1">
+                            <a:latin typeface="Cambria Math" panose="02040503050406030204" pitchFamily="18" charset="0"/>
+                          </a:rPr>
+                          <m:t>𝐴</m:t>
+                        </m:r>
+                      </m:e>
+                    </m:d>
+                    <m:r>
+                      <a:rPr lang="en-US" i="1">
+                        <a:latin typeface="Cambria Math" panose="02040503050406030204" pitchFamily="18" charset="0"/>
+                      </a:rPr>
+                      <m:t>=</m:t>
+                    </m:r>
+                    <m:f>
+                      <m:fPr>
+                        <m:ctrlPr>
+                          <a:rPr lang="en-US" b="0" i="1" smtClean="0">
+                            <a:latin typeface="Cambria Math" panose="02040503050406030204" pitchFamily="18" charset="0"/>
+                          </a:rPr>
+                        </m:ctrlPr>
+                      </m:fPr>
+                      <m:num>
+                        <m:r>
+                          <a:rPr lang="en-US" b="0" i="1" smtClean="0">
+                            <a:latin typeface="Cambria Math" panose="02040503050406030204" pitchFamily="18" charset="0"/>
+                          </a:rPr>
+                          <m:t>−</m:t>
+                        </m:r>
+                        <m:r>
+                          <a:rPr lang="en-US" i="1">
+                            <a:latin typeface="Cambria Math" panose="02040503050406030204" pitchFamily="18" charset="0"/>
+                          </a:rPr>
+                          <m:t>10</m:t>
+                        </m:r>
+                      </m:num>
+                      <m:den>
+                        <m:r>
+                          <a:rPr lang="en-US" b="0" i="1" smtClean="0">
+                            <a:latin typeface="Cambria Math" panose="02040503050406030204" pitchFamily="18" charset="0"/>
+                          </a:rPr>
+                          <m:t>1</m:t>
+                        </m:r>
+                      </m:den>
+                    </m:f>
+                    <m:r>
+                      <a:rPr lang="en-US" b="0" i="1" smtClean="0">
+                        <a:latin typeface="Cambria Math" panose="02040503050406030204" pitchFamily="18" charset="0"/>
+                      </a:rPr>
+                      <m:t>=−10</m:t>
+                    </m:r>
+                    <m:r>
+                      <a:rPr lang="en-US" i="1">
+                        <a:latin typeface="Cambria Math" panose="02040503050406030204" pitchFamily="18" charset="0"/>
+                      </a:rPr>
+                      <m:t>,</m:t>
+                    </m:r>
+                  </m:oMath>
+                </a14:m>
+                <a:endParaRPr lang="en-US" dirty="0"/>
+              </a:p>
+              <a:p>
+                <a:r>
+                  <a:rPr lang="en-US" dirty="0"/>
+                  <a:t>State D:</a:t>
+                </a:r>
+              </a:p>
+              <a:p>
+                <a:pPr lvl="1"/>
+                <a:r>
+                  <a:rPr lang="en-US" dirty="0"/>
+                  <a:t>Episodes 1,2, 4: </a:t>
+                </a:r>
+                <a14:m>
+                  <m:oMath xmlns:m="http://schemas.openxmlformats.org/officeDocument/2006/math">
+                    <m:sSub>
+                      <m:sSubPr>
+                        <m:ctrlPr>
+                          <a:rPr lang="en-US" i="1" dirty="0">
+                            <a:latin typeface="Cambria Math" panose="02040503050406030204" pitchFamily="18" charset="0"/>
+                          </a:rPr>
+                        </m:ctrlPr>
+                      </m:sSubPr>
+                      <m:e>
+                        <m:r>
+                          <a:rPr lang="en-US" i="1" dirty="0">
+                            <a:latin typeface="Cambria Math" panose="02040503050406030204" pitchFamily="18" charset="0"/>
+                          </a:rPr>
+                          <m:t>𝐺</m:t>
+                        </m:r>
+                      </m:e>
+                      <m:sub>
+                        <m:r>
+                          <a:rPr lang="en-US" i="1" dirty="0">
+                            <a:latin typeface="Cambria Math" panose="02040503050406030204" pitchFamily="18" charset="0"/>
+                          </a:rPr>
+                          <m:t>𝑡</m:t>
+                        </m:r>
+                      </m:sub>
+                    </m:sSub>
+                    <m:d>
+                      <m:dPr>
+                        <m:ctrlPr>
+                          <a:rPr lang="en-US" i="1" dirty="0">
+                            <a:latin typeface="Cambria Math" panose="02040503050406030204" pitchFamily="18" charset="0"/>
+                          </a:rPr>
+                        </m:ctrlPr>
+                      </m:dPr>
+                      <m:e>
+                        <m:r>
+                          <a:rPr lang="en-US" b="0" i="1" dirty="0" smtClean="0">
+                            <a:latin typeface="Cambria Math" panose="02040503050406030204" pitchFamily="18" charset="0"/>
+                          </a:rPr>
+                          <m:t>𝐷</m:t>
+                        </m:r>
+                      </m:e>
+                    </m:d>
+                    <m:r>
+                      <a:rPr lang="en-US" i="1" dirty="0">
+                        <a:latin typeface="Cambria Math" panose="02040503050406030204" pitchFamily="18" charset="0"/>
+                      </a:rPr>
+                      <m:t>=</m:t>
+                    </m:r>
+                  </m:oMath>
+                </a14:m>
+                <a:r>
+                  <a:rPr lang="en-US" dirty="0"/>
+                  <a:t> </a:t>
+                </a:r>
+                <a14:m>
+                  <m:oMath xmlns:m="http://schemas.openxmlformats.org/officeDocument/2006/math">
+                    <m:r>
+                      <a:rPr lang="en-US" i="1">
+                        <a:latin typeface="Cambria Math" panose="02040503050406030204" pitchFamily="18" charset="0"/>
+                      </a:rPr>
+                      <m:t>10</m:t>
+                    </m:r>
+                  </m:oMath>
+                </a14:m>
+                <a:endParaRPr lang="en-US" dirty="0"/>
+              </a:p>
+              <a:p>
+                <a:pPr lvl="1"/>
+                <a:r>
+                  <a:rPr lang="en-US" dirty="0"/>
+                  <a:t> </a:t>
+                </a:r>
+                <a14:m>
+                  <m:oMath xmlns:m="http://schemas.openxmlformats.org/officeDocument/2006/math">
+                    <m:acc>
+                      <m:accPr>
+                        <m:chr m:val="̂"/>
+                        <m:ctrlPr>
+                          <a:rPr lang="en-US" i="1">
+                            <a:latin typeface="Cambria Math" panose="02040503050406030204" pitchFamily="18" charset="0"/>
+                          </a:rPr>
+                        </m:ctrlPr>
+                      </m:accPr>
+                      <m:e>
+                        <m:r>
+                          <a:rPr lang="en-US" i="1">
+                            <a:latin typeface="Cambria Math" panose="02040503050406030204" pitchFamily="18" charset="0"/>
+                          </a:rPr>
+                          <m:t>𝑉</m:t>
+                        </m:r>
+                      </m:e>
+                    </m:acc>
+                    <m:d>
+                      <m:dPr>
+                        <m:ctrlPr>
+                          <a:rPr lang="en-US" i="1">
+                            <a:latin typeface="Cambria Math" panose="02040503050406030204" pitchFamily="18" charset="0"/>
+                          </a:rPr>
+                        </m:ctrlPr>
+                      </m:dPr>
+                      <m:e>
+                        <m:r>
+                          <a:rPr lang="en-US" b="0" i="1" smtClean="0">
+                            <a:latin typeface="Cambria Math" panose="02040503050406030204" pitchFamily="18" charset="0"/>
+                          </a:rPr>
+                          <m:t>𝐷</m:t>
+                        </m:r>
+                      </m:e>
+                    </m:d>
+                    <m:r>
+                      <a:rPr lang="en-US" i="1">
+                        <a:latin typeface="Cambria Math" panose="02040503050406030204" pitchFamily="18" charset="0"/>
+                      </a:rPr>
+                      <m:t>=</m:t>
+                    </m:r>
+                    <m:f>
+                      <m:fPr>
+                        <m:ctrlPr>
+                          <a:rPr lang="en-US" i="1">
+                            <a:latin typeface="Cambria Math" panose="02040503050406030204" pitchFamily="18" charset="0"/>
+                          </a:rPr>
+                        </m:ctrlPr>
+                      </m:fPr>
+                      <m:num>
+                        <m:r>
+                          <a:rPr lang="en-US" i="1">
+                            <a:latin typeface="Cambria Math" panose="02040503050406030204" pitchFamily="18" charset="0"/>
+                          </a:rPr>
+                          <m:t>10</m:t>
+                        </m:r>
+                        <m:r>
+                          <a:rPr lang="en-US" b="0" i="1" smtClean="0">
+                            <a:latin typeface="Cambria Math" panose="02040503050406030204" pitchFamily="18" charset="0"/>
+                          </a:rPr>
+                          <m:t>⋅3</m:t>
+                        </m:r>
+                      </m:num>
+                      <m:den>
+                        <m:r>
+                          <a:rPr lang="en-US" b="0" i="1" smtClean="0">
+                            <a:latin typeface="Cambria Math" panose="02040503050406030204" pitchFamily="18" charset="0"/>
+                          </a:rPr>
+                          <m:t>3</m:t>
+                        </m:r>
+                      </m:den>
+                    </m:f>
+                    <m:r>
+                      <a:rPr lang="en-US" i="1">
+                        <a:latin typeface="Cambria Math" panose="02040503050406030204" pitchFamily="18" charset="0"/>
+                      </a:rPr>
+                      <m:t>=10,</m:t>
+                    </m:r>
+                  </m:oMath>
+                </a14:m>
+                <a:endParaRPr lang="en-US" dirty="0"/>
+              </a:p>
+              <a:p>
+                <a:r>
+                  <a:rPr lang="en-US" dirty="0"/>
+                  <a:t>State </a:t>
+                </a:r>
+                <a14:m>
+                  <m:oMath xmlns:m="http://schemas.openxmlformats.org/officeDocument/2006/math">
+                    <m:r>
+                      <a:rPr lang="en-US" b="0" i="1" smtClean="0">
+                        <a:latin typeface="Cambria Math" panose="02040503050406030204" pitchFamily="18" charset="0"/>
+                      </a:rPr>
+                      <m:t>𝐵</m:t>
+                    </m:r>
+                  </m:oMath>
+                </a14:m>
+                <a:r>
+                  <a:rPr lang="en-US" dirty="0"/>
+                  <a:t>: </a:t>
+                </a:r>
+              </a:p>
+              <a:p>
+                <a:pPr lvl="1"/>
+                <a:r>
+                  <a:rPr lang="en-US" dirty="0"/>
+                  <a:t>Episodes 1 and 2: </a:t>
+                </a:r>
+                <a14:m>
+                  <m:oMath xmlns:m="http://schemas.openxmlformats.org/officeDocument/2006/math">
+                    <m:sSub>
+                      <m:sSubPr>
+                        <m:ctrlPr>
+                          <a:rPr lang="en-US" i="1" dirty="0">
+                            <a:latin typeface="Cambria Math" panose="02040503050406030204" pitchFamily="18" charset="0"/>
+                          </a:rPr>
+                        </m:ctrlPr>
+                      </m:sSubPr>
+                      <m:e>
+                        <m:r>
+                          <a:rPr lang="en-US" i="1" dirty="0">
+                            <a:latin typeface="Cambria Math" panose="02040503050406030204" pitchFamily="18" charset="0"/>
+                          </a:rPr>
+                          <m:t>𝐺</m:t>
+                        </m:r>
+                      </m:e>
+                      <m:sub>
+                        <m:r>
+                          <a:rPr lang="en-US" i="1" dirty="0">
+                            <a:latin typeface="Cambria Math" panose="02040503050406030204" pitchFamily="18" charset="0"/>
+                          </a:rPr>
+                          <m:t>𝑡</m:t>
+                        </m:r>
+                      </m:sub>
+                    </m:sSub>
+                    <m:d>
+                      <m:dPr>
+                        <m:ctrlPr>
+                          <a:rPr lang="en-US" i="1" dirty="0">
+                            <a:latin typeface="Cambria Math" panose="02040503050406030204" pitchFamily="18" charset="0"/>
+                          </a:rPr>
+                        </m:ctrlPr>
+                      </m:dPr>
+                      <m:e>
+                        <m:r>
+                          <a:rPr lang="en-US" b="0" i="1" dirty="0" smtClean="0">
+                            <a:latin typeface="Cambria Math" panose="02040503050406030204" pitchFamily="18" charset="0"/>
+                          </a:rPr>
+                          <m:t>𝐵</m:t>
+                        </m:r>
+                      </m:e>
+                    </m:d>
+                    <m:r>
+                      <a:rPr lang="en-US" i="1" dirty="0">
+                        <a:latin typeface="Cambria Math" panose="02040503050406030204" pitchFamily="18" charset="0"/>
+                      </a:rPr>
+                      <m:t>=</m:t>
+                    </m:r>
+                  </m:oMath>
+                </a14:m>
+                <a:r>
+                  <a:rPr lang="en-US" dirty="0"/>
+                  <a:t> </a:t>
+                </a:r>
+                <a14:m>
+                  <m:oMath xmlns:m="http://schemas.openxmlformats.org/officeDocument/2006/math">
+                    <m:r>
+                      <a:rPr lang="en-US" b="0" i="1" smtClean="0">
+                        <a:latin typeface="Cambria Math" panose="02040503050406030204" pitchFamily="18" charset="0"/>
+                      </a:rPr>
+                      <m:t>−1−1+10=8</m:t>
+                    </m:r>
+                  </m:oMath>
+                </a14:m>
+                <a:r>
+                  <a:rPr lang="en-US" dirty="0"/>
+                  <a:t>; </a:t>
+                </a:r>
+                <a14:m>
+                  <m:oMath xmlns:m="http://schemas.openxmlformats.org/officeDocument/2006/math">
+                    <m:acc>
+                      <m:accPr>
+                        <m:chr m:val="̂"/>
+                        <m:ctrlPr>
+                          <a:rPr lang="en-US" b="0" i="1" smtClean="0">
+                            <a:latin typeface="Cambria Math" panose="02040503050406030204" pitchFamily="18" charset="0"/>
+                          </a:rPr>
+                        </m:ctrlPr>
+                      </m:accPr>
+                      <m:e>
+                        <m:r>
+                          <a:rPr lang="en-US" b="0" i="1" smtClean="0">
+                            <a:latin typeface="Cambria Math" panose="02040503050406030204" pitchFamily="18" charset="0"/>
+                          </a:rPr>
+                          <m:t>𝑉</m:t>
+                        </m:r>
+                      </m:e>
+                    </m:acc>
+                    <m:d>
+                      <m:dPr>
+                        <m:ctrlPr>
+                          <a:rPr lang="en-US" b="0" i="1" smtClean="0">
+                            <a:latin typeface="Cambria Math" panose="02040503050406030204" pitchFamily="18" charset="0"/>
+                          </a:rPr>
+                        </m:ctrlPr>
+                      </m:dPr>
+                      <m:e>
+                        <m:r>
+                          <a:rPr lang="en-US" b="0" i="1" smtClean="0">
+                            <a:latin typeface="Cambria Math" panose="02040503050406030204" pitchFamily="18" charset="0"/>
+                          </a:rPr>
+                          <m:t>𝐵</m:t>
+                        </m:r>
+                      </m:e>
+                    </m:d>
+                    <m:r>
+                      <a:rPr lang="en-US" b="0" i="1" smtClean="0">
+                        <a:latin typeface="Cambria Math" panose="02040503050406030204" pitchFamily="18" charset="0"/>
+                      </a:rPr>
+                      <m:t>=</m:t>
+                    </m:r>
+                    <m:f>
+                      <m:fPr>
+                        <m:ctrlPr>
+                          <a:rPr lang="en-US" b="0" i="1" smtClean="0">
+                            <a:latin typeface="Cambria Math" panose="02040503050406030204" pitchFamily="18" charset="0"/>
+                          </a:rPr>
+                        </m:ctrlPr>
+                      </m:fPr>
+                      <m:num>
+                        <m:r>
+                          <a:rPr lang="en-US" b="0" i="1" smtClean="0">
+                            <a:latin typeface="Cambria Math" panose="02040503050406030204" pitchFamily="18" charset="0"/>
+                          </a:rPr>
+                          <m:t>1</m:t>
+                        </m:r>
+                      </m:num>
+                      <m:den>
+                        <m:r>
+                          <a:rPr lang="en-US" b="0" i="1" smtClean="0">
+                            <a:latin typeface="Cambria Math" panose="02040503050406030204" pitchFamily="18" charset="0"/>
+                          </a:rPr>
+                          <m:t>2</m:t>
+                        </m:r>
+                      </m:den>
+                    </m:f>
+                    <m:d>
+                      <m:dPr>
+                        <m:ctrlPr>
+                          <a:rPr lang="en-US" b="0" i="1" smtClean="0">
+                            <a:latin typeface="Cambria Math" panose="02040503050406030204" pitchFamily="18" charset="0"/>
+                          </a:rPr>
+                        </m:ctrlPr>
+                      </m:dPr>
+                      <m:e>
+                        <m:r>
+                          <a:rPr lang="en-US" b="0" i="1" smtClean="0">
+                            <a:latin typeface="Cambria Math" panose="02040503050406030204" pitchFamily="18" charset="0"/>
+                          </a:rPr>
+                          <m:t>8+8</m:t>
+                        </m:r>
+                      </m:e>
+                    </m:d>
+                    <m:r>
+                      <a:rPr lang="en-US" b="0" i="1" smtClean="0">
+                        <a:latin typeface="Cambria Math" panose="02040503050406030204" pitchFamily="18" charset="0"/>
+                      </a:rPr>
+                      <m:t>=8</m:t>
+                    </m:r>
+                  </m:oMath>
+                </a14:m>
+                <a:endParaRPr lang="en-SE" dirty="0"/>
+              </a:p>
+              <a:p>
+                <a:endParaRPr lang="en-SE" dirty="0"/>
+              </a:p>
+              <a:p>
+                <a:pPr lvl="1"/>
+                <a:endParaRPr lang="en-SE" dirty="0"/>
+              </a:p>
+            </p:txBody>
+          </p:sp>
+        </mc:Choice>
+        <mc:Fallback xmlns="">
+          <p:sp>
+            <p:nvSpPr>
+              <p:cNvPr id="38" name="Content Placeholder 2">
+                <a:extLst>
+                  <a:ext uri="{FF2B5EF4-FFF2-40B4-BE49-F238E27FC236}">
+                    <a16:creationId xmlns:a16="http://schemas.microsoft.com/office/drawing/2014/main" id="{0CF51EAE-27F1-4FBB-80B2-80748E64A0F9}"/>
+                  </a:ext>
+                </a:extLst>
+              </p:cNvPr>
+              <p:cNvSpPr>
+                <a:spLocks noGrp="1" noRot="1" noChangeAspect="1" noMove="1" noResize="1" noEditPoints="1" noAdjustHandles="1" noChangeArrowheads="1" noChangeShapeType="1" noTextEdit="1"/>
+              </p:cNvSpPr>
+              <p:nvPr>
+                <p:ph idx="1"/>
+              </p:nvPr>
+            </p:nvSpPr>
+            <p:spPr>
+              <a:xfrm>
+                <a:off x="0" y="4057880"/>
+                <a:ext cx="4629150" cy="2721130"/>
+              </a:xfrm>
+              <a:blipFill>
+                <a:blip r:embed="rId3"/>
+                <a:stretch>
+                  <a:fillRect l="-791" t="-3363"/>
+                </a:stretch>
+              </a:blipFill>
+            </p:spPr>
+            <p:txBody>
+              <a:bodyPr/>
+              <a:lstStyle/>
+              <a:p>
+                <a:r>
+                  <a:rPr lang="en-SE">
+                    <a:noFill/>
+                  </a:rPr>
+                  <a:t> </a:t>
+                </a:r>
+              </a:p>
+            </p:txBody>
+          </p:sp>
+        </mc:Fallback>
+      </mc:AlternateContent>
+      <mc:AlternateContent xmlns:mc="http://schemas.openxmlformats.org/markup-compatibility/2006">
+        <mc:Choice xmlns:a14="http://schemas.microsoft.com/office/drawing/2010/main" Requires="a14">
+          <p:sp>
+            <p:nvSpPr>
+              <p:cNvPr id="40" name="Content Placeholder 2">
+                <a:extLst>
+                  <a:ext uri="{FF2B5EF4-FFF2-40B4-BE49-F238E27FC236}">
+                    <a16:creationId xmlns:a16="http://schemas.microsoft.com/office/drawing/2014/main" id="{65459C0E-A770-41A8-A773-6618E96B7E2D}"/>
+                  </a:ext>
+                </a:extLst>
+              </p:cNvPr>
+              <p:cNvSpPr txBox="1">
+                <a:spLocks/>
+              </p:cNvSpPr>
+              <p:nvPr/>
+            </p:nvSpPr>
+            <p:spPr bwMode="auto">
+              <a:xfrm>
+                <a:off x="4572000" y="4057881"/>
+                <a:ext cx="4495800" cy="2978994"/>
+              </a:xfrm>
+              <a:prstGeom prst="rect">
+                <a:avLst/>
+              </a:prstGeom>
+              <a:noFill/>
+              <a:ln w="9525">
+                <a:noFill/>
+                <a:miter lim="800000"/>
+                <a:headEnd/>
+                <a:tailEnd/>
+              </a:ln>
+            </p:spPr>
+            <p:txBody>
+              <a:bodyPr vert="horz" wrap="square" lIns="91440" tIns="45720" rIns="91440" bIns="45720" numCol="1" anchor="t" anchorCtr="0" compatLnSpc="1">
+                <a:prstTxWarp prst="textNoShape">
+                  <a:avLst/>
+                </a:prstTxWarp>
+                <a:normAutofit fontScale="62500" lnSpcReduction="20000"/>
+              </a:bodyPr>
+              <a:lstStyle>
+                <a:lvl1pPr marL="342900" indent="-342900" algn="l" rtl="0" eaLnBrk="0" fontAlgn="base" hangingPunct="0">
+                  <a:spcBef>
+                    <a:spcPct val="20000"/>
+                  </a:spcBef>
+                  <a:spcAft>
+                    <a:spcPct val="0"/>
+                  </a:spcAft>
+                  <a:buChar char="•"/>
+                  <a:defRPr sz="3200">
+                    <a:solidFill>
+                      <a:schemeClr val="tx1"/>
+                    </a:solidFill>
+                    <a:latin typeface="+mn-lt"/>
+                    <a:ea typeface="+mn-ea"/>
+                    <a:cs typeface="+mn-cs"/>
+                  </a:defRPr>
+                </a:lvl1pPr>
+                <a:lvl2pPr marL="742950" indent="-285750" algn="l" rtl="0" eaLnBrk="0" fontAlgn="base" hangingPunct="0">
+                  <a:spcBef>
+                    <a:spcPct val="20000"/>
+                  </a:spcBef>
+                  <a:spcAft>
+                    <a:spcPct val="0"/>
+                  </a:spcAft>
+                  <a:buChar char="–"/>
+                  <a:defRPr sz="2800">
+                    <a:solidFill>
+                      <a:schemeClr val="tx1"/>
+                    </a:solidFill>
+                    <a:latin typeface="+mn-lt"/>
+                  </a:defRPr>
+                </a:lvl2pPr>
+                <a:lvl3pPr marL="1143000" indent="-228600" algn="l" rtl="0" eaLnBrk="0" fontAlgn="base" hangingPunct="0">
+                  <a:spcBef>
+                    <a:spcPct val="20000"/>
+                  </a:spcBef>
+                  <a:spcAft>
+                    <a:spcPct val="0"/>
+                  </a:spcAft>
+                  <a:buChar char="•"/>
+                  <a:defRPr sz="2400">
+                    <a:solidFill>
+                      <a:schemeClr val="tx1"/>
+                    </a:solidFill>
+                    <a:latin typeface="+mn-lt"/>
+                  </a:defRPr>
+                </a:lvl3pPr>
+                <a:lvl4pPr marL="1600200" indent="-228600" algn="l" rtl="0" eaLnBrk="0" fontAlgn="base" hangingPunct="0">
+                  <a:spcBef>
+                    <a:spcPct val="20000"/>
+                  </a:spcBef>
+                  <a:spcAft>
+                    <a:spcPct val="0"/>
+                  </a:spcAft>
+                  <a:buChar char="–"/>
+                  <a:defRPr sz="2000">
+                    <a:solidFill>
+                      <a:schemeClr val="tx1"/>
+                    </a:solidFill>
+                    <a:latin typeface="+mn-lt"/>
+                  </a:defRPr>
+                </a:lvl4pPr>
+                <a:lvl5pPr marL="2057400" indent="-228600" algn="l" rtl="0" eaLnBrk="0" fontAlgn="base" hangingPunct="0">
+                  <a:spcBef>
+                    <a:spcPct val="20000"/>
+                  </a:spcBef>
+                  <a:spcAft>
+                    <a:spcPct val="0"/>
+                  </a:spcAft>
+                  <a:buChar char="»"/>
+                  <a:defRPr sz="2000">
+                    <a:solidFill>
+                      <a:schemeClr val="tx1"/>
+                    </a:solidFill>
+                    <a:latin typeface="+mn-lt"/>
+                  </a:defRPr>
+                </a:lvl5pPr>
+                <a:lvl6pPr marL="2514600" indent="-228600" algn="l" rtl="0" fontAlgn="base">
+                  <a:spcBef>
+                    <a:spcPct val="20000"/>
+                  </a:spcBef>
+                  <a:spcAft>
+                    <a:spcPct val="0"/>
+                  </a:spcAft>
+                  <a:buChar char="»"/>
+                  <a:defRPr sz="2000">
+                    <a:solidFill>
+                      <a:schemeClr val="tx1"/>
+                    </a:solidFill>
+                    <a:latin typeface="+mn-lt"/>
+                  </a:defRPr>
+                </a:lvl6pPr>
+                <a:lvl7pPr marL="2971800" indent="-228600" algn="l" rtl="0" fontAlgn="base">
+                  <a:spcBef>
+                    <a:spcPct val="20000"/>
+                  </a:spcBef>
+                  <a:spcAft>
+                    <a:spcPct val="0"/>
+                  </a:spcAft>
+                  <a:buChar char="»"/>
+                  <a:defRPr sz="2000">
+                    <a:solidFill>
+                      <a:schemeClr val="tx1"/>
+                    </a:solidFill>
+                    <a:latin typeface="+mn-lt"/>
+                  </a:defRPr>
+                </a:lvl7pPr>
+                <a:lvl8pPr marL="3429000" indent="-228600" algn="l" rtl="0" fontAlgn="base">
+                  <a:spcBef>
+                    <a:spcPct val="20000"/>
+                  </a:spcBef>
+                  <a:spcAft>
+                    <a:spcPct val="0"/>
+                  </a:spcAft>
+                  <a:buChar char="»"/>
+                  <a:defRPr sz="2000">
+                    <a:solidFill>
+                      <a:schemeClr val="tx1"/>
+                    </a:solidFill>
+                    <a:latin typeface="+mn-lt"/>
+                  </a:defRPr>
+                </a:lvl8pPr>
+                <a:lvl9pPr marL="3886200" indent="-228600" algn="l" rtl="0" fontAlgn="base">
+                  <a:spcBef>
+                    <a:spcPct val="20000"/>
+                  </a:spcBef>
+                  <a:spcAft>
+                    <a:spcPct val="0"/>
+                  </a:spcAft>
+                  <a:buChar char="»"/>
+                  <a:defRPr sz="2000">
+                    <a:solidFill>
+                      <a:schemeClr val="tx1"/>
+                    </a:solidFill>
+                    <a:latin typeface="+mn-lt"/>
+                  </a:defRPr>
+                </a:lvl9pPr>
+              </a:lstStyle>
+              <a:p>
+                <a:r>
+                  <a:rPr lang="en-US" kern="0" dirty="0"/>
+                  <a:t>State </a:t>
+                </a:r>
+                <a14:m>
+                  <m:oMath xmlns:m="http://schemas.openxmlformats.org/officeDocument/2006/math">
+                    <m:r>
+                      <a:rPr lang="en-US" i="1" kern="0">
+                        <a:latin typeface="Cambria Math" panose="02040503050406030204" pitchFamily="18" charset="0"/>
+                      </a:rPr>
+                      <m:t>𝐶</m:t>
+                    </m:r>
+                  </m:oMath>
+                </a14:m>
+                <a:r>
+                  <a:rPr lang="en-US" kern="0" dirty="0"/>
+                  <a:t>: </a:t>
+                </a:r>
+              </a:p>
+              <a:p>
+                <a:pPr lvl="1"/>
+                <a:r>
+                  <a:rPr lang="en-US" kern="0" dirty="0"/>
+                  <a:t>Episodes 1,2,3: </a:t>
+                </a:r>
+                <a14:m>
+                  <m:oMath xmlns:m="http://schemas.openxmlformats.org/officeDocument/2006/math">
+                    <m:sSub>
+                      <m:sSubPr>
+                        <m:ctrlPr>
+                          <a:rPr lang="en-US" i="1" dirty="0">
+                            <a:latin typeface="Cambria Math" panose="02040503050406030204" pitchFamily="18" charset="0"/>
+                          </a:rPr>
+                        </m:ctrlPr>
+                      </m:sSubPr>
+                      <m:e>
+                        <m:r>
+                          <a:rPr lang="en-US" i="1" dirty="0">
+                            <a:latin typeface="Cambria Math" panose="02040503050406030204" pitchFamily="18" charset="0"/>
+                          </a:rPr>
+                          <m:t>𝐺</m:t>
+                        </m:r>
+                      </m:e>
+                      <m:sub>
+                        <m:r>
+                          <a:rPr lang="en-US" i="1" dirty="0">
+                            <a:latin typeface="Cambria Math" panose="02040503050406030204" pitchFamily="18" charset="0"/>
+                          </a:rPr>
+                          <m:t>𝑡</m:t>
+                        </m:r>
+                      </m:sub>
+                    </m:sSub>
+                    <m:d>
+                      <m:dPr>
+                        <m:ctrlPr>
+                          <a:rPr lang="en-US" i="1" dirty="0">
+                            <a:latin typeface="Cambria Math" panose="02040503050406030204" pitchFamily="18" charset="0"/>
+                          </a:rPr>
+                        </m:ctrlPr>
+                      </m:dPr>
+                      <m:e>
+                        <m:r>
+                          <a:rPr lang="en-US" b="0" i="1" dirty="0" smtClean="0">
+                            <a:latin typeface="Cambria Math" panose="02040503050406030204" pitchFamily="18" charset="0"/>
+                          </a:rPr>
+                          <m:t>𝐶</m:t>
+                        </m:r>
+                      </m:e>
+                    </m:d>
+                    <m:r>
+                      <a:rPr lang="en-US" b="0" i="1" dirty="0" smtClean="0">
+                        <a:latin typeface="Cambria Math" panose="02040503050406030204" pitchFamily="18" charset="0"/>
+                      </a:rPr>
+                      <m:t>=</m:t>
+                    </m:r>
+                    <m:r>
+                      <a:rPr lang="en-US" i="1" kern="0">
+                        <a:latin typeface="Cambria Math" panose="02040503050406030204" pitchFamily="18" charset="0"/>
+                      </a:rPr>
+                      <m:t>−1+10=9</m:t>
+                    </m:r>
+                  </m:oMath>
+                </a14:m>
+                <a:r>
+                  <a:rPr lang="en-US" kern="0" dirty="0"/>
+                  <a:t> </a:t>
+                </a:r>
+              </a:p>
+              <a:p>
+                <a:pPr lvl="1"/>
+                <a:r>
+                  <a:rPr lang="en-US" kern="0" dirty="0"/>
+                  <a:t>Episode 4: </a:t>
+                </a:r>
+                <a14:m>
+                  <m:oMath xmlns:m="http://schemas.openxmlformats.org/officeDocument/2006/math">
+                    <m:sSub>
+                      <m:sSubPr>
+                        <m:ctrlPr>
+                          <a:rPr lang="en-US" i="1" dirty="0">
+                            <a:latin typeface="Cambria Math" panose="02040503050406030204" pitchFamily="18" charset="0"/>
+                          </a:rPr>
+                        </m:ctrlPr>
+                      </m:sSubPr>
+                      <m:e>
+                        <m:r>
+                          <a:rPr lang="en-US" i="1" dirty="0">
+                            <a:latin typeface="Cambria Math" panose="02040503050406030204" pitchFamily="18" charset="0"/>
+                          </a:rPr>
+                          <m:t>𝐺</m:t>
+                        </m:r>
+                      </m:e>
+                      <m:sub>
+                        <m:r>
+                          <a:rPr lang="en-US" i="1" dirty="0">
+                            <a:latin typeface="Cambria Math" panose="02040503050406030204" pitchFamily="18" charset="0"/>
+                          </a:rPr>
+                          <m:t>𝑡</m:t>
+                        </m:r>
+                      </m:sub>
+                    </m:sSub>
+                    <m:d>
+                      <m:dPr>
+                        <m:ctrlPr>
+                          <a:rPr lang="en-US" i="1" dirty="0">
+                            <a:latin typeface="Cambria Math" panose="02040503050406030204" pitchFamily="18" charset="0"/>
+                          </a:rPr>
+                        </m:ctrlPr>
+                      </m:dPr>
+                      <m:e>
+                        <m:r>
+                          <a:rPr lang="en-US" i="1" dirty="0">
+                            <a:latin typeface="Cambria Math" panose="02040503050406030204" pitchFamily="18" charset="0"/>
+                          </a:rPr>
+                          <m:t>𝐶</m:t>
+                        </m:r>
+                      </m:e>
+                    </m:d>
+                    <m:r>
+                      <a:rPr lang="en-US" i="1" dirty="0">
+                        <a:latin typeface="Cambria Math" panose="02040503050406030204" pitchFamily="18" charset="0"/>
+                      </a:rPr>
+                      <m:t>= </m:t>
+                    </m:r>
+                    <m:r>
+                      <a:rPr lang="en-US" i="1" kern="0">
+                        <a:latin typeface="Cambria Math" panose="02040503050406030204" pitchFamily="18" charset="0"/>
+                      </a:rPr>
+                      <m:t>−1−10=−11</m:t>
+                    </m:r>
+                  </m:oMath>
+                </a14:m>
+                <a:r>
+                  <a:rPr lang="en-US" kern="0" dirty="0"/>
+                  <a:t> </a:t>
+                </a:r>
+              </a:p>
+              <a:p>
+                <a:pPr lvl="1"/>
+                <a14:m>
+                  <m:oMath xmlns:m="http://schemas.openxmlformats.org/officeDocument/2006/math">
+                    <m:acc>
+                      <m:accPr>
+                        <m:chr m:val="̂"/>
+                        <m:ctrlPr>
+                          <a:rPr lang="en-US" i="1" kern="0">
+                            <a:latin typeface="Cambria Math" panose="02040503050406030204" pitchFamily="18" charset="0"/>
+                          </a:rPr>
+                        </m:ctrlPr>
+                      </m:accPr>
+                      <m:e>
+                        <m:r>
+                          <a:rPr lang="en-US" i="1" kern="0">
+                            <a:latin typeface="Cambria Math" panose="02040503050406030204" pitchFamily="18" charset="0"/>
+                          </a:rPr>
+                          <m:t>𝑉</m:t>
+                        </m:r>
+                      </m:e>
+                    </m:acc>
+                    <m:d>
+                      <m:dPr>
+                        <m:ctrlPr>
+                          <a:rPr lang="en-US" i="1" kern="0">
+                            <a:latin typeface="Cambria Math" panose="02040503050406030204" pitchFamily="18" charset="0"/>
+                          </a:rPr>
+                        </m:ctrlPr>
+                      </m:dPr>
+                      <m:e>
+                        <m:r>
+                          <a:rPr lang="en-US" i="1" kern="0">
+                            <a:latin typeface="Cambria Math" panose="02040503050406030204" pitchFamily="18" charset="0"/>
+                          </a:rPr>
+                          <m:t>𝐶</m:t>
+                        </m:r>
+                      </m:e>
+                    </m:d>
+                    <m:r>
+                      <a:rPr lang="en-US" i="1" kern="0">
+                        <a:latin typeface="Cambria Math" panose="02040503050406030204" pitchFamily="18" charset="0"/>
+                      </a:rPr>
+                      <m:t>=</m:t>
+                    </m:r>
+                    <m:f>
+                      <m:fPr>
+                        <m:ctrlPr>
+                          <a:rPr lang="en-US" i="1" kern="0">
+                            <a:latin typeface="Cambria Math" panose="02040503050406030204" pitchFamily="18" charset="0"/>
+                          </a:rPr>
+                        </m:ctrlPr>
+                      </m:fPr>
+                      <m:num>
+                        <m:r>
+                          <a:rPr lang="en-US" i="1" kern="0">
+                            <a:latin typeface="Cambria Math" panose="02040503050406030204" pitchFamily="18" charset="0"/>
+                          </a:rPr>
+                          <m:t>1</m:t>
+                        </m:r>
+                      </m:num>
+                      <m:den>
+                        <m:r>
+                          <a:rPr lang="en-US" i="1" kern="0">
+                            <a:latin typeface="Cambria Math" panose="02040503050406030204" pitchFamily="18" charset="0"/>
+                          </a:rPr>
+                          <m:t>4</m:t>
+                        </m:r>
+                      </m:den>
+                    </m:f>
+                    <m:d>
+                      <m:dPr>
+                        <m:ctrlPr>
+                          <a:rPr lang="en-US" i="1" kern="0">
+                            <a:latin typeface="Cambria Math" panose="02040503050406030204" pitchFamily="18" charset="0"/>
+                          </a:rPr>
+                        </m:ctrlPr>
+                      </m:dPr>
+                      <m:e>
+                        <m:r>
+                          <a:rPr lang="en-US" i="1" kern="0">
+                            <a:latin typeface="Cambria Math" panose="02040503050406030204" pitchFamily="18" charset="0"/>
+                          </a:rPr>
+                          <m:t>9+9+9−11</m:t>
+                        </m:r>
+                      </m:e>
+                    </m:d>
+                    <m:r>
+                      <a:rPr lang="en-US" i="1" kern="0">
+                        <a:latin typeface="Cambria Math" panose="02040503050406030204" pitchFamily="18" charset="0"/>
+                      </a:rPr>
+                      <m:t>=4</m:t>
+                    </m:r>
+                  </m:oMath>
+                </a14:m>
+                <a:endParaRPr lang="en-US" kern="0" dirty="0"/>
+              </a:p>
+              <a:p>
+                <a:r>
+                  <a:rPr lang="en-US" kern="0" dirty="0"/>
+                  <a:t>State </a:t>
+                </a:r>
+                <a14:m>
+                  <m:oMath xmlns:m="http://schemas.openxmlformats.org/officeDocument/2006/math">
+                    <m:r>
+                      <a:rPr lang="en-US" i="1" kern="0">
+                        <a:latin typeface="Cambria Math" panose="02040503050406030204" pitchFamily="18" charset="0"/>
+                      </a:rPr>
+                      <m:t>𝐸</m:t>
+                    </m:r>
+                  </m:oMath>
+                </a14:m>
+                <a:r>
+                  <a:rPr lang="en-US" kern="0" dirty="0"/>
+                  <a:t>: </a:t>
+                </a:r>
+              </a:p>
+              <a:p>
+                <a:pPr lvl="1"/>
+                <a:r>
+                  <a:rPr lang="en-US" kern="0" dirty="0"/>
+                  <a:t>Episode 3: </a:t>
+                </a:r>
+                <a14:m>
+                  <m:oMath xmlns:m="http://schemas.openxmlformats.org/officeDocument/2006/math">
+                    <m:sSub>
+                      <m:sSubPr>
+                        <m:ctrlPr>
+                          <a:rPr lang="en-US" i="1" dirty="0">
+                            <a:latin typeface="Cambria Math" panose="02040503050406030204" pitchFamily="18" charset="0"/>
+                          </a:rPr>
+                        </m:ctrlPr>
+                      </m:sSubPr>
+                      <m:e>
+                        <m:r>
+                          <a:rPr lang="en-US" i="1" dirty="0">
+                            <a:latin typeface="Cambria Math" panose="02040503050406030204" pitchFamily="18" charset="0"/>
+                          </a:rPr>
+                          <m:t>𝐺</m:t>
+                        </m:r>
+                      </m:e>
+                      <m:sub>
+                        <m:r>
+                          <a:rPr lang="en-US" i="1" dirty="0">
+                            <a:latin typeface="Cambria Math" panose="02040503050406030204" pitchFamily="18" charset="0"/>
+                          </a:rPr>
+                          <m:t>𝑡</m:t>
+                        </m:r>
+                      </m:sub>
+                    </m:sSub>
+                    <m:d>
+                      <m:dPr>
+                        <m:ctrlPr>
+                          <a:rPr lang="en-US" i="1" dirty="0">
+                            <a:latin typeface="Cambria Math" panose="02040503050406030204" pitchFamily="18" charset="0"/>
+                          </a:rPr>
+                        </m:ctrlPr>
+                      </m:dPr>
+                      <m:e>
+                        <m:r>
+                          <a:rPr lang="en-US" b="0" i="1" dirty="0" smtClean="0">
+                            <a:latin typeface="Cambria Math" panose="02040503050406030204" pitchFamily="18" charset="0"/>
+                          </a:rPr>
+                          <m:t>𝐸</m:t>
+                        </m:r>
+                      </m:e>
+                    </m:d>
+                    <m:r>
+                      <a:rPr lang="en-US" i="1" dirty="0">
+                        <a:latin typeface="Cambria Math" panose="02040503050406030204" pitchFamily="18" charset="0"/>
+                      </a:rPr>
+                      <m:t>=</m:t>
+                    </m:r>
+                    <m:r>
+                      <a:rPr lang="en-US" i="1" kern="0">
+                        <a:latin typeface="Cambria Math" panose="02040503050406030204" pitchFamily="18" charset="0"/>
+                      </a:rPr>
+                      <m:t>−1−1+10=8</m:t>
+                    </m:r>
+                  </m:oMath>
+                </a14:m>
+                <a:r>
+                  <a:rPr lang="en-US" kern="0" dirty="0"/>
+                  <a:t> </a:t>
+                </a:r>
+              </a:p>
+              <a:p>
+                <a:pPr lvl="1"/>
+                <a:r>
+                  <a:rPr lang="en-US" kern="0" dirty="0"/>
+                  <a:t>Episode 4: </a:t>
+                </a:r>
+                <a14:m>
+                  <m:oMath xmlns:m="http://schemas.openxmlformats.org/officeDocument/2006/math">
+                    <m:sSub>
+                      <m:sSubPr>
+                        <m:ctrlPr>
+                          <a:rPr lang="en-US" i="1" dirty="0">
+                            <a:latin typeface="Cambria Math" panose="02040503050406030204" pitchFamily="18" charset="0"/>
+                          </a:rPr>
+                        </m:ctrlPr>
+                      </m:sSubPr>
+                      <m:e>
+                        <m:r>
+                          <a:rPr lang="en-US" i="1" dirty="0">
+                            <a:latin typeface="Cambria Math" panose="02040503050406030204" pitchFamily="18" charset="0"/>
+                          </a:rPr>
+                          <m:t>𝐺</m:t>
+                        </m:r>
+                      </m:e>
+                      <m:sub>
+                        <m:r>
+                          <a:rPr lang="en-US" i="1" dirty="0">
+                            <a:latin typeface="Cambria Math" panose="02040503050406030204" pitchFamily="18" charset="0"/>
+                          </a:rPr>
+                          <m:t>𝑡</m:t>
+                        </m:r>
+                      </m:sub>
+                    </m:sSub>
+                    <m:d>
+                      <m:dPr>
+                        <m:ctrlPr>
+                          <a:rPr lang="en-US" i="1" dirty="0">
+                            <a:latin typeface="Cambria Math" panose="02040503050406030204" pitchFamily="18" charset="0"/>
+                          </a:rPr>
+                        </m:ctrlPr>
+                      </m:dPr>
+                      <m:e>
+                        <m:r>
+                          <a:rPr lang="en-US" i="1" dirty="0">
+                            <a:latin typeface="Cambria Math" panose="02040503050406030204" pitchFamily="18" charset="0"/>
+                          </a:rPr>
+                          <m:t>𝐸</m:t>
+                        </m:r>
+                      </m:e>
+                    </m:d>
+                    <m:r>
+                      <a:rPr lang="en-US" i="1" dirty="0">
+                        <a:latin typeface="Cambria Math" panose="02040503050406030204" pitchFamily="18" charset="0"/>
+                      </a:rPr>
+                      <m:t>=</m:t>
+                    </m:r>
+                    <m:r>
+                      <a:rPr lang="en-US" i="1" kern="0">
+                        <a:latin typeface="Cambria Math" panose="02040503050406030204" pitchFamily="18" charset="0"/>
+                      </a:rPr>
+                      <m:t>−1−1−10=−12</m:t>
+                    </m:r>
+                  </m:oMath>
+                </a14:m>
+                <a:endParaRPr lang="en-US" kern="0" dirty="0"/>
+              </a:p>
+              <a:p>
+                <a:pPr lvl="1"/>
+                <a14:m>
+                  <m:oMath xmlns:m="http://schemas.openxmlformats.org/officeDocument/2006/math">
+                    <m:acc>
+                      <m:accPr>
+                        <m:chr m:val="̂"/>
+                        <m:ctrlPr>
+                          <a:rPr lang="en-US" i="1" kern="0">
+                            <a:latin typeface="Cambria Math" panose="02040503050406030204" pitchFamily="18" charset="0"/>
+                          </a:rPr>
+                        </m:ctrlPr>
+                      </m:accPr>
+                      <m:e>
+                        <m:r>
+                          <a:rPr lang="en-US" i="1" kern="0">
+                            <a:latin typeface="Cambria Math" panose="02040503050406030204" pitchFamily="18" charset="0"/>
+                          </a:rPr>
+                          <m:t>𝑉</m:t>
+                        </m:r>
+                      </m:e>
+                    </m:acc>
+                    <m:d>
+                      <m:dPr>
+                        <m:ctrlPr>
+                          <a:rPr lang="en-US" i="1" kern="0">
+                            <a:latin typeface="Cambria Math" panose="02040503050406030204" pitchFamily="18" charset="0"/>
+                          </a:rPr>
+                        </m:ctrlPr>
+                      </m:dPr>
+                      <m:e>
+                        <m:r>
+                          <a:rPr lang="en-US" i="1" kern="0">
+                            <a:latin typeface="Cambria Math" panose="02040503050406030204" pitchFamily="18" charset="0"/>
+                          </a:rPr>
+                          <m:t>𝐸</m:t>
+                        </m:r>
+                      </m:e>
+                    </m:d>
+                    <m:r>
+                      <a:rPr lang="en-US" i="1" kern="0">
+                        <a:latin typeface="Cambria Math" panose="02040503050406030204" pitchFamily="18" charset="0"/>
+                      </a:rPr>
+                      <m:t>=</m:t>
+                    </m:r>
+                    <m:f>
+                      <m:fPr>
+                        <m:ctrlPr>
+                          <a:rPr lang="en-US" i="1" kern="0">
+                            <a:latin typeface="Cambria Math" panose="02040503050406030204" pitchFamily="18" charset="0"/>
+                          </a:rPr>
+                        </m:ctrlPr>
+                      </m:fPr>
+                      <m:num>
+                        <m:r>
+                          <a:rPr lang="en-US" i="1" kern="0">
+                            <a:latin typeface="Cambria Math" panose="02040503050406030204" pitchFamily="18" charset="0"/>
+                          </a:rPr>
+                          <m:t>1</m:t>
+                        </m:r>
+                      </m:num>
+                      <m:den>
+                        <m:r>
+                          <a:rPr lang="en-US" i="1" kern="0">
+                            <a:latin typeface="Cambria Math" panose="02040503050406030204" pitchFamily="18" charset="0"/>
+                          </a:rPr>
+                          <m:t>2</m:t>
+                        </m:r>
+                      </m:den>
+                    </m:f>
+                    <m:d>
+                      <m:dPr>
+                        <m:ctrlPr>
+                          <a:rPr lang="en-US" i="1" kern="0">
+                            <a:latin typeface="Cambria Math" panose="02040503050406030204" pitchFamily="18" charset="0"/>
+                          </a:rPr>
+                        </m:ctrlPr>
+                      </m:dPr>
+                      <m:e>
+                        <m:r>
+                          <a:rPr lang="en-US" i="1" kern="0">
+                            <a:latin typeface="Cambria Math" panose="02040503050406030204" pitchFamily="18" charset="0"/>
+                          </a:rPr>
+                          <m:t>8−12</m:t>
+                        </m:r>
+                      </m:e>
+                    </m:d>
+                    <m:r>
+                      <a:rPr lang="en-US" i="1" kern="0">
+                        <a:latin typeface="Cambria Math" panose="02040503050406030204" pitchFamily="18" charset="0"/>
+                      </a:rPr>
+                      <m:t>=−2</m:t>
+                    </m:r>
+                  </m:oMath>
+                </a14:m>
+                <a:endParaRPr lang="en-US" kern="0" dirty="0"/>
+              </a:p>
+              <a:p>
+                <a:pPr lvl="1"/>
+                <a:endParaRPr lang="en-SE" kern="0" dirty="0"/>
+              </a:p>
+              <a:p>
+                <a:endParaRPr lang="en-SE" kern="0" dirty="0"/>
+              </a:p>
+              <a:p>
+                <a:pPr lvl="1"/>
+                <a:endParaRPr lang="en-SE" kern="0" dirty="0"/>
+              </a:p>
+            </p:txBody>
+          </p:sp>
+        </mc:Choice>
+        <mc:Fallback>
+          <p:sp>
+            <p:nvSpPr>
+              <p:cNvPr id="40" name="Content Placeholder 2">
+                <a:extLst>
+                  <a:ext uri="{FF2B5EF4-FFF2-40B4-BE49-F238E27FC236}">
+                    <a16:creationId xmlns:a16="http://schemas.microsoft.com/office/drawing/2014/main" id="{65459C0E-A770-41A8-A773-6618E96B7E2D}"/>
+                  </a:ext>
+                </a:extLst>
+              </p:cNvPr>
+              <p:cNvSpPr txBox="1">
+                <a:spLocks noRot="1" noChangeAspect="1" noMove="1" noResize="1" noEditPoints="1" noAdjustHandles="1" noChangeArrowheads="1" noChangeShapeType="1" noTextEdit="1"/>
+              </p:cNvSpPr>
+              <p:nvPr/>
+            </p:nvSpPr>
+            <p:spPr bwMode="auto">
+              <a:xfrm>
+                <a:off x="4572000" y="4057881"/>
+                <a:ext cx="4495800" cy="2978994"/>
+              </a:xfrm>
+              <a:prstGeom prst="rect">
+                <a:avLst/>
+              </a:prstGeom>
+              <a:blipFill>
+                <a:blip r:embed="rId4"/>
+                <a:stretch>
+                  <a:fillRect l="-1491" t="-3279"/>
+                </a:stretch>
+              </a:blipFill>
+              <a:ln w="9525">
+                <a:noFill/>
+                <a:miter lim="800000"/>
+                <a:headEnd/>
+                <a:tailEnd/>
+              </a:ln>
+            </p:spPr>
+            <p:txBody>
+              <a:bodyPr/>
+              <a:lstStyle/>
+              <a:p>
+                <a:r>
+                  <a:rPr lang="en-SE">
+                    <a:noFill/>
+                  </a:rPr>
+                  <a:t> </a:t>
+                </a:r>
+              </a:p>
+            </p:txBody>
+          </p:sp>
+        </mc:Fallback>
+      </mc:AlternateContent>
+      <p:sp>
+        <p:nvSpPr>
+          <p:cNvPr id="3" name="TextBox 2">
+            <a:extLst>
+              <a:ext uri="{FF2B5EF4-FFF2-40B4-BE49-F238E27FC236}">
+                <a16:creationId xmlns:a16="http://schemas.microsoft.com/office/drawing/2014/main" id="{801A291E-A75C-49CB-870C-953B0B9DA091}"/>
+              </a:ext>
+            </a:extLst>
+          </p:cNvPr>
+          <p:cNvSpPr txBox="1"/>
+          <p:nvPr/>
+        </p:nvSpPr>
+        <p:spPr>
+          <a:xfrm>
+            <a:off x="2483768" y="4534497"/>
+            <a:ext cx="2620589" cy="369332"/>
+          </a:xfrm>
+          <a:prstGeom prst="rect">
+            <a:avLst/>
+          </a:prstGeom>
+          <a:noFill/>
+        </p:spPr>
+        <p:txBody>
+          <a:bodyPr wrap="none" rtlCol="0">
+            <a:spAutoFit/>
+          </a:bodyPr>
+          <a:lstStyle/>
+          <a:p>
+            <a:r>
+              <a:rPr lang="en-US" dirty="0"/>
+              <a:t>Is </a:t>
+            </a:r>
+            <a:r>
+              <a:rPr lang="en-US" dirty="0" err="1"/>
+              <a:t>G_t</a:t>
+            </a:r>
+            <a:r>
+              <a:rPr lang="en-US" dirty="0"/>
+              <a:t>(S) proper notation?</a:t>
+            </a:r>
+            <a:endParaRPr lang="en-SE" dirty="0"/>
+          </a:p>
+        </p:txBody>
+      </p:sp>
+    </p:spTree>
+    <p:extLst>
+      <p:ext uri="{BB962C8B-B14F-4D97-AF65-F5344CB8AC3E}">
+        <p14:creationId xmlns:p14="http://schemas.microsoft.com/office/powerpoint/2010/main" val="404099808"/>
+      </p:ext>
+    </p:extLst>
+  </p:cSld>
+  <p:clrMapOvr>
+    <a:masterClrMapping/>
+  </p:clrMapOvr>
+</p:sld>
+</file>
+
+<file path=ppt/slides/slide3.xml><?xml version="1.0" encoding="utf-8"?>
+<p:sld xmlns:a="http://schemas.openxmlformats.org/drawingml/2006/main" xmlns:r="http://schemas.openxmlformats.org/officeDocument/2006/relationships" xmlns:p="http://schemas.openxmlformats.org/presentationml/2006/main">
+  <p:cSld>
+    <p:spTree>
+      <p:nvGrpSpPr>
+        <p:cNvPr id="1" name=""/>
+        <p:cNvGrpSpPr/>
+        <p:nvPr/>
+      </p:nvGrpSpPr>
+      <p:grpSpPr>
+        <a:xfrm>
+          <a:off x="0" y="0"/>
+          <a:ext cx="0" cy="0"/>
+          <a:chOff x="0" y="0"/>
+          <a:chExt cx="0" cy="0"/>
+        </a:xfrm>
+      </p:grpSpPr>
+      <p:sp>
+        <p:nvSpPr>
           <p:cNvPr id="2" name="Title 1">
             <a:extLst>
               <a:ext uri="{FF2B5EF4-FFF2-40B4-BE49-F238E27FC236}">
@@ -7881,8 +12685,8 @@
           </a:p>
         </p:txBody>
       </p:sp>
-      <mc:AlternateContent xmlns:mc="http://schemas.openxmlformats.org/markup-compatibility/2006">
-        <mc:Choice xmlns:a14="http://schemas.microsoft.com/office/drawing/2010/main" Requires="a14">
+      <mc:AlternateContent xmlns:mc="http://schemas.openxmlformats.org/markup-compatibility/2006" xmlns:a14="http://schemas.microsoft.com/office/drawing/2010/main">
+        <mc:Choice Requires="a14">
           <p:sp>
             <p:nvSpPr>
               <p:cNvPr id="3" name="Content Placeholder 2">
@@ -8909,7 +13713,7 @@
             </p:txBody>
           </p:sp>
         </mc:Choice>
-        <mc:Fallback>
+        <mc:Fallback xmlns="">
           <p:sp>
             <p:nvSpPr>
               <p:cNvPr id="3" name="Content Placeholder 2">
@@ -9122,7 +13926,7 @@
               <a:pPr>
                 <a:defRPr/>
               </a:pPr>
-              <a:t>2</a:t>
+              <a:t>3</a:t>
             </a:fld>
             <a:endParaRPr lang="en-US" altLang="zh-CN"/>
           </a:p>
@@ -9201,7 +14005,7 @@
 </p:sld>
 </file>
 
-<file path=ppt/slides/slide3.xml><?xml version="1.0" encoding="utf-8"?>
+<file path=ppt/slides/slide4.xml><?xml version="1.0" encoding="utf-8"?>
 <p:sld xmlns:a="http://schemas.openxmlformats.org/drawingml/2006/main" xmlns:r="http://schemas.openxmlformats.org/officeDocument/2006/relationships" xmlns:p="http://schemas.openxmlformats.org/presentationml/2006/main">
   <p:cSld>
     <p:spTree>
@@ -9922,7 +14726,7 @@
               <a:pPr>
                 <a:defRPr/>
               </a:pPr>
-              <a:t>3</a:t>
+              <a:t>4</a:t>
             </a:fld>
             <a:endParaRPr lang="en-US" altLang="zh-CN"/>
           </a:p>
@@ -10874,7 +15678,7 @@
 </p:sld>
 </file>
 
-<file path=ppt/slides/slide4.xml><?xml version="1.0" encoding="utf-8"?>
+<file path=ppt/slides/slide5.xml><?xml version="1.0" encoding="utf-8"?>
 <p:sld xmlns:a="http://schemas.openxmlformats.org/drawingml/2006/main" xmlns:r="http://schemas.openxmlformats.org/officeDocument/2006/relationships" xmlns:p="http://schemas.openxmlformats.org/presentationml/2006/main">
   <p:cSld>
     <p:spTree>
@@ -11190,7 +15994,7 @@
               <a:pPr>
                 <a:defRPr/>
               </a:pPr>
-              <a:t>4</a:t>
+              <a:t>5</a:t>
             </a:fld>
             <a:endParaRPr lang="en-US" altLang="zh-CN"/>
           </a:p>
@@ -11209,7 +16013,7 @@
 </p:sld>
 </file>
 
-<file path=ppt/slides/slide5.xml><?xml version="1.0" encoding="utf-8"?>
+<file path=ppt/slides/slide6.xml><?xml version="1.0" encoding="utf-8"?>
 <p:sld xmlns:a="http://schemas.openxmlformats.org/drawingml/2006/main" xmlns:r="http://schemas.openxmlformats.org/officeDocument/2006/relationships" xmlns:p="http://schemas.openxmlformats.org/presentationml/2006/main">
   <p:cSld>
     <p:spTree>
@@ -11319,7 +16123,7 @@
 </p:sld>
 </file>
 
-<file path=ppt/slides/slide6.xml><?xml version="1.0" encoding="utf-8"?>
+<file path=ppt/slides/slide7.xml><?xml version="1.0" encoding="utf-8"?>
 <p:sld xmlns:a="http://schemas.openxmlformats.org/drawingml/2006/main" xmlns:r="http://schemas.openxmlformats.org/officeDocument/2006/relationships" xmlns:p="http://schemas.openxmlformats.org/presentationml/2006/main">
   <p:cSld>
     <p:spTree>
@@ -11481,7 +16285,7 @@
 </p:sld>
 </file>
 
-<file path=ppt/slides/slide7.xml><?xml version="1.0" encoding="utf-8"?>
+<file path=ppt/slides/slide8.xml><?xml version="1.0" encoding="utf-8"?>
 <p:sld xmlns:a="http://schemas.openxmlformats.org/drawingml/2006/main" xmlns:r="http://schemas.openxmlformats.org/officeDocument/2006/relationships" xmlns:p="http://schemas.openxmlformats.org/presentationml/2006/main">
   <p:cSld>
     <p:spTree>
@@ -11641,7 +16445,7 @@
 </p:sld>
 </file>
 
-<file path=ppt/slides/slide8.xml><?xml version="1.0" encoding="utf-8"?>
+<file path=ppt/slides/slide9.xml><?xml version="1.0" encoding="utf-8"?>
 <p:sld xmlns:a="http://schemas.openxmlformats.org/drawingml/2006/main" xmlns:r="http://schemas.openxmlformats.org/officeDocument/2006/relationships" xmlns:p="http://schemas.openxmlformats.org/presentationml/2006/main">
   <p:cSld>
     <p:spTree>
@@ -15677,7 +20481,7 @@
               <a:pPr>
                 <a:defRPr/>
               </a:pPr>
-              <a:t>8</a:t>
+              <a:t>9</a:t>
             </a:fld>
             <a:endParaRPr lang="en-US" altLang="zh-CN"/>
           </a:p>
@@ -18575,590 +23379,6 @@
 </p:sld>
 </file>
 
-<file path=ppt/slides/slide9.xml><?xml version="1.0" encoding="utf-8"?>
-<p:sld xmlns:a="http://schemas.openxmlformats.org/drawingml/2006/main" xmlns:r="http://schemas.openxmlformats.org/officeDocument/2006/relationships" xmlns:p="http://schemas.openxmlformats.org/presentationml/2006/main">
-  <p:cSld>
-    <p:spTree>
-      <p:nvGrpSpPr>
-        <p:cNvPr id="1" name=""/>
-        <p:cNvGrpSpPr/>
-        <p:nvPr/>
-      </p:nvGrpSpPr>
-      <p:grpSpPr>
-        <a:xfrm>
-          <a:off x="0" y="0"/>
-          <a:ext cx="0" cy="0"/>
-          <a:chOff x="0" y="0"/>
-          <a:chExt cx="0" cy="0"/>
-        </a:xfrm>
-      </p:grpSpPr>
-      <p:sp>
-        <p:nvSpPr>
-          <p:cNvPr id="2" name="Title 1">
-            <a:extLst>
-              <a:ext uri="{FF2B5EF4-FFF2-40B4-BE49-F238E27FC236}">
-                <a16:creationId xmlns:a16="http://schemas.microsoft.com/office/drawing/2014/main" id="{5682A130-F060-46EE-9E63-6EDFB74A551E}"/>
-              </a:ext>
-            </a:extLst>
-          </p:cNvPr>
-          <p:cNvSpPr>
-            <a:spLocks noGrp="1"/>
-          </p:cNvSpPr>
-          <p:nvPr>
-            <p:ph type="title"/>
-          </p:nvPr>
-        </p:nvSpPr>
-        <p:spPr/>
-        <p:txBody>
-          <a:bodyPr/>
-          <a:lstStyle/>
-          <a:p>
-            <a:r>
-              <a:rPr lang="en-US" dirty="0"/>
-              <a:t>Example 6.1: Driving Home</a:t>
-            </a:r>
-            <a:endParaRPr lang="en-SE" dirty="0"/>
-          </a:p>
-        </p:txBody>
-      </p:sp>
-      <mc:AlternateContent xmlns:mc="http://schemas.openxmlformats.org/markup-compatibility/2006" xmlns:a14="http://schemas.microsoft.com/office/drawing/2010/main">
-        <mc:Choice Requires="a14">
-          <p:sp>
-            <p:nvSpPr>
-              <p:cNvPr id="3" name="Content Placeholder 2">
-                <a:extLst>
-                  <a:ext uri="{FF2B5EF4-FFF2-40B4-BE49-F238E27FC236}">
-                    <a16:creationId xmlns:a16="http://schemas.microsoft.com/office/drawing/2014/main" id="{6D65234F-6AA0-481F-9D98-1963DF5DCAB1}"/>
-                  </a:ext>
-                </a:extLst>
-              </p:cNvPr>
-              <p:cNvSpPr>
-                <a:spLocks noGrp="1"/>
-              </p:cNvSpPr>
-              <p:nvPr>
-                <p:ph idx="1"/>
-              </p:nvPr>
-            </p:nvSpPr>
-            <p:spPr>
-              <a:xfrm>
-                <a:off x="0" y="1181700"/>
-                <a:ext cx="4302000" cy="5105400"/>
-              </a:xfrm>
-            </p:spPr>
-            <p:txBody>
-              <a:bodyPr>
-                <a:normAutofit fontScale="85000" lnSpcReduction="10000"/>
-              </a:bodyPr>
-              <a:lstStyle/>
-              <a:p>
-                <a:r>
-                  <a:rPr lang="en-US" dirty="0"/>
-                  <a:t>The rewards are the elapsed times on each leg of the journey. Discount factor </a:t>
-                </a:r>
-                <a14:m>
-                  <m:oMath xmlns:m="http://schemas.openxmlformats.org/officeDocument/2006/math">
-                    <m:r>
-                      <a:rPr lang="en-US" b="0" i="1" smtClean="0">
-                        <a:latin typeface="Cambria Math" panose="02040503050406030204" pitchFamily="18" charset="0"/>
-                      </a:rPr>
-                      <m:t>𝛾</m:t>
-                    </m:r>
-                    <m:r>
-                      <a:rPr lang="en-US" b="0" i="1" smtClean="0">
-                        <a:latin typeface="Cambria Math" panose="02040503050406030204" pitchFamily="18" charset="0"/>
-                      </a:rPr>
-                      <m:t>=1</m:t>
-                    </m:r>
-                  </m:oMath>
-                </a14:m>
-                <a:r>
-                  <a:rPr lang="en-US" dirty="0"/>
-                  <a:t>, thus the return for each state </a:t>
-                </a:r>
-                <a14:m>
-                  <m:oMath xmlns:m="http://schemas.openxmlformats.org/officeDocument/2006/math">
-                    <m:r>
-                      <a:rPr lang="en-US" b="0" i="1" smtClean="0">
-                        <a:latin typeface="Cambria Math" panose="02040503050406030204" pitchFamily="18" charset="0"/>
-                      </a:rPr>
-                      <m:t>𝑅</m:t>
-                    </m:r>
-                    <m:r>
-                      <a:rPr lang="en-US" b="0" i="1" smtClean="0">
-                        <a:latin typeface="Cambria Math" panose="02040503050406030204" pitchFamily="18" charset="0"/>
-                      </a:rPr>
-                      <m:t>(</m:t>
-                    </m:r>
-                    <m:r>
-                      <a:rPr lang="en-US" b="0" i="1" smtClean="0">
-                        <a:latin typeface="Cambria Math" panose="02040503050406030204" pitchFamily="18" charset="0"/>
-                      </a:rPr>
-                      <m:t>𝑠</m:t>
-                    </m:r>
-                    <m:r>
-                      <a:rPr lang="en-US" b="0" i="1" smtClean="0">
-                        <a:latin typeface="Cambria Math" panose="02040503050406030204" pitchFamily="18" charset="0"/>
-                      </a:rPr>
-                      <m:t>)</m:t>
-                    </m:r>
-                  </m:oMath>
-                </a14:m>
-                <a:r>
-                  <a:rPr lang="en-US" dirty="0"/>
-                  <a:t> is the actual time to go home from that state. The value </a:t>
-                </a:r>
-                <a14:m>
-                  <m:oMath xmlns:m="http://schemas.openxmlformats.org/officeDocument/2006/math">
-                    <m:r>
-                      <a:rPr lang="en-US" b="0" i="1" smtClean="0">
-                        <a:latin typeface="Cambria Math" panose="02040503050406030204" pitchFamily="18" charset="0"/>
-                      </a:rPr>
-                      <m:t>𝑉</m:t>
-                    </m:r>
-                    <m:d>
-                      <m:dPr>
-                        <m:ctrlPr>
-                          <a:rPr lang="en-US" b="0" i="1" smtClean="0">
-                            <a:latin typeface="Cambria Math" panose="02040503050406030204" pitchFamily="18" charset="0"/>
-                          </a:rPr>
-                        </m:ctrlPr>
-                      </m:dPr>
-                      <m:e>
-                        <m:r>
-                          <a:rPr lang="en-US" b="0" i="1" smtClean="0">
-                            <a:latin typeface="Cambria Math" panose="02040503050406030204" pitchFamily="18" charset="0"/>
-                          </a:rPr>
-                          <m:t>𝑠</m:t>
-                        </m:r>
-                      </m:e>
-                    </m:d>
-                    <m:r>
-                      <a:rPr lang="en-US" b="0" i="1" smtClean="0">
-                        <a:latin typeface="Cambria Math" panose="02040503050406030204" pitchFamily="18" charset="0"/>
-                      </a:rPr>
-                      <m:t>=</m:t>
-                    </m:r>
-                    <m:sSub>
-                      <m:sSubPr>
-                        <m:ctrlPr>
-                          <a:rPr lang="en-US" b="0" i="1" smtClean="0">
-                            <a:latin typeface="Cambria Math" panose="02040503050406030204" pitchFamily="18" charset="0"/>
-                          </a:rPr>
-                        </m:ctrlPr>
-                      </m:sSubPr>
-                      <m:e>
-                        <m:r>
-                          <a:rPr lang="en-US" b="0" i="1" smtClean="0">
-                            <a:latin typeface="Cambria Math" panose="02040503050406030204" pitchFamily="18" charset="0"/>
-                          </a:rPr>
-                          <m:t>𝐸</m:t>
-                        </m:r>
-                      </m:e>
-                      <m:sub>
-                        <m:r>
-                          <a:rPr lang="en-US" b="0" i="1" smtClean="0">
-                            <a:latin typeface="Cambria Math" panose="02040503050406030204" pitchFamily="18" charset="0"/>
-                          </a:rPr>
-                          <m:t>𝜋</m:t>
-                        </m:r>
-                      </m:sub>
-                    </m:sSub>
-                    <m:r>
-                      <a:rPr lang="en-US" b="0" i="1" smtClean="0">
-                        <a:latin typeface="Cambria Math" panose="02040503050406030204" pitchFamily="18" charset="0"/>
-                      </a:rPr>
-                      <m:t>(</m:t>
-                    </m:r>
-                    <m:r>
-                      <a:rPr lang="en-US" b="0" i="1" smtClean="0">
-                        <a:latin typeface="Cambria Math" panose="02040503050406030204" pitchFamily="18" charset="0"/>
-                      </a:rPr>
-                      <m:t>𝑅</m:t>
-                    </m:r>
-                    <m:r>
-                      <a:rPr lang="en-US" b="0" i="1" smtClean="0">
-                        <a:latin typeface="Cambria Math" panose="02040503050406030204" pitchFamily="18" charset="0"/>
-                      </a:rPr>
-                      <m:t>(</m:t>
-                    </m:r>
-                    <m:r>
-                      <a:rPr lang="en-US" b="0" i="1" smtClean="0">
-                        <a:latin typeface="Cambria Math" panose="02040503050406030204" pitchFamily="18" charset="0"/>
-                      </a:rPr>
-                      <m:t>𝑠</m:t>
-                    </m:r>
-                    <m:r>
-                      <a:rPr lang="en-US" b="0" i="1" smtClean="0">
-                        <a:latin typeface="Cambria Math" panose="02040503050406030204" pitchFamily="18" charset="0"/>
-                      </a:rPr>
-                      <m:t>))</m:t>
-                    </m:r>
-                  </m:oMath>
-                </a14:m>
-                <a:r>
-                  <a:rPr lang="en-US" dirty="0"/>
-                  <a:t> of each state </a:t>
-                </a:r>
-                <a14:m>
-                  <m:oMath xmlns:m="http://schemas.openxmlformats.org/officeDocument/2006/math">
-                    <m:r>
-                      <a:rPr lang="en-US" i="1" dirty="0" smtClean="0">
-                        <a:latin typeface="Cambria Math" panose="02040503050406030204" pitchFamily="18" charset="0"/>
-                      </a:rPr>
-                      <m:t>𝑠</m:t>
-                    </m:r>
-                  </m:oMath>
-                </a14:m>
-                <a:r>
-                  <a:rPr lang="en-US" dirty="0"/>
-                  <a:t> (number in circle) is the expected time to go. </a:t>
-                </a:r>
-              </a:p>
-              <a:p>
-                <a:r>
-                  <a:rPr lang="en-US" dirty="0"/>
-                  <a:t>MC: update all </a:t>
-                </a:r>
-                <a14:m>
-                  <m:oMath xmlns:m="http://schemas.openxmlformats.org/officeDocument/2006/math">
-                    <m:r>
-                      <a:rPr lang="en-US" b="0" i="1" smtClean="0">
-                        <a:latin typeface="Cambria Math" panose="02040503050406030204" pitchFamily="18" charset="0"/>
-                      </a:rPr>
-                      <m:t>𝑉</m:t>
-                    </m:r>
-                    <m:d>
-                      <m:dPr>
-                        <m:ctrlPr>
-                          <a:rPr lang="en-US" b="0" i="1" smtClean="0">
-                            <a:latin typeface="Cambria Math" panose="02040503050406030204" pitchFamily="18" charset="0"/>
-                          </a:rPr>
-                        </m:ctrlPr>
-                      </m:dPr>
-                      <m:e>
-                        <m:r>
-                          <a:rPr lang="en-US" b="0" i="1" smtClean="0">
-                            <a:latin typeface="Cambria Math" panose="02040503050406030204" pitchFamily="18" charset="0"/>
-                          </a:rPr>
-                          <m:t>𝑠</m:t>
-                        </m:r>
-                      </m:e>
-                    </m:d>
-                  </m:oMath>
-                </a14:m>
-                <a:r>
-                  <a:rPr lang="en-US" dirty="0"/>
-                  <a:t> towhen you get </a:t>
-                </a:r>
-                <a:r>
-                  <a:rPr lang="en-US" dirty="0" err="1"/>
-                  <a:t>hom</a:t>
-                </a:r>
-                <a:r>
-                  <a:rPr lang="en-US" dirty="0"/>
-                  <a:t>.</a:t>
-                </a:r>
-                <a:endParaRPr lang="en-SE" dirty="0"/>
-              </a:p>
-            </p:txBody>
-          </p:sp>
-        </mc:Choice>
-        <mc:Fallback xmlns="">
-          <p:sp>
-            <p:nvSpPr>
-              <p:cNvPr id="3" name="Content Placeholder 2">
-                <a:extLst>
-                  <a:ext uri="{FF2B5EF4-FFF2-40B4-BE49-F238E27FC236}">
-                    <a16:creationId xmlns:a16="http://schemas.microsoft.com/office/drawing/2014/main" id="{6D65234F-6AA0-481F-9D98-1963DF5DCAB1}"/>
-                  </a:ext>
-                </a:extLst>
-              </p:cNvPr>
-              <p:cNvSpPr>
-                <a:spLocks noGrp="1" noRot="1" noChangeAspect="1" noMove="1" noResize="1" noEditPoints="1" noAdjustHandles="1" noChangeArrowheads="1" noChangeShapeType="1" noTextEdit="1"/>
-              </p:cNvSpPr>
-              <p:nvPr>
-                <p:ph idx="1"/>
-              </p:nvPr>
-            </p:nvSpPr>
-            <p:spPr>
-              <a:xfrm>
-                <a:off x="0" y="1181700"/>
-                <a:ext cx="4302000" cy="5105400"/>
-              </a:xfrm>
-              <a:blipFill>
-                <a:blip r:embed="rId2"/>
-                <a:stretch>
-                  <a:fillRect l="-2408" t="-1912" r="-3258" b="-836"/>
-                </a:stretch>
-              </a:blipFill>
-            </p:spPr>
-            <p:txBody>
-              <a:bodyPr/>
-              <a:lstStyle/>
-              <a:p>
-                <a:r>
-                  <a:rPr lang="en-SE">
-                    <a:noFill/>
-                  </a:rPr>
-                  <a:t> </a:t>
-                </a:r>
-              </a:p>
-            </p:txBody>
-          </p:sp>
-        </mc:Fallback>
-      </mc:AlternateContent>
-      <p:sp>
-        <p:nvSpPr>
-          <p:cNvPr id="4" name="Slide Number Placeholder 3">
-            <a:extLst>
-              <a:ext uri="{FF2B5EF4-FFF2-40B4-BE49-F238E27FC236}">
-                <a16:creationId xmlns:a16="http://schemas.microsoft.com/office/drawing/2014/main" id="{B284AEBE-4505-4787-9E1B-CBE77E02B1B4}"/>
-              </a:ext>
-            </a:extLst>
-          </p:cNvPr>
-          <p:cNvSpPr>
-            <a:spLocks noGrp="1"/>
-          </p:cNvSpPr>
-          <p:nvPr>
-            <p:ph type="sldNum" sz="quarter" idx="12"/>
-          </p:nvPr>
-        </p:nvSpPr>
-        <p:spPr bwMode="auto">
-          <a:xfrm>
-            <a:off x="6934200" y="6530035"/>
-            <a:ext cx="2133600" cy="244475"/>
-          </a:xfrm>
-          <a:prstGeom prst="rect">
-            <a:avLst/>
-          </a:prstGeom>
-          <a:noFill/>
-          <a:ln w="9525">
-            <a:noFill/>
-            <a:miter lim="800000"/>
-            <a:headEnd/>
-            <a:tailEnd/>
-          </a:ln>
-          <a:effectLst/>
-        </p:spPr>
-        <p:txBody>
-          <a:bodyPr vert="horz" wrap="square" lIns="91440" tIns="45720" rIns="91440" bIns="45720" numCol="1" anchor="t" anchorCtr="0" compatLnSpc="1">
-            <a:prstTxWarp prst="textNoShape">
-              <a:avLst/>
-            </a:prstTxWarp>
-          </a:bodyPr>
-          <a:lstStyle>
-            <a:defPPr>
-              <a:defRPr lang="en-US"/>
-            </a:defPPr>
-            <a:lvl1pPr algn="r" rtl="0" fontAlgn="base">
-              <a:spcBef>
-                <a:spcPct val="0"/>
-              </a:spcBef>
-              <a:spcAft>
-                <a:spcPct val="0"/>
-              </a:spcAft>
-              <a:defRPr sz="1200" kern="1200">
-                <a:solidFill>
-                  <a:schemeClr val="tx1"/>
-                </a:solidFill>
-                <a:latin typeface="Arial" charset="0"/>
-                <a:ea typeface="宋体" charset="-122"/>
-                <a:cs typeface="+mn-cs"/>
-              </a:defRPr>
-            </a:lvl1pPr>
-            <a:lvl2pPr marL="457200" algn="l" rtl="0" fontAlgn="base">
-              <a:spcBef>
-                <a:spcPct val="0"/>
-              </a:spcBef>
-              <a:spcAft>
-                <a:spcPct val="0"/>
-              </a:spcAft>
-              <a:defRPr kern="1200">
-                <a:solidFill>
-                  <a:schemeClr val="tx1"/>
-                </a:solidFill>
-                <a:latin typeface="Arial" charset="0"/>
-                <a:ea typeface="+mn-ea"/>
-                <a:cs typeface="+mn-cs"/>
-              </a:defRPr>
-            </a:lvl2pPr>
-            <a:lvl3pPr marL="914400" algn="l" rtl="0" fontAlgn="base">
-              <a:spcBef>
-                <a:spcPct val="0"/>
-              </a:spcBef>
-              <a:spcAft>
-                <a:spcPct val="0"/>
-              </a:spcAft>
-              <a:defRPr kern="1200">
-                <a:solidFill>
-                  <a:schemeClr val="tx1"/>
-                </a:solidFill>
-                <a:latin typeface="Arial" charset="0"/>
-                <a:ea typeface="+mn-ea"/>
-                <a:cs typeface="+mn-cs"/>
-              </a:defRPr>
-            </a:lvl3pPr>
-            <a:lvl4pPr marL="1371600" algn="l" rtl="0" fontAlgn="base">
-              <a:spcBef>
-                <a:spcPct val="0"/>
-              </a:spcBef>
-              <a:spcAft>
-                <a:spcPct val="0"/>
-              </a:spcAft>
-              <a:defRPr kern="1200">
-                <a:solidFill>
-                  <a:schemeClr val="tx1"/>
-                </a:solidFill>
-                <a:latin typeface="Arial" charset="0"/>
-                <a:ea typeface="+mn-ea"/>
-                <a:cs typeface="+mn-cs"/>
-              </a:defRPr>
-            </a:lvl4pPr>
-            <a:lvl5pPr marL="1828800" algn="l" rtl="0" fontAlgn="base">
-              <a:spcBef>
-                <a:spcPct val="0"/>
-              </a:spcBef>
-              <a:spcAft>
-                <a:spcPct val="0"/>
-              </a:spcAft>
-              <a:defRPr kern="1200">
-                <a:solidFill>
-                  <a:schemeClr val="tx1"/>
-                </a:solidFill>
-                <a:latin typeface="Arial" charset="0"/>
-                <a:ea typeface="+mn-ea"/>
-                <a:cs typeface="+mn-cs"/>
-              </a:defRPr>
-            </a:lvl5pPr>
-            <a:lvl6pPr marL="2286000" algn="l" defTabSz="914400" rtl="0" eaLnBrk="1" latinLnBrk="0" hangingPunct="1">
-              <a:defRPr kern="1200">
-                <a:solidFill>
-                  <a:schemeClr val="tx1"/>
-                </a:solidFill>
-                <a:latin typeface="Arial" charset="0"/>
-                <a:ea typeface="+mn-ea"/>
-                <a:cs typeface="+mn-cs"/>
-              </a:defRPr>
-            </a:lvl6pPr>
-            <a:lvl7pPr marL="2743200" algn="l" defTabSz="914400" rtl="0" eaLnBrk="1" latinLnBrk="0" hangingPunct="1">
-              <a:defRPr kern="1200">
-                <a:solidFill>
-                  <a:schemeClr val="tx1"/>
-                </a:solidFill>
-                <a:latin typeface="Arial" charset="0"/>
-                <a:ea typeface="+mn-ea"/>
-                <a:cs typeface="+mn-cs"/>
-              </a:defRPr>
-            </a:lvl7pPr>
-            <a:lvl8pPr marL="3200400" algn="l" defTabSz="914400" rtl="0" eaLnBrk="1" latinLnBrk="0" hangingPunct="1">
-              <a:defRPr kern="1200">
-                <a:solidFill>
-                  <a:schemeClr val="tx1"/>
-                </a:solidFill>
-                <a:latin typeface="Arial" charset="0"/>
-                <a:ea typeface="+mn-ea"/>
-                <a:cs typeface="+mn-cs"/>
-              </a:defRPr>
-            </a:lvl8pPr>
-            <a:lvl9pPr marL="3657600" algn="l" defTabSz="914400" rtl="0" eaLnBrk="1" latinLnBrk="0" hangingPunct="1">
-              <a:defRPr kern="1200">
-                <a:solidFill>
-                  <a:schemeClr val="tx1"/>
-                </a:solidFill>
-                <a:latin typeface="Arial" charset="0"/>
-                <a:ea typeface="+mn-ea"/>
-                <a:cs typeface="+mn-cs"/>
-              </a:defRPr>
-            </a:lvl9pPr>
-          </a:lstStyle>
-          <a:p>
-            <a:pPr>
-              <a:defRPr/>
-            </a:pPr>
-            <a:fld id="{F57F456A-00AF-44E6-8D70-638C0D0130FF}" type="slidenum">
-              <a:rPr lang="en-US" altLang="zh-CN" smtClean="0"/>
-              <a:pPr>
-                <a:defRPr/>
-              </a:pPr>
-              <a:t>9</a:t>
-            </a:fld>
-            <a:endParaRPr lang="en-US" altLang="zh-CN"/>
-          </a:p>
-        </p:txBody>
-      </p:sp>
-      <p:pic>
-        <p:nvPicPr>
-          <p:cNvPr id="6" name="Picture 5">
-            <a:extLst>
-              <a:ext uri="{FF2B5EF4-FFF2-40B4-BE49-F238E27FC236}">
-                <a16:creationId xmlns:a16="http://schemas.microsoft.com/office/drawing/2014/main" id="{65A5597A-E0D0-4F8C-853A-DE834BEC6367}"/>
-              </a:ext>
-            </a:extLst>
-          </p:cNvPr>
-          <p:cNvPicPr>
-            <a:picLocks noChangeAspect="1"/>
-          </p:cNvPicPr>
-          <p:nvPr/>
-        </p:nvPicPr>
-        <p:blipFill>
-          <a:blip r:embed="rId3"/>
-          <a:stretch>
-            <a:fillRect/>
-          </a:stretch>
-        </p:blipFill>
-        <p:spPr>
-          <a:xfrm>
-            <a:off x="4286959" y="3429001"/>
-            <a:ext cx="4780841" cy="2247300"/>
-          </a:xfrm>
-          <a:prstGeom prst="rect">
-            <a:avLst/>
-          </a:prstGeom>
-        </p:spPr>
-      </p:pic>
-      <p:pic>
-        <p:nvPicPr>
-          <p:cNvPr id="7" name="Picture 6">
-            <a:extLst>
-              <a:ext uri="{FF2B5EF4-FFF2-40B4-BE49-F238E27FC236}">
-                <a16:creationId xmlns:a16="http://schemas.microsoft.com/office/drawing/2014/main" id="{450F5511-A947-4100-8001-3F2CC0BA3DDA}"/>
-              </a:ext>
-            </a:extLst>
-          </p:cNvPr>
-          <p:cNvPicPr>
-            <a:picLocks noChangeAspect="1"/>
-          </p:cNvPicPr>
-          <p:nvPr/>
-        </p:nvPicPr>
-        <p:blipFill>
-          <a:blip r:embed="rId4"/>
-          <a:stretch>
-            <a:fillRect/>
-          </a:stretch>
-        </p:blipFill>
-        <p:spPr>
-          <a:xfrm>
-            <a:off x="4464962" y="1324292"/>
-            <a:ext cx="4602838" cy="2056007"/>
-          </a:xfrm>
-          <a:prstGeom prst="rect">
-            <a:avLst/>
-          </a:prstGeom>
-        </p:spPr>
-      </p:pic>
-    </p:spTree>
-    <p:extLst>
-      <p:ext uri="{BB962C8B-B14F-4D97-AF65-F5344CB8AC3E}">
-        <p14:creationId xmlns:p14="http://schemas.microsoft.com/office/powerpoint/2010/main" val="2025952131"/>
-      </p:ext>
-    </p:extLst>
-  </p:cSld>
-  <p:clrMapOvr>
-    <a:masterClrMapping/>
-  </p:clrMapOvr>
-</p:sld>
-</file>
-
 <file path=ppt/theme/theme1.xml><?xml version="1.0" encoding="utf-8"?>
 <a:theme xmlns:a="http://schemas.openxmlformats.org/drawingml/2006/main" name="_Template">
   <a:themeElements>
@@ -19740,6 +23960,12 @@
 </file>
 
 <file path=customXml/item2.xml><?xml version="1.0" encoding="utf-8"?>
+<p:properties xmlns:p="http://schemas.microsoft.com/office/2006/metadata/properties" xmlns:xsi="http://www.w3.org/2001/XMLSchema-instance" xmlns:pc="http://schemas.microsoft.com/office/infopath/2007/PartnerControls">
+  <documentManagement/>
+</p:properties>
+</file>
+
+<file path=customXml/item3.xml><?xml version="1.0" encoding="utf-8"?>
 <ct:contentTypeSchema xmlns:ct="http://schemas.microsoft.com/office/2006/metadata/contentType" xmlns:ma="http://schemas.microsoft.com/office/2006/metadata/properties/metaAttributes" ct:_="" ma:_="" ma:contentTypeName="Document" ma:contentTypeID="0x01010004C9F4636FD8CF4DBA576E51CE9A9557" ma:contentTypeVersion="12" ma:contentTypeDescription="Create a new document." ma:contentTypeScope="" ma:versionID="c335fd21f2fe76e29ebd247bba84ba96">
   <xsd:schema xmlns:xsd="http://www.w3.org/2001/XMLSchema" xmlns:xs="http://www.w3.org/2001/XMLSchema" xmlns:p="http://schemas.microsoft.com/office/2006/metadata/properties" xmlns:ns3="221e1496-d443-4306-ad63-a100e0046a13" xmlns:ns4="60aad371-894b-4a9b-aa6a-3fd9336d4f3f" targetNamespace="http://schemas.microsoft.com/office/2006/metadata/properties" ma:root="true" ma:fieldsID="4cb030868c90a59dc09b4c74f925c173" ns3:_="" ns4:_="">
     <xsd:import namespace="221e1496-d443-4306-ad63-a100e0046a13"/>
@@ -19956,12 +24182,6 @@
 </ct:contentTypeSchema>
 </file>
 
-<file path=customXml/item3.xml><?xml version="1.0" encoding="utf-8"?>
-<p:properties xmlns:p="http://schemas.microsoft.com/office/2006/metadata/properties" xmlns:xsi="http://www.w3.org/2001/XMLSchema-instance" xmlns:pc="http://schemas.microsoft.com/office/infopath/2007/PartnerControls">
-  <documentManagement/>
-</p:properties>
-</file>
-
 <file path=customXml/itemProps1.xml><?xml version="1.0" encoding="utf-8"?>
 <ds:datastoreItem xmlns:ds="http://schemas.openxmlformats.org/officeDocument/2006/customXml" ds:itemID="{C57B2AAA-3E84-49CC-BE6D-CB4399E554EF}">
   <ds:schemaRefs>
@@ -19971,6 +24191,23 @@
 </file>
 
 <file path=customXml/itemProps2.xml><?xml version="1.0" encoding="utf-8"?>
+<ds:datastoreItem xmlns:ds="http://schemas.openxmlformats.org/officeDocument/2006/customXml" ds:itemID="{6B8D1CD2-3289-4F40-8C3A-CFDE35750563}">
+  <ds:schemaRefs>
+    <ds:schemaRef ds:uri="http://schemas.microsoft.com/office/2006/documentManagement/types"/>
+    <ds:schemaRef ds:uri="http://purl.org/dc/elements/1.1/"/>
+    <ds:schemaRef ds:uri="http://schemas.microsoft.com/office/2006/metadata/properties"/>
+    <ds:schemaRef ds:uri="http://schemas.openxmlformats.org/package/2006/metadata/core-properties"/>
+    <ds:schemaRef ds:uri="http://purl.org/dc/dcmitype/"/>
+    <ds:schemaRef ds:uri="http://purl.org/dc/terms/"/>
+    <ds:schemaRef ds:uri="http://www.w3.org/XML/1998/namespace"/>
+    <ds:schemaRef ds:uri="http://schemas.microsoft.com/office/infopath/2007/PartnerControls"/>
+    <ds:schemaRef ds:uri="60aad371-894b-4a9b-aa6a-3fd9336d4f3f"/>
+    <ds:schemaRef ds:uri="221e1496-d443-4306-ad63-a100e0046a13"/>
+  </ds:schemaRefs>
+</ds:datastoreItem>
+</file>
+
+<file path=customXml/itemProps3.xml><?xml version="1.0" encoding="utf-8"?>
 <ds:datastoreItem xmlns:ds="http://schemas.openxmlformats.org/officeDocument/2006/customXml" ds:itemID="{6F97E12F-14DB-4E96-B5EF-03E9057A64B5}">
   <ds:schemaRefs>
     <ds:schemaRef ds:uri="http://schemas.microsoft.com/office/2006/metadata/contentType"/>
@@ -19987,21 +24224,4 @@
     <ds:schemaRef ds:uri="http://schemas.microsoft.com/internal/obd"/>
   </ds:schemaRefs>
 </ds:datastoreItem>
-</file>
-
-<file path=customXml/itemProps3.xml><?xml version="1.0" encoding="utf-8"?>
-<ds:datastoreItem xmlns:ds="http://schemas.openxmlformats.org/officeDocument/2006/customXml" ds:itemID="{6B8D1CD2-3289-4F40-8C3A-CFDE35750563}">
-  <ds:schemaRefs>
-    <ds:schemaRef ds:uri="http://schemas.microsoft.com/office/2006/documentManagement/types"/>
-    <ds:schemaRef ds:uri="http://purl.org/dc/elements/1.1/"/>
-    <ds:schemaRef ds:uri="http://schemas.microsoft.com/office/2006/metadata/properties"/>
-    <ds:schemaRef ds:uri="http://schemas.openxmlformats.org/package/2006/metadata/core-properties"/>
-    <ds:schemaRef ds:uri="http://purl.org/dc/dcmitype/"/>
-    <ds:schemaRef ds:uri="http://purl.org/dc/terms/"/>
-    <ds:schemaRef ds:uri="http://www.w3.org/XML/1998/namespace"/>
-    <ds:schemaRef ds:uri="http://schemas.microsoft.com/office/infopath/2007/PartnerControls"/>
-    <ds:schemaRef ds:uri="60aad371-894b-4a9b-aa6a-3fd9336d4f3f"/>
-    <ds:schemaRef ds:uri="221e1496-d443-4306-ad63-a100e0046a13"/>
-  </ds:schemaRefs>
-</ds:datastoreItem>
 </file>
--- a/PPTs/bak/UMU SDC TODO.pptx
+++ b/PPTs/bak/UMU SDC TODO.pptx
@@ -11,7 +11,7 @@
     <p:sldId id="256" r:id="rId5"/>
     <p:sldId id="825" r:id="rId6"/>
     <p:sldId id="1132" r:id="rId7"/>
-    <p:sldId id="824" r:id="rId8"/>
+    <p:sldId id="1040" r:id="rId8"/>
     <p:sldId id="909" r:id="rId9"/>
     <p:sldId id="1166" r:id="rId10"/>
     <p:sldId id="1167" r:id="rId11"/>
@@ -277,7 +277,7 @@
             <a:fld id="{7C0CEB4B-0D62-444C-A05C-70565453F06B}" type="datetimeFigureOut">
               <a:rPr lang="en-US" smtClean="0"/>
               <a:pPr/>
-              <a:t>5/24/2021</a:t>
+              <a:t>5/26/2021</a:t>
             </a:fld>
             <a:endParaRPr lang="en-US"/>
           </a:p>
@@ -943,92 +943,719 @@
         </p:nvSpPr>
         <p:spPr/>
       </p:sp>
-      <p:sp>
-        <p:nvSpPr>
-          <p:cNvPr id="3" name="Notes Placeholder 2"/>
-          <p:cNvSpPr>
-            <a:spLocks noGrp="1"/>
-          </p:cNvSpPr>
-          <p:nvPr>
-            <p:ph type="body" idx="1"/>
-          </p:nvPr>
-        </p:nvSpPr>
-        <p:spPr/>
-        <p:txBody>
-          <a:bodyPr/>
-          <a:lstStyle/>
-          <a:p>
-            <a:pPr marL="0" marR="0" lvl="0" indent="0" algn="l" defTabSz="914400" rtl="0" eaLnBrk="0" fontAlgn="base" latinLnBrk="0" hangingPunct="0">
-              <a:lnSpc>
-                <a:spcPct val="100000"/>
-              </a:lnSpc>
-              <a:spcBef>
-                <a:spcPct val="30000"/>
-              </a:spcBef>
-              <a:spcAft>
-                <a:spcPct val="0"/>
-              </a:spcAft>
-              <a:buClrTx/>
-              <a:buSzTx/>
-              <a:buFontTx/>
-              <a:buNone/>
-              <a:tabLst/>
-              <a:defRPr/>
-            </a:pPr>
-            <a:r>
-              <a:rPr lang="en-US" dirty="0"/>
-              <a:t>Policy: State to action</a:t>
-            </a:r>
-            <a:endParaRPr lang="en-SE" dirty="0"/>
-          </a:p>
-          <a:p>
-            <a:pPr marL="0" marR="0" lvl="0" indent="0" algn="l" defTabSz="914400" rtl="0" eaLnBrk="0" fontAlgn="base" latinLnBrk="0" hangingPunct="0">
-              <a:lnSpc>
-                <a:spcPct val="100000"/>
-              </a:lnSpc>
-              <a:spcBef>
-                <a:spcPct val="30000"/>
-              </a:spcBef>
-              <a:spcAft>
-                <a:spcPct val="0"/>
-              </a:spcAft>
-              <a:buClrTx/>
-              <a:buSzTx/>
-              <a:buFontTx/>
-              <a:buNone/>
-              <a:tabLst/>
-              <a:defRPr/>
-            </a:pPr>
-            <a:r>
-              <a:rPr lang="en-US" dirty="0"/>
-              <a:t>Sometimes loss function is used, defined as negative of reward function, so minimizing loss is equivalent to maximizing reward. The RL problem: find the optimal policy given the reward function.</a:t>
-            </a:r>
-          </a:p>
-          <a:p>
-            <a:pPr marL="0" marR="0" lvl="0" indent="0" algn="l" defTabSz="914400" rtl="0" eaLnBrk="0" fontAlgn="base" latinLnBrk="0" hangingPunct="0">
-              <a:lnSpc>
-                <a:spcPct val="100000"/>
-              </a:lnSpc>
-              <a:spcBef>
-                <a:spcPct val="30000"/>
-              </a:spcBef>
-              <a:spcAft>
-                <a:spcPct val="0"/>
-              </a:spcAft>
-              <a:buClrTx/>
-              <a:buSzTx/>
-              <a:buFontTx/>
-              <a:buNone/>
-              <a:tabLst/>
-              <a:defRPr/>
-            </a:pPr>
-            <a:endParaRPr lang="en-US" dirty="0"/>
-          </a:p>
-          <a:p>
-            <a:endParaRPr lang="en-SE" dirty="0"/>
-          </a:p>
-        </p:txBody>
-      </p:sp>
+      <mc:AlternateContent xmlns:mc="http://schemas.openxmlformats.org/markup-compatibility/2006" xmlns:a14="http://schemas.microsoft.com/office/drawing/2010/main">
+        <mc:Choice Requires="a14">
+          <p:sp>
+            <p:nvSpPr>
+              <p:cNvPr id="3" name="Notes Placeholder 2"/>
+              <p:cNvSpPr>
+                <a:spLocks noGrp="1"/>
+              </p:cNvSpPr>
+              <p:nvPr>
+                <p:ph type="body" idx="1"/>
+              </p:nvPr>
+            </p:nvSpPr>
+            <p:spPr/>
+            <p:txBody>
+              <a:bodyPr/>
+              <a:lstStyle/>
+              <a:p>
+                <a14:m>
+                  <m:oMath xmlns:m="http://schemas.openxmlformats.org/officeDocument/2006/math">
+                    <m:r>
+                      <a:rPr lang="en-US" i="1" smtClean="0">
+                        <a:solidFill>
+                          <a:schemeClr val="tx1"/>
+                        </a:solidFill>
+                        <a:latin typeface="Cambria Math" panose="02040503050406030204" pitchFamily="18" charset="0"/>
+                      </a:rPr>
+                      <m:t>=</m:t>
+                    </m:r>
+                    <m:sSub>
+                      <m:sSubPr>
+                        <m:ctrlPr>
+                          <a:rPr lang="en-US" i="1">
+                            <a:solidFill>
+                              <a:schemeClr val="tx1"/>
+                            </a:solidFill>
+                            <a:latin typeface="Cambria Math" panose="02040503050406030204" pitchFamily="18" charset="0"/>
+                          </a:rPr>
+                        </m:ctrlPr>
+                      </m:sSubPr>
+                      <m:e>
+                        <m:r>
+                          <a:rPr lang="en-US" i="1">
+                            <a:solidFill>
+                              <a:schemeClr val="tx1"/>
+                            </a:solidFill>
+                            <a:latin typeface="Cambria Math" panose="02040503050406030204" pitchFamily="18" charset="0"/>
+                          </a:rPr>
+                          <m:t>𝔼</m:t>
+                        </m:r>
+                      </m:e>
+                      <m:sub>
+                        <m:r>
+                          <a:rPr lang="en-US" i="1">
+                            <a:solidFill>
+                              <a:schemeClr val="tx1"/>
+                            </a:solidFill>
+                            <a:latin typeface="Cambria Math" panose="02040503050406030204" pitchFamily="18" charset="0"/>
+                          </a:rPr>
+                          <m:t>𝜋</m:t>
+                        </m:r>
+                      </m:sub>
+                    </m:sSub>
+                    <m:r>
+                      <a:rPr lang="en-US" i="1">
+                        <a:solidFill>
+                          <a:schemeClr val="tx1"/>
+                        </a:solidFill>
+                        <a:latin typeface="Cambria Math" panose="02040503050406030204" pitchFamily="18" charset="0"/>
+                      </a:rPr>
+                      <m:t>[</m:t>
+                    </m:r>
+                    <m:sSub>
+                      <m:sSubPr>
+                        <m:ctrlPr>
+                          <a:rPr lang="en-US" i="1">
+                            <a:solidFill>
+                              <a:schemeClr val="tx1"/>
+                            </a:solidFill>
+                            <a:latin typeface="Cambria Math" panose="02040503050406030204" pitchFamily="18" charset="0"/>
+                          </a:rPr>
+                        </m:ctrlPr>
+                      </m:sSubPr>
+                      <m:e>
+                        <m:r>
+                          <a:rPr lang="en-US" i="1">
+                            <a:solidFill>
+                              <a:schemeClr val="tx1"/>
+                            </a:solidFill>
+                            <a:latin typeface="Cambria Math" panose="02040503050406030204" pitchFamily="18" charset="0"/>
+                          </a:rPr>
+                          <m:t>𝑅</m:t>
+                        </m:r>
+                      </m:e>
+                      <m:sub>
+                        <m:r>
+                          <a:rPr lang="en-US" i="1">
+                            <a:latin typeface="Cambria Math" panose="02040503050406030204" pitchFamily="18" charset="0"/>
+                          </a:rPr>
+                          <m:t>𝑡</m:t>
+                        </m:r>
+                        <m:r>
+                          <a:rPr lang="en-US" i="1">
+                            <a:latin typeface="Cambria Math" panose="02040503050406030204" pitchFamily="18" charset="0"/>
+                          </a:rPr>
+                          <m:t>+1</m:t>
+                        </m:r>
+                      </m:sub>
+                    </m:sSub>
+                    <m:r>
+                      <a:rPr lang="en-US" i="1">
+                        <a:solidFill>
+                          <a:schemeClr val="tx1"/>
+                        </a:solidFill>
+                        <a:latin typeface="Cambria Math" panose="02040503050406030204" pitchFamily="18" charset="0"/>
+                      </a:rPr>
+                      <m:t>+</m:t>
+                    </m:r>
+                    <m:r>
+                      <a:rPr lang="en-US" i="1">
+                        <a:solidFill>
+                          <a:schemeClr val="tx1"/>
+                        </a:solidFill>
+                        <a:latin typeface="Cambria Math" panose="02040503050406030204" pitchFamily="18" charset="0"/>
+                      </a:rPr>
+                      <m:t>𝛾</m:t>
+                    </m:r>
+                    <m:sSub>
+                      <m:sSubPr>
+                        <m:ctrlPr>
+                          <a:rPr lang="en-US" i="1">
+                            <a:solidFill>
+                              <a:schemeClr val="tx1"/>
+                            </a:solidFill>
+                            <a:latin typeface="Cambria Math" panose="02040503050406030204" pitchFamily="18" charset="0"/>
+                          </a:rPr>
+                        </m:ctrlPr>
+                      </m:sSubPr>
+                      <m:e>
+                        <m:r>
+                          <a:rPr lang="en-US" i="1" smtClean="0">
+                            <a:solidFill>
+                              <a:schemeClr val="tx1"/>
+                            </a:solidFill>
+                            <a:latin typeface="Cambria Math" panose="02040503050406030204" pitchFamily="18" charset="0"/>
+                          </a:rPr>
+                          <m:t>𝑣</m:t>
+                        </m:r>
+                      </m:e>
+                      <m:sub>
+                        <m:r>
+                          <a:rPr lang="en-US" i="1">
+                            <a:solidFill>
+                              <a:schemeClr val="tx1"/>
+                            </a:solidFill>
+                            <a:latin typeface="Cambria Math" panose="02040503050406030204" pitchFamily="18" charset="0"/>
+                          </a:rPr>
+                          <m:t>𝜋</m:t>
+                        </m:r>
+                      </m:sub>
+                    </m:sSub>
+                    <m:r>
+                      <a:rPr lang="en-US" i="1">
+                        <a:solidFill>
+                          <a:schemeClr val="tx1"/>
+                        </a:solidFill>
+                        <a:latin typeface="Cambria Math" panose="02040503050406030204" pitchFamily="18" charset="0"/>
+                      </a:rPr>
+                      <m:t>(</m:t>
+                    </m:r>
+                    <m:sSub>
+                      <m:sSubPr>
+                        <m:ctrlPr>
+                          <a:rPr lang="en-US" i="1">
+                            <a:solidFill>
+                              <a:schemeClr val="tx1"/>
+                            </a:solidFill>
+                            <a:latin typeface="Cambria Math" panose="02040503050406030204" pitchFamily="18" charset="0"/>
+                          </a:rPr>
+                        </m:ctrlPr>
+                      </m:sSubPr>
+                      <m:e>
+                        <m:r>
+                          <a:rPr lang="en-US" i="1">
+                            <a:solidFill>
+                              <a:schemeClr val="tx1"/>
+                            </a:solidFill>
+                            <a:latin typeface="Cambria Math" panose="02040503050406030204" pitchFamily="18" charset="0"/>
+                          </a:rPr>
+                          <m:t>𝑆</m:t>
+                        </m:r>
+                      </m:e>
+                      <m:sub>
+                        <m:r>
+                          <a:rPr lang="en-US" i="1">
+                            <a:solidFill>
+                              <a:schemeClr val="tx1"/>
+                            </a:solidFill>
+                            <a:latin typeface="Cambria Math" panose="02040503050406030204" pitchFamily="18" charset="0"/>
+                          </a:rPr>
+                          <m:t>𝑡</m:t>
+                        </m:r>
+                        <m:r>
+                          <a:rPr lang="en-US" i="1">
+                            <a:solidFill>
+                              <a:schemeClr val="tx1"/>
+                            </a:solidFill>
+                            <a:latin typeface="Cambria Math" panose="02040503050406030204" pitchFamily="18" charset="0"/>
+                          </a:rPr>
+                          <m:t>+1</m:t>
+                        </m:r>
+                      </m:sub>
+                    </m:sSub>
+                    <m:r>
+                      <a:rPr lang="en-US" i="1">
+                        <a:solidFill>
+                          <a:schemeClr val="tx1"/>
+                        </a:solidFill>
+                        <a:latin typeface="Cambria Math" panose="02040503050406030204" pitchFamily="18" charset="0"/>
+                      </a:rPr>
+                      <m:t>)|</m:t>
+                    </m:r>
+                    <m:sSub>
+                      <m:sSubPr>
+                        <m:ctrlPr>
+                          <a:rPr lang="en-US" i="1">
+                            <a:solidFill>
+                              <a:schemeClr val="tx1"/>
+                            </a:solidFill>
+                            <a:latin typeface="Cambria Math" panose="02040503050406030204" pitchFamily="18" charset="0"/>
+                          </a:rPr>
+                        </m:ctrlPr>
+                      </m:sSubPr>
+                      <m:e>
+                        <m:r>
+                          <a:rPr lang="en-US" i="1">
+                            <a:solidFill>
+                              <a:schemeClr val="tx1"/>
+                            </a:solidFill>
+                            <a:latin typeface="Cambria Math" panose="02040503050406030204" pitchFamily="18" charset="0"/>
+                          </a:rPr>
+                          <m:t>𝑆</m:t>
+                        </m:r>
+                      </m:e>
+                      <m:sub>
+                        <m:r>
+                          <a:rPr lang="en-US" i="1">
+                            <a:solidFill>
+                              <a:schemeClr val="tx1"/>
+                            </a:solidFill>
+                            <a:latin typeface="Cambria Math" panose="02040503050406030204" pitchFamily="18" charset="0"/>
+                          </a:rPr>
+                          <m:t>𝑡</m:t>
+                        </m:r>
+                      </m:sub>
+                    </m:sSub>
+                    <m:r>
+                      <a:rPr lang="en-US" i="1">
+                        <a:solidFill>
+                          <a:schemeClr val="tx1"/>
+                        </a:solidFill>
+                        <a:latin typeface="Cambria Math" panose="02040503050406030204" pitchFamily="18" charset="0"/>
+                      </a:rPr>
+                      <m:t>=</m:t>
+                    </m:r>
+                    <m:r>
+                      <a:rPr lang="en-US" i="1">
+                        <a:solidFill>
+                          <a:schemeClr val="tx1"/>
+                        </a:solidFill>
+                        <a:latin typeface="Cambria Math" panose="02040503050406030204" pitchFamily="18" charset="0"/>
+                      </a:rPr>
+                      <m:t>𝑠</m:t>
+                    </m:r>
+                    <m:r>
+                      <a:rPr lang="en-US" i="1">
+                        <a:solidFill>
+                          <a:schemeClr val="tx1"/>
+                        </a:solidFill>
+                        <a:latin typeface="Cambria Math" panose="02040503050406030204" pitchFamily="18" charset="0"/>
+                      </a:rPr>
+                      <m:t>]</m:t>
+                    </m:r>
+                  </m:oMath>
+                </a14:m>
+                <a:r>
+                  <a:rPr lang="en-US" dirty="0"/>
+                  <a:t> </a:t>
+                </a:r>
+                <a14:m>
+                  <m:oMath xmlns:m="http://schemas.openxmlformats.org/officeDocument/2006/math">
+                    <m:r>
+                      <a:rPr lang="en-US" i="1" smtClean="0">
+                        <a:solidFill>
+                          <a:schemeClr val="tx1"/>
+                        </a:solidFill>
+                        <a:latin typeface="Cambria Math" panose="02040503050406030204" pitchFamily="18" charset="0"/>
+                      </a:rPr>
+                      <m:t>=</m:t>
+                    </m:r>
+                    <m:sSub>
+                      <m:sSubPr>
+                        <m:ctrlPr>
+                          <a:rPr lang="en-US" i="1">
+                            <a:solidFill>
+                              <a:schemeClr val="tx1"/>
+                            </a:solidFill>
+                            <a:latin typeface="Cambria Math" panose="02040503050406030204" pitchFamily="18" charset="0"/>
+                          </a:rPr>
+                        </m:ctrlPr>
+                      </m:sSubPr>
+                      <m:e>
+                        <m:r>
+                          <a:rPr lang="en-US" i="1">
+                            <a:solidFill>
+                              <a:schemeClr val="tx1"/>
+                            </a:solidFill>
+                            <a:latin typeface="Cambria Math" panose="02040503050406030204" pitchFamily="18" charset="0"/>
+                          </a:rPr>
+                          <m:t>𝔼</m:t>
+                        </m:r>
+                      </m:e>
+                      <m:sub>
+                        <m:r>
+                          <a:rPr lang="en-US" i="1">
+                            <a:solidFill>
+                              <a:schemeClr val="tx1"/>
+                            </a:solidFill>
+                            <a:latin typeface="Cambria Math" panose="02040503050406030204" pitchFamily="18" charset="0"/>
+                          </a:rPr>
+                          <m:t>𝜋</m:t>
+                        </m:r>
+                      </m:sub>
+                    </m:sSub>
+                    <m:r>
+                      <a:rPr lang="en-US" i="1">
+                        <a:solidFill>
+                          <a:schemeClr val="tx1"/>
+                        </a:solidFill>
+                        <a:latin typeface="Cambria Math" panose="02040503050406030204" pitchFamily="18" charset="0"/>
+                      </a:rPr>
+                      <m:t>[</m:t>
+                    </m:r>
+                    <m:sSub>
+                      <m:sSubPr>
+                        <m:ctrlPr>
+                          <a:rPr lang="en-US" i="1">
+                            <a:solidFill>
+                              <a:schemeClr val="tx1"/>
+                            </a:solidFill>
+                            <a:latin typeface="Cambria Math" panose="02040503050406030204" pitchFamily="18" charset="0"/>
+                          </a:rPr>
+                        </m:ctrlPr>
+                      </m:sSubPr>
+                      <m:e>
+                        <m:r>
+                          <a:rPr lang="en-US" i="1">
+                            <a:solidFill>
+                              <a:schemeClr val="tx1"/>
+                            </a:solidFill>
+                            <a:latin typeface="Cambria Math" panose="02040503050406030204" pitchFamily="18" charset="0"/>
+                          </a:rPr>
+                          <m:t>𝑅</m:t>
+                        </m:r>
+                      </m:e>
+                      <m:sub>
+                        <m:r>
+                          <a:rPr lang="en-US" i="1">
+                            <a:latin typeface="Cambria Math" panose="02040503050406030204" pitchFamily="18" charset="0"/>
+                          </a:rPr>
+                          <m:t>𝑡</m:t>
+                        </m:r>
+                        <m:r>
+                          <a:rPr lang="en-US" i="1">
+                            <a:latin typeface="Cambria Math" panose="02040503050406030204" pitchFamily="18" charset="0"/>
+                          </a:rPr>
+                          <m:t>+1</m:t>
+                        </m:r>
+                      </m:sub>
+                    </m:sSub>
+                    <m:r>
+                      <a:rPr lang="en-US" i="1">
+                        <a:solidFill>
+                          <a:schemeClr val="tx1"/>
+                        </a:solidFill>
+                        <a:latin typeface="Cambria Math" panose="02040503050406030204" pitchFamily="18" charset="0"/>
+                      </a:rPr>
+                      <m:t>+</m:t>
+                    </m:r>
+                    <m:r>
+                      <a:rPr lang="en-US" i="1">
+                        <a:solidFill>
+                          <a:schemeClr val="tx1"/>
+                        </a:solidFill>
+                        <a:latin typeface="Cambria Math" panose="02040503050406030204" pitchFamily="18" charset="0"/>
+                      </a:rPr>
+                      <m:t>𝛾</m:t>
+                    </m:r>
+                    <m:sSub>
+                      <m:sSubPr>
+                        <m:ctrlPr>
+                          <a:rPr lang="en-US" i="1">
+                            <a:solidFill>
+                              <a:schemeClr val="tx1"/>
+                            </a:solidFill>
+                            <a:latin typeface="Cambria Math" panose="02040503050406030204" pitchFamily="18" charset="0"/>
+                          </a:rPr>
+                        </m:ctrlPr>
+                      </m:sSubPr>
+                      <m:e>
+                        <m:r>
+                          <a:rPr lang="en-US" i="1">
+                            <a:solidFill>
+                              <a:schemeClr val="tx1"/>
+                            </a:solidFill>
+                            <a:latin typeface="Cambria Math" panose="02040503050406030204" pitchFamily="18" charset="0"/>
+                          </a:rPr>
+                          <m:t>𝑣</m:t>
+                        </m:r>
+                      </m:e>
+                      <m:sub>
+                        <m:r>
+                          <a:rPr lang="en-US" i="1">
+                            <a:solidFill>
+                              <a:schemeClr val="tx1"/>
+                            </a:solidFill>
+                            <a:latin typeface="Cambria Math" panose="02040503050406030204" pitchFamily="18" charset="0"/>
+                          </a:rPr>
+                          <m:t>𝜋</m:t>
+                        </m:r>
+                      </m:sub>
+                    </m:sSub>
+                    <m:r>
+                      <a:rPr lang="en-US" i="1">
+                        <a:solidFill>
+                          <a:schemeClr val="tx1"/>
+                        </a:solidFill>
+                        <a:latin typeface="Cambria Math" panose="02040503050406030204" pitchFamily="18" charset="0"/>
+                      </a:rPr>
+                      <m:t>(</m:t>
+                    </m:r>
+                    <m:sSub>
+                      <m:sSubPr>
+                        <m:ctrlPr>
+                          <a:rPr lang="en-US" i="1">
+                            <a:solidFill>
+                              <a:schemeClr val="tx1"/>
+                            </a:solidFill>
+                            <a:latin typeface="Cambria Math" panose="02040503050406030204" pitchFamily="18" charset="0"/>
+                          </a:rPr>
+                        </m:ctrlPr>
+                      </m:sSubPr>
+                      <m:e>
+                        <m:r>
+                          <a:rPr lang="en-US" i="1">
+                            <a:solidFill>
+                              <a:schemeClr val="tx1"/>
+                            </a:solidFill>
+                            <a:latin typeface="Cambria Math" panose="02040503050406030204" pitchFamily="18" charset="0"/>
+                          </a:rPr>
+                          <m:t>𝑆</m:t>
+                        </m:r>
+                      </m:e>
+                      <m:sub>
+                        <m:r>
+                          <a:rPr lang="en-US" i="1">
+                            <a:solidFill>
+                              <a:schemeClr val="tx1"/>
+                            </a:solidFill>
+                            <a:latin typeface="Cambria Math" panose="02040503050406030204" pitchFamily="18" charset="0"/>
+                          </a:rPr>
+                          <m:t>𝑡</m:t>
+                        </m:r>
+                        <m:r>
+                          <a:rPr lang="en-US" i="1">
+                            <a:solidFill>
+                              <a:schemeClr val="tx1"/>
+                            </a:solidFill>
+                            <a:latin typeface="Cambria Math" panose="02040503050406030204" pitchFamily="18" charset="0"/>
+                          </a:rPr>
+                          <m:t>+1</m:t>
+                        </m:r>
+                      </m:sub>
+                    </m:sSub>
+                    <m:r>
+                      <a:rPr lang="en-US" i="1">
+                        <a:solidFill>
+                          <a:schemeClr val="tx1"/>
+                        </a:solidFill>
+                        <a:latin typeface="Cambria Math" panose="02040503050406030204" pitchFamily="18" charset="0"/>
+                      </a:rPr>
+                      <m:t>)|</m:t>
+                    </m:r>
+                    <m:sSub>
+                      <m:sSubPr>
+                        <m:ctrlPr>
+                          <a:rPr lang="en-US" i="1">
+                            <a:solidFill>
+                              <a:schemeClr val="tx1"/>
+                            </a:solidFill>
+                            <a:latin typeface="Cambria Math" panose="02040503050406030204" pitchFamily="18" charset="0"/>
+                          </a:rPr>
+                        </m:ctrlPr>
+                      </m:sSubPr>
+                      <m:e>
+                        <m:r>
+                          <a:rPr lang="en-US" i="1">
+                            <a:solidFill>
+                              <a:schemeClr val="tx1"/>
+                            </a:solidFill>
+                            <a:latin typeface="Cambria Math" panose="02040503050406030204" pitchFamily="18" charset="0"/>
+                          </a:rPr>
+                          <m:t>𝑆</m:t>
+                        </m:r>
+                      </m:e>
+                      <m:sub>
+                        <m:r>
+                          <a:rPr lang="en-US" i="1">
+                            <a:solidFill>
+                              <a:schemeClr val="tx1"/>
+                            </a:solidFill>
+                            <a:latin typeface="Cambria Math" panose="02040503050406030204" pitchFamily="18" charset="0"/>
+                          </a:rPr>
+                          <m:t>𝑡</m:t>
+                        </m:r>
+                      </m:sub>
+                    </m:sSub>
+                    <m:r>
+                      <a:rPr lang="en-US" i="1">
+                        <a:solidFill>
+                          <a:schemeClr val="tx1"/>
+                        </a:solidFill>
+                        <a:latin typeface="Cambria Math" panose="02040503050406030204" pitchFamily="18" charset="0"/>
+                      </a:rPr>
+                      <m:t>=</m:t>
+                    </m:r>
+                    <m:r>
+                      <a:rPr lang="en-US" i="1">
+                        <a:solidFill>
+                          <a:schemeClr val="tx1"/>
+                        </a:solidFill>
+                        <a:latin typeface="Cambria Math" panose="02040503050406030204" pitchFamily="18" charset="0"/>
+                      </a:rPr>
+                      <m:t>𝑠</m:t>
+                    </m:r>
+                    <m:r>
+                      <a:rPr lang="en-US" b="0" i="1" smtClean="0">
+                        <a:solidFill>
+                          <a:schemeClr val="tx1"/>
+                        </a:solidFill>
+                        <a:latin typeface="Cambria Math" panose="02040503050406030204" pitchFamily="18" charset="0"/>
+                      </a:rPr>
+                      <m:t>, </m:t>
+                    </m:r>
+                    <m:sSub>
+                      <m:sSubPr>
+                        <m:ctrlPr>
+                          <a:rPr lang="en-US" b="0" i="1" smtClean="0">
+                            <a:solidFill>
+                              <a:schemeClr val="tx1"/>
+                            </a:solidFill>
+                            <a:latin typeface="Cambria Math" panose="02040503050406030204" pitchFamily="18" charset="0"/>
+                          </a:rPr>
+                        </m:ctrlPr>
+                      </m:sSubPr>
+                      <m:e>
+                        <m:r>
+                          <a:rPr lang="en-US" b="0" i="1" smtClean="0">
+                            <a:solidFill>
+                              <a:schemeClr val="tx1"/>
+                            </a:solidFill>
+                            <a:latin typeface="Cambria Math" panose="02040503050406030204" pitchFamily="18" charset="0"/>
+                          </a:rPr>
+                          <m:t>𝐴</m:t>
+                        </m:r>
+                      </m:e>
+                      <m:sub>
+                        <m:r>
+                          <a:rPr lang="en-US" b="0" i="1" smtClean="0">
+                            <a:solidFill>
+                              <a:schemeClr val="tx1"/>
+                            </a:solidFill>
+                            <a:latin typeface="Cambria Math" panose="02040503050406030204" pitchFamily="18" charset="0"/>
+                          </a:rPr>
+                          <m:t>𝑡</m:t>
+                        </m:r>
+                      </m:sub>
+                    </m:sSub>
+                    <m:r>
+                      <a:rPr lang="en-US" b="0" i="1" smtClean="0">
+                        <a:solidFill>
+                          <a:schemeClr val="tx1"/>
+                        </a:solidFill>
+                        <a:latin typeface="Cambria Math" panose="02040503050406030204" pitchFamily="18" charset="0"/>
+                      </a:rPr>
+                      <m:t>=</m:t>
+                    </m:r>
+                    <m:r>
+                      <a:rPr lang="en-US" b="0" i="1" smtClean="0">
+                        <a:solidFill>
+                          <a:schemeClr val="tx1"/>
+                        </a:solidFill>
+                        <a:latin typeface="Cambria Math" panose="02040503050406030204" pitchFamily="18" charset="0"/>
+                      </a:rPr>
+                      <m:t>𝑎</m:t>
+                    </m:r>
+                    <m:r>
+                      <a:rPr lang="en-US" i="1">
+                        <a:solidFill>
+                          <a:schemeClr val="tx1"/>
+                        </a:solidFill>
+                        <a:latin typeface="Cambria Math" panose="02040503050406030204" pitchFamily="18" charset="0"/>
+                      </a:rPr>
+                      <m:t>]</m:t>
+                    </m:r>
+                  </m:oMath>
+                </a14:m>
+                <a:endParaRPr lang="en-SE" dirty="0"/>
+              </a:p>
+            </p:txBody>
+          </p:sp>
+        </mc:Choice>
+        <mc:Fallback xmlns="">
+          <p:sp>
+            <p:nvSpPr>
+              <p:cNvPr id="3" name="Notes Placeholder 2"/>
+              <p:cNvSpPr>
+                <a:spLocks noGrp="1"/>
+              </p:cNvSpPr>
+              <p:nvPr>
+                <p:ph type="body" idx="1"/>
+              </p:nvPr>
+            </p:nvSpPr>
+            <p:spPr/>
+            <p:txBody>
+              <a:bodyPr/>
+              <a:lstStyle/>
+              <a:p>
+                <a:r>
+                  <a:rPr lang="en-US" i="0">
+                    <a:solidFill>
+                      <a:schemeClr val="tx1"/>
+                    </a:solidFill>
+                    <a:latin typeface="Cambria Math" panose="02040503050406030204" pitchFamily="18" charset="0"/>
+                  </a:rPr>
+                  <a:t>=𝔼_𝜋 [𝑅_(</a:t>
+                </a:r>
+                <a:r>
+                  <a:rPr lang="en-US" i="0">
+                    <a:latin typeface="Cambria Math" panose="02040503050406030204" pitchFamily="18" charset="0"/>
+                  </a:rPr>
+                  <a:t>𝑡+1</a:t>
+                </a:r>
+                <a:r>
+                  <a:rPr lang="en-US" i="0">
+                    <a:solidFill>
+                      <a:schemeClr val="tx1"/>
+                    </a:solidFill>
+                    <a:latin typeface="Cambria Math" panose="02040503050406030204" pitchFamily="18" charset="0"/>
+                  </a:rPr>
+                  <a:t>)+𝛾𝑣_𝜋 (𝑆_(𝑡+1))|𝑆_𝑡=𝑠]</a:t>
+                </a:r>
+                <a:r>
+                  <a:rPr lang="en-US" dirty="0"/>
+                  <a:t> </a:t>
+                </a:r>
+                <a:r>
+                  <a:rPr lang="en-US" i="0">
+                    <a:solidFill>
+                      <a:schemeClr val="tx1"/>
+                    </a:solidFill>
+                    <a:latin typeface="Cambria Math" panose="02040503050406030204" pitchFamily="18" charset="0"/>
+                  </a:rPr>
+                  <a:t>=𝔼_𝜋 [𝑅_(</a:t>
+                </a:r>
+                <a:r>
+                  <a:rPr lang="en-US" i="0">
+                    <a:latin typeface="Cambria Math" panose="02040503050406030204" pitchFamily="18" charset="0"/>
+                  </a:rPr>
+                  <a:t>𝑡+1</a:t>
+                </a:r>
+                <a:r>
+                  <a:rPr lang="en-US" i="0">
+                    <a:solidFill>
+                      <a:schemeClr val="tx1"/>
+                    </a:solidFill>
+                    <a:latin typeface="Cambria Math" panose="02040503050406030204" pitchFamily="18" charset="0"/>
+                  </a:rPr>
+                  <a:t>)+𝛾𝑣_𝜋 (𝑆_(𝑡+1))|𝑆_𝑡=𝑠</a:t>
+                </a:r>
+                <a:r>
+                  <a:rPr lang="en-US" b="0" i="0">
+                    <a:solidFill>
+                      <a:schemeClr val="tx1"/>
+                    </a:solidFill>
+                    <a:latin typeface="Cambria Math" panose="02040503050406030204" pitchFamily="18" charset="0"/>
+                  </a:rPr>
+                  <a:t>, 𝐴_𝑡=𝑎</a:t>
+                </a:r>
+                <a:r>
+                  <a:rPr lang="en-US" i="0">
+                    <a:solidFill>
+                      <a:schemeClr val="tx1"/>
+                    </a:solidFill>
+                    <a:latin typeface="Cambria Math" panose="02040503050406030204" pitchFamily="18" charset="0"/>
+                  </a:rPr>
+                  <a:t>]</a:t>
+                </a:r>
+                <a:endParaRPr lang="en-SE" dirty="0"/>
+              </a:p>
+            </p:txBody>
+          </p:sp>
+        </mc:Fallback>
+      </mc:AlternateContent>
       <p:sp>
         <p:nvSpPr>
           <p:cNvPr id="4" name="Slide Number Placeholder 3"/>
@@ -1061,7 +1688,7 @@
     </p:spTree>
     <p:extLst>
       <p:ext uri="{BB962C8B-B14F-4D97-AF65-F5344CB8AC3E}">
-        <p14:creationId xmlns:p14="http://schemas.microsoft.com/office/powerpoint/2010/main" val="4115329599"/>
+        <p14:creationId xmlns:p14="http://schemas.microsoft.com/office/powerpoint/2010/main" val="2980603923"/>
       </p:ext>
     </p:extLst>
   </p:cSld>
@@ -1612,7 +2239,7 @@
             <a:fld id="{CE1938E7-FCD4-418C-87D0-DD707A52F1FF}" type="datetimeFigureOut">
               <a:rPr lang="en-US" smtClean="0"/>
               <a:pPr/>
-              <a:t>5/24/2021</a:t>
+              <a:t>5/26/2021</a:t>
             </a:fld>
             <a:endParaRPr lang="en-US"/>
           </a:p>
@@ -2152,7 +2779,7 @@
             <a:fld id="{CE1938E7-FCD4-418C-87D0-DD707A52F1FF}" type="datetimeFigureOut">
               <a:rPr lang="en-US" smtClean="0"/>
               <a:pPr/>
-              <a:t>5/24/2021</a:t>
+              <a:t>5/26/2021</a:t>
             </a:fld>
             <a:endParaRPr lang="en-US"/>
           </a:p>
@@ -11828,8 +12455,8 @@
           </p:sp>
         </mc:Fallback>
       </mc:AlternateContent>
-      <mc:AlternateContent xmlns:mc="http://schemas.openxmlformats.org/markup-compatibility/2006">
-        <mc:Choice xmlns:a14="http://schemas.microsoft.com/office/drawing/2010/main" Requires="a14">
+      <mc:AlternateContent xmlns:mc="http://schemas.openxmlformats.org/markup-compatibility/2006" xmlns:a14="http://schemas.microsoft.com/office/drawing/2010/main">
+        <mc:Choice Requires="a14">
           <p:sp>
             <p:nvSpPr>
               <p:cNvPr id="40" name="Content Placeholder 2">
@@ -12527,7 +13154,7 @@
             </p:txBody>
           </p:sp>
         </mc:Choice>
-        <mc:Fallback>
+        <mc:Fallback xmlns="">
           <p:sp>
             <p:nvSpPr>
               <p:cNvPr id="40" name="Content Placeholder 2">
@@ -14027,7 +14654,7 @@
           <p:cNvPr id="2" name="Title 1">
             <a:extLst>
               <a:ext uri="{FF2B5EF4-FFF2-40B4-BE49-F238E27FC236}">
-                <a16:creationId xmlns:a16="http://schemas.microsoft.com/office/drawing/2014/main" id="{0E32CE0D-6E84-4119-B96A-66477D7FD572}"/>
+                <a16:creationId xmlns:a16="http://schemas.microsoft.com/office/drawing/2014/main" id="{2282AD63-E583-467F-A541-6B5FB580C4BA}"/>
               </a:ext>
             </a:extLst>
           </p:cNvPr>
@@ -14038,27 +14665,32 @@
             <p:ph type="title"/>
           </p:nvPr>
         </p:nvSpPr>
-        <p:spPr/>
+        <p:spPr>
+          <a:xfrm>
+            <a:off x="1066800" y="274638"/>
+            <a:ext cx="8229600" cy="868362"/>
+          </a:xfrm>
+        </p:spPr>
         <p:txBody>
           <a:bodyPr/>
           <a:lstStyle/>
           <a:p>
             <a:r>
               <a:rPr lang="en-US" dirty="0"/>
-              <a:t>Reinforcement Learning (RL)</a:t>
+              <a:t>Bellman Expectation Equations</a:t>
             </a:r>
             <a:endParaRPr lang="en-SE" dirty="0"/>
           </a:p>
         </p:txBody>
       </p:sp>
-      <mc:AlternateContent xmlns:mc="http://schemas.openxmlformats.org/markup-compatibility/2006" xmlns:a14="http://schemas.microsoft.com/office/drawing/2010/main">
-        <mc:Choice Requires="a14">
+      <mc:AlternateContent xmlns:mc="http://schemas.openxmlformats.org/markup-compatibility/2006">
+        <mc:Choice xmlns:a14="http://schemas.microsoft.com/office/drawing/2010/main" Requires="a14">
           <p:sp>
             <p:nvSpPr>
               <p:cNvPr id="3" name="Content Placeholder 2">
                 <a:extLst>
                   <a:ext uri="{FF2B5EF4-FFF2-40B4-BE49-F238E27FC236}">
-                    <a16:creationId xmlns:a16="http://schemas.microsoft.com/office/drawing/2014/main" id="{0A10FDC6-3779-402E-A23A-D8B0A7301F95}"/>
+                    <a16:creationId xmlns:a16="http://schemas.microsoft.com/office/drawing/2014/main" id="{B1B99C71-7D67-4880-A5D5-CD55AF48D874}"/>
                   </a:ext>
                 </a:extLst>
               </p:cNvPr>
@@ -14071,451 +14703,2002 @@
             </p:nvSpPr>
             <p:spPr>
               <a:xfrm>
-                <a:off x="457200" y="1295399"/>
-                <a:ext cx="8382000" cy="3151934"/>
+                <a:off x="381000" y="1295400"/>
+                <a:ext cx="8382000" cy="5105400"/>
               </a:xfrm>
             </p:spPr>
             <p:txBody>
               <a:bodyPr>
-                <a:normAutofit fontScale="92500" lnSpcReduction="20000"/>
+                <a:normAutofit fontScale="77500" lnSpcReduction="20000"/>
               </a:bodyPr>
               <a:lstStyle/>
               <a:p>
                 <a:r>
                   <a:rPr lang="en-US" dirty="0"/>
-                  <a:t>Definition: the expected return (cumulative reward) from state </a:t>
+                  <a:t>Bellman Expectation Equation for </a:t>
+                </a:r>
+                <a:r>
+                  <a:rPr lang="en-US" dirty="0">
+                    <a:solidFill>
+                      <a:schemeClr val="tx1"/>
+                    </a:solidFill>
+                  </a:rPr>
+                  <a:t>State Value Function:</a:t>
+                </a:r>
+              </a:p>
+              <a:p>
+                <a14:m>
+                  <m:oMath xmlns:m="http://schemas.openxmlformats.org/officeDocument/2006/math">
+                    <m:sSub>
+                      <m:sSubPr>
+                        <m:ctrlPr>
+                          <a:rPr lang="en-US" i="1">
+                            <a:solidFill>
+                              <a:schemeClr val="tx1"/>
+                            </a:solidFill>
+                            <a:latin typeface="Cambria Math" panose="02040503050406030204" pitchFamily="18" charset="0"/>
+                          </a:rPr>
+                        </m:ctrlPr>
+                      </m:sSubPr>
+                      <m:e>
+                        <m:r>
+                          <a:rPr lang="en-US" i="1">
+                            <a:solidFill>
+                              <a:schemeClr val="tx1"/>
+                            </a:solidFill>
+                            <a:latin typeface="Cambria Math" panose="02040503050406030204" pitchFamily="18" charset="0"/>
+                          </a:rPr>
+                          <m:t>𝑣</m:t>
+                        </m:r>
+                      </m:e>
+                      <m:sub>
+                        <m:r>
+                          <a:rPr lang="en-US" i="1">
+                            <a:solidFill>
+                              <a:schemeClr val="tx1"/>
+                            </a:solidFill>
+                            <a:latin typeface="Cambria Math" panose="02040503050406030204" pitchFamily="18" charset="0"/>
+                          </a:rPr>
+                          <m:t>𝜋</m:t>
+                        </m:r>
+                      </m:sub>
+                    </m:sSub>
+                    <m:d>
+                      <m:dPr>
+                        <m:ctrlPr>
+                          <a:rPr lang="en-US" i="1">
+                            <a:solidFill>
+                              <a:schemeClr val="tx1"/>
+                            </a:solidFill>
+                            <a:latin typeface="Cambria Math" panose="02040503050406030204" pitchFamily="18" charset="0"/>
+                          </a:rPr>
+                        </m:ctrlPr>
+                      </m:dPr>
+                      <m:e>
+                        <m:r>
+                          <a:rPr lang="en-US" i="1">
+                            <a:solidFill>
+                              <a:schemeClr val="tx1"/>
+                            </a:solidFill>
+                            <a:latin typeface="Cambria Math" panose="02040503050406030204" pitchFamily="18" charset="0"/>
+                          </a:rPr>
+                          <m:t>𝑠</m:t>
+                        </m:r>
+                      </m:e>
+                    </m:d>
+                    <m:r>
+                      <a:rPr lang="en-US" i="1">
+                        <a:solidFill>
+                          <a:schemeClr val="tx1"/>
+                        </a:solidFill>
+                        <a:latin typeface="Cambria Math" panose="02040503050406030204" pitchFamily="18" charset="0"/>
+                      </a:rPr>
+                      <m:t>=</m:t>
+                    </m:r>
+                    <m:nary>
+                      <m:naryPr>
+                        <m:chr m:val="∑"/>
+                        <m:supHide m:val="on"/>
+                        <m:ctrlPr>
+                          <a:rPr lang="en-US" i="1" smtClean="0">
+                            <a:solidFill>
+                              <a:srgbClr val="C00000"/>
+                            </a:solidFill>
+                            <a:latin typeface="Cambria Math" panose="02040503050406030204" pitchFamily="18" charset="0"/>
+                          </a:rPr>
+                        </m:ctrlPr>
+                      </m:naryPr>
+                      <m:sub>
+                        <m:r>
+                          <a:rPr lang="en-US" i="1">
+                            <a:solidFill>
+                              <a:srgbClr val="C00000"/>
+                            </a:solidFill>
+                            <a:latin typeface="Cambria Math" panose="02040503050406030204" pitchFamily="18" charset="0"/>
+                          </a:rPr>
+                          <m:t>𝑎</m:t>
+                        </m:r>
+                      </m:sub>
+                      <m:sup/>
+                      <m:e>
+                        <m:r>
+                          <a:rPr lang="en-US" i="1">
+                            <a:solidFill>
+                              <a:srgbClr val="C00000"/>
+                            </a:solidFill>
+                            <a:latin typeface="Cambria Math" panose="02040503050406030204" pitchFamily="18" charset="0"/>
+                          </a:rPr>
+                          <m:t>𝜋</m:t>
+                        </m:r>
+                        <m:d>
+                          <m:dPr>
+                            <m:ctrlPr>
+                              <a:rPr lang="en-US" i="1">
+                                <a:solidFill>
+                                  <a:srgbClr val="C00000"/>
+                                </a:solidFill>
+                                <a:latin typeface="Cambria Math" panose="02040503050406030204" pitchFamily="18" charset="0"/>
+                              </a:rPr>
+                            </m:ctrlPr>
+                          </m:dPr>
+                          <m:e>
+                            <m:r>
+                              <a:rPr lang="en-US" i="1">
+                                <a:solidFill>
+                                  <a:srgbClr val="C00000"/>
+                                </a:solidFill>
+                                <a:latin typeface="Cambria Math" panose="02040503050406030204" pitchFamily="18" charset="0"/>
+                              </a:rPr>
+                              <m:t>𝑎</m:t>
+                            </m:r>
+                          </m:e>
+                          <m:e>
+                            <m:r>
+                              <a:rPr lang="en-US" i="1">
+                                <a:solidFill>
+                                  <a:srgbClr val="C00000"/>
+                                </a:solidFill>
+                                <a:latin typeface="Cambria Math" panose="02040503050406030204" pitchFamily="18" charset="0"/>
+                              </a:rPr>
+                              <m:t>𝑠</m:t>
+                            </m:r>
+                          </m:e>
+                        </m:d>
+                      </m:e>
+                    </m:nary>
+                    <m:nary>
+                      <m:naryPr>
+                        <m:chr m:val="∑"/>
+                        <m:supHide m:val="on"/>
+                        <m:ctrlPr>
+                          <a:rPr lang="en-US" i="1">
+                            <a:solidFill>
+                              <a:schemeClr val="tx1"/>
+                            </a:solidFill>
+                            <a:latin typeface="Cambria Math" panose="02040503050406030204" pitchFamily="18" charset="0"/>
+                          </a:rPr>
+                        </m:ctrlPr>
+                      </m:naryPr>
+                      <m:sub>
+                        <m:r>
+                          <a:rPr lang="en-US" i="1">
+                            <a:solidFill>
+                              <a:schemeClr val="tx1"/>
+                            </a:solidFill>
+                            <a:latin typeface="Cambria Math" panose="02040503050406030204" pitchFamily="18" charset="0"/>
+                          </a:rPr>
+                          <m:t>𝑟</m:t>
+                        </m:r>
+                        <m:r>
+                          <a:rPr lang="en-US" i="1">
+                            <a:solidFill>
+                              <a:schemeClr val="tx1"/>
+                            </a:solidFill>
+                            <a:latin typeface="Cambria Math" panose="02040503050406030204" pitchFamily="18" charset="0"/>
+                          </a:rPr>
+                          <m:t>,</m:t>
+                        </m:r>
+                        <m:sSup>
+                          <m:sSupPr>
+                            <m:ctrlPr>
+                              <a:rPr lang="en-US" i="1">
+                                <a:solidFill>
+                                  <a:schemeClr val="tx1"/>
+                                </a:solidFill>
+                                <a:latin typeface="Cambria Math" panose="02040503050406030204" pitchFamily="18" charset="0"/>
+                              </a:rPr>
+                            </m:ctrlPr>
+                          </m:sSupPr>
+                          <m:e>
+                            <m:r>
+                              <a:rPr lang="en-US" i="1">
+                                <a:solidFill>
+                                  <a:schemeClr val="tx1"/>
+                                </a:solidFill>
+                                <a:latin typeface="Cambria Math" panose="02040503050406030204" pitchFamily="18" charset="0"/>
+                              </a:rPr>
+                              <m:t>𝑠</m:t>
+                            </m:r>
+                          </m:e>
+                          <m:sup>
+                            <m:r>
+                              <a:rPr lang="en-US" i="1">
+                                <a:solidFill>
+                                  <a:schemeClr val="tx1"/>
+                                </a:solidFill>
+                                <a:latin typeface="Cambria Math" panose="02040503050406030204" pitchFamily="18" charset="0"/>
+                              </a:rPr>
+                              <m:t>′</m:t>
+                            </m:r>
+                          </m:sup>
+                        </m:sSup>
+                      </m:sub>
+                      <m:sup/>
+                      <m:e>
+                        <m:r>
+                          <a:rPr lang="en-US" i="1">
+                            <a:solidFill>
+                              <a:schemeClr val="tx1"/>
+                            </a:solidFill>
+                            <a:latin typeface="Cambria Math" panose="02040503050406030204" pitchFamily="18" charset="0"/>
+                          </a:rPr>
+                          <m:t>𝑝</m:t>
+                        </m:r>
+                        <m:d>
+                          <m:dPr>
+                            <m:ctrlPr>
+                              <a:rPr lang="en-US" i="1">
+                                <a:solidFill>
+                                  <a:schemeClr val="tx1"/>
+                                </a:solidFill>
+                                <a:latin typeface="Cambria Math" panose="02040503050406030204" pitchFamily="18" charset="0"/>
+                              </a:rPr>
+                            </m:ctrlPr>
+                          </m:dPr>
+                          <m:e>
+                            <m:r>
+                              <a:rPr lang="en-US" i="1">
+                                <a:solidFill>
+                                  <a:schemeClr val="tx1"/>
+                                </a:solidFill>
+                                <a:latin typeface="Cambria Math" panose="02040503050406030204" pitchFamily="18" charset="0"/>
+                              </a:rPr>
+                              <m:t>𝑟</m:t>
+                            </m:r>
+                            <m:r>
+                              <a:rPr lang="en-US" i="1">
+                                <a:solidFill>
+                                  <a:schemeClr val="tx1"/>
+                                </a:solidFill>
+                                <a:latin typeface="Cambria Math" panose="02040503050406030204" pitchFamily="18" charset="0"/>
+                              </a:rPr>
+                              <m:t>,</m:t>
+                            </m:r>
+                            <m:r>
+                              <a:rPr lang="en-US" i="1">
+                                <a:solidFill>
+                                  <a:schemeClr val="tx1"/>
+                                </a:solidFill>
+                                <a:latin typeface="Cambria Math" panose="02040503050406030204" pitchFamily="18" charset="0"/>
+                              </a:rPr>
+                              <m:t>𝑠</m:t>
+                            </m:r>
+                            <m:r>
+                              <a:rPr lang="en-US" i="1">
+                                <a:solidFill>
+                                  <a:schemeClr val="tx1"/>
+                                </a:solidFill>
+                                <a:latin typeface="Cambria Math" panose="02040503050406030204" pitchFamily="18" charset="0"/>
+                              </a:rPr>
+                              <m:t>′</m:t>
+                            </m:r>
+                          </m:e>
+                          <m:e>
+                            <m:r>
+                              <a:rPr lang="en-US" i="1">
+                                <a:solidFill>
+                                  <a:schemeClr val="tx1"/>
+                                </a:solidFill>
+                                <a:latin typeface="Cambria Math" panose="02040503050406030204" pitchFamily="18" charset="0"/>
+                              </a:rPr>
+                              <m:t>𝑠</m:t>
+                            </m:r>
+                            <m:r>
+                              <a:rPr lang="en-US" i="1">
+                                <a:solidFill>
+                                  <a:schemeClr val="tx1"/>
+                                </a:solidFill>
+                                <a:latin typeface="Cambria Math" panose="02040503050406030204" pitchFamily="18" charset="0"/>
+                              </a:rPr>
+                              <m:t>,</m:t>
+                            </m:r>
+                            <m:r>
+                              <a:rPr lang="en-US" i="1">
+                                <a:solidFill>
+                                  <a:schemeClr val="tx1"/>
+                                </a:solidFill>
+                                <a:latin typeface="Cambria Math" panose="02040503050406030204" pitchFamily="18" charset="0"/>
+                              </a:rPr>
+                              <m:t>𝑎</m:t>
+                            </m:r>
+                          </m:e>
+                        </m:d>
+                      </m:e>
+                    </m:nary>
+                    <m:d>
+                      <m:dPr>
+                        <m:begChr m:val="["/>
+                        <m:endChr m:val="]"/>
+                        <m:ctrlPr>
+                          <a:rPr lang="en-US" i="1">
+                            <a:solidFill>
+                              <a:schemeClr val="tx1"/>
+                            </a:solidFill>
+                            <a:latin typeface="Cambria Math" panose="02040503050406030204" pitchFamily="18" charset="0"/>
+                          </a:rPr>
+                        </m:ctrlPr>
+                      </m:dPr>
+                      <m:e>
+                        <m:r>
+                          <a:rPr lang="en-US" i="1">
+                            <a:solidFill>
+                              <a:schemeClr val="tx1"/>
+                            </a:solidFill>
+                            <a:latin typeface="Cambria Math" panose="02040503050406030204" pitchFamily="18" charset="0"/>
+                          </a:rPr>
+                          <m:t>𝑟</m:t>
+                        </m:r>
+                        <m:r>
+                          <a:rPr lang="en-US" i="1">
+                            <a:solidFill>
+                              <a:schemeClr val="tx1"/>
+                            </a:solidFill>
+                            <a:latin typeface="Cambria Math" panose="02040503050406030204" pitchFamily="18" charset="0"/>
+                          </a:rPr>
+                          <m:t>+</m:t>
+                        </m:r>
+                        <m:r>
+                          <a:rPr lang="en-US" i="1">
+                            <a:solidFill>
+                              <a:schemeClr val="tx1"/>
+                            </a:solidFill>
+                            <a:latin typeface="Cambria Math" panose="02040503050406030204" pitchFamily="18" charset="0"/>
+                          </a:rPr>
+                          <m:t>𝛾</m:t>
+                        </m:r>
+                        <m:sSub>
+                          <m:sSubPr>
+                            <m:ctrlPr>
+                              <a:rPr lang="en-US" i="1">
+                                <a:solidFill>
+                                  <a:schemeClr val="tx1"/>
+                                </a:solidFill>
+                                <a:latin typeface="Cambria Math" panose="02040503050406030204" pitchFamily="18" charset="0"/>
+                              </a:rPr>
+                            </m:ctrlPr>
+                          </m:sSubPr>
+                          <m:e>
+                            <m:r>
+                              <a:rPr lang="en-US" i="1">
+                                <a:solidFill>
+                                  <a:schemeClr val="tx1"/>
+                                </a:solidFill>
+                                <a:latin typeface="Cambria Math" panose="02040503050406030204" pitchFamily="18" charset="0"/>
+                              </a:rPr>
+                              <m:t>𝑣</m:t>
+                            </m:r>
+                          </m:e>
+                          <m:sub>
+                            <m:r>
+                              <a:rPr lang="en-US" i="1">
+                                <a:solidFill>
+                                  <a:schemeClr val="tx1"/>
+                                </a:solidFill>
+                                <a:latin typeface="Cambria Math" panose="02040503050406030204" pitchFamily="18" charset="0"/>
+                              </a:rPr>
+                              <m:t>𝜋</m:t>
+                            </m:r>
+                          </m:sub>
+                        </m:sSub>
+                        <m:d>
+                          <m:dPr>
+                            <m:ctrlPr>
+                              <a:rPr lang="en-US" i="1">
+                                <a:solidFill>
+                                  <a:schemeClr val="tx1"/>
+                                </a:solidFill>
+                                <a:latin typeface="Cambria Math" panose="02040503050406030204" pitchFamily="18" charset="0"/>
+                              </a:rPr>
+                            </m:ctrlPr>
+                          </m:dPr>
+                          <m:e>
+                            <m:sSup>
+                              <m:sSupPr>
+                                <m:ctrlPr>
+                                  <a:rPr lang="en-US" i="1">
+                                    <a:solidFill>
+                                      <a:schemeClr val="tx1"/>
+                                    </a:solidFill>
+                                    <a:latin typeface="Cambria Math" panose="02040503050406030204" pitchFamily="18" charset="0"/>
+                                  </a:rPr>
+                                </m:ctrlPr>
+                              </m:sSupPr>
+                              <m:e>
+                                <m:r>
+                                  <a:rPr lang="en-US" i="1">
+                                    <a:solidFill>
+                                      <a:schemeClr val="tx1"/>
+                                    </a:solidFill>
+                                    <a:latin typeface="Cambria Math" panose="02040503050406030204" pitchFamily="18" charset="0"/>
+                                  </a:rPr>
+                                  <m:t>𝑠</m:t>
+                                </m:r>
+                              </m:e>
+                              <m:sup>
+                                <m:r>
+                                  <a:rPr lang="en-US" i="1">
+                                    <a:solidFill>
+                                      <a:schemeClr val="tx1"/>
+                                    </a:solidFill>
+                                    <a:latin typeface="Cambria Math" panose="02040503050406030204" pitchFamily="18" charset="0"/>
+                                  </a:rPr>
+                                  <m:t>′</m:t>
+                                </m:r>
+                              </m:sup>
+                            </m:sSup>
+                          </m:e>
+                        </m:d>
+                      </m:e>
+                    </m:d>
+                    <m:r>
+                      <a:rPr lang="en-US" b="0" i="1" smtClean="0">
+                        <a:solidFill>
+                          <a:schemeClr val="tx1"/>
+                        </a:solidFill>
+                        <a:latin typeface="Cambria Math" panose="02040503050406030204" pitchFamily="18" charset="0"/>
+                      </a:rPr>
+                      <m:t>=</m:t>
+                    </m:r>
+                    <m:sSub>
+                      <m:sSubPr>
+                        <m:ctrlPr>
+                          <a:rPr lang="en-US" b="0" i="1" smtClean="0">
+                            <a:solidFill>
+                              <a:schemeClr val="tx1"/>
+                            </a:solidFill>
+                            <a:latin typeface="Cambria Math" panose="02040503050406030204" pitchFamily="18" charset="0"/>
+                          </a:rPr>
+                        </m:ctrlPr>
+                      </m:sSubPr>
+                      <m:e>
+                        <m:r>
+                          <a:rPr lang="en-US" b="0" i="1" smtClean="0">
+                            <a:solidFill>
+                              <a:schemeClr val="tx1"/>
+                            </a:solidFill>
+                            <a:latin typeface="Cambria Math" panose="02040503050406030204" pitchFamily="18" charset="0"/>
+                          </a:rPr>
+                          <m:t>𝔼</m:t>
+                        </m:r>
+                      </m:e>
+                      <m:sub>
+                        <m:r>
+                          <a:rPr lang="en-US" b="0" i="1" smtClean="0">
+                            <a:solidFill>
+                              <a:schemeClr val="tx1"/>
+                            </a:solidFill>
+                            <a:latin typeface="Cambria Math" panose="02040503050406030204" pitchFamily="18" charset="0"/>
+                          </a:rPr>
+                          <m:t>𝜋</m:t>
+                        </m:r>
+                      </m:sub>
+                    </m:sSub>
+                    <m:d>
+                      <m:dPr>
+                        <m:begChr m:val="["/>
+                        <m:endChr m:val="]"/>
+                        <m:ctrlPr>
+                          <a:rPr lang="en-US" i="1">
+                            <a:latin typeface="Cambria Math" panose="02040503050406030204" pitchFamily="18" charset="0"/>
+                          </a:rPr>
+                        </m:ctrlPr>
+                      </m:dPr>
+                      <m:e>
+                        <m:r>
+                          <a:rPr lang="en-US" i="1">
+                            <a:latin typeface="Cambria Math" panose="02040503050406030204" pitchFamily="18" charset="0"/>
+                          </a:rPr>
+                          <m:t>𝑟</m:t>
+                        </m:r>
+                        <m:r>
+                          <a:rPr lang="en-US" i="1">
+                            <a:latin typeface="Cambria Math" panose="02040503050406030204" pitchFamily="18" charset="0"/>
+                          </a:rPr>
+                          <m:t>+</m:t>
+                        </m:r>
+                        <m:r>
+                          <a:rPr lang="en-US" i="1">
+                            <a:latin typeface="Cambria Math" panose="02040503050406030204" pitchFamily="18" charset="0"/>
+                          </a:rPr>
+                          <m:t>𝛾</m:t>
+                        </m:r>
+                        <m:sSub>
+                          <m:sSubPr>
+                            <m:ctrlPr>
+                              <a:rPr lang="en-US" i="1">
+                                <a:latin typeface="Cambria Math" panose="02040503050406030204" pitchFamily="18" charset="0"/>
+                              </a:rPr>
+                            </m:ctrlPr>
+                          </m:sSubPr>
+                          <m:e>
+                            <m:r>
+                              <a:rPr lang="en-US" i="1">
+                                <a:latin typeface="Cambria Math" panose="02040503050406030204" pitchFamily="18" charset="0"/>
+                              </a:rPr>
+                              <m:t>𝑣</m:t>
+                            </m:r>
+                          </m:e>
+                          <m:sub>
+                            <m:r>
+                              <a:rPr lang="en-US" i="1">
+                                <a:latin typeface="Cambria Math" panose="02040503050406030204" pitchFamily="18" charset="0"/>
+                              </a:rPr>
+                              <m:t>𝜋</m:t>
+                            </m:r>
+                          </m:sub>
+                        </m:sSub>
+                        <m:d>
+                          <m:dPr>
+                            <m:ctrlPr>
+                              <a:rPr lang="en-US" i="1">
+                                <a:latin typeface="Cambria Math" panose="02040503050406030204" pitchFamily="18" charset="0"/>
+                              </a:rPr>
+                            </m:ctrlPr>
+                          </m:dPr>
+                          <m:e>
+                            <m:sSup>
+                              <m:sSupPr>
+                                <m:ctrlPr>
+                                  <a:rPr lang="en-US" i="1">
+                                    <a:latin typeface="Cambria Math" panose="02040503050406030204" pitchFamily="18" charset="0"/>
+                                  </a:rPr>
+                                </m:ctrlPr>
+                              </m:sSupPr>
+                              <m:e>
+                                <m:r>
+                                  <a:rPr lang="en-US" i="1">
+                                    <a:latin typeface="Cambria Math" panose="02040503050406030204" pitchFamily="18" charset="0"/>
+                                  </a:rPr>
+                                  <m:t>𝑠</m:t>
+                                </m:r>
+                              </m:e>
+                              <m:sup>
+                                <m:r>
+                                  <a:rPr lang="en-US" i="1">
+                                    <a:latin typeface="Cambria Math" panose="02040503050406030204" pitchFamily="18" charset="0"/>
+                                  </a:rPr>
+                                  <m:t>′</m:t>
+                                </m:r>
+                              </m:sup>
+                            </m:sSup>
+                          </m:e>
+                        </m:d>
+                        <m:r>
+                          <a:rPr lang="en-US" b="0" i="1" smtClean="0">
+                            <a:latin typeface="Cambria Math" panose="02040503050406030204" pitchFamily="18" charset="0"/>
+                          </a:rPr>
+                          <m:t>|</m:t>
+                        </m:r>
+                        <m:r>
+                          <a:rPr lang="en-US" b="0" i="1" smtClean="0">
+                            <a:latin typeface="Cambria Math" panose="02040503050406030204" pitchFamily="18" charset="0"/>
+                          </a:rPr>
+                          <m:t>𝑠</m:t>
+                        </m:r>
+                      </m:e>
+                    </m:d>
+                  </m:oMath>
+                </a14:m>
+                <a:endParaRPr lang="en-US" dirty="0">
+                  <a:solidFill>
+                    <a:schemeClr val="tx1"/>
+                  </a:solidFill>
+                </a:endParaRPr>
+              </a:p>
+              <a:p>
+                <a:pPr lvl="1"/>
+                <a:r>
+                  <a:rPr lang="en-US" dirty="0">
+                    <a:solidFill>
+                      <a:schemeClr val="tx1"/>
+                    </a:solidFill>
+                  </a:rPr>
+                  <a:t>Expected value starting from state </a:t>
+                </a:r>
+                <a14:m>
+                  <m:oMath xmlns:m="http://schemas.openxmlformats.org/officeDocument/2006/math">
+                    <m:r>
+                      <a:rPr lang="en-US" b="0" i="1" smtClean="0">
+                        <a:solidFill>
+                          <a:schemeClr val="tx1"/>
+                        </a:solidFill>
+                        <a:latin typeface="Cambria Math" panose="02040503050406030204" pitchFamily="18" charset="0"/>
+                      </a:rPr>
+                      <m:t>𝑠</m:t>
+                    </m:r>
+                  </m:oMath>
+                </a14:m>
+                <a:r>
+                  <a:rPr lang="en-US" dirty="0">
+                    <a:solidFill>
+                      <a:schemeClr val="tx1"/>
+                    </a:solidFill>
+                  </a:rPr>
+                  <a:t> and following policy </a:t>
+                </a:r>
+                <a14:m>
+                  <m:oMath xmlns:m="http://schemas.openxmlformats.org/officeDocument/2006/math">
+                    <m:r>
+                      <a:rPr lang="en-US" b="0" i="1" smtClean="0">
+                        <a:solidFill>
+                          <a:schemeClr val="tx1"/>
+                        </a:solidFill>
+                        <a:latin typeface="Cambria Math" panose="02040503050406030204" pitchFamily="18" charset="0"/>
+                      </a:rPr>
+                      <m:t>𝜋</m:t>
+                    </m:r>
+                  </m:oMath>
+                </a14:m>
+                <a:r>
+                  <a:rPr lang="en-US" dirty="0">
+                    <a:solidFill>
+                      <a:schemeClr val="tx1"/>
+                    </a:solidFill>
+                  </a:rPr>
+                  <a:t>.</a:t>
+                </a:r>
+              </a:p>
+              <a:p>
+                <a:r>
+                  <a:rPr lang="en-US" dirty="0"/>
+                  <a:t>Bellman Expectation Equation for </a:t>
+                </a:r>
+                <a:r>
+                  <a:rPr lang="en-US" dirty="0">
+                    <a:solidFill>
+                      <a:schemeClr val="tx1"/>
+                    </a:solidFill>
+                  </a:rPr>
+                  <a:t>State Action Value Function</a:t>
+                </a:r>
+              </a:p>
+              <a:p>
+                <a14:m>
+                  <m:oMath xmlns:m="http://schemas.openxmlformats.org/officeDocument/2006/math">
+                    <m:sSub>
+                      <m:sSubPr>
+                        <m:ctrlPr>
+                          <a:rPr lang="en-US" i="1" smtClean="0">
+                            <a:solidFill>
+                              <a:schemeClr val="tx1"/>
+                            </a:solidFill>
+                            <a:latin typeface="Cambria Math" panose="02040503050406030204" pitchFamily="18" charset="0"/>
+                          </a:rPr>
+                        </m:ctrlPr>
+                      </m:sSubPr>
+                      <m:e>
+                        <m:r>
+                          <a:rPr lang="en-US" b="0" i="1" smtClean="0">
+                            <a:solidFill>
+                              <a:schemeClr val="tx1"/>
+                            </a:solidFill>
+                            <a:latin typeface="Cambria Math" panose="02040503050406030204" pitchFamily="18" charset="0"/>
+                          </a:rPr>
+                          <m:t>𝑞</m:t>
+                        </m:r>
+                      </m:e>
+                      <m:sub>
+                        <m:r>
+                          <a:rPr lang="en-US" i="1">
+                            <a:solidFill>
+                              <a:schemeClr val="tx1"/>
+                            </a:solidFill>
+                            <a:latin typeface="Cambria Math" panose="02040503050406030204" pitchFamily="18" charset="0"/>
+                          </a:rPr>
+                          <m:t>𝜋</m:t>
+                        </m:r>
+                      </m:sub>
+                    </m:sSub>
+                    <m:d>
+                      <m:dPr>
+                        <m:ctrlPr>
+                          <a:rPr lang="en-US" i="1">
+                            <a:solidFill>
+                              <a:schemeClr val="tx1"/>
+                            </a:solidFill>
+                            <a:latin typeface="Cambria Math" panose="02040503050406030204" pitchFamily="18" charset="0"/>
+                          </a:rPr>
+                        </m:ctrlPr>
+                      </m:dPr>
+                      <m:e>
+                        <m:r>
+                          <a:rPr lang="en-US" i="1">
+                            <a:solidFill>
+                              <a:schemeClr val="tx1"/>
+                            </a:solidFill>
+                            <a:latin typeface="Cambria Math" panose="02040503050406030204" pitchFamily="18" charset="0"/>
+                          </a:rPr>
+                          <m:t>𝑠</m:t>
+                        </m:r>
+                        <m:r>
+                          <a:rPr lang="en-US" b="0" i="1" smtClean="0">
+                            <a:solidFill>
+                              <a:schemeClr val="tx1"/>
+                            </a:solidFill>
+                            <a:latin typeface="Cambria Math" panose="02040503050406030204" pitchFamily="18" charset="0"/>
+                          </a:rPr>
+                          <m:t>,</m:t>
+                        </m:r>
+                        <m:r>
+                          <a:rPr lang="en-US" b="0" i="1" smtClean="0">
+                            <a:solidFill>
+                              <a:schemeClr val="tx1"/>
+                            </a:solidFill>
+                            <a:latin typeface="Cambria Math" panose="02040503050406030204" pitchFamily="18" charset="0"/>
+                          </a:rPr>
+                          <m:t>𝑎</m:t>
+                        </m:r>
+                      </m:e>
+                    </m:d>
+                    <m:r>
+                      <a:rPr lang="en-US" i="1">
+                        <a:solidFill>
+                          <a:schemeClr val="tx1"/>
+                        </a:solidFill>
+                        <a:latin typeface="Cambria Math" panose="02040503050406030204" pitchFamily="18" charset="0"/>
+                      </a:rPr>
+                      <m:t>=</m:t>
+                    </m:r>
+                    <m:nary>
+                      <m:naryPr>
+                        <m:chr m:val="∑"/>
+                        <m:supHide m:val="on"/>
+                        <m:ctrlPr>
+                          <a:rPr lang="en-US" i="1">
+                            <a:solidFill>
+                              <a:schemeClr val="tx1"/>
+                            </a:solidFill>
+                            <a:latin typeface="Cambria Math" panose="02040503050406030204" pitchFamily="18" charset="0"/>
+                          </a:rPr>
+                        </m:ctrlPr>
+                      </m:naryPr>
+                      <m:sub>
+                        <m:r>
+                          <a:rPr lang="en-US" i="1">
+                            <a:solidFill>
+                              <a:schemeClr val="tx1"/>
+                            </a:solidFill>
+                            <a:latin typeface="Cambria Math" panose="02040503050406030204" pitchFamily="18" charset="0"/>
+                          </a:rPr>
+                          <m:t>𝑟</m:t>
+                        </m:r>
+                        <m:r>
+                          <a:rPr lang="en-US" i="1">
+                            <a:solidFill>
+                              <a:schemeClr val="tx1"/>
+                            </a:solidFill>
+                            <a:latin typeface="Cambria Math" panose="02040503050406030204" pitchFamily="18" charset="0"/>
+                          </a:rPr>
+                          <m:t>,</m:t>
+                        </m:r>
+                        <m:sSup>
+                          <m:sSupPr>
+                            <m:ctrlPr>
+                              <a:rPr lang="en-US" i="1">
+                                <a:solidFill>
+                                  <a:schemeClr val="tx1"/>
+                                </a:solidFill>
+                                <a:latin typeface="Cambria Math" panose="02040503050406030204" pitchFamily="18" charset="0"/>
+                              </a:rPr>
+                            </m:ctrlPr>
+                          </m:sSupPr>
+                          <m:e>
+                            <m:r>
+                              <a:rPr lang="en-US" i="1">
+                                <a:solidFill>
+                                  <a:schemeClr val="tx1"/>
+                                </a:solidFill>
+                                <a:latin typeface="Cambria Math" panose="02040503050406030204" pitchFamily="18" charset="0"/>
+                              </a:rPr>
+                              <m:t>𝑠</m:t>
+                            </m:r>
+                          </m:e>
+                          <m:sup>
+                            <m:r>
+                              <a:rPr lang="en-US" i="1">
+                                <a:solidFill>
+                                  <a:schemeClr val="tx1"/>
+                                </a:solidFill>
+                                <a:latin typeface="Cambria Math" panose="02040503050406030204" pitchFamily="18" charset="0"/>
+                              </a:rPr>
+                              <m:t>′</m:t>
+                            </m:r>
+                          </m:sup>
+                        </m:sSup>
+                      </m:sub>
+                      <m:sup/>
+                      <m:e>
+                        <m:r>
+                          <a:rPr lang="en-US" i="1">
+                            <a:solidFill>
+                              <a:schemeClr val="tx1"/>
+                            </a:solidFill>
+                            <a:latin typeface="Cambria Math" panose="02040503050406030204" pitchFamily="18" charset="0"/>
+                          </a:rPr>
+                          <m:t>𝑝</m:t>
+                        </m:r>
+                        <m:d>
+                          <m:dPr>
+                            <m:ctrlPr>
+                              <a:rPr lang="en-US" i="1">
+                                <a:solidFill>
+                                  <a:schemeClr val="tx1"/>
+                                </a:solidFill>
+                                <a:latin typeface="Cambria Math" panose="02040503050406030204" pitchFamily="18" charset="0"/>
+                              </a:rPr>
+                            </m:ctrlPr>
+                          </m:dPr>
+                          <m:e>
+                            <m:r>
+                              <a:rPr lang="en-US" i="1">
+                                <a:solidFill>
+                                  <a:schemeClr val="tx1"/>
+                                </a:solidFill>
+                                <a:latin typeface="Cambria Math" panose="02040503050406030204" pitchFamily="18" charset="0"/>
+                              </a:rPr>
+                              <m:t>𝑟</m:t>
+                            </m:r>
+                            <m:r>
+                              <a:rPr lang="en-US" i="1">
+                                <a:solidFill>
+                                  <a:schemeClr val="tx1"/>
+                                </a:solidFill>
+                                <a:latin typeface="Cambria Math" panose="02040503050406030204" pitchFamily="18" charset="0"/>
+                              </a:rPr>
+                              <m:t>,</m:t>
+                            </m:r>
+                            <m:r>
+                              <a:rPr lang="en-US" i="1">
+                                <a:solidFill>
+                                  <a:schemeClr val="tx1"/>
+                                </a:solidFill>
+                                <a:latin typeface="Cambria Math" panose="02040503050406030204" pitchFamily="18" charset="0"/>
+                              </a:rPr>
+                              <m:t>𝑠</m:t>
+                            </m:r>
+                            <m:r>
+                              <a:rPr lang="en-US" i="1">
+                                <a:solidFill>
+                                  <a:schemeClr val="tx1"/>
+                                </a:solidFill>
+                                <a:latin typeface="Cambria Math" panose="02040503050406030204" pitchFamily="18" charset="0"/>
+                              </a:rPr>
+                              <m:t>′</m:t>
+                            </m:r>
+                          </m:e>
+                          <m:e>
+                            <m:r>
+                              <a:rPr lang="en-US" i="1">
+                                <a:solidFill>
+                                  <a:schemeClr val="tx1"/>
+                                </a:solidFill>
+                                <a:latin typeface="Cambria Math" panose="02040503050406030204" pitchFamily="18" charset="0"/>
+                              </a:rPr>
+                              <m:t>𝑠</m:t>
+                            </m:r>
+                            <m:r>
+                              <a:rPr lang="en-US" i="1">
+                                <a:solidFill>
+                                  <a:schemeClr val="tx1"/>
+                                </a:solidFill>
+                                <a:latin typeface="Cambria Math" panose="02040503050406030204" pitchFamily="18" charset="0"/>
+                              </a:rPr>
+                              <m:t>,</m:t>
+                            </m:r>
+                            <m:r>
+                              <a:rPr lang="en-US" i="1">
+                                <a:solidFill>
+                                  <a:schemeClr val="tx1"/>
+                                </a:solidFill>
+                                <a:latin typeface="Cambria Math" panose="02040503050406030204" pitchFamily="18" charset="0"/>
+                              </a:rPr>
+                              <m:t>𝑎</m:t>
+                            </m:r>
+                          </m:e>
+                        </m:d>
+                      </m:e>
+                    </m:nary>
+                    <m:d>
+                      <m:dPr>
+                        <m:begChr m:val="["/>
+                        <m:endChr m:val="]"/>
+                        <m:ctrlPr>
+                          <a:rPr lang="en-US" i="1">
+                            <a:solidFill>
+                              <a:schemeClr val="tx1"/>
+                            </a:solidFill>
+                            <a:latin typeface="Cambria Math" panose="02040503050406030204" pitchFamily="18" charset="0"/>
+                          </a:rPr>
+                        </m:ctrlPr>
+                      </m:dPr>
+                      <m:e>
+                        <m:r>
+                          <a:rPr lang="en-US" i="1">
+                            <a:solidFill>
+                              <a:schemeClr val="tx1"/>
+                            </a:solidFill>
+                            <a:latin typeface="Cambria Math" panose="02040503050406030204" pitchFamily="18" charset="0"/>
+                          </a:rPr>
+                          <m:t>𝑟</m:t>
+                        </m:r>
+                        <m:r>
+                          <a:rPr lang="en-US" i="1">
+                            <a:solidFill>
+                              <a:schemeClr val="tx1"/>
+                            </a:solidFill>
+                            <a:latin typeface="Cambria Math" panose="02040503050406030204" pitchFamily="18" charset="0"/>
+                          </a:rPr>
+                          <m:t>+</m:t>
+                        </m:r>
+                        <m:r>
+                          <a:rPr lang="en-US" i="1">
+                            <a:solidFill>
+                              <a:schemeClr val="tx1"/>
+                            </a:solidFill>
+                            <a:latin typeface="Cambria Math" panose="02040503050406030204" pitchFamily="18" charset="0"/>
+                          </a:rPr>
+                          <m:t>𝛾</m:t>
+                        </m:r>
+                        <m:nary>
+                          <m:naryPr>
+                            <m:chr m:val="∑"/>
+                            <m:supHide m:val="on"/>
+                            <m:ctrlPr>
+                              <a:rPr lang="en-US" i="1" smtClean="0">
+                                <a:solidFill>
+                                  <a:srgbClr val="C00000"/>
+                                </a:solidFill>
+                                <a:latin typeface="Cambria Math" panose="02040503050406030204" pitchFamily="18" charset="0"/>
+                              </a:rPr>
+                            </m:ctrlPr>
+                          </m:naryPr>
+                          <m:sub>
+                            <m:r>
+                              <a:rPr lang="en-US" i="1">
+                                <a:solidFill>
+                                  <a:srgbClr val="C00000"/>
+                                </a:solidFill>
+                                <a:latin typeface="Cambria Math" panose="02040503050406030204" pitchFamily="18" charset="0"/>
+                              </a:rPr>
+                              <m:t>𝑎</m:t>
+                            </m:r>
+                            <m:r>
+                              <a:rPr lang="en-US" b="0" i="1" smtClean="0">
+                                <a:solidFill>
+                                  <a:srgbClr val="C00000"/>
+                                </a:solidFill>
+                                <a:latin typeface="Cambria Math" panose="02040503050406030204" pitchFamily="18" charset="0"/>
+                              </a:rPr>
+                              <m:t>′</m:t>
+                            </m:r>
+                          </m:sub>
+                          <m:sup/>
+                          <m:e>
+                            <m:r>
+                              <a:rPr lang="en-US" i="1">
+                                <a:solidFill>
+                                  <a:srgbClr val="C00000"/>
+                                </a:solidFill>
+                                <a:latin typeface="Cambria Math" panose="02040503050406030204" pitchFamily="18" charset="0"/>
+                              </a:rPr>
+                              <m:t>𝜋</m:t>
+                            </m:r>
+                            <m:d>
+                              <m:dPr>
+                                <m:ctrlPr>
+                                  <a:rPr lang="en-US" i="1">
+                                    <a:solidFill>
+                                      <a:srgbClr val="C00000"/>
+                                    </a:solidFill>
+                                    <a:latin typeface="Cambria Math" panose="02040503050406030204" pitchFamily="18" charset="0"/>
+                                  </a:rPr>
+                                </m:ctrlPr>
+                              </m:dPr>
+                              <m:e>
+                                <m:r>
+                                  <a:rPr lang="en-US" i="1">
+                                    <a:solidFill>
+                                      <a:srgbClr val="C00000"/>
+                                    </a:solidFill>
+                                    <a:latin typeface="Cambria Math" panose="02040503050406030204" pitchFamily="18" charset="0"/>
+                                  </a:rPr>
+                                  <m:t>𝑎</m:t>
+                                </m:r>
+                                <m:r>
+                                  <a:rPr lang="en-US" b="0" i="1" smtClean="0">
+                                    <a:solidFill>
+                                      <a:srgbClr val="C00000"/>
+                                    </a:solidFill>
+                                    <a:latin typeface="Cambria Math" panose="02040503050406030204" pitchFamily="18" charset="0"/>
+                                  </a:rPr>
+                                  <m:t>′</m:t>
+                                </m:r>
+                              </m:e>
+                              <m:e>
+                                <m:r>
+                                  <a:rPr lang="en-US" i="1">
+                                    <a:solidFill>
+                                      <a:srgbClr val="C00000"/>
+                                    </a:solidFill>
+                                    <a:latin typeface="Cambria Math" panose="02040503050406030204" pitchFamily="18" charset="0"/>
+                                  </a:rPr>
+                                  <m:t>𝑠</m:t>
+                                </m:r>
+                                <m:r>
+                                  <a:rPr lang="en-US" b="0" i="1" smtClean="0">
+                                    <a:solidFill>
+                                      <a:srgbClr val="C00000"/>
+                                    </a:solidFill>
+                                    <a:latin typeface="Cambria Math" panose="02040503050406030204" pitchFamily="18" charset="0"/>
+                                  </a:rPr>
+                                  <m:t>′</m:t>
+                                </m:r>
+                              </m:e>
+                            </m:d>
+                          </m:e>
+                        </m:nary>
+                        <m:sSub>
+                          <m:sSubPr>
+                            <m:ctrlPr>
+                              <a:rPr lang="en-US" i="1">
+                                <a:solidFill>
+                                  <a:schemeClr val="tx1"/>
+                                </a:solidFill>
+                                <a:latin typeface="Cambria Math" panose="02040503050406030204" pitchFamily="18" charset="0"/>
+                              </a:rPr>
+                            </m:ctrlPr>
+                          </m:sSubPr>
+                          <m:e>
+                            <m:r>
+                              <a:rPr lang="en-US" i="1">
+                                <a:solidFill>
+                                  <a:schemeClr val="tx1"/>
+                                </a:solidFill>
+                                <a:latin typeface="Cambria Math" panose="02040503050406030204" pitchFamily="18" charset="0"/>
+                              </a:rPr>
+                              <m:t>𝑞</m:t>
+                            </m:r>
+                          </m:e>
+                          <m:sub>
+                            <m:r>
+                              <a:rPr lang="en-US" i="1">
+                                <a:solidFill>
+                                  <a:schemeClr val="tx1"/>
+                                </a:solidFill>
+                                <a:latin typeface="Cambria Math" panose="02040503050406030204" pitchFamily="18" charset="0"/>
+                              </a:rPr>
+                              <m:t>𝜋</m:t>
+                            </m:r>
+                          </m:sub>
+                        </m:sSub>
+                        <m:d>
+                          <m:dPr>
+                            <m:ctrlPr>
+                              <a:rPr lang="en-US" i="1">
+                                <a:solidFill>
+                                  <a:schemeClr val="tx1"/>
+                                </a:solidFill>
+                                <a:latin typeface="Cambria Math" panose="02040503050406030204" pitchFamily="18" charset="0"/>
+                              </a:rPr>
+                            </m:ctrlPr>
+                          </m:dPr>
+                          <m:e>
+                            <m:r>
+                              <a:rPr lang="en-US" i="1">
+                                <a:solidFill>
+                                  <a:schemeClr val="tx1"/>
+                                </a:solidFill>
+                                <a:latin typeface="Cambria Math" panose="02040503050406030204" pitchFamily="18" charset="0"/>
+                              </a:rPr>
+                              <m:t>𝑠</m:t>
+                            </m:r>
+                            <m:r>
+                              <a:rPr lang="en-US" b="0" i="1" smtClean="0">
+                                <a:solidFill>
+                                  <a:schemeClr val="tx1"/>
+                                </a:solidFill>
+                                <a:latin typeface="Cambria Math" panose="02040503050406030204" pitchFamily="18" charset="0"/>
+                              </a:rPr>
+                              <m:t>′</m:t>
+                            </m:r>
+                            <m:r>
+                              <a:rPr lang="en-US" i="1">
+                                <a:solidFill>
+                                  <a:schemeClr val="tx1"/>
+                                </a:solidFill>
+                                <a:latin typeface="Cambria Math" panose="02040503050406030204" pitchFamily="18" charset="0"/>
+                              </a:rPr>
+                              <m:t>,</m:t>
+                            </m:r>
+                            <m:r>
+                              <a:rPr lang="en-US" i="1">
+                                <a:solidFill>
+                                  <a:schemeClr val="tx1"/>
+                                </a:solidFill>
+                                <a:latin typeface="Cambria Math" panose="02040503050406030204" pitchFamily="18" charset="0"/>
+                              </a:rPr>
+                              <m:t>𝑎</m:t>
+                            </m:r>
+                            <m:r>
+                              <a:rPr lang="en-US" b="0" i="1" smtClean="0">
+                                <a:solidFill>
+                                  <a:schemeClr val="tx1"/>
+                                </a:solidFill>
+                                <a:latin typeface="Cambria Math" panose="02040503050406030204" pitchFamily="18" charset="0"/>
+                              </a:rPr>
+                              <m:t>′</m:t>
+                            </m:r>
+                          </m:e>
+                        </m:d>
+                      </m:e>
+                    </m:d>
+                  </m:oMath>
+                </a14:m>
+                <a:endParaRPr lang="en-US" dirty="0">
+                  <a:solidFill>
+                    <a:schemeClr val="tx1"/>
+                  </a:solidFill>
+                </a:endParaRPr>
+              </a:p>
+              <a:p>
+                <a:pPr lvl="1"/>
+                <a:r>
+                  <a:rPr lang="en-US" dirty="0">
+                    <a:solidFill>
+                      <a:schemeClr val="tx1"/>
+                    </a:solidFill>
+                  </a:rPr>
+                  <a:t>Expected value starting from state </a:t>
+                </a:r>
+                <a14:m>
+                  <m:oMath xmlns:m="http://schemas.openxmlformats.org/officeDocument/2006/math">
+                    <m:r>
+                      <a:rPr lang="en-US" i="1">
+                        <a:solidFill>
+                          <a:schemeClr val="tx1"/>
+                        </a:solidFill>
+                        <a:latin typeface="Cambria Math" panose="02040503050406030204" pitchFamily="18" charset="0"/>
+                      </a:rPr>
+                      <m:t>𝑠</m:t>
+                    </m:r>
+                  </m:oMath>
+                </a14:m>
+                <a:r>
+                  <a:rPr lang="en-US" dirty="0">
+                    <a:solidFill>
+                      <a:schemeClr val="tx1"/>
+                    </a:solidFill>
+                  </a:rPr>
+                  <a:t>, taking action </a:t>
+                </a:r>
+                <a14:m>
+                  <m:oMath xmlns:m="http://schemas.openxmlformats.org/officeDocument/2006/math">
+                    <m:r>
+                      <a:rPr lang="en-US" b="0" i="1" smtClean="0">
+                        <a:solidFill>
+                          <a:schemeClr val="tx1"/>
+                        </a:solidFill>
+                        <a:latin typeface="Cambria Math" panose="02040503050406030204" pitchFamily="18" charset="0"/>
+                      </a:rPr>
+                      <m:t>𝑎</m:t>
+                    </m:r>
+                  </m:oMath>
+                </a14:m>
+                <a:r>
+                  <a:rPr lang="en-US" dirty="0">
+                    <a:solidFill>
+                      <a:schemeClr val="tx1"/>
+                    </a:solidFill>
+                  </a:rPr>
+                  <a:t>, and thereafter following policy </a:t>
+                </a:r>
+                <a14:m>
+                  <m:oMath xmlns:m="http://schemas.openxmlformats.org/officeDocument/2006/math">
+                    <m:r>
+                      <a:rPr lang="en-US" i="1">
+                        <a:solidFill>
+                          <a:schemeClr val="tx1"/>
+                        </a:solidFill>
+                        <a:latin typeface="Cambria Math" panose="02040503050406030204" pitchFamily="18" charset="0"/>
+                      </a:rPr>
+                      <m:t>𝜋</m:t>
+                    </m:r>
+                  </m:oMath>
+                </a14:m>
+                <a:r>
+                  <a:rPr lang="en-US" dirty="0">
+                    <a:solidFill>
+                      <a:schemeClr val="tx1"/>
+                    </a:solidFill>
+                  </a:rPr>
+                  <a:t>.</a:t>
+                </a:r>
+              </a:p>
+              <a:p>
+                <a:r>
+                  <a:rPr lang="en-US" dirty="0">
+                    <a:solidFill>
+                      <a:schemeClr val="tx1"/>
+                    </a:solidFill>
+                  </a:rPr>
+                  <a:t>Relating </a:t>
                 </a:r>
                 <a14:m>
                   <m:oMath xmlns:m="http://schemas.openxmlformats.org/officeDocument/2006/math">
                     <m:sSub>
                       <m:sSubPr>
                         <m:ctrlPr>
-                          <a:rPr lang="en-US" b="0" i="1" smtClean="0">
+                          <a:rPr lang="en-US" i="1" smtClean="0">
+                            <a:solidFill>
+                              <a:schemeClr val="tx1"/>
+                            </a:solidFill>
                             <a:latin typeface="Cambria Math" panose="02040503050406030204" pitchFamily="18" charset="0"/>
                           </a:rPr>
                         </m:ctrlPr>
                       </m:sSubPr>
                       <m:e>
                         <m:r>
-                          <a:rPr lang="en-US" b="0" i="1" smtClean="0">
-                            <a:latin typeface="Cambria Math" panose="02040503050406030204" pitchFamily="18" charset="0"/>
-                          </a:rPr>
-                          <m:t>𝑆</m:t>
+                          <a:rPr lang="en-US" i="1">
+                            <a:solidFill>
+                              <a:schemeClr val="tx1"/>
+                            </a:solidFill>
+                            <a:latin typeface="Cambria Math" panose="02040503050406030204" pitchFamily="18" charset="0"/>
+                          </a:rPr>
+                          <m:t>𝑣</m:t>
                         </m:r>
                       </m:e>
                       <m:sub>
                         <m:r>
-                          <a:rPr lang="en-US" b="0" i="1" smtClean="0">
-                            <a:latin typeface="Cambria Math" panose="02040503050406030204" pitchFamily="18" charset="0"/>
-                          </a:rPr>
-                          <m:t>𝑡</m:t>
+                          <a:rPr lang="en-US" i="1">
+                            <a:solidFill>
+                              <a:schemeClr val="tx1"/>
+                            </a:solidFill>
+                            <a:latin typeface="Cambria Math" panose="02040503050406030204" pitchFamily="18" charset="0"/>
+                          </a:rPr>
+                          <m:t>𝜋</m:t>
                         </m:r>
                       </m:sub>
                     </m:sSub>
+                    <m:d>
+                      <m:dPr>
+                        <m:ctrlPr>
+                          <a:rPr lang="en-US" i="1">
+                            <a:solidFill>
+                              <a:schemeClr val="tx1"/>
+                            </a:solidFill>
+                            <a:latin typeface="Cambria Math" panose="02040503050406030204" pitchFamily="18" charset="0"/>
+                          </a:rPr>
+                        </m:ctrlPr>
+                      </m:dPr>
+                      <m:e>
+                        <m:r>
+                          <a:rPr lang="en-US" i="1">
+                            <a:solidFill>
+                              <a:schemeClr val="tx1"/>
+                            </a:solidFill>
+                            <a:latin typeface="Cambria Math" panose="02040503050406030204" pitchFamily="18" charset="0"/>
+                          </a:rPr>
+                          <m:t>𝑠</m:t>
+                        </m:r>
+                      </m:e>
+                    </m:d>
                   </m:oMath>
                 </a14:m>
                 <a:r>
-                  <a:rPr lang="en-US" dirty="0"/>
-                  <a:t>: </a:t>
+                  <a:rPr lang="en-US" dirty="0">
+                    <a:solidFill>
+                      <a:schemeClr val="tx1"/>
+                    </a:solidFill>
+                  </a:rPr>
+                  <a:t> and </a:t>
                 </a:r>
                 <a14:m>
                   <m:oMath xmlns:m="http://schemas.openxmlformats.org/officeDocument/2006/math">
                     <m:sSub>
                       <m:sSubPr>
                         <m:ctrlPr>
-                          <a:rPr lang="en-US" altLang="zh-CN" b="0" i="1" smtClean="0">
+                          <a:rPr lang="en-US" i="1">
+                            <a:solidFill>
+                              <a:schemeClr val="tx1"/>
+                            </a:solidFill>
                             <a:latin typeface="Cambria Math" panose="02040503050406030204" pitchFamily="18" charset="0"/>
                           </a:rPr>
                         </m:ctrlPr>
                       </m:sSubPr>
                       <m:e>
                         <m:r>
-                          <a:rPr lang="en-US" altLang="zh-CN" b="0" i="1" smtClean="0">
-                            <a:latin typeface="Cambria Math" panose="02040503050406030204" pitchFamily="18" charset="0"/>
-                          </a:rPr>
-                          <m:t>𝐺</m:t>
+                          <a:rPr lang="en-US" i="1">
+                            <a:solidFill>
+                              <a:schemeClr val="tx1"/>
+                            </a:solidFill>
+                            <a:latin typeface="Cambria Math" panose="02040503050406030204" pitchFamily="18" charset="0"/>
+                          </a:rPr>
+                          <m:t>𝑞</m:t>
                         </m:r>
                       </m:e>
                       <m:sub>
                         <m:r>
-                          <a:rPr lang="en-US" altLang="zh-CN" b="0" i="1" smtClean="0">
-                            <a:latin typeface="Cambria Math" panose="02040503050406030204" pitchFamily="18" charset="0"/>
-                          </a:rPr>
-                          <m:t>𝑡</m:t>
+                          <a:rPr lang="en-US" i="1">
+                            <a:solidFill>
+                              <a:schemeClr val="tx1"/>
+                            </a:solidFill>
+                            <a:latin typeface="Cambria Math" panose="02040503050406030204" pitchFamily="18" charset="0"/>
+                          </a:rPr>
+                          <m:t>𝜋</m:t>
                         </m:r>
                       </m:sub>
                     </m:sSub>
-                    <m:r>
-                      <a:rPr lang="en-US" altLang="zh-CN" i="1">
+                    <m:d>
+                      <m:dPr>
+                        <m:ctrlPr>
+                          <a:rPr lang="en-US" i="1">
+                            <a:solidFill>
+                              <a:schemeClr val="tx1"/>
+                            </a:solidFill>
+                            <a:latin typeface="Cambria Math" panose="02040503050406030204" pitchFamily="18" charset="0"/>
+                          </a:rPr>
+                        </m:ctrlPr>
+                      </m:dPr>
+                      <m:e>
+                        <m:r>
+                          <a:rPr lang="en-US" i="1">
+                            <a:solidFill>
+                              <a:schemeClr val="tx1"/>
+                            </a:solidFill>
+                            <a:latin typeface="Cambria Math" panose="02040503050406030204" pitchFamily="18" charset="0"/>
+                          </a:rPr>
+                          <m:t>𝑠</m:t>
+                        </m:r>
+                        <m:r>
+                          <a:rPr lang="en-US" i="1">
+                            <a:solidFill>
+                              <a:schemeClr val="tx1"/>
+                            </a:solidFill>
+                            <a:latin typeface="Cambria Math" panose="02040503050406030204" pitchFamily="18" charset="0"/>
+                          </a:rPr>
+                          <m:t>,</m:t>
+                        </m:r>
+                        <m:r>
+                          <a:rPr lang="en-US" i="1">
+                            <a:solidFill>
+                              <a:schemeClr val="tx1"/>
+                            </a:solidFill>
+                            <a:latin typeface="Cambria Math" panose="02040503050406030204" pitchFamily="18" charset="0"/>
+                          </a:rPr>
+                          <m:t>𝑎</m:t>
+                        </m:r>
+                      </m:e>
+                    </m:d>
+                  </m:oMath>
+                </a14:m>
+                <a:r>
+                  <a:rPr lang="en-US" dirty="0">
+                    <a:solidFill>
+                      <a:schemeClr val="tx1"/>
+                    </a:solidFill>
+                  </a:rPr>
+                  <a:t>:</a:t>
+                </a:r>
+              </a:p>
+              <a:p>
+                <a:pPr lvl="1"/>
+                <a14:m>
+                  <m:oMath xmlns:m="http://schemas.openxmlformats.org/officeDocument/2006/math">
+                    <m:sSub>
+                      <m:sSubPr>
+                        <m:ctrlPr>
+                          <a:rPr lang="en-US" i="1" smtClean="0">
+                            <a:solidFill>
+                              <a:schemeClr val="tx1"/>
+                            </a:solidFill>
+                            <a:latin typeface="Cambria Math" panose="02040503050406030204" pitchFamily="18" charset="0"/>
+                          </a:rPr>
+                        </m:ctrlPr>
+                      </m:sSubPr>
+                      <m:e>
+                        <m:r>
+                          <a:rPr lang="en-US" i="1">
+                            <a:solidFill>
+                              <a:schemeClr val="tx1"/>
+                            </a:solidFill>
+                            <a:latin typeface="Cambria Math" panose="02040503050406030204" pitchFamily="18" charset="0"/>
+                          </a:rPr>
+                          <m:t>𝑣</m:t>
+                        </m:r>
+                      </m:e>
+                      <m:sub>
+                        <m:r>
+                          <a:rPr lang="en-US" i="1">
+                            <a:solidFill>
+                              <a:schemeClr val="tx1"/>
+                            </a:solidFill>
+                            <a:latin typeface="Cambria Math" panose="02040503050406030204" pitchFamily="18" charset="0"/>
+                          </a:rPr>
+                          <m:t>𝜋</m:t>
+                        </m:r>
+                      </m:sub>
+                    </m:sSub>
+                    <m:d>
+                      <m:dPr>
+                        <m:ctrlPr>
+                          <a:rPr lang="en-US" i="1">
+                            <a:solidFill>
+                              <a:schemeClr val="tx1"/>
+                            </a:solidFill>
+                            <a:latin typeface="Cambria Math" panose="02040503050406030204" pitchFamily="18" charset="0"/>
+                          </a:rPr>
+                        </m:ctrlPr>
+                      </m:dPr>
+                      <m:e>
+                        <m:r>
+                          <a:rPr lang="en-US" i="1">
+                            <a:solidFill>
+                              <a:schemeClr val="tx1"/>
+                            </a:solidFill>
+                            <a:latin typeface="Cambria Math" panose="02040503050406030204" pitchFamily="18" charset="0"/>
+                          </a:rPr>
+                          <m:t>𝑠</m:t>
+                        </m:r>
+                      </m:e>
+                    </m:d>
+                    <m:r>
+                      <a:rPr lang="en-US" i="1">
+                        <a:solidFill>
+                          <a:schemeClr val="tx1"/>
+                        </a:solidFill>
                         <a:latin typeface="Cambria Math" panose="02040503050406030204" pitchFamily="18" charset="0"/>
                       </a:rPr>
                       <m:t>=</m:t>
-                    </m:r>
-                    <m:r>
-                      <a:rPr lang="en-US" altLang="zh-CN" i="1">
-                        <a:latin typeface="Cambria Math" panose="02040503050406030204" pitchFamily="18" charset="0"/>
-                      </a:rPr>
-                      <m:t>𝔼</m:t>
-                    </m:r>
-                    <m:r>
-                      <a:rPr lang="en-US" altLang="zh-CN" i="1">
-                        <a:latin typeface="Cambria Math" panose="02040503050406030204" pitchFamily="18" charset="0"/>
-                      </a:rPr>
-                      <m:t>(</m:t>
                     </m:r>
                     <m:nary>
                       <m:naryPr>
                         <m:chr m:val="∑"/>
+                        <m:supHide m:val="on"/>
                         <m:ctrlPr>
-                          <a:rPr lang="en-SE" altLang="zh-CN" i="1">
+                          <a:rPr lang="en-US" i="1">
+                            <a:solidFill>
+                              <a:schemeClr val="tx1"/>
+                            </a:solidFill>
                             <a:latin typeface="Cambria Math" panose="02040503050406030204" pitchFamily="18" charset="0"/>
                           </a:rPr>
                         </m:ctrlPr>
                       </m:naryPr>
                       <m:sub>
                         <m:r>
-                          <m:rPr>
-                            <m:brk m:alnAt="23"/>
-                          </m:rPr>
-                          <a:rPr lang="en-US" altLang="zh-CN" i="1">
-                            <a:latin typeface="Cambria Math" panose="02040503050406030204" pitchFamily="18" charset="0"/>
-                          </a:rPr>
-                          <m:t>𝑡</m:t>
-                        </m:r>
-                        <m:r>
-                          <a:rPr lang="en-US" altLang="zh-CN" i="1">
-                            <a:latin typeface="Cambria Math" panose="02040503050406030204" pitchFamily="18" charset="0"/>
-                          </a:rPr>
-                          <m:t>=0</m:t>
+                          <a:rPr lang="en-US" i="1">
+                            <a:solidFill>
+                              <a:schemeClr val="tx1"/>
+                            </a:solidFill>
+                            <a:latin typeface="Cambria Math" panose="02040503050406030204" pitchFamily="18" charset="0"/>
+                          </a:rPr>
+                          <m:t>𝑎</m:t>
                         </m:r>
                       </m:sub>
-                      <m:sup>
-                        <m:r>
-                          <a:rPr lang="en-US" altLang="zh-CN" i="1">
-                            <a:latin typeface="Cambria Math" panose="02040503050406030204" pitchFamily="18" charset="0"/>
-                          </a:rPr>
-                          <m:t>𝑇</m:t>
-                        </m:r>
-                      </m:sup>
+                      <m:sup/>
                       <m:e>
+                        <m:r>
+                          <a:rPr lang="en-US" i="1">
+                            <a:solidFill>
+                              <a:schemeClr val="tx1"/>
+                            </a:solidFill>
+                            <a:latin typeface="Cambria Math" panose="02040503050406030204" pitchFamily="18" charset="0"/>
+                          </a:rPr>
+                          <m:t>𝜋</m:t>
+                        </m:r>
+                        <m:d>
+                          <m:dPr>
+                            <m:ctrlPr>
+                              <a:rPr lang="en-US" i="1">
+                                <a:solidFill>
+                                  <a:schemeClr val="tx1"/>
+                                </a:solidFill>
+                                <a:latin typeface="Cambria Math" panose="02040503050406030204" pitchFamily="18" charset="0"/>
+                              </a:rPr>
+                            </m:ctrlPr>
+                          </m:dPr>
+                          <m:e>
+                            <m:r>
+                              <a:rPr lang="en-US" i="1">
+                                <a:solidFill>
+                                  <a:schemeClr val="tx1"/>
+                                </a:solidFill>
+                                <a:latin typeface="Cambria Math" panose="02040503050406030204" pitchFamily="18" charset="0"/>
+                              </a:rPr>
+                              <m:t>𝑎</m:t>
+                            </m:r>
+                          </m:e>
+                          <m:e>
+                            <m:r>
+                              <a:rPr lang="en-US" i="1">
+                                <a:solidFill>
+                                  <a:schemeClr val="tx1"/>
+                                </a:solidFill>
+                                <a:latin typeface="Cambria Math" panose="02040503050406030204" pitchFamily="18" charset="0"/>
+                              </a:rPr>
+                              <m:t>𝑠</m:t>
+                            </m:r>
+                          </m:e>
+                        </m:d>
+                      </m:e>
+                    </m:nary>
+                    <m:sSub>
+                      <m:sSubPr>
+                        <m:ctrlPr>
+                          <a:rPr lang="en-US" i="1" smtClean="0">
+                            <a:solidFill>
+                              <a:schemeClr val="tx1"/>
+                            </a:solidFill>
+                            <a:latin typeface="Cambria Math" panose="02040503050406030204" pitchFamily="18" charset="0"/>
+                          </a:rPr>
+                        </m:ctrlPr>
+                      </m:sSubPr>
+                      <m:e>
+                        <m:r>
+                          <a:rPr lang="en-US" i="1">
+                            <a:solidFill>
+                              <a:schemeClr val="tx1"/>
+                            </a:solidFill>
+                            <a:latin typeface="Cambria Math" panose="02040503050406030204" pitchFamily="18" charset="0"/>
+                          </a:rPr>
+                          <m:t>𝑞</m:t>
+                        </m:r>
+                      </m:e>
+                      <m:sub>
+                        <m:r>
+                          <a:rPr lang="en-US" i="1">
+                            <a:solidFill>
+                              <a:schemeClr val="tx1"/>
+                            </a:solidFill>
+                            <a:latin typeface="Cambria Math" panose="02040503050406030204" pitchFamily="18" charset="0"/>
+                          </a:rPr>
+                          <m:t>𝜋</m:t>
+                        </m:r>
+                      </m:sub>
+                    </m:sSub>
+                    <m:d>
+                      <m:dPr>
+                        <m:ctrlPr>
+                          <a:rPr lang="en-US" i="1">
+                            <a:solidFill>
+                              <a:schemeClr val="tx1"/>
+                            </a:solidFill>
+                            <a:latin typeface="Cambria Math" panose="02040503050406030204" pitchFamily="18" charset="0"/>
+                          </a:rPr>
+                        </m:ctrlPr>
+                      </m:dPr>
+                      <m:e>
+                        <m:r>
+                          <a:rPr lang="en-US" i="1">
+                            <a:solidFill>
+                              <a:schemeClr val="tx1"/>
+                            </a:solidFill>
+                            <a:latin typeface="Cambria Math" panose="02040503050406030204" pitchFamily="18" charset="0"/>
+                          </a:rPr>
+                          <m:t>𝑠</m:t>
+                        </m:r>
+                        <m:r>
+                          <a:rPr lang="en-US" i="1">
+                            <a:solidFill>
+                              <a:schemeClr val="tx1"/>
+                            </a:solidFill>
+                            <a:latin typeface="Cambria Math" panose="02040503050406030204" pitchFamily="18" charset="0"/>
+                          </a:rPr>
+                          <m:t>,</m:t>
+                        </m:r>
+                        <m:r>
+                          <a:rPr lang="en-US" i="1">
+                            <a:solidFill>
+                              <a:schemeClr val="tx1"/>
+                            </a:solidFill>
+                            <a:latin typeface="Cambria Math" panose="02040503050406030204" pitchFamily="18" charset="0"/>
+                          </a:rPr>
+                          <m:t>𝑎</m:t>
+                        </m:r>
+                      </m:e>
+                    </m:d>
+                  </m:oMath>
+                </a14:m>
+                <a:endParaRPr lang="en-US" i="1" dirty="0">
+                  <a:solidFill>
+                    <a:schemeClr val="tx1"/>
+                  </a:solidFill>
+                  <a:latin typeface="Cambria Math" panose="02040503050406030204" pitchFamily="18" charset="0"/>
+                </a:endParaRPr>
+              </a:p>
+              <a:p>
+                <a:pPr lvl="1"/>
+                <a14:m>
+                  <m:oMath xmlns:m="http://schemas.openxmlformats.org/officeDocument/2006/math">
+                    <m:sSub>
+                      <m:sSubPr>
+                        <m:ctrlPr>
+                          <a:rPr lang="en-US" i="1">
+                            <a:solidFill>
+                              <a:schemeClr val="tx1"/>
+                            </a:solidFill>
+                            <a:latin typeface="Cambria Math" panose="02040503050406030204" pitchFamily="18" charset="0"/>
+                          </a:rPr>
+                        </m:ctrlPr>
+                      </m:sSubPr>
+                      <m:e>
+                        <m:r>
+                          <a:rPr lang="en-US" i="1">
+                            <a:solidFill>
+                              <a:schemeClr val="tx1"/>
+                            </a:solidFill>
+                            <a:latin typeface="Cambria Math" panose="02040503050406030204" pitchFamily="18" charset="0"/>
+                          </a:rPr>
+                          <m:t>𝑞</m:t>
+                        </m:r>
+                      </m:e>
+                      <m:sub>
+                        <m:r>
+                          <a:rPr lang="en-US" i="1">
+                            <a:solidFill>
+                              <a:schemeClr val="tx1"/>
+                            </a:solidFill>
+                            <a:latin typeface="Cambria Math" panose="02040503050406030204" pitchFamily="18" charset="0"/>
+                          </a:rPr>
+                          <m:t>𝜋</m:t>
+                        </m:r>
+                      </m:sub>
+                    </m:sSub>
+                    <m:d>
+                      <m:dPr>
+                        <m:ctrlPr>
+                          <a:rPr lang="en-US" i="1">
+                            <a:solidFill>
+                              <a:schemeClr val="tx1"/>
+                            </a:solidFill>
+                            <a:latin typeface="Cambria Math" panose="02040503050406030204" pitchFamily="18" charset="0"/>
+                          </a:rPr>
+                        </m:ctrlPr>
+                      </m:dPr>
+                      <m:e>
+                        <m:r>
+                          <a:rPr lang="en-US" i="1">
+                            <a:solidFill>
+                              <a:schemeClr val="tx1"/>
+                            </a:solidFill>
+                            <a:latin typeface="Cambria Math" panose="02040503050406030204" pitchFamily="18" charset="0"/>
+                          </a:rPr>
+                          <m:t>𝑠</m:t>
+                        </m:r>
+                        <m:r>
+                          <a:rPr lang="en-US" i="1">
+                            <a:solidFill>
+                              <a:schemeClr val="tx1"/>
+                            </a:solidFill>
+                            <a:latin typeface="Cambria Math" panose="02040503050406030204" pitchFamily="18" charset="0"/>
+                          </a:rPr>
+                          <m:t>,</m:t>
+                        </m:r>
+                        <m:r>
+                          <a:rPr lang="en-US" i="1">
+                            <a:solidFill>
+                              <a:schemeClr val="tx1"/>
+                            </a:solidFill>
+                            <a:latin typeface="Cambria Math" panose="02040503050406030204" pitchFamily="18" charset="0"/>
+                          </a:rPr>
+                          <m:t>𝑎</m:t>
+                        </m:r>
+                      </m:e>
+                    </m:d>
+                    <m:r>
+                      <a:rPr lang="en-US" i="1">
+                        <a:solidFill>
+                          <a:schemeClr val="tx1"/>
+                        </a:solidFill>
+                        <a:latin typeface="Cambria Math" panose="02040503050406030204" pitchFamily="18" charset="0"/>
+                      </a:rPr>
+                      <m:t>=</m:t>
+                    </m:r>
+                    <m:nary>
+                      <m:naryPr>
+                        <m:chr m:val="∑"/>
+                        <m:supHide m:val="on"/>
+                        <m:ctrlPr>
+                          <a:rPr lang="en-US" i="1">
+                            <a:solidFill>
+                              <a:schemeClr val="tx1"/>
+                            </a:solidFill>
+                            <a:latin typeface="Cambria Math" panose="02040503050406030204" pitchFamily="18" charset="0"/>
+                          </a:rPr>
+                        </m:ctrlPr>
+                      </m:naryPr>
+                      <m:sub>
+                        <m:r>
+                          <a:rPr lang="en-US" i="1">
+                            <a:solidFill>
+                              <a:schemeClr val="tx1"/>
+                            </a:solidFill>
+                            <a:latin typeface="Cambria Math" panose="02040503050406030204" pitchFamily="18" charset="0"/>
+                          </a:rPr>
+                          <m:t>𝑟</m:t>
+                        </m:r>
+                        <m:r>
+                          <a:rPr lang="en-US" i="1">
+                            <a:solidFill>
+                              <a:schemeClr val="tx1"/>
+                            </a:solidFill>
+                            <a:latin typeface="Cambria Math" panose="02040503050406030204" pitchFamily="18" charset="0"/>
+                          </a:rPr>
+                          <m:t>,</m:t>
+                        </m:r>
                         <m:sSup>
                           <m:sSupPr>
                             <m:ctrlPr>
-                              <a:rPr lang="en-US" altLang="zh-CN" i="1">
+                              <a:rPr lang="en-US" i="1">
+                                <a:solidFill>
+                                  <a:schemeClr val="tx1"/>
+                                </a:solidFill>
                                 <a:latin typeface="Cambria Math" panose="02040503050406030204" pitchFamily="18" charset="0"/>
                               </a:rPr>
                             </m:ctrlPr>
                           </m:sSupPr>
                           <m:e>
                             <m:r>
-                              <a:rPr lang="en-US" altLang="zh-CN" i="1">
+                              <a:rPr lang="en-US" i="1">
+                                <a:solidFill>
+                                  <a:schemeClr val="tx1"/>
+                                </a:solidFill>
                                 <a:latin typeface="Cambria Math" panose="02040503050406030204" pitchFamily="18" charset="0"/>
                               </a:rPr>
-                              <m:t>𝛾</m:t>
+                              <m:t>𝑠</m:t>
                             </m:r>
                           </m:e>
                           <m:sup>
                             <m:r>
-                              <a:rPr lang="en-US" altLang="zh-CN" i="1">
+                              <a:rPr lang="en-US" i="1">
+                                <a:solidFill>
+                                  <a:schemeClr val="tx1"/>
+                                </a:solidFill>
                                 <a:latin typeface="Cambria Math" panose="02040503050406030204" pitchFamily="18" charset="0"/>
                               </a:rPr>
-                              <m:t>𝑡</m:t>
+                              <m:t>′</m:t>
                             </m:r>
                           </m:sup>
                         </m:sSup>
-                        <m:r>
-                          <a:rPr lang="en-US" altLang="zh-CN" i="1">
+                      </m:sub>
+                      <m:sup/>
+                      <m:e>
+                        <m:r>
+                          <a:rPr lang="en-US" i="1">
+                            <a:solidFill>
+                              <a:schemeClr val="tx1"/>
+                            </a:solidFill>
+                            <a:latin typeface="Cambria Math" panose="02040503050406030204" pitchFamily="18" charset="0"/>
+                          </a:rPr>
+                          <m:t>𝑝</m:t>
+                        </m:r>
+                        <m:d>
+                          <m:dPr>
+                            <m:ctrlPr>
+                              <a:rPr lang="en-US" i="1">
+                                <a:solidFill>
+                                  <a:schemeClr val="tx1"/>
+                                </a:solidFill>
+                                <a:latin typeface="Cambria Math" panose="02040503050406030204" pitchFamily="18" charset="0"/>
+                              </a:rPr>
+                            </m:ctrlPr>
+                          </m:dPr>
+                          <m:e>
+                            <m:r>
+                              <a:rPr lang="en-US" i="1">
+                                <a:solidFill>
+                                  <a:schemeClr val="tx1"/>
+                                </a:solidFill>
+                                <a:latin typeface="Cambria Math" panose="02040503050406030204" pitchFamily="18" charset="0"/>
+                              </a:rPr>
+                              <m:t>𝑟</m:t>
+                            </m:r>
+                            <m:r>
+                              <a:rPr lang="en-US" i="1">
+                                <a:solidFill>
+                                  <a:schemeClr val="tx1"/>
+                                </a:solidFill>
+                                <a:latin typeface="Cambria Math" panose="02040503050406030204" pitchFamily="18" charset="0"/>
+                              </a:rPr>
+                              <m:t>,</m:t>
+                            </m:r>
+                            <m:r>
+                              <a:rPr lang="en-US" i="1">
+                                <a:solidFill>
+                                  <a:schemeClr val="tx1"/>
+                                </a:solidFill>
+                                <a:latin typeface="Cambria Math" panose="02040503050406030204" pitchFamily="18" charset="0"/>
+                              </a:rPr>
+                              <m:t>𝑠</m:t>
+                            </m:r>
+                            <m:r>
+                              <a:rPr lang="en-US" i="1">
+                                <a:solidFill>
+                                  <a:schemeClr val="tx1"/>
+                                </a:solidFill>
+                                <a:latin typeface="Cambria Math" panose="02040503050406030204" pitchFamily="18" charset="0"/>
+                              </a:rPr>
+                              <m:t>′</m:t>
+                            </m:r>
+                          </m:e>
+                          <m:e>
+                            <m:r>
+                              <a:rPr lang="en-US" i="1">
+                                <a:solidFill>
+                                  <a:schemeClr val="tx1"/>
+                                </a:solidFill>
+                                <a:latin typeface="Cambria Math" panose="02040503050406030204" pitchFamily="18" charset="0"/>
+                              </a:rPr>
+                              <m:t>𝑠</m:t>
+                            </m:r>
+                            <m:r>
+                              <a:rPr lang="en-US" i="1">
+                                <a:solidFill>
+                                  <a:schemeClr val="tx1"/>
+                                </a:solidFill>
+                                <a:latin typeface="Cambria Math" panose="02040503050406030204" pitchFamily="18" charset="0"/>
+                              </a:rPr>
+                              <m:t>,</m:t>
+                            </m:r>
+                            <m:r>
+                              <a:rPr lang="en-US" i="1">
+                                <a:solidFill>
+                                  <a:schemeClr val="tx1"/>
+                                </a:solidFill>
+                                <a:latin typeface="Cambria Math" panose="02040503050406030204" pitchFamily="18" charset="0"/>
+                              </a:rPr>
+                              <m:t>𝑎</m:t>
+                            </m:r>
+                          </m:e>
+                        </m:d>
+                      </m:e>
+                    </m:nary>
+                    <m:d>
+                      <m:dPr>
+                        <m:begChr m:val="["/>
+                        <m:endChr m:val="]"/>
+                        <m:ctrlPr>
+                          <a:rPr lang="en-US" i="1">
+                            <a:solidFill>
+                              <a:schemeClr val="tx1"/>
+                            </a:solidFill>
+                            <a:latin typeface="Cambria Math" panose="02040503050406030204" pitchFamily="18" charset="0"/>
+                          </a:rPr>
+                        </m:ctrlPr>
+                      </m:dPr>
+                      <m:e>
+                        <m:r>
+                          <a:rPr lang="en-US" i="1">
+                            <a:solidFill>
+                              <a:schemeClr val="tx1"/>
+                            </a:solidFill>
                             <a:latin typeface="Cambria Math" panose="02040503050406030204" pitchFamily="18" charset="0"/>
                           </a:rPr>
                           <m:t>𝑟</m:t>
                         </m:r>
                         <m:r>
-                          <a:rPr lang="en-US" altLang="zh-CN" i="1">
-                            <a:latin typeface="Cambria Math" panose="02040503050406030204" pitchFamily="18" charset="0"/>
-                          </a:rPr>
-                          <m:t>(</m:t>
+                          <a:rPr lang="en-US" i="1">
+                            <a:solidFill>
+                              <a:schemeClr val="tx1"/>
+                            </a:solidFill>
+                            <a:latin typeface="Cambria Math" panose="02040503050406030204" pitchFamily="18" charset="0"/>
+                          </a:rPr>
+                          <m:t>+</m:t>
+                        </m:r>
+                        <m:r>
+                          <a:rPr lang="en-US" i="1">
+                            <a:solidFill>
+                              <a:schemeClr val="tx1"/>
+                            </a:solidFill>
+                            <a:latin typeface="Cambria Math" panose="02040503050406030204" pitchFamily="18" charset="0"/>
+                          </a:rPr>
+                          <m:t>𝛾</m:t>
                         </m:r>
                         <m:sSub>
                           <m:sSubPr>
                             <m:ctrlPr>
-                              <a:rPr lang="en-US" altLang="zh-CN" i="1">
+                              <a:rPr lang="en-US" i="1">
+                                <a:solidFill>
+                                  <a:schemeClr val="tx1"/>
+                                </a:solidFill>
                                 <a:latin typeface="Cambria Math" panose="02040503050406030204" pitchFamily="18" charset="0"/>
                               </a:rPr>
                             </m:ctrlPr>
                           </m:sSubPr>
                           <m:e>
                             <m:r>
-                              <a:rPr lang="en-US" altLang="zh-CN" b="0" i="1" smtClean="0">
+                              <a:rPr lang="en-US" i="1">
+                                <a:solidFill>
+                                  <a:schemeClr val="tx1"/>
+                                </a:solidFill>
                                 <a:latin typeface="Cambria Math" panose="02040503050406030204" pitchFamily="18" charset="0"/>
                               </a:rPr>
-                              <m:t>𝑆</m:t>
+                              <m:t>𝑣</m:t>
                             </m:r>
                           </m:e>
                           <m:sub>
                             <m:r>
-                              <a:rPr lang="en-US" altLang="zh-CN" i="1">
-                                <a:latin typeface="Cambria Math" panose="02040503050406030204" pitchFamily="18" charset="0"/>
-                              </a:rPr>
-                              <m:t>𝑡</m:t>
-                            </m:r>
-                          </m:sub>
-                        </m:sSub>
-                        <m:r>
-                          <a:rPr lang="en-US" altLang="zh-CN" i="1">
-                            <a:latin typeface="Cambria Math" panose="02040503050406030204" pitchFamily="18" charset="0"/>
-                          </a:rPr>
-                          <m:t>,</m:t>
-                        </m:r>
-                        <m:sSub>
-                          <m:sSubPr>
-                            <m:ctrlPr>
-                              <a:rPr lang="en-US" altLang="zh-CN" i="1">
-                                <a:latin typeface="Cambria Math" panose="02040503050406030204" pitchFamily="18" charset="0"/>
-                              </a:rPr>
-                            </m:ctrlPr>
-                          </m:sSubPr>
-                          <m:e>
-                            <m:r>
-                              <a:rPr lang="en-US" altLang="zh-CN" b="0" i="1" smtClean="0">
-                                <a:latin typeface="Cambria Math" panose="02040503050406030204" pitchFamily="18" charset="0"/>
-                              </a:rPr>
-                              <m:t>𝐴</m:t>
-                            </m:r>
-                          </m:e>
-                          <m:sub>
-                            <m:r>
-                              <a:rPr lang="en-US" altLang="zh-CN" i="1">
-                                <a:latin typeface="Cambria Math" panose="02040503050406030204" pitchFamily="18" charset="0"/>
-                              </a:rPr>
-                              <m:t>𝑡</m:t>
-                            </m:r>
-                          </m:sub>
-                        </m:sSub>
-                        <m:r>
-                          <a:rPr lang="en-US" altLang="zh-CN" i="1">
-                            <a:latin typeface="Cambria Math" panose="02040503050406030204" pitchFamily="18" charset="0"/>
-                          </a:rPr>
-                          <m:t>)</m:t>
-                        </m:r>
-                      </m:e>
-                    </m:nary>
-                    <m:r>
-                      <a:rPr lang="en-US" altLang="zh-CN" i="1">
-                        <a:latin typeface="Cambria Math" panose="02040503050406030204" pitchFamily="18" charset="0"/>
-                      </a:rPr>
-                      <m:t>)</m:t>
-                    </m:r>
-                  </m:oMath>
-                </a14:m>
-                <a:endParaRPr lang="en-US" dirty="0"/>
-              </a:p>
-              <a:p>
-                <a:pPr lvl="1"/>
-                <a14:m>
-                  <m:oMath xmlns:m="http://schemas.openxmlformats.org/officeDocument/2006/math">
-                    <m:r>
-                      <a:rPr lang="en-US" altLang="zh-CN" b="0" i="1" smtClean="0">
-                        <a:latin typeface="Cambria Math" panose="02040503050406030204" pitchFamily="18" charset="0"/>
-                      </a:rPr>
-                      <m:t>0≤</m:t>
-                    </m:r>
-                    <m:r>
-                      <a:rPr lang="en-US" altLang="zh-CN" i="1" smtClean="0">
-                        <a:latin typeface="Cambria Math" panose="02040503050406030204" pitchFamily="18" charset="0"/>
-                      </a:rPr>
-                      <m:t>𝛾</m:t>
-                    </m:r>
-                    <m:r>
-                      <a:rPr lang="en-US" altLang="zh-CN" b="0" i="1" smtClean="0">
-                        <a:latin typeface="Cambria Math" panose="02040503050406030204" pitchFamily="18" charset="0"/>
-                      </a:rPr>
-                      <m:t>≤1</m:t>
-                    </m:r>
-                  </m:oMath>
-                </a14:m>
-                <a:r>
-                  <a:rPr lang="en-US" dirty="0"/>
-                  <a:t> is discount factor; horizon </a:t>
-                </a:r>
-                <a14:m>
-                  <m:oMath xmlns:m="http://schemas.openxmlformats.org/officeDocument/2006/math">
-                    <m:r>
-                      <a:rPr lang="en-US" altLang="zh-CN" i="1">
-                        <a:latin typeface="Cambria Math" panose="02040503050406030204" pitchFamily="18" charset="0"/>
-                      </a:rPr>
-                      <m:t>𝑇</m:t>
-                    </m:r>
-                  </m:oMath>
-                </a14:m>
-                <a:r>
-                  <a:rPr lang="en-US" dirty="0"/>
-                  <a:t> may be finite or infinite</a:t>
-                </a:r>
-              </a:p>
-              <a:p>
-                <a:r>
-                  <a:rPr lang="en-US" dirty="0"/>
-                  <a:t>Goal: learn optimal policy </a:t>
-                </a:r>
-                <a14:m>
-                  <m:oMath xmlns:m="http://schemas.openxmlformats.org/officeDocument/2006/math">
-                    <m:sSub>
-                      <m:sSubPr>
-                        <m:ctrlPr>
-                          <a:rPr lang="en-US" b="0" i="1" smtClean="0">
-                            <a:latin typeface="Cambria Math" panose="02040503050406030204" pitchFamily="18" charset="0"/>
-                          </a:rPr>
-                        </m:ctrlPr>
-                      </m:sSubPr>
-                      <m:e>
-                        <m:r>
-                          <a:rPr lang="en-US" b="0" i="1" smtClean="0">
-                            <a:latin typeface="Cambria Math" panose="02040503050406030204" pitchFamily="18" charset="0"/>
-                          </a:rPr>
-                          <m:t>𝜋</m:t>
-                        </m:r>
-                      </m:e>
-                      <m:sub>
-                        <m:r>
-                          <a:rPr lang="en-US" b="0" i="1" smtClean="0">
-                            <a:latin typeface="Cambria Math" panose="02040503050406030204" pitchFamily="18" charset="0"/>
-                          </a:rPr>
-                          <m:t>𝜃</m:t>
-                        </m:r>
-                      </m:sub>
-                    </m:sSub>
-                    <m:r>
-                      <a:rPr lang="en-US" b="0" i="1" smtClean="0">
-                        <a:latin typeface="Cambria Math" panose="02040503050406030204" pitchFamily="18" charset="0"/>
-                      </a:rPr>
-                      <m:t>(</m:t>
-                    </m:r>
-                    <m:sSub>
-                      <m:sSubPr>
-                        <m:ctrlPr>
-                          <a:rPr lang="en-US" b="0" i="1" smtClean="0">
-                            <a:latin typeface="Cambria Math" panose="02040503050406030204" pitchFamily="18" charset="0"/>
-                          </a:rPr>
-                        </m:ctrlPr>
-                      </m:sSubPr>
-                      <m:e>
-                        <m:r>
-                          <a:rPr lang="en-US" b="0" i="1" smtClean="0">
-                            <a:latin typeface="Cambria Math" panose="02040503050406030204" pitchFamily="18" charset="0"/>
-                          </a:rPr>
-                          <m:t>𝑎</m:t>
-                        </m:r>
-                      </m:e>
-                      <m:sub>
-                        <m:r>
-                          <a:rPr lang="en-US" b="0" i="1" smtClean="0">
-                            <a:latin typeface="Cambria Math" panose="02040503050406030204" pitchFamily="18" charset="0"/>
-                          </a:rPr>
-                          <m:t>𝑡</m:t>
-                        </m:r>
-                      </m:sub>
-                    </m:sSub>
-                    <m:r>
-                      <a:rPr lang="en-US" b="0" i="1" smtClean="0">
-                        <a:latin typeface="Cambria Math" panose="02040503050406030204" pitchFamily="18" charset="0"/>
-                      </a:rPr>
-                      <m:t>|</m:t>
-                    </m:r>
-                    <m:sSub>
-                      <m:sSubPr>
-                        <m:ctrlPr>
-                          <a:rPr lang="en-US" b="0" i="1" smtClean="0">
-                            <a:latin typeface="Cambria Math" panose="02040503050406030204" pitchFamily="18" charset="0"/>
-                          </a:rPr>
-                        </m:ctrlPr>
-                      </m:sSubPr>
-                      <m:e>
-                        <m:r>
-                          <a:rPr lang="en-US" b="0" i="1" smtClean="0">
-                            <a:latin typeface="Cambria Math" panose="02040503050406030204" pitchFamily="18" charset="0"/>
-                          </a:rPr>
-                          <m:t>𝑠</m:t>
-                        </m:r>
-                      </m:e>
-                      <m:sub>
-                        <m:r>
-                          <a:rPr lang="en-US" b="0" i="1" smtClean="0">
-                            <a:latin typeface="Cambria Math" panose="02040503050406030204" pitchFamily="18" charset="0"/>
-                          </a:rPr>
-                          <m:t>𝑡</m:t>
-                        </m:r>
-                      </m:sub>
-                    </m:sSub>
-                    <m:r>
-                      <a:rPr lang="en-US" b="0" i="1" smtClean="0">
-                        <a:latin typeface="Cambria Math" panose="02040503050406030204" pitchFamily="18" charset="0"/>
-                      </a:rPr>
-                      <m:t>)</m:t>
-                    </m:r>
-                  </m:oMath>
-                </a14:m>
-                <a:r>
-                  <a:rPr lang="en-US" dirty="0"/>
-                  <a:t> that maximizes,</a:t>
-                </a:r>
-              </a:p>
-              <a:p>
-                <a14:m>
-                  <m:oMath xmlns:m="http://schemas.openxmlformats.org/officeDocument/2006/math">
-                    <m:func>
-                      <m:funcPr>
-                        <m:ctrlPr>
-                          <a:rPr lang="en-US" altLang="zh-CN" b="0" i="1" smtClean="0">
-                            <a:latin typeface="Cambria Math" panose="02040503050406030204" pitchFamily="18" charset="0"/>
-                          </a:rPr>
-                        </m:ctrlPr>
-                      </m:funcPr>
-                      <m:fName>
-                        <m:limLow>
-                          <m:limLowPr>
-                            <m:ctrlPr>
-                              <a:rPr lang="en-US" altLang="zh-CN" b="0" i="1" smtClean="0">
-                                <a:latin typeface="Cambria Math" panose="02040503050406030204" pitchFamily="18" charset="0"/>
-                              </a:rPr>
-                            </m:ctrlPr>
-                          </m:limLowPr>
-                          <m:e>
-                            <m:r>
-                              <m:rPr>
-                                <m:sty m:val="p"/>
-                              </m:rPr>
-                              <a:rPr lang="en-US" altLang="zh-CN" b="0" i="0" smtClean="0">
-                                <a:latin typeface="Cambria Math" panose="02040503050406030204" pitchFamily="18" charset="0"/>
-                              </a:rPr>
-                              <m:t>max</m:t>
-                            </m:r>
-                          </m:e>
-                          <m:lim>
-                            <m:r>
-                              <a:rPr lang="en-US" altLang="zh-CN" b="0" i="1" smtClean="0">
+                              <a:rPr lang="en-US" i="1">
+                                <a:solidFill>
+                                  <a:schemeClr val="tx1"/>
+                                </a:solidFill>
                                 <a:latin typeface="Cambria Math" panose="02040503050406030204" pitchFamily="18" charset="0"/>
                               </a:rPr>
                               <m:t>𝜋</m:t>
                             </m:r>
-                          </m:lim>
-                        </m:limLow>
-                      </m:fName>
-                      <m:e/>
-                    </m:func>
+                          </m:sub>
+                        </m:sSub>
+                        <m:d>
+                          <m:dPr>
+                            <m:ctrlPr>
+                              <a:rPr lang="en-US" i="1">
+                                <a:solidFill>
+                                  <a:schemeClr val="tx1"/>
+                                </a:solidFill>
+                                <a:latin typeface="Cambria Math" panose="02040503050406030204" pitchFamily="18" charset="0"/>
+                              </a:rPr>
+                            </m:ctrlPr>
+                          </m:dPr>
+                          <m:e>
+                            <m:r>
+                              <a:rPr lang="en-US" i="1">
+                                <a:solidFill>
+                                  <a:schemeClr val="tx1"/>
+                                </a:solidFill>
+                                <a:latin typeface="Cambria Math" panose="02040503050406030204" pitchFamily="18" charset="0"/>
+                              </a:rPr>
+                              <m:t>𝑠</m:t>
+                            </m:r>
+                            <m:r>
+                              <a:rPr lang="en-US" b="0" i="1" smtClean="0">
+                                <a:solidFill>
+                                  <a:schemeClr val="tx1"/>
+                                </a:solidFill>
+                                <a:latin typeface="Cambria Math" panose="02040503050406030204" pitchFamily="18" charset="0"/>
+                              </a:rPr>
+                              <m:t>′</m:t>
+                            </m:r>
+                          </m:e>
+                        </m:d>
+                      </m:e>
+                    </m:d>
                   </m:oMath>
                 </a14:m>
-                <a:endParaRPr lang="en-US" dirty="0"/>
+                <a:endParaRPr lang="en-SE" dirty="0">
+                  <a:solidFill>
+                    <a:schemeClr val="tx1"/>
+                  </a:solidFill>
+                </a:endParaRPr>
               </a:p>
             </p:txBody>
           </p:sp>
         </mc:Choice>
-        <mc:Fallback xmlns="">
+        <mc:Fallback>
           <p:sp>
             <p:nvSpPr>
               <p:cNvPr id="3" name="Content Placeholder 2">
                 <a:extLst>
                   <a:ext uri="{FF2B5EF4-FFF2-40B4-BE49-F238E27FC236}">
-                    <a16:creationId xmlns:a16="http://schemas.microsoft.com/office/drawing/2014/main" id="{0A10FDC6-3779-402E-A23A-D8B0A7301F95}"/>
+                    <a16:creationId xmlns:a16="http://schemas.microsoft.com/office/drawing/2014/main" id="{B1B99C71-7D67-4880-A5D5-CD55AF48D874}"/>
                   </a:ext>
                 </a:extLst>
               </p:cNvPr>
@@ -14528,13 +16711,13 @@
             </p:nvSpPr>
             <p:spPr>
               <a:xfrm>
-                <a:off x="457200" y="1295399"/>
-                <a:ext cx="8382000" cy="3151934"/>
+                <a:off x="381000" y="1295400"/>
+                <a:ext cx="8382000" cy="5105400"/>
               </a:xfrm>
               <a:blipFill>
                 <a:blip r:embed="rId3"/>
                 <a:stretch>
-                  <a:fillRect l="-1455" t="-4826" r="-1600"/>
+                  <a:fillRect l="-1091" t="-4182" b="-6452"/>
                 </a:stretch>
               </a:blipFill>
             </p:spPr>
@@ -14558,7 +16741,7 @@
           <p:cNvPr id="4" name="Slide Number Placeholder 3">
             <a:extLst>
               <a:ext uri="{FF2B5EF4-FFF2-40B4-BE49-F238E27FC236}">
-                <a16:creationId xmlns:a16="http://schemas.microsoft.com/office/drawing/2014/main" id="{B4D83823-CACC-465B-A796-51C7E08B514B}"/>
+                <a16:creationId xmlns:a16="http://schemas.microsoft.com/office/drawing/2014/main" id="{A24D66A3-0BBC-44EE-9742-4F6CC4B38F62}"/>
               </a:ext>
             </a:extLst>
           </p:cNvPr>
@@ -14732,943 +16915,92 @@
           </a:p>
         </p:txBody>
       </p:sp>
-      <mc:AlternateContent xmlns:mc="http://schemas.openxmlformats.org/markup-compatibility/2006" xmlns:a14="http://schemas.microsoft.com/office/drawing/2010/main">
-        <mc:Choice Requires="a14">
-          <p:sp>
-            <p:nvSpPr>
-              <p:cNvPr id="13" name="内容占位符 2">
-                <a:extLst>
-                  <a:ext uri="{FF2B5EF4-FFF2-40B4-BE49-F238E27FC236}">
-                    <a16:creationId xmlns:a16="http://schemas.microsoft.com/office/drawing/2014/main" id="{DBB5514F-088F-4174-BA00-0FC468EBD3F1}"/>
-                  </a:ext>
-                </a:extLst>
-              </p:cNvPr>
-              <p:cNvSpPr txBox="1">
-                <a:spLocks/>
-              </p:cNvSpPr>
-              <p:nvPr/>
-            </p:nvSpPr>
-            <p:spPr>
-              <a:xfrm>
-                <a:off x="3385070" y="4469954"/>
-                <a:ext cx="2232248" cy="575348"/>
-              </a:xfrm>
-              <a:prstGeom prst="rect">
-                <a:avLst/>
-              </a:prstGeom>
-            </p:spPr>
-            <p:txBody>
-              <a:bodyPr vert="horz" lIns="0" tIns="0" rIns="0" bIns="0" rtlCol="0">
-                <a:normAutofit/>
-              </a:bodyPr>
-              <a:lstStyle>
-                <a:lvl1pPr marL="228600" indent="-228600" algn="l" defTabSz="914400" rtl="0" eaLnBrk="1" latinLnBrk="0" hangingPunct="1">
-                  <a:lnSpc>
-                    <a:spcPct val="100000"/>
-                  </a:lnSpc>
-                  <a:spcBef>
-                    <a:spcPts val="1000"/>
-                  </a:spcBef>
-                  <a:buFont typeface="Arial" panose="020B0604020202020204" pitchFamily="34" charset="0"/>
-                  <a:buChar char="•"/>
-                  <a:defRPr sz="3200" kern="1200">
-                    <a:solidFill>
-                      <a:schemeClr val="tx1"/>
-                    </a:solidFill>
-                    <a:latin typeface="+mn-lt"/>
-                    <a:ea typeface="+mn-ea"/>
-                    <a:cs typeface="+mn-cs"/>
-                  </a:defRPr>
-                </a:lvl1pPr>
-                <a:lvl2pPr marL="685800" indent="-228600" algn="l" defTabSz="914400" rtl="0" eaLnBrk="1" latinLnBrk="0" hangingPunct="1">
-                  <a:lnSpc>
-                    <a:spcPct val="100000"/>
-                  </a:lnSpc>
-                  <a:spcBef>
-                    <a:spcPts val="500"/>
-                  </a:spcBef>
-                  <a:buFont typeface="Courier New"/>
-                  <a:buChar char="o"/>
-                  <a:defRPr sz="2800" kern="1200">
-                    <a:solidFill>
-                      <a:schemeClr val="tx1"/>
-                    </a:solidFill>
-                    <a:latin typeface="+mn-lt"/>
-                    <a:ea typeface="+mn-ea"/>
-                    <a:cs typeface="+mn-cs"/>
-                  </a:defRPr>
-                </a:lvl2pPr>
-                <a:lvl3pPr marL="1143000" indent="-228600" algn="l" defTabSz="914400" rtl="0" eaLnBrk="1" latinLnBrk="0" hangingPunct="1">
-                  <a:lnSpc>
-                    <a:spcPct val="100000"/>
-                  </a:lnSpc>
-                  <a:spcBef>
-                    <a:spcPts val="500"/>
-                  </a:spcBef>
-                  <a:buFont typeface="Wingdings" charset="2"/>
-                  <a:buChar char="§"/>
-                  <a:defRPr sz="2400" kern="1200">
-                    <a:solidFill>
-                      <a:schemeClr val="tx1"/>
-                    </a:solidFill>
-                    <a:latin typeface="+mn-lt"/>
-                    <a:ea typeface="+mn-ea"/>
-                    <a:cs typeface="+mn-cs"/>
-                  </a:defRPr>
-                </a:lvl3pPr>
-                <a:lvl4pPr marL="1600200" indent="-228600" algn="l" defTabSz="914400" rtl="0" eaLnBrk="1" latinLnBrk="0" hangingPunct="1">
-                  <a:lnSpc>
-                    <a:spcPct val="100000"/>
-                  </a:lnSpc>
-                  <a:spcBef>
-                    <a:spcPts val="500"/>
-                  </a:spcBef>
-                  <a:buFont typeface="Arial" panose="020B0604020202020204" pitchFamily="34" charset="0"/>
-                  <a:buChar char="•"/>
-                  <a:defRPr sz="2400" kern="1200">
-                    <a:solidFill>
-                      <a:schemeClr val="tx1"/>
-                    </a:solidFill>
-                    <a:latin typeface="+mn-lt"/>
-                    <a:ea typeface="+mn-ea"/>
-                    <a:cs typeface="+mn-cs"/>
-                  </a:defRPr>
-                </a:lvl4pPr>
-                <a:lvl5pPr marL="2057400" indent="-228600" algn="l" defTabSz="914400" rtl="0" eaLnBrk="1" latinLnBrk="0" hangingPunct="1">
-                  <a:lnSpc>
-                    <a:spcPct val="100000"/>
-                  </a:lnSpc>
-                  <a:spcBef>
-                    <a:spcPts val="500"/>
-                  </a:spcBef>
-                  <a:buSzPct val="80000"/>
-                  <a:buFont typeface="Lucida Grande"/>
-                  <a:buChar char="-"/>
-                  <a:defRPr sz="1800" kern="1200">
-                    <a:solidFill>
-                      <a:schemeClr val="tx1"/>
-                    </a:solidFill>
-                    <a:latin typeface="+mn-lt"/>
-                    <a:ea typeface="+mn-ea"/>
-                    <a:cs typeface="+mn-cs"/>
-                  </a:defRPr>
-                </a:lvl5pPr>
-                <a:lvl6pPr marL="2514600" indent="-228600" algn="l" defTabSz="914400" rtl="0" eaLnBrk="1" latinLnBrk="0" hangingPunct="1">
-                  <a:lnSpc>
-                    <a:spcPct val="90000"/>
-                  </a:lnSpc>
-                  <a:spcBef>
-                    <a:spcPts val="500"/>
-                  </a:spcBef>
-                  <a:buFont typeface="Arial" panose="020B0604020202020204" pitchFamily="34" charset="0"/>
-                  <a:buChar char="•"/>
-                  <a:defRPr sz="1800" kern="1200">
-                    <a:solidFill>
-                      <a:schemeClr val="tx1"/>
-                    </a:solidFill>
-                    <a:latin typeface="+mn-lt"/>
-                    <a:ea typeface="+mn-ea"/>
-                    <a:cs typeface="+mn-cs"/>
-                  </a:defRPr>
-                </a:lvl6pPr>
-                <a:lvl7pPr marL="2971800" indent="-228600" algn="l" defTabSz="914400" rtl="0" eaLnBrk="1" latinLnBrk="0" hangingPunct="1">
-                  <a:lnSpc>
-                    <a:spcPct val="90000"/>
-                  </a:lnSpc>
-                  <a:spcBef>
-                    <a:spcPts val="500"/>
-                  </a:spcBef>
-                  <a:buFont typeface="Arial" panose="020B0604020202020204" pitchFamily="34" charset="0"/>
-                  <a:buChar char="•"/>
-                  <a:defRPr sz="1800" kern="1200">
-                    <a:solidFill>
-                      <a:schemeClr val="tx1"/>
-                    </a:solidFill>
-                    <a:latin typeface="+mn-lt"/>
-                    <a:ea typeface="+mn-ea"/>
-                    <a:cs typeface="+mn-cs"/>
-                  </a:defRPr>
-                </a:lvl7pPr>
-                <a:lvl8pPr marL="3429000" indent="-228600" algn="l" defTabSz="914400" rtl="0" eaLnBrk="1" latinLnBrk="0" hangingPunct="1">
-                  <a:lnSpc>
-                    <a:spcPct val="90000"/>
-                  </a:lnSpc>
-                  <a:spcBef>
-                    <a:spcPts val="500"/>
-                  </a:spcBef>
-                  <a:buFont typeface="Arial" panose="020B0604020202020204" pitchFamily="34" charset="0"/>
-                  <a:buChar char="•"/>
-                  <a:defRPr sz="1800" kern="1200">
-                    <a:solidFill>
-                      <a:schemeClr val="tx1"/>
-                    </a:solidFill>
-                    <a:latin typeface="+mn-lt"/>
-                    <a:ea typeface="+mn-ea"/>
-                    <a:cs typeface="+mn-cs"/>
-                  </a:defRPr>
-                </a:lvl8pPr>
-                <a:lvl9pPr marL="3886200" indent="-228600" algn="l" defTabSz="914400" rtl="0" eaLnBrk="1" latinLnBrk="0" hangingPunct="1">
-                  <a:lnSpc>
-                    <a:spcPct val="90000"/>
-                  </a:lnSpc>
-                  <a:spcBef>
-                    <a:spcPts val="500"/>
-                  </a:spcBef>
-                  <a:buFont typeface="Arial" panose="020B0604020202020204" pitchFamily="34" charset="0"/>
-                  <a:buChar char="•"/>
-                  <a:defRPr sz="1800" kern="1200">
-                    <a:solidFill>
-                      <a:schemeClr val="tx1"/>
-                    </a:solidFill>
-                    <a:latin typeface="+mn-lt"/>
-                    <a:ea typeface="+mn-ea"/>
-                    <a:cs typeface="+mn-cs"/>
-                  </a:defRPr>
-                </a:lvl9pPr>
-              </a:lstStyle>
-              <a:p>
-                <a:pPr marL="0" indent="0">
-                  <a:buFont typeface="Arial" panose="020B0604020202020204" pitchFamily="34" charset="0"/>
-                  <a:buNone/>
-                </a:pPr>
-                <a14:m>
-                  <m:oMathPara xmlns:m="http://schemas.openxmlformats.org/officeDocument/2006/math">
-                    <m:oMathParaPr>
-                      <m:jc m:val="centerGroup"/>
-                    </m:oMathParaPr>
-                    <m:oMath xmlns:m="http://schemas.openxmlformats.org/officeDocument/2006/math">
-                      <m:sSub>
-                        <m:sSubPr>
-                          <m:ctrlPr>
-                            <a:rPr lang="en-US" altLang="zh-CN" sz="2000" i="1" smtClean="0">
-                              <a:latin typeface="Cambria Math" panose="02040503050406030204" pitchFamily="18" charset="0"/>
-                            </a:rPr>
-                          </m:ctrlPr>
-                        </m:sSubPr>
-                        <m:e>
-                          <m:r>
-                            <a:rPr lang="en-US" altLang="zh-CN" sz="2000" i="1" smtClean="0">
-                              <a:latin typeface="Cambria Math" panose="02040503050406030204" pitchFamily="18" charset="0"/>
-                            </a:rPr>
-                            <m:t>𝑝</m:t>
-                          </m:r>
-                          <m:r>
-                            <a:rPr lang="en-US" altLang="zh-CN" sz="2000" i="1" smtClean="0">
-                              <a:latin typeface="Cambria Math" panose="02040503050406030204" pitchFamily="18" charset="0"/>
-                            </a:rPr>
-                            <m:t>(</m:t>
-                          </m:r>
-                          <m:r>
-                            <a:rPr lang="en-US" altLang="zh-CN" sz="2000" i="1" smtClean="0">
-                              <a:latin typeface="Cambria Math" panose="02040503050406030204" pitchFamily="18" charset="0"/>
-                            </a:rPr>
-                            <m:t>𝑠</m:t>
-                          </m:r>
-                        </m:e>
-                        <m:sub>
-                          <m:r>
-                            <a:rPr lang="en-US" altLang="zh-CN" sz="2000" i="1" smtClean="0">
-                              <a:latin typeface="Cambria Math" panose="02040503050406030204" pitchFamily="18" charset="0"/>
-                            </a:rPr>
-                            <m:t>𝑡</m:t>
-                          </m:r>
-                          <m:r>
-                            <a:rPr lang="en-US" altLang="zh-CN" sz="2000" i="1" smtClean="0">
-                              <a:latin typeface="Cambria Math" panose="02040503050406030204" pitchFamily="18" charset="0"/>
-                            </a:rPr>
-                            <m:t>+1</m:t>
-                          </m:r>
-                        </m:sub>
-                      </m:sSub>
-                      <m:r>
-                        <a:rPr lang="en-US" altLang="zh-CN" sz="2000" i="1" smtClean="0">
-                          <a:latin typeface="Cambria Math" panose="02040503050406030204" pitchFamily="18" charset="0"/>
-                        </a:rPr>
-                        <m:t>|</m:t>
-                      </m:r>
-                      <m:sSub>
-                        <m:sSubPr>
-                          <m:ctrlPr>
-                            <a:rPr lang="en-US" altLang="zh-CN" sz="2000" i="1" smtClean="0">
-                              <a:latin typeface="Cambria Math" panose="02040503050406030204" pitchFamily="18" charset="0"/>
-                            </a:rPr>
-                          </m:ctrlPr>
-                        </m:sSubPr>
-                        <m:e>
-                          <m:r>
-                            <a:rPr lang="en-US" altLang="zh-CN" sz="2000" i="1" smtClean="0">
-                              <a:latin typeface="Cambria Math" panose="02040503050406030204" pitchFamily="18" charset="0"/>
-                            </a:rPr>
-                            <m:t>𝑠</m:t>
-                          </m:r>
-                        </m:e>
-                        <m:sub>
-                          <m:r>
-                            <a:rPr lang="en-US" altLang="zh-CN" sz="2000" i="1" smtClean="0">
-                              <a:latin typeface="Cambria Math" panose="02040503050406030204" pitchFamily="18" charset="0"/>
-                            </a:rPr>
-                            <m:t>𝑡</m:t>
-                          </m:r>
-                        </m:sub>
-                      </m:sSub>
-                      <m:r>
-                        <a:rPr lang="en-US" altLang="zh-CN" sz="2000" i="1" smtClean="0">
-                          <a:latin typeface="Cambria Math" panose="02040503050406030204" pitchFamily="18" charset="0"/>
-                        </a:rPr>
-                        <m:t>,</m:t>
-                      </m:r>
-                      <m:sSub>
-                        <m:sSubPr>
-                          <m:ctrlPr>
-                            <a:rPr lang="en-US" altLang="zh-CN" sz="2000" i="1" smtClean="0">
-                              <a:latin typeface="Cambria Math" panose="02040503050406030204" pitchFamily="18" charset="0"/>
-                            </a:rPr>
-                          </m:ctrlPr>
-                        </m:sSubPr>
-                        <m:e>
-                          <m:r>
-                            <a:rPr lang="en-US" altLang="zh-CN" sz="2000" i="1" smtClean="0">
-                              <a:latin typeface="Cambria Math" panose="02040503050406030204" pitchFamily="18" charset="0"/>
-                            </a:rPr>
-                            <m:t>𝑎</m:t>
-                          </m:r>
-                        </m:e>
-                        <m:sub>
-                          <m:r>
-                            <a:rPr lang="en-US" altLang="zh-CN" sz="2000" i="1" smtClean="0">
-                              <a:latin typeface="Cambria Math" panose="02040503050406030204" pitchFamily="18" charset="0"/>
-                            </a:rPr>
-                            <m:t>𝑡</m:t>
-                          </m:r>
-                        </m:sub>
-                      </m:sSub>
-                      <m:r>
-                        <a:rPr lang="en-US" altLang="zh-CN" sz="2000" i="1" smtClean="0">
-                          <a:latin typeface="Cambria Math" panose="02040503050406030204" pitchFamily="18" charset="0"/>
-                        </a:rPr>
-                        <m:t>)</m:t>
-                      </m:r>
-                    </m:oMath>
-                  </m:oMathPara>
-                </a14:m>
-                <a:endParaRPr lang="zh-CN" altLang="en-US" sz="2000" dirty="0"/>
-              </a:p>
-            </p:txBody>
-          </p:sp>
-        </mc:Choice>
-        <mc:Fallback xmlns="">
-          <p:sp>
-            <p:nvSpPr>
-              <p:cNvPr id="13" name="内容占位符 2">
-                <a:extLst>
-                  <a:ext uri="{FF2B5EF4-FFF2-40B4-BE49-F238E27FC236}">
-                    <a16:creationId xmlns:a16="http://schemas.microsoft.com/office/drawing/2014/main" id="{DBB5514F-088F-4174-BA00-0FC468EBD3F1}"/>
-                  </a:ext>
-                </a:extLst>
-              </p:cNvPr>
-              <p:cNvSpPr txBox="1">
-                <a:spLocks noRot="1" noChangeAspect="1" noMove="1" noResize="1" noEditPoints="1" noAdjustHandles="1" noChangeArrowheads="1" noChangeShapeType="1" noTextEdit="1"/>
-              </p:cNvSpPr>
-              <p:nvPr/>
-            </p:nvSpPr>
-            <p:spPr>
-              <a:xfrm>
-                <a:off x="3385070" y="4469954"/>
-                <a:ext cx="2232248" cy="575348"/>
-              </a:xfrm>
-              <a:prstGeom prst="rect">
-                <a:avLst/>
-              </a:prstGeom>
-              <a:blipFill>
-                <a:blip r:embed="rId4"/>
-                <a:stretch>
-                  <a:fillRect t="-1053"/>
-                </a:stretch>
-              </a:blipFill>
-            </p:spPr>
-            <p:txBody>
-              <a:bodyPr/>
-              <a:lstStyle/>
-              <a:p>
-                <a:r>
-                  <a:rPr lang="en-SE">
-                    <a:noFill/>
-                  </a:rPr>
-                  <a:t> </a:t>
-                </a:r>
-              </a:p>
-            </p:txBody>
-          </p:sp>
-        </mc:Fallback>
-      </mc:AlternateContent>
       <p:sp>
         <p:nvSpPr>
-          <p:cNvPr id="14" name="TextBox 13">
+          <p:cNvPr id="8" name="Rectangle 7">
             <a:extLst>
               <a:ext uri="{FF2B5EF4-FFF2-40B4-BE49-F238E27FC236}">
-                <a16:creationId xmlns:a16="http://schemas.microsoft.com/office/drawing/2014/main" id="{9955E9A0-2EF5-4310-9298-9C91A3AA5B78}"/>
+                <a16:creationId xmlns:a16="http://schemas.microsoft.com/office/drawing/2014/main" id="{541D45F3-619E-4BED-A516-1D0BD5C74692}"/>
               </a:ext>
             </a:extLst>
           </p:cNvPr>
-          <p:cNvSpPr txBox="1"/>
+          <p:cNvSpPr/>
           <p:nvPr/>
         </p:nvSpPr>
-        <p:spPr>
+        <p:spPr bwMode="auto">
           <a:xfrm>
-            <a:off x="880755" y="5659058"/>
-            <a:ext cx="7440744" cy="369332"/>
+            <a:off x="76200" y="121298"/>
+            <a:ext cx="1524000" cy="488302"/>
           </a:xfrm>
           <a:prstGeom prst="rect">
             <a:avLst/>
           </a:prstGeom>
-          <a:ln>
-            <a:noFill/>
+          <a:noFill/>
+          <a:ln w="25400" cap="flat" cmpd="sng" algn="ctr">
+            <a:solidFill>
+              <a:srgbClr val="C00000"/>
+            </a:solidFill>
+            <a:prstDash val="solid"/>
+            <a:round/>
+            <a:headEnd type="none" w="med" len="med"/>
+            <a:tailEnd type="none" w="med" len="med"/>
           </a:ln>
+          <a:effectLst/>
         </p:spPr>
-        <p:style>
-          <a:lnRef idx="2">
-            <a:schemeClr val="accent3"/>
-          </a:lnRef>
-          <a:fillRef idx="1">
-            <a:schemeClr val="lt1"/>
-          </a:fillRef>
-          <a:effectRef idx="0">
-            <a:schemeClr val="accent3"/>
-          </a:effectRef>
-          <a:fontRef idx="minor">
-            <a:schemeClr val="dk1"/>
-          </a:fontRef>
-        </p:style>
         <p:txBody>
-          <a:bodyPr wrap="square" rtlCol="0">
-            <a:spAutoFit/>
+          <a:bodyPr vert="horz" wrap="square" lIns="91440" tIns="45720" rIns="91440" bIns="45720" numCol="1" rtlCol="0" anchor="t" anchorCtr="0" compatLnSpc="1">
+            <a:prstTxWarp prst="textNoShape">
+              <a:avLst/>
+            </a:prstTxWarp>
           </a:bodyPr>
           <a:lstStyle/>
           <a:p>
-            <a:endParaRPr lang="en-US" dirty="0"/>
-          </a:p>
-        </p:txBody>
-      </p:sp>
-      <mc:AlternateContent xmlns:mc="http://schemas.openxmlformats.org/markup-compatibility/2006" xmlns:a14="http://schemas.microsoft.com/office/drawing/2010/main">
-        <mc:Choice Requires="a14">
-          <p:sp>
-            <p:nvSpPr>
-              <p:cNvPr id="15" name="TextBox 14">
-                <a:extLst>
-                  <a:ext uri="{FF2B5EF4-FFF2-40B4-BE49-F238E27FC236}">
-                    <a16:creationId xmlns:a16="http://schemas.microsoft.com/office/drawing/2014/main" id="{1D69C449-82FF-4C40-824D-633AFF1A4DE4}"/>
-                  </a:ext>
-                </a:extLst>
-              </p:cNvPr>
-              <p:cNvSpPr txBox="1"/>
-              <p:nvPr/>
-            </p:nvSpPr>
-            <p:spPr>
-              <a:xfrm>
-                <a:off x="5513735" y="5158178"/>
-                <a:ext cx="1953865" cy="707886"/>
-              </a:xfrm>
-              <a:prstGeom prst="rect">
-                <a:avLst/>
-              </a:prstGeom>
-              <a:noFill/>
-            </p:spPr>
-            <p:txBody>
-              <a:bodyPr wrap="square" rtlCol="0">
-                <a:spAutoFit/>
-              </a:bodyPr>
-              <a:lstStyle/>
-              <a:p>
-                <a:r>
-                  <a:rPr lang="en-US" sz="2000" dirty="0"/>
-                  <a:t>Observation </a:t>
-                </a:r>
-                <a14:m>
-                  <m:oMath xmlns:m="http://schemas.openxmlformats.org/officeDocument/2006/math">
-                    <m:sSub>
-                      <m:sSubPr>
-                        <m:ctrlPr>
-                          <a:rPr lang="en-US" altLang="zh-CN" sz="2000" i="1">
-                            <a:latin typeface="Cambria Math" panose="02040503050406030204" pitchFamily="18" charset="0"/>
-                          </a:rPr>
-                        </m:ctrlPr>
-                      </m:sSubPr>
-                      <m:e>
-                        <m:r>
-                          <a:rPr lang="en-US" altLang="zh-CN" sz="2000" i="1">
-                            <a:latin typeface="Cambria Math" panose="02040503050406030204" pitchFamily="18" charset="0"/>
-                          </a:rPr>
-                          <m:t>𝑠</m:t>
-                        </m:r>
-                      </m:e>
-                      <m:sub>
-                        <m:r>
-                          <a:rPr lang="en-US" altLang="zh-CN" sz="2000" i="1">
-                            <a:latin typeface="Cambria Math" panose="02040503050406030204" pitchFamily="18" charset="0"/>
-                          </a:rPr>
-                          <m:t>𝑡</m:t>
-                        </m:r>
-                        <m:r>
-                          <a:rPr lang="en-US" altLang="zh-CN" sz="2000" b="0" i="1" smtClean="0">
-                            <a:latin typeface="Cambria Math" panose="02040503050406030204" pitchFamily="18" charset="0"/>
-                          </a:rPr>
-                          <m:t>+1</m:t>
-                        </m:r>
-                      </m:sub>
-                    </m:sSub>
-                  </m:oMath>
-                </a14:m>
-                <a:r>
-                  <a:rPr lang="en-US" sz="2000" dirty="0"/>
-                  <a:t>; Reward </a:t>
-                </a:r>
-                <a14:m>
-                  <m:oMath xmlns:m="http://schemas.openxmlformats.org/officeDocument/2006/math">
-                    <m:sSub>
-                      <m:sSubPr>
-                        <m:ctrlPr>
-                          <a:rPr lang="en-US" altLang="zh-CN" sz="2000" i="1">
-                            <a:latin typeface="Cambria Math" panose="02040503050406030204" pitchFamily="18" charset="0"/>
-                          </a:rPr>
-                        </m:ctrlPr>
-                      </m:sSubPr>
-                      <m:e>
-                        <m:r>
-                          <a:rPr lang="en-US" altLang="zh-CN" sz="2000" b="0" i="1" smtClean="0">
-                            <a:latin typeface="Cambria Math" panose="02040503050406030204" pitchFamily="18" charset="0"/>
-                          </a:rPr>
-                          <m:t>𝑟</m:t>
-                        </m:r>
-                      </m:e>
-                      <m:sub>
-                        <m:r>
-                          <a:rPr lang="en-US" altLang="zh-CN" sz="2000" i="1">
-                            <a:latin typeface="Cambria Math" panose="02040503050406030204" pitchFamily="18" charset="0"/>
-                          </a:rPr>
-                          <m:t>𝑡</m:t>
-                        </m:r>
-                      </m:sub>
-                    </m:sSub>
-                  </m:oMath>
-                </a14:m>
-                <a:endParaRPr lang="en-US" sz="2000" dirty="0"/>
-              </a:p>
-            </p:txBody>
-          </p:sp>
-        </mc:Choice>
-        <mc:Fallback xmlns="">
-          <p:sp>
-            <p:nvSpPr>
-              <p:cNvPr id="15" name="TextBox 14">
-                <a:extLst>
-                  <a:ext uri="{FF2B5EF4-FFF2-40B4-BE49-F238E27FC236}">
-                    <a16:creationId xmlns:a16="http://schemas.microsoft.com/office/drawing/2014/main" id="{1D69C449-82FF-4C40-824D-633AFF1A4DE4}"/>
-                  </a:ext>
-                </a:extLst>
-              </p:cNvPr>
-              <p:cNvSpPr txBox="1">
-                <a:spLocks noRot="1" noChangeAspect="1" noMove="1" noResize="1" noEditPoints="1" noAdjustHandles="1" noChangeArrowheads="1" noChangeShapeType="1" noTextEdit="1"/>
-              </p:cNvSpPr>
-              <p:nvPr/>
-            </p:nvSpPr>
-            <p:spPr>
-              <a:xfrm>
-                <a:off x="5513735" y="5158178"/>
-                <a:ext cx="1953865" cy="707886"/>
-              </a:xfrm>
-              <a:prstGeom prst="rect">
-                <a:avLst/>
-              </a:prstGeom>
-              <a:blipFill>
-                <a:blip r:embed="rId5"/>
-                <a:stretch>
-                  <a:fillRect l="-3115" t="-4310" b="-14655"/>
-                </a:stretch>
-              </a:blipFill>
-            </p:spPr>
-            <p:txBody>
-              <a:bodyPr/>
-              <a:lstStyle/>
-              <a:p>
-                <a:r>
-                  <a:rPr lang="en-SE">
-                    <a:noFill/>
-                  </a:rPr>
-                  <a:t> </a:t>
-                </a:r>
-              </a:p>
-            </p:txBody>
-          </p:sp>
-        </mc:Fallback>
-      </mc:AlternateContent>
-      <mc:AlternateContent xmlns:mc="http://schemas.openxmlformats.org/markup-compatibility/2006" xmlns:a14="http://schemas.microsoft.com/office/drawing/2010/main">
-        <mc:Choice Requires="a14">
-          <p:sp>
-            <p:nvSpPr>
-              <p:cNvPr id="16" name="TextBox 15">
-                <a:extLst>
-                  <a:ext uri="{FF2B5EF4-FFF2-40B4-BE49-F238E27FC236}">
-                    <a16:creationId xmlns:a16="http://schemas.microsoft.com/office/drawing/2014/main" id="{15880CA4-CE61-48CB-BE8E-673C6B822198}"/>
-                  </a:ext>
-                </a:extLst>
-              </p:cNvPr>
-              <p:cNvSpPr txBox="1"/>
-              <p:nvPr/>
-            </p:nvSpPr>
-            <p:spPr>
-              <a:xfrm>
-                <a:off x="2653134" y="5289676"/>
-                <a:ext cx="1005452" cy="707886"/>
-              </a:xfrm>
-              <a:prstGeom prst="rect">
-                <a:avLst/>
-              </a:prstGeom>
-              <a:noFill/>
-            </p:spPr>
-            <p:txBody>
-              <a:bodyPr wrap="square" rtlCol="0">
-                <a:spAutoFit/>
-              </a:bodyPr>
-              <a:lstStyle/>
-              <a:p>
-                <a:r>
-                  <a:rPr lang="en-US" sz="2000" dirty="0"/>
-                  <a:t>Action </a:t>
-                </a:r>
-                <a14:m>
-                  <m:oMath xmlns:m="http://schemas.openxmlformats.org/officeDocument/2006/math">
-                    <m:sSub>
-                      <m:sSubPr>
-                        <m:ctrlPr>
-                          <a:rPr lang="en-US" altLang="zh-CN" sz="2000" i="1">
-                            <a:latin typeface="Cambria Math" panose="02040503050406030204" pitchFamily="18" charset="0"/>
-                          </a:rPr>
-                        </m:ctrlPr>
-                      </m:sSubPr>
-                      <m:e>
-                        <m:r>
-                          <a:rPr lang="en-US" altLang="zh-CN" sz="2000" i="1">
-                            <a:latin typeface="Cambria Math" panose="02040503050406030204" pitchFamily="18" charset="0"/>
-                          </a:rPr>
-                          <m:t>𝑎</m:t>
-                        </m:r>
-                      </m:e>
-                      <m:sub>
-                        <m:r>
-                          <a:rPr lang="en-US" altLang="zh-CN" sz="2000" i="1">
-                            <a:latin typeface="Cambria Math" panose="02040503050406030204" pitchFamily="18" charset="0"/>
-                          </a:rPr>
-                          <m:t>𝑡</m:t>
-                        </m:r>
-                      </m:sub>
-                    </m:sSub>
-                  </m:oMath>
-                </a14:m>
-                <a:r>
-                  <a:rPr lang="en-US" sz="2000" dirty="0"/>
-                  <a:t> </a:t>
-                </a:r>
-              </a:p>
-            </p:txBody>
-          </p:sp>
-        </mc:Choice>
-        <mc:Fallback xmlns="">
-          <p:sp>
-            <p:nvSpPr>
-              <p:cNvPr id="16" name="TextBox 15">
-                <a:extLst>
-                  <a:ext uri="{FF2B5EF4-FFF2-40B4-BE49-F238E27FC236}">
-                    <a16:creationId xmlns:a16="http://schemas.microsoft.com/office/drawing/2014/main" id="{15880CA4-CE61-48CB-BE8E-673C6B822198}"/>
-                  </a:ext>
-                </a:extLst>
-              </p:cNvPr>
-              <p:cNvSpPr txBox="1">
-                <a:spLocks noRot="1" noChangeAspect="1" noMove="1" noResize="1" noEditPoints="1" noAdjustHandles="1" noChangeArrowheads="1" noChangeShapeType="1" noTextEdit="1"/>
-              </p:cNvSpPr>
-              <p:nvPr/>
-            </p:nvSpPr>
-            <p:spPr>
-              <a:xfrm>
-                <a:off x="2653134" y="5289676"/>
-                <a:ext cx="1005452" cy="707886"/>
-              </a:xfrm>
-              <a:prstGeom prst="rect">
-                <a:avLst/>
-              </a:prstGeom>
-              <a:blipFill>
-                <a:blip r:embed="rId6"/>
-                <a:stretch>
-                  <a:fillRect l="-6061" t="-5172"/>
-                </a:stretch>
-              </a:blipFill>
-            </p:spPr>
-            <p:txBody>
-              <a:bodyPr/>
-              <a:lstStyle/>
-              <a:p>
-                <a:r>
-                  <a:rPr lang="en-SE">
-                    <a:noFill/>
-                  </a:rPr>
-                  <a:t> </a:t>
-                </a:r>
-              </a:p>
-            </p:txBody>
-          </p:sp>
-        </mc:Fallback>
-      </mc:AlternateContent>
-      <p:grpSp>
-        <p:nvGrpSpPr>
-          <p:cNvPr id="17" name="Group 16">
-            <a:extLst>
-              <a:ext uri="{FF2B5EF4-FFF2-40B4-BE49-F238E27FC236}">
-                <a16:creationId xmlns:a16="http://schemas.microsoft.com/office/drawing/2014/main" id="{048E5626-A930-44ED-9A24-06B451DCF0C3}"/>
-              </a:ext>
-            </a:extLst>
-          </p:cNvPr>
-          <p:cNvGrpSpPr/>
-          <p:nvPr/>
-        </p:nvGrpSpPr>
-        <p:grpSpPr>
-          <a:xfrm>
-            <a:off x="3741707" y="4914860"/>
-            <a:ext cx="1546383" cy="1181140"/>
-            <a:chOff x="4448830" y="2857315"/>
-            <a:chExt cx="1644360" cy="1122610"/>
-          </a:xfrm>
-        </p:grpSpPr>
-        <p:sp>
-          <p:nvSpPr>
-            <p:cNvPr id="18" name="Rectangle 17">
-              <a:extLst>
-                <a:ext uri="{FF2B5EF4-FFF2-40B4-BE49-F238E27FC236}">
-                  <a16:creationId xmlns:a16="http://schemas.microsoft.com/office/drawing/2014/main" id="{9A75F26C-45CD-4B37-9336-71284BE7EFBD}"/>
-                </a:ext>
-              </a:extLst>
-            </p:cNvPr>
-            <p:cNvSpPr/>
-            <p:nvPr/>
-          </p:nvSpPr>
-          <p:spPr bwMode="auto">
-            <a:xfrm>
-              <a:off x="4448830" y="2857315"/>
-              <a:ext cx="1615214" cy="495913"/>
-            </a:xfrm>
-            <a:prstGeom prst="rect">
-              <a:avLst/>
-            </a:prstGeom>
-            <a:solidFill>
-              <a:schemeClr val="tx1">
-                <a:lumMod val="20000"/>
-                <a:lumOff val="80000"/>
-              </a:schemeClr>
-            </a:solidFill>
-            <a:ln w="9525" cap="flat" cmpd="sng" algn="ctr">
-              <a:solidFill>
-                <a:schemeClr val="tx1"/>
-              </a:solidFill>
-              <a:prstDash val="solid"/>
-              <a:round/>
-              <a:headEnd type="none" w="med" len="med"/>
-              <a:tailEnd type="none" w="med" len="med"/>
-            </a:ln>
-            <a:effectLst/>
-          </p:spPr>
-          <p:txBody>
-            <a:bodyPr vert="horz" wrap="none" lIns="91440" tIns="45720" rIns="91440" bIns="45720" numCol="1" rtlCol="0" anchor="t" anchorCtr="0" compatLnSpc="1">
-              <a:prstTxWarp prst="textNoShape">
-                <a:avLst/>
-              </a:prstTxWarp>
-            </a:bodyPr>
-            <a:lstStyle/>
-            <a:p>
-              <a:pPr algn="ctr" eaLnBrk="1" hangingPunct="1"/>
-              <a:r>
-                <a:rPr lang="en-US" sz="2000" dirty="0"/>
-                <a:t>Environment</a:t>
-              </a:r>
-              <a:endParaRPr kumimoji="0" lang="en-US" sz="2000" b="0" i="0" u="none" strike="noStrike" cap="none" normalizeH="0" baseline="0" dirty="0">
+            <a:pPr marL="0" marR="0" indent="0" algn="l" defTabSz="914400" rtl="0" eaLnBrk="1" fontAlgn="base" latinLnBrk="0" hangingPunct="1">
+              <a:lnSpc>
+                <a:spcPct val="100000"/>
+              </a:lnSpc>
+              <a:spcBef>
+                <a:spcPct val="0"/>
+              </a:spcBef>
+              <a:spcAft>
+                <a:spcPct val="0"/>
+              </a:spcAft>
+              <a:buClrTx/>
+              <a:buSzTx/>
+              <a:buFontTx/>
+              <a:buNone/>
+              <a:tabLst/>
+            </a:pPr>
+            <a:r>
+              <a:rPr kumimoji="0" lang="en-US" sz="2400" b="0" i="0" u="none" strike="noStrike" cap="none" normalizeH="0" baseline="0" dirty="0">
                 <a:ln>
                   <a:noFill/>
                 </a:ln>
                 <a:solidFill>
-                  <a:schemeClr val="tx1"/>
+                  <a:srgbClr val="C00000"/>
                 </a:solidFill>
                 <a:effectLst/>
-                <a:latin typeface="Tahoma" pitchFamily="34" charset="0"/>
-              </a:endParaRPr>
-            </a:p>
-          </p:txBody>
-        </p:sp>
-        <p:sp>
-          <p:nvSpPr>
-            <p:cNvPr id="19" name="Rectangle 18">
-              <a:extLst>
-                <a:ext uri="{FF2B5EF4-FFF2-40B4-BE49-F238E27FC236}">
-                  <a16:creationId xmlns:a16="http://schemas.microsoft.com/office/drawing/2014/main" id="{4C1333CE-C31D-4CFF-9EDA-227F3FE4461E}"/>
-                </a:ext>
-              </a:extLst>
-            </p:cNvPr>
-            <p:cNvSpPr/>
-            <p:nvPr/>
-          </p:nvSpPr>
-          <p:spPr bwMode="auto">
-            <a:xfrm>
-              <a:off x="4477975" y="3542841"/>
-              <a:ext cx="1615215" cy="437084"/>
-            </a:xfrm>
-            <a:prstGeom prst="rect">
-              <a:avLst/>
-            </a:prstGeom>
-            <a:solidFill>
-              <a:schemeClr val="bg1"/>
-            </a:solidFill>
-            <a:ln w="9525" cap="flat" cmpd="sng" algn="ctr">
+                <a:latin typeface="Arial" charset="0"/>
+              </a:rPr>
+              <a:t>Important</a:t>
+            </a:r>
+            <a:endParaRPr kumimoji="0" lang="en-SE" sz="2400" b="0" i="0" u="none" strike="noStrike" cap="none" normalizeH="0" baseline="0" dirty="0">
+              <a:ln>
+                <a:noFill/>
+              </a:ln>
               <a:solidFill>
-                <a:schemeClr val="tx1"/>
+                <a:srgbClr val="C00000"/>
               </a:solidFill>
-              <a:prstDash val="solid"/>
-              <a:round/>
-              <a:headEnd type="none" w="med" len="med"/>
-              <a:tailEnd type="none" w="med" len="med"/>
-            </a:ln>
-            <a:effectLst/>
-          </p:spPr>
-          <p:txBody>
-            <a:bodyPr vert="horz" wrap="none" lIns="91440" tIns="45720" rIns="91440" bIns="45720" numCol="1" rtlCol="0" anchor="t" anchorCtr="0" compatLnSpc="1">
-              <a:prstTxWarp prst="textNoShape">
-                <a:avLst/>
-              </a:prstTxWarp>
-            </a:bodyPr>
-            <a:lstStyle/>
-            <a:p>
-              <a:pPr marL="0" marR="0" indent="0" algn="ctr" defTabSz="914400" rtl="0" eaLnBrk="1" fontAlgn="base" latinLnBrk="0" hangingPunct="1">
-                <a:lnSpc>
-                  <a:spcPct val="100000"/>
-                </a:lnSpc>
-                <a:spcBef>
-                  <a:spcPct val="0"/>
-                </a:spcBef>
-                <a:spcAft>
-                  <a:spcPct val="0"/>
-                </a:spcAft>
-                <a:buClrTx/>
-                <a:buSzTx/>
-                <a:buFontTx/>
-                <a:buNone/>
-                <a:tabLst/>
-              </a:pPr>
-              <a:r>
-                <a:rPr kumimoji="0" lang="en-US" sz="2000" b="0" i="0" u="none" strike="noStrike" cap="none" normalizeH="0" baseline="0" dirty="0">
-                  <a:ln>
-                    <a:noFill/>
-                  </a:ln>
-                  <a:solidFill>
-                    <a:schemeClr val="tx1"/>
-                  </a:solidFill>
-                  <a:effectLst/>
-                  <a:latin typeface="Tahoma" pitchFamily="34" charset="0"/>
-                </a:rPr>
-                <a:t>RL Agent</a:t>
-              </a:r>
-            </a:p>
-          </p:txBody>
-        </p:sp>
-        <p:cxnSp>
-          <p:nvCxnSpPr>
-            <p:cNvPr id="20" name="Elbow Connector 26">
-              <a:extLst>
-                <a:ext uri="{FF2B5EF4-FFF2-40B4-BE49-F238E27FC236}">
-                  <a16:creationId xmlns:a16="http://schemas.microsoft.com/office/drawing/2014/main" id="{07117D94-9DAA-4B07-9314-1431BF937C8F}"/>
-                </a:ext>
-              </a:extLst>
-            </p:cNvPr>
-            <p:cNvCxnSpPr>
-              <a:stCxn id="18" idx="3"/>
-              <a:endCxn id="19" idx="3"/>
-            </p:cNvCxnSpPr>
-            <p:nvPr/>
-          </p:nvCxnSpPr>
-          <p:spPr bwMode="auto">
-            <a:xfrm>
-              <a:off x="6064044" y="3105272"/>
-              <a:ext cx="29146" cy="656111"/>
-            </a:xfrm>
-            <a:prstGeom prst="bentConnector3">
-              <a:avLst>
-                <a:gd name="adj1" fmla="val 884327"/>
-              </a:avLst>
-            </a:prstGeom>
-            <a:ln>
-              <a:headEnd type="none" w="med" len="med"/>
-              <a:tailEnd type="triangle"/>
-            </a:ln>
-          </p:spPr>
-          <p:style>
-            <a:lnRef idx="2">
-              <a:schemeClr val="dk1"/>
-            </a:lnRef>
-            <a:fillRef idx="0">
-              <a:schemeClr val="dk1"/>
-            </a:fillRef>
-            <a:effectRef idx="1">
-              <a:schemeClr val="dk1"/>
-            </a:effectRef>
-            <a:fontRef idx="minor">
-              <a:schemeClr val="tx1"/>
-            </a:fontRef>
-          </p:style>
-        </p:cxnSp>
-        <p:cxnSp>
-          <p:nvCxnSpPr>
-            <p:cNvPr id="21" name="Elbow Connector 27">
-              <a:extLst>
-                <a:ext uri="{FF2B5EF4-FFF2-40B4-BE49-F238E27FC236}">
-                  <a16:creationId xmlns:a16="http://schemas.microsoft.com/office/drawing/2014/main" id="{99C7C383-141A-4B2F-96DD-69953BA81795}"/>
-                </a:ext>
-              </a:extLst>
-            </p:cNvPr>
-            <p:cNvCxnSpPr>
-              <a:stCxn id="19" idx="1"/>
-              <a:endCxn id="18" idx="1"/>
-            </p:cNvCxnSpPr>
-            <p:nvPr/>
-          </p:nvCxnSpPr>
-          <p:spPr bwMode="auto">
-            <a:xfrm rot="10800000">
-              <a:off x="4448831" y="3105273"/>
-              <a:ext cx="29145" cy="656111"/>
-            </a:xfrm>
-            <a:prstGeom prst="bentConnector3">
-              <a:avLst>
-                <a:gd name="adj1" fmla="val 884354"/>
-              </a:avLst>
-            </a:prstGeom>
-            <a:ln>
-              <a:headEnd type="none" w="med" len="med"/>
-              <a:tailEnd type="triangle"/>
-            </a:ln>
-          </p:spPr>
-          <p:style>
-            <a:lnRef idx="2">
-              <a:schemeClr val="dk1"/>
-            </a:lnRef>
-            <a:fillRef idx="0">
-              <a:schemeClr val="dk1"/>
-            </a:fillRef>
-            <a:effectRef idx="1">
-              <a:schemeClr val="dk1"/>
-            </a:effectRef>
-            <a:fontRef idx="minor">
-              <a:schemeClr val="tx1"/>
-            </a:fontRef>
-          </p:style>
-        </p:cxnSp>
-      </p:grpSp>
+              <a:effectLst/>
+              <a:latin typeface="Arial" charset="0"/>
+            </a:endParaRPr>
+          </a:p>
+        </p:txBody>
+      </p:sp>
     </p:spTree>
     <p:extLst>
       <p:ext uri="{BB962C8B-B14F-4D97-AF65-F5344CB8AC3E}">
-        <p14:creationId xmlns:p14="http://schemas.microsoft.com/office/powerpoint/2010/main" val="3241122429"/>
+        <p14:creationId xmlns:p14="http://schemas.microsoft.com/office/powerpoint/2010/main" val="3713396836"/>
       </p:ext>
     </p:extLst>
   </p:cSld>
@@ -23951,21 +25283,6 @@
 </file>
 
 <file path=customXml/item1.xml><?xml version="1.0" encoding="utf-8"?>
-<?mso-contentType ?>
-<FormTemplates xmlns="http://schemas.microsoft.com/sharepoint/v3/contenttype/forms">
-  <Display>DocumentLibraryForm</Display>
-  <Edit>DocumentLibraryForm</Edit>
-  <New>DocumentLibraryForm</New>
-</FormTemplates>
-</file>
-
-<file path=customXml/item2.xml><?xml version="1.0" encoding="utf-8"?>
-<p:properties xmlns:p="http://schemas.microsoft.com/office/2006/metadata/properties" xmlns:xsi="http://www.w3.org/2001/XMLSchema-instance" xmlns:pc="http://schemas.microsoft.com/office/infopath/2007/PartnerControls">
-  <documentManagement/>
-</p:properties>
-</file>
-
-<file path=customXml/item3.xml><?xml version="1.0" encoding="utf-8"?>
 <ct:contentTypeSchema xmlns:ct="http://schemas.microsoft.com/office/2006/metadata/contentType" xmlns:ma="http://schemas.microsoft.com/office/2006/metadata/properties/metaAttributes" ct:_="" ma:_="" ma:contentTypeName="Document" ma:contentTypeID="0x01010004C9F4636FD8CF4DBA576E51CE9A9557" ma:contentTypeVersion="12" ma:contentTypeDescription="Create a new document." ma:contentTypeScope="" ma:versionID="c335fd21f2fe76e29ebd247bba84ba96">
   <xsd:schema xmlns:xsd="http://www.w3.org/2001/XMLSchema" xmlns:xs="http://www.w3.org/2001/XMLSchema" xmlns:p="http://schemas.microsoft.com/office/2006/metadata/properties" xmlns:ns3="221e1496-d443-4306-ad63-a100e0046a13" xmlns:ns4="60aad371-894b-4a9b-aa6a-3fd9336d4f3f" targetNamespace="http://schemas.microsoft.com/office/2006/metadata/properties" ma:root="true" ma:fieldsID="4cb030868c90a59dc09b4c74f925c173" ns3:_="" ns4:_="">
     <xsd:import namespace="221e1496-d443-4306-ad63-a100e0046a13"/>
@@ -24182,10 +25499,36 @@
 </ct:contentTypeSchema>
 </file>
 
+<file path=customXml/item2.xml><?xml version="1.0" encoding="utf-8"?>
+<p:properties xmlns:p="http://schemas.microsoft.com/office/2006/metadata/properties" xmlns:xsi="http://www.w3.org/2001/XMLSchema-instance" xmlns:pc="http://schemas.microsoft.com/office/infopath/2007/PartnerControls">
+  <documentManagement/>
+</p:properties>
+</file>
+
+<file path=customXml/item3.xml><?xml version="1.0" encoding="utf-8"?>
+<?mso-contentType ?>
+<FormTemplates xmlns="http://schemas.microsoft.com/sharepoint/v3/contenttype/forms">
+  <Display>DocumentLibraryForm</Display>
+  <Edit>DocumentLibraryForm</Edit>
+  <New>DocumentLibraryForm</New>
+</FormTemplates>
+</file>
+
 <file path=customXml/itemProps1.xml><?xml version="1.0" encoding="utf-8"?>
-<ds:datastoreItem xmlns:ds="http://schemas.openxmlformats.org/officeDocument/2006/customXml" ds:itemID="{C57B2AAA-3E84-49CC-BE6D-CB4399E554EF}">
+<ds:datastoreItem xmlns:ds="http://schemas.openxmlformats.org/officeDocument/2006/customXml" ds:itemID="{6F97E12F-14DB-4E96-B5EF-03E9057A64B5}">
   <ds:schemaRefs>
-    <ds:schemaRef ds:uri="http://schemas.microsoft.com/sharepoint/v3/contenttype/forms"/>
+    <ds:schemaRef ds:uri="http://schemas.microsoft.com/office/2006/metadata/contentType"/>
+    <ds:schemaRef ds:uri="http://schemas.microsoft.com/office/2006/metadata/properties/metaAttributes"/>
+    <ds:schemaRef ds:uri="http://www.w3.org/2001/XMLSchema"/>
+    <ds:schemaRef ds:uri="http://schemas.microsoft.com/office/2006/metadata/properties"/>
+    <ds:schemaRef ds:uri="221e1496-d443-4306-ad63-a100e0046a13"/>
+    <ds:schemaRef ds:uri="60aad371-894b-4a9b-aa6a-3fd9336d4f3f"/>
+    <ds:schemaRef ds:uri="http://schemas.microsoft.com/office/2006/documentManagement/types"/>
+    <ds:schemaRef ds:uri="http://schemas.microsoft.com/office/infopath/2007/PartnerControls"/>
+    <ds:schemaRef ds:uri="http://schemas.openxmlformats.org/package/2006/metadata/core-properties"/>
+    <ds:schemaRef ds:uri="http://purl.org/dc/elements/1.1/"/>
+    <ds:schemaRef ds:uri="http://purl.org/dc/terms/"/>
+    <ds:schemaRef ds:uri="http://schemas.microsoft.com/internal/obd"/>
   </ds:schemaRefs>
 </ds:datastoreItem>
 </file>
@@ -24208,20 +25551,9 @@
 </file>
 
 <file path=customXml/itemProps3.xml><?xml version="1.0" encoding="utf-8"?>
-<ds:datastoreItem xmlns:ds="http://schemas.openxmlformats.org/officeDocument/2006/customXml" ds:itemID="{6F97E12F-14DB-4E96-B5EF-03E9057A64B5}">
+<ds:datastoreItem xmlns:ds="http://schemas.openxmlformats.org/officeDocument/2006/customXml" ds:itemID="{C57B2AAA-3E84-49CC-BE6D-CB4399E554EF}">
   <ds:schemaRefs>
-    <ds:schemaRef ds:uri="http://schemas.microsoft.com/office/2006/metadata/contentType"/>
-    <ds:schemaRef ds:uri="http://schemas.microsoft.com/office/2006/metadata/properties/metaAttributes"/>
-    <ds:schemaRef ds:uri="http://www.w3.org/2001/XMLSchema"/>
-    <ds:schemaRef ds:uri="http://schemas.microsoft.com/office/2006/metadata/properties"/>
-    <ds:schemaRef ds:uri="221e1496-d443-4306-ad63-a100e0046a13"/>
-    <ds:schemaRef ds:uri="60aad371-894b-4a9b-aa6a-3fd9336d4f3f"/>
-    <ds:schemaRef ds:uri="http://schemas.microsoft.com/office/2006/documentManagement/types"/>
-    <ds:schemaRef ds:uri="http://schemas.microsoft.com/office/infopath/2007/PartnerControls"/>
-    <ds:schemaRef ds:uri="http://schemas.openxmlformats.org/package/2006/metadata/core-properties"/>
-    <ds:schemaRef ds:uri="http://purl.org/dc/elements/1.1/"/>
-    <ds:schemaRef ds:uri="http://purl.org/dc/terms/"/>
-    <ds:schemaRef ds:uri="http://schemas.microsoft.com/internal/obd"/>
+    <ds:schemaRef ds:uri="http://schemas.microsoft.com/sharepoint/v3/contenttype/forms"/>
   </ds:schemaRefs>
 </ds:datastoreItem>
 </file>
--- a/PPTs/bak/UMU SDC TODO.pptx
+++ b/PPTs/bak/UMU SDC TODO.pptx
@@ -655,8 +655,8 @@
         </p:nvSpPr>
         <p:spPr/>
       </p:sp>
-      <mc:AlternateContent xmlns:mc="http://schemas.openxmlformats.org/markup-compatibility/2006">
-        <mc:Choice xmlns:a14="http://schemas.microsoft.com/office/drawing/2010/main" Requires="a14">
+      <mc:AlternateContent xmlns:mc="http://schemas.openxmlformats.org/markup-compatibility/2006" xmlns:a14="http://schemas.microsoft.com/office/drawing/2010/main">
+        <mc:Choice Requires="a14">
           <p:sp>
             <p:nvSpPr>
               <p:cNvPr id="3" name="Notes Placeholder 2"/>
@@ -741,12 +741,453 @@
                 </a:r>
               </a:p>
               <a:p>
+                <a:pPr marL="0" marR="0" lvl="0" indent="0" algn="l" defTabSz="914400" rtl="0" eaLnBrk="1" fontAlgn="auto" latinLnBrk="0" hangingPunct="1">
+                  <a:lnSpc>
+                    <a:spcPct val="100000"/>
+                  </a:lnSpc>
+                  <a:spcBef>
+                    <a:spcPts val="0"/>
+                  </a:spcBef>
+                  <a:spcAft>
+                    <a:spcPts val="0"/>
+                  </a:spcAft>
+                  <a:buClrTx/>
+                  <a:buSzTx/>
+                  <a:buFontTx/>
+                  <a:buNone/>
+                  <a:tabLst/>
+                  <a:defRPr/>
+                </a:pPr>
+                <a14:m>
+                  <m:oMathPara xmlns:m="http://schemas.openxmlformats.org/officeDocument/2006/math">
+                    <m:oMathParaPr>
+                      <m:jc m:val="centerGroup"/>
+                    </m:oMathParaPr>
+                    <m:oMath xmlns:m="http://schemas.openxmlformats.org/officeDocument/2006/math">
+                      <m:sSub>
+                        <m:sSubPr>
+                          <m:ctrlPr>
+                            <a:rPr lang="en-US" i="1" smtClean="0">
+                              <a:solidFill>
+                                <a:srgbClr val="C00000"/>
+                              </a:solidFill>
+                              <a:latin typeface="Cambria Math" panose="02040503050406030204" pitchFamily="18" charset="0"/>
+                            </a:rPr>
+                          </m:ctrlPr>
+                        </m:sSubPr>
+                        <m:e>
+                          <m:r>
+                            <a:rPr lang="en-US" i="1">
+                              <a:solidFill>
+                                <a:srgbClr val="C00000"/>
+                              </a:solidFill>
+                              <a:latin typeface="Cambria Math" panose="02040503050406030204" pitchFamily="18" charset="0"/>
+                            </a:rPr>
+                            <m:t>𝑞</m:t>
+                          </m:r>
+                        </m:e>
+                        <m:sub>
+                          <m:r>
+                            <a:rPr lang="en-US" i="1">
+                              <a:solidFill>
+                                <a:srgbClr val="C00000"/>
+                              </a:solidFill>
+                              <a:latin typeface="Cambria Math" panose="02040503050406030204" pitchFamily="18" charset="0"/>
+                            </a:rPr>
+                            <m:t>𝜋</m:t>
+                          </m:r>
+                        </m:sub>
+                      </m:sSub>
+                      <m:d>
+                        <m:dPr>
+                          <m:ctrlPr>
+                            <a:rPr lang="en-US" i="1">
+                              <a:solidFill>
+                                <a:srgbClr val="C00000"/>
+                              </a:solidFill>
+                              <a:latin typeface="Cambria Math" panose="02040503050406030204" pitchFamily="18" charset="0"/>
+                            </a:rPr>
+                          </m:ctrlPr>
+                        </m:dPr>
+                        <m:e>
+                          <m:r>
+                            <a:rPr lang="en-US" i="1">
+                              <a:solidFill>
+                                <a:srgbClr val="C00000"/>
+                              </a:solidFill>
+                              <a:latin typeface="Cambria Math" panose="02040503050406030204" pitchFamily="18" charset="0"/>
+                            </a:rPr>
+                            <m:t>𝑠</m:t>
+                          </m:r>
+                          <m:r>
+                            <a:rPr lang="en-US" i="1">
+                              <a:solidFill>
+                                <a:srgbClr val="C00000"/>
+                              </a:solidFill>
+                              <a:latin typeface="Cambria Math" panose="02040503050406030204" pitchFamily="18" charset="0"/>
+                            </a:rPr>
+                            <m:t>,</m:t>
+                          </m:r>
+                          <m:r>
+                            <a:rPr lang="en-US" i="1">
+                              <a:solidFill>
+                                <a:srgbClr val="C00000"/>
+                              </a:solidFill>
+                              <a:latin typeface="Cambria Math" panose="02040503050406030204" pitchFamily="18" charset="0"/>
+                            </a:rPr>
+                            <m:t>𝑎</m:t>
+                          </m:r>
+                        </m:e>
+                      </m:d>
+                      <m:r>
+                        <a:rPr lang="en-US" i="1">
+                          <a:solidFill>
+                            <a:srgbClr val="C00000"/>
+                          </a:solidFill>
+                          <a:latin typeface="Cambria Math" panose="02040503050406030204" pitchFamily="18" charset="0"/>
+                        </a:rPr>
+                        <m:t>=</m:t>
+                      </m:r>
+                      <m:sSub>
+                        <m:sSubPr>
+                          <m:ctrlPr>
+                            <a:rPr lang="en-US" i="1">
+                              <a:solidFill>
+                                <a:srgbClr val="C00000"/>
+                              </a:solidFill>
+                              <a:latin typeface="Cambria Math" panose="02040503050406030204" pitchFamily="18" charset="0"/>
+                            </a:rPr>
+                          </m:ctrlPr>
+                        </m:sSubPr>
+                        <m:e>
+                          <m:r>
+                            <a:rPr lang="en-US" i="1">
+                              <a:solidFill>
+                                <a:srgbClr val="C00000"/>
+                              </a:solidFill>
+                              <a:latin typeface="Cambria Math" panose="02040503050406030204" pitchFamily="18" charset="0"/>
+                            </a:rPr>
+                            <m:t>𝔼</m:t>
+                          </m:r>
+                        </m:e>
+                        <m:sub>
+                          <m:r>
+                            <a:rPr lang="en-US" i="1">
+                              <a:solidFill>
+                                <a:srgbClr val="C00000"/>
+                              </a:solidFill>
+                              <a:latin typeface="Cambria Math" panose="02040503050406030204" pitchFamily="18" charset="0"/>
+                            </a:rPr>
+                            <m:t>𝜋</m:t>
+                          </m:r>
+                        </m:sub>
+                      </m:sSub>
+                      <m:d>
+                        <m:dPr>
+                          <m:begChr m:val="["/>
+                          <m:endChr m:val="]"/>
+                          <m:ctrlPr>
+                            <a:rPr lang="en-US" i="1">
+                              <a:solidFill>
+                                <a:srgbClr val="C00000"/>
+                              </a:solidFill>
+                              <a:latin typeface="Cambria Math" panose="02040503050406030204" pitchFamily="18" charset="0"/>
+                            </a:rPr>
+                          </m:ctrlPr>
+                        </m:dPr>
+                        <m:e>
+                          <m:sSub>
+                            <m:sSubPr>
+                              <m:ctrlPr>
+                                <a:rPr lang="en-US" i="1">
+                                  <a:solidFill>
+                                    <a:srgbClr val="C00000"/>
+                                  </a:solidFill>
+                                  <a:latin typeface="Cambria Math" panose="02040503050406030204" pitchFamily="18" charset="0"/>
+                                </a:rPr>
+                              </m:ctrlPr>
+                            </m:sSubPr>
+                            <m:e>
+                              <m:r>
+                                <a:rPr lang="en-US" i="1">
+                                  <a:solidFill>
+                                    <a:srgbClr val="C00000"/>
+                                  </a:solidFill>
+                                  <a:latin typeface="Cambria Math" panose="02040503050406030204" pitchFamily="18" charset="0"/>
+                                </a:rPr>
+                                <m:t>𝑅</m:t>
+                              </m:r>
+                            </m:e>
+                            <m:sub>
+                              <m:r>
+                                <a:rPr lang="en-US" i="1">
+                                  <a:solidFill>
+                                    <a:srgbClr val="C00000"/>
+                                  </a:solidFill>
+                                  <a:latin typeface="Cambria Math" panose="02040503050406030204" pitchFamily="18" charset="0"/>
+                                </a:rPr>
+                                <m:t>𝑡</m:t>
+                              </m:r>
+                              <m:r>
+                                <a:rPr lang="en-US" i="1">
+                                  <a:solidFill>
+                                    <a:srgbClr val="C00000"/>
+                                  </a:solidFill>
+                                  <a:latin typeface="Cambria Math" panose="02040503050406030204" pitchFamily="18" charset="0"/>
+                                </a:rPr>
+                                <m:t>+1</m:t>
+                              </m:r>
+                            </m:sub>
+                          </m:sSub>
+                          <m:r>
+                            <a:rPr lang="en-US" i="1">
+                              <a:solidFill>
+                                <a:srgbClr val="C00000"/>
+                              </a:solidFill>
+                              <a:latin typeface="Cambria Math" panose="02040503050406030204" pitchFamily="18" charset="0"/>
+                            </a:rPr>
+                            <m:t>+</m:t>
+                          </m:r>
+                          <m:r>
+                            <a:rPr lang="en-US" i="1">
+                              <a:solidFill>
+                                <a:srgbClr val="C00000"/>
+                              </a:solidFill>
+                              <a:latin typeface="Cambria Math" panose="02040503050406030204" pitchFamily="18" charset="0"/>
+                            </a:rPr>
+                            <m:t>𝛾</m:t>
+                          </m:r>
+                          <m:sSub>
+                            <m:sSubPr>
+                              <m:ctrlPr>
+                                <a:rPr lang="en-US" i="1">
+                                  <a:solidFill>
+                                    <a:srgbClr val="C00000"/>
+                                  </a:solidFill>
+                                  <a:latin typeface="Cambria Math" panose="02040503050406030204" pitchFamily="18" charset="0"/>
+                                </a:rPr>
+                              </m:ctrlPr>
+                            </m:sSubPr>
+                            <m:e>
+                              <m:r>
+                                <a:rPr lang="en-US" b="0" i="1" smtClean="0">
+                                  <a:solidFill>
+                                    <a:srgbClr val="C00000"/>
+                                  </a:solidFill>
+                                  <a:latin typeface="Cambria Math" panose="02040503050406030204" pitchFamily="18" charset="0"/>
+                                </a:rPr>
+                                <m:t>𝑣</m:t>
+                              </m:r>
+                            </m:e>
+                            <m:sub>
+                              <m:r>
+                                <a:rPr lang="en-US" i="1">
+                                  <a:solidFill>
+                                    <a:srgbClr val="C00000"/>
+                                  </a:solidFill>
+                                  <a:latin typeface="Cambria Math" panose="02040503050406030204" pitchFamily="18" charset="0"/>
+                                </a:rPr>
+                                <m:t>𝜋</m:t>
+                              </m:r>
+                            </m:sub>
+                          </m:sSub>
+                          <m:d>
+                            <m:dPr>
+                              <m:ctrlPr>
+                                <a:rPr lang="en-US" i="1">
+                                  <a:solidFill>
+                                    <a:srgbClr val="C00000"/>
+                                  </a:solidFill>
+                                  <a:latin typeface="Cambria Math" panose="02040503050406030204" pitchFamily="18" charset="0"/>
+                                </a:rPr>
+                              </m:ctrlPr>
+                            </m:dPr>
+                            <m:e>
+                              <m:sSub>
+                                <m:sSubPr>
+                                  <m:ctrlPr>
+                                    <a:rPr lang="en-US" i="1">
+                                      <a:solidFill>
+                                        <a:srgbClr val="C00000"/>
+                                      </a:solidFill>
+                                      <a:latin typeface="Cambria Math" panose="02040503050406030204" pitchFamily="18" charset="0"/>
+                                    </a:rPr>
+                                  </m:ctrlPr>
+                                </m:sSubPr>
+                                <m:e>
+                                  <m:r>
+                                    <a:rPr lang="en-US" i="1">
+                                      <a:solidFill>
+                                        <a:srgbClr val="C00000"/>
+                                      </a:solidFill>
+                                      <a:latin typeface="Cambria Math" panose="02040503050406030204" pitchFamily="18" charset="0"/>
+                                    </a:rPr>
+                                    <m:t>𝑆</m:t>
+                                  </m:r>
+                                </m:e>
+                                <m:sub>
+                                  <m:r>
+                                    <a:rPr lang="en-US" i="1">
+                                      <a:solidFill>
+                                        <a:srgbClr val="C00000"/>
+                                      </a:solidFill>
+                                      <a:latin typeface="Cambria Math" panose="02040503050406030204" pitchFamily="18" charset="0"/>
+                                    </a:rPr>
+                                    <m:t>𝑡</m:t>
+                                  </m:r>
+                                  <m:r>
+                                    <a:rPr lang="en-US" i="1">
+                                      <a:solidFill>
+                                        <a:srgbClr val="C00000"/>
+                                      </a:solidFill>
+                                      <a:latin typeface="Cambria Math" panose="02040503050406030204" pitchFamily="18" charset="0"/>
+                                    </a:rPr>
+                                    <m:t>+1</m:t>
+                                  </m:r>
+                                </m:sub>
+                              </m:sSub>
+                            </m:e>
+                          </m:d>
+                          <m:r>
+                            <a:rPr lang="en-US" i="1">
+                              <a:solidFill>
+                                <a:srgbClr val="C00000"/>
+                              </a:solidFill>
+                              <a:latin typeface="Cambria Math" panose="02040503050406030204" pitchFamily="18" charset="0"/>
+                            </a:rPr>
+                            <m:t>|</m:t>
+                          </m:r>
+                          <m:sSub>
+                            <m:sSubPr>
+                              <m:ctrlPr>
+                                <a:rPr lang="en-US" i="1">
+                                  <a:solidFill>
+                                    <a:srgbClr val="C00000"/>
+                                  </a:solidFill>
+                                  <a:latin typeface="Cambria Math" panose="02040503050406030204" pitchFamily="18" charset="0"/>
+                                </a:rPr>
+                              </m:ctrlPr>
+                            </m:sSubPr>
+                            <m:e>
+                              <m:r>
+                                <a:rPr lang="en-US" i="1">
+                                  <a:solidFill>
+                                    <a:srgbClr val="C00000"/>
+                                  </a:solidFill>
+                                  <a:latin typeface="Cambria Math" panose="02040503050406030204" pitchFamily="18" charset="0"/>
+                                </a:rPr>
+                                <m:t>𝑆</m:t>
+                              </m:r>
+                            </m:e>
+                            <m:sub>
+                              <m:r>
+                                <a:rPr lang="en-US" i="1">
+                                  <a:solidFill>
+                                    <a:srgbClr val="C00000"/>
+                                  </a:solidFill>
+                                  <a:latin typeface="Cambria Math" panose="02040503050406030204" pitchFamily="18" charset="0"/>
+                                </a:rPr>
+                                <m:t>𝑡</m:t>
+                              </m:r>
+                            </m:sub>
+                          </m:sSub>
+                          <m:r>
+                            <a:rPr lang="en-US" i="1">
+                              <a:solidFill>
+                                <a:srgbClr val="C00000"/>
+                              </a:solidFill>
+                              <a:latin typeface="Cambria Math" panose="02040503050406030204" pitchFamily="18" charset="0"/>
+                            </a:rPr>
+                            <m:t>=</m:t>
+                          </m:r>
+                          <m:r>
+                            <a:rPr lang="en-US" i="1">
+                              <a:solidFill>
+                                <a:srgbClr val="C00000"/>
+                              </a:solidFill>
+                              <a:latin typeface="Cambria Math" panose="02040503050406030204" pitchFamily="18" charset="0"/>
+                            </a:rPr>
+                            <m:t>𝑠</m:t>
+                          </m:r>
+                          <m:r>
+                            <a:rPr lang="en-US" b="0" i="1" smtClean="0">
+                              <a:solidFill>
+                                <a:srgbClr val="C00000"/>
+                              </a:solidFill>
+                              <a:latin typeface="Cambria Math" panose="02040503050406030204" pitchFamily="18" charset="0"/>
+                            </a:rPr>
+                            <m:t>, </m:t>
+                          </m:r>
+                          <m:sSub>
+                            <m:sSubPr>
+                              <m:ctrlPr>
+                                <a:rPr lang="en-US" b="0" i="1" smtClean="0">
+                                  <a:solidFill>
+                                    <a:srgbClr val="C00000"/>
+                                  </a:solidFill>
+                                  <a:latin typeface="Cambria Math" panose="02040503050406030204" pitchFamily="18" charset="0"/>
+                                </a:rPr>
+                              </m:ctrlPr>
+                            </m:sSubPr>
+                            <m:e>
+                              <m:r>
+                                <a:rPr lang="en-US" b="0" i="1" smtClean="0">
+                                  <a:solidFill>
+                                    <a:srgbClr val="C00000"/>
+                                  </a:solidFill>
+                                  <a:latin typeface="Cambria Math" panose="02040503050406030204" pitchFamily="18" charset="0"/>
+                                </a:rPr>
+                                <m:t>𝐴</m:t>
+                              </m:r>
+                            </m:e>
+                            <m:sub>
+                              <m:r>
+                                <a:rPr lang="en-US" b="0" i="1" smtClean="0">
+                                  <a:solidFill>
+                                    <a:srgbClr val="C00000"/>
+                                  </a:solidFill>
+                                  <a:latin typeface="Cambria Math" panose="02040503050406030204" pitchFamily="18" charset="0"/>
+                                </a:rPr>
+                                <m:t>𝑡</m:t>
+                              </m:r>
+                            </m:sub>
+                          </m:sSub>
+                          <m:r>
+                            <a:rPr lang="en-US" b="0" i="1" smtClean="0">
+                              <a:solidFill>
+                                <a:srgbClr val="C00000"/>
+                              </a:solidFill>
+                              <a:latin typeface="Cambria Math" panose="02040503050406030204" pitchFamily="18" charset="0"/>
+                            </a:rPr>
+                            <m:t>=</m:t>
+                          </m:r>
+                          <m:r>
+                            <a:rPr lang="en-US" b="0" i="1" smtClean="0">
+                              <a:solidFill>
+                                <a:srgbClr val="C00000"/>
+                              </a:solidFill>
+                              <a:latin typeface="Cambria Math" panose="02040503050406030204" pitchFamily="18" charset="0"/>
+                            </a:rPr>
+                            <m:t>𝑎</m:t>
+                          </m:r>
+                        </m:e>
+                      </m:d>
+                    </m:oMath>
+                  </m:oMathPara>
+                </a14:m>
+                <a:endParaRPr lang="en-US" dirty="0">
+                  <a:solidFill>
+                    <a:schemeClr val="tx1"/>
+                  </a:solidFill>
+                </a:endParaRPr>
+              </a:p>
+              <a:p>
                 <a:endParaRPr lang="en-SE" dirty="0"/>
               </a:p>
             </p:txBody>
           </p:sp>
         </mc:Choice>
-        <mc:Fallback>
+        <mc:Fallback xmlns="">
           <p:sp>
             <p:nvSpPr>
               <p:cNvPr id="3" name="Notes Placeholder 2"/>
@@ -16675,7 +17116,7 @@
             <p:spPr/>
             <p:txBody>
               <a:bodyPr>
-                <a:normAutofit fontScale="62500" lnSpcReduction="20000"/>
+                <a:normAutofit fontScale="55000" lnSpcReduction="20000"/>
               </a:bodyPr>
               <a:lstStyle/>
               <a:p>
@@ -19282,23 +19723,7 @@
                       <a:schemeClr val="tx1"/>
                     </a:solidFill>
                   </a:rPr>
-                  <a:t>) XXX </a:t>
-                </a:r>
-                <a:r>
-                  <a:rPr lang="en-US" dirty="0" err="1">
-                    <a:solidFill>
-                      <a:schemeClr val="tx1"/>
-                    </a:solidFill>
-                  </a:rPr>
-                  <a:t>sth</a:t>
-                </a:r>
-                <a:r>
-                  <a:rPr lang="en-US" dirty="0">
-                    <a:solidFill>
-                      <a:schemeClr val="tx1"/>
-                    </a:solidFill>
-                  </a:rPr>
-                  <a:t> not right: </a:t>
+                  <a:t>):</a:t>
                 </a:r>
               </a:p>
               <a:p>
@@ -19636,9 +20061,53 @@
                     </m:d>
                   </m:oMath>
                 </a14:m>
+                <a:endParaRPr lang="en-US" b="0" dirty="0">
+                  <a:solidFill>
+                    <a:srgbClr val="C00000"/>
+                  </a:solidFill>
+                </a:endParaRPr>
+              </a:p>
+              <a:p>
+                <a:pPr lvl="1"/>
+                <a:r>
+                  <a:rPr lang="en-US" dirty="0">
+                    <a:solidFill>
+                      <a:schemeClr val="tx1"/>
+                    </a:solidFill>
+                  </a:rPr>
+                  <a:t>Sample-based estimate (</a:t>
+                </a:r>
+                <a:r>
+                  <a:rPr lang="en-US" dirty="0"/>
+                  <a:t>TD target for </a:t>
+                </a:r>
+                <a:r>
+                  <a:rPr lang="en-US" dirty="0" err="1"/>
+                  <a:t>advangtage</a:t>
+                </a:r>
+                <a:r>
+                  <a:rPr lang="en-US" dirty="0"/>
+                  <a:t> function</a:t>
+                </a:r>
+                <a:r>
+                  <a:rPr lang="en-US" dirty="0">
+                    <a:solidFill>
+                      <a:schemeClr val="tx1"/>
+                    </a:solidFill>
+                  </a:rPr>
+                  <a:t>) </a:t>
+                </a:r>
+                <a:r>
+                  <a:rPr lang="en-US">
+                    <a:solidFill>
+                      <a:schemeClr val="tx1"/>
+                    </a:solidFill>
+                  </a:rPr>
+                  <a:t>:  not right</a:t>
+                </a:r>
                 <a:endParaRPr lang="en-US" dirty="0">
                   <a:solidFill>
-                    <a:srgbClr val="C00000"/>
+                    <a:schemeClr val="tx1"/>
                   </a:solidFill>
                 </a:endParaRPr>
               </a:p>
@@ -19649,10 +20118,7 @@
                     <m:sSub>
                       <m:sSubPr>
                         <m:ctrlPr>
-                          <a:rPr lang="en-US" i="1" smtClean="0">
-                            <a:solidFill>
-                              <a:srgbClr val="C00000"/>
-                            </a:solidFill>
+                          <a:rPr lang="en-US" i="1">
                             <a:latin typeface="Cambria Math" panose="02040503050406030204" pitchFamily="18" charset="0"/>
                           </a:rPr>
                         </m:ctrlPr>
@@ -19660,104 +20126,14 @@
                       <m:e>
                         <m:r>
                           <a:rPr lang="en-US" i="1">
-                            <a:solidFill>
-                              <a:srgbClr val="C00000"/>
-                            </a:solidFill>
-                            <a:latin typeface="Cambria Math" panose="02040503050406030204" pitchFamily="18" charset="0"/>
-                          </a:rPr>
-                          <m:t>𝑞</m:t>
+                            <a:latin typeface="Cambria Math" panose="02040503050406030204" pitchFamily="18" charset="0"/>
+                          </a:rPr>
+                          <m:t>𝔼</m:t>
                         </m:r>
                       </m:e>
                       <m:sub>
                         <m:r>
                           <a:rPr lang="en-US" i="1">
-                            <a:solidFill>
-                              <a:srgbClr val="C00000"/>
-                            </a:solidFill>
-                            <a:latin typeface="Cambria Math" panose="02040503050406030204" pitchFamily="18" charset="0"/>
-                          </a:rPr>
-                          <m:t>𝜋</m:t>
-                        </m:r>
-                      </m:sub>
-                    </m:sSub>
-                    <m:d>
-                      <m:dPr>
-                        <m:ctrlPr>
-                          <a:rPr lang="en-US" i="1">
-                            <a:solidFill>
-                              <a:srgbClr val="C00000"/>
-                            </a:solidFill>
-                            <a:latin typeface="Cambria Math" panose="02040503050406030204" pitchFamily="18" charset="0"/>
-                          </a:rPr>
-                        </m:ctrlPr>
-                      </m:dPr>
-                      <m:e>
-                        <m:r>
-                          <a:rPr lang="en-US" i="1">
-                            <a:solidFill>
-                              <a:srgbClr val="C00000"/>
-                            </a:solidFill>
-                            <a:latin typeface="Cambria Math" panose="02040503050406030204" pitchFamily="18" charset="0"/>
-                          </a:rPr>
-                          <m:t>𝑠</m:t>
-                        </m:r>
-                        <m:r>
-                          <a:rPr lang="en-US" i="1">
-                            <a:solidFill>
-                              <a:srgbClr val="C00000"/>
-                            </a:solidFill>
-                            <a:latin typeface="Cambria Math" panose="02040503050406030204" pitchFamily="18" charset="0"/>
-                          </a:rPr>
-                          <m:t>,</m:t>
-                        </m:r>
-                        <m:r>
-                          <a:rPr lang="en-US" i="1">
-                            <a:solidFill>
-                              <a:srgbClr val="C00000"/>
-                            </a:solidFill>
-                            <a:latin typeface="Cambria Math" panose="02040503050406030204" pitchFamily="18" charset="0"/>
-                          </a:rPr>
-                          <m:t>𝑎</m:t>
-                        </m:r>
-                      </m:e>
-                    </m:d>
-                    <m:r>
-                      <a:rPr lang="en-US" i="1">
-                        <a:solidFill>
-                          <a:srgbClr val="C00000"/>
-                        </a:solidFill>
-                        <a:latin typeface="Cambria Math" panose="02040503050406030204" pitchFamily="18" charset="0"/>
-                      </a:rPr>
-                      <m:t>=</m:t>
-                    </m:r>
-                    <m:sSub>
-                      <m:sSubPr>
-                        <m:ctrlPr>
-                          <a:rPr lang="en-US" i="1">
-                            <a:solidFill>
-                              <a:srgbClr val="C00000"/>
-                            </a:solidFill>
-                            <a:latin typeface="Cambria Math" panose="02040503050406030204" pitchFamily="18" charset="0"/>
-                          </a:rPr>
-                        </m:ctrlPr>
-                      </m:sSubPr>
-                      <m:e>
-                        <m:r>
-                          <a:rPr lang="en-US" i="1">
-                            <a:solidFill>
-                              <a:srgbClr val="C00000"/>
-                            </a:solidFill>
-                            <a:latin typeface="Cambria Math" panose="02040503050406030204" pitchFamily="18" charset="0"/>
-                          </a:rPr>
-                          <m:t>𝔼</m:t>
-                        </m:r>
-                      </m:e>
-                      <m:sub>
-                        <m:r>
-                          <a:rPr lang="en-US" i="1">
-                            <a:solidFill>
-                              <a:srgbClr val="C00000"/>
-                            </a:solidFill>
                             <a:latin typeface="Cambria Math" panose="02040503050406030204" pitchFamily="18" charset="0"/>
                           </a:rPr>
                           <m:t>𝜋</m:t>
@@ -19770,9 +20146,6 @@
                         <m:endChr m:val="]"/>
                         <m:ctrlPr>
                           <a:rPr lang="en-US" i="1">
-                            <a:solidFill>
-                              <a:srgbClr val="C00000"/>
-                            </a:solidFill>
                             <a:latin typeface="Cambria Math" panose="02040503050406030204" pitchFamily="18" charset="0"/>
                           </a:rPr>
                         </m:ctrlPr>
@@ -19782,9 +20155,6 @@
                           <m:sSubPr>
                             <m:ctrlPr>
                               <a:rPr lang="en-US" i="1">
-                                <a:solidFill>
-                                  <a:srgbClr val="C00000"/>
-                                </a:solidFill>
                                 <a:latin typeface="Cambria Math" panose="02040503050406030204" pitchFamily="18" charset="0"/>
                               </a:rPr>
                             </m:ctrlPr>
@@ -19792,9 +20162,6 @@
                           <m:e>
                             <m:r>
                               <a:rPr lang="en-US" i="1">
-                                <a:solidFill>
-                                  <a:srgbClr val="C00000"/>
-                                </a:solidFill>
                                 <a:latin typeface="Cambria Math" panose="02040503050406030204" pitchFamily="18" charset="0"/>
                               </a:rPr>
                               <m:t>𝑅</m:t>
@@ -19803,18 +20170,12 @@
                           <m:sub>
                             <m:r>
                               <a:rPr lang="en-US" i="1">
-                                <a:solidFill>
-                                  <a:srgbClr val="C00000"/>
-                                </a:solidFill>
                                 <a:latin typeface="Cambria Math" panose="02040503050406030204" pitchFamily="18" charset="0"/>
                               </a:rPr>
                               <m:t>𝑡</m:t>
                             </m:r>
                             <m:r>
                               <a:rPr lang="en-US" i="1">
-                                <a:solidFill>
-                                  <a:srgbClr val="C00000"/>
-                                </a:solidFill>
                                 <a:latin typeface="Cambria Math" panose="02040503050406030204" pitchFamily="18" charset="0"/>
                               </a:rPr>
                               <m:t>+1</m:t>
@@ -19823,18 +20184,12 @@
                         </m:sSub>
                         <m:r>
                           <a:rPr lang="en-US" i="1">
-                            <a:solidFill>
-                              <a:srgbClr val="C00000"/>
-                            </a:solidFill>
                             <a:latin typeface="Cambria Math" panose="02040503050406030204" pitchFamily="18" charset="0"/>
                           </a:rPr>
                           <m:t>+</m:t>
                         </m:r>
                         <m:r>
                           <a:rPr lang="en-US" i="1">
-                            <a:solidFill>
-                              <a:srgbClr val="C00000"/>
-                            </a:solidFill>
                             <a:latin typeface="Cambria Math" panose="02040503050406030204" pitchFamily="18" charset="0"/>
                           </a:rPr>
                           <m:t>𝛾</m:t>
@@ -19843,30 +20198,21 @@
                           <m:sSubPr>
                             <m:ctrlPr>
                               <a:rPr lang="en-US" i="1">
-                                <a:solidFill>
-                                  <a:srgbClr val="C00000"/>
-                                </a:solidFill>
                                 <a:latin typeface="Cambria Math" panose="02040503050406030204" pitchFamily="18" charset="0"/>
                               </a:rPr>
                             </m:ctrlPr>
                           </m:sSubPr>
                           <m:e>
                             <m:r>
-                              <a:rPr lang="en-US" b="0" i="1" smtClean="0">
-                                <a:solidFill>
-                                  <a:srgbClr val="C00000"/>
-                                </a:solidFill>
-                                <a:latin typeface="Cambria Math" panose="02040503050406030204" pitchFamily="18" charset="0"/>
-                              </a:rPr>
-                              <m:t>𝑣</m:t>
+                              <a:rPr lang="en-US" i="1">
+                                <a:latin typeface="Cambria Math" panose="02040503050406030204" pitchFamily="18" charset="0"/>
+                              </a:rPr>
+                              <m:t>𝑞</m:t>
                             </m:r>
                           </m:e>
                           <m:sub>
                             <m:r>
                               <a:rPr lang="en-US" i="1">
-                                <a:solidFill>
-                                  <a:srgbClr val="C00000"/>
-                                </a:solidFill>
                                 <a:latin typeface="Cambria Math" panose="02040503050406030204" pitchFamily="18" charset="0"/>
                               </a:rPr>
                               <m:t>𝜋</m:t>
@@ -19877,14 +20223,178 @@
                           <m:dPr>
                             <m:ctrlPr>
                               <a:rPr lang="en-US" i="1">
-                                <a:solidFill>
-                                  <a:srgbClr val="C00000"/>
-                                </a:solidFill>
                                 <a:latin typeface="Cambria Math" panose="02040503050406030204" pitchFamily="18" charset="0"/>
                               </a:rPr>
                             </m:ctrlPr>
                           </m:dPr>
                           <m:e>
+                            <m:sSub>
+                              <m:sSubPr>
+                                <m:ctrlPr>
+                                  <a:rPr lang="en-US" i="1">
+                                    <a:latin typeface="Cambria Math" panose="02040503050406030204" pitchFamily="18" charset="0"/>
+                                  </a:rPr>
+                                </m:ctrlPr>
+                              </m:sSubPr>
+                              <m:e>
+                                <m:r>
+                                  <a:rPr lang="en-US" i="1">
+                                    <a:latin typeface="Cambria Math" panose="02040503050406030204" pitchFamily="18" charset="0"/>
+                                  </a:rPr>
+                                  <m:t>𝑆</m:t>
+                                </m:r>
+                              </m:e>
+                              <m:sub>
+                                <m:r>
+                                  <a:rPr lang="en-US" i="1">
+                                    <a:latin typeface="Cambria Math" panose="02040503050406030204" pitchFamily="18" charset="0"/>
+                                  </a:rPr>
+                                  <m:t>𝑡</m:t>
+                                </m:r>
+                                <m:r>
+                                  <a:rPr lang="en-US" i="1">
+                                    <a:latin typeface="Cambria Math" panose="02040503050406030204" pitchFamily="18" charset="0"/>
+                                  </a:rPr>
+                                  <m:t>+1</m:t>
+                                </m:r>
+                              </m:sub>
+                            </m:sSub>
+                            <m:r>
+                              <a:rPr lang="en-US" i="1">
+                                <a:latin typeface="Cambria Math" panose="02040503050406030204" pitchFamily="18" charset="0"/>
+                              </a:rPr>
+                              <m:t>,</m:t>
+                            </m:r>
+                            <m:sSub>
+                              <m:sSubPr>
+                                <m:ctrlPr>
+                                  <a:rPr lang="en-US" i="1">
+                                    <a:latin typeface="Cambria Math" panose="02040503050406030204" pitchFamily="18" charset="0"/>
+                                  </a:rPr>
+                                </m:ctrlPr>
+                              </m:sSubPr>
+                              <m:e>
+                                <m:r>
+                                  <a:rPr lang="en-US" i="1">
+                                    <a:latin typeface="Cambria Math" panose="02040503050406030204" pitchFamily="18" charset="0"/>
+                                  </a:rPr>
+                                  <m:t>𝐴</m:t>
+                                </m:r>
+                              </m:e>
+                              <m:sub>
+                                <m:r>
+                                  <a:rPr lang="en-US" i="1">
+                                    <a:latin typeface="Cambria Math" panose="02040503050406030204" pitchFamily="18" charset="0"/>
+                                  </a:rPr>
+                                  <m:t>𝑡</m:t>
+                                </m:r>
+                                <m:r>
+                                  <a:rPr lang="en-US" i="1">
+                                    <a:latin typeface="Cambria Math" panose="02040503050406030204" pitchFamily="18" charset="0"/>
+                                  </a:rPr>
+                                  <m:t>+1</m:t>
+                                </m:r>
+                              </m:sub>
+                            </m:sSub>
+                          </m:e>
+                        </m:d>
+                        <m:d>
+                          <m:dPr>
+                            <m:begChr m:val="|"/>
+                            <m:endChr m:val="|"/>
+                            <m:ctrlPr>
+                              <a:rPr lang="en-US" i="1">
+                                <a:latin typeface="Cambria Math" panose="02040503050406030204" pitchFamily="18" charset="0"/>
+                              </a:rPr>
+                            </m:ctrlPr>
+                          </m:dPr>
+                          <m:e>
+                            <m:sSub>
+                              <m:sSubPr>
+                                <m:ctrlPr>
+                                  <a:rPr lang="en-US" i="1">
+                                    <a:latin typeface="Cambria Math" panose="02040503050406030204" pitchFamily="18" charset="0"/>
+                                  </a:rPr>
+                                </m:ctrlPr>
+                              </m:sSubPr>
+                              <m:e>
+                                <m:r>
+                                  <a:rPr lang="en-US" i="1">
+                                    <a:latin typeface="Cambria Math" panose="02040503050406030204" pitchFamily="18" charset="0"/>
+                                  </a:rPr>
+                                  <m:t>𝑆</m:t>
+                                </m:r>
+                              </m:e>
+                              <m:sub>
+                                <m:r>
+                                  <a:rPr lang="en-US" i="1">
+                                    <a:latin typeface="Cambria Math" panose="02040503050406030204" pitchFamily="18" charset="0"/>
+                                  </a:rPr>
+                                  <m:t>𝑡</m:t>
+                                </m:r>
+                              </m:sub>
+                            </m:sSub>
+                            <m:r>
+                              <a:rPr lang="en-US" i="1">
+                                <a:latin typeface="Cambria Math" panose="02040503050406030204" pitchFamily="18" charset="0"/>
+                              </a:rPr>
+                              <m:t>=</m:t>
+                            </m:r>
+                            <m:r>
+                              <a:rPr lang="en-US" i="1">
+                                <a:latin typeface="Cambria Math" panose="02040503050406030204" pitchFamily="18" charset="0"/>
+                              </a:rPr>
+                              <m:t>𝑠</m:t>
+                            </m:r>
+                            <m:r>
+                              <a:rPr lang="en-US" i="1">
+                                <a:latin typeface="Cambria Math" panose="02040503050406030204" pitchFamily="18" charset="0"/>
+                              </a:rPr>
+                              <m:t>, </m:t>
+                            </m:r>
+                            <m:sSub>
+                              <m:sSubPr>
+                                <m:ctrlPr>
+                                  <a:rPr lang="en-US" i="1">
+                                    <a:latin typeface="Cambria Math" panose="02040503050406030204" pitchFamily="18" charset="0"/>
+                                  </a:rPr>
+                                </m:ctrlPr>
+                              </m:sSubPr>
+                              <m:e>
+                                <m:r>
+                                  <a:rPr lang="en-US" i="1">
+                                    <a:latin typeface="Cambria Math" panose="02040503050406030204" pitchFamily="18" charset="0"/>
+                                  </a:rPr>
+                                  <m:t>𝐴</m:t>
+                                </m:r>
+                              </m:e>
+                              <m:sub>
+                                <m:r>
+                                  <a:rPr lang="en-US" i="1">
+                                    <a:latin typeface="Cambria Math" panose="02040503050406030204" pitchFamily="18" charset="0"/>
+                                  </a:rPr>
+                                  <m:t>𝑡</m:t>
+                                </m:r>
+                              </m:sub>
+                            </m:sSub>
+                            <m:r>
+                              <a:rPr lang="en-US" i="1">
+                                <a:latin typeface="Cambria Math" panose="02040503050406030204" pitchFamily="18" charset="0"/>
+                              </a:rPr>
+                              <m:t>=</m:t>
+                            </m:r>
+                            <m:r>
+                              <a:rPr lang="en-US" i="1">
+                                <a:latin typeface="Cambria Math" panose="02040503050406030204" pitchFamily="18" charset="0"/>
+                              </a:rPr>
+                              <m:t>𝑎</m:t>
+                            </m:r>
+                            <m:r>
+                              <a:rPr lang="en-US" b="0" i="1" smtClean="0">
+                                <a:latin typeface="Cambria Math" panose="02040503050406030204" pitchFamily="18" charset="0"/>
+                              </a:rPr>
+                              <m:t>−</m:t>
+                            </m:r>
                             <m:sSub>
                               <m:sSubPr>
                                 <m:ctrlPr>
@@ -19904,7 +20414,7 @@
                                     </a:solidFill>
                                     <a:latin typeface="Cambria Math" panose="02040503050406030204" pitchFamily="18" charset="0"/>
                                   </a:rPr>
-                                  <m:t>𝑆</m:t>
+                                  <m:t>𝑅</m:t>
                                 </m:r>
                               </m:e>
                               <m:sub>
@@ -19928,17 +20438,117 @@
                                 </m:r>
                               </m:sub>
                             </m:sSub>
+                            <m:r>
+                              <a:rPr lang="en-US" i="1">
+                                <a:solidFill>
+                                  <a:srgbClr val="C00000"/>
+                                </a:solidFill>
+                                <a:latin typeface="Cambria Math" panose="02040503050406030204" pitchFamily="18" charset="0"/>
+                              </a:rPr>
+                              <m:t>+</m:t>
+                            </m:r>
+                            <m:r>
+                              <a:rPr lang="en-US" i="1">
+                                <a:solidFill>
+                                  <a:srgbClr val="C00000"/>
+                                </a:solidFill>
+                                <a:latin typeface="Cambria Math" panose="02040503050406030204" pitchFamily="18" charset="0"/>
+                              </a:rPr>
+                              <m:t>𝛾</m:t>
+                            </m:r>
+                            <m:sSub>
+                              <m:sSubPr>
+                                <m:ctrlPr>
+                                  <a:rPr lang="en-US" i="1">
+                                    <a:solidFill>
+                                      <a:srgbClr val="C00000"/>
+                                    </a:solidFill>
+                                    <a:latin typeface="Cambria Math" panose="02040503050406030204" pitchFamily="18" charset="0"/>
+                                  </a:rPr>
+                                </m:ctrlPr>
+                              </m:sSubPr>
+                              <m:e>
+                                <m:r>
+                                  <a:rPr lang="en-US" i="1">
+                                    <a:solidFill>
+                                      <a:srgbClr val="C00000"/>
+                                    </a:solidFill>
+                                    <a:latin typeface="Cambria Math" panose="02040503050406030204" pitchFamily="18" charset="0"/>
+                                  </a:rPr>
+                                  <m:t>𝑣</m:t>
+                                </m:r>
+                              </m:e>
+                              <m:sub>
+                                <m:r>
+                                  <a:rPr lang="en-US" i="1">
+                                    <a:solidFill>
+                                      <a:srgbClr val="C00000"/>
+                                    </a:solidFill>
+                                    <a:latin typeface="Cambria Math" panose="02040503050406030204" pitchFamily="18" charset="0"/>
+                                  </a:rPr>
+                                  <m:t>𝜋</m:t>
+                                </m:r>
+                              </m:sub>
+                            </m:sSub>
+                            <m:d>
+                              <m:dPr>
+                                <m:ctrlPr>
+                                  <a:rPr lang="en-US" i="1">
+                                    <a:solidFill>
+                                      <a:srgbClr val="C00000"/>
+                                    </a:solidFill>
+                                    <a:latin typeface="Cambria Math" panose="02040503050406030204" pitchFamily="18" charset="0"/>
+                                  </a:rPr>
+                                </m:ctrlPr>
+                              </m:dPr>
+                              <m:e>
+                                <m:sSub>
+                                  <m:sSubPr>
+                                    <m:ctrlPr>
+                                      <a:rPr lang="en-US" i="1">
+                                        <a:solidFill>
+                                          <a:srgbClr val="C00000"/>
+                                        </a:solidFill>
+                                        <a:latin typeface="Cambria Math" panose="02040503050406030204" pitchFamily="18" charset="0"/>
+                                      </a:rPr>
+                                    </m:ctrlPr>
+                                  </m:sSubPr>
+                                  <m:e>
+                                    <m:r>
+                                      <a:rPr lang="en-US" i="1">
+                                        <a:solidFill>
+                                          <a:srgbClr val="C00000"/>
+                                        </a:solidFill>
+                                        <a:latin typeface="Cambria Math" panose="02040503050406030204" pitchFamily="18" charset="0"/>
+                                      </a:rPr>
+                                      <m:t>𝑆</m:t>
+                                    </m:r>
+                                  </m:e>
+                                  <m:sub>
+                                    <m:r>
+                                      <a:rPr lang="en-US" i="1">
+                                        <a:solidFill>
+                                          <a:srgbClr val="C00000"/>
+                                        </a:solidFill>
+                                        <a:latin typeface="Cambria Math" panose="02040503050406030204" pitchFamily="18" charset="0"/>
+                                      </a:rPr>
+                                      <m:t>𝑡</m:t>
+                                    </m:r>
+                                    <m:r>
+                                      <a:rPr lang="en-US" i="1">
+                                        <a:solidFill>
+                                          <a:srgbClr val="C00000"/>
+                                        </a:solidFill>
+                                        <a:latin typeface="Cambria Math" panose="02040503050406030204" pitchFamily="18" charset="0"/>
+                                      </a:rPr>
+                                      <m:t>+1</m:t>
+                                    </m:r>
+                                  </m:sub>
+                                </m:sSub>
+                              </m:e>
+                            </m:d>
                           </m:e>
                         </m:d>
-                        <m:r>
-                          <a:rPr lang="en-US" i="1">
-                            <a:solidFill>
-                              <a:srgbClr val="C00000"/>
-                            </a:solidFill>
-                            <a:latin typeface="Cambria Math" panose="02040503050406030204" pitchFamily="18" charset="0"/>
-                          </a:rPr>
-                          <m:t>|</m:t>
-                        </m:r>
                         <m:sSub>
                           <m:sSubPr>
                             <m:ctrlPr>
@@ -19998,15 +20608,110 @@
                             </a:solidFill>
                             <a:latin typeface="Cambria Math" panose="02040503050406030204" pitchFamily="18" charset="0"/>
                           </a:rPr>
-                          <m:t>, </m:t>
+                          <m:t>−</m:t>
+                        </m:r>
+                        <m:sSub>
+                          <m:sSubPr>
+                            <m:ctrlPr>
+                              <a:rPr lang="en-US" i="1">
+                                <a:latin typeface="Cambria Math" panose="02040503050406030204" pitchFamily="18" charset="0"/>
+                              </a:rPr>
+                            </m:ctrlPr>
+                          </m:sSubPr>
+                          <m:e>
+                            <m:r>
+                              <a:rPr lang="en-US" i="1">
+                                <a:latin typeface="Cambria Math" panose="02040503050406030204" pitchFamily="18" charset="0"/>
+                              </a:rPr>
+                              <m:t>𝑞</m:t>
+                            </m:r>
+                          </m:e>
+                          <m:sub>
+                            <m:r>
+                              <a:rPr lang="en-US" i="1">
+                                <a:latin typeface="Cambria Math" panose="02040503050406030204" pitchFamily="18" charset="0"/>
+                              </a:rPr>
+                              <m:t>𝜋</m:t>
+                            </m:r>
+                          </m:sub>
+                        </m:sSub>
+                        <m:d>
+                          <m:dPr>
+                            <m:ctrlPr>
+                              <a:rPr lang="en-US" i="1">
+                                <a:latin typeface="Cambria Math" panose="02040503050406030204" pitchFamily="18" charset="0"/>
+                              </a:rPr>
+                            </m:ctrlPr>
+                          </m:dPr>
+                          <m:e>
+                            <m:sSub>
+                              <m:sSubPr>
+                                <m:ctrlPr>
+                                  <a:rPr lang="en-US" i="1">
+                                    <a:latin typeface="Cambria Math" panose="02040503050406030204" pitchFamily="18" charset="0"/>
+                                  </a:rPr>
+                                </m:ctrlPr>
+                              </m:sSubPr>
+                              <m:e>
+                                <m:r>
+                                  <a:rPr lang="en-US" i="1">
+                                    <a:latin typeface="Cambria Math" panose="02040503050406030204" pitchFamily="18" charset="0"/>
+                                  </a:rPr>
+                                  <m:t>𝑆</m:t>
+                                </m:r>
+                              </m:e>
+                              <m:sub>
+                                <m:r>
+                                  <a:rPr lang="en-US" i="1">
+                                    <a:latin typeface="Cambria Math" panose="02040503050406030204" pitchFamily="18" charset="0"/>
+                                  </a:rPr>
+                                  <m:t>𝑡</m:t>
+                                </m:r>
+                              </m:sub>
+                            </m:sSub>
+                            <m:r>
+                              <a:rPr lang="en-US" i="1">
+                                <a:latin typeface="Cambria Math" panose="02040503050406030204" pitchFamily="18" charset="0"/>
+                              </a:rPr>
+                              <m:t>,</m:t>
+                            </m:r>
+                            <m:sSub>
+                              <m:sSubPr>
+                                <m:ctrlPr>
+                                  <a:rPr lang="en-US" i="1">
+                                    <a:latin typeface="Cambria Math" panose="02040503050406030204" pitchFamily="18" charset="0"/>
+                                  </a:rPr>
+                                </m:ctrlPr>
+                              </m:sSubPr>
+                              <m:e>
+                                <m:r>
+                                  <a:rPr lang="en-US" i="1">
+                                    <a:latin typeface="Cambria Math" panose="02040503050406030204" pitchFamily="18" charset="0"/>
+                                  </a:rPr>
+                                  <m:t>𝐴</m:t>
+                                </m:r>
+                              </m:e>
+                              <m:sub>
+                                <m:r>
+                                  <a:rPr lang="en-US" i="1">
+                                    <a:latin typeface="Cambria Math" panose="02040503050406030204" pitchFamily="18" charset="0"/>
+                                  </a:rPr>
+                                  <m:t>𝑡</m:t>
+                                </m:r>
+                              </m:sub>
+                            </m:sSub>
+                          </m:e>
+                        </m:d>
+                        <m:r>
+                          <a:rPr lang="en-US" b="0" i="1" smtClean="0">
+                            <a:latin typeface="Cambria Math" panose="02040503050406030204" pitchFamily="18" charset="0"/>
+                          </a:rPr>
+                          <m:t>+</m:t>
                         </m:r>
                         <m:sSub>
                           <m:sSubPr>
                             <m:ctrlPr>
                               <a:rPr lang="en-US" b="0" i="1" smtClean="0">
-                                <a:solidFill>
-                                  <a:srgbClr val="C00000"/>
-                                </a:solidFill>
                                 <a:latin typeface="Cambria Math" panose="02040503050406030204" pitchFamily="18" charset="0"/>
                               </a:rPr>
                             </m:ctrlPr>
@@ -20014,9 +20719,68 @@
                           <m:e>
                             <m:r>
                               <a:rPr lang="en-US" b="0" i="1" smtClean="0">
-                                <a:solidFill>
-                                  <a:srgbClr val="C00000"/>
-                                </a:solidFill>
+                                <a:latin typeface="Cambria Math" panose="02040503050406030204" pitchFamily="18" charset="0"/>
+                              </a:rPr>
+                              <m:t>𝑣</m:t>
+                            </m:r>
+                          </m:e>
+                          <m:sub>
+                            <m:r>
+                              <a:rPr lang="en-US" b="0" i="1" smtClean="0">
+                                <a:latin typeface="Cambria Math" panose="02040503050406030204" pitchFamily="18" charset="0"/>
+                              </a:rPr>
+                              <m:t>𝜋</m:t>
+                            </m:r>
+                          </m:sub>
+                        </m:sSub>
+                        <m:r>
+                          <a:rPr lang="en-US" b="0" i="1" smtClean="0">
+                            <a:latin typeface="Cambria Math" panose="02040503050406030204" pitchFamily="18" charset="0"/>
+                          </a:rPr>
+                          <m:t>(</m:t>
+                        </m:r>
+                        <m:sSub>
+                          <m:sSubPr>
+                            <m:ctrlPr>
+                              <a:rPr lang="en-US" i="1">
+                                <a:latin typeface="Cambria Math" panose="02040503050406030204" pitchFamily="18" charset="0"/>
+                              </a:rPr>
+                            </m:ctrlPr>
+                          </m:sSubPr>
+                          <m:e>
+                            <m:r>
+                              <a:rPr lang="en-US" i="1">
+                                <a:latin typeface="Cambria Math" panose="02040503050406030204" pitchFamily="18" charset="0"/>
+                              </a:rPr>
+                              <m:t>𝑆</m:t>
+                            </m:r>
+                          </m:e>
+                          <m:sub>
+                            <m:r>
+                              <a:rPr lang="en-US" i="1">
+                                <a:latin typeface="Cambria Math" panose="02040503050406030204" pitchFamily="18" charset="0"/>
+                              </a:rPr>
+                              <m:t>𝑡</m:t>
+                            </m:r>
+                          </m:sub>
+                        </m:sSub>
+                        <m:r>
+                          <a:rPr lang="en-US" i="1">
+                            <a:latin typeface="Cambria Math" panose="02040503050406030204" pitchFamily="18" charset="0"/>
+                          </a:rPr>
+                          <m:t>,</m:t>
+                        </m:r>
+                        <m:sSub>
+                          <m:sSubPr>
+                            <m:ctrlPr>
+                              <a:rPr lang="en-US" i="1">
+                                <a:latin typeface="Cambria Math" panose="02040503050406030204" pitchFamily="18" charset="0"/>
+                              </a:rPr>
+                            </m:ctrlPr>
+                          </m:sSubPr>
+                          <m:e>
+                            <m:r>
+                              <a:rPr lang="en-US" i="1">
                                 <a:latin typeface="Cambria Math" panose="02040503050406030204" pitchFamily="18" charset="0"/>
                               </a:rPr>
                               <m:t>𝐴</m:t>
@@ -20024,10 +20788,7 @@
                           </m:e>
                           <m:sub>
                             <m:r>
-                              <a:rPr lang="en-US" b="0" i="1" smtClean="0">
-                                <a:solidFill>
-                                  <a:srgbClr val="C00000"/>
-                                </a:solidFill>
+                              <a:rPr lang="en-US" i="1">
                                 <a:latin typeface="Cambria Math" panose="02040503050406030204" pitchFamily="18" charset="0"/>
                               </a:rPr>
                               <m:t>𝑡</m:t>
@@ -20036,29 +20797,31 @@
                         </m:sSub>
                         <m:r>
                           <a:rPr lang="en-US" b="0" i="1" smtClean="0">
-                            <a:solidFill>
-                              <a:srgbClr val="C00000"/>
-                            </a:solidFill>
-                            <a:latin typeface="Cambria Math" panose="02040503050406030204" pitchFamily="18" charset="0"/>
-                          </a:rPr>
-                          <m:t>=</m:t>
-                        </m:r>
-                        <m:r>
-                          <a:rPr lang="en-US" b="0" i="1" smtClean="0">
-                            <a:solidFill>
-                              <a:srgbClr val="C00000"/>
-                            </a:solidFill>
-                            <a:latin typeface="Cambria Math" panose="02040503050406030204" pitchFamily="18" charset="0"/>
-                          </a:rPr>
-                          <m:t>𝑎</m:t>
+                            <a:latin typeface="Cambria Math" panose="02040503050406030204" pitchFamily="18" charset="0"/>
+                          </a:rPr>
+                          <m:t>)</m:t>
                         </m:r>
                       </m:e>
                     </m:d>
+                    <m:r>
+                      <a:rPr lang="en-US" b="0" i="1" smtClean="0">
+                        <a:latin typeface="Cambria Math" panose="02040503050406030204" pitchFamily="18" charset="0"/>
+                      </a:rPr>
+                      <m:t>=</m:t>
+                    </m:r>
                   </m:oMath>
                 </a14:m>
                 <a:endParaRPr lang="en-US" dirty="0">
                   <a:solidFill>
-                    <a:schemeClr val="tx1"/>
+                    <a:srgbClr val="C00000"/>
+                  </a:solidFill>
+                </a:endParaRPr>
+              </a:p>
+              <a:p>
+                <a:pPr lvl="1"/>
+                <a:endParaRPr lang="en-US" dirty="0">
+                  <a:solidFill>
+                    <a:srgbClr val="C00000"/>
                   </a:solidFill>
                 </a:endParaRPr>
               </a:p>
@@ -20086,7 +20849,7 @@
               <a:blipFill>
                 <a:blip r:embed="rId3"/>
                 <a:stretch>
-                  <a:fillRect l="-621" t="-1756"/>
+                  <a:fillRect l="-414" t="-1639"/>
                 </a:stretch>
               </a:blipFill>
             </p:spPr>
@@ -29283,12 +30046,6 @@
 </file>
 
 <file path=customXml/item1.xml><?xml version="1.0" encoding="utf-8"?>
-<p:properties xmlns:p="http://schemas.microsoft.com/office/2006/metadata/properties" xmlns:xsi="http://www.w3.org/2001/XMLSchema-instance" xmlns:pc="http://schemas.microsoft.com/office/infopath/2007/PartnerControls">
-  <documentManagement/>
-</p:properties>
-</file>
-
-<file path=customXml/item2.xml><?xml version="1.0" encoding="utf-8"?>
 <ct:contentTypeSchema xmlns:ct="http://schemas.microsoft.com/office/2006/metadata/contentType" xmlns:ma="http://schemas.microsoft.com/office/2006/metadata/properties/metaAttributes" ct:_="" ma:_="" ma:contentTypeName="Document" ma:contentTypeID="0x01010004C9F4636FD8CF4DBA576E51CE9A9557" ma:contentTypeVersion="12" ma:contentTypeDescription="Create a new document." ma:contentTypeScope="" ma:versionID="c335fd21f2fe76e29ebd247bba84ba96">
   <xsd:schema xmlns:xsd="http://www.w3.org/2001/XMLSchema" xmlns:xs="http://www.w3.org/2001/XMLSchema" xmlns:p="http://schemas.microsoft.com/office/2006/metadata/properties" xmlns:ns3="221e1496-d443-4306-ad63-a100e0046a13" xmlns:ns4="60aad371-894b-4a9b-aa6a-3fd9336d4f3f" targetNamespace="http://schemas.microsoft.com/office/2006/metadata/properties" ma:root="true" ma:fieldsID="4cb030868c90a59dc09b4c74f925c173" ns3:_="" ns4:_="">
     <xsd:import namespace="221e1496-d443-4306-ad63-a100e0046a13"/>
@@ -29505,6 +30262,12 @@
 </ct:contentTypeSchema>
 </file>
 
+<file path=customXml/item2.xml><?xml version="1.0" encoding="utf-8"?>
+<p:properties xmlns:p="http://schemas.microsoft.com/office/2006/metadata/properties" xmlns:xsi="http://www.w3.org/2001/XMLSchema-instance" xmlns:pc="http://schemas.microsoft.com/office/infopath/2007/PartnerControls">
+  <documentManagement/>
+</p:properties>
+</file>
+
 <file path=customXml/item3.xml><?xml version="1.0" encoding="utf-8"?>
 <?mso-contentType ?>
 <FormTemplates xmlns="http://schemas.microsoft.com/sharepoint/v3/contenttype/forms">
@@ -29515,23 +30278,6 @@
 </file>
 
 <file path=customXml/itemProps1.xml><?xml version="1.0" encoding="utf-8"?>
-<ds:datastoreItem xmlns:ds="http://schemas.openxmlformats.org/officeDocument/2006/customXml" ds:itemID="{6B8D1CD2-3289-4F40-8C3A-CFDE35750563}">
-  <ds:schemaRefs>
-    <ds:schemaRef ds:uri="http://schemas.microsoft.com/office/2006/documentManagement/types"/>
-    <ds:schemaRef ds:uri="http://purl.org/dc/elements/1.1/"/>
-    <ds:schemaRef ds:uri="http://schemas.microsoft.com/office/2006/metadata/properties"/>
-    <ds:schemaRef ds:uri="http://schemas.openxmlformats.org/package/2006/metadata/core-properties"/>
-    <ds:schemaRef ds:uri="http://purl.org/dc/dcmitype/"/>
-    <ds:schemaRef ds:uri="http://purl.org/dc/terms/"/>
-    <ds:schemaRef ds:uri="http://www.w3.org/XML/1998/namespace"/>
-    <ds:schemaRef ds:uri="http://schemas.microsoft.com/office/infopath/2007/PartnerControls"/>
-    <ds:schemaRef ds:uri="60aad371-894b-4a9b-aa6a-3fd9336d4f3f"/>
-    <ds:schemaRef ds:uri="221e1496-d443-4306-ad63-a100e0046a13"/>
-  </ds:schemaRefs>
-</ds:datastoreItem>
-</file>
-
-<file path=customXml/itemProps2.xml><?xml version="1.0" encoding="utf-8"?>
 <ds:datastoreItem xmlns:ds="http://schemas.openxmlformats.org/officeDocument/2006/customXml" ds:itemID="{6F97E12F-14DB-4E96-B5EF-03E9057A64B5}">
   <ds:schemaRefs>
     <ds:schemaRef ds:uri="http://schemas.microsoft.com/office/2006/metadata/contentType"/>
@@ -29550,6 +30296,23 @@
 </ds:datastoreItem>
 </file>
 
+<file path=customXml/itemProps2.xml><?xml version="1.0" encoding="utf-8"?>
+<ds:datastoreItem xmlns:ds="http://schemas.openxmlformats.org/officeDocument/2006/customXml" ds:itemID="{6B8D1CD2-3289-4F40-8C3A-CFDE35750563}">
+  <ds:schemaRefs>
+    <ds:schemaRef ds:uri="http://schemas.microsoft.com/office/2006/documentManagement/types"/>
+    <ds:schemaRef ds:uri="http://purl.org/dc/elements/1.1/"/>
+    <ds:schemaRef ds:uri="http://schemas.microsoft.com/office/2006/metadata/properties"/>
+    <ds:schemaRef ds:uri="http://schemas.openxmlformats.org/package/2006/metadata/core-properties"/>
+    <ds:schemaRef ds:uri="http://purl.org/dc/dcmitype/"/>
+    <ds:schemaRef ds:uri="http://purl.org/dc/terms/"/>
+    <ds:schemaRef ds:uri="http://www.w3.org/XML/1998/namespace"/>
+    <ds:schemaRef ds:uri="http://schemas.microsoft.com/office/infopath/2007/PartnerControls"/>
+    <ds:schemaRef ds:uri="60aad371-894b-4a9b-aa6a-3fd9336d4f3f"/>
+    <ds:schemaRef ds:uri="221e1496-d443-4306-ad63-a100e0046a13"/>
+  </ds:schemaRefs>
+</ds:datastoreItem>
+</file>
+
 <file path=customXml/itemProps3.xml><?xml version="1.0" encoding="utf-8"?>
 <ds:datastoreItem xmlns:ds="http://schemas.openxmlformats.org/officeDocument/2006/customXml" ds:itemID="{C57B2AAA-3E84-49CC-BE6D-CB4399E554EF}">
   <ds:schemaRefs>

--- a/PPTs/bak/UMU SDC TODO.pptx
+++ b/PPTs/bak/UMU SDC TODO.pptx
@@ -5,27 +5,29 @@
     <p:sldMasterId id="2147483648" r:id="rId4"/>
   </p:sldMasterIdLst>
   <p:notesMasterIdLst>
-    <p:notesMasterId r:id="rId23"/>
+    <p:notesMasterId r:id="rId25"/>
   </p:notesMasterIdLst>
   <p:sldIdLst>
     <p:sldId id="256" r:id="rId5"/>
-    <p:sldId id="1170" r:id="rId6"/>
-    <p:sldId id="1169" r:id="rId7"/>
-    <p:sldId id="825" r:id="rId8"/>
-    <p:sldId id="1132" r:id="rId9"/>
-    <p:sldId id="1040" r:id="rId10"/>
-    <p:sldId id="909" r:id="rId11"/>
-    <p:sldId id="1166" r:id="rId12"/>
-    <p:sldId id="1167" r:id="rId13"/>
-    <p:sldId id="258" r:id="rId14"/>
-    <p:sldId id="1113" r:id="rId15"/>
-    <p:sldId id="1165" r:id="rId16"/>
-    <p:sldId id="1163" r:id="rId17"/>
-    <p:sldId id="894" r:id="rId18"/>
-    <p:sldId id="257" r:id="rId19"/>
-    <p:sldId id="389" r:id="rId20"/>
-    <p:sldId id="1047" r:id="rId21"/>
-    <p:sldId id="1168" r:id="rId22"/>
+    <p:sldId id="1173" r:id="rId6"/>
+    <p:sldId id="1170" r:id="rId7"/>
+    <p:sldId id="1171" r:id="rId8"/>
+    <p:sldId id="1172" r:id="rId9"/>
+    <p:sldId id="825" r:id="rId10"/>
+    <p:sldId id="1132" r:id="rId11"/>
+    <p:sldId id="1040" r:id="rId12"/>
+    <p:sldId id="909" r:id="rId13"/>
+    <p:sldId id="1166" r:id="rId14"/>
+    <p:sldId id="1167" r:id="rId15"/>
+    <p:sldId id="258" r:id="rId16"/>
+    <p:sldId id="1113" r:id="rId17"/>
+    <p:sldId id="1165" r:id="rId18"/>
+    <p:sldId id="1163" r:id="rId19"/>
+    <p:sldId id="894" r:id="rId20"/>
+    <p:sldId id="257" r:id="rId21"/>
+    <p:sldId id="389" r:id="rId22"/>
+    <p:sldId id="1047" r:id="rId23"/>
+    <p:sldId id="1168" r:id="rId24"/>
   </p:sldIdLst>
   <p:sldSz cx="9144000" cy="6858000" type="screen4x3"/>
   <p:notesSz cx="6858000" cy="9144000"/>
@@ -279,7 +281,7 @@
             <a:fld id="{7C0CEB4B-0D62-444C-A05C-70565453F06B}" type="datetimeFigureOut">
               <a:rPr lang="en-US" smtClean="0"/>
               <a:pPr/>
-              <a:t>5/26/2021</a:t>
+              <a:t>5/27/2021</a:t>
             </a:fld>
             <a:endParaRPr lang="en-US"/>
           </a:p>
@@ -672,977 +674,6 @@
               <a:bodyPr/>
               <a:lstStyle/>
               <a:p>
-                <a:pPr marL="0" marR="0" lvl="0" indent="0" algn="l" defTabSz="914400" rtl="0" eaLnBrk="1" fontAlgn="auto" latinLnBrk="0" hangingPunct="1">
-                  <a:lnSpc>
-                    <a:spcPct val="100000"/>
-                  </a:lnSpc>
-                  <a:spcBef>
-                    <a:spcPts val="0"/>
-                  </a:spcBef>
-                  <a:spcAft>
-                    <a:spcPts val="0"/>
-                  </a:spcAft>
-                  <a:buClrTx/>
-                  <a:buSzTx/>
-                  <a:buFontTx/>
-                  <a:buNone/>
-                  <a:tabLst/>
-                  <a:defRPr/>
-                </a:pPr>
-                <a:r>
-                  <a:rPr lang="en-US" dirty="0">
-                    <a:solidFill>
-                      <a:schemeClr val="tx1"/>
-                    </a:solidFill>
-                  </a:rPr>
-                  <a:t>Expected value starting from state </a:t>
-                </a:r>
-                <a14:m>
-                  <m:oMath xmlns:m="http://schemas.openxmlformats.org/officeDocument/2006/math">
-                    <m:r>
-                      <a:rPr lang="en-US" b="0" i="1" smtClean="0">
-                        <a:solidFill>
-                          <a:schemeClr val="tx1"/>
-                        </a:solidFill>
-                        <a:latin typeface="Cambria Math" panose="02040503050406030204" pitchFamily="18" charset="0"/>
-                      </a:rPr>
-                      <m:t>𝑠</m:t>
-                    </m:r>
-                  </m:oMath>
-                </a14:m>
-                <a:r>
-                  <a:rPr lang="en-US" dirty="0">
-                    <a:solidFill>
-                      <a:schemeClr val="tx1"/>
-                    </a:solidFill>
-                  </a:rPr>
-                  <a:t> and following policy </a:t>
-                </a:r>
-                <a14:m>
-                  <m:oMath xmlns:m="http://schemas.openxmlformats.org/officeDocument/2006/math">
-                    <m:r>
-                      <a:rPr lang="en-US" b="0" i="1" smtClean="0">
-                        <a:solidFill>
-                          <a:schemeClr val="tx1"/>
-                        </a:solidFill>
-                        <a:latin typeface="Cambria Math" panose="02040503050406030204" pitchFamily="18" charset="0"/>
-                      </a:rPr>
-                      <m:t>𝜋</m:t>
-                    </m:r>
-                  </m:oMath>
-                </a14:m>
-                <a:r>
-                  <a:rPr lang="en-US" dirty="0">
-                    <a:solidFill>
-                      <a:schemeClr val="tx1"/>
-                    </a:solidFill>
-                  </a:rPr>
-                  <a:t>.</a:t>
-                </a:r>
-              </a:p>
-              <a:p>
-                <a:pPr marL="0" marR="0" lvl="0" indent="0" algn="l" defTabSz="914400" rtl="0" eaLnBrk="1" fontAlgn="auto" latinLnBrk="0" hangingPunct="1">
-                  <a:lnSpc>
-                    <a:spcPct val="100000"/>
-                  </a:lnSpc>
-                  <a:spcBef>
-                    <a:spcPts val="0"/>
-                  </a:spcBef>
-                  <a:spcAft>
-                    <a:spcPts val="0"/>
-                  </a:spcAft>
-                  <a:buClrTx/>
-                  <a:buSzTx/>
-                  <a:buFontTx/>
-                  <a:buNone/>
-                  <a:tabLst/>
-                  <a:defRPr/>
-                </a:pPr>
-                <a14:m>
-                  <m:oMathPara xmlns:m="http://schemas.openxmlformats.org/officeDocument/2006/math">
-                    <m:oMathParaPr>
-                      <m:jc m:val="centerGroup"/>
-                    </m:oMathParaPr>
-                    <m:oMath xmlns:m="http://schemas.openxmlformats.org/officeDocument/2006/math">
-                      <m:sSub>
-                        <m:sSubPr>
-                          <m:ctrlPr>
-                            <a:rPr lang="en-US" i="1" smtClean="0">
-                              <a:solidFill>
-                                <a:srgbClr val="C00000"/>
-                              </a:solidFill>
-                              <a:latin typeface="Cambria Math" panose="02040503050406030204" pitchFamily="18" charset="0"/>
-                            </a:rPr>
-                          </m:ctrlPr>
-                        </m:sSubPr>
-                        <m:e>
-                          <m:r>
-                            <a:rPr lang="en-US" i="1">
-                              <a:solidFill>
-                                <a:srgbClr val="C00000"/>
-                              </a:solidFill>
-                              <a:latin typeface="Cambria Math" panose="02040503050406030204" pitchFamily="18" charset="0"/>
-                            </a:rPr>
-                            <m:t>𝑞</m:t>
-                          </m:r>
-                        </m:e>
-                        <m:sub>
-                          <m:r>
-                            <a:rPr lang="en-US" i="1">
-                              <a:solidFill>
-                                <a:srgbClr val="C00000"/>
-                              </a:solidFill>
-                              <a:latin typeface="Cambria Math" panose="02040503050406030204" pitchFamily="18" charset="0"/>
-                            </a:rPr>
-                            <m:t>𝜋</m:t>
-                          </m:r>
-                        </m:sub>
-                      </m:sSub>
-                      <m:d>
-                        <m:dPr>
-                          <m:ctrlPr>
-                            <a:rPr lang="en-US" i="1">
-                              <a:solidFill>
-                                <a:srgbClr val="C00000"/>
-                              </a:solidFill>
-                              <a:latin typeface="Cambria Math" panose="02040503050406030204" pitchFamily="18" charset="0"/>
-                            </a:rPr>
-                          </m:ctrlPr>
-                        </m:dPr>
-                        <m:e>
-                          <m:r>
-                            <a:rPr lang="en-US" i="1">
-                              <a:solidFill>
-                                <a:srgbClr val="C00000"/>
-                              </a:solidFill>
-                              <a:latin typeface="Cambria Math" panose="02040503050406030204" pitchFamily="18" charset="0"/>
-                            </a:rPr>
-                            <m:t>𝑠</m:t>
-                          </m:r>
-                          <m:r>
-                            <a:rPr lang="en-US" i="1">
-                              <a:solidFill>
-                                <a:srgbClr val="C00000"/>
-                              </a:solidFill>
-                              <a:latin typeface="Cambria Math" panose="02040503050406030204" pitchFamily="18" charset="0"/>
-                            </a:rPr>
-                            <m:t>,</m:t>
-                          </m:r>
-                          <m:r>
-                            <a:rPr lang="en-US" i="1">
-                              <a:solidFill>
-                                <a:srgbClr val="C00000"/>
-                              </a:solidFill>
-                              <a:latin typeface="Cambria Math" panose="02040503050406030204" pitchFamily="18" charset="0"/>
-                            </a:rPr>
-                            <m:t>𝑎</m:t>
-                          </m:r>
-                        </m:e>
-                      </m:d>
-                      <m:r>
-                        <a:rPr lang="en-US" i="1">
-                          <a:solidFill>
-                            <a:srgbClr val="C00000"/>
-                          </a:solidFill>
-                          <a:latin typeface="Cambria Math" panose="02040503050406030204" pitchFamily="18" charset="0"/>
-                        </a:rPr>
-                        <m:t>=</m:t>
-                      </m:r>
-                      <m:sSub>
-                        <m:sSubPr>
-                          <m:ctrlPr>
-                            <a:rPr lang="en-US" i="1">
-                              <a:solidFill>
-                                <a:srgbClr val="C00000"/>
-                              </a:solidFill>
-                              <a:latin typeface="Cambria Math" panose="02040503050406030204" pitchFamily="18" charset="0"/>
-                            </a:rPr>
-                          </m:ctrlPr>
-                        </m:sSubPr>
-                        <m:e>
-                          <m:r>
-                            <a:rPr lang="en-US" i="1">
-                              <a:solidFill>
-                                <a:srgbClr val="C00000"/>
-                              </a:solidFill>
-                              <a:latin typeface="Cambria Math" panose="02040503050406030204" pitchFamily="18" charset="0"/>
-                            </a:rPr>
-                            <m:t>𝔼</m:t>
-                          </m:r>
-                        </m:e>
-                        <m:sub>
-                          <m:r>
-                            <a:rPr lang="en-US" i="1">
-                              <a:solidFill>
-                                <a:srgbClr val="C00000"/>
-                              </a:solidFill>
-                              <a:latin typeface="Cambria Math" panose="02040503050406030204" pitchFamily="18" charset="0"/>
-                            </a:rPr>
-                            <m:t>𝜋</m:t>
-                          </m:r>
-                        </m:sub>
-                      </m:sSub>
-                      <m:d>
-                        <m:dPr>
-                          <m:begChr m:val="["/>
-                          <m:endChr m:val="]"/>
-                          <m:ctrlPr>
-                            <a:rPr lang="en-US" i="1">
-                              <a:solidFill>
-                                <a:srgbClr val="C00000"/>
-                              </a:solidFill>
-                              <a:latin typeface="Cambria Math" panose="02040503050406030204" pitchFamily="18" charset="0"/>
-                            </a:rPr>
-                          </m:ctrlPr>
-                        </m:dPr>
-                        <m:e>
-                          <m:sSub>
-                            <m:sSubPr>
-                              <m:ctrlPr>
-                                <a:rPr lang="en-US" i="1">
-                                  <a:solidFill>
-                                    <a:srgbClr val="C00000"/>
-                                  </a:solidFill>
-                                  <a:latin typeface="Cambria Math" panose="02040503050406030204" pitchFamily="18" charset="0"/>
-                                </a:rPr>
-                              </m:ctrlPr>
-                            </m:sSubPr>
-                            <m:e>
-                              <m:r>
-                                <a:rPr lang="en-US" i="1">
-                                  <a:solidFill>
-                                    <a:srgbClr val="C00000"/>
-                                  </a:solidFill>
-                                  <a:latin typeface="Cambria Math" panose="02040503050406030204" pitchFamily="18" charset="0"/>
-                                </a:rPr>
-                                <m:t>𝑅</m:t>
-                              </m:r>
-                            </m:e>
-                            <m:sub>
-                              <m:r>
-                                <a:rPr lang="en-US" i="1">
-                                  <a:solidFill>
-                                    <a:srgbClr val="C00000"/>
-                                  </a:solidFill>
-                                  <a:latin typeface="Cambria Math" panose="02040503050406030204" pitchFamily="18" charset="0"/>
-                                </a:rPr>
-                                <m:t>𝑡</m:t>
-                              </m:r>
-                              <m:r>
-                                <a:rPr lang="en-US" i="1">
-                                  <a:solidFill>
-                                    <a:srgbClr val="C00000"/>
-                                  </a:solidFill>
-                                  <a:latin typeface="Cambria Math" panose="02040503050406030204" pitchFamily="18" charset="0"/>
-                                </a:rPr>
-                                <m:t>+1</m:t>
-                              </m:r>
-                            </m:sub>
-                          </m:sSub>
-                          <m:r>
-                            <a:rPr lang="en-US" i="1">
-                              <a:solidFill>
-                                <a:srgbClr val="C00000"/>
-                              </a:solidFill>
-                              <a:latin typeface="Cambria Math" panose="02040503050406030204" pitchFamily="18" charset="0"/>
-                            </a:rPr>
-                            <m:t>+</m:t>
-                          </m:r>
-                          <m:r>
-                            <a:rPr lang="en-US" i="1">
-                              <a:solidFill>
-                                <a:srgbClr val="C00000"/>
-                              </a:solidFill>
-                              <a:latin typeface="Cambria Math" panose="02040503050406030204" pitchFamily="18" charset="0"/>
-                            </a:rPr>
-                            <m:t>𝛾</m:t>
-                          </m:r>
-                          <m:sSub>
-                            <m:sSubPr>
-                              <m:ctrlPr>
-                                <a:rPr lang="en-US" i="1">
-                                  <a:solidFill>
-                                    <a:srgbClr val="C00000"/>
-                                  </a:solidFill>
-                                  <a:latin typeface="Cambria Math" panose="02040503050406030204" pitchFamily="18" charset="0"/>
-                                </a:rPr>
-                              </m:ctrlPr>
-                            </m:sSubPr>
-                            <m:e>
-                              <m:r>
-                                <a:rPr lang="en-US" b="0" i="1" smtClean="0">
-                                  <a:solidFill>
-                                    <a:srgbClr val="C00000"/>
-                                  </a:solidFill>
-                                  <a:latin typeface="Cambria Math" panose="02040503050406030204" pitchFamily="18" charset="0"/>
-                                </a:rPr>
-                                <m:t>𝑣</m:t>
-                              </m:r>
-                            </m:e>
-                            <m:sub>
-                              <m:r>
-                                <a:rPr lang="en-US" i="1">
-                                  <a:solidFill>
-                                    <a:srgbClr val="C00000"/>
-                                  </a:solidFill>
-                                  <a:latin typeface="Cambria Math" panose="02040503050406030204" pitchFamily="18" charset="0"/>
-                                </a:rPr>
-                                <m:t>𝜋</m:t>
-                              </m:r>
-                            </m:sub>
-                          </m:sSub>
-                          <m:d>
-                            <m:dPr>
-                              <m:ctrlPr>
-                                <a:rPr lang="en-US" i="1">
-                                  <a:solidFill>
-                                    <a:srgbClr val="C00000"/>
-                                  </a:solidFill>
-                                  <a:latin typeface="Cambria Math" panose="02040503050406030204" pitchFamily="18" charset="0"/>
-                                </a:rPr>
-                              </m:ctrlPr>
-                            </m:dPr>
-                            <m:e>
-                              <m:sSub>
-                                <m:sSubPr>
-                                  <m:ctrlPr>
-                                    <a:rPr lang="en-US" i="1">
-                                      <a:solidFill>
-                                        <a:srgbClr val="C00000"/>
-                                      </a:solidFill>
-                                      <a:latin typeface="Cambria Math" panose="02040503050406030204" pitchFamily="18" charset="0"/>
-                                    </a:rPr>
-                                  </m:ctrlPr>
-                                </m:sSubPr>
-                                <m:e>
-                                  <m:r>
-                                    <a:rPr lang="en-US" i="1">
-                                      <a:solidFill>
-                                        <a:srgbClr val="C00000"/>
-                                      </a:solidFill>
-                                      <a:latin typeface="Cambria Math" panose="02040503050406030204" pitchFamily="18" charset="0"/>
-                                    </a:rPr>
-                                    <m:t>𝑆</m:t>
-                                  </m:r>
-                                </m:e>
-                                <m:sub>
-                                  <m:r>
-                                    <a:rPr lang="en-US" i="1">
-                                      <a:solidFill>
-                                        <a:srgbClr val="C00000"/>
-                                      </a:solidFill>
-                                      <a:latin typeface="Cambria Math" panose="02040503050406030204" pitchFamily="18" charset="0"/>
-                                    </a:rPr>
-                                    <m:t>𝑡</m:t>
-                                  </m:r>
-                                  <m:r>
-                                    <a:rPr lang="en-US" i="1">
-                                      <a:solidFill>
-                                        <a:srgbClr val="C00000"/>
-                                      </a:solidFill>
-                                      <a:latin typeface="Cambria Math" panose="02040503050406030204" pitchFamily="18" charset="0"/>
-                                    </a:rPr>
-                                    <m:t>+1</m:t>
-                                  </m:r>
-                                </m:sub>
-                              </m:sSub>
-                            </m:e>
-                          </m:d>
-                          <m:r>
-                            <a:rPr lang="en-US" i="1">
-                              <a:solidFill>
-                                <a:srgbClr val="C00000"/>
-                              </a:solidFill>
-                              <a:latin typeface="Cambria Math" panose="02040503050406030204" pitchFamily="18" charset="0"/>
-                            </a:rPr>
-                            <m:t>|</m:t>
-                          </m:r>
-                          <m:sSub>
-                            <m:sSubPr>
-                              <m:ctrlPr>
-                                <a:rPr lang="en-US" i="1">
-                                  <a:solidFill>
-                                    <a:srgbClr val="C00000"/>
-                                  </a:solidFill>
-                                  <a:latin typeface="Cambria Math" panose="02040503050406030204" pitchFamily="18" charset="0"/>
-                                </a:rPr>
-                              </m:ctrlPr>
-                            </m:sSubPr>
-                            <m:e>
-                              <m:r>
-                                <a:rPr lang="en-US" i="1">
-                                  <a:solidFill>
-                                    <a:srgbClr val="C00000"/>
-                                  </a:solidFill>
-                                  <a:latin typeface="Cambria Math" panose="02040503050406030204" pitchFamily="18" charset="0"/>
-                                </a:rPr>
-                                <m:t>𝑆</m:t>
-                              </m:r>
-                            </m:e>
-                            <m:sub>
-                              <m:r>
-                                <a:rPr lang="en-US" i="1">
-                                  <a:solidFill>
-                                    <a:srgbClr val="C00000"/>
-                                  </a:solidFill>
-                                  <a:latin typeface="Cambria Math" panose="02040503050406030204" pitchFamily="18" charset="0"/>
-                                </a:rPr>
-                                <m:t>𝑡</m:t>
-                              </m:r>
-                            </m:sub>
-                          </m:sSub>
-                          <m:r>
-                            <a:rPr lang="en-US" i="1">
-                              <a:solidFill>
-                                <a:srgbClr val="C00000"/>
-                              </a:solidFill>
-                              <a:latin typeface="Cambria Math" panose="02040503050406030204" pitchFamily="18" charset="0"/>
-                            </a:rPr>
-                            <m:t>=</m:t>
-                          </m:r>
-                          <m:r>
-                            <a:rPr lang="en-US" i="1">
-                              <a:solidFill>
-                                <a:srgbClr val="C00000"/>
-                              </a:solidFill>
-                              <a:latin typeface="Cambria Math" panose="02040503050406030204" pitchFamily="18" charset="0"/>
-                            </a:rPr>
-                            <m:t>𝑠</m:t>
-                          </m:r>
-                          <m:r>
-                            <a:rPr lang="en-US" b="0" i="1" smtClean="0">
-                              <a:solidFill>
-                                <a:srgbClr val="C00000"/>
-                              </a:solidFill>
-                              <a:latin typeface="Cambria Math" panose="02040503050406030204" pitchFamily="18" charset="0"/>
-                            </a:rPr>
-                            <m:t>, </m:t>
-                          </m:r>
-                          <m:sSub>
-                            <m:sSubPr>
-                              <m:ctrlPr>
-                                <a:rPr lang="en-US" b="0" i="1" smtClean="0">
-                                  <a:solidFill>
-                                    <a:srgbClr val="C00000"/>
-                                  </a:solidFill>
-                                  <a:latin typeface="Cambria Math" panose="02040503050406030204" pitchFamily="18" charset="0"/>
-                                </a:rPr>
-                              </m:ctrlPr>
-                            </m:sSubPr>
-                            <m:e>
-                              <m:r>
-                                <a:rPr lang="en-US" b="0" i="1" smtClean="0">
-                                  <a:solidFill>
-                                    <a:srgbClr val="C00000"/>
-                                  </a:solidFill>
-                                  <a:latin typeface="Cambria Math" panose="02040503050406030204" pitchFamily="18" charset="0"/>
-                                </a:rPr>
-                                <m:t>𝐴</m:t>
-                              </m:r>
-                            </m:e>
-                            <m:sub>
-                              <m:r>
-                                <a:rPr lang="en-US" b="0" i="1" smtClean="0">
-                                  <a:solidFill>
-                                    <a:srgbClr val="C00000"/>
-                                  </a:solidFill>
-                                  <a:latin typeface="Cambria Math" panose="02040503050406030204" pitchFamily="18" charset="0"/>
-                                </a:rPr>
-                                <m:t>𝑡</m:t>
-                              </m:r>
-                            </m:sub>
-                          </m:sSub>
-                          <m:r>
-                            <a:rPr lang="en-US" b="0" i="1" smtClean="0">
-                              <a:solidFill>
-                                <a:srgbClr val="C00000"/>
-                              </a:solidFill>
-                              <a:latin typeface="Cambria Math" panose="02040503050406030204" pitchFamily="18" charset="0"/>
-                            </a:rPr>
-                            <m:t>=</m:t>
-                          </m:r>
-                          <m:r>
-                            <a:rPr lang="en-US" b="0" i="1" smtClean="0">
-                              <a:solidFill>
-                                <a:srgbClr val="C00000"/>
-                              </a:solidFill>
-                              <a:latin typeface="Cambria Math" panose="02040503050406030204" pitchFamily="18" charset="0"/>
-                            </a:rPr>
-                            <m:t>𝑎</m:t>
-                          </m:r>
-                        </m:e>
-                      </m:d>
-                    </m:oMath>
-                  </m:oMathPara>
-                </a14:m>
-                <a:endParaRPr lang="en-US" dirty="0">
-                  <a:solidFill>
-                    <a:schemeClr val="tx1"/>
-                  </a:solidFill>
-                </a:endParaRPr>
-              </a:p>
-              <a:p>
-                <a:endParaRPr lang="en-SE" dirty="0"/>
-              </a:p>
-            </p:txBody>
-          </p:sp>
-        </mc:Choice>
-        <mc:Fallback xmlns="">
-          <p:sp>
-            <p:nvSpPr>
-              <p:cNvPr id="3" name="Notes Placeholder 2"/>
-              <p:cNvSpPr>
-                <a:spLocks noGrp="1"/>
-              </p:cNvSpPr>
-              <p:nvPr>
-                <p:ph type="body" idx="1"/>
-              </p:nvPr>
-            </p:nvSpPr>
-            <p:spPr/>
-            <p:txBody>
-              <a:bodyPr/>
-              <a:lstStyle/>
-              <a:p>
-                <a:pPr marL="0" marR="0" lvl="0" indent="0" algn="l" defTabSz="914400" rtl="0" eaLnBrk="1" fontAlgn="auto" latinLnBrk="0" hangingPunct="1">
-                  <a:lnSpc>
-                    <a:spcPct val="100000"/>
-                  </a:lnSpc>
-                  <a:spcBef>
-                    <a:spcPts val="0"/>
-                  </a:spcBef>
-                  <a:spcAft>
-                    <a:spcPts val="0"/>
-                  </a:spcAft>
-                  <a:buClrTx/>
-                  <a:buSzTx/>
-                  <a:buFontTx/>
-                  <a:buNone/>
-                  <a:tabLst/>
-                  <a:defRPr/>
-                </a:pPr>
-                <a:r>
-                  <a:rPr lang="en-US" dirty="0">
-                    <a:solidFill>
-                      <a:schemeClr val="tx1"/>
-                    </a:solidFill>
-                  </a:rPr>
-                  <a:t>Expected value starting from state </a:t>
-                </a:r>
-                <a:r>
-                  <a:rPr lang="en-US" b="0" i="0">
-                    <a:solidFill>
-                      <a:schemeClr val="tx1"/>
-                    </a:solidFill>
-                    <a:latin typeface="Cambria Math" panose="02040503050406030204" pitchFamily="18" charset="0"/>
-                  </a:rPr>
-                  <a:t>𝑠</a:t>
-                </a:r>
-                <a:r>
-                  <a:rPr lang="en-US" dirty="0">
-                    <a:solidFill>
-                      <a:schemeClr val="tx1"/>
-                    </a:solidFill>
-                  </a:rPr>
-                  <a:t> and following policy </a:t>
-                </a:r>
-                <a:r>
-                  <a:rPr lang="en-US" b="0" i="0">
-                    <a:solidFill>
-                      <a:schemeClr val="tx1"/>
-                    </a:solidFill>
-                    <a:latin typeface="Cambria Math" panose="02040503050406030204" pitchFamily="18" charset="0"/>
-                  </a:rPr>
-                  <a:t>𝜋</a:t>
-                </a:r>
-                <a:r>
-                  <a:rPr lang="en-US" dirty="0">
-                    <a:solidFill>
-                      <a:schemeClr val="tx1"/>
-                    </a:solidFill>
-                  </a:rPr>
-                  <a:t>.</a:t>
-                </a:r>
-              </a:p>
-              <a:p>
-                <a:endParaRPr lang="en-SE" dirty="0"/>
-              </a:p>
-            </p:txBody>
-          </p:sp>
-        </mc:Fallback>
-      </mc:AlternateContent>
-      <p:sp>
-        <p:nvSpPr>
-          <p:cNvPr id="4" name="Slide Number Placeholder 3"/>
-          <p:cNvSpPr>
-            <a:spLocks noGrp="1"/>
-          </p:cNvSpPr>
-          <p:nvPr>
-            <p:ph type="sldNum" sz="quarter" idx="5"/>
-          </p:nvPr>
-        </p:nvSpPr>
-        <p:spPr/>
-        <p:txBody>
-          <a:bodyPr/>
-          <a:lstStyle/>
-          <a:p>
-            <a:fld id="{9759C4A7-EF62-4E76-99C8-FC7A8F377225}" type="slidenum">
-              <a:rPr lang="en-US" smtClean="0"/>
-              <a:pPr/>
-              <a:t>3</a:t>
-            </a:fld>
-            <a:endParaRPr lang="en-US"/>
-          </a:p>
-        </p:txBody>
-      </p:sp>
-    </p:spTree>
-    <p:extLst>
-      <p:ext uri="{BB962C8B-B14F-4D97-AF65-F5344CB8AC3E}">
-        <p14:creationId xmlns:p14="http://schemas.microsoft.com/office/powerpoint/2010/main" val="3628550023"/>
-      </p:ext>
-    </p:extLst>
-  </p:cSld>
-  <p:clrMapOvr>
-    <a:masterClrMapping/>
-  </p:clrMapOvr>
-</p:notes>
-</file>
-
-<file path=ppt/notesSlides/notesSlide3.xml><?xml version="1.0" encoding="utf-8"?>
-<p:notes xmlns:a="http://schemas.openxmlformats.org/drawingml/2006/main" xmlns:r="http://schemas.openxmlformats.org/officeDocument/2006/relationships" xmlns:p="http://schemas.openxmlformats.org/presentationml/2006/main">
-  <p:cSld>
-    <p:spTree>
-      <p:nvGrpSpPr>
-        <p:cNvPr id="1" name=""/>
-        <p:cNvGrpSpPr/>
-        <p:nvPr/>
-      </p:nvGrpSpPr>
-      <p:grpSpPr>
-        <a:xfrm>
-          <a:off x="0" y="0"/>
-          <a:ext cx="0" cy="0"/>
-          <a:chOff x="0" y="0"/>
-          <a:chExt cx="0" cy="0"/>
-        </a:xfrm>
-      </p:grpSpPr>
-      <p:sp>
-        <p:nvSpPr>
-          <p:cNvPr id="2" name="Slide Image Placeholder 1"/>
-          <p:cNvSpPr>
-            <a:spLocks noGrp="1" noRot="1" noChangeAspect="1"/>
-          </p:cNvSpPr>
-          <p:nvPr>
-            <p:ph type="sldImg"/>
-          </p:nvPr>
-        </p:nvSpPr>
-        <p:spPr>
-          <a:xfrm>
-            <a:off x="990600" y="768350"/>
-            <a:ext cx="5118100" cy="3838575"/>
-          </a:xfrm>
-        </p:spPr>
-      </p:sp>
-      <p:sp>
-        <p:nvSpPr>
-          <p:cNvPr id="3" name="Notes Placeholder 2"/>
-          <p:cNvSpPr>
-            <a:spLocks noGrp="1"/>
-          </p:cNvSpPr>
-          <p:nvPr>
-            <p:ph type="body" idx="1"/>
-          </p:nvPr>
-        </p:nvSpPr>
-        <p:spPr/>
-        <p:txBody>
-          <a:bodyPr/>
-          <a:lstStyle/>
-          <a:p>
-            <a:r>
-              <a:rPr lang="en-US" dirty="0"/>
-              <a:t>This is called MCTS</a:t>
-            </a:r>
-          </a:p>
-        </p:txBody>
-      </p:sp>
-      <p:sp>
-        <p:nvSpPr>
-          <p:cNvPr id="4" name="Slide Number Placeholder 3"/>
-          <p:cNvSpPr>
-            <a:spLocks noGrp="1"/>
-          </p:cNvSpPr>
-          <p:nvPr>
-            <p:ph type="sldNum" sz="quarter" idx="5"/>
-          </p:nvPr>
-        </p:nvSpPr>
-        <p:spPr/>
-        <p:txBody>
-          <a:bodyPr/>
-          <a:lstStyle/>
-          <a:p>
-            <a:pPr>
-              <a:defRPr/>
-            </a:pPr>
-            <a:fld id="{E134953A-E847-4B81-A1EE-12E7BBF0FEFD}" type="slidenum">
-              <a:rPr lang="en-US" smtClean="0"/>
-              <a:pPr>
-                <a:defRPr/>
-              </a:pPr>
-              <a:t>4</a:t>
-            </a:fld>
-            <a:endParaRPr lang="en-US"/>
-          </a:p>
-        </p:txBody>
-      </p:sp>
-    </p:spTree>
-    <p:extLst>
-      <p:ext uri="{BB962C8B-B14F-4D97-AF65-F5344CB8AC3E}">
-        <p14:creationId xmlns:p14="http://schemas.microsoft.com/office/powerpoint/2010/main" val="279721378"/>
-      </p:ext>
-    </p:extLst>
-  </p:cSld>
-  <p:clrMapOvr>
-    <a:masterClrMapping/>
-  </p:clrMapOvr>
-</p:notes>
-</file>
-
-<file path=ppt/notesSlides/notesSlide4.xml><?xml version="1.0" encoding="utf-8"?>
-<p:notes xmlns:a="http://schemas.openxmlformats.org/drawingml/2006/main" xmlns:r="http://schemas.openxmlformats.org/officeDocument/2006/relationships" xmlns:p="http://schemas.openxmlformats.org/presentationml/2006/main">
-  <p:cSld>
-    <p:spTree>
-      <p:nvGrpSpPr>
-        <p:cNvPr id="1" name=""/>
-        <p:cNvGrpSpPr/>
-        <p:nvPr/>
-      </p:nvGrpSpPr>
-      <p:grpSpPr>
-        <a:xfrm>
-          <a:off x="0" y="0"/>
-          <a:ext cx="0" cy="0"/>
-          <a:chOff x="0" y="0"/>
-          <a:chExt cx="0" cy="0"/>
-        </a:xfrm>
-      </p:grpSpPr>
-      <p:sp>
-        <p:nvSpPr>
-          <p:cNvPr id="2" name="Slide Image Placeholder 1"/>
-          <p:cNvSpPr>
-            <a:spLocks noGrp="1" noRot="1" noChangeAspect="1"/>
-          </p:cNvSpPr>
-          <p:nvPr>
-            <p:ph type="sldImg"/>
-          </p:nvPr>
-        </p:nvSpPr>
-        <p:spPr/>
-      </p:sp>
-      <mc:AlternateContent xmlns:mc="http://schemas.openxmlformats.org/markup-compatibility/2006" xmlns:a14="http://schemas.microsoft.com/office/drawing/2010/main">
-        <mc:Choice Requires="a14">
-          <p:sp>
-            <p:nvSpPr>
-              <p:cNvPr id="3" name="Notes Placeholder 2"/>
-              <p:cNvSpPr>
-                <a:spLocks noGrp="1"/>
-              </p:cNvSpPr>
-              <p:nvPr>
-                <p:ph type="body" idx="1"/>
-              </p:nvPr>
-            </p:nvSpPr>
-            <p:spPr/>
-            <p:txBody>
-              <a:bodyPr/>
-              <a:lstStyle/>
-              <a:p>
-                <a:r>
-                  <a:rPr lang="en-US" dirty="0"/>
-                  <a:t> while behavior policy </a:t>
-                </a:r>
-                <a14:m>
-                  <m:oMath xmlns:m="http://schemas.openxmlformats.org/officeDocument/2006/math">
-                    <m:r>
-                      <a:rPr lang="en-US" b="0" i="1" smtClean="0">
-                        <a:latin typeface="Cambria Math" panose="02040503050406030204" pitchFamily="18" charset="0"/>
-                      </a:rPr>
-                      <m:t>𝑏</m:t>
-                    </m:r>
-                  </m:oMath>
-                </a14:m>
-                <a:r>
-                  <a:rPr lang="en-US" dirty="0"/>
-                  <a:t> is more </a:t>
-                </a:r>
-                <a:r>
-                  <a:rPr lang="en-US" dirty="0" err="1"/>
-                  <a:t>exploratoryand</a:t>
-                </a:r>
-                <a:r>
-                  <a:rPr lang="en-US" dirty="0"/>
-                  <a:t> not necessarily equal to the a' selected to update Q</a:t>
-                </a:r>
-              </a:p>
-              <a:p>
-                <a:r>
-                  <a:rPr lang="en-US" dirty="0" err="1"/>
-                  <a:t>Sarsa</a:t>
-                </a:r>
-                <a:r>
-                  <a:rPr lang="en-US" dirty="0"/>
-                  <a:t> updates it behavior policy during training, instead of using fixed behavior policy? Not PE, but GPI?</a:t>
-                </a:r>
-              </a:p>
-              <a:p>
-                <a:r>
-                  <a:rPr lang="en-US" b="0" dirty="0"/>
-                  <a:t> based on current policy </a:t>
-                </a:r>
-                <a14:m>
-                  <m:oMath xmlns:m="http://schemas.openxmlformats.org/officeDocument/2006/math">
-                    <m:r>
-                      <a:rPr lang="en-US" b="0" i="1" smtClean="0">
-                        <a:latin typeface="Cambria Math" panose="02040503050406030204" pitchFamily="18" charset="0"/>
-                      </a:rPr>
-                      <m:t>𝜋</m:t>
-                    </m:r>
-                  </m:oMath>
-                </a14:m>
-                <a:endParaRPr lang="en-US" dirty="0"/>
-              </a:p>
-              <a:p>
-                <a:endParaRPr lang="en-SE" dirty="0"/>
-              </a:p>
-            </p:txBody>
-          </p:sp>
-        </mc:Choice>
-        <mc:Fallback xmlns="">
-          <p:sp>
-            <p:nvSpPr>
-              <p:cNvPr id="3" name="Notes Placeholder 2"/>
-              <p:cNvSpPr>
-                <a:spLocks noGrp="1"/>
-              </p:cNvSpPr>
-              <p:nvPr>
-                <p:ph type="body" idx="1"/>
-              </p:nvPr>
-            </p:nvSpPr>
-            <p:spPr/>
-            <p:txBody>
-              <a:bodyPr/>
-              <a:lstStyle/>
-              <a:p>
-                <a:r>
-                  <a:rPr lang="en-US" dirty="0"/>
-                  <a:t> while behavior policy </a:t>
-                </a:r>
-                <a:r>
-                  <a:rPr lang="en-US" b="0" i="0">
-                    <a:latin typeface="Cambria Math" panose="02040503050406030204" pitchFamily="18" charset="0"/>
-                  </a:rPr>
-                  <a:t>𝑏</a:t>
-                </a:r>
-                <a:r>
-                  <a:rPr lang="en-US" dirty="0"/>
-                  <a:t> is more </a:t>
-                </a:r>
-                <a:r>
-                  <a:rPr lang="en-US" dirty="0" err="1"/>
-                  <a:t>exploratoryand</a:t>
-                </a:r>
-                <a:r>
-                  <a:rPr lang="en-US" dirty="0"/>
-                  <a:t> not necessarily equal to the a' selected to update Q</a:t>
-                </a:r>
-                <a:endParaRPr lang="en-SE" dirty="0"/>
-              </a:p>
-            </p:txBody>
-          </p:sp>
-        </mc:Fallback>
-      </mc:AlternateContent>
-      <p:sp>
-        <p:nvSpPr>
-          <p:cNvPr id="4" name="Slide Number Placeholder 3"/>
-          <p:cNvSpPr>
-            <a:spLocks noGrp="1"/>
-          </p:cNvSpPr>
-          <p:nvPr>
-            <p:ph type="sldNum" sz="quarter" idx="5"/>
-          </p:nvPr>
-        </p:nvSpPr>
-        <p:spPr/>
-        <p:txBody>
-          <a:bodyPr/>
-          <a:lstStyle/>
-          <a:p>
-            <a:pPr>
-              <a:defRPr/>
-            </a:pPr>
-            <a:fld id="{6FA21340-DBF0-4FAC-9DE2-FD6DB24B56C8}" type="slidenum">
-              <a:rPr lang="en-US" altLang="zh-CN" smtClean="0"/>
-              <a:pPr>
-                <a:defRPr/>
-              </a:pPr>
-              <a:t>5</a:t>
-            </a:fld>
-            <a:endParaRPr lang="en-US" altLang="zh-CN"/>
-          </a:p>
-        </p:txBody>
-      </p:sp>
-    </p:spTree>
-    <p:extLst>
-      <p:ext uri="{BB962C8B-B14F-4D97-AF65-F5344CB8AC3E}">
-        <p14:creationId xmlns:p14="http://schemas.microsoft.com/office/powerpoint/2010/main" val="3929739451"/>
-      </p:ext>
-    </p:extLst>
-  </p:cSld>
-  <p:clrMapOvr>
-    <a:masterClrMapping/>
-  </p:clrMapOvr>
-</p:notes>
-</file>
-
-<file path=ppt/notesSlides/notesSlide5.xml><?xml version="1.0" encoding="utf-8"?>
-<p:notes xmlns:a="http://schemas.openxmlformats.org/drawingml/2006/main" xmlns:r="http://schemas.openxmlformats.org/officeDocument/2006/relationships" xmlns:p="http://schemas.openxmlformats.org/presentationml/2006/main">
-  <p:cSld>
-    <p:spTree>
-      <p:nvGrpSpPr>
-        <p:cNvPr id="1" name=""/>
-        <p:cNvGrpSpPr/>
-        <p:nvPr/>
-      </p:nvGrpSpPr>
-      <p:grpSpPr>
-        <a:xfrm>
-          <a:off x="0" y="0"/>
-          <a:ext cx="0" cy="0"/>
-          <a:chOff x="0" y="0"/>
-          <a:chExt cx="0" cy="0"/>
-        </a:xfrm>
-      </p:grpSpPr>
-      <p:sp>
-        <p:nvSpPr>
-          <p:cNvPr id="2" name="Slide Image Placeholder 1"/>
-          <p:cNvSpPr>
-            <a:spLocks noGrp="1" noRot="1" noChangeAspect="1"/>
-          </p:cNvSpPr>
-          <p:nvPr>
-            <p:ph type="sldImg"/>
-          </p:nvPr>
-        </p:nvSpPr>
-        <p:spPr/>
-      </p:sp>
-      <mc:AlternateContent xmlns:mc="http://schemas.openxmlformats.org/markup-compatibility/2006" xmlns:a14="http://schemas.microsoft.com/office/drawing/2010/main">
-        <mc:Choice Requires="a14">
-          <p:sp>
-            <p:nvSpPr>
-              <p:cNvPr id="3" name="Notes Placeholder 2"/>
-              <p:cNvSpPr>
-                <a:spLocks noGrp="1"/>
-              </p:cNvSpPr>
-              <p:nvPr>
-                <p:ph type="body" idx="1"/>
-              </p:nvPr>
-            </p:nvSpPr>
-            <p:spPr/>
-            <p:txBody>
-              <a:bodyPr/>
-              <a:lstStyle/>
-              <a:p>
                 <a14:m>
                   <m:oMath xmlns:m="http://schemas.openxmlformats.org/officeDocument/2006/math">
                     <m:r>
@@ -2362,7 +1393,7 @@
               <a:pPr>
                 <a:defRPr/>
               </a:pPr>
-              <a:t>6</a:t>
+              <a:t>4</a:t>
             </a:fld>
             <a:endParaRPr lang="en-US" altLang="zh-CN"/>
           </a:p>
@@ -2381,7 +1412,1321 @@
 </p:notes>
 </file>
 
+<file path=ppt/notesSlides/notesSlide3.xml><?xml version="1.0" encoding="utf-8"?>
+<p:notes xmlns:a="http://schemas.openxmlformats.org/drawingml/2006/main" xmlns:r="http://schemas.openxmlformats.org/officeDocument/2006/relationships" xmlns:p="http://schemas.openxmlformats.org/presentationml/2006/main">
+  <p:cSld>
+    <p:spTree>
+      <p:nvGrpSpPr>
+        <p:cNvPr id="1" name=""/>
+        <p:cNvGrpSpPr/>
+        <p:nvPr/>
+      </p:nvGrpSpPr>
+      <p:grpSpPr>
+        <a:xfrm>
+          <a:off x="0" y="0"/>
+          <a:ext cx="0" cy="0"/>
+          <a:chOff x="0" y="0"/>
+          <a:chExt cx="0" cy="0"/>
+        </a:xfrm>
+      </p:grpSpPr>
+      <p:sp>
+        <p:nvSpPr>
+          <p:cNvPr id="2" name="Slide Image Placeholder 1"/>
+          <p:cNvSpPr>
+            <a:spLocks noGrp="1" noRot="1" noChangeAspect="1"/>
+          </p:cNvSpPr>
+          <p:nvPr>
+            <p:ph type="sldImg"/>
+          </p:nvPr>
+        </p:nvSpPr>
+        <p:spPr/>
+      </p:sp>
+      <mc:AlternateContent xmlns:mc="http://schemas.openxmlformats.org/markup-compatibility/2006" xmlns:a14="http://schemas.microsoft.com/office/drawing/2010/main">
+        <mc:Choice Requires="a14">
+          <p:sp>
+            <p:nvSpPr>
+              <p:cNvPr id="3" name="Notes Placeholder 2"/>
+              <p:cNvSpPr>
+                <a:spLocks noGrp="1"/>
+              </p:cNvSpPr>
+              <p:nvPr>
+                <p:ph type="body" idx="1"/>
+              </p:nvPr>
+            </p:nvSpPr>
+            <p:spPr/>
+            <p:txBody>
+              <a:bodyPr/>
+              <a:lstStyle/>
+              <a:p>
+                <a:pPr marL="0" marR="0" lvl="0" indent="0" algn="l" defTabSz="914400" rtl="0" eaLnBrk="1" fontAlgn="auto" latinLnBrk="0" hangingPunct="1">
+                  <a:lnSpc>
+                    <a:spcPct val="100000"/>
+                  </a:lnSpc>
+                  <a:spcBef>
+                    <a:spcPts val="0"/>
+                  </a:spcBef>
+                  <a:spcAft>
+                    <a:spcPts val="0"/>
+                  </a:spcAft>
+                  <a:buClrTx/>
+                  <a:buSzTx/>
+                  <a:buFontTx/>
+                  <a:buNone/>
+                  <a:tabLst/>
+                  <a:defRPr/>
+                </a:pPr>
+                <a:r>
+                  <a:rPr lang="en-US" dirty="0">
+                    <a:solidFill>
+                      <a:schemeClr val="tx1"/>
+                    </a:solidFill>
+                  </a:rPr>
+                  <a:t>Expected value starting from state </a:t>
+                </a:r>
+                <a14:m>
+                  <m:oMath xmlns:m="http://schemas.openxmlformats.org/officeDocument/2006/math">
+                    <m:r>
+                      <a:rPr lang="en-US" b="0" i="1" smtClean="0">
+                        <a:solidFill>
+                          <a:schemeClr val="tx1"/>
+                        </a:solidFill>
+                        <a:latin typeface="Cambria Math" panose="02040503050406030204" pitchFamily="18" charset="0"/>
+                      </a:rPr>
+                      <m:t>𝑠</m:t>
+                    </m:r>
+                  </m:oMath>
+                </a14:m>
+                <a:r>
+                  <a:rPr lang="en-US" dirty="0">
+                    <a:solidFill>
+                      <a:schemeClr val="tx1"/>
+                    </a:solidFill>
+                  </a:rPr>
+                  <a:t> and following policy </a:t>
+                </a:r>
+                <a14:m>
+                  <m:oMath xmlns:m="http://schemas.openxmlformats.org/officeDocument/2006/math">
+                    <m:r>
+                      <a:rPr lang="en-US" b="0" i="1" smtClean="0">
+                        <a:solidFill>
+                          <a:schemeClr val="tx1"/>
+                        </a:solidFill>
+                        <a:latin typeface="Cambria Math" panose="02040503050406030204" pitchFamily="18" charset="0"/>
+                      </a:rPr>
+                      <m:t>𝜋</m:t>
+                    </m:r>
+                  </m:oMath>
+                </a14:m>
+                <a:r>
+                  <a:rPr lang="en-US" dirty="0">
+                    <a:solidFill>
+                      <a:schemeClr val="tx1"/>
+                    </a:solidFill>
+                  </a:rPr>
+                  <a:t>.</a:t>
+                </a:r>
+              </a:p>
+              <a:p>
+                <a:endParaRPr lang="en-SE" dirty="0"/>
+              </a:p>
+            </p:txBody>
+          </p:sp>
+        </mc:Choice>
+        <mc:Fallback xmlns="">
+          <p:sp>
+            <p:nvSpPr>
+              <p:cNvPr id="3" name="Notes Placeholder 2"/>
+              <p:cNvSpPr>
+                <a:spLocks noGrp="1"/>
+              </p:cNvSpPr>
+              <p:nvPr>
+                <p:ph type="body" idx="1"/>
+              </p:nvPr>
+            </p:nvSpPr>
+            <p:spPr/>
+            <p:txBody>
+              <a:bodyPr/>
+              <a:lstStyle/>
+              <a:p>
+                <a:pPr marL="0" marR="0" lvl="0" indent="0" algn="l" defTabSz="914400" rtl="0" eaLnBrk="1" fontAlgn="auto" latinLnBrk="0" hangingPunct="1">
+                  <a:lnSpc>
+                    <a:spcPct val="100000"/>
+                  </a:lnSpc>
+                  <a:spcBef>
+                    <a:spcPts val="0"/>
+                  </a:spcBef>
+                  <a:spcAft>
+                    <a:spcPts val="0"/>
+                  </a:spcAft>
+                  <a:buClrTx/>
+                  <a:buSzTx/>
+                  <a:buFontTx/>
+                  <a:buNone/>
+                  <a:tabLst/>
+                  <a:defRPr/>
+                </a:pPr>
+                <a:r>
+                  <a:rPr lang="en-US" dirty="0">
+                    <a:solidFill>
+                      <a:schemeClr val="tx1"/>
+                    </a:solidFill>
+                  </a:rPr>
+                  <a:t>Expected value starting from state </a:t>
+                </a:r>
+                <a:r>
+                  <a:rPr lang="en-US" b="0" i="0">
+                    <a:solidFill>
+                      <a:schemeClr val="tx1"/>
+                    </a:solidFill>
+                    <a:latin typeface="Cambria Math" panose="02040503050406030204" pitchFamily="18" charset="0"/>
+                  </a:rPr>
+                  <a:t>𝑠</a:t>
+                </a:r>
+                <a:r>
+                  <a:rPr lang="en-US" dirty="0">
+                    <a:solidFill>
+                      <a:schemeClr val="tx1"/>
+                    </a:solidFill>
+                  </a:rPr>
+                  <a:t> and following policy </a:t>
+                </a:r>
+                <a:r>
+                  <a:rPr lang="en-US" b="0" i="0">
+                    <a:solidFill>
+                      <a:schemeClr val="tx1"/>
+                    </a:solidFill>
+                    <a:latin typeface="Cambria Math" panose="02040503050406030204" pitchFamily="18" charset="0"/>
+                  </a:rPr>
+                  <a:t>𝜋</a:t>
+                </a:r>
+                <a:r>
+                  <a:rPr lang="en-US" dirty="0">
+                    <a:solidFill>
+                      <a:schemeClr val="tx1"/>
+                    </a:solidFill>
+                  </a:rPr>
+                  <a:t>.</a:t>
+                </a:r>
+              </a:p>
+              <a:p>
+                <a:endParaRPr lang="en-SE" dirty="0"/>
+              </a:p>
+            </p:txBody>
+          </p:sp>
+        </mc:Fallback>
+      </mc:AlternateContent>
+      <p:sp>
+        <p:nvSpPr>
+          <p:cNvPr id="4" name="Slide Number Placeholder 3"/>
+          <p:cNvSpPr>
+            <a:spLocks noGrp="1"/>
+          </p:cNvSpPr>
+          <p:nvPr>
+            <p:ph type="sldNum" sz="quarter" idx="5"/>
+          </p:nvPr>
+        </p:nvSpPr>
+        <p:spPr/>
+        <p:txBody>
+          <a:bodyPr/>
+          <a:lstStyle/>
+          <a:p>
+            <a:fld id="{9759C4A7-EF62-4E76-99C8-FC7A8F377225}" type="slidenum">
+              <a:rPr lang="en-US" smtClean="0"/>
+              <a:pPr/>
+              <a:t>5</a:t>
+            </a:fld>
+            <a:endParaRPr lang="en-US"/>
+          </a:p>
+        </p:txBody>
+      </p:sp>
+    </p:spTree>
+    <p:extLst>
+      <p:ext uri="{BB962C8B-B14F-4D97-AF65-F5344CB8AC3E}">
+        <p14:creationId xmlns:p14="http://schemas.microsoft.com/office/powerpoint/2010/main" val="61637440"/>
+      </p:ext>
+    </p:extLst>
+  </p:cSld>
+  <p:clrMapOvr>
+    <a:masterClrMapping/>
+  </p:clrMapOvr>
+</p:notes>
+</file>
+
+<file path=ppt/notesSlides/notesSlide4.xml><?xml version="1.0" encoding="utf-8"?>
+<p:notes xmlns:a="http://schemas.openxmlformats.org/drawingml/2006/main" xmlns:r="http://schemas.openxmlformats.org/officeDocument/2006/relationships" xmlns:p="http://schemas.openxmlformats.org/presentationml/2006/main">
+  <p:cSld>
+    <p:spTree>
+      <p:nvGrpSpPr>
+        <p:cNvPr id="1" name=""/>
+        <p:cNvGrpSpPr/>
+        <p:nvPr/>
+      </p:nvGrpSpPr>
+      <p:grpSpPr>
+        <a:xfrm>
+          <a:off x="0" y="0"/>
+          <a:ext cx="0" cy="0"/>
+          <a:chOff x="0" y="0"/>
+          <a:chExt cx="0" cy="0"/>
+        </a:xfrm>
+      </p:grpSpPr>
+      <p:sp>
+        <p:nvSpPr>
+          <p:cNvPr id="2" name="Slide Image Placeholder 1"/>
+          <p:cNvSpPr>
+            <a:spLocks noGrp="1" noRot="1" noChangeAspect="1"/>
+          </p:cNvSpPr>
+          <p:nvPr>
+            <p:ph type="sldImg"/>
+          </p:nvPr>
+        </p:nvSpPr>
+        <p:spPr>
+          <a:xfrm>
+            <a:off x="990600" y="768350"/>
+            <a:ext cx="5118100" cy="3838575"/>
+          </a:xfrm>
+        </p:spPr>
+      </p:sp>
+      <p:sp>
+        <p:nvSpPr>
+          <p:cNvPr id="3" name="Notes Placeholder 2"/>
+          <p:cNvSpPr>
+            <a:spLocks noGrp="1"/>
+          </p:cNvSpPr>
+          <p:nvPr>
+            <p:ph type="body" idx="1"/>
+          </p:nvPr>
+        </p:nvSpPr>
+        <p:spPr/>
+        <p:txBody>
+          <a:bodyPr/>
+          <a:lstStyle/>
+          <a:p>
+            <a:r>
+              <a:rPr lang="en-US" dirty="0"/>
+              <a:t>This is called MCTS</a:t>
+            </a:r>
+          </a:p>
+        </p:txBody>
+      </p:sp>
+      <p:sp>
+        <p:nvSpPr>
+          <p:cNvPr id="4" name="Slide Number Placeholder 3"/>
+          <p:cNvSpPr>
+            <a:spLocks noGrp="1"/>
+          </p:cNvSpPr>
+          <p:nvPr>
+            <p:ph type="sldNum" sz="quarter" idx="5"/>
+          </p:nvPr>
+        </p:nvSpPr>
+        <p:spPr/>
+        <p:txBody>
+          <a:bodyPr/>
+          <a:lstStyle/>
+          <a:p>
+            <a:pPr>
+              <a:defRPr/>
+            </a:pPr>
+            <a:fld id="{E134953A-E847-4B81-A1EE-12E7BBF0FEFD}" type="slidenum">
+              <a:rPr lang="en-US" smtClean="0"/>
+              <a:pPr>
+                <a:defRPr/>
+              </a:pPr>
+              <a:t>6</a:t>
+            </a:fld>
+            <a:endParaRPr lang="en-US"/>
+          </a:p>
+        </p:txBody>
+      </p:sp>
+    </p:spTree>
+    <p:extLst>
+      <p:ext uri="{BB962C8B-B14F-4D97-AF65-F5344CB8AC3E}">
+        <p14:creationId xmlns:p14="http://schemas.microsoft.com/office/powerpoint/2010/main" val="279721378"/>
+      </p:ext>
+    </p:extLst>
+  </p:cSld>
+  <p:clrMapOvr>
+    <a:masterClrMapping/>
+  </p:clrMapOvr>
+</p:notes>
+</file>
+
+<file path=ppt/notesSlides/notesSlide5.xml><?xml version="1.0" encoding="utf-8"?>
+<p:notes xmlns:a="http://schemas.openxmlformats.org/drawingml/2006/main" xmlns:r="http://schemas.openxmlformats.org/officeDocument/2006/relationships" xmlns:p="http://schemas.openxmlformats.org/presentationml/2006/main">
+  <p:cSld>
+    <p:spTree>
+      <p:nvGrpSpPr>
+        <p:cNvPr id="1" name=""/>
+        <p:cNvGrpSpPr/>
+        <p:nvPr/>
+      </p:nvGrpSpPr>
+      <p:grpSpPr>
+        <a:xfrm>
+          <a:off x="0" y="0"/>
+          <a:ext cx="0" cy="0"/>
+          <a:chOff x="0" y="0"/>
+          <a:chExt cx="0" cy="0"/>
+        </a:xfrm>
+      </p:grpSpPr>
+      <p:sp>
+        <p:nvSpPr>
+          <p:cNvPr id="2" name="Slide Image Placeholder 1"/>
+          <p:cNvSpPr>
+            <a:spLocks noGrp="1" noRot="1" noChangeAspect="1"/>
+          </p:cNvSpPr>
+          <p:nvPr>
+            <p:ph type="sldImg"/>
+          </p:nvPr>
+        </p:nvSpPr>
+        <p:spPr/>
+      </p:sp>
+      <mc:AlternateContent xmlns:mc="http://schemas.openxmlformats.org/markup-compatibility/2006" xmlns:a14="http://schemas.microsoft.com/office/drawing/2010/main">
+        <mc:Choice Requires="a14">
+          <p:sp>
+            <p:nvSpPr>
+              <p:cNvPr id="3" name="Notes Placeholder 2"/>
+              <p:cNvSpPr>
+                <a:spLocks noGrp="1"/>
+              </p:cNvSpPr>
+              <p:nvPr>
+                <p:ph type="body" idx="1"/>
+              </p:nvPr>
+            </p:nvSpPr>
+            <p:spPr/>
+            <p:txBody>
+              <a:bodyPr/>
+              <a:lstStyle/>
+              <a:p>
+                <a:r>
+                  <a:rPr lang="en-US" dirty="0"/>
+                  <a:t> while behavior policy </a:t>
+                </a:r>
+                <a14:m>
+                  <m:oMath xmlns:m="http://schemas.openxmlformats.org/officeDocument/2006/math">
+                    <m:r>
+                      <a:rPr lang="en-US" b="0" i="1" smtClean="0">
+                        <a:latin typeface="Cambria Math" panose="02040503050406030204" pitchFamily="18" charset="0"/>
+                      </a:rPr>
+                      <m:t>𝑏</m:t>
+                    </m:r>
+                  </m:oMath>
+                </a14:m>
+                <a:r>
+                  <a:rPr lang="en-US" dirty="0"/>
+                  <a:t> is more </a:t>
+                </a:r>
+                <a:r>
+                  <a:rPr lang="en-US" dirty="0" err="1"/>
+                  <a:t>exploratoryand</a:t>
+                </a:r>
+                <a:r>
+                  <a:rPr lang="en-US" dirty="0"/>
+                  <a:t> not necessarily equal to the a' selected to update Q</a:t>
+                </a:r>
+              </a:p>
+              <a:p>
+                <a:r>
+                  <a:rPr lang="en-US" dirty="0" err="1"/>
+                  <a:t>Sarsa</a:t>
+                </a:r>
+                <a:r>
+                  <a:rPr lang="en-US" dirty="0"/>
+                  <a:t> updates it behavior policy during training, instead of using fixed behavior policy? Not PE, but GPI?</a:t>
+                </a:r>
+              </a:p>
+              <a:p>
+                <a:r>
+                  <a:rPr lang="en-US" b="0" dirty="0"/>
+                  <a:t> based on current policy </a:t>
+                </a:r>
+                <a14:m>
+                  <m:oMath xmlns:m="http://schemas.openxmlformats.org/officeDocument/2006/math">
+                    <m:r>
+                      <a:rPr lang="en-US" b="0" i="1" smtClean="0">
+                        <a:latin typeface="Cambria Math" panose="02040503050406030204" pitchFamily="18" charset="0"/>
+                      </a:rPr>
+                      <m:t>𝜋</m:t>
+                    </m:r>
+                  </m:oMath>
+                </a14:m>
+                <a:endParaRPr lang="en-US" dirty="0"/>
+              </a:p>
+              <a:p>
+                <a:endParaRPr lang="en-SE" dirty="0"/>
+              </a:p>
+            </p:txBody>
+          </p:sp>
+        </mc:Choice>
+        <mc:Fallback xmlns="">
+          <p:sp>
+            <p:nvSpPr>
+              <p:cNvPr id="3" name="Notes Placeholder 2"/>
+              <p:cNvSpPr>
+                <a:spLocks noGrp="1"/>
+              </p:cNvSpPr>
+              <p:nvPr>
+                <p:ph type="body" idx="1"/>
+              </p:nvPr>
+            </p:nvSpPr>
+            <p:spPr/>
+            <p:txBody>
+              <a:bodyPr/>
+              <a:lstStyle/>
+              <a:p>
+                <a:r>
+                  <a:rPr lang="en-US" dirty="0"/>
+                  <a:t> while behavior policy </a:t>
+                </a:r>
+                <a:r>
+                  <a:rPr lang="en-US" b="0" i="0">
+                    <a:latin typeface="Cambria Math" panose="02040503050406030204" pitchFamily="18" charset="0"/>
+                  </a:rPr>
+                  <a:t>𝑏</a:t>
+                </a:r>
+                <a:r>
+                  <a:rPr lang="en-US" dirty="0"/>
+                  <a:t> is more </a:t>
+                </a:r>
+                <a:r>
+                  <a:rPr lang="en-US" dirty="0" err="1"/>
+                  <a:t>exploratoryand</a:t>
+                </a:r>
+                <a:r>
+                  <a:rPr lang="en-US" dirty="0"/>
+                  <a:t> not necessarily equal to the a' selected to update Q</a:t>
+                </a:r>
+                <a:endParaRPr lang="en-SE" dirty="0"/>
+              </a:p>
+            </p:txBody>
+          </p:sp>
+        </mc:Fallback>
+      </mc:AlternateContent>
+      <p:sp>
+        <p:nvSpPr>
+          <p:cNvPr id="4" name="Slide Number Placeholder 3"/>
+          <p:cNvSpPr>
+            <a:spLocks noGrp="1"/>
+          </p:cNvSpPr>
+          <p:nvPr>
+            <p:ph type="sldNum" sz="quarter" idx="5"/>
+          </p:nvPr>
+        </p:nvSpPr>
+        <p:spPr/>
+        <p:txBody>
+          <a:bodyPr/>
+          <a:lstStyle/>
+          <a:p>
+            <a:pPr>
+              <a:defRPr/>
+            </a:pPr>
+            <a:fld id="{6FA21340-DBF0-4FAC-9DE2-FD6DB24B56C8}" type="slidenum">
+              <a:rPr lang="en-US" altLang="zh-CN" smtClean="0"/>
+              <a:pPr>
+                <a:defRPr/>
+              </a:pPr>
+              <a:t>7</a:t>
+            </a:fld>
+            <a:endParaRPr lang="en-US" altLang="zh-CN"/>
+          </a:p>
+        </p:txBody>
+      </p:sp>
+    </p:spTree>
+    <p:extLst>
+      <p:ext uri="{BB962C8B-B14F-4D97-AF65-F5344CB8AC3E}">
+        <p14:creationId xmlns:p14="http://schemas.microsoft.com/office/powerpoint/2010/main" val="3929739451"/>
+      </p:ext>
+    </p:extLst>
+  </p:cSld>
+  <p:clrMapOvr>
+    <a:masterClrMapping/>
+  </p:clrMapOvr>
+</p:notes>
+</file>
+
 <file path=ppt/notesSlides/notesSlide6.xml><?xml version="1.0" encoding="utf-8"?>
+<p:notes xmlns:a="http://schemas.openxmlformats.org/drawingml/2006/main" xmlns:r="http://schemas.openxmlformats.org/officeDocument/2006/relationships" xmlns:p="http://schemas.openxmlformats.org/presentationml/2006/main">
+  <p:cSld>
+    <p:spTree>
+      <p:nvGrpSpPr>
+        <p:cNvPr id="1" name=""/>
+        <p:cNvGrpSpPr/>
+        <p:nvPr/>
+      </p:nvGrpSpPr>
+      <p:grpSpPr>
+        <a:xfrm>
+          <a:off x="0" y="0"/>
+          <a:ext cx="0" cy="0"/>
+          <a:chOff x="0" y="0"/>
+          <a:chExt cx="0" cy="0"/>
+        </a:xfrm>
+      </p:grpSpPr>
+      <p:sp>
+        <p:nvSpPr>
+          <p:cNvPr id="2" name="Slide Image Placeholder 1"/>
+          <p:cNvSpPr>
+            <a:spLocks noGrp="1" noRot="1" noChangeAspect="1"/>
+          </p:cNvSpPr>
+          <p:nvPr>
+            <p:ph type="sldImg"/>
+          </p:nvPr>
+        </p:nvSpPr>
+        <p:spPr/>
+      </p:sp>
+      <mc:AlternateContent xmlns:mc="http://schemas.openxmlformats.org/markup-compatibility/2006" xmlns:a14="http://schemas.microsoft.com/office/drawing/2010/main">
+        <mc:Choice Requires="a14">
+          <p:sp>
+            <p:nvSpPr>
+              <p:cNvPr id="3" name="Notes Placeholder 2"/>
+              <p:cNvSpPr>
+                <a:spLocks noGrp="1"/>
+              </p:cNvSpPr>
+              <p:nvPr>
+                <p:ph type="body" idx="1"/>
+              </p:nvPr>
+            </p:nvSpPr>
+            <p:spPr/>
+            <p:txBody>
+              <a:bodyPr/>
+              <a:lstStyle/>
+              <a:p>
+                <a14:m>
+                  <m:oMath xmlns:m="http://schemas.openxmlformats.org/officeDocument/2006/math">
+                    <m:r>
+                      <a:rPr lang="en-US" i="1" smtClean="0">
+                        <a:solidFill>
+                          <a:schemeClr val="tx1"/>
+                        </a:solidFill>
+                        <a:latin typeface="Cambria Math" panose="02040503050406030204" pitchFamily="18" charset="0"/>
+                      </a:rPr>
+                      <m:t>=</m:t>
+                    </m:r>
+                    <m:sSub>
+                      <m:sSubPr>
+                        <m:ctrlPr>
+                          <a:rPr lang="en-US" i="1">
+                            <a:solidFill>
+                              <a:schemeClr val="tx1"/>
+                            </a:solidFill>
+                            <a:latin typeface="Cambria Math" panose="02040503050406030204" pitchFamily="18" charset="0"/>
+                          </a:rPr>
+                        </m:ctrlPr>
+                      </m:sSubPr>
+                      <m:e>
+                        <m:r>
+                          <a:rPr lang="en-US" i="1">
+                            <a:solidFill>
+                              <a:schemeClr val="tx1"/>
+                            </a:solidFill>
+                            <a:latin typeface="Cambria Math" panose="02040503050406030204" pitchFamily="18" charset="0"/>
+                          </a:rPr>
+                          <m:t>𝔼</m:t>
+                        </m:r>
+                      </m:e>
+                      <m:sub>
+                        <m:r>
+                          <a:rPr lang="en-US" i="1">
+                            <a:solidFill>
+                              <a:schemeClr val="tx1"/>
+                            </a:solidFill>
+                            <a:latin typeface="Cambria Math" panose="02040503050406030204" pitchFamily="18" charset="0"/>
+                          </a:rPr>
+                          <m:t>𝜋</m:t>
+                        </m:r>
+                      </m:sub>
+                    </m:sSub>
+                    <m:r>
+                      <a:rPr lang="en-US" i="1">
+                        <a:solidFill>
+                          <a:schemeClr val="tx1"/>
+                        </a:solidFill>
+                        <a:latin typeface="Cambria Math" panose="02040503050406030204" pitchFamily="18" charset="0"/>
+                      </a:rPr>
+                      <m:t>[</m:t>
+                    </m:r>
+                    <m:sSub>
+                      <m:sSubPr>
+                        <m:ctrlPr>
+                          <a:rPr lang="en-US" i="1">
+                            <a:solidFill>
+                              <a:schemeClr val="tx1"/>
+                            </a:solidFill>
+                            <a:latin typeface="Cambria Math" panose="02040503050406030204" pitchFamily="18" charset="0"/>
+                          </a:rPr>
+                        </m:ctrlPr>
+                      </m:sSubPr>
+                      <m:e>
+                        <m:r>
+                          <a:rPr lang="en-US" i="1">
+                            <a:solidFill>
+                              <a:schemeClr val="tx1"/>
+                            </a:solidFill>
+                            <a:latin typeface="Cambria Math" panose="02040503050406030204" pitchFamily="18" charset="0"/>
+                          </a:rPr>
+                          <m:t>𝑅</m:t>
+                        </m:r>
+                      </m:e>
+                      <m:sub>
+                        <m:r>
+                          <a:rPr lang="en-US" i="1">
+                            <a:latin typeface="Cambria Math" panose="02040503050406030204" pitchFamily="18" charset="0"/>
+                          </a:rPr>
+                          <m:t>𝑡</m:t>
+                        </m:r>
+                        <m:r>
+                          <a:rPr lang="en-US" i="1">
+                            <a:latin typeface="Cambria Math" panose="02040503050406030204" pitchFamily="18" charset="0"/>
+                          </a:rPr>
+                          <m:t>+1</m:t>
+                        </m:r>
+                      </m:sub>
+                    </m:sSub>
+                    <m:r>
+                      <a:rPr lang="en-US" i="1">
+                        <a:solidFill>
+                          <a:schemeClr val="tx1"/>
+                        </a:solidFill>
+                        <a:latin typeface="Cambria Math" panose="02040503050406030204" pitchFamily="18" charset="0"/>
+                      </a:rPr>
+                      <m:t>+</m:t>
+                    </m:r>
+                    <m:r>
+                      <a:rPr lang="en-US" i="1">
+                        <a:solidFill>
+                          <a:schemeClr val="tx1"/>
+                        </a:solidFill>
+                        <a:latin typeface="Cambria Math" panose="02040503050406030204" pitchFamily="18" charset="0"/>
+                      </a:rPr>
+                      <m:t>𝛾</m:t>
+                    </m:r>
+                    <m:sSub>
+                      <m:sSubPr>
+                        <m:ctrlPr>
+                          <a:rPr lang="en-US" i="1">
+                            <a:solidFill>
+                              <a:schemeClr val="tx1"/>
+                            </a:solidFill>
+                            <a:latin typeface="Cambria Math" panose="02040503050406030204" pitchFamily="18" charset="0"/>
+                          </a:rPr>
+                        </m:ctrlPr>
+                      </m:sSubPr>
+                      <m:e>
+                        <m:r>
+                          <a:rPr lang="en-US" i="1" smtClean="0">
+                            <a:solidFill>
+                              <a:schemeClr val="tx1"/>
+                            </a:solidFill>
+                            <a:latin typeface="Cambria Math" panose="02040503050406030204" pitchFamily="18" charset="0"/>
+                          </a:rPr>
+                          <m:t>𝑣</m:t>
+                        </m:r>
+                      </m:e>
+                      <m:sub>
+                        <m:r>
+                          <a:rPr lang="en-US" i="1">
+                            <a:solidFill>
+                              <a:schemeClr val="tx1"/>
+                            </a:solidFill>
+                            <a:latin typeface="Cambria Math" panose="02040503050406030204" pitchFamily="18" charset="0"/>
+                          </a:rPr>
+                          <m:t>𝜋</m:t>
+                        </m:r>
+                      </m:sub>
+                    </m:sSub>
+                    <m:r>
+                      <a:rPr lang="en-US" i="1">
+                        <a:solidFill>
+                          <a:schemeClr val="tx1"/>
+                        </a:solidFill>
+                        <a:latin typeface="Cambria Math" panose="02040503050406030204" pitchFamily="18" charset="0"/>
+                      </a:rPr>
+                      <m:t>(</m:t>
+                    </m:r>
+                    <m:sSub>
+                      <m:sSubPr>
+                        <m:ctrlPr>
+                          <a:rPr lang="en-US" i="1">
+                            <a:solidFill>
+                              <a:schemeClr val="tx1"/>
+                            </a:solidFill>
+                            <a:latin typeface="Cambria Math" panose="02040503050406030204" pitchFamily="18" charset="0"/>
+                          </a:rPr>
+                        </m:ctrlPr>
+                      </m:sSubPr>
+                      <m:e>
+                        <m:r>
+                          <a:rPr lang="en-US" i="1">
+                            <a:solidFill>
+                              <a:schemeClr val="tx1"/>
+                            </a:solidFill>
+                            <a:latin typeface="Cambria Math" panose="02040503050406030204" pitchFamily="18" charset="0"/>
+                          </a:rPr>
+                          <m:t>𝑆</m:t>
+                        </m:r>
+                      </m:e>
+                      <m:sub>
+                        <m:r>
+                          <a:rPr lang="en-US" i="1">
+                            <a:solidFill>
+                              <a:schemeClr val="tx1"/>
+                            </a:solidFill>
+                            <a:latin typeface="Cambria Math" panose="02040503050406030204" pitchFamily="18" charset="0"/>
+                          </a:rPr>
+                          <m:t>𝑡</m:t>
+                        </m:r>
+                        <m:r>
+                          <a:rPr lang="en-US" i="1">
+                            <a:solidFill>
+                              <a:schemeClr val="tx1"/>
+                            </a:solidFill>
+                            <a:latin typeface="Cambria Math" panose="02040503050406030204" pitchFamily="18" charset="0"/>
+                          </a:rPr>
+                          <m:t>+1</m:t>
+                        </m:r>
+                      </m:sub>
+                    </m:sSub>
+                    <m:r>
+                      <a:rPr lang="en-US" i="1">
+                        <a:solidFill>
+                          <a:schemeClr val="tx1"/>
+                        </a:solidFill>
+                        <a:latin typeface="Cambria Math" panose="02040503050406030204" pitchFamily="18" charset="0"/>
+                      </a:rPr>
+                      <m:t>)|</m:t>
+                    </m:r>
+                    <m:sSub>
+                      <m:sSubPr>
+                        <m:ctrlPr>
+                          <a:rPr lang="en-US" i="1">
+                            <a:solidFill>
+                              <a:schemeClr val="tx1"/>
+                            </a:solidFill>
+                            <a:latin typeface="Cambria Math" panose="02040503050406030204" pitchFamily="18" charset="0"/>
+                          </a:rPr>
+                        </m:ctrlPr>
+                      </m:sSubPr>
+                      <m:e>
+                        <m:r>
+                          <a:rPr lang="en-US" i="1">
+                            <a:solidFill>
+                              <a:schemeClr val="tx1"/>
+                            </a:solidFill>
+                            <a:latin typeface="Cambria Math" panose="02040503050406030204" pitchFamily="18" charset="0"/>
+                          </a:rPr>
+                          <m:t>𝑆</m:t>
+                        </m:r>
+                      </m:e>
+                      <m:sub>
+                        <m:r>
+                          <a:rPr lang="en-US" i="1">
+                            <a:solidFill>
+                              <a:schemeClr val="tx1"/>
+                            </a:solidFill>
+                            <a:latin typeface="Cambria Math" panose="02040503050406030204" pitchFamily="18" charset="0"/>
+                          </a:rPr>
+                          <m:t>𝑡</m:t>
+                        </m:r>
+                      </m:sub>
+                    </m:sSub>
+                    <m:r>
+                      <a:rPr lang="en-US" i="1">
+                        <a:solidFill>
+                          <a:schemeClr val="tx1"/>
+                        </a:solidFill>
+                        <a:latin typeface="Cambria Math" panose="02040503050406030204" pitchFamily="18" charset="0"/>
+                      </a:rPr>
+                      <m:t>=</m:t>
+                    </m:r>
+                    <m:r>
+                      <a:rPr lang="en-US" i="1">
+                        <a:solidFill>
+                          <a:schemeClr val="tx1"/>
+                        </a:solidFill>
+                        <a:latin typeface="Cambria Math" panose="02040503050406030204" pitchFamily="18" charset="0"/>
+                      </a:rPr>
+                      <m:t>𝑠</m:t>
+                    </m:r>
+                    <m:r>
+                      <a:rPr lang="en-US" i="1">
+                        <a:solidFill>
+                          <a:schemeClr val="tx1"/>
+                        </a:solidFill>
+                        <a:latin typeface="Cambria Math" panose="02040503050406030204" pitchFamily="18" charset="0"/>
+                      </a:rPr>
+                      <m:t>]</m:t>
+                    </m:r>
+                  </m:oMath>
+                </a14:m>
+                <a:r>
+                  <a:rPr lang="en-US" dirty="0"/>
+                  <a:t> </a:t>
+                </a:r>
+                <a14:m>
+                  <m:oMath xmlns:m="http://schemas.openxmlformats.org/officeDocument/2006/math">
+                    <m:r>
+                      <a:rPr lang="en-US" i="1" smtClean="0">
+                        <a:solidFill>
+                          <a:schemeClr val="tx1"/>
+                        </a:solidFill>
+                        <a:latin typeface="Cambria Math" panose="02040503050406030204" pitchFamily="18" charset="0"/>
+                      </a:rPr>
+                      <m:t>=</m:t>
+                    </m:r>
+                    <m:sSub>
+                      <m:sSubPr>
+                        <m:ctrlPr>
+                          <a:rPr lang="en-US" i="1">
+                            <a:solidFill>
+                              <a:schemeClr val="tx1"/>
+                            </a:solidFill>
+                            <a:latin typeface="Cambria Math" panose="02040503050406030204" pitchFamily="18" charset="0"/>
+                          </a:rPr>
+                        </m:ctrlPr>
+                      </m:sSubPr>
+                      <m:e>
+                        <m:r>
+                          <a:rPr lang="en-US" i="1">
+                            <a:solidFill>
+                              <a:schemeClr val="tx1"/>
+                            </a:solidFill>
+                            <a:latin typeface="Cambria Math" panose="02040503050406030204" pitchFamily="18" charset="0"/>
+                          </a:rPr>
+                          <m:t>𝔼</m:t>
+                        </m:r>
+                      </m:e>
+                      <m:sub>
+                        <m:r>
+                          <a:rPr lang="en-US" i="1">
+                            <a:solidFill>
+                              <a:schemeClr val="tx1"/>
+                            </a:solidFill>
+                            <a:latin typeface="Cambria Math" panose="02040503050406030204" pitchFamily="18" charset="0"/>
+                          </a:rPr>
+                          <m:t>𝜋</m:t>
+                        </m:r>
+                      </m:sub>
+                    </m:sSub>
+                    <m:r>
+                      <a:rPr lang="en-US" i="1">
+                        <a:solidFill>
+                          <a:schemeClr val="tx1"/>
+                        </a:solidFill>
+                        <a:latin typeface="Cambria Math" panose="02040503050406030204" pitchFamily="18" charset="0"/>
+                      </a:rPr>
+                      <m:t>[</m:t>
+                    </m:r>
+                    <m:sSub>
+                      <m:sSubPr>
+                        <m:ctrlPr>
+                          <a:rPr lang="en-US" i="1">
+                            <a:solidFill>
+                              <a:schemeClr val="tx1"/>
+                            </a:solidFill>
+                            <a:latin typeface="Cambria Math" panose="02040503050406030204" pitchFamily="18" charset="0"/>
+                          </a:rPr>
+                        </m:ctrlPr>
+                      </m:sSubPr>
+                      <m:e>
+                        <m:r>
+                          <a:rPr lang="en-US" i="1">
+                            <a:solidFill>
+                              <a:schemeClr val="tx1"/>
+                            </a:solidFill>
+                            <a:latin typeface="Cambria Math" panose="02040503050406030204" pitchFamily="18" charset="0"/>
+                          </a:rPr>
+                          <m:t>𝑅</m:t>
+                        </m:r>
+                      </m:e>
+                      <m:sub>
+                        <m:r>
+                          <a:rPr lang="en-US" i="1">
+                            <a:latin typeface="Cambria Math" panose="02040503050406030204" pitchFamily="18" charset="0"/>
+                          </a:rPr>
+                          <m:t>𝑡</m:t>
+                        </m:r>
+                        <m:r>
+                          <a:rPr lang="en-US" i="1">
+                            <a:latin typeface="Cambria Math" panose="02040503050406030204" pitchFamily="18" charset="0"/>
+                          </a:rPr>
+                          <m:t>+1</m:t>
+                        </m:r>
+                      </m:sub>
+                    </m:sSub>
+                    <m:r>
+                      <a:rPr lang="en-US" i="1">
+                        <a:solidFill>
+                          <a:schemeClr val="tx1"/>
+                        </a:solidFill>
+                        <a:latin typeface="Cambria Math" panose="02040503050406030204" pitchFamily="18" charset="0"/>
+                      </a:rPr>
+                      <m:t>+</m:t>
+                    </m:r>
+                    <m:r>
+                      <a:rPr lang="en-US" i="1">
+                        <a:solidFill>
+                          <a:schemeClr val="tx1"/>
+                        </a:solidFill>
+                        <a:latin typeface="Cambria Math" panose="02040503050406030204" pitchFamily="18" charset="0"/>
+                      </a:rPr>
+                      <m:t>𝛾</m:t>
+                    </m:r>
+                    <m:sSub>
+                      <m:sSubPr>
+                        <m:ctrlPr>
+                          <a:rPr lang="en-US" i="1">
+                            <a:solidFill>
+                              <a:schemeClr val="tx1"/>
+                            </a:solidFill>
+                            <a:latin typeface="Cambria Math" panose="02040503050406030204" pitchFamily="18" charset="0"/>
+                          </a:rPr>
+                        </m:ctrlPr>
+                      </m:sSubPr>
+                      <m:e>
+                        <m:r>
+                          <a:rPr lang="en-US" i="1">
+                            <a:solidFill>
+                              <a:schemeClr val="tx1"/>
+                            </a:solidFill>
+                            <a:latin typeface="Cambria Math" panose="02040503050406030204" pitchFamily="18" charset="0"/>
+                          </a:rPr>
+                          <m:t>𝑣</m:t>
+                        </m:r>
+                      </m:e>
+                      <m:sub>
+                        <m:r>
+                          <a:rPr lang="en-US" i="1">
+                            <a:solidFill>
+                              <a:schemeClr val="tx1"/>
+                            </a:solidFill>
+                            <a:latin typeface="Cambria Math" panose="02040503050406030204" pitchFamily="18" charset="0"/>
+                          </a:rPr>
+                          <m:t>𝜋</m:t>
+                        </m:r>
+                      </m:sub>
+                    </m:sSub>
+                    <m:r>
+                      <a:rPr lang="en-US" i="1">
+                        <a:solidFill>
+                          <a:schemeClr val="tx1"/>
+                        </a:solidFill>
+                        <a:latin typeface="Cambria Math" panose="02040503050406030204" pitchFamily="18" charset="0"/>
+                      </a:rPr>
+                      <m:t>(</m:t>
+                    </m:r>
+                    <m:sSub>
+                      <m:sSubPr>
+                        <m:ctrlPr>
+                          <a:rPr lang="en-US" i="1">
+                            <a:solidFill>
+                              <a:schemeClr val="tx1"/>
+                            </a:solidFill>
+                            <a:latin typeface="Cambria Math" panose="02040503050406030204" pitchFamily="18" charset="0"/>
+                          </a:rPr>
+                        </m:ctrlPr>
+                      </m:sSubPr>
+                      <m:e>
+                        <m:r>
+                          <a:rPr lang="en-US" i="1">
+                            <a:solidFill>
+                              <a:schemeClr val="tx1"/>
+                            </a:solidFill>
+                            <a:latin typeface="Cambria Math" panose="02040503050406030204" pitchFamily="18" charset="0"/>
+                          </a:rPr>
+                          <m:t>𝑆</m:t>
+                        </m:r>
+                      </m:e>
+                      <m:sub>
+                        <m:r>
+                          <a:rPr lang="en-US" i="1">
+                            <a:solidFill>
+                              <a:schemeClr val="tx1"/>
+                            </a:solidFill>
+                            <a:latin typeface="Cambria Math" panose="02040503050406030204" pitchFamily="18" charset="0"/>
+                          </a:rPr>
+                          <m:t>𝑡</m:t>
+                        </m:r>
+                        <m:r>
+                          <a:rPr lang="en-US" i="1">
+                            <a:solidFill>
+                              <a:schemeClr val="tx1"/>
+                            </a:solidFill>
+                            <a:latin typeface="Cambria Math" panose="02040503050406030204" pitchFamily="18" charset="0"/>
+                          </a:rPr>
+                          <m:t>+1</m:t>
+                        </m:r>
+                      </m:sub>
+                    </m:sSub>
+                    <m:r>
+                      <a:rPr lang="en-US" i="1">
+                        <a:solidFill>
+                          <a:schemeClr val="tx1"/>
+                        </a:solidFill>
+                        <a:latin typeface="Cambria Math" panose="02040503050406030204" pitchFamily="18" charset="0"/>
+                      </a:rPr>
+                      <m:t>)|</m:t>
+                    </m:r>
+                    <m:sSub>
+                      <m:sSubPr>
+                        <m:ctrlPr>
+                          <a:rPr lang="en-US" i="1">
+                            <a:solidFill>
+                              <a:schemeClr val="tx1"/>
+                            </a:solidFill>
+                            <a:latin typeface="Cambria Math" panose="02040503050406030204" pitchFamily="18" charset="0"/>
+                          </a:rPr>
+                        </m:ctrlPr>
+                      </m:sSubPr>
+                      <m:e>
+                        <m:r>
+                          <a:rPr lang="en-US" i="1">
+                            <a:solidFill>
+                              <a:schemeClr val="tx1"/>
+                            </a:solidFill>
+                            <a:latin typeface="Cambria Math" panose="02040503050406030204" pitchFamily="18" charset="0"/>
+                          </a:rPr>
+                          <m:t>𝑆</m:t>
+                        </m:r>
+                      </m:e>
+                      <m:sub>
+                        <m:r>
+                          <a:rPr lang="en-US" i="1">
+                            <a:solidFill>
+                              <a:schemeClr val="tx1"/>
+                            </a:solidFill>
+                            <a:latin typeface="Cambria Math" panose="02040503050406030204" pitchFamily="18" charset="0"/>
+                          </a:rPr>
+                          <m:t>𝑡</m:t>
+                        </m:r>
+                      </m:sub>
+                    </m:sSub>
+                    <m:r>
+                      <a:rPr lang="en-US" i="1">
+                        <a:solidFill>
+                          <a:schemeClr val="tx1"/>
+                        </a:solidFill>
+                        <a:latin typeface="Cambria Math" panose="02040503050406030204" pitchFamily="18" charset="0"/>
+                      </a:rPr>
+                      <m:t>=</m:t>
+                    </m:r>
+                    <m:r>
+                      <a:rPr lang="en-US" i="1">
+                        <a:solidFill>
+                          <a:schemeClr val="tx1"/>
+                        </a:solidFill>
+                        <a:latin typeface="Cambria Math" panose="02040503050406030204" pitchFamily="18" charset="0"/>
+                      </a:rPr>
+                      <m:t>𝑠</m:t>
+                    </m:r>
+                    <m:r>
+                      <a:rPr lang="en-US" b="0" i="1" smtClean="0">
+                        <a:solidFill>
+                          <a:schemeClr val="tx1"/>
+                        </a:solidFill>
+                        <a:latin typeface="Cambria Math" panose="02040503050406030204" pitchFamily="18" charset="0"/>
+                      </a:rPr>
+                      <m:t>, </m:t>
+                    </m:r>
+                    <m:sSub>
+                      <m:sSubPr>
+                        <m:ctrlPr>
+                          <a:rPr lang="en-US" b="0" i="1" smtClean="0">
+                            <a:solidFill>
+                              <a:schemeClr val="tx1"/>
+                            </a:solidFill>
+                            <a:latin typeface="Cambria Math" panose="02040503050406030204" pitchFamily="18" charset="0"/>
+                          </a:rPr>
+                        </m:ctrlPr>
+                      </m:sSubPr>
+                      <m:e>
+                        <m:r>
+                          <a:rPr lang="en-US" b="0" i="1" smtClean="0">
+                            <a:solidFill>
+                              <a:schemeClr val="tx1"/>
+                            </a:solidFill>
+                            <a:latin typeface="Cambria Math" panose="02040503050406030204" pitchFamily="18" charset="0"/>
+                          </a:rPr>
+                          <m:t>𝐴</m:t>
+                        </m:r>
+                      </m:e>
+                      <m:sub>
+                        <m:r>
+                          <a:rPr lang="en-US" b="0" i="1" smtClean="0">
+                            <a:solidFill>
+                              <a:schemeClr val="tx1"/>
+                            </a:solidFill>
+                            <a:latin typeface="Cambria Math" panose="02040503050406030204" pitchFamily="18" charset="0"/>
+                          </a:rPr>
+                          <m:t>𝑡</m:t>
+                        </m:r>
+                      </m:sub>
+                    </m:sSub>
+                    <m:r>
+                      <a:rPr lang="en-US" b="0" i="1" smtClean="0">
+                        <a:solidFill>
+                          <a:schemeClr val="tx1"/>
+                        </a:solidFill>
+                        <a:latin typeface="Cambria Math" panose="02040503050406030204" pitchFamily="18" charset="0"/>
+                      </a:rPr>
+                      <m:t>=</m:t>
+                    </m:r>
+                    <m:r>
+                      <a:rPr lang="en-US" b="0" i="1" smtClean="0">
+                        <a:solidFill>
+                          <a:schemeClr val="tx1"/>
+                        </a:solidFill>
+                        <a:latin typeface="Cambria Math" panose="02040503050406030204" pitchFamily="18" charset="0"/>
+                      </a:rPr>
+                      <m:t>𝑎</m:t>
+                    </m:r>
+                    <m:r>
+                      <a:rPr lang="en-US" i="1">
+                        <a:solidFill>
+                          <a:schemeClr val="tx1"/>
+                        </a:solidFill>
+                        <a:latin typeface="Cambria Math" panose="02040503050406030204" pitchFamily="18" charset="0"/>
+                      </a:rPr>
+                      <m:t>]</m:t>
+                    </m:r>
+                  </m:oMath>
+                </a14:m>
+                <a:endParaRPr lang="en-SE" dirty="0"/>
+              </a:p>
+            </p:txBody>
+          </p:sp>
+        </mc:Choice>
+        <mc:Fallback xmlns="">
+          <p:sp>
+            <p:nvSpPr>
+              <p:cNvPr id="3" name="Notes Placeholder 2"/>
+              <p:cNvSpPr>
+                <a:spLocks noGrp="1"/>
+              </p:cNvSpPr>
+              <p:nvPr>
+                <p:ph type="body" idx="1"/>
+              </p:nvPr>
+            </p:nvSpPr>
+            <p:spPr/>
+            <p:txBody>
+              <a:bodyPr/>
+              <a:lstStyle/>
+              <a:p>
+                <a:r>
+                  <a:rPr lang="en-US" i="0">
+                    <a:solidFill>
+                      <a:schemeClr val="tx1"/>
+                    </a:solidFill>
+                    <a:latin typeface="Cambria Math" panose="02040503050406030204" pitchFamily="18" charset="0"/>
+                  </a:rPr>
+                  <a:t>=𝔼_𝜋 [𝑅_(</a:t>
+                </a:r>
+                <a:r>
+                  <a:rPr lang="en-US" i="0">
+                    <a:latin typeface="Cambria Math" panose="02040503050406030204" pitchFamily="18" charset="0"/>
+                  </a:rPr>
+                  <a:t>𝑡+1</a:t>
+                </a:r>
+                <a:r>
+                  <a:rPr lang="en-US" i="0">
+                    <a:solidFill>
+                      <a:schemeClr val="tx1"/>
+                    </a:solidFill>
+                    <a:latin typeface="Cambria Math" panose="02040503050406030204" pitchFamily="18" charset="0"/>
+                  </a:rPr>
+                  <a:t>)+𝛾𝑣_𝜋 (𝑆_(𝑡+1))|𝑆_𝑡=𝑠]</a:t>
+                </a:r>
+                <a:r>
+                  <a:rPr lang="en-US" dirty="0"/>
+                  <a:t> </a:t>
+                </a:r>
+                <a:r>
+                  <a:rPr lang="en-US" i="0">
+                    <a:solidFill>
+                      <a:schemeClr val="tx1"/>
+                    </a:solidFill>
+                    <a:latin typeface="Cambria Math" panose="02040503050406030204" pitchFamily="18" charset="0"/>
+                  </a:rPr>
+                  <a:t>=𝔼_𝜋 [𝑅_(</a:t>
+                </a:r>
+                <a:r>
+                  <a:rPr lang="en-US" i="0">
+                    <a:latin typeface="Cambria Math" panose="02040503050406030204" pitchFamily="18" charset="0"/>
+                  </a:rPr>
+                  <a:t>𝑡+1</a:t>
+                </a:r>
+                <a:r>
+                  <a:rPr lang="en-US" i="0">
+                    <a:solidFill>
+                      <a:schemeClr val="tx1"/>
+                    </a:solidFill>
+                    <a:latin typeface="Cambria Math" panose="02040503050406030204" pitchFamily="18" charset="0"/>
+                  </a:rPr>
+                  <a:t>)+𝛾𝑣_𝜋 (𝑆_(𝑡+1))|𝑆_𝑡=𝑠</a:t>
+                </a:r>
+                <a:r>
+                  <a:rPr lang="en-US" b="0" i="0">
+                    <a:solidFill>
+                      <a:schemeClr val="tx1"/>
+                    </a:solidFill>
+                    <a:latin typeface="Cambria Math" panose="02040503050406030204" pitchFamily="18" charset="0"/>
+                  </a:rPr>
+                  <a:t>, 𝐴_𝑡=𝑎</a:t>
+                </a:r>
+                <a:r>
+                  <a:rPr lang="en-US" i="0">
+                    <a:solidFill>
+                      <a:schemeClr val="tx1"/>
+                    </a:solidFill>
+                    <a:latin typeface="Cambria Math" panose="02040503050406030204" pitchFamily="18" charset="0"/>
+                  </a:rPr>
+                  <a:t>]</a:t>
+                </a:r>
+                <a:endParaRPr lang="en-SE" dirty="0"/>
+              </a:p>
+            </p:txBody>
+          </p:sp>
+        </mc:Fallback>
+      </mc:AlternateContent>
+      <p:sp>
+        <p:nvSpPr>
+          <p:cNvPr id="4" name="Slide Number Placeholder 3"/>
+          <p:cNvSpPr>
+            <a:spLocks noGrp="1"/>
+          </p:cNvSpPr>
+          <p:nvPr>
+            <p:ph type="sldNum" sz="quarter" idx="5"/>
+          </p:nvPr>
+        </p:nvSpPr>
+        <p:spPr/>
+        <p:txBody>
+          <a:bodyPr/>
+          <a:lstStyle/>
+          <a:p>
+            <a:pPr>
+              <a:defRPr/>
+            </a:pPr>
+            <a:fld id="{6FA21340-DBF0-4FAC-9DE2-FD6DB24B56C8}" type="slidenum">
+              <a:rPr lang="en-US" altLang="zh-CN" smtClean="0"/>
+              <a:pPr>
+                <a:defRPr/>
+              </a:pPr>
+              <a:t>8</a:t>
+            </a:fld>
+            <a:endParaRPr lang="en-US" altLang="zh-CN"/>
+          </a:p>
+        </p:txBody>
+      </p:sp>
+    </p:spTree>
+    <p:extLst>
+      <p:ext uri="{BB962C8B-B14F-4D97-AF65-F5344CB8AC3E}">
+        <p14:creationId xmlns:p14="http://schemas.microsoft.com/office/powerpoint/2010/main" val="2980603923"/>
+      </p:ext>
+    </p:extLst>
+  </p:cSld>
+  <p:clrMapOvr>
+    <a:masterClrMapping/>
+  </p:clrMapOvr>
+</p:notes>
+</file>
+
+<file path=ppt/notesSlides/notesSlide7.xml><?xml version="1.0" encoding="utf-8"?>
 <p:notes xmlns:a="http://schemas.openxmlformats.org/drawingml/2006/main" xmlns:r="http://schemas.openxmlformats.org/officeDocument/2006/relationships" xmlns:p="http://schemas.openxmlformats.org/presentationml/2006/main">
   <p:cSld>
     <p:spTree>
@@ -2610,7 +2955,7 @@
               <a:pPr>
                 <a:defRPr/>
               </a:pPr>
-              <a:t>11</a:t>
+              <a:t>13</a:t>
             </a:fld>
             <a:endParaRPr lang="en-US" altLang="zh-CN"/>
           </a:p>
@@ -2629,7 +2974,7 @@
 </p:notes>
 </file>
 
-<file path=ppt/notesSlides/notesSlide7.xml><?xml version="1.0" encoding="utf-8"?>
+<file path=ppt/notesSlides/notesSlide8.xml><?xml version="1.0" encoding="utf-8"?>
 <p:notes xmlns:a="http://schemas.openxmlformats.org/drawingml/2006/main" xmlns:r="http://schemas.openxmlformats.org/officeDocument/2006/relationships" xmlns:p="http://schemas.openxmlformats.org/presentationml/2006/main">
   <p:cSld>
     <p:spTree>
@@ -2721,7 +3066,7 @@
               <a:pPr>
                 <a:defRPr/>
               </a:pPr>
-              <a:t>17</a:t>
+              <a:t>19</a:t>
             </a:fld>
             <a:endParaRPr lang="en-US" altLang="zh-CN"/>
           </a:p>
@@ -2922,7 +3267,7 @@
             <a:fld id="{CE1938E7-FCD4-418C-87D0-DD707A52F1FF}" type="datetimeFigureOut">
               <a:rPr lang="en-US" smtClean="0"/>
               <a:pPr/>
-              <a:t>5/26/2021</a:t>
+              <a:t>5/27/2021</a:t>
             </a:fld>
             <a:endParaRPr lang="en-US"/>
           </a:p>
@@ -3462,7 +3807,7 @@
             <a:fld id="{CE1938E7-FCD4-418C-87D0-DD707A52F1FF}" type="datetimeFigureOut">
               <a:rPr lang="en-US" smtClean="0"/>
               <a:pPr/>
-              <a:t>5/26/2021</a:t>
+              <a:t>5/27/2021</a:t>
             </a:fld>
             <a:endParaRPr lang="en-US"/>
           </a:p>
@@ -3893,6 +4238,278 @@
           <p:cNvPr id="2" name="Title 1">
             <a:extLst>
               <a:ext uri="{FF2B5EF4-FFF2-40B4-BE49-F238E27FC236}">
+                <a16:creationId xmlns:a16="http://schemas.microsoft.com/office/drawing/2014/main" id="{21FB5266-4590-468C-9077-C7F2C285665C}"/>
+              </a:ext>
+            </a:extLst>
+          </p:cNvPr>
+          <p:cNvSpPr>
+            <a:spLocks noGrp="1"/>
+          </p:cNvSpPr>
+          <p:nvPr>
+            <p:ph type="title"/>
+          </p:nvPr>
+        </p:nvSpPr>
+        <p:spPr/>
+        <p:txBody>
+          <a:bodyPr/>
+          <a:lstStyle/>
+          <a:p>
+            <a:endParaRPr lang="en-SE"/>
+          </a:p>
+        </p:txBody>
+      </p:sp>
+      <p:sp>
+        <p:nvSpPr>
+          <p:cNvPr id="3" name="Content Placeholder 2">
+            <a:extLst>
+              <a:ext uri="{FF2B5EF4-FFF2-40B4-BE49-F238E27FC236}">
+                <a16:creationId xmlns:a16="http://schemas.microsoft.com/office/drawing/2014/main" id="{DF4EADC7-FB9B-4918-A71C-F7C48B44CC1F}"/>
+              </a:ext>
+            </a:extLst>
+          </p:cNvPr>
+          <p:cNvSpPr>
+            <a:spLocks noGrp="1"/>
+          </p:cNvSpPr>
+          <p:nvPr>
+            <p:ph idx="1"/>
+          </p:nvPr>
+        </p:nvSpPr>
+        <p:spPr/>
+        <p:txBody>
+          <a:bodyPr/>
+          <a:lstStyle/>
+          <a:p>
+            <a:endParaRPr lang="en-SE"/>
+          </a:p>
+        </p:txBody>
+      </p:sp>
+      <p:pic>
+        <p:nvPicPr>
+          <p:cNvPr id="5" name="Picture 4">
+            <a:extLst>
+              <a:ext uri="{FF2B5EF4-FFF2-40B4-BE49-F238E27FC236}">
+                <a16:creationId xmlns:a16="http://schemas.microsoft.com/office/drawing/2014/main" id="{E3264125-6DB7-4B73-9EEE-6D51B2AFF992}"/>
+              </a:ext>
+            </a:extLst>
+          </p:cNvPr>
+          <p:cNvPicPr>
+            <a:picLocks noChangeAspect="1"/>
+          </p:cNvPicPr>
+          <p:nvPr/>
+        </p:nvPicPr>
+        <p:blipFill>
+          <a:blip r:embed="rId2"/>
+          <a:stretch>
+            <a:fillRect/>
+          </a:stretch>
+        </p:blipFill>
+        <p:spPr>
+          <a:xfrm>
+            <a:off x="1809364" y="2060848"/>
+            <a:ext cx="5525271" cy="4191585"/>
+          </a:xfrm>
+          <a:prstGeom prst="rect">
+            <a:avLst/>
+          </a:prstGeom>
+        </p:spPr>
+      </p:pic>
+    </p:spTree>
+    <p:extLst>
+      <p:ext uri="{BB962C8B-B14F-4D97-AF65-F5344CB8AC3E}">
+        <p14:creationId xmlns:p14="http://schemas.microsoft.com/office/powerpoint/2010/main" val="2412958184"/>
+      </p:ext>
+    </p:extLst>
+  </p:cSld>
+  <p:clrMapOvr>
+    <a:masterClrMapping/>
+  </p:clrMapOvr>
+</p:sld>
+</file>
+
+<file path=ppt/slides/slide11.xml><?xml version="1.0" encoding="utf-8"?>
+<p:sld xmlns:a="http://schemas.openxmlformats.org/drawingml/2006/main" xmlns:r="http://schemas.openxmlformats.org/officeDocument/2006/relationships" xmlns:p="http://schemas.openxmlformats.org/presentationml/2006/main">
+  <p:cSld>
+    <p:spTree>
+      <p:nvGrpSpPr>
+        <p:cNvPr id="1" name=""/>
+        <p:cNvGrpSpPr/>
+        <p:nvPr/>
+      </p:nvGrpSpPr>
+      <p:grpSpPr>
+        <a:xfrm>
+          <a:off x="0" y="0"/>
+          <a:ext cx="0" cy="0"/>
+          <a:chOff x="0" y="0"/>
+          <a:chExt cx="0" cy="0"/>
+        </a:xfrm>
+      </p:grpSpPr>
+      <p:sp>
+        <p:nvSpPr>
+          <p:cNvPr id="2" name="Title 1">
+            <a:extLst>
+              <a:ext uri="{FF2B5EF4-FFF2-40B4-BE49-F238E27FC236}">
+                <a16:creationId xmlns:a16="http://schemas.microsoft.com/office/drawing/2014/main" id="{A2D725FE-676A-433D-AA67-733FF45EAC01}"/>
+              </a:ext>
+            </a:extLst>
+          </p:cNvPr>
+          <p:cNvSpPr>
+            <a:spLocks noGrp="1"/>
+          </p:cNvSpPr>
+          <p:nvPr>
+            <p:ph type="title"/>
+          </p:nvPr>
+        </p:nvSpPr>
+        <p:spPr/>
+        <p:txBody>
+          <a:bodyPr/>
+          <a:lstStyle/>
+          <a:p>
+            <a:r>
+              <a:rPr lang="en-US" dirty="0"/>
+              <a:t>Lab2</a:t>
+            </a:r>
+            <a:endParaRPr lang="en-SE" dirty="0"/>
+          </a:p>
+        </p:txBody>
+      </p:sp>
+      <p:sp>
+        <p:nvSpPr>
+          <p:cNvPr id="3" name="Content Placeholder 2">
+            <a:extLst>
+              <a:ext uri="{FF2B5EF4-FFF2-40B4-BE49-F238E27FC236}">
+                <a16:creationId xmlns:a16="http://schemas.microsoft.com/office/drawing/2014/main" id="{03D2D1B3-896C-4AAA-861C-F5F66575A603}"/>
+              </a:ext>
+            </a:extLst>
+          </p:cNvPr>
+          <p:cNvSpPr>
+            <a:spLocks noGrp="1"/>
+          </p:cNvSpPr>
+          <p:nvPr>
+            <p:ph idx="1"/>
+          </p:nvPr>
+        </p:nvSpPr>
+        <p:spPr/>
+        <p:txBody>
+          <a:bodyPr>
+            <a:normAutofit fontScale="85000" lnSpcReduction="10000"/>
+          </a:bodyPr>
+          <a:lstStyle/>
+          <a:p>
+            <a:r>
+              <a:rPr lang="en-US" dirty="0"/>
+              <a:t>Lab2: The </a:t>
+            </a:r>
+            <a:r>
+              <a:rPr lang="en-US" dirty="0" err="1"/>
+              <a:t>cte</a:t>
+            </a:r>
+            <a:r>
+              <a:rPr lang="en-US" dirty="0"/>
+              <a:t>() function should be changed to make it a round track shape. It is normal to have persistent large tracking errors at high speeds.</a:t>
+            </a:r>
+          </a:p>
+          <a:p>
+            <a:r>
+              <a:rPr lang="en-US" dirty="0"/>
+              <a:t>You did not change the track shape by modifying the </a:t>
+            </a:r>
+            <a:r>
+              <a:rPr lang="en-US" dirty="0" err="1"/>
+              <a:t>cte</a:t>
+            </a:r>
+            <a:r>
+              <a:rPr lang="en-US" dirty="0"/>
+              <a:t>() function.</a:t>
+            </a:r>
+          </a:p>
+          <a:p>
+            <a:r>
+              <a:rPr lang="en-US" dirty="0"/>
+              <a:t>Emphasize that the track shape must be a perfect circle.</a:t>
+            </a:r>
+          </a:p>
+          <a:p>
+            <a:r>
+              <a:rPr lang="en-US" dirty="0"/>
+              <a:t>It is an interesting idea to twiddle dt, but dt is supposed to stay constant during controller tuning, and frequent updates to dt during execution may not be a good idea.</a:t>
+            </a:r>
+          </a:p>
+          <a:p>
+            <a:r>
+              <a:rPr lang="en-US" dirty="0"/>
+              <a:t>Good report: Ellen Lindgren, </a:t>
+            </a:r>
+            <a:r>
+              <a:rPr lang="en-US" b="0" i="0" dirty="0">
+                <a:solidFill>
+                  <a:srgbClr val="2D3B45"/>
+                </a:solidFill>
+                <a:effectLst/>
+                <a:latin typeface="Lato Extended"/>
+              </a:rPr>
+              <a:t>Maurice Gerardus, Leila </a:t>
+            </a:r>
+            <a:r>
+              <a:rPr lang="en-US" b="0" i="0" dirty="0" err="1">
+                <a:solidFill>
+                  <a:srgbClr val="2D3B45"/>
+                </a:solidFill>
+                <a:effectLst/>
+                <a:latin typeface="Lato Extended"/>
+              </a:rPr>
+              <a:t>Methnani</a:t>
+            </a:r>
+            <a:r>
+              <a:rPr lang="en-US" b="0" i="0" dirty="0">
+                <a:solidFill>
+                  <a:srgbClr val="2D3B45"/>
+                </a:solidFill>
+                <a:effectLst/>
+                <a:latin typeface="Lato Extended"/>
+              </a:rPr>
+              <a:t>, </a:t>
+            </a:r>
+          </a:p>
+          <a:p>
+            <a:endParaRPr lang="en-SE" dirty="0"/>
+          </a:p>
+        </p:txBody>
+      </p:sp>
+    </p:spTree>
+    <p:extLst>
+      <p:ext uri="{BB962C8B-B14F-4D97-AF65-F5344CB8AC3E}">
+        <p14:creationId xmlns:p14="http://schemas.microsoft.com/office/powerpoint/2010/main" val="1793737622"/>
+      </p:ext>
+    </p:extLst>
+  </p:cSld>
+  <p:clrMapOvr>
+    <a:masterClrMapping/>
+  </p:clrMapOvr>
+</p:sld>
+</file>
+
+<file path=ppt/slides/slide12.xml><?xml version="1.0" encoding="utf-8"?>
+<p:sld xmlns:a="http://schemas.openxmlformats.org/drawingml/2006/main" xmlns:r="http://schemas.openxmlformats.org/officeDocument/2006/relationships" xmlns:p="http://schemas.openxmlformats.org/presentationml/2006/main">
+  <p:cSld>
+    <p:spTree>
+      <p:nvGrpSpPr>
+        <p:cNvPr id="1" name=""/>
+        <p:cNvGrpSpPr/>
+        <p:nvPr/>
+      </p:nvGrpSpPr>
+      <p:grpSpPr>
+        <a:xfrm>
+          <a:off x="0" y="0"/>
+          <a:ext cx="0" cy="0"/>
+          <a:chOff x="0" y="0"/>
+          <a:chExt cx="0" cy="0"/>
+        </a:xfrm>
+      </p:grpSpPr>
+      <p:sp>
+        <p:nvSpPr>
+          <p:cNvPr id="2" name="Title 1">
+            <a:extLst>
+              <a:ext uri="{FF2B5EF4-FFF2-40B4-BE49-F238E27FC236}">
                 <a16:creationId xmlns:a16="http://schemas.microsoft.com/office/drawing/2014/main" id="{E4A7FFCE-EA5D-460A-B0B4-490A79858967}"/>
               </a:ext>
             </a:extLst>
@@ -4031,7 +4648,7 @@
 </p:sld>
 </file>
 
-<file path=ppt/slides/slide11.xml><?xml version="1.0" encoding="utf-8"?>
+<file path=ppt/slides/slide13.xml><?xml version="1.0" encoding="utf-8"?>
 <p:sld xmlns:a="http://schemas.openxmlformats.org/drawingml/2006/main" xmlns:r="http://schemas.openxmlformats.org/officeDocument/2006/relationships" xmlns:p="http://schemas.openxmlformats.org/presentationml/2006/main">
   <p:cSld>
     <p:spTree>
@@ -8067,7 +8684,7 @@
               <a:pPr>
                 <a:defRPr/>
               </a:pPr>
-              <a:t>11</a:t>
+              <a:t>13</a:t>
             </a:fld>
             <a:endParaRPr lang="en-US" altLang="zh-CN"/>
           </a:p>
@@ -10965,7 +11582,7 @@
 </p:sld>
 </file>
 
-<file path=ppt/slides/slide12.xml><?xml version="1.0" encoding="utf-8"?>
+<file path=ppt/slides/slide14.xml><?xml version="1.0" encoding="utf-8"?>
 <p:sld xmlns:a="http://schemas.openxmlformats.org/drawingml/2006/main" xmlns:r="http://schemas.openxmlformats.org/officeDocument/2006/relationships" xmlns:p="http://schemas.openxmlformats.org/presentationml/2006/main">
   <p:cSld>
     <p:spTree>
@@ -11470,7 +12087,7 @@
               <a:pPr>
                 <a:defRPr/>
               </a:pPr>
-              <a:t>12</a:t>
+              <a:t>14</a:t>
             </a:fld>
             <a:endParaRPr lang="en-US" altLang="zh-CN"/>
           </a:p>
@@ -11549,7 +12166,7 @@
 </p:sld>
 </file>
 
-<file path=ppt/slides/slide13.xml><?xml version="1.0" encoding="utf-8"?>
+<file path=ppt/slides/slide15.xml><?xml version="1.0" encoding="utf-8"?>
 <p:sld xmlns:a="http://schemas.openxmlformats.org/drawingml/2006/main" xmlns:r="http://schemas.openxmlformats.org/officeDocument/2006/relationships" xmlns:p="http://schemas.openxmlformats.org/presentationml/2006/main">
   <p:cSld>
     <p:spTree>
@@ -12486,7 +13103,7 @@
               <a:pPr>
                 <a:defRPr/>
               </a:pPr>
-              <a:t>13</a:t>
+              <a:t>15</a:t>
             </a:fld>
             <a:endParaRPr lang="en-US" altLang="zh-CN"/>
           </a:p>
@@ -12505,7 +13122,7 @@
 </p:sld>
 </file>
 
-<file path=ppt/slides/slide14.xml><?xml version="1.0" encoding="utf-8"?>
+<file path=ppt/slides/slide16.xml><?xml version="1.0" encoding="utf-8"?>
 <p:sld xmlns:a="http://schemas.openxmlformats.org/drawingml/2006/main" xmlns:r="http://schemas.openxmlformats.org/officeDocument/2006/relationships" xmlns:p="http://schemas.openxmlformats.org/presentationml/2006/main">
   <p:cSld>
     <p:spTree>
@@ -12773,7 +13390,7 @@
               <a:pPr>
                 <a:defRPr/>
               </a:pPr>
-              <a:t>14</a:t>
+              <a:t>16</a:t>
             </a:fld>
             <a:endParaRPr lang="en-US" altLang="zh-CN"/>
           </a:p>
@@ -13000,7 +13617,7 @@
 </p:sld>
 </file>
 
-<file path=ppt/slides/slide15.xml><?xml version="1.0" encoding="utf-8"?>
+<file path=ppt/slides/slide17.xml><?xml version="1.0" encoding="utf-8"?>
 <p:sld xmlns:a="http://schemas.openxmlformats.org/drawingml/2006/main" xmlns:r="http://schemas.openxmlformats.org/officeDocument/2006/relationships" xmlns:p="http://schemas.openxmlformats.org/presentationml/2006/main">
   <p:cSld>
     <p:spTree>
@@ -13162,7 +13779,7 @@
 </p:sld>
 </file>
 
-<file path=ppt/slides/slide16.xml><?xml version="1.0" encoding="utf-8"?>
+<file path=ppt/slides/slide18.xml><?xml version="1.0" encoding="utf-8"?>
 <p:sld xmlns:a="http://schemas.openxmlformats.org/drawingml/2006/main" xmlns:r="http://schemas.openxmlformats.org/officeDocument/2006/relationships" xmlns:p="http://schemas.openxmlformats.org/presentationml/2006/main">
   <p:cSld>
     <p:spTree>
@@ -13377,7 +13994,7 @@
               <a:pPr>
                 <a:defRPr/>
               </a:pPr>
-              <a:t>16</a:t>
+              <a:t>18</a:t>
             </a:fld>
             <a:endParaRPr lang="en-US" altLang="zh-CN"/>
           </a:p>
@@ -14421,7 +15038,7 @@
 </p:sld>
 </file>
 
-<file path=ppt/slides/slide17.xml><?xml version="1.0" encoding="utf-8"?>
+<file path=ppt/slides/slide19.xml><?xml version="1.0" encoding="utf-8"?>
 <p:sld xmlns:a="http://schemas.openxmlformats.org/drawingml/2006/main" xmlns:r="http://schemas.openxmlformats.org/officeDocument/2006/relationships" xmlns:p="http://schemas.openxmlformats.org/presentationml/2006/main">
   <p:cSld>
     <p:spTree>
@@ -14876,7 +15493,7 @@
               <a:pPr>
                 <a:defRPr/>
               </a:pPr>
-              <a:t>17</a:t>
+              <a:t>19</a:t>
             </a:fld>
             <a:endParaRPr lang="en-US" altLang="zh-CN"/>
           </a:p>
@@ -14955,7 +15572,125 @@
 </p:sld>
 </file>
 
-<file path=ppt/slides/slide18.xml><?xml version="1.0" encoding="utf-8"?>
+<file path=ppt/slides/slide2.xml><?xml version="1.0" encoding="utf-8"?>
+<p:sld xmlns:a="http://schemas.openxmlformats.org/drawingml/2006/main" xmlns:r="http://schemas.openxmlformats.org/officeDocument/2006/relationships" xmlns:p="http://schemas.openxmlformats.org/presentationml/2006/main">
+  <p:cSld>
+    <p:spTree>
+      <p:nvGrpSpPr>
+        <p:cNvPr id="1" name=""/>
+        <p:cNvGrpSpPr/>
+        <p:nvPr/>
+      </p:nvGrpSpPr>
+      <p:grpSpPr>
+        <a:xfrm>
+          <a:off x="0" y="0"/>
+          <a:ext cx="0" cy="0"/>
+          <a:chOff x="0" y="0"/>
+          <a:chExt cx="0" cy="0"/>
+        </a:xfrm>
+      </p:grpSpPr>
+      <p:sp>
+        <p:nvSpPr>
+          <p:cNvPr id="2" name="Title 1">
+            <a:extLst>
+              <a:ext uri="{FF2B5EF4-FFF2-40B4-BE49-F238E27FC236}">
+                <a16:creationId xmlns:a16="http://schemas.microsoft.com/office/drawing/2014/main" id="{AFC58355-C5A8-4203-97BF-4D58CD096A1C}"/>
+              </a:ext>
+            </a:extLst>
+          </p:cNvPr>
+          <p:cNvSpPr>
+            <a:spLocks noGrp="1"/>
+          </p:cNvSpPr>
+          <p:nvPr>
+            <p:ph type="title"/>
+          </p:nvPr>
+        </p:nvSpPr>
+        <p:spPr/>
+        <p:txBody>
+          <a:bodyPr/>
+          <a:lstStyle/>
+          <a:p>
+            <a:endParaRPr lang="en-SE"/>
+          </a:p>
+        </p:txBody>
+      </p:sp>
+      <p:sp>
+        <p:nvSpPr>
+          <p:cNvPr id="3" name="Content Placeholder 2">
+            <a:extLst>
+              <a:ext uri="{FF2B5EF4-FFF2-40B4-BE49-F238E27FC236}">
+                <a16:creationId xmlns:a16="http://schemas.microsoft.com/office/drawing/2014/main" id="{43AEE5E1-A1F0-4BFE-9823-6118AACC3A26}"/>
+              </a:ext>
+            </a:extLst>
+          </p:cNvPr>
+          <p:cNvSpPr>
+            <a:spLocks noGrp="1"/>
+          </p:cNvSpPr>
+          <p:nvPr>
+            <p:ph idx="1"/>
+          </p:nvPr>
+        </p:nvSpPr>
+        <p:spPr/>
+        <p:txBody>
+          <a:bodyPr>
+            <a:normAutofit fontScale="92500" lnSpcReduction="20000"/>
+          </a:bodyPr>
+          <a:lstStyle/>
+          <a:p>
+            <a:r>
+              <a:rPr lang="en-US" dirty="0"/>
+              <a:t>21.	What is the Exploration - Exploitation dilemma?</a:t>
+            </a:r>
+          </a:p>
+          <a:p>
+            <a:r>
+              <a:rPr lang="en-US" dirty="0"/>
+              <a:t>A.	Find Balance between Exploration, to take greedy action to maximize reward, and Exploitation, to try new and unknown states and actions.</a:t>
+            </a:r>
+          </a:p>
+          <a:p>
+            <a:r>
+              <a:rPr lang="en-US" dirty="0"/>
+              <a:t>B.	Play the game and observe the rewards we get</a:t>
+            </a:r>
+          </a:p>
+          <a:p>
+            <a:r>
+              <a:rPr lang="en-US" dirty="0"/>
+              <a:t>C.	Use our current knowledge about which action seems to produce the most rewards, and always pick that action.</a:t>
+            </a:r>
+          </a:p>
+          <a:p>
+            <a:r>
+              <a:rPr lang="en-US" dirty="0"/>
+              <a:t>D.	Find Balance between Exploration, to try new and unknown states and actions, and Exploitation, to take greedy action to maximize reward.</a:t>
+            </a:r>
+          </a:p>
+          <a:p>
+            <a:r>
+              <a:rPr lang="en-US"/>
+              <a:t>ANS: ________________</a:t>
+            </a:r>
+          </a:p>
+          <a:p>
+            <a:endParaRPr lang="en-SE"/>
+          </a:p>
+        </p:txBody>
+      </p:sp>
+    </p:spTree>
+    <p:extLst>
+      <p:ext uri="{BB962C8B-B14F-4D97-AF65-F5344CB8AC3E}">
+        <p14:creationId xmlns:p14="http://schemas.microsoft.com/office/powerpoint/2010/main" val="2671814802"/>
+      </p:ext>
+    </p:extLst>
+  </p:cSld>
+  <p:clrMapOvr>
+    <a:masterClrMapping/>
+  </p:clrMapOvr>
+</p:sld>
+</file>
+
+<file path=ppt/slides/slide20.xml><?xml version="1.0" encoding="utf-8"?>
 <p:sld xmlns:a="http://schemas.openxmlformats.org/drawingml/2006/main" xmlns:r="http://schemas.openxmlformats.org/officeDocument/2006/relationships" xmlns:p="http://schemas.openxmlformats.org/presentationml/2006/main">
   <p:cSld>
     <p:spTree>
@@ -16918,7 +17653,7 @@
 </p:sld>
 </file>
 
-<file path=ppt/slides/slide2.xml><?xml version="1.0" encoding="utf-8"?>
+<file path=ppt/slides/slide3.xml><?xml version="1.0" encoding="utf-8"?>
 <p:sld xmlns:a="http://schemas.openxmlformats.org/drawingml/2006/main" xmlns:r="http://schemas.openxmlformats.org/officeDocument/2006/relationships" xmlns:p="http://schemas.openxmlformats.org/presentationml/2006/main">
   <p:cSld>
     <p:spTree>
@@ -16956,7 +17691,11 @@
           <a:bodyPr/>
           <a:lstStyle/>
           <a:p>
-            <a:endParaRPr lang="en-SE"/>
+            <a:r>
+              <a:rPr lang="en-US" dirty="0"/>
+              <a:t>Reduce Variance</a:t>
+            </a:r>
+            <a:endParaRPr lang="en-SE" dirty="0"/>
           </a:p>
         </p:txBody>
       </p:sp>
@@ -17049,7 +17788,2268 @@
 </p:sld>
 </file>
 
-<file path=ppt/slides/slide3.xml><?xml version="1.0" encoding="utf-8"?>
+<file path=ppt/slides/slide4.xml><?xml version="1.0" encoding="utf-8"?>
+<p:sld xmlns:a="http://schemas.openxmlformats.org/drawingml/2006/main" xmlns:r="http://schemas.openxmlformats.org/officeDocument/2006/relationships" xmlns:p="http://schemas.openxmlformats.org/presentationml/2006/main">
+  <p:cSld>
+    <p:spTree>
+      <p:nvGrpSpPr>
+        <p:cNvPr id="1" name=""/>
+        <p:cNvGrpSpPr/>
+        <p:nvPr/>
+      </p:nvGrpSpPr>
+      <p:grpSpPr>
+        <a:xfrm>
+          <a:off x="0" y="0"/>
+          <a:ext cx="0" cy="0"/>
+          <a:chOff x="0" y="0"/>
+          <a:chExt cx="0" cy="0"/>
+        </a:xfrm>
+      </p:grpSpPr>
+      <p:sp>
+        <p:nvSpPr>
+          <p:cNvPr id="2" name="Title 1">
+            <a:extLst>
+              <a:ext uri="{FF2B5EF4-FFF2-40B4-BE49-F238E27FC236}">
+                <a16:creationId xmlns:a16="http://schemas.microsoft.com/office/drawing/2014/main" id="{2282AD63-E583-467F-A541-6B5FB580C4BA}"/>
+              </a:ext>
+            </a:extLst>
+          </p:cNvPr>
+          <p:cNvSpPr>
+            <a:spLocks noGrp="1"/>
+          </p:cNvSpPr>
+          <p:nvPr>
+            <p:ph type="title"/>
+          </p:nvPr>
+        </p:nvSpPr>
+        <p:spPr>
+          <a:xfrm>
+            <a:off x="1066800" y="274638"/>
+            <a:ext cx="8229600" cy="868362"/>
+          </a:xfrm>
+        </p:spPr>
+        <p:txBody>
+          <a:bodyPr/>
+          <a:lstStyle/>
+          <a:p>
+            <a:r>
+              <a:rPr lang="en-US" dirty="0"/>
+              <a:t>Bellman Expectation Equations</a:t>
+            </a:r>
+            <a:endParaRPr lang="en-SE" dirty="0"/>
+          </a:p>
+        </p:txBody>
+      </p:sp>
+      <mc:AlternateContent xmlns:mc="http://schemas.openxmlformats.org/markup-compatibility/2006" xmlns:a14="http://schemas.microsoft.com/office/drawing/2010/main">
+        <mc:Choice Requires="a14">
+          <p:sp>
+            <p:nvSpPr>
+              <p:cNvPr id="3" name="Content Placeholder 2">
+                <a:extLst>
+                  <a:ext uri="{FF2B5EF4-FFF2-40B4-BE49-F238E27FC236}">
+                    <a16:creationId xmlns:a16="http://schemas.microsoft.com/office/drawing/2014/main" id="{B1B99C71-7D67-4880-A5D5-CD55AF48D874}"/>
+                  </a:ext>
+                </a:extLst>
+              </p:cNvPr>
+              <p:cNvSpPr>
+                <a:spLocks noGrp="1"/>
+              </p:cNvSpPr>
+              <p:nvPr>
+                <p:ph idx="1"/>
+              </p:nvPr>
+            </p:nvSpPr>
+            <p:spPr>
+              <a:xfrm>
+                <a:off x="381000" y="1295400"/>
+                <a:ext cx="8382000" cy="5105400"/>
+              </a:xfrm>
+            </p:spPr>
+            <p:txBody>
+              <a:bodyPr>
+                <a:normAutofit fontScale="85000" lnSpcReduction="10000"/>
+              </a:bodyPr>
+              <a:lstStyle/>
+              <a:p>
+                <a:r>
+                  <a:rPr lang="en-US" dirty="0"/>
+                  <a:t>Bellman Expectation Equation for </a:t>
+                </a:r>
+                <a:r>
+                  <a:rPr lang="en-US" dirty="0">
+                    <a:solidFill>
+                      <a:schemeClr val="tx1"/>
+                    </a:solidFill>
+                  </a:rPr>
+                  <a:t>State Value Function:</a:t>
+                </a:r>
+              </a:p>
+              <a:p>
+                <a14:m>
+                  <m:oMath xmlns:m="http://schemas.openxmlformats.org/officeDocument/2006/math">
+                    <m:sSub>
+                      <m:sSubPr>
+                        <m:ctrlPr>
+                          <a:rPr lang="en-US" i="1">
+                            <a:solidFill>
+                              <a:schemeClr val="tx1"/>
+                            </a:solidFill>
+                            <a:latin typeface="Cambria Math" panose="02040503050406030204" pitchFamily="18" charset="0"/>
+                          </a:rPr>
+                        </m:ctrlPr>
+                      </m:sSubPr>
+                      <m:e>
+                        <m:r>
+                          <a:rPr lang="en-US" i="1">
+                            <a:solidFill>
+                              <a:schemeClr val="tx1"/>
+                            </a:solidFill>
+                            <a:latin typeface="Cambria Math" panose="02040503050406030204" pitchFamily="18" charset="0"/>
+                          </a:rPr>
+                          <m:t>𝑣</m:t>
+                        </m:r>
+                      </m:e>
+                      <m:sub>
+                        <m:r>
+                          <a:rPr lang="en-US" i="1">
+                            <a:solidFill>
+                              <a:schemeClr val="tx1"/>
+                            </a:solidFill>
+                            <a:latin typeface="Cambria Math" panose="02040503050406030204" pitchFamily="18" charset="0"/>
+                          </a:rPr>
+                          <m:t>𝜋</m:t>
+                        </m:r>
+                      </m:sub>
+                    </m:sSub>
+                    <m:d>
+                      <m:dPr>
+                        <m:ctrlPr>
+                          <a:rPr lang="en-US" i="1">
+                            <a:solidFill>
+                              <a:schemeClr val="tx1"/>
+                            </a:solidFill>
+                            <a:latin typeface="Cambria Math" panose="02040503050406030204" pitchFamily="18" charset="0"/>
+                          </a:rPr>
+                        </m:ctrlPr>
+                      </m:dPr>
+                      <m:e>
+                        <m:r>
+                          <a:rPr lang="en-US" i="1">
+                            <a:solidFill>
+                              <a:schemeClr val="tx1"/>
+                            </a:solidFill>
+                            <a:latin typeface="Cambria Math" panose="02040503050406030204" pitchFamily="18" charset="0"/>
+                          </a:rPr>
+                          <m:t>𝑠</m:t>
+                        </m:r>
+                      </m:e>
+                    </m:d>
+                    <m:r>
+                      <a:rPr lang="en-US" i="1">
+                        <a:solidFill>
+                          <a:schemeClr val="tx1"/>
+                        </a:solidFill>
+                        <a:latin typeface="Cambria Math" panose="02040503050406030204" pitchFamily="18" charset="0"/>
+                      </a:rPr>
+                      <m:t>=</m:t>
+                    </m:r>
+                    <m:nary>
+                      <m:naryPr>
+                        <m:chr m:val="∑"/>
+                        <m:supHide m:val="on"/>
+                        <m:ctrlPr>
+                          <a:rPr lang="en-US" i="1" smtClean="0">
+                            <a:solidFill>
+                              <a:srgbClr val="C00000"/>
+                            </a:solidFill>
+                            <a:latin typeface="Cambria Math" panose="02040503050406030204" pitchFamily="18" charset="0"/>
+                          </a:rPr>
+                        </m:ctrlPr>
+                      </m:naryPr>
+                      <m:sub>
+                        <m:r>
+                          <a:rPr lang="en-US" i="1">
+                            <a:solidFill>
+                              <a:srgbClr val="C00000"/>
+                            </a:solidFill>
+                            <a:latin typeface="Cambria Math" panose="02040503050406030204" pitchFamily="18" charset="0"/>
+                          </a:rPr>
+                          <m:t>𝑎</m:t>
+                        </m:r>
+                      </m:sub>
+                      <m:sup/>
+                      <m:e>
+                        <m:r>
+                          <a:rPr lang="en-US" i="1">
+                            <a:solidFill>
+                              <a:srgbClr val="C00000"/>
+                            </a:solidFill>
+                            <a:latin typeface="Cambria Math" panose="02040503050406030204" pitchFamily="18" charset="0"/>
+                          </a:rPr>
+                          <m:t>𝜋</m:t>
+                        </m:r>
+                        <m:d>
+                          <m:dPr>
+                            <m:ctrlPr>
+                              <a:rPr lang="en-US" i="1">
+                                <a:solidFill>
+                                  <a:srgbClr val="C00000"/>
+                                </a:solidFill>
+                                <a:latin typeface="Cambria Math" panose="02040503050406030204" pitchFamily="18" charset="0"/>
+                              </a:rPr>
+                            </m:ctrlPr>
+                          </m:dPr>
+                          <m:e>
+                            <m:r>
+                              <a:rPr lang="en-US" i="1">
+                                <a:solidFill>
+                                  <a:srgbClr val="C00000"/>
+                                </a:solidFill>
+                                <a:latin typeface="Cambria Math" panose="02040503050406030204" pitchFamily="18" charset="0"/>
+                              </a:rPr>
+                              <m:t>𝑎</m:t>
+                            </m:r>
+                          </m:e>
+                          <m:e>
+                            <m:r>
+                              <a:rPr lang="en-US" i="1">
+                                <a:solidFill>
+                                  <a:srgbClr val="C00000"/>
+                                </a:solidFill>
+                                <a:latin typeface="Cambria Math" panose="02040503050406030204" pitchFamily="18" charset="0"/>
+                              </a:rPr>
+                              <m:t>𝑠</m:t>
+                            </m:r>
+                          </m:e>
+                        </m:d>
+                      </m:e>
+                    </m:nary>
+                    <m:nary>
+                      <m:naryPr>
+                        <m:chr m:val="∑"/>
+                        <m:supHide m:val="on"/>
+                        <m:ctrlPr>
+                          <a:rPr lang="en-US" i="1">
+                            <a:solidFill>
+                              <a:schemeClr val="tx1"/>
+                            </a:solidFill>
+                            <a:latin typeface="Cambria Math" panose="02040503050406030204" pitchFamily="18" charset="0"/>
+                          </a:rPr>
+                        </m:ctrlPr>
+                      </m:naryPr>
+                      <m:sub>
+                        <m:r>
+                          <a:rPr lang="en-US" i="1">
+                            <a:solidFill>
+                              <a:schemeClr val="tx1"/>
+                            </a:solidFill>
+                            <a:latin typeface="Cambria Math" panose="02040503050406030204" pitchFamily="18" charset="0"/>
+                          </a:rPr>
+                          <m:t>𝑟</m:t>
+                        </m:r>
+                        <m:r>
+                          <a:rPr lang="en-US" i="1">
+                            <a:solidFill>
+                              <a:schemeClr val="tx1"/>
+                            </a:solidFill>
+                            <a:latin typeface="Cambria Math" panose="02040503050406030204" pitchFamily="18" charset="0"/>
+                          </a:rPr>
+                          <m:t>,</m:t>
+                        </m:r>
+                        <m:sSup>
+                          <m:sSupPr>
+                            <m:ctrlPr>
+                              <a:rPr lang="en-US" i="1">
+                                <a:solidFill>
+                                  <a:schemeClr val="tx1"/>
+                                </a:solidFill>
+                                <a:latin typeface="Cambria Math" panose="02040503050406030204" pitchFamily="18" charset="0"/>
+                              </a:rPr>
+                            </m:ctrlPr>
+                          </m:sSupPr>
+                          <m:e>
+                            <m:r>
+                              <a:rPr lang="en-US" i="1">
+                                <a:solidFill>
+                                  <a:schemeClr val="tx1"/>
+                                </a:solidFill>
+                                <a:latin typeface="Cambria Math" panose="02040503050406030204" pitchFamily="18" charset="0"/>
+                              </a:rPr>
+                              <m:t>𝑠</m:t>
+                            </m:r>
+                          </m:e>
+                          <m:sup>
+                            <m:r>
+                              <a:rPr lang="en-US" i="1">
+                                <a:solidFill>
+                                  <a:schemeClr val="tx1"/>
+                                </a:solidFill>
+                                <a:latin typeface="Cambria Math" panose="02040503050406030204" pitchFamily="18" charset="0"/>
+                              </a:rPr>
+                              <m:t>′</m:t>
+                            </m:r>
+                          </m:sup>
+                        </m:sSup>
+                      </m:sub>
+                      <m:sup/>
+                      <m:e>
+                        <m:r>
+                          <a:rPr lang="en-US" i="1">
+                            <a:solidFill>
+                              <a:schemeClr val="tx1"/>
+                            </a:solidFill>
+                            <a:latin typeface="Cambria Math" panose="02040503050406030204" pitchFamily="18" charset="0"/>
+                          </a:rPr>
+                          <m:t>𝑝</m:t>
+                        </m:r>
+                        <m:d>
+                          <m:dPr>
+                            <m:ctrlPr>
+                              <a:rPr lang="en-US" i="1">
+                                <a:solidFill>
+                                  <a:schemeClr val="tx1"/>
+                                </a:solidFill>
+                                <a:latin typeface="Cambria Math" panose="02040503050406030204" pitchFamily="18" charset="0"/>
+                              </a:rPr>
+                            </m:ctrlPr>
+                          </m:dPr>
+                          <m:e>
+                            <m:r>
+                              <a:rPr lang="en-US" i="1">
+                                <a:solidFill>
+                                  <a:schemeClr val="tx1"/>
+                                </a:solidFill>
+                                <a:latin typeface="Cambria Math" panose="02040503050406030204" pitchFamily="18" charset="0"/>
+                              </a:rPr>
+                              <m:t>𝑟</m:t>
+                            </m:r>
+                            <m:r>
+                              <a:rPr lang="en-US" i="1">
+                                <a:solidFill>
+                                  <a:schemeClr val="tx1"/>
+                                </a:solidFill>
+                                <a:latin typeface="Cambria Math" panose="02040503050406030204" pitchFamily="18" charset="0"/>
+                              </a:rPr>
+                              <m:t>,</m:t>
+                            </m:r>
+                            <m:r>
+                              <a:rPr lang="en-US" i="1">
+                                <a:solidFill>
+                                  <a:schemeClr val="tx1"/>
+                                </a:solidFill>
+                                <a:latin typeface="Cambria Math" panose="02040503050406030204" pitchFamily="18" charset="0"/>
+                              </a:rPr>
+                              <m:t>𝑠</m:t>
+                            </m:r>
+                            <m:r>
+                              <a:rPr lang="en-US" i="1">
+                                <a:solidFill>
+                                  <a:schemeClr val="tx1"/>
+                                </a:solidFill>
+                                <a:latin typeface="Cambria Math" panose="02040503050406030204" pitchFamily="18" charset="0"/>
+                              </a:rPr>
+                              <m:t>′</m:t>
+                            </m:r>
+                          </m:e>
+                          <m:e>
+                            <m:r>
+                              <a:rPr lang="en-US" i="1">
+                                <a:solidFill>
+                                  <a:schemeClr val="tx1"/>
+                                </a:solidFill>
+                                <a:latin typeface="Cambria Math" panose="02040503050406030204" pitchFamily="18" charset="0"/>
+                              </a:rPr>
+                              <m:t>𝑠</m:t>
+                            </m:r>
+                            <m:r>
+                              <a:rPr lang="en-US" i="1">
+                                <a:solidFill>
+                                  <a:schemeClr val="tx1"/>
+                                </a:solidFill>
+                                <a:latin typeface="Cambria Math" panose="02040503050406030204" pitchFamily="18" charset="0"/>
+                              </a:rPr>
+                              <m:t>,</m:t>
+                            </m:r>
+                            <m:r>
+                              <a:rPr lang="en-US" i="1">
+                                <a:solidFill>
+                                  <a:schemeClr val="tx1"/>
+                                </a:solidFill>
+                                <a:latin typeface="Cambria Math" panose="02040503050406030204" pitchFamily="18" charset="0"/>
+                              </a:rPr>
+                              <m:t>𝑎</m:t>
+                            </m:r>
+                          </m:e>
+                        </m:d>
+                      </m:e>
+                    </m:nary>
+                    <m:d>
+                      <m:dPr>
+                        <m:begChr m:val="["/>
+                        <m:endChr m:val="]"/>
+                        <m:ctrlPr>
+                          <a:rPr lang="en-US" i="1">
+                            <a:solidFill>
+                              <a:schemeClr val="tx1"/>
+                            </a:solidFill>
+                            <a:latin typeface="Cambria Math" panose="02040503050406030204" pitchFamily="18" charset="0"/>
+                          </a:rPr>
+                        </m:ctrlPr>
+                      </m:dPr>
+                      <m:e>
+                        <m:r>
+                          <a:rPr lang="en-US" i="1">
+                            <a:solidFill>
+                              <a:schemeClr val="tx1"/>
+                            </a:solidFill>
+                            <a:latin typeface="Cambria Math" panose="02040503050406030204" pitchFamily="18" charset="0"/>
+                          </a:rPr>
+                          <m:t>𝑟</m:t>
+                        </m:r>
+                        <m:r>
+                          <a:rPr lang="en-US" i="1">
+                            <a:solidFill>
+                              <a:schemeClr val="tx1"/>
+                            </a:solidFill>
+                            <a:latin typeface="Cambria Math" panose="02040503050406030204" pitchFamily="18" charset="0"/>
+                          </a:rPr>
+                          <m:t>+</m:t>
+                        </m:r>
+                        <m:r>
+                          <a:rPr lang="en-US" i="1">
+                            <a:solidFill>
+                              <a:schemeClr val="tx1"/>
+                            </a:solidFill>
+                            <a:latin typeface="Cambria Math" panose="02040503050406030204" pitchFamily="18" charset="0"/>
+                          </a:rPr>
+                          <m:t>𝛾</m:t>
+                        </m:r>
+                        <m:sSub>
+                          <m:sSubPr>
+                            <m:ctrlPr>
+                              <a:rPr lang="en-US" i="1">
+                                <a:solidFill>
+                                  <a:schemeClr val="tx1"/>
+                                </a:solidFill>
+                                <a:latin typeface="Cambria Math" panose="02040503050406030204" pitchFamily="18" charset="0"/>
+                              </a:rPr>
+                            </m:ctrlPr>
+                          </m:sSubPr>
+                          <m:e>
+                            <m:r>
+                              <a:rPr lang="en-US" i="1">
+                                <a:solidFill>
+                                  <a:schemeClr val="tx1"/>
+                                </a:solidFill>
+                                <a:latin typeface="Cambria Math" panose="02040503050406030204" pitchFamily="18" charset="0"/>
+                              </a:rPr>
+                              <m:t>𝑣</m:t>
+                            </m:r>
+                          </m:e>
+                          <m:sub>
+                            <m:r>
+                              <a:rPr lang="en-US" i="1">
+                                <a:solidFill>
+                                  <a:schemeClr val="tx1"/>
+                                </a:solidFill>
+                                <a:latin typeface="Cambria Math" panose="02040503050406030204" pitchFamily="18" charset="0"/>
+                              </a:rPr>
+                              <m:t>𝜋</m:t>
+                            </m:r>
+                          </m:sub>
+                        </m:sSub>
+                        <m:d>
+                          <m:dPr>
+                            <m:ctrlPr>
+                              <a:rPr lang="en-US" i="1">
+                                <a:solidFill>
+                                  <a:schemeClr val="tx1"/>
+                                </a:solidFill>
+                                <a:latin typeface="Cambria Math" panose="02040503050406030204" pitchFamily="18" charset="0"/>
+                              </a:rPr>
+                            </m:ctrlPr>
+                          </m:dPr>
+                          <m:e>
+                            <m:sSup>
+                              <m:sSupPr>
+                                <m:ctrlPr>
+                                  <a:rPr lang="en-US" i="1">
+                                    <a:solidFill>
+                                      <a:schemeClr val="tx1"/>
+                                    </a:solidFill>
+                                    <a:latin typeface="Cambria Math" panose="02040503050406030204" pitchFamily="18" charset="0"/>
+                                  </a:rPr>
+                                </m:ctrlPr>
+                              </m:sSupPr>
+                              <m:e>
+                                <m:r>
+                                  <a:rPr lang="en-US" i="1">
+                                    <a:solidFill>
+                                      <a:schemeClr val="tx1"/>
+                                    </a:solidFill>
+                                    <a:latin typeface="Cambria Math" panose="02040503050406030204" pitchFamily="18" charset="0"/>
+                                  </a:rPr>
+                                  <m:t>𝑠</m:t>
+                                </m:r>
+                              </m:e>
+                              <m:sup>
+                                <m:r>
+                                  <a:rPr lang="en-US" i="1">
+                                    <a:solidFill>
+                                      <a:schemeClr val="tx1"/>
+                                    </a:solidFill>
+                                    <a:latin typeface="Cambria Math" panose="02040503050406030204" pitchFamily="18" charset="0"/>
+                                  </a:rPr>
+                                  <m:t>′</m:t>
+                                </m:r>
+                              </m:sup>
+                            </m:sSup>
+                          </m:e>
+                        </m:d>
+                      </m:e>
+                    </m:d>
+                  </m:oMath>
+                </a14:m>
+                <a:endParaRPr lang="en-US" dirty="0">
+                  <a:solidFill>
+                    <a:schemeClr val="tx1"/>
+                  </a:solidFill>
+                </a:endParaRPr>
+              </a:p>
+              <a:p>
+                <a:pPr lvl="1"/>
+                <a:r>
+                  <a:rPr lang="en-US" dirty="0">
+                    <a:solidFill>
+                      <a:schemeClr val="tx1"/>
+                    </a:solidFill>
+                  </a:rPr>
+                  <a:t>Expected value starting from state </a:t>
+                </a:r>
+                <a14:m>
+                  <m:oMath xmlns:m="http://schemas.openxmlformats.org/officeDocument/2006/math">
+                    <m:r>
+                      <a:rPr lang="en-US" b="0" i="1" smtClean="0">
+                        <a:solidFill>
+                          <a:schemeClr val="tx1"/>
+                        </a:solidFill>
+                        <a:latin typeface="Cambria Math" panose="02040503050406030204" pitchFamily="18" charset="0"/>
+                      </a:rPr>
+                      <m:t>𝑠</m:t>
+                    </m:r>
+                  </m:oMath>
+                </a14:m>
+                <a:r>
+                  <a:rPr lang="en-US" dirty="0">
+                    <a:solidFill>
+                      <a:schemeClr val="tx1"/>
+                    </a:solidFill>
+                  </a:rPr>
+                  <a:t> and following policy </a:t>
+                </a:r>
+                <a14:m>
+                  <m:oMath xmlns:m="http://schemas.openxmlformats.org/officeDocument/2006/math">
+                    <m:r>
+                      <a:rPr lang="en-US" b="0" i="1" smtClean="0">
+                        <a:solidFill>
+                          <a:schemeClr val="tx1"/>
+                        </a:solidFill>
+                        <a:latin typeface="Cambria Math" panose="02040503050406030204" pitchFamily="18" charset="0"/>
+                      </a:rPr>
+                      <m:t>𝜋</m:t>
+                    </m:r>
+                  </m:oMath>
+                </a14:m>
+                <a:r>
+                  <a:rPr lang="en-US" dirty="0">
+                    <a:solidFill>
+                      <a:schemeClr val="tx1"/>
+                    </a:solidFill>
+                  </a:rPr>
+                  <a:t>.</a:t>
+                </a:r>
+              </a:p>
+              <a:p>
+                <a:r>
+                  <a:rPr lang="en-US" dirty="0"/>
+                  <a:t>Bellman Expectation Equation for </a:t>
+                </a:r>
+                <a:r>
+                  <a:rPr lang="en-US" dirty="0">
+                    <a:solidFill>
+                      <a:schemeClr val="tx1"/>
+                    </a:solidFill>
+                  </a:rPr>
+                  <a:t>Action Value Function</a:t>
+                </a:r>
+              </a:p>
+              <a:p>
+                <a14:m>
+                  <m:oMath xmlns:m="http://schemas.openxmlformats.org/officeDocument/2006/math">
+                    <m:sSub>
+                      <m:sSubPr>
+                        <m:ctrlPr>
+                          <a:rPr lang="en-US" i="1" smtClean="0">
+                            <a:solidFill>
+                              <a:schemeClr val="tx1"/>
+                            </a:solidFill>
+                            <a:latin typeface="Cambria Math" panose="02040503050406030204" pitchFamily="18" charset="0"/>
+                          </a:rPr>
+                        </m:ctrlPr>
+                      </m:sSubPr>
+                      <m:e>
+                        <m:r>
+                          <a:rPr lang="en-US" b="0" i="1" smtClean="0">
+                            <a:solidFill>
+                              <a:schemeClr val="tx1"/>
+                            </a:solidFill>
+                            <a:latin typeface="Cambria Math" panose="02040503050406030204" pitchFamily="18" charset="0"/>
+                          </a:rPr>
+                          <m:t>𝑞</m:t>
+                        </m:r>
+                      </m:e>
+                      <m:sub>
+                        <m:r>
+                          <a:rPr lang="en-US" i="1">
+                            <a:solidFill>
+                              <a:schemeClr val="tx1"/>
+                            </a:solidFill>
+                            <a:latin typeface="Cambria Math" panose="02040503050406030204" pitchFamily="18" charset="0"/>
+                          </a:rPr>
+                          <m:t>𝜋</m:t>
+                        </m:r>
+                      </m:sub>
+                    </m:sSub>
+                    <m:d>
+                      <m:dPr>
+                        <m:ctrlPr>
+                          <a:rPr lang="en-US" i="1">
+                            <a:solidFill>
+                              <a:schemeClr val="tx1"/>
+                            </a:solidFill>
+                            <a:latin typeface="Cambria Math" panose="02040503050406030204" pitchFamily="18" charset="0"/>
+                          </a:rPr>
+                        </m:ctrlPr>
+                      </m:dPr>
+                      <m:e>
+                        <m:r>
+                          <a:rPr lang="en-US" i="1">
+                            <a:solidFill>
+                              <a:schemeClr val="tx1"/>
+                            </a:solidFill>
+                            <a:latin typeface="Cambria Math" panose="02040503050406030204" pitchFamily="18" charset="0"/>
+                          </a:rPr>
+                          <m:t>𝑠</m:t>
+                        </m:r>
+                        <m:r>
+                          <a:rPr lang="en-US" b="0" i="1" smtClean="0">
+                            <a:solidFill>
+                              <a:schemeClr val="tx1"/>
+                            </a:solidFill>
+                            <a:latin typeface="Cambria Math" panose="02040503050406030204" pitchFamily="18" charset="0"/>
+                          </a:rPr>
+                          <m:t>,</m:t>
+                        </m:r>
+                        <m:r>
+                          <a:rPr lang="en-US" b="0" i="1" smtClean="0">
+                            <a:solidFill>
+                              <a:schemeClr val="tx1"/>
+                            </a:solidFill>
+                            <a:latin typeface="Cambria Math" panose="02040503050406030204" pitchFamily="18" charset="0"/>
+                          </a:rPr>
+                          <m:t>𝑎</m:t>
+                        </m:r>
+                      </m:e>
+                    </m:d>
+                    <m:r>
+                      <a:rPr lang="en-US" i="1">
+                        <a:solidFill>
+                          <a:schemeClr val="tx1"/>
+                        </a:solidFill>
+                        <a:latin typeface="Cambria Math" panose="02040503050406030204" pitchFamily="18" charset="0"/>
+                      </a:rPr>
+                      <m:t>=</m:t>
+                    </m:r>
+                    <m:nary>
+                      <m:naryPr>
+                        <m:chr m:val="∑"/>
+                        <m:supHide m:val="on"/>
+                        <m:ctrlPr>
+                          <a:rPr lang="en-US" i="1">
+                            <a:solidFill>
+                              <a:schemeClr val="tx1"/>
+                            </a:solidFill>
+                            <a:latin typeface="Cambria Math" panose="02040503050406030204" pitchFamily="18" charset="0"/>
+                          </a:rPr>
+                        </m:ctrlPr>
+                      </m:naryPr>
+                      <m:sub>
+                        <m:r>
+                          <a:rPr lang="en-US" i="1">
+                            <a:solidFill>
+                              <a:schemeClr val="tx1"/>
+                            </a:solidFill>
+                            <a:latin typeface="Cambria Math" panose="02040503050406030204" pitchFamily="18" charset="0"/>
+                          </a:rPr>
+                          <m:t>𝑟</m:t>
+                        </m:r>
+                        <m:r>
+                          <a:rPr lang="en-US" i="1">
+                            <a:solidFill>
+                              <a:schemeClr val="tx1"/>
+                            </a:solidFill>
+                            <a:latin typeface="Cambria Math" panose="02040503050406030204" pitchFamily="18" charset="0"/>
+                          </a:rPr>
+                          <m:t>,</m:t>
+                        </m:r>
+                        <m:sSup>
+                          <m:sSupPr>
+                            <m:ctrlPr>
+                              <a:rPr lang="en-US" i="1">
+                                <a:solidFill>
+                                  <a:schemeClr val="tx1"/>
+                                </a:solidFill>
+                                <a:latin typeface="Cambria Math" panose="02040503050406030204" pitchFamily="18" charset="0"/>
+                              </a:rPr>
+                            </m:ctrlPr>
+                          </m:sSupPr>
+                          <m:e>
+                            <m:r>
+                              <a:rPr lang="en-US" i="1">
+                                <a:solidFill>
+                                  <a:schemeClr val="tx1"/>
+                                </a:solidFill>
+                                <a:latin typeface="Cambria Math" panose="02040503050406030204" pitchFamily="18" charset="0"/>
+                              </a:rPr>
+                              <m:t>𝑠</m:t>
+                            </m:r>
+                          </m:e>
+                          <m:sup>
+                            <m:r>
+                              <a:rPr lang="en-US" i="1">
+                                <a:solidFill>
+                                  <a:schemeClr val="tx1"/>
+                                </a:solidFill>
+                                <a:latin typeface="Cambria Math" panose="02040503050406030204" pitchFamily="18" charset="0"/>
+                              </a:rPr>
+                              <m:t>′</m:t>
+                            </m:r>
+                          </m:sup>
+                        </m:sSup>
+                      </m:sub>
+                      <m:sup/>
+                      <m:e>
+                        <m:r>
+                          <a:rPr lang="en-US" i="1">
+                            <a:solidFill>
+                              <a:schemeClr val="tx1"/>
+                            </a:solidFill>
+                            <a:latin typeface="Cambria Math" panose="02040503050406030204" pitchFamily="18" charset="0"/>
+                          </a:rPr>
+                          <m:t>𝑝</m:t>
+                        </m:r>
+                        <m:d>
+                          <m:dPr>
+                            <m:ctrlPr>
+                              <a:rPr lang="en-US" i="1">
+                                <a:solidFill>
+                                  <a:schemeClr val="tx1"/>
+                                </a:solidFill>
+                                <a:latin typeface="Cambria Math" panose="02040503050406030204" pitchFamily="18" charset="0"/>
+                              </a:rPr>
+                            </m:ctrlPr>
+                          </m:dPr>
+                          <m:e>
+                            <m:r>
+                              <a:rPr lang="en-US" i="1">
+                                <a:solidFill>
+                                  <a:schemeClr val="tx1"/>
+                                </a:solidFill>
+                                <a:latin typeface="Cambria Math" panose="02040503050406030204" pitchFamily="18" charset="0"/>
+                              </a:rPr>
+                              <m:t>𝑟</m:t>
+                            </m:r>
+                            <m:r>
+                              <a:rPr lang="en-US" i="1">
+                                <a:solidFill>
+                                  <a:schemeClr val="tx1"/>
+                                </a:solidFill>
+                                <a:latin typeface="Cambria Math" panose="02040503050406030204" pitchFamily="18" charset="0"/>
+                              </a:rPr>
+                              <m:t>,</m:t>
+                            </m:r>
+                            <m:r>
+                              <a:rPr lang="en-US" i="1">
+                                <a:solidFill>
+                                  <a:schemeClr val="tx1"/>
+                                </a:solidFill>
+                                <a:latin typeface="Cambria Math" panose="02040503050406030204" pitchFamily="18" charset="0"/>
+                              </a:rPr>
+                              <m:t>𝑠</m:t>
+                            </m:r>
+                            <m:r>
+                              <a:rPr lang="en-US" i="1">
+                                <a:solidFill>
+                                  <a:schemeClr val="tx1"/>
+                                </a:solidFill>
+                                <a:latin typeface="Cambria Math" panose="02040503050406030204" pitchFamily="18" charset="0"/>
+                              </a:rPr>
+                              <m:t>′</m:t>
+                            </m:r>
+                          </m:e>
+                          <m:e>
+                            <m:r>
+                              <a:rPr lang="en-US" i="1">
+                                <a:solidFill>
+                                  <a:schemeClr val="tx1"/>
+                                </a:solidFill>
+                                <a:latin typeface="Cambria Math" panose="02040503050406030204" pitchFamily="18" charset="0"/>
+                              </a:rPr>
+                              <m:t>𝑠</m:t>
+                            </m:r>
+                            <m:r>
+                              <a:rPr lang="en-US" i="1">
+                                <a:solidFill>
+                                  <a:schemeClr val="tx1"/>
+                                </a:solidFill>
+                                <a:latin typeface="Cambria Math" panose="02040503050406030204" pitchFamily="18" charset="0"/>
+                              </a:rPr>
+                              <m:t>,</m:t>
+                            </m:r>
+                            <m:r>
+                              <a:rPr lang="en-US" i="1">
+                                <a:solidFill>
+                                  <a:schemeClr val="tx1"/>
+                                </a:solidFill>
+                                <a:latin typeface="Cambria Math" panose="02040503050406030204" pitchFamily="18" charset="0"/>
+                              </a:rPr>
+                              <m:t>𝑎</m:t>
+                            </m:r>
+                          </m:e>
+                        </m:d>
+                      </m:e>
+                    </m:nary>
+                    <m:d>
+                      <m:dPr>
+                        <m:begChr m:val="["/>
+                        <m:endChr m:val="]"/>
+                        <m:ctrlPr>
+                          <a:rPr lang="en-US" i="1">
+                            <a:solidFill>
+                              <a:schemeClr val="tx1"/>
+                            </a:solidFill>
+                            <a:latin typeface="Cambria Math" panose="02040503050406030204" pitchFamily="18" charset="0"/>
+                          </a:rPr>
+                        </m:ctrlPr>
+                      </m:dPr>
+                      <m:e>
+                        <m:r>
+                          <a:rPr lang="en-US" i="1">
+                            <a:solidFill>
+                              <a:schemeClr val="tx1"/>
+                            </a:solidFill>
+                            <a:latin typeface="Cambria Math" panose="02040503050406030204" pitchFamily="18" charset="0"/>
+                          </a:rPr>
+                          <m:t>𝑟</m:t>
+                        </m:r>
+                        <m:r>
+                          <a:rPr lang="en-US" i="1">
+                            <a:solidFill>
+                              <a:schemeClr val="tx1"/>
+                            </a:solidFill>
+                            <a:latin typeface="Cambria Math" panose="02040503050406030204" pitchFamily="18" charset="0"/>
+                          </a:rPr>
+                          <m:t>+</m:t>
+                        </m:r>
+                        <m:r>
+                          <a:rPr lang="en-US" i="1">
+                            <a:solidFill>
+                              <a:schemeClr val="tx1"/>
+                            </a:solidFill>
+                            <a:latin typeface="Cambria Math" panose="02040503050406030204" pitchFamily="18" charset="0"/>
+                          </a:rPr>
+                          <m:t>𝛾</m:t>
+                        </m:r>
+                        <m:nary>
+                          <m:naryPr>
+                            <m:chr m:val="∑"/>
+                            <m:supHide m:val="on"/>
+                            <m:ctrlPr>
+                              <a:rPr lang="en-US" i="1" smtClean="0">
+                                <a:solidFill>
+                                  <a:srgbClr val="C00000"/>
+                                </a:solidFill>
+                                <a:latin typeface="Cambria Math" panose="02040503050406030204" pitchFamily="18" charset="0"/>
+                              </a:rPr>
+                            </m:ctrlPr>
+                          </m:naryPr>
+                          <m:sub>
+                            <m:r>
+                              <a:rPr lang="en-US" i="1">
+                                <a:solidFill>
+                                  <a:srgbClr val="C00000"/>
+                                </a:solidFill>
+                                <a:latin typeface="Cambria Math" panose="02040503050406030204" pitchFamily="18" charset="0"/>
+                              </a:rPr>
+                              <m:t>𝑎</m:t>
+                            </m:r>
+                            <m:r>
+                              <a:rPr lang="en-US" b="0" i="1" smtClean="0">
+                                <a:solidFill>
+                                  <a:srgbClr val="C00000"/>
+                                </a:solidFill>
+                                <a:latin typeface="Cambria Math" panose="02040503050406030204" pitchFamily="18" charset="0"/>
+                              </a:rPr>
+                              <m:t>′</m:t>
+                            </m:r>
+                          </m:sub>
+                          <m:sup/>
+                          <m:e>
+                            <m:r>
+                              <a:rPr lang="en-US" i="1">
+                                <a:solidFill>
+                                  <a:srgbClr val="C00000"/>
+                                </a:solidFill>
+                                <a:latin typeface="Cambria Math" panose="02040503050406030204" pitchFamily="18" charset="0"/>
+                              </a:rPr>
+                              <m:t>𝜋</m:t>
+                            </m:r>
+                            <m:d>
+                              <m:dPr>
+                                <m:ctrlPr>
+                                  <a:rPr lang="en-US" i="1">
+                                    <a:solidFill>
+                                      <a:srgbClr val="C00000"/>
+                                    </a:solidFill>
+                                    <a:latin typeface="Cambria Math" panose="02040503050406030204" pitchFamily="18" charset="0"/>
+                                  </a:rPr>
+                                </m:ctrlPr>
+                              </m:dPr>
+                              <m:e>
+                                <m:r>
+                                  <a:rPr lang="en-US" i="1">
+                                    <a:solidFill>
+                                      <a:srgbClr val="C00000"/>
+                                    </a:solidFill>
+                                    <a:latin typeface="Cambria Math" panose="02040503050406030204" pitchFamily="18" charset="0"/>
+                                  </a:rPr>
+                                  <m:t>𝑎</m:t>
+                                </m:r>
+                                <m:r>
+                                  <a:rPr lang="en-US" b="0" i="1" smtClean="0">
+                                    <a:solidFill>
+                                      <a:srgbClr val="C00000"/>
+                                    </a:solidFill>
+                                    <a:latin typeface="Cambria Math" panose="02040503050406030204" pitchFamily="18" charset="0"/>
+                                  </a:rPr>
+                                  <m:t>′</m:t>
+                                </m:r>
+                              </m:e>
+                              <m:e>
+                                <m:r>
+                                  <a:rPr lang="en-US" i="1">
+                                    <a:solidFill>
+                                      <a:srgbClr val="C00000"/>
+                                    </a:solidFill>
+                                    <a:latin typeface="Cambria Math" panose="02040503050406030204" pitchFamily="18" charset="0"/>
+                                  </a:rPr>
+                                  <m:t>𝑠</m:t>
+                                </m:r>
+                                <m:r>
+                                  <a:rPr lang="en-US" b="0" i="1" smtClean="0">
+                                    <a:solidFill>
+                                      <a:srgbClr val="C00000"/>
+                                    </a:solidFill>
+                                    <a:latin typeface="Cambria Math" panose="02040503050406030204" pitchFamily="18" charset="0"/>
+                                  </a:rPr>
+                                  <m:t>′</m:t>
+                                </m:r>
+                              </m:e>
+                            </m:d>
+                          </m:e>
+                        </m:nary>
+                        <m:sSub>
+                          <m:sSubPr>
+                            <m:ctrlPr>
+                              <a:rPr lang="en-US" i="1">
+                                <a:solidFill>
+                                  <a:schemeClr val="tx1"/>
+                                </a:solidFill>
+                                <a:latin typeface="Cambria Math" panose="02040503050406030204" pitchFamily="18" charset="0"/>
+                              </a:rPr>
+                            </m:ctrlPr>
+                          </m:sSubPr>
+                          <m:e>
+                            <m:r>
+                              <a:rPr lang="en-US" i="1">
+                                <a:solidFill>
+                                  <a:schemeClr val="tx1"/>
+                                </a:solidFill>
+                                <a:latin typeface="Cambria Math" panose="02040503050406030204" pitchFamily="18" charset="0"/>
+                              </a:rPr>
+                              <m:t>𝑞</m:t>
+                            </m:r>
+                          </m:e>
+                          <m:sub>
+                            <m:r>
+                              <a:rPr lang="en-US" i="1">
+                                <a:solidFill>
+                                  <a:schemeClr val="tx1"/>
+                                </a:solidFill>
+                                <a:latin typeface="Cambria Math" panose="02040503050406030204" pitchFamily="18" charset="0"/>
+                              </a:rPr>
+                              <m:t>𝜋</m:t>
+                            </m:r>
+                          </m:sub>
+                        </m:sSub>
+                        <m:d>
+                          <m:dPr>
+                            <m:ctrlPr>
+                              <a:rPr lang="en-US" i="1">
+                                <a:solidFill>
+                                  <a:schemeClr val="tx1"/>
+                                </a:solidFill>
+                                <a:latin typeface="Cambria Math" panose="02040503050406030204" pitchFamily="18" charset="0"/>
+                              </a:rPr>
+                            </m:ctrlPr>
+                          </m:dPr>
+                          <m:e>
+                            <m:r>
+                              <a:rPr lang="en-US" i="1">
+                                <a:solidFill>
+                                  <a:schemeClr val="tx1"/>
+                                </a:solidFill>
+                                <a:latin typeface="Cambria Math" panose="02040503050406030204" pitchFamily="18" charset="0"/>
+                              </a:rPr>
+                              <m:t>𝑠</m:t>
+                            </m:r>
+                            <m:r>
+                              <a:rPr lang="en-US" b="0" i="1" smtClean="0">
+                                <a:solidFill>
+                                  <a:schemeClr val="tx1"/>
+                                </a:solidFill>
+                                <a:latin typeface="Cambria Math" panose="02040503050406030204" pitchFamily="18" charset="0"/>
+                              </a:rPr>
+                              <m:t>′</m:t>
+                            </m:r>
+                            <m:r>
+                              <a:rPr lang="en-US" i="1">
+                                <a:solidFill>
+                                  <a:schemeClr val="tx1"/>
+                                </a:solidFill>
+                                <a:latin typeface="Cambria Math" panose="02040503050406030204" pitchFamily="18" charset="0"/>
+                              </a:rPr>
+                              <m:t>,</m:t>
+                            </m:r>
+                            <m:r>
+                              <a:rPr lang="en-US" i="1">
+                                <a:solidFill>
+                                  <a:schemeClr val="tx1"/>
+                                </a:solidFill>
+                                <a:latin typeface="Cambria Math" panose="02040503050406030204" pitchFamily="18" charset="0"/>
+                              </a:rPr>
+                              <m:t>𝑎</m:t>
+                            </m:r>
+                            <m:r>
+                              <a:rPr lang="en-US" b="0" i="1" smtClean="0">
+                                <a:solidFill>
+                                  <a:schemeClr val="tx1"/>
+                                </a:solidFill>
+                                <a:latin typeface="Cambria Math" panose="02040503050406030204" pitchFamily="18" charset="0"/>
+                              </a:rPr>
+                              <m:t>′</m:t>
+                            </m:r>
+                          </m:e>
+                        </m:d>
+                      </m:e>
+                    </m:d>
+                  </m:oMath>
+                </a14:m>
+                <a:endParaRPr lang="en-US" dirty="0">
+                  <a:solidFill>
+                    <a:schemeClr val="tx1"/>
+                  </a:solidFill>
+                </a:endParaRPr>
+              </a:p>
+              <a:p>
+                <a:pPr lvl="1"/>
+                <a:r>
+                  <a:rPr lang="en-US" dirty="0">
+                    <a:solidFill>
+                      <a:schemeClr val="tx1"/>
+                    </a:solidFill>
+                  </a:rPr>
+                  <a:t>Expected value starting from state </a:t>
+                </a:r>
+                <a14:m>
+                  <m:oMath xmlns:m="http://schemas.openxmlformats.org/officeDocument/2006/math">
+                    <m:r>
+                      <a:rPr lang="en-US" i="1">
+                        <a:solidFill>
+                          <a:schemeClr val="tx1"/>
+                        </a:solidFill>
+                        <a:latin typeface="Cambria Math" panose="02040503050406030204" pitchFamily="18" charset="0"/>
+                      </a:rPr>
+                      <m:t>𝑠</m:t>
+                    </m:r>
+                  </m:oMath>
+                </a14:m>
+                <a:r>
+                  <a:rPr lang="en-US" dirty="0">
+                    <a:solidFill>
+                      <a:schemeClr val="tx1"/>
+                    </a:solidFill>
+                  </a:rPr>
+                  <a:t>, taking action </a:t>
+                </a:r>
+                <a14:m>
+                  <m:oMath xmlns:m="http://schemas.openxmlformats.org/officeDocument/2006/math">
+                    <m:r>
+                      <a:rPr lang="en-US" b="0" i="1" smtClean="0">
+                        <a:solidFill>
+                          <a:schemeClr val="tx1"/>
+                        </a:solidFill>
+                        <a:latin typeface="Cambria Math" panose="02040503050406030204" pitchFamily="18" charset="0"/>
+                      </a:rPr>
+                      <m:t>𝑎</m:t>
+                    </m:r>
+                  </m:oMath>
+                </a14:m>
+                <a:r>
+                  <a:rPr lang="en-US" dirty="0">
+                    <a:solidFill>
+                      <a:schemeClr val="tx1"/>
+                    </a:solidFill>
+                  </a:rPr>
+                  <a:t>, and thereafter following policy </a:t>
+                </a:r>
+                <a14:m>
+                  <m:oMath xmlns:m="http://schemas.openxmlformats.org/officeDocument/2006/math">
+                    <m:r>
+                      <a:rPr lang="en-US" i="1">
+                        <a:solidFill>
+                          <a:schemeClr val="tx1"/>
+                        </a:solidFill>
+                        <a:latin typeface="Cambria Math" panose="02040503050406030204" pitchFamily="18" charset="0"/>
+                      </a:rPr>
+                      <m:t>𝜋</m:t>
+                    </m:r>
+                  </m:oMath>
+                </a14:m>
+                <a:r>
+                  <a:rPr lang="en-US" dirty="0">
+                    <a:solidFill>
+                      <a:schemeClr val="tx1"/>
+                    </a:solidFill>
+                  </a:rPr>
+                  <a:t>.</a:t>
+                </a:r>
+              </a:p>
+              <a:p>
+                <a:r>
+                  <a:rPr lang="en-US" dirty="0">
+                    <a:solidFill>
+                      <a:schemeClr val="tx1"/>
+                    </a:solidFill>
+                  </a:rPr>
+                  <a:t>Relating </a:t>
+                </a:r>
+                <a14:m>
+                  <m:oMath xmlns:m="http://schemas.openxmlformats.org/officeDocument/2006/math">
+                    <m:sSub>
+                      <m:sSubPr>
+                        <m:ctrlPr>
+                          <a:rPr lang="en-US" i="1" smtClean="0">
+                            <a:solidFill>
+                              <a:schemeClr val="tx1"/>
+                            </a:solidFill>
+                            <a:latin typeface="Cambria Math" panose="02040503050406030204" pitchFamily="18" charset="0"/>
+                          </a:rPr>
+                        </m:ctrlPr>
+                      </m:sSubPr>
+                      <m:e>
+                        <m:r>
+                          <a:rPr lang="en-US" i="1">
+                            <a:solidFill>
+                              <a:schemeClr val="tx1"/>
+                            </a:solidFill>
+                            <a:latin typeface="Cambria Math" panose="02040503050406030204" pitchFamily="18" charset="0"/>
+                          </a:rPr>
+                          <m:t>𝑣</m:t>
+                        </m:r>
+                      </m:e>
+                      <m:sub>
+                        <m:r>
+                          <a:rPr lang="en-US" i="1">
+                            <a:solidFill>
+                              <a:schemeClr val="tx1"/>
+                            </a:solidFill>
+                            <a:latin typeface="Cambria Math" panose="02040503050406030204" pitchFamily="18" charset="0"/>
+                          </a:rPr>
+                          <m:t>𝜋</m:t>
+                        </m:r>
+                      </m:sub>
+                    </m:sSub>
+                    <m:d>
+                      <m:dPr>
+                        <m:ctrlPr>
+                          <a:rPr lang="en-US" i="1">
+                            <a:solidFill>
+                              <a:schemeClr val="tx1"/>
+                            </a:solidFill>
+                            <a:latin typeface="Cambria Math" panose="02040503050406030204" pitchFamily="18" charset="0"/>
+                          </a:rPr>
+                        </m:ctrlPr>
+                      </m:dPr>
+                      <m:e>
+                        <m:r>
+                          <a:rPr lang="en-US" i="1">
+                            <a:solidFill>
+                              <a:schemeClr val="tx1"/>
+                            </a:solidFill>
+                            <a:latin typeface="Cambria Math" panose="02040503050406030204" pitchFamily="18" charset="0"/>
+                          </a:rPr>
+                          <m:t>𝑠</m:t>
+                        </m:r>
+                      </m:e>
+                    </m:d>
+                  </m:oMath>
+                </a14:m>
+                <a:r>
+                  <a:rPr lang="en-US" dirty="0">
+                    <a:solidFill>
+                      <a:schemeClr val="tx1"/>
+                    </a:solidFill>
+                  </a:rPr>
+                  <a:t> and </a:t>
+                </a:r>
+                <a14:m>
+                  <m:oMath xmlns:m="http://schemas.openxmlformats.org/officeDocument/2006/math">
+                    <m:sSub>
+                      <m:sSubPr>
+                        <m:ctrlPr>
+                          <a:rPr lang="en-US" i="1">
+                            <a:solidFill>
+                              <a:schemeClr val="tx1"/>
+                            </a:solidFill>
+                            <a:latin typeface="Cambria Math" panose="02040503050406030204" pitchFamily="18" charset="0"/>
+                          </a:rPr>
+                        </m:ctrlPr>
+                      </m:sSubPr>
+                      <m:e>
+                        <m:r>
+                          <a:rPr lang="en-US" i="1">
+                            <a:solidFill>
+                              <a:schemeClr val="tx1"/>
+                            </a:solidFill>
+                            <a:latin typeface="Cambria Math" panose="02040503050406030204" pitchFamily="18" charset="0"/>
+                          </a:rPr>
+                          <m:t>𝑞</m:t>
+                        </m:r>
+                      </m:e>
+                      <m:sub>
+                        <m:r>
+                          <a:rPr lang="en-US" i="1">
+                            <a:solidFill>
+                              <a:schemeClr val="tx1"/>
+                            </a:solidFill>
+                            <a:latin typeface="Cambria Math" panose="02040503050406030204" pitchFamily="18" charset="0"/>
+                          </a:rPr>
+                          <m:t>𝜋</m:t>
+                        </m:r>
+                      </m:sub>
+                    </m:sSub>
+                    <m:d>
+                      <m:dPr>
+                        <m:ctrlPr>
+                          <a:rPr lang="en-US" i="1">
+                            <a:solidFill>
+                              <a:schemeClr val="tx1"/>
+                            </a:solidFill>
+                            <a:latin typeface="Cambria Math" panose="02040503050406030204" pitchFamily="18" charset="0"/>
+                          </a:rPr>
+                        </m:ctrlPr>
+                      </m:dPr>
+                      <m:e>
+                        <m:r>
+                          <a:rPr lang="en-US" i="1">
+                            <a:solidFill>
+                              <a:schemeClr val="tx1"/>
+                            </a:solidFill>
+                            <a:latin typeface="Cambria Math" panose="02040503050406030204" pitchFamily="18" charset="0"/>
+                          </a:rPr>
+                          <m:t>𝑠</m:t>
+                        </m:r>
+                        <m:r>
+                          <a:rPr lang="en-US" i="1">
+                            <a:solidFill>
+                              <a:schemeClr val="tx1"/>
+                            </a:solidFill>
+                            <a:latin typeface="Cambria Math" panose="02040503050406030204" pitchFamily="18" charset="0"/>
+                          </a:rPr>
+                          <m:t>,</m:t>
+                        </m:r>
+                        <m:r>
+                          <a:rPr lang="en-US" i="1">
+                            <a:solidFill>
+                              <a:schemeClr val="tx1"/>
+                            </a:solidFill>
+                            <a:latin typeface="Cambria Math" panose="02040503050406030204" pitchFamily="18" charset="0"/>
+                          </a:rPr>
+                          <m:t>𝑎</m:t>
+                        </m:r>
+                      </m:e>
+                    </m:d>
+                  </m:oMath>
+                </a14:m>
+                <a:r>
+                  <a:rPr lang="en-US" dirty="0">
+                    <a:solidFill>
+                      <a:schemeClr val="tx1"/>
+                    </a:solidFill>
+                  </a:rPr>
+                  <a:t>:</a:t>
+                </a:r>
+              </a:p>
+              <a:p>
+                <a:pPr lvl="1"/>
+                <a14:m>
+                  <m:oMath xmlns:m="http://schemas.openxmlformats.org/officeDocument/2006/math">
+                    <m:sSub>
+                      <m:sSubPr>
+                        <m:ctrlPr>
+                          <a:rPr lang="en-US" i="1" smtClean="0">
+                            <a:solidFill>
+                              <a:schemeClr val="tx1"/>
+                            </a:solidFill>
+                            <a:latin typeface="Cambria Math" panose="02040503050406030204" pitchFamily="18" charset="0"/>
+                          </a:rPr>
+                        </m:ctrlPr>
+                      </m:sSubPr>
+                      <m:e>
+                        <m:r>
+                          <a:rPr lang="en-US" i="1">
+                            <a:solidFill>
+                              <a:schemeClr val="tx1"/>
+                            </a:solidFill>
+                            <a:latin typeface="Cambria Math" panose="02040503050406030204" pitchFamily="18" charset="0"/>
+                          </a:rPr>
+                          <m:t>𝑣</m:t>
+                        </m:r>
+                      </m:e>
+                      <m:sub>
+                        <m:r>
+                          <a:rPr lang="en-US" i="1">
+                            <a:solidFill>
+                              <a:schemeClr val="tx1"/>
+                            </a:solidFill>
+                            <a:latin typeface="Cambria Math" panose="02040503050406030204" pitchFamily="18" charset="0"/>
+                          </a:rPr>
+                          <m:t>𝜋</m:t>
+                        </m:r>
+                      </m:sub>
+                    </m:sSub>
+                    <m:d>
+                      <m:dPr>
+                        <m:ctrlPr>
+                          <a:rPr lang="en-US" i="1">
+                            <a:solidFill>
+                              <a:schemeClr val="tx1"/>
+                            </a:solidFill>
+                            <a:latin typeface="Cambria Math" panose="02040503050406030204" pitchFamily="18" charset="0"/>
+                          </a:rPr>
+                        </m:ctrlPr>
+                      </m:dPr>
+                      <m:e>
+                        <m:r>
+                          <a:rPr lang="en-US" i="1">
+                            <a:solidFill>
+                              <a:schemeClr val="tx1"/>
+                            </a:solidFill>
+                            <a:latin typeface="Cambria Math" panose="02040503050406030204" pitchFamily="18" charset="0"/>
+                          </a:rPr>
+                          <m:t>𝑠</m:t>
+                        </m:r>
+                      </m:e>
+                    </m:d>
+                    <m:r>
+                      <a:rPr lang="en-US" i="1">
+                        <a:solidFill>
+                          <a:schemeClr val="tx1"/>
+                        </a:solidFill>
+                        <a:latin typeface="Cambria Math" panose="02040503050406030204" pitchFamily="18" charset="0"/>
+                      </a:rPr>
+                      <m:t>=</m:t>
+                    </m:r>
+                    <m:nary>
+                      <m:naryPr>
+                        <m:chr m:val="∑"/>
+                        <m:supHide m:val="on"/>
+                        <m:ctrlPr>
+                          <a:rPr lang="en-US" i="1">
+                            <a:solidFill>
+                              <a:schemeClr val="tx1"/>
+                            </a:solidFill>
+                            <a:latin typeface="Cambria Math" panose="02040503050406030204" pitchFamily="18" charset="0"/>
+                          </a:rPr>
+                        </m:ctrlPr>
+                      </m:naryPr>
+                      <m:sub>
+                        <m:r>
+                          <a:rPr lang="en-US" i="1">
+                            <a:solidFill>
+                              <a:schemeClr val="tx1"/>
+                            </a:solidFill>
+                            <a:latin typeface="Cambria Math" panose="02040503050406030204" pitchFamily="18" charset="0"/>
+                          </a:rPr>
+                          <m:t>𝑎</m:t>
+                        </m:r>
+                      </m:sub>
+                      <m:sup/>
+                      <m:e>
+                        <m:r>
+                          <a:rPr lang="en-US" i="1">
+                            <a:solidFill>
+                              <a:schemeClr val="tx1"/>
+                            </a:solidFill>
+                            <a:latin typeface="Cambria Math" panose="02040503050406030204" pitchFamily="18" charset="0"/>
+                          </a:rPr>
+                          <m:t>𝜋</m:t>
+                        </m:r>
+                        <m:d>
+                          <m:dPr>
+                            <m:ctrlPr>
+                              <a:rPr lang="en-US" i="1">
+                                <a:solidFill>
+                                  <a:schemeClr val="tx1"/>
+                                </a:solidFill>
+                                <a:latin typeface="Cambria Math" panose="02040503050406030204" pitchFamily="18" charset="0"/>
+                              </a:rPr>
+                            </m:ctrlPr>
+                          </m:dPr>
+                          <m:e>
+                            <m:r>
+                              <a:rPr lang="en-US" i="1">
+                                <a:solidFill>
+                                  <a:schemeClr val="tx1"/>
+                                </a:solidFill>
+                                <a:latin typeface="Cambria Math" panose="02040503050406030204" pitchFamily="18" charset="0"/>
+                              </a:rPr>
+                              <m:t>𝑎</m:t>
+                            </m:r>
+                          </m:e>
+                          <m:e>
+                            <m:r>
+                              <a:rPr lang="en-US" i="1">
+                                <a:solidFill>
+                                  <a:schemeClr val="tx1"/>
+                                </a:solidFill>
+                                <a:latin typeface="Cambria Math" panose="02040503050406030204" pitchFamily="18" charset="0"/>
+                              </a:rPr>
+                              <m:t>𝑠</m:t>
+                            </m:r>
+                          </m:e>
+                        </m:d>
+                      </m:e>
+                    </m:nary>
+                    <m:sSub>
+                      <m:sSubPr>
+                        <m:ctrlPr>
+                          <a:rPr lang="en-US" i="1" smtClean="0">
+                            <a:solidFill>
+                              <a:schemeClr val="tx1"/>
+                            </a:solidFill>
+                            <a:latin typeface="Cambria Math" panose="02040503050406030204" pitchFamily="18" charset="0"/>
+                          </a:rPr>
+                        </m:ctrlPr>
+                      </m:sSubPr>
+                      <m:e>
+                        <m:r>
+                          <a:rPr lang="en-US" i="1">
+                            <a:solidFill>
+                              <a:schemeClr val="tx1"/>
+                            </a:solidFill>
+                            <a:latin typeface="Cambria Math" panose="02040503050406030204" pitchFamily="18" charset="0"/>
+                          </a:rPr>
+                          <m:t>𝑞</m:t>
+                        </m:r>
+                      </m:e>
+                      <m:sub>
+                        <m:r>
+                          <a:rPr lang="en-US" i="1">
+                            <a:solidFill>
+                              <a:schemeClr val="tx1"/>
+                            </a:solidFill>
+                            <a:latin typeface="Cambria Math" panose="02040503050406030204" pitchFamily="18" charset="0"/>
+                          </a:rPr>
+                          <m:t>𝜋</m:t>
+                        </m:r>
+                      </m:sub>
+                    </m:sSub>
+                    <m:d>
+                      <m:dPr>
+                        <m:ctrlPr>
+                          <a:rPr lang="en-US" i="1">
+                            <a:solidFill>
+                              <a:schemeClr val="tx1"/>
+                            </a:solidFill>
+                            <a:latin typeface="Cambria Math" panose="02040503050406030204" pitchFamily="18" charset="0"/>
+                          </a:rPr>
+                        </m:ctrlPr>
+                      </m:dPr>
+                      <m:e>
+                        <m:r>
+                          <a:rPr lang="en-US" i="1">
+                            <a:solidFill>
+                              <a:schemeClr val="tx1"/>
+                            </a:solidFill>
+                            <a:latin typeface="Cambria Math" panose="02040503050406030204" pitchFamily="18" charset="0"/>
+                          </a:rPr>
+                          <m:t>𝑠</m:t>
+                        </m:r>
+                        <m:r>
+                          <a:rPr lang="en-US" i="1">
+                            <a:solidFill>
+                              <a:schemeClr val="tx1"/>
+                            </a:solidFill>
+                            <a:latin typeface="Cambria Math" panose="02040503050406030204" pitchFamily="18" charset="0"/>
+                          </a:rPr>
+                          <m:t>,</m:t>
+                        </m:r>
+                        <m:r>
+                          <a:rPr lang="en-US" i="1">
+                            <a:solidFill>
+                              <a:schemeClr val="tx1"/>
+                            </a:solidFill>
+                            <a:latin typeface="Cambria Math" panose="02040503050406030204" pitchFamily="18" charset="0"/>
+                          </a:rPr>
+                          <m:t>𝑎</m:t>
+                        </m:r>
+                      </m:e>
+                    </m:d>
+                  </m:oMath>
+                </a14:m>
+                <a:endParaRPr lang="en-US" i="1" dirty="0">
+                  <a:solidFill>
+                    <a:schemeClr val="tx1"/>
+                  </a:solidFill>
+                  <a:latin typeface="Cambria Math" panose="02040503050406030204" pitchFamily="18" charset="0"/>
+                </a:endParaRPr>
+              </a:p>
+              <a:p>
+                <a:pPr lvl="1"/>
+                <a14:m>
+                  <m:oMath xmlns:m="http://schemas.openxmlformats.org/officeDocument/2006/math">
+                    <m:sSub>
+                      <m:sSubPr>
+                        <m:ctrlPr>
+                          <a:rPr lang="en-US" i="1">
+                            <a:solidFill>
+                              <a:schemeClr val="tx1"/>
+                            </a:solidFill>
+                            <a:latin typeface="Cambria Math" panose="02040503050406030204" pitchFamily="18" charset="0"/>
+                          </a:rPr>
+                        </m:ctrlPr>
+                      </m:sSubPr>
+                      <m:e>
+                        <m:r>
+                          <a:rPr lang="en-US" i="1">
+                            <a:solidFill>
+                              <a:schemeClr val="tx1"/>
+                            </a:solidFill>
+                            <a:latin typeface="Cambria Math" panose="02040503050406030204" pitchFamily="18" charset="0"/>
+                          </a:rPr>
+                          <m:t>𝑞</m:t>
+                        </m:r>
+                      </m:e>
+                      <m:sub>
+                        <m:r>
+                          <a:rPr lang="en-US" i="1">
+                            <a:solidFill>
+                              <a:schemeClr val="tx1"/>
+                            </a:solidFill>
+                            <a:latin typeface="Cambria Math" panose="02040503050406030204" pitchFamily="18" charset="0"/>
+                          </a:rPr>
+                          <m:t>𝜋</m:t>
+                        </m:r>
+                      </m:sub>
+                    </m:sSub>
+                    <m:d>
+                      <m:dPr>
+                        <m:ctrlPr>
+                          <a:rPr lang="en-US" i="1">
+                            <a:solidFill>
+                              <a:schemeClr val="tx1"/>
+                            </a:solidFill>
+                            <a:latin typeface="Cambria Math" panose="02040503050406030204" pitchFamily="18" charset="0"/>
+                          </a:rPr>
+                        </m:ctrlPr>
+                      </m:dPr>
+                      <m:e>
+                        <m:r>
+                          <a:rPr lang="en-US" i="1">
+                            <a:solidFill>
+                              <a:schemeClr val="tx1"/>
+                            </a:solidFill>
+                            <a:latin typeface="Cambria Math" panose="02040503050406030204" pitchFamily="18" charset="0"/>
+                          </a:rPr>
+                          <m:t>𝑠</m:t>
+                        </m:r>
+                        <m:r>
+                          <a:rPr lang="en-US" i="1">
+                            <a:solidFill>
+                              <a:schemeClr val="tx1"/>
+                            </a:solidFill>
+                            <a:latin typeface="Cambria Math" panose="02040503050406030204" pitchFamily="18" charset="0"/>
+                          </a:rPr>
+                          <m:t>,</m:t>
+                        </m:r>
+                        <m:r>
+                          <a:rPr lang="en-US" i="1">
+                            <a:solidFill>
+                              <a:schemeClr val="tx1"/>
+                            </a:solidFill>
+                            <a:latin typeface="Cambria Math" panose="02040503050406030204" pitchFamily="18" charset="0"/>
+                          </a:rPr>
+                          <m:t>𝑎</m:t>
+                        </m:r>
+                      </m:e>
+                    </m:d>
+                    <m:r>
+                      <a:rPr lang="en-US" i="1">
+                        <a:solidFill>
+                          <a:schemeClr val="tx1"/>
+                        </a:solidFill>
+                        <a:latin typeface="Cambria Math" panose="02040503050406030204" pitchFamily="18" charset="0"/>
+                      </a:rPr>
+                      <m:t>=</m:t>
+                    </m:r>
+                    <m:nary>
+                      <m:naryPr>
+                        <m:chr m:val="∑"/>
+                        <m:supHide m:val="on"/>
+                        <m:ctrlPr>
+                          <a:rPr lang="en-US" i="1">
+                            <a:solidFill>
+                              <a:schemeClr val="tx1"/>
+                            </a:solidFill>
+                            <a:latin typeface="Cambria Math" panose="02040503050406030204" pitchFamily="18" charset="0"/>
+                          </a:rPr>
+                        </m:ctrlPr>
+                      </m:naryPr>
+                      <m:sub>
+                        <m:r>
+                          <a:rPr lang="en-US" i="1">
+                            <a:solidFill>
+                              <a:schemeClr val="tx1"/>
+                            </a:solidFill>
+                            <a:latin typeface="Cambria Math" panose="02040503050406030204" pitchFamily="18" charset="0"/>
+                          </a:rPr>
+                          <m:t>𝑟</m:t>
+                        </m:r>
+                        <m:r>
+                          <a:rPr lang="en-US" i="1">
+                            <a:solidFill>
+                              <a:schemeClr val="tx1"/>
+                            </a:solidFill>
+                            <a:latin typeface="Cambria Math" panose="02040503050406030204" pitchFamily="18" charset="0"/>
+                          </a:rPr>
+                          <m:t>,</m:t>
+                        </m:r>
+                        <m:sSup>
+                          <m:sSupPr>
+                            <m:ctrlPr>
+                              <a:rPr lang="en-US" i="1">
+                                <a:solidFill>
+                                  <a:schemeClr val="tx1"/>
+                                </a:solidFill>
+                                <a:latin typeface="Cambria Math" panose="02040503050406030204" pitchFamily="18" charset="0"/>
+                              </a:rPr>
+                            </m:ctrlPr>
+                          </m:sSupPr>
+                          <m:e>
+                            <m:r>
+                              <a:rPr lang="en-US" i="1">
+                                <a:solidFill>
+                                  <a:schemeClr val="tx1"/>
+                                </a:solidFill>
+                                <a:latin typeface="Cambria Math" panose="02040503050406030204" pitchFamily="18" charset="0"/>
+                              </a:rPr>
+                              <m:t>𝑠</m:t>
+                            </m:r>
+                          </m:e>
+                          <m:sup>
+                            <m:r>
+                              <a:rPr lang="en-US" i="1">
+                                <a:solidFill>
+                                  <a:schemeClr val="tx1"/>
+                                </a:solidFill>
+                                <a:latin typeface="Cambria Math" panose="02040503050406030204" pitchFamily="18" charset="0"/>
+                              </a:rPr>
+                              <m:t>′</m:t>
+                            </m:r>
+                          </m:sup>
+                        </m:sSup>
+                      </m:sub>
+                      <m:sup/>
+                      <m:e>
+                        <m:r>
+                          <a:rPr lang="en-US" i="1">
+                            <a:solidFill>
+                              <a:schemeClr val="tx1"/>
+                            </a:solidFill>
+                            <a:latin typeface="Cambria Math" panose="02040503050406030204" pitchFamily="18" charset="0"/>
+                          </a:rPr>
+                          <m:t>𝑝</m:t>
+                        </m:r>
+                        <m:d>
+                          <m:dPr>
+                            <m:ctrlPr>
+                              <a:rPr lang="en-US" i="1">
+                                <a:solidFill>
+                                  <a:schemeClr val="tx1"/>
+                                </a:solidFill>
+                                <a:latin typeface="Cambria Math" panose="02040503050406030204" pitchFamily="18" charset="0"/>
+                              </a:rPr>
+                            </m:ctrlPr>
+                          </m:dPr>
+                          <m:e>
+                            <m:r>
+                              <a:rPr lang="en-US" i="1">
+                                <a:solidFill>
+                                  <a:schemeClr val="tx1"/>
+                                </a:solidFill>
+                                <a:latin typeface="Cambria Math" panose="02040503050406030204" pitchFamily="18" charset="0"/>
+                              </a:rPr>
+                              <m:t>𝑟</m:t>
+                            </m:r>
+                            <m:r>
+                              <a:rPr lang="en-US" i="1">
+                                <a:solidFill>
+                                  <a:schemeClr val="tx1"/>
+                                </a:solidFill>
+                                <a:latin typeface="Cambria Math" panose="02040503050406030204" pitchFamily="18" charset="0"/>
+                              </a:rPr>
+                              <m:t>,</m:t>
+                            </m:r>
+                            <m:r>
+                              <a:rPr lang="en-US" i="1">
+                                <a:solidFill>
+                                  <a:schemeClr val="tx1"/>
+                                </a:solidFill>
+                                <a:latin typeface="Cambria Math" panose="02040503050406030204" pitchFamily="18" charset="0"/>
+                              </a:rPr>
+                              <m:t>𝑠</m:t>
+                            </m:r>
+                            <m:r>
+                              <a:rPr lang="en-US" i="1">
+                                <a:solidFill>
+                                  <a:schemeClr val="tx1"/>
+                                </a:solidFill>
+                                <a:latin typeface="Cambria Math" panose="02040503050406030204" pitchFamily="18" charset="0"/>
+                              </a:rPr>
+                              <m:t>′</m:t>
+                            </m:r>
+                          </m:e>
+                          <m:e>
+                            <m:r>
+                              <a:rPr lang="en-US" i="1">
+                                <a:solidFill>
+                                  <a:schemeClr val="tx1"/>
+                                </a:solidFill>
+                                <a:latin typeface="Cambria Math" panose="02040503050406030204" pitchFamily="18" charset="0"/>
+                              </a:rPr>
+                              <m:t>𝑠</m:t>
+                            </m:r>
+                            <m:r>
+                              <a:rPr lang="en-US" i="1">
+                                <a:solidFill>
+                                  <a:schemeClr val="tx1"/>
+                                </a:solidFill>
+                                <a:latin typeface="Cambria Math" panose="02040503050406030204" pitchFamily="18" charset="0"/>
+                              </a:rPr>
+                              <m:t>,</m:t>
+                            </m:r>
+                            <m:r>
+                              <a:rPr lang="en-US" i="1">
+                                <a:solidFill>
+                                  <a:schemeClr val="tx1"/>
+                                </a:solidFill>
+                                <a:latin typeface="Cambria Math" panose="02040503050406030204" pitchFamily="18" charset="0"/>
+                              </a:rPr>
+                              <m:t>𝑎</m:t>
+                            </m:r>
+                          </m:e>
+                        </m:d>
+                      </m:e>
+                    </m:nary>
+                    <m:d>
+                      <m:dPr>
+                        <m:begChr m:val="["/>
+                        <m:endChr m:val="]"/>
+                        <m:ctrlPr>
+                          <a:rPr lang="en-US" i="1">
+                            <a:solidFill>
+                              <a:schemeClr val="tx1"/>
+                            </a:solidFill>
+                            <a:latin typeface="Cambria Math" panose="02040503050406030204" pitchFamily="18" charset="0"/>
+                          </a:rPr>
+                        </m:ctrlPr>
+                      </m:dPr>
+                      <m:e>
+                        <m:r>
+                          <a:rPr lang="en-US" i="1">
+                            <a:solidFill>
+                              <a:schemeClr val="tx1"/>
+                            </a:solidFill>
+                            <a:latin typeface="Cambria Math" panose="02040503050406030204" pitchFamily="18" charset="0"/>
+                          </a:rPr>
+                          <m:t>𝑟</m:t>
+                        </m:r>
+                        <m:r>
+                          <a:rPr lang="en-US" i="1">
+                            <a:solidFill>
+                              <a:schemeClr val="tx1"/>
+                            </a:solidFill>
+                            <a:latin typeface="Cambria Math" panose="02040503050406030204" pitchFamily="18" charset="0"/>
+                          </a:rPr>
+                          <m:t>+</m:t>
+                        </m:r>
+                        <m:r>
+                          <a:rPr lang="en-US" i="1">
+                            <a:solidFill>
+                              <a:schemeClr val="tx1"/>
+                            </a:solidFill>
+                            <a:latin typeface="Cambria Math" panose="02040503050406030204" pitchFamily="18" charset="0"/>
+                          </a:rPr>
+                          <m:t>𝛾</m:t>
+                        </m:r>
+                        <m:sSub>
+                          <m:sSubPr>
+                            <m:ctrlPr>
+                              <a:rPr lang="en-US" i="1">
+                                <a:solidFill>
+                                  <a:schemeClr val="tx1"/>
+                                </a:solidFill>
+                                <a:latin typeface="Cambria Math" panose="02040503050406030204" pitchFamily="18" charset="0"/>
+                              </a:rPr>
+                            </m:ctrlPr>
+                          </m:sSubPr>
+                          <m:e>
+                            <m:r>
+                              <a:rPr lang="en-US" i="1">
+                                <a:solidFill>
+                                  <a:schemeClr val="tx1"/>
+                                </a:solidFill>
+                                <a:latin typeface="Cambria Math" panose="02040503050406030204" pitchFamily="18" charset="0"/>
+                              </a:rPr>
+                              <m:t>𝑣</m:t>
+                            </m:r>
+                          </m:e>
+                          <m:sub>
+                            <m:r>
+                              <a:rPr lang="en-US" i="1">
+                                <a:solidFill>
+                                  <a:schemeClr val="tx1"/>
+                                </a:solidFill>
+                                <a:latin typeface="Cambria Math" panose="02040503050406030204" pitchFamily="18" charset="0"/>
+                              </a:rPr>
+                              <m:t>𝜋</m:t>
+                            </m:r>
+                          </m:sub>
+                        </m:sSub>
+                        <m:d>
+                          <m:dPr>
+                            <m:ctrlPr>
+                              <a:rPr lang="en-US" i="1">
+                                <a:solidFill>
+                                  <a:schemeClr val="tx1"/>
+                                </a:solidFill>
+                                <a:latin typeface="Cambria Math" panose="02040503050406030204" pitchFamily="18" charset="0"/>
+                              </a:rPr>
+                            </m:ctrlPr>
+                          </m:dPr>
+                          <m:e>
+                            <m:r>
+                              <a:rPr lang="en-US" i="1">
+                                <a:solidFill>
+                                  <a:schemeClr val="tx1"/>
+                                </a:solidFill>
+                                <a:latin typeface="Cambria Math" panose="02040503050406030204" pitchFamily="18" charset="0"/>
+                              </a:rPr>
+                              <m:t>𝑠</m:t>
+                            </m:r>
+                            <m:r>
+                              <a:rPr lang="en-US" b="0" i="1" smtClean="0">
+                                <a:solidFill>
+                                  <a:schemeClr val="tx1"/>
+                                </a:solidFill>
+                                <a:latin typeface="Cambria Math" panose="02040503050406030204" pitchFamily="18" charset="0"/>
+                              </a:rPr>
+                              <m:t>′</m:t>
+                            </m:r>
+                          </m:e>
+                        </m:d>
+                      </m:e>
+                    </m:d>
+                  </m:oMath>
+                </a14:m>
+                <a:endParaRPr lang="en-SE" dirty="0">
+                  <a:solidFill>
+                    <a:schemeClr val="tx1"/>
+                  </a:solidFill>
+                </a:endParaRPr>
+              </a:p>
+            </p:txBody>
+          </p:sp>
+        </mc:Choice>
+        <mc:Fallback xmlns="">
+          <p:sp>
+            <p:nvSpPr>
+              <p:cNvPr id="3" name="Content Placeholder 2">
+                <a:extLst>
+                  <a:ext uri="{FF2B5EF4-FFF2-40B4-BE49-F238E27FC236}">
+                    <a16:creationId xmlns:a16="http://schemas.microsoft.com/office/drawing/2014/main" id="{B1B99C71-7D67-4880-A5D5-CD55AF48D874}"/>
+                  </a:ext>
+                </a:extLst>
+              </p:cNvPr>
+              <p:cNvSpPr>
+                <a:spLocks noGrp="1" noRot="1" noChangeAspect="1" noMove="1" noResize="1" noEditPoints="1" noAdjustHandles="1" noChangeArrowheads="1" noChangeShapeType="1" noTextEdit="1"/>
+              </p:cNvSpPr>
+              <p:nvPr>
+                <p:ph idx="1"/>
+              </p:nvPr>
+            </p:nvSpPr>
+            <p:spPr>
+              <a:xfrm>
+                <a:off x="381000" y="1295400"/>
+                <a:ext cx="8382000" cy="5105400"/>
+              </a:xfrm>
+              <a:blipFill>
+                <a:blip r:embed="rId3"/>
+                <a:stretch>
+                  <a:fillRect l="-1236" t="-1912" b="-13740"/>
+                </a:stretch>
+              </a:blipFill>
+            </p:spPr>
+            <p:txBody>
+              <a:bodyPr/>
+              <a:lstStyle/>
+              <a:p>
+                <a:r>
+                  <a:rPr lang="en-SE">
+                    <a:noFill/>
+                  </a:rPr>
+                  <a:t> </a:t>
+                </a:r>
+              </a:p>
+            </p:txBody>
+          </p:sp>
+        </mc:Fallback>
+      </mc:AlternateContent>
+      <p:sp>
+        <p:nvSpPr>
+          <p:cNvPr id="4" name="Slide Number Placeholder 3">
+            <a:extLst>
+              <a:ext uri="{FF2B5EF4-FFF2-40B4-BE49-F238E27FC236}">
+                <a16:creationId xmlns:a16="http://schemas.microsoft.com/office/drawing/2014/main" id="{A24D66A3-0BBC-44EE-9742-4F6CC4B38F62}"/>
+              </a:ext>
+            </a:extLst>
+          </p:cNvPr>
+          <p:cNvSpPr>
+            <a:spLocks noGrp="1"/>
+          </p:cNvSpPr>
+          <p:nvPr>
+            <p:ph type="sldNum" sz="quarter" idx="12"/>
+          </p:nvPr>
+        </p:nvSpPr>
+        <p:spPr bwMode="auto">
+          <a:xfrm>
+            <a:off x="6934200" y="6530035"/>
+            <a:ext cx="2133600" cy="244475"/>
+          </a:xfrm>
+          <a:prstGeom prst="rect">
+            <a:avLst/>
+          </a:prstGeom>
+          <a:noFill/>
+          <a:ln w="9525">
+            <a:noFill/>
+            <a:miter lim="800000"/>
+            <a:headEnd/>
+            <a:tailEnd/>
+          </a:ln>
+          <a:effectLst/>
+        </p:spPr>
+        <p:txBody>
+          <a:bodyPr vert="horz" wrap="square" lIns="91440" tIns="45720" rIns="91440" bIns="45720" numCol="1" anchor="t" anchorCtr="0" compatLnSpc="1">
+            <a:prstTxWarp prst="textNoShape">
+              <a:avLst/>
+            </a:prstTxWarp>
+          </a:bodyPr>
+          <a:lstStyle>
+            <a:defPPr>
+              <a:defRPr lang="en-US"/>
+            </a:defPPr>
+            <a:lvl1pPr algn="r" rtl="0" fontAlgn="base">
+              <a:spcBef>
+                <a:spcPct val="0"/>
+              </a:spcBef>
+              <a:spcAft>
+                <a:spcPct val="0"/>
+              </a:spcAft>
+              <a:defRPr sz="1200" kern="1200">
+                <a:solidFill>
+                  <a:schemeClr val="tx1"/>
+                </a:solidFill>
+                <a:latin typeface="Arial" charset="0"/>
+                <a:ea typeface="宋体" charset="-122"/>
+                <a:cs typeface="+mn-cs"/>
+              </a:defRPr>
+            </a:lvl1pPr>
+            <a:lvl2pPr marL="457200" algn="l" rtl="0" fontAlgn="base">
+              <a:spcBef>
+                <a:spcPct val="0"/>
+              </a:spcBef>
+              <a:spcAft>
+                <a:spcPct val="0"/>
+              </a:spcAft>
+              <a:defRPr kern="1200">
+                <a:solidFill>
+                  <a:schemeClr val="tx1"/>
+                </a:solidFill>
+                <a:latin typeface="Arial" charset="0"/>
+                <a:ea typeface="+mn-ea"/>
+                <a:cs typeface="+mn-cs"/>
+              </a:defRPr>
+            </a:lvl2pPr>
+            <a:lvl3pPr marL="914400" algn="l" rtl="0" fontAlgn="base">
+              <a:spcBef>
+                <a:spcPct val="0"/>
+              </a:spcBef>
+              <a:spcAft>
+                <a:spcPct val="0"/>
+              </a:spcAft>
+              <a:defRPr kern="1200">
+                <a:solidFill>
+                  <a:schemeClr val="tx1"/>
+                </a:solidFill>
+                <a:latin typeface="Arial" charset="0"/>
+                <a:ea typeface="+mn-ea"/>
+                <a:cs typeface="+mn-cs"/>
+              </a:defRPr>
+            </a:lvl3pPr>
+            <a:lvl4pPr marL="1371600" algn="l" rtl="0" fontAlgn="base">
+              <a:spcBef>
+                <a:spcPct val="0"/>
+              </a:spcBef>
+              <a:spcAft>
+                <a:spcPct val="0"/>
+              </a:spcAft>
+              <a:defRPr kern="1200">
+                <a:solidFill>
+                  <a:schemeClr val="tx1"/>
+                </a:solidFill>
+                <a:latin typeface="Arial" charset="0"/>
+                <a:ea typeface="+mn-ea"/>
+                <a:cs typeface="+mn-cs"/>
+              </a:defRPr>
+            </a:lvl4pPr>
+            <a:lvl5pPr marL="1828800" algn="l" rtl="0" fontAlgn="base">
+              <a:spcBef>
+                <a:spcPct val="0"/>
+              </a:spcBef>
+              <a:spcAft>
+                <a:spcPct val="0"/>
+              </a:spcAft>
+              <a:defRPr kern="1200">
+                <a:solidFill>
+                  <a:schemeClr val="tx1"/>
+                </a:solidFill>
+                <a:latin typeface="Arial" charset="0"/>
+                <a:ea typeface="+mn-ea"/>
+                <a:cs typeface="+mn-cs"/>
+              </a:defRPr>
+            </a:lvl5pPr>
+            <a:lvl6pPr marL="2286000" algn="l" defTabSz="914400" rtl="0" eaLnBrk="1" latinLnBrk="0" hangingPunct="1">
+              <a:defRPr kern="1200">
+                <a:solidFill>
+                  <a:schemeClr val="tx1"/>
+                </a:solidFill>
+                <a:latin typeface="Arial" charset="0"/>
+                <a:ea typeface="+mn-ea"/>
+                <a:cs typeface="+mn-cs"/>
+              </a:defRPr>
+            </a:lvl6pPr>
+            <a:lvl7pPr marL="2743200" algn="l" defTabSz="914400" rtl="0" eaLnBrk="1" latinLnBrk="0" hangingPunct="1">
+              <a:defRPr kern="1200">
+                <a:solidFill>
+                  <a:schemeClr val="tx1"/>
+                </a:solidFill>
+                <a:latin typeface="Arial" charset="0"/>
+                <a:ea typeface="+mn-ea"/>
+                <a:cs typeface="+mn-cs"/>
+              </a:defRPr>
+            </a:lvl7pPr>
+            <a:lvl8pPr marL="3200400" algn="l" defTabSz="914400" rtl="0" eaLnBrk="1" latinLnBrk="0" hangingPunct="1">
+              <a:defRPr kern="1200">
+                <a:solidFill>
+                  <a:schemeClr val="tx1"/>
+                </a:solidFill>
+                <a:latin typeface="Arial" charset="0"/>
+                <a:ea typeface="+mn-ea"/>
+                <a:cs typeface="+mn-cs"/>
+              </a:defRPr>
+            </a:lvl8pPr>
+            <a:lvl9pPr marL="3657600" algn="l" defTabSz="914400" rtl="0" eaLnBrk="1" latinLnBrk="0" hangingPunct="1">
+              <a:defRPr kern="1200">
+                <a:solidFill>
+                  <a:schemeClr val="tx1"/>
+                </a:solidFill>
+                <a:latin typeface="Arial" charset="0"/>
+                <a:ea typeface="+mn-ea"/>
+                <a:cs typeface="+mn-cs"/>
+              </a:defRPr>
+            </a:lvl9pPr>
+          </a:lstStyle>
+          <a:p>
+            <a:pPr>
+              <a:defRPr/>
+            </a:pPr>
+            <a:fld id="{F57F456A-00AF-44E6-8D70-638C0D0130FF}" type="slidenum">
+              <a:rPr lang="en-US" altLang="zh-CN" smtClean="0"/>
+              <a:pPr>
+                <a:defRPr/>
+              </a:pPr>
+              <a:t>4</a:t>
+            </a:fld>
+            <a:endParaRPr lang="en-US" altLang="zh-CN"/>
+          </a:p>
+        </p:txBody>
+      </p:sp>
+      <p:sp>
+        <p:nvSpPr>
+          <p:cNvPr id="8" name="Rectangle 7">
+            <a:extLst>
+              <a:ext uri="{FF2B5EF4-FFF2-40B4-BE49-F238E27FC236}">
+                <a16:creationId xmlns:a16="http://schemas.microsoft.com/office/drawing/2014/main" id="{541D45F3-619E-4BED-A516-1D0BD5C74692}"/>
+              </a:ext>
+            </a:extLst>
+          </p:cNvPr>
+          <p:cNvSpPr/>
+          <p:nvPr/>
+        </p:nvSpPr>
+        <p:spPr bwMode="auto">
+          <a:xfrm>
+            <a:off x="76200" y="121298"/>
+            <a:ext cx="1524000" cy="488302"/>
+          </a:xfrm>
+          <a:prstGeom prst="rect">
+            <a:avLst/>
+          </a:prstGeom>
+          <a:noFill/>
+          <a:ln w="25400" cap="flat" cmpd="sng" algn="ctr">
+            <a:solidFill>
+              <a:srgbClr val="C00000"/>
+            </a:solidFill>
+            <a:prstDash val="solid"/>
+            <a:round/>
+            <a:headEnd type="none" w="med" len="med"/>
+            <a:tailEnd type="none" w="med" len="med"/>
+          </a:ln>
+          <a:effectLst/>
+        </p:spPr>
+        <p:txBody>
+          <a:bodyPr vert="horz" wrap="square" lIns="91440" tIns="45720" rIns="91440" bIns="45720" numCol="1" rtlCol="0" anchor="t" anchorCtr="0" compatLnSpc="1">
+            <a:prstTxWarp prst="textNoShape">
+              <a:avLst/>
+            </a:prstTxWarp>
+          </a:bodyPr>
+          <a:lstStyle/>
+          <a:p>
+            <a:pPr marL="0" marR="0" indent="0" algn="l" defTabSz="914400" rtl="0" eaLnBrk="1" fontAlgn="base" latinLnBrk="0" hangingPunct="1">
+              <a:lnSpc>
+                <a:spcPct val="100000"/>
+              </a:lnSpc>
+              <a:spcBef>
+                <a:spcPct val="0"/>
+              </a:spcBef>
+              <a:spcAft>
+                <a:spcPct val="0"/>
+              </a:spcAft>
+              <a:buClrTx/>
+              <a:buSzTx/>
+              <a:buFontTx/>
+              <a:buNone/>
+              <a:tabLst/>
+            </a:pPr>
+            <a:r>
+              <a:rPr kumimoji="0" lang="en-US" sz="2400" b="0" i="0" u="none" strike="noStrike" cap="none" normalizeH="0" baseline="0" dirty="0">
+                <a:ln>
+                  <a:noFill/>
+                </a:ln>
+                <a:solidFill>
+                  <a:srgbClr val="C00000"/>
+                </a:solidFill>
+                <a:effectLst/>
+                <a:latin typeface="Arial" charset="0"/>
+              </a:rPr>
+              <a:t>Important</a:t>
+            </a:r>
+            <a:endParaRPr kumimoji="0" lang="en-SE" sz="2400" b="0" i="0" u="none" strike="noStrike" cap="none" normalizeH="0" baseline="0" dirty="0">
+              <a:ln>
+                <a:noFill/>
+              </a:ln>
+              <a:solidFill>
+                <a:srgbClr val="C00000"/>
+              </a:solidFill>
+              <a:effectLst/>
+              <a:latin typeface="Arial" charset="0"/>
+            </a:endParaRPr>
+          </a:p>
+        </p:txBody>
+      </p:sp>
+      <p:pic>
+        <p:nvPicPr>
+          <p:cNvPr id="6" name="Picture 5">
+            <a:extLst>
+              <a:ext uri="{FF2B5EF4-FFF2-40B4-BE49-F238E27FC236}">
+                <a16:creationId xmlns:a16="http://schemas.microsoft.com/office/drawing/2014/main" id="{99E3F4F7-103F-4057-9A17-9494CB1A96C1}"/>
+              </a:ext>
+            </a:extLst>
+          </p:cNvPr>
+          <p:cNvPicPr>
+            <a:picLocks noChangeAspect="1"/>
+          </p:cNvPicPr>
+          <p:nvPr/>
+        </p:nvPicPr>
+        <p:blipFill>
+          <a:blip r:embed="rId4"/>
+          <a:stretch>
+            <a:fillRect/>
+          </a:stretch>
+        </p:blipFill>
+        <p:spPr>
+          <a:xfrm>
+            <a:off x="6826530" y="27408"/>
+            <a:ext cx="2317470" cy="1967663"/>
+          </a:xfrm>
+          <a:prstGeom prst="rect">
+            <a:avLst/>
+          </a:prstGeom>
+        </p:spPr>
+      </p:pic>
+    </p:spTree>
+    <p:extLst>
+      <p:ext uri="{BB962C8B-B14F-4D97-AF65-F5344CB8AC3E}">
+        <p14:creationId xmlns:p14="http://schemas.microsoft.com/office/powerpoint/2010/main" val="833977893"/>
+      </p:ext>
+    </p:extLst>
+  </p:cSld>
+  <p:clrMapOvr>
+    <a:masterClrMapping/>
+  </p:clrMapOvr>
+</p:sld>
+</file>
+
+<file path=ppt/slides/slide5.xml><?xml version="1.0" encoding="utf-8"?>
 <p:sld xmlns:a="http://schemas.openxmlformats.org/drawingml/2006/main" xmlns:r="http://schemas.openxmlformats.org/officeDocument/2006/relationships" xmlns:p="http://schemas.openxmlformats.org/presentationml/2006/main">
   <p:cSld>
     <p:spTree>
@@ -17089,14 +20089,14 @@
           <a:p>
             <a:r>
               <a:rPr lang="en-US" dirty="0"/>
-              <a:t>Explanations </a:t>
+              <a:t>Further Explanations</a:t>
             </a:r>
             <a:endParaRPr lang="en-SE" dirty="0"/>
           </a:p>
         </p:txBody>
       </p:sp>
-      <mc:AlternateContent xmlns:mc="http://schemas.openxmlformats.org/markup-compatibility/2006">
-        <mc:Choice xmlns:a14="http://schemas.microsoft.com/office/drawing/2010/main" Requires="a14">
+      <mc:AlternateContent xmlns:mc="http://schemas.openxmlformats.org/markup-compatibility/2006" xmlns:a14="http://schemas.microsoft.com/office/drawing/2010/main">
+        <mc:Choice Requires="a14">
           <p:sp>
             <p:nvSpPr>
               <p:cNvPr id="3" name="Content Placeholder 2">
@@ -18152,6 +21152,9 @@
                       <m:sSubPr>
                         <m:ctrlPr>
                           <a:rPr lang="en-US" i="1">
+                            <a:solidFill>
+                              <a:schemeClr val="tx1"/>
+                            </a:solidFill>
                             <a:latin typeface="Cambria Math" panose="02040503050406030204" pitchFamily="18" charset="0"/>
                           </a:rPr>
                         </m:ctrlPr>
@@ -18159,6 +21162,9 @@
                       <m:e>
                         <m:r>
                           <a:rPr lang="en-US" i="1">
+                            <a:solidFill>
+                              <a:schemeClr val="tx1"/>
+                            </a:solidFill>
                             <a:latin typeface="Cambria Math" panose="02040503050406030204" pitchFamily="18" charset="0"/>
                           </a:rPr>
                           <m:t>𝔼</m:t>
@@ -18167,6 +21173,9 @@
                       <m:sub>
                         <m:r>
                           <a:rPr lang="en-US" i="1">
+                            <a:solidFill>
+                              <a:schemeClr val="tx1"/>
+                            </a:solidFill>
                             <a:latin typeface="Cambria Math" panose="02040503050406030204" pitchFamily="18" charset="0"/>
                           </a:rPr>
                           <m:t>𝜋</m:t>
@@ -18179,6 +21188,9 @@
                         <m:endChr m:val="]"/>
                         <m:ctrlPr>
                           <a:rPr lang="en-US" i="1">
+                            <a:solidFill>
+                              <a:schemeClr val="tx1"/>
+                            </a:solidFill>
                             <a:latin typeface="Cambria Math" panose="02040503050406030204" pitchFamily="18" charset="0"/>
                           </a:rPr>
                         </m:ctrlPr>
@@ -18188,6 +21200,9 @@
                           <m:sSubPr>
                             <m:ctrlPr>
                               <a:rPr lang="en-US" i="1">
+                                <a:solidFill>
+                                  <a:schemeClr val="tx1"/>
+                                </a:solidFill>
                                 <a:latin typeface="Cambria Math" panose="02040503050406030204" pitchFamily="18" charset="0"/>
                               </a:rPr>
                             </m:ctrlPr>
@@ -18195,6 +21210,9 @@
                           <m:e>
                             <m:r>
                               <a:rPr lang="en-US" i="1">
+                                <a:solidFill>
+                                  <a:schemeClr val="tx1"/>
+                                </a:solidFill>
                                 <a:latin typeface="Cambria Math" panose="02040503050406030204" pitchFamily="18" charset="0"/>
                               </a:rPr>
                               <m:t>𝐺</m:t>
@@ -18203,6 +21221,9 @@
                           <m:sub>
                             <m:r>
                               <a:rPr lang="en-US" i="1">
+                                <a:solidFill>
+                                  <a:schemeClr val="tx1"/>
+                                </a:solidFill>
                                 <a:latin typeface="Cambria Math" panose="02040503050406030204" pitchFamily="18" charset="0"/>
                               </a:rPr>
                               <m:t>𝑡</m:t>
@@ -18215,6 +21236,9 @@
                           <m:sSubPr>
                             <m:ctrlPr>
                               <a:rPr lang="en-US" i="1">
+                                <a:solidFill>
+                                  <a:schemeClr val="tx1"/>
+                                </a:solidFill>
                                 <a:latin typeface="Cambria Math" panose="02040503050406030204" pitchFamily="18" charset="0"/>
                               </a:rPr>
                             </m:ctrlPr>
@@ -18222,6 +21246,9 @@
                           <m:e>
                             <m:r>
                               <a:rPr lang="en-US" i="1">
+                                <a:solidFill>
+                                  <a:schemeClr val="tx1"/>
+                                </a:solidFill>
                                 <a:latin typeface="Cambria Math" panose="02040503050406030204" pitchFamily="18" charset="0"/>
                               </a:rPr>
                               <m:t>𝑆</m:t>
@@ -18230,6 +21257,9 @@
                           <m:sub>
                             <m:r>
                               <a:rPr lang="en-US" i="1">
+                                <a:solidFill>
+                                  <a:schemeClr val="tx1"/>
+                                </a:solidFill>
                                 <a:latin typeface="Cambria Math" panose="02040503050406030204" pitchFamily="18" charset="0"/>
                               </a:rPr>
                               <m:t>𝑡</m:t>
@@ -18238,6 +21268,9 @@
                         </m:sSub>
                         <m:r>
                           <a:rPr lang="en-US" i="1">
+                            <a:solidFill>
+                              <a:schemeClr val="tx1"/>
+                            </a:solidFill>
                             <a:latin typeface="Cambria Math" panose="02040503050406030204" pitchFamily="18" charset="0"/>
                           </a:rPr>
                           <m:t>,</m:t>
@@ -18246,6 +21279,9 @@
                           <m:sSubPr>
                             <m:ctrlPr>
                               <a:rPr lang="en-US" i="1">
+                                <a:solidFill>
+                                  <a:schemeClr val="tx1"/>
+                                </a:solidFill>
                                 <a:latin typeface="Cambria Math" panose="02040503050406030204" pitchFamily="18" charset="0"/>
                               </a:rPr>
                             </m:ctrlPr>
@@ -18253,6 +21289,9 @@
                           <m:e>
                             <m:r>
                               <a:rPr lang="en-US" i="1">
+                                <a:solidFill>
+                                  <a:schemeClr val="tx1"/>
+                                </a:solidFill>
                                 <a:latin typeface="Cambria Math" panose="02040503050406030204" pitchFamily="18" charset="0"/>
                               </a:rPr>
                               <m:t>𝐴</m:t>
@@ -18261,6 +21300,9 @@
                           <m:sub>
                             <m:r>
                               <a:rPr lang="en-US" i="1">
+                                <a:solidFill>
+                                  <a:schemeClr val="tx1"/>
+                                </a:solidFill>
                                 <a:latin typeface="Cambria Math" panose="02040503050406030204" pitchFamily="18" charset="0"/>
                               </a:rPr>
                               <m:t>𝑡</m:t>
@@ -18271,6 +21313,9 @@
                     </m:d>
                     <m:r>
                       <a:rPr lang="en-US" i="1">
+                        <a:solidFill>
+                          <a:schemeClr val="tx1"/>
+                        </a:solidFill>
                         <a:latin typeface="Cambria Math" panose="02040503050406030204" pitchFamily="18" charset="0"/>
                       </a:rPr>
                       <m:t>=</m:t>
@@ -18279,6 +21324,9 @@
                       <m:sSubPr>
                         <m:ctrlPr>
                           <a:rPr lang="en-US" i="1">
+                            <a:solidFill>
+                              <a:schemeClr val="tx1"/>
+                            </a:solidFill>
                             <a:latin typeface="Cambria Math" panose="02040503050406030204" pitchFamily="18" charset="0"/>
                           </a:rPr>
                         </m:ctrlPr>
@@ -18286,6 +21334,9 @@
                       <m:e>
                         <m:r>
                           <a:rPr lang="en-US" i="1">
+                            <a:solidFill>
+                              <a:schemeClr val="tx1"/>
+                            </a:solidFill>
                             <a:latin typeface="Cambria Math" panose="02040503050406030204" pitchFamily="18" charset="0"/>
                           </a:rPr>
                           <m:t>𝑞</m:t>
@@ -18294,6 +21345,9 @@
                       <m:sub>
                         <m:r>
                           <a:rPr lang="en-US" i="1">
+                            <a:solidFill>
+                              <a:schemeClr val="tx1"/>
+                            </a:solidFill>
                             <a:latin typeface="Cambria Math" panose="02040503050406030204" pitchFamily="18" charset="0"/>
                           </a:rPr>
                           <m:t>𝜋</m:t>
@@ -18302,6 +21356,9 @@
                     </m:sSub>
                     <m:r>
                       <a:rPr lang="en-US" i="1">
+                        <a:solidFill>
+                          <a:schemeClr val="tx1"/>
+                        </a:solidFill>
                         <a:latin typeface="Cambria Math" panose="02040503050406030204" pitchFamily="18" charset="0"/>
                       </a:rPr>
                       <m:t>(</m:t>
@@ -18310,6 +21367,9 @@
                       <m:sSubPr>
                         <m:ctrlPr>
                           <a:rPr lang="en-US" i="1">
+                            <a:solidFill>
+                              <a:schemeClr val="tx1"/>
+                            </a:solidFill>
                             <a:latin typeface="Cambria Math" panose="02040503050406030204" pitchFamily="18" charset="0"/>
                           </a:rPr>
                         </m:ctrlPr>
@@ -18317,6 +21377,9 @@
                       <m:e>
                         <m:r>
                           <a:rPr lang="en-US" i="1">
+                            <a:solidFill>
+                              <a:schemeClr val="tx1"/>
+                            </a:solidFill>
                             <a:latin typeface="Cambria Math" panose="02040503050406030204" pitchFamily="18" charset="0"/>
                           </a:rPr>
                           <m:t>𝑆</m:t>
@@ -18325,6 +21388,9 @@
                       <m:sub>
                         <m:r>
                           <a:rPr lang="en-US" i="1">
+                            <a:solidFill>
+                              <a:schemeClr val="tx1"/>
+                            </a:solidFill>
                             <a:latin typeface="Cambria Math" panose="02040503050406030204" pitchFamily="18" charset="0"/>
                           </a:rPr>
                           <m:t>𝑡</m:t>
@@ -18333,6 +21399,9 @@
                     </m:sSub>
                     <m:r>
                       <a:rPr lang="en-US" i="1">
+                        <a:solidFill>
+                          <a:schemeClr val="tx1"/>
+                        </a:solidFill>
                         <a:latin typeface="Cambria Math" panose="02040503050406030204" pitchFamily="18" charset="0"/>
                       </a:rPr>
                       <m:t>,</m:t>
@@ -18341,6 +21410,9 @@
                       <m:sSubPr>
                         <m:ctrlPr>
                           <a:rPr lang="en-US" i="1">
+                            <a:solidFill>
+                              <a:schemeClr val="tx1"/>
+                            </a:solidFill>
                             <a:latin typeface="Cambria Math" panose="02040503050406030204" pitchFamily="18" charset="0"/>
                           </a:rPr>
                         </m:ctrlPr>
@@ -18348,6 +21420,9 @@
                       <m:e>
                         <m:r>
                           <a:rPr lang="en-US" i="1">
+                            <a:solidFill>
+                              <a:schemeClr val="tx1"/>
+                            </a:solidFill>
                             <a:latin typeface="Cambria Math" panose="02040503050406030204" pitchFamily="18" charset="0"/>
                           </a:rPr>
                           <m:t>𝐴</m:t>
@@ -18356,6 +21431,9 @@
                       <m:sub>
                         <m:r>
                           <a:rPr lang="en-US" i="1">
+                            <a:solidFill>
+                              <a:schemeClr val="tx1"/>
+                            </a:solidFill>
                             <a:latin typeface="Cambria Math" panose="02040503050406030204" pitchFamily="18" charset="0"/>
                           </a:rPr>
                           <m:t>𝑡</m:t>
@@ -18364,24 +21442,30 @@
                     </m:sSub>
                     <m:r>
                       <a:rPr lang="en-US" i="1">
+                        <a:solidFill>
+                          <a:schemeClr val="tx1"/>
+                        </a:solidFill>
                         <a:latin typeface="Cambria Math" panose="02040503050406030204" pitchFamily="18" charset="0"/>
                       </a:rPr>
                       <m:t>)</m:t>
                     </m:r>
                   </m:oMath>
                 </a14:m>
-                <a:endParaRPr lang="en-US" dirty="0"/>
-              </a:p>
-              <a:p>
-                <a:r>
-                  <a:rPr lang="en-US" dirty="0"/>
-                  <a:t>Q Actor-Critic:</a:t>
-                </a:r>
                 <a:endParaRPr lang="en-US" dirty="0">
                   <a:solidFill>
                     <a:schemeClr val="tx1"/>
                   </a:solidFill>
                 </a:endParaRPr>
+              </a:p>
+              <a:p>
+                <a:r>
+                  <a:rPr lang="en-US" dirty="0">
+                    <a:solidFill>
+                      <a:schemeClr val="tx1"/>
+                    </a:solidFill>
+                  </a:rPr>
+                  <a:t>Q Actor-Critic:</a:t>
+                </a:r>
               </a:p>
               <a:p>
                 <a:pPr lvl="1"/>
@@ -18391,7 +21475,7 @@
                       <a:schemeClr val="tx1"/>
                     </a:solidFill>
                   </a:rPr>
-                  <a:t>Bellman Exp Equation for Action Value Function</a:t>
+                  <a:t>Bellman Exp Equation for Action Value Function:</a:t>
                 </a:r>
               </a:p>
               <a:p>
@@ -18892,19 +21976,7 @@
                       <a:schemeClr val="tx1"/>
                     </a:solidFill>
                   </a:rPr>
-                  <a:t>Sample-based estimate (</a:t>
-                </a:r>
-                <a:r>
-                  <a:rPr lang="en-US" dirty="0"/>
-                  <a:t>TD target for action value function</a:t>
-                </a:r>
-                <a:r>
-                  <a:rPr lang="en-US" dirty="0">
-                    <a:solidFill>
-                      <a:schemeClr val="tx1"/>
-                    </a:solidFill>
-                  </a:rPr>
-                  <a:t>): </a:t>
+                  <a:t>Sample-based estimate of TD target for action value function: </a:t>
                 </a:r>
               </a:p>
               <a:p>
@@ -18915,6 +21987,9 @@
                       <m:sSubPr>
                         <m:ctrlPr>
                           <a:rPr lang="en-US" i="1">
+                            <a:solidFill>
+                              <a:schemeClr val="tx1"/>
+                            </a:solidFill>
                             <a:latin typeface="Cambria Math" panose="02040503050406030204" pitchFamily="18" charset="0"/>
                           </a:rPr>
                         </m:ctrlPr>
@@ -18922,6 +21997,9 @@
                       <m:e>
                         <m:r>
                           <a:rPr lang="en-US" i="1">
+                            <a:solidFill>
+                              <a:schemeClr val="tx1"/>
+                            </a:solidFill>
                             <a:latin typeface="Cambria Math" panose="02040503050406030204" pitchFamily="18" charset="0"/>
                           </a:rPr>
                           <m:t>𝑞</m:t>
@@ -18930,6 +22008,9 @@
                       <m:sub>
                         <m:r>
                           <a:rPr lang="en-US" i="1">
+                            <a:solidFill>
+                              <a:schemeClr val="tx1"/>
+                            </a:solidFill>
                             <a:latin typeface="Cambria Math" panose="02040503050406030204" pitchFamily="18" charset="0"/>
                           </a:rPr>
                           <m:t>𝜋</m:t>
@@ -18940,6 +22021,9 @@
                       <m:dPr>
                         <m:ctrlPr>
                           <a:rPr lang="en-US" i="1">
+                            <a:solidFill>
+                              <a:schemeClr val="tx1"/>
+                            </a:solidFill>
                             <a:latin typeface="Cambria Math" panose="02040503050406030204" pitchFamily="18" charset="0"/>
                           </a:rPr>
                         </m:ctrlPr>
@@ -18947,18 +22031,27 @@
                       <m:e>
                         <m:r>
                           <a:rPr lang="en-US" i="1">
+                            <a:solidFill>
+                              <a:schemeClr val="tx1"/>
+                            </a:solidFill>
                             <a:latin typeface="Cambria Math" panose="02040503050406030204" pitchFamily="18" charset="0"/>
                           </a:rPr>
                           <m:t>𝑠</m:t>
                         </m:r>
                         <m:r>
                           <a:rPr lang="en-US" i="1">
+                            <a:solidFill>
+                              <a:schemeClr val="tx1"/>
+                            </a:solidFill>
                             <a:latin typeface="Cambria Math" panose="02040503050406030204" pitchFamily="18" charset="0"/>
                           </a:rPr>
                           <m:t>,</m:t>
                         </m:r>
                         <m:r>
                           <a:rPr lang="en-US" i="1">
+                            <a:solidFill>
+                              <a:schemeClr val="tx1"/>
+                            </a:solidFill>
                             <a:latin typeface="Cambria Math" panose="02040503050406030204" pitchFamily="18" charset="0"/>
                           </a:rPr>
                           <m:t>𝑎</m:t>
@@ -18967,6 +22060,9 @@
                     </m:d>
                     <m:r>
                       <a:rPr lang="en-US" i="1">
+                        <a:solidFill>
+                          <a:schemeClr val="tx1"/>
+                        </a:solidFill>
                         <a:latin typeface="Cambria Math" panose="02040503050406030204" pitchFamily="18" charset="0"/>
                       </a:rPr>
                       <m:t>=</m:t>
@@ -18975,6 +22071,9 @@
                       <m:sSubPr>
                         <m:ctrlPr>
                           <a:rPr lang="en-US" i="1">
+                            <a:solidFill>
+                              <a:schemeClr val="tx1"/>
+                            </a:solidFill>
                             <a:latin typeface="Cambria Math" panose="02040503050406030204" pitchFamily="18" charset="0"/>
                           </a:rPr>
                         </m:ctrlPr>
@@ -18982,6 +22081,9 @@
                       <m:e>
                         <m:r>
                           <a:rPr lang="en-US" i="1">
+                            <a:solidFill>
+                              <a:schemeClr val="tx1"/>
+                            </a:solidFill>
                             <a:latin typeface="Cambria Math" panose="02040503050406030204" pitchFamily="18" charset="0"/>
                           </a:rPr>
                           <m:t>𝔼</m:t>
@@ -18990,6 +22092,9 @@
                       <m:sub>
                         <m:r>
                           <a:rPr lang="en-US" i="1">
+                            <a:solidFill>
+                              <a:schemeClr val="tx1"/>
+                            </a:solidFill>
                             <a:latin typeface="Cambria Math" panose="02040503050406030204" pitchFamily="18" charset="0"/>
                           </a:rPr>
                           <m:t>𝜋</m:t>
@@ -19002,6 +22107,9 @@
                         <m:endChr m:val="]"/>
                         <m:ctrlPr>
                           <a:rPr lang="en-US" i="1">
+                            <a:solidFill>
+                              <a:schemeClr val="tx1"/>
+                            </a:solidFill>
                             <a:latin typeface="Cambria Math" panose="02040503050406030204" pitchFamily="18" charset="0"/>
                           </a:rPr>
                         </m:ctrlPr>
@@ -19011,6 +22119,9 @@
                           <m:sSubPr>
                             <m:ctrlPr>
                               <a:rPr lang="en-US" i="1">
+                                <a:solidFill>
+                                  <a:schemeClr val="tx1"/>
+                                </a:solidFill>
                                 <a:latin typeface="Cambria Math" panose="02040503050406030204" pitchFamily="18" charset="0"/>
                               </a:rPr>
                             </m:ctrlPr>
@@ -19018,6 +22129,9 @@
                           <m:e>
                             <m:r>
                               <a:rPr lang="en-US" i="1">
+                                <a:solidFill>
+                                  <a:schemeClr val="tx1"/>
+                                </a:solidFill>
                                 <a:latin typeface="Cambria Math" panose="02040503050406030204" pitchFamily="18" charset="0"/>
                               </a:rPr>
                               <m:t>𝑅</m:t>
@@ -19026,12 +22140,18 @@
                           <m:sub>
                             <m:r>
                               <a:rPr lang="en-US" i="1">
+                                <a:solidFill>
+                                  <a:schemeClr val="tx1"/>
+                                </a:solidFill>
                                 <a:latin typeface="Cambria Math" panose="02040503050406030204" pitchFamily="18" charset="0"/>
                               </a:rPr>
                               <m:t>𝑡</m:t>
                             </m:r>
                             <m:r>
                               <a:rPr lang="en-US" i="1">
+                                <a:solidFill>
+                                  <a:schemeClr val="tx1"/>
+                                </a:solidFill>
                                 <a:latin typeface="Cambria Math" panose="02040503050406030204" pitchFamily="18" charset="0"/>
                               </a:rPr>
                               <m:t>+1</m:t>
@@ -19040,12 +22160,18 @@
                         </m:sSub>
                         <m:r>
                           <a:rPr lang="en-US" i="1">
+                            <a:solidFill>
+                              <a:schemeClr val="tx1"/>
+                            </a:solidFill>
                             <a:latin typeface="Cambria Math" panose="02040503050406030204" pitchFamily="18" charset="0"/>
                           </a:rPr>
                           <m:t>+</m:t>
                         </m:r>
                         <m:r>
                           <a:rPr lang="en-US" i="1">
+                            <a:solidFill>
+                              <a:schemeClr val="tx1"/>
+                            </a:solidFill>
                             <a:latin typeface="Cambria Math" panose="02040503050406030204" pitchFamily="18" charset="0"/>
                           </a:rPr>
                           <m:t>𝛾</m:t>
@@ -19054,6 +22180,9 @@
                           <m:sSubPr>
                             <m:ctrlPr>
                               <a:rPr lang="en-US" i="1">
+                                <a:solidFill>
+                                  <a:schemeClr val="tx1"/>
+                                </a:solidFill>
                                 <a:latin typeface="Cambria Math" panose="02040503050406030204" pitchFamily="18" charset="0"/>
                               </a:rPr>
                             </m:ctrlPr>
@@ -19061,6 +22190,9 @@
                           <m:e>
                             <m:r>
                               <a:rPr lang="en-US" b="0" i="1" smtClean="0">
+                                <a:solidFill>
+                                  <a:schemeClr val="tx1"/>
+                                </a:solidFill>
                                 <a:latin typeface="Cambria Math" panose="02040503050406030204" pitchFamily="18" charset="0"/>
                               </a:rPr>
                               <m:t>𝑞</m:t>
@@ -19069,6 +22201,9 @@
                           <m:sub>
                             <m:r>
                               <a:rPr lang="en-US" i="1">
+                                <a:solidFill>
+                                  <a:schemeClr val="tx1"/>
+                                </a:solidFill>
                                 <a:latin typeface="Cambria Math" panose="02040503050406030204" pitchFamily="18" charset="0"/>
                               </a:rPr>
                               <m:t>𝜋</m:t>
@@ -19079,6 +22214,9 @@
                           <m:dPr>
                             <m:ctrlPr>
                               <a:rPr lang="en-US" i="1">
+                                <a:solidFill>
+                                  <a:schemeClr val="tx1"/>
+                                </a:solidFill>
                                 <a:latin typeface="Cambria Math" panose="02040503050406030204" pitchFamily="18" charset="0"/>
                               </a:rPr>
                             </m:ctrlPr>
@@ -19088,6 +22226,9 @@
                               <m:sSubPr>
                                 <m:ctrlPr>
                                   <a:rPr lang="en-US" i="1">
+                                    <a:solidFill>
+                                      <a:schemeClr val="tx1"/>
+                                    </a:solidFill>
                                     <a:latin typeface="Cambria Math" panose="02040503050406030204" pitchFamily="18" charset="0"/>
                                   </a:rPr>
                                 </m:ctrlPr>
@@ -19095,6 +22236,9 @@
                               <m:e>
                                 <m:r>
                                   <a:rPr lang="en-US" i="1">
+                                    <a:solidFill>
+                                      <a:schemeClr val="tx1"/>
+                                    </a:solidFill>
                                     <a:latin typeface="Cambria Math" panose="02040503050406030204" pitchFamily="18" charset="0"/>
                                   </a:rPr>
                                   <m:t>𝑆</m:t>
@@ -19103,12 +22247,18 @@
                               <m:sub>
                                 <m:r>
                                   <a:rPr lang="en-US" i="1">
+                                    <a:solidFill>
+                                      <a:schemeClr val="tx1"/>
+                                    </a:solidFill>
                                     <a:latin typeface="Cambria Math" panose="02040503050406030204" pitchFamily="18" charset="0"/>
                                   </a:rPr>
                                   <m:t>𝑡</m:t>
                                 </m:r>
                                 <m:r>
                                   <a:rPr lang="en-US" i="1">
+                                    <a:solidFill>
+                                      <a:schemeClr val="tx1"/>
+                                    </a:solidFill>
                                     <a:latin typeface="Cambria Math" panose="02040503050406030204" pitchFamily="18" charset="0"/>
                                   </a:rPr>
                                   <m:t>+1</m:t>
@@ -19117,6 +22267,9 @@
                             </m:sSub>
                             <m:r>
                               <a:rPr lang="en-US" b="0" i="1" smtClean="0">
+                                <a:solidFill>
+                                  <a:schemeClr val="tx1"/>
+                                </a:solidFill>
                                 <a:latin typeface="Cambria Math" panose="02040503050406030204" pitchFamily="18" charset="0"/>
                               </a:rPr>
                               <m:t>,</m:t>
@@ -19125,6 +22278,9 @@
                               <m:sSubPr>
                                 <m:ctrlPr>
                                   <a:rPr lang="en-US" b="0" i="1" smtClean="0">
+                                    <a:solidFill>
+                                      <a:schemeClr val="tx1"/>
+                                    </a:solidFill>
                                     <a:latin typeface="Cambria Math" panose="02040503050406030204" pitchFamily="18" charset="0"/>
                                   </a:rPr>
                                 </m:ctrlPr>
@@ -19132,6 +22288,9 @@
                               <m:e>
                                 <m:r>
                                   <a:rPr lang="en-US" b="0" i="1" smtClean="0">
+                                    <a:solidFill>
+                                      <a:schemeClr val="tx1"/>
+                                    </a:solidFill>
                                     <a:latin typeface="Cambria Math" panose="02040503050406030204" pitchFamily="18" charset="0"/>
                                   </a:rPr>
                                   <m:t>𝐴</m:t>
@@ -19140,12 +22299,18 @@
                               <m:sub>
                                 <m:r>
                                   <a:rPr lang="en-US" b="0" i="1" smtClean="0">
+                                    <a:solidFill>
+                                      <a:schemeClr val="tx1"/>
+                                    </a:solidFill>
                                     <a:latin typeface="Cambria Math" panose="02040503050406030204" pitchFamily="18" charset="0"/>
                                   </a:rPr>
                                   <m:t>𝑡</m:t>
                                 </m:r>
                                 <m:r>
                                   <a:rPr lang="en-US" i="1">
+                                    <a:solidFill>
+                                      <a:schemeClr val="tx1"/>
+                                    </a:solidFill>
                                     <a:latin typeface="Cambria Math" panose="02040503050406030204" pitchFamily="18" charset="0"/>
                                   </a:rPr>
                                   <m:t>+1</m:t>
@@ -19156,6 +22321,9 @@
                         </m:d>
                         <m:r>
                           <a:rPr lang="en-US" i="1">
+                            <a:solidFill>
+                              <a:schemeClr val="tx1"/>
+                            </a:solidFill>
                             <a:latin typeface="Cambria Math" panose="02040503050406030204" pitchFamily="18" charset="0"/>
                           </a:rPr>
                           <m:t>|</m:t>
@@ -19164,6 +22332,9 @@
                           <m:sSubPr>
                             <m:ctrlPr>
                               <a:rPr lang="en-US" i="1">
+                                <a:solidFill>
+                                  <a:schemeClr val="tx1"/>
+                                </a:solidFill>
                                 <a:latin typeface="Cambria Math" panose="02040503050406030204" pitchFamily="18" charset="0"/>
                               </a:rPr>
                             </m:ctrlPr>
@@ -19171,6 +22342,9 @@
                           <m:e>
                             <m:r>
                               <a:rPr lang="en-US" i="1">
+                                <a:solidFill>
+                                  <a:schemeClr val="tx1"/>
+                                </a:solidFill>
                                 <a:latin typeface="Cambria Math" panose="02040503050406030204" pitchFamily="18" charset="0"/>
                               </a:rPr>
                               <m:t>𝑆</m:t>
@@ -19179,6 +22353,9 @@
                           <m:sub>
                             <m:r>
                               <a:rPr lang="en-US" i="1">
+                                <a:solidFill>
+                                  <a:schemeClr val="tx1"/>
+                                </a:solidFill>
                                 <a:latin typeface="Cambria Math" panose="02040503050406030204" pitchFamily="18" charset="0"/>
                               </a:rPr>
                               <m:t>𝑡</m:t>
@@ -19187,18 +22364,27 @@
                         </m:sSub>
                         <m:r>
                           <a:rPr lang="en-US" i="1">
+                            <a:solidFill>
+                              <a:schemeClr val="tx1"/>
+                            </a:solidFill>
                             <a:latin typeface="Cambria Math" panose="02040503050406030204" pitchFamily="18" charset="0"/>
                           </a:rPr>
                           <m:t>=</m:t>
                         </m:r>
                         <m:r>
                           <a:rPr lang="en-US" i="1">
+                            <a:solidFill>
+                              <a:schemeClr val="tx1"/>
+                            </a:solidFill>
                             <a:latin typeface="Cambria Math" panose="02040503050406030204" pitchFamily="18" charset="0"/>
                           </a:rPr>
                           <m:t>𝑠</m:t>
                         </m:r>
                         <m:r>
                           <a:rPr lang="en-US" b="0" i="1" smtClean="0">
+                            <a:solidFill>
+                              <a:schemeClr val="tx1"/>
+                            </a:solidFill>
                             <a:latin typeface="Cambria Math" panose="02040503050406030204" pitchFamily="18" charset="0"/>
                           </a:rPr>
                           <m:t>, </m:t>
@@ -19207,6 +22393,9 @@
                           <m:sSubPr>
                             <m:ctrlPr>
                               <a:rPr lang="en-US" b="0" i="1" smtClean="0">
+                                <a:solidFill>
+                                  <a:schemeClr val="tx1"/>
+                                </a:solidFill>
                                 <a:latin typeface="Cambria Math" panose="02040503050406030204" pitchFamily="18" charset="0"/>
                               </a:rPr>
                             </m:ctrlPr>
@@ -19214,6 +22403,9 @@
                           <m:e>
                             <m:r>
                               <a:rPr lang="en-US" b="0" i="1" smtClean="0">
+                                <a:solidFill>
+                                  <a:schemeClr val="tx1"/>
+                                </a:solidFill>
                                 <a:latin typeface="Cambria Math" panose="02040503050406030204" pitchFamily="18" charset="0"/>
                               </a:rPr>
                               <m:t>𝐴</m:t>
@@ -19222,6 +22414,9 @@
                           <m:sub>
                             <m:r>
                               <a:rPr lang="en-US" b="0" i="1" smtClean="0">
+                                <a:solidFill>
+                                  <a:schemeClr val="tx1"/>
+                                </a:solidFill>
                                 <a:latin typeface="Cambria Math" panose="02040503050406030204" pitchFamily="18" charset="0"/>
                               </a:rPr>
                               <m:t>𝑡</m:t>
@@ -19230,12 +22425,18 @@
                         </m:sSub>
                         <m:r>
                           <a:rPr lang="en-US" b="0" i="1" smtClean="0">
+                            <a:solidFill>
+                              <a:schemeClr val="tx1"/>
+                            </a:solidFill>
                             <a:latin typeface="Cambria Math" panose="02040503050406030204" pitchFamily="18" charset="0"/>
                           </a:rPr>
                           <m:t>=</m:t>
                         </m:r>
                         <m:r>
                           <a:rPr lang="en-US" b="0" i="1" smtClean="0">
+                            <a:solidFill>
+                              <a:schemeClr val="tx1"/>
+                            </a:solidFill>
                             <a:latin typeface="Cambria Math" panose="02040503050406030204" pitchFamily="18" charset="0"/>
                           </a:rPr>
                           <m:t>𝑎</m:t>
@@ -19245,19 +22446,21 @@
                   </m:oMath>
                 </a14:m>
                 <a:endParaRPr lang="en-US" i="1" dirty="0">
+                  <a:solidFill>
+                    <a:schemeClr val="tx1"/>
+                  </a:solidFill>
                   <a:latin typeface="Cambria Math" panose="02040503050406030204" pitchFamily="18" charset="0"/>
                 </a:endParaRPr>
               </a:p>
               <a:p>
                 <a:r>
-                  <a:rPr lang="en-US" dirty="0"/>
+                  <a:rPr lang="en-US" dirty="0">
+                    <a:solidFill>
+                      <a:schemeClr val="tx1"/>
+                    </a:solidFill>
+                  </a:rPr>
                   <a:t>A2C</a:t>
                 </a:r>
-                <a:endParaRPr lang="en-US" dirty="0">
-                  <a:solidFill>
-                    <a:schemeClr val="tx1"/>
-                  </a:solidFill>
-                </a:endParaRPr>
               </a:p>
               <a:p>
                 <a:pPr lvl="1"/>
@@ -19711,19 +22914,7 @@
                       <a:schemeClr val="tx1"/>
                     </a:solidFill>
                   </a:rPr>
-                  <a:t>Sample-based estimate (</a:t>
-                </a:r>
-                <a:r>
-                  <a:rPr lang="en-US" dirty="0"/>
-                  <a:t>TD target for state value function</a:t>
-                </a:r>
-                <a:r>
-                  <a:rPr lang="en-US" dirty="0">
-                    <a:solidFill>
-                      <a:schemeClr val="tx1"/>
-                    </a:solidFill>
-                  </a:rPr>
-                  <a:t>):</a:t>
+                  <a:t>Sample-based estimate of TD target for state value function:</a:t>
                 </a:r>
               </a:p>
               <a:p>
@@ -19735,7 +22926,7 @@
                         <m:ctrlPr>
                           <a:rPr lang="en-US" i="1" smtClean="0">
                             <a:solidFill>
-                              <a:srgbClr val="C00000"/>
+                              <a:schemeClr val="tx1"/>
                             </a:solidFill>
                             <a:latin typeface="Cambria Math" panose="02040503050406030204" pitchFamily="18" charset="0"/>
                           </a:rPr>
@@ -19745,7 +22936,7 @@
                         <m:r>
                           <a:rPr lang="en-US" i="1">
                             <a:solidFill>
-                              <a:srgbClr val="C00000"/>
+                              <a:schemeClr val="tx1"/>
                             </a:solidFill>
                             <a:latin typeface="Cambria Math" panose="02040503050406030204" pitchFamily="18" charset="0"/>
                           </a:rPr>
@@ -19756,7 +22947,7 @@
                         <m:r>
                           <a:rPr lang="en-US" i="1">
                             <a:solidFill>
-                              <a:srgbClr val="C00000"/>
+                              <a:schemeClr val="tx1"/>
                             </a:solidFill>
                             <a:latin typeface="Cambria Math" panose="02040503050406030204" pitchFamily="18" charset="0"/>
                           </a:rPr>
@@ -19769,7 +22960,7 @@
                         <m:ctrlPr>
                           <a:rPr lang="en-US" i="1">
                             <a:solidFill>
-                              <a:srgbClr val="C00000"/>
+                              <a:schemeClr val="tx1"/>
                             </a:solidFill>
                             <a:latin typeface="Cambria Math" panose="02040503050406030204" pitchFamily="18" charset="0"/>
                           </a:rPr>
@@ -19779,7 +22970,7 @@
                         <m:r>
                           <a:rPr lang="en-US" i="1">
                             <a:solidFill>
-                              <a:srgbClr val="C00000"/>
+                              <a:schemeClr val="tx1"/>
                             </a:solidFill>
                             <a:latin typeface="Cambria Math" panose="02040503050406030204" pitchFamily="18" charset="0"/>
                           </a:rPr>
@@ -19790,7 +22981,7 @@
                     <m:r>
                       <a:rPr lang="en-US" i="1">
                         <a:solidFill>
-                          <a:srgbClr val="C00000"/>
+                          <a:schemeClr val="tx1"/>
                         </a:solidFill>
                         <a:latin typeface="Cambria Math" panose="02040503050406030204" pitchFamily="18" charset="0"/>
                       </a:rPr>
@@ -19801,7 +22992,7 @@
                         <m:ctrlPr>
                           <a:rPr lang="en-US" i="1">
                             <a:solidFill>
-                              <a:srgbClr val="C00000"/>
+                              <a:schemeClr val="tx1"/>
                             </a:solidFill>
                             <a:latin typeface="Cambria Math" panose="02040503050406030204" pitchFamily="18" charset="0"/>
                           </a:rPr>
@@ -19811,7 +23002,7 @@
                         <m:r>
                           <a:rPr lang="en-US" i="1">
                             <a:solidFill>
-                              <a:srgbClr val="C00000"/>
+                              <a:schemeClr val="tx1"/>
                             </a:solidFill>
                             <a:latin typeface="Cambria Math" panose="02040503050406030204" pitchFamily="18" charset="0"/>
                           </a:rPr>
@@ -19822,7 +23013,7 @@
                         <m:r>
                           <a:rPr lang="en-US" i="1">
                             <a:solidFill>
-                              <a:srgbClr val="C00000"/>
+                              <a:schemeClr val="tx1"/>
                             </a:solidFill>
                             <a:latin typeface="Cambria Math" panose="02040503050406030204" pitchFamily="18" charset="0"/>
                           </a:rPr>
@@ -19837,7 +23028,7 @@
                         <m:ctrlPr>
                           <a:rPr lang="en-US" i="1">
                             <a:solidFill>
-                              <a:srgbClr val="C00000"/>
+                              <a:schemeClr val="tx1"/>
                             </a:solidFill>
                             <a:latin typeface="Cambria Math" panose="02040503050406030204" pitchFamily="18" charset="0"/>
                           </a:rPr>
@@ -19849,7 +23040,7 @@
                             <m:ctrlPr>
                               <a:rPr lang="en-US" b="0" i="1" smtClean="0">
                                 <a:solidFill>
-                                  <a:srgbClr val="C00000"/>
+                                  <a:schemeClr val="tx1"/>
                                 </a:solidFill>
                                 <a:latin typeface="Cambria Math" panose="02040503050406030204" pitchFamily="18" charset="0"/>
                               </a:rPr>
@@ -19859,7 +23050,7 @@
                             <m:r>
                               <a:rPr lang="en-US" b="0" i="1" smtClean="0">
                                 <a:solidFill>
-                                  <a:srgbClr val="C00000"/>
+                                  <a:schemeClr val="tx1"/>
                                 </a:solidFill>
                                 <a:latin typeface="Cambria Math" panose="02040503050406030204" pitchFamily="18" charset="0"/>
                               </a:rPr>
@@ -19870,7 +23061,7 @@
                             <m:r>
                               <a:rPr lang="en-US" i="1">
                                 <a:solidFill>
-                                  <a:srgbClr val="C00000"/>
+                                  <a:schemeClr val="tx1"/>
                                 </a:solidFill>
                                 <a:latin typeface="Cambria Math" panose="02040503050406030204" pitchFamily="18" charset="0"/>
                               </a:rPr>
@@ -19879,7 +23070,7 @@
                             <m:r>
                               <a:rPr lang="en-US" i="1">
                                 <a:solidFill>
-                                  <a:srgbClr val="C00000"/>
+                                  <a:schemeClr val="tx1"/>
                                 </a:solidFill>
                                 <a:latin typeface="Cambria Math" panose="02040503050406030204" pitchFamily="18" charset="0"/>
                               </a:rPr>
@@ -19890,7 +23081,7 @@
                         <m:r>
                           <a:rPr lang="en-US" i="1">
                             <a:solidFill>
-                              <a:srgbClr val="C00000"/>
+                              <a:schemeClr val="tx1"/>
                             </a:solidFill>
                             <a:latin typeface="Cambria Math" panose="02040503050406030204" pitchFamily="18" charset="0"/>
                           </a:rPr>
@@ -19899,7 +23090,7 @@
                         <m:r>
                           <a:rPr lang="en-US" i="1">
                             <a:solidFill>
-                              <a:srgbClr val="C00000"/>
+                              <a:schemeClr val="tx1"/>
                             </a:solidFill>
                             <a:latin typeface="Cambria Math" panose="02040503050406030204" pitchFamily="18" charset="0"/>
                           </a:rPr>
@@ -19910,7 +23101,7 @@
                             <m:ctrlPr>
                               <a:rPr lang="en-US" i="1">
                                 <a:solidFill>
-                                  <a:srgbClr val="C00000"/>
+                                  <a:schemeClr val="tx1"/>
                                 </a:solidFill>
                                 <a:latin typeface="Cambria Math" panose="02040503050406030204" pitchFamily="18" charset="0"/>
                               </a:rPr>
@@ -19920,7 +23111,7 @@
                             <m:r>
                               <a:rPr lang="en-US" i="1">
                                 <a:solidFill>
-                                  <a:srgbClr val="C00000"/>
+                                  <a:schemeClr val="tx1"/>
                                 </a:solidFill>
                                 <a:latin typeface="Cambria Math" panose="02040503050406030204" pitchFamily="18" charset="0"/>
                               </a:rPr>
@@ -19931,7 +23122,7 @@
                             <m:r>
                               <a:rPr lang="en-US" i="1">
                                 <a:solidFill>
-                                  <a:srgbClr val="C00000"/>
+                                  <a:schemeClr val="tx1"/>
                                 </a:solidFill>
                                 <a:latin typeface="Cambria Math" panose="02040503050406030204" pitchFamily="18" charset="0"/>
                               </a:rPr>
@@ -19944,7 +23135,7 @@
                             <m:ctrlPr>
                               <a:rPr lang="en-US" i="1">
                                 <a:solidFill>
-                                  <a:srgbClr val="C00000"/>
+                                  <a:schemeClr val="tx1"/>
                                 </a:solidFill>
                                 <a:latin typeface="Cambria Math" panose="02040503050406030204" pitchFamily="18" charset="0"/>
                               </a:rPr>
@@ -19956,7 +23147,7 @@
                                 <m:ctrlPr>
                                   <a:rPr lang="en-US" b="0" i="1" smtClean="0">
                                     <a:solidFill>
-                                      <a:srgbClr val="C00000"/>
+                                      <a:schemeClr val="tx1"/>
                                     </a:solidFill>
                                     <a:latin typeface="Cambria Math" panose="02040503050406030204" pitchFamily="18" charset="0"/>
                                   </a:rPr>
@@ -19966,7 +23157,7 @@
                                 <m:r>
                                   <a:rPr lang="en-US" b="0" i="1" smtClean="0">
                                     <a:solidFill>
-                                      <a:srgbClr val="C00000"/>
+                                      <a:schemeClr val="tx1"/>
                                     </a:solidFill>
                                     <a:latin typeface="Cambria Math" panose="02040503050406030204" pitchFamily="18" charset="0"/>
                                   </a:rPr>
@@ -19977,7 +23168,7 @@
                                 <m:r>
                                   <a:rPr lang="en-US" i="1">
                                     <a:solidFill>
-                                      <a:srgbClr val="C00000"/>
+                                      <a:schemeClr val="tx1"/>
                                     </a:solidFill>
                                     <a:latin typeface="Cambria Math" panose="02040503050406030204" pitchFamily="18" charset="0"/>
                                   </a:rPr>
@@ -19986,7 +23177,7 @@
                                 <m:r>
                                   <a:rPr lang="en-US" i="1">
                                     <a:solidFill>
-                                      <a:srgbClr val="C00000"/>
+                                      <a:schemeClr val="tx1"/>
                                     </a:solidFill>
                                     <a:latin typeface="Cambria Math" panose="02040503050406030204" pitchFamily="18" charset="0"/>
                                   </a:rPr>
@@ -19999,7 +23190,7 @@
                         <m:r>
                           <a:rPr lang="en-US" b="0" i="1" smtClean="0">
                             <a:solidFill>
-                              <a:srgbClr val="C00000"/>
+                              <a:schemeClr val="tx1"/>
                             </a:solidFill>
                             <a:latin typeface="Cambria Math" panose="02040503050406030204" pitchFamily="18" charset="0"/>
                           </a:rPr>
@@ -20010,7 +23201,7 @@
                             <m:ctrlPr>
                               <a:rPr lang="en-US" b="0" i="1" smtClean="0">
                                 <a:solidFill>
-                                  <a:srgbClr val="C00000"/>
+                                  <a:schemeClr val="tx1"/>
                                 </a:solidFill>
                                 <a:latin typeface="Cambria Math" panose="02040503050406030204" pitchFamily="18" charset="0"/>
                               </a:rPr>
@@ -20020,7 +23211,7 @@
                             <m:r>
                               <a:rPr lang="en-US" b="0" i="1" smtClean="0">
                                 <a:solidFill>
-                                  <a:srgbClr val="C00000"/>
+                                  <a:schemeClr val="tx1"/>
                                 </a:solidFill>
                                 <a:latin typeface="Cambria Math" panose="02040503050406030204" pitchFamily="18" charset="0"/>
                               </a:rPr>
@@ -20031,7 +23222,7 @@
                             <m:r>
                               <a:rPr lang="en-US" b="0" i="1" smtClean="0">
                                 <a:solidFill>
-                                  <a:srgbClr val="C00000"/>
+                                  <a:schemeClr val="tx1"/>
                                 </a:solidFill>
                                 <a:latin typeface="Cambria Math" panose="02040503050406030204" pitchFamily="18" charset="0"/>
                               </a:rPr>
@@ -20042,7 +23233,7 @@
                         <m:r>
                           <a:rPr lang="en-US" b="0" i="1" smtClean="0">
                             <a:solidFill>
-                              <a:srgbClr val="C00000"/>
+                              <a:schemeClr val="tx1"/>
                             </a:solidFill>
                             <a:latin typeface="Cambria Math" panose="02040503050406030204" pitchFamily="18" charset="0"/>
                           </a:rPr>
@@ -20051,7 +23242,7 @@
                         <m:r>
                           <a:rPr lang="en-US" b="0" i="1" smtClean="0">
                             <a:solidFill>
-                              <a:srgbClr val="C00000"/>
+                              <a:schemeClr val="tx1"/>
                             </a:solidFill>
                             <a:latin typeface="Cambria Math" panose="02040503050406030204" pitchFamily="18" charset="0"/>
                           </a:rPr>
@@ -20061,9 +23252,9 @@
                     </m:d>
                   </m:oMath>
                 </a14:m>
-                <a:endParaRPr lang="en-US" b="0" dirty="0">
+                <a:endParaRPr lang="en-US" dirty="0">
                   <a:solidFill>
-                    <a:srgbClr val="C00000"/>
+                    <a:schemeClr val="tx1"/>
                   </a:solidFill>
                 </a:endParaRPr>
               </a:p>
@@ -20075,40 +23266,179 @@
                       <a:schemeClr val="tx1"/>
                     </a:solidFill>
                   </a:rPr>
-                  <a:t>Sample-based estimate (</a:t>
+                  <a:t>Sample-based estimate of the advantage function </a:t>
                 </a:r>
-                <a:r>
-                  <a:rPr lang="en-US" dirty="0"/>
-                  <a:t>TD target for </a:t>
-                </a:r>
-                <a:r>
-                  <a:rPr lang="en-US" dirty="0" err="1"/>
-                  <a:t>advangtage</a:t>
-                </a:r>
-                <a:r>
-                  <a:rPr lang="en-US" dirty="0"/>
-                  <a:t> function</a:t>
-                </a:r>
-                <a:r>
-                  <a:rPr lang="en-US" dirty="0">
-                    <a:solidFill>
-                      <a:schemeClr val="tx1"/>
-                    </a:solidFill>
-                  </a:rPr>
-                  <a:t>) </a:t>
-                </a:r>
-                <a:r>
-                  <a:rPr lang="en-US">
-                    <a:solidFill>
-                      <a:schemeClr val="tx1"/>
-                    </a:solidFill>
-                  </a:rPr>
-                  <a:t>:  not right</a:t>
-                </a:r>
-                <a:endParaRPr lang="en-US" dirty="0">
+                <a14:m>
+                  <m:oMath xmlns:m="http://schemas.openxmlformats.org/officeDocument/2006/math">
+                    <m:sSub>
+                      <m:sSubPr>
+                        <m:ctrlPr>
+                          <a:rPr lang="en-US" i="1">
+                            <a:latin typeface="Cambria Math" panose="02040503050406030204" pitchFamily="18" charset="0"/>
+                          </a:rPr>
+                        </m:ctrlPr>
+                      </m:sSubPr>
+                      <m:e>
+                        <m:r>
+                          <a:rPr lang="en-US" i="1">
+                            <a:latin typeface="Cambria Math" panose="02040503050406030204" pitchFamily="18" charset="0"/>
+                          </a:rPr>
+                          <m:t>𝐴</m:t>
+                        </m:r>
+                      </m:e>
+                      <m:sub>
+                        <m:r>
+                          <a:rPr lang="en-US" i="1">
+                            <a:latin typeface="Cambria Math" panose="02040503050406030204" pitchFamily="18" charset="0"/>
+                          </a:rPr>
+                          <m:t>𝜋</m:t>
+                        </m:r>
+                      </m:sub>
+                    </m:sSub>
+                    <m:d>
+                      <m:dPr>
+                        <m:ctrlPr>
+                          <a:rPr lang="en-US" i="1">
+                            <a:latin typeface="Cambria Math" panose="02040503050406030204" pitchFamily="18" charset="0"/>
+                          </a:rPr>
+                        </m:ctrlPr>
+                      </m:dPr>
+                      <m:e>
+                        <m:r>
+                          <a:rPr lang="en-US" i="1">
+                            <a:latin typeface="Cambria Math" panose="02040503050406030204" pitchFamily="18" charset="0"/>
+                          </a:rPr>
+                          <m:t>𝑠</m:t>
+                        </m:r>
+                        <m:r>
+                          <a:rPr lang="en-US" i="1">
+                            <a:latin typeface="Cambria Math" panose="02040503050406030204" pitchFamily="18" charset="0"/>
+                          </a:rPr>
+                          <m:t>,</m:t>
+                        </m:r>
+                        <m:r>
+                          <a:rPr lang="en-US" i="1">
+                            <a:latin typeface="Cambria Math" panose="02040503050406030204" pitchFamily="18" charset="0"/>
+                          </a:rPr>
+                          <m:t>𝑎</m:t>
+                        </m:r>
+                      </m:e>
+                    </m:d>
+                    <m:r>
+                      <a:rPr lang="en-US" i="1">
+                        <a:latin typeface="Cambria Math" panose="02040503050406030204" pitchFamily="18" charset="0"/>
+                      </a:rPr>
+                      <m:t>=</m:t>
+                    </m:r>
+                    <m:sSub>
+                      <m:sSubPr>
+                        <m:ctrlPr>
+                          <a:rPr lang="en-US" i="1">
+                            <a:latin typeface="Cambria Math" panose="02040503050406030204" pitchFamily="18" charset="0"/>
+                          </a:rPr>
+                        </m:ctrlPr>
+                      </m:sSubPr>
+                      <m:e>
+                        <m:r>
+                          <a:rPr lang="en-US" i="1">
+                            <a:latin typeface="Cambria Math" panose="02040503050406030204" pitchFamily="18" charset="0"/>
+                          </a:rPr>
+                          <m:t>𝑞</m:t>
+                        </m:r>
+                      </m:e>
+                      <m:sub>
+                        <m:r>
+                          <a:rPr lang="en-US" i="1">
+                            <a:latin typeface="Cambria Math" panose="02040503050406030204" pitchFamily="18" charset="0"/>
+                          </a:rPr>
+                          <m:t>𝜋</m:t>
+                        </m:r>
+                      </m:sub>
+                    </m:sSub>
+                    <m:d>
+                      <m:dPr>
+                        <m:ctrlPr>
+                          <a:rPr lang="en-US" i="1">
+                            <a:latin typeface="Cambria Math" panose="02040503050406030204" pitchFamily="18" charset="0"/>
+                          </a:rPr>
+                        </m:ctrlPr>
+                      </m:dPr>
+                      <m:e>
+                        <m:r>
+                          <a:rPr lang="en-US" i="1">
+                            <a:latin typeface="Cambria Math" panose="02040503050406030204" pitchFamily="18" charset="0"/>
+                          </a:rPr>
+                          <m:t>𝑠</m:t>
+                        </m:r>
+                        <m:r>
+                          <a:rPr lang="en-US" i="1">
+                            <a:latin typeface="Cambria Math" panose="02040503050406030204" pitchFamily="18" charset="0"/>
+                          </a:rPr>
+                          <m:t>,</m:t>
+                        </m:r>
+                        <m:r>
+                          <a:rPr lang="en-US" i="1">
+                            <a:latin typeface="Cambria Math" panose="02040503050406030204" pitchFamily="18" charset="0"/>
+                          </a:rPr>
+                          <m:t>𝑎</m:t>
+                        </m:r>
+                      </m:e>
+                    </m:d>
+                    <m:r>
+                      <a:rPr lang="en-US" i="1">
+                        <a:latin typeface="Cambria Math" panose="02040503050406030204" pitchFamily="18" charset="0"/>
+                      </a:rPr>
+                      <m:t>−</m:t>
+                    </m:r>
+                    <m:sSub>
+                      <m:sSubPr>
+                        <m:ctrlPr>
+                          <a:rPr lang="en-US" i="1">
+                            <a:latin typeface="Cambria Math" panose="02040503050406030204" pitchFamily="18" charset="0"/>
+                          </a:rPr>
+                        </m:ctrlPr>
+                      </m:sSubPr>
+                      <m:e>
+                        <m:r>
+                          <a:rPr lang="en-US" i="1">
+                            <a:latin typeface="Cambria Math" panose="02040503050406030204" pitchFamily="18" charset="0"/>
+                          </a:rPr>
+                          <m:t>𝑣</m:t>
+                        </m:r>
+                      </m:e>
+                      <m:sub>
+                        <m:r>
+                          <a:rPr lang="en-US" i="1">
+                            <a:latin typeface="Cambria Math" panose="02040503050406030204" pitchFamily="18" charset="0"/>
+                          </a:rPr>
+                          <m:t>𝜋</m:t>
+                        </m:r>
+                      </m:sub>
+                    </m:sSub>
+                    <m:d>
+                      <m:dPr>
+                        <m:ctrlPr>
+                          <a:rPr lang="en-US" i="1">
+                            <a:latin typeface="Cambria Math" panose="02040503050406030204" pitchFamily="18" charset="0"/>
+                          </a:rPr>
+                        </m:ctrlPr>
+                      </m:dPr>
+                      <m:e>
+                        <m:r>
+                          <a:rPr lang="en-US" i="1">
+                            <a:latin typeface="Cambria Math" panose="02040503050406030204" pitchFamily="18" charset="0"/>
+                          </a:rPr>
+                          <m:t>𝑠</m:t>
+                        </m:r>
+                      </m:e>
+                    </m:d>
+                  </m:oMath>
+                </a14:m>
+                <a:endParaRPr lang="en-US" i="1" dirty="0">
                   <a:solidFill>
                     <a:schemeClr val="tx1"/>
                   </a:solidFill>
+                  <a:latin typeface="Cambria Math" panose="02040503050406030204" pitchFamily="18" charset="0"/>
                 </a:endParaRPr>
               </a:p>
               <a:p>
@@ -20118,7 +23448,10 @@
                     <m:sSub>
                       <m:sSubPr>
                         <m:ctrlPr>
-                          <a:rPr lang="en-US" i="1">
+                          <a:rPr lang="en-US" i="1" smtClean="0">
+                            <a:solidFill>
+                              <a:schemeClr val="tx1"/>
+                            </a:solidFill>
                             <a:latin typeface="Cambria Math" panose="02040503050406030204" pitchFamily="18" charset="0"/>
                           </a:rPr>
                         </m:ctrlPr>
@@ -20126,6 +23459,9 @@
                       <m:e>
                         <m:r>
                           <a:rPr lang="en-US" i="1">
+                            <a:solidFill>
+                              <a:schemeClr val="tx1"/>
+                            </a:solidFill>
                             <a:latin typeface="Cambria Math" panose="02040503050406030204" pitchFamily="18" charset="0"/>
                           </a:rPr>
                           <m:t>𝔼</m:t>
@@ -20134,6 +23470,9 @@
                       <m:sub>
                         <m:r>
                           <a:rPr lang="en-US" i="1">
+                            <a:solidFill>
+                              <a:schemeClr val="tx1"/>
+                            </a:solidFill>
                             <a:latin typeface="Cambria Math" panose="02040503050406030204" pitchFamily="18" charset="0"/>
                           </a:rPr>
                           <m:t>𝜋</m:t>
@@ -20146,6 +23485,9 @@
                         <m:endChr m:val="]"/>
                         <m:ctrlPr>
                           <a:rPr lang="en-US" i="1">
+                            <a:solidFill>
+                              <a:schemeClr val="tx1"/>
+                            </a:solidFill>
                             <a:latin typeface="Cambria Math" panose="02040503050406030204" pitchFamily="18" charset="0"/>
                           </a:rPr>
                         </m:ctrlPr>
@@ -20154,14 +23496,20 @@
                         <m:sSub>
                           <m:sSubPr>
                             <m:ctrlPr>
-                              <a:rPr lang="en-US" i="1">
+                              <a:rPr lang="en-US" b="0" i="1" smtClean="0">
+                                <a:solidFill>
+                                  <a:schemeClr val="tx1"/>
+                                </a:solidFill>
                                 <a:latin typeface="Cambria Math" panose="02040503050406030204" pitchFamily="18" charset="0"/>
                               </a:rPr>
                             </m:ctrlPr>
                           </m:sSubPr>
                           <m:e>
                             <m:r>
-                              <a:rPr lang="en-US" i="1">
+                              <a:rPr lang="en-US" b="0" i="1" smtClean="0">
+                                <a:solidFill>
+                                  <a:schemeClr val="tx1"/>
+                                </a:solidFill>
                                 <a:latin typeface="Cambria Math" panose="02040503050406030204" pitchFamily="18" charset="0"/>
                               </a:rPr>
                               <m:t>𝑅</m:t>
@@ -20170,12 +23518,18 @@
                           <m:sub>
                             <m:r>
                               <a:rPr lang="en-US" i="1">
+                                <a:solidFill>
+                                  <a:schemeClr val="tx1"/>
+                                </a:solidFill>
                                 <a:latin typeface="Cambria Math" panose="02040503050406030204" pitchFamily="18" charset="0"/>
                               </a:rPr>
                               <m:t>𝑡</m:t>
                             </m:r>
                             <m:r>
                               <a:rPr lang="en-US" i="1">
+                                <a:solidFill>
+                                  <a:schemeClr val="tx1"/>
+                                </a:solidFill>
                                 <a:latin typeface="Cambria Math" panose="02040503050406030204" pitchFamily="18" charset="0"/>
                               </a:rPr>
                               <m:t>+1</m:t>
@@ -20184,12 +23538,18 @@
                         </m:sSub>
                         <m:r>
                           <a:rPr lang="en-US" i="1">
+                            <a:solidFill>
+                              <a:schemeClr val="tx1"/>
+                            </a:solidFill>
                             <a:latin typeface="Cambria Math" panose="02040503050406030204" pitchFamily="18" charset="0"/>
                           </a:rPr>
                           <m:t>+</m:t>
                         </m:r>
                         <m:r>
                           <a:rPr lang="en-US" i="1">
+                            <a:solidFill>
+                              <a:schemeClr val="tx1"/>
+                            </a:solidFill>
                             <a:latin typeface="Cambria Math" panose="02040503050406030204" pitchFamily="18" charset="0"/>
                           </a:rPr>
                           <m:t>𝛾</m:t>
@@ -20198,6 +23558,9 @@
                           <m:sSubPr>
                             <m:ctrlPr>
                               <a:rPr lang="en-US" i="1">
+                                <a:solidFill>
+                                  <a:schemeClr val="tx1"/>
+                                </a:solidFill>
                                 <a:latin typeface="Cambria Math" panose="02040503050406030204" pitchFamily="18" charset="0"/>
                               </a:rPr>
                             </m:ctrlPr>
@@ -20205,9 +23568,106 @@
                           <m:e>
                             <m:r>
                               <a:rPr lang="en-US" i="1">
-                                <a:latin typeface="Cambria Math" panose="02040503050406030204" pitchFamily="18" charset="0"/>
-                              </a:rPr>
-                              <m:t>𝑞</m:t>
+                                <a:solidFill>
+                                  <a:schemeClr val="tx1"/>
+                                </a:solidFill>
+                                <a:latin typeface="Cambria Math" panose="02040503050406030204" pitchFamily="18" charset="0"/>
+                              </a:rPr>
+                              <m:t>𝑣</m:t>
+                            </m:r>
+                          </m:e>
+                          <m:sub>
+                            <m:r>
+                              <a:rPr lang="en-US" i="1">
+                                <a:solidFill>
+                                  <a:schemeClr val="tx1"/>
+                                </a:solidFill>
+                                <a:latin typeface="Cambria Math" panose="02040503050406030204" pitchFamily="18" charset="0"/>
+                              </a:rPr>
+                              <m:t>𝜋</m:t>
+                            </m:r>
+                          </m:sub>
+                        </m:sSub>
+                        <m:d>
+                          <m:dPr>
+                            <m:ctrlPr>
+                              <a:rPr lang="en-US" i="1">
+                                <a:solidFill>
+                                  <a:schemeClr val="tx1"/>
+                                </a:solidFill>
+                                <a:latin typeface="Cambria Math" panose="02040503050406030204" pitchFamily="18" charset="0"/>
+                              </a:rPr>
+                            </m:ctrlPr>
+                          </m:dPr>
+                          <m:e>
+                            <m:sSub>
+                              <m:sSubPr>
+                                <m:ctrlPr>
+                                  <a:rPr lang="en-US" b="0" i="1" smtClean="0">
+                                    <a:solidFill>
+                                      <a:schemeClr val="tx1"/>
+                                    </a:solidFill>
+                                    <a:latin typeface="Cambria Math" panose="02040503050406030204" pitchFamily="18" charset="0"/>
+                                  </a:rPr>
+                                </m:ctrlPr>
+                              </m:sSubPr>
+                              <m:e>
+                                <m:r>
+                                  <a:rPr lang="en-US" b="0" i="1" smtClean="0">
+                                    <a:solidFill>
+                                      <a:schemeClr val="tx1"/>
+                                    </a:solidFill>
+                                    <a:latin typeface="Cambria Math" panose="02040503050406030204" pitchFamily="18" charset="0"/>
+                                  </a:rPr>
+                                  <m:t>𝑆</m:t>
+                                </m:r>
+                              </m:e>
+                              <m:sub>
+                                <m:r>
+                                  <a:rPr lang="en-US" i="1">
+                                    <a:solidFill>
+                                      <a:schemeClr val="tx1"/>
+                                    </a:solidFill>
+                                    <a:latin typeface="Cambria Math" panose="02040503050406030204" pitchFamily="18" charset="0"/>
+                                  </a:rPr>
+                                  <m:t>𝑡</m:t>
+                                </m:r>
+                                <m:r>
+                                  <a:rPr lang="en-US" i="1">
+                                    <a:solidFill>
+                                      <a:schemeClr val="tx1"/>
+                                    </a:solidFill>
+                                    <a:latin typeface="Cambria Math" panose="02040503050406030204" pitchFamily="18" charset="0"/>
+                                  </a:rPr>
+                                  <m:t>+1</m:t>
+                                </m:r>
+                              </m:sub>
+                            </m:sSub>
+                          </m:e>
+                        </m:d>
+                        <m:r>
+                          <a:rPr lang="en-US" b="0" i="1" smtClean="0">
+                            <a:solidFill>
+                              <a:schemeClr val="tx1"/>
+                            </a:solidFill>
+                            <a:latin typeface="Cambria Math" panose="02040503050406030204" pitchFamily="18" charset="0"/>
+                          </a:rPr>
+                          <m:t>−</m:t>
+                        </m:r>
+                        <m:sSub>
+                          <m:sSubPr>
+                            <m:ctrlPr>
+                              <a:rPr lang="en-US" i="1">
+                                <a:latin typeface="Cambria Math" panose="02040503050406030204" pitchFamily="18" charset="0"/>
+                              </a:rPr>
+                            </m:ctrlPr>
+                          </m:sSubPr>
+                          <m:e>
+                            <m:r>
+                              <a:rPr lang="en-US" i="1">
+                                <a:latin typeface="Cambria Math" panose="02040503050406030204" pitchFamily="18" charset="0"/>
+                              </a:rPr>
+                              <m:t>𝑣</m:t>
                             </m:r>
                           </m:e>
                           <m:sub>
@@ -20251,59 +23711,171 @@
                                   </a:rPr>
                                   <m:t>𝑡</m:t>
                                 </m:r>
-                                <m:r>
-                                  <a:rPr lang="en-US" i="1">
-                                    <a:latin typeface="Cambria Math" panose="02040503050406030204" pitchFamily="18" charset="0"/>
-                                  </a:rPr>
-                                  <m:t>+1</m:t>
-                                </m:r>
-                              </m:sub>
-                            </m:sSub>
-                            <m:r>
-                              <a:rPr lang="en-US" i="1">
-                                <a:latin typeface="Cambria Math" panose="02040503050406030204" pitchFamily="18" charset="0"/>
-                              </a:rPr>
-                              <m:t>,</m:t>
-                            </m:r>
-                            <m:sSub>
-                              <m:sSubPr>
-                                <m:ctrlPr>
-                                  <a:rPr lang="en-US" i="1">
-                                    <a:latin typeface="Cambria Math" panose="02040503050406030204" pitchFamily="18" charset="0"/>
-                                  </a:rPr>
-                                </m:ctrlPr>
-                              </m:sSubPr>
-                              <m:e>
-                                <m:r>
-                                  <a:rPr lang="en-US" i="1">
-                                    <a:latin typeface="Cambria Math" panose="02040503050406030204" pitchFamily="18" charset="0"/>
-                                  </a:rPr>
-                                  <m:t>𝐴</m:t>
-                                </m:r>
-                              </m:e>
-                              <m:sub>
-                                <m:r>
-                                  <a:rPr lang="en-US" i="1">
-                                    <a:latin typeface="Cambria Math" panose="02040503050406030204" pitchFamily="18" charset="0"/>
-                                  </a:rPr>
-                                  <m:t>𝑡</m:t>
-                                </m:r>
-                                <m:r>
-                                  <a:rPr lang="en-US" i="1">
-                                    <a:latin typeface="Cambria Math" panose="02040503050406030204" pitchFamily="18" charset="0"/>
-                                  </a:rPr>
-                                  <m:t>+1</m:t>
-                                </m:r>
                               </m:sub>
                             </m:sSub>
                           </m:e>
                         </m:d>
+                        <m:r>
+                          <a:rPr lang="en-US" b="0" i="1" smtClean="0">
+                            <a:solidFill>
+                              <a:schemeClr val="tx1"/>
+                            </a:solidFill>
+                            <a:latin typeface="Cambria Math" panose="02040503050406030204" pitchFamily="18" charset="0"/>
+                          </a:rPr>
+                          <m:t>|</m:t>
+                        </m:r>
+                        <m:sSub>
+                          <m:sSubPr>
+                            <m:ctrlPr>
+                              <a:rPr lang="en-US" b="0" i="1" smtClean="0">
+                                <a:solidFill>
+                                  <a:schemeClr val="tx1"/>
+                                </a:solidFill>
+                                <a:latin typeface="Cambria Math" panose="02040503050406030204" pitchFamily="18" charset="0"/>
+                              </a:rPr>
+                            </m:ctrlPr>
+                          </m:sSubPr>
+                          <m:e>
+                            <m:r>
+                              <a:rPr lang="en-US" b="0" i="1" smtClean="0">
+                                <a:solidFill>
+                                  <a:schemeClr val="tx1"/>
+                                </a:solidFill>
+                                <a:latin typeface="Cambria Math" panose="02040503050406030204" pitchFamily="18" charset="0"/>
+                              </a:rPr>
+                              <m:t>𝑆</m:t>
+                            </m:r>
+                          </m:e>
+                          <m:sub>
+                            <m:r>
+                              <a:rPr lang="en-US" b="0" i="1" smtClean="0">
+                                <a:solidFill>
+                                  <a:schemeClr val="tx1"/>
+                                </a:solidFill>
+                                <a:latin typeface="Cambria Math" panose="02040503050406030204" pitchFamily="18" charset="0"/>
+                              </a:rPr>
+                              <m:t>𝑡</m:t>
+                            </m:r>
+                          </m:sub>
+                        </m:sSub>
+                        <m:r>
+                          <a:rPr lang="en-US" b="0" i="1" smtClean="0">
+                            <a:solidFill>
+                              <a:schemeClr val="tx1"/>
+                            </a:solidFill>
+                            <a:latin typeface="Cambria Math" panose="02040503050406030204" pitchFamily="18" charset="0"/>
+                          </a:rPr>
+                          <m:t>=</m:t>
+                        </m:r>
+                        <m:r>
+                          <a:rPr lang="en-US" b="0" i="1" smtClean="0">
+                            <a:solidFill>
+                              <a:schemeClr val="tx1"/>
+                            </a:solidFill>
+                            <a:latin typeface="Cambria Math" panose="02040503050406030204" pitchFamily="18" charset="0"/>
+                          </a:rPr>
+                          <m:t>𝑠</m:t>
+                        </m:r>
+                      </m:e>
+                    </m:d>
+                    <m:r>
+                      <a:rPr lang="en-US" b="0" i="1" smtClean="0">
+                        <a:solidFill>
+                          <a:schemeClr val="tx1"/>
+                        </a:solidFill>
+                        <a:latin typeface="Cambria Math" panose="02040503050406030204" pitchFamily="18" charset="0"/>
+                      </a:rPr>
+                      <m:t>=</m:t>
+                    </m:r>
+                    <m:sSub>
+                      <m:sSubPr>
+                        <m:ctrlPr>
+                          <a:rPr lang="en-US" i="1">
+                            <a:solidFill>
+                              <a:schemeClr val="tx1"/>
+                            </a:solidFill>
+                            <a:latin typeface="Cambria Math" panose="02040503050406030204" pitchFamily="18" charset="0"/>
+                          </a:rPr>
+                        </m:ctrlPr>
+                      </m:sSubPr>
+                      <m:e>
+                        <m:r>
+                          <a:rPr lang="en-US" i="1">
+                            <a:solidFill>
+                              <a:schemeClr val="tx1"/>
+                            </a:solidFill>
+                            <a:latin typeface="Cambria Math" panose="02040503050406030204" pitchFamily="18" charset="0"/>
+                          </a:rPr>
+                          <m:t>𝔼</m:t>
+                        </m:r>
+                      </m:e>
+                      <m:sub>
+                        <m:r>
+                          <a:rPr lang="en-US" i="1">
+                            <a:solidFill>
+                              <a:schemeClr val="tx1"/>
+                            </a:solidFill>
+                            <a:latin typeface="Cambria Math" panose="02040503050406030204" pitchFamily="18" charset="0"/>
+                          </a:rPr>
+                          <m:t>𝜋</m:t>
+                        </m:r>
+                      </m:sub>
+                    </m:sSub>
+                    <m:d>
+                      <m:dPr>
+                        <m:begChr m:val="["/>
+                        <m:endChr m:val="]"/>
+                        <m:ctrlPr>
+                          <a:rPr lang="en-US" i="1">
+                            <a:solidFill>
+                              <a:schemeClr val="tx1"/>
+                            </a:solidFill>
+                            <a:latin typeface="Cambria Math" panose="02040503050406030204" pitchFamily="18" charset="0"/>
+                          </a:rPr>
+                        </m:ctrlPr>
+                      </m:dPr>
+                      <m:e>
+                        <m:sSub>
+                          <m:sSubPr>
+                            <m:ctrlPr>
+                              <a:rPr lang="en-US" b="0" i="1" smtClean="0">
+                                <a:solidFill>
+                                  <a:schemeClr val="tx1"/>
+                                </a:solidFill>
+                                <a:latin typeface="Cambria Math" panose="02040503050406030204" pitchFamily="18" charset="0"/>
+                              </a:rPr>
+                            </m:ctrlPr>
+                          </m:sSubPr>
+                          <m:e>
+                            <m:r>
+                              <a:rPr lang="en-US" b="0" i="1" smtClean="0">
+                                <a:solidFill>
+                                  <a:schemeClr val="tx1"/>
+                                </a:solidFill>
+                                <a:latin typeface="Cambria Math" panose="02040503050406030204" pitchFamily="18" charset="0"/>
+                              </a:rPr>
+                              <m:t>𝑞</m:t>
+                            </m:r>
+                          </m:e>
+                          <m:sub>
+                            <m:r>
+                              <a:rPr lang="en-US" b="0" i="1" smtClean="0">
+                                <a:solidFill>
+                                  <a:schemeClr val="tx1"/>
+                                </a:solidFill>
+                                <a:latin typeface="Cambria Math" panose="02040503050406030204" pitchFamily="18" charset="0"/>
+                              </a:rPr>
+                              <m:t>𝜋</m:t>
+                            </m:r>
+                          </m:sub>
+                        </m:sSub>
                         <m:d>
                           <m:dPr>
-                            <m:begChr m:val="|"/>
-                            <m:endChr m:val="|"/>
                             <m:ctrlPr>
-                              <a:rPr lang="en-US" i="1">
+                              <a:rPr lang="en-US" b="0" i="1" smtClean="0">
+                                <a:solidFill>
+                                  <a:schemeClr val="tx1"/>
+                                </a:solidFill>
                                 <a:latin typeface="Cambria Math" panose="02040503050406030204" pitchFamily="18" charset="0"/>
                               </a:rPr>
                             </m:ctrlPr>
@@ -20338,341 +23910,6 @@
                               <a:rPr lang="en-US" i="1">
                                 <a:latin typeface="Cambria Math" panose="02040503050406030204" pitchFamily="18" charset="0"/>
                               </a:rPr>
-                              <m:t>=</m:t>
-                            </m:r>
-                            <m:r>
-                              <a:rPr lang="en-US" i="1">
-                                <a:latin typeface="Cambria Math" panose="02040503050406030204" pitchFamily="18" charset="0"/>
-                              </a:rPr>
-                              <m:t>𝑠</m:t>
-                            </m:r>
-                            <m:r>
-                              <a:rPr lang="en-US" i="1">
-                                <a:latin typeface="Cambria Math" panose="02040503050406030204" pitchFamily="18" charset="0"/>
-                              </a:rPr>
-                              <m:t>, </m:t>
-                            </m:r>
-                            <m:sSub>
-                              <m:sSubPr>
-                                <m:ctrlPr>
-                                  <a:rPr lang="en-US" i="1">
-                                    <a:latin typeface="Cambria Math" panose="02040503050406030204" pitchFamily="18" charset="0"/>
-                                  </a:rPr>
-                                </m:ctrlPr>
-                              </m:sSubPr>
-                              <m:e>
-                                <m:r>
-                                  <a:rPr lang="en-US" i="1">
-                                    <a:latin typeface="Cambria Math" panose="02040503050406030204" pitchFamily="18" charset="0"/>
-                                  </a:rPr>
-                                  <m:t>𝐴</m:t>
-                                </m:r>
-                              </m:e>
-                              <m:sub>
-                                <m:r>
-                                  <a:rPr lang="en-US" i="1">
-                                    <a:latin typeface="Cambria Math" panose="02040503050406030204" pitchFamily="18" charset="0"/>
-                                  </a:rPr>
-                                  <m:t>𝑡</m:t>
-                                </m:r>
-                              </m:sub>
-                            </m:sSub>
-                            <m:r>
-                              <a:rPr lang="en-US" i="1">
-                                <a:latin typeface="Cambria Math" panose="02040503050406030204" pitchFamily="18" charset="0"/>
-                              </a:rPr>
-                              <m:t>=</m:t>
-                            </m:r>
-                            <m:r>
-                              <a:rPr lang="en-US" i="1">
-                                <a:latin typeface="Cambria Math" panose="02040503050406030204" pitchFamily="18" charset="0"/>
-                              </a:rPr>
-                              <m:t>𝑎</m:t>
-                            </m:r>
-                            <m:r>
-                              <a:rPr lang="en-US" b="0" i="1" smtClean="0">
-                                <a:latin typeface="Cambria Math" panose="02040503050406030204" pitchFamily="18" charset="0"/>
-                              </a:rPr>
-                              <m:t>−</m:t>
-                            </m:r>
-                            <m:sSub>
-                              <m:sSubPr>
-                                <m:ctrlPr>
-                                  <a:rPr lang="en-US" i="1">
-                                    <a:solidFill>
-                                      <a:srgbClr val="C00000"/>
-                                    </a:solidFill>
-                                    <a:latin typeface="Cambria Math" panose="02040503050406030204" pitchFamily="18" charset="0"/>
-                                  </a:rPr>
-                                </m:ctrlPr>
-                              </m:sSubPr>
-                              <m:e>
-                                <m:r>
-                                  <a:rPr lang="en-US" i="1">
-                                    <a:solidFill>
-                                      <a:srgbClr val="C00000"/>
-                                    </a:solidFill>
-                                    <a:latin typeface="Cambria Math" panose="02040503050406030204" pitchFamily="18" charset="0"/>
-                                  </a:rPr>
-                                  <m:t>𝑅</m:t>
-                                </m:r>
-                              </m:e>
-                              <m:sub>
-                                <m:r>
-                                  <a:rPr lang="en-US" i="1">
-                                    <a:solidFill>
-                                      <a:srgbClr val="C00000"/>
-                                    </a:solidFill>
-                                    <a:latin typeface="Cambria Math" panose="02040503050406030204" pitchFamily="18" charset="0"/>
-                                  </a:rPr>
-                                  <m:t>𝑡</m:t>
-                                </m:r>
-                                <m:r>
-                                  <a:rPr lang="en-US" i="1">
-                                    <a:solidFill>
-                                      <a:srgbClr val="C00000"/>
-                                    </a:solidFill>
-                                    <a:latin typeface="Cambria Math" panose="02040503050406030204" pitchFamily="18" charset="0"/>
-                                  </a:rPr>
-                                  <m:t>+1</m:t>
-                                </m:r>
-                              </m:sub>
-                            </m:sSub>
-                            <m:r>
-                              <a:rPr lang="en-US" i="1">
-                                <a:solidFill>
-                                  <a:srgbClr val="C00000"/>
-                                </a:solidFill>
-                                <a:latin typeface="Cambria Math" panose="02040503050406030204" pitchFamily="18" charset="0"/>
-                              </a:rPr>
-                              <m:t>+</m:t>
-                            </m:r>
-                            <m:r>
-                              <a:rPr lang="en-US" i="1">
-                                <a:solidFill>
-                                  <a:srgbClr val="C00000"/>
-                                </a:solidFill>
-                                <a:latin typeface="Cambria Math" panose="02040503050406030204" pitchFamily="18" charset="0"/>
-                              </a:rPr>
-                              <m:t>𝛾</m:t>
-                            </m:r>
-                            <m:sSub>
-                              <m:sSubPr>
-                                <m:ctrlPr>
-                                  <a:rPr lang="en-US" i="1">
-                                    <a:solidFill>
-                                      <a:srgbClr val="C00000"/>
-                                    </a:solidFill>
-                                    <a:latin typeface="Cambria Math" panose="02040503050406030204" pitchFamily="18" charset="0"/>
-                                  </a:rPr>
-                                </m:ctrlPr>
-                              </m:sSubPr>
-                              <m:e>
-                                <m:r>
-                                  <a:rPr lang="en-US" i="1">
-                                    <a:solidFill>
-                                      <a:srgbClr val="C00000"/>
-                                    </a:solidFill>
-                                    <a:latin typeface="Cambria Math" panose="02040503050406030204" pitchFamily="18" charset="0"/>
-                                  </a:rPr>
-                                  <m:t>𝑣</m:t>
-                                </m:r>
-                              </m:e>
-                              <m:sub>
-                                <m:r>
-                                  <a:rPr lang="en-US" i="1">
-                                    <a:solidFill>
-                                      <a:srgbClr val="C00000"/>
-                                    </a:solidFill>
-                                    <a:latin typeface="Cambria Math" panose="02040503050406030204" pitchFamily="18" charset="0"/>
-                                  </a:rPr>
-                                  <m:t>𝜋</m:t>
-                                </m:r>
-                              </m:sub>
-                            </m:sSub>
-                            <m:d>
-                              <m:dPr>
-                                <m:ctrlPr>
-                                  <a:rPr lang="en-US" i="1">
-                                    <a:solidFill>
-                                      <a:srgbClr val="C00000"/>
-                                    </a:solidFill>
-                                    <a:latin typeface="Cambria Math" panose="02040503050406030204" pitchFamily="18" charset="0"/>
-                                  </a:rPr>
-                                </m:ctrlPr>
-                              </m:dPr>
-                              <m:e>
-                                <m:sSub>
-                                  <m:sSubPr>
-                                    <m:ctrlPr>
-                                      <a:rPr lang="en-US" i="1">
-                                        <a:solidFill>
-                                          <a:srgbClr val="C00000"/>
-                                        </a:solidFill>
-                                        <a:latin typeface="Cambria Math" panose="02040503050406030204" pitchFamily="18" charset="0"/>
-                                      </a:rPr>
-                                    </m:ctrlPr>
-                                  </m:sSubPr>
-                                  <m:e>
-                                    <m:r>
-                                      <a:rPr lang="en-US" i="1">
-                                        <a:solidFill>
-                                          <a:srgbClr val="C00000"/>
-                                        </a:solidFill>
-                                        <a:latin typeface="Cambria Math" panose="02040503050406030204" pitchFamily="18" charset="0"/>
-                                      </a:rPr>
-                                      <m:t>𝑆</m:t>
-                                    </m:r>
-                                  </m:e>
-                                  <m:sub>
-                                    <m:r>
-                                      <a:rPr lang="en-US" i="1">
-                                        <a:solidFill>
-                                          <a:srgbClr val="C00000"/>
-                                        </a:solidFill>
-                                        <a:latin typeface="Cambria Math" panose="02040503050406030204" pitchFamily="18" charset="0"/>
-                                      </a:rPr>
-                                      <m:t>𝑡</m:t>
-                                    </m:r>
-                                    <m:r>
-                                      <a:rPr lang="en-US" i="1">
-                                        <a:solidFill>
-                                          <a:srgbClr val="C00000"/>
-                                        </a:solidFill>
-                                        <a:latin typeface="Cambria Math" panose="02040503050406030204" pitchFamily="18" charset="0"/>
-                                      </a:rPr>
-                                      <m:t>+1</m:t>
-                                    </m:r>
-                                  </m:sub>
-                                </m:sSub>
-                              </m:e>
-                            </m:d>
-                          </m:e>
-                        </m:d>
-                        <m:sSub>
-                          <m:sSubPr>
-                            <m:ctrlPr>
-                              <a:rPr lang="en-US" i="1">
-                                <a:solidFill>
-                                  <a:srgbClr val="C00000"/>
-                                </a:solidFill>
-                                <a:latin typeface="Cambria Math" panose="02040503050406030204" pitchFamily="18" charset="0"/>
-                              </a:rPr>
-                            </m:ctrlPr>
-                          </m:sSubPr>
-                          <m:e>
-                            <m:r>
-                              <a:rPr lang="en-US" i="1">
-                                <a:solidFill>
-                                  <a:srgbClr val="C00000"/>
-                                </a:solidFill>
-                                <a:latin typeface="Cambria Math" panose="02040503050406030204" pitchFamily="18" charset="0"/>
-                              </a:rPr>
-                              <m:t>𝑆</m:t>
-                            </m:r>
-                          </m:e>
-                          <m:sub>
-                            <m:r>
-                              <a:rPr lang="en-US" i="1">
-                                <a:solidFill>
-                                  <a:srgbClr val="C00000"/>
-                                </a:solidFill>
-                                <a:latin typeface="Cambria Math" panose="02040503050406030204" pitchFamily="18" charset="0"/>
-                              </a:rPr>
-                              <m:t>𝑡</m:t>
-                            </m:r>
-                          </m:sub>
-                        </m:sSub>
-                        <m:r>
-                          <a:rPr lang="en-US" i="1">
-                            <a:solidFill>
-                              <a:srgbClr val="C00000"/>
-                            </a:solidFill>
-                            <a:latin typeface="Cambria Math" panose="02040503050406030204" pitchFamily="18" charset="0"/>
-                          </a:rPr>
-                          <m:t>=</m:t>
-                        </m:r>
-                        <m:r>
-                          <a:rPr lang="en-US" i="1">
-                            <a:solidFill>
-                              <a:srgbClr val="C00000"/>
-                            </a:solidFill>
-                            <a:latin typeface="Cambria Math" panose="02040503050406030204" pitchFamily="18" charset="0"/>
-                          </a:rPr>
-                          <m:t>𝑠</m:t>
-                        </m:r>
-                        <m:r>
-                          <a:rPr lang="en-US" b="0" i="1" smtClean="0">
-                            <a:solidFill>
-                              <a:srgbClr val="C00000"/>
-                            </a:solidFill>
-                            <a:latin typeface="Cambria Math" panose="02040503050406030204" pitchFamily="18" charset="0"/>
-                          </a:rPr>
-                          <m:t>−</m:t>
-                        </m:r>
-                        <m:sSub>
-                          <m:sSubPr>
-                            <m:ctrlPr>
-                              <a:rPr lang="en-US" i="1">
-                                <a:latin typeface="Cambria Math" panose="02040503050406030204" pitchFamily="18" charset="0"/>
-                              </a:rPr>
-                            </m:ctrlPr>
-                          </m:sSubPr>
-                          <m:e>
-                            <m:r>
-                              <a:rPr lang="en-US" i="1">
-                                <a:latin typeface="Cambria Math" panose="02040503050406030204" pitchFamily="18" charset="0"/>
-                              </a:rPr>
-                              <m:t>𝑞</m:t>
-                            </m:r>
-                          </m:e>
-                          <m:sub>
-                            <m:r>
-                              <a:rPr lang="en-US" i="1">
-                                <a:latin typeface="Cambria Math" panose="02040503050406030204" pitchFamily="18" charset="0"/>
-                              </a:rPr>
-                              <m:t>𝜋</m:t>
-                            </m:r>
-                          </m:sub>
-                        </m:sSub>
-                        <m:d>
-                          <m:dPr>
-                            <m:ctrlPr>
-                              <a:rPr lang="en-US" i="1">
-                                <a:latin typeface="Cambria Math" panose="02040503050406030204" pitchFamily="18" charset="0"/>
-                              </a:rPr>
-                            </m:ctrlPr>
-                          </m:dPr>
-                          <m:e>
-                            <m:sSub>
-                              <m:sSubPr>
-                                <m:ctrlPr>
-                                  <a:rPr lang="en-US" i="1">
-                                    <a:latin typeface="Cambria Math" panose="02040503050406030204" pitchFamily="18" charset="0"/>
-                                  </a:rPr>
-                                </m:ctrlPr>
-                              </m:sSubPr>
-                              <m:e>
-                                <m:r>
-                                  <a:rPr lang="en-US" i="1">
-                                    <a:latin typeface="Cambria Math" panose="02040503050406030204" pitchFamily="18" charset="0"/>
-                                  </a:rPr>
-                                  <m:t>𝑆</m:t>
-                                </m:r>
-                              </m:e>
-                              <m:sub>
-                                <m:r>
-                                  <a:rPr lang="en-US" i="1">
-                                    <a:latin typeface="Cambria Math" panose="02040503050406030204" pitchFamily="18" charset="0"/>
-                                  </a:rPr>
-                                  <m:t>𝑡</m:t>
-                                </m:r>
-                              </m:sub>
-                            </m:sSub>
-                            <m:r>
-                              <a:rPr lang="en-US" i="1">
-                                <a:latin typeface="Cambria Math" panose="02040503050406030204" pitchFamily="18" charset="0"/>
-                              </a:rPr>
                               <m:t>,</m:t>
                             </m:r>
                             <m:sSub>
@@ -20704,21 +23941,24 @@
                         </m:d>
                         <m:r>
                           <a:rPr lang="en-US" b="0" i="1" smtClean="0">
-                            <a:latin typeface="Cambria Math" panose="02040503050406030204" pitchFamily="18" charset="0"/>
-                          </a:rPr>
-                          <m:t>+</m:t>
+                            <a:solidFill>
+                              <a:schemeClr val="tx1"/>
+                            </a:solidFill>
+                            <a:latin typeface="Cambria Math" panose="02040503050406030204" pitchFamily="18" charset="0"/>
+                          </a:rPr>
+                          <m:t>−</m:t>
                         </m:r>
                         <m:sSub>
                           <m:sSubPr>
                             <m:ctrlPr>
-                              <a:rPr lang="en-US" b="0" i="1" smtClean="0">
+                              <a:rPr lang="en-US" i="1">
                                 <a:latin typeface="Cambria Math" panose="02040503050406030204" pitchFamily="18" charset="0"/>
                               </a:rPr>
                             </m:ctrlPr>
                           </m:sSubPr>
                           <m:e>
                             <m:r>
-                              <a:rPr lang="en-US" b="0" i="1" smtClean="0">
+                              <a:rPr lang="en-US" i="1">
                                 <a:latin typeface="Cambria Math" panose="02040503050406030204" pitchFamily="18" charset="0"/>
                               </a:rPr>
                               <m:t>𝑣</m:t>
@@ -20726,23 +23966,65 @@
                           </m:e>
                           <m:sub>
                             <m:r>
-                              <a:rPr lang="en-US" b="0" i="1" smtClean="0">
+                              <a:rPr lang="en-US" i="1">
                                 <a:latin typeface="Cambria Math" panose="02040503050406030204" pitchFamily="18" charset="0"/>
                               </a:rPr>
                               <m:t>𝜋</m:t>
                             </m:r>
                           </m:sub>
                         </m:sSub>
+                        <m:d>
+                          <m:dPr>
+                            <m:ctrlPr>
+                              <a:rPr lang="en-US" i="1">
+                                <a:latin typeface="Cambria Math" panose="02040503050406030204" pitchFamily="18" charset="0"/>
+                              </a:rPr>
+                            </m:ctrlPr>
+                          </m:dPr>
+                          <m:e>
+                            <m:sSub>
+                              <m:sSubPr>
+                                <m:ctrlPr>
+                                  <a:rPr lang="en-US" i="1">
+                                    <a:latin typeface="Cambria Math" panose="02040503050406030204" pitchFamily="18" charset="0"/>
+                                  </a:rPr>
+                                </m:ctrlPr>
+                              </m:sSubPr>
+                              <m:e>
+                                <m:r>
+                                  <a:rPr lang="en-US" i="1">
+                                    <a:latin typeface="Cambria Math" panose="02040503050406030204" pitchFamily="18" charset="0"/>
+                                  </a:rPr>
+                                  <m:t>𝑆</m:t>
+                                </m:r>
+                              </m:e>
+                              <m:sub>
+                                <m:r>
+                                  <a:rPr lang="en-US" i="1">
+                                    <a:latin typeface="Cambria Math" panose="02040503050406030204" pitchFamily="18" charset="0"/>
+                                  </a:rPr>
+                                  <m:t>𝑡</m:t>
+                                </m:r>
+                              </m:sub>
+                            </m:sSub>
+                          </m:e>
+                        </m:d>
                         <m:r>
                           <a:rPr lang="en-US" b="0" i="1" smtClean="0">
-                            <a:latin typeface="Cambria Math" panose="02040503050406030204" pitchFamily="18" charset="0"/>
-                          </a:rPr>
-                          <m:t>(</m:t>
+                            <a:solidFill>
+                              <a:schemeClr val="tx1"/>
+                            </a:solidFill>
+                            <a:latin typeface="Cambria Math" panose="02040503050406030204" pitchFamily="18" charset="0"/>
+                          </a:rPr>
+                          <m:t>|</m:t>
                         </m:r>
                         <m:sSub>
                           <m:sSubPr>
                             <m:ctrlPr>
                               <a:rPr lang="en-US" i="1">
+                                <a:solidFill>
+                                  <a:schemeClr val="tx1"/>
+                                </a:solidFill>
                                 <a:latin typeface="Cambria Math" panose="02040503050406030204" pitchFamily="18" charset="0"/>
                               </a:rPr>
                             </m:ctrlPr>
@@ -20750,6 +24032,9 @@
                           <m:e>
                             <m:r>
                               <a:rPr lang="en-US" i="1">
+                                <a:solidFill>
+                                  <a:schemeClr val="tx1"/>
+                                </a:solidFill>
                                 <a:latin typeface="Cambria Math" panose="02040503050406030204" pitchFamily="18" charset="0"/>
                               </a:rPr>
                               <m:t>𝑆</m:t>
@@ -20758,6 +24043,9 @@
                           <m:sub>
                             <m:r>
                               <a:rPr lang="en-US" i="1">
+                                <a:solidFill>
+                                  <a:schemeClr val="tx1"/>
+                                </a:solidFill>
                                 <a:latin typeface="Cambria Math" panose="02040503050406030204" pitchFamily="18" charset="0"/>
                               </a:rPr>
                               <m:t>𝑡</m:t>
@@ -20766,14 +24054,38 @@
                         </m:sSub>
                         <m:r>
                           <a:rPr lang="en-US" i="1">
-                            <a:latin typeface="Cambria Math" panose="02040503050406030204" pitchFamily="18" charset="0"/>
-                          </a:rPr>
-                          <m:t>,</m:t>
+                            <a:solidFill>
+                              <a:schemeClr val="tx1"/>
+                            </a:solidFill>
+                            <a:latin typeface="Cambria Math" panose="02040503050406030204" pitchFamily="18" charset="0"/>
+                          </a:rPr>
+                          <m:t>=</m:t>
+                        </m:r>
+                        <m:r>
+                          <a:rPr lang="en-US" i="1">
+                            <a:solidFill>
+                              <a:schemeClr val="tx1"/>
+                            </a:solidFill>
+                            <a:latin typeface="Cambria Math" panose="02040503050406030204" pitchFamily="18" charset="0"/>
+                          </a:rPr>
+                          <m:t>𝑠</m:t>
+                        </m:r>
+                        <m:r>
+                          <a:rPr lang="en-US" i="1">
+                            <a:solidFill>
+                              <a:schemeClr val="tx1"/>
+                            </a:solidFill>
+                            <a:latin typeface="Cambria Math" panose="02040503050406030204" pitchFamily="18" charset="0"/>
+                          </a:rPr>
+                          <m:t>, </m:t>
                         </m:r>
                         <m:sSub>
                           <m:sSubPr>
                             <m:ctrlPr>
                               <a:rPr lang="en-US" i="1">
+                                <a:solidFill>
+                                  <a:schemeClr val="tx1"/>
+                                </a:solidFill>
                                 <a:latin typeface="Cambria Math" panose="02040503050406030204" pitchFamily="18" charset="0"/>
                               </a:rPr>
                             </m:ctrlPr>
@@ -20781,6 +24093,9 @@
                           <m:e>
                             <m:r>
                               <a:rPr lang="en-US" i="1">
+                                <a:solidFill>
+                                  <a:schemeClr val="tx1"/>
+                                </a:solidFill>
                                 <a:latin typeface="Cambria Math" panose="02040503050406030204" pitchFamily="18" charset="0"/>
                               </a:rPr>
                               <m:t>𝐴</m:t>
@@ -20789,6 +24104,9 @@
                           <m:sub>
                             <m:r>
                               <a:rPr lang="en-US" i="1">
+                                <a:solidFill>
+                                  <a:schemeClr val="tx1"/>
+                                </a:solidFill>
                                 <a:latin typeface="Cambria Math" panose="02040503050406030204" pitchFamily="18" charset="0"/>
                               </a:rPr>
                               <m:t>𝑡</m:t>
@@ -20796,39 +24114,320 @@
                           </m:sub>
                         </m:sSub>
                         <m:r>
-                          <a:rPr lang="en-US" b="0" i="1" smtClean="0">
-                            <a:latin typeface="Cambria Math" panose="02040503050406030204" pitchFamily="18" charset="0"/>
-                          </a:rPr>
-                          <m:t>)</m:t>
+                          <a:rPr lang="en-US" i="1">
+                            <a:solidFill>
+                              <a:schemeClr val="tx1"/>
+                            </a:solidFill>
+                            <a:latin typeface="Cambria Math" panose="02040503050406030204" pitchFamily="18" charset="0"/>
+                          </a:rPr>
+                          <m:t>=</m:t>
+                        </m:r>
+                        <m:r>
+                          <a:rPr lang="en-US" i="1">
+                            <a:solidFill>
+                              <a:schemeClr val="tx1"/>
+                            </a:solidFill>
+                            <a:latin typeface="Cambria Math" panose="02040503050406030204" pitchFamily="18" charset="0"/>
+                          </a:rPr>
+                          <m:t>𝑎</m:t>
                         </m:r>
                       </m:e>
                     </m:d>
-                    <m:r>
-                      <a:rPr lang="en-US" b="0" i="1" smtClean="0">
-                        <a:latin typeface="Cambria Math" panose="02040503050406030204" pitchFamily="18" charset="0"/>
-                      </a:rPr>
-                      <m:t>=</m:t>
-                    </m:r>
                   </m:oMath>
                 </a14:m>
-                <a:endParaRPr lang="en-US" dirty="0">
+                <a:endParaRPr lang="en-US" b="0" i="1" dirty="0">
                   <a:solidFill>
-                    <a:srgbClr val="C00000"/>
+                    <a:schemeClr val="tx1"/>
                   </a:solidFill>
+                  <a:latin typeface="Cambria Math" panose="02040503050406030204" pitchFamily="18" charset="0"/>
                 </a:endParaRPr>
               </a:p>
               <a:p>
-                <a:pPr lvl="1"/>
-                <a:endParaRPr lang="en-US" dirty="0">
+                <a:pPr lvl="2"/>
+                <a:r>
+                  <a:rPr lang="en-US" i="1" dirty="0">
+                    <a:latin typeface="Cambria Math" panose="02040503050406030204" pitchFamily="18" charset="0"/>
+                  </a:rPr>
+                  <a:t>Since </a:t>
+                </a:r>
+                <a14:m>
+                  <m:oMath xmlns:m="http://schemas.openxmlformats.org/officeDocument/2006/math">
+                    <m:sSub>
+                      <m:sSubPr>
+                        <m:ctrlPr>
+                          <a:rPr lang="en-US" b="0" i="1" smtClean="0">
+                            <a:solidFill>
+                              <a:schemeClr val="tx1"/>
+                            </a:solidFill>
+                            <a:latin typeface="Cambria Math" panose="02040503050406030204" pitchFamily="18" charset="0"/>
+                          </a:rPr>
+                        </m:ctrlPr>
+                      </m:sSubPr>
+                      <m:e>
+                        <m:r>
+                          <a:rPr lang="en-US" b="0" i="1" smtClean="0">
+                            <a:solidFill>
+                              <a:schemeClr val="tx1"/>
+                            </a:solidFill>
+                            <a:latin typeface="Cambria Math" panose="02040503050406030204" pitchFamily="18" charset="0"/>
+                          </a:rPr>
+                          <m:t>𝑞</m:t>
+                        </m:r>
+                      </m:e>
+                      <m:sub>
+                        <m:r>
+                          <a:rPr lang="en-US" b="0" i="1" smtClean="0">
+                            <a:solidFill>
+                              <a:schemeClr val="tx1"/>
+                            </a:solidFill>
+                            <a:latin typeface="Cambria Math" panose="02040503050406030204" pitchFamily="18" charset="0"/>
+                          </a:rPr>
+                          <m:t>𝜋</m:t>
+                        </m:r>
+                      </m:sub>
+                    </m:sSub>
+                    <m:d>
+                      <m:dPr>
+                        <m:ctrlPr>
+                          <a:rPr lang="en-US" b="0" i="1" smtClean="0">
+                            <a:solidFill>
+                              <a:schemeClr val="tx1"/>
+                            </a:solidFill>
+                            <a:latin typeface="Cambria Math" panose="02040503050406030204" pitchFamily="18" charset="0"/>
+                          </a:rPr>
+                        </m:ctrlPr>
+                      </m:dPr>
+                      <m:e>
+                        <m:sSub>
+                          <m:sSubPr>
+                            <m:ctrlPr>
+                              <a:rPr lang="en-US" i="1">
+                                <a:latin typeface="Cambria Math" panose="02040503050406030204" pitchFamily="18" charset="0"/>
+                              </a:rPr>
+                            </m:ctrlPr>
+                          </m:sSubPr>
+                          <m:e>
+                            <m:r>
+                              <a:rPr lang="en-US" i="1">
+                                <a:latin typeface="Cambria Math" panose="02040503050406030204" pitchFamily="18" charset="0"/>
+                              </a:rPr>
+                              <m:t>𝑆</m:t>
+                            </m:r>
+                          </m:e>
+                          <m:sub>
+                            <m:r>
+                              <a:rPr lang="en-US" i="1">
+                                <a:latin typeface="Cambria Math" panose="02040503050406030204" pitchFamily="18" charset="0"/>
+                              </a:rPr>
+                              <m:t>𝑡</m:t>
+                            </m:r>
+                          </m:sub>
+                        </m:sSub>
+                        <m:r>
+                          <a:rPr lang="en-US" i="1">
+                            <a:latin typeface="Cambria Math" panose="02040503050406030204" pitchFamily="18" charset="0"/>
+                          </a:rPr>
+                          <m:t>,</m:t>
+                        </m:r>
+                        <m:sSub>
+                          <m:sSubPr>
+                            <m:ctrlPr>
+                              <a:rPr lang="en-US" i="1">
+                                <a:latin typeface="Cambria Math" panose="02040503050406030204" pitchFamily="18" charset="0"/>
+                              </a:rPr>
+                            </m:ctrlPr>
+                          </m:sSubPr>
+                          <m:e>
+                            <m:r>
+                              <a:rPr lang="en-US" i="1">
+                                <a:latin typeface="Cambria Math" panose="02040503050406030204" pitchFamily="18" charset="0"/>
+                              </a:rPr>
+                              <m:t>𝐴</m:t>
+                            </m:r>
+                          </m:e>
+                          <m:sub>
+                            <m:r>
+                              <a:rPr lang="en-US" i="1">
+                                <a:latin typeface="Cambria Math" panose="02040503050406030204" pitchFamily="18" charset="0"/>
+                              </a:rPr>
+                              <m:t>𝑡</m:t>
+                            </m:r>
+                          </m:sub>
+                        </m:sSub>
+                      </m:e>
+                    </m:d>
+                    <m:r>
+                      <a:rPr lang="en-US" b="0" i="1" smtClean="0">
+                        <a:latin typeface="Cambria Math" panose="02040503050406030204" pitchFamily="18" charset="0"/>
+                      </a:rPr>
+                      <m:t>=</m:t>
+                    </m:r>
+                    <m:sSub>
+                      <m:sSubPr>
+                        <m:ctrlPr>
+                          <a:rPr lang="en-US" i="1">
+                            <a:latin typeface="Cambria Math" panose="02040503050406030204" pitchFamily="18" charset="0"/>
+                          </a:rPr>
+                        </m:ctrlPr>
+                      </m:sSubPr>
+                      <m:e>
+                        <m:r>
+                          <a:rPr lang="en-US" i="1">
+                            <a:latin typeface="Cambria Math" panose="02040503050406030204" pitchFamily="18" charset="0"/>
+                          </a:rPr>
+                          <m:t>𝔼</m:t>
+                        </m:r>
+                      </m:e>
+                      <m:sub>
+                        <m:r>
+                          <a:rPr lang="en-US" b="0" i="1" smtClean="0">
+                            <a:latin typeface="Cambria Math" panose="02040503050406030204" pitchFamily="18" charset="0"/>
+                          </a:rPr>
+                          <m:t>𝑠</m:t>
+                        </m:r>
+                        <m:r>
+                          <a:rPr lang="en-US" b="0" i="1" smtClean="0">
+                            <a:latin typeface="Cambria Math" panose="02040503050406030204" pitchFamily="18" charset="0"/>
+                          </a:rPr>
+                          <m:t>′</m:t>
+                        </m:r>
+                      </m:sub>
+                    </m:sSub>
+                    <m:r>
+                      <a:rPr lang="en-US" b="0" i="1" smtClean="0">
+                        <a:latin typeface="Cambria Math" panose="02040503050406030204" pitchFamily="18" charset="0"/>
+                      </a:rPr>
+                      <m:t>[</m:t>
+                    </m:r>
+                    <m:sSub>
+                      <m:sSubPr>
+                        <m:ctrlPr>
+                          <a:rPr lang="en-US" i="1">
+                            <a:latin typeface="Cambria Math" panose="02040503050406030204" pitchFamily="18" charset="0"/>
+                          </a:rPr>
+                        </m:ctrlPr>
+                      </m:sSubPr>
+                      <m:e>
+                        <m:r>
+                          <a:rPr lang="en-US" i="1">
+                            <a:latin typeface="Cambria Math" panose="02040503050406030204" pitchFamily="18" charset="0"/>
+                          </a:rPr>
+                          <m:t>𝑅</m:t>
+                        </m:r>
+                      </m:e>
+                      <m:sub>
+                        <m:r>
+                          <a:rPr lang="en-US" i="1">
+                            <a:latin typeface="Cambria Math" panose="02040503050406030204" pitchFamily="18" charset="0"/>
+                          </a:rPr>
+                          <m:t>𝑡</m:t>
+                        </m:r>
+                        <m:r>
+                          <a:rPr lang="en-US" i="1">
+                            <a:latin typeface="Cambria Math" panose="02040503050406030204" pitchFamily="18" charset="0"/>
+                          </a:rPr>
+                          <m:t>+1</m:t>
+                        </m:r>
+                      </m:sub>
+                    </m:sSub>
+                    <m:r>
+                      <a:rPr lang="en-US" i="1">
+                        <a:latin typeface="Cambria Math" panose="02040503050406030204" pitchFamily="18" charset="0"/>
+                      </a:rPr>
+                      <m:t>+</m:t>
+                    </m:r>
+                    <m:r>
+                      <a:rPr lang="en-US" i="1">
+                        <a:latin typeface="Cambria Math" panose="02040503050406030204" pitchFamily="18" charset="0"/>
+                      </a:rPr>
+                      <m:t>𝛾</m:t>
+                    </m:r>
+                    <m:sSub>
+                      <m:sSubPr>
+                        <m:ctrlPr>
+                          <a:rPr lang="en-US" i="1">
+                            <a:latin typeface="Cambria Math" panose="02040503050406030204" pitchFamily="18" charset="0"/>
+                          </a:rPr>
+                        </m:ctrlPr>
+                      </m:sSubPr>
+                      <m:e>
+                        <m:r>
+                          <a:rPr lang="en-US" i="1">
+                            <a:latin typeface="Cambria Math" panose="02040503050406030204" pitchFamily="18" charset="0"/>
+                          </a:rPr>
+                          <m:t>𝑣</m:t>
+                        </m:r>
+                      </m:e>
+                      <m:sub>
+                        <m:r>
+                          <a:rPr lang="en-US" i="1">
+                            <a:latin typeface="Cambria Math" panose="02040503050406030204" pitchFamily="18" charset="0"/>
+                          </a:rPr>
+                          <m:t>𝜋</m:t>
+                        </m:r>
+                      </m:sub>
+                    </m:sSub>
+                    <m:d>
+                      <m:dPr>
+                        <m:ctrlPr>
+                          <a:rPr lang="en-US" i="1">
+                            <a:latin typeface="Cambria Math" panose="02040503050406030204" pitchFamily="18" charset="0"/>
+                          </a:rPr>
+                        </m:ctrlPr>
+                      </m:dPr>
+                      <m:e>
+                        <m:sSub>
+                          <m:sSubPr>
+                            <m:ctrlPr>
+                              <a:rPr lang="en-US" i="1">
+                                <a:latin typeface="Cambria Math" panose="02040503050406030204" pitchFamily="18" charset="0"/>
+                              </a:rPr>
+                            </m:ctrlPr>
+                          </m:sSubPr>
+                          <m:e>
+                            <m:r>
+                              <a:rPr lang="en-US" i="1">
+                                <a:latin typeface="Cambria Math" panose="02040503050406030204" pitchFamily="18" charset="0"/>
+                              </a:rPr>
+                              <m:t>𝑆</m:t>
+                            </m:r>
+                          </m:e>
+                          <m:sub>
+                            <m:r>
+                              <a:rPr lang="en-US" i="1">
+                                <a:latin typeface="Cambria Math" panose="02040503050406030204" pitchFamily="18" charset="0"/>
+                              </a:rPr>
+                              <m:t>𝑡</m:t>
+                            </m:r>
+                            <m:r>
+                              <a:rPr lang="en-US" i="1">
+                                <a:latin typeface="Cambria Math" panose="02040503050406030204" pitchFamily="18" charset="0"/>
+                              </a:rPr>
+                              <m:t>+1</m:t>
+                            </m:r>
+                          </m:sub>
+                        </m:sSub>
+                      </m:e>
+                    </m:d>
+                    <m:r>
+                      <a:rPr lang="en-US" b="0" i="1" smtClean="0">
+                        <a:latin typeface="Cambria Math" panose="02040503050406030204" pitchFamily="18" charset="0"/>
+                      </a:rPr>
+                      <m:t>]</m:t>
+                    </m:r>
+                  </m:oMath>
+                </a14:m>
+                <a:endParaRPr lang="en-US" b="0" i="1" dirty="0">
                   <a:solidFill>
-                    <a:srgbClr val="C00000"/>
+                    <a:schemeClr val="tx1"/>
                   </a:solidFill>
+                  <a:latin typeface="Cambria Math" panose="02040503050406030204" pitchFamily="18" charset="0"/>
                 </a:endParaRPr>
               </a:p>
             </p:txBody>
           </p:sp>
         </mc:Choice>
-        <mc:Fallback>
+        <mc:Fallback xmlns="">
           <p:sp>
             <p:nvSpPr>
               <p:cNvPr id="3" name="Content Placeholder 2">
@@ -20938,57 +24537,10 @@
           </a:p>
         </p:txBody>
       </p:sp>
-      <p:pic>
-        <p:nvPicPr>
-          <p:cNvPr id="2050" name="Picture 2">
-            <a:extLst>
-              <a:ext uri="{FF2B5EF4-FFF2-40B4-BE49-F238E27FC236}">
-                <a16:creationId xmlns:a16="http://schemas.microsoft.com/office/drawing/2014/main" id="{2DF58560-5BDD-472A-8F41-AF927D4AAB75}"/>
-              </a:ext>
-            </a:extLst>
-          </p:cNvPr>
-          <p:cNvPicPr>
-            <a:picLocks noChangeAspect="1" noChangeArrowheads="1"/>
-          </p:cNvPicPr>
-          <p:nvPr/>
-        </p:nvPicPr>
-        <p:blipFill>
-          <a:blip r:embed="rId4">
-            <a:extLst>
-              <a:ext uri="{28A0092B-C50C-407E-A947-70E740481C1C}">
-                <a14:useLocalDpi xmlns:a14="http://schemas.microsoft.com/office/drawing/2010/main" val="0"/>
-              </a:ext>
-            </a:extLst>
-          </a:blip>
-          <a:srcRect/>
-          <a:stretch>
-            <a:fillRect/>
-          </a:stretch>
-        </p:blipFill>
-        <p:spPr bwMode="auto">
-          <a:xfrm>
-            <a:off x="3682021" y="1214422"/>
-            <a:ext cx="5436096" cy="413370"/>
-          </a:xfrm>
-          <a:prstGeom prst="rect">
-            <a:avLst/>
-          </a:prstGeom>
-          <a:noFill/>
-          <a:extLst>
-            <a:ext uri="{909E8E84-426E-40DD-AFC4-6F175D3DCCD1}">
-              <a14:hiddenFill xmlns:a14="http://schemas.microsoft.com/office/drawing/2010/main">
-                <a:solidFill>
-                  <a:srgbClr val="FFFFFF"/>
-                </a:solidFill>
-              </a14:hiddenFill>
-            </a:ext>
-          </a:extLst>
-        </p:spPr>
-      </p:pic>
     </p:spTree>
     <p:extLst>
       <p:ext uri="{BB962C8B-B14F-4D97-AF65-F5344CB8AC3E}">
-        <p14:creationId xmlns:p14="http://schemas.microsoft.com/office/powerpoint/2010/main" val="2101706613"/>
+        <p14:creationId xmlns:p14="http://schemas.microsoft.com/office/powerpoint/2010/main" val="1225368961"/>
       </p:ext>
     </p:extLst>
   </p:cSld>
@@ -20998,7 +24550,7 @@
 </p:sld>
 </file>
 
-<file path=ppt/slides/slide4.xml><?xml version="1.0" encoding="utf-8"?>
+<file path=ppt/slides/slide6.xml><?xml version="1.0" encoding="utf-8"?>
 <p:sld xmlns:a="http://schemas.openxmlformats.org/drawingml/2006/main" xmlns:r="http://schemas.openxmlformats.org/officeDocument/2006/relationships" xmlns:p="http://schemas.openxmlformats.org/presentationml/2006/main">
   <p:cSld>
     <p:spTree>
@@ -25119,7 +28671,7 @@
 </p:sld>
 </file>
 
-<file path=ppt/slides/slide5.xml><?xml version="1.0" encoding="utf-8"?>
+<file path=ppt/slides/slide7.xml><?xml version="1.0" encoding="utf-8"?>
 <p:sld xmlns:a="http://schemas.openxmlformats.org/drawingml/2006/main" xmlns:r="http://schemas.openxmlformats.org/officeDocument/2006/relationships" xmlns:p="http://schemas.openxmlformats.org/presentationml/2006/main">
   <p:cSld>
     <p:spTree>
@@ -26410,7 +29962,7 @@
               <a:pPr>
                 <a:defRPr/>
               </a:pPr>
-              <a:t>5</a:t>
+              <a:t>7</a:t>
             </a:fld>
             <a:endParaRPr lang="en-US" altLang="zh-CN"/>
           </a:p>
@@ -26489,7 +30041,7 @@
 </p:sld>
 </file>
 
-<file path=ppt/slides/slide6.xml><?xml version="1.0" encoding="utf-8"?>
+<file path=ppt/slides/slide8.xml><?xml version="1.0" encoding="utf-8"?>
 <p:sld xmlns:a="http://schemas.openxmlformats.org/drawingml/2006/main" xmlns:r="http://schemas.openxmlformats.org/officeDocument/2006/relationships" xmlns:p="http://schemas.openxmlformats.org/presentationml/2006/main">
   <p:cSld>
     <p:spTree>
@@ -28766,7 +32318,7 @@
               <a:pPr>
                 <a:defRPr/>
               </a:pPr>
-              <a:t>6</a:t>
+              <a:t>8</a:t>
             </a:fld>
             <a:endParaRPr lang="en-US" altLang="zh-CN"/>
           </a:p>
@@ -28867,7 +32419,7 @@
 </p:sld>
 </file>
 
-<file path=ppt/slides/slide7.xml><?xml version="1.0" encoding="utf-8"?>
+<file path=ppt/slides/slide9.xml><?xml version="1.0" encoding="utf-8"?>
 <p:sld xmlns:a="http://schemas.openxmlformats.org/drawingml/2006/main" xmlns:r="http://schemas.openxmlformats.org/officeDocument/2006/relationships" xmlns:p="http://schemas.openxmlformats.org/presentationml/2006/main">
   <p:cSld>
     <p:spTree>
@@ -29183,7 +32735,7 @@
               <a:pPr>
                 <a:defRPr/>
               </a:pPr>
-              <a:t>7</a:t>
+              <a:t>9</a:t>
             </a:fld>
             <a:endParaRPr lang="en-US" altLang="zh-CN"/>
           </a:p>
@@ -29193,278 +32745,6 @@
     <p:extLst>
       <p:ext uri="{BB962C8B-B14F-4D97-AF65-F5344CB8AC3E}">
         <p14:creationId xmlns:p14="http://schemas.microsoft.com/office/powerpoint/2010/main" val="3181789017"/>
-      </p:ext>
-    </p:extLst>
-  </p:cSld>
-  <p:clrMapOvr>
-    <a:masterClrMapping/>
-  </p:clrMapOvr>
-</p:sld>
-</file>
-
-<file path=ppt/slides/slide8.xml><?xml version="1.0" encoding="utf-8"?>
-<p:sld xmlns:a="http://schemas.openxmlformats.org/drawingml/2006/main" xmlns:r="http://schemas.openxmlformats.org/officeDocument/2006/relationships" xmlns:p="http://schemas.openxmlformats.org/presentationml/2006/main">
-  <p:cSld>
-    <p:spTree>
-      <p:nvGrpSpPr>
-        <p:cNvPr id="1" name=""/>
-        <p:cNvGrpSpPr/>
-        <p:nvPr/>
-      </p:nvGrpSpPr>
-      <p:grpSpPr>
-        <a:xfrm>
-          <a:off x="0" y="0"/>
-          <a:ext cx="0" cy="0"/>
-          <a:chOff x="0" y="0"/>
-          <a:chExt cx="0" cy="0"/>
-        </a:xfrm>
-      </p:grpSpPr>
-      <p:sp>
-        <p:nvSpPr>
-          <p:cNvPr id="2" name="Title 1">
-            <a:extLst>
-              <a:ext uri="{FF2B5EF4-FFF2-40B4-BE49-F238E27FC236}">
-                <a16:creationId xmlns:a16="http://schemas.microsoft.com/office/drawing/2014/main" id="{21FB5266-4590-468C-9077-C7F2C285665C}"/>
-              </a:ext>
-            </a:extLst>
-          </p:cNvPr>
-          <p:cNvSpPr>
-            <a:spLocks noGrp="1"/>
-          </p:cNvSpPr>
-          <p:nvPr>
-            <p:ph type="title"/>
-          </p:nvPr>
-        </p:nvSpPr>
-        <p:spPr/>
-        <p:txBody>
-          <a:bodyPr/>
-          <a:lstStyle/>
-          <a:p>
-            <a:endParaRPr lang="en-SE"/>
-          </a:p>
-        </p:txBody>
-      </p:sp>
-      <p:sp>
-        <p:nvSpPr>
-          <p:cNvPr id="3" name="Content Placeholder 2">
-            <a:extLst>
-              <a:ext uri="{FF2B5EF4-FFF2-40B4-BE49-F238E27FC236}">
-                <a16:creationId xmlns:a16="http://schemas.microsoft.com/office/drawing/2014/main" id="{DF4EADC7-FB9B-4918-A71C-F7C48B44CC1F}"/>
-              </a:ext>
-            </a:extLst>
-          </p:cNvPr>
-          <p:cNvSpPr>
-            <a:spLocks noGrp="1"/>
-          </p:cNvSpPr>
-          <p:nvPr>
-            <p:ph idx="1"/>
-          </p:nvPr>
-        </p:nvSpPr>
-        <p:spPr/>
-        <p:txBody>
-          <a:bodyPr/>
-          <a:lstStyle/>
-          <a:p>
-            <a:endParaRPr lang="en-SE"/>
-          </a:p>
-        </p:txBody>
-      </p:sp>
-      <p:pic>
-        <p:nvPicPr>
-          <p:cNvPr id="5" name="Picture 4">
-            <a:extLst>
-              <a:ext uri="{FF2B5EF4-FFF2-40B4-BE49-F238E27FC236}">
-                <a16:creationId xmlns:a16="http://schemas.microsoft.com/office/drawing/2014/main" id="{E3264125-6DB7-4B73-9EEE-6D51B2AFF992}"/>
-              </a:ext>
-            </a:extLst>
-          </p:cNvPr>
-          <p:cNvPicPr>
-            <a:picLocks noChangeAspect="1"/>
-          </p:cNvPicPr>
-          <p:nvPr/>
-        </p:nvPicPr>
-        <p:blipFill>
-          <a:blip r:embed="rId2"/>
-          <a:stretch>
-            <a:fillRect/>
-          </a:stretch>
-        </p:blipFill>
-        <p:spPr>
-          <a:xfrm>
-            <a:off x="1809364" y="2060848"/>
-            <a:ext cx="5525271" cy="4191585"/>
-          </a:xfrm>
-          <a:prstGeom prst="rect">
-            <a:avLst/>
-          </a:prstGeom>
-        </p:spPr>
-      </p:pic>
-    </p:spTree>
-    <p:extLst>
-      <p:ext uri="{BB962C8B-B14F-4D97-AF65-F5344CB8AC3E}">
-        <p14:creationId xmlns:p14="http://schemas.microsoft.com/office/powerpoint/2010/main" val="2412958184"/>
-      </p:ext>
-    </p:extLst>
-  </p:cSld>
-  <p:clrMapOvr>
-    <a:masterClrMapping/>
-  </p:clrMapOvr>
-</p:sld>
-</file>
-
-<file path=ppt/slides/slide9.xml><?xml version="1.0" encoding="utf-8"?>
-<p:sld xmlns:a="http://schemas.openxmlformats.org/drawingml/2006/main" xmlns:r="http://schemas.openxmlformats.org/officeDocument/2006/relationships" xmlns:p="http://schemas.openxmlformats.org/presentationml/2006/main">
-  <p:cSld>
-    <p:spTree>
-      <p:nvGrpSpPr>
-        <p:cNvPr id="1" name=""/>
-        <p:cNvGrpSpPr/>
-        <p:nvPr/>
-      </p:nvGrpSpPr>
-      <p:grpSpPr>
-        <a:xfrm>
-          <a:off x="0" y="0"/>
-          <a:ext cx="0" cy="0"/>
-          <a:chOff x="0" y="0"/>
-          <a:chExt cx="0" cy="0"/>
-        </a:xfrm>
-      </p:grpSpPr>
-      <p:sp>
-        <p:nvSpPr>
-          <p:cNvPr id="2" name="Title 1">
-            <a:extLst>
-              <a:ext uri="{FF2B5EF4-FFF2-40B4-BE49-F238E27FC236}">
-                <a16:creationId xmlns:a16="http://schemas.microsoft.com/office/drawing/2014/main" id="{A2D725FE-676A-433D-AA67-733FF45EAC01}"/>
-              </a:ext>
-            </a:extLst>
-          </p:cNvPr>
-          <p:cNvSpPr>
-            <a:spLocks noGrp="1"/>
-          </p:cNvSpPr>
-          <p:nvPr>
-            <p:ph type="title"/>
-          </p:nvPr>
-        </p:nvSpPr>
-        <p:spPr/>
-        <p:txBody>
-          <a:bodyPr/>
-          <a:lstStyle/>
-          <a:p>
-            <a:r>
-              <a:rPr lang="en-US" dirty="0"/>
-              <a:t>Lab2</a:t>
-            </a:r>
-            <a:endParaRPr lang="en-SE" dirty="0"/>
-          </a:p>
-        </p:txBody>
-      </p:sp>
-      <p:sp>
-        <p:nvSpPr>
-          <p:cNvPr id="3" name="Content Placeholder 2">
-            <a:extLst>
-              <a:ext uri="{FF2B5EF4-FFF2-40B4-BE49-F238E27FC236}">
-                <a16:creationId xmlns:a16="http://schemas.microsoft.com/office/drawing/2014/main" id="{03D2D1B3-896C-4AAA-861C-F5F66575A603}"/>
-              </a:ext>
-            </a:extLst>
-          </p:cNvPr>
-          <p:cNvSpPr>
-            <a:spLocks noGrp="1"/>
-          </p:cNvSpPr>
-          <p:nvPr>
-            <p:ph idx="1"/>
-          </p:nvPr>
-        </p:nvSpPr>
-        <p:spPr/>
-        <p:txBody>
-          <a:bodyPr>
-            <a:normAutofit fontScale="85000" lnSpcReduction="10000"/>
-          </a:bodyPr>
-          <a:lstStyle/>
-          <a:p>
-            <a:r>
-              <a:rPr lang="en-US" dirty="0"/>
-              <a:t>Lab2: The </a:t>
-            </a:r>
-            <a:r>
-              <a:rPr lang="en-US" dirty="0" err="1"/>
-              <a:t>cte</a:t>
-            </a:r>
-            <a:r>
-              <a:rPr lang="en-US" dirty="0"/>
-              <a:t>() function should be changed to make it a round track shape. It is normal to have persistent large tracking errors at high speeds.</a:t>
-            </a:r>
-          </a:p>
-          <a:p>
-            <a:r>
-              <a:rPr lang="en-US" dirty="0"/>
-              <a:t>You did not change the track shape by modifying the </a:t>
-            </a:r>
-            <a:r>
-              <a:rPr lang="en-US" dirty="0" err="1"/>
-              <a:t>cte</a:t>
-            </a:r>
-            <a:r>
-              <a:rPr lang="en-US" dirty="0"/>
-              <a:t>() function.</a:t>
-            </a:r>
-          </a:p>
-          <a:p>
-            <a:r>
-              <a:rPr lang="en-US" dirty="0"/>
-              <a:t>Emphasize that the track shape must be a perfect circle.</a:t>
-            </a:r>
-          </a:p>
-          <a:p>
-            <a:r>
-              <a:rPr lang="en-US" dirty="0"/>
-              <a:t>It is an interesting idea to twiddle dt, but dt is supposed to stay constant during controller tuning, and frequent updates to dt during execution may not be a good idea.</a:t>
-            </a:r>
-          </a:p>
-          <a:p>
-            <a:r>
-              <a:rPr lang="en-US" dirty="0"/>
-              <a:t>Good report: Ellen Lindgren, </a:t>
-            </a:r>
-            <a:r>
-              <a:rPr lang="en-US" b="0" i="0" dirty="0">
-                <a:solidFill>
-                  <a:srgbClr val="2D3B45"/>
-                </a:solidFill>
-                <a:effectLst/>
-                <a:latin typeface="Lato Extended"/>
-              </a:rPr>
-              <a:t>Maurice Gerardus, Leila </a:t>
-            </a:r>
-            <a:r>
-              <a:rPr lang="en-US" b="0" i="0" dirty="0" err="1">
-                <a:solidFill>
-                  <a:srgbClr val="2D3B45"/>
-                </a:solidFill>
-                <a:effectLst/>
-                <a:latin typeface="Lato Extended"/>
-              </a:rPr>
-              <a:t>Methnani</a:t>
-            </a:r>
-            <a:r>
-              <a:rPr lang="en-US" b="0" i="0" dirty="0">
-                <a:solidFill>
-                  <a:srgbClr val="2D3B45"/>
-                </a:solidFill>
-                <a:effectLst/>
-                <a:latin typeface="Lato Extended"/>
-              </a:rPr>
-              <a:t>, </a:t>
-            </a:r>
-          </a:p>
-          <a:p>
-            <a:endParaRPr lang="en-SE" dirty="0"/>
-          </a:p>
-        </p:txBody>
-      </p:sp>
-    </p:spTree>
-    <p:extLst>
-      <p:ext uri="{BB962C8B-B14F-4D97-AF65-F5344CB8AC3E}">
-        <p14:creationId xmlns:p14="http://schemas.microsoft.com/office/powerpoint/2010/main" val="1793737622"/>
       </p:ext>
     </p:extLst>
   </p:cSld>
@@ -30046,6 +33326,12 @@
 </file>
 
 <file path=customXml/item1.xml><?xml version="1.0" encoding="utf-8"?>
+<p:properties xmlns:p="http://schemas.microsoft.com/office/2006/metadata/properties" xmlns:xsi="http://www.w3.org/2001/XMLSchema-instance" xmlns:pc="http://schemas.microsoft.com/office/infopath/2007/PartnerControls">
+  <documentManagement/>
+</p:properties>
+</file>
+
+<file path=customXml/item2.xml><?xml version="1.0" encoding="utf-8"?>
 <ct:contentTypeSchema xmlns:ct="http://schemas.microsoft.com/office/2006/metadata/contentType" xmlns:ma="http://schemas.microsoft.com/office/2006/metadata/properties/metaAttributes" ct:_="" ma:_="" ma:contentTypeName="Document" ma:contentTypeID="0x01010004C9F4636FD8CF4DBA576E51CE9A9557" ma:contentTypeVersion="12" ma:contentTypeDescription="Create a new document." ma:contentTypeScope="" ma:versionID="c335fd21f2fe76e29ebd247bba84ba96">
   <xsd:schema xmlns:xsd="http://www.w3.org/2001/XMLSchema" xmlns:xs="http://www.w3.org/2001/XMLSchema" xmlns:p="http://schemas.microsoft.com/office/2006/metadata/properties" xmlns:ns3="221e1496-d443-4306-ad63-a100e0046a13" xmlns:ns4="60aad371-894b-4a9b-aa6a-3fd9336d4f3f" targetNamespace="http://schemas.microsoft.com/office/2006/metadata/properties" ma:root="true" ma:fieldsID="4cb030868c90a59dc09b4c74f925c173" ns3:_="" ns4:_="">
     <xsd:import namespace="221e1496-d443-4306-ad63-a100e0046a13"/>
@@ -30262,12 +33548,6 @@
 </ct:contentTypeSchema>
 </file>
 
-<file path=customXml/item2.xml><?xml version="1.0" encoding="utf-8"?>
-<p:properties xmlns:p="http://schemas.microsoft.com/office/2006/metadata/properties" xmlns:xsi="http://www.w3.org/2001/XMLSchema-instance" xmlns:pc="http://schemas.microsoft.com/office/infopath/2007/PartnerControls">
-  <documentManagement/>
-</p:properties>
-</file>
-
 <file path=customXml/item3.xml><?xml version="1.0" encoding="utf-8"?>
 <?mso-contentType ?>
 <FormTemplates xmlns="http://schemas.microsoft.com/sharepoint/v3/contenttype/forms">
@@ -30278,6 +33558,23 @@
 </file>
 
 <file path=customXml/itemProps1.xml><?xml version="1.0" encoding="utf-8"?>
+<ds:datastoreItem xmlns:ds="http://schemas.openxmlformats.org/officeDocument/2006/customXml" ds:itemID="{6B8D1CD2-3289-4F40-8C3A-CFDE35750563}">
+  <ds:schemaRefs>
+    <ds:schemaRef ds:uri="http://schemas.microsoft.com/office/2006/documentManagement/types"/>
+    <ds:schemaRef ds:uri="http://purl.org/dc/elements/1.1/"/>
+    <ds:schemaRef ds:uri="http://schemas.microsoft.com/office/2006/metadata/properties"/>
+    <ds:schemaRef ds:uri="http://schemas.openxmlformats.org/package/2006/metadata/core-properties"/>
+    <ds:schemaRef ds:uri="http://purl.org/dc/dcmitype/"/>
+    <ds:schemaRef ds:uri="http://purl.org/dc/terms/"/>
+    <ds:schemaRef ds:uri="http://www.w3.org/XML/1998/namespace"/>
+    <ds:schemaRef ds:uri="http://schemas.microsoft.com/office/infopath/2007/PartnerControls"/>
+    <ds:schemaRef ds:uri="60aad371-894b-4a9b-aa6a-3fd9336d4f3f"/>
+    <ds:schemaRef ds:uri="221e1496-d443-4306-ad63-a100e0046a13"/>
+  </ds:schemaRefs>
+</ds:datastoreItem>
+</file>
+
+<file path=customXml/itemProps2.xml><?xml version="1.0" encoding="utf-8"?>
 <ds:datastoreItem xmlns:ds="http://schemas.openxmlformats.org/officeDocument/2006/customXml" ds:itemID="{6F97E12F-14DB-4E96-B5EF-03E9057A64B5}">
   <ds:schemaRefs>
     <ds:schemaRef ds:uri="http://schemas.microsoft.com/office/2006/metadata/contentType"/>
@@ -30296,23 +33593,6 @@
 </ds:datastoreItem>
 </file>
 
-<file path=customXml/itemProps2.xml><?xml version="1.0" encoding="utf-8"?>
-<ds:datastoreItem xmlns:ds="http://schemas.openxmlformats.org/officeDocument/2006/customXml" ds:itemID="{6B8D1CD2-3289-4F40-8C3A-CFDE35750563}">
-  <ds:schemaRefs>
-    <ds:schemaRef ds:uri="http://schemas.microsoft.com/office/2006/documentManagement/types"/>
-    <ds:schemaRef ds:uri="http://purl.org/dc/elements/1.1/"/>
-    <ds:schemaRef ds:uri="http://schemas.microsoft.com/office/2006/metadata/properties"/>
-    <ds:schemaRef ds:uri="http://schemas.openxmlformats.org/package/2006/metadata/core-properties"/>
-    <ds:schemaRef ds:uri="http://purl.org/dc/dcmitype/"/>
-    <ds:schemaRef ds:uri="http://purl.org/dc/terms/"/>
-    <ds:schemaRef ds:uri="http://www.w3.org/XML/1998/namespace"/>
-    <ds:schemaRef ds:uri="http://schemas.microsoft.com/office/infopath/2007/PartnerControls"/>
-    <ds:schemaRef ds:uri="60aad371-894b-4a9b-aa6a-3fd9336d4f3f"/>
-    <ds:schemaRef ds:uri="221e1496-d443-4306-ad63-a100e0046a13"/>
-  </ds:schemaRefs>
-</ds:datastoreItem>
-</file>
-
 <file path=customXml/itemProps3.xml><?xml version="1.0" encoding="utf-8"?>
 <ds:datastoreItem xmlns:ds="http://schemas.openxmlformats.org/officeDocument/2006/customXml" ds:itemID="{C57B2AAA-3E84-49CC-BE6D-CB4399E554EF}">
   <ds:schemaRefs>

--- a/PPTs/bak/UMU SDC TODO.pptx
+++ b/PPTs/bak/UMU SDC TODO.pptx
@@ -5,29 +5,30 @@
     <p:sldMasterId id="2147483648" r:id="rId4"/>
   </p:sldMasterIdLst>
   <p:notesMasterIdLst>
-    <p:notesMasterId r:id="rId25"/>
+    <p:notesMasterId r:id="rId26"/>
   </p:notesMasterIdLst>
   <p:sldIdLst>
     <p:sldId id="256" r:id="rId5"/>
-    <p:sldId id="1173" r:id="rId6"/>
-    <p:sldId id="1170" r:id="rId7"/>
-    <p:sldId id="1171" r:id="rId8"/>
-    <p:sldId id="1172" r:id="rId9"/>
-    <p:sldId id="825" r:id="rId10"/>
-    <p:sldId id="1132" r:id="rId11"/>
-    <p:sldId id="1040" r:id="rId12"/>
-    <p:sldId id="909" r:id="rId13"/>
-    <p:sldId id="1166" r:id="rId14"/>
-    <p:sldId id="1167" r:id="rId15"/>
-    <p:sldId id="258" r:id="rId16"/>
-    <p:sldId id="1113" r:id="rId17"/>
-    <p:sldId id="1165" r:id="rId18"/>
-    <p:sldId id="1163" r:id="rId19"/>
-    <p:sldId id="894" r:id="rId20"/>
-    <p:sldId id="257" r:id="rId21"/>
-    <p:sldId id="389" r:id="rId22"/>
-    <p:sldId id="1047" r:id="rId23"/>
-    <p:sldId id="1168" r:id="rId24"/>
+    <p:sldId id="1174" r:id="rId6"/>
+    <p:sldId id="1173" r:id="rId7"/>
+    <p:sldId id="1170" r:id="rId8"/>
+    <p:sldId id="1171" r:id="rId9"/>
+    <p:sldId id="1172" r:id="rId10"/>
+    <p:sldId id="825" r:id="rId11"/>
+    <p:sldId id="1132" r:id="rId12"/>
+    <p:sldId id="1040" r:id="rId13"/>
+    <p:sldId id="909" r:id="rId14"/>
+    <p:sldId id="1166" r:id="rId15"/>
+    <p:sldId id="1167" r:id="rId16"/>
+    <p:sldId id="258" r:id="rId17"/>
+    <p:sldId id="1113" r:id="rId18"/>
+    <p:sldId id="1165" r:id="rId19"/>
+    <p:sldId id="1163" r:id="rId20"/>
+    <p:sldId id="894" r:id="rId21"/>
+    <p:sldId id="257" r:id="rId22"/>
+    <p:sldId id="389" r:id="rId23"/>
+    <p:sldId id="1047" r:id="rId24"/>
+    <p:sldId id="1168" r:id="rId25"/>
   </p:sldIdLst>
   <p:sldSz cx="9144000" cy="6858000" type="screen4x3"/>
   <p:notesSz cx="6858000" cy="9144000"/>
@@ -1393,7 +1394,7 @@
               <a:pPr>
                 <a:defRPr/>
               </a:pPr>
-              <a:t>4</a:t>
+              <a:t>5</a:t>
             </a:fld>
             <a:endParaRPr lang="en-US" altLang="zh-CN"/>
           </a:p>
@@ -1633,7 +1634,7 @@
             <a:fld id="{9759C4A7-EF62-4E76-99C8-FC7A8F377225}" type="slidenum">
               <a:rPr lang="en-US" smtClean="0"/>
               <a:pPr/>
-              <a:t>5</a:t>
+              <a:t>6</a:t>
             </a:fld>
             <a:endParaRPr lang="en-US"/>
           </a:p>
@@ -1731,7 +1732,7 @@
               <a:pPr>
                 <a:defRPr/>
               </a:pPr>
-              <a:t>6</a:t>
+              <a:t>7</a:t>
             </a:fld>
             <a:endParaRPr lang="en-US"/>
           </a:p>
@@ -1923,7 +1924,7 @@
               <a:pPr>
                 <a:defRPr/>
               </a:pPr>
-              <a:t>7</a:t>
+              <a:t>8</a:t>
             </a:fld>
             <a:endParaRPr lang="en-US" altLang="zh-CN"/>
           </a:p>
@@ -2707,7 +2708,7 @@
               <a:pPr>
                 <a:defRPr/>
               </a:pPr>
-              <a:t>8</a:t>
+              <a:t>9</a:t>
             </a:fld>
             <a:endParaRPr lang="en-US" altLang="zh-CN"/>
           </a:p>
@@ -2955,7 +2956,7 @@
               <a:pPr>
                 <a:defRPr/>
               </a:pPr>
-              <a:t>13</a:t>
+              <a:t>14</a:t>
             </a:fld>
             <a:endParaRPr lang="en-US" altLang="zh-CN"/>
           </a:p>
@@ -3066,7 +3067,7 @@
               <a:pPr>
                 <a:defRPr/>
               </a:pPr>
-              <a:t>19</a:t>
+              <a:t>20</a:t>
             </a:fld>
             <a:endParaRPr lang="en-US" altLang="zh-CN"/>
           </a:p>
@@ -4238,6 +4239,341 @@
           <p:cNvPr id="2" name="Title 1">
             <a:extLst>
               <a:ext uri="{FF2B5EF4-FFF2-40B4-BE49-F238E27FC236}">
+                <a16:creationId xmlns:a16="http://schemas.microsoft.com/office/drawing/2014/main" id="{A9EF1238-6854-4DB5-9CD2-855FB97E4060}"/>
+              </a:ext>
+            </a:extLst>
+          </p:cNvPr>
+          <p:cNvSpPr>
+            <a:spLocks noGrp="1"/>
+          </p:cNvSpPr>
+          <p:nvPr>
+            <p:ph type="title"/>
+          </p:nvPr>
+        </p:nvSpPr>
+        <p:spPr/>
+        <p:txBody>
+          <a:bodyPr/>
+          <a:lstStyle/>
+          <a:p>
+            <a:r>
+              <a:rPr lang="en-US" dirty="0"/>
+              <a:t>Quiz: Dijkstra’s, A*, Hybrid A*</a:t>
+            </a:r>
+            <a:endParaRPr lang="en-SE" dirty="0"/>
+          </a:p>
+        </p:txBody>
+      </p:sp>
+      <p:sp>
+        <p:nvSpPr>
+          <p:cNvPr id="3" name="Content Placeholder 2">
+            <a:extLst>
+              <a:ext uri="{FF2B5EF4-FFF2-40B4-BE49-F238E27FC236}">
+                <a16:creationId xmlns:a16="http://schemas.microsoft.com/office/drawing/2014/main" id="{2E4C4E2A-7338-4A1A-8C64-7E12C8E57E4C}"/>
+              </a:ext>
+            </a:extLst>
+          </p:cNvPr>
+          <p:cNvSpPr>
+            <a:spLocks noGrp="1"/>
+          </p:cNvSpPr>
+          <p:nvPr>
+            <p:ph idx="1"/>
+          </p:nvPr>
+        </p:nvSpPr>
+        <p:spPr/>
+        <p:txBody>
+          <a:bodyPr>
+            <a:normAutofit fontScale="92500" lnSpcReduction="20000"/>
+          </a:bodyPr>
+          <a:lstStyle/>
+          <a:p>
+            <a:r>
+              <a:rPr lang="en-US" dirty="0"/>
+              <a:t>Which of the following statements are true for Dijkstra’s algo, A*, Hybrid A*, respectively?</a:t>
+            </a:r>
+          </a:p>
+          <a:p>
+            <a:pPr lvl="1"/>
+            <a:r>
+              <a:rPr lang="en-US" dirty="0"/>
+              <a:t>A. It is a continuous method.</a:t>
+            </a:r>
+          </a:p>
+          <a:p>
+            <a:pPr lvl="1"/>
+            <a:r>
+              <a:rPr lang="en-US" dirty="0"/>
+              <a:t>B. It uses a heuristic function to guide node expansion.</a:t>
+            </a:r>
+          </a:p>
+          <a:p>
+            <a:pPr lvl="1"/>
+            <a:r>
+              <a:rPr lang="en-US" dirty="0"/>
+              <a:t>C. It always finds a path if one exists.</a:t>
+            </a:r>
+          </a:p>
+          <a:p>
+            <a:pPr lvl="1"/>
+            <a:r>
+              <a:rPr lang="en-US" dirty="0"/>
+              <a:t>D. The path it finds are guaranteed to be drivable.</a:t>
+            </a:r>
+          </a:p>
+          <a:p>
+            <a:pPr lvl="1"/>
+            <a:r>
+              <a:rPr lang="en-US" dirty="0"/>
+              <a:t>E. The path it finds are guaranteed to be optimal (shortest).</a:t>
+            </a:r>
+          </a:p>
+          <a:p>
+            <a:r>
+              <a:rPr lang="en-US" dirty="0"/>
+              <a:t>ANS:</a:t>
+            </a:r>
+          </a:p>
+          <a:p>
+            <a:pPr lvl="1"/>
+            <a:r>
+              <a:rPr lang="en-US" dirty="0"/>
+              <a:t>Dijkstra’s algo: C, E</a:t>
+            </a:r>
+          </a:p>
+          <a:p>
+            <a:pPr lvl="1"/>
+            <a:r>
+              <a:rPr lang="en-US" dirty="0"/>
+              <a:t>A*: B, C, E</a:t>
+            </a:r>
+          </a:p>
+          <a:p>
+            <a:pPr lvl="1"/>
+            <a:r>
+              <a:rPr lang="en-US" dirty="0"/>
+              <a:t>Hybrid A*: A, B, D</a:t>
+            </a:r>
+            <a:endParaRPr lang="en-SE" dirty="0"/>
+          </a:p>
+          <a:p>
+            <a:pPr lvl="1"/>
+            <a:endParaRPr lang="en-SE" dirty="0"/>
+          </a:p>
+        </p:txBody>
+      </p:sp>
+      <p:sp>
+        <p:nvSpPr>
+          <p:cNvPr id="4" name="Slide Number Placeholder 3">
+            <a:extLst>
+              <a:ext uri="{FF2B5EF4-FFF2-40B4-BE49-F238E27FC236}">
+                <a16:creationId xmlns:a16="http://schemas.microsoft.com/office/drawing/2014/main" id="{B56542D2-56C8-46C2-9BA1-AB913C3DF6DC}"/>
+              </a:ext>
+            </a:extLst>
+          </p:cNvPr>
+          <p:cNvSpPr>
+            <a:spLocks noGrp="1"/>
+          </p:cNvSpPr>
+          <p:nvPr>
+            <p:ph type="sldNum" sz="quarter" idx="12"/>
+          </p:nvPr>
+        </p:nvSpPr>
+        <p:spPr bwMode="auto">
+          <a:xfrm>
+            <a:off x="6934200" y="6530035"/>
+            <a:ext cx="2133600" cy="244475"/>
+          </a:xfrm>
+          <a:prstGeom prst="rect">
+            <a:avLst/>
+          </a:prstGeom>
+          <a:noFill/>
+          <a:ln w="9525">
+            <a:noFill/>
+            <a:miter lim="800000"/>
+            <a:headEnd/>
+            <a:tailEnd/>
+          </a:ln>
+          <a:effectLst/>
+        </p:spPr>
+        <p:txBody>
+          <a:bodyPr vert="horz" wrap="square" lIns="91440" tIns="45720" rIns="91440" bIns="45720" numCol="1" anchor="t" anchorCtr="0" compatLnSpc="1">
+            <a:prstTxWarp prst="textNoShape">
+              <a:avLst/>
+            </a:prstTxWarp>
+          </a:bodyPr>
+          <a:lstStyle>
+            <a:defPPr>
+              <a:defRPr lang="en-US"/>
+            </a:defPPr>
+            <a:lvl1pPr algn="r" rtl="0" fontAlgn="base">
+              <a:spcBef>
+                <a:spcPct val="0"/>
+              </a:spcBef>
+              <a:spcAft>
+                <a:spcPct val="0"/>
+              </a:spcAft>
+              <a:defRPr sz="1200" kern="1200">
+                <a:solidFill>
+                  <a:schemeClr val="tx1"/>
+                </a:solidFill>
+                <a:latin typeface="Arial" charset="0"/>
+                <a:ea typeface="宋体" charset="-122"/>
+                <a:cs typeface="+mn-cs"/>
+              </a:defRPr>
+            </a:lvl1pPr>
+            <a:lvl2pPr marL="457200" algn="l" rtl="0" fontAlgn="base">
+              <a:spcBef>
+                <a:spcPct val="0"/>
+              </a:spcBef>
+              <a:spcAft>
+                <a:spcPct val="0"/>
+              </a:spcAft>
+              <a:defRPr kern="1200">
+                <a:solidFill>
+                  <a:schemeClr val="tx1"/>
+                </a:solidFill>
+                <a:latin typeface="Arial" charset="0"/>
+                <a:ea typeface="+mn-ea"/>
+                <a:cs typeface="+mn-cs"/>
+              </a:defRPr>
+            </a:lvl2pPr>
+            <a:lvl3pPr marL="914400" algn="l" rtl="0" fontAlgn="base">
+              <a:spcBef>
+                <a:spcPct val="0"/>
+              </a:spcBef>
+              <a:spcAft>
+                <a:spcPct val="0"/>
+              </a:spcAft>
+              <a:defRPr kern="1200">
+                <a:solidFill>
+                  <a:schemeClr val="tx1"/>
+                </a:solidFill>
+                <a:latin typeface="Arial" charset="0"/>
+                <a:ea typeface="+mn-ea"/>
+                <a:cs typeface="+mn-cs"/>
+              </a:defRPr>
+            </a:lvl3pPr>
+            <a:lvl4pPr marL="1371600" algn="l" rtl="0" fontAlgn="base">
+              <a:spcBef>
+                <a:spcPct val="0"/>
+              </a:spcBef>
+              <a:spcAft>
+                <a:spcPct val="0"/>
+              </a:spcAft>
+              <a:defRPr kern="1200">
+                <a:solidFill>
+                  <a:schemeClr val="tx1"/>
+                </a:solidFill>
+                <a:latin typeface="Arial" charset="0"/>
+                <a:ea typeface="+mn-ea"/>
+                <a:cs typeface="+mn-cs"/>
+              </a:defRPr>
+            </a:lvl4pPr>
+            <a:lvl5pPr marL="1828800" algn="l" rtl="0" fontAlgn="base">
+              <a:spcBef>
+                <a:spcPct val="0"/>
+              </a:spcBef>
+              <a:spcAft>
+                <a:spcPct val="0"/>
+              </a:spcAft>
+              <a:defRPr kern="1200">
+                <a:solidFill>
+                  <a:schemeClr val="tx1"/>
+                </a:solidFill>
+                <a:latin typeface="Arial" charset="0"/>
+                <a:ea typeface="+mn-ea"/>
+                <a:cs typeface="+mn-cs"/>
+              </a:defRPr>
+            </a:lvl5pPr>
+            <a:lvl6pPr marL="2286000" algn="l" defTabSz="914400" rtl="0" eaLnBrk="1" latinLnBrk="0" hangingPunct="1">
+              <a:defRPr kern="1200">
+                <a:solidFill>
+                  <a:schemeClr val="tx1"/>
+                </a:solidFill>
+                <a:latin typeface="Arial" charset="0"/>
+                <a:ea typeface="+mn-ea"/>
+                <a:cs typeface="+mn-cs"/>
+              </a:defRPr>
+            </a:lvl6pPr>
+            <a:lvl7pPr marL="2743200" algn="l" defTabSz="914400" rtl="0" eaLnBrk="1" latinLnBrk="0" hangingPunct="1">
+              <a:defRPr kern="1200">
+                <a:solidFill>
+                  <a:schemeClr val="tx1"/>
+                </a:solidFill>
+                <a:latin typeface="Arial" charset="0"/>
+                <a:ea typeface="+mn-ea"/>
+                <a:cs typeface="+mn-cs"/>
+              </a:defRPr>
+            </a:lvl7pPr>
+            <a:lvl8pPr marL="3200400" algn="l" defTabSz="914400" rtl="0" eaLnBrk="1" latinLnBrk="0" hangingPunct="1">
+              <a:defRPr kern="1200">
+                <a:solidFill>
+                  <a:schemeClr val="tx1"/>
+                </a:solidFill>
+                <a:latin typeface="Arial" charset="0"/>
+                <a:ea typeface="+mn-ea"/>
+                <a:cs typeface="+mn-cs"/>
+              </a:defRPr>
+            </a:lvl8pPr>
+            <a:lvl9pPr marL="3657600" algn="l" defTabSz="914400" rtl="0" eaLnBrk="1" latinLnBrk="0" hangingPunct="1">
+              <a:defRPr kern="1200">
+                <a:solidFill>
+                  <a:schemeClr val="tx1"/>
+                </a:solidFill>
+                <a:latin typeface="Arial" charset="0"/>
+                <a:ea typeface="+mn-ea"/>
+                <a:cs typeface="+mn-cs"/>
+              </a:defRPr>
+            </a:lvl9pPr>
+          </a:lstStyle>
+          <a:p>
+            <a:pPr>
+              <a:defRPr/>
+            </a:pPr>
+            <a:fld id="{F57F456A-00AF-44E6-8D70-638C0D0130FF}" type="slidenum">
+              <a:rPr lang="en-US" altLang="zh-CN" smtClean="0"/>
+              <a:pPr>
+                <a:defRPr/>
+              </a:pPr>
+              <a:t>10</a:t>
+            </a:fld>
+            <a:endParaRPr lang="en-US" altLang="zh-CN"/>
+          </a:p>
+        </p:txBody>
+      </p:sp>
+    </p:spTree>
+    <p:extLst>
+      <p:ext uri="{BB962C8B-B14F-4D97-AF65-F5344CB8AC3E}">
+        <p14:creationId xmlns:p14="http://schemas.microsoft.com/office/powerpoint/2010/main" val="3181789017"/>
+      </p:ext>
+    </p:extLst>
+  </p:cSld>
+  <p:clrMapOvr>
+    <a:masterClrMapping/>
+  </p:clrMapOvr>
+</p:sld>
+</file>
+
+<file path=ppt/slides/slide11.xml><?xml version="1.0" encoding="utf-8"?>
+<p:sld xmlns:a="http://schemas.openxmlformats.org/drawingml/2006/main" xmlns:r="http://schemas.openxmlformats.org/officeDocument/2006/relationships" xmlns:p="http://schemas.openxmlformats.org/presentationml/2006/main">
+  <p:cSld>
+    <p:spTree>
+      <p:nvGrpSpPr>
+        <p:cNvPr id="1" name=""/>
+        <p:cNvGrpSpPr/>
+        <p:nvPr/>
+      </p:nvGrpSpPr>
+      <p:grpSpPr>
+        <a:xfrm>
+          <a:off x="0" y="0"/>
+          <a:ext cx="0" cy="0"/>
+          <a:chOff x="0" y="0"/>
+          <a:chExt cx="0" cy="0"/>
+        </a:xfrm>
+      </p:grpSpPr>
+      <p:sp>
+        <p:nvSpPr>
+          <p:cNvPr id="2" name="Title 1">
+            <a:extLst>
+              <a:ext uri="{FF2B5EF4-FFF2-40B4-BE49-F238E27FC236}">
                 <a16:creationId xmlns:a16="http://schemas.microsoft.com/office/drawing/2014/main" id="{21FB5266-4590-468C-9077-C7F2C285665C}"/>
               </a:ext>
             </a:extLst>
@@ -4326,7 +4662,7 @@
 </p:sld>
 </file>
 
-<file path=ppt/slides/slide11.xml><?xml version="1.0" encoding="utf-8"?>
+<file path=ppt/slides/slide12.xml><?xml version="1.0" encoding="utf-8"?>
 <p:sld xmlns:a="http://schemas.openxmlformats.org/drawingml/2006/main" xmlns:r="http://schemas.openxmlformats.org/officeDocument/2006/relationships" xmlns:p="http://schemas.openxmlformats.org/presentationml/2006/main">
   <p:cSld>
     <p:spTree>
@@ -4488,7 +4824,7 @@
 </p:sld>
 </file>
 
-<file path=ppt/slides/slide12.xml><?xml version="1.0" encoding="utf-8"?>
+<file path=ppt/slides/slide13.xml><?xml version="1.0" encoding="utf-8"?>
 <p:sld xmlns:a="http://schemas.openxmlformats.org/drawingml/2006/main" xmlns:r="http://schemas.openxmlformats.org/officeDocument/2006/relationships" xmlns:p="http://schemas.openxmlformats.org/presentationml/2006/main">
   <p:cSld>
     <p:spTree>
@@ -4648,7 +4984,7 @@
 </p:sld>
 </file>
 
-<file path=ppt/slides/slide13.xml><?xml version="1.0" encoding="utf-8"?>
+<file path=ppt/slides/slide14.xml><?xml version="1.0" encoding="utf-8"?>
 <p:sld xmlns:a="http://schemas.openxmlformats.org/drawingml/2006/main" xmlns:r="http://schemas.openxmlformats.org/officeDocument/2006/relationships" xmlns:p="http://schemas.openxmlformats.org/presentationml/2006/main">
   <p:cSld>
     <p:spTree>
@@ -8684,7 +9020,7 @@
               <a:pPr>
                 <a:defRPr/>
               </a:pPr>
-              <a:t>13</a:t>
+              <a:t>14</a:t>
             </a:fld>
             <a:endParaRPr lang="en-US" altLang="zh-CN"/>
           </a:p>
@@ -11582,7 +11918,7 @@
 </p:sld>
 </file>
 
-<file path=ppt/slides/slide14.xml><?xml version="1.0" encoding="utf-8"?>
+<file path=ppt/slides/slide15.xml><?xml version="1.0" encoding="utf-8"?>
 <p:sld xmlns:a="http://schemas.openxmlformats.org/drawingml/2006/main" xmlns:r="http://schemas.openxmlformats.org/officeDocument/2006/relationships" xmlns:p="http://schemas.openxmlformats.org/presentationml/2006/main">
   <p:cSld>
     <p:spTree>
@@ -12087,7 +12423,7 @@
               <a:pPr>
                 <a:defRPr/>
               </a:pPr>
-              <a:t>14</a:t>
+              <a:t>15</a:t>
             </a:fld>
             <a:endParaRPr lang="en-US" altLang="zh-CN"/>
           </a:p>
@@ -12166,7 +12502,7 @@
 </p:sld>
 </file>
 
-<file path=ppt/slides/slide15.xml><?xml version="1.0" encoding="utf-8"?>
+<file path=ppt/slides/slide16.xml><?xml version="1.0" encoding="utf-8"?>
 <p:sld xmlns:a="http://schemas.openxmlformats.org/drawingml/2006/main" xmlns:r="http://schemas.openxmlformats.org/officeDocument/2006/relationships" xmlns:p="http://schemas.openxmlformats.org/presentationml/2006/main">
   <p:cSld>
     <p:spTree>
@@ -13103,7 +13439,7 @@
               <a:pPr>
                 <a:defRPr/>
               </a:pPr>
-              <a:t>15</a:t>
+              <a:t>16</a:t>
             </a:fld>
             <a:endParaRPr lang="en-US" altLang="zh-CN"/>
           </a:p>
@@ -13122,7 +13458,7 @@
 </p:sld>
 </file>
 
-<file path=ppt/slides/slide16.xml><?xml version="1.0" encoding="utf-8"?>
+<file path=ppt/slides/slide17.xml><?xml version="1.0" encoding="utf-8"?>
 <p:sld xmlns:a="http://schemas.openxmlformats.org/drawingml/2006/main" xmlns:r="http://schemas.openxmlformats.org/officeDocument/2006/relationships" xmlns:p="http://schemas.openxmlformats.org/presentationml/2006/main">
   <p:cSld>
     <p:spTree>
@@ -13390,7 +13726,7 @@
               <a:pPr>
                 <a:defRPr/>
               </a:pPr>
-              <a:t>16</a:t>
+              <a:t>17</a:t>
             </a:fld>
             <a:endParaRPr lang="en-US" altLang="zh-CN"/>
           </a:p>
@@ -13617,7 +13953,7 @@
 </p:sld>
 </file>
 
-<file path=ppt/slides/slide17.xml><?xml version="1.0" encoding="utf-8"?>
+<file path=ppt/slides/slide18.xml><?xml version="1.0" encoding="utf-8"?>
 <p:sld xmlns:a="http://schemas.openxmlformats.org/drawingml/2006/main" xmlns:r="http://schemas.openxmlformats.org/officeDocument/2006/relationships" xmlns:p="http://schemas.openxmlformats.org/presentationml/2006/main">
   <p:cSld>
     <p:spTree>
@@ -13779,7 +14115,7 @@
 </p:sld>
 </file>
 
-<file path=ppt/slides/slide18.xml><?xml version="1.0" encoding="utf-8"?>
+<file path=ppt/slides/slide19.xml><?xml version="1.0" encoding="utf-8"?>
 <p:sld xmlns:a="http://schemas.openxmlformats.org/drawingml/2006/main" xmlns:r="http://schemas.openxmlformats.org/officeDocument/2006/relationships" xmlns:p="http://schemas.openxmlformats.org/presentationml/2006/main">
   <p:cSld>
     <p:spTree>
@@ -13994,7 +14330,7 @@
               <a:pPr>
                 <a:defRPr/>
               </a:pPr>
-              <a:t>18</a:t>
+              <a:t>19</a:t>
             </a:fld>
             <a:endParaRPr lang="en-US" altLang="zh-CN"/>
           </a:p>
@@ -15038,7 +15374,105 @@
 </p:sld>
 </file>
 
-<file path=ppt/slides/slide19.xml><?xml version="1.0" encoding="utf-8"?>
+<file path=ppt/slides/slide2.xml><?xml version="1.0" encoding="utf-8"?>
+<p:sld xmlns:a="http://schemas.openxmlformats.org/drawingml/2006/main" xmlns:r="http://schemas.openxmlformats.org/officeDocument/2006/relationships" xmlns:p="http://schemas.openxmlformats.org/presentationml/2006/main">
+  <p:cSld>
+    <p:spTree>
+      <p:nvGrpSpPr>
+        <p:cNvPr id="1" name=""/>
+        <p:cNvGrpSpPr/>
+        <p:nvPr/>
+      </p:nvGrpSpPr>
+      <p:grpSpPr>
+        <a:xfrm>
+          <a:off x="0" y="0"/>
+          <a:ext cx="0" cy="0"/>
+          <a:chOff x="0" y="0"/>
+          <a:chExt cx="0" cy="0"/>
+        </a:xfrm>
+      </p:grpSpPr>
+      <p:sp>
+        <p:nvSpPr>
+          <p:cNvPr id="2" name="Title 1">
+            <a:extLst>
+              <a:ext uri="{FF2B5EF4-FFF2-40B4-BE49-F238E27FC236}">
+                <a16:creationId xmlns:a16="http://schemas.microsoft.com/office/drawing/2014/main" id="{44036FE8-A740-4942-AD52-3F40D47079FD}"/>
+              </a:ext>
+            </a:extLst>
+          </p:cNvPr>
+          <p:cNvSpPr>
+            <a:spLocks noGrp="1"/>
+          </p:cNvSpPr>
+          <p:nvPr>
+            <p:ph type="title"/>
+          </p:nvPr>
+        </p:nvSpPr>
+        <p:spPr/>
+        <p:txBody>
+          <a:bodyPr/>
+          <a:lstStyle/>
+          <a:p>
+            <a:endParaRPr lang="en-SE"/>
+          </a:p>
+        </p:txBody>
+      </p:sp>
+      <p:sp>
+        <p:nvSpPr>
+          <p:cNvPr id="3" name="Content Placeholder 2">
+            <a:extLst>
+              <a:ext uri="{FF2B5EF4-FFF2-40B4-BE49-F238E27FC236}">
+                <a16:creationId xmlns:a16="http://schemas.microsoft.com/office/drawing/2014/main" id="{51B8DBD9-7E45-474D-A14C-D885DA2C6476}"/>
+              </a:ext>
+            </a:extLst>
+          </p:cNvPr>
+          <p:cNvSpPr>
+            <a:spLocks noGrp="1"/>
+          </p:cNvSpPr>
+          <p:nvPr>
+            <p:ph idx="1"/>
+          </p:nvPr>
+        </p:nvSpPr>
+        <p:spPr/>
+        <p:txBody>
+          <a:bodyPr/>
+          <a:lstStyle/>
+          <a:p>
+            <a:r>
+              <a:rPr lang="en-US" dirty="0"/>
+              <a:t>L7.2.X Worked Examples</a:t>
+            </a:r>
+          </a:p>
+          <a:p>
+            <a:r>
+              <a:rPr lang="en-US" dirty="0"/>
+              <a:t>PI and VI: add </a:t>
+            </a:r>
+            <a:r>
+              <a:rPr lang="en-US" dirty="0" err="1"/>
+              <a:t>init</a:t>
+            </a:r>
+            <a:r>
+              <a:rPr lang="en-US" dirty="0"/>
+              <a:t> 0, o </a:t>
+            </a:r>
+            <a:endParaRPr lang="en-SE" dirty="0"/>
+          </a:p>
+        </p:txBody>
+      </p:sp>
+    </p:spTree>
+    <p:extLst>
+      <p:ext uri="{BB962C8B-B14F-4D97-AF65-F5344CB8AC3E}">
+        <p14:creationId xmlns:p14="http://schemas.microsoft.com/office/powerpoint/2010/main" val="2063622527"/>
+      </p:ext>
+    </p:extLst>
+  </p:cSld>
+  <p:clrMapOvr>
+    <a:masterClrMapping/>
+  </p:clrMapOvr>
+</p:sld>
+</file>
+
+<file path=ppt/slides/slide20.xml><?xml version="1.0" encoding="utf-8"?>
 <p:sld xmlns:a="http://schemas.openxmlformats.org/drawingml/2006/main" xmlns:r="http://schemas.openxmlformats.org/officeDocument/2006/relationships" xmlns:p="http://schemas.openxmlformats.org/presentationml/2006/main">
   <p:cSld>
     <p:spTree>
@@ -15493,7 +15927,7 @@
               <a:pPr>
                 <a:defRPr/>
               </a:pPr>
-              <a:t>19</a:t>
+              <a:t>20</a:t>
             </a:fld>
             <a:endParaRPr lang="en-US" altLang="zh-CN"/>
           </a:p>
@@ -15572,125 +16006,7 @@
 </p:sld>
 </file>
 
-<file path=ppt/slides/slide2.xml><?xml version="1.0" encoding="utf-8"?>
-<p:sld xmlns:a="http://schemas.openxmlformats.org/drawingml/2006/main" xmlns:r="http://schemas.openxmlformats.org/officeDocument/2006/relationships" xmlns:p="http://schemas.openxmlformats.org/presentationml/2006/main">
-  <p:cSld>
-    <p:spTree>
-      <p:nvGrpSpPr>
-        <p:cNvPr id="1" name=""/>
-        <p:cNvGrpSpPr/>
-        <p:nvPr/>
-      </p:nvGrpSpPr>
-      <p:grpSpPr>
-        <a:xfrm>
-          <a:off x="0" y="0"/>
-          <a:ext cx="0" cy="0"/>
-          <a:chOff x="0" y="0"/>
-          <a:chExt cx="0" cy="0"/>
-        </a:xfrm>
-      </p:grpSpPr>
-      <p:sp>
-        <p:nvSpPr>
-          <p:cNvPr id="2" name="Title 1">
-            <a:extLst>
-              <a:ext uri="{FF2B5EF4-FFF2-40B4-BE49-F238E27FC236}">
-                <a16:creationId xmlns:a16="http://schemas.microsoft.com/office/drawing/2014/main" id="{AFC58355-C5A8-4203-97BF-4D58CD096A1C}"/>
-              </a:ext>
-            </a:extLst>
-          </p:cNvPr>
-          <p:cNvSpPr>
-            <a:spLocks noGrp="1"/>
-          </p:cNvSpPr>
-          <p:nvPr>
-            <p:ph type="title"/>
-          </p:nvPr>
-        </p:nvSpPr>
-        <p:spPr/>
-        <p:txBody>
-          <a:bodyPr/>
-          <a:lstStyle/>
-          <a:p>
-            <a:endParaRPr lang="en-SE"/>
-          </a:p>
-        </p:txBody>
-      </p:sp>
-      <p:sp>
-        <p:nvSpPr>
-          <p:cNvPr id="3" name="Content Placeholder 2">
-            <a:extLst>
-              <a:ext uri="{FF2B5EF4-FFF2-40B4-BE49-F238E27FC236}">
-                <a16:creationId xmlns:a16="http://schemas.microsoft.com/office/drawing/2014/main" id="{43AEE5E1-A1F0-4BFE-9823-6118AACC3A26}"/>
-              </a:ext>
-            </a:extLst>
-          </p:cNvPr>
-          <p:cNvSpPr>
-            <a:spLocks noGrp="1"/>
-          </p:cNvSpPr>
-          <p:nvPr>
-            <p:ph idx="1"/>
-          </p:nvPr>
-        </p:nvSpPr>
-        <p:spPr/>
-        <p:txBody>
-          <a:bodyPr>
-            <a:normAutofit fontScale="92500" lnSpcReduction="20000"/>
-          </a:bodyPr>
-          <a:lstStyle/>
-          <a:p>
-            <a:r>
-              <a:rPr lang="en-US" dirty="0"/>
-              <a:t>21.	What is the Exploration - Exploitation dilemma?</a:t>
-            </a:r>
-          </a:p>
-          <a:p>
-            <a:r>
-              <a:rPr lang="en-US" dirty="0"/>
-              <a:t>A.	Find Balance between Exploration, to take greedy action to maximize reward, and Exploitation, to try new and unknown states and actions.</a:t>
-            </a:r>
-          </a:p>
-          <a:p>
-            <a:r>
-              <a:rPr lang="en-US" dirty="0"/>
-              <a:t>B.	Play the game and observe the rewards we get</a:t>
-            </a:r>
-          </a:p>
-          <a:p>
-            <a:r>
-              <a:rPr lang="en-US" dirty="0"/>
-              <a:t>C.	Use our current knowledge about which action seems to produce the most rewards, and always pick that action.</a:t>
-            </a:r>
-          </a:p>
-          <a:p>
-            <a:r>
-              <a:rPr lang="en-US" dirty="0"/>
-              <a:t>D.	Find Balance between Exploration, to try new and unknown states and actions, and Exploitation, to take greedy action to maximize reward.</a:t>
-            </a:r>
-          </a:p>
-          <a:p>
-            <a:r>
-              <a:rPr lang="en-US"/>
-              <a:t>ANS: ________________</a:t>
-            </a:r>
-          </a:p>
-          <a:p>
-            <a:endParaRPr lang="en-SE"/>
-          </a:p>
-        </p:txBody>
-      </p:sp>
-    </p:spTree>
-    <p:extLst>
-      <p:ext uri="{BB962C8B-B14F-4D97-AF65-F5344CB8AC3E}">
-        <p14:creationId xmlns:p14="http://schemas.microsoft.com/office/powerpoint/2010/main" val="2671814802"/>
-      </p:ext>
-    </p:extLst>
-  </p:cSld>
-  <p:clrMapOvr>
-    <a:masterClrMapping/>
-  </p:clrMapOvr>
-</p:sld>
-</file>
-
-<file path=ppt/slides/slide20.xml><?xml version="1.0" encoding="utf-8"?>
+<file path=ppt/slides/slide21.xml><?xml version="1.0" encoding="utf-8"?>
 <p:sld xmlns:a="http://schemas.openxmlformats.org/drawingml/2006/main" xmlns:r="http://schemas.openxmlformats.org/officeDocument/2006/relationships" xmlns:p="http://schemas.openxmlformats.org/presentationml/2006/main">
   <p:cSld>
     <p:spTree>
@@ -17675,6 +17991,124 @@
           <p:cNvPr id="2" name="Title 1">
             <a:extLst>
               <a:ext uri="{FF2B5EF4-FFF2-40B4-BE49-F238E27FC236}">
+                <a16:creationId xmlns:a16="http://schemas.microsoft.com/office/drawing/2014/main" id="{AFC58355-C5A8-4203-97BF-4D58CD096A1C}"/>
+              </a:ext>
+            </a:extLst>
+          </p:cNvPr>
+          <p:cNvSpPr>
+            <a:spLocks noGrp="1"/>
+          </p:cNvSpPr>
+          <p:nvPr>
+            <p:ph type="title"/>
+          </p:nvPr>
+        </p:nvSpPr>
+        <p:spPr/>
+        <p:txBody>
+          <a:bodyPr/>
+          <a:lstStyle/>
+          <a:p>
+            <a:endParaRPr lang="en-SE"/>
+          </a:p>
+        </p:txBody>
+      </p:sp>
+      <p:sp>
+        <p:nvSpPr>
+          <p:cNvPr id="3" name="Content Placeholder 2">
+            <a:extLst>
+              <a:ext uri="{FF2B5EF4-FFF2-40B4-BE49-F238E27FC236}">
+                <a16:creationId xmlns:a16="http://schemas.microsoft.com/office/drawing/2014/main" id="{43AEE5E1-A1F0-4BFE-9823-6118AACC3A26}"/>
+              </a:ext>
+            </a:extLst>
+          </p:cNvPr>
+          <p:cNvSpPr>
+            <a:spLocks noGrp="1"/>
+          </p:cNvSpPr>
+          <p:nvPr>
+            <p:ph idx="1"/>
+          </p:nvPr>
+        </p:nvSpPr>
+        <p:spPr/>
+        <p:txBody>
+          <a:bodyPr>
+            <a:normAutofit fontScale="92500" lnSpcReduction="20000"/>
+          </a:bodyPr>
+          <a:lstStyle/>
+          <a:p>
+            <a:r>
+              <a:rPr lang="en-US" dirty="0"/>
+              <a:t>21.	What is the Exploration - Exploitation dilemma?</a:t>
+            </a:r>
+          </a:p>
+          <a:p>
+            <a:r>
+              <a:rPr lang="en-US" dirty="0"/>
+              <a:t>A.	Find Balance between Exploration, to take greedy action to maximize reward, and Exploitation, to try new and unknown states and actions.</a:t>
+            </a:r>
+          </a:p>
+          <a:p>
+            <a:r>
+              <a:rPr lang="en-US" dirty="0"/>
+              <a:t>B.	Play the game and observe the rewards we get</a:t>
+            </a:r>
+          </a:p>
+          <a:p>
+            <a:r>
+              <a:rPr lang="en-US" dirty="0"/>
+              <a:t>C.	Use our current knowledge about which action seems to produce the most rewards, and always pick that action.</a:t>
+            </a:r>
+          </a:p>
+          <a:p>
+            <a:r>
+              <a:rPr lang="en-US" dirty="0"/>
+              <a:t>D.	Find Balance between Exploration, to try new and unknown states and actions, and Exploitation, to take greedy action to maximize reward.</a:t>
+            </a:r>
+          </a:p>
+          <a:p>
+            <a:r>
+              <a:rPr lang="en-US"/>
+              <a:t>ANS: ________________</a:t>
+            </a:r>
+          </a:p>
+          <a:p>
+            <a:endParaRPr lang="en-SE"/>
+          </a:p>
+        </p:txBody>
+      </p:sp>
+    </p:spTree>
+    <p:extLst>
+      <p:ext uri="{BB962C8B-B14F-4D97-AF65-F5344CB8AC3E}">
+        <p14:creationId xmlns:p14="http://schemas.microsoft.com/office/powerpoint/2010/main" val="2671814802"/>
+      </p:ext>
+    </p:extLst>
+  </p:cSld>
+  <p:clrMapOvr>
+    <a:masterClrMapping/>
+  </p:clrMapOvr>
+</p:sld>
+</file>
+
+<file path=ppt/slides/slide4.xml><?xml version="1.0" encoding="utf-8"?>
+<p:sld xmlns:a="http://schemas.openxmlformats.org/drawingml/2006/main" xmlns:r="http://schemas.openxmlformats.org/officeDocument/2006/relationships" xmlns:p="http://schemas.openxmlformats.org/presentationml/2006/main">
+  <p:cSld>
+    <p:spTree>
+      <p:nvGrpSpPr>
+        <p:cNvPr id="1" name=""/>
+        <p:cNvGrpSpPr/>
+        <p:nvPr/>
+      </p:nvGrpSpPr>
+      <p:grpSpPr>
+        <a:xfrm>
+          <a:off x="0" y="0"/>
+          <a:ext cx="0" cy="0"/>
+          <a:chOff x="0" y="0"/>
+          <a:chExt cx="0" cy="0"/>
+        </a:xfrm>
+      </p:grpSpPr>
+      <p:sp>
+        <p:nvSpPr>
+          <p:cNvPr id="2" name="Title 1">
+            <a:extLst>
+              <a:ext uri="{FF2B5EF4-FFF2-40B4-BE49-F238E27FC236}">
                 <a16:creationId xmlns:a16="http://schemas.microsoft.com/office/drawing/2014/main" id="{38726BBC-893A-4183-93FF-B12C578D22D8}"/>
               </a:ext>
             </a:extLst>
@@ -17788,7 +18222,7 @@
 </p:sld>
 </file>
 
-<file path=ppt/slides/slide4.xml><?xml version="1.0" encoding="utf-8"?>
+<file path=ppt/slides/slide5.xml><?xml version="1.0" encoding="utf-8"?>
 <p:sld xmlns:a="http://schemas.openxmlformats.org/drawingml/2006/main" xmlns:r="http://schemas.openxmlformats.org/officeDocument/2006/relationships" xmlns:p="http://schemas.openxmlformats.org/presentationml/2006/main">
   <p:cSld>
     <p:spTree>
@@ -19918,7 +20352,7 @@
               <a:pPr>
                 <a:defRPr/>
               </a:pPr>
-              <a:t>4</a:t>
+              <a:t>5</a:t>
             </a:fld>
             <a:endParaRPr lang="en-US" altLang="zh-CN"/>
           </a:p>
@@ -20049,7 +20483,7 @@
 </p:sld>
 </file>
 
-<file path=ppt/slides/slide5.xml><?xml version="1.0" encoding="utf-8"?>
+<file path=ppt/slides/slide6.xml><?xml version="1.0" encoding="utf-8"?>
 <p:sld xmlns:a="http://schemas.openxmlformats.org/drawingml/2006/main" xmlns:r="http://schemas.openxmlformats.org/officeDocument/2006/relationships" xmlns:p="http://schemas.openxmlformats.org/presentationml/2006/main">
   <p:cSld>
     <p:spTree>
@@ -24550,7 +24984,7 @@
 </p:sld>
 </file>
 
-<file path=ppt/slides/slide6.xml><?xml version="1.0" encoding="utf-8"?>
+<file path=ppt/slides/slide7.xml><?xml version="1.0" encoding="utf-8"?>
 <p:sld xmlns:a="http://schemas.openxmlformats.org/drawingml/2006/main" xmlns:r="http://schemas.openxmlformats.org/officeDocument/2006/relationships" xmlns:p="http://schemas.openxmlformats.org/presentationml/2006/main">
   <p:cSld>
     <p:spTree>
@@ -28671,7 +29105,7 @@
 </p:sld>
 </file>
 
-<file path=ppt/slides/slide7.xml><?xml version="1.0" encoding="utf-8"?>
+<file path=ppt/slides/slide8.xml><?xml version="1.0" encoding="utf-8"?>
 <p:sld xmlns:a="http://schemas.openxmlformats.org/drawingml/2006/main" xmlns:r="http://schemas.openxmlformats.org/officeDocument/2006/relationships" xmlns:p="http://schemas.openxmlformats.org/presentationml/2006/main">
   <p:cSld>
     <p:spTree>
@@ -29962,7 +30396,7 @@
               <a:pPr>
                 <a:defRPr/>
               </a:pPr>
-              <a:t>7</a:t>
+              <a:t>8</a:t>
             </a:fld>
             <a:endParaRPr lang="en-US" altLang="zh-CN"/>
           </a:p>
@@ -30041,7 +30475,7 @@
 </p:sld>
 </file>
 
-<file path=ppt/slides/slide8.xml><?xml version="1.0" encoding="utf-8"?>
+<file path=ppt/slides/slide9.xml><?xml version="1.0" encoding="utf-8"?>
 <p:sld xmlns:a="http://schemas.openxmlformats.org/drawingml/2006/main" xmlns:r="http://schemas.openxmlformats.org/officeDocument/2006/relationships" xmlns:p="http://schemas.openxmlformats.org/presentationml/2006/main">
   <p:cSld>
     <p:spTree>
@@ -32318,7 +32752,7 @@
               <a:pPr>
                 <a:defRPr/>
               </a:pPr>
-              <a:t>8</a:t>
+              <a:t>9</a:t>
             </a:fld>
             <a:endParaRPr lang="en-US" altLang="zh-CN"/>
           </a:p>
@@ -32410,341 +32844,6 @@
     <p:extLst>
       <p:ext uri="{BB962C8B-B14F-4D97-AF65-F5344CB8AC3E}">
         <p14:creationId xmlns:p14="http://schemas.microsoft.com/office/powerpoint/2010/main" val="3713396836"/>
-      </p:ext>
-    </p:extLst>
-  </p:cSld>
-  <p:clrMapOvr>
-    <a:masterClrMapping/>
-  </p:clrMapOvr>
-</p:sld>
-</file>
-
-<file path=ppt/slides/slide9.xml><?xml version="1.0" encoding="utf-8"?>
-<p:sld xmlns:a="http://schemas.openxmlformats.org/drawingml/2006/main" xmlns:r="http://schemas.openxmlformats.org/officeDocument/2006/relationships" xmlns:p="http://schemas.openxmlformats.org/presentationml/2006/main">
-  <p:cSld>
-    <p:spTree>
-      <p:nvGrpSpPr>
-        <p:cNvPr id="1" name=""/>
-        <p:cNvGrpSpPr/>
-        <p:nvPr/>
-      </p:nvGrpSpPr>
-      <p:grpSpPr>
-        <a:xfrm>
-          <a:off x="0" y="0"/>
-          <a:ext cx="0" cy="0"/>
-          <a:chOff x="0" y="0"/>
-          <a:chExt cx="0" cy="0"/>
-        </a:xfrm>
-      </p:grpSpPr>
-      <p:sp>
-        <p:nvSpPr>
-          <p:cNvPr id="2" name="Title 1">
-            <a:extLst>
-              <a:ext uri="{FF2B5EF4-FFF2-40B4-BE49-F238E27FC236}">
-                <a16:creationId xmlns:a16="http://schemas.microsoft.com/office/drawing/2014/main" id="{A9EF1238-6854-4DB5-9CD2-855FB97E4060}"/>
-              </a:ext>
-            </a:extLst>
-          </p:cNvPr>
-          <p:cNvSpPr>
-            <a:spLocks noGrp="1"/>
-          </p:cNvSpPr>
-          <p:nvPr>
-            <p:ph type="title"/>
-          </p:nvPr>
-        </p:nvSpPr>
-        <p:spPr/>
-        <p:txBody>
-          <a:bodyPr/>
-          <a:lstStyle/>
-          <a:p>
-            <a:r>
-              <a:rPr lang="en-US" dirty="0"/>
-              <a:t>Quiz: Dijkstra’s, A*, Hybrid A*</a:t>
-            </a:r>
-            <a:endParaRPr lang="en-SE" dirty="0"/>
-          </a:p>
-        </p:txBody>
-      </p:sp>
-      <p:sp>
-        <p:nvSpPr>
-          <p:cNvPr id="3" name="Content Placeholder 2">
-            <a:extLst>
-              <a:ext uri="{FF2B5EF4-FFF2-40B4-BE49-F238E27FC236}">
-                <a16:creationId xmlns:a16="http://schemas.microsoft.com/office/drawing/2014/main" id="{2E4C4E2A-7338-4A1A-8C64-7E12C8E57E4C}"/>
-              </a:ext>
-            </a:extLst>
-          </p:cNvPr>
-          <p:cNvSpPr>
-            <a:spLocks noGrp="1"/>
-          </p:cNvSpPr>
-          <p:nvPr>
-            <p:ph idx="1"/>
-          </p:nvPr>
-        </p:nvSpPr>
-        <p:spPr/>
-        <p:txBody>
-          <a:bodyPr>
-            <a:normAutofit fontScale="92500" lnSpcReduction="20000"/>
-          </a:bodyPr>
-          <a:lstStyle/>
-          <a:p>
-            <a:r>
-              <a:rPr lang="en-US" dirty="0"/>
-              <a:t>Which of the following statements are true for Dijkstra’s algo, A*, Hybrid A*, respectively?</a:t>
-            </a:r>
-          </a:p>
-          <a:p>
-            <a:pPr lvl="1"/>
-            <a:r>
-              <a:rPr lang="en-US" dirty="0"/>
-              <a:t>A. It is a continuous method.</a:t>
-            </a:r>
-          </a:p>
-          <a:p>
-            <a:pPr lvl="1"/>
-            <a:r>
-              <a:rPr lang="en-US" dirty="0"/>
-              <a:t>B. It uses a heuristic function to guide node expansion.</a:t>
-            </a:r>
-          </a:p>
-          <a:p>
-            <a:pPr lvl="1"/>
-            <a:r>
-              <a:rPr lang="en-US" dirty="0"/>
-              <a:t>C. It always finds a path if one exists.</a:t>
-            </a:r>
-          </a:p>
-          <a:p>
-            <a:pPr lvl="1"/>
-            <a:r>
-              <a:rPr lang="en-US" dirty="0"/>
-              <a:t>D. The path it finds are guaranteed to be drivable.</a:t>
-            </a:r>
-          </a:p>
-          <a:p>
-            <a:pPr lvl="1"/>
-            <a:r>
-              <a:rPr lang="en-US" dirty="0"/>
-              <a:t>E. The path it finds are guaranteed to be optimal (shortest).</a:t>
-            </a:r>
-          </a:p>
-          <a:p>
-            <a:r>
-              <a:rPr lang="en-US" dirty="0"/>
-              <a:t>ANS:</a:t>
-            </a:r>
-          </a:p>
-          <a:p>
-            <a:pPr lvl="1"/>
-            <a:r>
-              <a:rPr lang="en-US" dirty="0"/>
-              <a:t>Dijkstra’s algo: C, E</a:t>
-            </a:r>
-          </a:p>
-          <a:p>
-            <a:pPr lvl="1"/>
-            <a:r>
-              <a:rPr lang="en-US" dirty="0"/>
-              <a:t>A*: B, C, E</a:t>
-            </a:r>
-          </a:p>
-          <a:p>
-            <a:pPr lvl="1"/>
-            <a:r>
-              <a:rPr lang="en-US" dirty="0"/>
-              <a:t>Hybrid A*: A, B, D</a:t>
-            </a:r>
-            <a:endParaRPr lang="en-SE" dirty="0"/>
-          </a:p>
-          <a:p>
-            <a:pPr lvl="1"/>
-            <a:endParaRPr lang="en-SE" dirty="0"/>
-          </a:p>
-        </p:txBody>
-      </p:sp>
-      <p:sp>
-        <p:nvSpPr>
-          <p:cNvPr id="4" name="Slide Number Placeholder 3">
-            <a:extLst>
-              <a:ext uri="{FF2B5EF4-FFF2-40B4-BE49-F238E27FC236}">
-                <a16:creationId xmlns:a16="http://schemas.microsoft.com/office/drawing/2014/main" id="{B56542D2-56C8-46C2-9BA1-AB913C3DF6DC}"/>
-              </a:ext>
-            </a:extLst>
-          </p:cNvPr>
-          <p:cNvSpPr>
-            <a:spLocks noGrp="1"/>
-          </p:cNvSpPr>
-          <p:nvPr>
-            <p:ph type="sldNum" sz="quarter" idx="12"/>
-          </p:nvPr>
-        </p:nvSpPr>
-        <p:spPr bwMode="auto">
-          <a:xfrm>
-            <a:off x="6934200" y="6530035"/>
-            <a:ext cx="2133600" cy="244475"/>
-          </a:xfrm>
-          <a:prstGeom prst="rect">
-            <a:avLst/>
-          </a:prstGeom>
-          <a:noFill/>
-          <a:ln w="9525">
-            <a:noFill/>
-            <a:miter lim="800000"/>
-            <a:headEnd/>
-            <a:tailEnd/>
-          </a:ln>
-          <a:effectLst/>
-        </p:spPr>
-        <p:txBody>
-          <a:bodyPr vert="horz" wrap="square" lIns="91440" tIns="45720" rIns="91440" bIns="45720" numCol="1" anchor="t" anchorCtr="0" compatLnSpc="1">
-            <a:prstTxWarp prst="textNoShape">
-              <a:avLst/>
-            </a:prstTxWarp>
-          </a:bodyPr>
-          <a:lstStyle>
-            <a:defPPr>
-              <a:defRPr lang="en-US"/>
-            </a:defPPr>
-            <a:lvl1pPr algn="r" rtl="0" fontAlgn="base">
-              <a:spcBef>
-                <a:spcPct val="0"/>
-              </a:spcBef>
-              <a:spcAft>
-                <a:spcPct val="0"/>
-              </a:spcAft>
-              <a:defRPr sz="1200" kern="1200">
-                <a:solidFill>
-                  <a:schemeClr val="tx1"/>
-                </a:solidFill>
-                <a:latin typeface="Arial" charset="0"/>
-                <a:ea typeface="宋体" charset="-122"/>
-                <a:cs typeface="+mn-cs"/>
-              </a:defRPr>
-            </a:lvl1pPr>
-            <a:lvl2pPr marL="457200" algn="l" rtl="0" fontAlgn="base">
-              <a:spcBef>
-                <a:spcPct val="0"/>
-              </a:spcBef>
-              <a:spcAft>
-                <a:spcPct val="0"/>
-              </a:spcAft>
-              <a:defRPr kern="1200">
-                <a:solidFill>
-                  <a:schemeClr val="tx1"/>
-                </a:solidFill>
-                <a:latin typeface="Arial" charset="0"/>
-                <a:ea typeface="+mn-ea"/>
-                <a:cs typeface="+mn-cs"/>
-              </a:defRPr>
-            </a:lvl2pPr>
-            <a:lvl3pPr marL="914400" algn="l" rtl="0" fontAlgn="base">
-              <a:spcBef>
-                <a:spcPct val="0"/>
-              </a:spcBef>
-              <a:spcAft>
-                <a:spcPct val="0"/>
-              </a:spcAft>
-              <a:defRPr kern="1200">
-                <a:solidFill>
-                  <a:schemeClr val="tx1"/>
-                </a:solidFill>
-                <a:latin typeface="Arial" charset="0"/>
-                <a:ea typeface="+mn-ea"/>
-                <a:cs typeface="+mn-cs"/>
-              </a:defRPr>
-            </a:lvl3pPr>
-            <a:lvl4pPr marL="1371600" algn="l" rtl="0" fontAlgn="base">
-              <a:spcBef>
-                <a:spcPct val="0"/>
-              </a:spcBef>
-              <a:spcAft>
-                <a:spcPct val="0"/>
-              </a:spcAft>
-              <a:defRPr kern="1200">
-                <a:solidFill>
-                  <a:schemeClr val="